--- a/doc/中間発表資料.pptx
+++ b/doc/中間発表資料.pptx
@@ -4,6 +4,9 @@
   <p:sldMasterIdLst>
     <p:sldMasterId id="2147483648" r:id="rId1"/>
   </p:sldMasterIdLst>
+  <p:notesMasterIdLst>
+    <p:notesMasterId r:id="rId19"/>
+  </p:notesMasterIdLst>
   <p:sldIdLst>
     <p:sldId id="256" r:id="rId2"/>
     <p:sldId id="257" r:id="rId3"/>
@@ -11,16 +14,17 @@
     <p:sldId id="258" r:id="rId5"/>
     <p:sldId id="264" r:id="rId6"/>
     <p:sldId id="265" r:id="rId7"/>
-    <p:sldId id="267" r:id="rId8"/>
-    <p:sldId id="263" r:id="rId9"/>
-    <p:sldId id="268" r:id="rId10"/>
-    <p:sldId id="259" r:id="rId11"/>
-    <p:sldId id="269" r:id="rId12"/>
-    <p:sldId id="270" r:id="rId13"/>
-    <p:sldId id="271" r:id="rId14"/>
-    <p:sldId id="272" r:id="rId15"/>
-    <p:sldId id="260" r:id="rId16"/>
-    <p:sldId id="261" r:id="rId17"/>
+    <p:sldId id="273" r:id="rId8"/>
+    <p:sldId id="267" r:id="rId9"/>
+    <p:sldId id="263" r:id="rId10"/>
+    <p:sldId id="268" r:id="rId11"/>
+    <p:sldId id="259" r:id="rId12"/>
+    <p:sldId id="269" r:id="rId13"/>
+    <p:sldId id="270" r:id="rId14"/>
+    <p:sldId id="271" r:id="rId15"/>
+    <p:sldId id="272" r:id="rId16"/>
+    <p:sldId id="260" r:id="rId17"/>
+    <p:sldId id="261" r:id="rId18"/>
   </p:sldIdLst>
   <p:sldSz cx="9144000" cy="6858000" type="screen4x3"/>
   <p:notesSz cx="6858000" cy="9144000"/>
@@ -2610,6 +2614,13 @@
         </dgm:presLayoutVars>
       </dgm:prSet>
       <dgm:spPr/>
+      <dgm:t>
+        <a:bodyPr/>
+        <a:lstStyle/>
+        <a:p>
+          <a:endParaRPr kumimoji="1" lang="ja-JP" altLang="en-US"/>
+        </a:p>
+      </dgm:t>
     </dgm:pt>
     <dgm:pt modelId="{F4912DDD-7812-E949-AC3A-EE4F9CC64E68}" type="pres">
       <dgm:prSet presAssocID="{D12ED54D-71F7-BD42-ACE7-1CD452727C92}" presName="root1" presStyleCnt="0"/>
@@ -2622,6 +2633,13 @@
         </dgm:presLayoutVars>
       </dgm:prSet>
       <dgm:spPr/>
+      <dgm:t>
+        <a:bodyPr/>
+        <a:lstStyle/>
+        <a:p>
+          <a:endParaRPr kumimoji="1" lang="ja-JP" altLang="en-US"/>
+        </a:p>
+      </dgm:t>
     </dgm:pt>
     <dgm:pt modelId="{F740989F-9FAE-B849-854E-8D421A084E94}" type="pres">
       <dgm:prSet presAssocID="{D12ED54D-71F7-BD42-ACE7-1CD452727C92}" presName="level2hierChild" presStyleCnt="0"/>
@@ -2630,10 +2648,24 @@
     <dgm:pt modelId="{01D42800-5AE5-F640-B010-06A7BC3021C5}" type="pres">
       <dgm:prSet presAssocID="{D7DC71AE-4839-BB4D-ACA9-1C715435401E}" presName="conn2-1" presStyleLbl="parChTrans1D2" presStyleIdx="0" presStyleCnt="2"/>
       <dgm:spPr/>
+      <dgm:t>
+        <a:bodyPr/>
+        <a:lstStyle/>
+        <a:p>
+          <a:endParaRPr kumimoji="1" lang="ja-JP" altLang="en-US"/>
+        </a:p>
+      </dgm:t>
     </dgm:pt>
     <dgm:pt modelId="{7AFC9442-3B26-FB40-8689-337555D15B12}" type="pres">
       <dgm:prSet presAssocID="{D7DC71AE-4839-BB4D-ACA9-1C715435401E}" presName="connTx" presStyleLbl="parChTrans1D2" presStyleIdx="0" presStyleCnt="2"/>
       <dgm:spPr/>
+      <dgm:t>
+        <a:bodyPr/>
+        <a:lstStyle/>
+        <a:p>
+          <a:endParaRPr kumimoji="1" lang="ja-JP" altLang="en-US"/>
+        </a:p>
+      </dgm:t>
     </dgm:pt>
     <dgm:pt modelId="{A5290C15-3ABA-8548-9989-497B55F70C8D}" type="pres">
       <dgm:prSet presAssocID="{5964B47B-9DB7-9C42-B829-0211C4690181}" presName="root2" presStyleCnt="0"/>
@@ -2646,6 +2678,13 @@
         </dgm:presLayoutVars>
       </dgm:prSet>
       <dgm:spPr/>
+      <dgm:t>
+        <a:bodyPr/>
+        <a:lstStyle/>
+        <a:p>
+          <a:endParaRPr kumimoji="1" lang="ja-JP" altLang="en-US"/>
+        </a:p>
+      </dgm:t>
     </dgm:pt>
     <dgm:pt modelId="{B4DE66D7-D761-AD40-8093-295C7C985759}" type="pres">
       <dgm:prSet presAssocID="{5964B47B-9DB7-9C42-B829-0211C4690181}" presName="level3hierChild" presStyleCnt="0"/>
@@ -2654,10 +2693,24 @@
     <dgm:pt modelId="{EF04CBAA-1EA6-1D44-88FB-4C5D29FA81A5}" type="pres">
       <dgm:prSet presAssocID="{AB504391-A61E-3840-9B2E-CECB851F6995}" presName="conn2-1" presStyleLbl="parChTrans1D3" presStyleIdx="0" presStyleCnt="3"/>
       <dgm:spPr/>
+      <dgm:t>
+        <a:bodyPr/>
+        <a:lstStyle/>
+        <a:p>
+          <a:endParaRPr kumimoji="1" lang="ja-JP" altLang="en-US"/>
+        </a:p>
+      </dgm:t>
     </dgm:pt>
     <dgm:pt modelId="{ECE9B0E1-464F-F945-BD6A-40DBBB5F1700}" type="pres">
       <dgm:prSet presAssocID="{AB504391-A61E-3840-9B2E-CECB851F6995}" presName="connTx" presStyleLbl="parChTrans1D3" presStyleIdx="0" presStyleCnt="3"/>
       <dgm:spPr/>
+      <dgm:t>
+        <a:bodyPr/>
+        <a:lstStyle/>
+        <a:p>
+          <a:endParaRPr kumimoji="1" lang="ja-JP" altLang="en-US"/>
+        </a:p>
+      </dgm:t>
     </dgm:pt>
     <dgm:pt modelId="{B4221549-8328-D94F-94FF-06AA48B6BDA3}" type="pres">
       <dgm:prSet presAssocID="{9212E29F-8A5F-DF43-A56E-7F81C1E0926C}" presName="root2" presStyleCnt="0"/>
@@ -2670,6 +2723,13 @@
         </dgm:presLayoutVars>
       </dgm:prSet>
       <dgm:spPr/>
+      <dgm:t>
+        <a:bodyPr/>
+        <a:lstStyle/>
+        <a:p>
+          <a:endParaRPr kumimoji="1" lang="ja-JP" altLang="en-US"/>
+        </a:p>
+      </dgm:t>
     </dgm:pt>
     <dgm:pt modelId="{BC4663A2-F338-C64E-B880-B1D34AECF7F3}" type="pres">
       <dgm:prSet presAssocID="{9212E29F-8A5F-DF43-A56E-7F81C1E0926C}" presName="level3hierChild" presStyleCnt="0"/>
@@ -2678,10 +2738,24 @@
     <dgm:pt modelId="{3AC6E51B-46C3-FE47-B7A7-11A7F34CCA7D}" type="pres">
       <dgm:prSet presAssocID="{4BB084B3-2367-D94B-8181-253B52688B82}" presName="conn2-1" presStyleLbl="parChTrans1D3" presStyleIdx="1" presStyleCnt="3"/>
       <dgm:spPr/>
+      <dgm:t>
+        <a:bodyPr/>
+        <a:lstStyle/>
+        <a:p>
+          <a:endParaRPr kumimoji="1" lang="ja-JP" altLang="en-US"/>
+        </a:p>
+      </dgm:t>
     </dgm:pt>
     <dgm:pt modelId="{CF561348-48C2-6C49-9851-4F2E9F399A2E}" type="pres">
       <dgm:prSet presAssocID="{4BB084B3-2367-D94B-8181-253B52688B82}" presName="connTx" presStyleLbl="parChTrans1D3" presStyleIdx="1" presStyleCnt="3"/>
       <dgm:spPr/>
+      <dgm:t>
+        <a:bodyPr/>
+        <a:lstStyle/>
+        <a:p>
+          <a:endParaRPr kumimoji="1" lang="ja-JP" altLang="en-US"/>
+        </a:p>
+      </dgm:t>
     </dgm:pt>
     <dgm:pt modelId="{5CF24321-0609-764E-9A39-D584361F6958}" type="pres">
       <dgm:prSet presAssocID="{F03AFE40-84D6-AE40-A5C8-7A3801927078}" presName="root2" presStyleCnt="0"/>
@@ -2694,6 +2768,13 @@
         </dgm:presLayoutVars>
       </dgm:prSet>
       <dgm:spPr/>
+      <dgm:t>
+        <a:bodyPr/>
+        <a:lstStyle/>
+        <a:p>
+          <a:endParaRPr kumimoji="1" lang="ja-JP" altLang="en-US"/>
+        </a:p>
+      </dgm:t>
     </dgm:pt>
     <dgm:pt modelId="{51F5CB64-B6C7-3F44-A9F5-15DCBA2342B5}" type="pres">
       <dgm:prSet presAssocID="{F03AFE40-84D6-AE40-A5C8-7A3801927078}" presName="level3hierChild" presStyleCnt="0"/>
@@ -2702,10 +2783,24 @@
     <dgm:pt modelId="{167BAEFD-587A-6C40-A4E5-211B67B739A5}" type="pres">
       <dgm:prSet presAssocID="{9D655CBB-3A28-314E-98FC-590C4A1D5629}" presName="conn2-1" presStyleLbl="parChTrans1D2" presStyleIdx="1" presStyleCnt="2"/>
       <dgm:spPr/>
+      <dgm:t>
+        <a:bodyPr/>
+        <a:lstStyle/>
+        <a:p>
+          <a:endParaRPr kumimoji="1" lang="ja-JP" altLang="en-US"/>
+        </a:p>
+      </dgm:t>
     </dgm:pt>
     <dgm:pt modelId="{8860D0E4-CB42-594E-BA8A-E0B1B6C4E52D}" type="pres">
       <dgm:prSet presAssocID="{9D655CBB-3A28-314E-98FC-590C4A1D5629}" presName="connTx" presStyleLbl="parChTrans1D2" presStyleIdx="1" presStyleCnt="2"/>
       <dgm:spPr/>
+      <dgm:t>
+        <a:bodyPr/>
+        <a:lstStyle/>
+        <a:p>
+          <a:endParaRPr kumimoji="1" lang="ja-JP" altLang="en-US"/>
+        </a:p>
+      </dgm:t>
     </dgm:pt>
     <dgm:pt modelId="{D8AA5E71-DA82-5C43-970C-CCEB03228DC5}" type="pres">
       <dgm:prSet presAssocID="{E4611E39-EC01-3848-B167-EF2DC9058A6C}" presName="root2" presStyleCnt="0"/>
@@ -2718,6 +2813,13 @@
         </dgm:presLayoutVars>
       </dgm:prSet>
       <dgm:spPr/>
+      <dgm:t>
+        <a:bodyPr/>
+        <a:lstStyle/>
+        <a:p>
+          <a:endParaRPr kumimoji="1" lang="ja-JP" altLang="en-US"/>
+        </a:p>
+      </dgm:t>
     </dgm:pt>
     <dgm:pt modelId="{0AD3C925-6DE4-5241-A241-E6A7D5CCDBF3}" type="pres">
       <dgm:prSet presAssocID="{E4611E39-EC01-3848-B167-EF2DC9058A6C}" presName="level3hierChild" presStyleCnt="0"/>
@@ -2726,10 +2828,24 @@
     <dgm:pt modelId="{2C2CD9E2-5FF8-9943-8AE3-69F6FEF97029}" type="pres">
       <dgm:prSet presAssocID="{E4A029B8-2B6F-FB49-AFDC-46B3F8CB6A15}" presName="conn2-1" presStyleLbl="parChTrans1D3" presStyleIdx="2" presStyleCnt="3"/>
       <dgm:spPr/>
+      <dgm:t>
+        <a:bodyPr/>
+        <a:lstStyle/>
+        <a:p>
+          <a:endParaRPr kumimoji="1" lang="ja-JP" altLang="en-US"/>
+        </a:p>
+      </dgm:t>
     </dgm:pt>
     <dgm:pt modelId="{9D50FAA2-D37E-1343-9037-B600EE9252CC}" type="pres">
       <dgm:prSet presAssocID="{E4A029B8-2B6F-FB49-AFDC-46B3F8CB6A15}" presName="connTx" presStyleLbl="parChTrans1D3" presStyleIdx="2" presStyleCnt="3"/>
       <dgm:spPr/>
+      <dgm:t>
+        <a:bodyPr/>
+        <a:lstStyle/>
+        <a:p>
+          <a:endParaRPr kumimoji="1" lang="ja-JP" altLang="en-US"/>
+        </a:p>
+      </dgm:t>
     </dgm:pt>
     <dgm:pt modelId="{6D8ADA75-A16A-6C46-89C4-890D5D8EF49B}" type="pres">
       <dgm:prSet presAssocID="{80F20F8C-217F-314A-901A-1B2AFC17FF79}" presName="root2" presStyleCnt="0"/>
@@ -3114,6 +3230,13 @@
         </dgm:presLayoutVars>
       </dgm:prSet>
       <dgm:spPr/>
+      <dgm:t>
+        <a:bodyPr/>
+        <a:lstStyle/>
+        <a:p>
+          <a:endParaRPr kumimoji="1" lang="ja-JP" altLang="en-US"/>
+        </a:p>
+      </dgm:t>
     </dgm:pt>
     <dgm:pt modelId="{F4912DDD-7812-E949-AC3A-EE4F9CC64E68}" type="pres">
       <dgm:prSet presAssocID="{D12ED54D-71F7-BD42-ACE7-1CD452727C92}" presName="root1" presStyleCnt="0"/>
@@ -3126,6 +3249,13 @@
         </dgm:presLayoutVars>
       </dgm:prSet>
       <dgm:spPr/>
+      <dgm:t>
+        <a:bodyPr/>
+        <a:lstStyle/>
+        <a:p>
+          <a:endParaRPr kumimoji="1" lang="ja-JP" altLang="en-US"/>
+        </a:p>
+      </dgm:t>
     </dgm:pt>
     <dgm:pt modelId="{F740989F-9FAE-B849-854E-8D421A084E94}" type="pres">
       <dgm:prSet presAssocID="{D12ED54D-71F7-BD42-ACE7-1CD452727C92}" presName="level2hierChild" presStyleCnt="0"/>
@@ -3134,10 +3264,24 @@
     <dgm:pt modelId="{01D42800-5AE5-F640-B010-06A7BC3021C5}" type="pres">
       <dgm:prSet presAssocID="{D7DC71AE-4839-BB4D-ACA9-1C715435401E}" presName="conn2-1" presStyleLbl="parChTrans1D2" presStyleIdx="0" presStyleCnt="2"/>
       <dgm:spPr/>
+      <dgm:t>
+        <a:bodyPr/>
+        <a:lstStyle/>
+        <a:p>
+          <a:endParaRPr kumimoji="1" lang="ja-JP" altLang="en-US"/>
+        </a:p>
+      </dgm:t>
     </dgm:pt>
     <dgm:pt modelId="{7AFC9442-3B26-FB40-8689-337555D15B12}" type="pres">
       <dgm:prSet presAssocID="{D7DC71AE-4839-BB4D-ACA9-1C715435401E}" presName="connTx" presStyleLbl="parChTrans1D2" presStyleIdx="0" presStyleCnt="2"/>
       <dgm:spPr/>
+      <dgm:t>
+        <a:bodyPr/>
+        <a:lstStyle/>
+        <a:p>
+          <a:endParaRPr kumimoji="1" lang="ja-JP" altLang="en-US"/>
+        </a:p>
+      </dgm:t>
     </dgm:pt>
     <dgm:pt modelId="{A5290C15-3ABA-8548-9989-497B55F70C8D}" type="pres">
       <dgm:prSet presAssocID="{5964B47B-9DB7-9C42-B829-0211C4690181}" presName="root2" presStyleCnt="0"/>
@@ -3150,6 +3294,13 @@
         </dgm:presLayoutVars>
       </dgm:prSet>
       <dgm:spPr/>
+      <dgm:t>
+        <a:bodyPr/>
+        <a:lstStyle/>
+        <a:p>
+          <a:endParaRPr kumimoji="1" lang="ja-JP" altLang="en-US"/>
+        </a:p>
+      </dgm:t>
     </dgm:pt>
     <dgm:pt modelId="{B4DE66D7-D761-AD40-8093-295C7C985759}" type="pres">
       <dgm:prSet presAssocID="{5964B47B-9DB7-9C42-B829-0211C4690181}" presName="level3hierChild" presStyleCnt="0"/>
@@ -3158,10 +3309,24 @@
     <dgm:pt modelId="{EF04CBAA-1EA6-1D44-88FB-4C5D29FA81A5}" type="pres">
       <dgm:prSet presAssocID="{AB504391-A61E-3840-9B2E-CECB851F6995}" presName="conn2-1" presStyleLbl="parChTrans1D3" presStyleIdx="0" presStyleCnt="3"/>
       <dgm:spPr/>
+      <dgm:t>
+        <a:bodyPr/>
+        <a:lstStyle/>
+        <a:p>
+          <a:endParaRPr kumimoji="1" lang="ja-JP" altLang="en-US"/>
+        </a:p>
+      </dgm:t>
     </dgm:pt>
     <dgm:pt modelId="{ECE9B0E1-464F-F945-BD6A-40DBBB5F1700}" type="pres">
       <dgm:prSet presAssocID="{AB504391-A61E-3840-9B2E-CECB851F6995}" presName="connTx" presStyleLbl="parChTrans1D3" presStyleIdx="0" presStyleCnt="3"/>
       <dgm:spPr/>
+      <dgm:t>
+        <a:bodyPr/>
+        <a:lstStyle/>
+        <a:p>
+          <a:endParaRPr kumimoji="1" lang="ja-JP" altLang="en-US"/>
+        </a:p>
+      </dgm:t>
     </dgm:pt>
     <dgm:pt modelId="{B4221549-8328-D94F-94FF-06AA48B6BDA3}" type="pres">
       <dgm:prSet presAssocID="{9212E29F-8A5F-DF43-A56E-7F81C1E0926C}" presName="root2" presStyleCnt="0"/>
@@ -3174,6 +3339,13 @@
         </dgm:presLayoutVars>
       </dgm:prSet>
       <dgm:spPr/>
+      <dgm:t>
+        <a:bodyPr/>
+        <a:lstStyle/>
+        <a:p>
+          <a:endParaRPr kumimoji="1" lang="ja-JP" altLang="en-US"/>
+        </a:p>
+      </dgm:t>
     </dgm:pt>
     <dgm:pt modelId="{BC4663A2-F338-C64E-B880-B1D34AECF7F3}" type="pres">
       <dgm:prSet presAssocID="{9212E29F-8A5F-DF43-A56E-7F81C1E0926C}" presName="level3hierChild" presStyleCnt="0"/>
@@ -3182,10 +3354,24 @@
     <dgm:pt modelId="{3AC6E51B-46C3-FE47-B7A7-11A7F34CCA7D}" type="pres">
       <dgm:prSet presAssocID="{4BB084B3-2367-D94B-8181-253B52688B82}" presName="conn2-1" presStyleLbl="parChTrans1D3" presStyleIdx="1" presStyleCnt="3"/>
       <dgm:spPr/>
+      <dgm:t>
+        <a:bodyPr/>
+        <a:lstStyle/>
+        <a:p>
+          <a:endParaRPr kumimoji="1" lang="ja-JP" altLang="en-US"/>
+        </a:p>
+      </dgm:t>
     </dgm:pt>
     <dgm:pt modelId="{CF561348-48C2-6C49-9851-4F2E9F399A2E}" type="pres">
       <dgm:prSet presAssocID="{4BB084B3-2367-D94B-8181-253B52688B82}" presName="connTx" presStyleLbl="parChTrans1D3" presStyleIdx="1" presStyleCnt="3"/>
       <dgm:spPr/>
+      <dgm:t>
+        <a:bodyPr/>
+        <a:lstStyle/>
+        <a:p>
+          <a:endParaRPr kumimoji="1" lang="ja-JP" altLang="en-US"/>
+        </a:p>
+      </dgm:t>
     </dgm:pt>
     <dgm:pt modelId="{5CF24321-0609-764E-9A39-D584361F6958}" type="pres">
       <dgm:prSet presAssocID="{F03AFE40-84D6-AE40-A5C8-7A3801927078}" presName="root2" presStyleCnt="0"/>
@@ -3198,6 +3384,13 @@
         </dgm:presLayoutVars>
       </dgm:prSet>
       <dgm:spPr/>
+      <dgm:t>
+        <a:bodyPr/>
+        <a:lstStyle/>
+        <a:p>
+          <a:endParaRPr kumimoji="1" lang="ja-JP" altLang="en-US"/>
+        </a:p>
+      </dgm:t>
     </dgm:pt>
     <dgm:pt modelId="{51F5CB64-B6C7-3F44-A9F5-15DCBA2342B5}" type="pres">
       <dgm:prSet presAssocID="{F03AFE40-84D6-AE40-A5C8-7A3801927078}" presName="level3hierChild" presStyleCnt="0"/>
@@ -3206,10 +3399,24 @@
     <dgm:pt modelId="{167BAEFD-587A-6C40-A4E5-211B67B739A5}" type="pres">
       <dgm:prSet presAssocID="{9D655CBB-3A28-314E-98FC-590C4A1D5629}" presName="conn2-1" presStyleLbl="parChTrans1D2" presStyleIdx="1" presStyleCnt="2"/>
       <dgm:spPr/>
+      <dgm:t>
+        <a:bodyPr/>
+        <a:lstStyle/>
+        <a:p>
+          <a:endParaRPr kumimoji="1" lang="ja-JP" altLang="en-US"/>
+        </a:p>
+      </dgm:t>
     </dgm:pt>
     <dgm:pt modelId="{8860D0E4-CB42-594E-BA8A-E0B1B6C4E52D}" type="pres">
       <dgm:prSet presAssocID="{9D655CBB-3A28-314E-98FC-590C4A1D5629}" presName="connTx" presStyleLbl="parChTrans1D2" presStyleIdx="1" presStyleCnt="2"/>
       <dgm:spPr/>
+      <dgm:t>
+        <a:bodyPr/>
+        <a:lstStyle/>
+        <a:p>
+          <a:endParaRPr kumimoji="1" lang="ja-JP" altLang="en-US"/>
+        </a:p>
+      </dgm:t>
     </dgm:pt>
     <dgm:pt modelId="{D8AA5E71-DA82-5C43-970C-CCEB03228DC5}" type="pres">
       <dgm:prSet presAssocID="{E4611E39-EC01-3848-B167-EF2DC9058A6C}" presName="root2" presStyleCnt="0"/>
@@ -3222,6 +3429,13 @@
         </dgm:presLayoutVars>
       </dgm:prSet>
       <dgm:spPr/>
+      <dgm:t>
+        <a:bodyPr/>
+        <a:lstStyle/>
+        <a:p>
+          <a:endParaRPr kumimoji="1" lang="ja-JP" altLang="en-US"/>
+        </a:p>
+      </dgm:t>
     </dgm:pt>
     <dgm:pt modelId="{0AD3C925-6DE4-5241-A241-E6A7D5CCDBF3}" type="pres">
       <dgm:prSet presAssocID="{E4611E39-EC01-3848-B167-EF2DC9058A6C}" presName="level3hierChild" presStyleCnt="0"/>
@@ -3230,10 +3444,24 @@
     <dgm:pt modelId="{2C2CD9E2-5FF8-9943-8AE3-69F6FEF97029}" type="pres">
       <dgm:prSet presAssocID="{E4A029B8-2B6F-FB49-AFDC-46B3F8CB6A15}" presName="conn2-1" presStyleLbl="parChTrans1D3" presStyleIdx="2" presStyleCnt="3"/>
       <dgm:spPr/>
+      <dgm:t>
+        <a:bodyPr/>
+        <a:lstStyle/>
+        <a:p>
+          <a:endParaRPr kumimoji="1" lang="ja-JP" altLang="en-US"/>
+        </a:p>
+      </dgm:t>
     </dgm:pt>
     <dgm:pt modelId="{9D50FAA2-D37E-1343-9037-B600EE9252CC}" type="pres">
       <dgm:prSet presAssocID="{E4A029B8-2B6F-FB49-AFDC-46B3F8CB6A15}" presName="connTx" presStyleLbl="parChTrans1D3" presStyleIdx="2" presStyleCnt="3"/>
       <dgm:spPr/>
+      <dgm:t>
+        <a:bodyPr/>
+        <a:lstStyle/>
+        <a:p>
+          <a:endParaRPr kumimoji="1" lang="ja-JP" altLang="en-US"/>
+        </a:p>
+      </dgm:t>
     </dgm:pt>
     <dgm:pt modelId="{6D8ADA75-A16A-6C46-89C4-890D5D8EF49B}" type="pres">
       <dgm:prSet presAssocID="{80F20F8C-217F-314A-901A-1B2AFC17FF79}" presName="root2" presStyleCnt="0"/>
@@ -3261,10 +3489,24 @@
     <dgm:pt modelId="{69BFEC7D-17B3-454B-8C51-7CC6D7D3E93A}" type="pres">
       <dgm:prSet presAssocID="{D477F212-D871-E644-B686-717662BFACD5}" presName="conn2-1" presStyleLbl="parChTrans1D4" presStyleIdx="0" presStyleCnt="1"/>
       <dgm:spPr/>
+      <dgm:t>
+        <a:bodyPr/>
+        <a:lstStyle/>
+        <a:p>
+          <a:endParaRPr kumimoji="1" lang="ja-JP" altLang="en-US"/>
+        </a:p>
+      </dgm:t>
     </dgm:pt>
     <dgm:pt modelId="{018F7921-8033-DE44-87F2-138DC3CEEDF2}" type="pres">
       <dgm:prSet presAssocID="{D477F212-D871-E644-B686-717662BFACD5}" presName="connTx" presStyleLbl="parChTrans1D4" presStyleIdx="0" presStyleCnt="1"/>
       <dgm:spPr/>
+      <dgm:t>
+        <a:bodyPr/>
+        <a:lstStyle/>
+        <a:p>
+          <a:endParaRPr kumimoji="1" lang="ja-JP" altLang="en-US"/>
+        </a:p>
+      </dgm:t>
     </dgm:pt>
     <dgm:pt modelId="{C1F8419F-4014-C64F-B583-5C038899C3F1}" type="pres">
       <dgm:prSet presAssocID="{C42969EC-83F2-FF4A-950B-86D8D2C76BAF}" presName="root2" presStyleCnt="0"/>
@@ -3291,33 +3533,33 @@
     </dgm:pt>
   </dgm:ptLst>
   <dgm:cxnLst>
+    <dgm:cxn modelId="{96A2A3F8-D869-EE42-B46F-11831917322A}" type="presOf" srcId="{AB504391-A61E-3840-9B2E-CECB851F6995}" destId="{ECE9B0E1-464F-F945-BD6A-40DBBB5F1700}" srcOrd="1" destOrd="0" presId="urn:microsoft.com/office/officeart/2005/8/layout/hierarchy2"/>
+    <dgm:cxn modelId="{191D6713-CCBD-EE49-B29B-1253CFFE2A8E}" type="presOf" srcId="{E4A029B8-2B6F-FB49-AFDC-46B3F8CB6A15}" destId="{2C2CD9E2-5FF8-9943-8AE3-69F6FEF97029}" srcOrd="0" destOrd="0" presId="urn:microsoft.com/office/officeart/2005/8/layout/hierarchy2"/>
+    <dgm:cxn modelId="{CBF86214-2DB9-2947-B05F-D22D00BAB8E9}" type="presOf" srcId="{80F20F8C-217F-314A-901A-1B2AFC17FF79}" destId="{58CB3291-805C-4B41-89EE-E0092F8FBA39}" srcOrd="0" destOrd="0" presId="urn:microsoft.com/office/officeart/2005/8/layout/hierarchy2"/>
+    <dgm:cxn modelId="{C8F65DF2-103E-424B-AC4B-345AEF3133D3}" type="presOf" srcId="{5964B47B-9DB7-9C42-B829-0211C4690181}" destId="{8E6E0CC7-BF5C-1A42-9E5E-EB18ED51D422}" srcOrd="0" destOrd="0" presId="urn:microsoft.com/office/officeart/2005/8/layout/hierarchy2"/>
     <dgm:cxn modelId="{E2891BD5-C779-984B-BED9-41A70EE25B44}" type="presOf" srcId="{E4611E39-EC01-3848-B167-EF2DC9058A6C}" destId="{D10A89A7-21E3-054D-B77E-57F113F7384D}" srcOrd="0" destOrd="0" presId="urn:microsoft.com/office/officeart/2005/8/layout/hierarchy2"/>
+    <dgm:cxn modelId="{095B8A3E-8CE8-D34E-A4F5-36A1FD96AD88}" type="presOf" srcId="{D7DC71AE-4839-BB4D-ACA9-1C715435401E}" destId="{7AFC9442-3B26-FB40-8689-337555D15B12}" srcOrd="1" destOrd="0" presId="urn:microsoft.com/office/officeart/2005/8/layout/hierarchy2"/>
     <dgm:cxn modelId="{1CEC21DE-6BC8-8A45-B325-405F3837D120}" srcId="{D12ED54D-71F7-BD42-ACE7-1CD452727C92}" destId="{5964B47B-9DB7-9C42-B829-0211C4690181}" srcOrd="0" destOrd="0" parTransId="{D7DC71AE-4839-BB4D-ACA9-1C715435401E}" sibTransId="{0A9FCB3C-24F6-E848-9049-AD31E1BB861B}"/>
+    <dgm:cxn modelId="{E144ABB4-DC4B-5244-B7A0-18443582332B}" type="presOf" srcId="{E4A029B8-2B6F-FB49-AFDC-46B3F8CB6A15}" destId="{9D50FAA2-D37E-1343-9037-B600EE9252CC}" srcOrd="1" destOrd="0" presId="urn:microsoft.com/office/officeart/2005/8/layout/hierarchy2"/>
+    <dgm:cxn modelId="{676707AF-6D3E-3743-9D2C-4203A98F0104}" srcId="{5964B47B-9DB7-9C42-B829-0211C4690181}" destId="{9212E29F-8A5F-DF43-A56E-7F81C1E0926C}" srcOrd="0" destOrd="0" parTransId="{AB504391-A61E-3840-9B2E-CECB851F6995}" sibTransId="{43A5A08A-FCD5-C54D-8EB9-B6617286DD05}"/>
+    <dgm:cxn modelId="{B1CB31B9-D137-F840-A7B1-A58084C72ED4}" type="presOf" srcId="{D12ED54D-71F7-BD42-ACE7-1CD452727C92}" destId="{FD5B1B3C-AB96-E046-976B-F45A89F9BCBE}" srcOrd="0" destOrd="0" presId="urn:microsoft.com/office/officeart/2005/8/layout/hierarchy2"/>
+    <dgm:cxn modelId="{6BB51026-251C-C242-8CCA-FAEAB3FC94EB}" type="presOf" srcId="{D477F212-D871-E644-B686-717662BFACD5}" destId="{69BFEC7D-17B3-454B-8C51-7CC6D7D3E93A}" srcOrd="0" destOrd="0" presId="urn:microsoft.com/office/officeart/2005/8/layout/hierarchy2"/>
+    <dgm:cxn modelId="{B42CF1B9-8F87-3C41-B07D-FCABF63FB50E}" srcId="{594679C3-CCD9-A543-9B6F-B2106ACF4732}" destId="{D12ED54D-71F7-BD42-ACE7-1CD452727C92}" srcOrd="0" destOrd="0" parTransId="{3C5BC1AC-18FA-F242-B620-CD077603D958}" sibTransId="{AD8D57A4-1968-504A-AD2C-D8500CACCFD9}"/>
+    <dgm:cxn modelId="{80B03A9C-3091-E04F-94C9-401D7FF2B638}" type="presOf" srcId="{4BB084B3-2367-D94B-8181-253B52688B82}" destId="{3AC6E51B-46C3-FE47-B7A7-11A7F34CCA7D}" srcOrd="0" destOrd="0" presId="urn:microsoft.com/office/officeart/2005/8/layout/hierarchy2"/>
+    <dgm:cxn modelId="{4FCE8FE0-A8D7-6A4F-8777-2C21FE45D553}" type="presOf" srcId="{9D655CBB-3A28-314E-98FC-590C4A1D5629}" destId="{167BAEFD-587A-6C40-A4E5-211B67B739A5}" srcOrd="0" destOrd="0" presId="urn:microsoft.com/office/officeart/2005/8/layout/hierarchy2"/>
+    <dgm:cxn modelId="{31CB884C-087E-364C-992D-0A683DA05711}" type="presOf" srcId="{9212E29F-8A5F-DF43-A56E-7F81C1E0926C}" destId="{35C9C338-5F2F-B644-AFAC-6A42B37E50C4}" srcOrd="0" destOrd="0" presId="urn:microsoft.com/office/officeart/2005/8/layout/hierarchy2"/>
+    <dgm:cxn modelId="{4771E58D-374D-4A4D-8961-B7486C45672C}" srcId="{80F20F8C-217F-314A-901A-1B2AFC17FF79}" destId="{C42969EC-83F2-FF4A-950B-86D8D2C76BAF}" srcOrd="0" destOrd="0" parTransId="{D477F212-D871-E644-B686-717662BFACD5}" sibTransId="{C3BD0A42-492B-E74E-AC08-3C118EB6B264}"/>
+    <dgm:cxn modelId="{CA8BB768-70DD-B347-B79B-2AB90EA65A2D}" type="presOf" srcId="{594679C3-CCD9-A543-9B6F-B2106ACF4732}" destId="{ABB24299-0B5B-A240-8275-526E520BE66C}" srcOrd="0" destOrd="0" presId="urn:microsoft.com/office/officeart/2005/8/layout/hierarchy2"/>
     <dgm:cxn modelId="{20D2A018-038C-9F49-A1F9-1E8DD8505092}" srcId="{E4611E39-EC01-3848-B167-EF2DC9058A6C}" destId="{80F20F8C-217F-314A-901A-1B2AFC17FF79}" srcOrd="0" destOrd="0" parTransId="{E4A029B8-2B6F-FB49-AFDC-46B3F8CB6A15}" sibTransId="{25F3C08D-76CD-824E-B31D-1AE33DC2694D}"/>
     <dgm:cxn modelId="{0FE0B655-05B6-1642-A518-82D10683569D}" srcId="{5964B47B-9DB7-9C42-B829-0211C4690181}" destId="{F03AFE40-84D6-AE40-A5C8-7A3801927078}" srcOrd="1" destOrd="0" parTransId="{4BB084B3-2367-D94B-8181-253B52688B82}" sibTransId="{9742CB99-E961-9943-B339-B2B9AB424815}"/>
-    <dgm:cxn modelId="{4771E58D-374D-4A4D-8961-B7486C45672C}" srcId="{80F20F8C-217F-314A-901A-1B2AFC17FF79}" destId="{C42969EC-83F2-FF4A-950B-86D8D2C76BAF}" srcOrd="0" destOrd="0" parTransId="{D477F212-D871-E644-B686-717662BFACD5}" sibTransId="{C3BD0A42-492B-E74E-AC08-3C118EB6B264}"/>
+    <dgm:cxn modelId="{145E16CA-00EF-AE41-9B87-4DE25268454E}" type="presOf" srcId="{C42969EC-83F2-FF4A-950B-86D8D2C76BAF}" destId="{2608AEFA-D68D-F648-AAA8-3CD59051789B}" srcOrd="0" destOrd="0" presId="urn:microsoft.com/office/officeart/2005/8/layout/hierarchy2"/>
+    <dgm:cxn modelId="{8E6BC0E5-4F1B-6445-A41F-1C4129F35990}" srcId="{D12ED54D-71F7-BD42-ACE7-1CD452727C92}" destId="{E4611E39-EC01-3848-B167-EF2DC9058A6C}" srcOrd="1" destOrd="0" parTransId="{9D655CBB-3A28-314E-98FC-590C4A1D5629}" sibTransId="{533146C2-268F-594E-9AA9-C899EDF5F2D1}"/>
+    <dgm:cxn modelId="{545D0ABD-AE63-1A4A-A7D2-7D27F95D5553}" type="presOf" srcId="{9D655CBB-3A28-314E-98FC-590C4A1D5629}" destId="{8860D0E4-CB42-594E-BA8A-E0B1B6C4E52D}" srcOrd="1" destOrd="0" presId="urn:microsoft.com/office/officeart/2005/8/layout/hierarchy2"/>
+    <dgm:cxn modelId="{C9B96947-A490-194E-923C-E5FC0A42C197}" type="presOf" srcId="{AB504391-A61E-3840-9B2E-CECB851F6995}" destId="{EF04CBAA-1EA6-1D44-88FB-4C5D29FA81A5}" srcOrd="0" destOrd="0" presId="urn:microsoft.com/office/officeart/2005/8/layout/hierarchy2"/>
+    <dgm:cxn modelId="{1284A072-8B50-E740-ACD4-DC6AF6834BCD}" type="presOf" srcId="{4BB084B3-2367-D94B-8181-253B52688B82}" destId="{CF561348-48C2-6C49-9851-4F2E9F399A2E}" srcOrd="1" destOrd="0" presId="urn:microsoft.com/office/officeart/2005/8/layout/hierarchy2"/>
     <dgm:cxn modelId="{46BCB224-5009-5C4A-8777-BD1249BF2234}" type="presOf" srcId="{F03AFE40-84D6-AE40-A5C8-7A3801927078}" destId="{DDC23D12-AAC6-574F-8D9D-BFFE7307DBC8}" srcOrd="0" destOrd="0" presId="urn:microsoft.com/office/officeart/2005/8/layout/hierarchy2"/>
-    <dgm:cxn modelId="{E144ABB4-DC4B-5244-B7A0-18443582332B}" type="presOf" srcId="{E4A029B8-2B6F-FB49-AFDC-46B3F8CB6A15}" destId="{9D50FAA2-D37E-1343-9037-B600EE9252CC}" srcOrd="1" destOrd="0" presId="urn:microsoft.com/office/officeart/2005/8/layout/hierarchy2"/>
-    <dgm:cxn modelId="{80B03A9C-3091-E04F-94C9-401D7FF2B638}" type="presOf" srcId="{4BB084B3-2367-D94B-8181-253B52688B82}" destId="{3AC6E51B-46C3-FE47-B7A7-11A7F34CCA7D}" srcOrd="0" destOrd="0" presId="urn:microsoft.com/office/officeart/2005/8/layout/hierarchy2"/>
-    <dgm:cxn modelId="{B1CB31B9-D137-F840-A7B1-A58084C72ED4}" type="presOf" srcId="{D12ED54D-71F7-BD42-ACE7-1CD452727C92}" destId="{FD5B1B3C-AB96-E046-976B-F45A89F9BCBE}" srcOrd="0" destOrd="0" presId="urn:microsoft.com/office/officeart/2005/8/layout/hierarchy2"/>
-    <dgm:cxn modelId="{CA8BB768-70DD-B347-B79B-2AB90EA65A2D}" type="presOf" srcId="{594679C3-CCD9-A543-9B6F-B2106ACF4732}" destId="{ABB24299-0B5B-A240-8275-526E520BE66C}" srcOrd="0" destOrd="0" presId="urn:microsoft.com/office/officeart/2005/8/layout/hierarchy2"/>
-    <dgm:cxn modelId="{1284A072-8B50-E740-ACD4-DC6AF6834BCD}" type="presOf" srcId="{4BB084B3-2367-D94B-8181-253B52688B82}" destId="{CF561348-48C2-6C49-9851-4F2E9F399A2E}" srcOrd="1" destOrd="0" presId="urn:microsoft.com/office/officeart/2005/8/layout/hierarchy2"/>
-    <dgm:cxn modelId="{545D0ABD-AE63-1A4A-A7D2-7D27F95D5553}" type="presOf" srcId="{9D655CBB-3A28-314E-98FC-590C4A1D5629}" destId="{8860D0E4-CB42-594E-BA8A-E0B1B6C4E52D}" srcOrd="1" destOrd="0" presId="urn:microsoft.com/office/officeart/2005/8/layout/hierarchy2"/>
-    <dgm:cxn modelId="{145E16CA-00EF-AE41-9B87-4DE25268454E}" type="presOf" srcId="{C42969EC-83F2-FF4A-950B-86D8D2C76BAF}" destId="{2608AEFA-D68D-F648-AAA8-3CD59051789B}" srcOrd="0" destOrd="0" presId="urn:microsoft.com/office/officeart/2005/8/layout/hierarchy2"/>
-    <dgm:cxn modelId="{C9B96947-A490-194E-923C-E5FC0A42C197}" type="presOf" srcId="{AB504391-A61E-3840-9B2E-CECB851F6995}" destId="{EF04CBAA-1EA6-1D44-88FB-4C5D29FA81A5}" srcOrd="0" destOrd="0" presId="urn:microsoft.com/office/officeart/2005/8/layout/hierarchy2"/>
-    <dgm:cxn modelId="{C8F65DF2-103E-424B-AC4B-345AEF3133D3}" type="presOf" srcId="{5964B47B-9DB7-9C42-B829-0211C4690181}" destId="{8E6E0CC7-BF5C-1A42-9E5E-EB18ED51D422}" srcOrd="0" destOrd="0" presId="urn:microsoft.com/office/officeart/2005/8/layout/hierarchy2"/>
-    <dgm:cxn modelId="{6BB51026-251C-C242-8CCA-FAEAB3FC94EB}" type="presOf" srcId="{D477F212-D871-E644-B686-717662BFACD5}" destId="{69BFEC7D-17B3-454B-8C51-7CC6D7D3E93A}" srcOrd="0" destOrd="0" presId="urn:microsoft.com/office/officeart/2005/8/layout/hierarchy2"/>
+    <dgm:cxn modelId="{28567685-D52E-9F49-A86B-5EDCFBD127DE}" type="presOf" srcId="{D477F212-D871-E644-B686-717662BFACD5}" destId="{018F7921-8033-DE44-87F2-138DC3CEEDF2}" srcOrd="1" destOrd="0" presId="urn:microsoft.com/office/officeart/2005/8/layout/hierarchy2"/>
     <dgm:cxn modelId="{E8AD638A-BFA4-8345-9545-7D812C6640D3}" type="presOf" srcId="{D7DC71AE-4839-BB4D-ACA9-1C715435401E}" destId="{01D42800-5AE5-F640-B010-06A7BC3021C5}" srcOrd="0" destOrd="0" presId="urn:microsoft.com/office/officeart/2005/8/layout/hierarchy2"/>
-    <dgm:cxn modelId="{CBF86214-2DB9-2947-B05F-D22D00BAB8E9}" type="presOf" srcId="{80F20F8C-217F-314A-901A-1B2AFC17FF79}" destId="{58CB3291-805C-4B41-89EE-E0092F8FBA39}" srcOrd="0" destOrd="0" presId="urn:microsoft.com/office/officeart/2005/8/layout/hierarchy2"/>
-    <dgm:cxn modelId="{095B8A3E-8CE8-D34E-A4F5-36A1FD96AD88}" type="presOf" srcId="{D7DC71AE-4839-BB4D-ACA9-1C715435401E}" destId="{7AFC9442-3B26-FB40-8689-337555D15B12}" srcOrd="1" destOrd="0" presId="urn:microsoft.com/office/officeart/2005/8/layout/hierarchy2"/>
-    <dgm:cxn modelId="{96A2A3F8-D869-EE42-B46F-11831917322A}" type="presOf" srcId="{AB504391-A61E-3840-9B2E-CECB851F6995}" destId="{ECE9B0E1-464F-F945-BD6A-40DBBB5F1700}" srcOrd="1" destOrd="0" presId="urn:microsoft.com/office/officeart/2005/8/layout/hierarchy2"/>
-    <dgm:cxn modelId="{B42CF1B9-8F87-3C41-B07D-FCABF63FB50E}" srcId="{594679C3-CCD9-A543-9B6F-B2106ACF4732}" destId="{D12ED54D-71F7-BD42-ACE7-1CD452727C92}" srcOrd="0" destOrd="0" parTransId="{3C5BC1AC-18FA-F242-B620-CD077603D958}" sibTransId="{AD8D57A4-1968-504A-AD2C-D8500CACCFD9}"/>
-    <dgm:cxn modelId="{676707AF-6D3E-3743-9D2C-4203A98F0104}" srcId="{5964B47B-9DB7-9C42-B829-0211C4690181}" destId="{9212E29F-8A5F-DF43-A56E-7F81C1E0926C}" srcOrd="0" destOrd="0" parTransId="{AB504391-A61E-3840-9B2E-CECB851F6995}" sibTransId="{43A5A08A-FCD5-C54D-8EB9-B6617286DD05}"/>
-    <dgm:cxn modelId="{28567685-D52E-9F49-A86B-5EDCFBD127DE}" type="presOf" srcId="{D477F212-D871-E644-B686-717662BFACD5}" destId="{018F7921-8033-DE44-87F2-138DC3CEEDF2}" srcOrd="1" destOrd="0" presId="urn:microsoft.com/office/officeart/2005/8/layout/hierarchy2"/>
-    <dgm:cxn modelId="{4FCE8FE0-A8D7-6A4F-8777-2C21FE45D553}" type="presOf" srcId="{9D655CBB-3A28-314E-98FC-590C4A1D5629}" destId="{167BAEFD-587A-6C40-A4E5-211B67B739A5}" srcOrd="0" destOrd="0" presId="urn:microsoft.com/office/officeart/2005/8/layout/hierarchy2"/>
-    <dgm:cxn modelId="{31CB884C-087E-364C-992D-0A683DA05711}" type="presOf" srcId="{9212E29F-8A5F-DF43-A56E-7F81C1E0926C}" destId="{35C9C338-5F2F-B644-AFAC-6A42B37E50C4}" srcOrd="0" destOrd="0" presId="urn:microsoft.com/office/officeart/2005/8/layout/hierarchy2"/>
-    <dgm:cxn modelId="{8E6BC0E5-4F1B-6445-A41F-1C4129F35990}" srcId="{D12ED54D-71F7-BD42-ACE7-1CD452727C92}" destId="{E4611E39-EC01-3848-B167-EF2DC9058A6C}" srcOrd="1" destOrd="0" parTransId="{9D655CBB-3A28-314E-98FC-590C4A1D5629}" sibTransId="{533146C2-268F-594E-9AA9-C899EDF5F2D1}"/>
-    <dgm:cxn modelId="{191D6713-CCBD-EE49-B29B-1253CFFE2A8E}" type="presOf" srcId="{E4A029B8-2B6F-FB49-AFDC-46B3F8CB6A15}" destId="{2C2CD9E2-5FF8-9943-8AE3-69F6FEF97029}" srcOrd="0" destOrd="0" presId="urn:microsoft.com/office/officeart/2005/8/layout/hierarchy2"/>
     <dgm:cxn modelId="{AE6CA621-F29F-0545-B8AA-702D897EC68E}" type="presParOf" srcId="{ABB24299-0B5B-A240-8275-526E520BE66C}" destId="{F4912DDD-7812-E949-AC3A-EE4F9CC64E68}" srcOrd="0" destOrd="0" presId="urn:microsoft.com/office/officeart/2005/8/layout/hierarchy2"/>
     <dgm:cxn modelId="{8F711D31-13F7-A745-A04C-D693DB040CCD}" type="presParOf" srcId="{F4912DDD-7812-E949-AC3A-EE4F9CC64E68}" destId="{FD5B1B3C-AB96-E046-976B-F45A89F9BCBE}" srcOrd="0" destOrd="0" presId="urn:microsoft.com/office/officeart/2005/8/layout/hierarchy2"/>
     <dgm:cxn modelId="{0D170544-883D-8C4C-89BE-0722AA96A16D}" type="presParOf" srcId="{F4912DDD-7812-E949-AC3A-EE4F9CC64E68}" destId="{F740989F-9FAE-B849-854E-8D421A084E94}" srcOrd="1" destOrd="0" presId="urn:microsoft.com/office/officeart/2005/8/layout/hierarchy2"/>
@@ -3633,6 +3875,13 @@
         </dgm:presLayoutVars>
       </dgm:prSet>
       <dgm:spPr/>
+      <dgm:t>
+        <a:bodyPr/>
+        <a:lstStyle/>
+        <a:p>
+          <a:endParaRPr kumimoji="1" lang="ja-JP" altLang="en-US"/>
+        </a:p>
+      </dgm:t>
     </dgm:pt>
     <dgm:pt modelId="{F4912DDD-7812-E949-AC3A-EE4F9CC64E68}" type="pres">
       <dgm:prSet presAssocID="{D12ED54D-71F7-BD42-ACE7-1CD452727C92}" presName="root1" presStyleCnt="0"/>
@@ -3645,6 +3894,13 @@
         </dgm:presLayoutVars>
       </dgm:prSet>
       <dgm:spPr/>
+      <dgm:t>
+        <a:bodyPr/>
+        <a:lstStyle/>
+        <a:p>
+          <a:endParaRPr kumimoji="1" lang="ja-JP" altLang="en-US"/>
+        </a:p>
+      </dgm:t>
     </dgm:pt>
     <dgm:pt modelId="{F740989F-9FAE-B849-854E-8D421A084E94}" type="pres">
       <dgm:prSet presAssocID="{D12ED54D-71F7-BD42-ACE7-1CD452727C92}" presName="level2hierChild" presStyleCnt="0"/>
@@ -3653,10 +3909,24 @@
     <dgm:pt modelId="{01D42800-5AE5-F640-B010-06A7BC3021C5}" type="pres">
       <dgm:prSet presAssocID="{D7DC71AE-4839-BB4D-ACA9-1C715435401E}" presName="conn2-1" presStyleLbl="parChTrans1D2" presStyleIdx="0" presStyleCnt="2"/>
       <dgm:spPr/>
+      <dgm:t>
+        <a:bodyPr/>
+        <a:lstStyle/>
+        <a:p>
+          <a:endParaRPr kumimoji="1" lang="ja-JP" altLang="en-US"/>
+        </a:p>
+      </dgm:t>
     </dgm:pt>
     <dgm:pt modelId="{7AFC9442-3B26-FB40-8689-337555D15B12}" type="pres">
       <dgm:prSet presAssocID="{D7DC71AE-4839-BB4D-ACA9-1C715435401E}" presName="connTx" presStyleLbl="parChTrans1D2" presStyleIdx="0" presStyleCnt="2"/>
       <dgm:spPr/>
+      <dgm:t>
+        <a:bodyPr/>
+        <a:lstStyle/>
+        <a:p>
+          <a:endParaRPr kumimoji="1" lang="ja-JP" altLang="en-US"/>
+        </a:p>
+      </dgm:t>
     </dgm:pt>
     <dgm:pt modelId="{A5290C15-3ABA-8548-9989-497B55F70C8D}" type="pres">
       <dgm:prSet presAssocID="{5964B47B-9DB7-9C42-B829-0211C4690181}" presName="root2" presStyleCnt="0"/>
@@ -3669,6 +3939,13 @@
         </dgm:presLayoutVars>
       </dgm:prSet>
       <dgm:spPr/>
+      <dgm:t>
+        <a:bodyPr/>
+        <a:lstStyle/>
+        <a:p>
+          <a:endParaRPr kumimoji="1" lang="ja-JP" altLang="en-US"/>
+        </a:p>
+      </dgm:t>
     </dgm:pt>
     <dgm:pt modelId="{B4DE66D7-D761-AD40-8093-295C7C985759}" type="pres">
       <dgm:prSet presAssocID="{5964B47B-9DB7-9C42-B829-0211C4690181}" presName="level3hierChild" presStyleCnt="0"/>
@@ -3677,10 +3954,24 @@
     <dgm:pt modelId="{EF04CBAA-1EA6-1D44-88FB-4C5D29FA81A5}" type="pres">
       <dgm:prSet presAssocID="{AB504391-A61E-3840-9B2E-CECB851F6995}" presName="conn2-1" presStyleLbl="parChTrans1D3" presStyleIdx="0" presStyleCnt="3"/>
       <dgm:spPr/>
+      <dgm:t>
+        <a:bodyPr/>
+        <a:lstStyle/>
+        <a:p>
+          <a:endParaRPr kumimoji="1" lang="ja-JP" altLang="en-US"/>
+        </a:p>
+      </dgm:t>
     </dgm:pt>
     <dgm:pt modelId="{ECE9B0E1-464F-F945-BD6A-40DBBB5F1700}" type="pres">
       <dgm:prSet presAssocID="{AB504391-A61E-3840-9B2E-CECB851F6995}" presName="connTx" presStyleLbl="parChTrans1D3" presStyleIdx="0" presStyleCnt="3"/>
       <dgm:spPr/>
+      <dgm:t>
+        <a:bodyPr/>
+        <a:lstStyle/>
+        <a:p>
+          <a:endParaRPr kumimoji="1" lang="ja-JP" altLang="en-US"/>
+        </a:p>
+      </dgm:t>
     </dgm:pt>
     <dgm:pt modelId="{B4221549-8328-D94F-94FF-06AA48B6BDA3}" type="pres">
       <dgm:prSet presAssocID="{9212E29F-8A5F-DF43-A56E-7F81C1E0926C}" presName="root2" presStyleCnt="0"/>
@@ -3693,6 +3984,13 @@
         </dgm:presLayoutVars>
       </dgm:prSet>
       <dgm:spPr/>
+      <dgm:t>
+        <a:bodyPr/>
+        <a:lstStyle/>
+        <a:p>
+          <a:endParaRPr kumimoji="1" lang="ja-JP" altLang="en-US"/>
+        </a:p>
+      </dgm:t>
     </dgm:pt>
     <dgm:pt modelId="{BC4663A2-F338-C64E-B880-B1D34AECF7F3}" type="pres">
       <dgm:prSet presAssocID="{9212E29F-8A5F-DF43-A56E-7F81C1E0926C}" presName="level3hierChild" presStyleCnt="0"/>
@@ -3701,10 +3999,24 @@
     <dgm:pt modelId="{3AC6E51B-46C3-FE47-B7A7-11A7F34CCA7D}" type="pres">
       <dgm:prSet presAssocID="{4BB084B3-2367-D94B-8181-253B52688B82}" presName="conn2-1" presStyleLbl="parChTrans1D3" presStyleIdx="1" presStyleCnt="3"/>
       <dgm:spPr/>
+      <dgm:t>
+        <a:bodyPr/>
+        <a:lstStyle/>
+        <a:p>
+          <a:endParaRPr kumimoji="1" lang="ja-JP" altLang="en-US"/>
+        </a:p>
+      </dgm:t>
     </dgm:pt>
     <dgm:pt modelId="{CF561348-48C2-6C49-9851-4F2E9F399A2E}" type="pres">
       <dgm:prSet presAssocID="{4BB084B3-2367-D94B-8181-253B52688B82}" presName="connTx" presStyleLbl="parChTrans1D3" presStyleIdx="1" presStyleCnt="3"/>
       <dgm:spPr/>
+      <dgm:t>
+        <a:bodyPr/>
+        <a:lstStyle/>
+        <a:p>
+          <a:endParaRPr kumimoji="1" lang="ja-JP" altLang="en-US"/>
+        </a:p>
+      </dgm:t>
     </dgm:pt>
     <dgm:pt modelId="{5CF24321-0609-764E-9A39-D584361F6958}" type="pres">
       <dgm:prSet presAssocID="{F03AFE40-84D6-AE40-A5C8-7A3801927078}" presName="root2" presStyleCnt="0"/>
@@ -3717,6 +4029,13 @@
         </dgm:presLayoutVars>
       </dgm:prSet>
       <dgm:spPr/>
+      <dgm:t>
+        <a:bodyPr/>
+        <a:lstStyle/>
+        <a:p>
+          <a:endParaRPr kumimoji="1" lang="ja-JP" altLang="en-US"/>
+        </a:p>
+      </dgm:t>
     </dgm:pt>
     <dgm:pt modelId="{51F5CB64-B6C7-3F44-A9F5-15DCBA2342B5}" type="pres">
       <dgm:prSet presAssocID="{F03AFE40-84D6-AE40-A5C8-7A3801927078}" presName="level3hierChild" presStyleCnt="0"/>
@@ -3725,10 +4044,24 @@
     <dgm:pt modelId="{167BAEFD-587A-6C40-A4E5-211B67B739A5}" type="pres">
       <dgm:prSet presAssocID="{9D655CBB-3A28-314E-98FC-590C4A1D5629}" presName="conn2-1" presStyleLbl="parChTrans1D2" presStyleIdx="1" presStyleCnt="2"/>
       <dgm:spPr/>
+      <dgm:t>
+        <a:bodyPr/>
+        <a:lstStyle/>
+        <a:p>
+          <a:endParaRPr kumimoji="1" lang="ja-JP" altLang="en-US"/>
+        </a:p>
+      </dgm:t>
     </dgm:pt>
     <dgm:pt modelId="{8860D0E4-CB42-594E-BA8A-E0B1B6C4E52D}" type="pres">
       <dgm:prSet presAssocID="{9D655CBB-3A28-314E-98FC-590C4A1D5629}" presName="connTx" presStyleLbl="parChTrans1D2" presStyleIdx="1" presStyleCnt="2"/>
       <dgm:spPr/>
+      <dgm:t>
+        <a:bodyPr/>
+        <a:lstStyle/>
+        <a:p>
+          <a:endParaRPr kumimoji="1" lang="ja-JP" altLang="en-US"/>
+        </a:p>
+      </dgm:t>
     </dgm:pt>
     <dgm:pt modelId="{D8AA5E71-DA82-5C43-970C-CCEB03228DC5}" type="pres">
       <dgm:prSet presAssocID="{E4611E39-EC01-3848-B167-EF2DC9058A6C}" presName="root2" presStyleCnt="0"/>
@@ -3741,6 +4074,13 @@
         </dgm:presLayoutVars>
       </dgm:prSet>
       <dgm:spPr/>
+      <dgm:t>
+        <a:bodyPr/>
+        <a:lstStyle/>
+        <a:p>
+          <a:endParaRPr kumimoji="1" lang="ja-JP" altLang="en-US"/>
+        </a:p>
+      </dgm:t>
     </dgm:pt>
     <dgm:pt modelId="{0AD3C925-6DE4-5241-A241-E6A7D5CCDBF3}" type="pres">
       <dgm:prSet presAssocID="{E4611E39-EC01-3848-B167-EF2DC9058A6C}" presName="level3hierChild" presStyleCnt="0"/>
@@ -3749,10 +4089,24 @@
     <dgm:pt modelId="{2C2CD9E2-5FF8-9943-8AE3-69F6FEF97029}" type="pres">
       <dgm:prSet presAssocID="{E4A029B8-2B6F-FB49-AFDC-46B3F8CB6A15}" presName="conn2-1" presStyleLbl="parChTrans1D3" presStyleIdx="2" presStyleCnt="3"/>
       <dgm:spPr/>
+      <dgm:t>
+        <a:bodyPr/>
+        <a:lstStyle/>
+        <a:p>
+          <a:endParaRPr kumimoji="1" lang="ja-JP" altLang="en-US"/>
+        </a:p>
+      </dgm:t>
     </dgm:pt>
     <dgm:pt modelId="{9D50FAA2-D37E-1343-9037-B600EE9252CC}" type="pres">
       <dgm:prSet presAssocID="{E4A029B8-2B6F-FB49-AFDC-46B3F8CB6A15}" presName="connTx" presStyleLbl="parChTrans1D3" presStyleIdx="2" presStyleCnt="3"/>
       <dgm:spPr/>
+      <dgm:t>
+        <a:bodyPr/>
+        <a:lstStyle/>
+        <a:p>
+          <a:endParaRPr kumimoji="1" lang="ja-JP" altLang="en-US"/>
+        </a:p>
+      </dgm:t>
     </dgm:pt>
     <dgm:pt modelId="{6D8ADA75-A16A-6C46-89C4-890D5D8EF49B}" type="pres">
       <dgm:prSet presAssocID="{80F20F8C-217F-314A-901A-1B2AFC17FF79}" presName="root2" presStyleCnt="0"/>
@@ -3792,8 +4146,8 @@
     <dgm:cxn modelId="{D49BDED9-2B70-4E4D-A150-D69F67ACA9F6}" type="presOf" srcId="{AB504391-A61E-3840-9B2E-CECB851F6995}" destId="{ECE9B0E1-464F-F945-BD6A-40DBBB5F1700}" srcOrd="1" destOrd="0" presId="urn:microsoft.com/office/officeart/2005/8/layout/hierarchy2"/>
     <dgm:cxn modelId="{20D2A018-038C-9F49-A1F9-1E8DD8505092}" srcId="{E4611E39-EC01-3848-B167-EF2DC9058A6C}" destId="{80F20F8C-217F-314A-901A-1B2AFC17FF79}" srcOrd="0" destOrd="0" parTransId="{E4A029B8-2B6F-FB49-AFDC-46B3F8CB6A15}" sibTransId="{25F3C08D-76CD-824E-B31D-1AE33DC2694D}"/>
     <dgm:cxn modelId="{1176C505-63B0-6342-AE4F-711016D8F860}" type="presOf" srcId="{D12ED54D-71F7-BD42-ACE7-1CD452727C92}" destId="{FD5B1B3C-AB96-E046-976B-F45A89F9BCBE}" srcOrd="0" destOrd="0" presId="urn:microsoft.com/office/officeart/2005/8/layout/hierarchy2"/>
+    <dgm:cxn modelId="{B42CF1B9-8F87-3C41-B07D-FCABF63FB50E}" srcId="{594679C3-CCD9-A543-9B6F-B2106ACF4732}" destId="{D12ED54D-71F7-BD42-ACE7-1CD452727C92}" srcOrd="0" destOrd="0" parTransId="{3C5BC1AC-18FA-F242-B620-CD077603D958}" sibTransId="{AD8D57A4-1968-504A-AD2C-D8500CACCFD9}"/>
     <dgm:cxn modelId="{CFED102F-56D3-AC4F-8BBA-36B428CE2934}" type="presOf" srcId="{594679C3-CCD9-A543-9B6F-B2106ACF4732}" destId="{ABB24299-0B5B-A240-8275-526E520BE66C}" srcOrd="0" destOrd="0" presId="urn:microsoft.com/office/officeart/2005/8/layout/hierarchy2"/>
-    <dgm:cxn modelId="{B42CF1B9-8F87-3C41-B07D-FCABF63FB50E}" srcId="{594679C3-CCD9-A543-9B6F-B2106ACF4732}" destId="{D12ED54D-71F7-BD42-ACE7-1CD452727C92}" srcOrd="0" destOrd="0" parTransId="{3C5BC1AC-18FA-F242-B620-CD077603D958}" sibTransId="{AD8D57A4-1968-504A-AD2C-D8500CACCFD9}"/>
     <dgm:cxn modelId="{5C62FA85-094A-7B4C-8A4B-7D88A3B9B65C}" type="presOf" srcId="{5964B47B-9DB7-9C42-B829-0211C4690181}" destId="{8E6E0CC7-BF5C-1A42-9E5E-EB18ED51D422}" srcOrd="0" destOrd="0" presId="urn:microsoft.com/office/officeart/2005/8/layout/hierarchy2"/>
     <dgm:cxn modelId="{E12404C9-9A8F-CE45-A1AA-562F4BE15570}" type="presOf" srcId="{4BB084B3-2367-D94B-8181-253B52688B82}" destId="{CF561348-48C2-6C49-9851-4F2E9F399A2E}" srcOrd="1" destOrd="0" presId="urn:microsoft.com/office/officeart/2005/8/layout/hierarchy2"/>
     <dgm:cxn modelId="{979E1923-43C7-2C4A-8144-834E596F553E}" type="presOf" srcId="{80F20F8C-217F-314A-901A-1B2AFC17FF79}" destId="{58CB3291-805C-4B41-89EE-E0092F8FBA39}" srcOrd="0" destOrd="0" presId="urn:microsoft.com/office/officeart/2005/8/layout/hierarchy2"/>
@@ -3856,8 +4210,8 @@
       </dsp:nvSpPr>
       <dsp:spPr>
         <a:xfrm>
-          <a:off x="854" y="538729"/>
-          <a:ext cx="631902" cy="315951"/>
+          <a:off x="1951" y="503007"/>
+          <a:ext cx="631325" cy="315662"/>
         </a:xfrm>
         <a:prstGeom prst="roundRect">
           <a:avLst>
@@ -3941,8 +4295,8 @@
         </a:p>
       </dsp:txBody>
       <dsp:txXfrm>
-        <a:off x="10108" y="547983"/>
-        <a:ext cx="613394" cy="297443"/>
+        <a:off x="11196" y="512252"/>
+        <a:ext cx="612835" cy="297172"/>
       </dsp:txXfrm>
     </dsp:sp>
     <dsp:sp modelId="{01D42800-5AE5-F640-B010-06A7BC3021C5}">
@@ -3952,8 +4306,8 @@
       </dsp:nvSpPr>
       <dsp:spPr>
         <a:xfrm rot="18770822">
-          <a:off x="573295" y="536984"/>
-          <a:ext cx="371683" cy="46933"/>
+          <a:off x="573869" y="499792"/>
+          <a:ext cx="371344" cy="49833"/>
         </a:xfrm>
         <a:custGeom>
           <a:avLst/>
@@ -3964,10 +4318,10 @@
           <a:pathLst>
             <a:path>
               <a:moveTo>
-                <a:pt x="0" y="23466"/>
+                <a:pt x="0" y="24916"/>
               </a:moveTo>
               <a:lnTo>
-                <a:pt x="371683" y="23466"/>
+                <a:pt x="371344" y="24916"/>
               </a:lnTo>
             </a:path>
           </a:pathLst>
@@ -4020,8 +4374,8 @@
         </a:p>
       </dsp:txBody>
       <dsp:txXfrm>
-        <a:off x="749845" y="551158"/>
-        <a:ext cx="18584" cy="18584"/>
+        <a:off x="750257" y="515425"/>
+        <a:ext cx="18567" cy="18567"/>
       </dsp:txXfrm>
     </dsp:sp>
     <dsp:sp modelId="{8E6E0CC7-BF5C-1A42-9E5E-EB18ED51D422}">
@@ -4031,8 +4385,8 @@
       </dsp:nvSpPr>
       <dsp:spPr>
         <a:xfrm>
-          <a:off x="885517" y="266221"/>
-          <a:ext cx="631902" cy="315951"/>
+          <a:off x="885806" y="230748"/>
+          <a:ext cx="631325" cy="315662"/>
         </a:xfrm>
         <a:prstGeom prst="roundRect">
           <a:avLst>
@@ -4116,8 +4470,8 @@
         </a:p>
       </dsp:txBody>
       <dsp:txXfrm>
-        <a:off x="894771" y="275475"/>
-        <a:ext cx="613394" cy="297443"/>
+        <a:off x="895051" y="239993"/>
+        <a:ext cx="612835" cy="297172"/>
       </dsp:txXfrm>
     </dsp:sp>
     <dsp:sp modelId="{EF04CBAA-1EA6-1D44-88FB-4C5D29FA81A5}">
@@ -4127,8 +4481,8 @@
       </dsp:nvSpPr>
       <dsp:spPr>
         <a:xfrm rot="19457599">
-          <a:off x="1488162" y="309894"/>
-          <a:ext cx="311276" cy="46933"/>
+          <a:off x="1487900" y="272909"/>
+          <a:ext cx="310991" cy="49833"/>
         </a:xfrm>
         <a:custGeom>
           <a:avLst/>
@@ -4139,10 +4493,10 @@
           <a:pathLst>
             <a:path>
               <a:moveTo>
-                <a:pt x="0" y="23466"/>
+                <a:pt x="0" y="24916"/>
               </a:moveTo>
               <a:lnTo>
-                <a:pt x="311276" y="23466"/>
+                <a:pt x="310991" y="24916"/>
               </a:lnTo>
             </a:path>
           </a:pathLst>
@@ -4195,8 +4549,8 @@
         </a:p>
       </dsp:txBody>
       <dsp:txXfrm>
-        <a:off x="1636018" y="325579"/>
-        <a:ext cx="15563" cy="15563"/>
+        <a:off x="1635621" y="290051"/>
+        <a:ext cx="15549" cy="15549"/>
       </dsp:txXfrm>
     </dsp:sp>
     <dsp:sp modelId="{35C9C338-5F2F-B644-AFAC-6A42B37E50C4}">
@@ -4206,8 +4560,8 @@
       </dsp:nvSpPr>
       <dsp:spPr>
         <a:xfrm>
-          <a:off x="1770181" y="84549"/>
-          <a:ext cx="631902" cy="315951"/>
+          <a:off x="1769661" y="49242"/>
+          <a:ext cx="631325" cy="315662"/>
         </a:xfrm>
         <a:prstGeom prst="roundRect">
           <a:avLst>
@@ -4291,8 +4645,8 @@
         </a:p>
       </dsp:txBody>
       <dsp:txXfrm>
-        <a:off x="1779435" y="93803"/>
-        <a:ext cx="613394" cy="297443"/>
+        <a:off x="1778906" y="58487"/>
+        <a:ext cx="612835" cy="297172"/>
       </dsp:txXfrm>
     </dsp:sp>
     <dsp:sp modelId="{3AC6E51B-46C3-FE47-B7A7-11A7F34CCA7D}">
@@ -4302,8 +4656,8 @@
       </dsp:nvSpPr>
       <dsp:spPr>
         <a:xfrm rot="2142401">
-          <a:off x="1488162" y="491566"/>
-          <a:ext cx="311276" cy="46933"/>
+          <a:off x="1487900" y="454415"/>
+          <a:ext cx="310991" cy="49833"/>
         </a:xfrm>
         <a:custGeom>
           <a:avLst/>
@@ -4314,10 +4668,10 @@
           <a:pathLst>
             <a:path>
               <a:moveTo>
-                <a:pt x="0" y="23466"/>
+                <a:pt x="0" y="24916"/>
               </a:moveTo>
               <a:lnTo>
-                <a:pt x="311276" y="23466"/>
+                <a:pt x="310991" y="24916"/>
               </a:lnTo>
             </a:path>
           </a:pathLst>
@@ -4370,8 +4724,8 @@
         </a:p>
       </dsp:txBody>
       <dsp:txXfrm>
-        <a:off x="1636018" y="507251"/>
-        <a:ext cx="15563" cy="15563"/>
+        <a:off x="1635621" y="471557"/>
+        <a:ext cx="15549" cy="15549"/>
       </dsp:txXfrm>
     </dsp:sp>
     <dsp:sp modelId="{DDC23D12-AAC6-574F-8D9D-BFFE7307DBC8}">
@@ -4381,8 +4735,8 @@
       </dsp:nvSpPr>
       <dsp:spPr>
         <a:xfrm>
-          <a:off x="1770181" y="447893"/>
-          <a:ext cx="631902" cy="315951"/>
+          <a:off x="1769661" y="412254"/>
+          <a:ext cx="631325" cy="315662"/>
         </a:xfrm>
         <a:prstGeom prst="roundRect">
           <a:avLst>
@@ -4466,8 +4820,8 @@
         </a:p>
       </dsp:txBody>
       <dsp:txXfrm>
-        <a:off x="1779435" y="457147"/>
-        <a:ext cx="613394" cy="297443"/>
+        <a:off x="1778906" y="421499"/>
+        <a:ext cx="612835" cy="297172"/>
       </dsp:txXfrm>
     </dsp:sp>
     <dsp:sp modelId="{167BAEFD-587A-6C40-A4E5-211B67B739A5}">
@@ -4477,8 +4831,8 @@
       </dsp:nvSpPr>
       <dsp:spPr>
         <a:xfrm rot="2829178">
-          <a:off x="573295" y="809492"/>
-          <a:ext cx="371683" cy="46933"/>
+          <a:off x="573869" y="772050"/>
+          <a:ext cx="371344" cy="49833"/>
         </a:xfrm>
         <a:custGeom>
           <a:avLst/>
@@ -4489,10 +4843,10 @@
           <a:pathLst>
             <a:path>
               <a:moveTo>
-                <a:pt x="0" y="23466"/>
+                <a:pt x="0" y="24916"/>
               </a:moveTo>
               <a:lnTo>
-                <a:pt x="371683" y="23466"/>
+                <a:pt x="371344" y="24916"/>
               </a:lnTo>
             </a:path>
           </a:pathLst>
@@ -4545,8 +4899,8 @@
         </a:p>
       </dsp:txBody>
       <dsp:txXfrm>
-        <a:off x="749845" y="823666"/>
-        <a:ext cx="18584" cy="18584"/>
+        <a:off x="750257" y="787684"/>
+        <a:ext cx="18567" cy="18567"/>
       </dsp:txXfrm>
     </dsp:sp>
     <dsp:sp modelId="{D10A89A7-21E3-054D-B77E-57F113F7384D}">
@@ -4556,8 +4910,8 @@
       </dsp:nvSpPr>
       <dsp:spPr>
         <a:xfrm>
-          <a:off x="885517" y="811237"/>
-          <a:ext cx="631902" cy="315951"/>
+          <a:off x="885806" y="775266"/>
+          <a:ext cx="631325" cy="315662"/>
         </a:xfrm>
         <a:prstGeom prst="roundRect">
           <a:avLst>
@@ -4641,8 +4995,8 @@
         </a:p>
       </dsp:txBody>
       <dsp:txXfrm>
-        <a:off x="894771" y="820491"/>
-        <a:ext cx="613394" cy="297443"/>
+        <a:off x="895051" y="784511"/>
+        <a:ext cx="612835" cy="297172"/>
       </dsp:txXfrm>
     </dsp:sp>
     <dsp:sp modelId="{2C2CD9E2-5FF8-9943-8AE3-69F6FEF97029}">
@@ -4652,8 +5006,8 @@
       </dsp:nvSpPr>
       <dsp:spPr>
         <a:xfrm>
-          <a:off x="1517420" y="945746"/>
-          <a:ext cx="252760" cy="46933"/>
+          <a:off x="1517131" y="908180"/>
+          <a:ext cx="252530" cy="49833"/>
         </a:xfrm>
         <a:custGeom>
           <a:avLst/>
@@ -4664,10 +5018,10 @@
           <a:pathLst>
             <a:path>
               <a:moveTo>
-                <a:pt x="0" y="23466"/>
+                <a:pt x="0" y="24916"/>
               </a:moveTo>
               <a:lnTo>
-                <a:pt x="252760" y="23466"/>
+                <a:pt x="252530" y="24916"/>
               </a:lnTo>
             </a:path>
           </a:pathLst>
@@ -4720,8 +5074,8 @@
         </a:p>
       </dsp:txBody>
       <dsp:txXfrm>
-        <a:off x="1637481" y="962893"/>
-        <a:ext cx="12638" cy="12638"/>
+        <a:off x="1637083" y="926784"/>
+        <a:ext cx="12626" cy="12626"/>
       </dsp:txXfrm>
     </dsp:sp>
     <dsp:sp modelId="{58CB3291-805C-4B41-89EE-E0092F8FBA39}">
@@ -4731,8 +5085,8 @@
       </dsp:nvSpPr>
       <dsp:spPr>
         <a:xfrm>
-          <a:off x="1770181" y="811237"/>
-          <a:ext cx="631902" cy="315951"/>
+          <a:off x="1769661" y="775266"/>
+          <a:ext cx="631325" cy="315662"/>
         </a:xfrm>
         <a:prstGeom prst="roundRect">
           <a:avLst>
@@ -4816,8 +5170,8 @@
         </a:p>
       </dsp:txBody>
       <dsp:txXfrm>
-        <a:off x="1779435" y="820491"/>
-        <a:ext cx="613394" cy="297443"/>
+        <a:off x="1778906" y="784511"/>
+        <a:ext cx="612835" cy="297172"/>
       </dsp:txXfrm>
     </dsp:sp>
   </dsp:spTree>
@@ -4839,8 +5193,8 @@
       </dsp:nvSpPr>
       <dsp:spPr>
         <a:xfrm>
-          <a:off x="118" y="520277"/>
-          <a:ext cx="462057" cy="231028"/>
+          <a:off x="337" y="486658"/>
+          <a:ext cx="461973" cy="230986"/>
         </a:xfrm>
         <a:prstGeom prst="roundRect">
           <a:avLst>
@@ -4924,8 +5278,8 @@
         </a:p>
       </dsp:txBody>
       <dsp:txXfrm>
-        <a:off x="6885" y="527044"/>
-        <a:ext cx="448523" cy="217494"/>
+        <a:off x="7102" y="493423"/>
+        <a:ext cx="448443" cy="217456"/>
       </dsp:txXfrm>
     </dsp:sp>
     <dsp:sp modelId="{01D42800-5AE5-F640-B010-06A7BC3021C5}">
@@ -4935,8 +5289,8 @@
       </dsp:nvSpPr>
       <dsp:spPr>
         <a:xfrm rot="18770822">
-          <a:off x="418697" y="517901"/>
-          <a:ext cx="271781" cy="36518"/>
+          <a:off x="418839" y="483136"/>
+          <a:ext cx="271731" cy="38803"/>
         </a:xfrm>
         <a:custGeom>
           <a:avLst/>
@@ -4947,10 +5301,10 @@
           <a:pathLst>
             <a:path>
               <a:moveTo>
-                <a:pt x="0" y="18259"/>
+                <a:pt x="0" y="19401"/>
               </a:moveTo>
               <a:lnTo>
-                <a:pt x="271781" y="18259"/>
+                <a:pt x="271731" y="19401"/>
               </a:lnTo>
             </a:path>
           </a:pathLst>
@@ -5003,8 +5357,8 @@
         </a:p>
       </dsp:txBody>
       <dsp:txXfrm>
-        <a:off x="547793" y="529366"/>
-        <a:ext cx="13589" cy="13589"/>
+        <a:off x="547912" y="495745"/>
+        <a:ext cx="13586" cy="13586"/>
       </dsp:txXfrm>
     </dsp:sp>
     <dsp:sp modelId="{8E6E0CC7-BF5C-1A42-9E5E-EB18ED51D422}">
@@ -5014,8 +5368,8 @@
       </dsp:nvSpPr>
       <dsp:spPr>
         <a:xfrm>
-          <a:off x="646999" y="321014"/>
-          <a:ext cx="462057" cy="231028"/>
+          <a:off x="647100" y="287432"/>
+          <a:ext cx="461973" cy="230986"/>
         </a:xfrm>
         <a:prstGeom prst="roundRect">
           <a:avLst>
@@ -5099,8 +5453,8 @@
         </a:p>
       </dsp:txBody>
       <dsp:txXfrm>
-        <a:off x="653766" y="327781"/>
-        <a:ext cx="448523" cy="217494"/>
+        <a:off x="653865" y="294197"/>
+        <a:ext cx="448443" cy="217456"/>
       </dsp:txXfrm>
     </dsp:sp>
     <dsp:sp modelId="{EF04CBAA-1EA6-1D44-88FB-4C5D29FA81A5}">
@@ -5110,8 +5464,8 @@
       </dsp:nvSpPr>
       <dsp:spPr>
         <a:xfrm rot="19457599">
-          <a:off x="1087663" y="351849"/>
-          <a:ext cx="227610" cy="36518"/>
+          <a:off x="1087684" y="317114"/>
+          <a:ext cx="227568" cy="38803"/>
         </a:xfrm>
         <a:custGeom>
           <a:avLst/>
@@ -5122,10 +5476,10 @@
           <a:pathLst>
             <a:path>
               <a:moveTo>
-                <a:pt x="0" y="18259"/>
+                <a:pt x="0" y="19401"/>
               </a:moveTo>
               <a:lnTo>
-                <a:pt x="227610" y="18259"/>
+                <a:pt x="227568" y="19401"/>
               </a:lnTo>
             </a:path>
           </a:pathLst>
@@ -5178,8 +5532,8 @@
         </a:p>
       </dsp:txBody>
       <dsp:txXfrm>
-        <a:off x="1195778" y="364418"/>
-        <a:ext cx="11380" cy="11380"/>
+        <a:off x="1195779" y="330827"/>
+        <a:ext cx="11378" cy="11378"/>
       </dsp:txXfrm>
     </dsp:sp>
     <dsp:sp modelId="{35C9C338-5F2F-B644-AFAC-6A42B37E50C4}">
@@ -5189,8 +5543,8 @@
       </dsp:nvSpPr>
       <dsp:spPr>
         <a:xfrm>
-          <a:off x="1293880" y="188173"/>
-          <a:ext cx="462057" cy="231028"/>
+          <a:off x="1293863" y="154614"/>
+          <a:ext cx="461973" cy="230986"/>
         </a:xfrm>
         <a:prstGeom prst="roundRect">
           <a:avLst>
@@ -5274,8 +5628,8 @@
         </a:p>
       </dsp:txBody>
       <dsp:txXfrm>
-        <a:off x="1300647" y="194940"/>
-        <a:ext cx="448523" cy="217494"/>
+        <a:off x="1300628" y="161379"/>
+        <a:ext cx="448443" cy="217456"/>
       </dsp:txXfrm>
     </dsp:sp>
     <dsp:sp modelId="{3AC6E51B-46C3-FE47-B7A7-11A7F34CCA7D}">
@@ -5285,8 +5639,8 @@
       </dsp:nvSpPr>
       <dsp:spPr>
         <a:xfrm rot="2142401">
-          <a:off x="1087663" y="484690"/>
-          <a:ext cx="227610" cy="36518"/>
+          <a:off x="1087684" y="449932"/>
+          <a:ext cx="227568" cy="38803"/>
         </a:xfrm>
         <a:custGeom>
           <a:avLst/>
@@ -5297,10 +5651,10 @@
           <a:pathLst>
             <a:path>
               <a:moveTo>
-                <a:pt x="0" y="18259"/>
+                <a:pt x="0" y="19401"/>
               </a:moveTo>
               <a:lnTo>
-                <a:pt x="227610" y="18259"/>
+                <a:pt x="227568" y="19401"/>
               </a:lnTo>
             </a:path>
           </a:pathLst>
@@ -5353,8 +5707,8 @@
         </a:p>
       </dsp:txBody>
       <dsp:txXfrm>
-        <a:off x="1195778" y="497259"/>
-        <a:ext cx="11380" cy="11380"/>
+        <a:off x="1195779" y="463645"/>
+        <a:ext cx="11378" cy="11378"/>
       </dsp:txXfrm>
     </dsp:sp>
     <dsp:sp modelId="{DDC23D12-AAC6-574F-8D9D-BFFE7307DBC8}">
@@ -5364,8 +5718,8 @@
       </dsp:nvSpPr>
       <dsp:spPr>
         <a:xfrm>
-          <a:off x="1293880" y="453856"/>
-          <a:ext cx="462057" cy="231028"/>
+          <a:off x="1293863" y="420249"/>
+          <a:ext cx="461973" cy="230986"/>
         </a:xfrm>
         <a:prstGeom prst="roundRect">
           <a:avLst>
@@ -5425,8 +5779,8 @@
         </a:p>
       </dsp:txBody>
       <dsp:txXfrm>
-        <a:off x="1300647" y="460623"/>
-        <a:ext cx="448523" cy="217494"/>
+        <a:off x="1300628" y="427014"/>
+        <a:ext cx="448443" cy="217456"/>
       </dsp:txXfrm>
     </dsp:sp>
     <dsp:sp modelId="{167BAEFD-587A-6C40-A4E5-211B67B739A5}">
@@ -5436,8 +5790,8 @@
       </dsp:nvSpPr>
       <dsp:spPr>
         <a:xfrm rot="2829178">
-          <a:off x="418697" y="717163"/>
-          <a:ext cx="271781" cy="36518"/>
+          <a:off x="418839" y="682362"/>
+          <a:ext cx="271731" cy="38803"/>
         </a:xfrm>
         <a:custGeom>
           <a:avLst/>
@@ -5448,10 +5802,10 @@
           <a:pathLst>
             <a:path>
               <a:moveTo>
-                <a:pt x="0" y="18259"/>
+                <a:pt x="0" y="19401"/>
               </a:moveTo>
               <a:lnTo>
-                <a:pt x="271781" y="18259"/>
+                <a:pt x="271731" y="19401"/>
               </a:lnTo>
             </a:path>
           </a:pathLst>
@@ -5504,8 +5858,8 @@
         </a:p>
       </dsp:txBody>
       <dsp:txXfrm>
-        <a:off x="547793" y="728628"/>
-        <a:ext cx="13589" cy="13589"/>
+        <a:off x="547912" y="694971"/>
+        <a:ext cx="13586" cy="13586"/>
       </dsp:txXfrm>
     </dsp:sp>
     <dsp:sp modelId="{D10A89A7-21E3-054D-B77E-57F113F7384D}">
@@ -5515,8 +5869,8 @@
       </dsp:nvSpPr>
       <dsp:spPr>
         <a:xfrm>
-          <a:off x="646999" y="719539"/>
-          <a:ext cx="462057" cy="231028"/>
+          <a:off x="647100" y="685884"/>
+          <a:ext cx="461973" cy="230986"/>
         </a:xfrm>
         <a:prstGeom prst="roundRect">
           <a:avLst>
@@ -5600,8 +5954,8 @@
         </a:p>
       </dsp:txBody>
       <dsp:txXfrm>
-        <a:off x="653766" y="726306"/>
-        <a:ext cx="448523" cy="217494"/>
+        <a:off x="653865" y="692649"/>
+        <a:ext cx="448443" cy="217456"/>
       </dsp:txXfrm>
     </dsp:sp>
     <dsp:sp modelId="{2C2CD9E2-5FF8-9943-8AE3-69F6FEF97029}">
@@ -5611,8 +5965,8 @@
       </dsp:nvSpPr>
       <dsp:spPr>
         <a:xfrm>
-          <a:off x="1109057" y="816795"/>
-          <a:ext cx="184823" cy="36518"/>
+          <a:off x="1109074" y="781976"/>
+          <a:ext cx="184789" cy="38803"/>
         </a:xfrm>
         <a:custGeom>
           <a:avLst/>
@@ -5623,10 +5977,10 @@
           <a:pathLst>
             <a:path>
               <a:moveTo>
-                <a:pt x="0" y="18259"/>
+                <a:pt x="0" y="19401"/>
               </a:moveTo>
               <a:lnTo>
-                <a:pt x="184823" y="18259"/>
+                <a:pt x="184789" y="19401"/>
               </a:lnTo>
             </a:path>
           </a:pathLst>
@@ -5679,8 +6033,8 @@
         </a:p>
       </dsp:txBody>
       <dsp:txXfrm>
-        <a:off x="1196848" y="830433"/>
-        <a:ext cx="9241" cy="9241"/>
+        <a:off x="1196849" y="796758"/>
+        <a:ext cx="9239" cy="9239"/>
       </dsp:txXfrm>
     </dsp:sp>
     <dsp:sp modelId="{58CB3291-805C-4B41-89EE-E0092F8FBA39}">
@@ -5690,8 +6044,8 @@
       </dsp:nvSpPr>
       <dsp:spPr>
         <a:xfrm>
-          <a:off x="1293880" y="719539"/>
-          <a:ext cx="462057" cy="231028"/>
+          <a:off x="1293863" y="685884"/>
+          <a:ext cx="461973" cy="230986"/>
         </a:xfrm>
         <a:prstGeom prst="roundRect">
           <a:avLst>
@@ -5751,8 +6105,8 @@
         </a:p>
       </dsp:txBody>
       <dsp:txXfrm>
-        <a:off x="1300647" y="726306"/>
-        <a:ext cx="448523" cy="217494"/>
+        <a:off x="1300628" y="692649"/>
+        <a:ext cx="448443" cy="217456"/>
       </dsp:txXfrm>
     </dsp:sp>
     <dsp:sp modelId="{69BFEC7D-17B3-454B-8C51-7CC6D7D3E93A}">
@@ -5762,8 +6116,8 @@
       </dsp:nvSpPr>
       <dsp:spPr>
         <a:xfrm>
-          <a:off x="1755938" y="816795"/>
-          <a:ext cx="184823" cy="36518"/>
+          <a:off x="1755837" y="781976"/>
+          <a:ext cx="184789" cy="38803"/>
         </a:xfrm>
         <a:custGeom>
           <a:avLst/>
@@ -5774,10 +6128,10 @@
           <a:pathLst>
             <a:path>
               <a:moveTo>
-                <a:pt x="0" y="18259"/>
+                <a:pt x="0" y="19401"/>
               </a:moveTo>
               <a:lnTo>
-                <a:pt x="184823" y="18259"/>
+                <a:pt x="184789" y="19401"/>
               </a:lnTo>
             </a:path>
           </a:pathLst>
@@ -5830,8 +6184,8 @@
         </a:p>
       </dsp:txBody>
       <dsp:txXfrm>
-        <a:off x="1843729" y="830433"/>
-        <a:ext cx="9241" cy="9241"/>
+        <a:off x="1843612" y="796758"/>
+        <a:ext cx="9239" cy="9239"/>
       </dsp:txXfrm>
     </dsp:sp>
     <dsp:sp modelId="{2608AEFA-D68D-F648-AAA8-3CD59051789B}">
@@ -5841,8 +6195,8 @@
       </dsp:nvSpPr>
       <dsp:spPr>
         <a:xfrm>
-          <a:off x="1940761" y="719539"/>
-          <a:ext cx="462057" cy="231028"/>
+          <a:off x="1940626" y="685884"/>
+          <a:ext cx="461973" cy="230986"/>
         </a:xfrm>
         <a:prstGeom prst="roundRect">
           <a:avLst>
@@ -5902,8 +6256,8 @@
         </a:p>
       </dsp:txBody>
       <dsp:txXfrm>
-        <a:off x="1947528" y="726306"/>
-        <a:ext cx="448523" cy="217494"/>
+        <a:off x="1947391" y="692649"/>
+        <a:ext cx="448443" cy="217456"/>
       </dsp:txXfrm>
     </dsp:sp>
   </dsp:spTree>
@@ -5925,8 +6279,8 @@
       </dsp:nvSpPr>
       <dsp:spPr>
         <a:xfrm>
-          <a:off x="1341" y="502258"/>
-          <a:ext cx="631645" cy="315822"/>
+          <a:off x="651" y="468592"/>
+          <a:ext cx="632009" cy="316004"/>
         </a:xfrm>
         <a:prstGeom prst="roundRect">
           <a:avLst>
@@ -5986,8 +6340,8 @@
         </a:p>
       </dsp:txBody>
       <dsp:txXfrm>
-        <a:off x="10591" y="511508"/>
-        <a:ext cx="613145" cy="297322"/>
+        <a:off x="9906" y="477847"/>
+        <a:ext cx="613499" cy="297494"/>
       </dsp:txXfrm>
     </dsp:sp>
     <dsp:sp modelId="{01D42800-5AE5-F640-B010-06A7BC3021C5}">
@@ -5997,8 +6351,8 @@
       </dsp:nvSpPr>
       <dsp:spPr>
         <a:xfrm rot="18770822">
-          <a:off x="573550" y="499010"/>
-          <a:ext cx="371532" cy="49921"/>
+          <a:off x="573189" y="463774"/>
+          <a:ext cx="371746" cy="53085"/>
         </a:xfrm>
         <a:custGeom>
           <a:avLst/>
@@ -6009,10 +6363,10 @@
           <a:pathLst>
             <a:path>
               <a:moveTo>
-                <a:pt x="0" y="24960"/>
+                <a:pt x="0" y="26542"/>
               </a:moveTo>
               <a:lnTo>
-                <a:pt x="371532" y="24960"/>
+                <a:pt x="371746" y="26542"/>
               </a:lnTo>
             </a:path>
           </a:pathLst>
@@ -6065,8 +6419,8 @@
         </a:p>
       </dsp:txBody>
       <dsp:txXfrm>
-        <a:off x="750028" y="514683"/>
-        <a:ext cx="18576" cy="18576"/>
+        <a:off x="749768" y="481023"/>
+        <a:ext cx="18587" cy="18587"/>
       </dsp:txXfrm>
     </dsp:sp>
     <dsp:sp modelId="{8E6E0CC7-BF5C-1A42-9E5E-EB18ED51D422}">
@@ -6076,8 +6430,8 @@
       </dsp:nvSpPr>
       <dsp:spPr>
         <a:xfrm>
-          <a:off x="885646" y="229861"/>
-          <a:ext cx="631645" cy="315822"/>
+          <a:off x="885464" y="196037"/>
+          <a:ext cx="632009" cy="316004"/>
         </a:xfrm>
         <a:prstGeom prst="roundRect">
           <a:avLst>
@@ -6137,8 +6491,8 @@
         </a:p>
       </dsp:txBody>
       <dsp:txXfrm>
-        <a:off x="894896" y="239111"/>
-        <a:ext cx="613145" cy="297322"/>
+        <a:off x="894719" y="205292"/>
+        <a:ext cx="613499" cy="297494"/>
       </dsp:txXfrm>
     </dsp:sp>
     <dsp:sp modelId="{EF04CBAA-1EA6-1D44-88FB-4C5D29FA81A5}">
@@ -6148,8 +6502,8 @@
       </dsp:nvSpPr>
       <dsp:spPr>
         <a:xfrm rot="19457599">
-          <a:off x="1488046" y="272012"/>
-          <a:ext cx="311149" cy="49921"/>
+          <a:off x="1488211" y="236646"/>
+          <a:ext cx="311328" cy="53085"/>
         </a:xfrm>
         <a:custGeom>
           <a:avLst/>
@@ -6160,10 +6514,10 @@
           <a:pathLst>
             <a:path>
               <a:moveTo>
-                <a:pt x="0" y="24960"/>
+                <a:pt x="0" y="26542"/>
               </a:moveTo>
               <a:lnTo>
-                <a:pt x="311149" y="24960"/>
+                <a:pt x="311328" y="26542"/>
               </a:lnTo>
             </a:path>
           </a:pathLst>
@@ -6216,8 +6570,8 @@
         </a:p>
       </dsp:txBody>
       <dsp:txXfrm>
-        <a:off x="1635842" y="289194"/>
-        <a:ext cx="15557" cy="15557"/>
+        <a:off x="1636092" y="255405"/>
+        <a:ext cx="15566" cy="15566"/>
       </dsp:txXfrm>
     </dsp:sp>
     <dsp:sp modelId="{35C9C338-5F2F-B644-AFAC-6A42B37E50C4}">
@@ -6227,8 +6581,8 @@
       </dsp:nvSpPr>
       <dsp:spPr>
         <a:xfrm>
-          <a:off x="1769950" y="48263"/>
-          <a:ext cx="631645" cy="315822"/>
+          <a:off x="1770277" y="14335"/>
+          <a:ext cx="632009" cy="316004"/>
         </a:xfrm>
         <a:prstGeom prst="roundRect">
           <a:avLst>
@@ -6288,8 +6642,8 @@
         </a:p>
       </dsp:txBody>
       <dsp:txXfrm>
-        <a:off x="1779200" y="57513"/>
-        <a:ext cx="613145" cy="297322"/>
+        <a:off x="1779532" y="23590"/>
+        <a:ext cx="613499" cy="297494"/>
       </dsp:txXfrm>
     </dsp:sp>
     <dsp:sp modelId="{3AC6E51B-46C3-FE47-B7A7-11A7F34CCA7D}">
@@ -6299,8 +6653,8 @@
       </dsp:nvSpPr>
       <dsp:spPr>
         <a:xfrm rot="2142401">
-          <a:off x="1488046" y="453610"/>
-          <a:ext cx="311149" cy="49921"/>
+          <a:off x="1488211" y="418348"/>
+          <a:ext cx="311328" cy="53085"/>
         </a:xfrm>
         <a:custGeom>
           <a:avLst/>
@@ -6311,10 +6665,10 @@
           <a:pathLst>
             <a:path>
               <a:moveTo>
-                <a:pt x="0" y="24960"/>
+                <a:pt x="0" y="26542"/>
               </a:moveTo>
               <a:lnTo>
-                <a:pt x="311149" y="24960"/>
+                <a:pt x="311328" y="26542"/>
               </a:lnTo>
             </a:path>
           </a:pathLst>
@@ -6367,8 +6721,8 @@
         </a:p>
       </dsp:txBody>
       <dsp:txXfrm>
-        <a:off x="1635842" y="470793"/>
-        <a:ext cx="15557" cy="15557"/>
+        <a:off x="1636092" y="437108"/>
+        <a:ext cx="15566" cy="15566"/>
       </dsp:txXfrm>
     </dsp:sp>
     <dsp:sp modelId="{DDC23D12-AAC6-574F-8D9D-BFFE7307DBC8}">
@@ -6378,8 +6732,8 @@
       </dsp:nvSpPr>
       <dsp:spPr>
         <a:xfrm>
-          <a:off x="1769950" y="411459"/>
-          <a:ext cx="631645" cy="315822"/>
+          <a:off x="1770277" y="377740"/>
+          <a:ext cx="632009" cy="316004"/>
         </a:xfrm>
         <a:prstGeom prst="roundRect">
           <a:avLst>
@@ -6439,8 +6793,8 @@
         </a:p>
       </dsp:txBody>
       <dsp:txXfrm>
-        <a:off x="1779200" y="420709"/>
-        <a:ext cx="613145" cy="297322"/>
+        <a:off x="1779532" y="386995"/>
+        <a:ext cx="613499" cy="297494"/>
       </dsp:txXfrm>
     </dsp:sp>
     <dsp:sp modelId="{167BAEFD-587A-6C40-A4E5-211B67B739A5}">
@@ -6450,8 +6804,8 @@
       </dsp:nvSpPr>
       <dsp:spPr>
         <a:xfrm rot="2829178">
-          <a:off x="573550" y="771407"/>
-          <a:ext cx="371532" cy="49921"/>
+          <a:off x="573189" y="736328"/>
+          <a:ext cx="371746" cy="53085"/>
         </a:xfrm>
         <a:custGeom>
           <a:avLst/>
@@ -6462,10 +6816,10 @@
           <a:pathLst>
             <a:path>
               <a:moveTo>
-                <a:pt x="0" y="24960"/>
+                <a:pt x="0" y="26542"/>
               </a:moveTo>
               <a:lnTo>
-                <a:pt x="371532" y="24960"/>
+                <a:pt x="371746" y="26542"/>
               </a:lnTo>
             </a:path>
           </a:pathLst>
@@ -6518,8 +6872,8 @@
         </a:p>
       </dsp:txBody>
       <dsp:txXfrm>
-        <a:off x="750028" y="787080"/>
-        <a:ext cx="18576" cy="18576"/>
+        <a:off x="749768" y="753577"/>
+        <a:ext cx="18587" cy="18587"/>
       </dsp:txXfrm>
     </dsp:sp>
     <dsp:sp modelId="{D10A89A7-21E3-054D-B77E-57F113F7384D}">
@@ -6529,8 +6883,8 @@
       </dsp:nvSpPr>
       <dsp:spPr>
         <a:xfrm>
-          <a:off x="885646" y="774655"/>
-          <a:ext cx="631645" cy="315822"/>
+          <a:off x="885464" y="741146"/>
+          <a:ext cx="632009" cy="316004"/>
         </a:xfrm>
         <a:prstGeom prst="roundRect">
           <a:avLst>
@@ -6590,8 +6944,8 @@
         </a:p>
       </dsp:txBody>
       <dsp:txXfrm>
-        <a:off x="894896" y="783905"/>
-        <a:ext cx="613145" cy="297322"/>
+        <a:off x="894719" y="750401"/>
+        <a:ext cx="613499" cy="297494"/>
       </dsp:txXfrm>
     </dsp:sp>
     <dsp:sp modelId="{2C2CD9E2-5FF8-9943-8AE3-69F6FEF97029}">
@@ -6601,8 +6955,8 @@
       </dsp:nvSpPr>
       <dsp:spPr>
         <a:xfrm>
-          <a:off x="1517291" y="907606"/>
-          <a:ext cx="252658" cy="49921"/>
+          <a:off x="1517473" y="872605"/>
+          <a:ext cx="252803" cy="53085"/>
         </a:xfrm>
         <a:custGeom>
           <a:avLst/>
@@ -6613,10 +6967,10 @@
           <a:pathLst>
             <a:path>
               <a:moveTo>
-                <a:pt x="0" y="24960"/>
+                <a:pt x="0" y="26542"/>
               </a:moveTo>
               <a:lnTo>
-                <a:pt x="252658" y="24960"/>
+                <a:pt x="252803" y="26542"/>
               </a:lnTo>
             </a:path>
           </a:pathLst>
@@ -6669,8 +7023,8 @@
         </a:p>
       </dsp:txBody>
       <dsp:txXfrm>
-        <a:off x="1637304" y="926250"/>
-        <a:ext cx="12632" cy="12632"/>
+        <a:off x="1637555" y="892828"/>
+        <a:ext cx="12640" cy="12640"/>
       </dsp:txXfrm>
     </dsp:sp>
     <dsp:sp modelId="{58CB3291-805C-4B41-89EE-E0092F8FBA39}">
@@ -6680,8 +7034,8 @@
       </dsp:nvSpPr>
       <dsp:spPr>
         <a:xfrm>
-          <a:off x="1769950" y="774655"/>
-          <a:ext cx="631645" cy="315822"/>
+          <a:off x="1770277" y="741146"/>
+          <a:ext cx="632009" cy="316004"/>
         </a:xfrm>
         <a:prstGeom prst="roundRect">
           <a:avLst>
@@ -6741,8 +7095,8 @@
         </a:p>
       </dsp:txBody>
       <dsp:txXfrm>
-        <a:off x="1779200" y="783905"/>
-        <a:ext cx="613145" cy="297322"/>
+        <a:off x="1779532" y="750401"/>
+        <a:ext cx="613499" cy="297494"/>
       </dsp:txXfrm>
     </dsp:sp>
   </dsp:spTree>
@@ -10811,6 +11165,576 @@
 </dgm:styleDef>
 </file>
 
+<file path=ppt/notesMasters/notesMaster1.xml><?xml version="1.0" encoding="utf-8"?>
+<p:notesMaster xmlns:a="http://schemas.openxmlformats.org/drawingml/2006/main" xmlns:r="http://schemas.openxmlformats.org/officeDocument/2006/relationships" xmlns:p="http://schemas.openxmlformats.org/presentationml/2006/main">
+  <p:cSld>
+    <p:bg>
+      <p:bgRef idx="1001">
+        <a:schemeClr val="bg1"/>
+      </p:bgRef>
+    </p:bg>
+    <p:spTree>
+      <p:nvGrpSpPr>
+        <p:cNvPr id="1" name=""/>
+        <p:cNvGrpSpPr/>
+        <p:nvPr/>
+      </p:nvGrpSpPr>
+      <p:grpSpPr>
+        <a:xfrm>
+          <a:off x="0" y="0"/>
+          <a:ext cx="0" cy="0"/>
+          <a:chOff x="0" y="0"/>
+          <a:chExt cx="0" cy="0"/>
+        </a:xfrm>
+      </p:grpSpPr>
+      <p:sp>
+        <p:nvSpPr>
+          <p:cNvPr id="2" name="ヘッダー プレースホルダー 1"/>
+          <p:cNvSpPr>
+            <a:spLocks noGrp="1"/>
+          </p:cNvSpPr>
+          <p:nvPr>
+            <p:ph type="hdr" sz="quarter"/>
+          </p:nvPr>
+        </p:nvSpPr>
+        <p:spPr>
+          <a:xfrm>
+            <a:off x="0" y="0"/>
+            <a:ext cx="2971800" cy="457200"/>
+          </a:xfrm>
+          <a:prstGeom prst="rect">
+            <a:avLst/>
+          </a:prstGeom>
+        </p:spPr>
+        <p:txBody>
+          <a:bodyPr vert="horz" lIns="91440" tIns="45720" rIns="91440" bIns="45720" rtlCol="0"/>
+          <a:lstStyle>
+            <a:lvl1pPr algn="l">
+              <a:defRPr sz="1200"/>
+            </a:lvl1pPr>
+          </a:lstStyle>
+          <a:p>
+            <a:endParaRPr kumimoji="1" lang="ja-JP" altLang="en-US"/>
+          </a:p>
+        </p:txBody>
+      </p:sp>
+      <p:sp>
+        <p:nvSpPr>
+          <p:cNvPr id="3" name="日付プレースホルダー 2"/>
+          <p:cNvSpPr>
+            <a:spLocks noGrp="1"/>
+          </p:cNvSpPr>
+          <p:nvPr>
+            <p:ph type="dt" idx="1"/>
+          </p:nvPr>
+        </p:nvSpPr>
+        <p:spPr>
+          <a:xfrm>
+            <a:off x="3884613" y="0"/>
+            <a:ext cx="2971800" cy="457200"/>
+          </a:xfrm>
+          <a:prstGeom prst="rect">
+            <a:avLst/>
+          </a:prstGeom>
+        </p:spPr>
+        <p:txBody>
+          <a:bodyPr vert="horz" lIns="91440" tIns="45720" rIns="91440" bIns="45720" rtlCol="0"/>
+          <a:lstStyle>
+            <a:lvl1pPr algn="r">
+              <a:defRPr sz="1200"/>
+            </a:lvl1pPr>
+          </a:lstStyle>
+          <a:p>
+            <a:fld id="{07C89E97-5434-9C4E-B6E5-C9F9FBA5FCE1}" type="datetimeFigureOut">
+              <a:rPr kumimoji="1" lang="ja-JP" altLang="en-US" smtClean="0"/>
+              <a:t>2014/10/12</a:t>
+            </a:fld>
+            <a:endParaRPr kumimoji="1" lang="ja-JP" altLang="en-US"/>
+          </a:p>
+        </p:txBody>
+      </p:sp>
+      <p:sp>
+        <p:nvSpPr>
+          <p:cNvPr id="4" name="スライド イメージ プレースホルダー 3"/>
+          <p:cNvSpPr>
+            <a:spLocks noGrp="1" noRot="1" noChangeAspect="1"/>
+          </p:cNvSpPr>
+          <p:nvPr>
+            <p:ph type="sldImg" idx="2"/>
+          </p:nvPr>
+        </p:nvSpPr>
+        <p:spPr>
+          <a:xfrm>
+            <a:off x="1143000" y="685800"/>
+            <a:ext cx="4572000" cy="3429000"/>
+          </a:xfrm>
+          <a:prstGeom prst="rect">
+            <a:avLst/>
+          </a:prstGeom>
+          <a:noFill/>
+          <a:ln w="12700">
+            <a:solidFill>
+              <a:prstClr val="black"/>
+            </a:solidFill>
+          </a:ln>
+        </p:spPr>
+        <p:txBody>
+          <a:bodyPr vert="horz" lIns="91440" tIns="45720" rIns="91440" bIns="45720" rtlCol="0" anchor="ctr"/>
+          <a:lstStyle/>
+          <a:p>
+            <a:endParaRPr lang="ja-JP" altLang="en-US"/>
+          </a:p>
+        </p:txBody>
+      </p:sp>
+      <p:sp>
+        <p:nvSpPr>
+          <p:cNvPr id="5" name="ノート プレースホルダー 4"/>
+          <p:cNvSpPr>
+            <a:spLocks noGrp="1"/>
+          </p:cNvSpPr>
+          <p:nvPr>
+            <p:ph type="body" sz="quarter" idx="3"/>
+          </p:nvPr>
+        </p:nvSpPr>
+        <p:spPr>
+          <a:xfrm>
+            <a:off x="685800" y="4343400"/>
+            <a:ext cx="5486400" cy="4114800"/>
+          </a:xfrm>
+          <a:prstGeom prst="rect">
+            <a:avLst/>
+          </a:prstGeom>
+        </p:spPr>
+        <p:txBody>
+          <a:bodyPr vert="horz" lIns="91440" tIns="45720" rIns="91440" bIns="45720" rtlCol="0"/>
+          <a:lstStyle/>
+          <a:p>
+            <a:pPr lvl="0"/>
+            <a:r>
+              <a:rPr kumimoji="1" lang="ja-JP" altLang="en-US" smtClean="0"/>
+              <a:t>マスター テキストの書式設定</a:t>
+            </a:r>
+          </a:p>
+          <a:p>
+            <a:pPr lvl="1"/>
+            <a:r>
+              <a:rPr kumimoji="1" lang="ja-JP" altLang="en-US" smtClean="0"/>
+              <a:t>第 </a:t>
+            </a:r>
+            <a:r>
+              <a:rPr kumimoji="1" lang="en-US" altLang="ja-JP" smtClean="0"/>
+              <a:t>2 </a:t>
+            </a:r>
+            <a:r>
+              <a:rPr kumimoji="1" lang="ja-JP" altLang="en-US" smtClean="0"/>
+              <a:t>レベル</a:t>
+            </a:r>
+          </a:p>
+          <a:p>
+            <a:pPr lvl="2"/>
+            <a:r>
+              <a:rPr kumimoji="1" lang="ja-JP" altLang="en-US" smtClean="0"/>
+              <a:t>第 </a:t>
+            </a:r>
+            <a:r>
+              <a:rPr kumimoji="1" lang="en-US" altLang="ja-JP" smtClean="0"/>
+              <a:t>3 </a:t>
+            </a:r>
+            <a:r>
+              <a:rPr kumimoji="1" lang="ja-JP" altLang="en-US" smtClean="0"/>
+              <a:t>レベル</a:t>
+            </a:r>
+          </a:p>
+          <a:p>
+            <a:pPr lvl="3"/>
+            <a:r>
+              <a:rPr kumimoji="1" lang="ja-JP" altLang="en-US" smtClean="0"/>
+              <a:t>第 </a:t>
+            </a:r>
+            <a:r>
+              <a:rPr kumimoji="1" lang="en-US" altLang="ja-JP" smtClean="0"/>
+              <a:t>4 </a:t>
+            </a:r>
+            <a:r>
+              <a:rPr kumimoji="1" lang="ja-JP" altLang="en-US" smtClean="0"/>
+              <a:t>レベル</a:t>
+            </a:r>
+          </a:p>
+          <a:p>
+            <a:pPr lvl="4"/>
+            <a:r>
+              <a:rPr kumimoji="1" lang="ja-JP" altLang="en-US" smtClean="0"/>
+              <a:t>第 </a:t>
+            </a:r>
+            <a:r>
+              <a:rPr kumimoji="1" lang="en-US" altLang="ja-JP" smtClean="0"/>
+              <a:t>5 </a:t>
+            </a:r>
+            <a:r>
+              <a:rPr kumimoji="1" lang="ja-JP" altLang="en-US" smtClean="0"/>
+              <a:t>レベル</a:t>
+            </a:r>
+            <a:endParaRPr kumimoji="1" lang="ja-JP" altLang="en-US"/>
+          </a:p>
+        </p:txBody>
+      </p:sp>
+      <p:sp>
+        <p:nvSpPr>
+          <p:cNvPr id="6" name="フッター プレースホルダー 5"/>
+          <p:cNvSpPr>
+            <a:spLocks noGrp="1"/>
+          </p:cNvSpPr>
+          <p:nvPr>
+            <p:ph type="ftr" sz="quarter" idx="4"/>
+          </p:nvPr>
+        </p:nvSpPr>
+        <p:spPr>
+          <a:xfrm>
+            <a:off x="0" y="8685213"/>
+            <a:ext cx="2971800" cy="457200"/>
+          </a:xfrm>
+          <a:prstGeom prst="rect">
+            <a:avLst/>
+          </a:prstGeom>
+        </p:spPr>
+        <p:txBody>
+          <a:bodyPr vert="horz" lIns="91440" tIns="45720" rIns="91440" bIns="45720" rtlCol="0" anchor="b"/>
+          <a:lstStyle>
+            <a:lvl1pPr algn="l">
+              <a:defRPr sz="1200"/>
+            </a:lvl1pPr>
+          </a:lstStyle>
+          <a:p>
+            <a:endParaRPr kumimoji="1" lang="ja-JP" altLang="en-US"/>
+          </a:p>
+        </p:txBody>
+      </p:sp>
+      <p:sp>
+        <p:nvSpPr>
+          <p:cNvPr id="7" name="スライド番号プレースホルダー 6"/>
+          <p:cNvSpPr>
+            <a:spLocks noGrp="1"/>
+          </p:cNvSpPr>
+          <p:nvPr>
+            <p:ph type="sldNum" sz="quarter" idx="5"/>
+          </p:nvPr>
+        </p:nvSpPr>
+        <p:spPr>
+          <a:xfrm>
+            <a:off x="3884613" y="8685213"/>
+            <a:ext cx="2971800" cy="457200"/>
+          </a:xfrm>
+          <a:prstGeom prst="rect">
+            <a:avLst/>
+          </a:prstGeom>
+        </p:spPr>
+        <p:txBody>
+          <a:bodyPr vert="horz" lIns="91440" tIns="45720" rIns="91440" bIns="45720" rtlCol="0" anchor="b"/>
+          <a:lstStyle>
+            <a:lvl1pPr algn="r">
+              <a:defRPr sz="1200"/>
+            </a:lvl1pPr>
+          </a:lstStyle>
+          <a:p>
+            <a:fld id="{9B414CEF-9AC9-7B40-8689-4792AE055851}" type="slidenum">
+              <a:rPr kumimoji="1" lang="ja-JP" altLang="en-US" smtClean="0"/>
+              <a:t>‹#›</a:t>
+            </a:fld>
+            <a:endParaRPr kumimoji="1" lang="ja-JP" altLang="en-US"/>
+          </a:p>
+        </p:txBody>
+      </p:sp>
+    </p:spTree>
+    <p:extLst>
+      <p:ext uri="{BB962C8B-B14F-4D97-AF65-F5344CB8AC3E}">
+        <p14:creationId xmlns:p14="http://schemas.microsoft.com/office/powerpoint/2010/main" val="3279660343"/>
+      </p:ext>
+    </p:extLst>
+  </p:cSld>
+  <p:clrMap bg1="lt1" tx1="dk1" bg2="lt2" tx2="dk2" accent1="accent1" accent2="accent2" accent3="accent3" accent4="accent4" accent5="accent5" accent6="accent6" hlink="hlink" folHlink="folHlink"/>
+  <p:notesStyle>
+    <a:lvl1pPr marL="0" algn="l" defTabSz="457200" rtl="0" eaLnBrk="1" latinLnBrk="0" hangingPunct="1">
+      <a:defRPr kumimoji="1" sz="1200" kern="1200">
+        <a:solidFill>
+          <a:schemeClr val="tx1"/>
+        </a:solidFill>
+        <a:latin typeface="+mn-lt"/>
+        <a:ea typeface="+mn-ea"/>
+        <a:cs typeface="+mn-cs"/>
+      </a:defRPr>
+    </a:lvl1pPr>
+    <a:lvl2pPr marL="457200" algn="l" defTabSz="457200" rtl="0" eaLnBrk="1" latinLnBrk="0" hangingPunct="1">
+      <a:defRPr kumimoji="1" sz="1200" kern="1200">
+        <a:solidFill>
+          <a:schemeClr val="tx1"/>
+        </a:solidFill>
+        <a:latin typeface="+mn-lt"/>
+        <a:ea typeface="+mn-ea"/>
+        <a:cs typeface="+mn-cs"/>
+      </a:defRPr>
+    </a:lvl2pPr>
+    <a:lvl3pPr marL="914400" algn="l" defTabSz="457200" rtl="0" eaLnBrk="1" latinLnBrk="0" hangingPunct="1">
+      <a:defRPr kumimoji="1" sz="1200" kern="1200">
+        <a:solidFill>
+          <a:schemeClr val="tx1"/>
+        </a:solidFill>
+        <a:latin typeface="+mn-lt"/>
+        <a:ea typeface="+mn-ea"/>
+        <a:cs typeface="+mn-cs"/>
+      </a:defRPr>
+    </a:lvl3pPr>
+    <a:lvl4pPr marL="1371600" algn="l" defTabSz="457200" rtl="0" eaLnBrk="1" latinLnBrk="0" hangingPunct="1">
+      <a:defRPr kumimoji="1" sz="1200" kern="1200">
+        <a:solidFill>
+          <a:schemeClr val="tx1"/>
+        </a:solidFill>
+        <a:latin typeface="+mn-lt"/>
+        <a:ea typeface="+mn-ea"/>
+        <a:cs typeface="+mn-cs"/>
+      </a:defRPr>
+    </a:lvl4pPr>
+    <a:lvl5pPr marL="1828800" algn="l" defTabSz="457200" rtl="0" eaLnBrk="1" latinLnBrk="0" hangingPunct="1">
+      <a:defRPr kumimoji="1" sz="1200" kern="1200">
+        <a:solidFill>
+          <a:schemeClr val="tx1"/>
+        </a:solidFill>
+        <a:latin typeface="+mn-lt"/>
+        <a:ea typeface="+mn-ea"/>
+        <a:cs typeface="+mn-cs"/>
+      </a:defRPr>
+    </a:lvl5pPr>
+    <a:lvl6pPr marL="2286000" algn="l" defTabSz="457200" rtl="0" eaLnBrk="1" latinLnBrk="0" hangingPunct="1">
+      <a:defRPr kumimoji="1" sz="1200" kern="1200">
+        <a:solidFill>
+          <a:schemeClr val="tx1"/>
+        </a:solidFill>
+        <a:latin typeface="+mn-lt"/>
+        <a:ea typeface="+mn-ea"/>
+        <a:cs typeface="+mn-cs"/>
+      </a:defRPr>
+    </a:lvl6pPr>
+    <a:lvl7pPr marL="2743200" algn="l" defTabSz="457200" rtl="0" eaLnBrk="1" latinLnBrk="0" hangingPunct="1">
+      <a:defRPr kumimoji="1" sz="1200" kern="1200">
+        <a:solidFill>
+          <a:schemeClr val="tx1"/>
+        </a:solidFill>
+        <a:latin typeface="+mn-lt"/>
+        <a:ea typeface="+mn-ea"/>
+        <a:cs typeface="+mn-cs"/>
+      </a:defRPr>
+    </a:lvl7pPr>
+    <a:lvl8pPr marL="3200400" algn="l" defTabSz="457200" rtl="0" eaLnBrk="1" latinLnBrk="0" hangingPunct="1">
+      <a:defRPr kumimoji="1" sz="1200" kern="1200">
+        <a:solidFill>
+          <a:schemeClr val="tx1"/>
+        </a:solidFill>
+        <a:latin typeface="+mn-lt"/>
+        <a:ea typeface="+mn-ea"/>
+        <a:cs typeface="+mn-cs"/>
+      </a:defRPr>
+    </a:lvl8pPr>
+    <a:lvl9pPr marL="3657600" algn="l" defTabSz="457200" rtl="0" eaLnBrk="1" latinLnBrk="0" hangingPunct="1">
+      <a:defRPr kumimoji="1" sz="1200" kern="1200">
+        <a:solidFill>
+          <a:schemeClr val="tx1"/>
+        </a:solidFill>
+        <a:latin typeface="+mn-lt"/>
+        <a:ea typeface="+mn-ea"/>
+        <a:cs typeface="+mn-cs"/>
+      </a:defRPr>
+    </a:lvl9pPr>
+  </p:notesStyle>
+</p:notesMaster>
+</file>
+
+<file path=ppt/notesSlides/notesSlide1.xml><?xml version="1.0" encoding="utf-8"?>
+<p:notes xmlns:a="http://schemas.openxmlformats.org/drawingml/2006/main" xmlns:r="http://schemas.openxmlformats.org/officeDocument/2006/relationships" xmlns:p="http://schemas.openxmlformats.org/presentationml/2006/main">
+  <p:cSld>
+    <p:spTree>
+      <p:nvGrpSpPr>
+        <p:cNvPr id="1" name=""/>
+        <p:cNvGrpSpPr/>
+        <p:nvPr/>
+      </p:nvGrpSpPr>
+      <p:grpSpPr>
+        <a:xfrm>
+          <a:off x="0" y="0"/>
+          <a:ext cx="0" cy="0"/>
+          <a:chOff x="0" y="0"/>
+          <a:chExt cx="0" cy="0"/>
+        </a:xfrm>
+      </p:grpSpPr>
+      <p:sp>
+        <p:nvSpPr>
+          <p:cNvPr id="2" name="スライド イメージ プレースホルダー 1"/>
+          <p:cNvSpPr>
+            <a:spLocks noGrp="1" noRot="1" noChangeAspect="1"/>
+          </p:cNvSpPr>
+          <p:nvPr>
+            <p:ph type="sldImg"/>
+          </p:nvPr>
+        </p:nvSpPr>
+        <p:spPr/>
+      </p:sp>
+      <p:sp>
+        <p:nvSpPr>
+          <p:cNvPr id="3" name="ノート プレースホルダー 2"/>
+          <p:cNvSpPr>
+            <a:spLocks noGrp="1"/>
+          </p:cNvSpPr>
+          <p:nvPr>
+            <p:ph type="body" idx="1"/>
+          </p:nvPr>
+        </p:nvSpPr>
+        <p:spPr/>
+        <p:txBody>
+          <a:bodyPr/>
+          <a:lstStyle/>
+          <a:p>
+            <a:r>
+              <a:rPr kumimoji="1" lang="ja-JP" altLang="en-US" dirty="0" smtClean="0"/>
+              <a:t>これはいらないか？</a:t>
+            </a:r>
+            <a:endParaRPr kumimoji="1" lang="ja-JP" altLang="en-US" dirty="0"/>
+          </a:p>
+        </p:txBody>
+      </p:sp>
+      <p:sp>
+        <p:nvSpPr>
+          <p:cNvPr id="4" name="スライド番号プレースホルダー 3"/>
+          <p:cNvSpPr>
+            <a:spLocks noGrp="1"/>
+          </p:cNvSpPr>
+          <p:nvPr>
+            <p:ph type="sldNum" sz="quarter" idx="10"/>
+          </p:nvPr>
+        </p:nvSpPr>
+        <p:spPr/>
+        <p:txBody>
+          <a:bodyPr/>
+          <a:lstStyle/>
+          <a:p>
+            <a:fld id="{9B414CEF-9AC9-7B40-8689-4792AE055851}" type="slidenum">
+              <a:rPr kumimoji="1" lang="ja-JP" altLang="en-US" smtClean="0"/>
+              <a:t>7</a:t>
+            </a:fld>
+            <a:endParaRPr kumimoji="1" lang="ja-JP" altLang="en-US"/>
+          </a:p>
+        </p:txBody>
+      </p:sp>
+    </p:spTree>
+    <p:extLst>
+      <p:ext uri="{BB962C8B-B14F-4D97-AF65-F5344CB8AC3E}">
+        <p14:creationId xmlns:p14="http://schemas.microsoft.com/office/powerpoint/2010/main" val="2499578605"/>
+      </p:ext>
+    </p:extLst>
+  </p:cSld>
+  <p:clrMapOvr>
+    <a:masterClrMapping/>
+  </p:clrMapOvr>
+</p:notes>
+</file>
+
+<file path=ppt/notesSlides/notesSlide2.xml><?xml version="1.0" encoding="utf-8"?>
+<p:notes xmlns:a="http://schemas.openxmlformats.org/drawingml/2006/main" xmlns:r="http://schemas.openxmlformats.org/officeDocument/2006/relationships" xmlns:p="http://schemas.openxmlformats.org/presentationml/2006/main">
+  <p:cSld>
+    <p:spTree>
+      <p:nvGrpSpPr>
+        <p:cNvPr id="1" name=""/>
+        <p:cNvGrpSpPr/>
+        <p:nvPr/>
+      </p:nvGrpSpPr>
+      <p:grpSpPr>
+        <a:xfrm>
+          <a:off x="0" y="0"/>
+          <a:ext cx="0" cy="0"/>
+          <a:chOff x="0" y="0"/>
+          <a:chExt cx="0" cy="0"/>
+        </a:xfrm>
+      </p:grpSpPr>
+      <p:sp>
+        <p:nvSpPr>
+          <p:cNvPr id="2" name="スライド イメージ プレースホルダー 1"/>
+          <p:cNvSpPr>
+            <a:spLocks noGrp="1" noRot="1" noChangeAspect="1"/>
+          </p:cNvSpPr>
+          <p:nvPr>
+            <p:ph type="sldImg"/>
+          </p:nvPr>
+        </p:nvSpPr>
+        <p:spPr/>
+      </p:sp>
+      <p:sp>
+        <p:nvSpPr>
+          <p:cNvPr id="3" name="ノート プレースホルダー 2"/>
+          <p:cNvSpPr>
+            <a:spLocks noGrp="1"/>
+          </p:cNvSpPr>
+          <p:nvPr>
+            <p:ph type="body" idx="1"/>
+          </p:nvPr>
+        </p:nvSpPr>
+        <p:spPr/>
+        <p:txBody>
+          <a:bodyPr/>
+          <a:lstStyle/>
+          <a:p>
+            <a:r>
+              <a:rPr kumimoji="1" lang="en-US" altLang="ja-JP" dirty="0" smtClean="0"/>
+              <a:t>[3]</a:t>
+            </a:r>
+            <a:r>
+              <a:rPr kumimoji="1" lang="ja-JP" altLang="en-US" dirty="0" smtClean="0"/>
+              <a:t>の</a:t>
+            </a:r>
+            <a:r>
+              <a:rPr kumimoji="1" lang="en-US" altLang="ja-JP" dirty="0" smtClean="0"/>
+              <a:t>Judd</a:t>
+            </a:r>
+            <a:r>
+              <a:rPr kumimoji="1" lang="ja-JP" altLang="en-US" dirty="0" smtClean="0"/>
+              <a:t>モデルが並列的処理で、同様の問題がある</a:t>
+            </a:r>
+            <a:endParaRPr kumimoji="1" lang="ja-JP" altLang="en-US" dirty="0"/>
+          </a:p>
+        </p:txBody>
+      </p:sp>
+      <p:sp>
+        <p:nvSpPr>
+          <p:cNvPr id="4" name="スライド番号プレースホルダー 3"/>
+          <p:cNvSpPr>
+            <a:spLocks noGrp="1"/>
+          </p:cNvSpPr>
+          <p:nvPr>
+            <p:ph type="sldNum" sz="quarter" idx="10"/>
+          </p:nvPr>
+        </p:nvSpPr>
+        <p:spPr/>
+        <p:txBody>
+          <a:bodyPr/>
+          <a:lstStyle/>
+          <a:p>
+            <a:fld id="{9B414CEF-9AC9-7B40-8689-4792AE055851}" type="slidenum">
+              <a:rPr kumimoji="1" lang="ja-JP" altLang="en-US" smtClean="0"/>
+              <a:t>8</a:t>
+            </a:fld>
+            <a:endParaRPr kumimoji="1" lang="ja-JP" altLang="en-US"/>
+          </a:p>
+        </p:txBody>
+      </p:sp>
+    </p:spTree>
+    <p:extLst>
+      <p:ext uri="{BB962C8B-B14F-4D97-AF65-F5344CB8AC3E}">
+        <p14:creationId xmlns:p14="http://schemas.microsoft.com/office/powerpoint/2010/main" val="629013122"/>
+      </p:ext>
+    </p:extLst>
+  </p:cSld>
+  <p:clrMapOvr>
+    <a:masterClrMapping/>
+  </p:clrMapOvr>
+</p:notes>
+</file>
+
 <file path=ppt/slideLayouts/slideLayout1.xml><?xml version="1.0" encoding="utf-8"?>
 <p:sldLayout xmlns:a="http://schemas.openxmlformats.org/drawingml/2006/main" xmlns:r="http://schemas.openxmlformats.org/officeDocument/2006/relationships" xmlns:p="http://schemas.openxmlformats.org/presentationml/2006/main" type="title" preserve="1">
   <p:cSld name="タイトル スライド">
@@ -10992,7 +11916,7 @@
           <a:p>
             <a:fld id="{8E38DBD1-F25C-9E4F-851F-C78CA3583CBD}" type="datetimeFigureOut">
               <a:rPr kumimoji="1" lang="ja-JP" altLang="en-US" smtClean="0"/>
-              <a:t>2014/10/11</a:t>
+              <a:t>2014/10/12</a:t>
             </a:fld>
             <a:endParaRPr kumimoji="1" lang="ja-JP" altLang="en-US"/>
           </a:p>
@@ -11194,7 +12118,7 @@
           <a:p>
             <a:fld id="{8E38DBD1-F25C-9E4F-851F-C78CA3583CBD}" type="datetimeFigureOut">
               <a:rPr kumimoji="1" lang="ja-JP" altLang="en-US" smtClean="0"/>
-              <a:t>2014/10/11</a:t>
+              <a:t>2014/10/12</a:t>
             </a:fld>
             <a:endParaRPr kumimoji="1" lang="ja-JP" altLang="en-US"/>
           </a:p>
@@ -11406,7 +12330,7 @@
           <a:p>
             <a:fld id="{8E38DBD1-F25C-9E4F-851F-C78CA3583CBD}" type="datetimeFigureOut">
               <a:rPr kumimoji="1" lang="ja-JP" altLang="en-US" smtClean="0"/>
-              <a:t>2014/10/11</a:t>
+              <a:t>2014/10/12</a:t>
             </a:fld>
             <a:endParaRPr kumimoji="1" lang="ja-JP" altLang="en-US"/>
           </a:p>
@@ -11608,7 +12532,7 @@
           <a:p>
             <a:fld id="{8E38DBD1-F25C-9E4F-851F-C78CA3583CBD}" type="datetimeFigureOut">
               <a:rPr kumimoji="1" lang="ja-JP" altLang="en-US" smtClean="0"/>
-              <a:t>2014/10/11</a:t>
+              <a:t>2014/10/12</a:t>
             </a:fld>
             <a:endParaRPr kumimoji="1" lang="ja-JP" altLang="en-US"/>
           </a:p>
@@ -11854,7 +12778,7 @@
           <a:p>
             <a:fld id="{8E38DBD1-F25C-9E4F-851F-C78CA3583CBD}" type="datetimeFigureOut">
               <a:rPr kumimoji="1" lang="ja-JP" altLang="en-US" smtClean="0"/>
-              <a:t>2014/10/11</a:t>
+              <a:t>2014/10/12</a:t>
             </a:fld>
             <a:endParaRPr kumimoji="1" lang="ja-JP" altLang="en-US"/>
           </a:p>
@@ -12206,7 +13130,7 @@
           <a:p>
             <a:fld id="{8E38DBD1-F25C-9E4F-851F-C78CA3583CBD}" type="datetimeFigureOut">
               <a:rPr kumimoji="1" lang="ja-JP" altLang="en-US" smtClean="0"/>
-              <a:t>2014/10/11</a:t>
+              <a:t>2014/10/12</a:t>
             </a:fld>
             <a:endParaRPr kumimoji="1" lang="ja-JP" altLang="en-US"/>
           </a:p>
@@ -12692,7 +13616,7 @@
           <a:p>
             <a:fld id="{8E38DBD1-F25C-9E4F-851F-C78CA3583CBD}" type="datetimeFigureOut">
               <a:rPr kumimoji="1" lang="ja-JP" altLang="en-US" smtClean="0"/>
-              <a:t>2014/10/11</a:t>
+              <a:t>2014/10/12</a:t>
             </a:fld>
             <a:endParaRPr kumimoji="1" lang="ja-JP" altLang="en-US"/>
           </a:p>
@@ -12810,7 +13734,7 @@
           <a:p>
             <a:fld id="{8E38DBD1-F25C-9E4F-851F-C78CA3583CBD}" type="datetimeFigureOut">
               <a:rPr kumimoji="1" lang="ja-JP" altLang="en-US" smtClean="0"/>
-              <a:t>2014/10/11</a:t>
+              <a:t>2014/10/12</a:t>
             </a:fld>
             <a:endParaRPr kumimoji="1" lang="ja-JP" altLang="en-US"/>
           </a:p>
@@ -12905,7 +13829,7 @@
           <a:p>
             <a:fld id="{8E38DBD1-F25C-9E4F-851F-C78CA3583CBD}" type="datetimeFigureOut">
               <a:rPr kumimoji="1" lang="ja-JP" altLang="en-US" smtClean="0"/>
-              <a:t>2014/10/11</a:t>
+              <a:t>2014/10/12</a:t>
             </a:fld>
             <a:endParaRPr kumimoji="1" lang="ja-JP" altLang="en-US"/>
           </a:p>
@@ -13214,7 +14138,7 @@
           <a:p>
             <a:fld id="{8E38DBD1-F25C-9E4F-851F-C78CA3583CBD}" type="datetimeFigureOut">
               <a:rPr kumimoji="1" lang="ja-JP" altLang="en-US" smtClean="0"/>
-              <a:t>2014/10/11</a:t>
+              <a:t>2014/10/12</a:t>
             </a:fld>
             <a:endParaRPr kumimoji="1" lang="ja-JP" altLang="en-US"/>
           </a:p>
@@ -13467,7 +14391,7 @@
           <a:p>
             <a:fld id="{8E38DBD1-F25C-9E4F-851F-C78CA3583CBD}" type="datetimeFigureOut">
               <a:rPr kumimoji="1" lang="ja-JP" altLang="en-US" smtClean="0"/>
-              <a:t>2014/10/11</a:t>
+              <a:t>2014/10/12</a:t>
             </a:fld>
             <a:endParaRPr kumimoji="1" lang="ja-JP" altLang="en-US"/>
           </a:p>
@@ -13712,7 +14636,7 @@
           <a:p>
             <a:fld id="{8E38DBD1-F25C-9E4F-851F-C78CA3583CBD}" type="datetimeFigureOut">
               <a:rPr kumimoji="1" lang="ja-JP" altLang="en-US" smtClean="0"/>
-              <a:t>2014/10/11</a:t>
+              <a:t>2014/10/12</a:t>
             </a:fld>
             <a:endParaRPr kumimoji="1" lang="ja-JP" altLang="en-US"/>
           </a:p>
@@ -14209,82 +15133,619 @@
             <p:ph type="title"/>
           </p:nvPr>
         </p:nvSpPr>
-        <p:spPr/>
+        <p:spPr>
+          <a:xfrm>
+            <a:off x="457200" y="274638"/>
+            <a:ext cx="8229600" cy="849505"/>
+          </a:xfrm>
+        </p:spPr>
         <p:txBody>
           <a:bodyPr/>
           <a:lstStyle/>
           <a:p>
             <a:r>
               <a:rPr lang="ja-JP" altLang="en-US" dirty="0" smtClean="0"/>
-              <a:t>類似研究・手段ついての検討</a:t>
+              <a:t>提案の手法</a:t>
             </a:r>
             <a:endParaRPr kumimoji="1" lang="ja-JP" altLang="en-US" dirty="0"/>
           </a:p>
         </p:txBody>
       </p:sp>
-      <p:sp>
-        <p:nvSpPr>
-          <p:cNvPr id="3" name="コンテンツ プレースホルダー 2"/>
-          <p:cNvSpPr>
-            <a:spLocks noGrp="1"/>
-          </p:cNvSpPr>
-          <p:nvPr>
-            <p:ph idx="1"/>
-          </p:nvPr>
-        </p:nvSpPr>
-        <p:spPr/>
-        <p:txBody>
-          <a:bodyPr/>
-          <a:lstStyle/>
-          <a:p>
-            <a:r>
-              <a:rPr kumimoji="1" lang="ja-JP" altLang="en-US" dirty="0" smtClean="0"/>
-              <a:t>プログラミング環境</a:t>
-            </a:r>
-            <a:endParaRPr kumimoji="1" lang="en-US" altLang="ja-JP" dirty="0" smtClean="0"/>
-          </a:p>
-          <a:p>
-            <a:pPr lvl="1"/>
-            <a:r>
-              <a:rPr lang="ja-JP" altLang="en-US" dirty="0" smtClean="0"/>
-              <a:t>ビジュアルプログラミング</a:t>
-            </a:r>
-            <a:endParaRPr lang="en-US" altLang="ja-JP" dirty="0" smtClean="0"/>
-          </a:p>
-          <a:p>
-            <a:pPr lvl="2"/>
-            <a:r>
-              <a:rPr kumimoji="1" lang="en-US" altLang="ja-JP" dirty="0" err="1" smtClean="0"/>
-              <a:t>Matlab</a:t>
-            </a:r>
-            <a:r>
-              <a:rPr kumimoji="1" lang="en-US" altLang="ja-JP" dirty="0" smtClean="0"/>
-              <a:t> &amp; </a:t>
-            </a:r>
-            <a:r>
-              <a:rPr kumimoji="1" lang="en-US" altLang="ja-JP" dirty="0" err="1" smtClean="0"/>
-              <a:t>SimuLink</a:t>
-            </a:r>
-            <a:endParaRPr kumimoji="1" lang="en-US" altLang="ja-JP" dirty="0" smtClean="0"/>
-          </a:p>
-          <a:p>
-            <a:pPr lvl="2"/>
-            <a:r>
-              <a:rPr kumimoji="1" lang="en-US" altLang="ja-JP" dirty="0" err="1" smtClean="0"/>
-              <a:t>LabView</a:t>
-            </a:r>
-            <a:endParaRPr kumimoji="1" lang="en-US" altLang="ja-JP" dirty="0" smtClean="0"/>
-          </a:p>
-          <a:p>
-            <a:pPr lvl="2"/>
-            <a:endParaRPr kumimoji="1" lang="ja-JP" altLang="en-US" dirty="0"/>
-          </a:p>
-        </p:txBody>
-      </p:sp>
+      <p:grpSp>
+        <p:nvGrpSpPr>
+          <p:cNvPr id="16" name="図形グループ 15"/>
+          <p:cNvGrpSpPr/>
+          <p:nvPr/>
+        </p:nvGrpSpPr>
+        <p:grpSpPr>
+          <a:xfrm>
+            <a:off x="992686" y="1306730"/>
+            <a:ext cx="7153159" cy="5374217"/>
+            <a:chOff x="992686" y="1306730"/>
+            <a:chExt cx="7153159" cy="5374217"/>
+          </a:xfrm>
+        </p:grpSpPr>
+        <p:grpSp>
+          <p:nvGrpSpPr>
+            <p:cNvPr id="7" name="図形グループ 6"/>
+            <p:cNvGrpSpPr/>
+            <p:nvPr/>
+          </p:nvGrpSpPr>
+          <p:grpSpPr>
+            <a:xfrm>
+              <a:off x="992686" y="1306730"/>
+              <a:ext cx="7153159" cy="4664371"/>
+              <a:chOff x="1153264" y="1886253"/>
+              <a:chExt cx="7153159" cy="4957148"/>
+            </a:xfrm>
+          </p:grpSpPr>
+          <p:sp>
+            <p:nvSpPr>
+              <p:cNvPr id="49" name="テキスト ボックス 48"/>
+              <p:cNvSpPr txBox="1"/>
+              <p:nvPr/>
+            </p:nvSpPr>
+            <p:spPr>
+              <a:xfrm>
+                <a:off x="4034908" y="1886253"/>
+                <a:ext cx="2985312" cy="369332"/>
+              </a:xfrm>
+              <a:prstGeom prst="rect">
+                <a:avLst/>
+              </a:prstGeom>
+              <a:noFill/>
+            </p:spPr>
+            <p:txBody>
+              <a:bodyPr wrap="none" rtlCol="0">
+                <a:spAutoFit/>
+              </a:bodyPr>
+              <a:lstStyle/>
+              <a:p>
+                <a:r>
+                  <a:rPr kumimoji="1" lang="ja-JP" altLang="en-US" dirty="0" smtClean="0"/>
+                  <a:t>ソースコード解析結果の表示</a:t>
+                </a:r>
+                <a:endParaRPr kumimoji="1" lang="ja-JP" altLang="en-US" dirty="0"/>
+              </a:p>
+            </p:txBody>
+          </p:sp>
+          <p:grpSp>
+            <p:nvGrpSpPr>
+              <p:cNvPr id="5" name="図形グループ 4"/>
+              <p:cNvGrpSpPr/>
+              <p:nvPr/>
+            </p:nvGrpSpPr>
+            <p:grpSpPr>
+              <a:xfrm>
+                <a:off x="1153264" y="2240986"/>
+                <a:ext cx="7153159" cy="4602415"/>
+                <a:chOff x="1153264" y="2255585"/>
+                <a:chExt cx="7153159" cy="4602415"/>
+              </a:xfrm>
+            </p:grpSpPr>
+            <p:sp>
+              <p:nvSpPr>
+                <p:cNvPr id="4" name="正方形/長方形 3"/>
+                <p:cNvSpPr/>
+                <p:nvPr/>
+              </p:nvSpPr>
+              <p:spPr>
+                <a:xfrm>
+                  <a:off x="1153264" y="3241035"/>
+                  <a:ext cx="1459829" cy="2277483"/>
+                </a:xfrm>
+                <a:prstGeom prst="rect">
+                  <a:avLst/>
+                </a:prstGeom>
+              </p:spPr>
+              <p:style>
+                <a:lnRef idx="1">
+                  <a:schemeClr val="accent1"/>
+                </a:lnRef>
+                <a:fillRef idx="3">
+                  <a:schemeClr val="accent1"/>
+                </a:fillRef>
+                <a:effectRef idx="2">
+                  <a:schemeClr val="accent1"/>
+                </a:effectRef>
+                <a:fontRef idx="minor">
+                  <a:schemeClr val="lt1"/>
+                </a:fontRef>
+              </p:style>
+              <p:txBody>
+                <a:bodyPr rtlCol="0" anchor="ctr"/>
+                <a:lstStyle/>
+                <a:p>
+                  <a:pPr algn="ctr"/>
+                  <a:r>
+                    <a:rPr kumimoji="1" lang="ja-JP" altLang="en-US" dirty="0" smtClean="0"/>
+                    <a:t>ソースコード</a:t>
+                  </a:r>
+                  <a:endParaRPr kumimoji="1" lang="ja-JP" altLang="en-US" dirty="0"/>
+                </a:p>
+              </p:txBody>
+            </p:sp>
+            <p:graphicFrame>
+              <p:nvGraphicFramePr>
+                <p:cNvPr id="6" name="図表 5"/>
+                <p:cNvGraphicFramePr/>
+                <p:nvPr>
+                  <p:extLst>
+                    <p:ext uri="{D42A27DB-BD31-4B8C-83A1-F6EECF244321}">
+                      <p14:modId xmlns:p14="http://schemas.microsoft.com/office/powerpoint/2010/main" val="1963339719"/>
+                    </p:ext>
+                  </p:extLst>
+                </p:nvPr>
+              </p:nvGraphicFramePr>
+              <p:xfrm>
+                <a:off x="4034908" y="2255585"/>
+                <a:ext cx="2402938" cy="1211738"/>
+              </p:xfrm>
+              <a:graphic>
+                <a:graphicData uri="http://schemas.openxmlformats.org/drawingml/2006/diagram">
+                  <dgm:relIds xmlns:dgm="http://schemas.openxmlformats.org/drawingml/2006/diagram" xmlns:r="http://schemas.openxmlformats.org/officeDocument/2006/relationships" r:dm="rId2" r:lo="rId3" r:qs="rId4" r:cs="rId5"/>
+                </a:graphicData>
+              </a:graphic>
+            </p:graphicFrame>
+            <p:cxnSp>
+              <p:nvCxnSpPr>
+                <p:cNvPr id="8" name="直線矢印コネクタ 7"/>
+                <p:cNvCxnSpPr>
+                  <a:endCxn id="6" idx="1"/>
+                </p:cNvCxnSpPr>
+                <p:nvPr/>
+              </p:nvCxnSpPr>
+              <p:spPr>
+                <a:xfrm flipV="1">
+                  <a:off x="2613093" y="2824440"/>
+                  <a:ext cx="1421815" cy="814296"/>
+                </a:xfrm>
+                <a:prstGeom prst="straightConnector1">
+                  <a:avLst/>
+                </a:prstGeom>
+                <a:ln>
+                  <a:tailEnd type="arrow"/>
+                </a:ln>
+              </p:spPr>
+              <p:style>
+                <a:lnRef idx="2">
+                  <a:schemeClr val="accent1"/>
+                </a:lnRef>
+                <a:fillRef idx="0">
+                  <a:schemeClr val="accent1"/>
+                </a:fillRef>
+                <a:effectRef idx="1">
+                  <a:schemeClr val="accent1"/>
+                </a:effectRef>
+                <a:fontRef idx="minor">
+                  <a:schemeClr val="tx1"/>
+                </a:fontRef>
+              </p:style>
+            </p:cxnSp>
+            <p:graphicFrame>
+              <p:nvGraphicFramePr>
+                <p:cNvPr id="12" name="図表 11"/>
+                <p:cNvGraphicFramePr/>
+                <p:nvPr>
+                  <p:extLst>
+                    <p:ext uri="{D42A27DB-BD31-4B8C-83A1-F6EECF244321}">
+                      <p14:modId xmlns:p14="http://schemas.microsoft.com/office/powerpoint/2010/main" val="1008030078"/>
+                    </p:ext>
+                  </p:extLst>
+                </p:nvPr>
+              </p:nvGraphicFramePr>
+              <p:xfrm>
+                <a:off x="4026726" y="3810408"/>
+                <a:ext cx="2402938" cy="1138742"/>
+              </p:xfrm>
+              <a:graphic>
+                <a:graphicData uri="http://schemas.openxmlformats.org/drawingml/2006/diagram">
+                  <dgm:relIds xmlns:dgm="http://schemas.openxmlformats.org/drawingml/2006/diagram" xmlns:r="http://schemas.openxmlformats.org/officeDocument/2006/relationships" r:dm="rId7" r:lo="rId8" r:qs="rId9" r:cs="rId10"/>
+                </a:graphicData>
+              </a:graphic>
+            </p:graphicFrame>
+            <p:cxnSp>
+              <p:nvCxnSpPr>
+                <p:cNvPr id="15" name="直線矢印コネクタ 14"/>
+                <p:cNvCxnSpPr>
+                  <a:endCxn id="12" idx="3"/>
+                </p:cNvCxnSpPr>
+                <p:nvPr/>
+              </p:nvCxnSpPr>
+              <p:spPr>
+                <a:xfrm flipH="1" flipV="1">
+                  <a:off x="6429664" y="4343464"/>
+                  <a:ext cx="1205238" cy="798934"/>
+                </a:xfrm>
+                <a:prstGeom prst="straightConnector1">
+                  <a:avLst/>
+                </a:prstGeom>
+                <a:ln>
+                  <a:solidFill>
+                    <a:srgbClr val="FF6600"/>
+                  </a:solidFill>
+                  <a:tailEnd type="arrow"/>
+                </a:ln>
+              </p:spPr>
+              <p:style>
+                <a:lnRef idx="2">
+                  <a:schemeClr val="accent1"/>
+                </a:lnRef>
+                <a:fillRef idx="0">
+                  <a:schemeClr val="accent1"/>
+                </a:fillRef>
+                <a:effectRef idx="1">
+                  <a:schemeClr val="accent1"/>
+                </a:effectRef>
+                <a:fontRef idx="minor">
+                  <a:schemeClr val="tx1"/>
+                </a:fontRef>
+              </p:style>
+            </p:cxnSp>
+            <p:cxnSp>
+              <p:nvCxnSpPr>
+                <p:cNvPr id="21" name="直線矢印コネクタ 20"/>
+                <p:cNvCxnSpPr>
+                  <a:stCxn id="12" idx="1"/>
+                  <a:endCxn id="4" idx="3"/>
+                </p:cNvCxnSpPr>
+                <p:nvPr/>
+              </p:nvCxnSpPr>
+              <p:spPr>
+                <a:xfrm flipH="1" flipV="1">
+                  <a:off x="2613093" y="4379777"/>
+                  <a:ext cx="1413633" cy="2"/>
+                </a:xfrm>
+                <a:prstGeom prst="straightConnector1">
+                  <a:avLst/>
+                </a:prstGeom>
+                <a:ln>
+                  <a:solidFill>
+                    <a:srgbClr val="FF6600"/>
+                  </a:solidFill>
+                  <a:tailEnd type="arrow"/>
+                </a:ln>
+              </p:spPr>
+              <p:style>
+                <a:lnRef idx="2">
+                  <a:schemeClr val="accent1"/>
+                </a:lnRef>
+                <a:fillRef idx="0">
+                  <a:schemeClr val="accent1"/>
+                </a:fillRef>
+                <a:effectRef idx="1">
+                  <a:schemeClr val="accent1"/>
+                </a:effectRef>
+                <a:fontRef idx="minor">
+                  <a:schemeClr val="tx1"/>
+                </a:fontRef>
+              </p:style>
+            </p:cxnSp>
+            <p:graphicFrame>
+              <p:nvGraphicFramePr>
+                <p:cNvPr id="38" name="図表 37"/>
+                <p:cNvGraphicFramePr/>
+                <p:nvPr>
+                  <p:extLst>
+                    <p:ext uri="{D42A27DB-BD31-4B8C-83A1-F6EECF244321}">
+                      <p14:modId xmlns:p14="http://schemas.microsoft.com/office/powerpoint/2010/main" val="1018796818"/>
+                    </p:ext>
+                  </p:extLst>
+                </p:nvPr>
+              </p:nvGraphicFramePr>
+              <p:xfrm>
+                <a:off x="4184771" y="5719258"/>
+                <a:ext cx="2402938" cy="1138742"/>
+              </p:xfrm>
+              <a:graphic>
+                <a:graphicData uri="http://schemas.openxmlformats.org/drawingml/2006/diagram">
+                  <dgm:relIds xmlns:dgm="http://schemas.openxmlformats.org/drawingml/2006/diagram" xmlns:r="http://schemas.openxmlformats.org/officeDocument/2006/relationships" r:dm="rId12" r:lo="rId13" r:qs="rId14" r:cs="rId15"/>
+                </a:graphicData>
+              </a:graphic>
+            </p:graphicFrame>
+            <p:cxnSp>
+              <p:nvCxnSpPr>
+                <p:cNvPr id="40" name="直線矢印コネクタ 39"/>
+                <p:cNvCxnSpPr>
+                  <a:endCxn id="38" idx="3"/>
+                </p:cNvCxnSpPr>
+                <p:nvPr/>
+              </p:nvCxnSpPr>
+              <p:spPr>
+                <a:xfrm flipH="1">
+                  <a:off x="6587709" y="6288629"/>
+                  <a:ext cx="1047194" cy="0"/>
+                </a:xfrm>
+                <a:prstGeom prst="straightConnector1">
+                  <a:avLst/>
+                </a:prstGeom>
+                <a:ln>
+                  <a:solidFill>
+                    <a:srgbClr val="008000"/>
+                  </a:solidFill>
+                  <a:tailEnd type="arrow"/>
+                </a:ln>
+              </p:spPr>
+              <p:style>
+                <a:lnRef idx="2">
+                  <a:schemeClr val="accent1"/>
+                </a:lnRef>
+                <a:fillRef idx="0">
+                  <a:schemeClr val="accent1"/>
+                </a:fillRef>
+                <a:effectRef idx="1">
+                  <a:schemeClr val="accent1"/>
+                </a:effectRef>
+                <a:fontRef idx="minor">
+                  <a:schemeClr val="tx1"/>
+                </a:fontRef>
+              </p:style>
+            </p:cxnSp>
+            <p:cxnSp>
+              <p:nvCxnSpPr>
+                <p:cNvPr id="42" name="直線矢印コネクタ 41"/>
+                <p:cNvCxnSpPr>
+                  <a:stCxn id="38" idx="1"/>
+                </p:cNvCxnSpPr>
+                <p:nvPr/>
+              </p:nvCxnSpPr>
+              <p:spPr>
+                <a:xfrm flipH="1" flipV="1">
+                  <a:off x="2613093" y="5045715"/>
+                  <a:ext cx="1571678" cy="1302101"/>
+                </a:xfrm>
+                <a:prstGeom prst="straightConnector1">
+                  <a:avLst/>
+                </a:prstGeom>
+                <a:ln>
+                  <a:solidFill>
+                    <a:srgbClr val="008000"/>
+                  </a:solidFill>
+                  <a:tailEnd type="arrow"/>
+                </a:ln>
+              </p:spPr>
+              <p:style>
+                <a:lnRef idx="2">
+                  <a:schemeClr val="accent1"/>
+                </a:lnRef>
+                <a:fillRef idx="0">
+                  <a:schemeClr val="accent1"/>
+                </a:fillRef>
+                <a:effectRef idx="1">
+                  <a:schemeClr val="accent1"/>
+                </a:effectRef>
+                <a:fontRef idx="minor">
+                  <a:schemeClr val="tx1"/>
+                </a:fontRef>
+              </p:style>
+            </p:cxnSp>
+            <p:sp>
+              <p:nvSpPr>
+                <p:cNvPr id="48" name="テキスト ボックス 47"/>
+                <p:cNvSpPr txBox="1"/>
+                <p:nvPr/>
+              </p:nvSpPr>
+              <p:spPr>
+                <a:xfrm>
+                  <a:off x="4026726" y="3711735"/>
+                  <a:ext cx="1107996" cy="369332"/>
+                </a:xfrm>
+                <a:prstGeom prst="rect">
+                  <a:avLst/>
+                </a:prstGeom>
+                <a:noFill/>
+              </p:spPr>
+              <p:txBody>
+                <a:bodyPr wrap="none" rtlCol="0">
+                  <a:spAutoFit/>
+                </a:bodyPr>
+                <a:lstStyle/>
+                <a:p>
+                  <a:r>
+                    <a:rPr lang="ja-JP" altLang="en-US" dirty="0" smtClean="0"/>
+                    <a:t>一部改良</a:t>
+                  </a:r>
+                  <a:endParaRPr kumimoji="1" lang="ja-JP" altLang="en-US" dirty="0"/>
+                </a:p>
+              </p:txBody>
+            </p:sp>
+            <p:sp>
+              <p:nvSpPr>
+                <p:cNvPr id="50" name="テキスト ボックス 49"/>
+                <p:cNvSpPr txBox="1"/>
+                <p:nvPr/>
+              </p:nvSpPr>
+              <p:spPr>
+                <a:xfrm>
+                  <a:off x="4171663" y="5364525"/>
+                  <a:ext cx="2416046" cy="369332"/>
+                </a:xfrm>
+                <a:prstGeom prst="rect">
+                  <a:avLst/>
+                </a:prstGeom>
+                <a:noFill/>
+              </p:spPr>
+              <p:txBody>
+                <a:bodyPr wrap="none" rtlCol="0">
+                  <a:spAutoFit/>
+                </a:bodyPr>
+                <a:lstStyle/>
+                <a:p>
+                  <a:r>
+                    <a:rPr kumimoji="1" lang="ja-JP" altLang="en-US" dirty="0" smtClean="0"/>
+                    <a:t>新規モデルからの生成</a:t>
+                  </a:r>
+                  <a:endParaRPr kumimoji="1" lang="ja-JP" altLang="en-US" dirty="0"/>
+                </a:p>
+              </p:txBody>
+            </p:sp>
+            <p:sp>
+              <p:nvSpPr>
+                <p:cNvPr id="52" name="乗算記号 51"/>
+                <p:cNvSpPr/>
+                <p:nvPr/>
+              </p:nvSpPr>
+              <p:spPr>
+                <a:xfrm>
+                  <a:off x="5134722" y="3978871"/>
+                  <a:ext cx="807771" cy="204391"/>
+                </a:xfrm>
+                <a:prstGeom prst="mathMultiply">
+                  <a:avLst/>
+                </a:prstGeom>
+                <a:solidFill>
+                  <a:srgbClr val="FF0000"/>
+                </a:solidFill>
+                <a:ln w="3175">
+                  <a:solidFill>
+                    <a:srgbClr val="FF0000"/>
+                  </a:solidFill>
+                </a:ln>
+                <a:effectLst/>
+              </p:spPr>
+              <p:style>
+                <a:lnRef idx="1">
+                  <a:schemeClr val="accent1"/>
+                </a:lnRef>
+                <a:fillRef idx="3">
+                  <a:schemeClr val="accent1"/>
+                </a:fillRef>
+                <a:effectRef idx="2">
+                  <a:schemeClr val="accent1"/>
+                </a:effectRef>
+                <a:fontRef idx="minor">
+                  <a:schemeClr val="lt1"/>
+                </a:fontRef>
+              </p:style>
+              <p:txBody>
+                <a:bodyPr rtlCol="0" anchor="ctr"/>
+                <a:lstStyle/>
+                <a:p>
+                  <a:pPr algn="ctr"/>
+                  <a:endParaRPr kumimoji="1" lang="ja-JP" altLang="en-US"/>
+                </a:p>
+              </p:txBody>
+            </p:sp>
+            <p:sp>
+              <p:nvSpPr>
+                <p:cNvPr id="53" name="スマイル 52"/>
+                <p:cNvSpPr/>
+                <p:nvPr/>
+              </p:nvSpPr>
+              <p:spPr>
+                <a:xfrm>
+                  <a:off x="7634902" y="4949150"/>
+                  <a:ext cx="671521" cy="1485664"/>
+                </a:xfrm>
+                <a:prstGeom prst="smileyFace">
+                  <a:avLst/>
+                </a:prstGeom>
+              </p:spPr>
+              <p:style>
+                <a:lnRef idx="1">
+                  <a:schemeClr val="accent1"/>
+                </a:lnRef>
+                <a:fillRef idx="3">
+                  <a:schemeClr val="accent1"/>
+                </a:fillRef>
+                <a:effectRef idx="2">
+                  <a:schemeClr val="accent1"/>
+                </a:effectRef>
+                <a:fontRef idx="minor">
+                  <a:schemeClr val="lt1"/>
+                </a:fontRef>
+              </p:style>
+              <p:txBody>
+                <a:bodyPr rtlCol="0" anchor="ctr"/>
+                <a:lstStyle/>
+                <a:p>
+                  <a:pPr algn="ctr"/>
+                  <a:endParaRPr kumimoji="1" lang="ja-JP" altLang="en-US" dirty="0"/>
+                </a:p>
+              </p:txBody>
+            </p:sp>
+          </p:grpSp>
+        </p:grpSp>
+        <p:cxnSp>
+          <p:nvCxnSpPr>
+            <p:cNvPr id="11" name="直線矢印コネクタ 10"/>
+            <p:cNvCxnSpPr/>
+            <p:nvPr/>
+          </p:nvCxnSpPr>
+          <p:spPr>
+            <a:xfrm>
+              <a:off x="2452515" y="6248481"/>
+              <a:ext cx="5021810" cy="0"/>
+            </a:xfrm>
+            <a:prstGeom prst="straightConnector1">
+              <a:avLst/>
+            </a:prstGeom>
+            <a:ln w="76200">
+              <a:solidFill>
+                <a:srgbClr val="FF0000"/>
+              </a:solidFill>
+              <a:headEnd type="arrow"/>
+              <a:tailEnd type="arrow"/>
+            </a:ln>
+          </p:spPr>
+          <p:style>
+            <a:lnRef idx="2">
+              <a:schemeClr val="accent1"/>
+            </a:lnRef>
+            <a:fillRef idx="0">
+              <a:schemeClr val="accent1"/>
+            </a:fillRef>
+            <a:effectRef idx="1">
+              <a:schemeClr val="accent1"/>
+            </a:effectRef>
+            <a:fontRef idx="minor">
+              <a:schemeClr val="tx1"/>
+            </a:fontRef>
+          </p:style>
+        </p:cxnSp>
+        <p:sp>
+          <p:nvSpPr>
+            <p:cNvPr id="14" name="テキスト ボックス 13"/>
+            <p:cNvSpPr txBox="1"/>
+            <p:nvPr/>
+          </p:nvSpPr>
+          <p:spPr>
+            <a:xfrm>
+              <a:off x="4535562" y="6219282"/>
+              <a:ext cx="1107996" cy="461665"/>
+            </a:xfrm>
+            <a:prstGeom prst="rect">
+              <a:avLst/>
+            </a:prstGeom>
+            <a:noFill/>
+          </p:spPr>
+          <p:txBody>
+            <a:bodyPr wrap="none" rtlCol="0">
+              <a:spAutoFit/>
+            </a:bodyPr>
+            <a:lstStyle/>
+            <a:p>
+              <a:r>
+                <a:rPr kumimoji="1" lang="ja-JP" altLang="en-US" sz="2400" dirty="0" smtClean="0">
+                  <a:solidFill>
+                    <a:srgbClr val="FF0000"/>
+                  </a:solidFill>
+                </a:rPr>
+                <a:t>双方向</a:t>
+              </a:r>
+              <a:endParaRPr kumimoji="1" lang="ja-JP" altLang="en-US" sz="2400" dirty="0">
+                <a:solidFill>
+                  <a:srgbClr val="FF0000"/>
+                </a:solidFill>
+              </a:endParaRPr>
+            </a:p>
+          </p:txBody>
+        </p:sp>
+      </p:grpSp>
     </p:spTree>
     <p:extLst>
       <p:ext uri="{BB962C8B-B14F-4D97-AF65-F5344CB8AC3E}">
-        <p14:creationId xmlns:p14="http://schemas.microsoft.com/office/powerpoint/2010/main" val="3061420438"/>
+        <p14:creationId xmlns:p14="http://schemas.microsoft.com/office/powerpoint/2010/main" val="2669844592"/>
       </p:ext>
     </p:extLst>
   </p:cSld>
@@ -14327,8 +15788,8 @@
           <a:lstStyle/>
           <a:p>
             <a:r>
-              <a:rPr kumimoji="1" lang="ja-JP" altLang="en-US" dirty="0" smtClean="0"/>
-              <a:t>類似研究・手段についての検討</a:t>
+              <a:rPr lang="ja-JP" altLang="en-US" dirty="0" smtClean="0"/>
+              <a:t>類似研究・手段ついての検討</a:t>
             </a:r>
             <a:endParaRPr kumimoji="1" lang="ja-JP" altLang="en-US" dirty="0"/>
           </a:p>
@@ -14350,8 +15811,8 @@
           <a:lstStyle/>
           <a:p>
             <a:r>
-              <a:rPr kumimoji="1" lang="en-US" altLang="ja-JP" dirty="0" err="1" smtClean="0"/>
-              <a:t>SimuLink</a:t>
+              <a:rPr kumimoji="1" lang="ja-JP" altLang="en-US" dirty="0" smtClean="0"/>
+              <a:t>プログラミング環境</a:t>
             </a:r>
             <a:endParaRPr kumimoji="1" lang="en-US" altLang="ja-JP" dirty="0" smtClean="0"/>
           </a:p>
@@ -14359,41 +15820,33 @@
             <a:pPr lvl="1"/>
             <a:r>
               <a:rPr lang="ja-JP" altLang="en-US" dirty="0" smtClean="0"/>
-              <a:t>長所</a:t>
+              <a:t>ビジュアルプログラミング</a:t>
             </a:r>
             <a:endParaRPr lang="en-US" altLang="ja-JP" dirty="0" smtClean="0"/>
           </a:p>
           <a:p>
             <a:pPr lvl="2"/>
             <a:r>
-              <a:rPr lang="ja-JP" altLang="en-US" dirty="0" smtClean="0"/>
-              <a:t>公開されているソースが</a:t>
-            </a:r>
-            <a:r>
-              <a:rPr lang="en-US" altLang="ja-JP" dirty="0" err="1" smtClean="0"/>
-              <a:t>Matlab</a:t>
-            </a:r>
-            <a:r>
-              <a:rPr lang="ja-JP" altLang="en-US" dirty="0" smtClean="0"/>
-              <a:t>の場合は利用しやすい</a:t>
-            </a:r>
-            <a:endParaRPr lang="en-US" altLang="ja-JP" dirty="0" smtClean="0"/>
-          </a:p>
-          <a:p>
-            <a:pPr lvl="1"/>
-            <a:r>
-              <a:rPr kumimoji="1" lang="ja-JP" altLang="en-US" dirty="0" smtClean="0"/>
-              <a:t>欠点</a:t>
+              <a:rPr kumimoji="1" lang="en-US" altLang="ja-JP" dirty="0" err="1" smtClean="0"/>
+              <a:t>SimuLink</a:t>
             </a:r>
             <a:endParaRPr kumimoji="1" lang="en-US" altLang="ja-JP" dirty="0" smtClean="0"/>
           </a:p>
           <a:p>
             <a:pPr lvl="2"/>
             <a:r>
+              <a:rPr kumimoji="1" lang="en-US" altLang="ja-JP" dirty="0" err="1" smtClean="0"/>
+              <a:t>LabView</a:t>
+            </a:r>
+            <a:endParaRPr kumimoji="1" lang="en-US" altLang="ja-JP" dirty="0" smtClean="0"/>
+          </a:p>
+          <a:p>
+            <a:pPr lvl="1"/>
+            <a:r>
               <a:rPr lang="ja-JP" altLang="en-US" dirty="0" smtClean="0"/>
-              <a:t>有償</a:t>
-            </a:r>
-            <a:endParaRPr lang="en-US" altLang="ja-JP" dirty="0" smtClean="0"/>
+              <a:t>データフロープログラミング</a:t>
+            </a:r>
+            <a:endParaRPr kumimoji="1" lang="en-US" altLang="ja-JP" dirty="0" smtClean="0"/>
           </a:p>
           <a:p>
             <a:pPr lvl="2"/>
@@ -14404,7 +15857,7 @@
     </p:spTree>
     <p:extLst>
       <p:ext uri="{BB962C8B-B14F-4D97-AF65-F5344CB8AC3E}">
-        <p14:creationId xmlns:p14="http://schemas.microsoft.com/office/powerpoint/2010/main" val="245872471"/>
+        <p14:creationId xmlns:p14="http://schemas.microsoft.com/office/powerpoint/2010/main" val="3061420438"/>
       </p:ext>
     </p:extLst>
   </p:cSld>
@@ -14471,36 +15924,254 @@
           <a:p>
             <a:r>
               <a:rPr kumimoji="1" lang="en-US" altLang="ja-JP" dirty="0" err="1" smtClean="0"/>
-              <a:t>LabView</a:t>
+              <a:t>SimuLink</a:t>
             </a:r>
             <a:endParaRPr kumimoji="1" lang="en-US" altLang="ja-JP" dirty="0" smtClean="0"/>
           </a:p>
           <a:p>
             <a:pPr lvl="1"/>
             <a:r>
+              <a:rPr lang="ja-JP" altLang="en-US" dirty="0" smtClean="0"/>
+              <a:t>長所</a:t>
+            </a:r>
+            <a:endParaRPr lang="en-US" altLang="ja-JP" dirty="0" smtClean="0"/>
+          </a:p>
+          <a:p>
+            <a:pPr lvl="2"/>
+            <a:r>
+              <a:rPr lang="ja-JP" altLang="en-US" dirty="0" smtClean="0"/>
+              <a:t>公開されているソースが</a:t>
+            </a:r>
+            <a:r>
+              <a:rPr lang="en-US" altLang="ja-JP" dirty="0" err="1" smtClean="0"/>
+              <a:t>Matlab</a:t>
+            </a:r>
+            <a:r>
+              <a:rPr lang="ja-JP" altLang="en-US" dirty="0" smtClean="0"/>
+              <a:t>の場合は利用しやすい</a:t>
+            </a:r>
+            <a:endParaRPr lang="en-US" altLang="ja-JP" dirty="0" smtClean="0"/>
+          </a:p>
+          <a:p>
+            <a:pPr lvl="1"/>
+            <a:r>
               <a:rPr kumimoji="1" lang="ja-JP" altLang="en-US" dirty="0" smtClean="0"/>
-              <a:t>長所</a:t>
+              <a:t>欠点</a:t>
             </a:r>
             <a:endParaRPr kumimoji="1" lang="en-US" altLang="ja-JP" dirty="0" smtClean="0"/>
           </a:p>
           <a:p>
             <a:pPr lvl="2"/>
+            <a:r>
+              <a:rPr lang="ja-JP" altLang="en-US" dirty="0" smtClean="0"/>
+              <a:t>対応する</a:t>
+            </a:r>
+            <a:r>
+              <a:rPr lang="en-US" altLang="ja-JP" dirty="0" err="1" smtClean="0"/>
+              <a:t>ToolBox</a:t>
+            </a:r>
+            <a:r>
+              <a:rPr lang="ja-JP" altLang="en-US" dirty="0" smtClean="0"/>
+              <a:t>が必要でどれが</a:t>
+            </a:r>
+            <a:r>
+              <a:rPr lang="ja-JP" altLang="en-US" dirty="0" smtClean="0"/>
+              <a:t>必要</a:t>
+            </a:r>
+            <a:r>
+              <a:rPr lang="en-US" altLang="ja-JP" dirty="0" err="1" smtClean="0"/>
+              <a:t>ToolBox</a:t>
+            </a:r>
+            <a:r>
+              <a:rPr lang="ja-JP" altLang="en-US" dirty="0" smtClean="0"/>
+              <a:t>かわかりにくい</a:t>
+            </a:r>
+            <a:endParaRPr lang="en-US" altLang="ja-JP" dirty="0" smtClean="0"/>
+          </a:p>
+          <a:p>
+            <a:pPr lvl="2"/>
+            <a:r>
+              <a:rPr lang="en-US" altLang="ja-JP" dirty="0" err="1" smtClean="0"/>
+              <a:t>ToolBox</a:t>
+            </a:r>
+            <a:r>
+              <a:rPr lang="ja-JP" altLang="en-US" dirty="0" smtClean="0"/>
+              <a:t>（関数）の自作もできるが手順が煩雑</a:t>
+            </a:r>
+            <a:endParaRPr lang="en-US" altLang="ja-JP" dirty="0" smtClean="0"/>
+          </a:p>
+          <a:p>
+            <a:pPr lvl="2"/>
+            <a:endParaRPr kumimoji="1" lang="ja-JP" altLang="en-US" dirty="0"/>
+          </a:p>
+        </p:txBody>
+      </p:sp>
+    </p:spTree>
+    <p:extLst>
+      <p:ext uri="{BB962C8B-B14F-4D97-AF65-F5344CB8AC3E}">
+        <p14:creationId xmlns:p14="http://schemas.microsoft.com/office/powerpoint/2010/main" val="245872471"/>
+      </p:ext>
+    </p:extLst>
+  </p:cSld>
+  <p:clrMapOvr>
+    <a:masterClrMapping/>
+  </p:clrMapOvr>
+</p:sld>
+</file>
+
+<file path=ppt/slides/slide13.xml><?xml version="1.0" encoding="utf-8"?>
+<p:sld xmlns:a="http://schemas.openxmlformats.org/drawingml/2006/main" xmlns:r="http://schemas.openxmlformats.org/officeDocument/2006/relationships" xmlns:p="http://schemas.openxmlformats.org/presentationml/2006/main">
+  <p:cSld>
+    <p:spTree>
+      <p:nvGrpSpPr>
+        <p:cNvPr id="1" name=""/>
+        <p:cNvGrpSpPr/>
+        <p:nvPr/>
+      </p:nvGrpSpPr>
+      <p:grpSpPr>
+        <a:xfrm>
+          <a:off x="0" y="0"/>
+          <a:ext cx="0" cy="0"/>
+          <a:chOff x="0" y="0"/>
+          <a:chExt cx="0" cy="0"/>
+        </a:xfrm>
+      </p:grpSpPr>
+      <p:sp>
+        <p:nvSpPr>
+          <p:cNvPr id="2" name="タイトル 1"/>
+          <p:cNvSpPr>
+            <a:spLocks noGrp="1"/>
+          </p:cNvSpPr>
+          <p:nvPr>
+            <p:ph type="title"/>
+          </p:nvPr>
+        </p:nvSpPr>
+        <p:spPr/>
+        <p:txBody>
+          <a:bodyPr/>
+          <a:lstStyle/>
+          <a:p>
+            <a:r>
+              <a:rPr kumimoji="1" lang="ja-JP" altLang="en-US" dirty="0" smtClean="0"/>
+              <a:t>類似研究・手段についての検討</a:t>
+            </a:r>
+            <a:endParaRPr kumimoji="1" lang="ja-JP" altLang="en-US" dirty="0"/>
+          </a:p>
+        </p:txBody>
+      </p:sp>
+      <p:sp>
+        <p:nvSpPr>
+          <p:cNvPr id="3" name="コンテンツ プレースホルダー 2"/>
+          <p:cNvSpPr>
+            <a:spLocks noGrp="1"/>
+          </p:cNvSpPr>
+          <p:nvPr>
+            <p:ph idx="1"/>
+          </p:nvPr>
+        </p:nvSpPr>
+        <p:spPr/>
+        <p:txBody>
+          <a:bodyPr>
+            <a:normAutofit/>
+          </a:bodyPr>
+          <a:lstStyle/>
+          <a:p>
+            <a:r>
+              <a:rPr kumimoji="1" lang="en-US" altLang="ja-JP" dirty="0" err="1" smtClean="0"/>
+              <a:t>LabView</a:t>
+            </a:r>
             <a:endParaRPr kumimoji="1" lang="en-US" altLang="ja-JP" dirty="0" smtClean="0"/>
           </a:p>
           <a:p>
             <a:pPr lvl="1"/>
             <a:r>
               <a:rPr kumimoji="1" lang="ja-JP" altLang="en-US" dirty="0" smtClean="0"/>
-              <a:t>欠点</a:t>
+              <a:t>長所</a:t>
             </a:r>
             <a:endParaRPr kumimoji="1" lang="en-US" altLang="ja-JP" dirty="0" smtClean="0"/>
           </a:p>
           <a:p>
             <a:pPr lvl="2"/>
             <a:r>
+              <a:rPr kumimoji="1" lang="ja-JP" altLang="en-US" dirty="0" smtClean="0"/>
+              <a:t>グラフィカルなのでテキストベースよりも構築は早い</a:t>
+            </a:r>
+            <a:endParaRPr kumimoji="1" lang="en-US" altLang="ja-JP" dirty="0" smtClean="0"/>
+          </a:p>
+          <a:p>
+            <a:pPr lvl="1"/>
+            <a:r>
+              <a:rPr kumimoji="1" lang="ja-JP" altLang="en-US" dirty="0" smtClean="0"/>
+              <a:t>欠点</a:t>
+            </a:r>
+            <a:endParaRPr kumimoji="1" lang="en-US" altLang="ja-JP" dirty="0" smtClean="0"/>
+          </a:p>
+          <a:p>
+            <a:pPr lvl="2"/>
+            <a:r>
+              <a:rPr lang="ja-JP" altLang="en-US" dirty="0"/>
+              <a:t>フロントパネルに</a:t>
+            </a:r>
+            <a:r>
+              <a:rPr lang="en-US" altLang="ja-JP" dirty="0"/>
+              <a:t>UI</a:t>
+            </a:r>
+            <a:r>
+              <a:rPr lang="ja-JP" altLang="en-US" dirty="0"/>
+              <a:t>、ブロックダイアグラムに関数を記述するので</a:t>
+            </a:r>
+            <a:r>
               <a:rPr lang="ja-JP" altLang="en-US" dirty="0" smtClean="0"/>
-              <a:t>有償</a:t>
-            </a:r>
+              <a:t>煩雑</a:t>
+            </a:r>
+            <a:endParaRPr lang="en-US" altLang="ja-JP" dirty="0" smtClean="0"/>
+          </a:p>
+          <a:p>
+            <a:pPr lvl="2"/>
+            <a:r>
+              <a:rPr lang="ja-JP" altLang="en-US" dirty="0" smtClean="0"/>
+              <a:t>ブロック</a:t>
+            </a:r>
+            <a:r>
+              <a:rPr lang="ja-JP" altLang="en-US" dirty="0" smtClean="0"/>
+              <a:t>ダイアグラム</a:t>
+            </a:r>
+            <a:r>
+              <a:rPr lang="ja-JP" altLang="en-US" dirty="0" smtClean="0"/>
+              <a:t>に</a:t>
+            </a:r>
+            <a:r>
+              <a:rPr lang="ja-JP" altLang="en-US" dirty="0"/>
+              <a:t>配置</a:t>
+            </a:r>
+            <a:r>
+              <a:rPr lang="ja-JP" altLang="en-US" dirty="0" smtClean="0"/>
+              <a:t>された関数</a:t>
+            </a:r>
+            <a:r>
+              <a:rPr lang="ja-JP" altLang="en-US" dirty="0"/>
+              <a:t>のアイコンの意味や結線した情報がどのように</a:t>
+            </a:r>
+            <a:r>
+              <a:rPr lang="ja-JP" altLang="en-US" dirty="0" smtClean="0"/>
+              <a:t>流れて</a:t>
+            </a:r>
+            <a:r>
+              <a:rPr lang="ja-JP" altLang="en-US" dirty="0"/>
+              <a:t>いるか</a:t>
+            </a:r>
+            <a:r>
+              <a:rPr lang="ja-JP" altLang="en-US" dirty="0" smtClean="0"/>
+              <a:t>理解</a:t>
+            </a:r>
+            <a:r>
+              <a:rPr lang="ja-JP" altLang="en-US" dirty="0" smtClean="0"/>
+              <a:t>しにくい。</a:t>
+            </a:r>
+            <a:endParaRPr lang="en-US" altLang="ja-JP" dirty="0" smtClean="0"/>
+          </a:p>
+          <a:p>
+            <a:pPr lvl="2"/>
             <a:endParaRPr kumimoji="1" lang="ja-JP" altLang="en-US" dirty="0"/>
           </a:p>
         </p:txBody>
@@ -14518,7 +16189,7 @@
 </p:sld>
 </file>
 
-<file path=ppt/slides/slide13.xml><?xml version="1.0" encoding="utf-8"?>
+<file path=ppt/slides/slide14.xml><?xml version="1.0" encoding="utf-8"?>
 <p:sld xmlns:a="http://schemas.openxmlformats.org/drawingml/2006/main" xmlns:r="http://schemas.openxmlformats.org/officeDocument/2006/relationships" xmlns:p="http://schemas.openxmlformats.org/presentationml/2006/main">
   <p:cSld>
     <p:spTree>
@@ -15377,138 +17048,6 @@
 </p:sld>
 </file>
 
-<file path=ppt/slides/slide14.xml><?xml version="1.0" encoding="utf-8"?>
-<p:sld xmlns:a="http://schemas.openxmlformats.org/drawingml/2006/main" xmlns:r="http://schemas.openxmlformats.org/officeDocument/2006/relationships" xmlns:p="http://schemas.openxmlformats.org/presentationml/2006/main">
-  <p:cSld>
-    <p:spTree>
-      <p:nvGrpSpPr>
-        <p:cNvPr id="1" name=""/>
-        <p:cNvGrpSpPr/>
-        <p:nvPr/>
-      </p:nvGrpSpPr>
-      <p:grpSpPr>
-        <a:xfrm>
-          <a:off x="0" y="0"/>
-          <a:ext cx="0" cy="0"/>
-          <a:chOff x="0" y="0"/>
-          <a:chExt cx="0" cy="0"/>
-        </a:xfrm>
-      </p:grpSpPr>
-      <p:sp>
-        <p:nvSpPr>
-          <p:cNvPr id="2" name="タイトル 1"/>
-          <p:cNvSpPr>
-            <a:spLocks noGrp="1"/>
-          </p:cNvSpPr>
-          <p:nvPr>
-            <p:ph type="title"/>
-          </p:nvPr>
-        </p:nvSpPr>
-        <p:spPr/>
-        <p:txBody>
-          <a:bodyPr/>
-          <a:lstStyle/>
-          <a:p>
-            <a:r>
-              <a:rPr kumimoji="1" lang="ja-JP" altLang="en-US" dirty="0" smtClean="0"/>
-              <a:t>手段についての検討</a:t>
-            </a:r>
-            <a:endParaRPr kumimoji="1" lang="ja-JP" altLang="en-US" dirty="0"/>
-          </a:p>
-        </p:txBody>
-      </p:sp>
-      <p:sp>
-        <p:nvSpPr>
-          <p:cNvPr id="3" name="コンテンツ プレースホルダー 2"/>
-          <p:cNvSpPr>
-            <a:spLocks noGrp="1"/>
-          </p:cNvSpPr>
-          <p:nvPr>
-            <p:ph idx="1"/>
-          </p:nvPr>
-        </p:nvSpPr>
-        <p:spPr/>
-        <p:txBody>
-          <a:bodyPr/>
-          <a:lstStyle/>
-          <a:p>
-            <a:r>
-              <a:rPr kumimoji="1" lang="en-US" altLang="ja-JP" dirty="0" smtClean="0"/>
-              <a:t>HTML5,JQuery,Ajax</a:t>
-            </a:r>
-            <a:r>
-              <a:rPr lang="ja-JP" altLang="en-US" smtClean="0"/>
-              <a:t>による</a:t>
-            </a:r>
-            <a:r>
-              <a:rPr kumimoji="1" lang="ja-JP" altLang="en-US" smtClean="0"/>
-              <a:t>開発</a:t>
-            </a:r>
-            <a:endParaRPr kumimoji="1" lang="en-US" altLang="ja-JP" dirty="0" smtClean="0"/>
-          </a:p>
-          <a:p>
-            <a:pPr lvl="1"/>
-            <a:r>
-              <a:rPr kumimoji="1" lang="ja-JP" altLang="en-US" dirty="0" smtClean="0"/>
-              <a:t>利点</a:t>
-            </a:r>
-            <a:endParaRPr kumimoji="1" lang="en-US" altLang="ja-JP" dirty="0" smtClean="0"/>
-          </a:p>
-          <a:p>
-            <a:pPr lvl="2"/>
-            <a:r>
-              <a:rPr lang="en-US" altLang="ja-JP" dirty="0" smtClean="0"/>
-              <a:t>OS</a:t>
-            </a:r>
-            <a:r>
-              <a:rPr lang="ja-JP" altLang="en-US" dirty="0" smtClean="0"/>
-              <a:t>依存にならないため、幅広い利用が望める</a:t>
-            </a:r>
-            <a:endParaRPr lang="en-US" altLang="ja-JP" dirty="0" smtClean="0"/>
-          </a:p>
-          <a:p>
-            <a:pPr lvl="2"/>
-            <a:r>
-              <a:rPr lang="ja-JP" altLang="en-US" dirty="0" smtClean="0"/>
-              <a:t>ソースコードの解析は</a:t>
-            </a:r>
-            <a:r>
-              <a:rPr lang="en-US" altLang="ja-JP" dirty="0" smtClean="0"/>
-              <a:t>AST(Abstract Syntax Tree)</a:t>
-            </a:r>
-            <a:r>
-              <a:rPr lang="ja-JP" altLang="en-US" dirty="0" smtClean="0"/>
-              <a:t>とし</a:t>
-            </a:r>
-            <a:r>
-              <a:rPr lang="en-US" altLang="ja-JP" dirty="0" smtClean="0"/>
-              <a:t>DOM(Document Object Model) API</a:t>
-            </a:r>
-            <a:r>
-              <a:rPr lang="ja-JP" altLang="en-US" dirty="0" smtClean="0"/>
-              <a:t>の利用が可能</a:t>
-            </a:r>
-            <a:endParaRPr lang="en-US" altLang="ja-JP" dirty="0" smtClean="0"/>
-          </a:p>
-          <a:p>
-            <a:pPr lvl="2"/>
-            <a:endParaRPr kumimoji="1" lang="ja-JP" altLang="en-US" dirty="0"/>
-          </a:p>
-        </p:txBody>
-      </p:sp>
-    </p:spTree>
-    <p:extLst>
-      <p:ext uri="{BB962C8B-B14F-4D97-AF65-F5344CB8AC3E}">
-        <p14:creationId xmlns:p14="http://schemas.microsoft.com/office/powerpoint/2010/main" val="4042259202"/>
-      </p:ext>
-    </p:extLst>
-  </p:cSld>
-  <p:clrMapOvr>
-    <a:masterClrMapping/>
-  </p:clrMapOvr>
-</p:sld>
-</file>
-
 <file path=ppt/slides/slide15.xml><?xml version="1.0" encoding="utf-8"?>
 <p:sld xmlns:a="http://schemas.openxmlformats.org/drawingml/2006/main" xmlns:r="http://schemas.openxmlformats.org/officeDocument/2006/relationships" xmlns:p="http://schemas.openxmlformats.org/presentationml/2006/main">
   <p:cSld>
@@ -15543,7 +17082,7 @@
           <a:p>
             <a:r>
               <a:rPr kumimoji="1" lang="ja-JP" altLang="en-US" dirty="0" smtClean="0"/>
-              <a:t>現在までの結果</a:t>
+              <a:t>手段についての検討</a:t>
             </a:r>
             <a:endParaRPr kumimoji="1" lang="ja-JP" altLang="en-US" dirty="0"/>
           </a:p>
@@ -15566,25 +17105,169 @@
           <a:p>
             <a:r>
               <a:rPr kumimoji="1" lang="en-US" altLang="ja-JP" dirty="0" smtClean="0"/>
-              <a:t>W3C</a:t>
+              <a:t>HTML5,JQuery,Ajax</a:t>
+            </a:r>
+            <a:r>
+              <a:rPr lang="ja-JP" altLang="en-US" dirty="0" smtClean="0"/>
+              <a:t>による</a:t>
             </a:r>
             <a:r>
               <a:rPr kumimoji="1" lang="ja-JP" altLang="en-US" dirty="0" smtClean="0"/>
-              <a:t>の</a:t>
-            </a:r>
-            <a:r>
-              <a:rPr kumimoji="1" lang="en-US" altLang="ja-JP" dirty="0" smtClean="0"/>
-              <a:t>HTML5</a:t>
-            </a:r>
-            <a:r>
-              <a:rPr kumimoji="1" lang="ja-JP" altLang="en-US" dirty="0" smtClean="0"/>
-              <a:t>勧告状況の調査</a:t>
+              <a:t>開発</a:t>
             </a:r>
             <a:endParaRPr kumimoji="1" lang="en-US" altLang="ja-JP" dirty="0" smtClean="0"/>
           </a:p>
           <a:p>
             <a:pPr lvl="1"/>
             <a:r>
+              <a:rPr kumimoji="1" lang="ja-JP" altLang="en-US" dirty="0" smtClean="0"/>
+              <a:t>利点</a:t>
+            </a:r>
+            <a:endParaRPr kumimoji="1" lang="en-US" altLang="ja-JP" dirty="0" smtClean="0"/>
+          </a:p>
+          <a:p>
+            <a:pPr lvl="2"/>
+            <a:r>
+              <a:rPr lang="en-US" altLang="ja-JP" dirty="0" smtClean="0"/>
+              <a:t>OS</a:t>
+            </a:r>
+            <a:r>
+              <a:rPr lang="ja-JP" altLang="en-US" dirty="0" smtClean="0"/>
+              <a:t>依存にならないため、幅広い利用が望める</a:t>
+            </a:r>
+            <a:endParaRPr lang="en-US" altLang="ja-JP" dirty="0" smtClean="0"/>
+          </a:p>
+          <a:p>
+            <a:pPr lvl="2"/>
+            <a:r>
+              <a:rPr lang="ja-JP" altLang="en-US" dirty="0" smtClean="0"/>
+              <a:t>ソースコードの解析は</a:t>
+            </a:r>
+            <a:r>
+              <a:rPr lang="en-US" altLang="ja-JP" dirty="0" smtClean="0"/>
+              <a:t>AST(Abstract Syntax Tree</a:t>
+            </a:r>
+            <a:r>
+              <a:rPr lang="en-US" altLang="ja-JP" dirty="0" smtClean="0"/>
+              <a:t>)</a:t>
+            </a:r>
+            <a:r>
+              <a:rPr lang="ja-JP" altLang="en-US" dirty="0" smtClean="0"/>
+              <a:t>等で</a:t>
+            </a:r>
+            <a:r>
+              <a:rPr lang="en-US" altLang="ja-JP" dirty="0" smtClean="0"/>
+              <a:t>DOM</a:t>
+            </a:r>
+            <a:r>
+              <a:rPr lang="en-US" altLang="ja-JP" dirty="0" smtClean="0"/>
+              <a:t>(Document Object Model) API</a:t>
+            </a:r>
+            <a:r>
+              <a:rPr lang="ja-JP" altLang="en-US" dirty="0" smtClean="0"/>
+              <a:t>の利用が</a:t>
+            </a:r>
+            <a:r>
+              <a:rPr lang="ja-JP" altLang="en-US" dirty="0" smtClean="0"/>
+              <a:t>可能</a:t>
+            </a:r>
+            <a:endParaRPr lang="en-US" altLang="ja-JP" dirty="0" smtClean="0"/>
+          </a:p>
+          <a:p>
+            <a:pPr lvl="2"/>
+            <a:endParaRPr kumimoji="1" lang="ja-JP" altLang="en-US" dirty="0"/>
+          </a:p>
+        </p:txBody>
+      </p:sp>
+    </p:spTree>
+    <p:extLst>
+      <p:ext uri="{BB962C8B-B14F-4D97-AF65-F5344CB8AC3E}">
+        <p14:creationId xmlns:p14="http://schemas.microsoft.com/office/powerpoint/2010/main" val="4042259202"/>
+      </p:ext>
+    </p:extLst>
+  </p:cSld>
+  <p:clrMapOvr>
+    <a:masterClrMapping/>
+  </p:clrMapOvr>
+</p:sld>
+</file>
+
+<file path=ppt/slides/slide16.xml><?xml version="1.0" encoding="utf-8"?>
+<p:sld xmlns:a="http://schemas.openxmlformats.org/drawingml/2006/main" xmlns:r="http://schemas.openxmlformats.org/officeDocument/2006/relationships" xmlns:p="http://schemas.openxmlformats.org/presentationml/2006/main">
+  <p:cSld>
+    <p:spTree>
+      <p:nvGrpSpPr>
+        <p:cNvPr id="1" name=""/>
+        <p:cNvGrpSpPr/>
+        <p:nvPr/>
+      </p:nvGrpSpPr>
+      <p:grpSpPr>
+        <a:xfrm>
+          <a:off x="0" y="0"/>
+          <a:ext cx="0" cy="0"/>
+          <a:chOff x="0" y="0"/>
+          <a:chExt cx="0" cy="0"/>
+        </a:xfrm>
+      </p:grpSpPr>
+      <p:sp>
+        <p:nvSpPr>
+          <p:cNvPr id="2" name="タイトル 1"/>
+          <p:cNvSpPr>
+            <a:spLocks noGrp="1"/>
+          </p:cNvSpPr>
+          <p:nvPr>
+            <p:ph type="title"/>
+          </p:nvPr>
+        </p:nvSpPr>
+        <p:spPr/>
+        <p:txBody>
+          <a:bodyPr/>
+          <a:lstStyle/>
+          <a:p>
+            <a:r>
+              <a:rPr kumimoji="1" lang="ja-JP" altLang="en-US" dirty="0" smtClean="0"/>
+              <a:t>現在までの結果</a:t>
+            </a:r>
+            <a:endParaRPr kumimoji="1" lang="ja-JP" altLang="en-US" dirty="0"/>
+          </a:p>
+        </p:txBody>
+      </p:sp>
+      <p:sp>
+        <p:nvSpPr>
+          <p:cNvPr id="3" name="コンテンツ プレースホルダー 2"/>
+          <p:cNvSpPr>
+            <a:spLocks noGrp="1"/>
+          </p:cNvSpPr>
+          <p:nvPr>
+            <p:ph idx="1"/>
+          </p:nvPr>
+        </p:nvSpPr>
+        <p:spPr/>
+        <p:txBody>
+          <a:bodyPr/>
+          <a:lstStyle/>
+          <a:p>
+            <a:r>
+              <a:rPr kumimoji="1" lang="en-US" altLang="ja-JP" dirty="0" smtClean="0"/>
+              <a:t>W3C</a:t>
+            </a:r>
+            <a:r>
+              <a:rPr kumimoji="1" lang="ja-JP" altLang="en-US" dirty="0" smtClean="0"/>
+              <a:t>の</a:t>
+            </a:r>
+            <a:r>
+              <a:rPr kumimoji="1" lang="en-US" altLang="ja-JP" dirty="0" smtClean="0"/>
+              <a:t>HTML5</a:t>
+            </a:r>
+            <a:r>
+              <a:rPr kumimoji="1" lang="ja-JP" altLang="en-US" dirty="0" smtClean="0"/>
+              <a:t>勧告状況の調査</a:t>
+            </a:r>
+            <a:endParaRPr kumimoji="1" lang="en-US" altLang="ja-JP" dirty="0" smtClean="0"/>
+          </a:p>
+          <a:p>
+            <a:pPr lvl="1"/>
+            <a:r>
               <a:rPr lang="en-US" altLang="ja-JP" dirty="0"/>
               <a:t>http://www.w3.org/TR/html5</a:t>
             </a:r>
@@ -15604,15 +17287,7 @@
             <a:pPr lvl="1"/>
             <a:r>
               <a:rPr kumimoji="1" lang="en-US" altLang="ja-JP" dirty="0" err="1" smtClean="0"/>
-              <a:t>J</a:t>
-            </a:r>
-            <a:r>
-              <a:rPr kumimoji="1" lang="en-US" altLang="ja-JP" dirty="0" err="1" smtClean="0"/>
-              <a:t>Q</a:t>
-            </a:r>
-            <a:r>
-              <a:rPr kumimoji="1" lang="en-US" altLang="ja-JP" dirty="0" err="1" smtClean="0"/>
-              <a:t>uery,Ajax</a:t>
+              <a:t>JQuery,Ajax</a:t>
             </a:r>
             <a:r>
               <a:rPr kumimoji="1" lang="ja-JP" altLang="en-US" dirty="0" smtClean="0"/>
@@ -15635,7 +17310,7 @@
 </p:sld>
 </file>
 
-<file path=ppt/slides/slide16.xml><?xml version="1.0" encoding="utf-8"?>
+<file path=ppt/slides/slide17.xml><?xml version="1.0" encoding="utf-8"?>
 <p:sld xmlns:a="http://schemas.openxmlformats.org/drawingml/2006/main" xmlns:r="http://schemas.openxmlformats.org/officeDocument/2006/relationships" xmlns:p="http://schemas.openxmlformats.org/presentationml/2006/main">
   <p:cSld>
     <p:spTree>
@@ -15814,7 +17489,7 @@
           <a:p>
             <a:r>
               <a:rPr kumimoji="1" lang="ja-JP" altLang="en-US" dirty="0" smtClean="0"/>
-              <a:t>背景とその問題点</a:t>
+              <a:t>背景</a:t>
             </a:r>
             <a:endParaRPr kumimoji="1" lang="ja-JP" altLang="en-US" dirty="0"/>
           </a:p>
@@ -15890,7 +17565,7 @@
           <a:p>
             <a:r>
               <a:rPr lang="ja-JP" altLang="en-US" dirty="0" smtClean="0"/>
-              <a:t>背景とその問題点</a:t>
+              <a:t>背景</a:t>
             </a:r>
             <a:endParaRPr kumimoji="1" lang="ja-JP" altLang="en-US" dirty="0"/>
           </a:p>
@@ -16356,7 +18031,7 @@
           <a:p>
             <a:r>
               <a:rPr lang="ja-JP" altLang="en-US" dirty="0" smtClean="0"/>
-              <a:t>背景とその問題点</a:t>
+              <a:t>背景</a:t>
             </a:r>
             <a:endParaRPr kumimoji="1" lang="ja-JP" altLang="en-US" dirty="0"/>
           </a:p>
@@ -16694,7 +18369,7 @@
           <a:p>
             <a:r>
               <a:rPr lang="ja-JP" altLang="en-US" dirty="0" smtClean="0"/>
-              <a:t>背景とその問題点</a:t>
+              <a:t>問題点</a:t>
             </a:r>
             <a:endParaRPr kumimoji="1" lang="ja-JP" altLang="en-US" dirty="0"/>
           </a:p>
@@ -17068,7 +18743,7 @@
           <a:p>
             <a:r>
               <a:rPr kumimoji="1" lang="ja-JP" altLang="en-US" dirty="0" smtClean="0"/>
-              <a:t>背景とその問題点</a:t>
+              <a:t>問題点</a:t>
             </a:r>
             <a:endParaRPr kumimoji="1" lang="ja-JP" altLang="en-US" dirty="0"/>
           </a:p>
@@ -17087,13 +18762,40 @@
         <p:spPr/>
         <p:txBody>
           <a:bodyPr>
-            <a:normAutofit lnSpcReduction="10000"/>
+            <a:normAutofit/>
           </a:bodyPr>
           <a:lstStyle/>
           <a:p>
+            <a:pPr marL="0" indent="0">
+              <a:buNone/>
+            </a:pPr>
             <a:r>
               <a:rPr kumimoji="1" lang="ja-JP" altLang="en-US" dirty="0" smtClean="0"/>
-              <a:t>以上の様な、一部改変による改良を行う従来の手法</a:t>
+              <a:t>一部</a:t>
+            </a:r>
+            <a:r>
+              <a:rPr kumimoji="1" lang="ja-JP" altLang="en-US" dirty="0" smtClean="0"/>
+              <a:t>改変による改良を</a:t>
+            </a:r>
+            <a:r>
+              <a:rPr kumimoji="1" lang="ja-JP" altLang="en-US" dirty="0" smtClean="0"/>
+              <a:t>行う</a:t>
+            </a:r>
+            <a:r>
+              <a:rPr kumimoji="1" lang="ja-JP" altLang="en-US" dirty="0" smtClean="0"/>
+              <a:t>場合、</a:t>
+            </a:r>
+            <a:r>
+              <a:rPr kumimoji="1" lang="ja-JP" altLang="en-US" dirty="0" smtClean="0"/>
+              <a:t>従来</a:t>
+            </a:r>
+            <a:r>
+              <a:rPr kumimoji="1" lang="ja-JP" altLang="en-US" dirty="0" smtClean="0"/>
+              <a:t>の</a:t>
+            </a:r>
+            <a:r>
+              <a:rPr kumimoji="1" lang="ja-JP" altLang="en-US" dirty="0" smtClean="0"/>
+              <a:t>手法</a:t>
             </a:r>
             <a:endParaRPr kumimoji="1" lang="en-US" altLang="ja-JP" dirty="0" smtClean="0"/>
           </a:p>
@@ -17206,7 +18908,1657 @@
           <a:p>
             <a:r>
               <a:rPr lang="ja-JP" altLang="en-US" dirty="0" smtClean="0"/>
-              <a:t>背景とその問題点</a:t>
+              <a:t>同種の問題</a:t>
+            </a:r>
+            <a:endParaRPr kumimoji="1" lang="ja-JP" altLang="en-US" dirty="0"/>
+          </a:p>
+        </p:txBody>
+      </p:sp>
+      <p:grpSp>
+        <p:nvGrpSpPr>
+          <p:cNvPr id="4" name="グループ化 2"/>
+          <p:cNvGrpSpPr/>
+          <p:nvPr/>
+        </p:nvGrpSpPr>
+        <p:grpSpPr>
+          <a:xfrm>
+            <a:off x="304800" y="1723497"/>
+            <a:ext cx="8534400" cy="4728306"/>
+            <a:chOff x="304803" y="1689318"/>
+            <a:chExt cx="8534400" cy="4567413"/>
+          </a:xfrm>
+        </p:grpSpPr>
+        <p:grpSp>
+          <p:nvGrpSpPr>
+            <p:cNvPr id="5" name="グループ化 3"/>
+            <p:cNvGrpSpPr/>
+            <p:nvPr/>
+          </p:nvGrpSpPr>
+          <p:grpSpPr>
+            <a:xfrm>
+              <a:off x="304803" y="1689318"/>
+              <a:ext cx="8534400" cy="4567413"/>
+              <a:chOff x="304803" y="1951923"/>
+              <a:chExt cx="8534400" cy="4567413"/>
+            </a:xfrm>
+          </p:grpSpPr>
+          <p:sp>
+            <p:nvSpPr>
+              <p:cNvPr id="8" name="正方形/長方形 7"/>
+              <p:cNvSpPr/>
+              <p:nvPr/>
+            </p:nvSpPr>
+            <p:spPr>
+              <a:xfrm>
+                <a:off x="304803" y="1951923"/>
+                <a:ext cx="8534400" cy="4567413"/>
+              </a:xfrm>
+              <a:prstGeom prst="rect">
+                <a:avLst/>
+              </a:prstGeom>
+              <a:solidFill>
+                <a:schemeClr val="bg1"/>
+              </a:solidFill>
+              <a:ln w="28575"/>
+            </p:spPr>
+            <p:style>
+              <a:lnRef idx="2">
+                <a:schemeClr val="accent1"/>
+              </a:lnRef>
+              <a:fillRef idx="1">
+                <a:schemeClr val="lt1"/>
+              </a:fillRef>
+              <a:effectRef idx="0">
+                <a:schemeClr val="accent1"/>
+              </a:effectRef>
+              <a:fontRef idx="minor">
+                <a:schemeClr val="dk1"/>
+              </a:fontRef>
+            </p:style>
+            <p:txBody>
+              <a:bodyPr rtlCol="0" anchor="ctr"/>
+              <a:lstStyle/>
+              <a:p>
+                <a:pPr algn="ctr"/>
+                <a:endParaRPr kumimoji="1" lang="ja-JP" altLang="en-US"/>
+              </a:p>
+            </p:txBody>
+          </p:sp>
+          <p:grpSp>
+            <p:nvGrpSpPr>
+              <p:cNvPr id="10" name="グループ化 8"/>
+              <p:cNvGrpSpPr/>
+              <p:nvPr/>
+            </p:nvGrpSpPr>
+            <p:grpSpPr>
+              <a:xfrm>
+                <a:off x="555198" y="2229424"/>
+                <a:ext cx="8134330" cy="4184339"/>
+                <a:chOff x="555198" y="2229424"/>
+                <a:chExt cx="8134330" cy="4184339"/>
+              </a:xfrm>
+            </p:grpSpPr>
+            <p:grpSp>
+              <p:nvGrpSpPr>
+                <p:cNvPr id="12" name="グループ化 10"/>
+                <p:cNvGrpSpPr/>
+                <p:nvPr/>
+              </p:nvGrpSpPr>
+              <p:grpSpPr>
+                <a:xfrm>
+                  <a:off x="555198" y="3681131"/>
+                  <a:ext cx="2014314" cy="1809521"/>
+                  <a:chOff x="-92969" y="3924695"/>
+                  <a:chExt cx="2014314" cy="1809521"/>
+                </a:xfrm>
+              </p:grpSpPr>
+              <p:sp>
+                <p:nvSpPr>
+                  <p:cNvPr id="46" name="山形 45"/>
+                  <p:cNvSpPr/>
+                  <p:nvPr/>
+                </p:nvSpPr>
+                <p:spPr bwMode="auto">
+                  <a:xfrm>
+                    <a:off x="1250040" y="3975433"/>
+                    <a:ext cx="671305" cy="168926"/>
+                  </a:xfrm>
+                  <a:prstGeom prst="chevron">
+                    <a:avLst/>
+                  </a:prstGeom>
+                </p:spPr>
+                <p:style>
+                  <a:lnRef idx="2">
+                    <a:schemeClr val="accent3">
+                      <a:shade val="50000"/>
+                    </a:schemeClr>
+                  </a:lnRef>
+                  <a:fillRef idx="1">
+                    <a:schemeClr val="accent3"/>
+                  </a:fillRef>
+                  <a:effectRef idx="0">
+                    <a:schemeClr val="accent3"/>
+                  </a:effectRef>
+                  <a:fontRef idx="minor">
+                    <a:schemeClr val="lt1"/>
+                  </a:fontRef>
+                </p:style>
+                <p:txBody>
+                  <a:bodyPr anchor="ctr"/>
+                  <a:lstStyle/>
+                  <a:p>
+                    <a:pPr algn="ctr">
+                      <a:defRPr/>
+                    </a:pPr>
+                    <a:endParaRPr lang="ja-JP" altLang="en-US" sz="1013">
+                      <a:solidFill>
+                        <a:schemeClr val="tx1"/>
+                      </a:solidFill>
+                    </a:endParaRPr>
+                  </a:p>
+                </p:txBody>
+              </p:sp>
+              <p:grpSp>
+                <p:nvGrpSpPr>
+                  <p:cNvPr id="47" name="グループ化 45"/>
+                  <p:cNvGrpSpPr/>
+                  <p:nvPr/>
+                </p:nvGrpSpPr>
+                <p:grpSpPr>
+                  <a:xfrm>
+                    <a:off x="-92969" y="3924695"/>
+                    <a:ext cx="2007932" cy="1809521"/>
+                    <a:chOff x="-92969" y="3924695"/>
+                    <a:chExt cx="2007932" cy="1809521"/>
+                  </a:xfrm>
+                </p:grpSpPr>
+                <p:pic>
+                  <p:nvPicPr>
+                    <p:cNvPr id="48" name="コンテンツ プレースホルダー 6"/>
+                    <p:cNvPicPr>
+                      <a:picLocks noChangeAspect="1"/>
+                    </p:cNvPicPr>
+                    <p:nvPr/>
+                  </p:nvPicPr>
+                  <p:blipFill>
+                    <a:blip r:embed="rId3" cstate="print">
+                      <a:extLst>
+                        <a:ext uri="{28A0092B-C50C-407E-A947-70E740481C1C}">
+                          <a14:useLocalDpi xmlns:a14="http://schemas.microsoft.com/office/drawing/2010/main" val="0"/>
+                        </a:ext>
+                      </a:extLst>
+                    </a:blip>
+                    <a:stretch>
+                      <a:fillRect/>
+                    </a:stretch>
+                  </p:blipFill>
+                  <p:spPr>
+                    <a:xfrm>
+                      <a:off x="-92969" y="3924695"/>
+                      <a:ext cx="1876178" cy="1368243"/>
+                    </a:xfrm>
+                    <a:prstGeom prst="rect">
+                      <a:avLst/>
+                    </a:prstGeom>
+                  </p:spPr>
+                </p:pic>
+                <p:sp>
+                  <p:nvSpPr>
+                    <p:cNvPr id="49" name="テキスト ボックス 54"/>
+                    <p:cNvSpPr txBox="1">
+                      <a:spLocks noChangeArrowheads="1"/>
+                    </p:cNvSpPr>
+                    <p:nvPr/>
+                  </p:nvSpPr>
+                  <p:spPr bwMode="auto">
+                    <a:xfrm>
+                      <a:off x="-72833" y="5210996"/>
+                      <a:ext cx="1987796" cy="523220"/>
+                    </a:xfrm>
+                    <a:prstGeom prst="rect">
+                      <a:avLst/>
+                    </a:prstGeom>
+                    <a:noFill/>
+                    <a:ln>
+                      <a:noFill/>
+                    </a:ln>
+                    <a:extLst>
+                      <a:ext uri="{909E8E84-426E-40dd-AFC4-6F175D3DCCD1}">
+                        <a14:hiddenFill xmlns:a14="http://schemas.microsoft.com/office/drawing/2010/main">
+                          <a:solidFill>
+                            <a:srgbClr val="FFFFFF"/>
+                          </a:solidFill>
+                        </a14:hiddenFill>
+                      </a:ext>
+                      <a:ext uri="{91240B29-F687-4f45-9708-019B960494DF}">
+                        <a14:hiddenLine xmlns:a14="http://schemas.microsoft.com/office/drawing/2010/main" w="9525">
+                          <a:solidFill>
+                            <a:srgbClr val="000000"/>
+                          </a:solidFill>
+                          <a:miter lim="800000"/>
+                          <a:headEnd/>
+                          <a:tailEnd/>
+                        </a14:hiddenLine>
+                      </a:ext>
+                    </a:extLst>
+                  </p:spPr>
+                  <p:txBody>
+                    <a:bodyPr wrap="square">
+                      <a:spAutoFit/>
+                    </a:bodyPr>
+                    <a:lstStyle/>
+                    <a:p>
+                      <a:pPr eaLnBrk="1" hangingPunct="1"/>
+                      <a:r>
+                        <a:rPr lang="en-US" altLang="ja-JP" sz="2800" dirty="0" smtClean="0"/>
+                        <a:t>Input Image</a:t>
+                      </a:r>
+                      <a:endParaRPr lang="en-US" altLang="ja-JP" sz="2800" dirty="0"/>
+                    </a:p>
+                  </p:txBody>
+                </p:sp>
+              </p:grpSp>
+            </p:grpSp>
+            <p:cxnSp>
+              <p:nvCxnSpPr>
+                <p:cNvPr id="13" name="直線コネクタ 16"/>
+                <p:cNvCxnSpPr>
+                  <a:stCxn id="46" idx="3"/>
+                  <a:endCxn id="39" idx="1"/>
+                </p:cNvCxnSpPr>
+                <p:nvPr/>
+              </p:nvCxnSpPr>
+              <p:spPr bwMode="auto">
+                <a:xfrm flipV="1">
+                  <a:off x="2569512" y="2384558"/>
+                  <a:ext cx="803862" cy="1431774"/>
+                </a:xfrm>
+                <a:prstGeom prst="bentConnector3">
+                  <a:avLst>
+                    <a:gd name="adj1" fmla="val 47630"/>
+                  </a:avLst>
+                </a:prstGeom>
+                <a:ln w="28575">
+                  <a:solidFill>
+                    <a:schemeClr val="tx1">
+                      <a:lumMod val="95000"/>
+                      <a:lumOff val="5000"/>
+                    </a:schemeClr>
+                  </a:solidFill>
+                </a:ln>
+              </p:spPr>
+              <p:style>
+                <a:lnRef idx="1">
+                  <a:schemeClr val="accent1"/>
+                </a:lnRef>
+                <a:fillRef idx="0">
+                  <a:schemeClr val="accent1"/>
+                </a:fillRef>
+                <a:effectRef idx="0">
+                  <a:schemeClr val="accent1"/>
+                </a:effectRef>
+                <a:fontRef idx="minor">
+                  <a:schemeClr val="tx1"/>
+                </a:fontRef>
+              </p:style>
+            </p:cxnSp>
+            <p:cxnSp>
+              <p:nvCxnSpPr>
+                <p:cNvPr id="14" name="直線コネクタ 19"/>
+                <p:cNvCxnSpPr>
+                  <a:stCxn id="46" idx="3"/>
+                  <a:endCxn id="33" idx="1"/>
+                </p:cNvCxnSpPr>
+                <p:nvPr/>
+              </p:nvCxnSpPr>
+              <p:spPr bwMode="auto">
+                <a:xfrm flipV="1">
+                  <a:off x="2569512" y="3260191"/>
+                  <a:ext cx="803862" cy="556141"/>
+                </a:xfrm>
+                <a:prstGeom prst="bentConnector3">
+                  <a:avLst>
+                    <a:gd name="adj1" fmla="val 47630"/>
+                  </a:avLst>
+                </a:prstGeom>
+                <a:ln w="28575">
+                  <a:solidFill>
+                    <a:schemeClr val="tx1">
+                      <a:lumMod val="95000"/>
+                      <a:lumOff val="5000"/>
+                    </a:schemeClr>
+                  </a:solidFill>
+                </a:ln>
+              </p:spPr>
+              <p:style>
+                <a:lnRef idx="1">
+                  <a:schemeClr val="accent1"/>
+                </a:lnRef>
+                <a:fillRef idx="0">
+                  <a:schemeClr val="accent1"/>
+                </a:fillRef>
+                <a:effectRef idx="0">
+                  <a:schemeClr val="accent1"/>
+                </a:effectRef>
+                <a:fontRef idx="minor">
+                  <a:schemeClr val="tx1"/>
+                </a:fontRef>
+              </p:style>
+            </p:cxnSp>
+            <p:cxnSp>
+              <p:nvCxnSpPr>
+                <p:cNvPr id="15" name="直線コネクタ 34"/>
+                <p:cNvCxnSpPr>
+                  <a:stCxn id="40" idx="3"/>
+                  <a:endCxn id="44" idx="1"/>
+                </p:cNvCxnSpPr>
+                <p:nvPr/>
+              </p:nvCxnSpPr>
+              <p:spPr bwMode="auto">
+                <a:xfrm>
+                  <a:off x="6075690" y="2384558"/>
+                  <a:ext cx="688893" cy="1473221"/>
+                </a:xfrm>
+                <a:prstGeom prst="bentConnector3">
+                  <a:avLst>
+                    <a:gd name="adj1" fmla="val 47235"/>
+                  </a:avLst>
+                </a:prstGeom>
+                <a:ln w="28575">
+                  <a:solidFill>
+                    <a:schemeClr val="tx1">
+                      <a:lumMod val="95000"/>
+                      <a:lumOff val="5000"/>
+                    </a:schemeClr>
+                  </a:solidFill>
+                </a:ln>
+              </p:spPr>
+              <p:style>
+                <a:lnRef idx="1">
+                  <a:schemeClr val="accent1"/>
+                </a:lnRef>
+                <a:fillRef idx="0">
+                  <a:schemeClr val="accent1"/>
+                </a:fillRef>
+                <a:effectRef idx="0">
+                  <a:schemeClr val="accent1"/>
+                </a:effectRef>
+                <a:fontRef idx="minor">
+                  <a:schemeClr val="tx1"/>
+                </a:fontRef>
+              </p:style>
+            </p:cxnSp>
+            <p:cxnSp>
+              <p:nvCxnSpPr>
+                <p:cNvPr id="16" name="直線コネクタ 36"/>
+                <p:cNvCxnSpPr>
+                  <a:stCxn id="37" idx="3"/>
+                  <a:endCxn id="44" idx="1"/>
+                </p:cNvCxnSpPr>
+                <p:nvPr/>
+              </p:nvCxnSpPr>
+              <p:spPr bwMode="auto">
+                <a:xfrm flipV="1">
+                  <a:off x="6041823" y="3857779"/>
+                  <a:ext cx="722760" cy="2029311"/>
+                </a:xfrm>
+                <a:prstGeom prst="bentConnector3">
+                  <a:avLst>
+                    <a:gd name="adj1" fmla="val 50000"/>
+                  </a:avLst>
+                </a:prstGeom>
+                <a:ln w="28575">
+                  <a:solidFill>
+                    <a:schemeClr val="tx1">
+                      <a:lumMod val="95000"/>
+                      <a:lumOff val="5000"/>
+                    </a:schemeClr>
+                  </a:solidFill>
+                </a:ln>
+              </p:spPr>
+              <p:style>
+                <a:lnRef idx="1">
+                  <a:schemeClr val="accent1"/>
+                </a:lnRef>
+                <a:fillRef idx="0">
+                  <a:schemeClr val="accent1"/>
+                </a:fillRef>
+                <a:effectRef idx="0">
+                  <a:schemeClr val="accent1"/>
+                </a:effectRef>
+                <a:fontRef idx="minor">
+                  <a:schemeClr val="tx1"/>
+                </a:fontRef>
+              </p:style>
+            </p:cxnSp>
+            <p:cxnSp>
+              <p:nvCxnSpPr>
+                <p:cNvPr id="17" name="直線コネクタ 1925"/>
+                <p:cNvCxnSpPr>
+                  <a:stCxn id="46" idx="3"/>
+                  <a:endCxn id="36" idx="1"/>
+                </p:cNvCxnSpPr>
+                <p:nvPr/>
+              </p:nvCxnSpPr>
+              <p:spPr bwMode="auto">
+                <a:xfrm>
+                  <a:off x="2569512" y="3816332"/>
+                  <a:ext cx="769995" cy="2070758"/>
+                </a:xfrm>
+                <a:prstGeom prst="bentConnector3">
+                  <a:avLst>
+                    <a:gd name="adj1" fmla="val 50000"/>
+                  </a:avLst>
+                </a:prstGeom>
+                <a:ln w="28575">
+                  <a:solidFill>
+                    <a:schemeClr val="tx1">
+                      <a:lumMod val="95000"/>
+                      <a:lumOff val="5000"/>
+                    </a:schemeClr>
+                  </a:solidFill>
+                </a:ln>
+              </p:spPr>
+              <p:style>
+                <a:lnRef idx="1">
+                  <a:schemeClr val="accent1"/>
+                </a:lnRef>
+                <a:fillRef idx="0">
+                  <a:schemeClr val="accent1"/>
+                </a:fillRef>
+                <a:effectRef idx="0">
+                  <a:schemeClr val="accent1"/>
+                </a:effectRef>
+                <a:fontRef idx="minor">
+                  <a:schemeClr val="tx1"/>
+                </a:fontRef>
+              </p:style>
+            </p:cxnSp>
+            <p:cxnSp>
+              <p:nvCxnSpPr>
+                <p:cNvPr id="18" name="直線コネクタ 1931"/>
+                <p:cNvCxnSpPr>
+                  <a:stCxn id="46" idx="3"/>
+                  <a:endCxn id="30" idx="1"/>
+                </p:cNvCxnSpPr>
+                <p:nvPr/>
+              </p:nvCxnSpPr>
+              <p:spPr bwMode="auto">
+                <a:xfrm>
+                  <a:off x="2569512" y="3816332"/>
+                  <a:ext cx="803862" cy="319492"/>
+                </a:xfrm>
+                <a:prstGeom prst="bentConnector3">
+                  <a:avLst>
+                    <a:gd name="adj1" fmla="val 47630"/>
+                  </a:avLst>
+                </a:prstGeom>
+                <a:ln w="28575">
+                  <a:solidFill>
+                    <a:schemeClr val="tx1">
+                      <a:lumMod val="95000"/>
+                      <a:lumOff val="5000"/>
+                    </a:schemeClr>
+                  </a:solidFill>
+                </a:ln>
+              </p:spPr>
+              <p:style>
+                <a:lnRef idx="1">
+                  <a:schemeClr val="accent1"/>
+                </a:lnRef>
+                <a:fillRef idx="0">
+                  <a:schemeClr val="accent1"/>
+                </a:fillRef>
+                <a:effectRef idx="0">
+                  <a:schemeClr val="accent1"/>
+                </a:effectRef>
+                <a:fontRef idx="minor">
+                  <a:schemeClr val="tx1"/>
+                </a:fontRef>
+              </p:style>
+            </p:cxnSp>
+            <p:cxnSp>
+              <p:nvCxnSpPr>
+                <p:cNvPr id="19" name="直線コネクタ 1933"/>
+                <p:cNvCxnSpPr>
+                  <a:stCxn id="31" idx="3"/>
+                  <a:endCxn id="44" idx="1"/>
+                </p:cNvCxnSpPr>
+                <p:nvPr/>
+              </p:nvCxnSpPr>
+              <p:spPr bwMode="auto">
+                <a:xfrm flipV="1">
+                  <a:off x="6075690" y="3857779"/>
+                  <a:ext cx="688893" cy="243411"/>
+                </a:xfrm>
+                <a:prstGeom prst="bentConnector3">
+                  <a:avLst>
+                    <a:gd name="adj1" fmla="val 47234"/>
+                  </a:avLst>
+                </a:prstGeom>
+                <a:ln w="28575">
+                  <a:solidFill>
+                    <a:schemeClr val="tx1">
+                      <a:lumMod val="95000"/>
+                      <a:lumOff val="5000"/>
+                    </a:schemeClr>
+                  </a:solidFill>
+                </a:ln>
+              </p:spPr>
+              <p:style>
+                <a:lnRef idx="1">
+                  <a:schemeClr val="accent1"/>
+                </a:lnRef>
+                <a:fillRef idx="0">
+                  <a:schemeClr val="accent1"/>
+                </a:fillRef>
+                <a:effectRef idx="0">
+                  <a:schemeClr val="accent1"/>
+                </a:effectRef>
+                <a:fontRef idx="minor">
+                  <a:schemeClr val="tx1"/>
+                </a:fontRef>
+              </p:style>
+            </p:cxnSp>
+            <p:cxnSp>
+              <p:nvCxnSpPr>
+                <p:cNvPr id="20" name="直線コネクタ 1937"/>
+                <p:cNvCxnSpPr>
+                  <a:stCxn id="34" idx="3"/>
+                  <a:endCxn id="44" idx="1"/>
+                </p:cNvCxnSpPr>
+                <p:nvPr/>
+              </p:nvCxnSpPr>
+              <p:spPr bwMode="auto">
+                <a:xfrm>
+                  <a:off x="6075690" y="3260191"/>
+                  <a:ext cx="688893" cy="597588"/>
+                </a:xfrm>
+                <a:prstGeom prst="bentConnector3">
+                  <a:avLst>
+                    <a:gd name="adj1" fmla="val 47235"/>
+                  </a:avLst>
+                </a:prstGeom>
+                <a:ln w="28575">
+                  <a:solidFill>
+                    <a:schemeClr val="tx1">
+                      <a:lumMod val="95000"/>
+                      <a:lumOff val="5000"/>
+                    </a:schemeClr>
+                  </a:solidFill>
+                </a:ln>
+              </p:spPr>
+              <p:style>
+                <a:lnRef idx="1">
+                  <a:schemeClr val="accent1"/>
+                </a:lnRef>
+                <a:fillRef idx="0">
+                  <a:schemeClr val="accent1"/>
+                </a:fillRef>
+                <a:effectRef idx="0">
+                  <a:schemeClr val="accent1"/>
+                </a:effectRef>
+                <a:fontRef idx="minor">
+                  <a:schemeClr val="tx1"/>
+                </a:fontRef>
+              </p:style>
+            </p:cxnSp>
+            <p:grpSp>
+              <p:nvGrpSpPr>
+                <p:cNvPr id="21" name="グループ化 19"/>
+                <p:cNvGrpSpPr/>
+                <p:nvPr/>
+              </p:nvGrpSpPr>
+              <p:grpSpPr>
+                <a:xfrm>
+                  <a:off x="6454501" y="3696260"/>
+                  <a:ext cx="2235027" cy="1799876"/>
+                  <a:chOff x="6341446" y="3813452"/>
+                  <a:chExt cx="2235027" cy="1799876"/>
+                </a:xfrm>
+              </p:grpSpPr>
+              <p:sp>
+                <p:nvSpPr>
+                  <p:cNvPr id="42" name="テキスト ボックス 54"/>
+                  <p:cNvSpPr txBox="1">
+                    <a:spLocks noChangeArrowheads="1"/>
+                  </p:cNvSpPr>
+                  <p:nvPr/>
+                </p:nvSpPr>
+                <p:spPr bwMode="auto">
+                  <a:xfrm>
+                    <a:off x="6341446" y="5090108"/>
+                    <a:ext cx="2225723" cy="523220"/>
+                  </a:xfrm>
+                  <a:prstGeom prst="rect">
+                    <a:avLst/>
+                  </a:prstGeom>
+                  <a:noFill/>
+                  <a:ln>
+                    <a:noFill/>
+                  </a:ln>
+                  <a:extLst>
+                    <a:ext uri="{909E8E84-426E-40dd-AFC4-6F175D3DCCD1}">
+                      <a14:hiddenFill xmlns:a14="http://schemas.microsoft.com/office/drawing/2010/main">
+                        <a:solidFill>
+                          <a:srgbClr val="FFFFFF"/>
+                        </a:solidFill>
+                      </a14:hiddenFill>
+                    </a:ext>
+                    <a:ext uri="{91240B29-F687-4f45-9708-019B960494DF}">
+                      <a14:hiddenLine xmlns:a14="http://schemas.microsoft.com/office/drawing/2010/main" w="9525">
+                        <a:solidFill>
+                          <a:srgbClr val="000000"/>
+                        </a:solidFill>
+                        <a:miter lim="800000"/>
+                        <a:headEnd/>
+                        <a:tailEnd/>
+                      </a14:hiddenLine>
+                    </a:ext>
+                  </a:extLst>
+                </p:spPr>
+                <p:txBody>
+                  <a:bodyPr wrap="square">
+                    <a:spAutoFit/>
+                  </a:bodyPr>
+                  <a:lstStyle/>
+                  <a:p>
+                    <a:pPr eaLnBrk="1" hangingPunct="1"/>
+                    <a:r>
+                      <a:rPr lang="en-US" altLang="ja-JP" sz="2800" dirty="0" smtClean="0"/>
+                      <a:t>saliency </a:t>
+                    </a:r>
+                    <a:r>
+                      <a:rPr lang="en-US" altLang="ja-JP" sz="2800" dirty="0"/>
+                      <a:t>map</a:t>
+                    </a:r>
+                  </a:p>
+                </p:txBody>
+              </p:sp>
+              <p:grpSp>
+                <p:nvGrpSpPr>
+                  <p:cNvPr id="43" name="グループ化 41"/>
+                  <p:cNvGrpSpPr/>
+                  <p:nvPr/>
+                </p:nvGrpSpPr>
+                <p:grpSpPr>
+                  <a:xfrm>
+                    <a:off x="6574896" y="3813452"/>
+                    <a:ext cx="2001577" cy="1303875"/>
+                    <a:chOff x="6135111" y="3751032"/>
+                    <a:chExt cx="2001577" cy="1303875"/>
+                  </a:xfrm>
+                </p:grpSpPr>
+                <p:sp>
+                  <p:nvSpPr>
+                    <p:cNvPr id="44" name="山形 43"/>
+                    <p:cNvSpPr/>
+                    <p:nvPr/>
+                  </p:nvSpPr>
+                  <p:spPr bwMode="auto">
+                    <a:xfrm>
+                      <a:off x="6135111" y="3835919"/>
+                      <a:ext cx="439785" cy="153263"/>
+                    </a:xfrm>
+                    <a:prstGeom prst="chevron">
+                      <a:avLst/>
+                    </a:prstGeom>
+                  </p:spPr>
+                  <p:style>
+                    <a:lnRef idx="2">
+                      <a:schemeClr val="accent3">
+                        <a:shade val="50000"/>
+                      </a:schemeClr>
+                    </a:lnRef>
+                    <a:fillRef idx="1">
+                      <a:schemeClr val="accent3"/>
+                    </a:fillRef>
+                    <a:effectRef idx="0">
+                      <a:schemeClr val="accent3"/>
+                    </a:effectRef>
+                    <a:fontRef idx="minor">
+                      <a:schemeClr val="lt1"/>
+                    </a:fontRef>
+                  </p:style>
+                  <p:txBody>
+                    <a:bodyPr anchor="ctr"/>
+                    <a:lstStyle/>
+                    <a:p>
+                      <a:pPr algn="ctr">
+                        <a:defRPr/>
+                      </a:pPr>
+                      <a:endParaRPr lang="ja-JP" altLang="en-US" sz="1013">
+                        <a:solidFill>
+                          <a:schemeClr val="tx1"/>
+                        </a:solidFill>
+                      </a:endParaRPr>
+                    </a:p>
+                  </p:txBody>
+                </p:sp>
+                <p:pic>
+                  <p:nvPicPr>
+                    <p:cNvPr id="45" name="図 44"/>
+                    <p:cNvPicPr>
+                      <a:picLocks/>
+                    </p:cNvPicPr>
+                    <p:nvPr/>
+                  </p:nvPicPr>
+                  <p:blipFill>
+                    <a:blip r:embed="rId4" cstate="print">
+                      <a:extLst>
+                        <a:ext uri="{28A0092B-C50C-407E-A947-70E740481C1C}">
+                          <a14:useLocalDpi xmlns:a14="http://schemas.microsoft.com/office/drawing/2010/main" val="0"/>
+                        </a:ext>
+                      </a:extLst>
+                    </a:blip>
+                    <a:stretch>
+                      <a:fillRect/>
+                    </a:stretch>
+                  </p:blipFill>
+                  <p:spPr>
+                    <a:xfrm>
+                      <a:off x="6312688" y="3751032"/>
+                      <a:ext cx="1824000" cy="1303875"/>
+                    </a:xfrm>
+                    <a:prstGeom prst="rect">
+                      <a:avLst/>
+                    </a:prstGeom>
+                  </p:spPr>
+                </p:pic>
+              </p:grpSp>
+            </p:grpSp>
+            <p:grpSp>
+              <p:nvGrpSpPr>
+                <p:cNvPr id="22" name="グループ化 20"/>
+                <p:cNvGrpSpPr/>
+                <p:nvPr/>
+              </p:nvGrpSpPr>
+              <p:grpSpPr>
+                <a:xfrm>
+                  <a:off x="3296742" y="2229424"/>
+                  <a:ext cx="2778948" cy="681807"/>
+                  <a:chOff x="3146972" y="2781793"/>
+                  <a:chExt cx="2778948" cy="681807"/>
+                </a:xfrm>
+              </p:grpSpPr>
+              <p:sp>
+                <p:nvSpPr>
+                  <p:cNvPr id="39" name="山形 38"/>
+                  <p:cNvSpPr/>
+                  <p:nvPr/>
+                </p:nvSpPr>
+                <p:spPr bwMode="auto">
+                  <a:xfrm>
+                    <a:off x="3146972" y="2860295"/>
+                    <a:ext cx="439785" cy="153263"/>
+                  </a:xfrm>
+                  <a:prstGeom prst="chevron">
+                    <a:avLst/>
+                  </a:prstGeom>
+                </p:spPr>
+                <p:style>
+                  <a:lnRef idx="2">
+                    <a:schemeClr val="accent3">
+                      <a:shade val="50000"/>
+                    </a:schemeClr>
+                  </a:lnRef>
+                  <a:fillRef idx="1">
+                    <a:schemeClr val="accent3"/>
+                  </a:fillRef>
+                  <a:effectRef idx="0">
+                    <a:schemeClr val="accent3"/>
+                  </a:effectRef>
+                  <a:fontRef idx="minor">
+                    <a:schemeClr val="lt1"/>
+                  </a:fontRef>
+                </p:style>
+                <p:txBody>
+                  <a:bodyPr anchor="ctr"/>
+                  <a:lstStyle/>
+                  <a:p>
+                    <a:pPr algn="ctr">
+                      <a:defRPr/>
+                    </a:pPr>
+                    <a:endParaRPr lang="ja-JP" altLang="en-US" sz="1013">
+                      <a:solidFill>
+                        <a:schemeClr val="tx1"/>
+                      </a:solidFill>
+                    </a:endParaRPr>
+                  </a:p>
+                </p:txBody>
+              </p:sp>
+              <p:sp>
+                <p:nvSpPr>
+                  <p:cNvPr id="40" name="山形 39"/>
+                  <p:cNvSpPr/>
+                  <p:nvPr/>
+                </p:nvSpPr>
+                <p:spPr bwMode="auto">
+                  <a:xfrm>
+                    <a:off x="5346615" y="2852464"/>
+                    <a:ext cx="579305" cy="168925"/>
+                  </a:xfrm>
+                  <a:prstGeom prst="chevron">
+                    <a:avLst/>
+                  </a:prstGeom>
+                </p:spPr>
+                <p:style>
+                  <a:lnRef idx="2">
+                    <a:schemeClr val="accent3">
+                      <a:shade val="50000"/>
+                    </a:schemeClr>
+                  </a:lnRef>
+                  <a:fillRef idx="1">
+                    <a:schemeClr val="accent3"/>
+                  </a:fillRef>
+                  <a:effectRef idx="0">
+                    <a:schemeClr val="accent3"/>
+                  </a:effectRef>
+                  <a:fontRef idx="minor">
+                    <a:schemeClr val="lt1"/>
+                  </a:fontRef>
+                </p:style>
+                <p:txBody>
+                  <a:bodyPr anchor="ctr"/>
+                  <a:lstStyle/>
+                  <a:p>
+                    <a:pPr algn="ctr">
+                      <a:defRPr/>
+                    </a:pPr>
+                    <a:endParaRPr lang="ja-JP" altLang="en-US" sz="1013">
+                      <a:solidFill>
+                        <a:schemeClr val="tx1"/>
+                      </a:solidFill>
+                    </a:endParaRPr>
+                  </a:p>
+                </p:txBody>
+              </p:sp>
+              <p:sp>
+                <p:nvSpPr>
+                  <p:cNvPr id="41" name="正方形/長方形 40"/>
+                  <p:cNvSpPr/>
+                  <p:nvPr/>
+                </p:nvSpPr>
+                <p:spPr bwMode="auto">
+                  <a:xfrm>
+                    <a:off x="3274949" y="2781793"/>
+                    <a:ext cx="2498109" cy="681807"/>
+                  </a:xfrm>
+                  <a:prstGeom prst="rect">
+                    <a:avLst/>
+                  </a:prstGeom>
+                </p:spPr>
+                <p:style>
+                  <a:lnRef idx="1">
+                    <a:schemeClr val="accent5"/>
+                  </a:lnRef>
+                  <a:fillRef idx="3">
+                    <a:schemeClr val="accent5"/>
+                  </a:fillRef>
+                  <a:effectRef idx="2">
+                    <a:schemeClr val="accent5"/>
+                  </a:effectRef>
+                  <a:fontRef idx="minor">
+                    <a:schemeClr val="lt1"/>
+                  </a:fontRef>
+                </p:style>
+                <p:txBody>
+                  <a:bodyPr anchor="ctr"/>
+                  <a:lstStyle/>
+                  <a:p>
+                    <a:pPr algn="ctr">
+                      <a:defRPr/>
+                    </a:pPr>
+                    <a:r>
+                      <a:rPr lang="en-US" altLang="ja-JP" sz="3200" dirty="0" smtClean="0"/>
+                      <a:t>Color</a:t>
+                    </a:r>
+                    <a:endParaRPr lang="ja-JP" altLang="en-US" sz="3200" dirty="0"/>
+                  </a:p>
+                </p:txBody>
+              </p:sp>
+            </p:grpSp>
+            <p:grpSp>
+              <p:nvGrpSpPr>
+                <p:cNvPr id="23" name="グループ化 21"/>
+                <p:cNvGrpSpPr/>
+                <p:nvPr/>
+              </p:nvGrpSpPr>
+              <p:grpSpPr>
+                <a:xfrm>
+                  <a:off x="3262875" y="5731956"/>
+                  <a:ext cx="2778948" cy="681807"/>
+                  <a:chOff x="3146972" y="2781793"/>
+                  <a:chExt cx="2778948" cy="681807"/>
+                </a:xfrm>
+              </p:grpSpPr>
+              <p:sp>
+                <p:nvSpPr>
+                  <p:cNvPr id="36" name="山形 35"/>
+                  <p:cNvSpPr/>
+                  <p:nvPr/>
+                </p:nvSpPr>
+                <p:spPr bwMode="auto">
+                  <a:xfrm>
+                    <a:off x="3146972" y="2860295"/>
+                    <a:ext cx="439785" cy="153263"/>
+                  </a:xfrm>
+                  <a:prstGeom prst="chevron">
+                    <a:avLst/>
+                  </a:prstGeom>
+                </p:spPr>
+                <p:style>
+                  <a:lnRef idx="2">
+                    <a:schemeClr val="accent3">
+                      <a:shade val="50000"/>
+                    </a:schemeClr>
+                  </a:lnRef>
+                  <a:fillRef idx="1">
+                    <a:schemeClr val="accent3"/>
+                  </a:fillRef>
+                  <a:effectRef idx="0">
+                    <a:schemeClr val="accent3"/>
+                  </a:effectRef>
+                  <a:fontRef idx="minor">
+                    <a:schemeClr val="lt1"/>
+                  </a:fontRef>
+                </p:style>
+                <p:txBody>
+                  <a:bodyPr anchor="ctr"/>
+                  <a:lstStyle/>
+                  <a:p>
+                    <a:pPr algn="ctr">
+                      <a:defRPr/>
+                    </a:pPr>
+                    <a:endParaRPr lang="ja-JP" altLang="en-US" sz="1013">
+                      <a:solidFill>
+                        <a:schemeClr val="tx1"/>
+                      </a:solidFill>
+                    </a:endParaRPr>
+                  </a:p>
+                </p:txBody>
+              </p:sp>
+              <p:sp>
+                <p:nvSpPr>
+                  <p:cNvPr id="37" name="山形 36"/>
+                  <p:cNvSpPr/>
+                  <p:nvPr/>
+                </p:nvSpPr>
+                <p:spPr bwMode="auto">
+                  <a:xfrm>
+                    <a:off x="5346615" y="2852464"/>
+                    <a:ext cx="579305" cy="168925"/>
+                  </a:xfrm>
+                  <a:prstGeom prst="chevron">
+                    <a:avLst/>
+                  </a:prstGeom>
+                </p:spPr>
+                <p:style>
+                  <a:lnRef idx="2">
+                    <a:schemeClr val="accent3">
+                      <a:shade val="50000"/>
+                    </a:schemeClr>
+                  </a:lnRef>
+                  <a:fillRef idx="1">
+                    <a:schemeClr val="accent3"/>
+                  </a:fillRef>
+                  <a:effectRef idx="0">
+                    <a:schemeClr val="accent3"/>
+                  </a:effectRef>
+                  <a:fontRef idx="minor">
+                    <a:schemeClr val="lt1"/>
+                  </a:fontRef>
+                </p:style>
+                <p:txBody>
+                  <a:bodyPr anchor="ctr"/>
+                  <a:lstStyle/>
+                  <a:p>
+                    <a:pPr algn="ctr">
+                      <a:defRPr/>
+                    </a:pPr>
+                    <a:endParaRPr lang="ja-JP" altLang="en-US" sz="1013">
+                      <a:solidFill>
+                        <a:schemeClr val="tx1"/>
+                      </a:solidFill>
+                    </a:endParaRPr>
+                  </a:p>
+                </p:txBody>
+              </p:sp>
+              <p:sp>
+                <p:nvSpPr>
+                  <p:cNvPr id="38" name="正方形/長方形 37"/>
+                  <p:cNvSpPr/>
+                  <p:nvPr/>
+                </p:nvSpPr>
+                <p:spPr bwMode="auto">
+                  <a:xfrm>
+                    <a:off x="3308817" y="2781793"/>
+                    <a:ext cx="2498108" cy="681807"/>
+                  </a:xfrm>
+                  <a:prstGeom prst="rect">
+                    <a:avLst/>
+                  </a:prstGeom>
+                </p:spPr>
+                <p:style>
+                  <a:lnRef idx="1">
+                    <a:schemeClr val="accent5"/>
+                  </a:lnRef>
+                  <a:fillRef idx="3">
+                    <a:schemeClr val="accent5"/>
+                  </a:fillRef>
+                  <a:effectRef idx="2">
+                    <a:schemeClr val="accent5"/>
+                  </a:effectRef>
+                  <a:fontRef idx="minor">
+                    <a:schemeClr val="lt1"/>
+                  </a:fontRef>
+                </p:style>
+                <p:txBody>
+                  <a:bodyPr anchor="ctr"/>
+                  <a:lstStyle/>
+                  <a:p>
+                    <a:pPr algn="ctr">
+                      <a:defRPr/>
+                    </a:pPr>
+                    <a:r>
+                      <a:rPr lang="en-US" altLang="ja-JP" sz="3200" dirty="0" smtClean="0"/>
+                      <a:t>other</a:t>
+                    </a:r>
+                    <a:endParaRPr lang="ja-JP" altLang="en-US" sz="3200" dirty="0"/>
+                  </a:p>
+                </p:txBody>
+              </p:sp>
+            </p:grpSp>
+            <p:grpSp>
+              <p:nvGrpSpPr>
+                <p:cNvPr id="24" name="グループ化 22"/>
+                <p:cNvGrpSpPr/>
+                <p:nvPr/>
+              </p:nvGrpSpPr>
+              <p:grpSpPr>
+                <a:xfrm>
+                  <a:off x="3296742" y="3105057"/>
+                  <a:ext cx="2778948" cy="681807"/>
+                  <a:chOff x="3146972" y="2781793"/>
+                  <a:chExt cx="2778948" cy="681807"/>
+                </a:xfrm>
+              </p:grpSpPr>
+              <p:sp>
+                <p:nvSpPr>
+                  <p:cNvPr id="33" name="山形 32"/>
+                  <p:cNvSpPr/>
+                  <p:nvPr/>
+                </p:nvSpPr>
+                <p:spPr bwMode="auto">
+                  <a:xfrm>
+                    <a:off x="3146972" y="2860295"/>
+                    <a:ext cx="439785" cy="153263"/>
+                  </a:xfrm>
+                  <a:prstGeom prst="chevron">
+                    <a:avLst/>
+                  </a:prstGeom>
+                </p:spPr>
+                <p:style>
+                  <a:lnRef idx="2">
+                    <a:schemeClr val="accent3">
+                      <a:shade val="50000"/>
+                    </a:schemeClr>
+                  </a:lnRef>
+                  <a:fillRef idx="1">
+                    <a:schemeClr val="accent3"/>
+                  </a:fillRef>
+                  <a:effectRef idx="0">
+                    <a:schemeClr val="accent3"/>
+                  </a:effectRef>
+                  <a:fontRef idx="minor">
+                    <a:schemeClr val="lt1"/>
+                  </a:fontRef>
+                </p:style>
+                <p:txBody>
+                  <a:bodyPr anchor="ctr"/>
+                  <a:lstStyle/>
+                  <a:p>
+                    <a:pPr algn="ctr">
+                      <a:defRPr/>
+                    </a:pPr>
+                    <a:endParaRPr lang="ja-JP" altLang="en-US" sz="1013">
+                      <a:solidFill>
+                        <a:schemeClr val="tx1"/>
+                      </a:solidFill>
+                    </a:endParaRPr>
+                  </a:p>
+                </p:txBody>
+              </p:sp>
+              <p:sp>
+                <p:nvSpPr>
+                  <p:cNvPr id="34" name="山形 33"/>
+                  <p:cNvSpPr/>
+                  <p:nvPr/>
+                </p:nvSpPr>
+                <p:spPr bwMode="auto">
+                  <a:xfrm>
+                    <a:off x="5346615" y="2852464"/>
+                    <a:ext cx="579305" cy="168925"/>
+                  </a:xfrm>
+                  <a:prstGeom prst="chevron">
+                    <a:avLst/>
+                  </a:prstGeom>
+                </p:spPr>
+                <p:style>
+                  <a:lnRef idx="2">
+                    <a:schemeClr val="accent3">
+                      <a:shade val="50000"/>
+                    </a:schemeClr>
+                  </a:lnRef>
+                  <a:fillRef idx="1">
+                    <a:schemeClr val="accent3"/>
+                  </a:fillRef>
+                  <a:effectRef idx="0">
+                    <a:schemeClr val="accent3"/>
+                  </a:effectRef>
+                  <a:fontRef idx="minor">
+                    <a:schemeClr val="lt1"/>
+                  </a:fontRef>
+                </p:style>
+                <p:txBody>
+                  <a:bodyPr anchor="ctr"/>
+                  <a:lstStyle/>
+                  <a:p>
+                    <a:pPr algn="ctr">
+                      <a:defRPr/>
+                    </a:pPr>
+                    <a:endParaRPr lang="ja-JP" altLang="en-US" sz="1013">
+                      <a:solidFill>
+                        <a:schemeClr val="tx1"/>
+                      </a:solidFill>
+                    </a:endParaRPr>
+                  </a:p>
+                </p:txBody>
+              </p:sp>
+              <p:sp>
+                <p:nvSpPr>
+                  <p:cNvPr id="35" name="正方形/長方形 34"/>
+                  <p:cNvSpPr/>
+                  <p:nvPr/>
+                </p:nvSpPr>
+                <p:spPr bwMode="auto">
+                  <a:xfrm>
+                    <a:off x="3274950" y="2781793"/>
+                    <a:ext cx="2498108" cy="681807"/>
+                  </a:xfrm>
+                  <a:prstGeom prst="rect">
+                    <a:avLst/>
+                  </a:prstGeom>
+                </p:spPr>
+                <p:style>
+                  <a:lnRef idx="1">
+                    <a:schemeClr val="accent5"/>
+                  </a:lnRef>
+                  <a:fillRef idx="3">
+                    <a:schemeClr val="accent5"/>
+                  </a:fillRef>
+                  <a:effectRef idx="2">
+                    <a:schemeClr val="accent5"/>
+                  </a:effectRef>
+                  <a:fontRef idx="minor">
+                    <a:schemeClr val="lt1"/>
+                  </a:fontRef>
+                </p:style>
+                <p:txBody>
+                  <a:bodyPr anchor="ctr"/>
+                  <a:lstStyle/>
+                  <a:p>
+                    <a:pPr algn="ctr">
+                      <a:defRPr/>
+                    </a:pPr>
+                    <a:r>
+                      <a:rPr lang="en-US" altLang="ja-JP" sz="3200" dirty="0" smtClean="0"/>
+                      <a:t>Intensity</a:t>
+                    </a:r>
+                    <a:endParaRPr lang="ja-JP" altLang="en-US" sz="3200" dirty="0"/>
+                  </a:p>
+                </p:txBody>
+              </p:sp>
+            </p:grpSp>
+            <p:grpSp>
+              <p:nvGrpSpPr>
+                <p:cNvPr id="25" name="グループ化 23"/>
+                <p:cNvGrpSpPr/>
+                <p:nvPr/>
+              </p:nvGrpSpPr>
+              <p:grpSpPr>
+                <a:xfrm>
+                  <a:off x="3296742" y="3980690"/>
+                  <a:ext cx="2778948" cy="681807"/>
+                  <a:chOff x="3146972" y="2781793"/>
+                  <a:chExt cx="2778948" cy="681807"/>
+                </a:xfrm>
+              </p:grpSpPr>
+              <p:sp>
+                <p:nvSpPr>
+                  <p:cNvPr id="30" name="山形 29"/>
+                  <p:cNvSpPr/>
+                  <p:nvPr/>
+                </p:nvSpPr>
+                <p:spPr bwMode="auto">
+                  <a:xfrm>
+                    <a:off x="3146972" y="2860295"/>
+                    <a:ext cx="439785" cy="153263"/>
+                  </a:xfrm>
+                  <a:prstGeom prst="chevron">
+                    <a:avLst/>
+                  </a:prstGeom>
+                </p:spPr>
+                <p:style>
+                  <a:lnRef idx="2">
+                    <a:schemeClr val="accent3">
+                      <a:shade val="50000"/>
+                    </a:schemeClr>
+                  </a:lnRef>
+                  <a:fillRef idx="1">
+                    <a:schemeClr val="accent3"/>
+                  </a:fillRef>
+                  <a:effectRef idx="0">
+                    <a:schemeClr val="accent3"/>
+                  </a:effectRef>
+                  <a:fontRef idx="minor">
+                    <a:schemeClr val="lt1"/>
+                  </a:fontRef>
+                </p:style>
+                <p:txBody>
+                  <a:bodyPr anchor="ctr"/>
+                  <a:lstStyle/>
+                  <a:p>
+                    <a:pPr algn="ctr">
+                      <a:defRPr/>
+                    </a:pPr>
+                    <a:endParaRPr lang="ja-JP" altLang="en-US" sz="1013">
+                      <a:solidFill>
+                        <a:schemeClr val="tx1"/>
+                      </a:solidFill>
+                    </a:endParaRPr>
+                  </a:p>
+                </p:txBody>
+              </p:sp>
+              <p:sp>
+                <p:nvSpPr>
+                  <p:cNvPr id="31" name="山形 30"/>
+                  <p:cNvSpPr/>
+                  <p:nvPr/>
+                </p:nvSpPr>
+                <p:spPr bwMode="auto">
+                  <a:xfrm>
+                    <a:off x="5346615" y="2817830"/>
+                    <a:ext cx="579305" cy="168925"/>
+                  </a:xfrm>
+                  <a:prstGeom prst="chevron">
+                    <a:avLst/>
+                  </a:prstGeom>
+                </p:spPr>
+                <p:style>
+                  <a:lnRef idx="2">
+                    <a:schemeClr val="accent3">
+                      <a:shade val="50000"/>
+                    </a:schemeClr>
+                  </a:lnRef>
+                  <a:fillRef idx="1">
+                    <a:schemeClr val="accent3"/>
+                  </a:fillRef>
+                  <a:effectRef idx="0">
+                    <a:schemeClr val="accent3"/>
+                  </a:effectRef>
+                  <a:fontRef idx="minor">
+                    <a:schemeClr val="lt1"/>
+                  </a:fontRef>
+                </p:style>
+                <p:txBody>
+                  <a:bodyPr anchor="ctr"/>
+                  <a:lstStyle/>
+                  <a:p>
+                    <a:pPr algn="ctr">
+                      <a:defRPr/>
+                    </a:pPr>
+                    <a:endParaRPr lang="ja-JP" altLang="en-US" sz="1013">
+                      <a:solidFill>
+                        <a:schemeClr val="tx1"/>
+                      </a:solidFill>
+                    </a:endParaRPr>
+                  </a:p>
+                </p:txBody>
+              </p:sp>
+              <p:sp>
+                <p:nvSpPr>
+                  <p:cNvPr id="32" name="正方形/長方形 31"/>
+                  <p:cNvSpPr/>
+                  <p:nvPr/>
+                </p:nvSpPr>
+                <p:spPr bwMode="auto">
+                  <a:xfrm>
+                    <a:off x="3274949" y="2781793"/>
+                    <a:ext cx="2498109" cy="681807"/>
+                  </a:xfrm>
+                  <a:prstGeom prst="rect">
+                    <a:avLst/>
+                  </a:prstGeom>
+                </p:spPr>
+                <p:style>
+                  <a:lnRef idx="1">
+                    <a:schemeClr val="accent5"/>
+                  </a:lnRef>
+                  <a:fillRef idx="3">
+                    <a:schemeClr val="accent5"/>
+                  </a:fillRef>
+                  <a:effectRef idx="2">
+                    <a:schemeClr val="accent5"/>
+                  </a:effectRef>
+                  <a:fontRef idx="minor">
+                    <a:schemeClr val="lt1"/>
+                  </a:fontRef>
+                </p:style>
+                <p:txBody>
+                  <a:bodyPr anchor="ctr"/>
+                  <a:lstStyle/>
+                  <a:p>
+                    <a:pPr algn="ctr">
+                      <a:defRPr/>
+                    </a:pPr>
+                    <a:r>
+                      <a:rPr lang="en-US" altLang="ja-JP" sz="3200" dirty="0" smtClean="0"/>
+                      <a:t>Orientations</a:t>
+                    </a:r>
+                    <a:endParaRPr lang="ja-JP" altLang="en-US" sz="3200" dirty="0"/>
+                  </a:p>
+                </p:txBody>
+              </p:sp>
+            </p:grpSp>
+            <p:grpSp>
+              <p:nvGrpSpPr>
+                <p:cNvPr id="26" name="グループ化 24"/>
+                <p:cNvGrpSpPr/>
+                <p:nvPr/>
+              </p:nvGrpSpPr>
+              <p:grpSpPr>
+                <a:xfrm>
+                  <a:off x="3296742" y="4856323"/>
+                  <a:ext cx="2778948" cy="681807"/>
+                  <a:chOff x="3146972" y="2781793"/>
+                  <a:chExt cx="2778948" cy="681807"/>
+                </a:xfrm>
+              </p:grpSpPr>
+              <p:sp>
+                <p:nvSpPr>
+                  <p:cNvPr id="27" name="山形 26"/>
+                  <p:cNvSpPr/>
+                  <p:nvPr/>
+                </p:nvSpPr>
+                <p:spPr bwMode="auto">
+                  <a:xfrm>
+                    <a:off x="3146972" y="2860295"/>
+                    <a:ext cx="439785" cy="153263"/>
+                  </a:xfrm>
+                  <a:prstGeom prst="chevron">
+                    <a:avLst/>
+                  </a:prstGeom>
+                </p:spPr>
+                <p:style>
+                  <a:lnRef idx="2">
+                    <a:schemeClr val="accent3">
+                      <a:shade val="50000"/>
+                    </a:schemeClr>
+                  </a:lnRef>
+                  <a:fillRef idx="1">
+                    <a:schemeClr val="accent3"/>
+                  </a:fillRef>
+                  <a:effectRef idx="0">
+                    <a:schemeClr val="accent3"/>
+                  </a:effectRef>
+                  <a:fontRef idx="minor">
+                    <a:schemeClr val="lt1"/>
+                  </a:fontRef>
+                </p:style>
+                <p:txBody>
+                  <a:bodyPr anchor="ctr"/>
+                  <a:lstStyle/>
+                  <a:p>
+                    <a:pPr algn="ctr">
+                      <a:defRPr/>
+                    </a:pPr>
+                    <a:endParaRPr lang="ja-JP" altLang="en-US" sz="1013">
+                      <a:solidFill>
+                        <a:schemeClr val="tx1"/>
+                      </a:solidFill>
+                    </a:endParaRPr>
+                  </a:p>
+                </p:txBody>
+              </p:sp>
+              <p:sp>
+                <p:nvSpPr>
+                  <p:cNvPr id="28" name="山形 27"/>
+                  <p:cNvSpPr/>
+                  <p:nvPr/>
+                </p:nvSpPr>
+                <p:spPr bwMode="auto">
+                  <a:xfrm>
+                    <a:off x="5346615" y="2852464"/>
+                    <a:ext cx="579305" cy="168925"/>
+                  </a:xfrm>
+                  <a:prstGeom prst="chevron">
+                    <a:avLst/>
+                  </a:prstGeom>
+                </p:spPr>
+                <p:style>
+                  <a:lnRef idx="2">
+                    <a:schemeClr val="accent3">
+                      <a:shade val="50000"/>
+                    </a:schemeClr>
+                  </a:lnRef>
+                  <a:fillRef idx="1">
+                    <a:schemeClr val="accent3"/>
+                  </a:fillRef>
+                  <a:effectRef idx="0">
+                    <a:schemeClr val="accent3"/>
+                  </a:effectRef>
+                  <a:fontRef idx="minor">
+                    <a:schemeClr val="lt1"/>
+                  </a:fontRef>
+                </p:style>
+                <p:txBody>
+                  <a:bodyPr anchor="ctr"/>
+                  <a:lstStyle/>
+                  <a:p>
+                    <a:pPr algn="ctr">
+                      <a:defRPr/>
+                    </a:pPr>
+                    <a:endParaRPr lang="ja-JP" altLang="en-US" sz="1013">
+                      <a:solidFill>
+                        <a:schemeClr val="tx1"/>
+                      </a:solidFill>
+                    </a:endParaRPr>
+                  </a:p>
+                </p:txBody>
+              </p:sp>
+              <p:sp>
+                <p:nvSpPr>
+                  <p:cNvPr id="29" name="正方形/長方形 28"/>
+                  <p:cNvSpPr/>
+                  <p:nvPr/>
+                </p:nvSpPr>
+                <p:spPr bwMode="auto">
+                  <a:xfrm>
+                    <a:off x="3274949" y="2781793"/>
+                    <a:ext cx="2498111" cy="681807"/>
+                  </a:xfrm>
+                  <a:prstGeom prst="rect">
+                    <a:avLst/>
+                  </a:prstGeom>
+                </p:spPr>
+                <p:style>
+                  <a:lnRef idx="1">
+                    <a:schemeClr val="accent5"/>
+                  </a:lnRef>
+                  <a:fillRef idx="3">
+                    <a:schemeClr val="accent5"/>
+                  </a:fillRef>
+                  <a:effectRef idx="2">
+                    <a:schemeClr val="accent5"/>
+                  </a:effectRef>
+                  <a:fontRef idx="minor">
+                    <a:schemeClr val="lt1"/>
+                  </a:fontRef>
+                </p:style>
+                <p:txBody>
+                  <a:bodyPr anchor="ctr"/>
+                  <a:lstStyle/>
+                  <a:p>
+                    <a:pPr algn="ctr">
+                      <a:defRPr/>
+                    </a:pPr>
+                    <a:r>
+                      <a:rPr lang="en-US" altLang="ja-JP" sz="3200" dirty="0" smtClean="0"/>
+                      <a:t>Face Detector</a:t>
+                    </a:r>
+                    <a:endParaRPr lang="ja-JP" altLang="en-US" sz="3200" dirty="0"/>
+                  </a:p>
+                </p:txBody>
+              </p:sp>
+            </p:grpSp>
+          </p:grpSp>
+        </p:grpSp>
+        <p:cxnSp>
+          <p:nvCxnSpPr>
+            <p:cNvPr id="6" name="直線コネクタ 1931"/>
+            <p:cNvCxnSpPr>
+              <a:stCxn id="46" idx="3"/>
+              <a:endCxn id="27" idx="1"/>
+            </p:cNvCxnSpPr>
+            <p:nvPr/>
+          </p:nvCxnSpPr>
+          <p:spPr bwMode="auto">
+            <a:xfrm>
+              <a:off x="2569512" y="3553727"/>
+              <a:ext cx="803862" cy="1195125"/>
+            </a:xfrm>
+            <a:prstGeom prst="bentConnector3">
+              <a:avLst>
+                <a:gd name="adj1" fmla="val 50000"/>
+              </a:avLst>
+            </a:prstGeom>
+            <a:ln w="28575">
+              <a:solidFill>
+                <a:schemeClr val="tx1">
+                  <a:lumMod val="95000"/>
+                  <a:lumOff val="5000"/>
+                </a:schemeClr>
+              </a:solidFill>
+            </a:ln>
+          </p:spPr>
+          <p:style>
+            <a:lnRef idx="1">
+              <a:schemeClr val="accent1"/>
+            </a:lnRef>
+            <a:fillRef idx="0">
+              <a:schemeClr val="accent1"/>
+            </a:fillRef>
+            <a:effectRef idx="0">
+              <a:schemeClr val="accent1"/>
+            </a:effectRef>
+            <a:fontRef idx="minor">
+              <a:schemeClr val="tx1"/>
+            </a:fontRef>
+          </p:style>
+        </p:cxnSp>
+        <p:cxnSp>
+          <p:nvCxnSpPr>
+            <p:cNvPr id="7" name="直線コネクタ 1931"/>
+            <p:cNvCxnSpPr>
+              <a:stCxn id="28" idx="3"/>
+              <a:endCxn id="44" idx="1"/>
+            </p:cNvCxnSpPr>
+            <p:nvPr/>
+          </p:nvCxnSpPr>
+          <p:spPr bwMode="auto">
+            <a:xfrm flipV="1">
+              <a:off x="6075690" y="3595174"/>
+              <a:ext cx="688893" cy="1153678"/>
+            </a:xfrm>
+            <a:prstGeom prst="bentConnector3">
+              <a:avLst>
+                <a:gd name="adj1" fmla="val 50000"/>
+              </a:avLst>
+            </a:prstGeom>
+            <a:ln w="28575">
+              <a:solidFill>
+                <a:schemeClr val="tx1">
+                  <a:lumMod val="95000"/>
+                  <a:lumOff val="5000"/>
+                </a:schemeClr>
+              </a:solidFill>
+            </a:ln>
+          </p:spPr>
+          <p:style>
+            <a:lnRef idx="1">
+              <a:schemeClr val="accent1"/>
+            </a:lnRef>
+            <a:fillRef idx="0">
+              <a:schemeClr val="accent1"/>
+            </a:fillRef>
+            <a:effectRef idx="0">
+              <a:schemeClr val="accent1"/>
+            </a:effectRef>
+            <a:fontRef idx="minor">
+              <a:schemeClr val="tx1"/>
+            </a:fontRef>
+          </p:style>
+        </p:cxnSp>
+      </p:grpSp>
+    </p:spTree>
+    <p:extLst>
+      <p:ext uri="{BB962C8B-B14F-4D97-AF65-F5344CB8AC3E}">
+        <p14:creationId xmlns:p14="http://schemas.microsoft.com/office/powerpoint/2010/main" val="4053801055"/>
+      </p:ext>
+    </p:extLst>
+  </p:cSld>
+  <p:clrMapOvr>
+    <a:masterClrMapping/>
+  </p:clrMapOvr>
+</p:sld>
+</file>
+
+<file path=ppt/slides/slide8.xml><?xml version="1.0" encoding="utf-8"?>
+<p:sld xmlns:a="http://schemas.openxmlformats.org/drawingml/2006/main" xmlns:r="http://schemas.openxmlformats.org/officeDocument/2006/relationships" xmlns:p="http://schemas.openxmlformats.org/presentationml/2006/main">
+  <p:cSld>
+    <p:spTree>
+      <p:nvGrpSpPr>
+        <p:cNvPr id="1" name=""/>
+        <p:cNvGrpSpPr/>
+        <p:nvPr/>
+      </p:nvGrpSpPr>
+      <p:grpSpPr>
+        <a:xfrm>
+          <a:off x="0" y="0"/>
+          <a:ext cx="0" cy="0"/>
+          <a:chOff x="0" y="0"/>
+          <a:chExt cx="0" cy="0"/>
+        </a:xfrm>
+      </p:grpSpPr>
+      <p:sp>
+        <p:nvSpPr>
+          <p:cNvPr id="2" name="タイトル 1"/>
+          <p:cNvSpPr>
+            <a:spLocks noGrp="1"/>
+          </p:cNvSpPr>
+          <p:nvPr>
+            <p:ph type="title"/>
+          </p:nvPr>
+        </p:nvSpPr>
+        <p:spPr/>
+        <p:txBody>
+          <a:bodyPr/>
+          <a:lstStyle/>
+          <a:p>
+            <a:r>
+              <a:rPr lang="ja-JP" altLang="en-US" dirty="0" smtClean="0"/>
+              <a:t>同種の問題</a:t>
             </a:r>
             <a:endParaRPr kumimoji="1" lang="ja-JP" altLang="en-US" dirty="0"/>
           </a:p>
@@ -17239,7 +20591,7 @@
         </p:nvGrpSpPr>
         <p:grpSpPr>
           <a:xfrm>
-            <a:off x="304800" y="1561981"/>
+            <a:off x="304800" y="1547382"/>
             <a:ext cx="8622949" cy="5161549"/>
             <a:chOff x="304800" y="1561981"/>
             <a:chExt cx="8622949" cy="5161549"/>
@@ -18322,7 +21674,7 @@
                 <p:nvPr/>
               </p:nvPicPr>
               <p:blipFill>
-                <a:blip r:embed="rId2" cstate="print">
+                <a:blip r:embed="rId3" cstate="print">
                   <a:extLst>
                     <a:ext uri="{28A0092B-C50C-407E-A947-70E740481C1C}">
                       <a14:useLocalDpi xmlns:a14="http://schemas.microsoft.com/office/drawing/2010/main" val="0"/>
@@ -18541,7 +21893,7 @@
                 <p:nvPr/>
               </p:nvPicPr>
               <p:blipFill>
-                <a:blip r:embed="rId3" cstate="print">
+                <a:blip r:embed="rId4" cstate="print">
                   <a:extLst>
                     <a:ext uri="{28A0092B-C50C-407E-A947-70E740481C1C}">
                       <a14:useLocalDpi xmlns:a14="http://schemas.microsoft.com/office/drawing/2010/main" val="0"/>
@@ -18620,43 +21972,43 @@
               </a:r>
               <a:r>
                 <a:rPr lang="en-US" altLang="ja-JP" sz="1600" dirty="0" err="1">
-                  <a:hlinkClick r:id="rId4"/>
+                  <a:hlinkClick r:id="rId5"/>
                 </a:rPr>
                 <a:t>Visual</a:t>
               </a:r>
               <a:r>
                 <a:rPr lang="en-US" altLang="ja-JP" sz="1600" dirty="0">
-                  <a:hlinkClick r:id="rId4"/>
+                  <a:hlinkClick r:id="rId5"/>
                 </a:rPr>
                 <a:t> saliency estimation by nonlinearly integrating features using region </a:t>
               </a:r>
               <a:r>
                 <a:rPr lang="en-US" altLang="ja-JP" sz="1600" dirty="0" err="1">
-                  <a:hlinkClick r:id="rId4"/>
+                  <a:hlinkClick r:id="rId5"/>
                 </a:rPr>
                 <a:t>covariances</a:t>
               </a:r>
               <a:r>
                 <a:rPr lang="en-US" altLang="ja-JP" sz="1600" dirty="0">
-                  <a:hlinkClick r:id="rId4"/>
+                  <a:hlinkClick r:id="rId5"/>
                 </a:rPr>
                 <a:t> [</a:t>
               </a:r>
               <a:r>
                 <a:rPr lang="en-US" altLang="ja-JP" sz="1600" dirty="0" err="1">
-                  <a:hlinkClick r:id="rId4"/>
+                  <a:hlinkClick r:id="rId5"/>
                 </a:rPr>
                 <a:t>JoV</a:t>
               </a:r>
               <a:r>
                 <a:rPr lang="en-US" altLang="ja-JP" sz="1600" dirty="0">
-                  <a:hlinkClick r:id="rId4"/>
+                  <a:hlinkClick r:id="rId5"/>
                 </a:rPr>
                 <a:t> 2013</a:t>
               </a:r>
               <a:r>
                 <a:rPr lang="en-US" altLang="ja-JP" sz="1600" dirty="0" smtClean="0">
-                  <a:hlinkClick r:id="rId4"/>
+                  <a:hlinkClick r:id="rId5"/>
                 </a:rPr>
                 <a:t>]</a:t>
               </a:r>
@@ -18681,31 +22033,31 @@
               </a:r>
               <a:r>
                 <a:rPr lang="en-US" altLang="ja-JP" sz="1600" dirty="0" err="1">
-                  <a:hlinkClick r:id="rId5"/>
+                  <a:hlinkClick r:id="rId6"/>
                 </a:rPr>
                 <a:t>Saliency</a:t>
               </a:r>
               <a:r>
                 <a:rPr lang="en-US" altLang="ja-JP" sz="1600" dirty="0">
-                  <a:hlinkClick r:id="rId5"/>
+                  <a:hlinkClick r:id="rId6"/>
                 </a:rPr>
                 <a:t> detection: a </a:t>
               </a:r>
               <a:r>
                 <a:rPr lang="en-US" altLang="ja-JP" sz="1600" dirty="0" err="1">
-                  <a:hlinkClick r:id="rId5"/>
+                  <a:hlinkClick r:id="rId6"/>
                 </a:rPr>
                 <a:t>boolean</a:t>
               </a:r>
               <a:r>
                 <a:rPr lang="en-US" altLang="ja-JP" sz="1600" dirty="0">
-                  <a:hlinkClick r:id="rId5"/>
+                  <a:hlinkClick r:id="rId6"/>
                 </a:rPr>
                 <a:t> map approach [ICCV 2013</a:t>
               </a:r>
               <a:r>
                 <a:rPr lang="en-US" altLang="ja-JP" sz="1600" dirty="0" smtClean="0">
-                  <a:hlinkClick r:id="rId5"/>
+                  <a:hlinkClick r:id="rId6"/>
                 </a:rPr>
                 <a:t>]</a:t>
               </a:r>
@@ -18746,13 +22098,13 @@
               </a:r>
               <a:r>
                 <a:rPr lang="en-US" altLang="ja-JP" sz="1600" dirty="0" err="1">
-                  <a:hlinkClick r:id="rId6"/>
+                  <a:hlinkClick r:id="rId7"/>
                 </a:rPr>
                 <a:t>Learning</a:t>
               </a:r>
               <a:r>
                 <a:rPr lang="en-US" altLang="ja-JP" sz="1600" dirty="0">
-                  <a:hlinkClick r:id="rId6"/>
+                  <a:hlinkClick r:id="rId7"/>
                 </a:rPr>
                 <a:t> to predict where humans look [ICCV 2009]</a:t>
               </a:r>
@@ -18781,7 +22133,7 @@
 </p:sld>
 </file>
 
-<file path=ppt/slides/slide8.xml><?xml version="1.0" encoding="utf-8"?>
+<file path=ppt/slides/slide9.xml><?xml version="1.0" encoding="utf-8"?>
 <p:sld xmlns:a="http://schemas.openxmlformats.org/drawingml/2006/main" xmlns:r="http://schemas.openxmlformats.org/officeDocument/2006/relationships" xmlns:p="http://schemas.openxmlformats.org/presentationml/2006/main">
   <p:cSld>
     <p:spTree>
@@ -18814,950 +22166,423 @@
           <a:lstStyle/>
           <a:p>
             <a:r>
-              <a:rPr kumimoji="1" lang="ja-JP" altLang="en-US" dirty="0" smtClean="0"/>
-              <a:t>目的</a:t>
+              <a:rPr lang="ja-JP" altLang="en-US" dirty="0" smtClean="0"/>
+              <a:t>従来の手法</a:t>
             </a:r>
             <a:endParaRPr kumimoji="1" lang="ja-JP" altLang="en-US" dirty="0"/>
           </a:p>
         </p:txBody>
       </p:sp>
-      <p:sp>
-        <p:nvSpPr>
-          <p:cNvPr id="3" name="コンテンツ プレースホルダー 2"/>
-          <p:cNvSpPr>
-            <a:spLocks noGrp="1"/>
-          </p:cNvSpPr>
-          <p:nvPr>
-            <p:ph idx="1"/>
-          </p:nvPr>
-        </p:nvSpPr>
-        <p:spPr>
+      <p:grpSp>
+        <p:nvGrpSpPr>
+          <p:cNvPr id="16" name="図形グループ 15"/>
+          <p:cNvGrpSpPr/>
+          <p:nvPr/>
+        </p:nvGrpSpPr>
+        <p:grpSpPr>
           <a:xfrm>
-            <a:off x="457200" y="1290756"/>
-            <a:ext cx="8229600" cy="618887"/>
+            <a:off x="832102" y="1855616"/>
+            <a:ext cx="7291842" cy="4214918"/>
+            <a:chOff x="832102" y="1855616"/>
+            <a:chExt cx="7291842" cy="4214918"/>
           </a:xfrm>
-        </p:spPr>
-        <p:txBody>
-          <a:bodyPr>
-            <a:normAutofit/>
-          </a:bodyPr>
-          <a:lstStyle/>
-          <a:p>
-            <a:pPr marL="0" indent="0">
-              <a:buNone/>
-            </a:pPr>
-            <a:r>
-              <a:rPr lang="ja-JP" altLang="en-US" dirty="0" smtClean="0"/>
-              <a:t>従来の手法</a:t>
-            </a:r>
-            <a:endParaRPr lang="en-US" altLang="ja-JP" dirty="0" smtClean="0"/>
-          </a:p>
-        </p:txBody>
-      </p:sp>
-      <p:sp>
-        <p:nvSpPr>
-          <p:cNvPr id="5" name="正方形/長方形 4"/>
-          <p:cNvSpPr/>
-          <p:nvPr/>
-        </p:nvSpPr>
-        <p:spPr>
-          <a:xfrm>
-            <a:off x="832102" y="3211836"/>
-            <a:ext cx="1065675" cy="1635116"/>
-          </a:xfrm>
-          <a:prstGeom prst="rect">
-            <a:avLst/>
-          </a:prstGeom>
-        </p:spPr>
-        <p:style>
-          <a:lnRef idx="1">
-            <a:schemeClr val="accent1"/>
-          </a:lnRef>
-          <a:fillRef idx="3">
-            <a:schemeClr val="accent1"/>
-          </a:fillRef>
-          <a:effectRef idx="2">
-            <a:schemeClr val="accent1"/>
-          </a:effectRef>
-          <a:fontRef idx="minor">
-            <a:schemeClr val="lt1"/>
-          </a:fontRef>
-        </p:style>
-        <p:txBody>
-          <a:bodyPr rtlCol="0" anchor="ctr"/>
-          <a:lstStyle/>
-          <a:p>
-            <a:pPr algn="ctr"/>
-            <a:r>
-              <a:rPr kumimoji="1" lang="ja-JP" altLang="en-US" dirty="0" smtClean="0"/>
-              <a:t>ソースコード（入力）</a:t>
-            </a:r>
-            <a:endParaRPr kumimoji="1" lang="ja-JP" altLang="en-US" dirty="0"/>
-          </a:p>
-        </p:txBody>
-      </p:sp>
-      <p:sp>
-        <p:nvSpPr>
-          <p:cNvPr id="6" name="正方形/長方形 5"/>
-          <p:cNvSpPr/>
-          <p:nvPr/>
-        </p:nvSpPr>
-        <p:spPr>
-          <a:xfrm>
-            <a:off x="2642289" y="3211836"/>
-            <a:ext cx="1226256" cy="1635116"/>
-          </a:xfrm>
-          <a:prstGeom prst="rect">
-            <a:avLst/>
-          </a:prstGeom>
-        </p:spPr>
-        <p:style>
-          <a:lnRef idx="1">
-            <a:schemeClr val="accent1"/>
-          </a:lnRef>
-          <a:fillRef idx="3">
-            <a:schemeClr val="accent1"/>
-          </a:fillRef>
-          <a:effectRef idx="2">
-            <a:schemeClr val="accent1"/>
-          </a:effectRef>
-          <a:fontRef idx="minor">
-            <a:schemeClr val="lt1"/>
-          </a:fontRef>
-        </p:style>
-        <p:txBody>
-          <a:bodyPr rtlCol="0" anchor="ctr"/>
-          <a:lstStyle/>
-          <a:p>
-            <a:pPr algn="ctr"/>
-            <a:r>
-              <a:rPr kumimoji="1" lang="ja-JP" altLang="en-US" dirty="0" smtClean="0"/>
-              <a:t>解析</a:t>
-            </a:r>
-            <a:r>
-              <a:rPr kumimoji="1" lang="en-US" altLang="ja-JP" dirty="0" smtClean="0"/>
-              <a:t/>
-            </a:r>
-            <a:br>
-              <a:rPr kumimoji="1" lang="en-US" altLang="ja-JP" dirty="0" smtClean="0"/>
-            </a:br>
-            <a:r>
-              <a:rPr kumimoji="1" lang="ja-JP" altLang="en-US" dirty="0" smtClean="0"/>
-              <a:t>モデル化</a:t>
-            </a:r>
-            <a:endParaRPr kumimoji="1" lang="ja-JP" altLang="en-US" dirty="0"/>
-          </a:p>
-        </p:txBody>
-      </p:sp>
-      <p:sp>
-        <p:nvSpPr>
-          <p:cNvPr id="7" name="正方形/長方形 6"/>
-          <p:cNvSpPr/>
-          <p:nvPr/>
-        </p:nvSpPr>
-        <p:spPr>
-          <a:xfrm>
-            <a:off x="4788236" y="1855616"/>
-            <a:ext cx="1270051" cy="1635116"/>
-          </a:xfrm>
-          <a:prstGeom prst="rect">
-            <a:avLst/>
-          </a:prstGeom>
-          <a:solidFill>
-            <a:srgbClr val="FF6600"/>
-          </a:solidFill>
-        </p:spPr>
-        <p:style>
-          <a:lnRef idx="1">
-            <a:schemeClr val="accent1"/>
-          </a:lnRef>
-          <a:fillRef idx="3">
-            <a:schemeClr val="accent1"/>
-          </a:fillRef>
-          <a:effectRef idx="2">
-            <a:schemeClr val="accent1"/>
-          </a:effectRef>
-          <a:fontRef idx="minor">
-            <a:schemeClr val="lt1"/>
-          </a:fontRef>
-        </p:style>
-        <p:txBody>
-          <a:bodyPr rtlCol="0" anchor="ctr"/>
-          <a:lstStyle/>
-          <a:p>
-            <a:pPr algn="ctr"/>
-            <a:r>
-              <a:rPr kumimoji="1" lang="ja-JP" altLang="en-US" dirty="0" smtClean="0"/>
-              <a:t>新しい知見</a:t>
-            </a:r>
-            <a:endParaRPr kumimoji="1" lang="en-US" altLang="ja-JP" dirty="0" smtClean="0"/>
-          </a:p>
-          <a:p>
-            <a:pPr algn="ctr"/>
-            <a:r>
-              <a:rPr kumimoji="1" lang="ja-JP" altLang="en-US" dirty="0" smtClean="0"/>
-              <a:t>を追加</a:t>
-            </a:r>
-            <a:endParaRPr kumimoji="1" lang="ja-JP" altLang="en-US" dirty="0"/>
-          </a:p>
-        </p:txBody>
-      </p:sp>
-      <p:sp>
-        <p:nvSpPr>
-          <p:cNvPr id="8" name="正方形/長方形 7"/>
-          <p:cNvSpPr/>
-          <p:nvPr/>
-        </p:nvSpPr>
-        <p:spPr>
-          <a:xfrm>
-            <a:off x="6941483" y="3241035"/>
-            <a:ext cx="1182461" cy="1635116"/>
-          </a:xfrm>
-          <a:prstGeom prst="rect">
-            <a:avLst/>
-          </a:prstGeom>
-        </p:spPr>
-        <p:style>
-          <a:lnRef idx="1">
-            <a:schemeClr val="accent1"/>
-          </a:lnRef>
-          <a:fillRef idx="3">
-            <a:schemeClr val="accent1"/>
-          </a:fillRef>
-          <a:effectRef idx="2">
-            <a:schemeClr val="accent1"/>
-          </a:effectRef>
-          <a:fontRef idx="minor">
-            <a:schemeClr val="lt1"/>
-          </a:fontRef>
-        </p:style>
-        <p:txBody>
-          <a:bodyPr rtlCol="0" anchor="ctr"/>
-          <a:lstStyle/>
-          <a:p>
-            <a:pPr algn="ctr"/>
-            <a:r>
-              <a:rPr lang="ja-JP" altLang="en-US" dirty="0" smtClean="0"/>
-              <a:t>結果</a:t>
-            </a:r>
-            <a:endParaRPr kumimoji="1" lang="ja-JP" altLang="en-US" dirty="0"/>
-          </a:p>
-        </p:txBody>
-      </p:sp>
-      <p:cxnSp>
-        <p:nvCxnSpPr>
-          <p:cNvPr id="10" name="直線矢印コネクタ 9"/>
-          <p:cNvCxnSpPr>
-            <a:stCxn id="5" idx="3"/>
-            <a:endCxn id="6" idx="1"/>
-          </p:cNvCxnSpPr>
-          <p:nvPr/>
-        </p:nvCxnSpPr>
-        <p:spPr>
-          <a:xfrm>
-            <a:off x="1897777" y="4029394"/>
-            <a:ext cx="744512" cy="0"/>
-          </a:xfrm>
-          <a:prstGeom prst="straightConnector1">
-            <a:avLst/>
-          </a:prstGeom>
-          <a:ln>
-            <a:tailEnd type="arrow"/>
-          </a:ln>
-        </p:spPr>
-        <p:style>
-          <a:lnRef idx="2">
-            <a:schemeClr val="accent1"/>
-          </a:lnRef>
-          <a:fillRef idx="0">
-            <a:schemeClr val="accent1"/>
-          </a:fillRef>
-          <a:effectRef idx="1">
-            <a:schemeClr val="accent1"/>
-          </a:effectRef>
-          <a:fontRef idx="minor">
-            <a:schemeClr val="tx1"/>
-          </a:fontRef>
-        </p:style>
-      </p:cxnSp>
-      <p:cxnSp>
-        <p:nvCxnSpPr>
-          <p:cNvPr id="12" name="直線矢印コネクタ 11"/>
-          <p:cNvCxnSpPr>
-            <a:endCxn id="7" idx="1"/>
-          </p:cNvCxnSpPr>
-          <p:nvPr/>
-        </p:nvCxnSpPr>
-        <p:spPr>
-          <a:xfrm flipV="1">
-            <a:off x="3868545" y="2673174"/>
-            <a:ext cx="919691" cy="817558"/>
-          </a:xfrm>
-          <a:prstGeom prst="straightConnector1">
-            <a:avLst/>
-          </a:prstGeom>
-          <a:ln>
+        </p:grpSpPr>
+        <p:sp>
+          <p:nvSpPr>
+            <p:cNvPr id="5" name="正方形/長方形 4"/>
+            <p:cNvSpPr/>
+            <p:nvPr/>
+          </p:nvSpPr>
+          <p:spPr>
+            <a:xfrm>
+              <a:off x="832102" y="3211836"/>
+              <a:ext cx="1065675" cy="1635116"/>
+            </a:xfrm>
+            <a:prstGeom prst="rect">
+              <a:avLst/>
+            </a:prstGeom>
+          </p:spPr>
+          <p:style>
+            <a:lnRef idx="1">
+              <a:schemeClr val="accent1"/>
+            </a:lnRef>
+            <a:fillRef idx="3">
+              <a:schemeClr val="accent1"/>
+            </a:fillRef>
+            <a:effectRef idx="2">
+              <a:schemeClr val="accent1"/>
+            </a:effectRef>
+            <a:fontRef idx="minor">
+              <a:schemeClr val="lt1"/>
+            </a:fontRef>
+          </p:style>
+          <p:txBody>
+            <a:bodyPr rtlCol="0" anchor="ctr"/>
+            <a:lstStyle/>
+            <a:p>
+              <a:pPr algn="ctr"/>
+              <a:r>
+                <a:rPr kumimoji="1" lang="ja-JP" altLang="en-US" dirty="0" smtClean="0"/>
+                <a:t>ソースコード（入力）</a:t>
+              </a:r>
+              <a:endParaRPr kumimoji="1" lang="ja-JP" altLang="en-US" dirty="0"/>
+            </a:p>
+          </p:txBody>
+        </p:sp>
+        <p:sp>
+          <p:nvSpPr>
+            <p:cNvPr id="6" name="正方形/長方形 5"/>
+            <p:cNvSpPr/>
+            <p:nvPr/>
+          </p:nvSpPr>
+          <p:spPr>
+            <a:xfrm>
+              <a:off x="2642289" y="3211836"/>
+              <a:ext cx="1226256" cy="1635116"/>
+            </a:xfrm>
+            <a:prstGeom prst="rect">
+              <a:avLst/>
+            </a:prstGeom>
+          </p:spPr>
+          <p:style>
+            <a:lnRef idx="1">
+              <a:schemeClr val="accent1"/>
+            </a:lnRef>
+            <a:fillRef idx="3">
+              <a:schemeClr val="accent1"/>
+            </a:fillRef>
+            <a:effectRef idx="2">
+              <a:schemeClr val="accent1"/>
+            </a:effectRef>
+            <a:fontRef idx="minor">
+              <a:schemeClr val="lt1"/>
+            </a:fontRef>
+          </p:style>
+          <p:txBody>
+            <a:bodyPr rtlCol="0" anchor="ctr"/>
+            <a:lstStyle/>
+            <a:p>
+              <a:pPr algn="ctr"/>
+              <a:r>
+                <a:rPr kumimoji="1" lang="ja-JP" altLang="en-US" dirty="0" smtClean="0"/>
+                <a:t>解析</a:t>
+              </a:r>
+              <a:r>
+                <a:rPr lang="ja-JP" altLang="en-US" dirty="0" smtClean="0"/>
+                <a:t>・</a:t>
+              </a:r>
+              <a:r>
+                <a:rPr kumimoji="1" lang="en-US" altLang="ja-JP" dirty="0" smtClean="0"/>
+                <a:t/>
+              </a:r>
+              <a:br>
+                <a:rPr kumimoji="1" lang="en-US" altLang="ja-JP" dirty="0" smtClean="0"/>
+              </a:br>
+              <a:r>
+                <a:rPr kumimoji="1" lang="ja-JP" altLang="en-US" dirty="0" smtClean="0"/>
+                <a:t>モデル化</a:t>
+              </a:r>
+              <a:endParaRPr kumimoji="1" lang="ja-JP" altLang="en-US" dirty="0"/>
+            </a:p>
+          </p:txBody>
+        </p:sp>
+        <p:sp>
+          <p:nvSpPr>
+            <p:cNvPr id="7" name="正方形/長方形 6"/>
+            <p:cNvSpPr/>
+            <p:nvPr/>
+          </p:nvSpPr>
+          <p:spPr>
+            <a:xfrm>
+              <a:off x="4788236" y="1855616"/>
+              <a:ext cx="1270051" cy="1635116"/>
+            </a:xfrm>
+            <a:prstGeom prst="rect">
+              <a:avLst/>
+            </a:prstGeom>
             <a:solidFill>
               <a:srgbClr val="FF6600"/>
             </a:solidFill>
-            <a:tailEnd type="arrow"/>
-          </a:ln>
-        </p:spPr>
-        <p:style>
-          <a:lnRef idx="2">
-            <a:schemeClr val="accent1"/>
-          </a:lnRef>
-          <a:fillRef idx="0">
-            <a:schemeClr val="accent1"/>
-          </a:fillRef>
-          <a:effectRef idx="1">
-            <a:schemeClr val="accent1"/>
-          </a:effectRef>
-          <a:fontRef idx="minor">
-            <a:schemeClr val="tx1"/>
-          </a:fontRef>
-        </p:style>
-      </p:cxnSp>
-      <p:cxnSp>
-        <p:nvCxnSpPr>
-          <p:cNvPr id="14" name="直線矢印コネクタ 13"/>
-          <p:cNvCxnSpPr>
-            <a:stCxn id="7" idx="3"/>
-          </p:cNvCxnSpPr>
-          <p:nvPr/>
-        </p:nvCxnSpPr>
-        <p:spPr>
-          <a:xfrm>
-            <a:off x="6058287" y="2673174"/>
-            <a:ext cx="883196" cy="817558"/>
-          </a:xfrm>
-          <a:prstGeom prst="straightConnector1">
-            <a:avLst/>
-          </a:prstGeom>
-          <a:ln>
-            <a:solidFill>
-              <a:srgbClr val="FF6600"/>
-            </a:solidFill>
-            <a:tailEnd type="arrow"/>
-          </a:ln>
-        </p:spPr>
-        <p:style>
-          <a:lnRef idx="2">
-            <a:schemeClr val="accent1"/>
-          </a:lnRef>
-          <a:fillRef idx="0">
-            <a:schemeClr val="accent1"/>
-          </a:fillRef>
-          <a:effectRef idx="1">
-            <a:schemeClr val="accent1"/>
-          </a:effectRef>
-          <a:fontRef idx="minor">
-            <a:schemeClr val="tx1"/>
-          </a:fontRef>
-        </p:style>
-      </p:cxnSp>
-      <p:cxnSp>
-        <p:nvCxnSpPr>
-          <p:cNvPr id="17" name="直線矢印コネクタ 16"/>
-          <p:cNvCxnSpPr>
-            <a:stCxn id="6" idx="3"/>
-            <a:endCxn id="8" idx="1"/>
-          </p:cNvCxnSpPr>
-          <p:nvPr/>
-        </p:nvCxnSpPr>
-        <p:spPr>
-          <a:xfrm>
-            <a:off x="3868545" y="4029394"/>
-            <a:ext cx="3072938" cy="29199"/>
-          </a:xfrm>
-          <a:prstGeom prst="straightConnector1">
-            <a:avLst/>
-          </a:prstGeom>
-          <a:ln>
-            <a:tailEnd type="arrow"/>
-          </a:ln>
-        </p:spPr>
-        <p:style>
-          <a:lnRef idx="2">
-            <a:schemeClr val="accent1"/>
-          </a:lnRef>
-          <a:fillRef idx="0">
-            <a:schemeClr val="accent1"/>
-          </a:fillRef>
-          <a:effectRef idx="1">
-            <a:schemeClr val="accent1"/>
-          </a:effectRef>
-          <a:fontRef idx="minor">
-            <a:schemeClr val="tx1"/>
-          </a:fontRef>
-        </p:style>
-      </p:cxnSp>
+          </p:spPr>
+          <p:style>
+            <a:lnRef idx="1">
+              <a:schemeClr val="accent1"/>
+            </a:lnRef>
+            <a:fillRef idx="3">
+              <a:schemeClr val="accent1"/>
+            </a:fillRef>
+            <a:effectRef idx="2">
+              <a:schemeClr val="accent1"/>
+            </a:effectRef>
+            <a:fontRef idx="minor">
+              <a:schemeClr val="lt1"/>
+            </a:fontRef>
+          </p:style>
+          <p:txBody>
+            <a:bodyPr rtlCol="0" anchor="ctr"/>
+            <a:lstStyle/>
+            <a:p>
+              <a:pPr algn="ctr"/>
+              <a:r>
+                <a:rPr kumimoji="1" lang="ja-JP" altLang="en-US" dirty="0" smtClean="0"/>
+                <a:t>新しい知見</a:t>
+              </a:r>
+              <a:endParaRPr kumimoji="1" lang="en-US" altLang="ja-JP" dirty="0" smtClean="0"/>
+            </a:p>
+            <a:p>
+              <a:pPr algn="ctr"/>
+              <a:r>
+                <a:rPr kumimoji="1" lang="ja-JP" altLang="en-US" dirty="0" smtClean="0"/>
+                <a:t>を追加</a:t>
+              </a:r>
+              <a:endParaRPr kumimoji="1" lang="ja-JP" altLang="en-US" dirty="0"/>
+            </a:p>
+          </p:txBody>
+        </p:sp>
+        <p:sp>
+          <p:nvSpPr>
+            <p:cNvPr id="8" name="正方形/長方形 7"/>
+            <p:cNvSpPr/>
+            <p:nvPr/>
+          </p:nvSpPr>
+          <p:spPr>
+            <a:xfrm>
+              <a:off x="6941483" y="3241035"/>
+              <a:ext cx="1182461" cy="1635116"/>
+            </a:xfrm>
+            <a:prstGeom prst="rect">
+              <a:avLst/>
+            </a:prstGeom>
+          </p:spPr>
+          <p:style>
+            <a:lnRef idx="1">
+              <a:schemeClr val="accent1"/>
+            </a:lnRef>
+            <a:fillRef idx="3">
+              <a:schemeClr val="accent1"/>
+            </a:fillRef>
+            <a:effectRef idx="2">
+              <a:schemeClr val="accent1"/>
+            </a:effectRef>
+            <a:fontRef idx="minor">
+              <a:schemeClr val="lt1"/>
+            </a:fontRef>
+          </p:style>
+          <p:txBody>
+            <a:bodyPr rtlCol="0" anchor="ctr"/>
+            <a:lstStyle/>
+            <a:p>
+              <a:pPr algn="ctr"/>
+              <a:r>
+                <a:rPr lang="ja-JP" altLang="en-US" dirty="0" smtClean="0"/>
+                <a:t>実行オブジェクト</a:t>
+              </a:r>
+              <a:r>
+                <a:rPr lang="en-US" altLang="ja-JP" dirty="0" smtClean="0"/>
+                <a:t/>
+              </a:r>
+              <a:br>
+                <a:rPr lang="en-US" altLang="ja-JP" dirty="0" smtClean="0"/>
+              </a:br>
+              <a:r>
+                <a:rPr lang="ja-JP" altLang="en-US" dirty="0" smtClean="0"/>
+                <a:t>（出力）</a:t>
+              </a:r>
+              <a:endParaRPr kumimoji="1" lang="ja-JP" altLang="en-US" dirty="0"/>
+            </a:p>
+          </p:txBody>
+        </p:sp>
+        <p:cxnSp>
+          <p:nvCxnSpPr>
+            <p:cNvPr id="10" name="直線矢印コネクタ 9"/>
+            <p:cNvCxnSpPr>
+              <a:stCxn id="5" idx="3"/>
+              <a:endCxn id="6" idx="1"/>
+            </p:cNvCxnSpPr>
+            <p:nvPr/>
+          </p:nvCxnSpPr>
+          <p:spPr>
+            <a:xfrm>
+              <a:off x="1897777" y="4029394"/>
+              <a:ext cx="744512" cy="0"/>
+            </a:xfrm>
+            <a:prstGeom prst="straightConnector1">
+              <a:avLst/>
+            </a:prstGeom>
+            <a:ln>
+              <a:tailEnd type="arrow"/>
+            </a:ln>
+          </p:spPr>
+          <p:style>
+            <a:lnRef idx="2">
+              <a:schemeClr val="accent1"/>
+            </a:lnRef>
+            <a:fillRef idx="0">
+              <a:schemeClr val="accent1"/>
+            </a:fillRef>
+            <a:effectRef idx="1">
+              <a:schemeClr val="accent1"/>
+            </a:effectRef>
+            <a:fontRef idx="minor">
+              <a:schemeClr val="tx1"/>
+            </a:fontRef>
+          </p:style>
+        </p:cxnSp>
+        <p:cxnSp>
+          <p:nvCxnSpPr>
+            <p:cNvPr id="12" name="直線矢印コネクタ 11"/>
+            <p:cNvCxnSpPr>
+              <a:endCxn id="7" idx="1"/>
+            </p:cNvCxnSpPr>
+            <p:nvPr/>
+          </p:nvCxnSpPr>
+          <p:spPr>
+            <a:xfrm flipV="1">
+              <a:off x="3868545" y="2673174"/>
+              <a:ext cx="919691" cy="817558"/>
+            </a:xfrm>
+            <a:prstGeom prst="straightConnector1">
+              <a:avLst/>
+            </a:prstGeom>
+            <a:ln>
+              <a:solidFill>
+                <a:srgbClr val="FF6600"/>
+              </a:solidFill>
+              <a:tailEnd type="arrow"/>
+            </a:ln>
+          </p:spPr>
+          <p:style>
+            <a:lnRef idx="2">
+              <a:schemeClr val="accent1"/>
+            </a:lnRef>
+            <a:fillRef idx="0">
+              <a:schemeClr val="accent1"/>
+            </a:fillRef>
+            <a:effectRef idx="1">
+              <a:schemeClr val="accent1"/>
+            </a:effectRef>
+            <a:fontRef idx="minor">
+              <a:schemeClr val="tx1"/>
+            </a:fontRef>
+          </p:style>
+        </p:cxnSp>
+        <p:cxnSp>
+          <p:nvCxnSpPr>
+            <p:cNvPr id="14" name="直線矢印コネクタ 13"/>
+            <p:cNvCxnSpPr>
+              <a:stCxn id="7" idx="3"/>
+            </p:cNvCxnSpPr>
+            <p:nvPr/>
+          </p:nvCxnSpPr>
+          <p:spPr>
+            <a:xfrm>
+              <a:off x="6058287" y="2673174"/>
+              <a:ext cx="883196" cy="817558"/>
+            </a:xfrm>
+            <a:prstGeom prst="straightConnector1">
+              <a:avLst/>
+            </a:prstGeom>
+            <a:ln>
+              <a:solidFill>
+                <a:srgbClr val="FF6600"/>
+              </a:solidFill>
+              <a:tailEnd type="arrow"/>
+            </a:ln>
+          </p:spPr>
+          <p:style>
+            <a:lnRef idx="2">
+              <a:schemeClr val="accent1"/>
+            </a:lnRef>
+            <a:fillRef idx="0">
+              <a:schemeClr val="accent1"/>
+            </a:fillRef>
+            <a:effectRef idx="1">
+              <a:schemeClr val="accent1"/>
+            </a:effectRef>
+            <a:fontRef idx="minor">
+              <a:schemeClr val="tx1"/>
+            </a:fontRef>
+          </p:style>
+        </p:cxnSp>
+        <p:cxnSp>
+          <p:nvCxnSpPr>
+            <p:cNvPr id="9" name="直線矢印コネクタ 8"/>
+            <p:cNvCxnSpPr/>
+            <p:nvPr/>
+          </p:nvCxnSpPr>
+          <p:spPr>
+            <a:xfrm flipV="1">
+              <a:off x="832102" y="5533118"/>
+              <a:ext cx="7291842" cy="29198"/>
+            </a:xfrm>
+            <a:prstGeom prst="straightConnector1">
+              <a:avLst/>
+            </a:prstGeom>
+            <a:ln w="76200">
+              <a:solidFill>
+                <a:srgbClr val="FF0000"/>
+              </a:solidFill>
+              <a:tailEnd type="arrow"/>
+            </a:ln>
+          </p:spPr>
+          <p:style>
+            <a:lnRef idx="2">
+              <a:schemeClr val="accent1"/>
+            </a:lnRef>
+            <a:fillRef idx="0">
+              <a:schemeClr val="accent1"/>
+            </a:fillRef>
+            <a:effectRef idx="1">
+              <a:schemeClr val="accent1"/>
+            </a:effectRef>
+            <a:fontRef idx="minor">
+              <a:schemeClr val="tx1"/>
+            </a:fontRef>
+          </p:style>
+        </p:cxnSp>
+        <p:sp>
+          <p:nvSpPr>
+            <p:cNvPr id="13" name="テキスト ボックス 12"/>
+            <p:cNvSpPr txBox="1"/>
+            <p:nvPr/>
+          </p:nvSpPr>
+          <p:spPr>
+            <a:xfrm>
+              <a:off x="3868545" y="5608869"/>
+              <a:ext cx="1107996" cy="461665"/>
+            </a:xfrm>
+            <a:prstGeom prst="rect">
+              <a:avLst/>
+            </a:prstGeom>
+            <a:noFill/>
+          </p:spPr>
+          <p:txBody>
+            <a:bodyPr wrap="none" rtlCol="0">
+              <a:spAutoFit/>
+            </a:bodyPr>
+            <a:lstStyle/>
+            <a:p>
+              <a:r>
+                <a:rPr kumimoji="1" lang="ja-JP" altLang="en-US" sz="2400" dirty="0" smtClean="0">
+                  <a:solidFill>
+                    <a:srgbClr val="FF0000"/>
+                  </a:solidFill>
+                </a:rPr>
+                <a:t>一方向</a:t>
+              </a:r>
+              <a:endParaRPr kumimoji="1" lang="ja-JP" altLang="en-US" sz="2400" dirty="0">
+                <a:solidFill>
+                  <a:srgbClr val="FF0000"/>
+                </a:solidFill>
+              </a:endParaRPr>
+            </a:p>
+          </p:txBody>
+        </p:sp>
+      </p:grpSp>
     </p:spTree>
     <p:extLst>
       <p:ext uri="{BB962C8B-B14F-4D97-AF65-F5344CB8AC3E}">
         <p14:creationId xmlns:p14="http://schemas.microsoft.com/office/powerpoint/2010/main" val="2904705528"/>
-      </p:ext>
-    </p:extLst>
-  </p:cSld>
-  <p:clrMapOvr>
-    <a:masterClrMapping/>
-  </p:clrMapOvr>
-</p:sld>
-</file>
-
-<file path=ppt/slides/slide9.xml><?xml version="1.0" encoding="utf-8"?>
-<p:sld xmlns:a="http://schemas.openxmlformats.org/drawingml/2006/main" xmlns:r="http://schemas.openxmlformats.org/officeDocument/2006/relationships" xmlns:p="http://schemas.openxmlformats.org/presentationml/2006/main">
-  <p:cSld>
-    <p:spTree>
-      <p:nvGrpSpPr>
-        <p:cNvPr id="1" name=""/>
-        <p:cNvGrpSpPr/>
-        <p:nvPr/>
-      </p:nvGrpSpPr>
-      <p:grpSpPr>
-        <a:xfrm>
-          <a:off x="0" y="0"/>
-          <a:ext cx="0" cy="0"/>
-          <a:chOff x="0" y="0"/>
-          <a:chExt cx="0" cy="0"/>
-        </a:xfrm>
-      </p:grpSpPr>
-      <p:sp>
-        <p:nvSpPr>
-          <p:cNvPr id="2" name="タイトル 1"/>
-          <p:cNvSpPr>
-            <a:spLocks noGrp="1"/>
-          </p:cNvSpPr>
-          <p:nvPr>
-            <p:ph type="title"/>
-          </p:nvPr>
-        </p:nvSpPr>
-        <p:spPr>
-          <a:xfrm>
-            <a:off x="457200" y="274638"/>
-            <a:ext cx="8229600" cy="849505"/>
-          </a:xfrm>
-        </p:spPr>
-        <p:txBody>
-          <a:bodyPr/>
-          <a:lstStyle/>
-          <a:p>
-            <a:r>
-              <a:rPr kumimoji="1" lang="ja-JP" altLang="en-US" dirty="0" smtClean="0"/>
-              <a:t>目的</a:t>
-            </a:r>
-            <a:endParaRPr kumimoji="1" lang="ja-JP" altLang="en-US" dirty="0"/>
-          </a:p>
-        </p:txBody>
-      </p:sp>
-      <p:sp>
-        <p:nvSpPr>
-          <p:cNvPr id="3" name="コンテンツ プレースホルダー 2"/>
-          <p:cNvSpPr>
-            <a:spLocks noGrp="1"/>
-          </p:cNvSpPr>
-          <p:nvPr>
-            <p:ph idx="1"/>
-          </p:nvPr>
-        </p:nvSpPr>
-        <p:spPr>
-          <a:xfrm>
-            <a:off x="616960" y="947674"/>
-            <a:ext cx="8229600" cy="618887"/>
-          </a:xfrm>
-        </p:spPr>
-        <p:txBody>
-          <a:bodyPr>
-            <a:noAutofit/>
-          </a:bodyPr>
-          <a:lstStyle/>
-          <a:p>
-            <a:pPr marL="0" indent="0">
-              <a:buNone/>
-            </a:pPr>
-            <a:r>
-              <a:rPr lang="ja-JP" altLang="en-US" dirty="0" smtClean="0"/>
-              <a:t>新しい手法の提案</a:t>
-            </a:r>
-            <a:endParaRPr kumimoji="1" lang="ja-JP" altLang="en-US" dirty="0"/>
-          </a:p>
-        </p:txBody>
-      </p:sp>
-      <p:sp>
-        <p:nvSpPr>
-          <p:cNvPr id="4" name="正方形/長方形 3"/>
-          <p:cNvSpPr/>
-          <p:nvPr/>
-        </p:nvSpPr>
-        <p:spPr>
-          <a:xfrm>
-            <a:off x="1153264" y="3241035"/>
-            <a:ext cx="1459829" cy="2277483"/>
-          </a:xfrm>
-          <a:prstGeom prst="rect">
-            <a:avLst/>
-          </a:prstGeom>
-        </p:spPr>
-        <p:style>
-          <a:lnRef idx="1">
-            <a:schemeClr val="accent1"/>
-          </a:lnRef>
-          <a:fillRef idx="3">
-            <a:schemeClr val="accent1"/>
-          </a:fillRef>
-          <a:effectRef idx="2">
-            <a:schemeClr val="accent1"/>
-          </a:effectRef>
-          <a:fontRef idx="minor">
-            <a:schemeClr val="lt1"/>
-          </a:fontRef>
-        </p:style>
-        <p:txBody>
-          <a:bodyPr rtlCol="0" anchor="ctr"/>
-          <a:lstStyle/>
-          <a:p>
-            <a:pPr algn="ctr"/>
-            <a:r>
-              <a:rPr kumimoji="1" lang="ja-JP" altLang="en-US" dirty="0" smtClean="0"/>
-              <a:t>ソースコード</a:t>
-            </a:r>
-            <a:endParaRPr kumimoji="1" lang="ja-JP" altLang="en-US" dirty="0"/>
-          </a:p>
-        </p:txBody>
-      </p:sp>
-      <p:graphicFrame>
-        <p:nvGraphicFramePr>
-          <p:cNvPr id="6" name="図表 5"/>
-          <p:cNvGraphicFramePr/>
-          <p:nvPr>
-            <p:extLst>
-              <p:ext uri="{D42A27DB-BD31-4B8C-83A1-F6EECF244321}">
-                <p14:modId xmlns:p14="http://schemas.microsoft.com/office/powerpoint/2010/main" val="976863806"/>
-              </p:ext>
-            </p:extLst>
-          </p:nvPr>
-        </p:nvGraphicFramePr>
-        <p:xfrm>
-          <a:off x="4034908" y="2255585"/>
-          <a:ext cx="2402938" cy="1211738"/>
-        </p:xfrm>
-        <a:graphic>
-          <a:graphicData uri="http://schemas.openxmlformats.org/drawingml/2006/diagram">
-            <dgm:relIds xmlns:dgm="http://schemas.openxmlformats.org/drawingml/2006/diagram" xmlns:r="http://schemas.openxmlformats.org/officeDocument/2006/relationships" r:dm="rId2" r:lo="rId3" r:qs="rId4" r:cs="rId5"/>
-          </a:graphicData>
-        </a:graphic>
-      </p:graphicFrame>
-      <p:cxnSp>
-        <p:nvCxnSpPr>
-          <p:cNvPr id="8" name="直線矢印コネクタ 7"/>
-          <p:cNvCxnSpPr>
-            <a:endCxn id="6" idx="1"/>
-          </p:cNvCxnSpPr>
-          <p:nvPr/>
-        </p:nvCxnSpPr>
-        <p:spPr>
-          <a:xfrm flipV="1">
-            <a:off x="2613093" y="2824440"/>
-            <a:ext cx="1421815" cy="814296"/>
-          </a:xfrm>
-          <a:prstGeom prst="straightConnector1">
-            <a:avLst/>
-          </a:prstGeom>
-          <a:ln>
-            <a:tailEnd type="arrow"/>
-          </a:ln>
-        </p:spPr>
-        <p:style>
-          <a:lnRef idx="2">
-            <a:schemeClr val="accent1"/>
-          </a:lnRef>
-          <a:fillRef idx="0">
-            <a:schemeClr val="accent1"/>
-          </a:fillRef>
-          <a:effectRef idx="1">
-            <a:schemeClr val="accent1"/>
-          </a:effectRef>
-          <a:fontRef idx="minor">
-            <a:schemeClr val="tx1"/>
-          </a:fontRef>
-        </p:style>
-      </p:cxnSp>
-      <p:graphicFrame>
-        <p:nvGraphicFramePr>
-          <p:cNvPr id="12" name="図表 11"/>
-          <p:cNvGraphicFramePr/>
-          <p:nvPr>
-            <p:extLst>
-              <p:ext uri="{D42A27DB-BD31-4B8C-83A1-F6EECF244321}">
-                <p14:modId xmlns:p14="http://schemas.microsoft.com/office/powerpoint/2010/main" val="303796217"/>
-              </p:ext>
-            </p:extLst>
-          </p:nvPr>
-        </p:nvGraphicFramePr>
-        <p:xfrm>
-          <a:off x="4026726" y="3810408"/>
-          <a:ext cx="2402938" cy="1138742"/>
-        </p:xfrm>
-        <a:graphic>
-          <a:graphicData uri="http://schemas.openxmlformats.org/drawingml/2006/diagram">
-            <dgm:relIds xmlns:dgm="http://schemas.openxmlformats.org/drawingml/2006/diagram" xmlns:r="http://schemas.openxmlformats.org/officeDocument/2006/relationships" r:dm="rId7" r:lo="rId8" r:qs="rId9" r:cs="rId10"/>
-          </a:graphicData>
-        </a:graphic>
-      </p:graphicFrame>
-      <p:cxnSp>
-        <p:nvCxnSpPr>
-          <p:cNvPr id="15" name="直線矢印コネクタ 14"/>
-          <p:cNvCxnSpPr>
-            <a:endCxn id="12" idx="3"/>
-          </p:cNvCxnSpPr>
-          <p:nvPr/>
-        </p:nvCxnSpPr>
-        <p:spPr>
-          <a:xfrm flipH="1" flipV="1">
-            <a:off x="6429664" y="4343464"/>
-            <a:ext cx="1205238" cy="798934"/>
-          </a:xfrm>
-          <a:prstGeom prst="straightConnector1">
-            <a:avLst/>
-          </a:prstGeom>
-          <a:ln>
-            <a:solidFill>
-              <a:srgbClr val="FF6600"/>
-            </a:solidFill>
-            <a:tailEnd type="arrow"/>
-          </a:ln>
-        </p:spPr>
-        <p:style>
-          <a:lnRef idx="2">
-            <a:schemeClr val="accent1"/>
-          </a:lnRef>
-          <a:fillRef idx="0">
-            <a:schemeClr val="accent1"/>
-          </a:fillRef>
-          <a:effectRef idx="1">
-            <a:schemeClr val="accent1"/>
-          </a:effectRef>
-          <a:fontRef idx="minor">
-            <a:schemeClr val="tx1"/>
-          </a:fontRef>
-        </p:style>
-      </p:cxnSp>
-      <p:cxnSp>
-        <p:nvCxnSpPr>
-          <p:cNvPr id="21" name="直線矢印コネクタ 20"/>
-          <p:cNvCxnSpPr>
-            <a:stCxn id="12" idx="1"/>
-            <a:endCxn id="4" idx="3"/>
-          </p:cNvCxnSpPr>
-          <p:nvPr/>
-        </p:nvCxnSpPr>
-        <p:spPr>
-          <a:xfrm flipH="1" flipV="1">
-            <a:off x="2613093" y="4379777"/>
-            <a:ext cx="1413633" cy="2"/>
-          </a:xfrm>
-          <a:prstGeom prst="straightConnector1">
-            <a:avLst/>
-          </a:prstGeom>
-          <a:ln>
-            <a:solidFill>
-              <a:srgbClr val="FF6600"/>
-            </a:solidFill>
-            <a:tailEnd type="arrow"/>
-          </a:ln>
-        </p:spPr>
-        <p:style>
-          <a:lnRef idx="2">
-            <a:schemeClr val="accent1"/>
-          </a:lnRef>
-          <a:fillRef idx="0">
-            <a:schemeClr val="accent1"/>
-          </a:fillRef>
-          <a:effectRef idx="1">
-            <a:schemeClr val="accent1"/>
-          </a:effectRef>
-          <a:fontRef idx="minor">
-            <a:schemeClr val="tx1"/>
-          </a:fontRef>
-        </p:style>
-      </p:cxnSp>
-      <p:graphicFrame>
-        <p:nvGraphicFramePr>
-          <p:cNvPr id="38" name="図表 37"/>
-          <p:cNvGraphicFramePr/>
-          <p:nvPr>
-            <p:extLst>
-              <p:ext uri="{D42A27DB-BD31-4B8C-83A1-F6EECF244321}">
-                <p14:modId xmlns:p14="http://schemas.microsoft.com/office/powerpoint/2010/main" val="3189333276"/>
-              </p:ext>
-            </p:extLst>
-          </p:nvPr>
-        </p:nvGraphicFramePr>
-        <p:xfrm>
-          <a:off x="4184771" y="5719258"/>
-          <a:ext cx="2402938" cy="1138742"/>
-        </p:xfrm>
-        <a:graphic>
-          <a:graphicData uri="http://schemas.openxmlformats.org/drawingml/2006/diagram">
-            <dgm:relIds xmlns:dgm="http://schemas.openxmlformats.org/drawingml/2006/diagram" xmlns:r="http://schemas.openxmlformats.org/officeDocument/2006/relationships" r:dm="rId12" r:lo="rId13" r:qs="rId14" r:cs="rId15"/>
-          </a:graphicData>
-        </a:graphic>
-      </p:graphicFrame>
-      <p:cxnSp>
-        <p:nvCxnSpPr>
-          <p:cNvPr id="40" name="直線矢印コネクタ 39"/>
-          <p:cNvCxnSpPr>
-            <a:endCxn id="38" idx="3"/>
-          </p:cNvCxnSpPr>
-          <p:nvPr/>
-        </p:nvCxnSpPr>
-        <p:spPr>
-          <a:xfrm flipH="1">
-            <a:off x="6587709" y="6288629"/>
-            <a:ext cx="1047194" cy="0"/>
-          </a:xfrm>
-          <a:prstGeom prst="straightConnector1">
-            <a:avLst/>
-          </a:prstGeom>
-          <a:ln>
-            <a:solidFill>
-              <a:srgbClr val="008000"/>
-            </a:solidFill>
-            <a:tailEnd type="arrow"/>
-          </a:ln>
-        </p:spPr>
-        <p:style>
-          <a:lnRef idx="2">
-            <a:schemeClr val="accent1"/>
-          </a:lnRef>
-          <a:fillRef idx="0">
-            <a:schemeClr val="accent1"/>
-          </a:fillRef>
-          <a:effectRef idx="1">
-            <a:schemeClr val="accent1"/>
-          </a:effectRef>
-          <a:fontRef idx="minor">
-            <a:schemeClr val="tx1"/>
-          </a:fontRef>
-        </p:style>
-      </p:cxnSp>
-      <p:cxnSp>
-        <p:nvCxnSpPr>
-          <p:cNvPr id="42" name="直線矢印コネクタ 41"/>
-          <p:cNvCxnSpPr>
-            <a:stCxn id="38" idx="1"/>
-          </p:cNvCxnSpPr>
-          <p:nvPr/>
-        </p:nvCxnSpPr>
-        <p:spPr>
-          <a:xfrm flipH="1" flipV="1">
-            <a:off x="2613093" y="5045715"/>
-            <a:ext cx="1571678" cy="1302101"/>
-          </a:xfrm>
-          <a:prstGeom prst="straightConnector1">
-            <a:avLst/>
-          </a:prstGeom>
-          <a:ln>
-            <a:solidFill>
-              <a:srgbClr val="008000"/>
-            </a:solidFill>
-            <a:tailEnd type="arrow"/>
-          </a:ln>
-        </p:spPr>
-        <p:style>
-          <a:lnRef idx="2">
-            <a:schemeClr val="accent1"/>
-          </a:lnRef>
-          <a:fillRef idx="0">
-            <a:schemeClr val="accent1"/>
-          </a:fillRef>
-          <a:effectRef idx="1">
-            <a:schemeClr val="accent1"/>
-          </a:effectRef>
-          <a:fontRef idx="minor">
-            <a:schemeClr val="tx1"/>
-          </a:fontRef>
-        </p:style>
-      </p:cxnSp>
-      <p:sp>
-        <p:nvSpPr>
-          <p:cNvPr id="48" name="テキスト ボックス 47"/>
-          <p:cNvSpPr txBox="1"/>
-          <p:nvPr/>
-        </p:nvSpPr>
-        <p:spPr>
-          <a:xfrm>
-            <a:off x="4026726" y="3711735"/>
-            <a:ext cx="1107996" cy="369332"/>
-          </a:xfrm>
-          <a:prstGeom prst="rect">
-            <a:avLst/>
-          </a:prstGeom>
-          <a:noFill/>
-        </p:spPr>
-        <p:txBody>
-          <a:bodyPr wrap="none" rtlCol="0">
-            <a:spAutoFit/>
-          </a:bodyPr>
-          <a:lstStyle/>
-          <a:p>
-            <a:r>
-              <a:rPr lang="ja-JP" altLang="en-US" dirty="0" smtClean="0"/>
-              <a:t>一部改良</a:t>
-            </a:r>
-            <a:endParaRPr kumimoji="1" lang="ja-JP" altLang="en-US" dirty="0"/>
-          </a:p>
-        </p:txBody>
-      </p:sp>
-      <p:sp>
-        <p:nvSpPr>
-          <p:cNvPr id="49" name="テキスト ボックス 48"/>
-          <p:cNvSpPr txBox="1"/>
-          <p:nvPr/>
-        </p:nvSpPr>
-        <p:spPr>
-          <a:xfrm>
-            <a:off x="4034908" y="1886253"/>
-            <a:ext cx="2985312" cy="369332"/>
-          </a:xfrm>
-          <a:prstGeom prst="rect">
-            <a:avLst/>
-          </a:prstGeom>
-          <a:noFill/>
-        </p:spPr>
-        <p:txBody>
-          <a:bodyPr wrap="none" rtlCol="0">
-            <a:spAutoFit/>
-          </a:bodyPr>
-          <a:lstStyle/>
-          <a:p>
-            <a:r>
-              <a:rPr kumimoji="1" lang="ja-JP" altLang="en-US" dirty="0" smtClean="0"/>
-              <a:t>ソースコード解析結果の表示</a:t>
-            </a:r>
-            <a:endParaRPr kumimoji="1" lang="ja-JP" altLang="en-US" dirty="0"/>
-          </a:p>
-        </p:txBody>
-      </p:sp>
-      <p:sp>
-        <p:nvSpPr>
-          <p:cNvPr id="50" name="テキスト ボックス 49"/>
-          <p:cNvSpPr txBox="1"/>
-          <p:nvPr/>
-        </p:nvSpPr>
-        <p:spPr>
-          <a:xfrm>
-            <a:off x="4171663" y="5364525"/>
-            <a:ext cx="2416046" cy="369332"/>
-          </a:xfrm>
-          <a:prstGeom prst="rect">
-            <a:avLst/>
-          </a:prstGeom>
-          <a:noFill/>
-        </p:spPr>
-        <p:txBody>
-          <a:bodyPr wrap="none" rtlCol="0">
-            <a:spAutoFit/>
-          </a:bodyPr>
-          <a:lstStyle/>
-          <a:p>
-            <a:r>
-              <a:rPr kumimoji="1" lang="ja-JP" altLang="en-US" dirty="0" smtClean="0"/>
-              <a:t>新規モデルからの生成</a:t>
-            </a:r>
-            <a:endParaRPr kumimoji="1" lang="ja-JP" altLang="en-US" dirty="0"/>
-          </a:p>
-        </p:txBody>
-      </p:sp>
-      <p:sp>
-        <p:nvSpPr>
-          <p:cNvPr id="52" name="乗算記号 51"/>
-          <p:cNvSpPr/>
-          <p:nvPr/>
-        </p:nvSpPr>
-        <p:spPr>
-          <a:xfrm>
-            <a:off x="5134722" y="3978871"/>
-            <a:ext cx="807771" cy="204391"/>
-          </a:xfrm>
-          <a:prstGeom prst="mathMultiply">
-            <a:avLst/>
-          </a:prstGeom>
-          <a:solidFill>
-            <a:srgbClr val="FF0000"/>
-          </a:solidFill>
-          <a:ln w="3175">
-            <a:solidFill>
-              <a:srgbClr val="FF0000"/>
-            </a:solidFill>
-          </a:ln>
-          <a:effectLst/>
-        </p:spPr>
-        <p:style>
-          <a:lnRef idx="1">
-            <a:schemeClr val="accent1"/>
-          </a:lnRef>
-          <a:fillRef idx="3">
-            <a:schemeClr val="accent1"/>
-          </a:fillRef>
-          <a:effectRef idx="2">
-            <a:schemeClr val="accent1"/>
-          </a:effectRef>
-          <a:fontRef idx="minor">
-            <a:schemeClr val="lt1"/>
-          </a:fontRef>
-        </p:style>
-        <p:txBody>
-          <a:bodyPr rtlCol="0" anchor="ctr"/>
-          <a:lstStyle/>
-          <a:p>
-            <a:pPr algn="ctr"/>
-            <a:endParaRPr kumimoji="1" lang="ja-JP" altLang="en-US"/>
-          </a:p>
-        </p:txBody>
-      </p:sp>
-      <p:sp>
-        <p:nvSpPr>
-          <p:cNvPr id="53" name="スマイル 52"/>
-          <p:cNvSpPr/>
-          <p:nvPr/>
-        </p:nvSpPr>
-        <p:spPr>
-          <a:xfrm>
-            <a:off x="7634902" y="4949150"/>
-            <a:ext cx="671521" cy="1485664"/>
-          </a:xfrm>
-          <a:prstGeom prst="smileyFace">
-            <a:avLst/>
-          </a:prstGeom>
-        </p:spPr>
-        <p:style>
-          <a:lnRef idx="1">
-            <a:schemeClr val="accent1"/>
-          </a:lnRef>
-          <a:fillRef idx="3">
-            <a:schemeClr val="accent1"/>
-          </a:fillRef>
-          <a:effectRef idx="2">
-            <a:schemeClr val="accent1"/>
-          </a:effectRef>
-          <a:fontRef idx="minor">
-            <a:schemeClr val="lt1"/>
-          </a:fontRef>
-        </p:style>
-        <p:txBody>
-          <a:bodyPr rtlCol="0" anchor="ctr"/>
-          <a:lstStyle/>
-          <a:p>
-            <a:pPr algn="ctr"/>
-            <a:endParaRPr kumimoji="1" lang="ja-JP" altLang="en-US" dirty="0"/>
-          </a:p>
-        </p:txBody>
-      </p:sp>
-    </p:spTree>
-    <p:extLst>
-      <p:ext uri="{BB962C8B-B14F-4D97-AF65-F5344CB8AC3E}">
-        <p14:creationId xmlns:p14="http://schemas.microsoft.com/office/powerpoint/2010/main" val="2669844592"/>
       </p:ext>
     </p:extLst>
   </p:cSld>
@@ -20085,4 +22910,324 @@
   </a:objectDefaults>
   <a:extraClrSchemeLst/>
 </a:theme>
+</file>
+
+<file path=ppt/theme/theme2.xml><?xml version="1.0" encoding="utf-8"?>
+<a:theme xmlns:a="http://schemas.openxmlformats.org/drawingml/2006/main" name="ホワイト">
+  <a:themeElements>
+    <a:clrScheme name="Office">
+      <a:dk1>
+        <a:sysClr val="windowText" lastClr="000000"/>
+      </a:dk1>
+      <a:lt1>
+        <a:sysClr val="window" lastClr="FFFFFF"/>
+      </a:lt1>
+      <a:dk2>
+        <a:srgbClr val="1F497D"/>
+      </a:dk2>
+      <a:lt2>
+        <a:srgbClr val="EEECE1"/>
+      </a:lt2>
+      <a:accent1>
+        <a:srgbClr val="4F81BD"/>
+      </a:accent1>
+      <a:accent2>
+        <a:srgbClr val="C0504D"/>
+      </a:accent2>
+      <a:accent3>
+        <a:srgbClr val="9BBB59"/>
+      </a:accent3>
+      <a:accent4>
+        <a:srgbClr val="8064A2"/>
+      </a:accent4>
+      <a:accent5>
+        <a:srgbClr val="4BACC6"/>
+      </a:accent5>
+      <a:accent6>
+        <a:srgbClr val="F79646"/>
+      </a:accent6>
+      <a:hlink>
+        <a:srgbClr val="0000FF"/>
+      </a:hlink>
+      <a:folHlink>
+        <a:srgbClr val="800080"/>
+      </a:folHlink>
+    </a:clrScheme>
+    <a:fontScheme name="Office">
+      <a:majorFont>
+        <a:latin typeface="Calibri"/>
+        <a:ea typeface=""/>
+        <a:cs typeface=""/>
+        <a:font script="Jpan" typeface="ＭＳ Ｐゴシック"/>
+        <a:font script="Hang" typeface="맑은 고딕"/>
+        <a:font script="Hans" typeface="宋体"/>
+        <a:font script="Hant" typeface="新細明體"/>
+        <a:font script="Arab" typeface="Times New Roman"/>
+        <a:font script="Hebr" typeface="Times New Roman"/>
+        <a:font script="Thai" typeface="Angsana New"/>
+        <a:font script="Ethi" typeface="Nyala"/>
+        <a:font script="Beng" typeface="Vrinda"/>
+        <a:font script="Gujr" typeface="Shruti"/>
+        <a:font script="Khmr" typeface="MoolBoran"/>
+        <a:font script="Knda" typeface="Tunga"/>
+        <a:font script="Guru" typeface="Raavi"/>
+        <a:font script="Cans" typeface="Euphemia"/>
+        <a:font script="Cher" typeface="Plantagenet Cherokee"/>
+        <a:font script="Yiii" typeface="Microsoft Yi Baiti"/>
+        <a:font script="Tibt" typeface="Microsoft Himalaya"/>
+        <a:font script="Thaa" typeface="MV Boli"/>
+        <a:font script="Deva" typeface="Mangal"/>
+        <a:font script="Telu" typeface="Gautami"/>
+        <a:font script="Taml" typeface="Latha"/>
+        <a:font script="Syrc" typeface="Estrangelo Edessa"/>
+        <a:font script="Orya" typeface="Kalinga"/>
+        <a:font script="Mlym" typeface="Kartika"/>
+        <a:font script="Laoo" typeface="DokChampa"/>
+        <a:font script="Sinh" typeface="Iskoola Pota"/>
+        <a:font script="Mong" typeface="Mongolian Baiti"/>
+        <a:font script="Viet" typeface="Times New Roman"/>
+        <a:font script="Uigh" typeface="Microsoft Uighur"/>
+        <a:font script="Geor" typeface="Sylfaen"/>
+      </a:majorFont>
+      <a:minorFont>
+        <a:latin typeface="Calibri"/>
+        <a:ea typeface=""/>
+        <a:cs typeface=""/>
+        <a:font script="Jpan" typeface="ＭＳ Ｐゴシック"/>
+        <a:font script="Hang" typeface="맑은 고딕"/>
+        <a:font script="Hans" typeface="宋体"/>
+        <a:font script="Hant" typeface="新細明體"/>
+        <a:font script="Arab" typeface="Arial"/>
+        <a:font script="Hebr" typeface="Arial"/>
+        <a:font script="Thai" typeface="Cordia New"/>
+        <a:font script="Ethi" typeface="Nyala"/>
+        <a:font script="Beng" typeface="Vrinda"/>
+        <a:font script="Gujr" typeface="Shruti"/>
+        <a:font script="Khmr" typeface="DaunPenh"/>
+        <a:font script="Knda" typeface="Tunga"/>
+        <a:font script="Guru" typeface="Raavi"/>
+        <a:font script="Cans" typeface="Euphemia"/>
+        <a:font script="Cher" typeface="Plantagenet Cherokee"/>
+        <a:font script="Yiii" typeface="Microsoft Yi Baiti"/>
+        <a:font script="Tibt" typeface="Microsoft Himalaya"/>
+        <a:font script="Thaa" typeface="MV Boli"/>
+        <a:font script="Deva" typeface="Mangal"/>
+        <a:font script="Telu" typeface="Gautami"/>
+        <a:font script="Taml" typeface="Latha"/>
+        <a:font script="Syrc" typeface="Estrangelo Edessa"/>
+        <a:font script="Orya" typeface="Kalinga"/>
+        <a:font script="Mlym" typeface="Kartika"/>
+        <a:font script="Laoo" typeface="DokChampa"/>
+        <a:font script="Sinh" typeface="Iskoola Pota"/>
+        <a:font script="Mong" typeface="Mongolian Baiti"/>
+        <a:font script="Viet" typeface="Arial"/>
+        <a:font script="Uigh" typeface="Microsoft Uighur"/>
+        <a:font script="Geor" typeface="Sylfaen"/>
+      </a:minorFont>
+    </a:fontScheme>
+    <a:fmtScheme name="Office">
+      <a:fillStyleLst>
+        <a:solidFill>
+          <a:schemeClr val="phClr"/>
+        </a:solidFill>
+        <a:gradFill rotWithShape="1">
+          <a:gsLst>
+            <a:gs pos="0">
+              <a:schemeClr val="phClr">
+                <a:tint val="50000"/>
+                <a:satMod val="300000"/>
+              </a:schemeClr>
+            </a:gs>
+            <a:gs pos="35000">
+              <a:schemeClr val="phClr">
+                <a:tint val="37000"/>
+                <a:satMod val="300000"/>
+              </a:schemeClr>
+            </a:gs>
+            <a:gs pos="100000">
+              <a:schemeClr val="phClr">
+                <a:tint val="15000"/>
+                <a:satMod val="350000"/>
+              </a:schemeClr>
+            </a:gs>
+          </a:gsLst>
+          <a:lin ang="16200000" scaled="1"/>
+        </a:gradFill>
+        <a:gradFill rotWithShape="1">
+          <a:gsLst>
+            <a:gs pos="0">
+              <a:schemeClr val="phClr">
+                <a:tint val="100000"/>
+                <a:shade val="100000"/>
+                <a:satMod val="130000"/>
+              </a:schemeClr>
+            </a:gs>
+            <a:gs pos="100000">
+              <a:schemeClr val="phClr">
+                <a:tint val="50000"/>
+                <a:shade val="100000"/>
+                <a:satMod val="350000"/>
+              </a:schemeClr>
+            </a:gs>
+          </a:gsLst>
+          <a:lin ang="16200000" scaled="0"/>
+        </a:gradFill>
+      </a:fillStyleLst>
+      <a:lnStyleLst>
+        <a:ln w="9525" cap="flat" cmpd="sng" algn="ctr">
+          <a:solidFill>
+            <a:schemeClr val="phClr">
+              <a:shade val="95000"/>
+              <a:satMod val="105000"/>
+            </a:schemeClr>
+          </a:solidFill>
+          <a:prstDash val="solid"/>
+        </a:ln>
+        <a:ln w="25400" cap="flat" cmpd="sng" algn="ctr">
+          <a:solidFill>
+            <a:schemeClr val="phClr"/>
+          </a:solidFill>
+          <a:prstDash val="solid"/>
+        </a:ln>
+        <a:ln w="38100" cap="flat" cmpd="sng" algn="ctr">
+          <a:solidFill>
+            <a:schemeClr val="phClr"/>
+          </a:solidFill>
+          <a:prstDash val="solid"/>
+        </a:ln>
+      </a:lnStyleLst>
+      <a:effectStyleLst>
+        <a:effectStyle>
+          <a:effectLst>
+            <a:outerShdw blurRad="40000" dist="20000" dir="5400000" rotWithShape="0">
+              <a:srgbClr val="000000">
+                <a:alpha val="38000"/>
+              </a:srgbClr>
+            </a:outerShdw>
+          </a:effectLst>
+        </a:effectStyle>
+        <a:effectStyle>
+          <a:effectLst>
+            <a:outerShdw blurRad="40000" dist="23000" dir="5400000" rotWithShape="0">
+              <a:srgbClr val="000000">
+                <a:alpha val="35000"/>
+              </a:srgbClr>
+            </a:outerShdw>
+          </a:effectLst>
+        </a:effectStyle>
+        <a:effectStyle>
+          <a:effectLst>
+            <a:outerShdw blurRad="40000" dist="23000" dir="5400000" rotWithShape="0">
+              <a:srgbClr val="000000">
+                <a:alpha val="35000"/>
+              </a:srgbClr>
+            </a:outerShdw>
+          </a:effectLst>
+          <a:scene3d>
+            <a:camera prst="orthographicFront">
+              <a:rot lat="0" lon="0" rev="0"/>
+            </a:camera>
+            <a:lightRig rig="threePt" dir="t">
+              <a:rot lat="0" lon="0" rev="1200000"/>
+            </a:lightRig>
+          </a:scene3d>
+          <a:sp3d>
+            <a:bevelT w="63500" h="25400"/>
+          </a:sp3d>
+        </a:effectStyle>
+      </a:effectStyleLst>
+      <a:bgFillStyleLst>
+        <a:solidFill>
+          <a:schemeClr val="phClr"/>
+        </a:solidFill>
+        <a:gradFill rotWithShape="1">
+          <a:gsLst>
+            <a:gs pos="0">
+              <a:schemeClr val="phClr">
+                <a:tint val="40000"/>
+                <a:satMod val="350000"/>
+              </a:schemeClr>
+            </a:gs>
+            <a:gs pos="40000">
+              <a:schemeClr val="phClr">
+                <a:tint val="45000"/>
+                <a:shade val="99000"/>
+                <a:satMod val="350000"/>
+              </a:schemeClr>
+            </a:gs>
+            <a:gs pos="100000">
+              <a:schemeClr val="phClr">
+                <a:shade val="20000"/>
+                <a:satMod val="255000"/>
+              </a:schemeClr>
+            </a:gs>
+          </a:gsLst>
+          <a:path path="circle">
+            <a:fillToRect l="50000" t="-80000" r="50000" b="180000"/>
+          </a:path>
+        </a:gradFill>
+        <a:gradFill rotWithShape="1">
+          <a:gsLst>
+            <a:gs pos="0">
+              <a:schemeClr val="phClr">
+                <a:tint val="80000"/>
+                <a:satMod val="300000"/>
+              </a:schemeClr>
+            </a:gs>
+            <a:gs pos="100000">
+              <a:schemeClr val="phClr">
+                <a:shade val="30000"/>
+                <a:satMod val="200000"/>
+              </a:schemeClr>
+            </a:gs>
+          </a:gsLst>
+          <a:path path="circle">
+            <a:fillToRect l="50000" t="50000" r="50000" b="50000"/>
+          </a:path>
+        </a:gradFill>
+      </a:bgFillStyleLst>
+    </a:fmtScheme>
+  </a:themeElements>
+  <a:objectDefaults>
+    <a:spDef>
+      <a:spPr/>
+      <a:bodyPr/>
+      <a:lstStyle/>
+      <a:style>
+        <a:lnRef idx="1">
+          <a:schemeClr val="accent1"/>
+        </a:lnRef>
+        <a:fillRef idx="3">
+          <a:schemeClr val="accent1"/>
+        </a:fillRef>
+        <a:effectRef idx="2">
+          <a:schemeClr val="accent1"/>
+        </a:effectRef>
+        <a:fontRef idx="minor">
+          <a:schemeClr val="lt1"/>
+        </a:fontRef>
+      </a:style>
+    </a:spDef>
+    <a:lnDef>
+      <a:spPr/>
+      <a:bodyPr/>
+      <a:lstStyle/>
+      <a:style>
+        <a:lnRef idx="2">
+          <a:schemeClr val="accent1"/>
+        </a:lnRef>
+        <a:fillRef idx="0">
+          <a:schemeClr val="accent1"/>
+        </a:fillRef>
+        <a:effectRef idx="1">
+          <a:schemeClr val="accent1"/>
+        </a:effectRef>
+        <a:fontRef idx="minor">
+          <a:schemeClr val="tx1"/>
+        </a:fontRef>
+      </a:style>
+    </a:lnDef>
+  </a:objectDefaults>
+  <a:extraClrSchemeLst/>
+</a:theme>
 </file>
--- a/doc/中間発表資料.pptx
+++ b/doc/中間発表資料.pptx
@@ -3533,33 +3533,33 @@
     </dgm:pt>
   </dgm:ptLst>
   <dgm:cxnLst>
+    <dgm:cxn modelId="{4FCE8FE0-A8D7-6A4F-8777-2C21FE45D553}" type="presOf" srcId="{9D655CBB-3A28-314E-98FC-590C4A1D5629}" destId="{167BAEFD-587A-6C40-A4E5-211B67B739A5}" srcOrd="0" destOrd="0" presId="urn:microsoft.com/office/officeart/2005/8/layout/hierarchy2"/>
+    <dgm:cxn modelId="{8E6BC0E5-4F1B-6445-A41F-1C4129F35990}" srcId="{D12ED54D-71F7-BD42-ACE7-1CD452727C92}" destId="{E4611E39-EC01-3848-B167-EF2DC9058A6C}" srcOrd="1" destOrd="0" parTransId="{9D655CBB-3A28-314E-98FC-590C4A1D5629}" sibTransId="{533146C2-268F-594E-9AA9-C899EDF5F2D1}"/>
+    <dgm:cxn modelId="{31CB884C-087E-364C-992D-0A683DA05711}" type="presOf" srcId="{9212E29F-8A5F-DF43-A56E-7F81C1E0926C}" destId="{35C9C338-5F2F-B644-AFAC-6A42B37E50C4}" srcOrd="0" destOrd="0" presId="urn:microsoft.com/office/officeart/2005/8/layout/hierarchy2"/>
+    <dgm:cxn modelId="{0FE0B655-05B6-1642-A518-82D10683569D}" srcId="{5964B47B-9DB7-9C42-B829-0211C4690181}" destId="{F03AFE40-84D6-AE40-A5C8-7A3801927078}" srcOrd="1" destOrd="0" parTransId="{4BB084B3-2367-D94B-8181-253B52688B82}" sibTransId="{9742CB99-E961-9943-B339-B2B9AB424815}"/>
+    <dgm:cxn modelId="{CA8BB768-70DD-B347-B79B-2AB90EA65A2D}" type="presOf" srcId="{594679C3-CCD9-A543-9B6F-B2106ACF4732}" destId="{ABB24299-0B5B-A240-8275-526E520BE66C}" srcOrd="0" destOrd="0" presId="urn:microsoft.com/office/officeart/2005/8/layout/hierarchy2"/>
+    <dgm:cxn modelId="{676707AF-6D3E-3743-9D2C-4203A98F0104}" srcId="{5964B47B-9DB7-9C42-B829-0211C4690181}" destId="{9212E29F-8A5F-DF43-A56E-7F81C1E0926C}" srcOrd="0" destOrd="0" parTransId="{AB504391-A61E-3840-9B2E-CECB851F6995}" sibTransId="{43A5A08A-FCD5-C54D-8EB9-B6617286DD05}"/>
+    <dgm:cxn modelId="{20D2A018-038C-9F49-A1F9-1E8DD8505092}" srcId="{E4611E39-EC01-3848-B167-EF2DC9058A6C}" destId="{80F20F8C-217F-314A-901A-1B2AFC17FF79}" srcOrd="0" destOrd="0" parTransId="{E4A029B8-2B6F-FB49-AFDC-46B3F8CB6A15}" sibTransId="{25F3C08D-76CD-824E-B31D-1AE33DC2694D}"/>
+    <dgm:cxn modelId="{545D0ABD-AE63-1A4A-A7D2-7D27F95D5553}" type="presOf" srcId="{9D655CBB-3A28-314E-98FC-590C4A1D5629}" destId="{8860D0E4-CB42-594E-BA8A-E0B1B6C4E52D}" srcOrd="1" destOrd="0" presId="urn:microsoft.com/office/officeart/2005/8/layout/hierarchy2"/>
+    <dgm:cxn modelId="{6BB51026-251C-C242-8CCA-FAEAB3FC94EB}" type="presOf" srcId="{D477F212-D871-E644-B686-717662BFACD5}" destId="{69BFEC7D-17B3-454B-8C51-7CC6D7D3E93A}" srcOrd="0" destOrd="0" presId="urn:microsoft.com/office/officeart/2005/8/layout/hierarchy2"/>
+    <dgm:cxn modelId="{191D6713-CCBD-EE49-B29B-1253CFFE2A8E}" type="presOf" srcId="{E4A029B8-2B6F-FB49-AFDC-46B3F8CB6A15}" destId="{2C2CD9E2-5FF8-9943-8AE3-69F6FEF97029}" srcOrd="0" destOrd="0" presId="urn:microsoft.com/office/officeart/2005/8/layout/hierarchy2"/>
+    <dgm:cxn modelId="{80B03A9C-3091-E04F-94C9-401D7FF2B638}" type="presOf" srcId="{4BB084B3-2367-D94B-8181-253B52688B82}" destId="{3AC6E51B-46C3-FE47-B7A7-11A7F34CCA7D}" srcOrd="0" destOrd="0" presId="urn:microsoft.com/office/officeart/2005/8/layout/hierarchy2"/>
+    <dgm:cxn modelId="{46BCB224-5009-5C4A-8777-BD1249BF2234}" type="presOf" srcId="{F03AFE40-84D6-AE40-A5C8-7A3801927078}" destId="{DDC23D12-AAC6-574F-8D9D-BFFE7307DBC8}" srcOrd="0" destOrd="0" presId="urn:microsoft.com/office/officeart/2005/8/layout/hierarchy2"/>
+    <dgm:cxn modelId="{4771E58D-374D-4A4D-8961-B7486C45672C}" srcId="{80F20F8C-217F-314A-901A-1B2AFC17FF79}" destId="{C42969EC-83F2-FF4A-950B-86D8D2C76BAF}" srcOrd="0" destOrd="0" parTransId="{D477F212-D871-E644-B686-717662BFACD5}" sibTransId="{C3BD0A42-492B-E74E-AC08-3C118EB6B264}"/>
+    <dgm:cxn modelId="{B1CB31B9-D137-F840-A7B1-A58084C72ED4}" type="presOf" srcId="{D12ED54D-71F7-BD42-ACE7-1CD452727C92}" destId="{FD5B1B3C-AB96-E046-976B-F45A89F9BCBE}" srcOrd="0" destOrd="0" presId="urn:microsoft.com/office/officeart/2005/8/layout/hierarchy2"/>
+    <dgm:cxn modelId="{B42CF1B9-8F87-3C41-B07D-FCABF63FB50E}" srcId="{594679C3-CCD9-A543-9B6F-B2106ACF4732}" destId="{D12ED54D-71F7-BD42-ACE7-1CD452727C92}" srcOrd="0" destOrd="0" parTransId="{3C5BC1AC-18FA-F242-B620-CD077603D958}" sibTransId="{AD8D57A4-1968-504A-AD2C-D8500CACCFD9}"/>
+    <dgm:cxn modelId="{145E16CA-00EF-AE41-9B87-4DE25268454E}" type="presOf" srcId="{C42969EC-83F2-FF4A-950B-86D8D2C76BAF}" destId="{2608AEFA-D68D-F648-AAA8-3CD59051789B}" srcOrd="0" destOrd="0" presId="urn:microsoft.com/office/officeart/2005/8/layout/hierarchy2"/>
+    <dgm:cxn modelId="{C8F65DF2-103E-424B-AC4B-345AEF3133D3}" type="presOf" srcId="{5964B47B-9DB7-9C42-B829-0211C4690181}" destId="{8E6E0CC7-BF5C-1A42-9E5E-EB18ED51D422}" srcOrd="0" destOrd="0" presId="urn:microsoft.com/office/officeart/2005/8/layout/hierarchy2"/>
     <dgm:cxn modelId="{96A2A3F8-D869-EE42-B46F-11831917322A}" type="presOf" srcId="{AB504391-A61E-3840-9B2E-CECB851F6995}" destId="{ECE9B0E1-464F-F945-BD6A-40DBBB5F1700}" srcOrd="1" destOrd="0" presId="urn:microsoft.com/office/officeart/2005/8/layout/hierarchy2"/>
-    <dgm:cxn modelId="{191D6713-CCBD-EE49-B29B-1253CFFE2A8E}" type="presOf" srcId="{E4A029B8-2B6F-FB49-AFDC-46B3F8CB6A15}" destId="{2C2CD9E2-5FF8-9943-8AE3-69F6FEF97029}" srcOrd="0" destOrd="0" presId="urn:microsoft.com/office/officeart/2005/8/layout/hierarchy2"/>
+    <dgm:cxn modelId="{C9B96947-A490-194E-923C-E5FC0A42C197}" type="presOf" srcId="{AB504391-A61E-3840-9B2E-CECB851F6995}" destId="{EF04CBAA-1EA6-1D44-88FB-4C5D29FA81A5}" srcOrd="0" destOrd="0" presId="urn:microsoft.com/office/officeart/2005/8/layout/hierarchy2"/>
+    <dgm:cxn modelId="{28567685-D52E-9F49-A86B-5EDCFBD127DE}" type="presOf" srcId="{D477F212-D871-E644-B686-717662BFACD5}" destId="{018F7921-8033-DE44-87F2-138DC3CEEDF2}" srcOrd="1" destOrd="0" presId="urn:microsoft.com/office/officeart/2005/8/layout/hierarchy2"/>
+    <dgm:cxn modelId="{095B8A3E-8CE8-D34E-A4F5-36A1FD96AD88}" type="presOf" srcId="{D7DC71AE-4839-BB4D-ACA9-1C715435401E}" destId="{7AFC9442-3B26-FB40-8689-337555D15B12}" srcOrd="1" destOrd="0" presId="urn:microsoft.com/office/officeart/2005/8/layout/hierarchy2"/>
+    <dgm:cxn modelId="{E8AD638A-BFA4-8345-9545-7D812C6640D3}" type="presOf" srcId="{D7DC71AE-4839-BB4D-ACA9-1C715435401E}" destId="{01D42800-5AE5-F640-B010-06A7BC3021C5}" srcOrd="0" destOrd="0" presId="urn:microsoft.com/office/officeart/2005/8/layout/hierarchy2"/>
+    <dgm:cxn modelId="{E2891BD5-C779-984B-BED9-41A70EE25B44}" type="presOf" srcId="{E4611E39-EC01-3848-B167-EF2DC9058A6C}" destId="{D10A89A7-21E3-054D-B77E-57F113F7384D}" srcOrd="0" destOrd="0" presId="urn:microsoft.com/office/officeart/2005/8/layout/hierarchy2"/>
+    <dgm:cxn modelId="{E144ABB4-DC4B-5244-B7A0-18443582332B}" type="presOf" srcId="{E4A029B8-2B6F-FB49-AFDC-46B3F8CB6A15}" destId="{9D50FAA2-D37E-1343-9037-B600EE9252CC}" srcOrd="1" destOrd="0" presId="urn:microsoft.com/office/officeart/2005/8/layout/hierarchy2"/>
+    <dgm:cxn modelId="{1284A072-8B50-E740-ACD4-DC6AF6834BCD}" type="presOf" srcId="{4BB084B3-2367-D94B-8181-253B52688B82}" destId="{CF561348-48C2-6C49-9851-4F2E9F399A2E}" srcOrd="1" destOrd="0" presId="urn:microsoft.com/office/officeart/2005/8/layout/hierarchy2"/>
     <dgm:cxn modelId="{CBF86214-2DB9-2947-B05F-D22D00BAB8E9}" type="presOf" srcId="{80F20F8C-217F-314A-901A-1B2AFC17FF79}" destId="{58CB3291-805C-4B41-89EE-E0092F8FBA39}" srcOrd="0" destOrd="0" presId="urn:microsoft.com/office/officeart/2005/8/layout/hierarchy2"/>
-    <dgm:cxn modelId="{C8F65DF2-103E-424B-AC4B-345AEF3133D3}" type="presOf" srcId="{5964B47B-9DB7-9C42-B829-0211C4690181}" destId="{8E6E0CC7-BF5C-1A42-9E5E-EB18ED51D422}" srcOrd="0" destOrd="0" presId="urn:microsoft.com/office/officeart/2005/8/layout/hierarchy2"/>
-    <dgm:cxn modelId="{E2891BD5-C779-984B-BED9-41A70EE25B44}" type="presOf" srcId="{E4611E39-EC01-3848-B167-EF2DC9058A6C}" destId="{D10A89A7-21E3-054D-B77E-57F113F7384D}" srcOrd="0" destOrd="0" presId="urn:microsoft.com/office/officeart/2005/8/layout/hierarchy2"/>
-    <dgm:cxn modelId="{095B8A3E-8CE8-D34E-A4F5-36A1FD96AD88}" type="presOf" srcId="{D7DC71AE-4839-BB4D-ACA9-1C715435401E}" destId="{7AFC9442-3B26-FB40-8689-337555D15B12}" srcOrd="1" destOrd="0" presId="urn:microsoft.com/office/officeart/2005/8/layout/hierarchy2"/>
     <dgm:cxn modelId="{1CEC21DE-6BC8-8A45-B325-405F3837D120}" srcId="{D12ED54D-71F7-BD42-ACE7-1CD452727C92}" destId="{5964B47B-9DB7-9C42-B829-0211C4690181}" srcOrd="0" destOrd="0" parTransId="{D7DC71AE-4839-BB4D-ACA9-1C715435401E}" sibTransId="{0A9FCB3C-24F6-E848-9049-AD31E1BB861B}"/>
-    <dgm:cxn modelId="{E144ABB4-DC4B-5244-B7A0-18443582332B}" type="presOf" srcId="{E4A029B8-2B6F-FB49-AFDC-46B3F8CB6A15}" destId="{9D50FAA2-D37E-1343-9037-B600EE9252CC}" srcOrd="1" destOrd="0" presId="urn:microsoft.com/office/officeart/2005/8/layout/hierarchy2"/>
-    <dgm:cxn modelId="{676707AF-6D3E-3743-9D2C-4203A98F0104}" srcId="{5964B47B-9DB7-9C42-B829-0211C4690181}" destId="{9212E29F-8A5F-DF43-A56E-7F81C1E0926C}" srcOrd="0" destOrd="0" parTransId="{AB504391-A61E-3840-9B2E-CECB851F6995}" sibTransId="{43A5A08A-FCD5-C54D-8EB9-B6617286DD05}"/>
-    <dgm:cxn modelId="{B1CB31B9-D137-F840-A7B1-A58084C72ED4}" type="presOf" srcId="{D12ED54D-71F7-BD42-ACE7-1CD452727C92}" destId="{FD5B1B3C-AB96-E046-976B-F45A89F9BCBE}" srcOrd="0" destOrd="0" presId="urn:microsoft.com/office/officeart/2005/8/layout/hierarchy2"/>
-    <dgm:cxn modelId="{6BB51026-251C-C242-8CCA-FAEAB3FC94EB}" type="presOf" srcId="{D477F212-D871-E644-B686-717662BFACD5}" destId="{69BFEC7D-17B3-454B-8C51-7CC6D7D3E93A}" srcOrd="0" destOrd="0" presId="urn:microsoft.com/office/officeart/2005/8/layout/hierarchy2"/>
-    <dgm:cxn modelId="{B42CF1B9-8F87-3C41-B07D-FCABF63FB50E}" srcId="{594679C3-CCD9-A543-9B6F-B2106ACF4732}" destId="{D12ED54D-71F7-BD42-ACE7-1CD452727C92}" srcOrd="0" destOrd="0" parTransId="{3C5BC1AC-18FA-F242-B620-CD077603D958}" sibTransId="{AD8D57A4-1968-504A-AD2C-D8500CACCFD9}"/>
-    <dgm:cxn modelId="{80B03A9C-3091-E04F-94C9-401D7FF2B638}" type="presOf" srcId="{4BB084B3-2367-D94B-8181-253B52688B82}" destId="{3AC6E51B-46C3-FE47-B7A7-11A7F34CCA7D}" srcOrd="0" destOrd="0" presId="urn:microsoft.com/office/officeart/2005/8/layout/hierarchy2"/>
-    <dgm:cxn modelId="{4FCE8FE0-A8D7-6A4F-8777-2C21FE45D553}" type="presOf" srcId="{9D655CBB-3A28-314E-98FC-590C4A1D5629}" destId="{167BAEFD-587A-6C40-A4E5-211B67B739A5}" srcOrd="0" destOrd="0" presId="urn:microsoft.com/office/officeart/2005/8/layout/hierarchy2"/>
-    <dgm:cxn modelId="{31CB884C-087E-364C-992D-0A683DA05711}" type="presOf" srcId="{9212E29F-8A5F-DF43-A56E-7F81C1E0926C}" destId="{35C9C338-5F2F-B644-AFAC-6A42B37E50C4}" srcOrd="0" destOrd="0" presId="urn:microsoft.com/office/officeart/2005/8/layout/hierarchy2"/>
-    <dgm:cxn modelId="{4771E58D-374D-4A4D-8961-B7486C45672C}" srcId="{80F20F8C-217F-314A-901A-1B2AFC17FF79}" destId="{C42969EC-83F2-FF4A-950B-86D8D2C76BAF}" srcOrd="0" destOrd="0" parTransId="{D477F212-D871-E644-B686-717662BFACD5}" sibTransId="{C3BD0A42-492B-E74E-AC08-3C118EB6B264}"/>
-    <dgm:cxn modelId="{CA8BB768-70DD-B347-B79B-2AB90EA65A2D}" type="presOf" srcId="{594679C3-CCD9-A543-9B6F-B2106ACF4732}" destId="{ABB24299-0B5B-A240-8275-526E520BE66C}" srcOrd="0" destOrd="0" presId="urn:microsoft.com/office/officeart/2005/8/layout/hierarchy2"/>
-    <dgm:cxn modelId="{20D2A018-038C-9F49-A1F9-1E8DD8505092}" srcId="{E4611E39-EC01-3848-B167-EF2DC9058A6C}" destId="{80F20F8C-217F-314A-901A-1B2AFC17FF79}" srcOrd="0" destOrd="0" parTransId="{E4A029B8-2B6F-FB49-AFDC-46B3F8CB6A15}" sibTransId="{25F3C08D-76CD-824E-B31D-1AE33DC2694D}"/>
-    <dgm:cxn modelId="{0FE0B655-05B6-1642-A518-82D10683569D}" srcId="{5964B47B-9DB7-9C42-B829-0211C4690181}" destId="{F03AFE40-84D6-AE40-A5C8-7A3801927078}" srcOrd="1" destOrd="0" parTransId="{4BB084B3-2367-D94B-8181-253B52688B82}" sibTransId="{9742CB99-E961-9943-B339-B2B9AB424815}"/>
-    <dgm:cxn modelId="{145E16CA-00EF-AE41-9B87-4DE25268454E}" type="presOf" srcId="{C42969EC-83F2-FF4A-950B-86D8D2C76BAF}" destId="{2608AEFA-D68D-F648-AAA8-3CD59051789B}" srcOrd="0" destOrd="0" presId="urn:microsoft.com/office/officeart/2005/8/layout/hierarchy2"/>
-    <dgm:cxn modelId="{8E6BC0E5-4F1B-6445-A41F-1C4129F35990}" srcId="{D12ED54D-71F7-BD42-ACE7-1CD452727C92}" destId="{E4611E39-EC01-3848-B167-EF2DC9058A6C}" srcOrd="1" destOrd="0" parTransId="{9D655CBB-3A28-314E-98FC-590C4A1D5629}" sibTransId="{533146C2-268F-594E-9AA9-C899EDF5F2D1}"/>
-    <dgm:cxn modelId="{545D0ABD-AE63-1A4A-A7D2-7D27F95D5553}" type="presOf" srcId="{9D655CBB-3A28-314E-98FC-590C4A1D5629}" destId="{8860D0E4-CB42-594E-BA8A-E0B1B6C4E52D}" srcOrd="1" destOrd="0" presId="urn:microsoft.com/office/officeart/2005/8/layout/hierarchy2"/>
-    <dgm:cxn modelId="{C9B96947-A490-194E-923C-E5FC0A42C197}" type="presOf" srcId="{AB504391-A61E-3840-9B2E-CECB851F6995}" destId="{EF04CBAA-1EA6-1D44-88FB-4C5D29FA81A5}" srcOrd="0" destOrd="0" presId="urn:microsoft.com/office/officeart/2005/8/layout/hierarchy2"/>
-    <dgm:cxn modelId="{1284A072-8B50-E740-ACD4-DC6AF6834BCD}" type="presOf" srcId="{4BB084B3-2367-D94B-8181-253B52688B82}" destId="{CF561348-48C2-6C49-9851-4F2E9F399A2E}" srcOrd="1" destOrd="0" presId="urn:microsoft.com/office/officeart/2005/8/layout/hierarchy2"/>
-    <dgm:cxn modelId="{46BCB224-5009-5C4A-8777-BD1249BF2234}" type="presOf" srcId="{F03AFE40-84D6-AE40-A5C8-7A3801927078}" destId="{DDC23D12-AAC6-574F-8D9D-BFFE7307DBC8}" srcOrd="0" destOrd="0" presId="urn:microsoft.com/office/officeart/2005/8/layout/hierarchy2"/>
-    <dgm:cxn modelId="{28567685-D52E-9F49-A86B-5EDCFBD127DE}" type="presOf" srcId="{D477F212-D871-E644-B686-717662BFACD5}" destId="{018F7921-8033-DE44-87F2-138DC3CEEDF2}" srcOrd="1" destOrd="0" presId="urn:microsoft.com/office/officeart/2005/8/layout/hierarchy2"/>
-    <dgm:cxn modelId="{E8AD638A-BFA4-8345-9545-7D812C6640D3}" type="presOf" srcId="{D7DC71AE-4839-BB4D-ACA9-1C715435401E}" destId="{01D42800-5AE5-F640-B010-06A7BC3021C5}" srcOrd="0" destOrd="0" presId="urn:microsoft.com/office/officeart/2005/8/layout/hierarchy2"/>
     <dgm:cxn modelId="{AE6CA621-F29F-0545-B8AA-702D897EC68E}" type="presParOf" srcId="{ABB24299-0B5B-A240-8275-526E520BE66C}" destId="{F4912DDD-7812-E949-AC3A-EE4F9CC64E68}" srcOrd="0" destOrd="0" presId="urn:microsoft.com/office/officeart/2005/8/layout/hierarchy2"/>
     <dgm:cxn modelId="{8F711D31-13F7-A745-A04C-D693DB040CCD}" type="presParOf" srcId="{F4912DDD-7812-E949-AC3A-EE4F9CC64E68}" destId="{FD5B1B3C-AB96-E046-976B-F45A89F9BCBE}" srcOrd="0" destOrd="0" presId="urn:microsoft.com/office/officeart/2005/8/layout/hierarchy2"/>
     <dgm:cxn modelId="{0D170544-883D-8C4C-89BE-0722AA96A16D}" type="presParOf" srcId="{F4912DDD-7812-E949-AC3A-EE4F9CC64E68}" destId="{F740989F-9FAE-B849-854E-8D421A084E94}" srcOrd="1" destOrd="0" presId="urn:microsoft.com/office/officeart/2005/8/layout/hierarchy2"/>
@@ -4133,29 +4133,29 @@
     </dgm:pt>
   </dgm:ptLst>
   <dgm:cxnLst>
-    <dgm:cxn modelId="{8A94105E-B59A-EB48-977C-E3E1F6A3A5A4}" type="presOf" srcId="{AB504391-A61E-3840-9B2E-CECB851F6995}" destId="{EF04CBAA-1EA6-1D44-88FB-4C5D29FA81A5}" srcOrd="0" destOrd="0" presId="urn:microsoft.com/office/officeart/2005/8/layout/hierarchy2"/>
+    <dgm:cxn modelId="{407C2AD4-F465-474D-9552-7F8012785A90}" type="presOf" srcId="{D7DC71AE-4839-BB4D-ACA9-1C715435401E}" destId="{01D42800-5AE5-F640-B010-06A7BC3021C5}" srcOrd="0" destOrd="0" presId="urn:microsoft.com/office/officeart/2005/8/layout/hierarchy2"/>
+    <dgm:cxn modelId="{D307D2ED-0811-EC4C-AB96-D1BEF912C8F0}" type="presOf" srcId="{E4A029B8-2B6F-FB49-AFDC-46B3F8CB6A15}" destId="{2C2CD9E2-5FF8-9943-8AE3-69F6FEF97029}" srcOrd="0" destOrd="0" presId="urn:microsoft.com/office/officeart/2005/8/layout/hierarchy2"/>
+    <dgm:cxn modelId="{E12404C9-9A8F-CE45-A1AA-562F4BE15570}" type="presOf" srcId="{4BB084B3-2367-D94B-8181-253B52688B82}" destId="{CF561348-48C2-6C49-9851-4F2E9F399A2E}" srcOrd="1" destOrd="0" presId="urn:microsoft.com/office/officeart/2005/8/layout/hierarchy2"/>
+    <dgm:cxn modelId="{1CEC21DE-6BC8-8A45-B325-405F3837D120}" srcId="{D12ED54D-71F7-BD42-ACE7-1CD452727C92}" destId="{5964B47B-9DB7-9C42-B829-0211C4690181}" srcOrd="0" destOrd="0" parTransId="{D7DC71AE-4839-BB4D-ACA9-1C715435401E}" sibTransId="{0A9FCB3C-24F6-E848-9049-AD31E1BB861B}"/>
+    <dgm:cxn modelId="{676707AF-6D3E-3743-9D2C-4203A98F0104}" srcId="{5964B47B-9DB7-9C42-B829-0211C4690181}" destId="{9212E29F-8A5F-DF43-A56E-7F81C1E0926C}" srcOrd="0" destOrd="0" parTransId="{AB504391-A61E-3840-9B2E-CECB851F6995}" sibTransId="{43A5A08A-FCD5-C54D-8EB9-B6617286DD05}"/>
+    <dgm:cxn modelId="{5C62FA85-094A-7B4C-8A4B-7D88A3B9B65C}" type="presOf" srcId="{5964B47B-9DB7-9C42-B829-0211C4690181}" destId="{8E6E0CC7-BF5C-1A42-9E5E-EB18ED51D422}" srcOrd="0" destOrd="0" presId="urn:microsoft.com/office/officeart/2005/8/layout/hierarchy2"/>
+    <dgm:cxn modelId="{AADF9F17-9422-6C45-B118-AFD5F25FDBEB}" type="presOf" srcId="{9212E29F-8A5F-DF43-A56E-7F81C1E0926C}" destId="{35C9C338-5F2F-B644-AFAC-6A42B37E50C4}" srcOrd="0" destOrd="0" presId="urn:microsoft.com/office/officeart/2005/8/layout/hierarchy2"/>
+    <dgm:cxn modelId="{678A4FA6-ADCD-5E43-A376-2D275DD155F0}" type="presOf" srcId="{9D655CBB-3A28-314E-98FC-590C4A1D5629}" destId="{167BAEFD-587A-6C40-A4E5-211B67B739A5}" srcOrd="0" destOrd="0" presId="urn:microsoft.com/office/officeart/2005/8/layout/hierarchy2"/>
+    <dgm:cxn modelId="{B42CF1B9-8F87-3C41-B07D-FCABF63FB50E}" srcId="{594679C3-CCD9-A543-9B6F-B2106ACF4732}" destId="{D12ED54D-71F7-BD42-ACE7-1CD452727C92}" srcOrd="0" destOrd="0" parTransId="{3C5BC1AC-18FA-F242-B620-CD077603D958}" sibTransId="{AD8D57A4-1968-504A-AD2C-D8500CACCFD9}"/>
     <dgm:cxn modelId="{D31ADEDC-AAE1-7047-832E-AE9975F89FB3}" type="presOf" srcId="{4BB084B3-2367-D94B-8181-253B52688B82}" destId="{3AC6E51B-46C3-FE47-B7A7-11A7F34CCA7D}" srcOrd="0" destOrd="0" presId="urn:microsoft.com/office/officeart/2005/8/layout/hierarchy2"/>
+    <dgm:cxn modelId="{1176C505-63B0-6342-AE4F-711016D8F860}" type="presOf" srcId="{D12ED54D-71F7-BD42-ACE7-1CD452727C92}" destId="{FD5B1B3C-AB96-E046-976B-F45A89F9BCBE}" srcOrd="0" destOrd="0" presId="urn:microsoft.com/office/officeart/2005/8/layout/hierarchy2"/>
+    <dgm:cxn modelId="{979E1923-43C7-2C4A-8144-834E596F553E}" type="presOf" srcId="{80F20F8C-217F-314A-901A-1B2AFC17FF79}" destId="{58CB3291-805C-4B41-89EE-E0092F8FBA39}" srcOrd="0" destOrd="0" presId="urn:microsoft.com/office/officeart/2005/8/layout/hierarchy2"/>
+    <dgm:cxn modelId="{20D2A018-038C-9F49-A1F9-1E8DD8505092}" srcId="{E4611E39-EC01-3848-B167-EF2DC9058A6C}" destId="{80F20F8C-217F-314A-901A-1B2AFC17FF79}" srcOrd="0" destOrd="0" parTransId="{E4A029B8-2B6F-FB49-AFDC-46B3F8CB6A15}" sibTransId="{25F3C08D-76CD-824E-B31D-1AE33DC2694D}"/>
+    <dgm:cxn modelId="{CFED102F-56D3-AC4F-8BBA-36B428CE2934}" type="presOf" srcId="{594679C3-CCD9-A543-9B6F-B2106ACF4732}" destId="{ABB24299-0B5B-A240-8275-526E520BE66C}" srcOrd="0" destOrd="0" presId="urn:microsoft.com/office/officeart/2005/8/layout/hierarchy2"/>
+    <dgm:cxn modelId="{4BC2007C-FE2D-5C4E-9925-BA84D4DA1364}" type="presOf" srcId="{E4611E39-EC01-3848-B167-EF2DC9058A6C}" destId="{D10A89A7-21E3-054D-B77E-57F113F7384D}" srcOrd="0" destOrd="0" presId="urn:microsoft.com/office/officeart/2005/8/layout/hierarchy2"/>
+    <dgm:cxn modelId="{0FE0B655-05B6-1642-A518-82D10683569D}" srcId="{5964B47B-9DB7-9C42-B829-0211C4690181}" destId="{F03AFE40-84D6-AE40-A5C8-7A3801927078}" srcOrd="1" destOrd="0" parTransId="{4BB084B3-2367-D94B-8181-253B52688B82}" sibTransId="{9742CB99-E961-9943-B339-B2B9AB424815}"/>
+    <dgm:cxn modelId="{594BC574-D482-2547-9FA6-E138BE9D033F}" type="presOf" srcId="{E4A029B8-2B6F-FB49-AFDC-46B3F8CB6A15}" destId="{9D50FAA2-D37E-1343-9037-B600EE9252CC}" srcOrd="1" destOrd="0" presId="urn:microsoft.com/office/officeart/2005/8/layout/hierarchy2"/>
     <dgm:cxn modelId="{8E6BC0E5-4F1B-6445-A41F-1C4129F35990}" srcId="{D12ED54D-71F7-BD42-ACE7-1CD452727C92}" destId="{E4611E39-EC01-3848-B167-EF2DC9058A6C}" srcOrd="1" destOrd="0" parTransId="{9D655CBB-3A28-314E-98FC-590C4A1D5629}" sibTransId="{533146C2-268F-594E-9AA9-C899EDF5F2D1}"/>
-    <dgm:cxn modelId="{5B2DDC29-166E-C244-BE1E-ED48672BA777}" type="presOf" srcId="{F03AFE40-84D6-AE40-A5C8-7A3801927078}" destId="{DDC23D12-AAC6-574F-8D9D-BFFE7307DBC8}" srcOrd="0" destOrd="0" presId="urn:microsoft.com/office/officeart/2005/8/layout/hierarchy2"/>
-    <dgm:cxn modelId="{0FE0B655-05B6-1642-A518-82D10683569D}" srcId="{5964B47B-9DB7-9C42-B829-0211C4690181}" destId="{F03AFE40-84D6-AE40-A5C8-7A3801927078}" srcOrd="1" destOrd="0" parTransId="{4BB084B3-2367-D94B-8181-253B52688B82}" sibTransId="{9742CB99-E961-9943-B339-B2B9AB424815}"/>
-    <dgm:cxn modelId="{678A4FA6-ADCD-5E43-A376-2D275DD155F0}" type="presOf" srcId="{9D655CBB-3A28-314E-98FC-590C4A1D5629}" destId="{167BAEFD-587A-6C40-A4E5-211B67B739A5}" srcOrd="0" destOrd="0" presId="urn:microsoft.com/office/officeart/2005/8/layout/hierarchy2"/>
-    <dgm:cxn modelId="{D307D2ED-0811-EC4C-AB96-D1BEF912C8F0}" type="presOf" srcId="{E4A029B8-2B6F-FB49-AFDC-46B3F8CB6A15}" destId="{2C2CD9E2-5FF8-9943-8AE3-69F6FEF97029}" srcOrd="0" destOrd="0" presId="urn:microsoft.com/office/officeart/2005/8/layout/hierarchy2"/>
-    <dgm:cxn modelId="{676707AF-6D3E-3743-9D2C-4203A98F0104}" srcId="{5964B47B-9DB7-9C42-B829-0211C4690181}" destId="{9212E29F-8A5F-DF43-A56E-7F81C1E0926C}" srcOrd="0" destOrd="0" parTransId="{AB504391-A61E-3840-9B2E-CECB851F6995}" sibTransId="{43A5A08A-FCD5-C54D-8EB9-B6617286DD05}"/>
-    <dgm:cxn modelId="{4BC2007C-FE2D-5C4E-9925-BA84D4DA1364}" type="presOf" srcId="{E4611E39-EC01-3848-B167-EF2DC9058A6C}" destId="{D10A89A7-21E3-054D-B77E-57F113F7384D}" srcOrd="0" destOrd="0" presId="urn:microsoft.com/office/officeart/2005/8/layout/hierarchy2"/>
     <dgm:cxn modelId="{1BAD7D52-D0A7-C846-A918-9BA73DF5B482}" type="presOf" srcId="{D7DC71AE-4839-BB4D-ACA9-1C715435401E}" destId="{7AFC9442-3B26-FB40-8689-337555D15B12}" srcOrd="1" destOrd="0" presId="urn:microsoft.com/office/officeart/2005/8/layout/hierarchy2"/>
     <dgm:cxn modelId="{D49BDED9-2B70-4E4D-A150-D69F67ACA9F6}" type="presOf" srcId="{AB504391-A61E-3840-9B2E-CECB851F6995}" destId="{ECE9B0E1-464F-F945-BD6A-40DBBB5F1700}" srcOrd="1" destOrd="0" presId="urn:microsoft.com/office/officeart/2005/8/layout/hierarchy2"/>
-    <dgm:cxn modelId="{20D2A018-038C-9F49-A1F9-1E8DD8505092}" srcId="{E4611E39-EC01-3848-B167-EF2DC9058A6C}" destId="{80F20F8C-217F-314A-901A-1B2AFC17FF79}" srcOrd="0" destOrd="0" parTransId="{E4A029B8-2B6F-FB49-AFDC-46B3F8CB6A15}" sibTransId="{25F3C08D-76CD-824E-B31D-1AE33DC2694D}"/>
-    <dgm:cxn modelId="{1176C505-63B0-6342-AE4F-711016D8F860}" type="presOf" srcId="{D12ED54D-71F7-BD42-ACE7-1CD452727C92}" destId="{FD5B1B3C-AB96-E046-976B-F45A89F9BCBE}" srcOrd="0" destOrd="0" presId="urn:microsoft.com/office/officeart/2005/8/layout/hierarchy2"/>
-    <dgm:cxn modelId="{B42CF1B9-8F87-3C41-B07D-FCABF63FB50E}" srcId="{594679C3-CCD9-A543-9B6F-B2106ACF4732}" destId="{D12ED54D-71F7-BD42-ACE7-1CD452727C92}" srcOrd="0" destOrd="0" parTransId="{3C5BC1AC-18FA-F242-B620-CD077603D958}" sibTransId="{AD8D57A4-1968-504A-AD2C-D8500CACCFD9}"/>
-    <dgm:cxn modelId="{CFED102F-56D3-AC4F-8BBA-36B428CE2934}" type="presOf" srcId="{594679C3-CCD9-A543-9B6F-B2106ACF4732}" destId="{ABB24299-0B5B-A240-8275-526E520BE66C}" srcOrd="0" destOrd="0" presId="urn:microsoft.com/office/officeart/2005/8/layout/hierarchy2"/>
-    <dgm:cxn modelId="{5C62FA85-094A-7B4C-8A4B-7D88A3B9B65C}" type="presOf" srcId="{5964B47B-9DB7-9C42-B829-0211C4690181}" destId="{8E6E0CC7-BF5C-1A42-9E5E-EB18ED51D422}" srcOrd="0" destOrd="0" presId="urn:microsoft.com/office/officeart/2005/8/layout/hierarchy2"/>
-    <dgm:cxn modelId="{E12404C9-9A8F-CE45-A1AA-562F4BE15570}" type="presOf" srcId="{4BB084B3-2367-D94B-8181-253B52688B82}" destId="{CF561348-48C2-6C49-9851-4F2E9F399A2E}" srcOrd="1" destOrd="0" presId="urn:microsoft.com/office/officeart/2005/8/layout/hierarchy2"/>
-    <dgm:cxn modelId="{979E1923-43C7-2C4A-8144-834E596F553E}" type="presOf" srcId="{80F20F8C-217F-314A-901A-1B2AFC17FF79}" destId="{58CB3291-805C-4B41-89EE-E0092F8FBA39}" srcOrd="0" destOrd="0" presId="urn:microsoft.com/office/officeart/2005/8/layout/hierarchy2"/>
-    <dgm:cxn modelId="{594BC574-D482-2547-9FA6-E138BE9D033F}" type="presOf" srcId="{E4A029B8-2B6F-FB49-AFDC-46B3F8CB6A15}" destId="{9D50FAA2-D37E-1343-9037-B600EE9252CC}" srcOrd="1" destOrd="0" presId="urn:microsoft.com/office/officeart/2005/8/layout/hierarchy2"/>
+    <dgm:cxn modelId="{8A94105E-B59A-EB48-977C-E3E1F6A3A5A4}" type="presOf" srcId="{AB504391-A61E-3840-9B2E-CECB851F6995}" destId="{EF04CBAA-1EA6-1D44-88FB-4C5D29FA81A5}" srcOrd="0" destOrd="0" presId="urn:microsoft.com/office/officeart/2005/8/layout/hierarchy2"/>
+    <dgm:cxn modelId="{5B2DDC29-166E-C244-BE1E-ED48672BA777}" type="presOf" srcId="{F03AFE40-84D6-AE40-A5C8-7A3801927078}" destId="{DDC23D12-AAC6-574F-8D9D-BFFE7307DBC8}" srcOrd="0" destOrd="0" presId="urn:microsoft.com/office/officeart/2005/8/layout/hierarchy2"/>
     <dgm:cxn modelId="{C9954644-8D11-F343-8643-4F64373CC76C}" type="presOf" srcId="{9D655CBB-3A28-314E-98FC-590C4A1D5629}" destId="{8860D0E4-CB42-594E-BA8A-E0B1B6C4E52D}" srcOrd="1" destOrd="0" presId="urn:microsoft.com/office/officeart/2005/8/layout/hierarchy2"/>
-    <dgm:cxn modelId="{AADF9F17-9422-6C45-B118-AFD5F25FDBEB}" type="presOf" srcId="{9212E29F-8A5F-DF43-A56E-7F81C1E0926C}" destId="{35C9C338-5F2F-B644-AFAC-6A42B37E50C4}" srcOrd="0" destOrd="0" presId="urn:microsoft.com/office/officeart/2005/8/layout/hierarchy2"/>
-    <dgm:cxn modelId="{407C2AD4-F465-474D-9552-7F8012785A90}" type="presOf" srcId="{D7DC71AE-4839-BB4D-ACA9-1C715435401E}" destId="{01D42800-5AE5-F640-B010-06A7BC3021C5}" srcOrd="0" destOrd="0" presId="urn:microsoft.com/office/officeart/2005/8/layout/hierarchy2"/>
-    <dgm:cxn modelId="{1CEC21DE-6BC8-8A45-B325-405F3837D120}" srcId="{D12ED54D-71F7-BD42-ACE7-1CD452727C92}" destId="{5964B47B-9DB7-9C42-B829-0211C4690181}" srcOrd="0" destOrd="0" parTransId="{D7DC71AE-4839-BB4D-ACA9-1C715435401E}" sibTransId="{0A9FCB3C-24F6-E848-9049-AD31E1BB861B}"/>
     <dgm:cxn modelId="{59DE37E2-DC95-1144-B8B8-CBDDBFFEE724}" type="presParOf" srcId="{ABB24299-0B5B-A240-8275-526E520BE66C}" destId="{F4912DDD-7812-E949-AC3A-EE4F9CC64E68}" srcOrd="0" destOrd="0" presId="urn:microsoft.com/office/officeart/2005/8/layout/hierarchy2"/>
     <dgm:cxn modelId="{7F7B8292-02DF-E74B-BA99-A1ED86C09CB6}" type="presParOf" srcId="{F4912DDD-7812-E949-AC3A-EE4F9CC64E68}" destId="{FD5B1B3C-AB96-E046-976B-F45A89F9BCBE}" srcOrd="0" destOrd="0" presId="urn:microsoft.com/office/officeart/2005/8/layout/hierarchy2"/>
     <dgm:cxn modelId="{D764D7F5-727C-A540-B361-1DE8146C7137}" type="presParOf" srcId="{F4912DDD-7812-E949-AC3A-EE4F9CC64E68}" destId="{F740989F-9FAE-B849-854E-8D421A084E94}" srcOrd="1" destOrd="0" presId="urn:microsoft.com/office/officeart/2005/8/layout/hierarchy2"/>
@@ -11247,7 +11247,7 @@
           <a:p>
             <a:fld id="{07C89E97-5434-9C4E-B6E5-C9F9FBA5FCE1}" type="datetimeFigureOut">
               <a:rPr kumimoji="1" lang="ja-JP" altLang="en-US" smtClean="0"/>
-              <a:t>2014/10/12</a:t>
+              <a:t>2014/10/13</a:t>
             </a:fld>
             <a:endParaRPr kumimoji="1" lang="ja-JP" altLang="en-US"/>
           </a:p>
@@ -11916,7 +11916,7 @@
           <a:p>
             <a:fld id="{8E38DBD1-F25C-9E4F-851F-C78CA3583CBD}" type="datetimeFigureOut">
               <a:rPr kumimoji="1" lang="ja-JP" altLang="en-US" smtClean="0"/>
-              <a:t>2014/10/12</a:t>
+              <a:t>2014/10/13</a:t>
             </a:fld>
             <a:endParaRPr kumimoji="1" lang="ja-JP" altLang="en-US"/>
           </a:p>
@@ -12118,7 +12118,7 @@
           <a:p>
             <a:fld id="{8E38DBD1-F25C-9E4F-851F-C78CA3583CBD}" type="datetimeFigureOut">
               <a:rPr kumimoji="1" lang="ja-JP" altLang="en-US" smtClean="0"/>
-              <a:t>2014/10/12</a:t>
+              <a:t>2014/10/13</a:t>
             </a:fld>
             <a:endParaRPr kumimoji="1" lang="ja-JP" altLang="en-US"/>
           </a:p>
@@ -12330,7 +12330,7 @@
           <a:p>
             <a:fld id="{8E38DBD1-F25C-9E4F-851F-C78CA3583CBD}" type="datetimeFigureOut">
               <a:rPr kumimoji="1" lang="ja-JP" altLang="en-US" smtClean="0"/>
-              <a:t>2014/10/12</a:t>
+              <a:t>2014/10/13</a:t>
             </a:fld>
             <a:endParaRPr kumimoji="1" lang="ja-JP" altLang="en-US"/>
           </a:p>
@@ -12532,7 +12532,7 @@
           <a:p>
             <a:fld id="{8E38DBD1-F25C-9E4F-851F-C78CA3583CBD}" type="datetimeFigureOut">
               <a:rPr kumimoji="1" lang="ja-JP" altLang="en-US" smtClean="0"/>
-              <a:t>2014/10/12</a:t>
+              <a:t>2014/10/13</a:t>
             </a:fld>
             <a:endParaRPr kumimoji="1" lang="ja-JP" altLang="en-US"/>
           </a:p>
@@ -12778,7 +12778,7 @@
           <a:p>
             <a:fld id="{8E38DBD1-F25C-9E4F-851F-C78CA3583CBD}" type="datetimeFigureOut">
               <a:rPr kumimoji="1" lang="ja-JP" altLang="en-US" smtClean="0"/>
-              <a:t>2014/10/12</a:t>
+              <a:t>2014/10/13</a:t>
             </a:fld>
             <a:endParaRPr kumimoji="1" lang="ja-JP" altLang="en-US"/>
           </a:p>
@@ -13130,7 +13130,7 @@
           <a:p>
             <a:fld id="{8E38DBD1-F25C-9E4F-851F-C78CA3583CBD}" type="datetimeFigureOut">
               <a:rPr kumimoji="1" lang="ja-JP" altLang="en-US" smtClean="0"/>
-              <a:t>2014/10/12</a:t>
+              <a:t>2014/10/13</a:t>
             </a:fld>
             <a:endParaRPr kumimoji="1" lang="ja-JP" altLang="en-US"/>
           </a:p>
@@ -13616,7 +13616,7 @@
           <a:p>
             <a:fld id="{8E38DBD1-F25C-9E4F-851F-C78CA3583CBD}" type="datetimeFigureOut">
               <a:rPr kumimoji="1" lang="ja-JP" altLang="en-US" smtClean="0"/>
-              <a:t>2014/10/12</a:t>
+              <a:t>2014/10/13</a:t>
             </a:fld>
             <a:endParaRPr kumimoji="1" lang="ja-JP" altLang="en-US"/>
           </a:p>
@@ -13734,7 +13734,7 @@
           <a:p>
             <a:fld id="{8E38DBD1-F25C-9E4F-851F-C78CA3583CBD}" type="datetimeFigureOut">
               <a:rPr kumimoji="1" lang="ja-JP" altLang="en-US" smtClean="0"/>
-              <a:t>2014/10/12</a:t>
+              <a:t>2014/10/13</a:t>
             </a:fld>
             <a:endParaRPr kumimoji="1" lang="ja-JP" altLang="en-US"/>
           </a:p>
@@ -13829,7 +13829,7 @@
           <a:p>
             <a:fld id="{8E38DBD1-F25C-9E4F-851F-C78CA3583CBD}" type="datetimeFigureOut">
               <a:rPr kumimoji="1" lang="ja-JP" altLang="en-US" smtClean="0"/>
-              <a:t>2014/10/12</a:t>
+              <a:t>2014/10/13</a:t>
             </a:fld>
             <a:endParaRPr kumimoji="1" lang="ja-JP" altLang="en-US"/>
           </a:p>
@@ -14138,7 +14138,7 @@
           <a:p>
             <a:fld id="{8E38DBD1-F25C-9E4F-851F-C78CA3583CBD}" type="datetimeFigureOut">
               <a:rPr kumimoji="1" lang="ja-JP" altLang="en-US" smtClean="0"/>
-              <a:t>2014/10/12</a:t>
+              <a:t>2014/10/13</a:t>
             </a:fld>
             <a:endParaRPr kumimoji="1" lang="ja-JP" altLang="en-US"/>
           </a:p>
@@ -14391,7 +14391,7 @@
           <a:p>
             <a:fld id="{8E38DBD1-F25C-9E4F-851F-C78CA3583CBD}" type="datetimeFigureOut">
               <a:rPr kumimoji="1" lang="ja-JP" altLang="en-US" smtClean="0"/>
-              <a:t>2014/10/12</a:t>
+              <a:t>2014/10/13</a:t>
             </a:fld>
             <a:endParaRPr kumimoji="1" lang="ja-JP" altLang="en-US"/>
           </a:p>
@@ -14636,7 +14636,7 @@
           <a:p>
             <a:fld id="{8E38DBD1-F25C-9E4F-851F-C78CA3583CBD}" type="datetimeFigureOut">
               <a:rPr kumimoji="1" lang="ja-JP" altLang="en-US" smtClean="0"/>
-              <a:t>2014/10/12</a:t>
+              <a:t>2014/10/13</a:t>
             </a:fld>
             <a:endParaRPr kumimoji="1" lang="ja-JP" altLang="en-US"/>
           </a:p>
@@ -15972,11 +15972,7 @@
             </a:r>
             <a:r>
               <a:rPr lang="ja-JP" altLang="en-US" dirty="0" smtClean="0"/>
-              <a:t>が必要でどれが</a:t>
-            </a:r>
-            <a:r>
-              <a:rPr lang="ja-JP" altLang="en-US" dirty="0" smtClean="0"/>
-              <a:t>必要</a:t>
+              <a:t>が必要でどれが必要</a:t>
             </a:r>
             <a:r>
               <a:rPr lang="en-US" altLang="ja-JP" dirty="0" err="1" smtClean="0"/>
@@ -16130,15 +16126,7 @@
             <a:pPr lvl="2"/>
             <a:r>
               <a:rPr lang="ja-JP" altLang="en-US" dirty="0" smtClean="0"/>
-              <a:t>ブロック</a:t>
-            </a:r>
-            <a:r>
-              <a:rPr lang="ja-JP" altLang="en-US" dirty="0" smtClean="0"/>
-              <a:t>ダイアグラム</a:t>
-            </a:r>
-            <a:r>
-              <a:rPr lang="ja-JP" altLang="en-US" dirty="0" smtClean="0"/>
-              <a:t>に</a:t>
+              <a:t>ブロックダイアグラムに</a:t>
             </a:r>
             <a:r>
               <a:rPr lang="ja-JP" altLang="en-US" dirty="0"/>
@@ -16162,11 +16150,7 @@
             </a:r>
             <a:r>
               <a:rPr lang="ja-JP" altLang="en-US" dirty="0" smtClean="0"/>
-              <a:t>理解</a:t>
-            </a:r>
-            <a:r>
-              <a:rPr lang="ja-JP" altLang="en-US" dirty="0" smtClean="0"/>
-              <a:t>しにくい。</a:t>
+              <a:t>理解しにくい。</a:t>
             </a:r>
             <a:endParaRPr lang="en-US" altLang="ja-JP" dirty="0" smtClean="0"/>
           </a:p>
@@ -16322,719 +16306,749 @@
           </a:p>
         </p:txBody>
       </p:sp>
-      <p:sp>
-        <p:nvSpPr>
-          <p:cNvPr id="4" name="正方形/長方形 3"/>
-          <p:cNvSpPr/>
+      <p:grpSp>
+        <p:nvGrpSpPr>
+          <p:cNvPr id="8" name="図形グループ 7"/>
+          <p:cNvGrpSpPr/>
           <p:nvPr/>
-        </p:nvSpPr>
-        <p:spPr>
+        </p:nvGrpSpPr>
+        <p:grpSpPr>
           <a:xfrm>
             <a:off x="1138666" y="2817656"/>
-            <a:ext cx="992683" cy="540173"/>
+            <a:ext cx="6540031" cy="540173"/>
+            <a:chOff x="1138666" y="2817656"/>
+            <a:chExt cx="6540031" cy="540173"/>
           </a:xfrm>
-          <a:prstGeom prst="rect">
-            <a:avLst/>
-          </a:prstGeom>
-        </p:spPr>
-        <p:style>
-          <a:lnRef idx="1">
-            <a:schemeClr val="accent1"/>
-          </a:lnRef>
-          <a:fillRef idx="3">
-            <a:schemeClr val="accent1"/>
-          </a:fillRef>
-          <a:effectRef idx="2">
-            <a:schemeClr val="accent1"/>
-          </a:effectRef>
-          <a:fontRef idx="minor">
-            <a:schemeClr val="lt1"/>
-          </a:fontRef>
-        </p:style>
-        <p:txBody>
-          <a:bodyPr rtlCol="0" anchor="ctr"/>
-          <a:lstStyle/>
-          <a:p>
-            <a:pPr algn="ctr"/>
-            <a:r>
-              <a:rPr kumimoji="1" lang="ja-JP" altLang="en-US" dirty="0" smtClean="0"/>
-              <a:t>入力</a:t>
-            </a:r>
-            <a:endParaRPr kumimoji="1" lang="ja-JP" altLang="en-US" dirty="0"/>
-          </a:p>
-        </p:txBody>
-      </p:sp>
-      <p:sp>
-        <p:nvSpPr>
-          <p:cNvPr id="5" name="正方形/長方形 4"/>
-          <p:cNvSpPr/>
+        </p:grpSpPr>
+        <p:sp>
+          <p:nvSpPr>
+            <p:cNvPr id="4" name="正方形/長方形 3"/>
+            <p:cNvSpPr/>
+            <p:nvPr/>
+          </p:nvSpPr>
+          <p:spPr>
+            <a:xfrm>
+              <a:off x="1138666" y="2817656"/>
+              <a:ext cx="992683" cy="540173"/>
+            </a:xfrm>
+            <a:prstGeom prst="rect">
+              <a:avLst/>
+            </a:prstGeom>
+          </p:spPr>
+          <p:style>
+            <a:lnRef idx="1">
+              <a:schemeClr val="accent1"/>
+            </a:lnRef>
+            <a:fillRef idx="3">
+              <a:schemeClr val="accent1"/>
+            </a:fillRef>
+            <a:effectRef idx="2">
+              <a:schemeClr val="accent1"/>
+            </a:effectRef>
+            <a:fontRef idx="minor">
+              <a:schemeClr val="lt1"/>
+            </a:fontRef>
+          </p:style>
+          <p:txBody>
+            <a:bodyPr rtlCol="0" anchor="ctr"/>
+            <a:lstStyle/>
+            <a:p>
+              <a:pPr algn="ctr"/>
+              <a:r>
+                <a:rPr kumimoji="1" lang="ja-JP" altLang="en-US" dirty="0" smtClean="0"/>
+                <a:t>入力</a:t>
+              </a:r>
+              <a:endParaRPr kumimoji="1" lang="ja-JP" altLang="en-US" dirty="0"/>
+            </a:p>
+          </p:txBody>
+        </p:sp>
+        <p:sp>
+          <p:nvSpPr>
+            <p:cNvPr id="5" name="正方形/長方形 4"/>
+            <p:cNvSpPr/>
+            <p:nvPr/>
+          </p:nvSpPr>
+          <p:spPr>
+            <a:xfrm>
+              <a:off x="2861264" y="2817656"/>
+              <a:ext cx="1080273" cy="540173"/>
+            </a:xfrm>
+            <a:prstGeom prst="rect">
+              <a:avLst/>
+            </a:prstGeom>
+          </p:spPr>
+          <p:style>
+            <a:lnRef idx="1">
+              <a:schemeClr val="accent1"/>
+            </a:lnRef>
+            <a:fillRef idx="3">
+              <a:schemeClr val="accent1"/>
+            </a:fillRef>
+            <a:effectRef idx="2">
+              <a:schemeClr val="accent1"/>
+            </a:effectRef>
+            <a:fontRef idx="minor">
+              <a:schemeClr val="lt1"/>
+            </a:fontRef>
+          </p:style>
+          <p:txBody>
+            <a:bodyPr rtlCol="0" anchor="ctr"/>
+            <a:lstStyle/>
+            <a:p>
+              <a:pPr algn="ctr"/>
+              <a:r>
+                <a:rPr kumimoji="1" lang="ja-JP" altLang="en-US" dirty="0" smtClean="0"/>
+                <a:t>処理１</a:t>
+              </a:r>
+              <a:endParaRPr kumimoji="1" lang="ja-JP" altLang="en-US" dirty="0"/>
+            </a:p>
+          </p:txBody>
+        </p:sp>
+        <p:sp>
+          <p:nvSpPr>
+            <p:cNvPr id="6" name="正方形/長方形 5"/>
+            <p:cNvSpPr/>
+            <p:nvPr/>
+          </p:nvSpPr>
+          <p:spPr>
+            <a:xfrm>
+              <a:off x="4686049" y="2817656"/>
+              <a:ext cx="1036478" cy="540173"/>
+            </a:xfrm>
+            <a:prstGeom prst="rect">
+              <a:avLst/>
+            </a:prstGeom>
+          </p:spPr>
+          <p:style>
+            <a:lnRef idx="1">
+              <a:schemeClr val="accent1"/>
+            </a:lnRef>
+            <a:fillRef idx="3">
+              <a:schemeClr val="accent1"/>
+            </a:fillRef>
+            <a:effectRef idx="2">
+              <a:schemeClr val="accent1"/>
+            </a:effectRef>
+            <a:fontRef idx="minor">
+              <a:schemeClr val="lt1"/>
+            </a:fontRef>
+          </p:style>
+          <p:txBody>
+            <a:bodyPr rtlCol="0" anchor="ctr"/>
+            <a:lstStyle/>
+            <a:p>
+              <a:pPr algn="ctr"/>
+              <a:r>
+                <a:rPr kumimoji="1" lang="ja-JP" altLang="en-US" dirty="0" smtClean="0"/>
+                <a:t>処理２</a:t>
+              </a:r>
+              <a:endParaRPr kumimoji="1" lang="ja-JP" altLang="en-US" dirty="0"/>
+            </a:p>
+          </p:txBody>
+        </p:sp>
+        <p:sp>
+          <p:nvSpPr>
+            <p:cNvPr id="7" name="正方形/長方形 6"/>
+            <p:cNvSpPr/>
+            <p:nvPr/>
+          </p:nvSpPr>
+          <p:spPr>
+            <a:xfrm>
+              <a:off x="6613023" y="2817656"/>
+              <a:ext cx="1065674" cy="540173"/>
+            </a:xfrm>
+            <a:prstGeom prst="rect">
+              <a:avLst/>
+            </a:prstGeom>
+          </p:spPr>
+          <p:style>
+            <a:lnRef idx="1">
+              <a:schemeClr val="accent1"/>
+            </a:lnRef>
+            <a:fillRef idx="3">
+              <a:schemeClr val="accent1"/>
+            </a:fillRef>
+            <a:effectRef idx="2">
+              <a:schemeClr val="accent1"/>
+            </a:effectRef>
+            <a:fontRef idx="minor">
+              <a:schemeClr val="lt1"/>
+            </a:fontRef>
+          </p:style>
+          <p:txBody>
+            <a:bodyPr rtlCol="0" anchor="ctr"/>
+            <a:lstStyle/>
+            <a:p>
+              <a:pPr algn="ctr"/>
+              <a:r>
+                <a:rPr kumimoji="1" lang="ja-JP" altLang="en-US" dirty="0" smtClean="0"/>
+                <a:t>出力</a:t>
+              </a:r>
+              <a:endParaRPr kumimoji="1" lang="ja-JP" altLang="en-US" dirty="0"/>
+            </a:p>
+          </p:txBody>
+        </p:sp>
+        <p:cxnSp>
+          <p:nvCxnSpPr>
+            <p:cNvPr id="9" name="直線矢印コネクタ 8"/>
+            <p:cNvCxnSpPr>
+              <a:endCxn id="5" idx="1"/>
+            </p:cNvCxnSpPr>
+            <p:nvPr/>
+          </p:nvCxnSpPr>
+          <p:spPr>
+            <a:xfrm>
+              <a:off x="2131349" y="3065844"/>
+              <a:ext cx="729915" cy="21899"/>
+            </a:xfrm>
+            <a:prstGeom prst="straightConnector1">
+              <a:avLst/>
+            </a:prstGeom>
+            <a:ln>
+              <a:tailEnd type="arrow"/>
+            </a:ln>
+          </p:spPr>
+          <p:style>
+            <a:lnRef idx="2">
+              <a:schemeClr val="accent1"/>
+            </a:lnRef>
+            <a:fillRef idx="0">
+              <a:schemeClr val="accent1"/>
+            </a:fillRef>
+            <a:effectRef idx="1">
+              <a:schemeClr val="accent1"/>
+            </a:effectRef>
+            <a:fontRef idx="minor">
+              <a:schemeClr val="tx1"/>
+            </a:fontRef>
+          </p:style>
+        </p:cxnSp>
+        <p:cxnSp>
+          <p:nvCxnSpPr>
+            <p:cNvPr id="12" name="直線矢印コネクタ 11"/>
+            <p:cNvCxnSpPr>
+              <a:stCxn id="5" idx="3"/>
+              <a:endCxn id="6" idx="1"/>
+            </p:cNvCxnSpPr>
+            <p:nvPr/>
+          </p:nvCxnSpPr>
+          <p:spPr>
+            <a:xfrm>
+              <a:off x="3941537" y="3087743"/>
+              <a:ext cx="744512" cy="0"/>
+            </a:xfrm>
+            <a:prstGeom prst="straightConnector1">
+              <a:avLst/>
+            </a:prstGeom>
+            <a:ln>
+              <a:tailEnd type="arrow"/>
+            </a:ln>
+          </p:spPr>
+          <p:style>
+            <a:lnRef idx="2">
+              <a:schemeClr val="accent1"/>
+            </a:lnRef>
+            <a:fillRef idx="0">
+              <a:schemeClr val="accent1"/>
+            </a:fillRef>
+            <a:effectRef idx="1">
+              <a:schemeClr val="accent1"/>
+            </a:effectRef>
+            <a:fontRef idx="minor">
+              <a:schemeClr val="tx1"/>
+            </a:fontRef>
+          </p:style>
+        </p:cxnSp>
+        <p:cxnSp>
+          <p:nvCxnSpPr>
+            <p:cNvPr id="14" name="直線矢印コネクタ 13"/>
+            <p:cNvCxnSpPr>
+              <a:stCxn id="6" idx="3"/>
+              <a:endCxn id="7" idx="1"/>
+            </p:cNvCxnSpPr>
+            <p:nvPr/>
+          </p:nvCxnSpPr>
+          <p:spPr>
+            <a:xfrm>
+              <a:off x="5722527" y="3087743"/>
+              <a:ext cx="890496" cy="0"/>
+            </a:xfrm>
+            <a:prstGeom prst="straightConnector1">
+              <a:avLst/>
+            </a:prstGeom>
+            <a:ln>
+              <a:tailEnd type="arrow"/>
+            </a:ln>
+          </p:spPr>
+          <p:style>
+            <a:lnRef idx="2">
+              <a:schemeClr val="accent1"/>
+            </a:lnRef>
+            <a:fillRef idx="0">
+              <a:schemeClr val="accent1"/>
+            </a:fillRef>
+            <a:effectRef idx="1">
+              <a:schemeClr val="accent1"/>
+            </a:effectRef>
+            <a:fontRef idx="minor">
+              <a:schemeClr val="tx1"/>
+            </a:fontRef>
+          </p:style>
+        </p:cxnSp>
+      </p:grpSp>
+      <p:grpSp>
+        <p:nvGrpSpPr>
+          <p:cNvPr id="10" name="図形グループ 9"/>
+          <p:cNvGrpSpPr/>
           <p:nvPr/>
-        </p:nvSpPr>
-        <p:spPr>
+        </p:nvGrpSpPr>
+        <p:grpSpPr>
           <a:xfrm>
-            <a:off x="2861264" y="2817656"/>
-            <a:ext cx="1080273" cy="540173"/>
+            <a:off x="1138666" y="4496571"/>
+            <a:ext cx="4583861" cy="1897903"/>
+            <a:chOff x="1138666" y="4496571"/>
+            <a:chExt cx="4583861" cy="1897903"/>
           </a:xfrm>
-          <a:prstGeom prst="rect">
-            <a:avLst/>
-          </a:prstGeom>
-        </p:spPr>
-        <p:style>
-          <a:lnRef idx="1">
-            <a:schemeClr val="accent1"/>
-          </a:lnRef>
-          <a:fillRef idx="3">
-            <a:schemeClr val="accent1"/>
-          </a:fillRef>
-          <a:effectRef idx="2">
-            <a:schemeClr val="accent1"/>
-          </a:effectRef>
-          <a:fontRef idx="minor">
-            <a:schemeClr val="lt1"/>
-          </a:fontRef>
-        </p:style>
-        <p:txBody>
-          <a:bodyPr rtlCol="0" anchor="ctr"/>
-          <a:lstStyle/>
-          <a:p>
-            <a:pPr algn="ctr"/>
-            <a:r>
-              <a:rPr kumimoji="1" lang="ja-JP" altLang="en-US" dirty="0" smtClean="0"/>
-              <a:t>処理１</a:t>
-            </a:r>
-            <a:endParaRPr kumimoji="1" lang="ja-JP" altLang="en-US" dirty="0"/>
-          </a:p>
-        </p:txBody>
-      </p:sp>
-      <p:sp>
-        <p:nvSpPr>
-          <p:cNvPr id="6" name="正方形/長方形 5"/>
-          <p:cNvSpPr/>
-          <p:nvPr/>
-        </p:nvSpPr>
-        <p:spPr>
-          <a:xfrm>
-            <a:off x="4686049" y="2817656"/>
-            <a:ext cx="1036478" cy="540173"/>
-          </a:xfrm>
-          <a:prstGeom prst="rect">
-            <a:avLst/>
-          </a:prstGeom>
-        </p:spPr>
-        <p:style>
-          <a:lnRef idx="1">
-            <a:schemeClr val="accent1"/>
-          </a:lnRef>
-          <a:fillRef idx="3">
-            <a:schemeClr val="accent1"/>
-          </a:fillRef>
-          <a:effectRef idx="2">
-            <a:schemeClr val="accent1"/>
-          </a:effectRef>
-          <a:fontRef idx="minor">
-            <a:schemeClr val="lt1"/>
-          </a:fontRef>
-        </p:style>
-        <p:txBody>
-          <a:bodyPr rtlCol="0" anchor="ctr"/>
-          <a:lstStyle/>
-          <a:p>
-            <a:pPr algn="ctr"/>
-            <a:r>
-              <a:rPr kumimoji="1" lang="ja-JP" altLang="en-US" dirty="0" smtClean="0"/>
-              <a:t>処理２</a:t>
-            </a:r>
-            <a:endParaRPr kumimoji="1" lang="ja-JP" altLang="en-US" dirty="0"/>
-          </a:p>
-        </p:txBody>
-      </p:sp>
-      <p:sp>
-        <p:nvSpPr>
-          <p:cNvPr id="7" name="正方形/長方形 6"/>
-          <p:cNvSpPr/>
-          <p:nvPr/>
-        </p:nvSpPr>
-        <p:spPr>
-          <a:xfrm>
-            <a:off x="6613023" y="2817656"/>
-            <a:ext cx="1065674" cy="540173"/>
-          </a:xfrm>
-          <a:prstGeom prst="rect">
-            <a:avLst/>
-          </a:prstGeom>
-        </p:spPr>
-        <p:style>
-          <a:lnRef idx="1">
-            <a:schemeClr val="accent1"/>
-          </a:lnRef>
-          <a:fillRef idx="3">
-            <a:schemeClr val="accent1"/>
-          </a:fillRef>
-          <a:effectRef idx="2">
-            <a:schemeClr val="accent1"/>
-          </a:effectRef>
-          <a:fontRef idx="minor">
-            <a:schemeClr val="lt1"/>
-          </a:fontRef>
-        </p:style>
-        <p:txBody>
-          <a:bodyPr rtlCol="0" anchor="ctr"/>
-          <a:lstStyle/>
-          <a:p>
-            <a:pPr algn="ctr"/>
-            <a:r>
-              <a:rPr kumimoji="1" lang="ja-JP" altLang="en-US" dirty="0" smtClean="0"/>
-              <a:t>出力</a:t>
-            </a:r>
-            <a:endParaRPr kumimoji="1" lang="ja-JP" altLang="en-US" dirty="0"/>
-          </a:p>
-        </p:txBody>
-      </p:sp>
-      <p:cxnSp>
-        <p:nvCxnSpPr>
-          <p:cNvPr id="9" name="直線矢印コネクタ 8"/>
-          <p:cNvCxnSpPr>
-            <a:endCxn id="5" idx="1"/>
-          </p:cNvCxnSpPr>
-          <p:nvPr/>
-        </p:nvCxnSpPr>
-        <p:spPr>
-          <a:xfrm>
-            <a:off x="2131349" y="3065844"/>
-            <a:ext cx="729915" cy="21899"/>
-          </a:xfrm>
-          <a:prstGeom prst="straightConnector1">
-            <a:avLst/>
-          </a:prstGeom>
-          <a:ln>
-            <a:tailEnd type="arrow"/>
-          </a:ln>
-        </p:spPr>
-        <p:style>
-          <a:lnRef idx="2">
-            <a:schemeClr val="accent1"/>
-          </a:lnRef>
-          <a:fillRef idx="0">
-            <a:schemeClr val="accent1"/>
-          </a:fillRef>
-          <a:effectRef idx="1">
-            <a:schemeClr val="accent1"/>
-          </a:effectRef>
-          <a:fontRef idx="minor">
-            <a:schemeClr val="tx1"/>
-          </a:fontRef>
-        </p:style>
-      </p:cxnSp>
-      <p:cxnSp>
-        <p:nvCxnSpPr>
-          <p:cNvPr id="12" name="直線矢印コネクタ 11"/>
-          <p:cNvCxnSpPr>
-            <a:stCxn id="5" idx="3"/>
-            <a:endCxn id="6" idx="1"/>
-          </p:cNvCxnSpPr>
-          <p:nvPr/>
-        </p:nvCxnSpPr>
-        <p:spPr>
-          <a:xfrm>
-            <a:off x="3941537" y="3087743"/>
-            <a:ext cx="744512" cy="0"/>
-          </a:xfrm>
-          <a:prstGeom prst="straightConnector1">
-            <a:avLst/>
-          </a:prstGeom>
-          <a:ln>
-            <a:tailEnd type="arrow"/>
-          </a:ln>
-        </p:spPr>
-        <p:style>
-          <a:lnRef idx="2">
-            <a:schemeClr val="accent1"/>
-          </a:lnRef>
-          <a:fillRef idx="0">
-            <a:schemeClr val="accent1"/>
-          </a:fillRef>
-          <a:effectRef idx="1">
-            <a:schemeClr val="accent1"/>
-          </a:effectRef>
-          <a:fontRef idx="minor">
-            <a:schemeClr val="tx1"/>
-          </a:fontRef>
-        </p:style>
-      </p:cxnSp>
-      <p:cxnSp>
-        <p:nvCxnSpPr>
-          <p:cNvPr id="14" name="直線矢印コネクタ 13"/>
-          <p:cNvCxnSpPr>
-            <a:stCxn id="6" idx="3"/>
-            <a:endCxn id="7" idx="1"/>
-          </p:cNvCxnSpPr>
-          <p:nvPr/>
-        </p:nvCxnSpPr>
-        <p:spPr>
-          <a:xfrm>
-            <a:off x="5722527" y="3087743"/>
-            <a:ext cx="890496" cy="0"/>
-          </a:xfrm>
-          <a:prstGeom prst="straightConnector1">
-            <a:avLst/>
-          </a:prstGeom>
-          <a:ln>
-            <a:tailEnd type="arrow"/>
-          </a:ln>
-        </p:spPr>
-        <p:style>
-          <a:lnRef idx="2">
-            <a:schemeClr val="accent1"/>
-          </a:lnRef>
-          <a:fillRef idx="0">
-            <a:schemeClr val="accent1"/>
-          </a:fillRef>
-          <a:effectRef idx="1">
-            <a:schemeClr val="accent1"/>
-          </a:effectRef>
-          <a:fontRef idx="minor">
-            <a:schemeClr val="tx1"/>
-          </a:fontRef>
-        </p:style>
-      </p:cxnSp>
-      <p:sp>
-        <p:nvSpPr>
-          <p:cNvPr id="18" name="正方形/長方形 17"/>
-          <p:cNvSpPr/>
-          <p:nvPr/>
-        </p:nvSpPr>
-        <p:spPr>
-          <a:xfrm>
-            <a:off x="1138666" y="5153537"/>
-            <a:ext cx="992683" cy="525573"/>
-          </a:xfrm>
-          <a:prstGeom prst="rect">
-            <a:avLst/>
-          </a:prstGeom>
-        </p:spPr>
-        <p:style>
-          <a:lnRef idx="1">
-            <a:schemeClr val="accent1"/>
-          </a:lnRef>
-          <a:fillRef idx="3">
-            <a:schemeClr val="accent1"/>
-          </a:fillRef>
-          <a:effectRef idx="2">
-            <a:schemeClr val="accent1"/>
-          </a:effectRef>
-          <a:fontRef idx="minor">
-            <a:schemeClr val="lt1"/>
-          </a:fontRef>
-        </p:style>
-        <p:txBody>
-          <a:bodyPr rtlCol="0" anchor="ctr"/>
-          <a:lstStyle/>
-          <a:p>
-            <a:pPr algn="ctr"/>
-            <a:r>
-              <a:rPr kumimoji="1" lang="ja-JP" altLang="en-US" dirty="0" smtClean="0"/>
-              <a:t>入力</a:t>
-            </a:r>
-            <a:endParaRPr kumimoji="1" lang="ja-JP" altLang="en-US" dirty="0"/>
-          </a:p>
-        </p:txBody>
-      </p:sp>
-      <p:sp>
-        <p:nvSpPr>
-          <p:cNvPr id="19" name="正方形/長方形 18"/>
-          <p:cNvSpPr/>
-          <p:nvPr/>
-        </p:nvSpPr>
-        <p:spPr>
-          <a:xfrm>
-            <a:off x="2861264" y="4496571"/>
-            <a:ext cx="1080273" cy="496374"/>
-          </a:xfrm>
-          <a:prstGeom prst="rect">
-            <a:avLst/>
-          </a:prstGeom>
-        </p:spPr>
-        <p:style>
-          <a:lnRef idx="1">
-            <a:schemeClr val="accent1"/>
-          </a:lnRef>
-          <a:fillRef idx="3">
-            <a:schemeClr val="accent1"/>
-          </a:fillRef>
-          <a:effectRef idx="2">
-            <a:schemeClr val="accent1"/>
-          </a:effectRef>
-          <a:fontRef idx="minor">
-            <a:schemeClr val="lt1"/>
-          </a:fontRef>
-        </p:style>
-        <p:txBody>
-          <a:bodyPr rtlCol="0" anchor="ctr"/>
-          <a:lstStyle/>
-          <a:p>
-            <a:pPr algn="ctr"/>
-            <a:r>
-              <a:rPr kumimoji="1" lang="ja-JP" altLang="en-US" dirty="0" smtClean="0"/>
-              <a:t>処理</a:t>
-            </a:r>
-            <a:r>
-              <a:rPr kumimoji="1" lang="en-US" altLang="ja-JP" dirty="0" smtClean="0"/>
-              <a:t>A</a:t>
-            </a:r>
-            <a:endParaRPr kumimoji="1" lang="ja-JP" altLang="en-US" dirty="0"/>
-          </a:p>
-        </p:txBody>
-      </p:sp>
-      <p:sp>
-        <p:nvSpPr>
-          <p:cNvPr id="20" name="正方形/長方形 19"/>
-          <p:cNvSpPr/>
-          <p:nvPr/>
-        </p:nvSpPr>
-        <p:spPr>
-          <a:xfrm>
-            <a:off x="2861264" y="5182737"/>
-            <a:ext cx="1080273" cy="510973"/>
-          </a:xfrm>
-          <a:prstGeom prst="rect">
-            <a:avLst/>
-          </a:prstGeom>
-        </p:spPr>
-        <p:style>
-          <a:lnRef idx="1">
-            <a:schemeClr val="accent1"/>
-          </a:lnRef>
-          <a:fillRef idx="3">
-            <a:schemeClr val="accent1"/>
-          </a:fillRef>
-          <a:effectRef idx="2">
-            <a:schemeClr val="accent1"/>
-          </a:effectRef>
-          <a:fontRef idx="minor">
-            <a:schemeClr val="lt1"/>
-          </a:fontRef>
-        </p:style>
-        <p:txBody>
-          <a:bodyPr rtlCol="0" anchor="ctr"/>
-          <a:lstStyle/>
-          <a:p>
-            <a:pPr algn="ctr"/>
-            <a:r>
-              <a:rPr kumimoji="1" lang="ja-JP" altLang="en-US" dirty="0" smtClean="0"/>
-              <a:t>処理</a:t>
-            </a:r>
-            <a:r>
-              <a:rPr kumimoji="1" lang="en-US" altLang="ja-JP" dirty="0" smtClean="0"/>
-              <a:t>B</a:t>
-            </a:r>
-            <a:endParaRPr kumimoji="1" lang="ja-JP" altLang="en-US" dirty="0"/>
-          </a:p>
-        </p:txBody>
-      </p:sp>
-      <p:sp>
-        <p:nvSpPr>
-          <p:cNvPr id="21" name="正方形/長方形 20"/>
-          <p:cNvSpPr/>
-          <p:nvPr/>
-        </p:nvSpPr>
-        <p:spPr>
-          <a:xfrm>
-            <a:off x="2861264" y="5950973"/>
-            <a:ext cx="1080273" cy="443501"/>
-          </a:xfrm>
-          <a:prstGeom prst="rect">
-            <a:avLst/>
-          </a:prstGeom>
-        </p:spPr>
-        <p:style>
-          <a:lnRef idx="1">
-            <a:schemeClr val="accent1"/>
-          </a:lnRef>
-          <a:fillRef idx="3">
-            <a:schemeClr val="accent1"/>
-          </a:fillRef>
-          <a:effectRef idx="2">
-            <a:schemeClr val="accent1"/>
-          </a:effectRef>
-          <a:fontRef idx="minor">
-            <a:schemeClr val="lt1"/>
-          </a:fontRef>
-        </p:style>
-        <p:txBody>
-          <a:bodyPr rtlCol="0" anchor="ctr"/>
-          <a:lstStyle/>
-          <a:p>
-            <a:pPr algn="ctr"/>
-            <a:r>
-              <a:rPr kumimoji="1" lang="ja-JP" altLang="en-US" dirty="0" smtClean="0"/>
-              <a:t>処理</a:t>
-            </a:r>
-            <a:r>
-              <a:rPr kumimoji="1" lang="en-US" altLang="ja-JP" dirty="0" smtClean="0"/>
-              <a:t>C</a:t>
-            </a:r>
-            <a:endParaRPr kumimoji="1" lang="ja-JP" altLang="en-US" dirty="0"/>
-          </a:p>
-        </p:txBody>
-      </p:sp>
-      <p:cxnSp>
-        <p:nvCxnSpPr>
-          <p:cNvPr id="23" name="直線矢印コネクタ 22"/>
-          <p:cNvCxnSpPr>
-            <a:stCxn id="18" idx="3"/>
-            <a:endCxn id="19" idx="1"/>
-          </p:cNvCxnSpPr>
-          <p:nvPr/>
-        </p:nvCxnSpPr>
-        <p:spPr>
-          <a:xfrm flipV="1">
-            <a:off x="2131349" y="4744758"/>
-            <a:ext cx="729915" cy="671566"/>
-          </a:xfrm>
-          <a:prstGeom prst="straightConnector1">
-            <a:avLst/>
-          </a:prstGeom>
-          <a:ln>
-            <a:tailEnd type="arrow"/>
-          </a:ln>
-        </p:spPr>
-        <p:style>
-          <a:lnRef idx="2">
-            <a:schemeClr val="accent1"/>
-          </a:lnRef>
-          <a:fillRef idx="0">
-            <a:schemeClr val="accent1"/>
-          </a:fillRef>
-          <a:effectRef idx="1">
-            <a:schemeClr val="accent1"/>
-          </a:effectRef>
-          <a:fontRef idx="minor">
-            <a:schemeClr val="tx1"/>
-          </a:fontRef>
-        </p:style>
-      </p:cxnSp>
-      <p:cxnSp>
-        <p:nvCxnSpPr>
-          <p:cNvPr id="25" name="直線矢印コネクタ 24"/>
-          <p:cNvCxnSpPr>
-            <a:stCxn id="18" idx="3"/>
-            <a:endCxn id="20" idx="1"/>
-          </p:cNvCxnSpPr>
-          <p:nvPr/>
-        </p:nvCxnSpPr>
-        <p:spPr>
-          <a:xfrm>
-            <a:off x="2131349" y="5416324"/>
-            <a:ext cx="729915" cy="21900"/>
-          </a:xfrm>
-          <a:prstGeom prst="straightConnector1">
-            <a:avLst/>
-          </a:prstGeom>
-          <a:ln>
-            <a:tailEnd type="arrow"/>
-          </a:ln>
-        </p:spPr>
-        <p:style>
-          <a:lnRef idx="2">
-            <a:schemeClr val="accent1"/>
-          </a:lnRef>
-          <a:fillRef idx="0">
-            <a:schemeClr val="accent1"/>
-          </a:fillRef>
-          <a:effectRef idx="1">
-            <a:schemeClr val="accent1"/>
-          </a:effectRef>
-          <a:fontRef idx="minor">
-            <a:schemeClr val="tx1"/>
-          </a:fontRef>
-        </p:style>
-      </p:cxnSp>
-      <p:cxnSp>
-        <p:nvCxnSpPr>
-          <p:cNvPr id="27" name="直線矢印コネクタ 26"/>
-          <p:cNvCxnSpPr>
-            <a:stCxn id="18" idx="3"/>
-            <a:endCxn id="21" idx="1"/>
-          </p:cNvCxnSpPr>
-          <p:nvPr/>
-        </p:nvCxnSpPr>
-        <p:spPr>
-          <a:xfrm>
-            <a:off x="2131349" y="5416324"/>
-            <a:ext cx="729915" cy="756400"/>
-          </a:xfrm>
-          <a:prstGeom prst="straightConnector1">
-            <a:avLst/>
-          </a:prstGeom>
-          <a:ln>
-            <a:tailEnd type="arrow"/>
-          </a:ln>
-        </p:spPr>
-        <p:style>
-          <a:lnRef idx="2">
-            <a:schemeClr val="accent1"/>
-          </a:lnRef>
-          <a:fillRef idx="0">
-            <a:schemeClr val="accent1"/>
-          </a:fillRef>
-          <a:effectRef idx="1">
-            <a:schemeClr val="accent1"/>
-          </a:effectRef>
-          <a:fontRef idx="minor">
-            <a:schemeClr val="tx1"/>
-          </a:fontRef>
-        </p:style>
-      </p:cxnSp>
-      <p:sp>
-        <p:nvSpPr>
-          <p:cNvPr id="28" name="正方形/長方形 27"/>
-          <p:cNvSpPr/>
-          <p:nvPr/>
-        </p:nvSpPr>
-        <p:spPr>
-          <a:xfrm>
-            <a:off x="4686049" y="5153537"/>
-            <a:ext cx="1036478" cy="540173"/>
-          </a:xfrm>
-          <a:prstGeom prst="rect">
-            <a:avLst/>
-          </a:prstGeom>
-        </p:spPr>
-        <p:style>
-          <a:lnRef idx="1">
-            <a:schemeClr val="accent1"/>
-          </a:lnRef>
-          <a:fillRef idx="3">
-            <a:schemeClr val="accent1"/>
-          </a:fillRef>
-          <a:effectRef idx="2">
-            <a:schemeClr val="accent1"/>
-          </a:effectRef>
-          <a:fontRef idx="minor">
-            <a:schemeClr val="lt1"/>
-          </a:fontRef>
-        </p:style>
-        <p:txBody>
-          <a:bodyPr rtlCol="0" anchor="ctr"/>
-          <a:lstStyle/>
-          <a:p>
-            <a:pPr algn="ctr"/>
-            <a:r>
-              <a:rPr kumimoji="1" lang="ja-JP" altLang="en-US" dirty="0" smtClean="0"/>
-              <a:t>出力</a:t>
-            </a:r>
-            <a:endParaRPr kumimoji="1" lang="ja-JP" altLang="en-US" dirty="0"/>
-          </a:p>
-        </p:txBody>
-      </p:sp>
-      <p:cxnSp>
-        <p:nvCxnSpPr>
-          <p:cNvPr id="30" name="直線矢印コネクタ 29"/>
-          <p:cNvCxnSpPr>
-            <a:stCxn id="19" idx="3"/>
-            <a:endCxn id="28" idx="1"/>
-          </p:cNvCxnSpPr>
-          <p:nvPr/>
-        </p:nvCxnSpPr>
-        <p:spPr>
-          <a:xfrm>
-            <a:off x="3941537" y="4744758"/>
-            <a:ext cx="744512" cy="678866"/>
-          </a:xfrm>
-          <a:prstGeom prst="straightConnector1">
-            <a:avLst/>
-          </a:prstGeom>
-          <a:ln>
-            <a:tailEnd type="arrow"/>
-          </a:ln>
-        </p:spPr>
-        <p:style>
-          <a:lnRef idx="2">
-            <a:schemeClr val="accent1"/>
-          </a:lnRef>
-          <a:fillRef idx="0">
-            <a:schemeClr val="accent1"/>
-          </a:fillRef>
-          <a:effectRef idx="1">
-            <a:schemeClr val="accent1"/>
-          </a:effectRef>
-          <a:fontRef idx="minor">
-            <a:schemeClr val="tx1"/>
-          </a:fontRef>
-        </p:style>
-      </p:cxnSp>
-      <p:cxnSp>
-        <p:nvCxnSpPr>
-          <p:cNvPr id="32" name="直線矢印コネクタ 31"/>
-          <p:cNvCxnSpPr>
-            <a:stCxn id="20" idx="3"/>
-            <a:endCxn id="28" idx="1"/>
-          </p:cNvCxnSpPr>
-          <p:nvPr/>
-        </p:nvCxnSpPr>
-        <p:spPr>
-          <a:xfrm flipV="1">
-            <a:off x="3941537" y="5423624"/>
-            <a:ext cx="744512" cy="14600"/>
-          </a:xfrm>
-          <a:prstGeom prst="straightConnector1">
-            <a:avLst/>
-          </a:prstGeom>
-          <a:ln>
-            <a:tailEnd type="arrow"/>
-          </a:ln>
-        </p:spPr>
-        <p:style>
-          <a:lnRef idx="2">
-            <a:schemeClr val="accent1"/>
-          </a:lnRef>
-          <a:fillRef idx="0">
-            <a:schemeClr val="accent1"/>
-          </a:fillRef>
-          <a:effectRef idx="1">
-            <a:schemeClr val="accent1"/>
-          </a:effectRef>
-          <a:fontRef idx="minor">
-            <a:schemeClr val="tx1"/>
-          </a:fontRef>
-        </p:style>
-      </p:cxnSp>
-      <p:cxnSp>
-        <p:nvCxnSpPr>
-          <p:cNvPr id="34" name="直線矢印コネクタ 33"/>
-          <p:cNvCxnSpPr>
-            <a:stCxn id="21" idx="3"/>
-            <a:endCxn id="28" idx="1"/>
-          </p:cNvCxnSpPr>
-          <p:nvPr/>
-        </p:nvCxnSpPr>
-        <p:spPr>
-          <a:xfrm flipV="1">
-            <a:off x="3941537" y="5423624"/>
-            <a:ext cx="744512" cy="749100"/>
-          </a:xfrm>
-          <a:prstGeom prst="straightConnector1">
-            <a:avLst/>
-          </a:prstGeom>
-          <a:ln>
-            <a:tailEnd type="arrow"/>
-          </a:ln>
-        </p:spPr>
-        <p:style>
-          <a:lnRef idx="2">
-            <a:schemeClr val="accent1"/>
-          </a:lnRef>
-          <a:fillRef idx="0">
-            <a:schemeClr val="accent1"/>
-          </a:fillRef>
-          <a:effectRef idx="1">
-            <a:schemeClr val="accent1"/>
-          </a:effectRef>
-          <a:fontRef idx="minor">
-            <a:schemeClr val="tx1"/>
-          </a:fontRef>
-        </p:style>
-      </p:cxnSp>
+        </p:grpSpPr>
+        <p:sp>
+          <p:nvSpPr>
+            <p:cNvPr id="18" name="正方形/長方形 17"/>
+            <p:cNvSpPr/>
+            <p:nvPr/>
+          </p:nvSpPr>
+          <p:spPr>
+            <a:xfrm>
+              <a:off x="1138666" y="5153537"/>
+              <a:ext cx="992683" cy="525573"/>
+            </a:xfrm>
+            <a:prstGeom prst="rect">
+              <a:avLst/>
+            </a:prstGeom>
+          </p:spPr>
+          <p:style>
+            <a:lnRef idx="1">
+              <a:schemeClr val="accent1"/>
+            </a:lnRef>
+            <a:fillRef idx="3">
+              <a:schemeClr val="accent1"/>
+            </a:fillRef>
+            <a:effectRef idx="2">
+              <a:schemeClr val="accent1"/>
+            </a:effectRef>
+            <a:fontRef idx="minor">
+              <a:schemeClr val="lt1"/>
+            </a:fontRef>
+          </p:style>
+          <p:txBody>
+            <a:bodyPr rtlCol="0" anchor="ctr"/>
+            <a:lstStyle/>
+            <a:p>
+              <a:pPr algn="ctr"/>
+              <a:r>
+                <a:rPr kumimoji="1" lang="ja-JP" altLang="en-US" dirty="0" smtClean="0"/>
+                <a:t>入力</a:t>
+              </a:r>
+              <a:endParaRPr kumimoji="1" lang="ja-JP" altLang="en-US" dirty="0"/>
+            </a:p>
+          </p:txBody>
+        </p:sp>
+        <p:sp>
+          <p:nvSpPr>
+            <p:cNvPr id="19" name="正方形/長方形 18"/>
+            <p:cNvSpPr/>
+            <p:nvPr/>
+          </p:nvSpPr>
+          <p:spPr>
+            <a:xfrm>
+              <a:off x="2861264" y="4496571"/>
+              <a:ext cx="1080273" cy="496374"/>
+            </a:xfrm>
+            <a:prstGeom prst="rect">
+              <a:avLst/>
+            </a:prstGeom>
+          </p:spPr>
+          <p:style>
+            <a:lnRef idx="1">
+              <a:schemeClr val="accent1"/>
+            </a:lnRef>
+            <a:fillRef idx="3">
+              <a:schemeClr val="accent1"/>
+            </a:fillRef>
+            <a:effectRef idx="2">
+              <a:schemeClr val="accent1"/>
+            </a:effectRef>
+            <a:fontRef idx="minor">
+              <a:schemeClr val="lt1"/>
+            </a:fontRef>
+          </p:style>
+          <p:txBody>
+            <a:bodyPr rtlCol="0" anchor="ctr"/>
+            <a:lstStyle/>
+            <a:p>
+              <a:pPr algn="ctr"/>
+              <a:r>
+                <a:rPr kumimoji="1" lang="ja-JP" altLang="en-US" dirty="0" smtClean="0"/>
+                <a:t>処理</a:t>
+              </a:r>
+              <a:r>
+                <a:rPr kumimoji="1" lang="en-US" altLang="ja-JP" dirty="0" smtClean="0"/>
+                <a:t>A</a:t>
+              </a:r>
+              <a:endParaRPr kumimoji="1" lang="ja-JP" altLang="en-US" dirty="0"/>
+            </a:p>
+          </p:txBody>
+        </p:sp>
+        <p:sp>
+          <p:nvSpPr>
+            <p:cNvPr id="20" name="正方形/長方形 19"/>
+            <p:cNvSpPr/>
+            <p:nvPr/>
+          </p:nvSpPr>
+          <p:spPr>
+            <a:xfrm>
+              <a:off x="2861264" y="5182737"/>
+              <a:ext cx="1080273" cy="510973"/>
+            </a:xfrm>
+            <a:prstGeom prst="rect">
+              <a:avLst/>
+            </a:prstGeom>
+          </p:spPr>
+          <p:style>
+            <a:lnRef idx="1">
+              <a:schemeClr val="accent1"/>
+            </a:lnRef>
+            <a:fillRef idx="3">
+              <a:schemeClr val="accent1"/>
+            </a:fillRef>
+            <a:effectRef idx="2">
+              <a:schemeClr val="accent1"/>
+            </a:effectRef>
+            <a:fontRef idx="minor">
+              <a:schemeClr val="lt1"/>
+            </a:fontRef>
+          </p:style>
+          <p:txBody>
+            <a:bodyPr rtlCol="0" anchor="ctr"/>
+            <a:lstStyle/>
+            <a:p>
+              <a:pPr algn="ctr"/>
+              <a:r>
+                <a:rPr kumimoji="1" lang="ja-JP" altLang="en-US" dirty="0" smtClean="0"/>
+                <a:t>処理</a:t>
+              </a:r>
+              <a:r>
+                <a:rPr kumimoji="1" lang="en-US" altLang="ja-JP" dirty="0" smtClean="0"/>
+                <a:t>B</a:t>
+              </a:r>
+              <a:endParaRPr kumimoji="1" lang="ja-JP" altLang="en-US" dirty="0"/>
+            </a:p>
+          </p:txBody>
+        </p:sp>
+        <p:sp>
+          <p:nvSpPr>
+            <p:cNvPr id="21" name="正方形/長方形 20"/>
+            <p:cNvSpPr/>
+            <p:nvPr/>
+          </p:nvSpPr>
+          <p:spPr>
+            <a:xfrm>
+              <a:off x="2861264" y="5950973"/>
+              <a:ext cx="1080273" cy="443501"/>
+            </a:xfrm>
+            <a:prstGeom prst="rect">
+              <a:avLst/>
+            </a:prstGeom>
+          </p:spPr>
+          <p:style>
+            <a:lnRef idx="1">
+              <a:schemeClr val="accent1"/>
+            </a:lnRef>
+            <a:fillRef idx="3">
+              <a:schemeClr val="accent1"/>
+            </a:fillRef>
+            <a:effectRef idx="2">
+              <a:schemeClr val="accent1"/>
+            </a:effectRef>
+            <a:fontRef idx="minor">
+              <a:schemeClr val="lt1"/>
+            </a:fontRef>
+          </p:style>
+          <p:txBody>
+            <a:bodyPr rtlCol="0" anchor="ctr"/>
+            <a:lstStyle/>
+            <a:p>
+              <a:pPr algn="ctr"/>
+              <a:r>
+                <a:rPr kumimoji="1" lang="ja-JP" altLang="en-US" dirty="0" smtClean="0"/>
+                <a:t>処理</a:t>
+              </a:r>
+              <a:r>
+                <a:rPr kumimoji="1" lang="en-US" altLang="ja-JP" dirty="0" smtClean="0"/>
+                <a:t>C</a:t>
+              </a:r>
+              <a:endParaRPr kumimoji="1" lang="ja-JP" altLang="en-US" dirty="0"/>
+            </a:p>
+          </p:txBody>
+        </p:sp>
+        <p:cxnSp>
+          <p:nvCxnSpPr>
+            <p:cNvPr id="23" name="直線矢印コネクタ 22"/>
+            <p:cNvCxnSpPr>
+              <a:stCxn id="18" idx="3"/>
+              <a:endCxn id="19" idx="1"/>
+            </p:cNvCxnSpPr>
+            <p:nvPr/>
+          </p:nvCxnSpPr>
+          <p:spPr>
+            <a:xfrm flipV="1">
+              <a:off x="2131349" y="4744758"/>
+              <a:ext cx="729915" cy="671566"/>
+            </a:xfrm>
+            <a:prstGeom prst="straightConnector1">
+              <a:avLst/>
+            </a:prstGeom>
+            <a:ln>
+              <a:tailEnd type="arrow"/>
+            </a:ln>
+          </p:spPr>
+          <p:style>
+            <a:lnRef idx="2">
+              <a:schemeClr val="accent1"/>
+            </a:lnRef>
+            <a:fillRef idx="0">
+              <a:schemeClr val="accent1"/>
+            </a:fillRef>
+            <a:effectRef idx="1">
+              <a:schemeClr val="accent1"/>
+            </a:effectRef>
+            <a:fontRef idx="minor">
+              <a:schemeClr val="tx1"/>
+            </a:fontRef>
+          </p:style>
+        </p:cxnSp>
+        <p:cxnSp>
+          <p:nvCxnSpPr>
+            <p:cNvPr id="25" name="直線矢印コネクタ 24"/>
+            <p:cNvCxnSpPr>
+              <a:stCxn id="18" idx="3"/>
+              <a:endCxn id="20" idx="1"/>
+            </p:cNvCxnSpPr>
+            <p:nvPr/>
+          </p:nvCxnSpPr>
+          <p:spPr>
+            <a:xfrm>
+              <a:off x="2131349" y="5416324"/>
+              <a:ext cx="729915" cy="21900"/>
+            </a:xfrm>
+            <a:prstGeom prst="straightConnector1">
+              <a:avLst/>
+            </a:prstGeom>
+            <a:ln>
+              <a:tailEnd type="arrow"/>
+            </a:ln>
+          </p:spPr>
+          <p:style>
+            <a:lnRef idx="2">
+              <a:schemeClr val="accent1"/>
+            </a:lnRef>
+            <a:fillRef idx="0">
+              <a:schemeClr val="accent1"/>
+            </a:fillRef>
+            <a:effectRef idx="1">
+              <a:schemeClr val="accent1"/>
+            </a:effectRef>
+            <a:fontRef idx="minor">
+              <a:schemeClr val="tx1"/>
+            </a:fontRef>
+          </p:style>
+        </p:cxnSp>
+        <p:cxnSp>
+          <p:nvCxnSpPr>
+            <p:cNvPr id="27" name="直線矢印コネクタ 26"/>
+            <p:cNvCxnSpPr>
+              <a:stCxn id="18" idx="3"/>
+              <a:endCxn id="21" idx="1"/>
+            </p:cNvCxnSpPr>
+            <p:nvPr/>
+          </p:nvCxnSpPr>
+          <p:spPr>
+            <a:xfrm>
+              <a:off x="2131349" y="5416324"/>
+              <a:ext cx="729915" cy="756400"/>
+            </a:xfrm>
+            <a:prstGeom prst="straightConnector1">
+              <a:avLst/>
+            </a:prstGeom>
+            <a:ln>
+              <a:tailEnd type="arrow"/>
+            </a:ln>
+          </p:spPr>
+          <p:style>
+            <a:lnRef idx="2">
+              <a:schemeClr val="accent1"/>
+            </a:lnRef>
+            <a:fillRef idx="0">
+              <a:schemeClr val="accent1"/>
+            </a:fillRef>
+            <a:effectRef idx="1">
+              <a:schemeClr val="accent1"/>
+            </a:effectRef>
+            <a:fontRef idx="minor">
+              <a:schemeClr val="tx1"/>
+            </a:fontRef>
+          </p:style>
+        </p:cxnSp>
+        <p:sp>
+          <p:nvSpPr>
+            <p:cNvPr id="28" name="正方形/長方形 27"/>
+            <p:cNvSpPr/>
+            <p:nvPr/>
+          </p:nvSpPr>
+          <p:spPr>
+            <a:xfrm>
+              <a:off x="4686049" y="5153537"/>
+              <a:ext cx="1036478" cy="540173"/>
+            </a:xfrm>
+            <a:prstGeom prst="rect">
+              <a:avLst/>
+            </a:prstGeom>
+          </p:spPr>
+          <p:style>
+            <a:lnRef idx="1">
+              <a:schemeClr val="accent1"/>
+            </a:lnRef>
+            <a:fillRef idx="3">
+              <a:schemeClr val="accent1"/>
+            </a:fillRef>
+            <a:effectRef idx="2">
+              <a:schemeClr val="accent1"/>
+            </a:effectRef>
+            <a:fontRef idx="minor">
+              <a:schemeClr val="lt1"/>
+            </a:fontRef>
+          </p:style>
+          <p:txBody>
+            <a:bodyPr rtlCol="0" anchor="ctr"/>
+            <a:lstStyle/>
+            <a:p>
+              <a:pPr algn="ctr"/>
+              <a:r>
+                <a:rPr kumimoji="1" lang="ja-JP" altLang="en-US" dirty="0" smtClean="0"/>
+                <a:t>出力</a:t>
+              </a:r>
+              <a:endParaRPr kumimoji="1" lang="ja-JP" altLang="en-US" dirty="0"/>
+            </a:p>
+          </p:txBody>
+        </p:sp>
+        <p:cxnSp>
+          <p:nvCxnSpPr>
+            <p:cNvPr id="30" name="直線矢印コネクタ 29"/>
+            <p:cNvCxnSpPr>
+              <a:stCxn id="19" idx="3"/>
+              <a:endCxn id="28" idx="1"/>
+            </p:cNvCxnSpPr>
+            <p:nvPr/>
+          </p:nvCxnSpPr>
+          <p:spPr>
+            <a:xfrm>
+              <a:off x="3941537" y="4744758"/>
+              <a:ext cx="744512" cy="678866"/>
+            </a:xfrm>
+            <a:prstGeom prst="straightConnector1">
+              <a:avLst/>
+            </a:prstGeom>
+            <a:ln>
+              <a:tailEnd type="arrow"/>
+            </a:ln>
+          </p:spPr>
+          <p:style>
+            <a:lnRef idx="2">
+              <a:schemeClr val="accent1"/>
+            </a:lnRef>
+            <a:fillRef idx="0">
+              <a:schemeClr val="accent1"/>
+            </a:fillRef>
+            <a:effectRef idx="1">
+              <a:schemeClr val="accent1"/>
+            </a:effectRef>
+            <a:fontRef idx="minor">
+              <a:schemeClr val="tx1"/>
+            </a:fontRef>
+          </p:style>
+        </p:cxnSp>
+        <p:cxnSp>
+          <p:nvCxnSpPr>
+            <p:cNvPr id="32" name="直線矢印コネクタ 31"/>
+            <p:cNvCxnSpPr>
+              <a:stCxn id="20" idx="3"/>
+              <a:endCxn id="28" idx="1"/>
+            </p:cNvCxnSpPr>
+            <p:nvPr/>
+          </p:nvCxnSpPr>
+          <p:spPr>
+            <a:xfrm flipV="1">
+              <a:off x="3941537" y="5423624"/>
+              <a:ext cx="744512" cy="14600"/>
+            </a:xfrm>
+            <a:prstGeom prst="straightConnector1">
+              <a:avLst/>
+            </a:prstGeom>
+            <a:ln>
+              <a:tailEnd type="arrow"/>
+            </a:ln>
+          </p:spPr>
+          <p:style>
+            <a:lnRef idx="2">
+              <a:schemeClr val="accent1"/>
+            </a:lnRef>
+            <a:fillRef idx="0">
+              <a:schemeClr val="accent1"/>
+            </a:fillRef>
+            <a:effectRef idx="1">
+              <a:schemeClr val="accent1"/>
+            </a:effectRef>
+            <a:fontRef idx="minor">
+              <a:schemeClr val="tx1"/>
+            </a:fontRef>
+          </p:style>
+        </p:cxnSp>
+        <p:cxnSp>
+          <p:nvCxnSpPr>
+            <p:cNvPr id="34" name="直線矢印コネクタ 33"/>
+            <p:cNvCxnSpPr>
+              <a:stCxn id="21" idx="3"/>
+              <a:endCxn id="28" idx="1"/>
+            </p:cNvCxnSpPr>
+            <p:nvPr/>
+          </p:nvCxnSpPr>
+          <p:spPr>
+            <a:xfrm flipV="1">
+              <a:off x="3941537" y="5423624"/>
+              <a:ext cx="744512" cy="749100"/>
+            </a:xfrm>
+            <a:prstGeom prst="straightConnector1">
+              <a:avLst/>
+            </a:prstGeom>
+            <a:ln>
+              <a:tailEnd type="arrow"/>
+            </a:ln>
+          </p:spPr>
+          <p:style>
+            <a:lnRef idx="2">
+              <a:schemeClr val="accent1"/>
+            </a:lnRef>
+            <a:fillRef idx="0">
+              <a:schemeClr val="accent1"/>
+            </a:fillRef>
+            <a:effectRef idx="1">
+              <a:schemeClr val="accent1"/>
+            </a:effectRef>
+            <a:fontRef idx="minor">
+              <a:schemeClr val="tx1"/>
+            </a:fontRef>
+          </p:style>
+        </p:cxnSp>
+      </p:grpSp>
     </p:spTree>
     <p:extLst>
       <p:ext uri="{BB962C8B-B14F-4D97-AF65-F5344CB8AC3E}">
@@ -17145,11 +17159,7 @@
             </a:r>
             <a:r>
               <a:rPr lang="en-US" altLang="ja-JP" dirty="0" smtClean="0"/>
-              <a:t>AST(Abstract Syntax Tree</a:t>
-            </a:r>
-            <a:r>
-              <a:rPr lang="en-US" altLang="ja-JP" dirty="0" smtClean="0"/>
-              <a:t>)</a:t>
+              <a:t>AST(Abstract Syntax Tree)</a:t>
             </a:r>
             <a:r>
               <a:rPr lang="ja-JP" altLang="en-US" dirty="0" smtClean="0"/>
@@ -17157,19 +17167,11 @@
             </a:r>
             <a:r>
               <a:rPr lang="en-US" altLang="ja-JP" dirty="0" smtClean="0"/>
-              <a:t>DOM</a:t>
-            </a:r>
-            <a:r>
-              <a:rPr lang="en-US" altLang="ja-JP" dirty="0" smtClean="0"/>
-              <a:t>(Document Object Model) API</a:t>
+              <a:t>DOM(Document Object Model) API</a:t>
             </a:r>
             <a:r>
               <a:rPr lang="ja-JP" altLang="en-US" dirty="0" smtClean="0"/>
-              <a:t>の利用が</a:t>
-            </a:r>
-            <a:r>
-              <a:rPr lang="ja-JP" altLang="en-US" dirty="0" smtClean="0"/>
-              <a:t>可能</a:t>
+              <a:t>の利用が可能</a:t>
             </a:r>
             <a:endParaRPr lang="en-US" altLang="ja-JP" dirty="0" smtClean="0"/>
           </a:p>
@@ -17291,7 +17293,47 @@
             </a:r>
             <a:r>
               <a:rPr kumimoji="1" lang="ja-JP" altLang="en-US" dirty="0" smtClean="0"/>
-              <a:t>によるプログラミング</a:t>
+              <a:t>による</a:t>
+            </a:r>
+            <a:r>
+              <a:rPr kumimoji="1" lang="ja-JP" altLang="en-US" dirty="0" smtClean="0"/>
+              <a:t>プログラミング</a:t>
+            </a:r>
+            <a:endParaRPr kumimoji="1" lang="en-US" altLang="ja-JP" dirty="0" smtClean="0"/>
+          </a:p>
+          <a:p>
+            <a:pPr lvl="1"/>
+            <a:r>
+              <a:rPr lang="ja-JP" altLang="en-US" dirty="0" smtClean="0"/>
+              <a:t>ソースコードを</a:t>
+            </a:r>
+            <a:r>
+              <a:rPr lang="en-US" altLang="ja-JP" dirty="0" smtClean="0"/>
+              <a:t>JSON</a:t>
+            </a:r>
+            <a:r>
+              <a:rPr lang="ja-JP" altLang="en-US" dirty="0" smtClean="0"/>
+              <a:t>形式にパースする</a:t>
+            </a:r>
+            <a:endParaRPr lang="en-US" altLang="ja-JP" dirty="0" smtClean="0"/>
+          </a:p>
+          <a:p>
+            <a:pPr lvl="1"/>
+            <a:r>
+              <a:rPr kumimoji="1" lang="en-US" altLang="ja-JP" dirty="0" smtClean="0"/>
+              <a:t>DOM</a:t>
+            </a:r>
+            <a:r>
+              <a:rPr kumimoji="1" lang="ja-JP" altLang="en-US" dirty="0" smtClean="0"/>
+              <a:t>を利用して</a:t>
+            </a:r>
+            <a:r>
+              <a:rPr kumimoji="1" lang="en-US" altLang="ja-JP" dirty="0" err="1" smtClean="0"/>
+              <a:t>Jquery,Ajax</a:t>
+            </a:r>
+            <a:r>
+              <a:rPr kumimoji="1" lang="ja-JP" altLang="en-US" dirty="0" smtClean="0"/>
+              <a:t>で利用する</a:t>
             </a:r>
             <a:endParaRPr kumimoji="1" lang="en-US" altLang="ja-JP" dirty="0" smtClean="0"/>
           </a:p>
@@ -17362,7 +17404,9 @@
         </p:nvSpPr>
         <p:spPr/>
         <p:txBody>
-          <a:bodyPr/>
+          <a:bodyPr>
+            <a:normAutofit lnSpcReduction="10000"/>
+          </a:bodyPr>
           <a:lstStyle/>
           <a:p>
             <a:r>
@@ -17404,7 +17448,19 @@
           <a:p>
             <a:r>
               <a:rPr lang="ja-JP" altLang="en-US" dirty="0" smtClean="0"/>
-              <a:t>その他のパース手法の継続的調査</a:t>
+              <a:t>その他のパース手法の継続的</a:t>
+            </a:r>
+            <a:r>
+              <a:rPr lang="ja-JP" altLang="en-US" dirty="0" smtClean="0"/>
+              <a:t>調査</a:t>
+            </a:r>
+            <a:endParaRPr lang="en-US" altLang="ja-JP" dirty="0" smtClean="0"/>
+          </a:p>
+          <a:p>
+            <a:pPr lvl="1"/>
+            <a:r>
+              <a:rPr lang="ja-JP" altLang="en-US" smtClean="0"/>
+              <a:t>より良い手法の検討</a:t>
             </a:r>
             <a:endParaRPr lang="en-US" altLang="ja-JP" dirty="0" smtClean="0"/>
           </a:p>
@@ -18771,31 +18827,7 @@
             </a:pPr>
             <a:r>
               <a:rPr kumimoji="1" lang="ja-JP" altLang="en-US" dirty="0" smtClean="0"/>
-              <a:t>一部</a:t>
-            </a:r>
-            <a:r>
-              <a:rPr kumimoji="1" lang="ja-JP" altLang="en-US" dirty="0" smtClean="0"/>
-              <a:t>改変による改良を</a:t>
-            </a:r>
-            <a:r>
-              <a:rPr kumimoji="1" lang="ja-JP" altLang="en-US" dirty="0" smtClean="0"/>
-              <a:t>行う</a:t>
-            </a:r>
-            <a:r>
-              <a:rPr kumimoji="1" lang="ja-JP" altLang="en-US" dirty="0" smtClean="0"/>
-              <a:t>場合、</a:t>
-            </a:r>
-            <a:r>
-              <a:rPr kumimoji="1" lang="ja-JP" altLang="en-US" dirty="0" smtClean="0"/>
-              <a:t>従来</a:t>
-            </a:r>
-            <a:r>
-              <a:rPr kumimoji="1" lang="ja-JP" altLang="en-US" dirty="0" smtClean="0"/>
-              <a:t>の</a:t>
-            </a:r>
-            <a:r>
-              <a:rPr kumimoji="1" lang="ja-JP" altLang="en-US" dirty="0" smtClean="0"/>
-              <a:t>手法</a:t>
+              <a:t>一部改変による改良を行う場合、従来の手法</a:t>
             </a:r>
             <a:endParaRPr kumimoji="1" lang="en-US" altLang="ja-JP" dirty="0" smtClean="0"/>
           </a:p>

--- a/doc/中間発表資料.pptx
+++ b/doc/中間発表資料.pptx
@@ -5,7 +5,7 @@
     <p:sldMasterId id="2147483648" r:id="rId1"/>
   </p:sldMasterIdLst>
   <p:notesMasterIdLst>
-    <p:notesMasterId r:id="rId19"/>
+    <p:notesMasterId r:id="rId21"/>
   </p:notesMasterIdLst>
   <p:sldIdLst>
     <p:sldId id="256" r:id="rId2"/>
@@ -24,7 +24,9 @@
     <p:sldId id="271" r:id="rId15"/>
     <p:sldId id="272" r:id="rId16"/>
     <p:sldId id="260" r:id="rId17"/>
-    <p:sldId id="261" r:id="rId18"/>
+    <p:sldId id="274" r:id="rId18"/>
+    <p:sldId id="275" r:id="rId19"/>
+    <p:sldId id="261" r:id="rId20"/>
   </p:sldIdLst>
   <p:sldSz cx="9144000" cy="6858000" type="screen4x3"/>
   <p:notesSz cx="6858000" cy="9144000"/>
@@ -123,6 +125,22 @@
       </a:defRPr>
     </a:lvl9pPr>
   </p:defaultTextStyle>
+  <p:extLst>
+    <p:ext uri="{EFAFB233-063F-42B5-8137-9DF3F51BA10A}">
+      <p15:sldGuideLst xmlns:p15="http://schemas.microsoft.com/office/powerpoint/2012/main">
+        <p15:guide id="1" orient="horz" pos="2160">
+          <p15:clr>
+            <a:srgbClr val="A4A3A4"/>
+          </p15:clr>
+        </p15:guide>
+        <p15:guide id="2" pos="2880">
+          <p15:clr>
+            <a:srgbClr val="A4A3A4"/>
+          </p15:clr>
+        </p15:guide>
+      </p15:sldGuideLst>
+    </p:ext>
+  </p:extLst>
 </p:presentation>
 </file>
 
@@ -3533,33 +3551,33 @@
     </dgm:pt>
   </dgm:ptLst>
   <dgm:cxnLst>
+    <dgm:cxn modelId="{96A2A3F8-D869-EE42-B46F-11831917322A}" type="presOf" srcId="{AB504391-A61E-3840-9B2E-CECB851F6995}" destId="{ECE9B0E1-464F-F945-BD6A-40DBBB5F1700}" srcOrd="1" destOrd="0" presId="urn:microsoft.com/office/officeart/2005/8/layout/hierarchy2"/>
+    <dgm:cxn modelId="{191D6713-CCBD-EE49-B29B-1253CFFE2A8E}" type="presOf" srcId="{E4A029B8-2B6F-FB49-AFDC-46B3F8CB6A15}" destId="{2C2CD9E2-5FF8-9943-8AE3-69F6FEF97029}" srcOrd="0" destOrd="0" presId="urn:microsoft.com/office/officeart/2005/8/layout/hierarchy2"/>
+    <dgm:cxn modelId="{CBF86214-2DB9-2947-B05F-D22D00BAB8E9}" type="presOf" srcId="{80F20F8C-217F-314A-901A-1B2AFC17FF79}" destId="{58CB3291-805C-4B41-89EE-E0092F8FBA39}" srcOrd="0" destOrd="0" presId="urn:microsoft.com/office/officeart/2005/8/layout/hierarchy2"/>
+    <dgm:cxn modelId="{C8F65DF2-103E-424B-AC4B-345AEF3133D3}" type="presOf" srcId="{5964B47B-9DB7-9C42-B829-0211C4690181}" destId="{8E6E0CC7-BF5C-1A42-9E5E-EB18ED51D422}" srcOrd="0" destOrd="0" presId="urn:microsoft.com/office/officeart/2005/8/layout/hierarchy2"/>
+    <dgm:cxn modelId="{E2891BD5-C779-984B-BED9-41A70EE25B44}" type="presOf" srcId="{E4611E39-EC01-3848-B167-EF2DC9058A6C}" destId="{D10A89A7-21E3-054D-B77E-57F113F7384D}" srcOrd="0" destOrd="0" presId="urn:microsoft.com/office/officeart/2005/8/layout/hierarchy2"/>
+    <dgm:cxn modelId="{095B8A3E-8CE8-D34E-A4F5-36A1FD96AD88}" type="presOf" srcId="{D7DC71AE-4839-BB4D-ACA9-1C715435401E}" destId="{7AFC9442-3B26-FB40-8689-337555D15B12}" srcOrd="1" destOrd="0" presId="urn:microsoft.com/office/officeart/2005/8/layout/hierarchy2"/>
+    <dgm:cxn modelId="{1CEC21DE-6BC8-8A45-B325-405F3837D120}" srcId="{D12ED54D-71F7-BD42-ACE7-1CD452727C92}" destId="{5964B47B-9DB7-9C42-B829-0211C4690181}" srcOrd="0" destOrd="0" parTransId="{D7DC71AE-4839-BB4D-ACA9-1C715435401E}" sibTransId="{0A9FCB3C-24F6-E848-9049-AD31E1BB861B}"/>
+    <dgm:cxn modelId="{E144ABB4-DC4B-5244-B7A0-18443582332B}" type="presOf" srcId="{E4A029B8-2B6F-FB49-AFDC-46B3F8CB6A15}" destId="{9D50FAA2-D37E-1343-9037-B600EE9252CC}" srcOrd="1" destOrd="0" presId="urn:microsoft.com/office/officeart/2005/8/layout/hierarchy2"/>
+    <dgm:cxn modelId="{676707AF-6D3E-3743-9D2C-4203A98F0104}" srcId="{5964B47B-9DB7-9C42-B829-0211C4690181}" destId="{9212E29F-8A5F-DF43-A56E-7F81C1E0926C}" srcOrd="0" destOrd="0" parTransId="{AB504391-A61E-3840-9B2E-CECB851F6995}" sibTransId="{43A5A08A-FCD5-C54D-8EB9-B6617286DD05}"/>
+    <dgm:cxn modelId="{B1CB31B9-D137-F840-A7B1-A58084C72ED4}" type="presOf" srcId="{D12ED54D-71F7-BD42-ACE7-1CD452727C92}" destId="{FD5B1B3C-AB96-E046-976B-F45A89F9BCBE}" srcOrd="0" destOrd="0" presId="urn:microsoft.com/office/officeart/2005/8/layout/hierarchy2"/>
+    <dgm:cxn modelId="{6BB51026-251C-C242-8CCA-FAEAB3FC94EB}" type="presOf" srcId="{D477F212-D871-E644-B686-717662BFACD5}" destId="{69BFEC7D-17B3-454B-8C51-7CC6D7D3E93A}" srcOrd="0" destOrd="0" presId="urn:microsoft.com/office/officeart/2005/8/layout/hierarchy2"/>
+    <dgm:cxn modelId="{B42CF1B9-8F87-3C41-B07D-FCABF63FB50E}" srcId="{594679C3-CCD9-A543-9B6F-B2106ACF4732}" destId="{D12ED54D-71F7-BD42-ACE7-1CD452727C92}" srcOrd="0" destOrd="0" parTransId="{3C5BC1AC-18FA-F242-B620-CD077603D958}" sibTransId="{AD8D57A4-1968-504A-AD2C-D8500CACCFD9}"/>
+    <dgm:cxn modelId="{80B03A9C-3091-E04F-94C9-401D7FF2B638}" type="presOf" srcId="{4BB084B3-2367-D94B-8181-253B52688B82}" destId="{3AC6E51B-46C3-FE47-B7A7-11A7F34CCA7D}" srcOrd="0" destOrd="0" presId="urn:microsoft.com/office/officeart/2005/8/layout/hierarchy2"/>
     <dgm:cxn modelId="{4FCE8FE0-A8D7-6A4F-8777-2C21FE45D553}" type="presOf" srcId="{9D655CBB-3A28-314E-98FC-590C4A1D5629}" destId="{167BAEFD-587A-6C40-A4E5-211B67B739A5}" srcOrd="0" destOrd="0" presId="urn:microsoft.com/office/officeart/2005/8/layout/hierarchy2"/>
+    <dgm:cxn modelId="{31CB884C-087E-364C-992D-0A683DA05711}" type="presOf" srcId="{9212E29F-8A5F-DF43-A56E-7F81C1E0926C}" destId="{35C9C338-5F2F-B644-AFAC-6A42B37E50C4}" srcOrd="0" destOrd="0" presId="urn:microsoft.com/office/officeart/2005/8/layout/hierarchy2"/>
+    <dgm:cxn modelId="{4771E58D-374D-4A4D-8961-B7486C45672C}" srcId="{80F20F8C-217F-314A-901A-1B2AFC17FF79}" destId="{C42969EC-83F2-FF4A-950B-86D8D2C76BAF}" srcOrd="0" destOrd="0" parTransId="{D477F212-D871-E644-B686-717662BFACD5}" sibTransId="{C3BD0A42-492B-E74E-AC08-3C118EB6B264}"/>
+    <dgm:cxn modelId="{CA8BB768-70DD-B347-B79B-2AB90EA65A2D}" type="presOf" srcId="{594679C3-CCD9-A543-9B6F-B2106ACF4732}" destId="{ABB24299-0B5B-A240-8275-526E520BE66C}" srcOrd="0" destOrd="0" presId="urn:microsoft.com/office/officeart/2005/8/layout/hierarchy2"/>
+    <dgm:cxn modelId="{20D2A018-038C-9F49-A1F9-1E8DD8505092}" srcId="{E4611E39-EC01-3848-B167-EF2DC9058A6C}" destId="{80F20F8C-217F-314A-901A-1B2AFC17FF79}" srcOrd="0" destOrd="0" parTransId="{E4A029B8-2B6F-FB49-AFDC-46B3F8CB6A15}" sibTransId="{25F3C08D-76CD-824E-B31D-1AE33DC2694D}"/>
+    <dgm:cxn modelId="{0FE0B655-05B6-1642-A518-82D10683569D}" srcId="{5964B47B-9DB7-9C42-B829-0211C4690181}" destId="{F03AFE40-84D6-AE40-A5C8-7A3801927078}" srcOrd="1" destOrd="0" parTransId="{4BB084B3-2367-D94B-8181-253B52688B82}" sibTransId="{9742CB99-E961-9943-B339-B2B9AB424815}"/>
+    <dgm:cxn modelId="{145E16CA-00EF-AE41-9B87-4DE25268454E}" type="presOf" srcId="{C42969EC-83F2-FF4A-950B-86D8D2C76BAF}" destId="{2608AEFA-D68D-F648-AAA8-3CD59051789B}" srcOrd="0" destOrd="0" presId="urn:microsoft.com/office/officeart/2005/8/layout/hierarchy2"/>
     <dgm:cxn modelId="{8E6BC0E5-4F1B-6445-A41F-1C4129F35990}" srcId="{D12ED54D-71F7-BD42-ACE7-1CD452727C92}" destId="{E4611E39-EC01-3848-B167-EF2DC9058A6C}" srcOrd="1" destOrd="0" parTransId="{9D655CBB-3A28-314E-98FC-590C4A1D5629}" sibTransId="{533146C2-268F-594E-9AA9-C899EDF5F2D1}"/>
-    <dgm:cxn modelId="{31CB884C-087E-364C-992D-0A683DA05711}" type="presOf" srcId="{9212E29F-8A5F-DF43-A56E-7F81C1E0926C}" destId="{35C9C338-5F2F-B644-AFAC-6A42B37E50C4}" srcOrd="0" destOrd="0" presId="urn:microsoft.com/office/officeart/2005/8/layout/hierarchy2"/>
-    <dgm:cxn modelId="{0FE0B655-05B6-1642-A518-82D10683569D}" srcId="{5964B47B-9DB7-9C42-B829-0211C4690181}" destId="{F03AFE40-84D6-AE40-A5C8-7A3801927078}" srcOrd="1" destOrd="0" parTransId="{4BB084B3-2367-D94B-8181-253B52688B82}" sibTransId="{9742CB99-E961-9943-B339-B2B9AB424815}"/>
-    <dgm:cxn modelId="{CA8BB768-70DD-B347-B79B-2AB90EA65A2D}" type="presOf" srcId="{594679C3-CCD9-A543-9B6F-B2106ACF4732}" destId="{ABB24299-0B5B-A240-8275-526E520BE66C}" srcOrd="0" destOrd="0" presId="urn:microsoft.com/office/officeart/2005/8/layout/hierarchy2"/>
-    <dgm:cxn modelId="{676707AF-6D3E-3743-9D2C-4203A98F0104}" srcId="{5964B47B-9DB7-9C42-B829-0211C4690181}" destId="{9212E29F-8A5F-DF43-A56E-7F81C1E0926C}" srcOrd="0" destOrd="0" parTransId="{AB504391-A61E-3840-9B2E-CECB851F6995}" sibTransId="{43A5A08A-FCD5-C54D-8EB9-B6617286DD05}"/>
-    <dgm:cxn modelId="{20D2A018-038C-9F49-A1F9-1E8DD8505092}" srcId="{E4611E39-EC01-3848-B167-EF2DC9058A6C}" destId="{80F20F8C-217F-314A-901A-1B2AFC17FF79}" srcOrd="0" destOrd="0" parTransId="{E4A029B8-2B6F-FB49-AFDC-46B3F8CB6A15}" sibTransId="{25F3C08D-76CD-824E-B31D-1AE33DC2694D}"/>
     <dgm:cxn modelId="{545D0ABD-AE63-1A4A-A7D2-7D27F95D5553}" type="presOf" srcId="{9D655CBB-3A28-314E-98FC-590C4A1D5629}" destId="{8860D0E4-CB42-594E-BA8A-E0B1B6C4E52D}" srcOrd="1" destOrd="0" presId="urn:microsoft.com/office/officeart/2005/8/layout/hierarchy2"/>
-    <dgm:cxn modelId="{6BB51026-251C-C242-8CCA-FAEAB3FC94EB}" type="presOf" srcId="{D477F212-D871-E644-B686-717662BFACD5}" destId="{69BFEC7D-17B3-454B-8C51-7CC6D7D3E93A}" srcOrd="0" destOrd="0" presId="urn:microsoft.com/office/officeart/2005/8/layout/hierarchy2"/>
-    <dgm:cxn modelId="{191D6713-CCBD-EE49-B29B-1253CFFE2A8E}" type="presOf" srcId="{E4A029B8-2B6F-FB49-AFDC-46B3F8CB6A15}" destId="{2C2CD9E2-5FF8-9943-8AE3-69F6FEF97029}" srcOrd="0" destOrd="0" presId="urn:microsoft.com/office/officeart/2005/8/layout/hierarchy2"/>
-    <dgm:cxn modelId="{80B03A9C-3091-E04F-94C9-401D7FF2B638}" type="presOf" srcId="{4BB084B3-2367-D94B-8181-253B52688B82}" destId="{3AC6E51B-46C3-FE47-B7A7-11A7F34CCA7D}" srcOrd="0" destOrd="0" presId="urn:microsoft.com/office/officeart/2005/8/layout/hierarchy2"/>
+    <dgm:cxn modelId="{C9B96947-A490-194E-923C-E5FC0A42C197}" type="presOf" srcId="{AB504391-A61E-3840-9B2E-CECB851F6995}" destId="{EF04CBAA-1EA6-1D44-88FB-4C5D29FA81A5}" srcOrd="0" destOrd="0" presId="urn:microsoft.com/office/officeart/2005/8/layout/hierarchy2"/>
+    <dgm:cxn modelId="{1284A072-8B50-E740-ACD4-DC6AF6834BCD}" type="presOf" srcId="{4BB084B3-2367-D94B-8181-253B52688B82}" destId="{CF561348-48C2-6C49-9851-4F2E9F399A2E}" srcOrd="1" destOrd="0" presId="urn:microsoft.com/office/officeart/2005/8/layout/hierarchy2"/>
     <dgm:cxn modelId="{46BCB224-5009-5C4A-8777-BD1249BF2234}" type="presOf" srcId="{F03AFE40-84D6-AE40-A5C8-7A3801927078}" destId="{DDC23D12-AAC6-574F-8D9D-BFFE7307DBC8}" srcOrd="0" destOrd="0" presId="urn:microsoft.com/office/officeart/2005/8/layout/hierarchy2"/>
-    <dgm:cxn modelId="{4771E58D-374D-4A4D-8961-B7486C45672C}" srcId="{80F20F8C-217F-314A-901A-1B2AFC17FF79}" destId="{C42969EC-83F2-FF4A-950B-86D8D2C76BAF}" srcOrd="0" destOrd="0" parTransId="{D477F212-D871-E644-B686-717662BFACD5}" sibTransId="{C3BD0A42-492B-E74E-AC08-3C118EB6B264}"/>
-    <dgm:cxn modelId="{B1CB31B9-D137-F840-A7B1-A58084C72ED4}" type="presOf" srcId="{D12ED54D-71F7-BD42-ACE7-1CD452727C92}" destId="{FD5B1B3C-AB96-E046-976B-F45A89F9BCBE}" srcOrd="0" destOrd="0" presId="urn:microsoft.com/office/officeart/2005/8/layout/hierarchy2"/>
-    <dgm:cxn modelId="{B42CF1B9-8F87-3C41-B07D-FCABF63FB50E}" srcId="{594679C3-CCD9-A543-9B6F-B2106ACF4732}" destId="{D12ED54D-71F7-BD42-ACE7-1CD452727C92}" srcOrd="0" destOrd="0" parTransId="{3C5BC1AC-18FA-F242-B620-CD077603D958}" sibTransId="{AD8D57A4-1968-504A-AD2C-D8500CACCFD9}"/>
-    <dgm:cxn modelId="{145E16CA-00EF-AE41-9B87-4DE25268454E}" type="presOf" srcId="{C42969EC-83F2-FF4A-950B-86D8D2C76BAF}" destId="{2608AEFA-D68D-F648-AAA8-3CD59051789B}" srcOrd="0" destOrd="0" presId="urn:microsoft.com/office/officeart/2005/8/layout/hierarchy2"/>
-    <dgm:cxn modelId="{C8F65DF2-103E-424B-AC4B-345AEF3133D3}" type="presOf" srcId="{5964B47B-9DB7-9C42-B829-0211C4690181}" destId="{8E6E0CC7-BF5C-1A42-9E5E-EB18ED51D422}" srcOrd="0" destOrd="0" presId="urn:microsoft.com/office/officeart/2005/8/layout/hierarchy2"/>
-    <dgm:cxn modelId="{96A2A3F8-D869-EE42-B46F-11831917322A}" type="presOf" srcId="{AB504391-A61E-3840-9B2E-CECB851F6995}" destId="{ECE9B0E1-464F-F945-BD6A-40DBBB5F1700}" srcOrd="1" destOrd="0" presId="urn:microsoft.com/office/officeart/2005/8/layout/hierarchy2"/>
-    <dgm:cxn modelId="{C9B96947-A490-194E-923C-E5FC0A42C197}" type="presOf" srcId="{AB504391-A61E-3840-9B2E-CECB851F6995}" destId="{EF04CBAA-1EA6-1D44-88FB-4C5D29FA81A5}" srcOrd="0" destOrd="0" presId="urn:microsoft.com/office/officeart/2005/8/layout/hierarchy2"/>
     <dgm:cxn modelId="{28567685-D52E-9F49-A86B-5EDCFBD127DE}" type="presOf" srcId="{D477F212-D871-E644-B686-717662BFACD5}" destId="{018F7921-8033-DE44-87F2-138DC3CEEDF2}" srcOrd="1" destOrd="0" presId="urn:microsoft.com/office/officeart/2005/8/layout/hierarchy2"/>
-    <dgm:cxn modelId="{095B8A3E-8CE8-D34E-A4F5-36A1FD96AD88}" type="presOf" srcId="{D7DC71AE-4839-BB4D-ACA9-1C715435401E}" destId="{7AFC9442-3B26-FB40-8689-337555D15B12}" srcOrd="1" destOrd="0" presId="urn:microsoft.com/office/officeart/2005/8/layout/hierarchy2"/>
     <dgm:cxn modelId="{E8AD638A-BFA4-8345-9545-7D812C6640D3}" type="presOf" srcId="{D7DC71AE-4839-BB4D-ACA9-1C715435401E}" destId="{01D42800-5AE5-F640-B010-06A7BC3021C5}" srcOrd="0" destOrd="0" presId="urn:microsoft.com/office/officeart/2005/8/layout/hierarchy2"/>
-    <dgm:cxn modelId="{E2891BD5-C779-984B-BED9-41A70EE25B44}" type="presOf" srcId="{E4611E39-EC01-3848-B167-EF2DC9058A6C}" destId="{D10A89A7-21E3-054D-B77E-57F113F7384D}" srcOrd="0" destOrd="0" presId="urn:microsoft.com/office/officeart/2005/8/layout/hierarchy2"/>
-    <dgm:cxn modelId="{E144ABB4-DC4B-5244-B7A0-18443582332B}" type="presOf" srcId="{E4A029B8-2B6F-FB49-AFDC-46B3F8CB6A15}" destId="{9D50FAA2-D37E-1343-9037-B600EE9252CC}" srcOrd="1" destOrd="0" presId="urn:microsoft.com/office/officeart/2005/8/layout/hierarchy2"/>
-    <dgm:cxn modelId="{1284A072-8B50-E740-ACD4-DC6AF6834BCD}" type="presOf" srcId="{4BB084B3-2367-D94B-8181-253B52688B82}" destId="{CF561348-48C2-6C49-9851-4F2E9F399A2E}" srcOrd="1" destOrd="0" presId="urn:microsoft.com/office/officeart/2005/8/layout/hierarchy2"/>
-    <dgm:cxn modelId="{CBF86214-2DB9-2947-B05F-D22D00BAB8E9}" type="presOf" srcId="{80F20F8C-217F-314A-901A-1B2AFC17FF79}" destId="{58CB3291-805C-4B41-89EE-E0092F8FBA39}" srcOrd="0" destOrd="0" presId="urn:microsoft.com/office/officeart/2005/8/layout/hierarchy2"/>
-    <dgm:cxn modelId="{1CEC21DE-6BC8-8A45-B325-405F3837D120}" srcId="{D12ED54D-71F7-BD42-ACE7-1CD452727C92}" destId="{5964B47B-9DB7-9C42-B829-0211C4690181}" srcOrd="0" destOrd="0" parTransId="{D7DC71AE-4839-BB4D-ACA9-1C715435401E}" sibTransId="{0A9FCB3C-24F6-E848-9049-AD31E1BB861B}"/>
     <dgm:cxn modelId="{AE6CA621-F29F-0545-B8AA-702D897EC68E}" type="presParOf" srcId="{ABB24299-0B5B-A240-8275-526E520BE66C}" destId="{F4912DDD-7812-E949-AC3A-EE4F9CC64E68}" srcOrd="0" destOrd="0" presId="urn:microsoft.com/office/officeart/2005/8/layout/hierarchy2"/>
     <dgm:cxn modelId="{8F711D31-13F7-A745-A04C-D693DB040CCD}" type="presParOf" srcId="{F4912DDD-7812-E949-AC3A-EE4F9CC64E68}" destId="{FD5B1B3C-AB96-E046-976B-F45A89F9BCBE}" srcOrd="0" destOrd="0" presId="urn:microsoft.com/office/officeart/2005/8/layout/hierarchy2"/>
     <dgm:cxn modelId="{0D170544-883D-8C4C-89BE-0722AA96A16D}" type="presParOf" srcId="{F4912DDD-7812-E949-AC3A-EE4F9CC64E68}" destId="{F740989F-9FAE-B849-854E-8D421A084E94}" srcOrd="1" destOrd="0" presId="urn:microsoft.com/office/officeart/2005/8/layout/hierarchy2"/>
@@ -4133,29 +4151,29 @@
     </dgm:pt>
   </dgm:ptLst>
   <dgm:cxnLst>
-    <dgm:cxn modelId="{407C2AD4-F465-474D-9552-7F8012785A90}" type="presOf" srcId="{D7DC71AE-4839-BB4D-ACA9-1C715435401E}" destId="{01D42800-5AE5-F640-B010-06A7BC3021C5}" srcOrd="0" destOrd="0" presId="urn:microsoft.com/office/officeart/2005/8/layout/hierarchy2"/>
+    <dgm:cxn modelId="{8A94105E-B59A-EB48-977C-E3E1F6A3A5A4}" type="presOf" srcId="{AB504391-A61E-3840-9B2E-CECB851F6995}" destId="{EF04CBAA-1EA6-1D44-88FB-4C5D29FA81A5}" srcOrd="0" destOrd="0" presId="urn:microsoft.com/office/officeart/2005/8/layout/hierarchy2"/>
+    <dgm:cxn modelId="{D31ADEDC-AAE1-7047-832E-AE9975F89FB3}" type="presOf" srcId="{4BB084B3-2367-D94B-8181-253B52688B82}" destId="{3AC6E51B-46C3-FE47-B7A7-11A7F34CCA7D}" srcOrd="0" destOrd="0" presId="urn:microsoft.com/office/officeart/2005/8/layout/hierarchy2"/>
+    <dgm:cxn modelId="{8E6BC0E5-4F1B-6445-A41F-1C4129F35990}" srcId="{D12ED54D-71F7-BD42-ACE7-1CD452727C92}" destId="{E4611E39-EC01-3848-B167-EF2DC9058A6C}" srcOrd="1" destOrd="0" parTransId="{9D655CBB-3A28-314E-98FC-590C4A1D5629}" sibTransId="{533146C2-268F-594E-9AA9-C899EDF5F2D1}"/>
+    <dgm:cxn modelId="{5B2DDC29-166E-C244-BE1E-ED48672BA777}" type="presOf" srcId="{F03AFE40-84D6-AE40-A5C8-7A3801927078}" destId="{DDC23D12-AAC6-574F-8D9D-BFFE7307DBC8}" srcOrd="0" destOrd="0" presId="urn:microsoft.com/office/officeart/2005/8/layout/hierarchy2"/>
+    <dgm:cxn modelId="{0FE0B655-05B6-1642-A518-82D10683569D}" srcId="{5964B47B-9DB7-9C42-B829-0211C4690181}" destId="{F03AFE40-84D6-AE40-A5C8-7A3801927078}" srcOrd="1" destOrd="0" parTransId="{4BB084B3-2367-D94B-8181-253B52688B82}" sibTransId="{9742CB99-E961-9943-B339-B2B9AB424815}"/>
+    <dgm:cxn modelId="{678A4FA6-ADCD-5E43-A376-2D275DD155F0}" type="presOf" srcId="{9D655CBB-3A28-314E-98FC-590C4A1D5629}" destId="{167BAEFD-587A-6C40-A4E5-211B67B739A5}" srcOrd="0" destOrd="0" presId="urn:microsoft.com/office/officeart/2005/8/layout/hierarchy2"/>
     <dgm:cxn modelId="{D307D2ED-0811-EC4C-AB96-D1BEF912C8F0}" type="presOf" srcId="{E4A029B8-2B6F-FB49-AFDC-46B3F8CB6A15}" destId="{2C2CD9E2-5FF8-9943-8AE3-69F6FEF97029}" srcOrd="0" destOrd="0" presId="urn:microsoft.com/office/officeart/2005/8/layout/hierarchy2"/>
-    <dgm:cxn modelId="{E12404C9-9A8F-CE45-A1AA-562F4BE15570}" type="presOf" srcId="{4BB084B3-2367-D94B-8181-253B52688B82}" destId="{CF561348-48C2-6C49-9851-4F2E9F399A2E}" srcOrd="1" destOrd="0" presId="urn:microsoft.com/office/officeart/2005/8/layout/hierarchy2"/>
-    <dgm:cxn modelId="{1CEC21DE-6BC8-8A45-B325-405F3837D120}" srcId="{D12ED54D-71F7-BD42-ACE7-1CD452727C92}" destId="{5964B47B-9DB7-9C42-B829-0211C4690181}" srcOrd="0" destOrd="0" parTransId="{D7DC71AE-4839-BB4D-ACA9-1C715435401E}" sibTransId="{0A9FCB3C-24F6-E848-9049-AD31E1BB861B}"/>
     <dgm:cxn modelId="{676707AF-6D3E-3743-9D2C-4203A98F0104}" srcId="{5964B47B-9DB7-9C42-B829-0211C4690181}" destId="{9212E29F-8A5F-DF43-A56E-7F81C1E0926C}" srcOrd="0" destOrd="0" parTransId="{AB504391-A61E-3840-9B2E-CECB851F6995}" sibTransId="{43A5A08A-FCD5-C54D-8EB9-B6617286DD05}"/>
-    <dgm:cxn modelId="{5C62FA85-094A-7B4C-8A4B-7D88A3B9B65C}" type="presOf" srcId="{5964B47B-9DB7-9C42-B829-0211C4690181}" destId="{8E6E0CC7-BF5C-1A42-9E5E-EB18ED51D422}" srcOrd="0" destOrd="0" presId="urn:microsoft.com/office/officeart/2005/8/layout/hierarchy2"/>
-    <dgm:cxn modelId="{AADF9F17-9422-6C45-B118-AFD5F25FDBEB}" type="presOf" srcId="{9212E29F-8A5F-DF43-A56E-7F81C1E0926C}" destId="{35C9C338-5F2F-B644-AFAC-6A42B37E50C4}" srcOrd="0" destOrd="0" presId="urn:microsoft.com/office/officeart/2005/8/layout/hierarchy2"/>
-    <dgm:cxn modelId="{678A4FA6-ADCD-5E43-A376-2D275DD155F0}" type="presOf" srcId="{9D655CBB-3A28-314E-98FC-590C4A1D5629}" destId="{167BAEFD-587A-6C40-A4E5-211B67B739A5}" srcOrd="0" destOrd="0" presId="urn:microsoft.com/office/officeart/2005/8/layout/hierarchy2"/>
-    <dgm:cxn modelId="{B42CF1B9-8F87-3C41-B07D-FCABF63FB50E}" srcId="{594679C3-CCD9-A543-9B6F-B2106ACF4732}" destId="{D12ED54D-71F7-BD42-ACE7-1CD452727C92}" srcOrd="0" destOrd="0" parTransId="{3C5BC1AC-18FA-F242-B620-CD077603D958}" sibTransId="{AD8D57A4-1968-504A-AD2C-D8500CACCFD9}"/>
-    <dgm:cxn modelId="{D31ADEDC-AAE1-7047-832E-AE9975F89FB3}" type="presOf" srcId="{4BB084B3-2367-D94B-8181-253B52688B82}" destId="{3AC6E51B-46C3-FE47-B7A7-11A7F34CCA7D}" srcOrd="0" destOrd="0" presId="urn:microsoft.com/office/officeart/2005/8/layout/hierarchy2"/>
-    <dgm:cxn modelId="{1176C505-63B0-6342-AE4F-711016D8F860}" type="presOf" srcId="{D12ED54D-71F7-BD42-ACE7-1CD452727C92}" destId="{FD5B1B3C-AB96-E046-976B-F45A89F9BCBE}" srcOrd="0" destOrd="0" presId="urn:microsoft.com/office/officeart/2005/8/layout/hierarchy2"/>
-    <dgm:cxn modelId="{979E1923-43C7-2C4A-8144-834E596F553E}" type="presOf" srcId="{80F20F8C-217F-314A-901A-1B2AFC17FF79}" destId="{58CB3291-805C-4B41-89EE-E0092F8FBA39}" srcOrd="0" destOrd="0" presId="urn:microsoft.com/office/officeart/2005/8/layout/hierarchy2"/>
-    <dgm:cxn modelId="{20D2A018-038C-9F49-A1F9-1E8DD8505092}" srcId="{E4611E39-EC01-3848-B167-EF2DC9058A6C}" destId="{80F20F8C-217F-314A-901A-1B2AFC17FF79}" srcOrd="0" destOrd="0" parTransId="{E4A029B8-2B6F-FB49-AFDC-46B3F8CB6A15}" sibTransId="{25F3C08D-76CD-824E-B31D-1AE33DC2694D}"/>
-    <dgm:cxn modelId="{CFED102F-56D3-AC4F-8BBA-36B428CE2934}" type="presOf" srcId="{594679C3-CCD9-A543-9B6F-B2106ACF4732}" destId="{ABB24299-0B5B-A240-8275-526E520BE66C}" srcOrd="0" destOrd="0" presId="urn:microsoft.com/office/officeart/2005/8/layout/hierarchy2"/>
     <dgm:cxn modelId="{4BC2007C-FE2D-5C4E-9925-BA84D4DA1364}" type="presOf" srcId="{E4611E39-EC01-3848-B167-EF2DC9058A6C}" destId="{D10A89A7-21E3-054D-B77E-57F113F7384D}" srcOrd="0" destOrd="0" presId="urn:microsoft.com/office/officeart/2005/8/layout/hierarchy2"/>
-    <dgm:cxn modelId="{0FE0B655-05B6-1642-A518-82D10683569D}" srcId="{5964B47B-9DB7-9C42-B829-0211C4690181}" destId="{F03AFE40-84D6-AE40-A5C8-7A3801927078}" srcOrd="1" destOrd="0" parTransId="{4BB084B3-2367-D94B-8181-253B52688B82}" sibTransId="{9742CB99-E961-9943-B339-B2B9AB424815}"/>
-    <dgm:cxn modelId="{594BC574-D482-2547-9FA6-E138BE9D033F}" type="presOf" srcId="{E4A029B8-2B6F-FB49-AFDC-46B3F8CB6A15}" destId="{9D50FAA2-D37E-1343-9037-B600EE9252CC}" srcOrd="1" destOrd="0" presId="urn:microsoft.com/office/officeart/2005/8/layout/hierarchy2"/>
-    <dgm:cxn modelId="{8E6BC0E5-4F1B-6445-A41F-1C4129F35990}" srcId="{D12ED54D-71F7-BD42-ACE7-1CD452727C92}" destId="{E4611E39-EC01-3848-B167-EF2DC9058A6C}" srcOrd="1" destOrd="0" parTransId="{9D655CBB-3A28-314E-98FC-590C4A1D5629}" sibTransId="{533146C2-268F-594E-9AA9-C899EDF5F2D1}"/>
     <dgm:cxn modelId="{1BAD7D52-D0A7-C846-A918-9BA73DF5B482}" type="presOf" srcId="{D7DC71AE-4839-BB4D-ACA9-1C715435401E}" destId="{7AFC9442-3B26-FB40-8689-337555D15B12}" srcOrd="1" destOrd="0" presId="urn:microsoft.com/office/officeart/2005/8/layout/hierarchy2"/>
     <dgm:cxn modelId="{D49BDED9-2B70-4E4D-A150-D69F67ACA9F6}" type="presOf" srcId="{AB504391-A61E-3840-9B2E-CECB851F6995}" destId="{ECE9B0E1-464F-F945-BD6A-40DBBB5F1700}" srcOrd="1" destOrd="0" presId="urn:microsoft.com/office/officeart/2005/8/layout/hierarchy2"/>
-    <dgm:cxn modelId="{8A94105E-B59A-EB48-977C-E3E1F6A3A5A4}" type="presOf" srcId="{AB504391-A61E-3840-9B2E-CECB851F6995}" destId="{EF04CBAA-1EA6-1D44-88FB-4C5D29FA81A5}" srcOrd="0" destOrd="0" presId="urn:microsoft.com/office/officeart/2005/8/layout/hierarchy2"/>
-    <dgm:cxn modelId="{5B2DDC29-166E-C244-BE1E-ED48672BA777}" type="presOf" srcId="{F03AFE40-84D6-AE40-A5C8-7A3801927078}" destId="{DDC23D12-AAC6-574F-8D9D-BFFE7307DBC8}" srcOrd="0" destOrd="0" presId="urn:microsoft.com/office/officeart/2005/8/layout/hierarchy2"/>
+    <dgm:cxn modelId="{20D2A018-038C-9F49-A1F9-1E8DD8505092}" srcId="{E4611E39-EC01-3848-B167-EF2DC9058A6C}" destId="{80F20F8C-217F-314A-901A-1B2AFC17FF79}" srcOrd="0" destOrd="0" parTransId="{E4A029B8-2B6F-FB49-AFDC-46B3F8CB6A15}" sibTransId="{25F3C08D-76CD-824E-B31D-1AE33DC2694D}"/>
+    <dgm:cxn modelId="{1176C505-63B0-6342-AE4F-711016D8F860}" type="presOf" srcId="{D12ED54D-71F7-BD42-ACE7-1CD452727C92}" destId="{FD5B1B3C-AB96-E046-976B-F45A89F9BCBE}" srcOrd="0" destOrd="0" presId="urn:microsoft.com/office/officeart/2005/8/layout/hierarchy2"/>
+    <dgm:cxn modelId="{B42CF1B9-8F87-3C41-B07D-FCABF63FB50E}" srcId="{594679C3-CCD9-A543-9B6F-B2106ACF4732}" destId="{D12ED54D-71F7-BD42-ACE7-1CD452727C92}" srcOrd="0" destOrd="0" parTransId="{3C5BC1AC-18FA-F242-B620-CD077603D958}" sibTransId="{AD8D57A4-1968-504A-AD2C-D8500CACCFD9}"/>
+    <dgm:cxn modelId="{CFED102F-56D3-AC4F-8BBA-36B428CE2934}" type="presOf" srcId="{594679C3-CCD9-A543-9B6F-B2106ACF4732}" destId="{ABB24299-0B5B-A240-8275-526E520BE66C}" srcOrd="0" destOrd="0" presId="urn:microsoft.com/office/officeart/2005/8/layout/hierarchy2"/>
+    <dgm:cxn modelId="{5C62FA85-094A-7B4C-8A4B-7D88A3B9B65C}" type="presOf" srcId="{5964B47B-9DB7-9C42-B829-0211C4690181}" destId="{8E6E0CC7-BF5C-1A42-9E5E-EB18ED51D422}" srcOrd="0" destOrd="0" presId="urn:microsoft.com/office/officeart/2005/8/layout/hierarchy2"/>
+    <dgm:cxn modelId="{E12404C9-9A8F-CE45-A1AA-562F4BE15570}" type="presOf" srcId="{4BB084B3-2367-D94B-8181-253B52688B82}" destId="{CF561348-48C2-6C49-9851-4F2E9F399A2E}" srcOrd="1" destOrd="0" presId="urn:microsoft.com/office/officeart/2005/8/layout/hierarchy2"/>
+    <dgm:cxn modelId="{979E1923-43C7-2C4A-8144-834E596F553E}" type="presOf" srcId="{80F20F8C-217F-314A-901A-1B2AFC17FF79}" destId="{58CB3291-805C-4B41-89EE-E0092F8FBA39}" srcOrd="0" destOrd="0" presId="urn:microsoft.com/office/officeart/2005/8/layout/hierarchy2"/>
+    <dgm:cxn modelId="{594BC574-D482-2547-9FA6-E138BE9D033F}" type="presOf" srcId="{E4A029B8-2B6F-FB49-AFDC-46B3F8CB6A15}" destId="{9D50FAA2-D37E-1343-9037-B600EE9252CC}" srcOrd="1" destOrd="0" presId="urn:microsoft.com/office/officeart/2005/8/layout/hierarchy2"/>
     <dgm:cxn modelId="{C9954644-8D11-F343-8643-4F64373CC76C}" type="presOf" srcId="{9D655CBB-3A28-314E-98FC-590C4A1D5629}" destId="{8860D0E4-CB42-594E-BA8A-E0B1B6C4E52D}" srcOrd="1" destOrd="0" presId="urn:microsoft.com/office/officeart/2005/8/layout/hierarchy2"/>
+    <dgm:cxn modelId="{AADF9F17-9422-6C45-B118-AFD5F25FDBEB}" type="presOf" srcId="{9212E29F-8A5F-DF43-A56E-7F81C1E0926C}" destId="{35C9C338-5F2F-B644-AFAC-6A42B37E50C4}" srcOrd="0" destOrd="0" presId="urn:microsoft.com/office/officeart/2005/8/layout/hierarchy2"/>
+    <dgm:cxn modelId="{407C2AD4-F465-474D-9552-7F8012785A90}" type="presOf" srcId="{D7DC71AE-4839-BB4D-ACA9-1C715435401E}" destId="{01D42800-5AE5-F640-B010-06A7BC3021C5}" srcOrd="0" destOrd="0" presId="urn:microsoft.com/office/officeart/2005/8/layout/hierarchy2"/>
+    <dgm:cxn modelId="{1CEC21DE-6BC8-8A45-B325-405F3837D120}" srcId="{D12ED54D-71F7-BD42-ACE7-1CD452727C92}" destId="{5964B47B-9DB7-9C42-B829-0211C4690181}" srcOrd="0" destOrd="0" parTransId="{D7DC71AE-4839-BB4D-ACA9-1C715435401E}" sibTransId="{0A9FCB3C-24F6-E848-9049-AD31E1BB861B}"/>
     <dgm:cxn modelId="{59DE37E2-DC95-1144-B8B8-CBDDBFFEE724}" type="presParOf" srcId="{ABB24299-0B5B-A240-8275-526E520BE66C}" destId="{F4912DDD-7812-E949-AC3A-EE4F9CC64E68}" srcOrd="0" destOrd="0" presId="urn:microsoft.com/office/officeart/2005/8/layout/hierarchy2"/>
     <dgm:cxn modelId="{7F7B8292-02DF-E74B-BA99-A1ED86C09CB6}" type="presParOf" srcId="{F4912DDD-7812-E949-AC3A-EE4F9CC64E68}" destId="{FD5B1B3C-AB96-E046-976B-F45A89F9BCBE}" srcOrd="0" destOrd="0" presId="urn:microsoft.com/office/officeart/2005/8/layout/hierarchy2"/>
     <dgm:cxn modelId="{D764D7F5-727C-A540-B361-1DE8146C7137}" type="presParOf" srcId="{F4912DDD-7812-E949-AC3A-EE4F9CC64E68}" destId="{F740989F-9FAE-B849-854E-8D421A084E94}" srcOrd="1" destOrd="0" presId="urn:microsoft.com/office/officeart/2005/8/layout/hierarchy2"/>
@@ -11247,7 +11265,7 @@
           <a:p>
             <a:fld id="{07C89E97-5434-9C4E-B6E5-C9F9FBA5FCE1}" type="datetimeFigureOut">
               <a:rPr kumimoji="1" lang="ja-JP" altLang="en-US" smtClean="0"/>
-              <a:t>2014/10/13</a:t>
+              <a:t>2014/10/30</a:t>
             </a:fld>
             <a:endParaRPr kumimoji="1" lang="ja-JP" altLang="en-US"/>
           </a:p>
@@ -11916,7 +11934,7 @@
           <a:p>
             <a:fld id="{8E38DBD1-F25C-9E4F-851F-C78CA3583CBD}" type="datetimeFigureOut">
               <a:rPr kumimoji="1" lang="ja-JP" altLang="en-US" smtClean="0"/>
-              <a:t>2014/10/13</a:t>
+              <a:t>2014/10/30</a:t>
             </a:fld>
             <a:endParaRPr kumimoji="1" lang="ja-JP" altLang="en-US"/>
           </a:p>
@@ -12118,7 +12136,7 @@
           <a:p>
             <a:fld id="{8E38DBD1-F25C-9E4F-851F-C78CA3583CBD}" type="datetimeFigureOut">
               <a:rPr kumimoji="1" lang="ja-JP" altLang="en-US" smtClean="0"/>
-              <a:t>2014/10/13</a:t>
+              <a:t>2014/10/30</a:t>
             </a:fld>
             <a:endParaRPr kumimoji="1" lang="ja-JP" altLang="en-US"/>
           </a:p>
@@ -12330,7 +12348,7 @@
           <a:p>
             <a:fld id="{8E38DBD1-F25C-9E4F-851F-C78CA3583CBD}" type="datetimeFigureOut">
               <a:rPr kumimoji="1" lang="ja-JP" altLang="en-US" smtClean="0"/>
-              <a:t>2014/10/13</a:t>
+              <a:t>2014/10/30</a:t>
             </a:fld>
             <a:endParaRPr kumimoji="1" lang="ja-JP" altLang="en-US"/>
           </a:p>
@@ -12532,7 +12550,7 @@
           <a:p>
             <a:fld id="{8E38DBD1-F25C-9E4F-851F-C78CA3583CBD}" type="datetimeFigureOut">
               <a:rPr kumimoji="1" lang="ja-JP" altLang="en-US" smtClean="0"/>
-              <a:t>2014/10/13</a:t>
+              <a:t>2014/10/30</a:t>
             </a:fld>
             <a:endParaRPr kumimoji="1" lang="ja-JP" altLang="en-US"/>
           </a:p>
@@ -12778,7 +12796,7 @@
           <a:p>
             <a:fld id="{8E38DBD1-F25C-9E4F-851F-C78CA3583CBD}" type="datetimeFigureOut">
               <a:rPr kumimoji="1" lang="ja-JP" altLang="en-US" smtClean="0"/>
-              <a:t>2014/10/13</a:t>
+              <a:t>2014/10/30</a:t>
             </a:fld>
             <a:endParaRPr kumimoji="1" lang="ja-JP" altLang="en-US"/>
           </a:p>
@@ -13130,7 +13148,7 @@
           <a:p>
             <a:fld id="{8E38DBD1-F25C-9E4F-851F-C78CA3583CBD}" type="datetimeFigureOut">
               <a:rPr kumimoji="1" lang="ja-JP" altLang="en-US" smtClean="0"/>
-              <a:t>2014/10/13</a:t>
+              <a:t>2014/10/30</a:t>
             </a:fld>
             <a:endParaRPr kumimoji="1" lang="ja-JP" altLang="en-US"/>
           </a:p>
@@ -13616,7 +13634,7 @@
           <a:p>
             <a:fld id="{8E38DBD1-F25C-9E4F-851F-C78CA3583CBD}" type="datetimeFigureOut">
               <a:rPr kumimoji="1" lang="ja-JP" altLang="en-US" smtClean="0"/>
-              <a:t>2014/10/13</a:t>
+              <a:t>2014/10/30</a:t>
             </a:fld>
             <a:endParaRPr kumimoji="1" lang="ja-JP" altLang="en-US"/>
           </a:p>
@@ -13734,7 +13752,7 @@
           <a:p>
             <a:fld id="{8E38DBD1-F25C-9E4F-851F-C78CA3583CBD}" type="datetimeFigureOut">
               <a:rPr kumimoji="1" lang="ja-JP" altLang="en-US" smtClean="0"/>
-              <a:t>2014/10/13</a:t>
+              <a:t>2014/10/30</a:t>
             </a:fld>
             <a:endParaRPr kumimoji="1" lang="ja-JP" altLang="en-US"/>
           </a:p>
@@ -13829,7 +13847,7 @@
           <a:p>
             <a:fld id="{8E38DBD1-F25C-9E4F-851F-C78CA3583CBD}" type="datetimeFigureOut">
               <a:rPr kumimoji="1" lang="ja-JP" altLang="en-US" smtClean="0"/>
-              <a:t>2014/10/13</a:t>
+              <a:t>2014/10/30</a:t>
             </a:fld>
             <a:endParaRPr kumimoji="1" lang="ja-JP" altLang="en-US"/>
           </a:p>
@@ -14138,7 +14156,7 @@
           <a:p>
             <a:fld id="{8E38DBD1-F25C-9E4F-851F-C78CA3583CBD}" type="datetimeFigureOut">
               <a:rPr kumimoji="1" lang="ja-JP" altLang="en-US" smtClean="0"/>
-              <a:t>2014/10/13</a:t>
+              <a:t>2014/10/30</a:t>
             </a:fld>
             <a:endParaRPr kumimoji="1" lang="ja-JP" altLang="en-US"/>
           </a:p>
@@ -14391,7 +14409,7 @@
           <a:p>
             <a:fld id="{8E38DBD1-F25C-9E4F-851F-C78CA3583CBD}" type="datetimeFigureOut">
               <a:rPr kumimoji="1" lang="ja-JP" altLang="en-US" smtClean="0"/>
-              <a:t>2014/10/13</a:t>
+              <a:t>2014/10/30</a:t>
             </a:fld>
             <a:endParaRPr kumimoji="1" lang="ja-JP" altLang="en-US"/>
           </a:p>
@@ -14636,7 +14654,7 @@
           <a:p>
             <a:fld id="{8E38DBD1-F25C-9E4F-851F-C78CA3583CBD}" type="datetimeFigureOut">
               <a:rPr kumimoji="1" lang="ja-JP" altLang="en-US" smtClean="0"/>
-              <a:t>2014/10/13</a:t>
+              <a:t>2014/10/30</a:t>
             </a:fld>
             <a:endParaRPr kumimoji="1" lang="ja-JP" altLang="en-US"/>
           </a:p>
@@ -15103,6 +15121,13 @@
   <p:clrMapOvr>
     <a:masterClrMapping/>
   </p:clrMapOvr>
+  <p:timing>
+    <p:tnLst>
+      <p:par>
+        <p:cTn id="1" dur="indefinite" restart="never" nodeType="tmRoot"/>
+      </p:par>
+    </p:tnLst>
+  </p:timing>
 </p:sld>
 </file>
 
@@ -15742,6 +15767,36 @@
           </p:txBody>
         </p:sp>
       </p:grpSp>
+      <p:sp>
+        <p:nvSpPr>
+          <p:cNvPr id="3" name="テキスト ボックス 2"/>
+          <p:cNvSpPr txBox="1"/>
+          <p:nvPr/>
+        </p:nvSpPr>
+        <p:spPr>
+          <a:xfrm>
+            <a:off x="4443247" y="3993674"/>
+            <a:ext cx="2677336" cy="369332"/>
+          </a:xfrm>
+          <a:prstGeom prst="rect">
+            <a:avLst/>
+          </a:prstGeom>
+          <a:noFill/>
+        </p:spPr>
+        <p:txBody>
+          <a:bodyPr wrap="none" rtlCol="0">
+            <a:spAutoFit/>
+          </a:bodyPr>
+          <a:lstStyle/>
+          <a:p>
+            <a:r>
+              <a:rPr kumimoji="1" lang="ja-JP" altLang="en-US" dirty="0" smtClean="0"/>
+              <a:t>評価結果の高い方を採用</a:t>
+            </a:r>
+            <a:endParaRPr kumimoji="1" lang="ja-JP" altLang="en-US" dirty="0"/>
+          </a:p>
+        </p:txBody>
+      </p:sp>
     </p:spTree>
     <p:extLst>
       <p:ext uri="{BB962C8B-B14F-4D97-AF65-F5344CB8AC3E}">
@@ -15752,6 +15807,13 @@
   <p:clrMapOvr>
     <a:masterClrMapping/>
   </p:clrMapOvr>
+  <p:timing>
+    <p:tnLst>
+      <p:par>
+        <p:cTn id="1" dur="indefinite" restart="never" nodeType="tmRoot"/>
+      </p:par>
+    </p:tnLst>
+  </p:timing>
 </p:sld>
 </file>
 
@@ -15864,6 +15926,13 @@
   <p:clrMapOvr>
     <a:masterClrMapping/>
   </p:clrMapOvr>
+  <p:timing>
+    <p:tnLst>
+      <p:par>
+        <p:cTn id="1" dur="indefinite" restart="never" nodeType="tmRoot"/>
+      </p:par>
+    </p:tnLst>
+  </p:timing>
 </p:sld>
 </file>
 
@@ -16012,6 +16081,13 @@
   <p:clrMapOvr>
     <a:masterClrMapping/>
   </p:clrMapOvr>
+  <p:timing>
+    <p:tnLst>
+      <p:par>
+        <p:cTn id="1" dur="indefinite" restart="never" nodeType="tmRoot"/>
+      </p:par>
+    </p:tnLst>
+  </p:timing>
 </p:sld>
 </file>
 
@@ -16170,6 +16246,13 @@
   <p:clrMapOvr>
     <a:masterClrMapping/>
   </p:clrMapOvr>
+  <p:timing>
+    <p:tnLst>
+      <p:par>
+        <p:cTn id="1" dur="indefinite" restart="never" nodeType="tmRoot"/>
+      </p:par>
+    </p:tnLst>
+  </p:timing>
 </p:sld>
 </file>
 
@@ -17059,6 +17142,13 @@
   <p:clrMapOvr>
     <a:masterClrMapping/>
   </p:clrMapOvr>
+  <p:timing>
+    <p:tnLst>
+      <p:par>
+        <p:cTn id="1" dur="indefinite" restart="never" nodeType="tmRoot"/>
+      </p:par>
+    </p:tnLst>
+  </p:timing>
 </p:sld>
 </file>
 
@@ -17191,6 +17281,13 @@
   <p:clrMapOvr>
     <a:masterClrMapping/>
   </p:clrMapOvr>
+  <p:timing>
+    <p:tnLst>
+      <p:par>
+        <p:cTn id="1" dur="indefinite" restart="never" nodeType="tmRoot"/>
+      </p:par>
+    </p:tnLst>
+  </p:timing>
 </p:sld>
 </file>
 
@@ -17244,7 +17341,12 @@
             <p:ph idx="1"/>
           </p:nvPr>
         </p:nvSpPr>
-        <p:spPr/>
+        <p:spPr>
+          <a:xfrm>
+            <a:off x="457200" y="1600200"/>
+            <a:ext cx="8534400" cy="4525963"/>
+          </a:xfrm>
+        </p:spPr>
         <p:txBody>
           <a:bodyPr/>
           <a:lstStyle/>
@@ -17254,16 +17356,20 @@
               <a:t>W3C</a:t>
             </a:r>
             <a:r>
-              <a:rPr kumimoji="1" lang="ja-JP" altLang="en-US" dirty="0" smtClean="0"/>
-              <a:t>の</a:t>
+              <a:rPr lang="ja-JP" altLang="en-US" dirty="0"/>
+              <a:t>で</a:t>
             </a:r>
             <a:r>
               <a:rPr kumimoji="1" lang="en-US" altLang="ja-JP" dirty="0" smtClean="0"/>
               <a:t>HTML5</a:t>
             </a:r>
             <a:r>
-              <a:rPr kumimoji="1" lang="ja-JP" altLang="en-US" dirty="0" smtClean="0"/>
-              <a:t>勧告状況の調査</a:t>
+              <a:rPr lang="ja-JP" altLang="en-US" dirty="0"/>
+              <a:t>正式</a:t>
+            </a:r>
+            <a:r>
+              <a:rPr lang="ja-JP" altLang="en-US" dirty="0" smtClean="0"/>
+              <a:t>勧告されたので仕様の確認</a:t>
             </a:r>
             <a:endParaRPr kumimoji="1" lang="en-US" altLang="ja-JP" dirty="0" smtClean="0"/>
           </a:p>
@@ -17271,17 +17377,21 @@
             <a:pPr lvl="1"/>
             <a:r>
               <a:rPr lang="en-US" altLang="ja-JP" dirty="0"/>
-              <a:t>http://www.w3.org/TR/html5</a:t>
+              <a:t>http://</a:t>
             </a:r>
             <a:r>
               <a:rPr lang="en-US" altLang="ja-JP" dirty="0" smtClean="0"/>
-              <a:t>/</a:t>
+              <a:t>www.w3.org/2014/10/html5-rec.html.ja</a:t>
             </a:r>
           </a:p>
           <a:p>
             <a:r>
               <a:rPr lang="ja-JP" altLang="en-US" dirty="0" smtClean="0"/>
-              <a:t>パース手法の調査・プログラム作成</a:t>
+              <a:t>パース</a:t>
+            </a:r>
+            <a:r>
+              <a:rPr lang="ja-JP" altLang="en-US" dirty="0" smtClean="0"/>
+              <a:t>手法の調査・プログラム作成</a:t>
             </a:r>
             <a:endParaRPr lang="en-US" altLang="ja-JP" dirty="0" smtClean="0"/>
           </a:p>
@@ -17293,11 +17403,7 @@
             </a:r>
             <a:r>
               <a:rPr kumimoji="1" lang="ja-JP" altLang="en-US" dirty="0" smtClean="0"/>
-              <a:t>による</a:t>
-            </a:r>
-            <a:r>
-              <a:rPr kumimoji="1" lang="ja-JP" altLang="en-US" dirty="0" smtClean="0"/>
-              <a:t>プログラミング</a:t>
+              <a:t>によるプログラミング</a:t>
             </a:r>
             <a:endParaRPr kumimoji="1" lang="en-US" altLang="ja-JP" dirty="0" smtClean="0"/>
           </a:p>
@@ -17349,10 +17455,1738 @@
   <p:clrMapOvr>
     <a:masterClrMapping/>
   </p:clrMapOvr>
+  <p:timing>
+    <p:tnLst>
+      <p:par>
+        <p:cTn id="1" dur="indefinite" restart="never" nodeType="tmRoot"/>
+      </p:par>
+    </p:tnLst>
+  </p:timing>
 </p:sld>
 </file>
 
 <file path=ppt/slides/slide17.xml><?xml version="1.0" encoding="utf-8"?>
+<p:sld xmlns:a="http://schemas.openxmlformats.org/drawingml/2006/main" xmlns:r="http://schemas.openxmlformats.org/officeDocument/2006/relationships" xmlns:p="http://schemas.openxmlformats.org/presentationml/2006/main">
+  <p:cSld>
+    <p:spTree>
+      <p:nvGrpSpPr>
+        <p:cNvPr id="1" name=""/>
+        <p:cNvGrpSpPr/>
+        <p:nvPr/>
+      </p:nvGrpSpPr>
+      <p:grpSpPr>
+        <a:xfrm>
+          <a:off x="0" y="0"/>
+          <a:ext cx="0" cy="0"/>
+          <a:chOff x="0" y="0"/>
+          <a:chExt cx="0" cy="0"/>
+        </a:xfrm>
+      </p:grpSpPr>
+      <p:sp>
+        <p:nvSpPr>
+          <p:cNvPr id="2" name="タイトル 1"/>
+          <p:cNvSpPr>
+            <a:spLocks noGrp="1"/>
+          </p:cNvSpPr>
+          <p:nvPr>
+            <p:ph type="title"/>
+          </p:nvPr>
+        </p:nvSpPr>
+        <p:spPr>
+          <a:xfrm>
+            <a:off x="457200" y="251403"/>
+            <a:ext cx="8229600" cy="746124"/>
+          </a:xfrm>
+        </p:spPr>
+        <p:txBody>
+          <a:bodyPr>
+            <a:normAutofit fontScale="90000"/>
+          </a:bodyPr>
+          <a:lstStyle/>
+          <a:p>
+            <a:r>
+              <a:rPr kumimoji="1" lang="ja-JP" altLang="en-US" dirty="0" smtClean="0"/>
+              <a:t>イメージ</a:t>
+            </a:r>
+            <a:endParaRPr kumimoji="1" lang="ja-JP" altLang="en-US" dirty="0"/>
+          </a:p>
+        </p:txBody>
+      </p:sp>
+      <p:sp>
+        <p:nvSpPr>
+          <p:cNvPr id="4" name="正方形/長方形 3"/>
+          <p:cNvSpPr/>
+          <p:nvPr/>
+        </p:nvSpPr>
+        <p:spPr>
+          <a:xfrm>
+            <a:off x="858982" y="1454721"/>
+            <a:ext cx="2757054" cy="4682843"/>
+          </a:xfrm>
+          <a:prstGeom prst="rect">
+            <a:avLst/>
+          </a:prstGeom>
+        </p:spPr>
+        <p:style>
+          <a:lnRef idx="1">
+            <a:schemeClr val="accent1"/>
+          </a:lnRef>
+          <a:fillRef idx="3">
+            <a:schemeClr val="accent1"/>
+          </a:fillRef>
+          <a:effectRef idx="2">
+            <a:schemeClr val="accent1"/>
+          </a:effectRef>
+          <a:fontRef idx="minor">
+            <a:schemeClr val="lt1"/>
+          </a:fontRef>
+        </p:style>
+        <p:txBody>
+          <a:bodyPr rtlCol="0" anchor="ctr"/>
+          <a:lstStyle/>
+          <a:p>
+            <a:pPr algn="ctr"/>
+            <a:endParaRPr kumimoji="1" lang="ja-JP" altLang="en-US" dirty="0"/>
+          </a:p>
+        </p:txBody>
+      </p:sp>
+      <p:sp>
+        <p:nvSpPr>
+          <p:cNvPr id="6" name="正方形/長方形 5"/>
+          <p:cNvSpPr/>
+          <p:nvPr/>
+        </p:nvSpPr>
+        <p:spPr>
+          <a:xfrm>
+            <a:off x="1122218" y="1717964"/>
+            <a:ext cx="803564" cy="568036"/>
+          </a:xfrm>
+          <a:prstGeom prst="rect">
+            <a:avLst/>
+          </a:prstGeom>
+          <a:solidFill>
+            <a:schemeClr val="accent3">
+              <a:lumMod val="40000"/>
+              <a:lumOff val="60000"/>
+            </a:schemeClr>
+          </a:solidFill>
+        </p:spPr>
+        <p:style>
+          <a:lnRef idx="1">
+            <a:schemeClr val="accent1"/>
+          </a:lnRef>
+          <a:fillRef idx="3">
+            <a:schemeClr val="accent1"/>
+          </a:fillRef>
+          <a:effectRef idx="2">
+            <a:schemeClr val="accent1"/>
+          </a:effectRef>
+          <a:fontRef idx="minor">
+            <a:schemeClr val="lt1"/>
+          </a:fontRef>
+        </p:style>
+        <p:txBody>
+          <a:bodyPr rtlCol="0" anchor="ctr"/>
+          <a:lstStyle/>
+          <a:p>
+            <a:pPr algn="ctr"/>
+            <a:r>
+              <a:rPr kumimoji="1" lang="en-US" altLang="ja-JP" dirty="0" err="1" smtClean="0">
+                <a:solidFill>
+                  <a:schemeClr val="tx1"/>
+                </a:solidFill>
+              </a:rPr>
+              <a:t>A.m</a:t>
+            </a:r>
+            <a:endParaRPr kumimoji="1" lang="ja-JP" altLang="en-US" dirty="0">
+              <a:solidFill>
+                <a:schemeClr val="tx1"/>
+              </a:solidFill>
+            </a:endParaRPr>
+          </a:p>
+        </p:txBody>
+      </p:sp>
+      <p:sp>
+        <p:nvSpPr>
+          <p:cNvPr id="7" name="正方形/長方形 6"/>
+          <p:cNvSpPr/>
+          <p:nvPr/>
+        </p:nvSpPr>
+        <p:spPr>
+          <a:xfrm>
+            <a:off x="1122218" y="2763979"/>
+            <a:ext cx="803564" cy="568036"/>
+          </a:xfrm>
+          <a:prstGeom prst="rect">
+            <a:avLst/>
+          </a:prstGeom>
+          <a:solidFill>
+            <a:schemeClr val="accent3">
+              <a:lumMod val="40000"/>
+              <a:lumOff val="60000"/>
+            </a:schemeClr>
+          </a:solidFill>
+        </p:spPr>
+        <p:style>
+          <a:lnRef idx="1">
+            <a:schemeClr val="accent1"/>
+          </a:lnRef>
+          <a:fillRef idx="3">
+            <a:schemeClr val="accent1"/>
+          </a:fillRef>
+          <a:effectRef idx="2">
+            <a:schemeClr val="accent1"/>
+          </a:effectRef>
+          <a:fontRef idx="minor">
+            <a:schemeClr val="lt1"/>
+          </a:fontRef>
+        </p:style>
+        <p:txBody>
+          <a:bodyPr rtlCol="0" anchor="ctr"/>
+          <a:lstStyle/>
+          <a:p>
+            <a:pPr algn="ctr"/>
+            <a:r>
+              <a:rPr lang="en-US" altLang="ja-JP" dirty="0" err="1">
+                <a:solidFill>
+                  <a:schemeClr val="tx1"/>
+                </a:solidFill>
+              </a:rPr>
+              <a:t>B</a:t>
+            </a:r>
+            <a:r>
+              <a:rPr kumimoji="1" lang="en-US" altLang="ja-JP" dirty="0" err="1" smtClean="0">
+                <a:solidFill>
+                  <a:schemeClr val="tx1"/>
+                </a:solidFill>
+              </a:rPr>
+              <a:t>.m</a:t>
+            </a:r>
+            <a:endParaRPr kumimoji="1" lang="ja-JP" altLang="en-US" dirty="0">
+              <a:solidFill>
+                <a:schemeClr val="tx1"/>
+              </a:solidFill>
+            </a:endParaRPr>
+          </a:p>
+        </p:txBody>
+      </p:sp>
+      <p:sp>
+        <p:nvSpPr>
+          <p:cNvPr id="8" name="正方形/長方形 7"/>
+          <p:cNvSpPr/>
+          <p:nvPr/>
+        </p:nvSpPr>
+        <p:spPr>
+          <a:xfrm>
+            <a:off x="1122218" y="3809994"/>
+            <a:ext cx="803564" cy="568036"/>
+          </a:xfrm>
+          <a:prstGeom prst="rect">
+            <a:avLst/>
+          </a:prstGeom>
+          <a:solidFill>
+            <a:schemeClr val="accent3">
+              <a:lumMod val="40000"/>
+              <a:lumOff val="60000"/>
+            </a:schemeClr>
+          </a:solidFill>
+        </p:spPr>
+        <p:style>
+          <a:lnRef idx="1">
+            <a:schemeClr val="accent1"/>
+          </a:lnRef>
+          <a:fillRef idx="3">
+            <a:schemeClr val="accent1"/>
+          </a:fillRef>
+          <a:effectRef idx="2">
+            <a:schemeClr val="accent1"/>
+          </a:effectRef>
+          <a:fontRef idx="minor">
+            <a:schemeClr val="lt1"/>
+          </a:fontRef>
+        </p:style>
+        <p:txBody>
+          <a:bodyPr rtlCol="0" anchor="ctr"/>
+          <a:lstStyle/>
+          <a:p>
+            <a:pPr algn="ctr"/>
+            <a:r>
+              <a:rPr lang="en-US" altLang="ja-JP" dirty="0" err="1">
+                <a:solidFill>
+                  <a:schemeClr val="tx1"/>
+                </a:solidFill>
+              </a:rPr>
+              <a:t>C</a:t>
+            </a:r>
+            <a:r>
+              <a:rPr kumimoji="1" lang="en-US" altLang="ja-JP" dirty="0" err="1" smtClean="0">
+                <a:solidFill>
+                  <a:schemeClr val="tx1"/>
+                </a:solidFill>
+              </a:rPr>
+              <a:t>.m</a:t>
+            </a:r>
+            <a:endParaRPr kumimoji="1" lang="ja-JP" altLang="en-US" dirty="0">
+              <a:solidFill>
+                <a:schemeClr val="tx1"/>
+              </a:solidFill>
+            </a:endParaRPr>
+          </a:p>
+        </p:txBody>
+      </p:sp>
+      <p:sp>
+        <p:nvSpPr>
+          <p:cNvPr id="9" name="正方形/長方形 8"/>
+          <p:cNvSpPr/>
+          <p:nvPr/>
+        </p:nvSpPr>
+        <p:spPr>
+          <a:xfrm>
+            <a:off x="1122218" y="4856009"/>
+            <a:ext cx="803564" cy="568036"/>
+          </a:xfrm>
+          <a:prstGeom prst="rect">
+            <a:avLst/>
+          </a:prstGeom>
+          <a:solidFill>
+            <a:schemeClr val="accent3">
+              <a:lumMod val="40000"/>
+              <a:lumOff val="60000"/>
+            </a:schemeClr>
+          </a:solidFill>
+        </p:spPr>
+        <p:style>
+          <a:lnRef idx="1">
+            <a:schemeClr val="accent1"/>
+          </a:lnRef>
+          <a:fillRef idx="3">
+            <a:schemeClr val="accent1"/>
+          </a:fillRef>
+          <a:effectRef idx="2">
+            <a:schemeClr val="accent1"/>
+          </a:effectRef>
+          <a:fontRef idx="minor">
+            <a:schemeClr val="lt1"/>
+          </a:fontRef>
+        </p:style>
+        <p:txBody>
+          <a:bodyPr rtlCol="0" anchor="ctr"/>
+          <a:lstStyle/>
+          <a:p>
+            <a:pPr algn="ctr"/>
+            <a:r>
+              <a:rPr lang="en-US" altLang="ja-JP" dirty="0" err="1">
+                <a:solidFill>
+                  <a:schemeClr val="tx1"/>
+                </a:solidFill>
+              </a:rPr>
+              <a:t>D</a:t>
+            </a:r>
+            <a:r>
+              <a:rPr kumimoji="1" lang="en-US" altLang="ja-JP" dirty="0" err="1" smtClean="0">
+                <a:solidFill>
+                  <a:schemeClr val="tx1"/>
+                </a:solidFill>
+              </a:rPr>
+              <a:t>.m</a:t>
+            </a:r>
+            <a:endParaRPr kumimoji="1" lang="ja-JP" altLang="en-US" dirty="0">
+              <a:solidFill>
+                <a:schemeClr val="tx1"/>
+              </a:solidFill>
+            </a:endParaRPr>
+          </a:p>
+        </p:txBody>
+      </p:sp>
+      <p:cxnSp>
+        <p:nvCxnSpPr>
+          <p:cNvPr id="11" name="直線矢印コネクタ 10"/>
+          <p:cNvCxnSpPr>
+            <a:stCxn id="6" idx="2"/>
+            <a:endCxn id="7" idx="0"/>
+          </p:cNvCxnSpPr>
+          <p:nvPr/>
+        </p:nvCxnSpPr>
+        <p:spPr>
+          <a:xfrm>
+            <a:off x="1524000" y="2286000"/>
+            <a:ext cx="0" cy="477979"/>
+          </a:xfrm>
+          <a:prstGeom prst="straightConnector1">
+            <a:avLst/>
+          </a:prstGeom>
+          <a:ln>
+            <a:tailEnd type="triangle"/>
+          </a:ln>
+        </p:spPr>
+        <p:style>
+          <a:lnRef idx="3">
+            <a:schemeClr val="accent6"/>
+          </a:lnRef>
+          <a:fillRef idx="0">
+            <a:schemeClr val="accent6"/>
+          </a:fillRef>
+          <a:effectRef idx="2">
+            <a:schemeClr val="accent6"/>
+          </a:effectRef>
+          <a:fontRef idx="minor">
+            <a:schemeClr val="tx1"/>
+          </a:fontRef>
+        </p:style>
+      </p:cxnSp>
+      <p:cxnSp>
+        <p:nvCxnSpPr>
+          <p:cNvPr id="14" name="直線矢印コネクタ 13"/>
+          <p:cNvCxnSpPr>
+            <a:stCxn id="7" idx="2"/>
+            <a:endCxn id="8" idx="0"/>
+          </p:cNvCxnSpPr>
+          <p:nvPr/>
+        </p:nvCxnSpPr>
+        <p:spPr>
+          <a:xfrm>
+            <a:off x="1524000" y="3332015"/>
+            <a:ext cx="0" cy="477979"/>
+          </a:xfrm>
+          <a:prstGeom prst="straightConnector1">
+            <a:avLst/>
+          </a:prstGeom>
+          <a:ln>
+            <a:tailEnd type="triangle"/>
+          </a:ln>
+        </p:spPr>
+        <p:style>
+          <a:lnRef idx="3">
+            <a:schemeClr val="accent6"/>
+          </a:lnRef>
+          <a:fillRef idx="0">
+            <a:schemeClr val="accent6"/>
+          </a:fillRef>
+          <a:effectRef idx="2">
+            <a:schemeClr val="accent6"/>
+          </a:effectRef>
+          <a:fontRef idx="minor">
+            <a:schemeClr val="tx1"/>
+          </a:fontRef>
+        </p:style>
+      </p:cxnSp>
+      <p:cxnSp>
+        <p:nvCxnSpPr>
+          <p:cNvPr id="16" name="直線矢印コネクタ 15"/>
+          <p:cNvCxnSpPr>
+            <a:stCxn id="8" idx="2"/>
+            <a:endCxn id="9" idx="0"/>
+          </p:cNvCxnSpPr>
+          <p:nvPr/>
+        </p:nvCxnSpPr>
+        <p:spPr>
+          <a:xfrm>
+            <a:off x="1524000" y="4378030"/>
+            <a:ext cx="0" cy="477979"/>
+          </a:xfrm>
+          <a:prstGeom prst="straightConnector1">
+            <a:avLst/>
+          </a:prstGeom>
+          <a:ln>
+            <a:tailEnd type="triangle"/>
+          </a:ln>
+        </p:spPr>
+        <p:style>
+          <a:lnRef idx="3">
+            <a:schemeClr val="accent6"/>
+          </a:lnRef>
+          <a:fillRef idx="0">
+            <a:schemeClr val="accent6"/>
+          </a:fillRef>
+          <a:effectRef idx="2">
+            <a:schemeClr val="accent6"/>
+          </a:effectRef>
+          <a:fontRef idx="minor">
+            <a:schemeClr val="tx1"/>
+          </a:fontRef>
+        </p:style>
+      </p:cxnSp>
+      <p:sp>
+        <p:nvSpPr>
+          <p:cNvPr id="25" name="テキスト ボックス 24"/>
+          <p:cNvSpPr txBox="1"/>
+          <p:nvPr/>
+        </p:nvSpPr>
+        <p:spPr>
+          <a:xfrm>
+            <a:off x="662398" y="965262"/>
+            <a:ext cx="4113627" cy="369332"/>
+          </a:xfrm>
+          <a:prstGeom prst="rect">
+            <a:avLst/>
+          </a:prstGeom>
+          <a:noFill/>
+        </p:spPr>
+        <p:txBody>
+          <a:bodyPr wrap="none" rtlCol="0">
+            <a:spAutoFit/>
+          </a:bodyPr>
+          <a:lstStyle/>
+          <a:p>
+            <a:r>
+              <a:rPr kumimoji="1" lang="ja-JP" altLang="en-US" dirty="0" smtClean="0"/>
+              <a:t>１）ソースコードを読み込</a:t>
+            </a:r>
+            <a:r>
+              <a:rPr lang="ja-JP" altLang="en-US" dirty="0" smtClean="0"/>
+              <a:t>み</a:t>
+            </a:r>
+            <a:r>
+              <a:rPr lang="ja-JP" altLang="en-US" dirty="0"/>
+              <a:t>流れ</a:t>
+            </a:r>
+            <a:r>
+              <a:rPr lang="ja-JP" altLang="en-US" dirty="0" smtClean="0"/>
+              <a:t>を可視化</a:t>
+            </a:r>
+            <a:endParaRPr kumimoji="1" lang="ja-JP" altLang="en-US" dirty="0"/>
+          </a:p>
+        </p:txBody>
+      </p:sp>
+      <p:sp>
+        <p:nvSpPr>
+          <p:cNvPr id="26" name="テキスト ボックス 25"/>
+          <p:cNvSpPr txBox="1"/>
+          <p:nvPr/>
+        </p:nvSpPr>
+        <p:spPr>
+          <a:xfrm>
+            <a:off x="5034838" y="965262"/>
+            <a:ext cx="3651962" cy="369332"/>
+          </a:xfrm>
+          <a:prstGeom prst="rect">
+            <a:avLst/>
+          </a:prstGeom>
+          <a:noFill/>
+        </p:spPr>
+        <p:txBody>
+          <a:bodyPr wrap="none" rtlCol="0">
+            <a:spAutoFit/>
+          </a:bodyPr>
+          <a:lstStyle/>
+          <a:p>
+            <a:r>
+              <a:rPr kumimoji="1" lang="ja-JP" altLang="en-US" dirty="0" smtClean="0"/>
+              <a:t>２）ブロックはマウスで入れ替え可能</a:t>
+            </a:r>
+            <a:endParaRPr kumimoji="1" lang="ja-JP" altLang="en-US" dirty="0"/>
+          </a:p>
+        </p:txBody>
+      </p:sp>
+      <p:sp>
+        <p:nvSpPr>
+          <p:cNvPr id="27" name="正方形/長方形 26"/>
+          <p:cNvSpPr/>
+          <p:nvPr/>
+        </p:nvSpPr>
+        <p:spPr>
+          <a:xfrm>
+            <a:off x="5334000" y="1454721"/>
+            <a:ext cx="2757054" cy="4682843"/>
+          </a:xfrm>
+          <a:prstGeom prst="rect">
+            <a:avLst/>
+          </a:prstGeom>
+        </p:spPr>
+        <p:style>
+          <a:lnRef idx="1">
+            <a:schemeClr val="accent1"/>
+          </a:lnRef>
+          <a:fillRef idx="3">
+            <a:schemeClr val="accent1"/>
+          </a:fillRef>
+          <a:effectRef idx="2">
+            <a:schemeClr val="accent1"/>
+          </a:effectRef>
+          <a:fontRef idx="minor">
+            <a:schemeClr val="lt1"/>
+          </a:fontRef>
+        </p:style>
+        <p:txBody>
+          <a:bodyPr rtlCol="0" anchor="ctr"/>
+          <a:lstStyle/>
+          <a:p>
+            <a:pPr algn="ctr"/>
+            <a:endParaRPr kumimoji="1" lang="ja-JP" altLang="en-US" dirty="0"/>
+          </a:p>
+        </p:txBody>
+      </p:sp>
+      <p:sp>
+        <p:nvSpPr>
+          <p:cNvPr id="28" name="正方形/長方形 27"/>
+          <p:cNvSpPr/>
+          <p:nvPr/>
+        </p:nvSpPr>
+        <p:spPr>
+          <a:xfrm>
+            <a:off x="5680363" y="1717964"/>
+            <a:ext cx="803564" cy="568036"/>
+          </a:xfrm>
+          <a:prstGeom prst="rect">
+            <a:avLst/>
+          </a:prstGeom>
+          <a:solidFill>
+            <a:schemeClr val="accent3">
+              <a:lumMod val="40000"/>
+              <a:lumOff val="60000"/>
+            </a:schemeClr>
+          </a:solidFill>
+        </p:spPr>
+        <p:style>
+          <a:lnRef idx="1">
+            <a:schemeClr val="accent1"/>
+          </a:lnRef>
+          <a:fillRef idx="3">
+            <a:schemeClr val="accent1"/>
+          </a:fillRef>
+          <a:effectRef idx="2">
+            <a:schemeClr val="accent1"/>
+          </a:effectRef>
+          <a:fontRef idx="minor">
+            <a:schemeClr val="lt1"/>
+          </a:fontRef>
+        </p:style>
+        <p:txBody>
+          <a:bodyPr rtlCol="0" anchor="ctr"/>
+          <a:lstStyle/>
+          <a:p>
+            <a:pPr algn="ctr"/>
+            <a:r>
+              <a:rPr kumimoji="1" lang="en-US" altLang="ja-JP" dirty="0" err="1" smtClean="0">
+                <a:solidFill>
+                  <a:schemeClr val="tx1"/>
+                </a:solidFill>
+              </a:rPr>
+              <a:t>A.m</a:t>
+            </a:r>
+            <a:endParaRPr kumimoji="1" lang="ja-JP" altLang="en-US" dirty="0">
+              <a:solidFill>
+                <a:schemeClr val="tx1"/>
+              </a:solidFill>
+            </a:endParaRPr>
+          </a:p>
+        </p:txBody>
+      </p:sp>
+      <p:sp>
+        <p:nvSpPr>
+          <p:cNvPr id="29" name="正方形/長方形 28"/>
+          <p:cNvSpPr/>
+          <p:nvPr/>
+        </p:nvSpPr>
+        <p:spPr>
+          <a:xfrm>
+            <a:off x="5680363" y="2743194"/>
+            <a:ext cx="803564" cy="568036"/>
+          </a:xfrm>
+          <a:prstGeom prst="rect">
+            <a:avLst/>
+          </a:prstGeom>
+          <a:solidFill>
+            <a:schemeClr val="accent3">
+              <a:lumMod val="40000"/>
+              <a:lumOff val="60000"/>
+            </a:schemeClr>
+          </a:solidFill>
+        </p:spPr>
+        <p:style>
+          <a:lnRef idx="1">
+            <a:schemeClr val="accent1"/>
+          </a:lnRef>
+          <a:fillRef idx="3">
+            <a:schemeClr val="accent1"/>
+          </a:fillRef>
+          <a:effectRef idx="2">
+            <a:schemeClr val="accent1"/>
+          </a:effectRef>
+          <a:fontRef idx="minor">
+            <a:schemeClr val="lt1"/>
+          </a:fontRef>
+        </p:style>
+        <p:txBody>
+          <a:bodyPr rtlCol="0" anchor="ctr"/>
+          <a:lstStyle/>
+          <a:p>
+            <a:pPr algn="ctr"/>
+            <a:r>
+              <a:rPr lang="en-US" altLang="ja-JP" dirty="0" err="1">
+                <a:solidFill>
+                  <a:schemeClr val="tx1"/>
+                </a:solidFill>
+              </a:rPr>
+              <a:t>B</a:t>
+            </a:r>
+            <a:r>
+              <a:rPr kumimoji="1" lang="en-US" altLang="ja-JP" dirty="0" err="1" smtClean="0">
+                <a:solidFill>
+                  <a:schemeClr val="tx1"/>
+                </a:solidFill>
+              </a:rPr>
+              <a:t>.m</a:t>
+            </a:r>
+            <a:endParaRPr kumimoji="1" lang="ja-JP" altLang="en-US" dirty="0">
+              <a:solidFill>
+                <a:schemeClr val="tx1"/>
+              </a:solidFill>
+            </a:endParaRPr>
+          </a:p>
+        </p:txBody>
+      </p:sp>
+      <p:sp>
+        <p:nvSpPr>
+          <p:cNvPr id="30" name="正方形/長方形 29"/>
+          <p:cNvSpPr/>
+          <p:nvPr/>
+        </p:nvSpPr>
+        <p:spPr>
+          <a:xfrm>
+            <a:off x="5680363" y="3809994"/>
+            <a:ext cx="803564" cy="568036"/>
+          </a:xfrm>
+          <a:prstGeom prst="rect">
+            <a:avLst/>
+          </a:prstGeom>
+          <a:solidFill>
+            <a:schemeClr val="accent3">
+              <a:lumMod val="40000"/>
+              <a:lumOff val="60000"/>
+            </a:schemeClr>
+          </a:solidFill>
+        </p:spPr>
+        <p:style>
+          <a:lnRef idx="1">
+            <a:schemeClr val="accent1"/>
+          </a:lnRef>
+          <a:fillRef idx="3">
+            <a:schemeClr val="accent1"/>
+          </a:fillRef>
+          <a:effectRef idx="2">
+            <a:schemeClr val="accent1"/>
+          </a:effectRef>
+          <a:fontRef idx="minor">
+            <a:schemeClr val="lt1"/>
+          </a:fontRef>
+        </p:style>
+        <p:txBody>
+          <a:bodyPr rtlCol="0" anchor="ctr"/>
+          <a:lstStyle/>
+          <a:p>
+            <a:pPr algn="ctr"/>
+            <a:r>
+              <a:rPr lang="en-US" altLang="ja-JP" dirty="0" err="1">
+                <a:solidFill>
+                  <a:schemeClr val="tx1"/>
+                </a:solidFill>
+              </a:rPr>
+              <a:t>C</a:t>
+            </a:r>
+            <a:r>
+              <a:rPr kumimoji="1" lang="en-US" altLang="ja-JP" dirty="0" err="1" smtClean="0">
+                <a:solidFill>
+                  <a:schemeClr val="tx1"/>
+                </a:solidFill>
+              </a:rPr>
+              <a:t>.m</a:t>
+            </a:r>
+            <a:endParaRPr kumimoji="1" lang="ja-JP" altLang="en-US" dirty="0">
+              <a:solidFill>
+                <a:schemeClr val="tx1"/>
+              </a:solidFill>
+            </a:endParaRPr>
+          </a:p>
+        </p:txBody>
+      </p:sp>
+      <p:sp>
+        <p:nvSpPr>
+          <p:cNvPr id="31" name="正方形/長方形 30"/>
+          <p:cNvSpPr/>
+          <p:nvPr/>
+        </p:nvSpPr>
+        <p:spPr>
+          <a:xfrm>
+            <a:off x="5680363" y="4856009"/>
+            <a:ext cx="803564" cy="568036"/>
+          </a:xfrm>
+          <a:prstGeom prst="rect">
+            <a:avLst/>
+          </a:prstGeom>
+          <a:solidFill>
+            <a:schemeClr val="accent3">
+              <a:lumMod val="40000"/>
+              <a:lumOff val="60000"/>
+            </a:schemeClr>
+          </a:solidFill>
+        </p:spPr>
+        <p:style>
+          <a:lnRef idx="1">
+            <a:schemeClr val="accent1"/>
+          </a:lnRef>
+          <a:fillRef idx="3">
+            <a:schemeClr val="accent1"/>
+          </a:fillRef>
+          <a:effectRef idx="2">
+            <a:schemeClr val="accent1"/>
+          </a:effectRef>
+          <a:fontRef idx="minor">
+            <a:schemeClr val="lt1"/>
+          </a:fontRef>
+        </p:style>
+        <p:txBody>
+          <a:bodyPr rtlCol="0" anchor="ctr"/>
+          <a:lstStyle/>
+          <a:p>
+            <a:pPr algn="ctr"/>
+            <a:r>
+              <a:rPr lang="en-US" altLang="ja-JP" dirty="0" err="1">
+                <a:solidFill>
+                  <a:schemeClr val="tx1"/>
+                </a:solidFill>
+              </a:rPr>
+              <a:t>D</a:t>
+            </a:r>
+            <a:r>
+              <a:rPr kumimoji="1" lang="en-US" altLang="ja-JP" dirty="0" err="1" smtClean="0">
+                <a:solidFill>
+                  <a:schemeClr val="tx1"/>
+                </a:solidFill>
+              </a:rPr>
+              <a:t>.m</a:t>
+            </a:r>
+            <a:endParaRPr kumimoji="1" lang="ja-JP" altLang="en-US" dirty="0">
+              <a:solidFill>
+                <a:schemeClr val="tx1"/>
+              </a:solidFill>
+            </a:endParaRPr>
+          </a:p>
+        </p:txBody>
+      </p:sp>
+      <p:cxnSp>
+        <p:nvCxnSpPr>
+          <p:cNvPr id="32" name="直線矢印コネクタ 31"/>
+          <p:cNvCxnSpPr>
+            <a:stCxn id="28" idx="2"/>
+            <a:endCxn id="29" idx="0"/>
+          </p:cNvCxnSpPr>
+          <p:nvPr/>
+        </p:nvCxnSpPr>
+        <p:spPr>
+          <a:xfrm>
+            <a:off x="6082145" y="2286000"/>
+            <a:ext cx="0" cy="457194"/>
+          </a:xfrm>
+          <a:prstGeom prst="straightConnector1">
+            <a:avLst/>
+          </a:prstGeom>
+          <a:ln>
+            <a:tailEnd type="triangle"/>
+          </a:ln>
+        </p:spPr>
+        <p:style>
+          <a:lnRef idx="3">
+            <a:schemeClr val="accent6"/>
+          </a:lnRef>
+          <a:fillRef idx="0">
+            <a:schemeClr val="accent6"/>
+          </a:fillRef>
+          <a:effectRef idx="2">
+            <a:schemeClr val="accent6"/>
+          </a:effectRef>
+          <a:fontRef idx="minor">
+            <a:schemeClr val="tx1"/>
+          </a:fontRef>
+        </p:style>
+      </p:cxnSp>
+      <p:cxnSp>
+        <p:nvCxnSpPr>
+          <p:cNvPr id="33" name="直線矢印コネクタ 32"/>
+          <p:cNvCxnSpPr>
+            <a:stCxn id="30" idx="2"/>
+            <a:endCxn id="31" idx="0"/>
+          </p:cNvCxnSpPr>
+          <p:nvPr/>
+        </p:nvCxnSpPr>
+        <p:spPr>
+          <a:xfrm>
+            <a:off x="6082145" y="4378030"/>
+            <a:ext cx="0" cy="477979"/>
+          </a:xfrm>
+          <a:prstGeom prst="straightConnector1">
+            <a:avLst/>
+          </a:prstGeom>
+          <a:ln>
+            <a:tailEnd type="triangle"/>
+          </a:ln>
+        </p:spPr>
+        <p:style>
+          <a:lnRef idx="3">
+            <a:schemeClr val="accent6"/>
+          </a:lnRef>
+          <a:fillRef idx="0">
+            <a:schemeClr val="accent6"/>
+          </a:fillRef>
+          <a:effectRef idx="2">
+            <a:schemeClr val="accent6"/>
+          </a:effectRef>
+          <a:fontRef idx="minor">
+            <a:schemeClr val="tx1"/>
+          </a:fontRef>
+        </p:style>
+      </p:cxnSp>
+      <p:cxnSp>
+        <p:nvCxnSpPr>
+          <p:cNvPr id="34" name="直線矢印コネクタ 33"/>
+          <p:cNvCxnSpPr>
+            <a:stCxn id="29" idx="2"/>
+            <a:endCxn id="30" idx="0"/>
+          </p:cNvCxnSpPr>
+          <p:nvPr/>
+        </p:nvCxnSpPr>
+        <p:spPr>
+          <a:xfrm>
+            <a:off x="6082145" y="3311230"/>
+            <a:ext cx="0" cy="498764"/>
+          </a:xfrm>
+          <a:prstGeom prst="straightConnector1">
+            <a:avLst/>
+          </a:prstGeom>
+          <a:ln>
+            <a:tailEnd type="triangle"/>
+          </a:ln>
+        </p:spPr>
+        <p:style>
+          <a:lnRef idx="3">
+            <a:schemeClr val="accent6"/>
+          </a:lnRef>
+          <a:fillRef idx="0">
+            <a:schemeClr val="accent6"/>
+          </a:fillRef>
+          <a:effectRef idx="2">
+            <a:schemeClr val="accent6"/>
+          </a:effectRef>
+          <a:fontRef idx="minor">
+            <a:schemeClr val="tx1"/>
+          </a:fontRef>
+        </p:style>
+      </p:cxnSp>
+      <p:sp>
+        <p:nvSpPr>
+          <p:cNvPr id="44" name="左カーブ矢印 43"/>
+          <p:cNvSpPr/>
+          <p:nvPr/>
+        </p:nvSpPr>
+        <p:spPr>
+          <a:xfrm>
+            <a:off x="6502974" y="3047997"/>
+            <a:ext cx="729097" cy="1046015"/>
+          </a:xfrm>
+          <a:prstGeom prst="curvedLeftArrow">
+            <a:avLst/>
+          </a:prstGeom>
+          <a:solidFill>
+            <a:schemeClr val="accent2"/>
+          </a:solidFill>
+        </p:spPr>
+        <p:style>
+          <a:lnRef idx="1">
+            <a:schemeClr val="accent1"/>
+          </a:lnRef>
+          <a:fillRef idx="3">
+            <a:schemeClr val="accent1"/>
+          </a:fillRef>
+          <a:effectRef idx="2">
+            <a:schemeClr val="accent1"/>
+          </a:effectRef>
+          <a:fontRef idx="minor">
+            <a:schemeClr val="lt1"/>
+          </a:fontRef>
+        </p:style>
+        <p:txBody>
+          <a:bodyPr rtlCol="0" anchor="ctr"/>
+          <a:lstStyle/>
+          <a:p>
+            <a:pPr algn="ctr"/>
+            <a:endParaRPr kumimoji="1" lang="ja-JP" altLang="en-US">
+              <a:solidFill>
+                <a:schemeClr val="tx1"/>
+              </a:solidFill>
+            </a:endParaRPr>
+          </a:p>
+        </p:txBody>
+      </p:sp>
+    </p:spTree>
+    <p:extLst>
+      <p:ext uri="{BB962C8B-B14F-4D97-AF65-F5344CB8AC3E}">
+        <p14:creationId xmlns:p14="http://schemas.microsoft.com/office/powerpoint/2010/main" val="3119983928"/>
+      </p:ext>
+    </p:extLst>
+  </p:cSld>
+  <p:clrMapOvr>
+    <a:masterClrMapping/>
+  </p:clrMapOvr>
+  <p:timing>
+    <p:tnLst>
+      <p:par>
+        <p:cTn id="1" dur="indefinite" restart="never" nodeType="tmRoot"/>
+      </p:par>
+    </p:tnLst>
+  </p:timing>
+</p:sld>
+</file>
+
+<file path=ppt/slides/slide18.xml><?xml version="1.0" encoding="utf-8"?>
+<p:sld xmlns:a="http://schemas.openxmlformats.org/drawingml/2006/main" xmlns:r="http://schemas.openxmlformats.org/officeDocument/2006/relationships" xmlns:p="http://schemas.openxmlformats.org/presentationml/2006/main">
+  <p:cSld>
+    <p:spTree>
+      <p:nvGrpSpPr>
+        <p:cNvPr id="1" name=""/>
+        <p:cNvGrpSpPr/>
+        <p:nvPr/>
+      </p:nvGrpSpPr>
+      <p:grpSpPr>
+        <a:xfrm>
+          <a:off x="0" y="0"/>
+          <a:ext cx="0" cy="0"/>
+          <a:chOff x="0" y="0"/>
+          <a:chExt cx="0" cy="0"/>
+        </a:xfrm>
+      </p:grpSpPr>
+      <p:sp>
+        <p:nvSpPr>
+          <p:cNvPr id="2" name="タイトル 1"/>
+          <p:cNvSpPr>
+            <a:spLocks noGrp="1"/>
+          </p:cNvSpPr>
+          <p:nvPr>
+            <p:ph type="title"/>
+          </p:nvPr>
+        </p:nvSpPr>
+        <p:spPr>
+          <a:xfrm>
+            <a:off x="457200" y="274638"/>
+            <a:ext cx="8229600" cy="653617"/>
+          </a:xfrm>
+        </p:spPr>
+        <p:txBody>
+          <a:bodyPr>
+            <a:normAutofit fontScale="90000"/>
+          </a:bodyPr>
+          <a:lstStyle/>
+          <a:p>
+            <a:r>
+              <a:rPr kumimoji="1" lang="ja-JP" altLang="en-US" dirty="0" smtClean="0"/>
+              <a:t>イメージ</a:t>
+            </a:r>
+            <a:endParaRPr kumimoji="1" lang="ja-JP" altLang="en-US" dirty="0"/>
+          </a:p>
+        </p:txBody>
+      </p:sp>
+      <p:sp>
+        <p:nvSpPr>
+          <p:cNvPr id="4" name="テキスト ボックス 3"/>
+          <p:cNvSpPr txBox="1"/>
+          <p:nvPr/>
+        </p:nvSpPr>
+        <p:spPr>
+          <a:xfrm>
+            <a:off x="803560" y="1011386"/>
+            <a:ext cx="5684569" cy="369332"/>
+          </a:xfrm>
+          <a:prstGeom prst="rect">
+            <a:avLst/>
+          </a:prstGeom>
+          <a:noFill/>
+        </p:spPr>
+        <p:txBody>
+          <a:bodyPr wrap="none" rtlCol="0">
+            <a:spAutoFit/>
+          </a:bodyPr>
+          <a:lstStyle/>
+          <a:p>
+            <a:r>
+              <a:rPr kumimoji="1" lang="ja-JP" altLang="en-US" dirty="0" smtClean="0"/>
+              <a:t>３）各ブロックではベンチマークができる</a:t>
+            </a:r>
+            <a:r>
+              <a:rPr kumimoji="1" lang="en-US" altLang="ja-JP" dirty="0" smtClean="0"/>
+              <a:t>(</a:t>
+            </a:r>
+            <a:r>
+              <a:rPr lang="ja-JP" altLang="en-US" dirty="0"/>
+              <a:t>良い方</a:t>
+            </a:r>
+            <a:r>
+              <a:rPr lang="ja-JP" altLang="en-US" dirty="0" smtClean="0"/>
+              <a:t>を選べる）</a:t>
+            </a:r>
+            <a:endParaRPr kumimoji="1" lang="en-US" altLang="ja-JP" dirty="0" smtClean="0"/>
+          </a:p>
+        </p:txBody>
+      </p:sp>
+      <p:sp>
+        <p:nvSpPr>
+          <p:cNvPr id="5" name="正方形/長方形 4"/>
+          <p:cNvSpPr/>
+          <p:nvPr/>
+        </p:nvSpPr>
+        <p:spPr>
+          <a:xfrm>
+            <a:off x="886691" y="1380718"/>
+            <a:ext cx="5624945" cy="4682843"/>
+          </a:xfrm>
+          <a:prstGeom prst="rect">
+            <a:avLst/>
+          </a:prstGeom>
+        </p:spPr>
+        <p:style>
+          <a:lnRef idx="1">
+            <a:schemeClr val="accent1"/>
+          </a:lnRef>
+          <a:fillRef idx="3">
+            <a:schemeClr val="accent1"/>
+          </a:fillRef>
+          <a:effectRef idx="2">
+            <a:schemeClr val="accent1"/>
+          </a:effectRef>
+          <a:fontRef idx="minor">
+            <a:schemeClr val="lt1"/>
+          </a:fontRef>
+        </p:style>
+        <p:txBody>
+          <a:bodyPr rtlCol="0" anchor="ctr"/>
+          <a:lstStyle/>
+          <a:p>
+            <a:pPr algn="ctr"/>
+            <a:endParaRPr kumimoji="1" lang="ja-JP" altLang="en-US" dirty="0"/>
+          </a:p>
+        </p:txBody>
+      </p:sp>
+      <p:sp>
+        <p:nvSpPr>
+          <p:cNvPr id="6" name="正方形/長方形 5"/>
+          <p:cNvSpPr/>
+          <p:nvPr/>
+        </p:nvSpPr>
+        <p:spPr>
+          <a:xfrm>
+            <a:off x="1149928" y="1717964"/>
+            <a:ext cx="803564" cy="568036"/>
+          </a:xfrm>
+          <a:prstGeom prst="rect">
+            <a:avLst/>
+          </a:prstGeom>
+          <a:solidFill>
+            <a:schemeClr val="accent3">
+              <a:lumMod val="40000"/>
+              <a:lumOff val="60000"/>
+            </a:schemeClr>
+          </a:solidFill>
+        </p:spPr>
+        <p:style>
+          <a:lnRef idx="1">
+            <a:schemeClr val="accent1"/>
+          </a:lnRef>
+          <a:fillRef idx="3">
+            <a:schemeClr val="accent1"/>
+          </a:fillRef>
+          <a:effectRef idx="2">
+            <a:schemeClr val="accent1"/>
+          </a:effectRef>
+          <a:fontRef idx="minor">
+            <a:schemeClr val="lt1"/>
+          </a:fontRef>
+        </p:style>
+        <p:txBody>
+          <a:bodyPr rtlCol="0" anchor="ctr"/>
+          <a:lstStyle/>
+          <a:p>
+            <a:pPr algn="ctr"/>
+            <a:r>
+              <a:rPr kumimoji="1" lang="en-US" altLang="ja-JP" dirty="0" err="1" smtClean="0">
+                <a:solidFill>
+                  <a:schemeClr val="tx1"/>
+                </a:solidFill>
+              </a:rPr>
+              <a:t>A.m</a:t>
+            </a:r>
+            <a:endParaRPr kumimoji="1" lang="ja-JP" altLang="en-US" dirty="0">
+              <a:solidFill>
+                <a:schemeClr val="tx1"/>
+              </a:solidFill>
+            </a:endParaRPr>
+          </a:p>
+        </p:txBody>
+      </p:sp>
+      <p:sp>
+        <p:nvSpPr>
+          <p:cNvPr id="7" name="正方形/長方形 6"/>
+          <p:cNvSpPr/>
+          <p:nvPr/>
+        </p:nvSpPr>
+        <p:spPr>
+          <a:xfrm>
+            <a:off x="1149928" y="2763979"/>
+            <a:ext cx="803564" cy="568036"/>
+          </a:xfrm>
+          <a:prstGeom prst="rect">
+            <a:avLst/>
+          </a:prstGeom>
+          <a:solidFill>
+            <a:schemeClr val="accent3">
+              <a:lumMod val="40000"/>
+              <a:lumOff val="60000"/>
+            </a:schemeClr>
+          </a:solidFill>
+        </p:spPr>
+        <p:style>
+          <a:lnRef idx="1">
+            <a:schemeClr val="accent1"/>
+          </a:lnRef>
+          <a:fillRef idx="3">
+            <a:schemeClr val="accent1"/>
+          </a:fillRef>
+          <a:effectRef idx="2">
+            <a:schemeClr val="accent1"/>
+          </a:effectRef>
+          <a:fontRef idx="minor">
+            <a:schemeClr val="lt1"/>
+          </a:fontRef>
+        </p:style>
+        <p:txBody>
+          <a:bodyPr rtlCol="0" anchor="ctr"/>
+          <a:lstStyle/>
+          <a:p>
+            <a:pPr algn="ctr"/>
+            <a:r>
+              <a:rPr lang="en-US" altLang="ja-JP" dirty="0" err="1">
+                <a:solidFill>
+                  <a:schemeClr val="tx1"/>
+                </a:solidFill>
+              </a:rPr>
+              <a:t>B</a:t>
+            </a:r>
+            <a:r>
+              <a:rPr kumimoji="1" lang="en-US" altLang="ja-JP" dirty="0" err="1" smtClean="0">
+                <a:solidFill>
+                  <a:schemeClr val="tx1"/>
+                </a:solidFill>
+              </a:rPr>
+              <a:t>.m</a:t>
+            </a:r>
+            <a:endParaRPr kumimoji="1" lang="ja-JP" altLang="en-US" dirty="0">
+              <a:solidFill>
+                <a:schemeClr val="tx1"/>
+              </a:solidFill>
+            </a:endParaRPr>
+          </a:p>
+        </p:txBody>
+      </p:sp>
+      <p:sp>
+        <p:nvSpPr>
+          <p:cNvPr id="8" name="正方形/長方形 7"/>
+          <p:cNvSpPr/>
+          <p:nvPr/>
+        </p:nvSpPr>
+        <p:spPr>
+          <a:xfrm>
+            <a:off x="1149928" y="3809994"/>
+            <a:ext cx="803564" cy="568036"/>
+          </a:xfrm>
+          <a:prstGeom prst="rect">
+            <a:avLst/>
+          </a:prstGeom>
+          <a:solidFill>
+            <a:schemeClr val="accent3">
+              <a:lumMod val="40000"/>
+              <a:lumOff val="60000"/>
+            </a:schemeClr>
+          </a:solidFill>
+        </p:spPr>
+        <p:style>
+          <a:lnRef idx="1">
+            <a:schemeClr val="accent1"/>
+          </a:lnRef>
+          <a:fillRef idx="3">
+            <a:schemeClr val="accent1"/>
+          </a:fillRef>
+          <a:effectRef idx="2">
+            <a:schemeClr val="accent1"/>
+          </a:effectRef>
+          <a:fontRef idx="minor">
+            <a:schemeClr val="lt1"/>
+          </a:fontRef>
+        </p:style>
+        <p:txBody>
+          <a:bodyPr rtlCol="0" anchor="ctr"/>
+          <a:lstStyle/>
+          <a:p>
+            <a:pPr algn="ctr"/>
+            <a:r>
+              <a:rPr lang="en-US" altLang="ja-JP" dirty="0" err="1">
+                <a:solidFill>
+                  <a:schemeClr val="tx1"/>
+                </a:solidFill>
+              </a:rPr>
+              <a:t>C</a:t>
+            </a:r>
+            <a:r>
+              <a:rPr kumimoji="1" lang="en-US" altLang="ja-JP" dirty="0" err="1" smtClean="0">
+                <a:solidFill>
+                  <a:schemeClr val="tx1"/>
+                </a:solidFill>
+              </a:rPr>
+              <a:t>.m</a:t>
+            </a:r>
+            <a:endParaRPr kumimoji="1" lang="ja-JP" altLang="en-US" dirty="0">
+              <a:solidFill>
+                <a:schemeClr val="tx1"/>
+              </a:solidFill>
+            </a:endParaRPr>
+          </a:p>
+        </p:txBody>
+      </p:sp>
+      <p:sp>
+        <p:nvSpPr>
+          <p:cNvPr id="9" name="正方形/長方形 8"/>
+          <p:cNvSpPr/>
+          <p:nvPr/>
+        </p:nvSpPr>
+        <p:spPr>
+          <a:xfrm>
+            <a:off x="1149928" y="4856009"/>
+            <a:ext cx="803564" cy="568036"/>
+          </a:xfrm>
+          <a:prstGeom prst="rect">
+            <a:avLst/>
+          </a:prstGeom>
+          <a:solidFill>
+            <a:schemeClr val="accent3">
+              <a:lumMod val="40000"/>
+              <a:lumOff val="60000"/>
+            </a:schemeClr>
+          </a:solidFill>
+        </p:spPr>
+        <p:style>
+          <a:lnRef idx="1">
+            <a:schemeClr val="accent1"/>
+          </a:lnRef>
+          <a:fillRef idx="3">
+            <a:schemeClr val="accent1"/>
+          </a:fillRef>
+          <a:effectRef idx="2">
+            <a:schemeClr val="accent1"/>
+          </a:effectRef>
+          <a:fontRef idx="minor">
+            <a:schemeClr val="lt1"/>
+          </a:fontRef>
+        </p:style>
+        <p:txBody>
+          <a:bodyPr rtlCol="0" anchor="ctr"/>
+          <a:lstStyle/>
+          <a:p>
+            <a:pPr algn="ctr"/>
+            <a:r>
+              <a:rPr lang="en-US" altLang="ja-JP" dirty="0" err="1">
+                <a:solidFill>
+                  <a:schemeClr val="tx1"/>
+                </a:solidFill>
+              </a:rPr>
+              <a:t>D</a:t>
+            </a:r>
+            <a:r>
+              <a:rPr kumimoji="1" lang="en-US" altLang="ja-JP" dirty="0" err="1" smtClean="0">
+                <a:solidFill>
+                  <a:schemeClr val="tx1"/>
+                </a:solidFill>
+              </a:rPr>
+              <a:t>.m</a:t>
+            </a:r>
+            <a:endParaRPr kumimoji="1" lang="ja-JP" altLang="en-US" dirty="0">
+              <a:solidFill>
+                <a:schemeClr val="tx1"/>
+              </a:solidFill>
+            </a:endParaRPr>
+          </a:p>
+        </p:txBody>
+      </p:sp>
+      <p:cxnSp>
+        <p:nvCxnSpPr>
+          <p:cNvPr id="10" name="直線矢印コネクタ 9"/>
+          <p:cNvCxnSpPr>
+            <a:stCxn id="6" idx="2"/>
+            <a:endCxn id="7" idx="0"/>
+          </p:cNvCxnSpPr>
+          <p:nvPr/>
+        </p:nvCxnSpPr>
+        <p:spPr>
+          <a:xfrm>
+            <a:off x="1551710" y="2286000"/>
+            <a:ext cx="0" cy="477979"/>
+          </a:xfrm>
+          <a:prstGeom prst="straightConnector1">
+            <a:avLst/>
+          </a:prstGeom>
+          <a:ln>
+            <a:tailEnd type="triangle"/>
+          </a:ln>
+        </p:spPr>
+        <p:style>
+          <a:lnRef idx="3">
+            <a:schemeClr val="accent6"/>
+          </a:lnRef>
+          <a:fillRef idx="0">
+            <a:schemeClr val="accent6"/>
+          </a:fillRef>
+          <a:effectRef idx="2">
+            <a:schemeClr val="accent6"/>
+          </a:effectRef>
+          <a:fontRef idx="minor">
+            <a:schemeClr val="tx1"/>
+          </a:fontRef>
+        </p:style>
+      </p:cxnSp>
+      <p:cxnSp>
+        <p:nvCxnSpPr>
+          <p:cNvPr id="11" name="直線矢印コネクタ 10"/>
+          <p:cNvCxnSpPr>
+            <a:stCxn id="7" idx="2"/>
+            <a:endCxn id="8" idx="0"/>
+          </p:cNvCxnSpPr>
+          <p:nvPr/>
+        </p:nvCxnSpPr>
+        <p:spPr>
+          <a:xfrm>
+            <a:off x="1551710" y="3332015"/>
+            <a:ext cx="0" cy="477979"/>
+          </a:xfrm>
+          <a:prstGeom prst="straightConnector1">
+            <a:avLst/>
+          </a:prstGeom>
+          <a:ln>
+            <a:tailEnd type="triangle"/>
+          </a:ln>
+        </p:spPr>
+        <p:style>
+          <a:lnRef idx="3">
+            <a:schemeClr val="accent6"/>
+          </a:lnRef>
+          <a:fillRef idx="0">
+            <a:schemeClr val="accent6"/>
+          </a:fillRef>
+          <a:effectRef idx="2">
+            <a:schemeClr val="accent6"/>
+          </a:effectRef>
+          <a:fontRef idx="minor">
+            <a:schemeClr val="tx1"/>
+          </a:fontRef>
+        </p:style>
+      </p:cxnSp>
+      <p:cxnSp>
+        <p:nvCxnSpPr>
+          <p:cNvPr id="12" name="直線矢印コネクタ 11"/>
+          <p:cNvCxnSpPr>
+            <a:stCxn id="8" idx="2"/>
+            <a:endCxn id="9" idx="0"/>
+          </p:cNvCxnSpPr>
+          <p:nvPr/>
+        </p:nvCxnSpPr>
+        <p:spPr>
+          <a:xfrm>
+            <a:off x="1551710" y="4378030"/>
+            <a:ext cx="0" cy="477979"/>
+          </a:xfrm>
+          <a:prstGeom prst="straightConnector1">
+            <a:avLst/>
+          </a:prstGeom>
+          <a:ln>
+            <a:tailEnd type="triangle"/>
+          </a:ln>
+        </p:spPr>
+        <p:style>
+          <a:lnRef idx="3">
+            <a:schemeClr val="accent6"/>
+          </a:lnRef>
+          <a:fillRef idx="0">
+            <a:schemeClr val="accent6"/>
+          </a:fillRef>
+          <a:effectRef idx="2">
+            <a:schemeClr val="accent6"/>
+          </a:effectRef>
+          <a:fontRef idx="minor">
+            <a:schemeClr val="tx1"/>
+          </a:fontRef>
+        </p:style>
+      </p:cxnSp>
+      <p:sp>
+        <p:nvSpPr>
+          <p:cNvPr id="13" name="正方形/長方形 12"/>
+          <p:cNvSpPr/>
+          <p:nvPr/>
+        </p:nvSpPr>
+        <p:spPr>
+          <a:xfrm>
+            <a:off x="2396837" y="2763979"/>
+            <a:ext cx="803564" cy="568036"/>
+          </a:xfrm>
+          <a:prstGeom prst="rect">
+            <a:avLst/>
+          </a:prstGeom>
+          <a:solidFill>
+            <a:schemeClr val="accent3">
+              <a:lumMod val="40000"/>
+              <a:lumOff val="60000"/>
+            </a:schemeClr>
+          </a:solidFill>
+        </p:spPr>
+        <p:style>
+          <a:lnRef idx="1">
+            <a:schemeClr val="accent1"/>
+          </a:lnRef>
+          <a:fillRef idx="3">
+            <a:schemeClr val="accent1"/>
+          </a:fillRef>
+          <a:effectRef idx="2">
+            <a:schemeClr val="accent1"/>
+          </a:effectRef>
+          <a:fontRef idx="minor">
+            <a:schemeClr val="lt1"/>
+          </a:fontRef>
+        </p:style>
+        <p:txBody>
+          <a:bodyPr rtlCol="0" anchor="ctr"/>
+          <a:lstStyle/>
+          <a:p>
+            <a:pPr algn="ctr"/>
+            <a:r>
+              <a:rPr lang="en-US" altLang="ja-JP" dirty="0" err="1" smtClean="0">
+                <a:solidFill>
+                  <a:schemeClr val="tx1"/>
+                </a:solidFill>
+              </a:rPr>
+              <a:t>BB</a:t>
+            </a:r>
+            <a:r>
+              <a:rPr kumimoji="1" lang="en-US" altLang="ja-JP" dirty="0" err="1" smtClean="0">
+                <a:solidFill>
+                  <a:schemeClr val="tx1"/>
+                </a:solidFill>
+              </a:rPr>
+              <a:t>.m</a:t>
+            </a:r>
+            <a:endParaRPr kumimoji="1" lang="ja-JP" altLang="en-US" dirty="0">
+              <a:solidFill>
+                <a:schemeClr val="tx1"/>
+              </a:solidFill>
+            </a:endParaRPr>
+          </a:p>
+        </p:txBody>
+      </p:sp>
+      <p:cxnSp>
+        <p:nvCxnSpPr>
+          <p:cNvPr id="15" name="カギ線コネクタ 14"/>
+          <p:cNvCxnSpPr>
+            <a:stCxn id="6" idx="2"/>
+            <a:endCxn id="13" idx="0"/>
+          </p:cNvCxnSpPr>
+          <p:nvPr/>
+        </p:nvCxnSpPr>
+        <p:spPr>
+          <a:xfrm rot="16200000" flipH="1">
+            <a:off x="1936175" y="1901534"/>
+            <a:ext cx="477979" cy="1246909"/>
+          </a:xfrm>
+          <a:prstGeom prst="bentConnector3">
+            <a:avLst/>
+          </a:prstGeom>
+          <a:ln>
+            <a:tailEnd type="triangle"/>
+          </a:ln>
+        </p:spPr>
+        <p:style>
+          <a:lnRef idx="3">
+            <a:schemeClr val="accent2"/>
+          </a:lnRef>
+          <a:fillRef idx="0">
+            <a:schemeClr val="accent2"/>
+          </a:fillRef>
+          <a:effectRef idx="2">
+            <a:schemeClr val="accent2"/>
+          </a:effectRef>
+          <a:fontRef idx="minor">
+            <a:schemeClr val="tx1"/>
+          </a:fontRef>
+        </p:style>
+      </p:cxnSp>
+      <p:cxnSp>
+        <p:nvCxnSpPr>
+          <p:cNvPr id="17" name="カギ線コネクタ 16"/>
+          <p:cNvCxnSpPr>
+            <a:stCxn id="13" idx="2"/>
+            <a:endCxn id="8" idx="0"/>
+          </p:cNvCxnSpPr>
+          <p:nvPr/>
+        </p:nvCxnSpPr>
+        <p:spPr>
+          <a:xfrm rot="5400000">
+            <a:off x="1936176" y="2947550"/>
+            <a:ext cx="477979" cy="1246909"/>
+          </a:xfrm>
+          <a:prstGeom prst="bentConnector3">
+            <a:avLst/>
+          </a:prstGeom>
+          <a:ln>
+            <a:tailEnd type="triangle"/>
+          </a:ln>
+        </p:spPr>
+        <p:style>
+          <a:lnRef idx="3">
+            <a:schemeClr val="accent2"/>
+          </a:lnRef>
+          <a:fillRef idx="0">
+            <a:schemeClr val="accent2"/>
+          </a:fillRef>
+          <a:effectRef idx="2">
+            <a:schemeClr val="accent2"/>
+          </a:effectRef>
+          <a:fontRef idx="minor">
+            <a:schemeClr val="tx1"/>
+          </a:fontRef>
+        </p:style>
+      </p:cxnSp>
+      <p:sp>
+        <p:nvSpPr>
+          <p:cNvPr id="18" name="テキスト ボックス 17"/>
+          <p:cNvSpPr txBox="1"/>
+          <p:nvPr/>
+        </p:nvSpPr>
+        <p:spPr>
+          <a:xfrm>
+            <a:off x="3604070" y="2394647"/>
+            <a:ext cx="700705" cy="369332"/>
+          </a:xfrm>
+          <a:prstGeom prst="rect">
+            <a:avLst/>
+          </a:prstGeom>
+          <a:noFill/>
+        </p:spPr>
+        <p:txBody>
+          <a:bodyPr wrap="none" rtlCol="0">
+            <a:spAutoFit/>
+          </a:bodyPr>
+          <a:lstStyle/>
+          <a:p>
+            <a:r>
+              <a:rPr kumimoji="1" lang="en-US" altLang="ja-JP" b="1" dirty="0" smtClean="0">
+                <a:solidFill>
+                  <a:schemeClr val="bg1"/>
+                </a:solidFill>
+              </a:rPr>
+              <a:t>Score</a:t>
+            </a:r>
+            <a:endParaRPr kumimoji="1" lang="ja-JP" altLang="en-US" b="1" dirty="0">
+              <a:solidFill>
+                <a:schemeClr val="bg1"/>
+              </a:solidFill>
+            </a:endParaRPr>
+          </a:p>
+        </p:txBody>
+      </p:sp>
+      <p:sp>
+        <p:nvSpPr>
+          <p:cNvPr id="19" name="テキスト ボックス 18"/>
+          <p:cNvSpPr txBox="1"/>
+          <p:nvPr/>
+        </p:nvSpPr>
+        <p:spPr>
+          <a:xfrm>
+            <a:off x="3604070" y="2684195"/>
+            <a:ext cx="1508746" cy="646331"/>
+          </a:xfrm>
+          <a:prstGeom prst="rect">
+            <a:avLst/>
+          </a:prstGeom>
+          <a:noFill/>
+        </p:spPr>
+        <p:txBody>
+          <a:bodyPr wrap="none" rtlCol="0">
+            <a:spAutoFit/>
+          </a:bodyPr>
+          <a:lstStyle/>
+          <a:p>
+            <a:r>
+              <a:rPr kumimoji="1" lang="en-US" altLang="ja-JP" b="1" dirty="0" err="1" smtClean="0">
+                <a:solidFill>
+                  <a:schemeClr val="bg1"/>
+                </a:solidFill>
+              </a:rPr>
+              <a:t>B.m</a:t>
+            </a:r>
+            <a:r>
+              <a:rPr kumimoji="1" lang="en-US" altLang="ja-JP" b="1" dirty="0" smtClean="0">
+                <a:solidFill>
+                  <a:schemeClr val="bg1"/>
+                </a:solidFill>
+              </a:rPr>
+              <a:t>   : 0.9234</a:t>
+            </a:r>
+          </a:p>
+          <a:p>
+            <a:r>
+              <a:rPr lang="en-US" altLang="ja-JP" b="1" dirty="0" err="1" smtClean="0">
+                <a:solidFill>
+                  <a:schemeClr val="bg1"/>
+                </a:solidFill>
+              </a:rPr>
+              <a:t>BB.m</a:t>
+            </a:r>
+            <a:r>
+              <a:rPr lang="ja-JP" altLang="en-US" b="1" dirty="0" smtClean="0">
+                <a:solidFill>
+                  <a:schemeClr val="bg1"/>
+                </a:solidFill>
+              </a:rPr>
+              <a:t> </a:t>
+            </a:r>
+            <a:r>
+              <a:rPr lang="en-US" altLang="ja-JP" b="1" dirty="0" smtClean="0">
+                <a:solidFill>
+                  <a:schemeClr val="bg1"/>
+                </a:solidFill>
+              </a:rPr>
+              <a:t>: 0.8672</a:t>
+            </a:r>
+            <a:endParaRPr kumimoji="1" lang="ja-JP" altLang="en-US" b="1" dirty="0">
+              <a:solidFill>
+                <a:schemeClr val="bg1"/>
+              </a:solidFill>
+            </a:endParaRPr>
+          </a:p>
+        </p:txBody>
+      </p:sp>
+    </p:spTree>
+    <p:extLst>
+      <p:ext uri="{BB962C8B-B14F-4D97-AF65-F5344CB8AC3E}">
+        <p14:creationId xmlns:p14="http://schemas.microsoft.com/office/powerpoint/2010/main" val="3099986253"/>
+      </p:ext>
+    </p:extLst>
+  </p:cSld>
+  <p:clrMapOvr>
+    <a:masterClrMapping/>
+  </p:clrMapOvr>
+  <p:timing>
+    <p:tnLst>
+      <p:par>
+        <p:cTn id="1" dur="indefinite" restart="never" nodeType="tmRoot"/>
+      </p:par>
+    </p:tnLst>
+  </p:timing>
+</p:sld>
+</file>
+
+<file path=ppt/slides/slide19.xml><?xml version="1.0" encoding="utf-8"?>
 <p:sld xmlns:a="http://schemas.openxmlformats.org/drawingml/2006/main" xmlns:r="http://schemas.openxmlformats.org/officeDocument/2006/relationships" xmlns:p="http://schemas.openxmlformats.org/presentationml/2006/main">
   <p:cSld>
     <p:spTree>
@@ -17441,45 +19275,33 @@
             </a:pPr>
             <a:r>
               <a:rPr lang="ja-JP" altLang="en-US" dirty="0" smtClean="0"/>
-              <a:t>モデルからソースへ</a:t>
+              <a:t>モデルからソース</a:t>
+            </a:r>
+            <a:r>
+              <a:rPr lang="ja-JP" altLang="en-US" dirty="0" smtClean="0"/>
+              <a:t>へ</a:t>
             </a:r>
             <a:endParaRPr lang="en-US" altLang="ja-JP" dirty="0" smtClean="0"/>
           </a:p>
           <a:p>
             <a:r>
               <a:rPr lang="ja-JP" altLang="en-US" dirty="0" smtClean="0"/>
-              <a:t>その他のパース手法の継続的</a:t>
-            </a:r>
-            <a:r>
-              <a:rPr lang="ja-JP" altLang="en-US" dirty="0" smtClean="0"/>
-              <a:t>調査</a:t>
+              <a:t>その他のパース手法の継続的調査</a:t>
             </a:r>
             <a:endParaRPr lang="en-US" altLang="ja-JP" dirty="0" smtClean="0"/>
           </a:p>
           <a:p>
             <a:pPr lvl="1"/>
             <a:r>
-              <a:rPr lang="ja-JP" altLang="en-US" smtClean="0"/>
+              <a:rPr lang="ja-JP" altLang="en-US" dirty="0" smtClean="0"/>
               <a:t>より良い手法の検討</a:t>
             </a:r>
             <a:endParaRPr lang="en-US" altLang="ja-JP" dirty="0" smtClean="0"/>
           </a:p>
           <a:p>
             <a:r>
-              <a:rPr kumimoji="1" lang="en-US" altLang="ja-JP" dirty="0" smtClean="0"/>
-              <a:t>W3C</a:t>
-            </a:r>
-            <a:r>
-              <a:rPr kumimoji="1" lang="ja-JP" altLang="en-US" dirty="0" smtClean="0"/>
-              <a:t>の</a:t>
-            </a:r>
-            <a:r>
-              <a:rPr kumimoji="1" lang="en-US" altLang="ja-JP" dirty="0" smtClean="0"/>
-              <a:t>HTML5</a:t>
-            </a:r>
-            <a:r>
-              <a:rPr kumimoji="1" lang="ja-JP" altLang="en-US" dirty="0" smtClean="0"/>
-              <a:t>勧告動向の継続的調査</a:t>
+              <a:rPr lang="ja-JP" altLang="en-US" dirty="0" smtClean="0"/>
+              <a:t>関数評価方法の検討</a:t>
             </a:r>
             <a:endParaRPr kumimoji="1" lang="en-US" altLang="ja-JP" dirty="0" smtClean="0"/>
           </a:p>
@@ -17508,6 +19330,13 @@
   <p:clrMapOvr>
     <a:masterClrMapping/>
   </p:clrMapOvr>
+  <p:timing>
+    <p:tnLst>
+      <p:par>
+        <p:cTn id="1" dur="indefinite" restart="never" nodeType="tmRoot"/>
+      </p:par>
+    </p:tnLst>
+  </p:timing>
 </p:sld>
 </file>
 
@@ -17568,7 +19397,15 @@
           <a:p>
             <a:r>
               <a:rPr lang="ja-JP" altLang="en-US" dirty="0" smtClean="0"/>
-              <a:t>ヒトの情報処理を理解する手段として神経細胞特性や知覚特性を記述・再現する数理モデル構築並びにシミュレーションによるモデル検証がある</a:t>
+              <a:t>ヒトの情報処理を理解する手段として神経細胞特性や知覚特性を記述・再現する数理モデル構築並びにシミュレーションによるモデル</a:t>
+            </a:r>
+            <a:r>
+              <a:rPr lang="ja-JP" altLang="en-US" dirty="0" smtClean="0"/>
+              <a:t>検証</a:t>
+            </a:r>
+            <a:r>
+              <a:rPr lang="ja-JP" altLang="en-US" dirty="0" smtClean="0"/>
+              <a:t>の問題点</a:t>
             </a:r>
             <a:endParaRPr kumimoji="1" lang="ja-JP" altLang="en-US" dirty="0"/>
           </a:p>
@@ -17584,6 +19421,13 @@
   <p:clrMapOvr>
     <a:masterClrMapping/>
   </p:clrMapOvr>
+  <p:timing>
+    <p:tnLst>
+      <p:par>
+        <p:cTn id="1" dur="indefinite" restart="never" nodeType="tmRoot"/>
+      </p:par>
+    </p:tnLst>
+  </p:timing>
 </p:sld>
 </file>
 
@@ -18050,6 +19894,13 @@
   <p:clrMapOvr>
     <a:masterClrMapping/>
   </p:clrMapOvr>
+  <p:timing>
+    <p:tnLst>
+      <p:par>
+        <p:cTn id="1" dur="indefinite" restart="never" nodeType="tmRoot"/>
+      </p:par>
+    </p:tnLst>
+  </p:timing>
 </p:sld>
 </file>
 
@@ -18388,6 +20239,13 @@
   <p:clrMapOvr>
     <a:masterClrMapping/>
   </p:clrMapOvr>
+  <p:timing>
+    <p:tnLst>
+      <p:par>
+        <p:cTn id="1" dur="indefinite" restart="never" nodeType="tmRoot"/>
+      </p:par>
+    </p:tnLst>
+  </p:timing>
 </p:sld>
 </file>
 
@@ -18574,6 +20432,9 @@
           <a:prstGeom prst="rect">
             <a:avLst/>
           </a:prstGeom>
+          <a:solidFill>
+            <a:srgbClr val="FF0000"/>
+          </a:solidFill>
         </p:spPr>
         <p:style>
           <a:lnRef idx="1">
@@ -18752,6 +20613,40 @@
           </a:fontRef>
         </p:style>
       </p:cxnSp>
+      <p:sp>
+        <p:nvSpPr>
+          <p:cNvPr id="11" name="テキスト ボックス 10"/>
+          <p:cNvSpPr txBox="1"/>
+          <p:nvPr/>
+        </p:nvSpPr>
+        <p:spPr>
+          <a:xfrm>
+            <a:off x="5024718" y="1993592"/>
+            <a:ext cx="1745991" cy="369332"/>
+          </a:xfrm>
+          <a:prstGeom prst="rect">
+            <a:avLst/>
+          </a:prstGeom>
+          <a:noFill/>
+        </p:spPr>
+        <p:txBody>
+          <a:bodyPr wrap="none" rtlCol="0">
+            <a:spAutoFit/>
+          </a:bodyPr>
+          <a:lstStyle/>
+          <a:p>
+            <a:r>
+              <a:rPr lang="ja-JP" altLang="en-US" dirty="0"/>
+              <a:t>他</a:t>
+            </a:r>
+            <a:r>
+              <a:rPr lang="ja-JP" altLang="en-US" dirty="0" smtClean="0"/>
+              <a:t>の関数にする</a:t>
+            </a:r>
+            <a:endParaRPr kumimoji="1" lang="ja-JP" altLang="en-US" dirty="0"/>
+          </a:p>
+        </p:txBody>
+      </p:sp>
     </p:spTree>
     <p:extLst>
       <p:ext uri="{BB962C8B-B14F-4D97-AF65-F5344CB8AC3E}">
@@ -18762,6 +20657,13 @@
   <p:clrMapOvr>
     <a:masterClrMapping/>
   </p:clrMapOvr>
+  <p:timing>
+    <p:tnLst>
+      <p:par>
+        <p:cTn id="1" dur="indefinite" restart="never" nodeType="tmRoot"/>
+      </p:par>
+    </p:tnLst>
+  </p:timing>
 </p:sld>
 </file>
 
@@ -18903,6 +20805,13 @@
   <p:clrMapOvr>
     <a:masterClrMapping/>
   </p:clrMapOvr>
+  <p:timing>
+    <p:tnLst>
+      <p:par>
+        <p:cTn id="1" dur="indefinite" restart="never" nodeType="tmRoot"/>
+      </p:par>
+    </p:tnLst>
+  </p:timing>
 </p:sld>
 </file>
 
@@ -19156,14 +21065,14 @@
                     </a:ln>
                     <a:extLst>
                       <a:ext uri="{909E8E84-426E-40dd-AFC4-6F175D3DCCD1}">
-                        <a14:hiddenFill xmlns:a14="http://schemas.microsoft.com/office/drawing/2010/main">
+                        <a14:hiddenFill xmlns:a14="http://schemas.microsoft.com/office/drawing/2010/main" xmlns="">
                           <a:solidFill>
                             <a:srgbClr val="FFFFFF"/>
                           </a:solidFill>
                         </a14:hiddenFill>
                       </a:ext>
                       <a:ext uri="{91240B29-F687-4f45-9708-019B960494DF}">
-                        <a14:hiddenLine xmlns:a14="http://schemas.microsoft.com/office/drawing/2010/main" w="9525">
+                        <a14:hiddenLine xmlns:a14="http://schemas.microsoft.com/office/drawing/2010/main" xmlns="" w="9525">
                           <a:solidFill>
                             <a:srgbClr val="000000"/>
                           </a:solidFill>
@@ -19571,14 +21480,14 @@
                   </a:ln>
                   <a:extLst>
                     <a:ext uri="{909E8E84-426E-40dd-AFC4-6F175D3DCCD1}">
-                      <a14:hiddenFill xmlns:a14="http://schemas.microsoft.com/office/drawing/2010/main">
+                      <a14:hiddenFill xmlns:a14="http://schemas.microsoft.com/office/drawing/2010/main" xmlns="">
                         <a:solidFill>
                           <a:srgbClr val="FFFFFF"/>
                         </a:solidFill>
                       </a14:hiddenFill>
                     </a:ext>
                     <a:ext uri="{91240B29-F687-4f45-9708-019B960494DF}">
-                      <a14:hiddenLine xmlns:a14="http://schemas.microsoft.com/office/drawing/2010/main" w="9525">
+                      <a14:hiddenLine xmlns:a14="http://schemas.microsoft.com/office/drawing/2010/main" xmlns="" w="9525">
                         <a:solidFill>
                           <a:srgbClr val="000000"/>
                         </a:solidFill>
@@ -20553,6 +22462,13 @@
   <p:clrMapOvr>
     <a:masterClrMapping/>
   </p:clrMapOvr>
+  <p:timing>
+    <p:tnLst>
+      <p:par>
+        <p:cTn id="1" dur="indefinite" restart="never" nodeType="tmRoot"/>
+      </p:par>
+    </p:tnLst>
+  </p:timing>
 </p:sld>
 </file>
 
@@ -21749,14 +23665,14 @@
                 </a:ln>
                 <a:extLst>
                   <a:ext uri="{909E8E84-426E-40dd-AFC4-6F175D3DCCD1}">
-                    <a14:hiddenFill xmlns:a14="http://schemas.microsoft.com/office/drawing/2010/main">
+                    <a14:hiddenFill xmlns:a14="http://schemas.microsoft.com/office/drawing/2010/main" xmlns="">
                       <a:solidFill>
                         <a:srgbClr val="FFFFFF"/>
                       </a:solidFill>
                     </a14:hiddenFill>
                   </a:ext>
                   <a:ext uri="{91240B29-F687-4f45-9708-019B960494DF}">
-                    <a14:hiddenLine xmlns:a14="http://schemas.microsoft.com/office/drawing/2010/main" w="9525">
+                    <a14:hiddenLine xmlns:a14="http://schemas.microsoft.com/office/drawing/2010/main" xmlns="" w="9525">
                       <a:solidFill>
                         <a:srgbClr val="000000"/>
                       </a:solidFill>
@@ -21820,14 +23736,14 @@
               </a:ln>
               <a:extLst>
                 <a:ext uri="{909E8E84-426E-40dd-AFC4-6F175D3DCCD1}">
-                  <a14:hiddenFill xmlns:a14="http://schemas.microsoft.com/office/drawing/2010/main">
+                  <a14:hiddenFill xmlns:a14="http://schemas.microsoft.com/office/drawing/2010/main" xmlns="">
                     <a:solidFill>
                       <a:srgbClr val="FFFFFF"/>
                     </a:solidFill>
                   </a14:hiddenFill>
                 </a:ext>
                 <a:ext uri="{91240B29-F687-4f45-9708-019B960494DF}">
-                  <a14:hiddenLine xmlns:a14="http://schemas.microsoft.com/office/drawing/2010/main" w="9525">
+                  <a14:hiddenLine xmlns:a14="http://schemas.microsoft.com/office/drawing/2010/main" xmlns="" w="9525">
                     <a:solidFill>
                       <a:srgbClr val="000000"/>
                     </a:solidFill>
@@ -22158,7 +24074,7 @@
   <p:timing>
     <p:tnLst>
       <p:par>
-        <p:cTn xmlns:p14="http://schemas.microsoft.com/office/powerpoint/2010/main" id="1" dur="indefinite" restart="never" nodeType="tmRoot"/>
+        <p:cTn id="1" dur="indefinite" restart="never" nodeType="tmRoot"/>
       </p:par>
     </p:tnLst>
   </p:timing>
@@ -22213,10 +24129,10 @@
         </p:nvGrpSpPr>
         <p:grpSpPr>
           <a:xfrm>
-            <a:off x="832102" y="1855616"/>
-            <a:ext cx="7291842" cy="4214918"/>
-            <a:chOff x="832102" y="1855616"/>
-            <a:chExt cx="7291842" cy="4214918"/>
+            <a:off x="832102" y="2103804"/>
+            <a:ext cx="7291842" cy="3966730"/>
+            <a:chOff x="832102" y="2103804"/>
+            <a:chExt cx="7291842" cy="3966730"/>
           </a:xfrm>
         </p:grpSpPr>
         <p:sp>
@@ -22326,7 +24242,7 @@
           </p:nvSpPr>
           <p:spPr>
             <a:xfrm>
-              <a:off x="4788236" y="1855616"/>
+              <a:off x="4788236" y="2103804"/>
               <a:ext cx="1270051" cy="1635116"/>
             </a:xfrm>
             <a:prstGeom prst="rect">
@@ -22470,7 +24386,7 @@
           </p:nvCxnSpPr>
           <p:spPr>
             <a:xfrm flipV="1">
-              <a:off x="3868545" y="2673174"/>
+              <a:off x="3868545" y="2921362"/>
               <a:ext cx="919691" cy="817558"/>
             </a:xfrm>
             <a:prstGeom prst="straightConnector1">
@@ -22508,7 +24424,7 @@
           </p:nvCxnSpPr>
           <p:spPr>
             <a:xfrm>
-              <a:off x="6058287" y="2673174"/>
+              <a:off x="6058287" y="2921362"/>
               <a:ext cx="883196" cy="817558"/>
             </a:xfrm>
             <a:prstGeom prst="straightConnector1">
@@ -22621,6 +24537,13 @@
   <p:clrMapOvr>
     <a:masterClrMapping/>
   </p:clrMapOvr>
+  <p:timing>
+    <p:tnLst>
+      <p:par>
+        <p:cTn id="1" dur="indefinite" restart="never" nodeType="tmRoot"/>
+      </p:par>
+    </p:tnLst>
+  </p:timing>
 </p:sld>
 </file>
 

--- a/doc/中間発表資料.pptx
+++ b/doc/中間発表資料.pptx
@@ -127,7 +127,7 @@
   </p:defaultTextStyle>
   <p:extLst>
     <p:ext uri="{EFAFB233-063F-42B5-8137-9DF3F51BA10A}">
-      <p15:sldGuideLst xmlns:p15="http://schemas.microsoft.com/office/powerpoint/2012/main" xmlns="">
+      <p15:sldGuideLst xmlns="" xmlns:p15="http://schemas.microsoft.com/office/powerpoint/2012/main">
         <p15:guide id="1" orient="horz" pos="2160">
           <p15:clr>
             <a:srgbClr val="A4A3A4"/>
@@ -226,7 +226,7 @@
           <a:p>
             <a:fld id="{07C89E97-5434-9C4E-B6E5-C9F9FBA5FCE1}" type="datetimeFigureOut">
               <a:rPr kumimoji="1" lang="ja-JP" altLang="en-US" smtClean="0"/>
-              <a:t>14/10/31</a:t>
+              <a:t>14/11/04</a:t>
             </a:fld>
             <a:endParaRPr kumimoji="1" lang="ja-JP" altLang="en-US"/>
           </a:p>
@@ -572,7 +572,7 @@
           <a:p>
             <a:r>
               <a:rPr kumimoji="1" lang="ja-JP" altLang="en-US" dirty="0" smtClean="0"/>
-              <a:t>イントロなので読み上げる</a:t>
+              <a:t>読み上げる</a:t>
             </a:r>
             <a:endParaRPr kumimoji="1" lang="ja-JP" altLang="en-US" dirty="0"/>
           </a:p>
@@ -660,7 +660,59 @@
           <a:p>
             <a:r>
               <a:rPr kumimoji="1" lang="ja-JP" altLang="en-US" dirty="0" smtClean="0"/>
-              <a:t>提案の手法はブラウザにモデルファイルを入力するとまず処理の流れを可視化して表示します。</a:t>
+              <a:t>そこで</a:t>
+            </a:r>
+            <a:r>
+              <a:rPr kumimoji="1" lang="ja-JP" altLang="en-US" dirty="0" smtClean="0"/>
+              <a:t>提案</a:t>
+            </a:r>
+            <a:r>
+              <a:rPr kumimoji="1" lang="ja-JP" altLang="en-US" dirty="0" smtClean="0"/>
+              <a:t>の</a:t>
+            </a:r>
+            <a:r>
+              <a:rPr kumimoji="1" lang="ja-JP" altLang="en-US" dirty="0" smtClean="0"/>
+              <a:t>手法</a:t>
+            </a:r>
+            <a:r>
+              <a:rPr kumimoji="1" lang="ja-JP" altLang="en-US" dirty="0" smtClean="0"/>
+              <a:t>で</a:t>
+            </a:r>
+            <a:r>
+              <a:rPr kumimoji="1" lang="ja-JP" altLang="en-US" dirty="0" smtClean="0"/>
+              <a:t>は</a:t>
+            </a:r>
+            <a:r>
+              <a:rPr kumimoji="1" lang="ja-JP" altLang="en-US" dirty="0" smtClean="0"/>
+              <a:t>まず</a:t>
+            </a:r>
+            <a:r>
+              <a:rPr kumimoji="1" lang="en-US" altLang="ja-JP" dirty="0" smtClean="0"/>
+              <a:t>WEB</a:t>
+            </a:r>
+            <a:r>
+              <a:rPr kumimoji="1" lang="ja-JP" altLang="en-US" dirty="0" smtClean="0"/>
+              <a:t>ブラウザ</a:t>
+            </a:r>
+            <a:r>
+              <a:rPr kumimoji="1" lang="ja-JP" altLang="en-US" dirty="0" smtClean="0"/>
+              <a:t>にモデルファイルを入力する</a:t>
+            </a:r>
+            <a:r>
+              <a:rPr kumimoji="1" lang="ja-JP" altLang="en-US" dirty="0" smtClean="0"/>
+              <a:t>と処理</a:t>
+            </a:r>
+            <a:r>
+              <a:rPr kumimoji="1" lang="ja-JP" altLang="en-US" dirty="0" smtClean="0"/>
+              <a:t>（メソッド）</a:t>
+            </a:r>
+            <a:r>
+              <a:rPr kumimoji="1" lang="ja-JP" altLang="en-US" dirty="0" smtClean="0"/>
+              <a:t>の</a:t>
+            </a:r>
+            <a:r>
+              <a:rPr kumimoji="1" lang="ja-JP" altLang="en-US" dirty="0" smtClean="0"/>
+              <a:t>流れを可視化して表示します。</a:t>
             </a:r>
             <a:endParaRPr kumimoji="1" lang="ja-JP" altLang="en-US" dirty="0"/>
           </a:p>
@@ -748,21 +800,125 @@
           <a:p>
             <a:r>
               <a:rPr kumimoji="1" lang="ja-JP" altLang="en-US" dirty="0" smtClean="0"/>
-              <a:t>各関数をクリックするとソースコードがエディタ表示されて確認したり編集できたりします。</a:t>
+              <a:t>さらに</a:t>
+            </a:r>
+            <a:r>
+              <a:rPr kumimoji="1" lang="ja-JP" altLang="en-US" dirty="0" smtClean="0"/>
+              <a:t>各関数</a:t>
+            </a:r>
+            <a:r>
+              <a:rPr kumimoji="1" lang="ja-JP" altLang="en-US" dirty="0" smtClean="0"/>
+              <a:t>をクリックする</a:t>
+            </a:r>
+            <a:r>
+              <a:rPr kumimoji="1" lang="ja-JP" altLang="en-US" dirty="0" smtClean="0"/>
+              <a:t>と</a:t>
+            </a:r>
+            <a:r>
+              <a:rPr kumimoji="1" lang="ja-JP" altLang="en-US" dirty="0" smtClean="0"/>
+              <a:t>その関数の</a:t>
+            </a:r>
+            <a:r>
+              <a:rPr kumimoji="1" lang="ja-JP" altLang="en-US" dirty="0" smtClean="0"/>
+              <a:t>ソースコード</a:t>
+            </a:r>
+            <a:r>
+              <a:rPr kumimoji="1" lang="ja-JP" altLang="en-US" dirty="0" smtClean="0"/>
+              <a:t>が</a:t>
+            </a:r>
+            <a:r>
+              <a:rPr kumimoji="1" lang="ja-JP" altLang="en-US" dirty="0" smtClean="0"/>
+              <a:t>エディタ</a:t>
+            </a:r>
+            <a:r>
+              <a:rPr kumimoji="1" lang="ja-JP" altLang="en-US" dirty="0" smtClean="0"/>
+              <a:t>ウインドで</a:t>
+            </a:r>
+            <a:r>
+              <a:rPr kumimoji="1" lang="ja-JP" altLang="en-US" dirty="0" smtClean="0"/>
+              <a:t>表示</a:t>
+            </a:r>
+            <a:r>
+              <a:rPr kumimoji="1" lang="ja-JP" altLang="en-US" dirty="0" smtClean="0"/>
+              <a:t>されて確認したり</a:t>
+            </a:r>
+            <a:r>
+              <a:rPr kumimoji="1" lang="ja-JP" altLang="en-US" dirty="0" smtClean="0"/>
+              <a:t>編集</a:t>
+            </a:r>
+            <a:r>
+              <a:rPr kumimoji="1" lang="ja-JP" altLang="en-US" dirty="0" smtClean="0"/>
+              <a:t>をすることが</a:t>
+            </a:r>
+            <a:r>
+              <a:rPr kumimoji="1" lang="ja-JP" altLang="en-US" dirty="0" smtClean="0"/>
+              <a:t>できたり</a:t>
+            </a:r>
+            <a:r>
+              <a:rPr kumimoji="1" lang="ja-JP" altLang="en-US" dirty="0" smtClean="0"/>
+              <a:t>します。</a:t>
             </a:r>
             <a:endParaRPr kumimoji="1" lang="en-US" altLang="ja-JP" dirty="0" smtClean="0"/>
           </a:p>
           <a:p>
             <a:r>
               <a:rPr kumimoji="1" lang="ja-JP" altLang="en-US" dirty="0" smtClean="0"/>
-              <a:t>実行ボタンを押すとパラメータフィッティングを行い評価結果を表示するのでより良い関数を作成することが出来ます。</a:t>
+              <a:t>変更して、</a:t>
+            </a:r>
+            <a:r>
+              <a:rPr kumimoji="1" lang="ja-JP" altLang="en-US" dirty="0" smtClean="0"/>
+              <a:t>実行</a:t>
+            </a:r>
+            <a:r>
+              <a:rPr kumimoji="1" lang="ja-JP" altLang="en-US" dirty="0" smtClean="0"/>
+              <a:t>ボタンを押す</a:t>
+            </a:r>
+            <a:r>
+              <a:rPr kumimoji="1" lang="ja-JP" altLang="en-US" dirty="0" smtClean="0"/>
+              <a:t>と</a:t>
+            </a:r>
+            <a:r>
+              <a:rPr kumimoji="1" lang="ja-JP" altLang="en-US" dirty="0" smtClean="0"/>
+              <a:t>その関数で</a:t>
+            </a:r>
+            <a:r>
+              <a:rPr kumimoji="1" lang="ja-JP" altLang="en-US" dirty="0" smtClean="0"/>
+              <a:t>パラメータフィッティング</a:t>
+            </a:r>
+            <a:r>
+              <a:rPr kumimoji="1" lang="ja-JP" altLang="en-US" dirty="0" smtClean="0"/>
+              <a:t>を行い評価結果を</a:t>
+            </a:r>
+            <a:r>
+              <a:rPr kumimoji="1" lang="ja-JP" altLang="en-US" dirty="0" smtClean="0"/>
+              <a:t>表示</a:t>
+            </a:r>
+            <a:r>
+              <a:rPr kumimoji="1" lang="ja-JP" altLang="en-US" dirty="0" smtClean="0"/>
+              <a:t>します。評価結果を比較することで</a:t>
+            </a:r>
+            <a:r>
+              <a:rPr kumimoji="1" lang="ja-JP" altLang="en-US" dirty="0" smtClean="0"/>
+              <a:t>より</a:t>
+            </a:r>
+            <a:r>
+              <a:rPr kumimoji="1" lang="ja-JP" altLang="en-US" dirty="0" smtClean="0"/>
+              <a:t>良い関数を作成することが出来ます。</a:t>
             </a:r>
             <a:endParaRPr kumimoji="1" lang="en-US" altLang="ja-JP" dirty="0" smtClean="0"/>
           </a:p>
           <a:p>
             <a:r>
               <a:rPr kumimoji="1" lang="ja-JP" altLang="en-US" dirty="0" smtClean="0"/>
-              <a:t>変更した新しいモデルファイルはダウンロードすることが出来ます。</a:t>
+              <a:t>最終結果として</a:t>
+            </a:r>
+            <a:r>
+              <a:rPr kumimoji="1" lang="ja-JP" altLang="en-US" dirty="0" smtClean="0"/>
+              <a:t>変更</a:t>
+            </a:r>
+            <a:r>
+              <a:rPr kumimoji="1" lang="ja-JP" altLang="en-US" dirty="0" smtClean="0"/>
+              <a:t>した新しいモデルファイルはダウンロードすることが出来ます。</a:t>
             </a:r>
             <a:endParaRPr kumimoji="1" lang="ja-JP" altLang="en-US" dirty="0"/>
           </a:p>
@@ -850,9 +1006,55 @@
           <a:p>
             <a:r>
               <a:rPr kumimoji="1" lang="ja-JP" altLang="en-US" dirty="0" smtClean="0"/>
-              <a:t>類似研究について今調べていること</a:t>
-            </a:r>
-            <a:endParaRPr kumimoji="1" lang="ja-JP" altLang="en-US" dirty="0"/>
+              <a:t>類似研究について今調べて</a:t>
+            </a:r>
+            <a:r>
+              <a:rPr kumimoji="1" lang="ja-JP" altLang="en-US" dirty="0" smtClean="0"/>
+              <a:t>い</a:t>
+            </a:r>
+            <a:r>
+              <a:rPr kumimoji="1" lang="ja-JP" altLang="en-US" dirty="0" smtClean="0"/>
+              <a:t>ることを少し書きます。</a:t>
+            </a:r>
+            <a:endParaRPr kumimoji="1" lang="en-US" altLang="ja-JP" dirty="0" smtClean="0"/>
+          </a:p>
+          <a:p>
+            <a:r>
+              <a:rPr kumimoji="1" lang="ja-JP" altLang="en-US" dirty="0" smtClean="0"/>
+              <a:t>提案手法の元となったアイデアは</a:t>
+            </a:r>
+            <a:r>
+              <a:rPr kumimoji="1" lang="en-US" altLang="ja-JP" dirty="0" smtClean="0"/>
+              <a:t>GUI</a:t>
+            </a:r>
+            <a:r>
+              <a:rPr kumimoji="1" lang="ja-JP" altLang="en-US" dirty="0" smtClean="0"/>
+              <a:t>のプログラミング環境、学術的にはビジュアルプログラミングやデータフロープログラミングと呼ばれている手法です。</a:t>
+            </a:r>
+            <a:endParaRPr kumimoji="1" lang="en-US" altLang="ja-JP" dirty="0" smtClean="0"/>
+          </a:p>
+          <a:p>
+            <a:r>
+              <a:rPr kumimoji="1" lang="ja-JP" altLang="en-US" dirty="0" smtClean="0"/>
+              <a:t>主要なものとして</a:t>
+            </a:r>
+            <a:r>
+              <a:rPr kumimoji="1" lang="en-US" altLang="ja-JP" dirty="0" smtClean="0"/>
+              <a:t>Simulink</a:t>
+            </a:r>
+            <a:r>
+              <a:rPr kumimoji="1" lang="ja-JP" altLang="en-US" dirty="0" smtClean="0"/>
+              <a:t>や</a:t>
+            </a:r>
+            <a:r>
+              <a:rPr kumimoji="1" lang="en-US" altLang="ja-JP" dirty="0" err="1" smtClean="0"/>
+              <a:t>LabView</a:t>
+            </a:r>
+            <a:r>
+              <a:rPr kumimoji="1" lang="ja-JP" altLang="en-US" dirty="0" smtClean="0"/>
+              <a:t>が有名で、あのようなスタイルをイメージしていただけるとわかりやすいかと思います。</a:t>
+            </a:r>
+            <a:endParaRPr kumimoji="1" lang="en-US" altLang="ja-JP" dirty="0" smtClean="0"/>
           </a:p>
         </p:txBody>
       </p:sp>
@@ -1125,14 +1327,30 @@
             </a:r>
             <a:r>
               <a:rPr kumimoji="1" lang="ja-JP" altLang="en-US" dirty="0" smtClean="0"/>
-              <a:t>つのモデルにまずは絞る</a:t>
+              <a:t>つのモデルにまずは</a:t>
+            </a:r>
+            <a:r>
+              <a:rPr kumimoji="1" lang="ja-JP" altLang="en-US" dirty="0" smtClean="0"/>
+              <a:t>絞</a:t>
+            </a:r>
+            <a:r>
+              <a:rPr kumimoji="1" lang="ja-JP" altLang="en-US" dirty="0" smtClean="0"/>
+              <a:t>って実行できる環境とするように目指します。</a:t>
             </a:r>
             <a:endParaRPr kumimoji="1" lang="en-US" altLang="ja-JP" dirty="0" smtClean="0"/>
           </a:p>
           <a:p>
             <a:r>
               <a:rPr kumimoji="1" lang="ja-JP" altLang="en-US" dirty="0" smtClean="0"/>
-              <a:t>直列的な処理と並列的な処理があるのである程度は網羅できるはず</a:t>
+              <a:t>直列的な処理と並列的な処理があるのである</a:t>
+            </a:r>
+            <a:r>
+              <a:rPr kumimoji="1" lang="ja-JP" altLang="en-US" dirty="0" smtClean="0"/>
+              <a:t>程度</a:t>
+            </a:r>
+            <a:r>
+              <a:rPr kumimoji="1" lang="ja-JP" altLang="en-US" dirty="0" smtClean="0"/>
+              <a:t>の網羅性があると思います。</a:t>
             </a:r>
             <a:endParaRPr kumimoji="1" lang="ja-JP" altLang="en-US" dirty="0"/>
           </a:p>
@@ -1400,7 +1618,15 @@
           <a:p>
             <a:r>
               <a:rPr kumimoji="1" lang="ja-JP" altLang="en-US" dirty="0" smtClean="0"/>
-              <a:t>視覚神経数理モデルでの例として</a:t>
+              <a:t>例えば</a:t>
+            </a:r>
+            <a:r>
+              <a:rPr kumimoji="1" lang="ja-JP" altLang="en-US" dirty="0" smtClean="0"/>
+              <a:t>視覚</a:t>
+            </a:r>
+            <a:r>
+              <a:rPr kumimoji="1" lang="ja-JP" altLang="en-US" dirty="0" smtClean="0"/>
+              <a:t>神経数理モデルでの例として</a:t>
             </a:r>
             <a:r>
               <a:rPr kumimoji="1" lang="en-US" altLang="ja-JP" dirty="0" smtClean="0"/>
@@ -1416,14 +1642,77 @@
             </a:r>
             <a:r>
               <a:rPr kumimoji="1" lang="ja-JP" altLang="en-US" dirty="0" smtClean="0"/>
-              <a:t>のモデルデータ入力のあと、いくつかの処理が行われて出力が得られる</a:t>
+              <a:t>のモデル</a:t>
+            </a:r>
+            <a:r>
+              <a:rPr kumimoji="1" lang="ja-JP" altLang="en-US" dirty="0" smtClean="0"/>
+              <a:t>があります。</a:t>
             </a:r>
             <a:endParaRPr kumimoji="1" lang="en-US" altLang="ja-JP" dirty="0" smtClean="0"/>
           </a:p>
           <a:p>
             <a:r>
               <a:rPr kumimoji="1" lang="ja-JP" altLang="en-US" dirty="0" smtClean="0"/>
-              <a:t>という処理の流れがあることの説明をする</a:t>
+              <a:t>この数理モデルは画像</a:t>
+            </a:r>
+            <a:r>
+              <a:rPr kumimoji="1" lang="ja-JP" altLang="en-US" dirty="0" smtClean="0"/>
+              <a:t>データ</a:t>
+            </a:r>
+            <a:r>
+              <a:rPr kumimoji="1" lang="ja-JP" altLang="en-US" dirty="0" smtClean="0"/>
+              <a:t>入力のあと</a:t>
+            </a:r>
+            <a:r>
+              <a:rPr kumimoji="1" lang="ja-JP" altLang="en-US" dirty="0" smtClean="0"/>
+              <a:t>、</a:t>
+            </a:r>
+            <a:r>
+              <a:rPr kumimoji="1" lang="en-US" altLang="ja-JP" dirty="0" smtClean="0"/>
+              <a:t>V1</a:t>
+            </a:r>
+            <a:r>
+              <a:rPr kumimoji="1" lang="ja-JP" altLang="en-US" dirty="0" smtClean="0"/>
+              <a:t>野で処理されて出力、その出力を受け取って</a:t>
+            </a:r>
+            <a:r>
+              <a:rPr kumimoji="1" lang="en-US" altLang="ja-JP" dirty="0" smtClean="0"/>
+              <a:t>MT</a:t>
+            </a:r>
+            <a:r>
+              <a:rPr kumimoji="1" lang="ja-JP" altLang="en-US" dirty="0" smtClean="0"/>
+              <a:t>野で処理が行われて、出力結果が得られる</a:t>
+            </a:r>
+            <a:r>
+              <a:rPr kumimoji="1" lang="ja-JP" altLang="en-US" dirty="0" smtClean="0"/>
+              <a:t>という</a:t>
+            </a:r>
+            <a:r>
+              <a:rPr kumimoji="1" lang="ja-JP" altLang="en-US" dirty="0" smtClean="0"/>
+              <a:t>直線的な</a:t>
+            </a:r>
+            <a:r>
+              <a:rPr kumimoji="1" lang="ja-JP" altLang="en-US" dirty="0" smtClean="0"/>
+              <a:t>処理</a:t>
+            </a:r>
+            <a:r>
+              <a:rPr kumimoji="1" lang="ja-JP" altLang="en-US" dirty="0" smtClean="0"/>
+              <a:t>の</a:t>
+            </a:r>
+            <a:r>
+              <a:rPr kumimoji="1" lang="ja-JP" altLang="en-US" dirty="0" smtClean="0"/>
+              <a:t>流れ</a:t>
+            </a:r>
+            <a:r>
+              <a:rPr kumimoji="1" lang="ja-JP" altLang="en-US" dirty="0" smtClean="0"/>
+              <a:t>で</a:t>
+            </a:r>
+            <a:endParaRPr kumimoji="1" lang="en-US" altLang="ja-JP" dirty="0" smtClean="0"/>
+          </a:p>
+          <a:p>
+            <a:r>
+              <a:rPr kumimoji="1" lang="ja-JP" altLang="en-US" dirty="0" smtClean="0"/>
+              <a:t>行われる数理モデルがあります。</a:t>
             </a:r>
             <a:endParaRPr kumimoji="1" lang="ja-JP" altLang="en-US" dirty="0"/>
           </a:p>
@@ -1511,7 +1800,7 @@
           <a:p>
             <a:r>
               <a:rPr kumimoji="1" lang="ja-JP" altLang="en-US" dirty="0" smtClean="0"/>
-              <a:t>先の</a:t>
+              <a:t>ここで、西本先生らの新しい論文で</a:t>
             </a:r>
             <a:r>
               <a:rPr kumimoji="1" lang="en-US" altLang="ja-JP" dirty="0" smtClean="0"/>
@@ -1519,15 +1808,53 @@
             </a:r>
             <a:r>
               <a:rPr kumimoji="1" lang="ja-JP" altLang="en-US" dirty="0" smtClean="0"/>
-              <a:t>野の処理では</a:t>
+              <a:t>細胞には抑制性受容野があるという新しい知見が出てきました。</a:t>
+            </a:r>
+            <a:endParaRPr kumimoji="1" lang="en-US" altLang="ja-JP" dirty="0" smtClean="0"/>
+          </a:p>
+          <a:p>
+            <a:r>
+              <a:rPr kumimoji="1" lang="ja-JP" altLang="en-US" dirty="0" smtClean="0"/>
+              <a:t>西本先生らの実験ではある一定のスピードｖに対して興奮、ｖ以下のスピードに対して抑制されるというように左右の図の様に違いがあります。</a:t>
+            </a:r>
+            <a:endParaRPr kumimoji="1" lang="en-US" altLang="ja-JP" dirty="0" smtClean="0"/>
+          </a:p>
+          <a:p>
+            <a:r>
+              <a:rPr kumimoji="1" lang="ja-JP" altLang="en-US" dirty="0" smtClean="0"/>
+              <a:t>こういった場合には</a:t>
+            </a:r>
+            <a:r>
+              <a:rPr kumimoji="1" lang="ja-JP" altLang="en-US" dirty="0" smtClean="0"/>
+              <a:t>先の</a:t>
+            </a:r>
+            <a:r>
+              <a:rPr kumimoji="1" lang="ja-JP" altLang="en-US" dirty="0" smtClean="0"/>
+              <a:t>スライドの</a:t>
             </a:r>
             <a:r>
               <a:rPr kumimoji="1" lang="en-US" altLang="ja-JP" dirty="0" smtClean="0"/>
-              <a:t>S&amp;H</a:t>
-            </a:r>
-            <a:r>
-              <a:rPr kumimoji="1" lang="ja-JP" altLang="en-US" dirty="0" smtClean="0"/>
-              <a:t>モデルから発展した新しい知見が出てきたことの説明をする</a:t>
+              <a:t>S</a:t>
+            </a:r>
+            <a:r>
+              <a:rPr kumimoji="1" lang="en-US" altLang="ja-JP" dirty="0" smtClean="0"/>
+              <a:t>&amp;H</a:t>
+            </a:r>
+            <a:r>
+              <a:rPr kumimoji="1" lang="ja-JP" altLang="en-US" dirty="0" smtClean="0"/>
+              <a:t>モデル</a:t>
+            </a:r>
+            <a:r>
+              <a:rPr kumimoji="1" lang="ja-JP" altLang="en-US" dirty="0" smtClean="0"/>
+              <a:t>で</a:t>
+            </a:r>
+            <a:r>
+              <a:rPr kumimoji="1" lang="en-US" altLang="ja-JP" dirty="0" smtClean="0"/>
+              <a:t>MT</a:t>
+            </a:r>
+            <a:r>
+              <a:rPr kumimoji="1" lang="ja-JP" altLang="en-US" dirty="0" smtClean="0"/>
+              <a:t>野の処理を変更することで検証を行います。</a:t>
             </a:r>
             <a:endParaRPr kumimoji="1" lang="ja-JP" altLang="en-US" dirty="0"/>
           </a:p>
@@ -1615,7 +1942,7 @@
           <a:p>
             <a:r>
               <a:rPr kumimoji="1" lang="ja-JP" altLang="en-US" dirty="0" smtClean="0"/>
-              <a:t>新しい知見を検証するためには、例えば中間発表の例では</a:t>
+              <a:t>西本先生らの新しい知見は先の数理モデルの</a:t>
             </a:r>
             <a:r>
               <a:rPr kumimoji="1" lang="en-US" altLang="ja-JP" dirty="0" smtClean="0"/>
@@ -1623,7 +1950,7 @@
             </a:r>
             <a:r>
               <a:rPr kumimoji="1" lang="ja-JP" altLang="en-US" dirty="0" smtClean="0"/>
-              <a:t>野を別の関数にする必要がある</a:t>
+              <a:t>野の処理の部分を他の関数に置き換えることで検証することが出来ます。</a:t>
             </a:r>
             <a:endParaRPr kumimoji="1" lang="ja-JP" altLang="en-US" dirty="0"/>
           </a:p>
@@ -1711,14 +2038,62 @@
           <a:p>
             <a:r>
               <a:rPr kumimoji="1" lang="ja-JP" altLang="en-US" dirty="0" smtClean="0"/>
-              <a:t>今までのやり方はメインのソースコードを眺めて、処理の流れを頭のなかで作成して、新しい知見で置き換えるべき関数を見つけて</a:t>
+              <a:t>従来の方法では、まず</a:t>
+            </a:r>
+            <a:r>
+              <a:rPr kumimoji="1" lang="ja-JP" altLang="en-US" dirty="0" smtClean="0"/>
+              <a:t>メイン</a:t>
+            </a:r>
+            <a:r>
+              <a:rPr kumimoji="1" lang="ja-JP" altLang="en-US" dirty="0" smtClean="0"/>
+              <a:t>となる</a:t>
+            </a:r>
+            <a:r>
+              <a:rPr kumimoji="1" lang="ja-JP" altLang="en-US" dirty="0" smtClean="0"/>
+              <a:t>ソースコード</a:t>
+            </a:r>
+            <a:r>
+              <a:rPr kumimoji="1" lang="ja-JP" altLang="en-US" dirty="0" smtClean="0"/>
+              <a:t>を眺めて、処理の流れを頭のなか</a:t>
+            </a:r>
+            <a:r>
+              <a:rPr kumimoji="1" lang="ja-JP" altLang="en-US" dirty="0" smtClean="0"/>
+              <a:t>で</a:t>
+            </a:r>
+            <a:r>
+              <a:rPr kumimoji="1" lang="ja-JP" altLang="en-US" dirty="0" smtClean="0"/>
+              <a:t>整理して</a:t>
+            </a:r>
+            <a:r>
+              <a:rPr kumimoji="1" lang="ja-JP" altLang="en-US" dirty="0" smtClean="0"/>
+              <a:t>作成</a:t>
+            </a:r>
+            <a:r>
+              <a:rPr kumimoji="1" lang="ja-JP" altLang="en-US" dirty="0" smtClean="0"/>
+              <a:t>して、新しい知見で置き換えるべき関数を見つけて</a:t>
             </a:r>
             <a:endParaRPr kumimoji="1" lang="en-US" altLang="ja-JP" dirty="0" smtClean="0"/>
           </a:p>
           <a:p>
             <a:r>
               <a:rPr kumimoji="1" lang="ja-JP" altLang="en-US" dirty="0" smtClean="0"/>
-              <a:t>そいつを治すという手順を踏んでいた。</a:t>
+              <a:t>見つけたらその関数を新しい関数に</a:t>
+            </a:r>
+            <a:r>
+              <a:rPr kumimoji="1" lang="ja-JP" altLang="en-US" dirty="0" smtClean="0"/>
+              <a:t>治す</a:t>
+            </a:r>
+            <a:r>
+              <a:rPr kumimoji="1" lang="ja-JP" altLang="en-US" dirty="0" smtClean="0"/>
+              <a:t>という手順を</a:t>
+            </a:r>
+            <a:r>
+              <a:rPr kumimoji="1" lang="ja-JP" altLang="en-US" dirty="0" smtClean="0"/>
+              <a:t>踏んで</a:t>
+            </a:r>
+            <a:r>
+              <a:rPr kumimoji="1" lang="ja-JP" altLang="en-US" dirty="0" smtClean="0"/>
+              <a:t>いると思います。</a:t>
             </a:r>
             <a:endParaRPr kumimoji="1" lang="ja-JP" altLang="en-US" dirty="0"/>
           </a:p>
@@ -1806,7 +2181,36 @@
           <a:p>
             <a:r>
               <a:rPr kumimoji="1" lang="ja-JP" altLang="en-US" dirty="0" smtClean="0"/>
-              <a:t>読み上げ</a:t>
+              <a:t>問題点をもういちど整理します。</a:t>
+            </a:r>
+            <a:endParaRPr kumimoji="1" lang="en-US" altLang="ja-JP" dirty="0" smtClean="0"/>
+          </a:p>
+          <a:p>
+            <a:r>
+              <a:rPr kumimoji="1" lang="ja-JP" altLang="en-US" dirty="0" smtClean="0"/>
+              <a:t>従来の手法では、まず論文ベースで数理モデルを理解して頭のなかでプログラムを作成するためのモデル図を書きます。またフローチャートなどを作成したりもします。</a:t>
+            </a:r>
+            <a:endParaRPr kumimoji="1" lang="en-US" altLang="ja-JP" dirty="0" smtClean="0"/>
+          </a:p>
+          <a:p>
+            <a:r>
+              <a:rPr kumimoji="1" lang="ja-JP" altLang="en-US" dirty="0" smtClean="0"/>
+              <a:t>次に数理モデルを実装したプログラムソースコードの解読をします。論文内容と</a:t>
+            </a:r>
+            <a:r>
+              <a:rPr kumimoji="1" lang="en-US" altLang="ja-JP" dirty="0" err="1" smtClean="0"/>
+              <a:t>Matlab</a:t>
+            </a:r>
+            <a:r>
+              <a:rPr kumimoji="1" lang="ja-JP" altLang="en-US" dirty="0" smtClean="0"/>
+              <a:t>ファイルの対応関係を見つけます。この段階はプログラムのコメント文などをヒントにして解析する必要があります。</a:t>
+            </a:r>
+            <a:endParaRPr kumimoji="1" lang="en-US" altLang="ja-JP" dirty="0" smtClean="0"/>
+          </a:p>
+          <a:p>
+            <a:r>
+              <a:rPr kumimoji="1" lang="ja-JP" altLang="en-US" dirty="0" smtClean="0"/>
+              <a:t>そして改変すべき関数を見つけたら、その部分を新しい関数で書き直します。</a:t>
             </a:r>
             <a:endParaRPr kumimoji="1" lang="ja-JP" altLang="en-US" dirty="0"/>
           </a:p>
@@ -1894,7 +2298,26 @@
           <a:p>
             <a:r>
               <a:rPr kumimoji="1" lang="ja-JP" altLang="en-US" dirty="0" smtClean="0"/>
-              <a:t>同じような問題は他にもあります</a:t>
+              <a:t>同じような問題は他にも</a:t>
+            </a:r>
+            <a:r>
+              <a:rPr kumimoji="1" lang="ja-JP" altLang="en-US" dirty="0" smtClean="0"/>
+              <a:t>あります</a:t>
+            </a:r>
+            <a:r>
+              <a:rPr kumimoji="1" lang="ja-JP" altLang="en-US" dirty="0" smtClean="0"/>
+              <a:t>。</a:t>
+            </a:r>
+            <a:endParaRPr kumimoji="1" lang="en-US" altLang="ja-JP" dirty="0" smtClean="0"/>
+          </a:p>
+          <a:p>
+            <a:r>
+              <a:rPr kumimoji="1" lang="en-US" altLang="ja-JP" dirty="0" smtClean="0"/>
+              <a:t>Judd</a:t>
+            </a:r>
+            <a:r>
+              <a:rPr kumimoji="1" lang="ja-JP" altLang="en-US" dirty="0" smtClean="0"/>
+              <a:t>の注視モデルでは入力データに対して複数の並列的な処理を経て出力結果が得られる数理モデルです。</a:t>
             </a:r>
             <a:endParaRPr kumimoji="1" lang="ja-JP" altLang="en-US" dirty="0"/>
           </a:p>
@@ -1981,20 +2404,8 @@
           <a:lstStyle/>
           <a:p>
             <a:r>
-              <a:rPr kumimoji="1" lang="en-US" altLang="ja-JP" dirty="0" smtClean="0"/>
-              <a:t>[3]</a:t>
-            </a:r>
-            <a:r>
-              <a:rPr kumimoji="1" lang="ja-JP" altLang="en-US" dirty="0" smtClean="0"/>
-              <a:t>の</a:t>
-            </a:r>
-            <a:r>
-              <a:rPr kumimoji="1" lang="en-US" altLang="ja-JP" dirty="0" smtClean="0"/>
-              <a:t>Judd</a:t>
-            </a:r>
-            <a:r>
-              <a:rPr kumimoji="1" lang="ja-JP" altLang="en-US" dirty="0" smtClean="0"/>
-              <a:t>モデルが並列的処理で、同様の問題がある</a:t>
+              <a:rPr kumimoji="1" lang="ja-JP" altLang="en-US" dirty="0" smtClean="0"/>
+              <a:t>並列的処理の各部分で新しい知見が発見された場合、先ほどと同様の手順を行い検証することになります。</a:t>
             </a:r>
             <a:endParaRPr kumimoji="1" lang="ja-JP" altLang="en-US" dirty="0"/>
           </a:p>
@@ -2082,15 +2493,58 @@
           <a:p>
             <a:r>
               <a:rPr kumimoji="1" lang="ja-JP" altLang="en-US" dirty="0" smtClean="0"/>
-              <a:t>従来はソースを自分で解析して、変更する部分を見つけて直して実行する一方向のながれ</a:t>
+              <a:t>従来</a:t>
+            </a:r>
+            <a:r>
+              <a:rPr kumimoji="1" lang="ja-JP" altLang="en-US" dirty="0" smtClean="0"/>
+              <a:t>の手法では以上の様に、まず</a:t>
+            </a:r>
+            <a:r>
+              <a:rPr kumimoji="1" lang="ja-JP" altLang="en-US" dirty="0" smtClean="0"/>
+              <a:t>ソースを</a:t>
+            </a:r>
+            <a:r>
+              <a:rPr kumimoji="1" lang="ja-JP" altLang="en-US" dirty="0" smtClean="0"/>
+              <a:t>頭の中で</a:t>
+            </a:r>
+            <a:r>
+              <a:rPr kumimoji="1" lang="ja-JP" altLang="en-US" dirty="0" smtClean="0"/>
+              <a:t>解析</a:t>
+            </a:r>
+            <a:r>
+              <a:rPr kumimoji="1" lang="ja-JP" altLang="en-US" dirty="0" smtClean="0"/>
+              <a:t>して</a:t>
+            </a:r>
+            <a:r>
+              <a:rPr kumimoji="1" lang="ja-JP" altLang="en-US" dirty="0" smtClean="0"/>
+              <a:t>、</a:t>
+            </a:r>
+            <a:r>
+              <a:rPr kumimoji="1" lang="ja-JP" altLang="en-US" dirty="0" smtClean="0"/>
+              <a:t>プログラムコードに書き出すという作業や</a:t>
             </a:r>
             <a:endParaRPr kumimoji="1" lang="en-US" altLang="ja-JP" dirty="0" smtClean="0"/>
           </a:p>
           <a:p>
             <a:r>
               <a:rPr kumimoji="1" lang="ja-JP" altLang="en-US" dirty="0" smtClean="0"/>
-              <a:t>（いらない？）</a:t>
-            </a:r>
+              <a:t>変更</a:t>
+            </a:r>
+            <a:r>
+              <a:rPr kumimoji="1" lang="ja-JP" altLang="en-US" dirty="0" smtClean="0"/>
+              <a:t>する部分を</a:t>
+            </a:r>
+            <a:r>
+              <a:rPr kumimoji="1" lang="ja-JP" altLang="en-US" dirty="0" smtClean="0"/>
+              <a:t>見つけ</a:t>
+            </a:r>
+            <a:r>
+              <a:rPr kumimoji="1" lang="ja-JP" altLang="en-US" dirty="0" smtClean="0"/>
+              <a:t>る、直すという手順は全て手動で行う必要があります。</a:t>
+            </a:r>
+            <a:endParaRPr kumimoji="1" lang="en-US" altLang="ja-JP" dirty="0" smtClean="0"/>
+          </a:p>
+          <a:p>
             <a:endParaRPr kumimoji="1" lang="ja-JP" altLang="en-US" dirty="0"/>
           </a:p>
         </p:txBody>
@@ -2312,7 +2766,7 @@
           <a:p>
             <a:fld id="{8E38DBD1-F25C-9E4F-851F-C78CA3583CBD}" type="datetimeFigureOut">
               <a:rPr kumimoji="1" lang="ja-JP" altLang="en-US" smtClean="0"/>
-              <a:t>14/10/31</a:t>
+              <a:t>14/11/04</a:t>
             </a:fld>
             <a:endParaRPr kumimoji="1" lang="ja-JP" altLang="en-US"/>
           </a:p>
@@ -2514,7 +2968,7 @@
           <a:p>
             <a:fld id="{8E38DBD1-F25C-9E4F-851F-C78CA3583CBD}" type="datetimeFigureOut">
               <a:rPr kumimoji="1" lang="ja-JP" altLang="en-US" smtClean="0"/>
-              <a:t>14/10/31</a:t>
+              <a:t>14/11/04</a:t>
             </a:fld>
             <a:endParaRPr kumimoji="1" lang="ja-JP" altLang="en-US"/>
           </a:p>
@@ -2726,7 +3180,7 @@
           <a:p>
             <a:fld id="{8E38DBD1-F25C-9E4F-851F-C78CA3583CBD}" type="datetimeFigureOut">
               <a:rPr kumimoji="1" lang="ja-JP" altLang="en-US" smtClean="0"/>
-              <a:t>14/10/31</a:t>
+              <a:t>14/11/04</a:t>
             </a:fld>
             <a:endParaRPr kumimoji="1" lang="ja-JP" altLang="en-US"/>
           </a:p>
@@ -2928,7 +3382,7 @@
           <a:p>
             <a:fld id="{8E38DBD1-F25C-9E4F-851F-C78CA3583CBD}" type="datetimeFigureOut">
               <a:rPr kumimoji="1" lang="ja-JP" altLang="en-US" smtClean="0"/>
-              <a:t>14/10/31</a:t>
+              <a:t>14/11/04</a:t>
             </a:fld>
             <a:endParaRPr kumimoji="1" lang="ja-JP" altLang="en-US"/>
           </a:p>
@@ -3174,7 +3628,7 @@
           <a:p>
             <a:fld id="{8E38DBD1-F25C-9E4F-851F-C78CA3583CBD}" type="datetimeFigureOut">
               <a:rPr kumimoji="1" lang="ja-JP" altLang="en-US" smtClean="0"/>
-              <a:t>14/10/31</a:t>
+              <a:t>14/11/04</a:t>
             </a:fld>
             <a:endParaRPr kumimoji="1" lang="ja-JP" altLang="en-US"/>
           </a:p>
@@ -3526,7 +3980,7 @@
           <a:p>
             <a:fld id="{8E38DBD1-F25C-9E4F-851F-C78CA3583CBD}" type="datetimeFigureOut">
               <a:rPr kumimoji="1" lang="ja-JP" altLang="en-US" smtClean="0"/>
-              <a:t>14/10/31</a:t>
+              <a:t>14/11/04</a:t>
             </a:fld>
             <a:endParaRPr kumimoji="1" lang="ja-JP" altLang="en-US"/>
           </a:p>
@@ -4012,7 +4466,7 @@
           <a:p>
             <a:fld id="{8E38DBD1-F25C-9E4F-851F-C78CA3583CBD}" type="datetimeFigureOut">
               <a:rPr kumimoji="1" lang="ja-JP" altLang="en-US" smtClean="0"/>
-              <a:t>14/10/31</a:t>
+              <a:t>14/11/04</a:t>
             </a:fld>
             <a:endParaRPr kumimoji="1" lang="ja-JP" altLang="en-US"/>
           </a:p>
@@ -4130,7 +4584,7 @@
           <a:p>
             <a:fld id="{8E38DBD1-F25C-9E4F-851F-C78CA3583CBD}" type="datetimeFigureOut">
               <a:rPr kumimoji="1" lang="ja-JP" altLang="en-US" smtClean="0"/>
-              <a:t>14/10/31</a:t>
+              <a:t>14/11/04</a:t>
             </a:fld>
             <a:endParaRPr kumimoji="1" lang="ja-JP" altLang="en-US"/>
           </a:p>
@@ -4225,7 +4679,7 @@
           <a:p>
             <a:fld id="{8E38DBD1-F25C-9E4F-851F-C78CA3583CBD}" type="datetimeFigureOut">
               <a:rPr kumimoji="1" lang="ja-JP" altLang="en-US" smtClean="0"/>
-              <a:t>14/10/31</a:t>
+              <a:t>14/11/04</a:t>
             </a:fld>
             <a:endParaRPr kumimoji="1" lang="ja-JP" altLang="en-US"/>
           </a:p>
@@ -4534,7 +4988,7 @@
           <a:p>
             <a:fld id="{8E38DBD1-F25C-9E4F-851F-C78CA3583CBD}" type="datetimeFigureOut">
               <a:rPr kumimoji="1" lang="ja-JP" altLang="en-US" smtClean="0"/>
-              <a:t>14/10/31</a:t>
+              <a:t>14/11/04</a:t>
             </a:fld>
             <a:endParaRPr kumimoji="1" lang="ja-JP" altLang="en-US"/>
           </a:p>
@@ -4787,7 +5241,7 @@
           <a:p>
             <a:fld id="{8E38DBD1-F25C-9E4F-851F-C78CA3583CBD}" type="datetimeFigureOut">
               <a:rPr kumimoji="1" lang="ja-JP" altLang="en-US" smtClean="0"/>
-              <a:t>14/10/31</a:t>
+              <a:t>14/11/04</a:t>
             </a:fld>
             <a:endParaRPr kumimoji="1" lang="ja-JP" altLang="en-US"/>
           </a:p>
@@ -5032,7 +5486,7 @@
           <a:p>
             <a:fld id="{8E38DBD1-F25C-9E4F-851F-C78CA3583CBD}" type="datetimeFigureOut">
               <a:rPr kumimoji="1" lang="ja-JP" altLang="en-US" smtClean="0"/>
-              <a:t>14/10/31</a:t>
+              <a:t>14/11/04</a:t>
             </a:fld>
             <a:endParaRPr kumimoji="1" lang="ja-JP" altLang="en-US"/>
           </a:p>
@@ -5558,9 +6012,9 @@
         <p:grpSpPr>
           <a:xfrm>
             <a:off x="832102" y="2103804"/>
-            <a:ext cx="7291842" cy="3966730"/>
+            <a:ext cx="7291842" cy="3932118"/>
             <a:chOff x="832102" y="2103804"/>
-            <a:chExt cx="7291842" cy="3966730"/>
+            <a:chExt cx="7291842" cy="3932118"/>
           </a:xfrm>
         </p:grpSpPr>
         <p:sp>
@@ -5598,8 +6052,8 @@
             <a:p>
               <a:pPr algn="ctr"/>
               <a:r>
-                <a:rPr kumimoji="1" lang="ja-JP" altLang="en-US" dirty="0" smtClean="0"/>
-                <a:t>ソースコード（入力）</a:t>
+                <a:rPr lang="ja-JP" altLang="en-US" dirty="0" smtClean="0"/>
+                <a:t>ソースコード</a:t>
               </a:r>
               <a:endParaRPr kumimoji="1" lang="ja-JP" altLang="en-US" dirty="0"/>
             </a:p>
@@ -5645,7 +6099,7 @@
               </a:r>
               <a:r>
                 <a:rPr lang="ja-JP" altLang="en-US" dirty="0" smtClean="0"/>
-                <a:t>・</a:t>
+                <a:t>と</a:t>
               </a:r>
               <a:r>
                 <a:rPr kumimoji="1" lang="en-US" altLang="ja-JP" dirty="0" smtClean="0"/>
@@ -5924,8 +6378,8 @@
           </p:nvSpPr>
           <p:spPr>
             <a:xfrm>
-              <a:off x="3868545" y="5608869"/>
-              <a:ext cx="1107996" cy="461665"/>
+              <a:off x="3494853" y="5574257"/>
+              <a:ext cx="2586766" cy="461665"/>
             </a:xfrm>
             <a:prstGeom prst="rect">
               <a:avLst/>
@@ -5939,12 +6393,28 @@
             <a:lstStyle/>
             <a:p>
               <a:r>
+                <a:rPr lang="ja-JP" altLang="en-US" sz="2400" dirty="0" smtClean="0">
+                  <a:solidFill>
+                    <a:srgbClr val="FF0000"/>
+                  </a:solidFill>
+                </a:rPr>
+                <a:t>全て手動で</a:t>
+              </a:r>
+              <a:r>
                 <a:rPr kumimoji="1" lang="ja-JP" altLang="en-US" sz="2400" dirty="0" smtClean="0">
                   <a:solidFill>
                     <a:srgbClr val="FF0000"/>
                   </a:solidFill>
                 </a:rPr>
-                <a:t>一方向</a:t>
+                <a:t>一方</a:t>
+              </a:r>
+              <a:r>
+                <a:rPr kumimoji="1" lang="ja-JP" altLang="en-US" sz="2400" dirty="0" smtClean="0">
+                  <a:solidFill>
+                    <a:srgbClr val="FF0000"/>
+                  </a:solidFill>
+                </a:rPr>
+                <a:t>向</a:t>
               </a:r>
               <a:endParaRPr kumimoji="1" lang="ja-JP" altLang="en-US" sz="2400" dirty="0">
                 <a:solidFill>
@@ -6004,7 +6474,7 @@
         </p:nvSpPr>
         <p:spPr>
           <a:xfrm>
-            <a:off x="457200" y="274638"/>
+            <a:off x="527834" y="116686"/>
             <a:ext cx="8229600" cy="849505"/>
           </a:xfrm>
         </p:spPr>
@@ -9639,7 +10109,71 @@
             </a:r>
             <a:r>
               <a:rPr lang="ja-JP" altLang="en-US" dirty="0" smtClean="0"/>
-              <a:t>依存にならないため、幅広い利用が望める</a:t>
+              <a:t>依存にならないため、幅広い利用が</a:t>
+            </a:r>
+            <a:r>
+              <a:rPr lang="ja-JP" altLang="en-US" dirty="0" smtClean="0"/>
+              <a:t>望める</a:t>
+            </a:r>
+            <a:endParaRPr lang="en-US" altLang="ja-JP" dirty="0" smtClean="0"/>
+          </a:p>
+          <a:p>
+            <a:pPr lvl="3"/>
+            <a:r>
+              <a:rPr lang="en-US" altLang="ja-JP" dirty="0" smtClean="0"/>
+              <a:t>Windows</a:t>
+            </a:r>
+            <a:r>
+              <a:rPr lang="ja-JP" altLang="en-US" dirty="0" smtClean="0"/>
+              <a:t>用、</a:t>
+            </a:r>
+            <a:r>
+              <a:rPr lang="en-US" altLang="ja-JP" dirty="0" smtClean="0"/>
+              <a:t>Mac</a:t>
+            </a:r>
+            <a:r>
+              <a:rPr lang="ja-JP" altLang="en-US" dirty="0" smtClean="0"/>
+              <a:t>用、</a:t>
+            </a:r>
+            <a:r>
+              <a:rPr lang="en-US" altLang="ja-JP" dirty="0" smtClean="0"/>
+              <a:t>Linux</a:t>
+            </a:r>
+            <a:r>
+              <a:rPr lang="ja-JP" altLang="en-US" dirty="0" smtClean="0"/>
+              <a:t>用と別々に開発しなくて良い</a:t>
+            </a:r>
+            <a:endParaRPr lang="en-US" altLang="ja-JP" dirty="0" smtClean="0"/>
+          </a:p>
+          <a:p>
+            <a:pPr lvl="3"/>
+            <a:r>
+              <a:rPr lang="ja-JP" altLang="en-US" dirty="0" smtClean="0"/>
+              <a:t>大抵の</a:t>
+            </a:r>
+            <a:r>
+              <a:rPr lang="en-US" altLang="ja-JP" dirty="0" smtClean="0"/>
+              <a:t>PC</a:t>
+            </a:r>
+            <a:r>
+              <a:rPr lang="ja-JP" altLang="en-US" dirty="0" smtClean="0"/>
+              <a:t>には</a:t>
+            </a:r>
+            <a:r>
+              <a:rPr lang="en-US" altLang="ja-JP" dirty="0" smtClean="0"/>
+              <a:t>WEB</a:t>
+            </a:r>
+            <a:r>
+              <a:rPr lang="ja-JP" altLang="en-US" dirty="0" smtClean="0"/>
+              <a:t>ブラウザがインストールされている</a:t>
+            </a:r>
+            <a:endParaRPr lang="en-US" altLang="ja-JP" dirty="0" smtClean="0"/>
+          </a:p>
+          <a:p>
+            <a:pPr lvl="4"/>
+            <a:r>
+              <a:rPr lang="ja-JP" altLang="en-US" dirty="0" smtClean="0"/>
+              <a:t>利用者の幅が広がりやすい</a:t>
             </a:r>
             <a:endParaRPr lang="en-US" altLang="ja-JP" dirty="0" smtClean="0"/>
           </a:p>
@@ -9651,19 +10185,31 @@
             </a:r>
             <a:r>
               <a:rPr lang="en-US" altLang="ja-JP" dirty="0" smtClean="0"/>
-              <a:t>AST(Abstract Syntax Tree)</a:t>
+              <a:t>AST(Abstract Syntax Tree</a:t>
+            </a:r>
+            <a:r>
+              <a:rPr lang="en-US" altLang="ja-JP" dirty="0" smtClean="0"/>
+              <a:t>)</a:t>
             </a:r>
             <a:r>
               <a:rPr lang="ja-JP" altLang="en-US" dirty="0" smtClean="0"/>
-              <a:t>等で</a:t>
+              <a:t>を用い</a:t>
             </a:r>
             <a:r>
               <a:rPr lang="en-US" altLang="ja-JP" dirty="0" smtClean="0"/>
-              <a:t>DOM(Document Object Model) API</a:t>
+              <a:t>DOM</a:t>
+            </a:r>
+            <a:r>
+              <a:rPr lang="en-US" altLang="ja-JP" dirty="0" smtClean="0"/>
+              <a:t>(Document Object Model) </a:t>
+            </a:r>
+            <a:r>
+              <a:rPr lang="en-US" altLang="ja-JP" dirty="0" smtClean="0"/>
+              <a:t>API</a:t>
             </a:r>
             <a:r>
               <a:rPr lang="ja-JP" altLang="en-US" dirty="0" smtClean="0"/>
-              <a:t>の利用が可能</a:t>
+              <a:t>で解析を行うことができる</a:t>
             </a:r>
             <a:endParaRPr lang="en-US" altLang="ja-JP" dirty="0" smtClean="0"/>
           </a:p>
@@ -9771,41 +10317,38 @@
             </a:r>
             <a:r>
               <a:rPr lang="ja-JP" altLang="en-US" dirty="0" smtClean="0"/>
-              <a:t>勧告</a:t>
-            </a:r>
+              <a:t>勧告されたため仕様の確認</a:t>
+            </a:r>
+            <a:endParaRPr kumimoji="1" lang="en-US" altLang="ja-JP" dirty="0" smtClean="0"/>
+          </a:p>
+          <a:p>
+            <a:pPr lvl="1"/>
+            <a:r>
+              <a:rPr lang="en-US" altLang="ja-JP" dirty="0">
+                <a:hlinkClick r:id="rId3"/>
+              </a:rPr>
+              <a:t>http://</a:t>
+            </a:r>
+            <a:r>
+              <a:rPr lang="en-US" altLang="ja-JP" dirty="0" smtClean="0">
+                <a:hlinkClick r:id="rId3"/>
+              </a:rPr>
+              <a:t>www.w3.org/2014/10/html5-rec.html.ja</a:t>
+            </a:r>
+            <a:endParaRPr lang="en-US" altLang="ja-JP" dirty="0" smtClean="0"/>
+          </a:p>
+          <a:p>
             <a:r>
               <a:rPr lang="ja-JP" altLang="en-US" dirty="0" smtClean="0"/>
-              <a:t>された</a:t>
+              <a:t>コード</a:t>
             </a:r>
             <a:r>
               <a:rPr lang="ja-JP" altLang="en-US" dirty="0" smtClean="0"/>
-              <a:t>ため</a:t>
+              <a:t>パース</a:t>
             </a:r>
             <a:r>
               <a:rPr lang="ja-JP" altLang="en-US" dirty="0" smtClean="0"/>
-              <a:t>仕様</a:t>
-            </a:r>
-            <a:r>
-              <a:rPr lang="ja-JP" altLang="en-US" dirty="0" smtClean="0"/>
-              <a:t>の確認</a:t>
-            </a:r>
-            <a:endParaRPr kumimoji="1" lang="en-US" altLang="ja-JP" dirty="0" smtClean="0"/>
-          </a:p>
-          <a:p>
-            <a:pPr lvl="1"/>
-            <a:r>
-              <a:rPr lang="en-US" altLang="ja-JP" dirty="0"/>
-              <a:t>http://</a:t>
-            </a:r>
-            <a:r>
-              <a:rPr lang="en-US" altLang="ja-JP" dirty="0" smtClean="0"/>
-              <a:t>www.w3.org/2014/10/html5-rec.html.ja</a:t>
-            </a:r>
-          </a:p>
-          <a:p>
-            <a:r>
-              <a:rPr lang="ja-JP" altLang="en-US" dirty="0" smtClean="0"/>
-              <a:t>パース手法の調査・プログラム作成</a:t>
+              <a:t>手法の調査・プログラム作成</a:t>
             </a:r>
             <a:endParaRPr lang="en-US" altLang="ja-JP" dirty="0" smtClean="0"/>
           </a:p>
@@ -9844,12 +10387,24 @@
               <a:t>DOM</a:t>
             </a:r>
             <a:r>
-              <a:rPr kumimoji="1" lang="ja-JP" altLang="en-US" dirty="0" smtClean="0"/>
-              <a:t>を利用して</a:t>
+              <a:rPr lang="en-US" altLang="ja-JP" dirty="0"/>
+              <a:t> </a:t>
+            </a:r>
+            <a:r>
+              <a:rPr lang="en-US" altLang="ja-JP" dirty="0" smtClean="0"/>
+              <a:t>API</a:t>
+            </a:r>
+            <a:r>
+              <a:rPr kumimoji="1" lang="ja-JP" altLang="en-US" dirty="0" smtClean="0"/>
+              <a:t>を</a:t>
             </a:r>
             <a:r>
               <a:rPr kumimoji="1" lang="en-US" altLang="ja-JP" dirty="0" err="1" smtClean="0"/>
-              <a:t>Jquery,Ajax</a:t>
+              <a:t>JQuery</a:t>
+            </a:r>
+            <a:r>
+              <a:rPr kumimoji="1" lang="en-US" altLang="ja-JP" dirty="0" err="1" smtClean="0"/>
+              <a:t>,Ajax</a:t>
             </a:r>
             <a:r>
               <a:rPr kumimoji="1" lang="ja-JP" altLang="en-US" dirty="0" smtClean="0"/>
@@ -9990,11 +10545,7 @@
           <a:p>
             <a:r>
               <a:rPr lang="ja-JP" altLang="en-US" dirty="0" smtClean="0"/>
-              <a:t>関数評価方法の</a:t>
-            </a:r>
-            <a:r>
-              <a:rPr lang="ja-JP" altLang="en-US" dirty="0" smtClean="0"/>
-              <a:t>検討</a:t>
+              <a:t>関数評価方法の検討</a:t>
             </a:r>
             <a:endParaRPr lang="en-US" altLang="ja-JP" dirty="0" smtClean="0"/>
           </a:p>
@@ -11009,7 +11560,39 @@
             </a:pPr>
             <a:r>
               <a:rPr lang="ja-JP" altLang="en-US" dirty="0" smtClean="0"/>
-              <a:t>新しい知見の検証には先のモデルの</a:t>
+              <a:t>新しい</a:t>
+            </a:r>
+            <a:r>
+              <a:rPr lang="ja-JP" altLang="en-US" dirty="0" smtClean="0"/>
+              <a:t>知見</a:t>
+            </a:r>
+            <a:r>
+              <a:rPr lang="ja-JP" altLang="en-US" dirty="0" smtClean="0"/>
+              <a:t>を</a:t>
+            </a:r>
+            <a:r>
+              <a:rPr lang="ja-JP" altLang="en-US" dirty="0" smtClean="0"/>
+              <a:t>検証</a:t>
+            </a:r>
+            <a:r>
+              <a:rPr lang="ja-JP" altLang="en-US" dirty="0" smtClean="0"/>
+              <a:t>する為</a:t>
+            </a:r>
+            <a:r>
+              <a:rPr lang="ja-JP" altLang="en-US" dirty="0" smtClean="0"/>
+              <a:t>には</a:t>
+            </a:r>
+            <a:r>
+              <a:rPr lang="ja-JP" altLang="en-US" dirty="0" smtClean="0"/>
+              <a:t>先の</a:t>
+            </a:r>
+            <a:r>
+              <a:rPr lang="ja-JP" altLang="en-US" dirty="0" smtClean="0"/>
+              <a:t>モデル</a:t>
+            </a:r>
+            <a:r>
+              <a:rPr lang="ja-JP" altLang="en-US" dirty="0" smtClean="0"/>
+              <a:t>の</a:t>
             </a:r>
             <a:r>
               <a:rPr lang="en-US" altLang="ja-JP" dirty="0" smtClean="0"/>

--- a/doc/中間発表資料.pptx
+++ b/doc/中間発表資料.pptx
@@ -128,7 +128,7 @@
   </p:defaultTextStyle>
   <p:extLst>
     <p:ext uri="{EFAFB233-063F-42B5-8137-9DF3F51BA10A}">
-      <p15:sldGuideLst xmlns:p15="http://schemas.microsoft.com/office/powerpoint/2012/main">
+      <p15:sldGuideLst xmlns:p15="http://schemas.microsoft.com/office/powerpoint/2012/main" xmlns="">
         <p15:guide id="1" orient="horz" pos="2160">
           <p15:clr>
             <a:srgbClr val="A4A3A4"/>
@@ -227,7 +227,7 @@
           <a:p>
             <a:fld id="{07C89E97-5434-9C4E-B6E5-C9F9FBA5FCE1}" type="datetimeFigureOut">
               <a:rPr kumimoji="1" lang="ja-JP" altLang="en-US" smtClean="0"/>
-              <a:t>2014/11/5</a:t>
+              <a:t>2014/11/6</a:t>
             </a:fld>
             <a:endParaRPr kumimoji="1" lang="ja-JP" altLang="en-US"/>
           </a:p>
@@ -2435,7 +2435,7 @@
           <a:p>
             <a:fld id="{8E38DBD1-F25C-9E4F-851F-C78CA3583CBD}" type="datetimeFigureOut">
               <a:rPr kumimoji="1" lang="ja-JP" altLang="en-US" smtClean="0"/>
-              <a:t>2014/11/5</a:t>
+              <a:t>2014/11/6</a:t>
             </a:fld>
             <a:endParaRPr kumimoji="1" lang="ja-JP" altLang="en-US"/>
           </a:p>
@@ -2637,7 +2637,7 @@
           <a:p>
             <a:fld id="{8E38DBD1-F25C-9E4F-851F-C78CA3583CBD}" type="datetimeFigureOut">
               <a:rPr kumimoji="1" lang="ja-JP" altLang="en-US" smtClean="0"/>
-              <a:t>2014/11/5</a:t>
+              <a:t>2014/11/6</a:t>
             </a:fld>
             <a:endParaRPr kumimoji="1" lang="ja-JP" altLang="en-US"/>
           </a:p>
@@ -2849,7 +2849,7 @@
           <a:p>
             <a:fld id="{8E38DBD1-F25C-9E4F-851F-C78CA3583CBD}" type="datetimeFigureOut">
               <a:rPr kumimoji="1" lang="ja-JP" altLang="en-US" smtClean="0"/>
-              <a:t>2014/11/5</a:t>
+              <a:t>2014/11/6</a:t>
             </a:fld>
             <a:endParaRPr kumimoji="1" lang="ja-JP" altLang="en-US"/>
           </a:p>
@@ -3051,7 +3051,7 @@
           <a:p>
             <a:fld id="{8E38DBD1-F25C-9E4F-851F-C78CA3583CBD}" type="datetimeFigureOut">
               <a:rPr kumimoji="1" lang="ja-JP" altLang="en-US" smtClean="0"/>
-              <a:t>2014/11/5</a:t>
+              <a:t>2014/11/6</a:t>
             </a:fld>
             <a:endParaRPr kumimoji="1" lang="ja-JP" altLang="en-US"/>
           </a:p>
@@ -3297,7 +3297,7 @@
           <a:p>
             <a:fld id="{8E38DBD1-F25C-9E4F-851F-C78CA3583CBD}" type="datetimeFigureOut">
               <a:rPr kumimoji="1" lang="ja-JP" altLang="en-US" smtClean="0"/>
-              <a:t>2014/11/5</a:t>
+              <a:t>2014/11/6</a:t>
             </a:fld>
             <a:endParaRPr kumimoji="1" lang="ja-JP" altLang="en-US"/>
           </a:p>
@@ -3649,7 +3649,7 @@
           <a:p>
             <a:fld id="{8E38DBD1-F25C-9E4F-851F-C78CA3583CBD}" type="datetimeFigureOut">
               <a:rPr kumimoji="1" lang="ja-JP" altLang="en-US" smtClean="0"/>
-              <a:t>2014/11/5</a:t>
+              <a:t>2014/11/6</a:t>
             </a:fld>
             <a:endParaRPr kumimoji="1" lang="ja-JP" altLang="en-US"/>
           </a:p>
@@ -4135,7 +4135,7 @@
           <a:p>
             <a:fld id="{8E38DBD1-F25C-9E4F-851F-C78CA3583CBD}" type="datetimeFigureOut">
               <a:rPr kumimoji="1" lang="ja-JP" altLang="en-US" smtClean="0"/>
-              <a:t>2014/11/5</a:t>
+              <a:t>2014/11/6</a:t>
             </a:fld>
             <a:endParaRPr kumimoji="1" lang="ja-JP" altLang="en-US"/>
           </a:p>
@@ -4253,7 +4253,7 @@
           <a:p>
             <a:fld id="{8E38DBD1-F25C-9E4F-851F-C78CA3583CBD}" type="datetimeFigureOut">
               <a:rPr kumimoji="1" lang="ja-JP" altLang="en-US" smtClean="0"/>
-              <a:t>2014/11/5</a:t>
+              <a:t>2014/11/6</a:t>
             </a:fld>
             <a:endParaRPr kumimoji="1" lang="ja-JP" altLang="en-US"/>
           </a:p>
@@ -4348,7 +4348,7 @@
           <a:p>
             <a:fld id="{8E38DBD1-F25C-9E4F-851F-C78CA3583CBD}" type="datetimeFigureOut">
               <a:rPr kumimoji="1" lang="ja-JP" altLang="en-US" smtClean="0"/>
-              <a:t>2014/11/5</a:t>
+              <a:t>2014/11/6</a:t>
             </a:fld>
             <a:endParaRPr kumimoji="1" lang="ja-JP" altLang="en-US"/>
           </a:p>
@@ -4657,7 +4657,7 @@
           <a:p>
             <a:fld id="{8E38DBD1-F25C-9E4F-851F-C78CA3583CBD}" type="datetimeFigureOut">
               <a:rPr kumimoji="1" lang="ja-JP" altLang="en-US" smtClean="0"/>
-              <a:t>2014/11/5</a:t>
+              <a:t>2014/11/6</a:t>
             </a:fld>
             <a:endParaRPr kumimoji="1" lang="ja-JP" altLang="en-US"/>
           </a:p>
@@ -4910,7 +4910,7 @@
           <a:p>
             <a:fld id="{8E38DBD1-F25C-9E4F-851F-C78CA3583CBD}" type="datetimeFigureOut">
               <a:rPr kumimoji="1" lang="ja-JP" altLang="en-US" smtClean="0"/>
-              <a:t>2014/11/5</a:t>
+              <a:t>2014/11/6</a:t>
             </a:fld>
             <a:endParaRPr kumimoji="1" lang="ja-JP" altLang="en-US"/>
           </a:p>
@@ -5155,7 +5155,7 @@
           <a:p>
             <a:fld id="{8E38DBD1-F25C-9E4F-851F-C78CA3583CBD}" type="datetimeFigureOut">
               <a:rPr kumimoji="1" lang="ja-JP" altLang="en-US" smtClean="0"/>
-              <a:t>2014/11/5</a:t>
+              <a:t>2014/11/6</a:t>
             </a:fld>
             <a:endParaRPr kumimoji="1" lang="ja-JP" altLang="en-US"/>
           </a:p>
@@ -6824,15 +6824,15 @@
                   <a:noFill/>
                 </a:ln>
                 <a:extLst>
-                  <a:ext uri="{909E8E84-426E-40dd-AFC4-6F175D3DCCD1}">
-                    <a14:hiddenFill xmlns:a14="http://schemas.microsoft.com/office/drawing/2010/main" xmlns="">
+                  <a:ext uri="{909E8E84-426E-40DD-AFC4-6F175D3DCCD1}">
+                    <a14:hiddenFill xmlns:a14="http://schemas.microsoft.com/office/drawing/2010/main">
                       <a:solidFill>
                         <a:srgbClr val="FFFFFF"/>
                       </a:solidFill>
                     </a14:hiddenFill>
                   </a:ext>
-                  <a:ext uri="{91240B29-F687-4f45-9708-019B960494DF}">
-                    <a14:hiddenLine xmlns:a14="http://schemas.microsoft.com/office/drawing/2010/main" xmlns="" w="9525">
+                  <a:ext uri="{91240B29-F687-4F45-9708-019B960494DF}">
+                    <a14:hiddenLine xmlns:a14="http://schemas.microsoft.com/office/drawing/2010/main" w="9525">
                       <a:solidFill>
                         <a:srgbClr val="000000"/>
                       </a:solidFill>
@@ -6895,15 +6895,15 @@
                 <a:noFill/>
               </a:ln>
               <a:extLst>
-                <a:ext uri="{909E8E84-426E-40dd-AFC4-6F175D3DCCD1}">
-                  <a14:hiddenFill xmlns:a14="http://schemas.microsoft.com/office/drawing/2010/main" xmlns="">
+                <a:ext uri="{909E8E84-426E-40DD-AFC4-6F175D3DCCD1}">
+                  <a14:hiddenFill xmlns:a14="http://schemas.microsoft.com/office/drawing/2010/main">
                     <a:solidFill>
                       <a:srgbClr val="FFFFFF"/>
                     </a:solidFill>
                   </a14:hiddenFill>
                 </a:ext>
-                <a:ext uri="{91240B29-F687-4f45-9708-019B960494DF}">
-                  <a14:hiddenLine xmlns:a14="http://schemas.microsoft.com/office/drawing/2010/main" xmlns="" w="9525">
+                <a:ext uri="{91240B29-F687-4F45-9708-019B960494DF}">
+                  <a14:hiddenLine xmlns:a14="http://schemas.microsoft.com/office/drawing/2010/main" w="9525">
                     <a:solidFill>
                       <a:srgbClr val="000000"/>
                     </a:solidFill>
@@ -11875,7 +11875,9 @@
           </a:xfrm>
         </p:spPr>
         <p:txBody>
-          <a:bodyPr/>
+          <a:bodyPr>
+            <a:normAutofit fontScale="92500"/>
+          </a:bodyPr>
           <a:lstStyle/>
           <a:p>
             <a:r>
@@ -11896,64 +11898,79 @@
             </a:r>
             <a:r>
               <a:rPr lang="ja-JP" altLang="en-US" dirty="0" smtClean="0"/>
-              <a:t>正式</a:t>
+              <a:t>正式勧告され仕様の</a:t>
             </a:r>
             <a:r>
               <a:rPr lang="ja-JP" altLang="en-US" dirty="0" smtClean="0"/>
-              <a:t>勧告</a:t>
+              <a:t>確認</a:t>
+            </a:r>
+            <a:endParaRPr lang="en-US" altLang="ja-JP" dirty="0" smtClean="0"/>
+          </a:p>
+          <a:p>
+            <a:pPr lvl="1"/>
+            <a:r>
+              <a:rPr lang="en-US" altLang="ja-JP" dirty="0" smtClean="0"/>
+              <a:t>2014</a:t>
             </a:r>
             <a:r>
               <a:rPr lang="ja-JP" altLang="en-US" dirty="0" smtClean="0"/>
-              <a:t>され仕様</a:t>
+              <a:t>年</a:t>
+            </a:r>
+            <a:r>
+              <a:rPr lang="en-US" altLang="ja-JP" dirty="0" smtClean="0"/>
+              <a:t>10</a:t>
+            </a:r>
+            <a:r>
+              <a:rPr lang="ja-JP" altLang="en-US" dirty="0" smtClean="0"/>
+              <a:t>月</a:t>
+            </a:r>
+            <a:r>
+              <a:rPr lang="en-US" altLang="ja-JP" dirty="0" smtClean="0"/>
+              <a:t>28</a:t>
+            </a:r>
+            <a:r>
+              <a:rPr lang="ja-JP" altLang="en-US" dirty="0" smtClean="0"/>
+              <a:t>日（米国時間）</a:t>
+            </a:r>
+            <a:endParaRPr lang="en-US" altLang="ja-JP" dirty="0" smtClean="0"/>
+          </a:p>
+          <a:p>
+            <a:r>
+              <a:rPr lang="en-US" altLang="ja-JP" dirty="0"/>
+              <a:t>WHATWG HTML Living </a:t>
+            </a:r>
+            <a:r>
+              <a:rPr lang="en-US" altLang="ja-JP" dirty="0" smtClean="0"/>
+              <a:t>Standard</a:t>
             </a:r>
             <a:r>
               <a:rPr lang="ja-JP" altLang="en-US" dirty="0" smtClean="0"/>
               <a:t>の確認</a:t>
             </a:r>
-            <a:endParaRPr kumimoji="1" lang="en-US" altLang="ja-JP" dirty="0" smtClean="0"/>
+            <a:endParaRPr lang="en-US" altLang="ja-JP" dirty="0" smtClean="0"/>
           </a:p>
           <a:p>
             <a:pPr lvl="1"/>
             <a:r>
               <a:rPr lang="en-US" altLang="ja-JP" dirty="0" smtClean="0"/>
-              <a:t>2014</a:t>
+              <a:t>Web Hypertext Application Technology Working Group</a:t>
+            </a:r>
+          </a:p>
+          <a:p>
+            <a:pPr lvl="1"/>
+            <a:r>
+              <a:rPr lang="en-US" altLang="ja-JP" dirty="0" err="1" smtClean="0"/>
+              <a:t>WebStorage</a:t>
             </a:r>
             <a:r>
               <a:rPr lang="ja-JP" altLang="en-US" dirty="0" smtClean="0"/>
-              <a:t>年</a:t>
-            </a:r>
-            <a:r>
-              <a:rPr lang="en-US" altLang="ja-JP" dirty="0" smtClean="0"/>
-              <a:t>10</a:t>
-            </a:r>
-            <a:r>
-              <a:rPr lang="ja-JP" altLang="en-US" dirty="0" smtClean="0"/>
-              <a:t>月</a:t>
-            </a:r>
-            <a:r>
-              <a:rPr lang="en-US" altLang="ja-JP" dirty="0" smtClean="0"/>
-              <a:t>28</a:t>
-            </a:r>
-            <a:r>
-              <a:rPr lang="ja-JP" altLang="en-US" dirty="0" smtClean="0"/>
-              <a:t>日（米国時間）</a:t>
+              <a:t>等</a:t>
+            </a:r>
+            <a:r>
+              <a:rPr lang="ja-JP" altLang="en-US" smtClean="0"/>
+              <a:t>の検討をしている</a:t>
             </a:r>
             <a:endParaRPr lang="en-US" altLang="ja-JP" dirty="0" smtClean="0"/>
-          </a:p>
-          <a:p>
-            <a:pPr lvl="1"/>
-            <a:r>
-              <a:rPr lang="en-US" altLang="ja-JP" dirty="0" smtClean="0"/>
-              <a:t>http</a:t>
-            </a:r>
-            <a:r>
-              <a:rPr lang="en-US" altLang="ja-JP" dirty="0"/>
-              <a:t>://</a:t>
-            </a:r>
-            <a:r>
-              <a:rPr lang="en-US" altLang="ja-JP" dirty="0" smtClean="0"/>
-              <a:t>www.w3.org/2014/10/html5-rec.html.ja</a:t>
-            </a:r>
           </a:p>
           <a:p>
             <a:r>
@@ -12322,11 +12339,7 @@
             </a:r>
             <a:r>
               <a:rPr lang="ja-JP" altLang="en-US" dirty="0" smtClean="0"/>
-              <a:t>つのモデル</a:t>
-            </a:r>
-            <a:r>
-              <a:rPr lang="ja-JP" altLang="en-US" dirty="0" smtClean="0"/>
-              <a:t>で動作検証を行う</a:t>
+              <a:t>つのモデルで動作検証を行う</a:t>
             </a:r>
             <a:endParaRPr lang="en-US" altLang="ja-JP" dirty="0" smtClean="0"/>
           </a:p>
@@ -12482,15 +12495,7 @@
           <a:p>
             <a:r>
               <a:rPr lang="ja-JP" altLang="en-US" dirty="0" smtClean="0"/>
-              <a:t>ヒト</a:t>
-            </a:r>
-            <a:r>
-              <a:rPr lang="ja-JP" altLang="en-US" dirty="0" smtClean="0"/>
-              <a:t>の情報処理を理解する手段として神経細胞特性や知覚特性を記述・再現する数理モデル構築並びにシミュレーションによるモデル</a:t>
-            </a:r>
-            <a:r>
-              <a:rPr lang="ja-JP" altLang="en-US" dirty="0" smtClean="0"/>
-              <a:t>検証の問題点</a:t>
+              <a:t>ヒトの情報処理を理解する手段として神経細胞特性や知覚特性を記述・再現する数理モデル構築並びにシミュレーションによるモデル検証の問題点</a:t>
             </a:r>
             <a:endParaRPr kumimoji="1" lang="ja-JP" altLang="en-US" dirty="0"/>
           </a:p>
@@ -14266,15 +14271,7 @@
             </a:r>
             <a:r>
               <a:rPr lang="ja-JP" altLang="en-US" dirty="0" smtClean="0"/>
-              <a:t>数理</a:t>
-            </a:r>
-            <a:r>
-              <a:rPr lang="ja-JP" altLang="en-US" dirty="0" smtClean="0"/>
-              <a:t>モデルの解釈（プログラム用</a:t>
-            </a:r>
-            <a:r>
-              <a:rPr lang="ja-JP" altLang="en-US" dirty="0" smtClean="0"/>
-              <a:t>のモデル図を描く）</a:t>
+              <a:t>数理モデルの解釈（プログラム用のモデル図を描く）</a:t>
             </a:r>
             <a:endParaRPr lang="en-US" altLang="ja-JP" dirty="0" smtClean="0"/>
           </a:p>
@@ -14288,15 +14285,7 @@
             </a:pPr>
             <a:r>
               <a:rPr kumimoji="1" lang="ja-JP" altLang="en-US" dirty="0" smtClean="0"/>
-              <a:t>数理モデルを実装（翻訳）したプログラミング言語の解読</a:t>
-            </a:r>
-            <a:r>
-              <a:rPr kumimoji="1" lang="ja-JP" altLang="en-US" dirty="0" smtClean="0"/>
-              <a:t>＝コードから論文</a:t>
-            </a:r>
-            <a:r>
-              <a:rPr kumimoji="1" lang="ja-JP" altLang="en-US" dirty="0" smtClean="0"/>
-              <a:t>内容と</a:t>
+              <a:t>数理モデルを実装（翻訳）したプログラミング言語の解読＝コードから論文内容と</a:t>
             </a:r>
             <a:r>
               <a:rPr kumimoji="1" lang="en-US" altLang="ja-JP" dirty="0" err="1" smtClean="0"/>
@@ -14304,11 +14293,7 @@
             </a:r>
             <a:r>
               <a:rPr kumimoji="1" lang="ja-JP" altLang="en-US" dirty="0" smtClean="0"/>
-              <a:t>ファイルの対応</a:t>
-            </a:r>
-            <a:r>
-              <a:rPr kumimoji="1" lang="ja-JP" altLang="en-US" dirty="0" smtClean="0"/>
-              <a:t>関係を読みとる</a:t>
+              <a:t>ファイルの対応関係を読みとる</a:t>
             </a:r>
             <a:endParaRPr kumimoji="1" lang="en-US" altLang="ja-JP" dirty="0" smtClean="0"/>
           </a:p>
@@ -14641,15 +14626,15 @@
                       <a:noFill/>
                     </a:ln>
                     <a:extLst>
-                      <a:ext uri="{909E8E84-426E-40dd-AFC4-6F175D3DCCD1}">
-                        <a14:hiddenFill xmlns:a14="http://schemas.microsoft.com/office/drawing/2010/main" xmlns="">
+                      <a:ext uri="{909E8E84-426E-40DD-AFC4-6F175D3DCCD1}">
+                        <a14:hiddenFill xmlns:a14="http://schemas.microsoft.com/office/drawing/2010/main">
                           <a:solidFill>
                             <a:srgbClr val="FFFFFF"/>
                           </a:solidFill>
                         </a14:hiddenFill>
                       </a:ext>
-                      <a:ext uri="{91240B29-F687-4f45-9708-019B960494DF}">
-                        <a14:hiddenLine xmlns:a14="http://schemas.microsoft.com/office/drawing/2010/main" xmlns="" w="9525">
+                      <a:ext uri="{91240B29-F687-4F45-9708-019B960494DF}">
+                        <a14:hiddenLine xmlns:a14="http://schemas.microsoft.com/office/drawing/2010/main" w="9525">
                           <a:solidFill>
                             <a:srgbClr val="000000"/>
                           </a:solidFill>
@@ -15056,15 +15041,15 @@
                     <a:noFill/>
                   </a:ln>
                   <a:extLst>
-                    <a:ext uri="{909E8E84-426E-40dd-AFC4-6F175D3DCCD1}">
-                      <a14:hiddenFill xmlns:a14="http://schemas.microsoft.com/office/drawing/2010/main" xmlns="">
+                    <a:ext uri="{909E8E84-426E-40DD-AFC4-6F175D3DCCD1}">
+                      <a14:hiddenFill xmlns:a14="http://schemas.microsoft.com/office/drawing/2010/main">
                         <a:solidFill>
                           <a:srgbClr val="FFFFFF"/>
                         </a:solidFill>
                       </a14:hiddenFill>
                     </a:ext>
-                    <a:ext uri="{91240B29-F687-4f45-9708-019B960494DF}">
-                      <a14:hiddenLine xmlns:a14="http://schemas.microsoft.com/office/drawing/2010/main" xmlns="" w="9525">
+                    <a:ext uri="{91240B29-F687-4F45-9708-019B960494DF}">
+                      <a14:hiddenLine xmlns:a14="http://schemas.microsoft.com/office/drawing/2010/main" w="9525">
                         <a:solidFill>
                           <a:srgbClr val="000000"/>
                         </a:solidFill>

--- a/doc/中間発表資料.pptx
+++ b/doc/中間発表資料.pptx
@@ -5,7 +5,7 @@
     <p:sldMasterId id="2147483648" r:id="rId1"/>
   </p:sldMasterIdLst>
   <p:notesMasterIdLst>
-    <p:notesMasterId r:id="rId26"/>
+    <p:notesMasterId r:id="rId27"/>
   </p:notesMasterIdLst>
   <p:sldIdLst>
     <p:sldId id="256" r:id="rId2"/>
@@ -32,6 +32,7 @@
     <p:sldId id="282" r:id="rId23"/>
     <p:sldId id="257" r:id="rId24"/>
     <p:sldId id="281" r:id="rId25"/>
+    <p:sldId id="284" r:id="rId26"/>
   </p:sldIdLst>
   <p:sldSz cx="9144000" cy="6858000" type="screen4x3"/>
   <p:notesSz cx="6858000" cy="9144000"/>
@@ -673,16 +674,18 @@
           <a:p>
             <a:r>
               <a:rPr kumimoji="1" lang="ja-JP" altLang="en-US" dirty="0" smtClean="0"/>
-              <a:t>そこで提案の手法ではまず</a:t>
-            </a:r>
-            <a:r>
-              <a:rPr kumimoji="1" lang="en-US" altLang="ja-JP" dirty="0" smtClean="0"/>
-              <a:t>WEB</a:t>
-            </a:r>
+              <a:t>従来の手法では以上の様に、まずソースを頭の中で解析して、プログラムコードに書き出すという作業や</a:t>
+            </a:r>
+            <a:endParaRPr kumimoji="1" lang="en-US" altLang="ja-JP" dirty="0" smtClean="0"/>
+          </a:p>
+          <a:p>
             <a:r>
               <a:rPr kumimoji="1" lang="ja-JP" altLang="en-US" dirty="0" smtClean="0"/>
-              <a:t>ブラウザにモデルファイルを入力すると処理（メソッド）の流れを可視化して表示します。</a:t>
-            </a:r>
+              <a:t>変更する部分を見つける、直すという手順は全て手動で行う必要があります。</a:t>
+            </a:r>
+            <a:endParaRPr kumimoji="1" lang="en-US" altLang="ja-JP" dirty="0" smtClean="0"/>
+          </a:p>
+          <a:p>
             <a:endParaRPr kumimoji="1" lang="ja-JP" altLang="en-US" dirty="0"/>
           </a:p>
         </p:txBody>
@@ -704,7 +707,7 @@
           <a:p>
             <a:fld id="{9B414CEF-9AC9-7B40-8689-4792AE055851}" type="slidenum">
               <a:rPr kumimoji="1" lang="ja-JP" altLang="en-US" smtClean="0"/>
-              <a:t>13</a:t>
+              <a:t>12</a:t>
             </a:fld>
             <a:endParaRPr kumimoji="1" lang="ja-JP" altLang="en-US"/>
           </a:p>
@@ -713,7 +716,7 @@
     </p:spTree>
     <p:extLst>
       <p:ext uri="{BB962C8B-B14F-4D97-AF65-F5344CB8AC3E}">
-        <p14:creationId xmlns:p14="http://schemas.microsoft.com/office/powerpoint/2010/main" val="753666940"/>
+        <p14:creationId xmlns:p14="http://schemas.microsoft.com/office/powerpoint/2010/main" val="1436513491"/>
       </p:ext>
     </p:extLst>
   </p:cSld>
@@ -769,21 +772,15 @@
           <a:p>
             <a:r>
               <a:rPr kumimoji="1" lang="ja-JP" altLang="en-US" dirty="0" smtClean="0"/>
-              <a:t>さらに各関数をクリックするとその関数のソースコードがエディタウインドで表示されて確認したり編集をすることができたりします。</a:t>
-            </a:r>
-            <a:endParaRPr kumimoji="1" lang="en-US" altLang="ja-JP" dirty="0" smtClean="0"/>
-          </a:p>
-          <a:p>
+              <a:t>そこで提案の手法ではまず</a:t>
+            </a:r>
+            <a:r>
+              <a:rPr kumimoji="1" lang="en-US" altLang="ja-JP" dirty="0" smtClean="0"/>
+              <a:t>WEB</a:t>
+            </a:r>
             <a:r>
               <a:rPr kumimoji="1" lang="ja-JP" altLang="en-US" dirty="0" smtClean="0"/>
-              <a:t>変更して、実行ボタンを押すとその関数でパラメータフィッティングを行い評価結果を表示します。評価結果を比較することでより良い関数を作成することが出来ます。</a:t>
-            </a:r>
-            <a:endParaRPr kumimoji="1" lang="en-US" altLang="ja-JP" dirty="0" smtClean="0"/>
-          </a:p>
-          <a:p>
-            <a:r>
-              <a:rPr kumimoji="1" lang="ja-JP" altLang="en-US" dirty="0" smtClean="0"/>
-              <a:t>最終結果として変更した新しいモデルファイルはダウンロードすることが出来ます。</a:t>
+              <a:t>ブラウザにモデルファイルを入力すると処理（メソッド）の流れを可視化して表示します。</a:t>
             </a:r>
             <a:endParaRPr kumimoji="1" lang="ja-JP" altLang="en-US" dirty="0"/>
           </a:p>
@@ -806,7 +803,7 @@
           <a:p>
             <a:fld id="{9B414CEF-9AC9-7B40-8689-4792AE055851}" type="slidenum">
               <a:rPr kumimoji="1" lang="ja-JP" altLang="en-US" smtClean="0"/>
-              <a:t>14</a:t>
+              <a:t>13</a:t>
             </a:fld>
             <a:endParaRPr kumimoji="1" lang="ja-JP" altLang="en-US"/>
           </a:p>
@@ -815,7 +812,7 @@
     </p:spTree>
     <p:extLst>
       <p:ext uri="{BB962C8B-B14F-4D97-AF65-F5344CB8AC3E}">
-        <p14:creationId xmlns:p14="http://schemas.microsoft.com/office/powerpoint/2010/main" val="3150019424"/>
+        <p14:creationId xmlns:p14="http://schemas.microsoft.com/office/powerpoint/2010/main" val="753666940"/>
       </p:ext>
     </p:extLst>
   </p:cSld>
@@ -871,47 +868,23 @@
           <a:p>
             <a:r>
               <a:rPr kumimoji="1" lang="ja-JP" altLang="en-US" dirty="0" smtClean="0"/>
-              <a:t>類似研究について今調べていることを少し書きます。</a:t>
+              <a:t>さらに各関数をクリックするとその関数のソースコードがエディタウインドで表示されて確認したり編集をすることができたりします。</a:t>
             </a:r>
             <a:endParaRPr kumimoji="1" lang="en-US" altLang="ja-JP" dirty="0" smtClean="0"/>
           </a:p>
           <a:p>
             <a:r>
               <a:rPr kumimoji="1" lang="ja-JP" altLang="en-US" dirty="0" smtClean="0"/>
-              <a:t>提案手法の元となったアイデアは</a:t>
-            </a:r>
-            <a:r>
-              <a:rPr kumimoji="1" lang="en-US" altLang="ja-JP" dirty="0" smtClean="0"/>
-              <a:t>GUI</a:t>
-            </a:r>
+              <a:t>変更して、実行ボタンを押すとその関数でパラメータフィッティングを行い評価結果を表示します。評価結果を比較することでより良い関数を作成することが出来ます。</a:t>
+            </a:r>
+            <a:endParaRPr kumimoji="1" lang="en-US" altLang="ja-JP" dirty="0" smtClean="0"/>
+          </a:p>
+          <a:p>
             <a:r>
               <a:rPr kumimoji="1" lang="ja-JP" altLang="en-US" dirty="0" smtClean="0"/>
-              <a:t>のプログラミング環境、学術的にはビジュアルプログラミングやデータフロープログラミングと呼ばれている手法です。</a:t>
-            </a:r>
-            <a:endParaRPr kumimoji="1" lang="en-US" altLang="ja-JP" dirty="0" smtClean="0"/>
-          </a:p>
-          <a:p>
-            <a:r>
-              <a:rPr kumimoji="1" lang="ja-JP" altLang="en-US" dirty="0" smtClean="0"/>
-              <a:t>主要なものとして</a:t>
-            </a:r>
-            <a:r>
-              <a:rPr kumimoji="1" lang="en-US" altLang="ja-JP" dirty="0" smtClean="0"/>
-              <a:t>Simulink</a:t>
-            </a:r>
-            <a:r>
-              <a:rPr kumimoji="1" lang="ja-JP" altLang="en-US" dirty="0" smtClean="0"/>
-              <a:t>や</a:t>
-            </a:r>
-            <a:r>
-              <a:rPr kumimoji="1" lang="en-US" altLang="ja-JP" dirty="0" err="1" smtClean="0"/>
-              <a:t>LabView</a:t>
-            </a:r>
-            <a:r>
-              <a:rPr kumimoji="1" lang="ja-JP" altLang="en-US" dirty="0" smtClean="0"/>
-              <a:t>が有名で、あのようなスタイルをイメージしていただけるとわかりやすいかと思います。</a:t>
-            </a:r>
-            <a:endParaRPr kumimoji="1" lang="en-US" altLang="ja-JP" dirty="0" smtClean="0"/>
+              <a:t>最終結果として変更した新しいモデルファイルはダウンロードすることが出来ます。</a:t>
+            </a:r>
+            <a:endParaRPr kumimoji="1" lang="ja-JP" altLang="en-US" dirty="0"/>
           </a:p>
         </p:txBody>
       </p:sp>
@@ -932,7 +905,7 @@
           <a:p>
             <a:fld id="{9B414CEF-9AC9-7B40-8689-4792AE055851}" type="slidenum">
               <a:rPr kumimoji="1" lang="ja-JP" altLang="en-US" smtClean="0"/>
-              <a:t>15</a:t>
+              <a:t>14</a:t>
             </a:fld>
             <a:endParaRPr kumimoji="1" lang="ja-JP" altLang="en-US"/>
           </a:p>
@@ -941,7 +914,7 @@
     </p:spTree>
     <p:extLst>
       <p:ext uri="{BB962C8B-B14F-4D97-AF65-F5344CB8AC3E}">
-        <p14:creationId xmlns:p14="http://schemas.microsoft.com/office/powerpoint/2010/main" val="707529439"/>
+        <p14:creationId xmlns:p14="http://schemas.microsoft.com/office/powerpoint/2010/main" val="3150019424"/>
       </p:ext>
     </p:extLst>
   </p:cSld>
@@ -997,12 +970,47 @@
           <a:p>
             <a:r>
               <a:rPr kumimoji="1" lang="ja-JP" altLang="en-US" dirty="0" smtClean="0"/>
-              <a:t>読み上げ</a:t>
+              <a:t>類似研究について今調べていることを少し書きます。</a:t>
             </a:r>
             <a:endParaRPr kumimoji="1" lang="en-US" altLang="ja-JP" dirty="0" smtClean="0"/>
           </a:p>
           <a:p>
-            <a:endParaRPr kumimoji="1" lang="ja-JP" altLang="en-US" dirty="0"/>
+            <a:r>
+              <a:rPr kumimoji="1" lang="ja-JP" altLang="en-US" dirty="0" smtClean="0"/>
+              <a:t>提案手法の元となったアイデアは</a:t>
+            </a:r>
+            <a:r>
+              <a:rPr kumimoji="1" lang="en-US" altLang="ja-JP" dirty="0" smtClean="0"/>
+              <a:t>GUI</a:t>
+            </a:r>
+            <a:r>
+              <a:rPr kumimoji="1" lang="ja-JP" altLang="en-US" dirty="0" smtClean="0"/>
+              <a:t>のプログラミング環境、学術的にはビジュアルプログラミングやデータフロープログラミングと呼ばれている手法です。</a:t>
+            </a:r>
+            <a:endParaRPr kumimoji="1" lang="en-US" altLang="ja-JP" dirty="0" smtClean="0"/>
+          </a:p>
+          <a:p>
+            <a:r>
+              <a:rPr kumimoji="1" lang="ja-JP" altLang="en-US" dirty="0" smtClean="0"/>
+              <a:t>主要なものとして</a:t>
+            </a:r>
+            <a:r>
+              <a:rPr kumimoji="1" lang="en-US" altLang="ja-JP" dirty="0" smtClean="0"/>
+              <a:t>Simulink</a:t>
+            </a:r>
+            <a:r>
+              <a:rPr kumimoji="1" lang="ja-JP" altLang="en-US" dirty="0" smtClean="0"/>
+              <a:t>や</a:t>
+            </a:r>
+            <a:r>
+              <a:rPr kumimoji="1" lang="en-US" altLang="ja-JP" dirty="0" err="1" smtClean="0"/>
+              <a:t>LabView</a:t>
+            </a:r>
+            <a:r>
+              <a:rPr kumimoji="1" lang="ja-JP" altLang="en-US" dirty="0" smtClean="0"/>
+              <a:t>が有名で、あのようなスタイルをイメージしていただけるとわかりやすいかと思います。</a:t>
+            </a:r>
+            <a:endParaRPr kumimoji="1" lang="en-US" altLang="ja-JP" dirty="0" smtClean="0"/>
           </a:p>
         </p:txBody>
       </p:sp>
@@ -1023,7 +1031,7 @@
           <a:p>
             <a:fld id="{9B414CEF-9AC9-7B40-8689-4792AE055851}" type="slidenum">
               <a:rPr kumimoji="1" lang="ja-JP" altLang="en-US" smtClean="0"/>
-              <a:t>16</a:t>
+              <a:t>15</a:t>
             </a:fld>
             <a:endParaRPr kumimoji="1" lang="ja-JP" altLang="en-US"/>
           </a:p>
@@ -1032,7 +1040,7 @@
     </p:spTree>
     <p:extLst>
       <p:ext uri="{BB962C8B-B14F-4D97-AF65-F5344CB8AC3E}">
-        <p14:creationId xmlns:p14="http://schemas.microsoft.com/office/powerpoint/2010/main" val="960121134"/>
+        <p14:creationId xmlns:p14="http://schemas.microsoft.com/office/powerpoint/2010/main" val="707529439"/>
       </p:ext>
     </p:extLst>
   </p:cSld>
@@ -1090,6 +1098,9 @@
               <a:rPr kumimoji="1" lang="ja-JP" altLang="en-US" dirty="0" smtClean="0"/>
               <a:t>読み上げ</a:t>
             </a:r>
+            <a:endParaRPr kumimoji="1" lang="en-US" altLang="ja-JP" dirty="0" smtClean="0"/>
+          </a:p>
+          <a:p>
             <a:endParaRPr kumimoji="1" lang="ja-JP" altLang="en-US" dirty="0"/>
           </a:p>
         </p:txBody>
@@ -1111,7 +1122,7 @@
           <a:p>
             <a:fld id="{9B414CEF-9AC9-7B40-8689-4792AE055851}" type="slidenum">
               <a:rPr kumimoji="1" lang="ja-JP" altLang="en-US" smtClean="0"/>
-              <a:t>17</a:t>
+              <a:t>16</a:t>
             </a:fld>
             <a:endParaRPr kumimoji="1" lang="ja-JP" altLang="en-US"/>
           </a:p>
@@ -1120,7 +1131,7 @@
     </p:spTree>
     <p:extLst>
       <p:ext uri="{BB962C8B-B14F-4D97-AF65-F5344CB8AC3E}">
-        <p14:creationId xmlns:p14="http://schemas.microsoft.com/office/powerpoint/2010/main" val="3987932984"/>
+        <p14:creationId xmlns:p14="http://schemas.microsoft.com/office/powerpoint/2010/main" val="960121134"/>
       </p:ext>
     </p:extLst>
   </p:cSld>
@@ -1176,22 +1187,7 @@
           <a:p>
             <a:r>
               <a:rPr kumimoji="1" lang="ja-JP" altLang="en-US" dirty="0" smtClean="0"/>
-              <a:t>今後の計画として例で上げた</a:t>
-            </a:r>
-            <a:r>
-              <a:rPr kumimoji="1" lang="en-US" altLang="ja-JP" dirty="0" smtClean="0"/>
-              <a:t>2</a:t>
-            </a:r>
-            <a:r>
-              <a:rPr kumimoji="1" lang="ja-JP" altLang="en-US" dirty="0" smtClean="0"/>
-              <a:t>つのモデルにまずは絞って実行できる環境とするように目指します。</a:t>
-            </a:r>
-            <a:endParaRPr kumimoji="1" lang="en-US" altLang="ja-JP" dirty="0" smtClean="0"/>
-          </a:p>
-          <a:p>
-            <a:r>
-              <a:rPr kumimoji="1" lang="ja-JP" altLang="en-US" dirty="0" smtClean="0"/>
-              <a:t>直列的な処理と並列的な処理があるのである程度の網羅性があると思います。</a:t>
+              <a:t>読み上げ</a:t>
             </a:r>
             <a:endParaRPr kumimoji="1" lang="ja-JP" altLang="en-US" dirty="0"/>
           </a:p>
@@ -1214,7 +1210,7 @@
           <a:p>
             <a:fld id="{9B414CEF-9AC9-7B40-8689-4792AE055851}" type="slidenum">
               <a:rPr kumimoji="1" lang="ja-JP" altLang="en-US" smtClean="0"/>
-              <a:t>18</a:t>
+              <a:t>17</a:t>
             </a:fld>
             <a:endParaRPr kumimoji="1" lang="ja-JP" altLang="en-US"/>
           </a:p>
@@ -1223,7 +1219,7 @@
     </p:spTree>
     <p:extLst>
       <p:ext uri="{BB962C8B-B14F-4D97-AF65-F5344CB8AC3E}">
-        <p14:creationId xmlns:p14="http://schemas.microsoft.com/office/powerpoint/2010/main" val="2671346575"/>
+        <p14:creationId xmlns:p14="http://schemas.microsoft.com/office/powerpoint/2010/main" val="3987932984"/>
       </p:ext>
     </p:extLst>
   </p:cSld>
@@ -1278,12 +1274,23 @@
           <a:lstStyle/>
           <a:p>
             <a:r>
+              <a:rPr kumimoji="1" lang="ja-JP" altLang="en-US" dirty="0" smtClean="0"/>
+              <a:t>今後の計画として例で上げた</a:t>
+            </a:r>
+            <a:r>
               <a:rPr kumimoji="1" lang="en-US" altLang="ja-JP" dirty="0" smtClean="0"/>
-              <a:t>WEB</a:t>
+              <a:t>2</a:t>
             </a:r>
             <a:r>
               <a:rPr kumimoji="1" lang="ja-JP" altLang="en-US" dirty="0" smtClean="0"/>
-              <a:t>アプリ化したいという話</a:t>
+              <a:t>つのモデルにまずは絞って実行できる環境とするように目指します。</a:t>
+            </a:r>
+            <a:endParaRPr kumimoji="1" lang="en-US" altLang="ja-JP" dirty="0" smtClean="0"/>
+          </a:p>
+          <a:p>
+            <a:r>
+              <a:rPr kumimoji="1" lang="ja-JP" altLang="en-US" dirty="0" smtClean="0"/>
+              <a:t>直列的な処理と並列的な処理があるのである程度の網羅性があると思います。</a:t>
             </a:r>
             <a:endParaRPr kumimoji="1" lang="ja-JP" altLang="en-US" dirty="0"/>
           </a:p>
@@ -1306,7 +1313,7 @@
           <a:p>
             <a:fld id="{9B414CEF-9AC9-7B40-8689-4792AE055851}" type="slidenum">
               <a:rPr kumimoji="1" lang="ja-JP" altLang="en-US" smtClean="0"/>
-              <a:t>19</a:t>
+              <a:t>18</a:t>
             </a:fld>
             <a:endParaRPr kumimoji="1" lang="ja-JP" altLang="en-US"/>
           </a:p>
@@ -1315,7 +1322,7 @@
     </p:spTree>
     <p:extLst>
       <p:ext uri="{BB962C8B-B14F-4D97-AF65-F5344CB8AC3E}">
-        <p14:creationId xmlns:p14="http://schemas.microsoft.com/office/powerpoint/2010/main" val="1721916570"/>
+        <p14:creationId xmlns:p14="http://schemas.microsoft.com/office/powerpoint/2010/main" val="2671346575"/>
       </p:ext>
     </p:extLst>
   </p:cSld>
@@ -1370,8 +1377,12 @@
           <a:lstStyle/>
           <a:p>
             <a:r>
+              <a:rPr kumimoji="1" lang="en-US" altLang="ja-JP" dirty="0" smtClean="0"/>
+              <a:t>WEB</a:t>
+            </a:r>
+            <a:r>
               <a:rPr kumimoji="1" lang="ja-JP" altLang="en-US" dirty="0" smtClean="0"/>
-              <a:t>今までの結果</a:t>
+              <a:t>アプリ化したいという話</a:t>
             </a:r>
             <a:endParaRPr kumimoji="1" lang="ja-JP" altLang="en-US" dirty="0"/>
           </a:p>
@@ -1394,7 +1405,7 @@
           <a:p>
             <a:fld id="{9B414CEF-9AC9-7B40-8689-4792AE055851}" type="slidenum">
               <a:rPr kumimoji="1" lang="ja-JP" altLang="en-US" smtClean="0"/>
-              <a:t>20</a:t>
+              <a:t>19</a:t>
             </a:fld>
             <a:endParaRPr kumimoji="1" lang="ja-JP" altLang="en-US"/>
           </a:p>
@@ -1403,7 +1414,7 @@
     </p:spTree>
     <p:extLst>
       <p:ext uri="{BB962C8B-B14F-4D97-AF65-F5344CB8AC3E}">
-        <p14:creationId xmlns:p14="http://schemas.microsoft.com/office/powerpoint/2010/main" val="4121301630"/>
+        <p14:creationId xmlns:p14="http://schemas.microsoft.com/office/powerpoint/2010/main" val="1721916570"/>
       </p:ext>
     </p:extLst>
   </p:cSld>
@@ -1459,7 +1470,7 @@
           <a:p>
             <a:r>
               <a:rPr kumimoji="1" lang="ja-JP" altLang="en-US" dirty="0" smtClean="0"/>
-              <a:t>読み上げる</a:t>
+              <a:t>今までの結果</a:t>
             </a:r>
             <a:endParaRPr kumimoji="1" lang="ja-JP" altLang="en-US" dirty="0"/>
           </a:p>
@@ -1482,16 +1493,16 @@
           <a:p>
             <a:fld id="{9B414CEF-9AC9-7B40-8689-4792AE055851}" type="slidenum">
               <a:rPr kumimoji="1" lang="ja-JP" altLang="en-US" smtClean="0"/>
-              <a:t>23</a:t>
+              <a:t>20</a:t>
             </a:fld>
-            <a:endParaRPr kumimoji="1" lang="ja-JP" altLang="en-US" dirty="0"/>
+            <a:endParaRPr kumimoji="1" lang="ja-JP" altLang="en-US"/>
           </a:p>
         </p:txBody>
       </p:sp>
     </p:spTree>
     <p:extLst>
       <p:ext uri="{BB962C8B-B14F-4D97-AF65-F5344CB8AC3E}">
-        <p14:creationId xmlns:p14="http://schemas.microsoft.com/office/powerpoint/2010/main" val="3194250886"/>
+        <p14:creationId xmlns:p14="http://schemas.microsoft.com/office/powerpoint/2010/main" val="4121301630"/>
       </p:ext>
     </p:extLst>
   </p:cSld>
@@ -1547,14 +1558,7 @@
           <a:p>
             <a:r>
               <a:rPr kumimoji="1" lang="ja-JP" altLang="en-US" dirty="0" smtClean="0"/>
-              <a:t>従来の方法では、まずメインとなるソースコードを眺めて、処理の流れを頭のなかで整理して作成して、新しい知見で置き換えるべき関数を見つけて</a:t>
-            </a:r>
-            <a:endParaRPr kumimoji="1" lang="en-US" altLang="ja-JP" dirty="0" smtClean="0"/>
-          </a:p>
-          <a:p>
-            <a:r>
-              <a:rPr kumimoji="1" lang="ja-JP" altLang="en-US" dirty="0" smtClean="0"/>
-              <a:t>見つけたらその関数を新しい関数に治すという手順を踏んでいると思います。</a:t>
+              <a:t>読み上げる</a:t>
             </a:r>
             <a:endParaRPr kumimoji="1" lang="ja-JP" altLang="en-US" dirty="0"/>
           </a:p>
@@ -1577,16 +1581,16 @@
           <a:p>
             <a:fld id="{9B414CEF-9AC9-7B40-8689-4792AE055851}" type="slidenum">
               <a:rPr kumimoji="1" lang="ja-JP" altLang="en-US" smtClean="0"/>
-              <a:t>24</a:t>
+              <a:t>23</a:t>
             </a:fld>
-            <a:endParaRPr kumimoji="1" lang="ja-JP" altLang="en-US"/>
+            <a:endParaRPr kumimoji="1" lang="ja-JP" altLang="en-US" dirty="0"/>
           </a:p>
         </p:txBody>
       </p:sp>
     </p:spTree>
     <p:extLst>
       <p:ext uri="{BB962C8B-B14F-4D97-AF65-F5344CB8AC3E}">
-        <p14:creationId xmlns:p14="http://schemas.microsoft.com/office/powerpoint/2010/main" val="1675080477"/>
+        <p14:creationId xmlns:p14="http://schemas.microsoft.com/office/powerpoint/2010/main" val="3194250886"/>
       </p:ext>
     </p:extLst>
   </p:cSld>
@@ -1684,6 +1688,101 @@
 </p:notes>
 </file>
 
+<file path=ppt/notesSlides/notesSlide20.xml><?xml version="1.0" encoding="utf-8"?>
+<p:notes xmlns:a="http://schemas.openxmlformats.org/drawingml/2006/main" xmlns:r="http://schemas.openxmlformats.org/officeDocument/2006/relationships" xmlns:p="http://schemas.openxmlformats.org/presentationml/2006/main">
+  <p:cSld>
+    <p:spTree>
+      <p:nvGrpSpPr>
+        <p:cNvPr id="1" name=""/>
+        <p:cNvGrpSpPr/>
+        <p:nvPr/>
+      </p:nvGrpSpPr>
+      <p:grpSpPr>
+        <a:xfrm>
+          <a:off x="0" y="0"/>
+          <a:ext cx="0" cy="0"/>
+          <a:chOff x="0" y="0"/>
+          <a:chExt cx="0" cy="0"/>
+        </a:xfrm>
+      </p:grpSpPr>
+      <p:sp>
+        <p:nvSpPr>
+          <p:cNvPr id="2" name="スライド イメージ プレースホルダー 1"/>
+          <p:cNvSpPr>
+            <a:spLocks noGrp="1" noRot="1" noChangeAspect="1"/>
+          </p:cNvSpPr>
+          <p:nvPr>
+            <p:ph type="sldImg"/>
+          </p:nvPr>
+        </p:nvSpPr>
+        <p:spPr/>
+      </p:sp>
+      <p:sp>
+        <p:nvSpPr>
+          <p:cNvPr id="3" name="ノート プレースホルダー 2"/>
+          <p:cNvSpPr>
+            <a:spLocks noGrp="1"/>
+          </p:cNvSpPr>
+          <p:nvPr>
+            <p:ph type="body" idx="1"/>
+          </p:nvPr>
+        </p:nvSpPr>
+        <p:spPr/>
+        <p:txBody>
+          <a:bodyPr/>
+          <a:lstStyle/>
+          <a:p>
+            <a:r>
+              <a:rPr kumimoji="1" lang="ja-JP" altLang="en-US" dirty="0" smtClean="0"/>
+              <a:t>従来の方法では、まずメインとなるソースコードを眺めて、処理の流れを頭のなかで整理して作成して、新しい知見で置き換えるべき関数を見つけて</a:t>
+            </a:r>
+            <a:endParaRPr kumimoji="1" lang="en-US" altLang="ja-JP" dirty="0" smtClean="0"/>
+          </a:p>
+          <a:p>
+            <a:r>
+              <a:rPr kumimoji="1" lang="ja-JP" altLang="en-US" dirty="0" smtClean="0"/>
+              <a:t>見つけたらその関数を新しい関数に治すという手順を踏んでいると思います。</a:t>
+            </a:r>
+            <a:endParaRPr kumimoji="1" lang="ja-JP" altLang="en-US" dirty="0"/>
+          </a:p>
+        </p:txBody>
+      </p:sp>
+      <p:sp>
+        <p:nvSpPr>
+          <p:cNvPr id="4" name="スライド番号プレースホルダー 3"/>
+          <p:cNvSpPr>
+            <a:spLocks noGrp="1"/>
+          </p:cNvSpPr>
+          <p:nvPr>
+            <p:ph type="sldNum" sz="quarter" idx="10"/>
+          </p:nvPr>
+        </p:nvSpPr>
+        <p:spPr/>
+        <p:txBody>
+          <a:bodyPr/>
+          <a:lstStyle/>
+          <a:p>
+            <a:fld id="{9B414CEF-9AC9-7B40-8689-4792AE055851}" type="slidenum">
+              <a:rPr kumimoji="1" lang="ja-JP" altLang="en-US" smtClean="0"/>
+              <a:t>24</a:t>
+            </a:fld>
+            <a:endParaRPr kumimoji="1" lang="ja-JP" altLang="en-US"/>
+          </a:p>
+        </p:txBody>
+      </p:sp>
+    </p:spTree>
+    <p:extLst>
+      <p:ext uri="{BB962C8B-B14F-4D97-AF65-F5344CB8AC3E}">
+        <p14:creationId xmlns:p14="http://schemas.microsoft.com/office/powerpoint/2010/main" val="1675080477"/>
+      </p:ext>
+    </p:extLst>
+  </p:cSld>
+  <p:clrMapOvr>
+    <a:masterClrMapping/>
+  </p:clrMapOvr>
+</p:notes>
+</file>
+
 <file path=ppt/notesSlides/notesSlide3.xml><?xml version="1.0" encoding="utf-8"?>
 <p:notes xmlns:a="http://schemas.openxmlformats.org/drawingml/2006/main" xmlns:r="http://schemas.openxmlformats.org/officeDocument/2006/relationships" xmlns:p="http://schemas.openxmlformats.org/presentationml/2006/main">
   <p:cSld>
@@ -1730,53 +1829,38 @@
           <a:p>
             <a:r>
               <a:rPr kumimoji="1" lang="ja-JP" altLang="en-US" dirty="0" smtClean="0"/>
-              <a:t>例えば視覚神経数理モデルでの例として</a:t>
-            </a:r>
-            <a:r>
-              <a:rPr kumimoji="1" lang="en-US" altLang="ja-JP" dirty="0" smtClean="0"/>
-              <a:t>S</a:t>
-            </a:r>
+              <a:t>研究活動のライフサイクル</a:t>
+            </a:r>
+            <a:endParaRPr kumimoji="1" lang="en-US" altLang="ja-JP" dirty="0" smtClean="0"/>
+          </a:p>
+          <a:p>
             <a:r>
               <a:rPr kumimoji="1" lang="ja-JP" altLang="en-US" dirty="0" smtClean="0"/>
-              <a:t>＆</a:t>
-            </a:r>
-            <a:r>
-              <a:rPr kumimoji="1" lang="en-US" altLang="ja-JP" dirty="0" smtClean="0"/>
-              <a:t>H</a:t>
-            </a:r>
+              <a:t>論文を読む、ソースコードを解析する（頭の中で考えたり、絵を書いてみたり、フローチャートを書いてみたりする）、書き換える関数を見つける、新しく関数を作る、シミュレーションしてみる</a:t>
+            </a:r>
+            <a:endParaRPr kumimoji="1" lang="en-US" altLang="ja-JP" dirty="0" smtClean="0"/>
+          </a:p>
+          <a:p>
             <a:r>
               <a:rPr kumimoji="1" lang="ja-JP" altLang="en-US" dirty="0" smtClean="0"/>
-              <a:t>のモデルがあります。</a:t>
+              <a:t>という一連の流れはほぼ手動・手作業で行われている</a:t>
             </a:r>
             <a:endParaRPr kumimoji="1" lang="en-US" altLang="ja-JP" dirty="0" smtClean="0"/>
           </a:p>
           <a:p>
+            <a:endParaRPr kumimoji="1" lang="en-US" altLang="ja-JP" dirty="0" smtClean="0"/>
+          </a:p>
+          <a:p>
             <a:r>
               <a:rPr kumimoji="1" lang="ja-JP" altLang="en-US" dirty="0" smtClean="0"/>
-              <a:t>この数理モデルは画像データ入力のあと、</a:t>
-            </a:r>
-            <a:r>
-              <a:rPr kumimoji="1" lang="en-US" altLang="ja-JP" dirty="0" smtClean="0"/>
-              <a:t>V1</a:t>
-            </a:r>
+              <a:t>ソースコードの解析と流れの確認検証は自動化すべきである</a:t>
+            </a:r>
+            <a:endParaRPr kumimoji="1" lang="en-US" altLang="ja-JP" dirty="0" smtClean="0"/>
+          </a:p>
+          <a:p>
             <a:r>
               <a:rPr kumimoji="1" lang="ja-JP" altLang="en-US" dirty="0" smtClean="0"/>
-              <a:t>野で処理されて出力、その出力を受け取って</a:t>
-            </a:r>
-            <a:r>
-              <a:rPr kumimoji="1" lang="en-US" altLang="ja-JP" dirty="0" smtClean="0"/>
-              <a:t>MT</a:t>
-            </a:r>
-            <a:r>
-              <a:rPr kumimoji="1" lang="ja-JP" altLang="en-US" dirty="0" smtClean="0"/>
-              <a:t>野で処理が行われて、出力結果が得られるという直線的な処理の流れで</a:t>
-            </a:r>
-            <a:endParaRPr kumimoji="1" lang="en-US" altLang="ja-JP" dirty="0" smtClean="0"/>
-          </a:p>
-          <a:p>
-            <a:r>
-              <a:rPr kumimoji="1" lang="ja-JP" altLang="en-US" dirty="0" smtClean="0"/>
-              <a:t>行われる数理モデルがあります。</a:t>
+              <a:t>一番泥くさい部分は面倒なのでコンピュータにヤラせるべき</a:t>
             </a:r>
             <a:endParaRPr kumimoji="1" lang="ja-JP" altLang="en-US" dirty="0"/>
           </a:p>
@@ -1799,7 +1883,7 @@
           <a:p>
             <a:fld id="{9B414CEF-9AC9-7B40-8689-4792AE055851}" type="slidenum">
               <a:rPr kumimoji="1" lang="ja-JP" altLang="en-US" smtClean="0"/>
-              <a:t>6</a:t>
+              <a:t>5</a:t>
             </a:fld>
             <a:endParaRPr kumimoji="1" lang="ja-JP" altLang="en-US"/>
           </a:p>
@@ -1808,7 +1892,7 @@
     </p:spTree>
     <p:extLst>
       <p:ext uri="{BB962C8B-B14F-4D97-AF65-F5344CB8AC3E}">
-        <p14:creationId xmlns:p14="http://schemas.microsoft.com/office/powerpoint/2010/main" val="1426034017"/>
+        <p14:creationId xmlns:p14="http://schemas.microsoft.com/office/powerpoint/2010/main" val="1468119510"/>
       </p:ext>
     </p:extLst>
   </p:cSld>
@@ -1864,7 +1948,38 @@
           <a:p>
             <a:r>
               <a:rPr kumimoji="1" lang="ja-JP" altLang="en-US" dirty="0" smtClean="0"/>
-              <a:t>ここで、西本先生らの新しい論文で</a:t>
+              <a:t>例えば視覚神経数理モデルでの例として</a:t>
+            </a:r>
+            <a:r>
+              <a:rPr kumimoji="1" lang="en-US" altLang="ja-JP" dirty="0" smtClean="0"/>
+              <a:t>S</a:t>
+            </a:r>
+            <a:r>
+              <a:rPr kumimoji="1" lang="ja-JP" altLang="en-US" dirty="0" smtClean="0"/>
+              <a:t>＆</a:t>
+            </a:r>
+            <a:r>
+              <a:rPr kumimoji="1" lang="en-US" altLang="ja-JP" dirty="0" smtClean="0"/>
+              <a:t>H</a:t>
+            </a:r>
+            <a:r>
+              <a:rPr kumimoji="1" lang="ja-JP" altLang="en-US" dirty="0" smtClean="0"/>
+              <a:t>のモデルがあります。</a:t>
+            </a:r>
+            <a:endParaRPr kumimoji="1" lang="en-US" altLang="ja-JP" dirty="0" smtClean="0"/>
+          </a:p>
+          <a:p>
+            <a:r>
+              <a:rPr kumimoji="1" lang="ja-JP" altLang="en-US" dirty="0" smtClean="0"/>
+              <a:t>この数理モデルは画像データ入力のあと、</a:t>
+            </a:r>
+            <a:r>
+              <a:rPr kumimoji="1" lang="en-US" altLang="ja-JP" dirty="0" smtClean="0"/>
+              <a:t>V1</a:t>
+            </a:r>
+            <a:r>
+              <a:rPr kumimoji="1" lang="ja-JP" altLang="en-US" dirty="0" smtClean="0"/>
+              <a:t>野で処理されて出力、その出力を受け取って</a:t>
             </a:r>
             <a:r>
               <a:rPr kumimoji="1" lang="en-US" altLang="ja-JP" dirty="0" smtClean="0"/>
@@ -1872,37 +1987,14 @@
             </a:r>
             <a:r>
               <a:rPr kumimoji="1" lang="ja-JP" altLang="en-US" dirty="0" smtClean="0"/>
-              <a:t>細胞には抑制性受容野があるという新しい知見が出てきました。</a:t>
+              <a:t>野で処理が行われて、出力結果が得られるという直線的な処理の流れで</a:t>
             </a:r>
             <a:endParaRPr kumimoji="1" lang="en-US" altLang="ja-JP" dirty="0" smtClean="0"/>
           </a:p>
           <a:p>
             <a:r>
               <a:rPr kumimoji="1" lang="ja-JP" altLang="en-US" dirty="0" smtClean="0"/>
-              <a:t>西本先生らの実験ではある一定のスピードｖに対して興奮、ｖ以下のスピードに対して抑制されるというように左右の図の様に違いがあります。</a:t>
-            </a:r>
-            <a:endParaRPr kumimoji="1" lang="en-US" altLang="ja-JP" dirty="0" smtClean="0"/>
-          </a:p>
-          <a:p>
-            <a:r>
-              <a:rPr kumimoji="1" lang="ja-JP" altLang="en-US" dirty="0" smtClean="0"/>
-              <a:t>こういった場合には先のスライドの</a:t>
-            </a:r>
-            <a:r>
-              <a:rPr kumimoji="1" lang="en-US" altLang="ja-JP" dirty="0" smtClean="0"/>
-              <a:t>S&amp;H</a:t>
-            </a:r>
-            <a:r>
-              <a:rPr kumimoji="1" lang="ja-JP" altLang="en-US" dirty="0" smtClean="0"/>
-              <a:t>モデルで</a:t>
-            </a:r>
-            <a:r>
-              <a:rPr kumimoji="1" lang="en-US" altLang="ja-JP" dirty="0" smtClean="0"/>
-              <a:t>MT</a:t>
-            </a:r>
-            <a:r>
-              <a:rPr kumimoji="1" lang="ja-JP" altLang="en-US" dirty="0" smtClean="0"/>
-              <a:t>野の処理を変更することで検証を行います。</a:t>
+              <a:t>行われる数理モデルがあります。</a:t>
             </a:r>
             <a:endParaRPr kumimoji="1" lang="ja-JP" altLang="en-US" dirty="0"/>
           </a:p>
@@ -1925,7 +2017,7 @@
           <a:p>
             <a:fld id="{9B414CEF-9AC9-7B40-8689-4792AE055851}" type="slidenum">
               <a:rPr kumimoji="1" lang="ja-JP" altLang="en-US" smtClean="0"/>
-              <a:t>7</a:t>
+              <a:t>6</a:t>
             </a:fld>
             <a:endParaRPr kumimoji="1" lang="ja-JP" altLang="en-US"/>
           </a:p>
@@ -1934,7 +2026,7 @@
     </p:spTree>
     <p:extLst>
       <p:ext uri="{BB962C8B-B14F-4D97-AF65-F5344CB8AC3E}">
-        <p14:creationId xmlns:p14="http://schemas.microsoft.com/office/powerpoint/2010/main" val="4140797714"/>
+        <p14:creationId xmlns:p14="http://schemas.microsoft.com/office/powerpoint/2010/main" val="1426034017"/>
       </p:ext>
     </p:extLst>
   </p:cSld>
@@ -1990,7 +2082,7 @@
           <a:p>
             <a:r>
               <a:rPr kumimoji="1" lang="ja-JP" altLang="en-US" dirty="0" smtClean="0"/>
-              <a:t>西本先生らの新しい知見は先の数理モデルの</a:t>
+              <a:t>ここで、西本先生らの新しい論文で</a:t>
             </a:r>
             <a:r>
               <a:rPr kumimoji="1" lang="en-US" altLang="ja-JP" dirty="0" smtClean="0"/>
@@ -1998,7 +2090,37 @@
             </a:r>
             <a:r>
               <a:rPr kumimoji="1" lang="ja-JP" altLang="en-US" dirty="0" smtClean="0"/>
-              <a:t>野の処理の部分を他の関数に置き換えることで検証することが出来ます。</a:t>
+              <a:t>細胞には抑制性受容野があるという新しい知見が出てきました。</a:t>
+            </a:r>
+            <a:endParaRPr kumimoji="1" lang="en-US" altLang="ja-JP" dirty="0" smtClean="0"/>
+          </a:p>
+          <a:p>
+            <a:r>
+              <a:rPr kumimoji="1" lang="ja-JP" altLang="en-US" dirty="0" smtClean="0"/>
+              <a:t>西本先生らの実験ではある一定のスピードｖに対して興奮、ｖ以下のスピードに対して抑制されるというように左右の図の様に違いがあります。</a:t>
+            </a:r>
+            <a:endParaRPr kumimoji="1" lang="en-US" altLang="ja-JP" dirty="0" smtClean="0"/>
+          </a:p>
+          <a:p>
+            <a:r>
+              <a:rPr kumimoji="1" lang="ja-JP" altLang="en-US" dirty="0" smtClean="0"/>
+              <a:t>こういった場合には先のスライドの</a:t>
+            </a:r>
+            <a:r>
+              <a:rPr kumimoji="1" lang="en-US" altLang="ja-JP" dirty="0" smtClean="0"/>
+              <a:t>S&amp;H</a:t>
+            </a:r>
+            <a:r>
+              <a:rPr kumimoji="1" lang="ja-JP" altLang="en-US" dirty="0" smtClean="0"/>
+              <a:t>モデルで</a:t>
+            </a:r>
+            <a:r>
+              <a:rPr kumimoji="1" lang="en-US" altLang="ja-JP" dirty="0" smtClean="0"/>
+              <a:t>MT</a:t>
+            </a:r>
+            <a:r>
+              <a:rPr kumimoji="1" lang="ja-JP" altLang="en-US" dirty="0" smtClean="0"/>
+              <a:t>野の処理を変更することで検証を行います。</a:t>
             </a:r>
             <a:endParaRPr kumimoji="1" lang="ja-JP" altLang="en-US" dirty="0"/>
           </a:p>
@@ -2021,7 +2143,7 @@
           <a:p>
             <a:fld id="{9B414CEF-9AC9-7B40-8689-4792AE055851}" type="slidenum">
               <a:rPr kumimoji="1" lang="ja-JP" altLang="en-US" smtClean="0"/>
-              <a:t>8</a:t>
+              <a:t>7</a:t>
             </a:fld>
             <a:endParaRPr kumimoji="1" lang="ja-JP" altLang="en-US"/>
           </a:p>
@@ -2030,7 +2152,7 @@
     </p:spTree>
     <p:extLst>
       <p:ext uri="{BB962C8B-B14F-4D97-AF65-F5344CB8AC3E}">
-        <p14:creationId xmlns:p14="http://schemas.microsoft.com/office/powerpoint/2010/main" val="2243020911"/>
+        <p14:creationId xmlns:p14="http://schemas.microsoft.com/office/powerpoint/2010/main" val="4140797714"/>
       </p:ext>
     </p:extLst>
   </p:cSld>
@@ -2086,36 +2208,15 @@
           <a:p>
             <a:r>
               <a:rPr kumimoji="1" lang="ja-JP" altLang="en-US" dirty="0" smtClean="0"/>
-              <a:t>問題点をもういちど整理します。</a:t>
-            </a:r>
-            <a:endParaRPr kumimoji="1" lang="en-US" altLang="ja-JP" dirty="0" smtClean="0"/>
-          </a:p>
-          <a:p>
+              <a:t>西本先生らの新しい知見は先の数理モデルの</a:t>
+            </a:r>
+            <a:r>
+              <a:rPr kumimoji="1" lang="en-US" altLang="ja-JP" dirty="0" smtClean="0"/>
+              <a:t>MT</a:t>
+            </a:r>
             <a:r>
               <a:rPr kumimoji="1" lang="ja-JP" altLang="en-US" dirty="0" smtClean="0"/>
-              <a:t>従来の手法では、まず論文ベースで数理モデルを理解して頭のなかでプログラムを作成するためのモデル図を書きます。またフローチャートなどを作成したりもします。</a:t>
-            </a:r>
-            <a:endParaRPr kumimoji="1" lang="en-US" altLang="ja-JP" dirty="0" smtClean="0"/>
-          </a:p>
-          <a:p>
-            <a:r>
-              <a:rPr kumimoji="1" lang="ja-JP" altLang="en-US" dirty="0" smtClean="0"/>
-              <a:t>次に数理モデルを実装したプログラムソースコードの解読をします。論文内容と</a:t>
-            </a:r>
-            <a:r>
-              <a:rPr kumimoji="1" lang="en-US" altLang="ja-JP" dirty="0" err="1" smtClean="0"/>
-              <a:t>Matlab</a:t>
-            </a:r>
-            <a:r>
-              <a:rPr kumimoji="1" lang="ja-JP" altLang="en-US" dirty="0" smtClean="0"/>
-              <a:t>ファイルの対応関係を見つけます。この段階はプログラムのコメント文などをヒントにして解析する必要があります。</a:t>
-            </a:r>
-            <a:endParaRPr kumimoji="1" lang="en-US" altLang="ja-JP" dirty="0" smtClean="0"/>
-          </a:p>
-          <a:p>
-            <a:r>
-              <a:rPr kumimoji="1" lang="ja-JP" altLang="en-US" dirty="0" smtClean="0"/>
-              <a:t>そして改変すべき関数を見つけたら、その部分を新しい関数で書き直します。</a:t>
+              <a:t>野の処理の部分を他の関数に置き換えることで検証することが出来ます。</a:t>
             </a:r>
             <a:endParaRPr kumimoji="1" lang="ja-JP" altLang="en-US" dirty="0"/>
           </a:p>
@@ -2138,7 +2239,7 @@
           <a:p>
             <a:fld id="{9B414CEF-9AC9-7B40-8689-4792AE055851}" type="slidenum">
               <a:rPr kumimoji="1" lang="ja-JP" altLang="en-US" smtClean="0"/>
-              <a:t>9</a:t>
+              <a:t>8</a:t>
             </a:fld>
             <a:endParaRPr kumimoji="1" lang="ja-JP" altLang="en-US"/>
           </a:p>
@@ -2147,7 +2248,7 @@
     </p:spTree>
     <p:extLst>
       <p:ext uri="{BB962C8B-B14F-4D97-AF65-F5344CB8AC3E}">
-        <p14:creationId xmlns:p14="http://schemas.microsoft.com/office/powerpoint/2010/main" val="1575801695"/>
+        <p14:creationId xmlns:p14="http://schemas.microsoft.com/office/powerpoint/2010/main" val="2243020911"/>
       </p:ext>
     </p:extLst>
   </p:cSld>
@@ -2203,18 +2304,36 @@
           <a:p>
             <a:r>
               <a:rPr kumimoji="1" lang="ja-JP" altLang="en-US" dirty="0" smtClean="0"/>
-              <a:t>同じような問題は他にもあります。</a:t>
+              <a:t>問題点をもういちど整理します。</a:t>
             </a:r>
             <a:endParaRPr kumimoji="1" lang="en-US" altLang="ja-JP" dirty="0" smtClean="0"/>
           </a:p>
           <a:p>
             <a:r>
-              <a:rPr kumimoji="1" lang="en-US" altLang="ja-JP" dirty="0" smtClean="0"/>
-              <a:t>Judd</a:t>
-            </a:r>
-            <a:r>
               <a:rPr kumimoji="1" lang="ja-JP" altLang="en-US" dirty="0" smtClean="0"/>
-              <a:t>の注視モデルでは入力データに対して複数の並列的な処理を経て出力結果が得られる数理モデルです。</a:t>
+              <a:t>従来の手法では、まず論文ベースで数理モデルを理解して頭のなかでプログラムを作成するためのモデル図を書きます。またフローチャートなどを作成したりもします。</a:t>
+            </a:r>
+            <a:endParaRPr kumimoji="1" lang="en-US" altLang="ja-JP" dirty="0" smtClean="0"/>
+          </a:p>
+          <a:p>
+            <a:r>
+              <a:rPr kumimoji="1" lang="ja-JP" altLang="en-US" dirty="0" smtClean="0"/>
+              <a:t>次に数理モデルを実装したプログラムソースコードの解読をします。論文内容と</a:t>
+            </a:r>
+            <a:r>
+              <a:rPr kumimoji="1" lang="en-US" altLang="ja-JP" dirty="0" err="1" smtClean="0"/>
+              <a:t>Matlab</a:t>
+            </a:r>
+            <a:r>
+              <a:rPr kumimoji="1" lang="ja-JP" altLang="en-US" dirty="0" smtClean="0"/>
+              <a:t>ファイルの対応関係を見つけます。この段階はプログラムのコメント文などをヒントにして解析する必要があります。</a:t>
+            </a:r>
+            <a:endParaRPr kumimoji="1" lang="en-US" altLang="ja-JP" dirty="0" smtClean="0"/>
+          </a:p>
+          <a:p>
+            <a:r>
+              <a:rPr kumimoji="1" lang="ja-JP" altLang="en-US" dirty="0" smtClean="0"/>
+              <a:t>そして改変すべき関数を見つけたら、その部分を新しい関数で書き直します。</a:t>
             </a:r>
             <a:endParaRPr kumimoji="1" lang="ja-JP" altLang="en-US" dirty="0"/>
           </a:p>
@@ -2237,7 +2356,7 @@
           <a:p>
             <a:fld id="{9B414CEF-9AC9-7B40-8689-4792AE055851}" type="slidenum">
               <a:rPr kumimoji="1" lang="ja-JP" altLang="en-US" smtClean="0"/>
-              <a:t>10</a:t>
+              <a:t>9</a:t>
             </a:fld>
             <a:endParaRPr kumimoji="1" lang="ja-JP" altLang="en-US"/>
           </a:p>
@@ -2246,7 +2365,7 @@
     </p:spTree>
     <p:extLst>
       <p:ext uri="{BB962C8B-B14F-4D97-AF65-F5344CB8AC3E}">
-        <p14:creationId xmlns:p14="http://schemas.microsoft.com/office/powerpoint/2010/main" val="2499578605"/>
+        <p14:creationId xmlns:p14="http://schemas.microsoft.com/office/powerpoint/2010/main" val="1575801695"/>
       </p:ext>
     </p:extLst>
   </p:cSld>
@@ -2302,7 +2421,18 @@
           <a:p>
             <a:r>
               <a:rPr kumimoji="1" lang="ja-JP" altLang="en-US" dirty="0" smtClean="0"/>
-              <a:t>並列的処理の各部分で新しい知見が発見された場合、先ほどと同様の手順を行い検証することになります。</a:t>
+              <a:t>同じような問題は他にもあります。</a:t>
+            </a:r>
+            <a:endParaRPr kumimoji="1" lang="en-US" altLang="ja-JP" dirty="0" smtClean="0"/>
+          </a:p>
+          <a:p>
+            <a:r>
+              <a:rPr kumimoji="1" lang="en-US" altLang="ja-JP" dirty="0" smtClean="0"/>
+              <a:t>Judd</a:t>
+            </a:r>
+            <a:r>
+              <a:rPr kumimoji="1" lang="ja-JP" altLang="en-US" dirty="0" smtClean="0"/>
+              <a:t>の注視モデルでは入力データに対して複数の並列的な処理を経て出力結果が得られる数理モデルです。</a:t>
             </a:r>
             <a:endParaRPr kumimoji="1" lang="ja-JP" altLang="en-US" dirty="0"/>
           </a:p>
@@ -2325,7 +2455,7 @@
           <a:p>
             <a:fld id="{9B414CEF-9AC9-7B40-8689-4792AE055851}" type="slidenum">
               <a:rPr kumimoji="1" lang="ja-JP" altLang="en-US" smtClean="0"/>
-              <a:t>11</a:t>
+              <a:t>10</a:t>
             </a:fld>
             <a:endParaRPr kumimoji="1" lang="ja-JP" altLang="en-US"/>
           </a:p>
@@ -2334,7 +2464,7 @@
     </p:spTree>
     <p:extLst>
       <p:ext uri="{BB962C8B-B14F-4D97-AF65-F5344CB8AC3E}">
-        <p14:creationId xmlns:p14="http://schemas.microsoft.com/office/powerpoint/2010/main" val="629013122"/>
+        <p14:creationId xmlns:p14="http://schemas.microsoft.com/office/powerpoint/2010/main" val="2499578605"/>
       </p:ext>
     </p:extLst>
   </p:cSld>
@@ -2390,18 +2520,8 @@
           <a:p>
             <a:r>
               <a:rPr kumimoji="1" lang="ja-JP" altLang="en-US" dirty="0" smtClean="0"/>
-              <a:t>従来の手法では以上の様に、まずソースを頭の中で解析して、プログラムコードに書き出すという作業や</a:t>
-            </a:r>
-            <a:endParaRPr kumimoji="1" lang="en-US" altLang="ja-JP" dirty="0" smtClean="0"/>
-          </a:p>
-          <a:p>
-            <a:r>
-              <a:rPr kumimoji="1" lang="ja-JP" altLang="en-US" dirty="0" smtClean="0"/>
-              <a:t>変更する部分を見つける、直すという手順は全て手動で行う必要があります。</a:t>
-            </a:r>
-            <a:endParaRPr kumimoji="1" lang="en-US" altLang="ja-JP" dirty="0" smtClean="0"/>
-          </a:p>
-          <a:p>
+              <a:t>並列的処理の各部分で新しい知見が発見された場合、先ほどと同様の手順を行い検証することになります。</a:t>
+            </a:r>
             <a:endParaRPr kumimoji="1" lang="ja-JP" altLang="en-US" dirty="0"/>
           </a:p>
         </p:txBody>
@@ -2423,7 +2543,7 @@
           <a:p>
             <a:fld id="{9B414CEF-9AC9-7B40-8689-4792AE055851}" type="slidenum">
               <a:rPr kumimoji="1" lang="ja-JP" altLang="en-US" smtClean="0"/>
-              <a:t>12</a:t>
+              <a:t>11</a:t>
             </a:fld>
             <a:endParaRPr kumimoji="1" lang="ja-JP" altLang="en-US"/>
           </a:p>
@@ -2432,7 +2552,7 @@
     </p:spTree>
     <p:extLst>
       <p:ext uri="{BB962C8B-B14F-4D97-AF65-F5344CB8AC3E}">
-        <p14:creationId xmlns:p14="http://schemas.microsoft.com/office/powerpoint/2010/main" val="1436513491"/>
+        <p14:creationId xmlns:p14="http://schemas.microsoft.com/office/powerpoint/2010/main" val="629013122"/>
       </p:ext>
     </p:extLst>
   </p:cSld>
@@ -14437,7 +14557,7 @@
             </a:r>
             <a:r>
               <a:rPr lang="ja-JP" altLang="en-US" sz="2400" dirty="0" smtClean="0"/>
-              <a:t>の成果を元にしている</a:t>
+              <a:t>の成果を元に勧告している</a:t>
             </a:r>
             <a:endParaRPr lang="en-US" altLang="ja-JP" sz="2400" dirty="0" smtClean="0"/>
           </a:p>
@@ -15221,6 +15341,829 @@
     <p:extLst>
       <p:ext uri="{BB962C8B-B14F-4D97-AF65-F5344CB8AC3E}">
         <p14:creationId xmlns:p14="http://schemas.microsoft.com/office/powerpoint/2010/main" val="397028746"/>
+      </p:ext>
+    </p:extLst>
+  </p:cSld>
+  <p:clrMapOvr>
+    <a:masterClrMapping/>
+  </p:clrMapOvr>
+  <p:timing>
+    <p:tnLst>
+      <p:par>
+        <p:cTn id="1" dur="indefinite" restart="never" nodeType="tmRoot"/>
+      </p:par>
+    </p:tnLst>
+  </p:timing>
+</p:sld>
+</file>
+
+<file path=ppt/slides/slide25.xml><?xml version="1.0" encoding="utf-8"?>
+<p:sld xmlns:a="http://schemas.openxmlformats.org/drawingml/2006/main" xmlns:r="http://schemas.openxmlformats.org/officeDocument/2006/relationships" xmlns:p="http://schemas.openxmlformats.org/presentationml/2006/main">
+  <p:cSld>
+    <p:spTree>
+      <p:nvGrpSpPr>
+        <p:cNvPr id="1" name=""/>
+        <p:cNvGrpSpPr/>
+        <p:nvPr/>
+      </p:nvGrpSpPr>
+      <p:grpSpPr>
+        <a:xfrm>
+          <a:off x="0" y="0"/>
+          <a:ext cx="0" cy="0"/>
+          <a:chOff x="0" y="0"/>
+          <a:chExt cx="0" cy="0"/>
+        </a:xfrm>
+      </p:grpSpPr>
+      <p:sp>
+        <p:nvSpPr>
+          <p:cNvPr id="2" name="タイトル 1"/>
+          <p:cNvSpPr>
+            <a:spLocks noGrp="1"/>
+          </p:cNvSpPr>
+          <p:nvPr>
+            <p:ph type="title"/>
+          </p:nvPr>
+        </p:nvSpPr>
+        <p:spPr/>
+        <p:txBody>
+          <a:bodyPr/>
+          <a:lstStyle/>
+          <a:p>
+            <a:endParaRPr kumimoji="1" lang="ja-JP" altLang="en-US"/>
+          </a:p>
+        </p:txBody>
+      </p:sp>
+      <p:sp>
+        <p:nvSpPr>
+          <p:cNvPr id="3" name="コンテンツ プレースホルダー 2"/>
+          <p:cNvSpPr>
+            <a:spLocks noGrp="1"/>
+          </p:cNvSpPr>
+          <p:nvPr>
+            <p:ph idx="1"/>
+          </p:nvPr>
+        </p:nvSpPr>
+        <p:spPr/>
+        <p:txBody>
+          <a:bodyPr/>
+          <a:lstStyle/>
+          <a:p>
+            <a:endParaRPr kumimoji="1" lang="ja-JP" altLang="en-US" dirty="0"/>
+          </a:p>
+        </p:txBody>
+      </p:sp>
+      <p:grpSp>
+        <p:nvGrpSpPr>
+          <p:cNvPr id="21" name="グループ化 20"/>
+          <p:cNvGrpSpPr/>
+          <p:nvPr/>
+        </p:nvGrpSpPr>
+        <p:grpSpPr>
+          <a:xfrm>
+            <a:off x="457200" y="2470638"/>
+            <a:ext cx="6260122" cy="3965807"/>
+            <a:chOff x="457200" y="2470638"/>
+            <a:chExt cx="6260122" cy="3965807"/>
+          </a:xfrm>
+        </p:grpSpPr>
+        <p:sp>
+          <p:nvSpPr>
+            <p:cNvPr id="4" name="正方形/長方形 3"/>
+            <p:cNvSpPr/>
+            <p:nvPr/>
+          </p:nvSpPr>
+          <p:spPr>
+            <a:xfrm>
+              <a:off x="457200" y="2470638"/>
+              <a:ext cx="1652954" cy="958361"/>
+            </a:xfrm>
+            <a:prstGeom prst="rect">
+              <a:avLst/>
+            </a:prstGeom>
+          </p:spPr>
+          <p:style>
+            <a:lnRef idx="1">
+              <a:schemeClr val="accent2"/>
+            </a:lnRef>
+            <a:fillRef idx="2">
+              <a:schemeClr val="accent2"/>
+            </a:fillRef>
+            <a:effectRef idx="1">
+              <a:schemeClr val="accent2"/>
+            </a:effectRef>
+            <a:fontRef idx="minor">
+              <a:schemeClr val="dk1"/>
+            </a:fontRef>
+          </p:style>
+          <p:txBody>
+            <a:bodyPr rtlCol="0" anchor="ctr"/>
+            <a:lstStyle/>
+            <a:p>
+              <a:pPr algn="ctr"/>
+              <a:r>
+                <a:rPr lang="ja-JP" altLang="en-US" dirty="0"/>
+                <a:t>ソースコード</a:t>
+              </a:r>
+              <a:r>
+                <a:rPr lang="ja-JP" altLang="en-US" dirty="0" smtClean="0"/>
+                <a:t>の解析</a:t>
+              </a:r>
+              <a:endParaRPr kumimoji="1" lang="ja-JP" altLang="en-US" dirty="0"/>
+            </a:p>
+          </p:txBody>
+        </p:sp>
+        <p:sp>
+          <p:nvSpPr>
+            <p:cNvPr id="5" name="正方形/長方形 4"/>
+            <p:cNvSpPr/>
+            <p:nvPr/>
+          </p:nvSpPr>
+          <p:spPr>
+            <a:xfrm>
+              <a:off x="457200" y="3714752"/>
+              <a:ext cx="1652954" cy="989133"/>
+            </a:xfrm>
+            <a:prstGeom prst="rect">
+              <a:avLst/>
+            </a:prstGeom>
+          </p:spPr>
+          <p:style>
+            <a:lnRef idx="1">
+              <a:schemeClr val="accent2"/>
+            </a:lnRef>
+            <a:fillRef idx="2">
+              <a:schemeClr val="accent2"/>
+            </a:fillRef>
+            <a:effectRef idx="1">
+              <a:schemeClr val="accent2"/>
+            </a:effectRef>
+            <a:fontRef idx="minor">
+              <a:schemeClr val="dk1"/>
+            </a:fontRef>
+          </p:style>
+          <p:txBody>
+            <a:bodyPr rtlCol="0" anchor="ctr"/>
+            <a:lstStyle/>
+            <a:p>
+              <a:pPr algn="ctr"/>
+              <a:r>
+                <a:rPr lang="ja-JP" altLang="en-US" dirty="0" smtClean="0"/>
+                <a:t>仮説に</a:t>
+              </a:r>
+              <a:r>
+                <a:rPr lang="ja-JP" altLang="en-US" dirty="0"/>
+                <a:t>対</a:t>
+              </a:r>
+              <a:r>
+                <a:rPr lang="ja-JP" altLang="en-US" dirty="0" smtClean="0"/>
+                <a:t>する</a:t>
+              </a:r>
+              <a:r>
+                <a:rPr lang="ja-JP" altLang="en-US" dirty="0"/>
+                <a:t>関数</a:t>
+              </a:r>
+              <a:r>
+                <a:rPr lang="ja-JP" altLang="en-US" dirty="0" smtClean="0"/>
+                <a:t>を同定</a:t>
+              </a:r>
+              <a:endParaRPr kumimoji="1" lang="ja-JP" altLang="en-US" dirty="0"/>
+            </a:p>
+          </p:txBody>
+        </p:sp>
+        <p:sp>
+          <p:nvSpPr>
+            <p:cNvPr id="6" name="正方形/長方形 5"/>
+            <p:cNvSpPr/>
+            <p:nvPr/>
+          </p:nvSpPr>
+          <p:spPr>
+            <a:xfrm>
+              <a:off x="457200" y="5047021"/>
+              <a:ext cx="1652954" cy="923193"/>
+            </a:xfrm>
+            <a:prstGeom prst="rect">
+              <a:avLst/>
+            </a:prstGeom>
+          </p:spPr>
+          <p:style>
+            <a:lnRef idx="1">
+              <a:schemeClr val="accent2"/>
+            </a:lnRef>
+            <a:fillRef idx="2">
+              <a:schemeClr val="accent2"/>
+            </a:fillRef>
+            <a:effectRef idx="1">
+              <a:schemeClr val="accent2"/>
+            </a:effectRef>
+            <a:fontRef idx="minor">
+              <a:schemeClr val="dk1"/>
+            </a:fontRef>
+          </p:style>
+          <p:txBody>
+            <a:bodyPr rtlCol="0" anchor="ctr"/>
+            <a:lstStyle/>
+            <a:p>
+              <a:pPr algn="ctr"/>
+              <a:r>
+                <a:rPr lang="ja-JP" altLang="en-US" dirty="0" smtClean="0"/>
+                <a:t>新しい数理</a:t>
+              </a:r>
+              <a:r>
+                <a:rPr lang="en-US" altLang="ja-JP" dirty="0" smtClean="0"/>
+                <a:t/>
+              </a:r>
+              <a:br>
+                <a:rPr lang="en-US" altLang="ja-JP" dirty="0" smtClean="0"/>
+              </a:br>
+              <a:r>
+                <a:rPr lang="ja-JP" altLang="en-US" dirty="0" smtClean="0"/>
+                <a:t>モデルの作成</a:t>
+              </a:r>
+              <a:endParaRPr kumimoji="1" lang="ja-JP" altLang="en-US" dirty="0"/>
+            </a:p>
+          </p:txBody>
+        </p:sp>
+        <p:sp>
+          <p:nvSpPr>
+            <p:cNvPr id="7" name="正方形/長方形 6"/>
+            <p:cNvSpPr/>
+            <p:nvPr/>
+          </p:nvSpPr>
+          <p:spPr>
+            <a:xfrm>
+              <a:off x="2602522" y="4538464"/>
+              <a:ext cx="1793631" cy="816051"/>
+            </a:xfrm>
+            <a:prstGeom prst="rect">
+              <a:avLst/>
+            </a:prstGeom>
+          </p:spPr>
+          <p:style>
+            <a:lnRef idx="1">
+              <a:schemeClr val="accent2"/>
+            </a:lnRef>
+            <a:fillRef idx="2">
+              <a:schemeClr val="accent2"/>
+            </a:fillRef>
+            <a:effectRef idx="1">
+              <a:schemeClr val="accent2"/>
+            </a:effectRef>
+            <a:fontRef idx="minor">
+              <a:schemeClr val="dk1"/>
+            </a:fontRef>
+          </p:style>
+          <p:txBody>
+            <a:bodyPr rtlCol="0" anchor="ctr"/>
+            <a:lstStyle/>
+            <a:p>
+              <a:pPr algn="ctr"/>
+              <a:r>
+                <a:rPr lang="ja-JP" altLang="en-US" dirty="0"/>
+                <a:t>シミュレーション</a:t>
+              </a:r>
+              <a:endParaRPr kumimoji="1" lang="ja-JP" altLang="en-US" dirty="0"/>
+            </a:p>
+          </p:txBody>
+        </p:sp>
+        <p:sp>
+          <p:nvSpPr>
+            <p:cNvPr id="8" name="正方形/長方形 7"/>
+            <p:cNvSpPr/>
+            <p:nvPr/>
+          </p:nvSpPr>
+          <p:spPr>
+            <a:xfrm>
+              <a:off x="4888521" y="3794698"/>
+              <a:ext cx="1828800" cy="1151792"/>
+            </a:xfrm>
+            <a:prstGeom prst="rect">
+              <a:avLst/>
+            </a:prstGeom>
+          </p:spPr>
+          <p:style>
+            <a:lnRef idx="1">
+              <a:schemeClr val="accent2"/>
+            </a:lnRef>
+            <a:fillRef idx="2">
+              <a:schemeClr val="accent2"/>
+            </a:fillRef>
+            <a:effectRef idx="1">
+              <a:schemeClr val="accent2"/>
+            </a:effectRef>
+            <a:fontRef idx="minor">
+              <a:schemeClr val="dk1"/>
+            </a:fontRef>
+          </p:style>
+          <p:txBody>
+            <a:bodyPr rtlCol="0" anchor="ctr"/>
+            <a:lstStyle/>
+            <a:p>
+              <a:pPr algn="ctr"/>
+              <a:r>
+                <a:rPr lang="ja-JP" altLang="en-US" dirty="0" smtClean="0"/>
+                <a:t>シミュレーションと仮説結果が</a:t>
+              </a:r>
+              <a:r>
+                <a:rPr lang="en-US" altLang="ja-JP" dirty="0" smtClean="0"/>
+                <a:t/>
+              </a:r>
+              <a:br>
+                <a:rPr lang="en-US" altLang="ja-JP" dirty="0" smtClean="0"/>
+              </a:br>
+              <a:r>
+                <a:rPr lang="ja-JP" altLang="en-US" dirty="0" smtClean="0"/>
+                <a:t>不一致</a:t>
+              </a:r>
+              <a:endParaRPr kumimoji="1" lang="ja-JP" altLang="en-US" dirty="0"/>
+            </a:p>
+          </p:txBody>
+        </p:sp>
+        <p:sp>
+          <p:nvSpPr>
+            <p:cNvPr id="9" name="正方形/長方形 8"/>
+            <p:cNvSpPr/>
+            <p:nvPr/>
+          </p:nvSpPr>
+          <p:spPr>
+            <a:xfrm>
+              <a:off x="4888522" y="5236637"/>
+              <a:ext cx="1828800" cy="1063869"/>
+            </a:xfrm>
+            <a:prstGeom prst="rect">
+              <a:avLst/>
+            </a:prstGeom>
+          </p:spPr>
+          <p:style>
+            <a:lnRef idx="1">
+              <a:schemeClr val="accent2"/>
+            </a:lnRef>
+            <a:fillRef idx="2">
+              <a:schemeClr val="accent2"/>
+            </a:fillRef>
+            <a:effectRef idx="1">
+              <a:schemeClr val="accent2"/>
+            </a:effectRef>
+            <a:fontRef idx="minor">
+              <a:schemeClr val="dk1"/>
+            </a:fontRef>
+          </p:style>
+          <p:txBody>
+            <a:bodyPr rtlCol="0" anchor="ctr"/>
+            <a:lstStyle/>
+            <a:p>
+              <a:pPr algn="ctr"/>
+              <a:r>
+                <a:rPr lang="ja-JP" altLang="en-US" dirty="0"/>
+                <a:t>シミュレーション</a:t>
+              </a:r>
+              <a:r>
+                <a:rPr kumimoji="1" lang="ja-JP" altLang="en-US" dirty="0" smtClean="0"/>
+                <a:t>と仮説結果が</a:t>
+              </a:r>
+              <a:r>
+                <a:rPr kumimoji="1" lang="en-US" altLang="ja-JP" dirty="0" smtClean="0"/>
+                <a:t/>
+              </a:r>
+              <a:br>
+                <a:rPr kumimoji="1" lang="en-US" altLang="ja-JP" dirty="0" smtClean="0"/>
+              </a:br>
+              <a:r>
+                <a:rPr kumimoji="1" lang="ja-JP" altLang="en-US" dirty="0" smtClean="0"/>
+                <a:t>一致</a:t>
+              </a:r>
+              <a:endParaRPr kumimoji="1" lang="ja-JP" altLang="en-US" dirty="0"/>
+            </a:p>
+          </p:txBody>
+        </p:sp>
+        <p:sp>
+          <p:nvSpPr>
+            <p:cNvPr id="10" name="正方形/長方形 9"/>
+            <p:cNvSpPr/>
+            <p:nvPr/>
+          </p:nvSpPr>
+          <p:spPr>
+            <a:xfrm>
+              <a:off x="2602523" y="5629869"/>
+              <a:ext cx="1793631" cy="806576"/>
+            </a:xfrm>
+            <a:prstGeom prst="rect">
+              <a:avLst/>
+            </a:prstGeom>
+          </p:spPr>
+          <p:style>
+            <a:lnRef idx="1">
+              <a:schemeClr val="accent2"/>
+            </a:lnRef>
+            <a:fillRef idx="2">
+              <a:schemeClr val="accent2"/>
+            </a:fillRef>
+            <a:effectRef idx="1">
+              <a:schemeClr val="accent2"/>
+            </a:effectRef>
+            <a:fontRef idx="minor">
+              <a:schemeClr val="dk1"/>
+            </a:fontRef>
+          </p:style>
+          <p:txBody>
+            <a:bodyPr rtlCol="0" anchor="ctr"/>
+            <a:lstStyle/>
+            <a:p>
+              <a:pPr algn="ctr"/>
+              <a:r>
+                <a:rPr kumimoji="1" lang="ja-JP" altLang="en-US" dirty="0" smtClean="0"/>
+                <a:t>有効な仮説</a:t>
+              </a:r>
+              <a:r>
+                <a:rPr kumimoji="1" lang="en-US" altLang="ja-JP" dirty="0" smtClean="0"/>
+                <a:t/>
+              </a:r>
+              <a:br>
+                <a:rPr kumimoji="1" lang="en-US" altLang="ja-JP" dirty="0" smtClean="0"/>
+              </a:br>
+              <a:r>
+                <a:rPr kumimoji="1" lang="ja-JP" altLang="en-US" dirty="0" smtClean="0"/>
+                <a:t>として残る</a:t>
+              </a:r>
+              <a:endParaRPr kumimoji="1" lang="ja-JP" altLang="en-US" dirty="0"/>
+            </a:p>
+          </p:txBody>
+        </p:sp>
+        <p:sp>
+          <p:nvSpPr>
+            <p:cNvPr id="11" name="正方形/長方形 10"/>
+            <p:cNvSpPr/>
+            <p:nvPr/>
+          </p:nvSpPr>
+          <p:spPr>
+            <a:xfrm>
+              <a:off x="2602521" y="2470639"/>
+              <a:ext cx="1793631" cy="958362"/>
+            </a:xfrm>
+            <a:prstGeom prst="rect">
+              <a:avLst/>
+            </a:prstGeom>
+          </p:spPr>
+          <p:style>
+            <a:lnRef idx="1">
+              <a:schemeClr val="accent2"/>
+            </a:lnRef>
+            <a:fillRef idx="2">
+              <a:schemeClr val="accent2"/>
+            </a:fillRef>
+            <a:effectRef idx="1">
+              <a:schemeClr val="accent2"/>
+            </a:effectRef>
+            <a:fontRef idx="minor">
+              <a:schemeClr val="dk1"/>
+            </a:fontRef>
+          </p:style>
+          <p:txBody>
+            <a:bodyPr rtlCol="0" anchor="ctr"/>
+            <a:lstStyle/>
+            <a:p>
+              <a:pPr algn="ctr"/>
+              <a:r>
+                <a:rPr kumimoji="1" lang="ja-JP" altLang="en-US" dirty="0" smtClean="0"/>
+                <a:t>仮説の反証</a:t>
+              </a:r>
+              <a:endParaRPr kumimoji="1" lang="ja-JP" altLang="en-US" dirty="0"/>
+            </a:p>
+          </p:txBody>
+        </p:sp>
+        <p:cxnSp>
+          <p:nvCxnSpPr>
+            <p:cNvPr id="12" name="直線矢印コネクタ 11"/>
+            <p:cNvCxnSpPr>
+              <a:stCxn id="4" idx="2"/>
+              <a:endCxn id="5" idx="0"/>
+            </p:cNvCxnSpPr>
+            <p:nvPr/>
+          </p:nvCxnSpPr>
+          <p:spPr>
+            <a:xfrm>
+              <a:off x="1283677" y="3428999"/>
+              <a:ext cx="0" cy="285753"/>
+            </a:xfrm>
+            <a:prstGeom prst="straightConnector1">
+              <a:avLst/>
+            </a:prstGeom>
+            <a:ln w="57150">
+              <a:tailEnd type="triangle"/>
+            </a:ln>
+          </p:spPr>
+          <p:style>
+            <a:lnRef idx="3">
+              <a:schemeClr val="accent6"/>
+            </a:lnRef>
+            <a:fillRef idx="0">
+              <a:schemeClr val="accent6"/>
+            </a:fillRef>
+            <a:effectRef idx="2">
+              <a:schemeClr val="accent6"/>
+            </a:effectRef>
+            <a:fontRef idx="minor">
+              <a:schemeClr val="tx1"/>
+            </a:fontRef>
+          </p:style>
+        </p:cxnSp>
+        <p:cxnSp>
+          <p:nvCxnSpPr>
+            <p:cNvPr id="13" name="直線矢印コネクタ 12"/>
+            <p:cNvCxnSpPr>
+              <a:stCxn id="5" idx="2"/>
+              <a:endCxn id="6" idx="0"/>
+            </p:cNvCxnSpPr>
+            <p:nvPr/>
+          </p:nvCxnSpPr>
+          <p:spPr>
+            <a:xfrm>
+              <a:off x="1283677" y="4703885"/>
+              <a:ext cx="0" cy="343136"/>
+            </a:xfrm>
+            <a:prstGeom prst="straightConnector1">
+              <a:avLst/>
+            </a:prstGeom>
+            <a:ln w="57150">
+              <a:tailEnd type="triangle"/>
+            </a:ln>
+          </p:spPr>
+          <p:style>
+            <a:lnRef idx="3">
+              <a:schemeClr val="accent6"/>
+            </a:lnRef>
+            <a:fillRef idx="0">
+              <a:schemeClr val="accent6"/>
+            </a:fillRef>
+            <a:effectRef idx="2">
+              <a:schemeClr val="accent6"/>
+            </a:effectRef>
+            <a:fontRef idx="minor">
+              <a:schemeClr val="tx1"/>
+            </a:fontRef>
+          </p:style>
+        </p:cxnSp>
+        <p:cxnSp>
+          <p:nvCxnSpPr>
+            <p:cNvPr id="14" name="カギ線コネクタ 13"/>
+            <p:cNvCxnSpPr>
+              <a:stCxn id="6" idx="3"/>
+              <a:endCxn id="7" idx="1"/>
+            </p:cNvCxnSpPr>
+            <p:nvPr/>
+          </p:nvCxnSpPr>
+          <p:spPr>
+            <a:xfrm flipV="1">
+              <a:off x="2110154" y="4946490"/>
+              <a:ext cx="492368" cy="562128"/>
+            </a:xfrm>
+            <a:prstGeom prst="bentConnector3">
+              <a:avLst/>
+            </a:prstGeom>
+            <a:ln w="57150">
+              <a:tailEnd type="triangle"/>
+            </a:ln>
+          </p:spPr>
+          <p:style>
+            <a:lnRef idx="3">
+              <a:schemeClr val="accent6"/>
+            </a:lnRef>
+            <a:fillRef idx="0">
+              <a:schemeClr val="accent6"/>
+            </a:fillRef>
+            <a:effectRef idx="2">
+              <a:schemeClr val="accent6"/>
+            </a:effectRef>
+            <a:fontRef idx="minor">
+              <a:schemeClr val="tx1"/>
+            </a:fontRef>
+          </p:style>
+        </p:cxnSp>
+        <p:cxnSp>
+          <p:nvCxnSpPr>
+            <p:cNvPr id="15" name="カギ線コネクタ 14"/>
+            <p:cNvCxnSpPr>
+              <a:stCxn id="7" idx="3"/>
+              <a:endCxn id="8" idx="1"/>
+            </p:cNvCxnSpPr>
+            <p:nvPr/>
+          </p:nvCxnSpPr>
+          <p:spPr>
+            <a:xfrm flipV="1">
+              <a:off x="4396153" y="4370594"/>
+              <a:ext cx="492368" cy="575896"/>
+            </a:xfrm>
+            <a:prstGeom prst="bentConnector3">
+              <a:avLst/>
+            </a:prstGeom>
+            <a:ln w="57150">
+              <a:tailEnd type="triangle"/>
+            </a:ln>
+          </p:spPr>
+          <p:style>
+            <a:lnRef idx="3">
+              <a:schemeClr val="accent6"/>
+            </a:lnRef>
+            <a:fillRef idx="0">
+              <a:schemeClr val="accent6"/>
+            </a:fillRef>
+            <a:effectRef idx="2">
+              <a:schemeClr val="accent6"/>
+            </a:effectRef>
+            <a:fontRef idx="minor">
+              <a:schemeClr val="tx1"/>
+            </a:fontRef>
+          </p:style>
+        </p:cxnSp>
+        <p:cxnSp>
+          <p:nvCxnSpPr>
+            <p:cNvPr id="16" name="カギ線コネクタ 15"/>
+            <p:cNvCxnSpPr>
+              <a:stCxn id="7" idx="3"/>
+              <a:endCxn id="9" idx="1"/>
+            </p:cNvCxnSpPr>
+            <p:nvPr/>
+          </p:nvCxnSpPr>
+          <p:spPr>
+            <a:xfrm>
+              <a:off x="4396153" y="4946490"/>
+              <a:ext cx="492369" cy="822082"/>
+            </a:xfrm>
+            <a:prstGeom prst="bentConnector3">
+              <a:avLst/>
+            </a:prstGeom>
+            <a:ln w="57150">
+              <a:tailEnd type="triangle"/>
+            </a:ln>
+          </p:spPr>
+          <p:style>
+            <a:lnRef idx="3">
+              <a:schemeClr val="accent6"/>
+            </a:lnRef>
+            <a:fillRef idx="0">
+              <a:schemeClr val="accent6"/>
+            </a:fillRef>
+            <a:effectRef idx="2">
+              <a:schemeClr val="accent6"/>
+            </a:effectRef>
+            <a:fontRef idx="minor">
+              <a:schemeClr val="tx1"/>
+            </a:fontRef>
+          </p:style>
+        </p:cxnSp>
+        <p:cxnSp>
+          <p:nvCxnSpPr>
+            <p:cNvPr id="17" name="カギ線コネクタ 16"/>
+            <p:cNvCxnSpPr>
+              <a:stCxn id="8" idx="0"/>
+              <a:endCxn id="11" idx="3"/>
+            </p:cNvCxnSpPr>
+            <p:nvPr/>
+          </p:nvCxnSpPr>
+          <p:spPr>
+            <a:xfrm rot="16200000" flipV="1">
+              <a:off x="4677098" y="2668874"/>
+              <a:ext cx="844878" cy="1406769"/>
+            </a:xfrm>
+            <a:prstGeom prst="bentConnector2">
+              <a:avLst/>
+            </a:prstGeom>
+            <a:ln w="57150">
+              <a:tailEnd type="triangle"/>
+            </a:ln>
+          </p:spPr>
+          <p:style>
+            <a:lnRef idx="3">
+              <a:schemeClr val="accent6"/>
+            </a:lnRef>
+            <a:fillRef idx="0">
+              <a:schemeClr val="accent6"/>
+            </a:fillRef>
+            <a:effectRef idx="2">
+              <a:schemeClr val="accent6"/>
+            </a:effectRef>
+            <a:fontRef idx="minor">
+              <a:schemeClr val="tx1"/>
+            </a:fontRef>
+          </p:style>
+        </p:cxnSp>
+        <p:cxnSp>
+          <p:nvCxnSpPr>
+            <p:cNvPr id="18" name="カギ線コネクタ 17"/>
+            <p:cNvCxnSpPr>
+              <a:stCxn id="11" idx="1"/>
+              <a:endCxn id="4" idx="3"/>
+            </p:cNvCxnSpPr>
+            <p:nvPr/>
+          </p:nvCxnSpPr>
+          <p:spPr>
+            <a:xfrm rot="10800000">
+              <a:off x="2110155" y="2949820"/>
+              <a:ext cx="492367" cy="1"/>
+            </a:xfrm>
+            <a:prstGeom prst="bentConnector3">
+              <a:avLst/>
+            </a:prstGeom>
+            <a:ln w="57150">
+              <a:tailEnd type="triangle"/>
+            </a:ln>
+          </p:spPr>
+          <p:style>
+            <a:lnRef idx="3">
+              <a:schemeClr val="accent6"/>
+            </a:lnRef>
+            <a:fillRef idx="0">
+              <a:schemeClr val="accent6"/>
+            </a:fillRef>
+            <a:effectRef idx="2">
+              <a:schemeClr val="accent6"/>
+            </a:effectRef>
+            <a:fontRef idx="minor">
+              <a:schemeClr val="tx1"/>
+            </a:fontRef>
+          </p:style>
+        </p:cxnSp>
+        <p:cxnSp>
+          <p:nvCxnSpPr>
+            <p:cNvPr id="19" name="カギ線コネクタ 18"/>
+            <p:cNvCxnSpPr>
+              <a:stCxn id="9" idx="2"/>
+              <a:endCxn id="10" idx="3"/>
+            </p:cNvCxnSpPr>
+            <p:nvPr/>
+          </p:nvCxnSpPr>
+          <p:spPr>
+            <a:xfrm rot="5400000" flipH="1">
+              <a:off x="4965863" y="5463448"/>
+              <a:ext cx="267349" cy="1406768"/>
+            </a:xfrm>
+            <a:prstGeom prst="bentConnector4">
+              <a:avLst>
+                <a:gd name="adj1" fmla="val -85506"/>
+                <a:gd name="adj2" fmla="val 82500"/>
+              </a:avLst>
+            </a:prstGeom>
+            <a:ln w="57150">
+              <a:tailEnd type="triangle"/>
+            </a:ln>
+          </p:spPr>
+          <p:style>
+            <a:lnRef idx="3">
+              <a:schemeClr val="accent6"/>
+            </a:lnRef>
+            <a:fillRef idx="0">
+              <a:schemeClr val="accent6"/>
+            </a:fillRef>
+            <a:effectRef idx="2">
+              <a:schemeClr val="accent6"/>
+            </a:effectRef>
+            <a:fontRef idx="minor">
+              <a:schemeClr val="tx1"/>
+            </a:fontRef>
+          </p:style>
+        </p:cxnSp>
+        <p:cxnSp>
+          <p:nvCxnSpPr>
+            <p:cNvPr id="20" name="カギ線コネクタ 19"/>
+            <p:cNvCxnSpPr>
+              <a:stCxn id="10" idx="2"/>
+              <a:endCxn id="6" idx="2"/>
+            </p:cNvCxnSpPr>
+            <p:nvPr/>
+          </p:nvCxnSpPr>
+          <p:spPr>
+            <a:xfrm rot="5400000" flipH="1">
+              <a:off x="2158392" y="5095499"/>
+              <a:ext cx="466231" cy="2215662"/>
+            </a:xfrm>
+            <a:prstGeom prst="bentConnector3">
+              <a:avLst>
+                <a:gd name="adj1" fmla="val -49031"/>
+              </a:avLst>
+            </a:prstGeom>
+            <a:ln w="57150">
+              <a:tailEnd type="triangle"/>
+            </a:ln>
+          </p:spPr>
+          <p:style>
+            <a:lnRef idx="3">
+              <a:schemeClr val="accent6"/>
+            </a:lnRef>
+            <a:fillRef idx="0">
+              <a:schemeClr val="accent6"/>
+            </a:fillRef>
+            <a:effectRef idx="2">
+              <a:schemeClr val="accent6"/>
+            </a:effectRef>
+            <a:fontRef idx="minor">
+              <a:schemeClr val="tx1"/>
+            </a:fontRef>
+          </p:style>
+        </p:cxnSp>
+      </p:grpSp>
+    </p:spTree>
+    <p:extLst>
+      <p:ext uri="{BB962C8B-B14F-4D97-AF65-F5344CB8AC3E}">
+        <p14:creationId xmlns:p14="http://schemas.microsoft.com/office/powerpoint/2010/main" val="2116955543"/>
       </p:ext>
     </p:extLst>
   </p:cSld>
@@ -16727,9 +17670,16 @@
             <p:ph type="title"/>
           </p:nvPr>
         </p:nvSpPr>
-        <p:spPr/>
+        <p:spPr>
+          <a:xfrm>
+            <a:off x="457200" y="2076"/>
+            <a:ext cx="8229600" cy="666139"/>
+          </a:xfrm>
+        </p:spPr>
         <p:txBody>
-          <a:bodyPr/>
+          <a:bodyPr>
+            <a:normAutofit fontScale="90000"/>
+          </a:bodyPr>
           <a:lstStyle/>
           <a:p>
             <a:r>
@@ -16740,39 +17690,77 @@
           </a:p>
         </p:txBody>
       </p:sp>
-      <p:sp>
-        <p:nvSpPr>
-          <p:cNvPr id="5" name="テキスト プレースホルダー 4"/>
-          <p:cNvSpPr>
-            <a:spLocks noGrp="1"/>
-          </p:cNvSpPr>
-          <p:nvPr>
-            <p:ph type="body" idx="1"/>
-          </p:nvPr>
-        </p:nvSpPr>
-        <p:spPr/>
+      <p:cxnSp>
+        <p:nvCxnSpPr>
+          <p:cNvPr id="8" name="直線コネクタ 7"/>
+          <p:cNvCxnSpPr/>
+          <p:nvPr/>
+        </p:nvCxnSpPr>
+        <p:spPr>
+          <a:xfrm>
+            <a:off x="407242" y="854931"/>
+            <a:ext cx="8478982" cy="0"/>
+          </a:xfrm>
+          <a:prstGeom prst="line">
+            <a:avLst/>
+          </a:prstGeom>
+        </p:spPr>
+        <p:style>
+          <a:lnRef idx="2">
+            <a:schemeClr val="accent1"/>
+          </a:lnRef>
+          <a:fillRef idx="0">
+            <a:schemeClr val="accent1"/>
+          </a:fillRef>
+          <a:effectRef idx="1">
+            <a:schemeClr val="accent1"/>
+          </a:effectRef>
+          <a:fontRef idx="minor">
+            <a:schemeClr val="tx1"/>
+          </a:fontRef>
+        </p:style>
+      </p:cxnSp>
+      <p:sp>
+        <p:nvSpPr>
+          <p:cNvPr id="11" name="正方形/長方形 10"/>
+          <p:cNvSpPr/>
+          <p:nvPr/>
+        </p:nvSpPr>
+        <p:spPr>
+          <a:xfrm>
+            <a:off x="457200" y="1195754"/>
+            <a:ext cx="1652954" cy="931984"/>
+          </a:xfrm>
+          <a:prstGeom prst="rect">
+            <a:avLst/>
+          </a:prstGeom>
+        </p:spPr>
         <p:style>
           <a:lnRef idx="1">
-            <a:schemeClr val="dk1"/>
+            <a:schemeClr val="accent1"/>
           </a:lnRef>
           <a:fillRef idx="2">
-            <a:schemeClr val="dk1"/>
+            <a:schemeClr val="accent1"/>
           </a:fillRef>
           <a:effectRef idx="1">
-            <a:schemeClr val="dk1"/>
+            <a:schemeClr val="accent1"/>
           </a:effectRef>
           <a:fontRef idx="minor">
             <a:schemeClr val="dk1"/>
           </a:fontRef>
         </p:style>
         <p:txBody>
-          <a:bodyPr/>
+          <a:bodyPr rtlCol="0" anchor="ctr"/>
           <a:lstStyle/>
           <a:p>
             <a:pPr algn="ctr"/>
             <a:r>
-              <a:rPr kumimoji="1" lang="ja-JP" altLang="en-US" dirty="0" smtClean="0"/>
-              <a:t>「問題点１」の解決</a:t>
+              <a:rPr lang="ja-JP" altLang="en-US" dirty="0"/>
+              <a:t>論文</a:t>
+            </a:r>
+            <a:r>
+              <a:rPr lang="ja-JP" altLang="en-US" dirty="0" smtClean="0"/>
+              <a:t>の解読</a:t>
             </a:r>
             <a:endParaRPr kumimoji="1" lang="ja-JP" altLang="en-US" dirty="0"/>
           </a:p>
@@ -16780,60 +17768,308 @@
       </p:sp>
       <p:sp>
         <p:nvSpPr>
-          <p:cNvPr id="3" name="コンテンツ プレースホルダー 2"/>
-          <p:cNvSpPr>
-            <a:spLocks noGrp="1"/>
-          </p:cNvSpPr>
-          <p:nvPr>
-            <p:ph sz="half" idx="2"/>
-          </p:nvPr>
-        </p:nvSpPr>
-        <p:spPr/>
-        <p:txBody>
-          <a:bodyPr/>
-          <a:lstStyle/>
-          <a:p>
-            <a:r>
-              <a:rPr kumimoji="1" lang="ja-JP" altLang="en-US" dirty="0" smtClean="0"/>
-              <a:t>絵を入れたり、手段の概要を記したり。</a:t>
-            </a:r>
-            <a:endParaRPr kumimoji="1" lang="ja-JP" altLang="en-US" dirty="0"/>
-          </a:p>
-        </p:txBody>
-      </p:sp>
-      <p:sp>
-        <p:nvSpPr>
-          <p:cNvPr id="6" name="テキスト プレースホルダー 5"/>
-          <p:cNvSpPr>
-            <a:spLocks noGrp="1"/>
-          </p:cNvSpPr>
-          <p:nvPr>
-            <p:ph type="body" sz="quarter" idx="3"/>
-          </p:nvPr>
-        </p:nvSpPr>
-        <p:spPr/>
+          <p:cNvPr id="12" name="正方形/長方形 11"/>
+          <p:cNvSpPr/>
+          <p:nvPr/>
+        </p:nvSpPr>
+        <p:spPr>
+          <a:xfrm>
+            <a:off x="457200" y="2470638"/>
+            <a:ext cx="1652954" cy="958361"/>
+          </a:xfrm>
+          <a:prstGeom prst="rect">
+            <a:avLst/>
+          </a:prstGeom>
+        </p:spPr>
         <p:style>
           <a:lnRef idx="1">
-            <a:schemeClr val="dk1"/>
+            <a:schemeClr val="accent1"/>
           </a:lnRef>
           <a:fillRef idx="2">
-            <a:schemeClr val="dk1"/>
+            <a:schemeClr val="accent1"/>
           </a:fillRef>
           <a:effectRef idx="1">
-            <a:schemeClr val="dk1"/>
+            <a:schemeClr val="accent1"/>
           </a:effectRef>
           <a:fontRef idx="minor">
             <a:schemeClr val="dk1"/>
           </a:fontRef>
         </p:style>
         <p:txBody>
-          <a:bodyPr/>
+          <a:bodyPr rtlCol="0" anchor="ctr"/>
           <a:lstStyle/>
           <a:p>
             <a:pPr algn="ctr"/>
             <a:r>
+              <a:rPr lang="ja-JP" altLang="en-US" dirty="0"/>
+              <a:t>ソースコード</a:t>
+            </a:r>
+            <a:r>
+              <a:rPr lang="ja-JP" altLang="en-US" dirty="0" smtClean="0"/>
+              <a:t>の解析</a:t>
+            </a:r>
+            <a:endParaRPr kumimoji="1" lang="ja-JP" altLang="en-US" dirty="0"/>
+          </a:p>
+        </p:txBody>
+      </p:sp>
+      <p:sp>
+        <p:nvSpPr>
+          <p:cNvPr id="13" name="正方形/長方形 12"/>
+          <p:cNvSpPr/>
+          <p:nvPr/>
+        </p:nvSpPr>
+        <p:spPr>
+          <a:xfrm>
+            <a:off x="457200" y="3714752"/>
+            <a:ext cx="1652954" cy="989133"/>
+          </a:xfrm>
+          <a:prstGeom prst="rect">
+            <a:avLst/>
+          </a:prstGeom>
+        </p:spPr>
+        <p:style>
+          <a:lnRef idx="1">
+            <a:schemeClr val="accent1"/>
+          </a:lnRef>
+          <a:fillRef idx="2">
+            <a:schemeClr val="accent1"/>
+          </a:fillRef>
+          <a:effectRef idx="1">
+            <a:schemeClr val="accent1"/>
+          </a:effectRef>
+          <a:fontRef idx="minor">
+            <a:schemeClr val="dk1"/>
+          </a:fontRef>
+        </p:style>
+        <p:txBody>
+          <a:bodyPr rtlCol="0" anchor="ctr"/>
+          <a:lstStyle/>
+          <a:p>
+            <a:pPr algn="ctr"/>
+            <a:r>
+              <a:rPr lang="ja-JP" altLang="en-US" dirty="0" smtClean="0"/>
+              <a:t>仮説に</a:t>
+            </a:r>
+            <a:r>
+              <a:rPr lang="ja-JP" altLang="en-US" dirty="0"/>
+              <a:t>対</a:t>
+            </a:r>
+            <a:r>
+              <a:rPr lang="ja-JP" altLang="en-US" dirty="0" smtClean="0"/>
+              <a:t>する</a:t>
+            </a:r>
+            <a:r>
+              <a:rPr lang="ja-JP" altLang="en-US" dirty="0"/>
+              <a:t>関数</a:t>
+            </a:r>
+            <a:r>
+              <a:rPr lang="ja-JP" altLang="en-US" dirty="0" smtClean="0"/>
+              <a:t>を同定</a:t>
+            </a:r>
+            <a:endParaRPr kumimoji="1" lang="ja-JP" altLang="en-US" dirty="0"/>
+          </a:p>
+        </p:txBody>
+      </p:sp>
+      <p:sp>
+        <p:nvSpPr>
+          <p:cNvPr id="14" name="正方形/長方形 13"/>
+          <p:cNvSpPr/>
+          <p:nvPr/>
+        </p:nvSpPr>
+        <p:spPr>
+          <a:xfrm>
+            <a:off x="457200" y="5047021"/>
+            <a:ext cx="1652954" cy="923193"/>
+          </a:xfrm>
+          <a:prstGeom prst="rect">
+            <a:avLst/>
+          </a:prstGeom>
+        </p:spPr>
+        <p:style>
+          <a:lnRef idx="1">
+            <a:schemeClr val="accent1"/>
+          </a:lnRef>
+          <a:fillRef idx="2">
+            <a:schemeClr val="accent1"/>
+          </a:fillRef>
+          <a:effectRef idx="1">
+            <a:schemeClr val="accent1"/>
+          </a:effectRef>
+          <a:fontRef idx="minor">
+            <a:schemeClr val="dk1"/>
+          </a:fontRef>
+        </p:style>
+        <p:txBody>
+          <a:bodyPr rtlCol="0" anchor="ctr"/>
+          <a:lstStyle/>
+          <a:p>
+            <a:pPr algn="ctr"/>
+            <a:r>
+              <a:rPr lang="ja-JP" altLang="en-US" dirty="0" smtClean="0"/>
+              <a:t>新しい数理</a:t>
+            </a:r>
+            <a:r>
+              <a:rPr lang="en-US" altLang="ja-JP" dirty="0" smtClean="0"/>
+              <a:t/>
+            </a:r>
+            <a:br>
+              <a:rPr lang="en-US" altLang="ja-JP" dirty="0" smtClean="0"/>
+            </a:br>
+            <a:r>
+              <a:rPr lang="ja-JP" altLang="en-US" dirty="0" smtClean="0"/>
+              <a:t>モデルの作成</a:t>
+            </a:r>
+            <a:endParaRPr kumimoji="1" lang="ja-JP" altLang="en-US" dirty="0"/>
+          </a:p>
+        </p:txBody>
+      </p:sp>
+      <p:sp>
+        <p:nvSpPr>
+          <p:cNvPr id="15" name="正方形/長方形 14"/>
+          <p:cNvSpPr/>
+          <p:nvPr/>
+        </p:nvSpPr>
+        <p:spPr>
+          <a:xfrm>
+            <a:off x="2602522" y="4538464"/>
+            <a:ext cx="1793631" cy="816051"/>
+          </a:xfrm>
+          <a:prstGeom prst="rect">
+            <a:avLst/>
+          </a:prstGeom>
+        </p:spPr>
+        <p:style>
+          <a:lnRef idx="1">
+            <a:schemeClr val="accent1"/>
+          </a:lnRef>
+          <a:fillRef idx="2">
+            <a:schemeClr val="accent1"/>
+          </a:fillRef>
+          <a:effectRef idx="1">
+            <a:schemeClr val="accent1"/>
+          </a:effectRef>
+          <a:fontRef idx="minor">
+            <a:schemeClr val="dk1"/>
+          </a:fontRef>
+        </p:style>
+        <p:txBody>
+          <a:bodyPr rtlCol="0" anchor="ctr"/>
+          <a:lstStyle/>
+          <a:p>
+            <a:pPr algn="ctr"/>
+            <a:r>
+              <a:rPr lang="ja-JP" altLang="en-US" dirty="0"/>
+              <a:t>シミュレーション</a:t>
+            </a:r>
+            <a:endParaRPr kumimoji="1" lang="ja-JP" altLang="en-US" dirty="0"/>
+          </a:p>
+        </p:txBody>
+      </p:sp>
+      <p:sp>
+        <p:nvSpPr>
+          <p:cNvPr id="16" name="正方形/長方形 15"/>
+          <p:cNvSpPr/>
+          <p:nvPr/>
+        </p:nvSpPr>
+        <p:spPr>
+          <a:xfrm>
+            <a:off x="4888521" y="3794698"/>
+            <a:ext cx="1828800" cy="1151792"/>
+          </a:xfrm>
+          <a:prstGeom prst="rect">
+            <a:avLst/>
+          </a:prstGeom>
+        </p:spPr>
+        <p:style>
+          <a:lnRef idx="1">
+            <a:schemeClr val="accent1"/>
+          </a:lnRef>
+          <a:fillRef idx="2">
+            <a:schemeClr val="accent1"/>
+          </a:fillRef>
+          <a:effectRef idx="1">
+            <a:schemeClr val="accent1"/>
+          </a:effectRef>
+          <a:fontRef idx="minor">
+            <a:schemeClr val="dk1"/>
+          </a:fontRef>
+        </p:style>
+        <p:txBody>
+          <a:bodyPr rtlCol="0" anchor="ctr"/>
+          <a:lstStyle/>
+          <a:p>
+            <a:pPr algn="ctr"/>
+            <a:r>
+              <a:rPr lang="ja-JP" altLang="en-US" dirty="0" smtClean="0"/>
+              <a:t>シミュレーションと仮説結果が</a:t>
+            </a:r>
+            <a:r>
+              <a:rPr lang="en-US" altLang="ja-JP" dirty="0" smtClean="0"/>
+              <a:t/>
+            </a:r>
+            <a:br>
+              <a:rPr lang="en-US" altLang="ja-JP" dirty="0" smtClean="0"/>
+            </a:br>
+            <a:r>
+              <a:rPr lang="ja-JP" altLang="en-US" dirty="0" smtClean="0"/>
+              <a:t>不一致</a:t>
+            </a:r>
+            <a:endParaRPr kumimoji="1" lang="ja-JP" altLang="en-US" dirty="0"/>
+          </a:p>
+        </p:txBody>
+      </p:sp>
+      <p:sp>
+        <p:nvSpPr>
+          <p:cNvPr id="17" name="正方形/長方形 16"/>
+          <p:cNvSpPr/>
+          <p:nvPr/>
+        </p:nvSpPr>
+        <p:spPr>
+          <a:xfrm>
+            <a:off x="4888522" y="5236637"/>
+            <a:ext cx="1828800" cy="1063869"/>
+          </a:xfrm>
+          <a:prstGeom prst="rect">
+            <a:avLst/>
+          </a:prstGeom>
+        </p:spPr>
+        <p:style>
+          <a:lnRef idx="1">
+            <a:schemeClr val="accent1"/>
+          </a:lnRef>
+          <a:fillRef idx="2">
+            <a:schemeClr val="accent1"/>
+          </a:fillRef>
+          <a:effectRef idx="1">
+            <a:schemeClr val="accent1"/>
+          </a:effectRef>
+          <a:fontRef idx="minor">
+            <a:schemeClr val="dk1"/>
+          </a:fontRef>
+        </p:style>
+        <p:txBody>
+          <a:bodyPr rtlCol="0" anchor="ctr"/>
+          <a:lstStyle/>
+          <a:p>
+            <a:pPr algn="ctr"/>
+            <a:r>
+              <a:rPr lang="ja-JP" altLang="en-US" dirty="0"/>
+              <a:t>シミュレーション</a:t>
+            </a:r>
+            <a:r>
               <a:rPr kumimoji="1" lang="ja-JP" altLang="en-US" dirty="0" smtClean="0"/>
-              <a:t>「問題点２」の解決</a:t>
+              <a:t>と仮説結果が</a:t>
+            </a:r>
+            <a:r>
+              <a:rPr kumimoji="1" lang="en-US" altLang="ja-JP" dirty="0" smtClean="0"/>
+              <a:t/>
+            </a:r>
+            <a:br>
+              <a:rPr kumimoji="1" lang="en-US" altLang="ja-JP" dirty="0" smtClean="0"/>
+            </a:br>
+            <a:r>
+              <a:rPr kumimoji="1" lang="ja-JP" altLang="en-US" dirty="0" smtClean="0"/>
+              <a:t>一致</a:t>
             </a:r>
             <a:endParaRPr kumimoji="1" lang="ja-JP" altLang="en-US" dirty="0"/>
           </a:p>
@@ -16841,20 +18077,1283 @@
       </p:sp>
       <p:sp>
         <p:nvSpPr>
-          <p:cNvPr id="7" name="コンテンツ プレースホルダー 6"/>
-          <p:cNvSpPr>
-            <a:spLocks noGrp="1"/>
-          </p:cNvSpPr>
-          <p:nvPr>
-            <p:ph sz="quarter" idx="4"/>
-          </p:nvPr>
-        </p:nvSpPr>
-        <p:spPr/>
+          <p:cNvPr id="18" name="正方形/長方形 17"/>
+          <p:cNvSpPr/>
+          <p:nvPr/>
+        </p:nvSpPr>
+        <p:spPr>
+          <a:xfrm>
+            <a:off x="2602523" y="5629869"/>
+            <a:ext cx="1793631" cy="806576"/>
+          </a:xfrm>
+          <a:prstGeom prst="rect">
+            <a:avLst/>
+          </a:prstGeom>
+        </p:spPr>
+        <p:style>
+          <a:lnRef idx="1">
+            <a:schemeClr val="accent1"/>
+          </a:lnRef>
+          <a:fillRef idx="2">
+            <a:schemeClr val="accent1"/>
+          </a:fillRef>
+          <a:effectRef idx="1">
+            <a:schemeClr val="accent1"/>
+          </a:effectRef>
+          <a:fontRef idx="minor">
+            <a:schemeClr val="dk1"/>
+          </a:fontRef>
+        </p:style>
         <p:txBody>
-          <a:bodyPr/>
+          <a:bodyPr rtlCol="0" anchor="ctr"/>
           <a:lstStyle/>
           <a:p>
-            <a:endParaRPr kumimoji="1" lang="ja-JP" altLang="en-US"/>
+            <a:pPr algn="ctr"/>
+            <a:r>
+              <a:rPr kumimoji="1" lang="ja-JP" altLang="en-US" dirty="0" smtClean="0"/>
+              <a:t>有効な仮説</a:t>
+            </a:r>
+            <a:r>
+              <a:rPr kumimoji="1" lang="en-US" altLang="ja-JP" dirty="0" smtClean="0"/>
+              <a:t/>
+            </a:r>
+            <a:br>
+              <a:rPr kumimoji="1" lang="en-US" altLang="ja-JP" dirty="0" smtClean="0"/>
+            </a:br>
+            <a:r>
+              <a:rPr kumimoji="1" lang="ja-JP" altLang="en-US" dirty="0" smtClean="0"/>
+              <a:t>として残る</a:t>
+            </a:r>
+            <a:endParaRPr kumimoji="1" lang="ja-JP" altLang="en-US" dirty="0"/>
+          </a:p>
+        </p:txBody>
+      </p:sp>
+      <p:sp>
+        <p:nvSpPr>
+          <p:cNvPr id="19" name="正方形/長方形 18"/>
+          <p:cNvSpPr/>
+          <p:nvPr/>
+        </p:nvSpPr>
+        <p:spPr>
+          <a:xfrm>
+            <a:off x="2602521" y="2470639"/>
+            <a:ext cx="1793631" cy="958362"/>
+          </a:xfrm>
+          <a:prstGeom prst="rect">
+            <a:avLst/>
+          </a:prstGeom>
+        </p:spPr>
+        <p:style>
+          <a:lnRef idx="1">
+            <a:schemeClr val="accent1"/>
+          </a:lnRef>
+          <a:fillRef idx="2">
+            <a:schemeClr val="accent1"/>
+          </a:fillRef>
+          <a:effectRef idx="1">
+            <a:schemeClr val="accent1"/>
+          </a:effectRef>
+          <a:fontRef idx="minor">
+            <a:schemeClr val="dk1"/>
+          </a:fontRef>
+        </p:style>
+        <p:txBody>
+          <a:bodyPr rtlCol="0" anchor="ctr"/>
+          <a:lstStyle/>
+          <a:p>
+            <a:pPr algn="ctr"/>
+            <a:r>
+              <a:rPr kumimoji="1" lang="ja-JP" altLang="en-US" dirty="0" smtClean="0"/>
+              <a:t>仮説の反証</a:t>
+            </a:r>
+            <a:endParaRPr kumimoji="1" lang="ja-JP" altLang="en-US" dirty="0"/>
+          </a:p>
+        </p:txBody>
+      </p:sp>
+      <p:cxnSp>
+        <p:nvCxnSpPr>
+          <p:cNvPr id="21" name="直線矢印コネクタ 20"/>
+          <p:cNvCxnSpPr>
+            <a:stCxn id="11" idx="2"/>
+            <a:endCxn id="12" idx="0"/>
+          </p:cNvCxnSpPr>
+          <p:nvPr/>
+        </p:nvCxnSpPr>
+        <p:spPr>
+          <a:xfrm>
+            <a:off x="1283677" y="2127738"/>
+            <a:ext cx="0" cy="342900"/>
+          </a:xfrm>
+          <a:prstGeom prst="straightConnector1">
+            <a:avLst/>
+          </a:prstGeom>
+          <a:ln w="57150">
+            <a:tailEnd type="triangle"/>
+          </a:ln>
+        </p:spPr>
+        <p:style>
+          <a:lnRef idx="3">
+            <a:schemeClr val="accent6"/>
+          </a:lnRef>
+          <a:fillRef idx="0">
+            <a:schemeClr val="accent6"/>
+          </a:fillRef>
+          <a:effectRef idx="2">
+            <a:schemeClr val="accent6"/>
+          </a:effectRef>
+          <a:fontRef idx="minor">
+            <a:schemeClr val="tx1"/>
+          </a:fontRef>
+        </p:style>
+      </p:cxnSp>
+      <p:cxnSp>
+        <p:nvCxnSpPr>
+          <p:cNvPr id="23" name="直線矢印コネクタ 22"/>
+          <p:cNvCxnSpPr>
+            <a:stCxn id="12" idx="2"/>
+            <a:endCxn id="13" idx="0"/>
+          </p:cNvCxnSpPr>
+          <p:nvPr/>
+        </p:nvCxnSpPr>
+        <p:spPr>
+          <a:xfrm>
+            <a:off x="1283677" y="3428999"/>
+            <a:ext cx="0" cy="285753"/>
+          </a:xfrm>
+          <a:prstGeom prst="straightConnector1">
+            <a:avLst/>
+          </a:prstGeom>
+          <a:ln w="57150">
+            <a:tailEnd type="triangle"/>
+          </a:ln>
+        </p:spPr>
+        <p:style>
+          <a:lnRef idx="3">
+            <a:schemeClr val="accent6"/>
+          </a:lnRef>
+          <a:fillRef idx="0">
+            <a:schemeClr val="accent6"/>
+          </a:fillRef>
+          <a:effectRef idx="2">
+            <a:schemeClr val="accent6"/>
+          </a:effectRef>
+          <a:fontRef idx="minor">
+            <a:schemeClr val="tx1"/>
+          </a:fontRef>
+        </p:style>
+      </p:cxnSp>
+      <p:cxnSp>
+        <p:nvCxnSpPr>
+          <p:cNvPr id="25" name="直線矢印コネクタ 24"/>
+          <p:cNvCxnSpPr>
+            <a:stCxn id="13" idx="2"/>
+            <a:endCxn id="14" idx="0"/>
+          </p:cNvCxnSpPr>
+          <p:nvPr/>
+        </p:nvCxnSpPr>
+        <p:spPr>
+          <a:xfrm>
+            <a:off x="1283677" y="4703885"/>
+            <a:ext cx="0" cy="343136"/>
+          </a:xfrm>
+          <a:prstGeom prst="straightConnector1">
+            <a:avLst/>
+          </a:prstGeom>
+          <a:ln w="57150">
+            <a:tailEnd type="triangle"/>
+          </a:ln>
+        </p:spPr>
+        <p:style>
+          <a:lnRef idx="3">
+            <a:schemeClr val="accent6"/>
+          </a:lnRef>
+          <a:fillRef idx="0">
+            <a:schemeClr val="accent6"/>
+          </a:fillRef>
+          <a:effectRef idx="2">
+            <a:schemeClr val="accent6"/>
+          </a:effectRef>
+          <a:fontRef idx="minor">
+            <a:schemeClr val="tx1"/>
+          </a:fontRef>
+        </p:style>
+      </p:cxnSp>
+      <p:cxnSp>
+        <p:nvCxnSpPr>
+          <p:cNvPr id="29" name="カギ線コネクタ 28"/>
+          <p:cNvCxnSpPr>
+            <a:stCxn id="14" idx="3"/>
+            <a:endCxn id="15" idx="1"/>
+          </p:cNvCxnSpPr>
+          <p:nvPr/>
+        </p:nvCxnSpPr>
+        <p:spPr>
+          <a:xfrm flipV="1">
+            <a:off x="2110154" y="4946490"/>
+            <a:ext cx="492368" cy="562128"/>
+          </a:xfrm>
+          <a:prstGeom prst="bentConnector3">
+            <a:avLst/>
+          </a:prstGeom>
+          <a:ln w="57150">
+            <a:tailEnd type="triangle"/>
+          </a:ln>
+        </p:spPr>
+        <p:style>
+          <a:lnRef idx="3">
+            <a:schemeClr val="accent6"/>
+          </a:lnRef>
+          <a:fillRef idx="0">
+            <a:schemeClr val="accent6"/>
+          </a:fillRef>
+          <a:effectRef idx="2">
+            <a:schemeClr val="accent6"/>
+          </a:effectRef>
+          <a:fontRef idx="minor">
+            <a:schemeClr val="tx1"/>
+          </a:fontRef>
+        </p:style>
+      </p:cxnSp>
+      <p:cxnSp>
+        <p:nvCxnSpPr>
+          <p:cNvPr id="31" name="カギ線コネクタ 30"/>
+          <p:cNvCxnSpPr>
+            <a:stCxn id="15" idx="3"/>
+            <a:endCxn id="16" idx="1"/>
+          </p:cNvCxnSpPr>
+          <p:nvPr/>
+        </p:nvCxnSpPr>
+        <p:spPr>
+          <a:xfrm flipV="1">
+            <a:off x="4396153" y="4370594"/>
+            <a:ext cx="492368" cy="575896"/>
+          </a:xfrm>
+          <a:prstGeom prst="bentConnector3">
+            <a:avLst/>
+          </a:prstGeom>
+          <a:ln w="57150">
+            <a:tailEnd type="triangle"/>
+          </a:ln>
+        </p:spPr>
+        <p:style>
+          <a:lnRef idx="3">
+            <a:schemeClr val="accent6"/>
+          </a:lnRef>
+          <a:fillRef idx="0">
+            <a:schemeClr val="accent6"/>
+          </a:fillRef>
+          <a:effectRef idx="2">
+            <a:schemeClr val="accent6"/>
+          </a:effectRef>
+          <a:fontRef idx="minor">
+            <a:schemeClr val="tx1"/>
+          </a:fontRef>
+        </p:style>
+      </p:cxnSp>
+      <p:cxnSp>
+        <p:nvCxnSpPr>
+          <p:cNvPr id="33" name="カギ線コネクタ 32"/>
+          <p:cNvCxnSpPr>
+            <a:stCxn id="15" idx="3"/>
+            <a:endCxn id="17" idx="1"/>
+          </p:cNvCxnSpPr>
+          <p:nvPr/>
+        </p:nvCxnSpPr>
+        <p:spPr>
+          <a:xfrm>
+            <a:off x="4396153" y="4946490"/>
+            <a:ext cx="492369" cy="822082"/>
+          </a:xfrm>
+          <a:prstGeom prst="bentConnector3">
+            <a:avLst/>
+          </a:prstGeom>
+          <a:ln w="57150">
+            <a:tailEnd type="triangle"/>
+          </a:ln>
+        </p:spPr>
+        <p:style>
+          <a:lnRef idx="3">
+            <a:schemeClr val="accent6"/>
+          </a:lnRef>
+          <a:fillRef idx="0">
+            <a:schemeClr val="accent6"/>
+          </a:fillRef>
+          <a:effectRef idx="2">
+            <a:schemeClr val="accent6"/>
+          </a:effectRef>
+          <a:fontRef idx="minor">
+            <a:schemeClr val="tx1"/>
+          </a:fontRef>
+        </p:style>
+      </p:cxnSp>
+      <p:cxnSp>
+        <p:nvCxnSpPr>
+          <p:cNvPr id="35" name="カギ線コネクタ 34"/>
+          <p:cNvCxnSpPr>
+            <a:stCxn id="16" idx="0"/>
+            <a:endCxn id="19" idx="3"/>
+          </p:cNvCxnSpPr>
+          <p:nvPr/>
+        </p:nvCxnSpPr>
+        <p:spPr>
+          <a:xfrm rot="16200000" flipV="1">
+            <a:off x="4677098" y="2668874"/>
+            <a:ext cx="844878" cy="1406769"/>
+          </a:xfrm>
+          <a:prstGeom prst="bentConnector2">
+            <a:avLst/>
+          </a:prstGeom>
+          <a:ln w="57150">
+            <a:tailEnd type="triangle"/>
+          </a:ln>
+        </p:spPr>
+        <p:style>
+          <a:lnRef idx="3">
+            <a:schemeClr val="accent6"/>
+          </a:lnRef>
+          <a:fillRef idx="0">
+            <a:schemeClr val="accent6"/>
+          </a:fillRef>
+          <a:effectRef idx="2">
+            <a:schemeClr val="accent6"/>
+          </a:effectRef>
+          <a:fontRef idx="minor">
+            <a:schemeClr val="tx1"/>
+          </a:fontRef>
+        </p:style>
+      </p:cxnSp>
+      <p:cxnSp>
+        <p:nvCxnSpPr>
+          <p:cNvPr id="37" name="カギ線コネクタ 36"/>
+          <p:cNvCxnSpPr>
+            <a:stCxn id="19" idx="1"/>
+            <a:endCxn id="12" idx="3"/>
+          </p:cNvCxnSpPr>
+          <p:nvPr/>
+        </p:nvCxnSpPr>
+        <p:spPr>
+          <a:xfrm rot="10800000">
+            <a:off x="2110155" y="2949820"/>
+            <a:ext cx="492367" cy="1"/>
+          </a:xfrm>
+          <a:prstGeom prst="bentConnector3">
+            <a:avLst/>
+          </a:prstGeom>
+          <a:ln w="57150">
+            <a:tailEnd type="triangle"/>
+          </a:ln>
+        </p:spPr>
+        <p:style>
+          <a:lnRef idx="3">
+            <a:schemeClr val="accent6"/>
+          </a:lnRef>
+          <a:fillRef idx="0">
+            <a:schemeClr val="accent6"/>
+          </a:fillRef>
+          <a:effectRef idx="2">
+            <a:schemeClr val="accent6"/>
+          </a:effectRef>
+          <a:fontRef idx="minor">
+            <a:schemeClr val="tx1"/>
+          </a:fontRef>
+        </p:style>
+      </p:cxnSp>
+      <p:cxnSp>
+        <p:nvCxnSpPr>
+          <p:cNvPr id="39" name="カギ線コネクタ 38"/>
+          <p:cNvCxnSpPr>
+            <a:stCxn id="17" idx="2"/>
+            <a:endCxn id="18" idx="3"/>
+          </p:cNvCxnSpPr>
+          <p:nvPr/>
+        </p:nvCxnSpPr>
+        <p:spPr>
+          <a:xfrm rot="5400000" flipH="1">
+            <a:off x="4965863" y="5463448"/>
+            <a:ext cx="267349" cy="1406768"/>
+          </a:xfrm>
+          <a:prstGeom prst="bentConnector4">
+            <a:avLst>
+              <a:gd name="adj1" fmla="val -85506"/>
+              <a:gd name="adj2" fmla="val 82500"/>
+            </a:avLst>
+          </a:prstGeom>
+          <a:ln w="57150">
+            <a:tailEnd type="triangle"/>
+          </a:ln>
+        </p:spPr>
+        <p:style>
+          <a:lnRef idx="3">
+            <a:schemeClr val="accent6"/>
+          </a:lnRef>
+          <a:fillRef idx="0">
+            <a:schemeClr val="accent6"/>
+          </a:fillRef>
+          <a:effectRef idx="2">
+            <a:schemeClr val="accent6"/>
+          </a:effectRef>
+          <a:fontRef idx="minor">
+            <a:schemeClr val="tx1"/>
+          </a:fontRef>
+        </p:style>
+      </p:cxnSp>
+      <p:cxnSp>
+        <p:nvCxnSpPr>
+          <p:cNvPr id="41" name="カギ線コネクタ 40"/>
+          <p:cNvCxnSpPr>
+            <a:stCxn id="18" idx="2"/>
+            <a:endCxn id="14" idx="2"/>
+          </p:cNvCxnSpPr>
+          <p:nvPr/>
+        </p:nvCxnSpPr>
+        <p:spPr>
+          <a:xfrm rot="5400000" flipH="1">
+            <a:off x="2158392" y="5095499"/>
+            <a:ext cx="466231" cy="2215662"/>
+          </a:xfrm>
+          <a:prstGeom prst="bentConnector3">
+            <a:avLst>
+              <a:gd name="adj1" fmla="val -49031"/>
+            </a:avLst>
+          </a:prstGeom>
+          <a:ln w="57150">
+            <a:tailEnd type="triangle"/>
+          </a:ln>
+        </p:spPr>
+        <p:style>
+          <a:lnRef idx="3">
+            <a:schemeClr val="accent6"/>
+          </a:lnRef>
+          <a:fillRef idx="0">
+            <a:schemeClr val="accent6"/>
+          </a:fillRef>
+          <a:effectRef idx="2">
+            <a:schemeClr val="accent6"/>
+          </a:effectRef>
+          <a:fontRef idx="minor">
+            <a:schemeClr val="tx1"/>
+          </a:fontRef>
+        </p:style>
+      </p:cxnSp>
+      <p:grpSp>
+        <p:nvGrpSpPr>
+          <p:cNvPr id="95" name="グループ化 94"/>
+          <p:cNvGrpSpPr/>
+          <p:nvPr/>
+        </p:nvGrpSpPr>
+        <p:grpSpPr>
+          <a:xfrm>
+            <a:off x="457200" y="2470638"/>
+            <a:ext cx="6260122" cy="3965807"/>
+            <a:chOff x="457200" y="2470638"/>
+            <a:chExt cx="6260122" cy="3965807"/>
+          </a:xfrm>
+        </p:grpSpPr>
+        <p:sp>
+          <p:nvSpPr>
+            <p:cNvPr id="96" name="正方形/長方形 95"/>
+            <p:cNvSpPr/>
+            <p:nvPr/>
+          </p:nvSpPr>
+          <p:spPr>
+            <a:xfrm>
+              <a:off x="457200" y="2470638"/>
+              <a:ext cx="1652954" cy="958361"/>
+            </a:xfrm>
+            <a:prstGeom prst="rect">
+              <a:avLst/>
+            </a:prstGeom>
+          </p:spPr>
+          <p:style>
+            <a:lnRef idx="1">
+              <a:schemeClr val="accent2"/>
+            </a:lnRef>
+            <a:fillRef idx="2">
+              <a:schemeClr val="accent2"/>
+            </a:fillRef>
+            <a:effectRef idx="1">
+              <a:schemeClr val="accent2"/>
+            </a:effectRef>
+            <a:fontRef idx="minor">
+              <a:schemeClr val="dk1"/>
+            </a:fontRef>
+          </p:style>
+          <p:txBody>
+            <a:bodyPr rtlCol="0" anchor="ctr"/>
+            <a:lstStyle/>
+            <a:p>
+              <a:pPr algn="ctr"/>
+              <a:r>
+                <a:rPr lang="ja-JP" altLang="en-US" dirty="0"/>
+                <a:t>ソースコード</a:t>
+              </a:r>
+              <a:r>
+                <a:rPr lang="ja-JP" altLang="en-US" dirty="0" smtClean="0"/>
+                <a:t>の解析</a:t>
+              </a:r>
+              <a:endParaRPr kumimoji="1" lang="ja-JP" altLang="en-US" dirty="0"/>
+            </a:p>
+          </p:txBody>
+        </p:sp>
+        <p:sp>
+          <p:nvSpPr>
+            <p:cNvPr id="97" name="正方形/長方形 96"/>
+            <p:cNvSpPr/>
+            <p:nvPr/>
+          </p:nvSpPr>
+          <p:spPr>
+            <a:xfrm>
+              <a:off x="457200" y="3714752"/>
+              <a:ext cx="1652954" cy="989133"/>
+            </a:xfrm>
+            <a:prstGeom prst="rect">
+              <a:avLst/>
+            </a:prstGeom>
+          </p:spPr>
+          <p:style>
+            <a:lnRef idx="1">
+              <a:schemeClr val="accent2"/>
+            </a:lnRef>
+            <a:fillRef idx="2">
+              <a:schemeClr val="accent2"/>
+            </a:fillRef>
+            <a:effectRef idx="1">
+              <a:schemeClr val="accent2"/>
+            </a:effectRef>
+            <a:fontRef idx="minor">
+              <a:schemeClr val="dk1"/>
+            </a:fontRef>
+          </p:style>
+          <p:txBody>
+            <a:bodyPr rtlCol="0" anchor="ctr"/>
+            <a:lstStyle/>
+            <a:p>
+              <a:pPr algn="ctr"/>
+              <a:r>
+                <a:rPr lang="ja-JP" altLang="en-US" dirty="0" smtClean="0"/>
+                <a:t>仮説に</a:t>
+              </a:r>
+              <a:r>
+                <a:rPr lang="ja-JP" altLang="en-US" dirty="0"/>
+                <a:t>対</a:t>
+              </a:r>
+              <a:r>
+                <a:rPr lang="ja-JP" altLang="en-US" dirty="0" smtClean="0"/>
+                <a:t>する</a:t>
+              </a:r>
+              <a:r>
+                <a:rPr lang="ja-JP" altLang="en-US" dirty="0"/>
+                <a:t>関数</a:t>
+              </a:r>
+              <a:r>
+                <a:rPr lang="ja-JP" altLang="en-US" dirty="0" smtClean="0"/>
+                <a:t>を同定</a:t>
+              </a:r>
+              <a:endParaRPr kumimoji="1" lang="ja-JP" altLang="en-US" dirty="0"/>
+            </a:p>
+          </p:txBody>
+        </p:sp>
+        <p:sp>
+          <p:nvSpPr>
+            <p:cNvPr id="98" name="正方形/長方形 97"/>
+            <p:cNvSpPr/>
+            <p:nvPr/>
+          </p:nvSpPr>
+          <p:spPr>
+            <a:xfrm>
+              <a:off x="457200" y="5047021"/>
+              <a:ext cx="1652954" cy="923193"/>
+            </a:xfrm>
+            <a:prstGeom prst="rect">
+              <a:avLst/>
+            </a:prstGeom>
+          </p:spPr>
+          <p:style>
+            <a:lnRef idx="1">
+              <a:schemeClr val="accent2"/>
+            </a:lnRef>
+            <a:fillRef idx="2">
+              <a:schemeClr val="accent2"/>
+            </a:fillRef>
+            <a:effectRef idx="1">
+              <a:schemeClr val="accent2"/>
+            </a:effectRef>
+            <a:fontRef idx="minor">
+              <a:schemeClr val="dk1"/>
+            </a:fontRef>
+          </p:style>
+          <p:txBody>
+            <a:bodyPr rtlCol="0" anchor="ctr"/>
+            <a:lstStyle/>
+            <a:p>
+              <a:pPr algn="ctr"/>
+              <a:r>
+                <a:rPr lang="ja-JP" altLang="en-US" dirty="0" smtClean="0"/>
+                <a:t>新しい数理</a:t>
+              </a:r>
+              <a:r>
+                <a:rPr lang="en-US" altLang="ja-JP" dirty="0" smtClean="0"/>
+                <a:t/>
+              </a:r>
+              <a:br>
+                <a:rPr lang="en-US" altLang="ja-JP" dirty="0" smtClean="0"/>
+              </a:br>
+              <a:r>
+                <a:rPr lang="ja-JP" altLang="en-US" dirty="0" smtClean="0"/>
+                <a:t>モデルの作成</a:t>
+              </a:r>
+              <a:endParaRPr kumimoji="1" lang="ja-JP" altLang="en-US" dirty="0"/>
+            </a:p>
+          </p:txBody>
+        </p:sp>
+        <p:sp>
+          <p:nvSpPr>
+            <p:cNvPr id="99" name="正方形/長方形 98"/>
+            <p:cNvSpPr/>
+            <p:nvPr/>
+          </p:nvSpPr>
+          <p:spPr>
+            <a:xfrm>
+              <a:off x="2602522" y="4538464"/>
+              <a:ext cx="1793631" cy="816051"/>
+            </a:xfrm>
+            <a:prstGeom prst="rect">
+              <a:avLst/>
+            </a:prstGeom>
+          </p:spPr>
+          <p:style>
+            <a:lnRef idx="1">
+              <a:schemeClr val="accent2"/>
+            </a:lnRef>
+            <a:fillRef idx="2">
+              <a:schemeClr val="accent2"/>
+            </a:fillRef>
+            <a:effectRef idx="1">
+              <a:schemeClr val="accent2"/>
+            </a:effectRef>
+            <a:fontRef idx="minor">
+              <a:schemeClr val="dk1"/>
+            </a:fontRef>
+          </p:style>
+          <p:txBody>
+            <a:bodyPr rtlCol="0" anchor="ctr"/>
+            <a:lstStyle/>
+            <a:p>
+              <a:pPr algn="ctr"/>
+              <a:r>
+                <a:rPr lang="ja-JP" altLang="en-US" dirty="0"/>
+                <a:t>シミュレーション</a:t>
+              </a:r>
+              <a:endParaRPr kumimoji="1" lang="ja-JP" altLang="en-US" dirty="0"/>
+            </a:p>
+          </p:txBody>
+        </p:sp>
+        <p:sp>
+          <p:nvSpPr>
+            <p:cNvPr id="100" name="正方形/長方形 99"/>
+            <p:cNvSpPr/>
+            <p:nvPr/>
+          </p:nvSpPr>
+          <p:spPr>
+            <a:xfrm>
+              <a:off x="4888521" y="3794698"/>
+              <a:ext cx="1828800" cy="1151792"/>
+            </a:xfrm>
+            <a:prstGeom prst="rect">
+              <a:avLst/>
+            </a:prstGeom>
+          </p:spPr>
+          <p:style>
+            <a:lnRef idx="1">
+              <a:schemeClr val="accent2"/>
+            </a:lnRef>
+            <a:fillRef idx="2">
+              <a:schemeClr val="accent2"/>
+            </a:fillRef>
+            <a:effectRef idx="1">
+              <a:schemeClr val="accent2"/>
+            </a:effectRef>
+            <a:fontRef idx="minor">
+              <a:schemeClr val="dk1"/>
+            </a:fontRef>
+          </p:style>
+          <p:txBody>
+            <a:bodyPr rtlCol="0" anchor="ctr"/>
+            <a:lstStyle/>
+            <a:p>
+              <a:pPr algn="ctr"/>
+              <a:r>
+                <a:rPr lang="ja-JP" altLang="en-US" dirty="0" smtClean="0"/>
+                <a:t>シミュレーションと仮説結果が</a:t>
+              </a:r>
+              <a:r>
+                <a:rPr lang="en-US" altLang="ja-JP" dirty="0" smtClean="0"/>
+                <a:t/>
+              </a:r>
+              <a:br>
+                <a:rPr lang="en-US" altLang="ja-JP" dirty="0" smtClean="0"/>
+              </a:br>
+              <a:r>
+                <a:rPr lang="ja-JP" altLang="en-US" dirty="0" smtClean="0"/>
+                <a:t>不一致</a:t>
+              </a:r>
+              <a:endParaRPr kumimoji="1" lang="ja-JP" altLang="en-US" dirty="0"/>
+            </a:p>
+          </p:txBody>
+        </p:sp>
+        <p:sp>
+          <p:nvSpPr>
+            <p:cNvPr id="101" name="正方形/長方形 100"/>
+            <p:cNvSpPr/>
+            <p:nvPr/>
+          </p:nvSpPr>
+          <p:spPr>
+            <a:xfrm>
+              <a:off x="4888522" y="5236637"/>
+              <a:ext cx="1828800" cy="1063869"/>
+            </a:xfrm>
+            <a:prstGeom prst="rect">
+              <a:avLst/>
+            </a:prstGeom>
+          </p:spPr>
+          <p:style>
+            <a:lnRef idx="1">
+              <a:schemeClr val="accent2"/>
+            </a:lnRef>
+            <a:fillRef idx="2">
+              <a:schemeClr val="accent2"/>
+            </a:fillRef>
+            <a:effectRef idx="1">
+              <a:schemeClr val="accent2"/>
+            </a:effectRef>
+            <a:fontRef idx="minor">
+              <a:schemeClr val="dk1"/>
+            </a:fontRef>
+          </p:style>
+          <p:txBody>
+            <a:bodyPr rtlCol="0" anchor="ctr"/>
+            <a:lstStyle/>
+            <a:p>
+              <a:pPr algn="ctr"/>
+              <a:r>
+                <a:rPr lang="ja-JP" altLang="en-US" dirty="0"/>
+                <a:t>シミュレーション</a:t>
+              </a:r>
+              <a:r>
+                <a:rPr kumimoji="1" lang="ja-JP" altLang="en-US" dirty="0" smtClean="0"/>
+                <a:t>と仮説結果が</a:t>
+              </a:r>
+              <a:r>
+                <a:rPr kumimoji="1" lang="en-US" altLang="ja-JP" dirty="0" smtClean="0"/>
+                <a:t/>
+              </a:r>
+              <a:br>
+                <a:rPr kumimoji="1" lang="en-US" altLang="ja-JP" dirty="0" smtClean="0"/>
+              </a:br>
+              <a:r>
+                <a:rPr kumimoji="1" lang="ja-JP" altLang="en-US" dirty="0" smtClean="0"/>
+                <a:t>一致</a:t>
+              </a:r>
+              <a:endParaRPr kumimoji="1" lang="ja-JP" altLang="en-US" dirty="0"/>
+            </a:p>
+          </p:txBody>
+        </p:sp>
+        <p:sp>
+          <p:nvSpPr>
+            <p:cNvPr id="102" name="正方形/長方形 101"/>
+            <p:cNvSpPr/>
+            <p:nvPr/>
+          </p:nvSpPr>
+          <p:spPr>
+            <a:xfrm>
+              <a:off x="2602523" y="5629869"/>
+              <a:ext cx="1793631" cy="806576"/>
+            </a:xfrm>
+            <a:prstGeom prst="rect">
+              <a:avLst/>
+            </a:prstGeom>
+          </p:spPr>
+          <p:style>
+            <a:lnRef idx="1">
+              <a:schemeClr val="accent2"/>
+            </a:lnRef>
+            <a:fillRef idx="2">
+              <a:schemeClr val="accent2"/>
+            </a:fillRef>
+            <a:effectRef idx="1">
+              <a:schemeClr val="accent2"/>
+            </a:effectRef>
+            <a:fontRef idx="minor">
+              <a:schemeClr val="dk1"/>
+            </a:fontRef>
+          </p:style>
+          <p:txBody>
+            <a:bodyPr rtlCol="0" anchor="ctr"/>
+            <a:lstStyle/>
+            <a:p>
+              <a:pPr algn="ctr"/>
+              <a:r>
+                <a:rPr kumimoji="1" lang="ja-JP" altLang="en-US" dirty="0" smtClean="0"/>
+                <a:t>有効な仮説</a:t>
+              </a:r>
+              <a:r>
+                <a:rPr kumimoji="1" lang="en-US" altLang="ja-JP" dirty="0" smtClean="0"/>
+                <a:t/>
+              </a:r>
+              <a:br>
+                <a:rPr kumimoji="1" lang="en-US" altLang="ja-JP" dirty="0" smtClean="0"/>
+              </a:br>
+              <a:r>
+                <a:rPr kumimoji="1" lang="ja-JP" altLang="en-US" dirty="0" smtClean="0"/>
+                <a:t>として残る</a:t>
+              </a:r>
+              <a:endParaRPr kumimoji="1" lang="ja-JP" altLang="en-US" dirty="0"/>
+            </a:p>
+          </p:txBody>
+        </p:sp>
+        <p:sp>
+          <p:nvSpPr>
+            <p:cNvPr id="103" name="正方形/長方形 102"/>
+            <p:cNvSpPr/>
+            <p:nvPr/>
+          </p:nvSpPr>
+          <p:spPr>
+            <a:xfrm>
+              <a:off x="2602521" y="2470639"/>
+              <a:ext cx="1793631" cy="958362"/>
+            </a:xfrm>
+            <a:prstGeom prst="rect">
+              <a:avLst/>
+            </a:prstGeom>
+          </p:spPr>
+          <p:style>
+            <a:lnRef idx="1">
+              <a:schemeClr val="accent2"/>
+            </a:lnRef>
+            <a:fillRef idx="2">
+              <a:schemeClr val="accent2"/>
+            </a:fillRef>
+            <a:effectRef idx="1">
+              <a:schemeClr val="accent2"/>
+            </a:effectRef>
+            <a:fontRef idx="minor">
+              <a:schemeClr val="dk1"/>
+            </a:fontRef>
+          </p:style>
+          <p:txBody>
+            <a:bodyPr rtlCol="0" anchor="ctr"/>
+            <a:lstStyle/>
+            <a:p>
+              <a:pPr algn="ctr"/>
+              <a:r>
+                <a:rPr kumimoji="1" lang="ja-JP" altLang="en-US" dirty="0" smtClean="0"/>
+                <a:t>仮説の反証</a:t>
+              </a:r>
+              <a:endParaRPr kumimoji="1" lang="ja-JP" altLang="en-US" dirty="0"/>
+            </a:p>
+          </p:txBody>
+        </p:sp>
+        <p:cxnSp>
+          <p:nvCxnSpPr>
+            <p:cNvPr id="104" name="直線矢印コネクタ 103"/>
+            <p:cNvCxnSpPr>
+              <a:stCxn id="96" idx="2"/>
+              <a:endCxn id="97" idx="0"/>
+            </p:cNvCxnSpPr>
+            <p:nvPr/>
+          </p:nvCxnSpPr>
+          <p:spPr>
+            <a:xfrm>
+              <a:off x="1283677" y="3428999"/>
+              <a:ext cx="0" cy="285753"/>
+            </a:xfrm>
+            <a:prstGeom prst="straightConnector1">
+              <a:avLst/>
+            </a:prstGeom>
+            <a:ln w="57150">
+              <a:tailEnd type="triangle"/>
+            </a:ln>
+          </p:spPr>
+          <p:style>
+            <a:lnRef idx="3">
+              <a:schemeClr val="accent6"/>
+            </a:lnRef>
+            <a:fillRef idx="0">
+              <a:schemeClr val="accent6"/>
+            </a:fillRef>
+            <a:effectRef idx="2">
+              <a:schemeClr val="accent6"/>
+            </a:effectRef>
+            <a:fontRef idx="minor">
+              <a:schemeClr val="tx1"/>
+            </a:fontRef>
+          </p:style>
+        </p:cxnSp>
+        <p:cxnSp>
+          <p:nvCxnSpPr>
+            <p:cNvPr id="105" name="直線矢印コネクタ 104"/>
+            <p:cNvCxnSpPr>
+              <a:stCxn id="97" idx="2"/>
+              <a:endCxn id="98" idx="0"/>
+            </p:cNvCxnSpPr>
+            <p:nvPr/>
+          </p:nvCxnSpPr>
+          <p:spPr>
+            <a:xfrm>
+              <a:off x="1283677" y="4703885"/>
+              <a:ext cx="0" cy="343136"/>
+            </a:xfrm>
+            <a:prstGeom prst="straightConnector1">
+              <a:avLst/>
+            </a:prstGeom>
+            <a:ln w="57150">
+              <a:tailEnd type="triangle"/>
+            </a:ln>
+          </p:spPr>
+          <p:style>
+            <a:lnRef idx="3">
+              <a:schemeClr val="accent6"/>
+            </a:lnRef>
+            <a:fillRef idx="0">
+              <a:schemeClr val="accent6"/>
+            </a:fillRef>
+            <a:effectRef idx="2">
+              <a:schemeClr val="accent6"/>
+            </a:effectRef>
+            <a:fontRef idx="minor">
+              <a:schemeClr val="tx1"/>
+            </a:fontRef>
+          </p:style>
+        </p:cxnSp>
+        <p:cxnSp>
+          <p:nvCxnSpPr>
+            <p:cNvPr id="106" name="カギ線コネクタ 105"/>
+            <p:cNvCxnSpPr>
+              <a:stCxn id="98" idx="3"/>
+              <a:endCxn id="99" idx="1"/>
+            </p:cNvCxnSpPr>
+            <p:nvPr/>
+          </p:nvCxnSpPr>
+          <p:spPr>
+            <a:xfrm flipV="1">
+              <a:off x="2110154" y="4946490"/>
+              <a:ext cx="492368" cy="562128"/>
+            </a:xfrm>
+            <a:prstGeom prst="bentConnector3">
+              <a:avLst/>
+            </a:prstGeom>
+            <a:ln w="57150">
+              <a:tailEnd type="triangle"/>
+            </a:ln>
+          </p:spPr>
+          <p:style>
+            <a:lnRef idx="3">
+              <a:schemeClr val="accent6"/>
+            </a:lnRef>
+            <a:fillRef idx="0">
+              <a:schemeClr val="accent6"/>
+            </a:fillRef>
+            <a:effectRef idx="2">
+              <a:schemeClr val="accent6"/>
+            </a:effectRef>
+            <a:fontRef idx="minor">
+              <a:schemeClr val="tx1"/>
+            </a:fontRef>
+          </p:style>
+        </p:cxnSp>
+        <p:cxnSp>
+          <p:nvCxnSpPr>
+            <p:cNvPr id="107" name="カギ線コネクタ 106"/>
+            <p:cNvCxnSpPr>
+              <a:stCxn id="99" idx="3"/>
+              <a:endCxn id="100" idx="1"/>
+            </p:cNvCxnSpPr>
+            <p:nvPr/>
+          </p:nvCxnSpPr>
+          <p:spPr>
+            <a:xfrm flipV="1">
+              <a:off x="4396153" y="4370594"/>
+              <a:ext cx="492368" cy="575896"/>
+            </a:xfrm>
+            <a:prstGeom prst="bentConnector3">
+              <a:avLst/>
+            </a:prstGeom>
+            <a:ln w="57150">
+              <a:tailEnd type="triangle"/>
+            </a:ln>
+          </p:spPr>
+          <p:style>
+            <a:lnRef idx="3">
+              <a:schemeClr val="accent6"/>
+            </a:lnRef>
+            <a:fillRef idx="0">
+              <a:schemeClr val="accent6"/>
+            </a:fillRef>
+            <a:effectRef idx="2">
+              <a:schemeClr val="accent6"/>
+            </a:effectRef>
+            <a:fontRef idx="minor">
+              <a:schemeClr val="tx1"/>
+            </a:fontRef>
+          </p:style>
+        </p:cxnSp>
+        <p:cxnSp>
+          <p:nvCxnSpPr>
+            <p:cNvPr id="108" name="カギ線コネクタ 107"/>
+            <p:cNvCxnSpPr>
+              <a:stCxn id="99" idx="3"/>
+              <a:endCxn id="101" idx="1"/>
+            </p:cNvCxnSpPr>
+            <p:nvPr/>
+          </p:nvCxnSpPr>
+          <p:spPr>
+            <a:xfrm>
+              <a:off x="4396153" y="4946490"/>
+              <a:ext cx="492369" cy="822082"/>
+            </a:xfrm>
+            <a:prstGeom prst="bentConnector3">
+              <a:avLst/>
+            </a:prstGeom>
+            <a:ln w="57150">
+              <a:tailEnd type="triangle"/>
+            </a:ln>
+          </p:spPr>
+          <p:style>
+            <a:lnRef idx="3">
+              <a:schemeClr val="accent6"/>
+            </a:lnRef>
+            <a:fillRef idx="0">
+              <a:schemeClr val="accent6"/>
+            </a:fillRef>
+            <a:effectRef idx="2">
+              <a:schemeClr val="accent6"/>
+            </a:effectRef>
+            <a:fontRef idx="minor">
+              <a:schemeClr val="tx1"/>
+            </a:fontRef>
+          </p:style>
+        </p:cxnSp>
+        <p:cxnSp>
+          <p:nvCxnSpPr>
+            <p:cNvPr id="109" name="カギ線コネクタ 108"/>
+            <p:cNvCxnSpPr>
+              <a:stCxn id="100" idx="0"/>
+              <a:endCxn id="103" idx="3"/>
+            </p:cNvCxnSpPr>
+            <p:nvPr/>
+          </p:nvCxnSpPr>
+          <p:spPr>
+            <a:xfrm rot="16200000" flipV="1">
+              <a:off x="4677098" y="2668874"/>
+              <a:ext cx="844878" cy="1406769"/>
+            </a:xfrm>
+            <a:prstGeom prst="bentConnector2">
+              <a:avLst/>
+            </a:prstGeom>
+            <a:ln w="57150">
+              <a:tailEnd type="triangle"/>
+            </a:ln>
+          </p:spPr>
+          <p:style>
+            <a:lnRef idx="3">
+              <a:schemeClr val="accent6"/>
+            </a:lnRef>
+            <a:fillRef idx="0">
+              <a:schemeClr val="accent6"/>
+            </a:fillRef>
+            <a:effectRef idx="2">
+              <a:schemeClr val="accent6"/>
+            </a:effectRef>
+            <a:fontRef idx="minor">
+              <a:schemeClr val="tx1"/>
+            </a:fontRef>
+          </p:style>
+        </p:cxnSp>
+        <p:cxnSp>
+          <p:nvCxnSpPr>
+            <p:cNvPr id="110" name="カギ線コネクタ 109"/>
+            <p:cNvCxnSpPr>
+              <a:stCxn id="103" idx="1"/>
+              <a:endCxn id="96" idx="3"/>
+            </p:cNvCxnSpPr>
+            <p:nvPr/>
+          </p:nvCxnSpPr>
+          <p:spPr>
+            <a:xfrm rot="10800000">
+              <a:off x="2110155" y="2949820"/>
+              <a:ext cx="492367" cy="1"/>
+            </a:xfrm>
+            <a:prstGeom prst="bentConnector3">
+              <a:avLst/>
+            </a:prstGeom>
+            <a:ln w="57150">
+              <a:tailEnd type="triangle"/>
+            </a:ln>
+          </p:spPr>
+          <p:style>
+            <a:lnRef idx="3">
+              <a:schemeClr val="accent6"/>
+            </a:lnRef>
+            <a:fillRef idx="0">
+              <a:schemeClr val="accent6"/>
+            </a:fillRef>
+            <a:effectRef idx="2">
+              <a:schemeClr val="accent6"/>
+            </a:effectRef>
+            <a:fontRef idx="minor">
+              <a:schemeClr val="tx1"/>
+            </a:fontRef>
+          </p:style>
+        </p:cxnSp>
+        <p:cxnSp>
+          <p:nvCxnSpPr>
+            <p:cNvPr id="111" name="カギ線コネクタ 110"/>
+            <p:cNvCxnSpPr>
+              <a:stCxn id="101" idx="2"/>
+              <a:endCxn id="102" idx="3"/>
+            </p:cNvCxnSpPr>
+            <p:nvPr/>
+          </p:nvCxnSpPr>
+          <p:spPr>
+            <a:xfrm rot="5400000" flipH="1">
+              <a:off x="4965863" y="5463448"/>
+              <a:ext cx="267349" cy="1406768"/>
+            </a:xfrm>
+            <a:prstGeom prst="bentConnector4">
+              <a:avLst>
+                <a:gd name="adj1" fmla="val -85506"/>
+                <a:gd name="adj2" fmla="val 82500"/>
+              </a:avLst>
+            </a:prstGeom>
+            <a:ln w="57150">
+              <a:tailEnd type="triangle"/>
+            </a:ln>
+          </p:spPr>
+          <p:style>
+            <a:lnRef idx="3">
+              <a:schemeClr val="accent6"/>
+            </a:lnRef>
+            <a:fillRef idx="0">
+              <a:schemeClr val="accent6"/>
+            </a:fillRef>
+            <a:effectRef idx="2">
+              <a:schemeClr val="accent6"/>
+            </a:effectRef>
+            <a:fontRef idx="minor">
+              <a:schemeClr val="tx1"/>
+            </a:fontRef>
+          </p:style>
+        </p:cxnSp>
+        <p:cxnSp>
+          <p:nvCxnSpPr>
+            <p:cNvPr id="112" name="カギ線コネクタ 111"/>
+            <p:cNvCxnSpPr>
+              <a:stCxn id="102" idx="2"/>
+              <a:endCxn id="98" idx="2"/>
+            </p:cNvCxnSpPr>
+            <p:nvPr/>
+          </p:nvCxnSpPr>
+          <p:spPr>
+            <a:xfrm rot="5400000" flipH="1">
+              <a:off x="2158392" y="5095499"/>
+              <a:ext cx="466231" cy="2215662"/>
+            </a:xfrm>
+            <a:prstGeom prst="bentConnector3">
+              <a:avLst>
+                <a:gd name="adj1" fmla="val -49031"/>
+              </a:avLst>
+            </a:prstGeom>
+            <a:ln w="57150">
+              <a:tailEnd type="triangle"/>
+            </a:ln>
+          </p:spPr>
+          <p:style>
+            <a:lnRef idx="3">
+              <a:schemeClr val="accent6"/>
+            </a:lnRef>
+            <a:fillRef idx="0">
+              <a:schemeClr val="accent6"/>
+            </a:fillRef>
+            <a:effectRef idx="2">
+              <a:schemeClr val="accent6"/>
+            </a:effectRef>
+            <a:fontRef idx="minor">
+              <a:schemeClr val="tx1"/>
+            </a:fontRef>
+          </p:style>
+        </p:cxnSp>
+      </p:grpSp>
+      <p:sp>
+        <p:nvSpPr>
+          <p:cNvPr id="113" name="テキスト ボックス 112"/>
+          <p:cNvSpPr txBox="1"/>
+          <p:nvPr/>
+        </p:nvSpPr>
+        <p:spPr>
+          <a:xfrm>
+            <a:off x="2602523" y="1479477"/>
+            <a:ext cx="6234137" cy="523220"/>
+          </a:xfrm>
+          <a:prstGeom prst="rect">
+            <a:avLst/>
+          </a:prstGeom>
+          <a:noFill/>
+        </p:spPr>
+        <p:txBody>
+          <a:bodyPr wrap="square" rtlCol="0">
+            <a:spAutoFit/>
+          </a:bodyPr>
+          <a:lstStyle/>
+          <a:p>
+            <a:r>
+              <a:rPr kumimoji="1" lang="ja-JP" altLang="en-US" sz="2800" b="1" u="sng" dirty="0" smtClean="0">
+                <a:ln>
+                  <a:solidFill>
+                    <a:srgbClr val="00B0F0"/>
+                  </a:solidFill>
+                </a:ln>
+                <a:solidFill>
+                  <a:srgbClr val="FF0000"/>
+                </a:solidFill>
+              </a:rPr>
+              <a:t>研究活動のライフサイクルを</a:t>
+            </a:r>
+            <a:r>
+              <a:rPr lang="ja-JP" altLang="en-US" sz="2800" b="1" u="sng" dirty="0" smtClean="0">
+                <a:ln>
+                  <a:solidFill>
+                    <a:srgbClr val="00B0F0"/>
+                  </a:solidFill>
+                </a:ln>
+                <a:solidFill>
+                  <a:srgbClr val="FF0000"/>
+                </a:solidFill>
+              </a:rPr>
+              <a:t>自動化</a:t>
+            </a:r>
+            <a:r>
+              <a:rPr lang="ja-JP" altLang="en-US" sz="2800" b="1" u="sng" dirty="0">
+                <a:ln>
+                  <a:solidFill>
+                    <a:srgbClr val="00B0F0"/>
+                  </a:solidFill>
+                </a:ln>
+                <a:solidFill>
+                  <a:srgbClr val="FF0000"/>
+                </a:solidFill>
+              </a:rPr>
+              <a:t>する</a:t>
+            </a:r>
+            <a:endParaRPr kumimoji="1" lang="ja-JP" altLang="en-US" sz="2800" b="1" u="sng" dirty="0">
+              <a:ln>
+                <a:solidFill>
+                  <a:srgbClr val="00B0F0"/>
+                </a:solidFill>
+              </a:ln>
+              <a:solidFill>
+                <a:srgbClr val="FF0000"/>
+              </a:solidFill>
+            </a:endParaRPr>
           </a:p>
         </p:txBody>
       </p:sp>
@@ -16871,9 +19370,1316 @@
   <p:timing>
     <p:tnLst>
       <p:par>
-        <p:cTn id="1" dur="indefinite" restart="never" nodeType="tmRoot"/>
+        <p:cTn id="1" dur="indefinite" restart="never" nodeType="tmRoot">
+          <p:childTnLst>
+            <p:seq concurrent="1" nextAc="seek">
+              <p:cTn id="2" dur="indefinite" nodeType="mainSeq">
+                <p:childTnLst>
+                  <p:par>
+                    <p:cTn id="3" fill="hold">
+                      <p:stCondLst>
+                        <p:cond delay="indefinite"/>
+                      </p:stCondLst>
+                      <p:childTnLst>
+                        <p:par>
+                          <p:cTn id="4" fill="hold">
+                            <p:stCondLst>
+                              <p:cond delay="0"/>
+                            </p:stCondLst>
+                            <p:childTnLst>
+                              <p:par>
+                                <p:cTn id="5" presetID="2" presetClass="entr" presetSubtype="8" fill="hold" grpId="0" nodeType="clickEffect">
+                                  <p:stCondLst>
+                                    <p:cond delay="0"/>
+                                  </p:stCondLst>
+                                  <p:childTnLst>
+                                    <p:set>
+                                      <p:cBhvr>
+                                        <p:cTn id="6" dur="1" fill="hold">
+                                          <p:stCondLst>
+                                            <p:cond delay="0"/>
+                                          </p:stCondLst>
+                                        </p:cTn>
+                                        <p:tgtEl>
+                                          <p:spTgt spid="11"/>
+                                        </p:tgtEl>
+                                        <p:attrNameLst>
+                                          <p:attrName>style.visibility</p:attrName>
+                                        </p:attrNameLst>
+                                      </p:cBhvr>
+                                      <p:to>
+                                        <p:strVal val="visible"/>
+                                      </p:to>
+                                    </p:set>
+                                    <p:anim calcmode="lin" valueType="num">
+                                      <p:cBhvr additive="base">
+                                        <p:cTn id="7" dur="500" fill="hold"/>
+                                        <p:tgtEl>
+                                          <p:spTgt spid="11"/>
+                                        </p:tgtEl>
+                                        <p:attrNameLst>
+                                          <p:attrName>ppt_x</p:attrName>
+                                        </p:attrNameLst>
+                                      </p:cBhvr>
+                                      <p:tavLst>
+                                        <p:tav tm="0">
+                                          <p:val>
+                                            <p:strVal val="0-#ppt_w/2"/>
+                                          </p:val>
+                                        </p:tav>
+                                        <p:tav tm="100000">
+                                          <p:val>
+                                            <p:strVal val="#ppt_x"/>
+                                          </p:val>
+                                        </p:tav>
+                                      </p:tavLst>
+                                    </p:anim>
+                                    <p:anim calcmode="lin" valueType="num">
+                                      <p:cBhvr additive="base">
+                                        <p:cTn id="8" dur="500" fill="hold"/>
+                                        <p:tgtEl>
+                                          <p:spTgt spid="11"/>
+                                        </p:tgtEl>
+                                        <p:attrNameLst>
+                                          <p:attrName>ppt_y</p:attrName>
+                                        </p:attrNameLst>
+                                      </p:cBhvr>
+                                      <p:tavLst>
+                                        <p:tav tm="0">
+                                          <p:val>
+                                            <p:strVal val="#ppt_y"/>
+                                          </p:val>
+                                        </p:tav>
+                                        <p:tav tm="100000">
+                                          <p:val>
+                                            <p:strVal val="#ppt_y"/>
+                                          </p:val>
+                                        </p:tav>
+                                      </p:tavLst>
+                                    </p:anim>
+                                  </p:childTnLst>
+                                </p:cTn>
+                              </p:par>
+                            </p:childTnLst>
+                          </p:cTn>
+                        </p:par>
+                        <p:par>
+                          <p:cTn id="9" fill="hold">
+                            <p:stCondLst>
+                              <p:cond delay="500"/>
+                            </p:stCondLst>
+                            <p:childTnLst>
+                              <p:par>
+                                <p:cTn id="10" presetID="4" presetClass="entr" presetSubtype="16" fill="hold" nodeType="afterEffect">
+                                  <p:stCondLst>
+                                    <p:cond delay="0"/>
+                                  </p:stCondLst>
+                                  <p:childTnLst>
+                                    <p:set>
+                                      <p:cBhvr>
+                                        <p:cTn id="11" dur="1" fill="hold">
+                                          <p:stCondLst>
+                                            <p:cond delay="0"/>
+                                          </p:stCondLst>
+                                        </p:cTn>
+                                        <p:tgtEl>
+                                          <p:spTgt spid="21"/>
+                                        </p:tgtEl>
+                                        <p:attrNameLst>
+                                          <p:attrName>style.visibility</p:attrName>
+                                        </p:attrNameLst>
+                                      </p:cBhvr>
+                                      <p:to>
+                                        <p:strVal val="visible"/>
+                                      </p:to>
+                                    </p:set>
+                                    <p:animEffect transition="in" filter="box(in)">
+                                      <p:cBhvr>
+                                        <p:cTn id="12" dur="500"/>
+                                        <p:tgtEl>
+                                          <p:spTgt spid="21"/>
+                                        </p:tgtEl>
+                                      </p:cBhvr>
+                                    </p:animEffect>
+                                  </p:childTnLst>
+                                </p:cTn>
+                              </p:par>
+                            </p:childTnLst>
+                          </p:cTn>
+                        </p:par>
+                      </p:childTnLst>
+                    </p:cTn>
+                  </p:par>
+                  <p:par>
+                    <p:cTn id="13" fill="hold">
+                      <p:stCondLst>
+                        <p:cond delay="indefinite"/>
+                      </p:stCondLst>
+                      <p:childTnLst>
+                        <p:par>
+                          <p:cTn id="14" fill="hold">
+                            <p:stCondLst>
+                              <p:cond delay="0"/>
+                            </p:stCondLst>
+                            <p:childTnLst>
+                              <p:par>
+                                <p:cTn id="15" presetID="2" presetClass="entr" presetSubtype="8" fill="hold" grpId="0" nodeType="clickEffect">
+                                  <p:stCondLst>
+                                    <p:cond delay="0"/>
+                                  </p:stCondLst>
+                                  <p:childTnLst>
+                                    <p:set>
+                                      <p:cBhvr>
+                                        <p:cTn id="16" dur="1" fill="hold">
+                                          <p:stCondLst>
+                                            <p:cond delay="0"/>
+                                          </p:stCondLst>
+                                        </p:cTn>
+                                        <p:tgtEl>
+                                          <p:spTgt spid="12"/>
+                                        </p:tgtEl>
+                                        <p:attrNameLst>
+                                          <p:attrName>style.visibility</p:attrName>
+                                        </p:attrNameLst>
+                                      </p:cBhvr>
+                                      <p:to>
+                                        <p:strVal val="visible"/>
+                                      </p:to>
+                                    </p:set>
+                                    <p:anim calcmode="lin" valueType="num">
+                                      <p:cBhvr additive="base">
+                                        <p:cTn id="17" dur="500" fill="hold"/>
+                                        <p:tgtEl>
+                                          <p:spTgt spid="12"/>
+                                        </p:tgtEl>
+                                        <p:attrNameLst>
+                                          <p:attrName>ppt_x</p:attrName>
+                                        </p:attrNameLst>
+                                      </p:cBhvr>
+                                      <p:tavLst>
+                                        <p:tav tm="0">
+                                          <p:val>
+                                            <p:strVal val="0-#ppt_w/2"/>
+                                          </p:val>
+                                        </p:tav>
+                                        <p:tav tm="100000">
+                                          <p:val>
+                                            <p:strVal val="#ppt_x"/>
+                                          </p:val>
+                                        </p:tav>
+                                      </p:tavLst>
+                                    </p:anim>
+                                    <p:anim calcmode="lin" valueType="num">
+                                      <p:cBhvr additive="base">
+                                        <p:cTn id="18" dur="500" fill="hold"/>
+                                        <p:tgtEl>
+                                          <p:spTgt spid="12"/>
+                                        </p:tgtEl>
+                                        <p:attrNameLst>
+                                          <p:attrName>ppt_y</p:attrName>
+                                        </p:attrNameLst>
+                                      </p:cBhvr>
+                                      <p:tavLst>
+                                        <p:tav tm="0">
+                                          <p:val>
+                                            <p:strVal val="#ppt_y"/>
+                                          </p:val>
+                                        </p:tav>
+                                        <p:tav tm="100000">
+                                          <p:val>
+                                            <p:strVal val="#ppt_y"/>
+                                          </p:val>
+                                        </p:tav>
+                                      </p:tavLst>
+                                    </p:anim>
+                                  </p:childTnLst>
+                                </p:cTn>
+                              </p:par>
+                            </p:childTnLst>
+                          </p:cTn>
+                        </p:par>
+                        <p:par>
+                          <p:cTn id="19" fill="hold">
+                            <p:stCondLst>
+                              <p:cond delay="500"/>
+                            </p:stCondLst>
+                            <p:childTnLst>
+                              <p:par>
+                                <p:cTn id="20" presetID="4" presetClass="entr" presetSubtype="16" fill="hold" nodeType="afterEffect">
+                                  <p:stCondLst>
+                                    <p:cond delay="0"/>
+                                  </p:stCondLst>
+                                  <p:childTnLst>
+                                    <p:set>
+                                      <p:cBhvr>
+                                        <p:cTn id="21" dur="1" fill="hold">
+                                          <p:stCondLst>
+                                            <p:cond delay="0"/>
+                                          </p:stCondLst>
+                                        </p:cTn>
+                                        <p:tgtEl>
+                                          <p:spTgt spid="23"/>
+                                        </p:tgtEl>
+                                        <p:attrNameLst>
+                                          <p:attrName>style.visibility</p:attrName>
+                                        </p:attrNameLst>
+                                      </p:cBhvr>
+                                      <p:to>
+                                        <p:strVal val="visible"/>
+                                      </p:to>
+                                    </p:set>
+                                    <p:animEffect transition="in" filter="box(in)">
+                                      <p:cBhvr>
+                                        <p:cTn id="22" dur="500"/>
+                                        <p:tgtEl>
+                                          <p:spTgt spid="23"/>
+                                        </p:tgtEl>
+                                      </p:cBhvr>
+                                    </p:animEffect>
+                                  </p:childTnLst>
+                                </p:cTn>
+                              </p:par>
+                            </p:childTnLst>
+                          </p:cTn>
+                        </p:par>
+                      </p:childTnLst>
+                    </p:cTn>
+                  </p:par>
+                  <p:par>
+                    <p:cTn id="23" fill="hold">
+                      <p:stCondLst>
+                        <p:cond delay="indefinite"/>
+                      </p:stCondLst>
+                      <p:childTnLst>
+                        <p:par>
+                          <p:cTn id="24" fill="hold">
+                            <p:stCondLst>
+                              <p:cond delay="0"/>
+                            </p:stCondLst>
+                            <p:childTnLst>
+                              <p:par>
+                                <p:cTn id="25" presetID="2" presetClass="entr" presetSubtype="8" fill="hold" grpId="0" nodeType="clickEffect">
+                                  <p:stCondLst>
+                                    <p:cond delay="0"/>
+                                  </p:stCondLst>
+                                  <p:childTnLst>
+                                    <p:set>
+                                      <p:cBhvr>
+                                        <p:cTn id="26" dur="1" fill="hold">
+                                          <p:stCondLst>
+                                            <p:cond delay="0"/>
+                                          </p:stCondLst>
+                                        </p:cTn>
+                                        <p:tgtEl>
+                                          <p:spTgt spid="13"/>
+                                        </p:tgtEl>
+                                        <p:attrNameLst>
+                                          <p:attrName>style.visibility</p:attrName>
+                                        </p:attrNameLst>
+                                      </p:cBhvr>
+                                      <p:to>
+                                        <p:strVal val="visible"/>
+                                      </p:to>
+                                    </p:set>
+                                    <p:anim calcmode="lin" valueType="num">
+                                      <p:cBhvr additive="base">
+                                        <p:cTn id="27" dur="500" fill="hold"/>
+                                        <p:tgtEl>
+                                          <p:spTgt spid="13"/>
+                                        </p:tgtEl>
+                                        <p:attrNameLst>
+                                          <p:attrName>ppt_x</p:attrName>
+                                        </p:attrNameLst>
+                                      </p:cBhvr>
+                                      <p:tavLst>
+                                        <p:tav tm="0">
+                                          <p:val>
+                                            <p:strVal val="0-#ppt_w/2"/>
+                                          </p:val>
+                                        </p:tav>
+                                        <p:tav tm="100000">
+                                          <p:val>
+                                            <p:strVal val="#ppt_x"/>
+                                          </p:val>
+                                        </p:tav>
+                                      </p:tavLst>
+                                    </p:anim>
+                                    <p:anim calcmode="lin" valueType="num">
+                                      <p:cBhvr additive="base">
+                                        <p:cTn id="28" dur="500" fill="hold"/>
+                                        <p:tgtEl>
+                                          <p:spTgt spid="13"/>
+                                        </p:tgtEl>
+                                        <p:attrNameLst>
+                                          <p:attrName>ppt_y</p:attrName>
+                                        </p:attrNameLst>
+                                      </p:cBhvr>
+                                      <p:tavLst>
+                                        <p:tav tm="0">
+                                          <p:val>
+                                            <p:strVal val="#ppt_y"/>
+                                          </p:val>
+                                        </p:tav>
+                                        <p:tav tm="100000">
+                                          <p:val>
+                                            <p:strVal val="#ppt_y"/>
+                                          </p:val>
+                                        </p:tav>
+                                      </p:tavLst>
+                                    </p:anim>
+                                  </p:childTnLst>
+                                </p:cTn>
+                              </p:par>
+                            </p:childTnLst>
+                          </p:cTn>
+                        </p:par>
+                        <p:par>
+                          <p:cTn id="29" fill="hold">
+                            <p:stCondLst>
+                              <p:cond delay="500"/>
+                            </p:stCondLst>
+                            <p:childTnLst>
+                              <p:par>
+                                <p:cTn id="30" presetID="4" presetClass="entr" presetSubtype="16" fill="hold" nodeType="afterEffect">
+                                  <p:stCondLst>
+                                    <p:cond delay="0"/>
+                                  </p:stCondLst>
+                                  <p:childTnLst>
+                                    <p:set>
+                                      <p:cBhvr>
+                                        <p:cTn id="31" dur="1" fill="hold">
+                                          <p:stCondLst>
+                                            <p:cond delay="0"/>
+                                          </p:stCondLst>
+                                        </p:cTn>
+                                        <p:tgtEl>
+                                          <p:spTgt spid="25"/>
+                                        </p:tgtEl>
+                                        <p:attrNameLst>
+                                          <p:attrName>style.visibility</p:attrName>
+                                        </p:attrNameLst>
+                                      </p:cBhvr>
+                                      <p:to>
+                                        <p:strVal val="visible"/>
+                                      </p:to>
+                                    </p:set>
+                                    <p:animEffect transition="in" filter="box(in)">
+                                      <p:cBhvr>
+                                        <p:cTn id="32" dur="500"/>
+                                        <p:tgtEl>
+                                          <p:spTgt spid="25"/>
+                                        </p:tgtEl>
+                                      </p:cBhvr>
+                                    </p:animEffect>
+                                  </p:childTnLst>
+                                </p:cTn>
+                              </p:par>
+                            </p:childTnLst>
+                          </p:cTn>
+                        </p:par>
+                      </p:childTnLst>
+                    </p:cTn>
+                  </p:par>
+                  <p:par>
+                    <p:cTn id="33" fill="hold">
+                      <p:stCondLst>
+                        <p:cond delay="indefinite"/>
+                      </p:stCondLst>
+                      <p:childTnLst>
+                        <p:par>
+                          <p:cTn id="34" fill="hold">
+                            <p:stCondLst>
+                              <p:cond delay="0"/>
+                            </p:stCondLst>
+                            <p:childTnLst>
+                              <p:par>
+                                <p:cTn id="35" presetID="2" presetClass="entr" presetSubtype="8" fill="hold" grpId="0" nodeType="clickEffect">
+                                  <p:stCondLst>
+                                    <p:cond delay="0"/>
+                                  </p:stCondLst>
+                                  <p:childTnLst>
+                                    <p:set>
+                                      <p:cBhvr>
+                                        <p:cTn id="36" dur="1" fill="hold">
+                                          <p:stCondLst>
+                                            <p:cond delay="0"/>
+                                          </p:stCondLst>
+                                        </p:cTn>
+                                        <p:tgtEl>
+                                          <p:spTgt spid="14"/>
+                                        </p:tgtEl>
+                                        <p:attrNameLst>
+                                          <p:attrName>style.visibility</p:attrName>
+                                        </p:attrNameLst>
+                                      </p:cBhvr>
+                                      <p:to>
+                                        <p:strVal val="visible"/>
+                                      </p:to>
+                                    </p:set>
+                                    <p:anim calcmode="lin" valueType="num">
+                                      <p:cBhvr additive="base">
+                                        <p:cTn id="37" dur="500" fill="hold"/>
+                                        <p:tgtEl>
+                                          <p:spTgt spid="14"/>
+                                        </p:tgtEl>
+                                        <p:attrNameLst>
+                                          <p:attrName>ppt_x</p:attrName>
+                                        </p:attrNameLst>
+                                      </p:cBhvr>
+                                      <p:tavLst>
+                                        <p:tav tm="0">
+                                          <p:val>
+                                            <p:strVal val="0-#ppt_w/2"/>
+                                          </p:val>
+                                        </p:tav>
+                                        <p:tav tm="100000">
+                                          <p:val>
+                                            <p:strVal val="#ppt_x"/>
+                                          </p:val>
+                                        </p:tav>
+                                      </p:tavLst>
+                                    </p:anim>
+                                    <p:anim calcmode="lin" valueType="num">
+                                      <p:cBhvr additive="base">
+                                        <p:cTn id="38" dur="500" fill="hold"/>
+                                        <p:tgtEl>
+                                          <p:spTgt spid="14"/>
+                                        </p:tgtEl>
+                                        <p:attrNameLst>
+                                          <p:attrName>ppt_y</p:attrName>
+                                        </p:attrNameLst>
+                                      </p:cBhvr>
+                                      <p:tavLst>
+                                        <p:tav tm="0">
+                                          <p:val>
+                                            <p:strVal val="#ppt_y"/>
+                                          </p:val>
+                                        </p:tav>
+                                        <p:tav tm="100000">
+                                          <p:val>
+                                            <p:strVal val="#ppt_y"/>
+                                          </p:val>
+                                        </p:tav>
+                                      </p:tavLst>
+                                    </p:anim>
+                                  </p:childTnLst>
+                                </p:cTn>
+                              </p:par>
+                            </p:childTnLst>
+                          </p:cTn>
+                        </p:par>
+                        <p:par>
+                          <p:cTn id="39" fill="hold">
+                            <p:stCondLst>
+                              <p:cond delay="500"/>
+                            </p:stCondLst>
+                            <p:childTnLst>
+                              <p:par>
+                                <p:cTn id="40" presetID="4" presetClass="entr" presetSubtype="16" fill="hold" nodeType="afterEffect">
+                                  <p:stCondLst>
+                                    <p:cond delay="0"/>
+                                  </p:stCondLst>
+                                  <p:childTnLst>
+                                    <p:set>
+                                      <p:cBhvr>
+                                        <p:cTn id="41" dur="1" fill="hold">
+                                          <p:stCondLst>
+                                            <p:cond delay="0"/>
+                                          </p:stCondLst>
+                                        </p:cTn>
+                                        <p:tgtEl>
+                                          <p:spTgt spid="29"/>
+                                        </p:tgtEl>
+                                        <p:attrNameLst>
+                                          <p:attrName>style.visibility</p:attrName>
+                                        </p:attrNameLst>
+                                      </p:cBhvr>
+                                      <p:to>
+                                        <p:strVal val="visible"/>
+                                      </p:to>
+                                    </p:set>
+                                    <p:animEffect transition="in" filter="box(in)">
+                                      <p:cBhvr>
+                                        <p:cTn id="42" dur="500"/>
+                                        <p:tgtEl>
+                                          <p:spTgt spid="29"/>
+                                        </p:tgtEl>
+                                      </p:cBhvr>
+                                    </p:animEffect>
+                                  </p:childTnLst>
+                                </p:cTn>
+                              </p:par>
+                            </p:childTnLst>
+                          </p:cTn>
+                        </p:par>
+                      </p:childTnLst>
+                    </p:cTn>
+                  </p:par>
+                  <p:par>
+                    <p:cTn id="43" fill="hold">
+                      <p:stCondLst>
+                        <p:cond delay="indefinite"/>
+                      </p:stCondLst>
+                      <p:childTnLst>
+                        <p:par>
+                          <p:cTn id="44" fill="hold">
+                            <p:stCondLst>
+                              <p:cond delay="0"/>
+                            </p:stCondLst>
+                            <p:childTnLst>
+                              <p:par>
+                                <p:cTn id="45" presetID="2" presetClass="entr" presetSubtype="8" fill="hold" grpId="0" nodeType="clickEffect">
+                                  <p:stCondLst>
+                                    <p:cond delay="0"/>
+                                  </p:stCondLst>
+                                  <p:childTnLst>
+                                    <p:set>
+                                      <p:cBhvr>
+                                        <p:cTn id="46" dur="1" fill="hold">
+                                          <p:stCondLst>
+                                            <p:cond delay="0"/>
+                                          </p:stCondLst>
+                                        </p:cTn>
+                                        <p:tgtEl>
+                                          <p:spTgt spid="15"/>
+                                        </p:tgtEl>
+                                        <p:attrNameLst>
+                                          <p:attrName>style.visibility</p:attrName>
+                                        </p:attrNameLst>
+                                      </p:cBhvr>
+                                      <p:to>
+                                        <p:strVal val="visible"/>
+                                      </p:to>
+                                    </p:set>
+                                    <p:anim calcmode="lin" valueType="num">
+                                      <p:cBhvr additive="base">
+                                        <p:cTn id="47" dur="500" fill="hold"/>
+                                        <p:tgtEl>
+                                          <p:spTgt spid="15"/>
+                                        </p:tgtEl>
+                                        <p:attrNameLst>
+                                          <p:attrName>ppt_x</p:attrName>
+                                        </p:attrNameLst>
+                                      </p:cBhvr>
+                                      <p:tavLst>
+                                        <p:tav tm="0">
+                                          <p:val>
+                                            <p:strVal val="0-#ppt_w/2"/>
+                                          </p:val>
+                                        </p:tav>
+                                        <p:tav tm="100000">
+                                          <p:val>
+                                            <p:strVal val="#ppt_x"/>
+                                          </p:val>
+                                        </p:tav>
+                                      </p:tavLst>
+                                    </p:anim>
+                                    <p:anim calcmode="lin" valueType="num">
+                                      <p:cBhvr additive="base">
+                                        <p:cTn id="48" dur="500" fill="hold"/>
+                                        <p:tgtEl>
+                                          <p:spTgt spid="15"/>
+                                        </p:tgtEl>
+                                        <p:attrNameLst>
+                                          <p:attrName>ppt_y</p:attrName>
+                                        </p:attrNameLst>
+                                      </p:cBhvr>
+                                      <p:tavLst>
+                                        <p:tav tm="0">
+                                          <p:val>
+                                            <p:strVal val="#ppt_y"/>
+                                          </p:val>
+                                        </p:tav>
+                                        <p:tav tm="100000">
+                                          <p:val>
+                                            <p:strVal val="#ppt_y"/>
+                                          </p:val>
+                                        </p:tav>
+                                      </p:tavLst>
+                                    </p:anim>
+                                  </p:childTnLst>
+                                </p:cTn>
+                              </p:par>
+                            </p:childTnLst>
+                          </p:cTn>
+                        </p:par>
+                        <p:par>
+                          <p:cTn id="49" fill="hold">
+                            <p:stCondLst>
+                              <p:cond delay="500"/>
+                            </p:stCondLst>
+                            <p:childTnLst>
+                              <p:par>
+                                <p:cTn id="50" presetID="4" presetClass="entr" presetSubtype="16" fill="hold" nodeType="afterEffect">
+                                  <p:stCondLst>
+                                    <p:cond delay="0"/>
+                                  </p:stCondLst>
+                                  <p:childTnLst>
+                                    <p:set>
+                                      <p:cBhvr>
+                                        <p:cTn id="51" dur="1" fill="hold">
+                                          <p:stCondLst>
+                                            <p:cond delay="0"/>
+                                          </p:stCondLst>
+                                        </p:cTn>
+                                        <p:tgtEl>
+                                          <p:spTgt spid="31"/>
+                                        </p:tgtEl>
+                                        <p:attrNameLst>
+                                          <p:attrName>style.visibility</p:attrName>
+                                        </p:attrNameLst>
+                                      </p:cBhvr>
+                                      <p:to>
+                                        <p:strVal val="visible"/>
+                                      </p:to>
+                                    </p:set>
+                                    <p:animEffect transition="in" filter="box(in)">
+                                      <p:cBhvr>
+                                        <p:cTn id="52" dur="500"/>
+                                        <p:tgtEl>
+                                          <p:spTgt spid="31"/>
+                                        </p:tgtEl>
+                                      </p:cBhvr>
+                                    </p:animEffect>
+                                  </p:childTnLst>
+                                </p:cTn>
+                              </p:par>
+                            </p:childTnLst>
+                          </p:cTn>
+                        </p:par>
+                      </p:childTnLst>
+                    </p:cTn>
+                  </p:par>
+                  <p:par>
+                    <p:cTn id="53" fill="hold">
+                      <p:stCondLst>
+                        <p:cond delay="indefinite"/>
+                      </p:stCondLst>
+                      <p:childTnLst>
+                        <p:par>
+                          <p:cTn id="54" fill="hold">
+                            <p:stCondLst>
+                              <p:cond delay="0"/>
+                            </p:stCondLst>
+                            <p:childTnLst>
+                              <p:par>
+                                <p:cTn id="55" presetID="10" presetClass="entr" presetSubtype="0" fill="hold" grpId="0" nodeType="clickEffect">
+                                  <p:stCondLst>
+                                    <p:cond delay="0"/>
+                                  </p:stCondLst>
+                                  <p:childTnLst>
+                                    <p:set>
+                                      <p:cBhvr>
+                                        <p:cTn id="56" dur="1" fill="hold">
+                                          <p:stCondLst>
+                                            <p:cond delay="0"/>
+                                          </p:stCondLst>
+                                        </p:cTn>
+                                        <p:tgtEl>
+                                          <p:spTgt spid="16"/>
+                                        </p:tgtEl>
+                                        <p:attrNameLst>
+                                          <p:attrName>style.visibility</p:attrName>
+                                        </p:attrNameLst>
+                                      </p:cBhvr>
+                                      <p:to>
+                                        <p:strVal val="visible"/>
+                                      </p:to>
+                                    </p:set>
+                                    <p:animEffect transition="in" filter="fade">
+                                      <p:cBhvr>
+                                        <p:cTn id="57" dur="500"/>
+                                        <p:tgtEl>
+                                          <p:spTgt spid="16"/>
+                                        </p:tgtEl>
+                                      </p:cBhvr>
+                                    </p:animEffect>
+                                  </p:childTnLst>
+                                </p:cTn>
+                              </p:par>
+                            </p:childTnLst>
+                          </p:cTn>
+                        </p:par>
+                        <p:par>
+                          <p:cTn id="58" fill="hold">
+                            <p:stCondLst>
+                              <p:cond delay="500"/>
+                            </p:stCondLst>
+                            <p:childTnLst>
+                              <p:par>
+                                <p:cTn id="59" presetID="4" presetClass="entr" presetSubtype="16" fill="hold" nodeType="afterEffect">
+                                  <p:stCondLst>
+                                    <p:cond delay="0"/>
+                                  </p:stCondLst>
+                                  <p:childTnLst>
+                                    <p:set>
+                                      <p:cBhvr>
+                                        <p:cTn id="60" dur="1" fill="hold">
+                                          <p:stCondLst>
+                                            <p:cond delay="0"/>
+                                          </p:stCondLst>
+                                        </p:cTn>
+                                        <p:tgtEl>
+                                          <p:spTgt spid="35"/>
+                                        </p:tgtEl>
+                                        <p:attrNameLst>
+                                          <p:attrName>style.visibility</p:attrName>
+                                        </p:attrNameLst>
+                                      </p:cBhvr>
+                                      <p:to>
+                                        <p:strVal val="visible"/>
+                                      </p:to>
+                                    </p:set>
+                                    <p:animEffect transition="in" filter="box(in)">
+                                      <p:cBhvr>
+                                        <p:cTn id="61" dur="500"/>
+                                        <p:tgtEl>
+                                          <p:spTgt spid="35"/>
+                                        </p:tgtEl>
+                                      </p:cBhvr>
+                                    </p:animEffect>
+                                  </p:childTnLst>
+                                </p:cTn>
+                              </p:par>
+                            </p:childTnLst>
+                          </p:cTn>
+                        </p:par>
+                        <p:par>
+                          <p:cTn id="62" fill="hold">
+                            <p:stCondLst>
+                              <p:cond delay="1000"/>
+                            </p:stCondLst>
+                            <p:childTnLst>
+                              <p:par>
+                                <p:cTn id="63" presetID="10" presetClass="entr" presetSubtype="0" fill="hold" grpId="0" nodeType="afterEffect">
+                                  <p:stCondLst>
+                                    <p:cond delay="0"/>
+                                  </p:stCondLst>
+                                  <p:childTnLst>
+                                    <p:set>
+                                      <p:cBhvr>
+                                        <p:cTn id="64" dur="1" fill="hold">
+                                          <p:stCondLst>
+                                            <p:cond delay="0"/>
+                                          </p:stCondLst>
+                                        </p:cTn>
+                                        <p:tgtEl>
+                                          <p:spTgt spid="19"/>
+                                        </p:tgtEl>
+                                        <p:attrNameLst>
+                                          <p:attrName>style.visibility</p:attrName>
+                                        </p:attrNameLst>
+                                      </p:cBhvr>
+                                      <p:to>
+                                        <p:strVal val="visible"/>
+                                      </p:to>
+                                    </p:set>
+                                    <p:animEffect transition="in" filter="fade">
+                                      <p:cBhvr>
+                                        <p:cTn id="65" dur="500"/>
+                                        <p:tgtEl>
+                                          <p:spTgt spid="19"/>
+                                        </p:tgtEl>
+                                      </p:cBhvr>
+                                    </p:animEffect>
+                                  </p:childTnLst>
+                                </p:cTn>
+                              </p:par>
+                            </p:childTnLst>
+                          </p:cTn>
+                        </p:par>
+                        <p:par>
+                          <p:cTn id="66" fill="hold">
+                            <p:stCondLst>
+                              <p:cond delay="1500"/>
+                            </p:stCondLst>
+                            <p:childTnLst>
+                              <p:par>
+                                <p:cTn id="67" presetID="4" presetClass="entr" presetSubtype="16" fill="hold" nodeType="afterEffect">
+                                  <p:stCondLst>
+                                    <p:cond delay="0"/>
+                                  </p:stCondLst>
+                                  <p:childTnLst>
+                                    <p:set>
+                                      <p:cBhvr>
+                                        <p:cTn id="68" dur="1" fill="hold">
+                                          <p:stCondLst>
+                                            <p:cond delay="0"/>
+                                          </p:stCondLst>
+                                        </p:cTn>
+                                        <p:tgtEl>
+                                          <p:spTgt spid="37"/>
+                                        </p:tgtEl>
+                                        <p:attrNameLst>
+                                          <p:attrName>style.visibility</p:attrName>
+                                        </p:attrNameLst>
+                                      </p:cBhvr>
+                                      <p:to>
+                                        <p:strVal val="visible"/>
+                                      </p:to>
+                                    </p:set>
+                                    <p:animEffect transition="in" filter="box(in)">
+                                      <p:cBhvr>
+                                        <p:cTn id="69" dur="500"/>
+                                        <p:tgtEl>
+                                          <p:spTgt spid="37"/>
+                                        </p:tgtEl>
+                                      </p:cBhvr>
+                                    </p:animEffect>
+                                  </p:childTnLst>
+                                </p:cTn>
+                              </p:par>
+                            </p:childTnLst>
+                          </p:cTn>
+                        </p:par>
+                        <p:par>
+                          <p:cTn id="70" fill="hold">
+                            <p:stCondLst>
+                              <p:cond delay="2000"/>
+                            </p:stCondLst>
+                            <p:childTnLst>
+                              <p:par>
+                                <p:cTn id="71" presetID="4" presetClass="entr" presetSubtype="16" fill="hold" nodeType="afterEffect">
+                                  <p:stCondLst>
+                                    <p:cond delay="0"/>
+                                  </p:stCondLst>
+                                  <p:childTnLst>
+                                    <p:set>
+                                      <p:cBhvr>
+                                        <p:cTn id="72" dur="1" fill="hold">
+                                          <p:stCondLst>
+                                            <p:cond delay="0"/>
+                                          </p:stCondLst>
+                                        </p:cTn>
+                                        <p:tgtEl>
+                                          <p:spTgt spid="33"/>
+                                        </p:tgtEl>
+                                        <p:attrNameLst>
+                                          <p:attrName>style.visibility</p:attrName>
+                                        </p:attrNameLst>
+                                      </p:cBhvr>
+                                      <p:to>
+                                        <p:strVal val="visible"/>
+                                      </p:to>
+                                    </p:set>
+                                    <p:animEffect transition="in" filter="box(in)">
+                                      <p:cBhvr>
+                                        <p:cTn id="73" dur="500"/>
+                                        <p:tgtEl>
+                                          <p:spTgt spid="33"/>
+                                        </p:tgtEl>
+                                      </p:cBhvr>
+                                    </p:animEffect>
+                                  </p:childTnLst>
+                                </p:cTn>
+                              </p:par>
+                            </p:childTnLst>
+                          </p:cTn>
+                        </p:par>
+                        <p:par>
+                          <p:cTn id="74" fill="hold">
+                            <p:stCondLst>
+                              <p:cond delay="2500"/>
+                            </p:stCondLst>
+                            <p:childTnLst>
+                              <p:par>
+                                <p:cTn id="75" presetID="10" presetClass="entr" presetSubtype="0" fill="hold" grpId="0" nodeType="afterEffect">
+                                  <p:stCondLst>
+                                    <p:cond delay="0"/>
+                                  </p:stCondLst>
+                                  <p:childTnLst>
+                                    <p:set>
+                                      <p:cBhvr>
+                                        <p:cTn id="76" dur="1" fill="hold">
+                                          <p:stCondLst>
+                                            <p:cond delay="0"/>
+                                          </p:stCondLst>
+                                        </p:cTn>
+                                        <p:tgtEl>
+                                          <p:spTgt spid="17"/>
+                                        </p:tgtEl>
+                                        <p:attrNameLst>
+                                          <p:attrName>style.visibility</p:attrName>
+                                        </p:attrNameLst>
+                                      </p:cBhvr>
+                                      <p:to>
+                                        <p:strVal val="visible"/>
+                                      </p:to>
+                                    </p:set>
+                                    <p:animEffect transition="in" filter="fade">
+                                      <p:cBhvr>
+                                        <p:cTn id="77" dur="500"/>
+                                        <p:tgtEl>
+                                          <p:spTgt spid="17"/>
+                                        </p:tgtEl>
+                                      </p:cBhvr>
+                                    </p:animEffect>
+                                  </p:childTnLst>
+                                </p:cTn>
+                              </p:par>
+                            </p:childTnLst>
+                          </p:cTn>
+                        </p:par>
+                        <p:par>
+                          <p:cTn id="78" fill="hold">
+                            <p:stCondLst>
+                              <p:cond delay="3000"/>
+                            </p:stCondLst>
+                            <p:childTnLst>
+                              <p:par>
+                                <p:cTn id="79" presetID="4" presetClass="entr" presetSubtype="16" fill="hold" nodeType="afterEffect">
+                                  <p:stCondLst>
+                                    <p:cond delay="0"/>
+                                  </p:stCondLst>
+                                  <p:childTnLst>
+                                    <p:set>
+                                      <p:cBhvr>
+                                        <p:cTn id="80" dur="1" fill="hold">
+                                          <p:stCondLst>
+                                            <p:cond delay="0"/>
+                                          </p:stCondLst>
+                                        </p:cTn>
+                                        <p:tgtEl>
+                                          <p:spTgt spid="39"/>
+                                        </p:tgtEl>
+                                        <p:attrNameLst>
+                                          <p:attrName>style.visibility</p:attrName>
+                                        </p:attrNameLst>
+                                      </p:cBhvr>
+                                      <p:to>
+                                        <p:strVal val="visible"/>
+                                      </p:to>
+                                    </p:set>
+                                    <p:animEffect transition="in" filter="box(in)">
+                                      <p:cBhvr>
+                                        <p:cTn id="81" dur="500"/>
+                                        <p:tgtEl>
+                                          <p:spTgt spid="39"/>
+                                        </p:tgtEl>
+                                      </p:cBhvr>
+                                    </p:animEffect>
+                                  </p:childTnLst>
+                                </p:cTn>
+                              </p:par>
+                            </p:childTnLst>
+                          </p:cTn>
+                        </p:par>
+                        <p:par>
+                          <p:cTn id="82" fill="hold">
+                            <p:stCondLst>
+                              <p:cond delay="3500"/>
+                            </p:stCondLst>
+                            <p:childTnLst>
+                              <p:par>
+                                <p:cTn id="83" presetID="14" presetClass="entr" presetSubtype="10" fill="hold" grpId="0" nodeType="afterEffect">
+                                  <p:stCondLst>
+                                    <p:cond delay="0"/>
+                                  </p:stCondLst>
+                                  <p:childTnLst>
+                                    <p:set>
+                                      <p:cBhvr>
+                                        <p:cTn id="84" dur="1" fill="hold">
+                                          <p:stCondLst>
+                                            <p:cond delay="0"/>
+                                          </p:stCondLst>
+                                        </p:cTn>
+                                        <p:tgtEl>
+                                          <p:spTgt spid="18"/>
+                                        </p:tgtEl>
+                                        <p:attrNameLst>
+                                          <p:attrName>style.visibility</p:attrName>
+                                        </p:attrNameLst>
+                                      </p:cBhvr>
+                                      <p:to>
+                                        <p:strVal val="visible"/>
+                                      </p:to>
+                                    </p:set>
+                                    <p:animEffect transition="in" filter="randombar(horizontal)">
+                                      <p:cBhvr>
+                                        <p:cTn id="85" dur="500"/>
+                                        <p:tgtEl>
+                                          <p:spTgt spid="18"/>
+                                        </p:tgtEl>
+                                      </p:cBhvr>
+                                    </p:animEffect>
+                                  </p:childTnLst>
+                                </p:cTn>
+                              </p:par>
+                            </p:childTnLst>
+                          </p:cTn>
+                        </p:par>
+                        <p:par>
+                          <p:cTn id="86" fill="hold">
+                            <p:stCondLst>
+                              <p:cond delay="4000"/>
+                            </p:stCondLst>
+                            <p:childTnLst>
+                              <p:par>
+                                <p:cTn id="87" presetID="4" presetClass="entr" presetSubtype="16" fill="hold" nodeType="afterEffect">
+                                  <p:stCondLst>
+                                    <p:cond delay="0"/>
+                                  </p:stCondLst>
+                                  <p:childTnLst>
+                                    <p:set>
+                                      <p:cBhvr>
+                                        <p:cTn id="88" dur="1" fill="hold">
+                                          <p:stCondLst>
+                                            <p:cond delay="0"/>
+                                          </p:stCondLst>
+                                        </p:cTn>
+                                        <p:tgtEl>
+                                          <p:spTgt spid="41"/>
+                                        </p:tgtEl>
+                                        <p:attrNameLst>
+                                          <p:attrName>style.visibility</p:attrName>
+                                        </p:attrNameLst>
+                                      </p:cBhvr>
+                                      <p:to>
+                                        <p:strVal val="visible"/>
+                                      </p:to>
+                                    </p:set>
+                                    <p:animEffect transition="in" filter="box(in)">
+                                      <p:cBhvr>
+                                        <p:cTn id="89" dur="500"/>
+                                        <p:tgtEl>
+                                          <p:spTgt spid="41"/>
+                                        </p:tgtEl>
+                                      </p:cBhvr>
+                                    </p:animEffect>
+                                  </p:childTnLst>
+                                </p:cTn>
+                              </p:par>
+                            </p:childTnLst>
+                          </p:cTn>
+                        </p:par>
+                      </p:childTnLst>
+                    </p:cTn>
+                  </p:par>
+                  <p:par>
+                    <p:cTn id="90" fill="hold">
+                      <p:stCondLst>
+                        <p:cond delay="indefinite"/>
+                      </p:stCondLst>
+                      <p:childTnLst>
+                        <p:par>
+                          <p:cTn id="91" fill="hold">
+                            <p:stCondLst>
+                              <p:cond delay="0"/>
+                            </p:stCondLst>
+                            <p:childTnLst>
+                              <p:par>
+                                <p:cTn id="92" presetID="20" presetClass="entr" presetSubtype="0" fill="hold" nodeType="clickEffect">
+                                  <p:stCondLst>
+                                    <p:cond delay="0"/>
+                                  </p:stCondLst>
+                                  <p:childTnLst>
+                                    <p:set>
+                                      <p:cBhvr>
+                                        <p:cTn id="93" dur="1" fill="hold">
+                                          <p:stCondLst>
+                                            <p:cond delay="0"/>
+                                          </p:stCondLst>
+                                        </p:cTn>
+                                        <p:tgtEl>
+                                          <p:spTgt spid="95"/>
+                                        </p:tgtEl>
+                                        <p:attrNameLst>
+                                          <p:attrName>style.visibility</p:attrName>
+                                        </p:attrNameLst>
+                                      </p:cBhvr>
+                                      <p:to>
+                                        <p:strVal val="visible"/>
+                                      </p:to>
+                                    </p:set>
+                                    <p:animEffect transition="in" filter="wedge">
+                                      <p:cBhvr>
+                                        <p:cTn id="94" dur="500"/>
+                                        <p:tgtEl>
+                                          <p:spTgt spid="95"/>
+                                        </p:tgtEl>
+                                      </p:cBhvr>
+                                    </p:animEffect>
+                                  </p:childTnLst>
+                                </p:cTn>
+                              </p:par>
+                            </p:childTnLst>
+                          </p:cTn>
+                        </p:par>
+                        <p:par>
+                          <p:cTn id="95" fill="hold">
+                            <p:stCondLst>
+                              <p:cond delay="500"/>
+                            </p:stCondLst>
+                            <p:childTnLst>
+                              <p:par>
+                                <p:cTn id="96" presetID="53" presetClass="entr" presetSubtype="528" fill="hold" grpId="0" nodeType="afterEffect">
+                                  <p:stCondLst>
+                                    <p:cond delay="0"/>
+                                  </p:stCondLst>
+                                  <p:iterate type="lt">
+                                    <p:tmPct val="10000"/>
+                                  </p:iterate>
+                                  <p:childTnLst>
+                                    <p:set>
+                                      <p:cBhvr>
+                                        <p:cTn id="97" dur="1" fill="hold">
+                                          <p:stCondLst>
+                                            <p:cond delay="0"/>
+                                          </p:stCondLst>
+                                        </p:cTn>
+                                        <p:tgtEl>
+                                          <p:spTgt spid="113"/>
+                                        </p:tgtEl>
+                                        <p:attrNameLst>
+                                          <p:attrName>style.visibility</p:attrName>
+                                        </p:attrNameLst>
+                                      </p:cBhvr>
+                                      <p:to>
+                                        <p:strVal val="visible"/>
+                                      </p:to>
+                                    </p:set>
+                                    <p:anim calcmode="lin" valueType="num">
+                                      <p:cBhvr>
+                                        <p:cTn id="98" dur="500" fill="hold"/>
+                                        <p:tgtEl>
+                                          <p:spTgt spid="113"/>
+                                        </p:tgtEl>
+                                        <p:attrNameLst>
+                                          <p:attrName>ppt_w</p:attrName>
+                                        </p:attrNameLst>
+                                      </p:cBhvr>
+                                      <p:tavLst>
+                                        <p:tav tm="0">
+                                          <p:val>
+                                            <p:fltVal val="0"/>
+                                          </p:val>
+                                        </p:tav>
+                                        <p:tav tm="100000">
+                                          <p:val>
+                                            <p:strVal val="#ppt_w"/>
+                                          </p:val>
+                                        </p:tav>
+                                      </p:tavLst>
+                                    </p:anim>
+                                    <p:anim calcmode="lin" valueType="num">
+                                      <p:cBhvr>
+                                        <p:cTn id="99" dur="500" fill="hold"/>
+                                        <p:tgtEl>
+                                          <p:spTgt spid="113"/>
+                                        </p:tgtEl>
+                                        <p:attrNameLst>
+                                          <p:attrName>ppt_h</p:attrName>
+                                        </p:attrNameLst>
+                                      </p:cBhvr>
+                                      <p:tavLst>
+                                        <p:tav tm="0">
+                                          <p:val>
+                                            <p:fltVal val="0"/>
+                                          </p:val>
+                                        </p:tav>
+                                        <p:tav tm="100000">
+                                          <p:val>
+                                            <p:strVal val="#ppt_h"/>
+                                          </p:val>
+                                        </p:tav>
+                                      </p:tavLst>
+                                    </p:anim>
+                                    <p:animEffect transition="in" filter="fade">
+                                      <p:cBhvr>
+                                        <p:cTn id="100" dur="500"/>
+                                        <p:tgtEl>
+                                          <p:spTgt spid="113"/>
+                                        </p:tgtEl>
+                                      </p:cBhvr>
+                                    </p:animEffect>
+                                    <p:anim calcmode="lin" valueType="num">
+                                      <p:cBhvr>
+                                        <p:cTn id="101" dur="500" fill="hold"/>
+                                        <p:tgtEl>
+                                          <p:spTgt spid="113"/>
+                                        </p:tgtEl>
+                                        <p:attrNameLst>
+                                          <p:attrName>ppt_x</p:attrName>
+                                        </p:attrNameLst>
+                                      </p:cBhvr>
+                                      <p:tavLst>
+                                        <p:tav tm="0">
+                                          <p:val>
+                                            <p:fltVal val="0.5"/>
+                                          </p:val>
+                                        </p:tav>
+                                        <p:tav tm="100000">
+                                          <p:val>
+                                            <p:strVal val="#ppt_x"/>
+                                          </p:val>
+                                        </p:tav>
+                                      </p:tavLst>
+                                    </p:anim>
+                                    <p:anim calcmode="lin" valueType="num">
+                                      <p:cBhvr>
+                                        <p:cTn id="102" dur="500" fill="hold"/>
+                                        <p:tgtEl>
+                                          <p:spTgt spid="113"/>
+                                        </p:tgtEl>
+                                        <p:attrNameLst>
+                                          <p:attrName>ppt_y</p:attrName>
+                                        </p:attrNameLst>
+                                      </p:cBhvr>
+                                      <p:tavLst>
+                                        <p:tav tm="0">
+                                          <p:val>
+                                            <p:fltVal val="0.5"/>
+                                          </p:val>
+                                        </p:tav>
+                                        <p:tav tm="100000">
+                                          <p:val>
+                                            <p:strVal val="#ppt_y"/>
+                                          </p:val>
+                                        </p:tav>
+                                      </p:tavLst>
+                                    </p:anim>
+                                  </p:childTnLst>
+                                </p:cTn>
+                              </p:par>
+                            </p:childTnLst>
+                          </p:cTn>
+                        </p:par>
+                      </p:childTnLst>
+                    </p:cTn>
+                  </p:par>
+                </p:childTnLst>
+              </p:cTn>
+              <p:prevCondLst>
+                <p:cond evt="onPrev" delay="0">
+                  <p:tgtEl>
+                    <p:sldTgt/>
+                  </p:tgtEl>
+                </p:cond>
+              </p:prevCondLst>
+              <p:nextCondLst>
+                <p:cond evt="onNext" delay="0">
+                  <p:tgtEl>
+                    <p:sldTgt/>
+                  </p:tgtEl>
+                </p:cond>
+              </p:nextCondLst>
+            </p:seq>
+          </p:childTnLst>
+        </p:cTn>
       </p:par>
     </p:tnLst>
+    <p:bldLst>
+      <p:bldP spid="11" grpId="0" animBg="1"/>
+      <p:bldP spid="12" grpId="0" animBg="1"/>
+      <p:bldP spid="13" grpId="0" animBg="1"/>
+      <p:bldP spid="14" grpId="0" animBg="1"/>
+      <p:bldP spid="15" grpId="0" animBg="1"/>
+      <p:bldP spid="16" grpId="0" animBg="1"/>
+      <p:bldP spid="17" grpId="0" animBg="1"/>
+      <p:bldP spid="18" grpId="0" animBg="1"/>
+      <p:bldP spid="19" grpId="0" animBg="1"/>
+      <p:bldP spid="113" grpId="0"/>
+    </p:bldLst>
   </p:timing>
 </p:sld>
 </file>
@@ -17303,7 +21109,7 @@
         </p:nvCxnSpPr>
         <p:spPr>
           <a:xfrm>
-            <a:off x="298938" y="1207167"/>
+            <a:off x="298938" y="1022529"/>
             <a:ext cx="8465127" cy="0"/>
           </a:xfrm>
           <a:prstGeom prst="line">

--- a/doc/中間発表資料.pptx
+++ b/doc/中間発表資料.pptx
@@ -5,7 +5,7 @@
     <p:sldMasterId id="2147483648" r:id="rId1"/>
   </p:sldMasterIdLst>
   <p:notesMasterIdLst>
-    <p:notesMasterId r:id="rId27"/>
+    <p:notesMasterId r:id="rId22"/>
   </p:notesMasterIdLst>
   <p:sldIdLst>
     <p:sldId id="256" r:id="rId2"/>
@@ -28,11 +28,6 @@
     <p:sldId id="260" r:id="rId19"/>
     <p:sldId id="261" r:id="rId20"/>
     <p:sldId id="282" r:id="rId21"/>
-    <p:sldId id="257" r:id="rId22"/>
-    <p:sldId id="281" r:id="rId23"/>
-    <p:sldId id="265" r:id="rId24"/>
-    <p:sldId id="284" r:id="rId25"/>
-    <p:sldId id="263" r:id="rId26"/>
   </p:sldIdLst>
   <p:sldSz cx="9144000" cy="6858000" type="screen4x3"/>
   <p:notesSz cx="6858000" cy="9144000"/>
@@ -232,7 +227,7 @@
           <a:p>
             <a:fld id="{07C89E97-5434-9C4E-B6E5-C9F9FBA5FCE1}" type="datetimeFigureOut">
               <a:rPr kumimoji="1" lang="ja-JP" altLang="en-US" smtClean="0"/>
-              <a:t>2014/11/8</a:t>
+              <a:t>2014/11/13</a:t>
             </a:fld>
             <a:endParaRPr kumimoji="1" lang="ja-JP" altLang="en-US"/>
           </a:p>
@@ -1318,306 +1313,6 @@
 </p:notes>
 </file>
 
-<file path=ppt/notesSlides/notesSlide17.xml><?xml version="1.0" encoding="utf-8"?>
-<p:notes xmlns:a="http://schemas.openxmlformats.org/drawingml/2006/main" xmlns:r="http://schemas.openxmlformats.org/officeDocument/2006/relationships" xmlns:p="http://schemas.openxmlformats.org/presentationml/2006/main">
-  <p:cSld>
-    <p:spTree>
-      <p:nvGrpSpPr>
-        <p:cNvPr id="1" name=""/>
-        <p:cNvGrpSpPr/>
-        <p:nvPr/>
-      </p:nvGrpSpPr>
-      <p:grpSpPr>
-        <a:xfrm>
-          <a:off x="0" y="0"/>
-          <a:ext cx="0" cy="0"/>
-          <a:chOff x="0" y="0"/>
-          <a:chExt cx="0" cy="0"/>
-        </a:xfrm>
-      </p:grpSpPr>
-      <p:sp>
-        <p:nvSpPr>
-          <p:cNvPr id="2" name="スライド イメージ プレースホルダー 1"/>
-          <p:cNvSpPr>
-            <a:spLocks noGrp="1" noRot="1" noChangeAspect="1"/>
-          </p:cNvSpPr>
-          <p:nvPr>
-            <p:ph type="sldImg"/>
-          </p:nvPr>
-        </p:nvSpPr>
-        <p:spPr/>
-      </p:sp>
-      <p:sp>
-        <p:nvSpPr>
-          <p:cNvPr id="3" name="ノート プレースホルダー 2"/>
-          <p:cNvSpPr>
-            <a:spLocks noGrp="1"/>
-          </p:cNvSpPr>
-          <p:nvPr>
-            <p:ph type="body" idx="1"/>
-          </p:nvPr>
-        </p:nvSpPr>
-        <p:spPr/>
-        <p:txBody>
-          <a:bodyPr/>
-          <a:lstStyle/>
-          <a:p>
-            <a:r>
-              <a:rPr kumimoji="1" lang="ja-JP" altLang="en-US" dirty="0" smtClean="0"/>
-              <a:t>読み上げる</a:t>
-            </a:r>
-            <a:endParaRPr kumimoji="1" lang="ja-JP" altLang="en-US" dirty="0"/>
-          </a:p>
-        </p:txBody>
-      </p:sp>
-      <p:sp>
-        <p:nvSpPr>
-          <p:cNvPr id="4" name="スライド番号プレースホルダー 3"/>
-          <p:cNvSpPr>
-            <a:spLocks noGrp="1"/>
-          </p:cNvSpPr>
-          <p:nvPr>
-            <p:ph type="sldNum" sz="quarter" idx="10"/>
-          </p:nvPr>
-        </p:nvSpPr>
-        <p:spPr/>
-        <p:txBody>
-          <a:bodyPr/>
-          <a:lstStyle/>
-          <a:p>
-            <a:fld id="{9B414CEF-9AC9-7B40-8689-4792AE055851}" type="slidenum">
-              <a:rPr kumimoji="1" lang="ja-JP" altLang="en-US" smtClean="0"/>
-              <a:t>21</a:t>
-            </a:fld>
-            <a:endParaRPr kumimoji="1" lang="ja-JP" altLang="en-US" dirty="0"/>
-          </a:p>
-        </p:txBody>
-      </p:sp>
-    </p:spTree>
-    <p:extLst>
-      <p:ext uri="{BB962C8B-B14F-4D97-AF65-F5344CB8AC3E}">
-        <p14:creationId xmlns:p14="http://schemas.microsoft.com/office/powerpoint/2010/main" val="3194250886"/>
-      </p:ext>
-    </p:extLst>
-  </p:cSld>
-  <p:clrMapOvr>
-    <a:masterClrMapping/>
-  </p:clrMapOvr>
-</p:notes>
-</file>
-
-<file path=ppt/notesSlides/notesSlide18.xml><?xml version="1.0" encoding="utf-8"?>
-<p:notes xmlns:a="http://schemas.openxmlformats.org/drawingml/2006/main" xmlns:r="http://schemas.openxmlformats.org/officeDocument/2006/relationships" xmlns:p="http://schemas.openxmlformats.org/presentationml/2006/main">
-  <p:cSld>
-    <p:spTree>
-      <p:nvGrpSpPr>
-        <p:cNvPr id="1" name=""/>
-        <p:cNvGrpSpPr/>
-        <p:nvPr/>
-      </p:nvGrpSpPr>
-      <p:grpSpPr>
-        <a:xfrm>
-          <a:off x="0" y="0"/>
-          <a:ext cx="0" cy="0"/>
-          <a:chOff x="0" y="0"/>
-          <a:chExt cx="0" cy="0"/>
-        </a:xfrm>
-      </p:grpSpPr>
-      <p:sp>
-        <p:nvSpPr>
-          <p:cNvPr id="2" name="スライド イメージ プレースホルダー 1"/>
-          <p:cNvSpPr>
-            <a:spLocks noGrp="1" noRot="1" noChangeAspect="1"/>
-          </p:cNvSpPr>
-          <p:nvPr>
-            <p:ph type="sldImg"/>
-          </p:nvPr>
-        </p:nvSpPr>
-        <p:spPr/>
-      </p:sp>
-      <p:sp>
-        <p:nvSpPr>
-          <p:cNvPr id="3" name="ノート プレースホルダー 2"/>
-          <p:cNvSpPr>
-            <a:spLocks noGrp="1"/>
-          </p:cNvSpPr>
-          <p:nvPr>
-            <p:ph type="body" idx="1"/>
-          </p:nvPr>
-        </p:nvSpPr>
-        <p:spPr/>
-        <p:txBody>
-          <a:bodyPr/>
-          <a:lstStyle/>
-          <a:p>
-            <a:r>
-              <a:rPr kumimoji="1" lang="ja-JP" altLang="en-US" dirty="0" smtClean="0"/>
-              <a:t>従来の方法では、まずメインとなるソースコードを眺めて、処理の流れを頭のなかで整理して作成して、新しい知見で置き換えるべき関数を見つけて</a:t>
-            </a:r>
-            <a:endParaRPr kumimoji="1" lang="en-US" altLang="ja-JP" dirty="0" smtClean="0"/>
-          </a:p>
-          <a:p>
-            <a:r>
-              <a:rPr kumimoji="1" lang="ja-JP" altLang="en-US" dirty="0" smtClean="0"/>
-              <a:t>見つけたらその関数を新しい関数に治すという手順を踏んでいると思います。</a:t>
-            </a:r>
-            <a:endParaRPr kumimoji="1" lang="ja-JP" altLang="en-US" dirty="0"/>
-          </a:p>
-        </p:txBody>
-      </p:sp>
-      <p:sp>
-        <p:nvSpPr>
-          <p:cNvPr id="4" name="スライド番号プレースホルダー 3"/>
-          <p:cNvSpPr>
-            <a:spLocks noGrp="1"/>
-          </p:cNvSpPr>
-          <p:nvPr>
-            <p:ph type="sldNum" sz="quarter" idx="10"/>
-          </p:nvPr>
-        </p:nvSpPr>
-        <p:spPr/>
-        <p:txBody>
-          <a:bodyPr/>
-          <a:lstStyle/>
-          <a:p>
-            <a:fld id="{9B414CEF-9AC9-7B40-8689-4792AE055851}" type="slidenum">
-              <a:rPr kumimoji="1" lang="ja-JP" altLang="en-US" smtClean="0"/>
-              <a:t>22</a:t>
-            </a:fld>
-            <a:endParaRPr kumimoji="1" lang="ja-JP" altLang="en-US"/>
-          </a:p>
-        </p:txBody>
-      </p:sp>
-    </p:spTree>
-    <p:extLst>
-      <p:ext uri="{BB962C8B-B14F-4D97-AF65-F5344CB8AC3E}">
-        <p14:creationId xmlns:p14="http://schemas.microsoft.com/office/powerpoint/2010/main" val="1675080477"/>
-      </p:ext>
-    </p:extLst>
-  </p:cSld>
-  <p:clrMapOvr>
-    <a:masterClrMapping/>
-  </p:clrMapOvr>
-</p:notes>
-</file>
-
-<file path=ppt/notesSlides/notesSlide19.xml><?xml version="1.0" encoding="utf-8"?>
-<p:notes xmlns:a="http://schemas.openxmlformats.org/drawingml/2006/main" xmlns:r="http://schemas.openxmlformats.org/officeDocument/2006/relationships" xmlns:p="http://schemas.openxmlformats.org/presentationml/2006/main">
-  <p:cSld>
-    <p:spTree>
-      <p:nvGrpSpPr>
-        <p:cNvPr id="1" name=""/>
-        <p:cNvGrpSpPr/>
-        <p:nvPr/>
-      </p:nvGrpSpPr>
-      <p:grpSpPr>
-        <a:xfrm>
-          <a:off x="0" y="0"/>
-          <a:ext cx="0" cy="0"/>
-          <a:chOff x="0" y="0"/>
-          <a:chExt cx="0" cy="0"/>
-        </a:xfrm>
-      </p:grpSpPr>
-      <p:sp>
-        <p:nvSpPr>
-          <p:cNvPr id="2" name="スライド イメージ プレースホルダー 1"/>
-          <p:cNvSpPr>
-            <a:spLocks noGrp="1" noRot="1" noChangeAspect="1"/>
-          </p:cNvSpPr>
-          <p:nvPr>
-            <p:ph type="sldImg"/>
-          </p:nvPr>
-        </p:nvSpPr>
-        <p:spPr/>
-      </p:sp>
-      <p:sp>
-        <p:nvSpPr>
-          <p:cNvPr id="3" name="ノート プレースホルダー 2"/>
-          <p:cNvSpPr>
-            <a:spLocks noGrp="1"/>
-          </p:cNvSpPr>
-          <p:nvPr>
-            <p:ph type="body" idx="1"/>
-          </p:nvPr>
-        </p:nvSpPr>
-        <p:spPr/>
-        <p:txBody>
-          <a:bodyPr/>
-          <a:lstStyle/>
-          <a:p>
-            <a:r>
-              <a:rPr kumimoji="1" lang="ja-JP" altLang="en-US" dirty="0" smtClean="0"/>
-              <a:t>問題点をもういちど整理します。</a:t>
-            </a:r>
-            <a:endParaRPr kumimoji="1" lang="en-US" altLang="ja-JP" dirty="0" smtClean="0"/>
-          </a:p>
-          <a:p>
-            <a:r>
-              <a:rPr kumimoji="1" lang="ja-JP" altLang="en-US" dirty="0" smtClean="0"/>
-              <a:t>従来の手法では、まず論文ベースで数理モデルを理解して頭のなかでプログラムを作成するためのモデル図を書きます。またフローチャートなどを作成したりもします。</a:t>
-            </a:r>
-            <a:endParaRPr kumimoji="1" lang="en-US" altLang="ja-JP" dirty="0" smtClean="0"/>
-          </a:p>
-          <a:p>
-            <a:r>
-              <a:rPr kumimoji="1" lang="ja-JP" altLang="en-US" dirty="0" smtClean="0"/>
-              <a:t>次に数理モデルを実装したプログラムソースコードの解読をします。論文内容と</a:t>
-            </a:r>
-            <a:r>
-              <a:rPr kumimoji="1" lang="en-US" altLang="ja-JP" dirty="0" err="1" smtClean="0"/>
-              <a:t>Matlab</a:t>
-            </a:r>
-            <a:r>
-              <a:rPr kumimoji="1" lang="ja-JP" altLang="en-US" dirty="0" smtClean="0"/>
-              <a:t>ファイルの対応関係を見つけます。この段階はプログラムのコメント文などをヒントにして解析する必要があります。</a:t>
-            </a:r>
-            <a:endParaRPr kumimoji="1" lang="en-US" altLang="ja-JP" dirty="0" smtClean="0"/>
-          </a:p>
-          <a:p>
-            <a:r>
-              <a:rPr kumimoji="1" lang="ja-JP" altLang="en-US" dirty="0" smtClean="0"/>
-              <a:t>そして改変すべき関数を見つけたら、その部分を新しい関数で書き直します。</a:t>
-            </a:r>
-            <a:endParaRPr kumimoji="1" lang="ja-JP" altLang="en-US" dirty="0"/>
-          </a:p>
-        </p:txBody>
-      </p:sp>
-      <p:sp>
-        <p:nvSpPr>
-          <p:cNvPr id="4" name="スライド番号プレースホルダー 3"/>
-          <p:cNvSpPr>
-            <a:spLocks noGrp="1"/>
-          </p:cNvSpPr>
-          <p:nvPr>
-            <p:ph type="sldNum" sz="quarter" idx="10"/>
-          </p:nvPr>
-        </p:nvSpPr>
-        <p:spPr/>
-        <p:txBody>
-          <a:bodyPr/>
-          <a:lstStyle/>
-          <a:p>
-            <a:fld id="{9B414CEF-9AC9-7B40-8689-4792AE055851}" type="slidenum">
-              <a:rPr kumimoji="1" lang="ja-JP" altLang="en-US" smtClean="0"/>
-              <a:t>23</a:t>
-            </a:fld>
-            <a:endParaRPr kumimoji="1" lang="ja-JP" altLang="en-US"/>
-          </a:p>
-        </p:txBody>
-      </p:sp>
-    </p:spTree>
-    <p:extLst>
-      <p:ext uri="{BB962C8B-B14F-4D97-AF65-F5344CB8AC3E}">
-        <p14:creationId xmlns:p14="http://schemas.microsoft.com/office/powerpoint/2010/main" val="1575801695"/>
-      </p:ext>
-    </p:extLst>
-  </p:cSld>
-  <p:clrMapOvr>
-    <a:masterClrMapping/>
-  </p:clrMapOvr>
-</p:notes>
-</file>
-
 <file path=ppt/notesSlides/notesSlide2.xml><?xml version="1.0" encoding="utf-8"?>
 <p:notes xmlns:a="http://schemas.openxmlformats.org/drawingml/2006/main" xmlns:r="http://schemas.openxmlformats.org/officeDocument/2006/relationships" xmlns:p="http://schemas.openxmlformats.org/presentationml/2006/main">
   <p:cSld>
@@ -1697,104 +1392,6 @@
     <p:extLst>
       <p:ext uri="{BB962C8B-B14F-4D97-AF65-F5344CB8AC3E}">
         <p14:creationId xmlns:p14="http://schemas.microsoft.com/office/powerpoint/2010/main" val="1402785510"/>
-      </p:ext>
-    </p:extLst>
-  </p:cSld>
-  <p:clrMapOvr>
-    <a:masterClrMapping/>
-  </p:clrMapOvr>
-</p:notes>
-</file>
-
-<file path=ppt/notesSlides/notesSlide20.xml><?xml version="1.0" encoding="utf-8"?>
-<p:notes xmlns:a="http://schemas.openxmlformats.org/drawingml/2006/main" xmlns:r="http://schemas.openxmlformats.org/officeDocument/2006/relationships" xmlns:p="http://schemas.openxmlformats.org/presentationml/2006/main">
-  <p:cSld>
-    <p:spTree>
-      <p:nvGrpSpPr>
-        <p:cNvPr id="1" name=""/>
-        <p:cNvGrpSpPr/>
-        <p:nvPr/>
-      </p:nvGrpSpPr>
-      <p:grpSpPr>
-        <a:xfrm>
-          <a:off x="0" y="0"/>
-          <a:ext cx="0" cy="0"/>
-          <a:chOff x="0" y="0"/>
-          <a:chExt cx="0" cy="0"/>
-        </a:xfrm>
-      </p:grpSpPr>
-      <p:sp>
-        <p:nvSpPr>
-          <p:cNvPr id="2" name="スライド イメージ プレースホルダー 1"/>
-          <p:cNvSpPr>
-            <a:spLocks noGrp="1" noRot="1" noChangeAspect="1"/>
-          </p:cNvSpPr>
-          <p:nvPr>
-            <p:ph type="sldImg"/>
-          </p:nvPr>
-        </p:nvSpPr>
-        <p:spPr/>
-      </p:sp>
-      <p:sp>
-        <p:nvSpPr>
-          <p:cNvPr id="3" name="ノート プレースホルダー 2"/>
-          <p:cNvSpPr>
-            <a:spLocks noGrp="1"/>
-          </p:cNvSpPr>
-          <p:nvPr>
-            <p:ph type="body" idx="1"/>
-          </p:nvPr>
-        </p:nvSpPr>
-        <p:spPr/>
-        <p:txBody>
-          <a:bodyPr/>
-          <a:lstStyle/>
-          <a:p>
-            <a:r>
-              <a:rPr kumimoji="1" lang="ja-JP" altLang="en-US" dirty="0" smtClean="0"/>
-              <a:t>従来の手法では以上の様に、まずソースを頭の中で解析して、プログラムコードに書き出すという作業や</a:t>
-            </a:r>
-            <a:endParaRPr kumimoji="1" lang="en-US" altLang="ja-JP" dirty="0" smtClean="0"/>
-          </a:p>
-          <a:p>
-            <a:r>
-              <a:rPr kumimoji="1" lang="ja-JP" altLang="en-US" dirty="0" smtClean="0"/>
-              <a:t>変更する部分を見つける、直すという手順は全て手動で行う必要があります。</a:t>
-            </a:r>
-            <a:endParaRPr kumimoji="1" lang="en-US" altLang="ja-JP" dirty="0" smtClean="0"/>
-          </a:p>
-          <a:p>
-            <a:endParaRPr kumimoji="1" lang="ja-JP" altLang="en-US" dirty="0"/>
-          </a:p>
-        </p:txBody>
-      </p:sp>
-      <p:sp>
-        <p:nvSpPr>
-          <p:cNvPr id="4" name="スライド番号プレースホルダー 3"/>
-          <p:cNvSpPr>
-            <a:spLocks noGrp="1"/>
-          </p:cNvSpPr>
-          <p:nvPr>
-            <p:ph type="sldNum" sz="quarter" idx="10"/>
-          </p:nvPr>
-        </p:nvSpPr>
-        <p:spPr/>
-        <p:txBody>
-          <a:bodyPr/>
-          <a:lstStyle/>
-          <a:p>
-            <a:fld id="{9B414CEF-9AC9-7B40-8689-4792AE055851}" type="slidenum">
-              <a:rPr kumimoji="1" lang="ja-JP" altLang="en-US" smtClean="0"/>
-              <a:t>25</a:t>
-            </a:fld>
-            <a:endParaRPr kumimoji="1" lang="ja-JP" altLang="en-US"/>
-          </a:p>
-        </p:txBody>
-      </p:sp>
-    </p:spTree>
-    <p:extLst>
-      <p:ext uri="{BB962C8B-B14F-4D97-AF65-F5344CB8AC3E}">
-        <p14:creationId xmlns:p14="http://schemas.microsoft.com/office/powerpoint/2010/main" val="1436513491"/>
       </p:ext>
     </p:extLst>
   </p:cSld>
@@ -1881,11 +1478,7 @@
           <a:p>
             <a:r>
               <a:rPr kumimoji="1" lang="ja-JP" altLang="en-US" dirty="0" smtClean="0"/>
-              <a:t>一番泥くさい部分は面倒なのでコンピュータ</a:t>
-            </a:r>
-            <a:r>
-              <a:rPr kumimoji="1" lang="ja-JP" altLang="en-US" dirty="0" smtClean="0"/>
-              <a:t>にやらせるべき</a:t>
+              <a:t>一番泥くさい部分は面倒なのでコンピュータにやらせるべき</a:t>
             </a:r>
             <a:endParaRPr kumimoji="1" lang="ja-JP" altLang="en-US" dirty="0"/>
           </a:p>
@@ -2747,7 +2340,7 @@
           <a:p>
             <a:fld id="{8E38DBD1-F25C-9E4F-851F-C78CA3583CBD}" type="datetimeFigureOut">
               <a:rPr kumimoji="1" lang="ja-JP" altLang="en-US" smtClean="0"/>
-              <a:t>2014/11/8</a:t>
+              <a:t>2014/11/13</a:t>
             </a:fld>
             <a:endParaRPr kumimoji="1" lang="ja-JP" altLang="en-US"/>
           </a:p>
@@ -2949,7 +2542,7 @@
           <a:p>
             <a:fld id="{8E38DBD1-F25C-9E4F-851F-C78CA3583CBD}" type="datetimeFigureOut">
               <a:rPr kumimoji="1" lang="ja-JP" altLang="en-US" smtClean="0"/>
-              <a:t>2014/11/8</a:t>
+              <a:t>2014/11/13</a:t>
             </a:fld>
             <a:endParaRPr kumimoji="1" lang="ja-JP" altLang="en-US"/>
           </a:p>
@@ -3161,7 +2754,7 @@
           <a:p>
             <a:fld id="{8E38DBD1-F25C-9E4F-851F-C78CA3583CBD}" type="datetimeFigureOut">
               <a:rPr kumimoji="1" lang="ja-JP" altLang="en-US" smtClean="0"/>
-              <a:t>2014/11/8</a:t>
+              <a:t>2014/11/13</a:t>
             </a:fld>
             <a:endParaRPr kumimoji="1" lang="ja-JP" altLang="en-US"/>
           </a:p>
@@ -3363,7 +2956,7 @@
           <a:p>
             <a:fld id="{8E38DBD1-F25C-9E4F-851F-C78CA3583CBD}" type="datetimeFigureOut">
               <a:rPr kumimoji="1" lang="ja-JP" altLang="en-US" smtClean="0"/>
-              <a:t>2014/11/8</a:t>
+              <a:t>2014/11/13</a:t>
             </a:fld>
             <a:endParaRPr kumimoji="1" lang="ja-JP" altLang="en-US"/>
           </a:p>
@@ -3609,7 +3202,7 @@
           <a:p>
             <a:fld id="{8E38DBD1-F25C-9E4F-851F-C78CA3583CBD}" type="datetimeFigureOut">
               <a:rPr kumimoji="1" lang="ja-JP" altLang="en-US" smtClean="0"/>
-              <a:t>2014/11/8</a:t>
+              <a:t>2014/11/13</a:t>
             </a:fld>
             <a:endParaRPr kumimoji="1" lang="ja-JP" altLang="en-US"/>
           </a:p>
@@ -3961,7 +3554,7 @@
           <a:p>
             <a:fld id="{8E38DBD1-F25C-9E4F-851F-C78CA3583CBD}" type="datetimeFigureOut">
               <a:rPr kumimoji="1" lang="ja-JP" altLang="en-US" smtClean="0"/>
-              <a:t>2014/11/8</a:t>
+              <a:t>2014/11/13</a:t>
             </a:fld>
             <a:endParaRPr kumimoji="1" lang="ja-JP" altLang="en-US"/>
           </a:p>
@@ -4447,7 +4040,7 @@
           <a:p>
             <a:fld id="{8E38DBD1-F25C-9E4F-851F-C78CA3583CBD}" type="datetimeFigureOut">
               <a:rPr kumimoji="1" lang="ja-JP" altLang="en-US" smtClean="0"/>
-              <a:t>2014/11/8</a:t>
+              <a:t>2014/11/13</a:t>
             </a:fld>
             <a:endParaRPr kumimoji="1" lang="ja-JP" altLang="en-US"/>
           </a:p>
@@ -4565,7 +4158,7 @@
           <a:p>
             <a:fld id="{8E38DBD1-F25C-9E4F-851F-C78CA3583CBD}" type="datetimeFigureOut">
               <a:rPr kumimoji="1" lang="ja-JP" altLang="en-US" smtClean="0"/>
-              <a:t>2014/11/8</a:t>
+              <a:t>2014/11/13</a:t>
             </a:fld>
             <a:endParaRPr kumimoji="1" lang="ja-JP" altLang="en-US"/>
           </a:p>
@@ -4660,7 +4253,7 @@
           <a:p>
             <a:fld id="{8E38DBD1-F25C-9E4F-851F-C78CA3583CBD}" type="datetimeFigureOut">
               <a:rPr kumimoji="1" lang="ja-JP" altLang="en-US" smtClean="0"/>
-              <a:t>2014/11/8</a:t>
+              <a:t>2014/11/13</a:t>
             </a:fld>
             <a:endParaRPr kumimoji="1" lang="ja-JP" altLang="en-US"/>
           </a:p>
@@ -4969,7 +4562,7 @@
           <a:p>
             <a:fld id="{8E38DBD1-F25C-9E4F-851F-C78CA3583CBD}" type="datetimeFigureOut">
               <a:rPr kumimoji="1" lang="ja-JP" altLang="en-US" smtClean="0"/>
-              <a:t>2014/11/8</a:t>
+              <a:t>2014/11/13</a:t>
             </a:fld>
             <a:endParaRPr kumimoji="1" lang="ja-JP" altLang="en-US"/>
           </a:p>
@@ -5222,7 +4815,7 @@
           <a:p>
             <a:fld id="{8E38DBD1-F25C-9E4F-851F-C78CA3583CBD}" type="datetimeFigureOut">
               <a:rPr kumimoji="1" lang="ja-JP" altLang="en-US" smtClean="0"/>
-              <a:t>2014/11/8</a:t>
+              <a:t>2014/11/13</a:t>
             </a:fld>
             <a:endParaRPr kumimoji="1" lang="ja-JP" altLang="en-US"/>
           </a:p>
@@ -5467,7 +5060,7 @@
           <a:p>
             <a:fld id="{8E38DBD1-F25C-9E4F-851F-C78CA3583CBD}" type="datetimeFigureOut">
               <a:rPr kumimoji="1" lang="ja-JP" altLang="en-US" smtClean="0"/>
-              <a:t>2014/11/8</a:t>
+              <a:t>2014/11/13</a:t>
             </a:fld>
             <a:endParaRPr kumimoji="1" lang="ja-JP" altLang="en-US"/>
           </a:p>
@@ -5854,16 +5447,21 @@
         </p:nvSpPr>
         <p:spPr>
           <a:xfrm>
-            <a:off x="870438" y="1459523"/>
-            <a:ext cx="7772400" cy="3789484"/>
+            <a:off x="870438" y="756138"/>
+            <a:ext cx="7772400" cy="4888522"/>
           </a:xfrm>
         </p:spPr>
         <p:txBody>
           <a:bodyPr>
-            <a:normAutofit fontScale="90000"/>
+            <a:normAutofit/>
           </a:bodyPr>
           <a:lstStyle/>
           <a:p>
+            <a:pPr>
+              <a:spcAft>
+                <a:spcPts val="600"/>
+              </a:spcAft>
+            </a:pPr>
             <a:r>
               <a:rPr lang="ja-JP" altLang="ja-JP" dirty="0"/>
               <a:t>大規模数理モデル</a:t>
@@ -5889,7 +5487,19 @@
             </a:r>
             <a:r>
               <a:rPr lang="ja-JP" altLang="ja-JP" dirty="0" smtClean="0"/>
-              <a:t>構築</a:t>
+              <a:t>構築を</a:t>
+            </a:r>
+            <a:r>
+              <a:rPr lang="ja-JP" altLang="ja-JP" dirty="0" smtClean="0"/>
+              <a:t>目的</a:t>
+            </a:r>
+            <a:r>
+              <a:rPr lang="ja-JP" altLang="ja-JP" dirty="0"/>
+              <a:t>と</a:t>
+            </a:r>
+            <a:r>
+              <a:rPr lang="ja-JP" altLang="ja-JP" dirty="0" smtClean="0"/>
+              <a:t>した</a:t>
             </a:r>
             <a:r>
               <a:rPr lang="en-US" altLang="ja-JP" dirty="0" smtClean="0"/>
@@ -5900,15 +5510,11 @@
             </a:br>
             <a:r>
               <a:rPr lang="ja-JP" altLang="ja-JP" dirty="0" smtClean="0"/>
-              <a:t>を目的</a:t>
-            </a:r>
-            <a:r>
-              <a:rPr lang="ja-JP" altLang="ja-JP" dirty="0"/>
-              <a:t>と</a:t>
+              <a:t>データ</a:t>
             </a:r>
             <a:r>
               <a:rPr lang="ja-JP" altLang="ja-JP" dirty="0" smtClean="0"/>
-              <a:t>した</a:t>
+              <a:t>可視化</a:t>
             </a:r>
             <a:r>
               <a:rPr lang="en-US" altLang="ja-JP" dirty="0" smtClean="0"/>
@@ -5919,26 +5525,7 @@
             </a:br>
             <a:r>
               <a:rPr lang="ja-JP" altLang="ja-JP" dirty="0" smtClean="0"/>
-              <a:t>データ</a:t>
-            </a:r>
-            <a:r>
-              <a:rPr lang="ja-JP" altLang="ja-JP" dirty="0"/>
-              <a:t>可視化</a:t>
-            </a:r>
-            <a:r>
-              <a:rPr lang="ja-JP" altLang="ja-JP" dirty="0" smtClean="0"/>
-              <a:t>プログラミング環境</a:t>
-            </a:r>
-            <a:r>
-              <a:rPr lang="en-US" altLang="ja-JP" dirty="0" smtClean="0"/>
-              <a:t/>
-            </a:r>
-            <a:br>
-              <a:rPr lang="en-US" altLang="ja-JP" dirty="0" smtClean="0"/>
-            </a:br>
-            <a:r>
-              <a:rPr lang="ja-JP" altLang="ja-JP" dirty="0" smtClean="0"/>
-              <a:t>の</a:t>
+              <a:t>プログラミング環境の</a:t>
             </a:r>
             <a:r>
               <a:rPr lang="ja-JP" altLang="ja-JP" dirty="0"/>
@@ -7213,14 +6800,14 @@
                 </a:ln>
                 <a:extLst>
                   <a:ext uri="{909E8E84-426E-40dd-AFC4-6F175D3DCCD1}">
-                    <a14:hiddenFill xmlns:a14="http://schemas.microsoft.com/office/drawing/2010/main" xmlns="">
+                    <a14:hiddenFill xmlns="" xmlns:a14="http://schemas.microsoft.com/office/drawing/2010/main">
                       <a:solidFill>
                         <a:srgbClr val="FFFFFF"/>
                       </a:solidFill>
                     </a14:hiddenFill>
                   </a:ext>
                   <a:ext uri="{91240B29-F687-4f45-9708-019B960494DF}">
-                    <a14:hiddenLine xmlns:a14="http://schemas.microsoft.com/office/drawing/2010/main" xmlns="" w="9525">
+                    <a14:hiddenLine xmlns="" xmlns:a14="http://schemas.microsoft.com/office/drawing/2010/main" w="9525">
                       <a:solidFill>
                         <a:srgbClr val="000000"/>
                       </a:solidFill>
@@ -7284,14 +6871,14 @@
               </a:ln>
               <a:extLst>
                 <a:ext uri="{909E8E84-426E-40dd-AFC4-6F175D3DCCD1}">
-                  <a14:hiddenFill xmlns:a14="http://schemas.microsoft.com/office/drawing/2010/main" xmlns="">
+                  <a14:hiddenFill xmlns="" xmlns:a14="http://schemas.microsoft.com/office/drawing/2010/main">
                     <a:solidFill>
                       <a:srgbClr val="FFFFFF"/>
                     </a:solidFill>
                   </a14:hiddenFill>
                 </a:ext>
                 <a:ext uri="{91240B29-F687-4f45-9708-019B960494DF}">
-                  <a14:hiddenLine xmlns:a14="http://schemas.microsoft.com/office/drawing/2010/main" xmlns="" w="9525">
+                  <a14:hiddenLine xmlns="" xmlns:a14="http://schemas.microsoft.com/office/drawing/2010/main" w="9525">
                     <a:solidFill>
                       <a:srgbClr val="000000"/>
                     </a:solidFill>
@@ -8723,7 +8310,7 @@
         </p:nvSpPr>
         <p:spPr>
           <a:xfrm>
-            <a:off x="2704542" y="1422984"/>
+            <a:off x="2014606" y="1422984"/>
             <a:ext cx="4139126" cy="5150114"/>
           </a:xfrm>
           <a:prstGeom prst="rect">
@@ -8812,7 +8399,7 @@
         </p:nvSpPr>
         <p:spPr>
           <a:xfrm>
-            <a:off x="3126467" y="2077643"/>
+            <a:off x="2525300" y="2112484"/>
             <a:ext cx="1164049" cy="364447"/>
           </a:xfrm>
           <a:prstGeom prst="ellipse">
@@ -8850,7 +8437,7 @@
         </p:nvSpPr>
         <p:spPr>
           <a:xfrm>
-            <a:off x="3126467" y="2696260"/>
+            <a:off x="2525300" y="2731101"/>
             <a:ext cx="1164049" cy="364447"/>
           </a:xfrm>
           <a:prstGeom prst="ellipse">
@@ -8888,7 +8475,7 @@
         </p:nvSpPr>
         <p:spPr>
           <a:xfrm>
-            <a:off x="3126467" y="3278345"/>
+            <a:off x="2525300" y="3313186"/>
             <a:ext cx="1164049" cy="364447"/>
           </a:xfrm>
           <a:prstGeom prst="ellipse">
@@ -8929,7 +8516,7 @@
         </p:nvSpPr>
         <p:spPr>
           <a:xfrm>
-            <a:off x="3126467" y="3963731"/>
+            <a:off x="2525300" y="3998572"/>
             <a:ext cx="1164049" cy="364447"/>
           </a:xfrm>
           <a:prstGeom prst="ellipse">
@@ -8967,7 +8554,7 @@
         </p:nvSpPr>
         <p:spPr>
           <a:xfrm>
-            <a:off x="3126467" y="4642738"/>
+            <a:off x="2525300" y="4677579"/>
             <a:ext cx="1164049" cy="364447"/>
           </a:xfrm>
           <a:prstGeom prst="ellipse">
@@ -9005,7 +8592,7 @@
         </p:nvSpPr>
         <p:spPr>
           <a:xfrm>
-            <a:off x="3150062" y="5359535"/>
+            <a:off x="2548895" y="5394376"/>
             <a:ext cx="1164049" cy="364447"/>
           </a:xfrm>
           <a:prstGeom prst="ellipse">
@@ -9043,7 +8630,7 @@
         </p:nvSpPr>
         <p:spPr>
           <a:xfrm>
-            <a:off x="3150062" y="2072758"/>
+            <a:off x="2548895" y="2107599"/>
             <a:ext cx="1124226" cy="369332"/>
           </a:xfrm>
           <a:prstGeom prst="rect">
@@ -9073,7 +8660,7 @@
         </p:nvSpPr>
         <p:spPr>
           <a:xfrm>
-            <a:off x="3150062" y="2704530"/>
+            <a:off x="2548895" y="2739371"/>
             <a:ext cx="1120820" cy="369332"/>
           </a:xfrm>
           <a:prstGeom prst="rect">
@@ -9103,7 +8690,7 @@
         </p:nvSpPr>
         <p:spPr>
           <a:xfrm>
-            <a:off x="3146178" y="3273460"/>
+            <a:off x="2545011" y="3308301"/>
             <a:ext cx="1120820" cy="369332"/>
           </a:xfrm>
           <a:prstGeom prst="rect">
@@ -9133,7 +8720,7 @@
         </p:nvSpPr>
         <p:spPr>
           <a:xfrm>
-            <a:off x="3150062" y="3958846"/>
+            <a:off x="2548895" y="3993687"/>
             <a:ext cx="1133644" cy="369332"/>
           </a:xfrm>
           <a:prstGeom prst="rect">
@@ -9163,7 +8750,7 @@
         </p:nvSpPr>
         <p:spPr>
           <a:xfrm>
-            <a:off x="3170914" y="4614573"/>
+            <a:off x="2569747" y="4649414"/>
             <a:ext cx="1103374" cy="369332"/>
           </a:xfrm>
           <a:prstGeom prst="rect">
@@ -9193,7 +8780,7 @@
         </p:nvSpPr>
         <p:spPr>
           <a:xfrm>
-            <a:off x="3158515" y="5338302"/>
+            <a:off x="2557348" y="5373143"/>
             <a:ext cx="1096724" cy="369332"/>
           </a:xfrm>
           <a:prstGeom prst="rect">
@@ -9226,7 +8813,7 @@
         </p:nvCxnSpPr>
         <p:spPr>
           <a:xfrm>
-            <a:off x="3708492" y="2442090"/>
+            <a:off x="3107325" y="2476931"/>
             <a:ext cx="1980" cy="262440"/>
           </a:xfrm>
           <a:prstGeom prst="line">
@@ -9262,7 +8849,7 @@
         </p:nvCxnSpPr>
         <p:spPr>
           <a:xfrm flipH="1">
-            <a:off x="3706588" y="3073862"/>
+            <a:off x="3105421" y="3108703"/>
             <a:ext cx="3884" cy="199598"/>
           </a:xfrm>
           <a:prstGeom prst="line">
@@ -9298,7 +8885,7 @@
         </p:nvCxnSpPr>
         <p:spPr>
           <a:xfrm>
-            <a:off x="3708492" y="3642792"/>
+            <a:off x="3107325" y="3677633"/>
             <a:ext cx="8392" cy="316054"/>
           </a:xfrm>
           <a:prstGeom prst="line">
@@ -9334,7 +8921,7 @@
         </p:nvCxnSpPr>
         <p:spPr>
           <a:xfrm>
-            <a:off x="3716884" y="4328178"/>
+            <a:off x="3115717" y="4363019"/>
             <a:ext cx="5717" cy="286395"/>
           </a:xfrm>
           <a:prstGeom prst="line">
@@ -9370,7 +8957,7 @@
         </p:nvCxnSpPr>
         <p:spPr>
           <a:xfrm flipH="1">
-            <a:off x="3706877" y="5007185"/>
+            <a:off x="3105710" y="5042026"/>
             <a:ext cx="1615" cy="331117"/>
           </a:xfrm>
           <a:prstGeom prst="line">
@@ -9403,7 +8990,7 @@
         </p:nvSpPr>
         <p:spPr>
           <a:xfrm>
-            <a:off x="4033296" y="3278345"/>
+            <a:off x="3432129" y="3313186"/>
             <a:ext cx="184666" cy="369332"/>
           </a:xfrm>
           <a:prstGeom prst="rect">
@@ -9429,7 +9016,7 @@
         </p:nvSpPr>
         <p:spPr>
           <a:xfrm rot="2354005">
-            <a:off x="2170414" y="2741529"/>
+            <a:off x="1569247" y="2776370"/>
             <a:ext cx="1068257" cy="664664"/>
           </a:xfrm>
           <a:prstGeom prst="rightArrow">
@@ -9470,7 +9057,7 @@
         </p:nvSpPr>
         <p:spPr>
           <a:xfrm>
-            <a:off x="922017" y="2293952"/>
+            <a:off x="320850" y="2328793"/>
             <a:ext cx="2204450" cy="369332"/>
           </a:xfrm>
           <a:prstGeom prst="rect">
@@ -9500,7 +9087,7 @@
         </p:nvSpPr>
         <p:spPr>
           <a:xfrm>
-            <a:off x="4574205" y="2028284"/>
+            <a:off x="3973038" y="2063125"/>
             <a:ext cx="2093081" cy="2439851"/>
           </a:xfrm>
           <a:prstGeom prst="rect">
@@ -9544,7 +9131,7 @@
         </p:nvSpPr>
         <p:spPr>
           <a:xfrm>
-            <a:off x="4599982" y="2083442"/>
+            <a:off x="3998815" y="2118283"/>
             <a:ext cx="1891225" cy="1615827"/>
           </a:xfrm>
           <a:prstGeom prst="rect">
@@ -9679,7 +9266,7 @@
         </p:nvSpPr>
         <p:spPr>
           <a:xfrm>
-            <a:off x="6843668" y="2040055"/>
+            <a:off x="6242501" y="2074896"/>
             <a:ext cx="2108269" cy="646331"/>
           </a:xfrm>
           <a:prstGeom prst="rect">
@@ -9716,8 +9303,8 @@
         </p:nvSpPr>
         <p:spPr>
           <a:xfrm>
-            <a:off x="4599982" y="4616714"/>
-            <a:ext cx="641048" cy="341167"/>
+            <a:off x="3998814" y="4651555"/>
+            <a:ext cx="737395" cy="367191"/>
           </a:xfrm>
           <a:prstGeom prst="roundRect">
             <a:avLst/>
@@ -9784,7 +9371,7 @@
         </p:nvSpPr>
         <p:spPr>
           <a:xfrm>
-            <a:off x="4599982" y="5077651"/>
+            <a:off x="3998815" y="5112492"/>
             <a:ext cx="1562447" cy="646331"/>
           </a:xfrm>
           <a:prstGeom prst="rect">
@@ -9872,7 +9459,7 @@
         </p:nvSpPr>
         <p:spPr>
           <a:xfrm>
-            <a:off x="6843668" y="4496216"/>
+            <a:off x="6242501" y="4531057"/>
             <a:ext cx="2444299" cy="923330"/>
           </a:xfrm>
           <a:prstGeom prst="rect">
@@ -9916,7 +9503,7 @@
         </p:nvSpPr>
         <p:spPr>
           <a:xfrm>
-            <a:off x="4033296" y="6112935"/>
+            <a:off x="3432129" y="6147776"/>
             <a:ext cx="1304081" cy="341167"/>
           </a:xfrm>
           <a:prstGeom prst="roundRect">
@@ -11765,10 +11352,18 @@
         </p:spPr>
         <p:txBody>
           <a:bodyPr>
-            <a:normAutofit lnSpcReduction="10000"/>
+            <a:normAutofit fontScale="85000" lnSpcReduction="20000"/>
           </a:bodyPr>
           <a:lstStyle/>
           <a:p>
+            <a:pPr>
+              <a:lnSpc>
+                <a:spcPct val="160000"/>
+              </a:lnSpc>
+              <a:spcAft>
+                <a:spcPts val="600"/>
+              </a:spcAft>
+            </a:pPr>
             <a:r>
               <a:rPr lang="en-US" altLang="ja-JP" dirty="0"/>
               <a:t>WHATWG HTML Living Standard</a:t>
@@ -11780,7 +11375,11 @@
             <a:endParaRPr lang="en-US" altLang="ja-JP" dirty="0"/>
           </a:p>
           <a:p>
-            <a:pPr lvl="1"/>
+            <a:pPr lvl="1">
+              <a:spcAft>
+                <a:spcPts val="600"/>
+              </a:spcAft>
+            </a:pPr>
             <a:r>
               <a:rPr lang="en-US" altLang="ja-JP" sz="2400" dirty="0"/>
               <a:t>Web Hypertext Application Technology Working </a:t>
@@ -11791,7 +11390,11 @@
             </a:r>
           </a:p>
           <a:p>
-            <a:pPr lvl="1"/>
+            <a:pPr lvl="1">
+              <a:spcAft>
+                <a:spcPts val="600"/>
+              </a:spcAft>
+            </a:pPr>
             <a:r>
               <a:rPr lang="ja-JP" altLang="en-US" sz="2400" dirty="0" smtClean="0"/>
               <a:t>主要ブラウザ開発者が主に参照している</a:t>
@@ -11803,6 +11406,11 @@
             <a:endParaRPr lang="en-US" altLang="ja-JP" sz="2400" dirty="0"/>
           </a:p>
           <a:p>
+            <a:pPr>
+              <a:spcAft>
+                <a:spcPts val="600"/>
+              </a:spcAft>
+            </a:pPr>
             <a:r>
               <a:rPr kumimoji="1" lang="en-US" altLang="ja-JP" dirty="0" smtClean="0"/>
               <a:t>W3C</a:t>
@@ -11826,7 +11434,11 @@
             <a:endParaRPr kumimoji="1" lang="en-US" altLang="ja-JP" dirty="0" smtClean="0"/>
           </a:p>
           <a:p>
-            <a:pPr lvl="1"/>
+            <a:pPr lvl="1">
+              <a:spcAft>
+                <a:spcPts val="600"/>
+              </a:spcAft>
+            </a:pPr>
             <a:r>
               <a:rPr lang="en-US" altLang="ja-JP" sz="2400" dirty="0" smtClean="0"/>
               <a:t>2014</a:t>
@@ -11854,7 +11466,11 @@
             <a:endParaRPr lang="en-US" altLang="ja-JP" sz="2400" dirty="0" smtClean="0"/>
           </a:p>
           <a:p>
-            <a:pPr lvl="1"/>
+            <a:pPr lvl="1">
+              <a:spcAft>
+                <a:spcPts val="600"/>
+              </a:spcAft>
+            </a:pPr>
             <a:r>
               <a:rPr lang="en-US" altLang="ja-JP" sz="2400" dirty="0" smtClean="0"/>
               <a:t>WHATWG</a:t>
@@ -11874,6 +11490,11 @@
             <a:endParaRPr lang="en-US" altLang="ja-JP" sz="2400" dirty="0" smtClean="0"/>
           </a:p>
           <a:p>
+            <a:pPr>
+              <a:spcAft>
+                <a:spcPts val="600"/>
+              </a:spcAft>
+            </a:pPr>
             <a:r>
               <a:rPr lang="ja-JP" altLang="en-US" dirty="0" smtClean="0"/>
               <a:t>コードパース手法の調査・プログラム作成</a:t>
@@ -11881,7 +11502,11 @@
             <a:endParaRPr lang="en-US" altLang="ja-JP" dirty="0" smtClean="0"/>
           </a:p>
           <a:p>
-            <a:pPr lvl="1"/>
+            <a:pPr lvl="1">
+              <a:spcAft>
+                <a:spcPts val="600"/>
+              </a:spcAft>
+            </a:pPr>
             <a:r>
               <a:rPr kumimoji="1" lang="en-US" altLang="ja-JP" sz="2400" dirty="0" err="1" smtClean="0"/>
               <a:t>JQuery,Ajax</a:t>
@@ -11893,7 +11518,11 @@
             <a:endParaRPr kumimoji="1" lang="en-US" altLang="ja-JP" sz="2400" dirty="0" smtClean="0"/>
           </a:p>
           <a:p>
-            <a:pPr lvl="1"/>
+            <a:pPr lvl="1">
+              <a:spcAft>
+                <a:spcPts val="600"/>
+              </a:spcAft>
+            </a:pPr>
             <a:r>
               <a:rPr lang="ja-JP" altLang="en-US" sz="2400" dirty="0" smtClean="0"/>
               <a:t>ソースコードを</a:t>
@@ -11909,7 +11538,11 @@
             <a:endParaRPr lang="en-US" altLang="ja-JP" sz="2400" dirty="0" smtClean="0"/>
           </a:p>
           <a:p>
-            <a:pPr lvl="1"/>
+            <a:pPr lvl="1">
+              <a:spcAft>
+                <a:spcPts val="600"/>
+              </a:spcAft>
+            </a:pPr>
             <a:r>
               <a:rPr kumimoji="1" lang="en-US" altLang="ja-JP" sz="2400" dirty="0" smtClean="0"/>
               <a:t>DOM</a:t>
@@ -12045,6 +11678,11 @@
           </a:bodyPr>
           <a:lstStyle/>
           <a:p>
+            <a:pPr>
+              <a:spcAft>
+                <a:spcPts val="600"/>
+              </a:spcAft>
+            </a:pPr>
             <a:r>
               <a:rPr lang="ja-JP" altLang="en-US" dirty="0" smtClean="0"/>
               <a:t>対象とした</a:t>
@@ -12060,6 +11698,11 @@
             <a:endParaRPr lang="en-US" altLang="ja-JP" dirty="0" smtClean="0"/>
           </a:p>
           <a:p>
+            <a:pPr>
+              <a:spcAft>
+                <a:spcPts val="600"/>
+              </a:spcAft>
+            </a:pPr>
             <a:r>
               <a:rPr lang="ja-JP" altLang="en-US" dirty="0" smtClean="0"/>
               <a:t>その他のパース手法の継続的調査</a:t>
@@ -12067,7 +11710,11 @@
             <a:endParaRPr lang="en-US" altLang="ja-JP" dirty="0" smtClean="0"/>
           </a:p>
           <a:p>
-            <a:pPr lvl="1"/>
+            <a:pPr lvl="1">
+              <a:spcAft>
+                <a:spcPts val="600"/>
+              </a:spcAft>
+            </a:pPr>
             <a:r>
               <a:rPr lang="ja-JP" altLang="en-US" dirty="0" smtClean="0"/>
               <a:t>より良い手法の検討</a:t>
@@ -12075,6 +11722,11 @@
             <a:endParaRPr lang="en-US" altLang="ja-JP" dirty="0" smtClean="0"/>
           </a:p>
           <a:p>
+            <a:pPr>
+              <a:spcAft>
+                <a:spcPts val="600"/>
+              </a:spcAft>
+            </a:pPr>
             <a:r>
               <a:rPr lang="ja-JP" altLang="en-US" dirty="0" smtClean="0"/>
               <a:t>関数評価方法の検討</a:t>
@@ -12082,7 +11734,11 @@
             <a:endParaRPr lang="en-US" altLang="ja-JP" dirty="0" smtClean="0"/>
           </a:p>
           <a:p>
-            <a:pPr lvl="1"/>
+            <a:pPr lvl="1">
+              <a:spcAft>
+                <a:spcPts val="600"/>
+              </a:spcAft>
+            </a:pPr>
             <a:r>
               <a:rPr kumimoji="1" lang="ja-JP" altLang="en-US" dirty="0" smtClean="0"/>
               <a:t>パラメータフィッティング</a:t>
@@ -12188,10 +11844,18 @@
           </a:xfrm>
         </p:spPr>
         <p:txBody>
-          <a:bodyPr/>
+          <a:bodyPr>
+            <a:normAutofit fontScale="92500" lnSpcReduction="10000"/>
+          </a:bodyPr>
           <a:lstStyle/>
           <a:p>
             <a:pPr marL="0" indent="0" algn="ctr">
+              <a:lnSpc>
+                <a:spcPct val="160000"/>
+              </a:lnSpc>
+              <a:spcAft>
+                <a:spcPts val="600"/>
+              </a:spcAft>
               <a:buNone/>
             </a:pPr>
             <a:r>
@@ -12322,7 +11986,7 @@
         <p:spPr>
           <a:xfrm>
             <a:off x="627803" y="175356"/>
-            <a:ext cx="8674169" cy="2000548"/>
+            <a:ext cx="8494633" cy="1923604"/>
           </a:xfrm>
           <a:prstGeom prst="rect">
             <a:avLst/>
@@ -12341,10 +12005,25 @@
               </a:spcAft>
             </a:pPr>
             <a:r>
-              <a:rPr lang="ja-JP" altLang="en-US" sz="2000" dirty="0" smtClean="0"/>
+              <a:rPr lang="ja-JP" altLang="en-US" dirty="0" smtClean="0"/>
               <a:t>略歴</a:t>
             </a:r>
-            <a:endParaRPr lang="en-US" altLang="ja-JP" sz="2000" dirty="0" smtClean="0"/>
+            <a:endParaRPr lang="en-US" altLang="ja-JP" dirty="0" smtClean="0"/>
+          </a:p>
+          <a:p>
+            <a:pPr>
+              <a:lnSpc>
+                <a:spcPct val="150000"/>
+              </a:lnSpc>
+              <a:spcAft>
+                <a:spcPts val="600"/>
+              </a:spcAft>
+            </a:pPr>
+            <a:r>
+              <a:rPr kumimoji="1" lang="ja-JP" altLang="en-US" dirty="0" smtClean="0"/>
+              <a:t>１９９７年４月～ゲームソフトウェア開発会社プログラマー</a:t>
+            </a:r>
+            <a:endParaRPr kumimoji="1" lang="en-US" altLang="ja-JP" dirty="0" smtClean="0"/>
           </a:p>
           <a:p>
             <a:pPr>
@@ -12353,10 +12032,10 @@
               </a:spcAft>
             </a:pPr>
             <a:r>
-              <a:rPr kumimoji="1" lang="ja-JP" altLang="en-US" sz="2000" dirty="0" smtClean="0"/>
-              <a:t>１９９７年４月～ゲームソフトウェア開発会社プログラマー</a:t>
-            </a:r>
-            <a:endParaRPr kumimoji="1" lang="en-US" altLang="ja-JP" sz="2000" dirty="0" smtClean="0"/>
+              <a:rPr lang="ja-JP" altLang="en-US" dirty="0" smtClean="0"/>
+              <a:t>２００５年１２月～理化学研究所脳科学総合研究センター神経情報基盤センター</a:t>
+            </a:r>
+            <a:endParaRPr lang="en-US" altLang="ja-JP" dirty="0" smtClean="0"/>
           </a:p>
           <a:p>
             <a:pPr>
@@ -12365,10 +12044,13 @@
               </a:spcAft>
             </a:pPr>
             <a:r>
-              <a:rPr lang="ja-JP" altLang="en-US" sz="2000" dirty="0" smtClean="0"/>
-              <a:t>２００５年１２月～理化学研究所脳科学総合研究センター神経情報基盤センター</a:t>
-            </a:r>
-            <a:endParaRPr lang="en-US" altLang="ja-JP" sz="2000" dirty="0" smtClean="0"/>
+              <a:rPr kumimoji="1" lang="ja-JP" altLang="en-US" dirty="0" smtClean="0"/>
+              <a:t>２０１２年４月～科学技術振興機構</a:t>
+            </a:r>
+            <a:r>
+              <a:rPr kumimoji="1" lang="en-US" altLang="ja-JP" dirty="0" smtClean="0"/>
+              <a:t>(JST)</a:t>
+            </a:r>
           </a:p>
           <a:p>
             <a:pPr>
@@ -12377,29 +12059,14 @@
               </a:spcAft>
             </a:pPr>
             <a:r>
-              <a:rPr kumimoji="1" lang="ja-JP" altLang="en-US" sz="2000" dirty="0" smtClean="0"/>
-              <a:t>２０１２年４月～科学技術振興機構</a:t>
-            </a:r>
-            <a:r>
-              <a:rPr kumimoji="1" lang="en-US" altLang="ja-JP" sz="2000" dirty="0" smtClean="0"/>
-              <a:t>(JST)</a:t>
-            </a:r>
-          </a:p>
-          <a:p>
-            <a:pPr>
-              <a:spcAft>
-                <a:spcPts val="600"/>
-              </a:spcAft>
-            </a:pPr>
-            <a:r>
-              <a:rPr lang="ja-JP" altLang="en-US" sz="2000" dirty="0" smtClean="0"/>
+              <a:rPr lang="ja-JP" altLang="en-US" dirty="0" smtClean="0"/>
               <a:t>２０１４年４月～海洋研究開発機構</a:t>
             </a:r>
             <a:r>
-              <a:rPr lang="en-US" altLang="ja-JP" sz="2000" dirty="0" smtClean="0"/>
+              <a:rPr lang="en-US" altLang="ja-JP" dirty="0" smtClean="0"/>
               <a:t>(JAMSTEC)</a:t>
             </a:r>
-            <a:endParaRPr kumimoji="1" lang="ja-JP" altLang="en-US" sz="2000" dirty="0"/>
+            <a:endParaRPr kumimoji="1" lang="ja-JP" altLang="en-US" dirty="0"/>
           </a:p>
         </p:txBody>
       </p:sp>
@@ -12426,7 +12093,7 @@
         </p:blipFill>
         <p:spPr bwMode="auto">
           <a:xfrm>
-            <a:off x="344157" y="509927"/>
+            <a:off x="325562" y="572344"/>
             <a:ext cx="395899" cy="367621"/>
           </a:xfrm>
           <a:prstGeom prst="rect">
@@ -12467,7 +12134,7 @@
         </p:blipFill>
         <p:spPr bwMode="auto">
           <a:xfrm>
-            <a:off x="319037" y="951951"/>
+            <a:off x="328250" y="983257"/>
             <a:ext cx="390525" cy="342901"/>
           </a:xfrm>
           <a:prstGeom prst="rect">
@@ -12508,7 +12175,7 @@
         </p:blipFill>
         <p:spPr bwMode="auto">
           <a:xfrm>
-            <a:off x="393980" y="1431107"/>
+            <a:off x="334000" y="1412742"/>
             <a:ext cx="296252" cy="296252"/>
           </a:xfrm>
           <a:prstGeom prst="rect">
@@ -12549,7 +12216,7 @@
         </p:blipFill>
         <p:spPr bwMode="auto">
           <a:xfrm>
-            <a:off x="356582" y="1809675"/>
+            <a:off x="328250" y="1751740"/>
             <a:ext cx="315434" cy="315434"/>
           </a:xfrm>
           <a:prstGeom prst="rect">
@@ -12590,7 +12257,7 @@
         </p:blipFill>
         <p:spPr bwMode="auto">
           <a:xfrm>
-            <a:off x="-72056" y="1004180"/>
+            <a:off x="-62275" y="1026549"/>
             <a:ext cx="390525" cy="342901"/>
           </a:xfrm>
           <a:prstGeom prst="rect">
@@ -12647,7 +12314,7 @@
       </p:grpSpPr>
       <p:sp>
         <p:nvSpPr>
-          <p:cNvPr id="3" name="コンテンツ プレースホルダー 2"/>
+          <p:cNvPr id="4" name="コンテンツ プレースホルダー 3"/>
           <p:cNvSpPr>
             <a:spLocks noGrp="1"/>
           </p:cNvSpPr>
@@ -12655,24 +12322,12 @@
             <p:ph idx="1"/>
           </p:nvPr>
         </p:nvSpPr>
-        <p:spPr>
-          <a:xfrm>
-            <a:off x="457200" y="2839915"/>
-            <a:ext cx="8229600" cy="4525963"/>
-          </a:xfrm>
-        </p:spPr>
-        <p:txBody>
-          <a:bodyPr>
-            <a:normAutofit/>
-          </a:bodyPr>
+        <p:spPr/>
+        <p:txBody>
+          <a:bodyPr/>
           <a:lstStyle/>
           <a:p>
-            <a:pPr algn="ctr"/>
-            <a:r>
-              <a:rPr kumimoji="1" lang="ja-JP" altLang="en-US" sz="5400" dirty="0" smtClean="0"/>
-              <a:t>ありがとうございました</a:t>
-            </a:r>
-            <a:endParaRPr kumimoji="1" lang="ja-JP" altLang="en-US" sz="5400" dirty="0"/>
+            <a:endParaRPr kumimoji="1" lang="ja-JP" altLang="en-US"/>
           </a:p>
         </p:txBody>
       </p:sp>
@@ -12680,1975 +12335,6 @@
     <p:extLst>
       <p:ext uri="{BB962C8B-B14F-4D97-AF65-F5344CB8AC3E}">
         <p14:creationId xmlns:p14="http://schemas.microsoft.com/office/powerpoint/2010/main" val="25890878"/>
-      </p:ext>
-    </p:extLst>
-  </p:cSld>
-  <p:clrMapOvr>
-    <a:masterClrMapping/>
-  </p:clrMapOvr>
-  <p:timing>
-    <p:tnLst>
-      <p:par>
-        <p:cTn id="1" dur="indefinite" restart="never" nodeType="tmRoot"/>
-      </p:par>
-    </p:tnLst>
-  </p:timing>
-</p:sld>
-</file>
-
-<file path=ppt/slides/slide21.xml><?xml version="1.0" encoding="utf-8"?>
-<p:sld xmlns:a="http://schemas.openxmlformats.org/drawingml/2006/main" xmlns:r="http://schemas.openxmlformats.org/officeDocument/2006/relationships" xmlns:p="http://schemas.openxmlformats.org/presentationml/2006/main">
-  <p:cSld>
-    <p:spTree>
-      <p:nvGrpSpPr>
-        <p:cNvPr id="1" name=""/>
-        <p:cNvGrpSpPr/>
-        <p:nvPr/>
-      </p:nvGrpSpPr>
-      <p:grpSpPr>
-        <a:xfrm>
-          <a:off x="0" y="0"/>
-          <a:ext cx="0" cy="0"/>
-          <a:chOff x="0" y="0"/>
-          <a:chExt cx="0" cy="0"/>
-        </a:xfrm>
-      </p:grpSpPr>
-      <p:sp>
-        <p:nvSpPr>
-          <p:cNvPr id="2" name="タイトル 1"/>
-          <p:cNvSpPr>
-            <a:spLocks noGrp="1"/>
-          </p:cNvSpPr>
-          <p:nvPr>
-            <p:ph type="title"/>
-          </p:nvPr>
-        </p:nvSpPr>
-        <p:spPr/>
-        <p:txBody>
-          <a:bodyPr/>
-          <a:lstStyle/>
-          <a:p>
-            <a:r>
-              <a:rPr kumimoji="1" lang="ja-JP" altLang="en-US" dirty="0" smtClean="0"/>
-              <a:t>背景</a:t>
-            </a:r>
-            <a:endParaRPr kumimoji="1" lang="ja-JP" altLang="en-US" dirty="0"/>
-          </a:p>
-        </p:txBody>
-      </p:sp>
-      <p:sp>
-        <p:nvSpPr>
-          <p:cNvPr id="3" name="コンテンツ プレースホルダー 2"/>
-          <p:cNvSpPr>
-            <a:spLocks noGrp="1"/>
-          </p:cNvSpPr>
-          <p:nvPr>
-            <p:ph idx="1"/>
-          </p:nvPr>
-        </p:nvSpPr>
-        <p:spPr/>
-        <p:txBody>
-          <a:bodyPr/>
-          <a:lstStyle/>
-          <a:p>
-            <a:r>
-              <a:rPr lang="ja-JP" altLang="en-US" dirty="0" smtClean="0"/>
-              <a:t>ヒトの情報処理を理解する手段として神経細胞特性や知覚特性を記述・再現する数理モデル構築並びにシミュレーションによるモデル検証の問題点</a:t>
-            </a:r>
-            <a:endParaRPr kumimoji="1" lang="ja-JP" altLang="en-US" dirty="0"/>
-          </a:p>
-        </p:txBody>
-      </p:sp>
-      <p:cxnSp>
-        <p:nvCxnSpPr>
-          <p:cNvPr id="5" name="直線コネクタ 4"/>
-          <p:cNvCxnSpPr/>
-          <p:nvPr/>
-        </p:nvCxnSpPr>
-        <p:spPr>
-          <a:xfrm>
-            <a:off x="457200" y="1417638"/>
-            <a:ext cx="8478982" cy="0"/>
-          </a:xfrm>
-          <a:prstGeom prst="line">
-            <a:avLst/>
-          </a:prstGeom>
-        </p:spPr>
-        <p:style>
-          <a:lnRef idx="2">
-            <a:schemeClr val="accent1"/>
-          </a:lnRef>
-          <a:fillRef idx="0">
-            <a:schemeClr val="accent1"/>
-          </a:fillRef>
-          <a:effectRef idx="1">
-            <a:schemeClr val="accent1"/>
-          </a:effectRef>
-          <a:fontRef idx="minor">
-            <a:schemeClr val="tx1"/>
-          </a:fontRef>
-        </p:style>
-      </p:cxnSp>
-      <p:pic>
-        <p:nvPicPr>
-          <p:cNvPr id="1026" name="Picture 2" descr="http://vis.berkeley.edu/courses/cs294-10-fa07/wiki/images/e/e1/A1_bad.gif"/>
-          <p:cNvPicPr>
-            <a:picLocks noChangeAspect="1" noChangeArrowheads="1"/>
-          </p:cNvPicPr>
-          <p:nvPr/>
-        </p:nvPicPr>
-        <p:blipFill>
-          <a:blip r:embed="rId3">
-            <a:extLst>
-              <a:ext uri="{28A0092B-C50C-407E-A947-70E740481C1C}">
-                <a14:useLocalDpi xmlns:a14="http://schemas.microsoft.com/office/drawing/2010/main" val="0"/>
-              </a:ext>
-            </a:extLst>
-          </a:blip>
-          <a:srcRect/>
-          <a:stretch>
-            <a:fillRect/>
-          </a:stretch>
-        </p:blipFill>
-        <p:spPr bwMode="auto">
-          <a:xfrm>
-            <a:off x="5591175" y="2210829"/>
-            <a:ext cx="2984500" cy="3737534"/>
-          </a:xfrm>
-          <a:prstGeom prst="rect">
-            <a:avLst/>
-          </a:prstGeom>
-          <a:noFill/>
-          <a:extLst>
-            <a:ext uri="{909E8E84-426E-40DD-AFC4-6F175D3DCCD1}">
-              <a14:hiddenFill xmlns:a14="http://schemas.microsoft.com/office/drawing/2010/main">
-                <a:solidFill>
-                  <a:srgbClr val="FFFFFF"/>
-                </a:solidFill>
-              </a14:hiddenFill>
-            </a:ext>
-          </a:extLst>
-        </p:spPr>
-      </p:pic>
-    </p:spTree>
-    <p:extLst>
-      <p:ext uri="{BB962C8B-B14F-4D97-AF65-F5344CB8AC3E}">
-        <p14:creationId xmlns:p14="http://schemas.microsoft.com/office/powerpoint/2010/main" val="2993580768"/>
-      </p:ext>
-    </p:extLst>
-  </p:cSld>
-  <p:clrMapOvr>
-    <a:masterClrMapping/>
-  </p:clrMapOvr>
-  <p:timing>
-    <p:tnLst>
-      <p:par>
-        <p:cTn id="1" dur="indefinite" restart="never" nodeType="tmRoot"/>
-      </p:par>
-    </p:tnLst>
-  </p:timing>
-</p:sld>
-</file>
-
-<file path=ppt/slides/slide22.xml><?xml version="1.0" encoding="utf-8"?>
-<p:sld xmlns:a="http://schemas.openxmlformats.org/drawingml/2006/main" xmlns:r="http://schemas.openxmlformats.org/officeDocument/2006/relationships" xmlns:p="http://schemas.openxmlformats.org/presentationml/2006/main">
-  <p:cSld>
-    <p:spTree>
-      <p:nvGrpSpPr>
-        <p:cNvPr id="1" name=""/>
-        <p:cNvGrpSpPr/>
-        <p:nvPr/>
-      </p:nvGrpSpPr>
-      <p:grpSpPr>
-        <a:xfrm>
-          <a:off x="0" y="0"/>
-          <a:ext cx="0" cy="0"/>
-          <a:chOff x="0" y="0"/>
-          <a:chExt cx="0" cy="0"/>
-        </a:xfrm>
-      </p:grpSpPr>
-      <p:sp>
-        <p:nvSpPr>
-          <p:cNvPr id="2" name="タイトル 1"/>
-          <p:cNvSpPr>
-            <a:spLocks noGrp="1"/>
-          </p:cNvSpPr>
-          <p:nvPr>
-            <p:ph type="title"/>
-          </p:nvPr>
-        </p:nvSpPr>
-        <p:spPr/>
-        <p:txBody>
-          <a:bodyPr>
-            <a:normAutofit fontScale="90000"/>
-          </a:bodyPr>
-          <a:lstStyle/>
-          <a:p>
-            <a:r>
-              <a:rPr lang="ja-JP" altLang="en-US" dirty="0" smtClean="0"/>
-              <a:t>問題点</a:t>
-            </a:r>
-            <a:r>
-              <a:rPr lang="en-US" altLang="ja-JP" dirty="0" smtClean="0"/>
-              <a:t/>
-            </a:r>
-            <a:br>
-              <a:rPr lang="en-US" altLang="ja-JP" dirty="0" smtClean="0"/>
-            </a:br>
-            <a:r>
-              <a:rPr lang="ja-JP" altLang="en-US" dirty="0" smtClean="0"/>
-              <a:t>（</a:t>
-            </a:r>
-            <a:r>
-              <a:rPr lang="en-US" altLang="ja-JP" dirty="0" err="1" smtClean="0"/>
-              <a:t>Matlab</a:t>
-            </a:r>
-            <a:r>
-              <a:rPr lang="ja-JP" altLang="en-US" dirty="0" smtClean="0"/>
-              <a:t>の場合）</a:t>
-            </a:r>
-            <a:endParaRPr kumimoji="1" lang="ja-JP" altLang="en-US" dirty="0"/>
-          </a:p>
-        </p:txBody>
-      </p:sp>
-      <p:pic>
-        <p:nvPicPr>
-          <p:cNvPr id="7" name="図 6" descr="sozai01.png"/>
-          <p:cNvPicPr>
-            <a:picLocks noChangeAspect="1"/>
-          </p:cNvPicPr>
-          <p:nvPr/>
-        </p:nvPicPr>
-        <p:blipFill>
-          <a:blip r:embed="rId3">
-            <a:extLst>
-              <a:ext uri="{28A0092B-C50C-407E-A947-70E740481C1C}">
-                <a14:useLocalDpi xmlns:a14="http://schemas.microsoft.com/office/drawing/2010/main" val="0"/>
-              </a:ext>
-            </a:extLst>
-          </a:blip>
-          <a:stretch>
-            <a:fillRect/>
-          </a:stretch>
-        </p:blipFill>
-        <p:spPr>
-          <a:xfrm>
-            <a:off x="919239" y="1678591"/>
-            <a:ext cx="3289905" cy="2409598"/>
-          </a:xfrm>
-          <a:prstGeom prst="rect">
-            <a:avLst/>
-          </a:prstGeom>
-        </p:spPr>
-      </p:pic>
-      <p:pic>
-        <p:nvPicPr>
-          <p:cNvPr id="8" name="図 7" descr="sozai02.png"/>
-          <p:cNvPicPr>
-            <a:picLocks noChangeAspect="1"/>
-          </p:cNvPicPr>
-          <p:nvPr/>
-        </p:nvPicPr>
-        <p:blipFill>
-          <a:blip r:embed="rId4">
-            <a:extLst>
-              <a:ext uri="{28A0092B-C50C-407E-A947-70E740481C1C}">
-                <a14:useLocalDpi xmlns:a14="http://schemas.microsoft.com/office/drawing/2010/main" val="0"/>
-              </a:ext>
-            </a:extLst>
-          </a:blip>
-          <a:stretch>
-            <a:fillRect/>
-          </a:stretch>
-        </p:blipFill>
-        <p:spPr>
-          <a:xfrm>
-            <a:off x="919239" y="4318000"/>
-            <a:ext cx="3289905" cy="2409598"/>
-          </a:xfrm>
-          <a:prstGeom prst="rect">
-            <a:avLst/>
-          </a:prstGeom>
-        </p:spPr>
-      </p:pic>
-      <p:sp>
-        <p:nvSpPr>
-          <p:cNvPr id="9" name="テキスト ボックス 8"/>
-          <p:cNvSpPr txBox="1"/>
-          <p:nvPr/>
-        </p:nvSpPr>
-        <p:spPr>
-          <a:xfrm>
-            <a:off x="4717143" y="2143811"/>
-            <a:ext cx="3941103" cy="923330"/>
-          </a:xfrm>
-          <a:prstGeom prst="rect">
-            <a:avLst/>
-          </a:prstGeom>
-          <a:noFill/>
-        </p:spPr>
-        <p:txBody>
-          <a:bodyPr wrap="none" rtlCol="0">
-            <a:spAutoFit/>
-          </a:bodyPr>
-          <a:lstStyle/>
-          <a:p>
-            <a:r>
-              <a:rPr lang="ja-JP" altLang="en-US" dirty="0" smtClean="0"/>
-              <a:t>ソースコードを表示してコメントなどから</a:t>
-            </a:r>
-            <a:endParaRPr lang="en-US" altLang="ja-JP" dirty="0" smtClean="0"/>
-          </a:p>
-          <a:p>
-            <a:r>
-              <a:rPr lang="ja-JP" altLang="en-US" dirty="0" smtClean="0"/>
-              <a:t>処理の流れを確認する</a:t>
-            </a:r>
-            <a:endParaRPr lang="en-US" altLang="ja-JP" dirty="0" smtClean="0"/>
-          </a:p>
-          <a:p>
-            <a:endParaRPr kumimoji="1" lang="en-US" altLang="ja-JP" dirty="0" smtClean="0"/>
-          </a:p>
-        </p:txBody>
-      </p:sp>
-      <p:sp>
-        <p:nvSpPr>
-          <p:cNvPr id="10" name="テキスト ボックス 9"/>
-          <p:cNvSpPr txBox="1"/>
-          <p:nvPr/>
-        </p:nvSpPr>
-        <p:spPr>
-          <a:xfrm>
-            <a:off x="4717143" y="4511963"/>
-            <a:ext cx="3370334" cy="646331"/>
-          </a:xfrm>
-          <a:prstGeom prst="rect">
-            <a:avLst/>
-          </a:prstGeom>
-          <a:noFill/>
-        </p:spPr>
-        <p:txBody>
-          <a:bodyPr wrap="none" rtlCol="0">
-            <a:spAutoFit/>
-          </a:bodyPr>
-          <a:lstStyle/>
-          <a:p>
-            <a:r>
-              <a:rPr kumimoji="1" lang="ja-JP" altLang="en-US" dirty="0" smtClean="0"/>
-              <a:t>置き換えるべき関数を同定したら</a:t>
-            </a:r>
-            <a:endParaRPr kumimoji="1" lang="en-US" altLang="ja-JP" dirty="0" smtClean="0"/>
-          </a:p>
-          <a:p>
-            <a:r>
-              <a:rPr lang="ja-JP" altLang="en-US" dirty="0" smtClean="0"/>
-              <a:t>ソースコードを書き換え。</a:t>
-            </a:r>
-            <a:endParaRPr kumimoji="1" lang="ja-JP" altLang="en-US" dirty="0"/>
-          </a:p>
-        </p:txBody>
-      </p:sp>
-      <p:sp>
-        <p:nvSpPr>
-          <p:cNvPr id="11" name="下矢印 10"/>
-          <p:cNvSpPr/>
-          <p:nvPr/>
-        </p:nvSpPr>
-        <p:spPr>
-          <a:xfrm>
-            <a:off x="5919380" y="3090672"/>
-            <a:ext cx="810381" cy="1282094"/>
-          </a:xfrm>
-          <a:prstGeom prst="downArrow">
-            <a:avLst/>
-          </a:prstGeom>
-        </p:spPr>
-        <p:style>
-          <a:lnRef idx="1">
-            <a:schemeClr val="accent1"/>
-          </a:lnRef>
-          <a:fillRef idx="3">
-            <a:schemeClr val="accent1"/>
-          </a:fillRef>
-          <a:effectRef idx="2">
-            <a:schemeClr val="accent1"/>
-          </a:effectRef>
-          <a:fontRef idx="minor">
-            <a:schemeClr val="lt1"/>
-          </a:fontRef>
-        </p:style>
-        <p:txBody>
-          <a:bodyPr rtlCol="0" anchor="ctr"/>
-          <a:lstStyle/>
-          <a:p>
-            <a:pPr algn="ctr"/>
-            <a:endParaRPr kumimoji="1" lang="ja-JP" altLang="en-US"/>
-          </a:p>
-        </p:txBody>
-      </p:sp>
-      <p:cxnSp>
-        <p:nvCxnSpPr>
-          <p:cNvPr id="4" name="直線コネクタ 3"/>
-          <p:cNvCxnSpPr/>
-          <p:nvPr/>
-        </p:nvCxnSpPr>
-        <p:spPr>
-          <a:xfrm>
-            <a:off x="346364" y="1533448"/>
-            <a:ext cx="8659091" cy="0"/>
-          </a:xfrm>
-          <a:prstGeom prst="line">
-            <a:avLst/>
-          </a:prstGeom>
-        </p:spPr>
-        <p:style>
-          <a:lnRef idx="2">
-            <a:schemeClr val="accent1"/>
-          </a:lnRef>
-          <a:fillRef idx="0">
-            <a:schemeClr val="accent1"/>
-          </a:fillRef>
-          <a:effectRef idx="1">
-            <a:schemeClr val="accent1"/>
-          </a:effectRef>
-          <a:fontRef idx="minor">
-            <a:schemeClr val="tx1"/>
-          </a:fontRef>
-        </p:style>
-      </p:cxnSp>
-    </p:spTree>
-    <p:extLst>
-      <p:ext uri="{BB962C8B-B14F-4D97-AF65-F5344CB8AC3E}">
-        <p14:creationId xmlns:p14="http://schemas.microsoft.com/office/powerpoint/2010/main" val="397028746"/>
-      </p:ext>
-    </p:extLst>
-  </p:cSld>
-  <p:clrMapOvr>
-    <a:masterClrMapping/>
-  </p:clrMapOvr>
-  <p:timing>
-    <p:tnLst>
-      <p:par>
-        <p:cTn id="1" dur="indefinite" restart="never" nodeType="tmRoot"/>
-      </p:par>
-    </p:tnLst>
-  </p:timing>
-</p:sld>
-</file>
-
-<file path=ppt/slides/slide23.xml><?xml version="1.0" encoding="utf-8"?>
-<p:sld xmlns:a="http://schemas.openxmlformats.org/drawingml/2006/main" xmlns:r="http://schemas.openxmlformats.org/officeDocument/2006/relationships" xmlns:p="http://schemas.openxmlformats.org/presentationml/2006/main">
-  <p:cSld>
-    <p:spTree>
-      <p:nvGrpSpPr>
-        <p:cNvPr id="1" name=""/>
-        <p:cNvGrpSpPr/>
-        <p:nvPr/>
-      </p:nvGrpSpPr>
-      <p:grpSpPr>
-        <a:xfrm>
-          <a:off x="0" y="0"/>
-          <a:ext cx="0" cy="0"/>
-          <a:chOff x="0" y="0"/>
-          <a:chExt cx="0" cy="0"/>
-        </a:xfrm>
-      </p:grpSpPr>
-      <p:sp>
-        <p:nvSpPr>
-          <p:cNvPr id="2" name="タイトル 1"/>
-          <p:cNvSpPr>
-            <a:spLocks noGrp="1"/>
-          </p:cNvSpPr>
-          <p:nvPr>
-            <p:ph type="title"/>
-          </p:nvPr>
-        </p:nvSpPr>
-        <p:spPr/>
-        <p:txBody>
-          <a:bodyPr/>
-          <a:lstStyle/>
-          <a:p>
-            <a:r>
-              <a:rPr kumimoji="1" lang="ja-JP" altLang="en-US" dirty="0" smtClean="0"/>
-              <a:t>問題点</a:t>
-            </a:r>
-            <a:endParaRPr kumimoji="1" lang="ja-JP" altLang="en-US" dirty="0"/>
-          </a:p>
-        </p:txBody>
-      </p:sp>
-      <p:sp>
-        <p:nvSpPr>
-          <p:cNvPr id="3" name="コンテンツ プレースホルダー 2"/>
-          <p:cNvSpPr>
-            <a:spLocks noGrp="1"/>
-          </p:cNvSpPr>
-          <p:nvPr>
-            <p:ph idx="1"/>
-          </p:nvPr>
-        </p:nvSpPr>
-        <p:spPr/>
-        <p:txBody>
-          <a:bodyPr>
-            <a:normAutofit/>
-          </a:bodyPr>
-          <a:lstStyle/>
-          <a:p>
-            <a:pPr marL="0" indent="0">
-              <a:buNone/>
-            </a:pPr>
-            <a:r>
-              <a:rPr kumimoji="1" lang="ja-JP" altLang="en-US" dirty="0" smtClean="0"/>
-              <a:t>一部改変による改良を行う場合、</a:t>
-            </a:r>
-            <a:r>
-              <a:rPr kumimoji="1" lang="ja-JP" altLang="en-US" u="sng" dirty="0" smtClean="0">
-                <a:solidFill>
-                  <a:srgbClr val="FFC000"/>
-                </a:solidFill>
-              </a:rPr>
-              <a:t>従来の手法</a:t>
-            </a:r>
-            <a:endParaRPr kumimoji="1" lang="en-US" altLang="ja-JP" u="sng" dirty="0" smtClean="0">
-              <a:solidFill>
-                <a:srgbClr val="FFC000"/>
-              </a:solidFill>
-            </a:endParaRPr>
-          </a:p>
-          <a:p>
-            <a:pPr marL="514350" indent="-514350">
-              <a:buClr>
-                <a:schemeClr val="accent6"/>
-              </a:buClr>
-              <a:buFont typeface="+mj-ea"/>
-              <a:buAutoNum type="circleNumDbPlain"/>
-            </a:pPr>
-            <a:r>
-              <a:rPr lang="ja-JP" altLang="en-US" dirty="0" smtClean="0"/>
-              <a:t>論文ベースでの</a:t>
-            </a:r>
-            <a:r>
-              <a:rPr lang="en-US" altLang="ja-JP" dirty="0" smtClean="0"/>
-              <a:t>S&amp;H</a:t>
-            </a:r>
-            <a:r>
-              <a:rPr lang="ja-JP" altLang="en-US" dirty="0" smtClean="0"/>
-              <a:t>数理モデルの解釈（プログラム用のモデル図を描く）</a:t>
-            </a:r>
-            <a:endParaRPr lang="en-US" altLang="ja-JP" dirty="0" smtClean="0"/>
-          </a:p>
-          <a:p>
-            <a:pPr marL="514350" indent="-514350">
-              <a:buClr>
-                <a:schemeClr val="accent6"/>
-              </a:buClr>
-              <a:buFont typeface="+mj-ea"/>
-              <a:buAutoNum type="circleNumDbPlain"/>
-            </a:pPr>
-            <a:r>
-              <a:rPr kumimoji="1" lang="ja-JP" altLang="en-US" dirty="0" smtClean="0"/>
-              <a:t>数理モデルを実装（翻訳）したプログラミング言語の解読＝コードから論文内容と</a:t>
-            </a:r>
-            <a:r>
-              <a:rPr kumimoji="1" lang="en-US" altLang="ja-JP" dirty="0" err="1" smtClean="0"/>
-              <a:t>Matlab</a:t>
-            </a:r>
-            <a:r>
-              <a:rPr kumimoji="1" lang="ja-JP" altLang="en-US" dirty="0" smtClean="0"/>
-              <a:t>ファイルの対応関係を読みとる</a:t>
-            </a:r>
-            <a:endParaRPr kumimoji="1" lang="en-US" altLang="ja-JP" dirty="0" smtClean="0"/>
-          </a:p>
-          <a:p>
-            <a:pPr marL="514350" indent="-514350">
-              <a:buClr>
-                <a:schemeClr val="accent6"/>
-              </a:buClr>
-              <a:buFont typeface="+mj-ea"/>
-              <a:buAutoNum type="circleNumDbPlain"/>
-            </a:pPr>
-            <a:r>
-              <a:rPr lang="ja-JP" altLang="en-US" dirty="0" smtClean="0"/>
-              <a:t>改変すべき関数の同定</a:t>
-            </a:r>
-            <a:endParaRPr lang="en-US" altLang="ja-JP" dirty="0" smtClean="0"/>
-          </a:p>
-          <a:p>
-            <a:pPr marL="514350" indent="-514350">
-              <a:buClr>
-                <a:schemeClr val="accent6"/>
-              </a:buClr>
-              <a:buFont typeface="+mj-ea"/>
-              <a:buAutoNum type="circleNumDbPlain"/>
-            </a:pPr>
-            <a:r>
-              <a:rPr kumimoji="1" lang="ja-JP" altLang="en-US" dirty="0" smtClean="0"/>
-              <a:t>新しい知見を反映した新関数への置き換え</a:t>
-            </a:r>
-            <a:endParaRPr kumimoji="1" lang="en-US" altLang="ja-JP" dirty="0" smtClean="0"/>
-          </a:p>
-        </p:txBody>
-      </p:sp>
-      <p:cxnSp>
-        <p:nvCxnSpPr>
-          <p:cNvPr id="5" name="直線コネクタ 4"/>
-          <p:cNvCxnSpPr/>
-          <p:nvPr/>
-        </p:nvCxnSpPr>
-        <p:spPr>
-          <a:xfrm>
-            <a:off x="457200" y="1417638"/>
-            <a:ext cx="8229600" cy="0"/>
-          </a:xfrm>
-          <a:prstGeom prst="line">
-            <a:avLst/>
-          </a:prstGeom>
-        </p:spPr>
-        <p:style>
-          <a:lnRef idx="2">
-            <a:schemeClr val="accent1"/>
-          </a:lnRef>
-          <a:fillRef idx="0">
-            <a:schemeClr val="accent1"/>
-          </a:fillRef>
-          <a:effectRef idx="1">
-            <a:schemeClr val="accent1"/>
-          </a:effectRef>
-          <a:fontRef idx="minor">
-            <a:schemeClr val="tx1"/>
-          </a:fontRef>
-        </p:style>
-      </p:cxnSp>
-    </p:spTree>
-    <p:extLst>
-      <p:ext uri="{BB962C8B-B14F-4D97-AF65-F5344CB8AC3E}">
-        <p14:creationId xmlns:p14="http://schemas.microsoft.com/office/powerpoint/2010/main" val="4273173671"/>
-      </p:ext>
-    </p:extLst>
-  </p:cSld>
-  <p:clrMapOvr>
-    <a:masterClrMapping/>
-  </p:clrMapOvr>
-  <p:timing>
-    <p:tnLst>
-      <p:par>
-        <p:cTn id="1" dur="indefinite" restart="never" nodeType="tmRoot"/>
-      </p:par>
-    </p:tnLst>
-  </p:timing>
-</p:sld>
-</file>
-
-<file path=ppt/slides/slide24.xml><?xml version="1.0" encoding="utf-8"?>
-<p:sld xmlns:a="http://schemas.openxmlformats.org/drawingml/2006/main" xmlns:r="http://schemas.openxmlformats.org/officeDocument/2006/relationships" xmlns:p="http://schemas.openxmlformats.org/presentationml/2006/main">
-  <p:cSld>
-    <p:spTree>
-      <p:nvGrpSpPr>
-        <p:cNvPr id="1" name=""/>
-        <p:cNvGrpSpPr/>
-        <p:nvPr/>
-      </p:nvGrpSpPr>
-      <p:grpSpPr>
-        <a:xfrm>
-          <a:off x="0" y="0"/>
-          <a:ext cx="0" cy="0"/>
-          <a:chOff x="0" y="0"/>
-          <a:chExt cx="0" cy="0"/>
-        </a:xfrm>
-      </p:grpSpPr>
-      <p:sp>
-        <p:nvSpPr>
-          <p:cNvPr id="2" name="タイトル 1"/>
-          <p:cNvSpPr>
-            <a:spLocks noGrp="1"/>
-          </p:cNvSpPr>
-          <p:nvPr>
-            <p:ph type="title"/>
-          </p:nvPr>
-        </p:nvSpPr>
-        <p:spPr/>
-        <p:txBody>
-          <a:bodyPr/>
-          <a:lstStyle/>
-          <a:p>
-            <a:endParaRPr kumimoji="1" lang="ja-JP" altLang="en-US"/>
-          </a:p>
-        </p:txBody>
-      </p:sp>
-      <p:sp>
-        <p:nvSpPr>
-          <p:cNvPr id="3" name="コンテンツ プレースホルダー 2"/>
-          <p:cNvSpPr>
-            <a:spLocks noGrp="1"/>
-          </p:cNvSpPr>
-          <p:nvPr>
-            <p:ph idx="1"/>
-          </p:nvPr>
-        </p:nvSpPr>
-        <p:spPr/>
-        <p:txBody>
-          <a:bodyPr/>
-          <a:lstStyle/>
-          <a:p>
-            <a:endParaRPr kumimoji="1" lang="ja-JP" altLang="en-US" dirty="0"/>
-          </a:p>
-        </p:txBody>
-      </p:sp>
-      <p:grpSp>
-        <p:nvGrpSpPr>
-          <p:cNvPr id="21" name="グループ化 20"/>
-          <p:cNvGrpSpPr/>
-          <p:nvPr/>
-        </p:nvGrpSpPr>
-        <p:grpSpPr>
-          <a:xfrm>
-            <a:off x="457200" y="2470638"/>
-            <a:ext cx="6260122" cy="3965807"/>
-            <a:chOff x="457200" y="2470638"/>
-            <a:chExt cx="6260122" cy="3965807"/>
-          </a:xfrm>
-        </p:grpSpPr>
-        <p:sp>
-          <p:nvSpPr>
-            <p:cNvPr id="4" name="正方形/長方形 3"/>
-            <p:cNvSpPr/>
-            <p:nvPr/>
-          </p:nvSpPr>
-          <p:spPr>
-            <a:xfrm>
-              <a:off x="457200" y="2470638"/>
-              <a:ext cx="1652954" cy="958361"/>
-            </a:xfrm>
-            <a:prstGeom prst="rect">
-              <a:avLst/>
-            </a:prstGeom>
-          </p:spPr>
-          <p:style>
-            <a:lnRef idx="1">
-              <a:schemeClr val="accent2"/>
-            </a:lnRef>
-            <a:fillRef idx="2">
-              <a:schemeClr val="accent2"/>
-            </a:fillRef>
-            <a:effectRef idx="1">
-              <a:schemeClr val="accent2"/>
-            </a:effectRef>
-            <a:fontRef idx="minor">
-              <a:schemeClr val="dk1"/>
-            </a:fontRef>
-          </p:style>
-          <p:txBody>
-            <a:bodyPr rtlCol="0" anchor="ctr"/>
-            <a:lstStyle/>
-            <a:p>
-              <a:pPr algn="ctr"/>
-              <a:r>
-                <a:rPr lang="ja-JP" altLang="en-US" dirty="0"/>
-                <a:t>ソースコード</a:t>
-              </a:r>
-              <a:r>
-                <a:rPr lang="ja-JP" altLang="en-US" dirty="0" smtClean="0"/>
-                <a:t>の解析</a:t>
-              </a:r>
-              <a:endParaRPr kumimoji="1" lang="ja-JP" altLang="en-US" dirty="0"/>
-            </a:p>
-          </p:txBody>
-        </p:sp>
-        <p:sp>
-          <p:nvSpPr>
-            <p:cNvPr id="5" name="正方形/長方形 4"/>
-            <p:cNvSpPr/>
-            <p:nvPr/>
-          </p:nvSpPr>
-          <p:spPr>
-            <a:xfrm>
-              <a:off x="457200" y="3714752"/>
-              <a:ext cx="1652954" cy="989133"/>
-            </a:xfrm>
-            <a:prstGeom prst="rect">
-              <a:avLst/>
-            </a:prstGeom>
-          </p:spPr>
-          <p:style>
-            <a:lnRef idx="1">
-              <a:schemeClr val="accent2"/>
-            </a:lnRef>
-            <a:fillRef idx="2">
-              <a:schemeClr val="accent2"/>
-            </a:fillRef>
-            <a:effectRef idx="1">
-              <a:schemeClr val="accent2"/>
-            </a:effectRef>
-            <a:fontRef idx="minor">
-              <a:schemeClr val="dk1"/>
-            </a:fontRef>
-          </p:style>
-          <p:txBody>
-            <a:bodyPr rtlCol="0" anchor="ctr"/>
-            <a:lstStyle/>
-            <a:p>
-              <a:pPr algn="ctr"/>
-              <a:r>
-                <a:rPr lang="ja-JP" altLang="en-US" dirty="0" smtClean="0"/>
-                <a:t>仮説に</a:t>
-              </a:r>
-              <a:r>
-                <a:rPr lang="ja-JP" altLang="en-US" dirty="0"/>
-                <a:t>対</a:t>
-              </a:r>
-              <a:r>
-                <a:rPr lang="ja-JP" altLang="en-US" dirty="0" smtClean="0"/>
-                <a:t>する</a:t>
-              </a:r>
-              <a:r>
-                <a:rPr lang="ja-JP" altLang="en-US" dirty="0"/>
-                <a:t>関数</a:t>
-              </a:r>
-              <a:r>
-                <a:rPr lang="ja-JP" altLang="en-US" dirty="0" smtClean="0"/>
-                <a:t>を同定</a:t>
-              </a:r>
-              <a:endParaRPr kumimoji="1" lang="ja-JP" altLang="en-US" dirty="0"/>
-            </a:p>
-          </p:txBody>
-        </p:sp>
-        <p:sp>
-          <p:nvSpPr>
-            <p:cNvPr id="6" name="正方形/長方形 5"/>
-            <p:cNvSpPr/>
-            <p:nvPr/>
-          </p:nvSpPr>
-          <p:spPr>
-            <a:xfrm>
-              <a:off x="457200" y="5047021"/>
-              <a:ext cx="1652954" cy="923193"/>
-            </a:xfrm>
-            <a:prstGeom prst="rect">
-              <a:avLst/>
-            </a:prstGeom>
-          </p:spPr>
-          <p:style>
-            <a:lnRef idx="1">
-              <a:schemeClr val="accent2"/>
-            </a:lnRef>
-            <a:fillRef idx="2">
-              <a:schemeClr val="accent2"/>
-            </a:fillRef>
-            <a:effectRef idx="1">
-              <a:schemeClr val="accent2"/>
-            </a:effectRef>
-            <a:fontRef idx="minor">
-              <a:schemeClr val="dk1"/>
-            </a:fontRef>
-          </p:style>
-          <p:txBody>
-            <a:bodyPr rtlCol="0" anchor="ctr"/>
-            <a:lstStyle/>
-            <a:p>
-              <a:pPr algn="ctr"/>
-              <a:r>
-                <a:rPr lang="ja-JP" altLang="en-US" dirty="0" smtClean="0"/>
-                <a:t>新しい数理</a:t>
-              </a:r>
-              <a:r>
-                <a:rPr lang="en-US" altLang="ja-JP" dirty="0" smtClean="0"/>
-                <a:t/>
-              </a:r>
-              <a:br>
-                <a:rPr lang="en-US" altLang="ja-JP" dirty="0" smtClean="0"/>
-              </a:br>
-              <a:r>
-                <a:rPr lang="ja-JP" altLang="en-US" dirty="0" smtClean="0"/>
-                <a:t>モデルの作成</a:t>
-              </a:r>
-              <a:endParaRPr kumimoji="1" lang="ja-JP" altLang="en-US" dirty="0"/>
-            </a:p>
-          </p:txBody>
-        </p:sp>
-        <p:sp>
-          <p:nvSpPr>
-            <p:cNvPr id="7" name="正方形/長方形 6"/>
-            <p:cNvSpPr/>
-            <p:nvPr/>
-          </p:nvSpPr>
-          <p:spPr>
-            <a:xfrm>
-              <a:off x="2602522" y="4538464"/>
-              <a:ext cx="1793631" cy="816051"/>
-            </a:xfrm>
-            <a:prstGeom prst="rect">
-              <a:avLst/>
-            </a:prstGeom>
-          </p:spPr>
-          <p:style>
-            <a:lnRef idx="1">
-              <a:schemeClr val="accent2"/>
-            </a:lnRef>
-            <a:fillRef idx="2">
-              <a:schemeClr val="accent2"/>
-            </a:fillRef>
-            <a:effectRef idx="1">
-              <a:schemeClr val="accent2"/>
-            </a:effectRef>
-            <a:fontRef idx="minor">
-              <a:schemeClr val="dk1"/>
-            </a:fontRef>
-          </p:style>
-          <p:txBody>
-            <a:bodyPr rtlCol="0" anchor="ctr"/>
-            <a:lstStyle/>
-            <a:p>
-              <a:pPr algn="ctr"/>
-              <a:r>
-                <a:rPr lang="ja-JP" altLang="en-US" dirty="0"/>
-                <a:t>シミュレーション</a:t>
-              </a:r>
-              <a:endParaRPr kumimoji="1" lang="ja-JP" altLang="en-US" dirty="0"/>
-            </a:p>
-          </p:txBody>
-        </p:sp>
-        <p:sp>
-          <p:nvSpPr>
-            <p:cNvPr id="8" name="正方形/長方形 7"/>
-            <p:cNvSpPr/>
-            <p:nvPr/>
-          </p:nvSpPr>
-          <p:spPr>
-            <a:xfrm>
-              <a:off x="4888521" y="3794698"/>
-              <a:ext cx="1828800" cy="1151792"/>
-            </a:xfrm>
-            <a:prstGeom prst="rect">
-              <a:avLst/>
-            </a:prstGeom>
-          </p:spPr>
-          <p:style>
-            <a:lnRef idx="1">
-              <a:schemeClr val="accent2"/>
-            </a:lnRef>
-            <a:fillRef idx="2">
-              <a:schemeClr val="accent2"/>
-            </a:fillRef>
-            <a:effectRef idx="1">
-              <a:schemeClr val="accent2"/>
-            </a:effectRef>
-            <a:fontRef idx="minor">
-              <a:schemeClr val="dk1"/>
-            </a:fontRef>
-          </p:style>
-          <p:txBody>
-            <a:bodyPr rtlCol="0" anchor="ctr"/>
-            <a:lstStyle/>
-            <a:p>
-              <a:pPr algn="ctr"/>
-              <a:r>
-                <a:rPr lang="ja-JP" altLang="en-US" dirty="0" smtClean="0"/>
-                <a:t>シミュレーションと仮説結果が</a:t>
-              </a:r>
-              <a:r>
-                <a:rPr lang="en-US" altLang="ja-JP" dirty="0" smtClean="0"/>
-                <a:t/>
-              </a:r>
-              <a:br>
-                <a:rPr lang="en-US" altLang="ja-JP" dirty="0" smtClean="0"/>
-              </a:br>
-              <a:r>
-                <a:rPr lang="ja-JP" altLang="en-US" dirty="0" smtClean="0"/>
-                <a:t>不一致</a:t>
-              </a:r>
-              <a:endParaRPr kumimoji="1" lang="ja-JP" altLang="en-US" dirty="0"/>
-            </a:p>
-          </p:txBody>
-        </p:sp>
-        <p:sp>
-          <p:nvSpPr>
-            <p:cNvPr id="9" name="正方形/長方形 8"/>
-            <p:cNvSpPr/>
-            <p:nvPr/>
-          </p:nvSpPr>
-          <p:spPr>
-            <a:xfrm>
-              <a:off x="4888522" y="5236637"/>
-              <a:ext cx="1828800" cy="1063869"/>
-            </a:xfrm>
-            <a:prstGeom prst="rect">
-              <a:avLst/>
-            </a:prstGeom>
-          </p:spPr>
-          <p:style>
-            <a:lnRef idx="1">
-              <a:schemeClr val="accent2"/>
-            </a:lnRef>
-            <a:fillRef idx="2">
-              <a:schemeClr val="accent2"/>
-            </a:fillRef>
-            <a:effectRef idx="1">
-              <a:schemeClr val="accent2"/>
-            </a:effectRef>
-            <a:fontRef idx="minor">
-              <a:schemeClr val="dk1"/>
-            </a:fontRef>
-          </p:style>
-          <p:txBody>
-            <a:bodyPr rtlCol="0" anchor="ctr"/>
-            <a:lstStyle/>
-            <a:p>
-              <a:pPr algn="ctr"/>
-              <a:r>
-                <a:rPr lang="ja-JP" altLang="en-US" dirty="0"/>
-                <a:t>シミュレーション</a:t>
-              </a:r>
-              <a:r>
-                <a:rPr kumimoji="1" lang="ja-JP" altLang="en-US" dirty="0" smtClean="0"/>
-                <a:t>と仮説結果が</a:t>
-              </a:r>
-              <a:r>
-                <a:rPr kumimoji="1" lang="en-US" altLang="ja-JP" dirty="0" smtClean="0"/>
-                <a:t/>
-              </a:r>
-              <a:br>
-                <a:rPr kumimoji="1" lang="en-US" altLang="ja-JP" dirty="0" smtClean="0"/>
-              </a:br>
-              <a:r>
-                <a:rPr kumimoji="1" lang="ja-JP" altLang="en-US" dirty="0" smtClean="0"/>
-                <a:t>一致</a:t>
-              </a:r>
-              <a:endParaRPr kumimoji="1" lang="ja-JP" altLang="en-US" dirty="0"/>
-            </a:p>
-          </p:txBody>
-        </p:sp>
-        <p:sp>
-          <p:nvSpPr>
-            <p:cNvPr id="10" name="正方形/長方形 9"/>
-            <p:cNvSpPr/>
-            <p:nvPr/>
-          </p:nvSpPr>
-          <p:spPr>
-            <a:xfrm>
-              <a:off x="2602523" y="5629869"/>
-              <a:ext cx="1793631" cy="806576"/>
-            </a:xfrm>
-            <a:prstGeom prst="rect">
-              <a:avLst/>
-            </a:prstGeom>
-          </p:spPr>
-          <p:style>
-            <a:lnRef idx="1">
-              <a:schemeClr val="accent2"/>
-            </a:lnRef>
-            <a:fillRef idx="2">
-              <a:schemeClr val="accent2"/>
-            </a:fillRef>
-            <a:effectRef idx="1">
-              <a:schemeClr val="accent2"/>
-            </a:effectRef>
-            <a:fontRef idx="minor">
-              <a:schemeClr val="dk1"/>
-            </a:fontRef>
-          </p:style>
-          <p:txBody>
-            <a:bodyPr rtlCol="0" anchor="ctr"/>
-            <a:lstStyle/>
-            <a:p>
-              <a:pPr algn="ctr"/>
-              <a:r>
-                <a:rPr kumimoji="1" lang="ja-JP" altLang="en-US" dirty="0" smtClean="0"/>
-                <a:t>有効な仮説</a:t>
-              </a:r>
-              <a:r>
-                <a:rPr kumimoji="1" lang="en-US" altLang="ja-JP" dirty="0" smtClean="0"/>
-                <a:t/>
-              </a:r>
-              <a:br>
-                <a:rPr kumimoji="1" lang="en-US" altLang="ja-JP" dirty="0" smtClean="0"/>
-              </a:br>
-              <a:r>
-                <a:rPr kumimoji="1" lang="ja-JP" altLang="en-US" dirty="0" smtClean="0"/>
-                <a:t>として残る</a:t>
-              </a:r>
-              <a:endParaRPr kumimoji="1" lang="ja-JP" altLang="en-US" dirty="0"/>
-            </a:p>
-          </p:txBody>
-        </p:sp>
-        <p:sp>
-          <p:nvSpPr>
-            <p:cNvPr id="11" name="正方形/長方形 10"/>
-            <p:cNvSpPr/>
-            <p:nvPr/>
-          </p:nvSpPr>
-          <p:spPr>
-            <a:xfrm>
-              <a:off x="2602521" y="2470639"/>
-              <a:ext cx="1793631" cy="958362"/>
-            </a:xfrm>
-            <a:prstGeom prst="rect">
-              <a:avLst/>
-            </a:prstGeom>
-          </p:spPr>
-          <p:style>
-            <a:lnRef idx="1">
-              <a:schemeClr val="accent2"/>
-            </a:lnRef>
-            <a:fillRef idx="2">
-              <a:schemeClr val="accent2"/>
-            </a:fillRef>
-            <a:effectRef idx="1">
-              <a:schemeClr val="accent2"/>
-            </a:effectRef>
-            <a:fontRef idx="minor">
-              <a:schemeClr val="dk1"/>
-            </a:fontRef>
-          </p:style>
-          <p:txBody>
-            <a:bodyPr rtlCol="0" anchor="ctr"/>
-            <a:lstStyle/>
-            <a:p>
-              <a:pPr algn="ctr"/>
-              <a:r>
-                <a:rPr kumimoji="1" lang="ja-JP" altLang="en-US" dirty="0" smtClean="0"/>
-                <a:t>仮説の反証</a:t>
-              </a:r>
-              <a:endParaRPr kumimoji="1" lang="ja-JP" altLang="en-US" dirty="0"/>
-            </a:p>
-          </p:txBody>
-        </p:sp>
-        <p:cxnSp>
-          <p:nvCxnSpPr>
-            <p:cNvPr id="12" name="直線矢印コネクタ 11"/>
-            <p:cNvCxnSpPr>
-              <a:stCxn id="4" idx="2"/>
-              <a:endCxn id="5" idx="0"/>
-            </p:cNvCxnSpPr>
-            <p:nvPr/>
-          </p:nvCxnSpPr>
-          <p:spPr>
-            <a:xfrm>
-              <a:off x="1283677" y="3428999"/>
-              <a:ext cx="0" cy="285753"/>
-            </a:xfrm>
-            <a:prstGeom prst="straightConnector1">
-              <a:avLst/>
-            </a:prstGeom>
-            <a:ln w="57150">
-              <a:tailEnd type="triangle"/>
-            </a:ln>
-          </p:spPr>
-          <p:style>
-            <a:lnRef idx="3">
-              <a:schemeClr val="accent6"/>
-            </a:lnRef>
-            <a:fillRef idx="0">
-              <a:schemeClr val="accent6"/>
-            </a:fillRef>
-            <a:effectRef idx="2">
-              <a:schemeClr val="accent6"/>
-            </a:effectRef>
-            <a:fontRef idx="minor">
-              <a:schemeClr val="tx1"/>
-            </a:fontRef>
-          </p:style>
-        </p:cxnSp>
-        <p:cxnSp>
-          <p:nvCxnSpPr>
-            <p:cNvPr id="13" name="直線矢印コネクタ 12"/>
-            <p:cNvCxnSpPr>
-              <a:stCxn id="5" idx="2"/>
-              <a:endCxn id="6" idx="0"/>
-            </p:cNvCxnSpPr>
-            <p:nvPr/>
-          </p:nvCxnSpPr>
-          <p:spPr>
-            <a:xfrm>
-              <a:off x="1283677" y="4703885"/>
-              <a:ext cx="0" cy="343136"/>
-            </a:xfrm>
-            <a:prstGeom prst="straightConnector1">
-              <a:avLst/>
-            </a:prstGeom>
-            <a:ln w="57150">
-              <a:tailEnd type="triangle"/>
-            </a:ln>
-          </p:spPr>
-          <p:style>
-            <a:lnRef idx="3">
-              <a:schemeClr val="accent6"/>
-            </a:lnRef>
-            <a:fillRef idx="0">
-              <a:schemeClr val="accent6"/>
-            </a:fillRef>
-            <a:effectRef idx="2">
-              <a:schemeClr val="accent6"/>
-            </a:effectRef>
-            <a:fontRef idx="minor">
-              <a:schemeClr val="tx1"/>
-            </a:fontRef>
-          </p:style>
-        </p:cxnSp>
-        <p:cxnSp>
-          <p:nvCxnSpPr>
-            <p:cNvPr id="14" name="カギ線コネクタ 13"/>
-            <p:cNvCxnSpPr>
-              <a:stCxn id="6" idx="3"/>
-              <a:endCxn id="7" idx="1"/>
-            </p:cNvCxnSpPr>
-            <p:nvPr/>
-          </p:nvCxnSpPr>
-          <p:spPr>
-            <a:xfrm flipV="1">
-              <a:off x="2110154" y="4946490"/>
-              <a:ext cx="492368" cy="562128"/>
-            </a:xfrm>
-            <a:prstGeom prst="bentConnector3">
-              <a:avLst/>
-            </a:prstGeom>
-            <a:ln w="57150">
-              <a:tailEnd type="triangle"/>
-            </a:ln>
-          </p:spPr>
-          <p:style>
-            <a:lnRef idx="3">
-              <a:schemeClr val="accent6"/>
-            </a:lnRef>
-            <a:fillRef idx="0">
-              <a:schemeClr val="accent6"/>
-            </a:fillRef>
-            <a:effectRef idx="2">
-              <a:schemeClr val="accent6"/>
-            </a:effectRef>
-            <a:fontRef idx="minor">
-              <a:schemeClr val="tx1"/>
-            </a:fontRef>
-          </p:style>
-        </p:cxnSp>
-        <p:cxnSp>
-          <p:nvCxnSpPr>
-            <p:cNvPr id="15" name="カギ線コネクタ 14"/>
-            <p:cNvCxnSpPr>
-              <a:stCxn id="7" idx="3"/>
-              <a:endCxn id="8" idx="1"/>
-            </p:cNvCxnSpPr>
-            <p:nvPr/>
-          </p:nvCxnSpPr>
-          <p:spPr>
-            <a:xfrm flipV="1">
-              <a:off x="4396153" y="4370594"/>
-              <a:ext cx="492368" cy="575896"/>
-            </a:xfrm>
-            <a:prstGeom prst="bentConnector3">
-              <a:avLst/>
-            </a:prstGeom>
-            <a:ln w="57150">
-              <a:tailEnd type="triangle"/>
-            </a:ln>
-          </p:spPr>
-          <p:style>
-            <a:lnRef idx="3">
-              <a:schemeClr val="accent6"/>
-            </a:lnRef>
-            <a:fillRef idx="0">
-              <a:schemeClr val="accent6"/>
-            </a:fillRef>
-            <a:effectRef idx="2">
-              <a:schemeClr val="accent6"/>
-            </a:effectRef>
-            <a:fontRef idx="minor">
-              <a:schemeClr val="tx1"/>
-            </a:fontRef>
-          </p:style>
-        </p:cxnSp>
-        <p:cxnSp>
-          <p:nvCxnSpPr>
-            <p:cNvPr id="16" name="カギ線コネクタ 15"/>
-            <p:cNvCxnSpPr>
-              <a:stCxn id="7" idx="3"/>
-              <a:endCxn id="9" idx="1"/>
-            </p:cNvCxnSpPr>
-            <p:nvPr/>
-          </p:nvCxnSpPr>
-          <p:spPr>
-            <a:xfrm>
-              <a:off x="4396153" y="4946490"/>
-              <a:ext cx="492369" cy="822082"/>
-            </a:xfrm>
-            <a:prstGeom prst="bentConnector3">
-              <a:avLst/>
-            </a:prstGeom>
-            <a:ln w="57150">
-              <a:tailEnd type="triangle"/>
-            </a:ln>
-          </p:spPr>
-          <p:style>
-            <a:lnRef idx="3">
-              <a:schemeClr val="accent6"/>
-            </a:lnRef>
-            <a:fillRef idx="0">
-              <a:schemeClr val="accent6"/>
-            </a:fillRef>
-            <a:effectRef idx="2">
-              <a:schemeClr val="accent6"/>
-            </a:effectRef>
-            <a:fontRef idx="minor">
-              <a:schemeClr val="tx1"/>
-            </a:fontRef>
-          </p:style>
-        </p:cxnSp>
-        <p:cxnSp>
-          <p:nvCxnSpPr>
-            <p:cNvPr id="17" name="カギ線コネクタ 16"/>
-            <p:cNvCxnSpPr>
-              <a:stCxn id="8" idx="0"/>
-              <a:endCxn id="11" idx="3"/>
-            </p:cNvCxnSpPr>
-            <p:nvPr/>
-          </p:nvCxnSpPr>
-          <p:spPr>
-            <a:xfrm rot="16200000" flipV="1">
-              <a:off x="4677098" y="2668874"/>
-              <a:ext cx="844878" cy="1406769"/>
-            </a:xfrm>
-            <a:prstGeom prst="bentConnector2">
-              <a:avLst/>
-            </a:prstGeom>
-            <a:ln w="57150">
-              <a:tailEnd type="triangle"/>
-            </a:ln>
-          </p:spPr>
-          <p:style>
-            <a:lnRef idx="3">
-              <a:schemeClr val="accent6"/>
-            </a:lnRef>
-            <a:fillRef idx="0">
-              <a:schemeClr val="accent6"/>
-            </a:fillRef>
-            <a:effectRef idx="2">
-              <a:schemeClr val="accent6"/>
-            </a:effectRef>
-            <a:fontRef idx="minor">
-              <a:schemeClr val="tx1"/>
-            </a:fontRef>
-          </p:style>
-        </p:cxnSp>
-        <p:cxnSp>
-          <p:nvCxnSpPr>
-            <p:cNvPr id="18" name="カギ線コネクタ 17"/>
-            <p:cNvCxnSpPr>
-              <a:stCxn id="11" idx="1"/>
-              <a:endCxn id="4" idx="3"/>
-            </p:cNvCxnSpPr>
-            <p:nvPr/>
-          </p:nvCxnSpPr>
-          <p:spPr>
-            <a:xfrm rot="10800000">
-              <a:off x="2110155" y="2949820"/>
-              <a:ext cx="492367" cy="1"/>
-            </a:xfrm>
-            <a:prstGeom prst="bentConnector3">
-              <a:avLst/>
-            </a:prstGeom>
-            <a:ln w="57150">
-              <a:tailEnd type="triangle"/>
-            </a:ln>
-          </p:spPr>
-          <p:style>
-            <a:lnRef idx="3">
-              <a:schemeClr val="accent6"/>
-            </a:lnRef>
-            <a:fillRef idx="0">
-              <a:schemeClr val="accent6"/>
-            </a:fillRef>
-            <a:effectRef idx="2">
-              <a:schemeClr val="accent6"/>
-            </a:effectRef>
-            <a:fontRef idx="minor">
-              <a:schemeClr val="tx1"/>
-            </a:fontRef>
-          </p:style>
-        </p:cxnSp>
-        <p:cxnSp>
-          <p:nvCxnSpPr>
-            <p:cNvPr id="19" name="カギ線コネクタ 18"/>
-            <p:cNvCxnSpPr>
-              <a:stCxn id="9" idx="2"/>
-              <a:endCxn id="10" idx="3"/>
-            </p:cNvCxnSpPr>
-            <p:nvPr/>
-          </p:nvCxnSpPr>
-          <p:spPr>
-            <a:xfrm rot="5400000" flipH="1">
-              <a:off x="4965863" y="5463448"/>
-              <a:ext cx="267349" cy="1406768"/>
-            </a:xfrm>
-            <a:prstGeom prst="bentConnector4">
-              <a:avLst>
-                <a:gd name="adj1" fmla="val -85506"/>
-                <a:gd name="adj2" fmla="val 82500"/>
-              </a:avLst>
-            </a:prstGeom>
-            <a:ln w="57150">
-              <a:tailEnd type="triangle"/>
-            </a:ln>
-          </p:spPr>
-          <p:style>
-            <a:lnRef idx="3">
-              <a:schemeClr val="accent6"/>
-            </a:lnRef>
-            <a:fillRef idx="0">
-              <a:schemeClr val="accent6"/>
-            </a:fillRef>
-            <a:effectRef idx="2">
-              <a:schemeClr val="accent6"/>
-            </a:effectRef>
-            <a:fontRef idx="minor">
-              <a:schemeClr val="tx1"/>
-            </a:fontRef>
-          </p:style>
-        </p:cxnSp>
-        <p:cxnSp>
-          <p:nvCxnSpPr>
-            <p:cNvPr id="20" name="カギ線コネクタ 19"/>
-            <p:cNvCxnSpPr>
-              <a:stCxn id="10" idx="2"/>
-              <a:endCxn id="6" idx="2"/>
-            </p:cNvCxnSpPr>
-            <p:nvPr/>
-          </p:nvCxnSpPr>
-          <p:spPr>
-            <a:xfrm rot="5400000" flipH="1">
-              <a:off x="2158392" y="5095499"/>
-              <a:ext cx="466231" cy="2215662"/>
-            </a:xfrm>
-            <a:prstGeom prst="bentConnector3">
-              <a:avLst>
-                <a:gd name="adj1" fmla="val -49031"/>
-              </a:avLst>
-            </a:prstGeom>
-            <a:ln w="57150">
-              <a:tailEnd type="triangle"/>
-            </a:ln>
-          </p:spPr>
-          <p:style>
-            <a:lnRef idx="3">
-              <a:schemeClr val="accent6"/>
-            </a:lnRef>
-            <a:fillRef idx="0">
-              <a:schemeClr val="accent6"/>
-            </a:fillRef>
-            <a:effectRef idx="2">
-              <a:schemeClr val="accent6"/>
-            </a:effectRef>
-            <a:fontRef idx="minor">
-              <a:schemeClr val="tx1"/>
-            </a:fontRef>
-          </p:style>
-        </p:cxnSp>
-      </p:grpSp>
-    </p:spTree>
-    <p:extLst>
-      <p:ext uri="{BB962C8B-B14F-4D97-AF65-F5344CB8AC3E}">
-        <p14:creationId xmlns:p14="http://schemas.microsoft.com/office/powerpoint/2010/main" val="2116955543"/>
-      </p:ext>
-    </p:extLst>
-  </p:cSld>
-  <p:clrMapOvr>
-    <a:masterClrMapping/>
-  </p:clrMapOvr>
-  <p:timing>
-    <p:tnLst>
-      <p:par>
-        <p:cTn id="1" dur="indefinite" restart="never" nodeType="tmRoot"/>
-      </p:par>
-    </p:tnLst>
-  </p:timing>
-</p:sld>
-</file>
-
-<file path=ppt/slides/slide25.xml><?xml version="1.0" encoding="utf-8"?>
-<p:sld xmlns:a="http://schemas.openxmlformats.org/drawingml/2006/main" xmlns:r="http://schemas.openxmlformats.org/officeDocument/2006/relationships" xmlns:p="http://schemas.openxmlformats.org/presentationml/2006/main">
-  <p:cSld>
-    <p:spTree>
-      <p:nvGrpSpPr>
-        <p:cNvPr id="1" name=""/>
-        <p:cNvGrpSpPr/>
-        <p:nvPr/>
-      </p:nvGrpSpPr>
-      <p:grpSpPr>
-        <a:xfrm>
-          <a:off x="0" y="0"/>
-          <a:ext cx="0" cy="0"/>
-          <a:chOff x="0" y="0"/>
-          <a:chExt cx="0" cy="0"/>
-        </a:xfrm>
-      </p:grpSpPr>
-      <p:sp>
-        <p:nvSpPr>
-          <p:cNvPr id="2" name="タイトル 1"/>
-          <p:cNvSpPr>
-            <a:spLocks noGrp="1"/>
-          </p:cNvSpPr>
-          <p:nvPr>
-            <p:ph type="title"/>
-          </p:nvPr>
-        </p:nvSpPr>
-        <p:spPr/>
-        <p:txBody>
-          <a:bodyPr/>
-          <a:lstStyle/>
-          <a:p>
-            <a:r>
-              <a:rPr lang="ja-JP" altLang="en-US" dirty="0" smtClean="0"/>
-              <a:t>従来の手法</a:t>
-            </a:r>
-            <a:endParaRPr kumimoji="1" lang="ja-JP" altLang="en-US" dirty="0"/>
-          </a:p>
-        </p:txBody>
-      </p:sp>
-      <p:grpSp>
-        <p:nvGrpSpPr>
-          <p:cNvPr id="16" name="図形グループ 15"/>
-          <p:cNvGrpSpPr/>
-          <p:nvPr/>
-        </p:nvGrpSpPr>
-        <p:grpSpPr>
-          <a:xfrm>
-            <a:off x="832102" y="2103804"/>
-            <a:ext cx="7291842" cy="3932118"/>
-            <a:chOff x="832102" y="2103804"/>
-            <a:chExt cx="7291842" cy="3932118"/>
-          </a:xfrm>
-        </p:grpSpPr>
-        <p:sp>
-          <p:nvSpPr>
-            <p:cNvPr id="5" name="正方形/長方形 4"/>
-            <p:cNvSpPr/>
-            <p:nvPr/>
-          </p:nvSpPr>
-          <p:spPr>
-            <a:xfrm>
-              <a:off x="832102" y="3211836"/>
-              <a:ext cx="1065675" cy="1635116"/>
-            </a:xfrm>
-            <a:prstGeom prst="rect">
-              <a:avLst/>
-            </a:prstGeom>
-          </p:spPr>
-          <p:style>
-            <a:lnRef idx="1">
-              <a:schemeClr val="accent1"/>
-            </a:lnRef>
-            <a:fillRef idx="3">
-              <a:schemeClr val="accent1"/>
-            </a:fillRef>
-            <a:effectRef idx="2">
-              <a:schemeClr val="accent1"/>
-            </a:effectRef>
-            <a:fontRef idx="minor">
-              <a:schemeClr val="lt1"/>
-            </a:fontRef>
-          </p:style>
-          <p:txBody>
-            <a:bodyPr rtlCol="0" anchor="ctr"/>
-            <a:lstStyle/>
-            <a:p>
-              <a:pPr algn="ctr"/>
-              <a:r>
-                <a:rPr lang="ja-JP" altLang="en-US" dirty="0" smtClean="0"/>
-                <a:t>ソースコード</a:t>
-              </a:r>
-              <a:endParaRPr kumimoji="1" lang="ja-JP" altLang="en-US" dirty="0"/>
-            </a:p>
-          </p:txBody>
-        </p:sp>
-        <p:sp>
-          <p:nvSpPr>
-            <p:cNvPr id="6" name="正方形/長方形 5"/>
-            <p:cNvSpPr/>
-            <p:nvPr/>
-          </p:nvSpPr>
-          <p:spPr>
-            <a:xfrm>
-              <a:off x="2642289" y="3211836"/>
-              <a:ext cx="1226256" cy="1635116"/>
-            </a:xfrm>
-            <a:prstGeom prst="rect">
-              <a:avLst/>
-            </a:prstGeom>
-          </p:spPr>
-          <p:style>
-            <a:lnRef idx="1">
-              <a:schemeClr val="accent1"/>
-            </a:lnRef>
-            <a:fillRef idx="3">
-              <a:schemeClr val="accent1"/>
-            </a:fillRef>
-            <a:effectRef idx="2">
-              <a:schemeClr val="accent1"/>
-            </a:effectRef>
-            <a:fontRef idx="minor">
-              <a:schemeClr val="lt1"/>
-            </a:fontRef>
-          </p:style>
-          <p:txBody>
-            <a:bodyPr rtlCol="0" anchor="ctr"/>
-            <a:lstStyle/>
-            <a:p>
-              <a:pPr algn="ctr"/>
-              <a:r>
-                <a:rPr kumimoji="1" lang="ja-JP" altLang="en-US" dirty="0" smtClean="0"/>
-                <a:t>解析</a:t>
-              </a:r>
-              <a:r>
-                <a:rPr lang="ja-JP" altLang="en-US" dirty="0" smtClean="0"/>
-                <a:t>と</a:t>
-              </a:r>
-              <a:r>
-                <a:rPr kumimoji="1" lang="en-US" altLang="ja-JP" dirty="0" smtClean="0"/>
-                <a:t/>
-              </a:r>
-              <a:br>
-                <a:rPr kumimoji="1" lang="en-US" altLang="ja-JP" dirty="0" smtClean="0"/>
-              </a:br>
-              <a:r>
-                <a:rPr kumimoji="1" lang="ja-JP" altLang="en-US" dirty="0" smtClean="0"/>
-                <a:t>モデル化</a:t>
-              </a:r>
-              <a:endParaRPr kumimoji="1" lang="ja-JP" altLang="en-US" dirty="0"/>
-            </a:p>
-          </p:txBody>
-        </p:sp>
-        <p:sp>
-          <p:nvSpPr>
-            <p:cNvPr id="7" name="正方形/長方形 6"/>
-            <p:cNvSpPr/>
-            <p:nvPr/>
-          </p:nvSpPr>
-          <p:spPr>
-            <a:xfrm>
-              <a:off x="4788236" y="2103804"/>
-              <a:ext cx="1270051" cy="1635116"/>
-            </a:xfrm>
-            <a:prstGeom prst="rect">
-              <a:avLst/>
-            </a:prstGeom>
-            <a:solidFill>
-              <a:srgbClr val="FF6600"/>
-            </a:solidFill>
-          </p:spPr>
-          <p:style>
-            <a:lnRef idx="1">
-              <a:schemeClr val="accent1"/>
-            </a:lnRef>
-            <a:fillRef idx="3">
-              <a:schemeClr val="accent1"/>
-            </a:fillRef>
-            <a:effectRef idx="2">
-              <a:schemeClr val="accent1"/>
-            </a:effectRef>
-            <a:fontRef idx="minor">
-              <a:schemeClr val="lt1"/>
-            </a:fontRef>
-          </p:style>
-          <p:txBody>
-            <a:bodyPr rtlCol="0" anchor="ctr"/>
-            <a:lstStyle/>
-            <a:p>
-              <a:pPr algn="ctr"/>
-              <a:r>
-                <a:rPr kumimoji="1" lang="ja-JP" altLang="en-US" dirty="0" smtClean="0"/>
-                <a:t>新しい知見</a:t>
-              </a:r>
-              <a:endParaRPr kumimoji="1" lang="en-US" altLang="ja-JP" dirty="0" smtClean="0"/>
-            </a:p>
-            <a:p>
-              <a:pPr algn="ctr"/>
-              <a:r>
-                <a:rPr kumimoji="1" lang="ja-JP" altLang="en-US" dirty="0" smtClean="0"/>
-                <a:t>を追加</a:t>
-              </a:r>
-              <a:endParaRPr kumimoji="1" lang="ja-JP" altLang="en-US" dirty="0"/>
-            </a:p>
-          </p:txBody>
-        </p:sp>
-        <p:sp>
-          <p:nvSpPr>
-            <p:cNvPr id="8" name="正方形/長方形 7"/>
-            <p:cNvSpPr/>
-            <p:nvPr/>
-          </p:nvSpPr>
-          <p:spPr>
-            <a:xfrm>
-              <a:off x="6941483" y="3241035"/>
-              <a:ext cx="1182461" cy="1635116"/>
-            </a:xfrm>
-            <a:prstGeom prst="rect">
-              <a:avLst/>
-            </a:prstGeom>
-          </p:spPr>
-          <p:style>
-            <a:lnRef idx="1">
-              <a:schemeClr val="accent1"/>
-            </a:lnRef>
-            <a:fillRef idx="3">
-              <a:schemeClr val="accent1"/>
-            </a:fillRef>
-            <a:effectRef idx="2">
-              <a:schemeClr val="accent1"/>
-            </a:effectRef>
-            <a:fontRef idx="minor">
-              <a:schemeClr val="lt1"/>
-            </a:fontRef>
-          </p:style>
-          <p:txBody>
-            <a:bodyPr rtlCol="0" anchor="ctr"/>
-            <a:lstStyle/>
-            <a:p>
-              <a:pPr algn="ctr"/>
-              <a:r>
-                <a:rPr lang="ja-JP" altLang="en-US" dirty="0" smtClean="0"/>
-                <a:t>実行オブジェクト</a:t>
-              </a:r>
-              <a:r>
-                <a:rPr lang="en-US" altLang="ja-JP" dirty="0" smtClean="0"/>
-                <a:t/>
-              </a:r>
-              <a:br>
-                <a:rPr lang="en-US" altLang="ja-JP" dirty="0" smtClean="0"/>
-              </a:br>
-              <a:r>
-                <a:rPr lang="ja-JP" altLang="en-US" dirty="0" smtClean="0"/>
-                <a:t>（出力）</a:t>
-              </a:r>
-              <a:endParaRPr kumimoji="1" lang="ja-JP" altLang="en-US" dirty="0"/>
-            </a:p>
-          </p:txBody>
-        </p:sp>
-        <p:cxnSp>
-          <p:nvCxnSpPr>
-            <p:cNvPr id="10" name="直線矢印コネクタ 9"/>
-            <p:cNvCxnSpPr>
-              <a:stCxn id="5" idx="3"/>
-              <a:endCxn id="6" idx="1"/>
-            </p:cNvCxnSpPr>
-            <p:nvPr/>
-          </p:nvCxnSpPr>
-          <p:spPr>
-            <a:xfrm>
-              <a:off x="1897777" y="4029394"/>
-              <a:ext cx="744512" cy="0"/>
-            </a:xfrm>
-            <a:prstGeom prst="straightConnector1">
-              <a:avLst/>
-            </a:prstGeom>
-            <a:ln>
-              <a:tailEnd type="arrow"/>
-            </a:ln>
-          </p:spPr>
-          <p:style>
-            <a:lnRef idx="2">
-              <a:schemeClr val="accent1"/>
-            </a:lnRef>
-            <a:fillRef idx="0">
-              <a:schemeClr val="accent1"/>
-            </a:fillRef>
-            <a:effectRef idx="1">
-              <a:schemeClr val="accent1"/>
-            </a:effectRef>
-            <a:fontRef idx="minor">
-              <a:schemeClr val="tx1"/>
-            </a:fontRef>
-          </p:style>
-        </p:cxnSp>
-        <p:cxnSp>
-          <p:nvCxnSpPr>
-            <p:cNvPr id="12" name="直線矢印コネクタ 11"/>
-            <p:cNvCxnSpPr>
-              <a:endCxn id="7" idx="1"/>
-            </p:cNvCxnSpPr>
-            <p:nvPr/>
-          </p:nvCxnSpPr>
-          <p:spPr>
-            <a:xfrm flipV="1">
-              <a:off x="3868545" y="2921362"/>
-              <a:ext cx="919691" cy="817558"/>
-            </a:xfrm>
-            <a:prstGeom prst="straightConnector1">
-              <a:avLst/>
-            </a:prstGeom>
-            <a:ln>
-              <a:solidFill>
-                <a:srgbClr val="FF6600"/>
-              </a:solidFill>
-              <a:tailEnd type="arrow"/>
-            </a:ln>
-          </p:spPr>
-          <p:style>
-            <a:lnRef idx="2">
-              <a:schemeClr val="accent1"/>
-            </a:lnRef>
-            <a:fillRef idx="0">
-              <a:schemeClr val="accent1"/>
-            </a:fillRef>
-            <a:effectRef idx="1">
-              <a:schemeClr val="accent1"/>
-            </a:effectRef>
-            <a:fontRef idx="minor">
-              <a:schemeClr val="tx1"/>
-            </a:fontRef>
-          </p:style>
-        </p:cxnSp>
-        <p:cxnSp>
-          <p:nvCxnSpPr>
-            <p:cNvPr id="14" name="直線矢印コネクタ 13"/>
-            <p:cNvCxnSpPr>
-              <a:stCxn id="7" idx="3"/>
-            </p:cNvCxnSpPr>
-            <p:nvPr/>
-          </p:nvCxnSpPr>
-          <p:spPr>
-            <a:xfrm>
-              <a:off x="6058287" y="2921362"/>
-              <a:ext cx="883196" cy="817558"/>
-            </a:xfrm>
-            <a:prstGeom prst="straightConnector1">
-              <a:avLst/>
-            </a:prstGeom>
-            <a:ln>
-              <a:solidFill>
-                <a:srgbClr val="FF6600"/>
-              </a:solidFill>
-              <a:tailEnd type="arrow"/>
-            </a:ln>
-          </p:spPr>
-          <p:style>
-            <a:lnRef idx="2">
-              <a:schemeClr val="accent1"/>
-            </a:lnRef>
-            <a:fillRef idx="0">
-              <a:schemeClr val="accent1"/>
-            </a:fillRef>
-            <a:effectRef idx="1">
-              <a:schemeClr val="accent1"/>
-            </a:effectRef>
-            <a:fontRef idx="minor">
-              <a:schemeClr val="tx1"/>
-            </a:fontRef>
-          </p:style>
-        </p:cxnSp>
-        <p:cxnSp>
-          <p:nvCxnSpPr>
-            <p:cNvPr id="9" name="直線矢印コネクタ 8"/>
-            <p:cNvCxnSpPr/>
-            <p:nvPr/>
-          </p:nvCxnSpPr>
-          <p:spPr>
-            <a:xfrm flipV="1">
-              <a:off x="832102" y="5533118"/>
-              <a:ext cx="7291842" cy="29198"/>
-            </a:xfrm>
-            <a:prstGeom prst="straightConnector1">
-              <a:avLst/>
-            </a:prstGeom>
-            <a:ln w="76200">
-              <a:solidFill>
-                <a:srgbClr val="FF0000"/>
-              </a:solidFill>
-              <a:tailEnd type="arrow"/>
-            </a:ln>
-          </p:spPr>
-          <p:style>
-            <a:lnRef idx="2">
-              <a:schemeClr val="accent1"/>
-            </a:lnRef>
-            <a:fillRef idx="0">
-              <a:schemeClr val="accent1"/>
-            </a:fillRef>
-            <a:effectRef idx="1">
-              <a:schemeClr val="accent1"/>
-            </a:effectRef>
-            <a:fontRef idx="minor">
-              <a:schemeClr val="tx1"/>
-            </a:fontRef>
-          </p:style>
-        </p:cxnSp>
-        <p:sp>
-          <p:nvSpPr>
-            <p:cNvPr id="13" name="テキスト ボックス 12"/>
-            <p:cNvSpPr txBox="1"/>
-            <p:nvPr/>
-          </p:nvSpPr>
-          <p:spPr>
-            <a:xfrm>
-              <a:off x="3494853" y="5574257"/>
-              <a:ext cx="2586766" cy="461665"/>
-            </a:xfrm>
-            <a:prstGeom prst="rect">
-              <a:avLst/>
-            </a:prstGeom>
-            <a:noFill/>
-          </p:spPr>
-          <p:txBody>
-            <a:bodyPr wrap="none" rtlCol="0">
-              <a:spAutoFit/>
-            </a:bodyPr>
-            <a:lstStyle/>
-            <a:p>
-              <a:r>
-                <a:rPr lang="ja-JP" altLang="en-US" sz="2400" dirty="0" smtClean="0">
-                  <a:solidFill>
-                    <a:srgbClr val="FF0000"/>
-                  </a:solidFill>
-                </a:rPr>
-                <a:t>全て手動で</a:t>
-              </a:r>
-              <a:r>
-                <a:rPr kumimoji="1" lang="ja-JP" altLang="en-US" sz="2400" dirty="0" smtClean="0">
-                  <a:solidFill>
-                    <a:srgbClr val="FF0000"/>
-                  </a:solidFill>
-                </a:rPr>
-                <a:t>一方向</a:t>
-              </a:r>
-              <a:endParaRPr kumimoji="1" lang="ja-JP" altLang="en-US" sz="2400" dirty="0">
-                <a:solidFill>
-                  <a:srgbClr val="FF0000"/>
-                </a:solidFill>
-              </a:endParaRPr>
-            </a:p>
-          </p:txBody>
-        </p:sp>
-      </p:grpSp>
-      <p:cxnSp>
-        <p:nvCxnSpPr>
-          <p:cNvPr id="4" name="直線コネクタ 3"/>
-          <p:cNvCxnSpPr/>
-          <p:nvPr/>
-        </p:nvCxnSpPr>
-        <p:spPr>
-          <a:xfrm flipV="1">
-            <a:off x="457200" y="1551709"/>
-            <a:ext cx="8229600" cy="27709"/>
-          </a:xfrm>
-          <a:prstGeom prst="line">
-            <a:avLst/>
-          </a:prstGeom>
-        </p:spPr>
-        <p:style>
-          <a:lnRef idx="2">
-            <a:schemeClr val="accent1"/>
-          </a:lnRef>
-          <a:fillRef idx="0">
-            <a:schemeClr val="accent1"/>
-          </a:fillRef>
-          <a:effectRef idx="1">
-            <a:schemeClr val="accent1"/>
-          </a:effectRef>
-          <a:fontRef idx="minor">
-            <a:schemeClr val="tx1"/>
-          </a:fontRef>
-        </p:style>
-      </p:cxnSp>
-    </p:spTree>
-    <p:extLst>
-      <p:ext uri="{BB962C8B-B14F-4D97-AF65-F5344CB8AC3E}">
-        <p14:creationId xmlns:p14="http://schemas.microsoft.com/office/powerpoint/2010/main" val="2904705528"/>
       </p:ext>
     </p:extLst>
   </p:cSld>
@@ -14706,11 +12392,7 @@
           <a:p>
             <a:r>
               <a:rPr kumimoji="1" lang="ja-JP" altLang="en-US" sz="3600" dirty="0" smtClean="0"/>
-              <a:t>視覚数理モデル</a:t>
-            </a:r>
-            <a:r>
-              <a:rPr kumimoji="1" lang="ja-JP" altLang="en-US" sz="3600" dirty="0" smtClean="0"/>
-              <a:t>研究とは</a:t>
+              <a:t>視覚数理モデル研究とは</a:t>
             </a:r>
             <a:endParaRPr kumimoji="1" lang="ja-JP" altLang="en-US" sz="3600" dirty="0"/>
           </a:p>
@@ -14728,15 +12410,77 @@
         </p:nvSpPr>
         <p:spPr>
           <a:xfrm>
-            <a:off x="408708" y="1308409"/>
-            <a:ext cx="4725999" cy="4525963"/>
+            <a:off x="281354" y="1247430"/>
+            <a:ext cx="4958861" cy="4525963"/>
           </a:xfrm>
         </p:spPr>
         <p:txBody>
           <a:bodyPr>
-            <a:normAutofit fontScale="92500" lnSpcReduction="10000"/>
+            <a:normAutofit fontScale="92500"/>
           </a:bodyPr>
           <a:lstStyle/>
+          <a:p>
+            <a:pPr marL="514350" indent="-514350">
+              <a:lnSpc>
+                <a:spcPct val="160000"/>
+              </a:lnSpc>
+              <a:spcBef>
+                <a:spcPts val="0"/>
+              </a:spcBef>
+              <a:spcAft>
+                <a:spcPts val="600"/>
+              </a:spcAft>
+              <a:buFont typeface="+mj-lt"/>
+              <a:buAutoNum type="arabicPeriod"/>
+            </a:pPr>
+            <a:r>
+              <a:rPr lang="ja-JP" altLang="en-US" dirty="0" smtClean="0"/>
+              <a:t>各種実験結果の数理的</a:t>
+            </a:r>
+            <a:r>
+              <a:rPr lang="ja-JP" altLang="en-US" dirty="0" smtClean="0"/>
+              <a:t>記述</a:t>
+            </a:r>
+            <a:endParaRPr lang="en-US" altLang="ja-JP" dirty="0" smtClean="0"/>
+          </a:p>
+          <a:p>
+            <a:pPr marL="400050" lvl="1" indent="0">
+              <a:lnSpc>
+                <a:spcPct val="110000"/>
+              </a:lnSpc>
+              <a:spcBef>
+                <a:spcPts val="0"/>
+              </a:spcBef>
+              <a:spcAft>
+                <a:spcPts val="600"/>
+              </a:spcAft>
+              <a:buNone/>
+            </a:pPr>
+            <a:r>
+              <a:rPr lang="ja-JP" altLang="en-US" dirty="0" smtClean="0"/>
+              <a:t> 式やアルゴリズムで表現</a:t>
+            </a:r>
+            <a:endParaRPr lang="en-US" altLang="ja-JP" dirty="0" smtClean="0"/>
+          </a:p>
+          <a:p>
+            <a:pPr marL="400050" lvl="1" indent="0">
+              <a:lnSpc>
+                <a:spcPct val="110000"/>
+              </a:lnSpc>
+              <a:spcBef>
+                <a:spcPts val="0"/>
+              </a:spcBef>
+              <a:spcAft>
+                <a:spcPts val="600"/>
+              </a:spcAft>
+              <a:buNone/>
+            </a:pPr>
+            <a:r>
+              <a:rPr lang="ja-JP" altLang="en-US" dirty="0" smtClean="0"/>
+              <a:t> 処理の流れを図示→論文に掲載</a:t>
+            </a:r>
+            <a:endParaRPr lang="en-US" altLang="ja-JP" dirty="0" smtClean="0"/>
+          </a:p>
           <a:p>
             <a:pPr marL="514350" indent="-514350">
               <a:buFont typeface="+mj-lt"/>
@@ -14744,33 +12488,58 @@
             </a:pPr>
             <a:r>
               <a:rPr lang="ja-JP" altLang="en-US" dirty="0" smtClean="0"/>
-              <a:t>各種実験結果の数理的記述</a:t>
+              <a:t>モデル</a:t>
+            </a:r>
+            <a:r>
+              <a:rPr lang="ja-JP" altLang="en-US" dirty="0" smtClean="0"/>
+              <a:t>の</a:t>
+            </a:r>
+            <a:r>
+              <a:rPr lang="ja-JP" altLang="en-US" dirty="0" smtClean="0"/>
+              <a:t>実装</a:t>
+            </a:r>
+            <a:r>
+              <a:rPr lang="en-US" altLang="ja-JP" dirty="0" smtClean="0"/>
+              <a:t>(</a:t>
+            </a:r>
+            <a:r>
+              <a:rPr lang="ja-JP" altLang="en-US" dirty="0" smtClean="0"/>
+              <a:t>プログラム</a:t>
+            </a:r>
+            <a:r>
+              <a:rPr lang="en-US" altLang="ja-JP" dirty="0" smtClean="0"/>
+              <a:t>)</a:t>
+            </a:r>
+          </a:p>
+          <a:p>
+            <a:pPr marL="400050" lvl="1" indent="0">
+              <a:buNone/>
+            </a:pPr>
+            <a:r>
+              <a:rPr lang="en-US" altLang="ja-JP" dirty="0" smtClean="0"/>
+              <a:t>	</a:t>
+            </a:r>
+            <a:r>
+              <a:rPr lang="ja-JP" altLang="en-US" dirty="0" smtClean="0"/>
+              <a:t>式</a:t>
+            </a:r>
+            <a:r>
+              <a:rPr lang="en-US" altLang="ja-JP" dirty="0" smtClean="0"/>
+              <a:t>/</a:t>
+            </a:r>
+            <a:r>
+              <a:rPr lang="ja-JP" altLang="en-US" dirty="0" smtClean="0"/>
+              <a:t>アルゴリズム</a:t>
+            </a:r>
+            <a:r>
+              <a:rPr lang="en-US" altLang="ja-JP" dirty="0"/>
+              <a:t>/</a:t>
+            </a:r>
+            <a:r>
+              <a:rPr lang="ja-JP" altLang="en-US" dirty="0" smtClean="0"/>
+              <a:t>処理流れの翻訳</a:t>
             </a:r>
             <a:endParaRPr lang="en-US" altLang="ja-JP" dirty="0" smtClean="0"/>
-          </a:p>
-          <a:p>
-            <a:pPr lvl="1"/>
-            <a:r>
-              <a:rPr lang="ja-JP" altLang="en-US" dirty="0"/>
-              <a:t>式やアルゴリズムで</a:t>
-            </a:r>
-            <a:r>
-              <a:rPr lang="ja-JP" altLang="en-US" dirty="0" smtClean="0"/>
-              <a:t>表現</a:t>
-            </a:r>
-            <a:endParaRPr lang="en-US" altLang="ja-JP" dirty="0" smtClean="0"/>
-          </a:p>
-          <a:p>
-            <a:pPr lvl="1"/>
-            <a:r>
-              <a:rPr lang="ja-JP" altLang="en-US" dirty="0"/>
-              <a:t>処理の流れを</a:t>
-            </a:r>
-            <a:r>
-              <a:rPr lang="ja-JP" altLang="en-US" dirty="0" smtClean="0"/>
-              <a:t>図示→論文に掲載</a:t>
-            </a:r>
-            <a:endParaRPr lang="en-US" altLang="ja-JP" dirty="0"/>
           </a:p>
           <a:p>
             <a:pPr marL="514350" indent="-514350">
@@ -14779,38 +12548,25 @@
             </a:pPr>
             <a:r>
               <a:rPr lang="ja-JP" altLang="en-US" dirty="0" smtClean="0"/>
-              <a:t>モデルの実装（プログラム）</a:t>
-            </a:r>
-            <a:endParaRPr lang="en-US" altLang="ja-JP" dirty="0" smtClean="0"/>
-          </a:p>
-          <a:p>
-            <a:pPr marL="914400" lvl="1" indent="-514350"/>
+              <a:t>モデル</a:t>
+            </a:r>
             <a:r>
               <a:rPr lang="ja-JP" altLang="en-US" dirty="0" smtClean="0"/>
-              <a:t>式・アルゴリズム・処理流れの翻訳</a:t>
-            </a:r>
-            <a:endParaRPr lang="en-US" altLang="ja-JP" dirty="0" smtClean="0"/>
-          </a:p>
-          <a:p>
-            <a:pPr marL="514350" indent="-514350">
-              <a:buFont typeface="+mj-lt"/>
-              <a:buAutoNum type="arabicPeriod"/>
+              <a:t>妥当性の</a:t>
+            </a:r>
+            <a:r>
+              <a:rPr lang="ja-JP" altLang="en-US" dirty="0" smtClean="0"/>
+              <a:t>検証</a:t>
+            </a:r>
+            <a:endParaRPr lang="en-US" altLang="ja-JP" dirty="0"/>
+          </a:p>
+          <a:p>
+            <a:pPr marL="400050" lvl="1" indent="0">
+              <a:buNone/>
             </a:pPr>
             <a:r>
               <a:rPr lang="ja-JP" altLang="en-US" dirty="0" smtClean="0"/>
-              <a:t>モデル妥当性の検証</a:t>
-            </a:r>
-            <a:endParaRPr lang="en-US" altLang="ja-JP" dirty="0" smtClean="0"/>
-          </a:p>
-          <a:p>
-            <a:pPr marL="914400" lvl="1" indent="-514350"/>
-            <a:r>
-              <a:rPr lang="ja-JP" altLang="en-US" dirty="0"/>
-              <a:t>シミュレーション</a:t>
-            </a:r>
-            <a:r>
-              <a:rPr lang="ja-JP" altLang="en-US" dirty="0" smtClean="0"/>
-              <a:t>結果と実験結果の整合性確認</a:t>
+              <a:t>シミュレーション結果と実験結果の整合性確認</a:t>
             </a:r>
             <a:endParaRPr lang="en-US" altLang="ja-JP" dirty="0" smtClean="0"/>
           </a:p>
@@ -14825,7 +12581,7 @@
                   <a:srgbClr val="FF0000"/>
                 </a:solidFill>
               </a:rPr>
-              <a:t>研究は１</a:t>
+              <a:t>研究</a:t>
             </a:r>
             <a:r>
               <a:rPr lang="ja-JP" altLang="en-US" dirty="0" smtClean="0">
@@ -14833,15 +12589,7 @@
                   <a:srgbClr val="FF0000"/>
                 </a:solidFill>
               </a:rPr>
-              <a:t>～３の</a:t>
-            </a:r>
-            <a:r>
-              <a:rPr lang="ja-JP" altLang="en-US" dirty="0" smtClean="0">
-                <a:solidFill>
-                  <a:srgbClr val="FF0000"/>
-                </a:solidFill>
-              </a:rPr>
-              <a:t>繰り返し</a:t>
+              <a:t>は１～３の繰り返し</a:t>
             </a:r>
             <a:endParaRPr lang="en-US" altLang="ja-JP" dirty="0" smtClean="0">
               <a:solidFill>
@@ -14917,7 +12665,7 @@
         </p:blipFill>
         <p:spPr bwMode="auto">
           <a:xfrm>
-            <a:off x="5002823" y="1138852"/>
+            <a:off x="5134707" y="1138852"/>
             <a:ext cx="3884868" cy="4865078"/>
           </a:xfrm>
           <a:prstGeom prst="rect">
@@ -14943,7 +12691,7 @@
         </p:nvSpPr>
         <p:spPr>
           <a:xfrm>
-            <a:off x="1039900" y="6230971"/>
+            <a:off x="553393" y="6230971"/>
             <a:ext cx="8189614" cy="461665"/>
           </a:xfrm>
           <a:prstGeom prst="rect">
@@ -15113,7 +12861,7 @@
         <p:spPr>
           <a:xfrm>
             <a:off x="1" y="1310081"/>
-            <a:ext cx="6106562" cy="5396986"/>
+            <a:ext cx="5969976" cy="5396986"/>
           </a:xfrm>
           <a:prstGeom prst="rect">
             <a:avLst/>
@@ -15128,7 +12876,7 @@
         </p:nvSpPr>
         <p:spPr>
           <a:xfrm>
-            <a:off x="6106562" y="992335"/>
+            <a:off x="5868316" y="979879"/>
             <a:ext cx="3121367" cy="369332"/>
           </a:xfrm>
           <a:prstGeom prst="rect">
@@ -15159,7 +12907,7 @@
         <p:spPr>
           <a:xfrm>
             <a:off x="2958612" y="2829295"/>
-            <a:ext cx="3080050" cy="3877772"/>
+            <a:ext cx="2909703" cy="3877772"/>
           </a:xfrm>
           <a:prstGeom prst="ellipse">
             <a:avLst/>
@@ -15242,7 +12990,7 @@
         </p:nvSpPr>
         <p:spPr>
           <a:xfrm>
-            <a:off x="6106563" y="1361667"/>
+            <a:off x="5868317" y="1349211"/>
             <a:ext cx="2372765" cy="369332"/>
           </a:xfrm>
           <a:prstGeom prst="rect">
@@ -15272,7 +13020,7 @@
         </p:nvSpPr>
         <p:spPr>
           <a:xfrm>
-            <a:off x="6106563" y="1725579"/>
+            <a:off x="5868317" y="1713123"/>
             <a:ext cx="2767104" cy="646331"/>
           </a:xfrm>
           <a:prstGeom prst="rect">
@@ -15309,7 +13057,7 @@
         </p:nvSpPr>
         <p:spPr>
           <a:xfrm>
-            <a:off x="6106563" y="2362050"/>
+            <a:off x="5868317" y="2349594"/>
             <a:ext cx="2226892" cy="369332"/>
           </a:xfrm>
           <a:prstGeom prst="rect">
@@ -15377,7 +13125,7 @@
         </p:nvSpPr>
         <p:spPr>
           <a:xfrm>
-            <a:off x="6106562" y="2701196"/>
+            <a:off x="5868316" y="2688740"/>
             <a:ext cx="2672526" cy="369332"/>
           </a:xfrm>
           <a:prstGeom prst="rect">
@@ -17776,8 +15524,8 @@
         </p:nvSpPr>
         <p:spPr>
           <a:xfrm>
-            <a:off x="2602523" y="1479477"/>
-            <a:ext cx="6234137" cy="523220"/>
+            <a:off x="2233247" y="1229911"/>
+            <a:ext cx="6652977" cy="523220"/>
           </a:xfrm>
           <a:prstGeom prst="rect">
             <a:avLst/>
@@ -19199,26 +16947,31 @@
         <p:spPr/>
         <p:txBody>
           <a:bodyPr>
-            <a:normAutofit fontScale="90000"/>
+            <a:noAutofit/>
           </a:bodyPr>
           <a:lstStyle/>
           <a:p>
-            <a:r>
-              <a:rPr lang="en-US" altLang="ja-JP" dirty="0" err="1"/>
+            <a:pPr>
+              <a:spcAft>
+                <a:spcPts val="600"/>
+              </a:spcAft>
+            </a:pPr>
+            <a:r>
+              <a:rPr lang="en-US" altLang="ja-JP" sz="3600" dirty="0" err="1"/>
               <a:t>Simoncelli&amp;Heeger</a:t>
             </a:r>
             <a:r>
-              <a:rPr lang="ja-JP" altLang="en-US" dirty="0"/>
+              <a:rPr lang="ja-JP" altLang="en-US" sz="3600" dirty="0"/>
               <a:t>の運動知覚モデル</a:t>
             </a:r>
             <a:r>
-              <a:rPr lang="en-US" altLang="ja-JP" dirty="0"/>
+              <a:rPr lang="en-US" altLang="ja-JP" sz="3600" dirty="0"/>
               <a:t/>
             </a:r>
             <a:br>
-              <a:rPr lang="en-US" altLang="ja-JP" dirty="0"/>
+              <a:rPr lang="en-US" altLang="ja-JP" sz="3600" dirty="0"/>
             </a:br>
-            <a:endParaRPr kumimoji="1" lang="ja-JP" altLang="en-US" dirty="0"/>
+            <a:endParaRPr kumimoji="1" lang="ja-JP" altLang="en-US" sz="3600" dirty="0"/>
           </a:p>
         </p:txBody>
       </p:sp>
@@ -19540,7 +17293,7 @@
         </p:nvSpPr>
         <p:spPr>
           <a:xfrm>
-            <a:off x="1284649" y="6338915"/>
+            <a:off x="695564" y="6446512"/>
             <a:ext cx="8773569" cy="276999"/>
           </a:xfrm>
           <a:prstGeom prst="rect">
@@ -19705,7 +17458,7 @@
         </p:nvSpPr>
         <p:spPr>
           <a:xfrm>
-            <a:off x="360485" y="5871482"/>
+            <a:off x="360485" y="5768498"/>
             <a:ext cx="9144000" cy="646331"/>
           </a:xfrm>
           <a:prstGeom prst="rect">
@@ -19874,7 +17627,7 @@
         <p:spPr>
           <a:xfrm>
             <a:off x="1130799" y="4423321"/>
-            <a:ext cx="2945863" cy="369332"/>
+            <a:ext cx="3118161" cy="369332"/>
           </a:xfrm>
           <a:prstGeom prst="rect">
             <a:avLst/>
@@ -19900,12 +17653,8 @@
               <a:t>Heeger</a:t>
             </a:r>
             <a:r>
-              <a:rPr lang="ja-JP" altLang="en-US" dirty="0"/>
+              <a:rPr lang="ja-JP" altLang="en-US" dirty="0" smtClean="0"/>
               <a:t>のモデル</a:t>
-            </a:r>
-            <a:r>
-              <a:rPr lang="en-US" altLang="ja-JP" dirty="0"/>
-              <a:t>.</a:t>
             </a:r>
             <a:endParaRPr kumimoji="1" lang="ja-JP" altLang="en-US" dirty="0"/>
           </a:p>
@@ -19920,7 +17669,7 @@
         <p:spPr>
           <a:xfrm>
             <a:off x="5013068" y="4423321"/>
-            <a:ext cx="3660001" cy="923330"/>
+            <a:ext cx="3772186" cy="1077218"/>
           </a:xfrm>
           <a:prstGeom prst="rect">
             <a:avLst/>
@@ -19933,6 +17682,11 @@
           </a:bodyPr>
           <a:lstStyle/>
           <a:p>
+            <a:pPr>
+              <a:spcAft>
+                <a:spcPts val="600"/>
+              </a:spcAft>
+            </a:pPr>
             <a:r>
               <a:rPr lang="en-US" altLang="ja-JP" dirty="0" err="1"/>
               <a:t>Nishimoto</a:t>
@@ -19955,15 +17709,34 @@
             </a:r>
           </a:p>
           <a:p>
+            <a:pPr>
+              <a:spcAft>
+                <a:spcPts val="600"/>
+              </a:spcAft>
+            </a:pPr>
             <a:r>
               <a:rPr lang="ja-JP" altLang="en-US" dirty="0"/>
-              <a:t>ある一定のスピード𝑣に対して興奮，</a:t>
-            </a:r>
-          </a:p>
-          <a:p>
+              <a:t>ある一定のスピード𝑣に対して</a:t>
+            </a:r>
+            <a:r>
+              <a:rPr lang="ja-JP" altLang="en-US" dirty="0" smtClean="0"/>
+              <a:t>興奮</a:t>
+            </a:r>
+            <a:endParaRPr lang="ja-JP" altLang="en-US" dirty="0"/>
+          </a:p>
+          <a:p>
+            <a:pPr>
+              <a:spcAft>
+                <a:spcPts val="600"/>
+              </a:spcAft>
+            </a:pPr>
             <a:r>
               <a:rPr lang="ja-JP" altLang="en-US" dirty="0"/>
-              <a:t>𝑣以下のスピードに対して抑制．</a:t>
+              <a:t>𝑣以下のスピードに対して</a:t>
+            </a:r>
+            <a:r>
+              <a:rPr lang="ja-JP" altLang="en-US" dirty="0" smtClean="0"/>
+              <a:t>抑制</a:t>
             </a:r>
             <a:endParaRPr kumimoji="1" lang="ja-JP" altLang="en-US" dirty="0"/>
           </a:p>
@@ -20007,8 +17780,8 @@
         </p:nvSpPr>
         <p:spPr>
           <a:xfrm>
-            <a:off x="277412" y="1299482"/>
-            <a:ext cx="8892178" cy="584775"/>
+            <a:off x="673587" y="1192155"/>
+            <a:ext cx="8234947" cy="523220"/>
           </a:xfrm>
           <a:prstGeom prst="rect">
             <a:avLst/>
@@ -20022,18 +17795,18 @@
           <a:lstStyle/>
           <a:p>
             <a:r>
-              <a:rPr lang="en-US" altLang="ja-JP" sz="3200" dirty="0"/>
+              <a:rPr lang="en-US" altLang="ja-JP" sz="2800" dirty="0"/>
               <a:t>MT</a:t>
             </a:r>
             <a:r>
-              <a:rPr lang="ja-JP" altLang="en-US" sz="3200" dirty="0"/>
+              <a:rPr lang="ja-JP" altLang="en-US" sz="2800" dirty="0"/>
               <a:t>細胞には抑制性受容野があると</a:t>
             </a:r>
             <a:r>
-              <a:rPr lang="ja-JP" altLang="en-US" sz="3200" dirty="0" smtClean="0"/>
+              <a:rPr lang="ja-JP" altLang="en-US" sz="2800" dirty="0" smtClean="0"/>
               <a:t>いう新しい知見</a:t>
             </a:r>
-            <a:endParaRPr kumimoji="1" lang="ja-JP" altLang="en-US" sz="3200" dirty="0"/>
+            <a:endParaRPr kumimoji="1" lang="ja-JP" altLang="en-US" sz="2800" dirty="0"/>
           </a:p>
         </p:txBody>
       </p:sp>
@@ -20137,7 +17910,11 @@
             </a:r>
             <a:r>
               <a:rPr lang="ja-JP" altLang="en-US" dirty="0" smtClean="0"/>
-              <a:t>野の部分を修正・変更する必要がある。</a:t>
+              <a:t>野の部分を修正・変更する必要が</a:t>
+            </a:r>
+            <a:r>
+              <a:rPr lang="ja-JP" altLang="en-US" dirty="0" smtClean="0"/>
+              <a:t>ある</a:t>
             </a:r>
             <a:endParaRPr kumimoji="1" lang="ja-JP" altLang="en-US" dirty="0"/>
           </a:p>
@@ -20777,14 +18554,14 @@
                     </a:ln>
                     <a:extLst>
                       <a:ext uri="{909E8E84-426E-40dd-AFC4-6F175D3DCCD1}">
-                        <a14:hiddenFill xmlns:a14="http://schemas.microsoft.com/office/drawing/2010/main" xmlns="">
+                        <a14:hiddenFill xmlns="" xmlns:a14="http://schemas.microsoft.com/office/drawing/2010/main">
                           <a:solidFill>
                             <a:srgbClr val="FFFFFF"/>
                           </a:solidFill>
                         </a14:hiddenFill>
                       </a:ext>
                       <a:ext uri="{91240B29-F687-4f45-9708-019B960494DF}">
-                        <a14:hiddenLine xmlns:a14="http://schemas.microsoft.com/office/drawing/2010/main" xmlns="" w="9525">
+                        <a14:hiddenLine xmlns="" xmlns:a14="http://schemas.microsoft.com/office/drawing/2010/main" w="9525">
                           <a:solidFill>
                             <a:srgbClr val="000000"/>
                           </a:solidFill>
@@ -21192,14 +18969,14 @@
                   </a:ln>
                   <a:extLst>
                     <a:ext uri="{909E8E84-426E-40dd-AFC4-6F175D3DCCD1}">
-                      <a14:hiddenFill xmlns:a14="http://schemas.microsoft.com/office/drawing/2010/main" xmlns="">
+                      <a14:hiddenFill xmlns="" xmlns:a14="http://schemas.microsoft.com/office/drawing/2010/main">
                         <a:solidFill>
                           <a:srgbClr val="FFFFFF"/>
                         </a:solidFill>
                       </a14:hiddenFill>
                     </a:ext>
                     <a:ext uri="{91240B29-F687-4f45-9708-019B960494DF}">
-                      <a14:hiddenLine xmlns:a14="http://schemas.microsoft.com/office/drawing/2010/main" xmlns="" w="9525">
+                      <a14:hiddenLine xmlns="" xmlns:a14="http://schemas.microsoft.com/office/drawing/2010/main" w="9525">
                         <a:solidFill>
                           <a:srgbClr val="000000"/>
                         </a:solidFill>
@@ -22255,76 +20032,16 @@
         <a:srgbClr val="800080"/>
       </a:folHlink>
     </a:clrScheme>
-    <a:fontScheme name="Office">
+    <a:fontScheme name="デフォルトフォント設定">
       <a:majorFont>
-        <a:latin typeface="Calibri"/>
-        <a:ea typeface=""/>
+        <a:latin typeface="Segoe UI"/>
+        <a:ea typeface="メイリオ"/>
         <a:cs typeface=""/>
-        <a:font script="Jpan" typeface="ＭＳ Ｐゴシック"/>
-        <a:font script="Hang" typeface="맑은 고딕"/>
-        <a:font script="Hans" typeface="宋体"/>
-        <a:font script="Hant" typeface="新細明體"/>
-        <a:font script="Arab" typeface="Times New Roman"/>
-        <a:font script="Hebr" typeface="Times New Roman"/>
-        <a:font script="Thai" typeface="Angsana New"/>
-        <a:font script="Ethi" typeface="Nyala"/>
-        <a:font script="Beng" typeface="Vrinda"/>
-        <a:font script="Gujr" typeface="Shruti"/>
-        <a:font script="Khmr" typeface="MoolBoran"/>
-        <a:font script="Knda" typeface="Tunga"/>
-        <a:font script="Guru" typeface="Raavi"/>
-        <a:font script="Cans" typeface="Euphemia"/>
-        <a:font script="Cher" typeface="Plantagenet Cherokee"/>
-        <a:font script="Yiii" typeface="Microsoft Yi Baiti"/>
-        <a:font script="Tibt" typeface="Microsoft Himalaya"/>
-        <a:font script="Thaa" typeface="MV Boli"/>
-        <a:font script="Deva" typeface="Mangal"/>
-        <a:font script="Telu" typeface="Gautami"/>
-        <a:font script="Taml" typeface="Latha"/>
-        <a:font script="Syrc" typeface="Estrangelo Edessa"/>
-        <a:font script="Orya" typeface="Kalinga"/>
-        <a:font script="Mlym" typeface="Kartika"/>
-        <a:font script="Laoo" typeface="DokChampa"/>
-        <a:font script="Sinh" typeface="Iskoola Pota"/>
-        <a:font script="Mong" typeface="Mongolian Baiti"/>
-        <a:font script="Viet" typeface="Times New Roman"/>
-        <a:font script="Uigh" typeface="Microsoft Uighur"/>
-        <a:font script="Geor" typeface="Sylfaen"/>
       </a:majorFont>
       <a:minorFont>
-        <a:latin typeface="Calibri"/>
-        <a:ea typeface=""/>
+        <a:latin typeface="Segoe UI"/>
+        <a:ea typeface="メイリオ"/>
         <a:cs typeface=""/>
-        <a:font script="Jpan" typeface="ＭＳ Ｐゴシック"/>
-        <a:font script="Hang" typeface="맑은 고딕"/>
-        <a:font script="Hans" typeface="宋体"/>
-        <a:font script="Hant" typeface="新細明體"/>
-        <a:font script="Arab" typeface="Arial"/>
-        <a:font script="Hebr" typeface="Arial"/>
-        <a:font script="Thai" typeface="Cordia New"/>
-        <a:font script="Ethi" typeface="Nyala"/>
-        <a:font script="Beng" typeface="Vrinda"/>
-        <a:font script="Gujr" typeface="Shruti"/>
-        <a:font script="Khmr" typeface="DaunPenh"/>
-        <a:font script="Knda" typeface="Tunga"/>
-        <a:font script="Guru" typeface="Raavi"/>
-        <a:font script="Cans" typeface="Euphemia"/>
-        <a:font script="Cher" typeface="Plantagenet Cherokee"/>
-        <a:font script="Yiii" typeface="Microsoft Yi Baiti"/>
-        <a:font script="Tibt" typeface="Microsoft Himalaya"/>
-        <a:font script="Thaa" typeface="MV Boli"/>
-        <a:font script="Deva" typeface="Mangal"/>
-        <a:font script="Telu" typeface="Gautami"/>
-        <a:font script="Taml" typeface="Latha"/>
-        <a:font script="Syrc" typeface="Estrangelo Edessa"/>
-        <a:font script="Orya" typeface="Kalinga"/>
-        <a:font script="Mlym" typeface="Kartika"/>
-        <a:font script="Laoo" typeface="DokChampa"/>
-        <a:font script="Sinh" typeface="Iskoola Pota"/>
-        <a:font script="Mong" typeface="Mongolian Baiti"/>
-        <a:font script="Viet" typeface="Arial"/>
-        <a:font script="Uigh" typeface="Microsoft Uighur"/>
-        <a:font script="Geor" typeface="Sylfaen"/>
       </a:minorFont>
     </a:fontScheme>
     <a:fmtScheme name="Office">

--- a/doc/中間発表資料.pptx
+++ b/doc/中間発表資料.pptx
@@ -5,7 +5,7 @@
     <p:sldMasterId id="2147483648" r:id="rId1"/>
   </p:sldMasterIdLst>
   <p:notesMasterIdLst>
-    <p:notesMasterId r:id="rId22"/>
+    <p:notesMasterId r:id="rId23"/>
   </p:notesMasterIdLst>
   <p:sldIdLst>
     <p:sldId id="256" r:id="rId2"/>
@@ -15,7 +15,7 @@
     <p:sldId id="283" r:id="rId6"/>
     <p:sldId id="262" r:id="rId7"/>
     <p:sldId id="258" r:id="rId8"/>
-    <p:sldId id="264" r:id="rId9"/>
+    <p:sldId id="285" r:id="rId9"/>
     <p:sldId id="273" r:id="rId10"/>
     <p:sldId id="267" r:id="rId11"/>
     <p:sldId id="268" r:id="rId12"/>
@@ -28,6 +28,7 @@
     <p:sldId id="260" r:id="rId19"/>
     <p:sldId id="261" r:id="rId20"/>
     <p:sldId id="282" r:id="rId21"/>
+    <p:sldId id="284" r:id="rId22"/>
   </p:sldIdLst>
   <p:sldSz cx="9144000" cy="6858000" type="screen4x3"/>
   <p:notesSz cx="6858000" cy="9144000"/>
@@ -227,7 +228,7 @@
           <a:p>
             <a:fld id="{07C89E97-5434-9C4E-B6E5-C9F9FBA5FCE1}" type="datetimeFigureOut">
               <a:rPr kumimoji="1" lang="ja-JP" altLang="en-US" smtClean="0"/>
-              <a:t>2014/11/13</a:t>
+              <a:t>2014/11/20</a:t>
             </a:fld>
             <a:endParaRPr kumimoji="1" lang="ja-JP" altLang="en-US"/>
           </a:p>
@@ -1313,6 +1314,102 @@
 </p:notes>
 </file>
 
+<file path=ppt/notesSlides/notesSlide17.xml><?xml version="1.0" encoding="utf-8"?>
+<p:notes xmlns:a="http://schemas.openxmlformats.org/drawingml/2006/main" xmlns:r="http://schemas.openxmlformats.org/officeDocument/2006/relationships" xmlns:p="http://schemas.openxmlformats.org/presentationml/2006/main">
+  <p:cSld>
+    <p:spTree>
+      <p:nvGrpSpPr>
+        <p:cNvPr id="1" name=""/>
+        <p:cNvGrpSpPr/>
+        <p:nvPr/>
+      </p:nvGrpSpPr>
+      <p:grpSpPr>
+        <a:xfrm>
+          <a:off x="0" y="0"/>
+          <a:ext cx="0" cy="0"/>
+          <a:chOff x="0" y="0"/>
+          <a:chExt cx="0" cy="0"/>
+        </a:xfrm>
+      </p:grpSpPr>
+      <p:sp>
+        <p:nvSpPr>
+          <p:cNvPr id="2" name="スライド イメージ プレースホルダー 1"/>
+          <p:cNvSpPr>
+            <a:spLocks noGrp="1" noRot="1" noChangeAspect="1"/>
+          </p:cNvSpPr>
+          <p:nvPr>
+            <p:ph type="sldImg"/>
+          </p:nvPr>
+        </p:nvSpPr>
+        <p:spPr/>
+      </p:sp>
+      <p:sp>
+        <p:nvSpPr>
+          <p:cNvPr id="3" name="ノート プレースホルダー 2"/>
+          <p:cNvSpPr>
+            <a:spLocks noGrp="1"/>
+          </p:cNvSpPr>
+          <p:nvPr>
+            <p:ph type="body" idx="1"/>
+          </p:nvPr>
+        </p:nvSpPr>
+        <p:spPr/>
+        <p:txBody>
+          <a:bodyPr/>
+          <a:lstStyle/>
+          <a:p>
+            <a:r>
+              <a:rPr kumimoji="1" lang="ja-JP" altLang="en-US" dirty="0" smtClean="0"/>
+              <a:t>西本先生らの新しい知見は先の数理モデルの</a:t>
+            </a:r>
+            <a:r>
+              <a:rPr kumimoji="1" lang="en-US" altLang="ja-JP" dirty="0" smtClean="0"/>
+              <a:t>MT</a:t>
+            </a:r>
+            <a:r>
+              <a:rPr kumimoji="1" lang="ja-JP" altLang="en-US" dirty="0" smtClean="0"/>
+              <a:t>野の処理の部分を他の関数に置き換えることで検証することが出来ます。</a:t>
+            </a:r>
+            <a:endParaRPr kumimoji="1" lang="ja-JP" altLang="en-US" dirty="0"/>
+          </a:p>
+        </p:txBody>
+      </p:sp>
+      <p:sp>
+        <p:nvSpPr>
+          <p:cNvPr id="4" name="スライド番号プレースホルダー 3"/>
+          <p:cNvSpPr>
+            <a:spLocks noGrp="1"/>
+          </p:cNvSpPr>
+          <p:nvPr>
+            <p:ph type="sldNum" sz="quarter" idx="10"/>
+          </p:nvPr>
+        </p:nvSpPr>
+        <p:spPr/>
+        <p:txBody>
+          <a:bodyPr/>
+          <a:lstStyle/>
+          <a:p>
+            <a:fld id="{9B414CEF-9AC9-7B40-8689-4792AE055851}" type="slidenum">
+              <a:rPr kumimoji="1" lang="ja-JP" altLang="en-US" smtClean="0"/>
+              <a:t>21</a:t>
+            </a:fld>
+            <a:endParaRPr kumimoji="1" lang="ja-JP" altLang="en-US"/>
+          </a:p>
+        </p:txBody>
+      </p:sp>
+    </p:spTree>
+    <p:extLst>
+      <p:ext uri="{BB962C8B-B14F-4D97-AF65-F5344CB8AC3E}">
+        <p14:creationId xmlns:p14="http://schemas.microsoft.com/office/powerpoint/2010/main" val="2251197855"/>
+      </p:ext>
+    </p:extLst>
+  </p:cSld>
+  <p:clrMapOvr>
+    <a:masterClrMapping/>
+  </p:clrMapOvr>
+</p:notes>
+</file>
+
 <file path=ppt/notesSlides/notesSlide2.xml><?xml version="1.0" encoding="utf-8"?>
 <p:notes xmlns:a="http://schemas.openxmlformats.org/drawingml/2006/main" xmlns:r="http://schemas.openxmlformats.org/officeDocument/2006/relationships" xmlns:p="http://schemas.openxmlformats.org/presentationml/2006/main">
   <p:cSld>
@@ -1826,7 +1923,38 @@
           <a:p>
             <a:r>
               <a:rPr kumimoji="1" lang="ja-JP" altLang="en-US" dirty="0" smtClean="0"/>
-              <a:t>西本先生らの新しい知見は先の数理モデルの</a:t>
+              <a:t>例えば視覚神経数理モデルでの例として</a:t>
+            </a:r>
+            <a:r>
+              <a:rPr kumimoji="1" lang="en-US" altLang="ja-JP" dirty="0" smtClean="0"/>
+              <a:t>S</a:t>
+            </a:r>
+            <a:r>
+              <a:rPr kumimoji="1" lang="ja-JP" altLang="en-US" dirty="0" smtClean="0"/>
+              <a:t>＆</a:t>
+            </a:r>
+            <a:r>
+              <a:rPr kumimoji="1" lang="en-US" altLang="ja-JP" dirty="0" smtClean="0"/>
+              <a:t>H</a:t>
+            </a:r>
+            <a:r>
+              <a:rPr kumimoji="1" lang="ja-JP" altLang="en-US" dirty="0" smtClean="0"/>
+              <a:t>のモデルがあります。</a:t>
+            </a:r>
+            <a:endParaRPr kumimoji="1" lang="en-US" altLang="ja-JP" dirty="0" smtClean="0"/>
+          </a:p>
+          <a:p>
+            <a:r>
+              <a:rPr kumimoji="1" lang="ja-JP" altLang="en-US" dirty="0" smtClean="0"/>
+              <a:t>この数理モデルは画像データ入力のあと、</a:t>
+            </a:r>
+            <a:r>
+              <a:rPr kumimoji="1" lang="en-US" altLang="ja-JP" dirty="0" smtClean="0"/>
+              <a:t>V1</a:t>
+            </a:r>
+            <a:r>
+              <a:rPr kumimoji="1" lang="ja-JP" altLang="en-US" dirty="0" smtClean="0"/>
+              <a:t>野で処理されて出力、その出力を受け取って</a:t>
             </a:r>
             <a:r>
               <a:rPr kumimoji="1" lang="en-US" altLang="ja-JP" dirty="0" smtClean="0"/>
@@ -1834,7 +1962,14 @@
             </a:r>
             <a:r>
               <a:rPr kumimoji="1" lang="ja-JP" altLang="en-US" dirty="0" smtClean="0"/>
-              <a:t>野の処理の部分を他の関数に置き換えることで検証することが出来ます。</a:t>
+              <a:t>野で処理が行われて、出力結果が得られるという直線的な処理の流れで</a:t>
+            </a:r>
+            <a:endParaRPr kumimoji="1" lang="en-US" altLang="ja-JP" dirty="0" smtClean="0"/>
+          </a:p>
+          <a:p>
+            <a:r>
+              <a:rPr kumimoji="1" lang="ja-JP" altLang="en-US" dirty="0" smtClean="0"/>
+              <a:t>行われる数理モデルがあります。</a:t>
             </a:r>
             <a:endParaRPr kumimoji="1" lang="ja-JP" altLang="en-US" dirty="0"/>
           </a:p>
@@ -1866,7 +2001,7 @@
     </p:spTree>
     <p:extLst>
       <p:ext uri="{BB962C8B-B14F-4D97-AF65-F5344CB8AC3E}">
-        <p14:creationId xmlns:p14="http://schemas.microsoft.com/office/powerpoint/2010/main" val="2243020911"/>
+        <p14:creationId xmlns:p14="http://schemas.microsoft.com/office/powerpoint/2010/main" val="3949951125"/>
       </p:ext>
     </p:extLst>
   </p:cSld>
@@ -2340,7 +2475,7 @@
           <a:p>
             <a:fld id="{8E38DBD1-F25C-9E4F-851F-C78CA3583CBD}" type="datetimeFigureOut">
               <a:rPr kumimoji="1" lang="ja-JP" altLang="en-US" smtClean="0"/>
-              <a:t>2014/11/13</a:t>
+              <a:t>2014/11/20</a:t>
             </a:fld>
             <a:endParaRPr kumimoji="1" lang="ja-JP" altLang="en-US"/>
           </a:p>
@@ -2542,7 +2677,7 @@
           <a:p>
             <a:fld id="{8E38DBD1-F25C-9E4F-851F-C78CA3583CBD}" type="datetimeFigureOut">
               <a:rPr kumimoji="1" lang="ja-JP" altLang="en-US" smtClean="0"/>
-              <a:t>2014/11/13</a:t>
+              <a:t>2014/11/20</a:t>
             </a:fld>
             <a:endParaRPr kumimoji="1" lang="ja-JP" altLang="en-US"/>
           </a:p>
@@ -2754,7 +2889,7 @@
           <a:p>
             <a:fld id="{8E38DBD1-F25C-9E4F-851F-C78CA3583CBD}" type="datetimeFigureOut">
               <a:rPr kumimoji="1" lang="ja-JP" altLang="en-US" smtClean="0"/>
-              <a:t>2014/11/13</a:t>
+              <a:t>2014/11/20</a:t>
             </a:fld>
             <a:endParaRPr kumimoji="1" lang="ja-JP" altLang="en-US"/>
           </a:p>
@@ -2956,7 +3091,7 @@
           <a:p>
             <a:fld id="{8E38DBD1-F25C-9E4F-851F-C78CA3583CBD}" type="datetimeFigureOut">
               <a:rPr kumimoji="1" lang="ja-JP" altLang="en-US" smtClean="0"/>
-              <a:t>2014/11/13</a:t>
+              <a:t>2014/11/20</a:t>
             </a:fld>
             <a:endParaRPr kumimoji="1" lang="ja-JP" altLang="en-US"/>
           </a:p>
@@ -3202,7 +3337,7 @@
           <a:p>
             <a:fld id="{8E38DBD1-F25C-9E4F-851F-C78CA3583CBD}" type="datetimeFigureOut">
               <a:rPr kumimoji="1" lang="ja-JP" altLang="en-US" smtClean="0"/>
-              <a:t>2014/11/13</a:t>
+              <a:t>2014/11/20</a:t>
             </a:fld>
             <a:endParaRPr kumimoji="1" lang="ja-JP" altLang="en-US"/>
           </a:p>
@@ -3554,7 +3689,7 @@
           <a:p>
             <a:fld id="{8E38DBD1-F25C-9E4F-851F-C78CA3583CBD}" type="datetimeFigureOut">
               <a:rPr kumimoji="1" lang="ja-JP" altLang="en-US" smtClean="0"/>
-              <a:t>2014/11/13</a:t>
+              <a:t>2014/11/20</a:t>
             </a:fld>
             <a:endParaRPr kumimoji="1" lang="ja-JP" altLang="en-US"/>
           </a:p>
@@ -4040,7 +4175,7 @@
           <a:p>
             <a:fld id="{8E38DBD1-F25C-9E4F-851F-C78CA3583CBD}" type="datetimeFigureOut">
               <a:rPr kumimoji="1" lang="ja-JP" altLang="en-US" smtClean="0"/>
-              <a:t>2014/11/13</a:t>
+              <a:t>2014/11/20</a:t>
             </a:fld>
             <a:endParaRPr kumimoji="1" lang="ja-JP" altLang="en-US"/>
           </a:p>
@@ -4158,7 +4293,7 @@
           <a:p>
             <a:fld id="{8E38DBD1-F25C-9E4F-851F-C78CA3583CBD}" type="datetimeFigureOut">
               <a:rPr kumimoji="1" lang="ja-JP" altLang="en-US" smtClean="0"/>
-              <a:t>2014/11/13</a:t>
+              <a:t>2014/11/20</a:t>
             </a:fld>
             <a:endParaRPr kumimoji="1" lang="ja-JP" altLang="en-US"/>
           </a:p>
@@ -4253,7 +4388,7 @@
           <a:p>
             <a:fld id="{8E38DBD1-F25C-9E4F-851F-C78CA3583CBD}" type="datetimeFigureOut">
               <a:rPr kumimoji="1" lang="ja-JP" altLang="en-US" smtClean="0"/>
-              <a:t>2014/11/13</a:t>
+              <a:t>2014/11/20</a:t>
             </a:fld>
             <a:endParaRPr kumimoji="1" lang="ja-JP" altLang="en-US"/>
           </a:p>
@@ -4562,7 +4697,7 @@
           <a:p>
             <a:fld id="{8E38DBD1-F25C-9E4F-851F-C78CA3583CBD}" type="datetimeFigureOut">
               <a:rPr kumimoji="1" lang="ja-JP" altLang="en-US" smtClean="0"/>
-              <a:t>2014/11/13</a:t>
+              <a:t>2014/11/20</a:t>
             </a:fld>
             <a:endParaRPr kumimoji="1" lang="ja-JP" altLang="en-US"/>
           </a:p>
@@ -4815,7 +4950,7 @@
           <a:p>
             <a:fld id="{8E38DBD1-F25C-9E4F-851F-C78CA3583CBD}" type="datetimeFigureOut">
               <a:rPr kumimoji="1" lang="ja-JP" altLang="en-US" smtClean="0"/>
-              <a:t>2014/11/13</a:t>
+              <a:t>2014/11/20</a:t>
             </a:fld>
             <a:endParaRPr kumimoji="1" lang="ja-JP" altLang="en-US"/>
           </a:p>
@@ -5060,7 +5195,7 @@
           <a:p>
             <a:fld id="{8E38DBD1-F25C-9E4F-851F-C78CA3583CBD}" type="datetimeFigureOut">
               <a:rPr kumimoji="1" lang="ja-JP" altLang="en-US" smtClean="0"/>
-              <a:t>2014/11/13</a:t>
+              <a:t>2014/11/20</a:t>
             </a:fld>
             <a:endParaRPr kumimoji="1" lang="ja-JP" altLang="en-US"/>
           </a:p>
@@ -5487,11 +5622,7 @@
             </a:r>
             <a:r>
               <a:rPr lang="ja-JP" altLang="ja-JP" dirty="0" smtClean="0"/>
-              <a:t>構築を</a:t>
-            </a:r>
-            <a:r>
-              <a:rPr lang="ja-JP" altLang="ja-JP" dirty="0" smtClean="0"/>
-              <a:t>目的</a:t>
+              <a:t>構築を目的</a:t>
             </a:r>
             <a:r>
               <a:rPr lang="ja-JP" altLang="ja-JP" dirty="0"/>
@@ -5510,11 +5641,7 @@
             </a:br>
             <a:r>
               <a:rPr lang="ja-JP" altLang="ja-JP" dirty="0" smtClean="0"/>
-              <a:t>データ</a:t>
-            </a:r>
-            <a:r>
-              <a:rPr lang="ja-JP" altLang="ja-JP" dirty="0" smtClean="0"/>
-              <a:t>可視化</a:t>
+              <a:t>データ可視化</a:t>
             </a:r>
             <a:r>
               <a:rPr lang="en-US" altLang="ja-JP" dirty="0" smtClean="0"/>
@@ -9818,10 +9945,9 @@
           <a:lstStyle/>
           <a:p>
             <a:r>
-              <a:rPr kumimoji="1" lang="en-US" altLang="ja-JP" dirty="0" err="1" smtClean="0"/>
-              <a:t>SimuLink</a:t>
-            </a:r>
-            <a:endParaRPr kumimoji="1" lang="en-US" altLang="ja-JP" dirty="0" smtClean="0"/>
+              <a:rPr kumimoji="1" lang="en-US" altLang="ja-JP" dirty="0" smtClean="0"/>
+              <a:t>Simulink</a:t>
+            </a:r>
           </a:p>
           <a:p>
             <a:pPr lvl="1"/>
@@ -12351,6 +12477,400 @@
 </p:sld>
 </file>
 
+<file path=ppt/slides/slide21.xml><?xml version="1.0" encoding="utf-8"?>
+<p:sld xmlns:a="http://schemas.openxmlformats.org/drawingml/2006/main" xmlns:r="http://schemas.openxmlformats.org/officeDocument/2006/relationships" xmlns:p="http://schemas.openxmlformats.org/presentationml/2006/main">
+  <p:cSld>
+    <p:spTree>
+      <p:nvGrpSpPr>
+        <p:cNvPr id="1" name=""/>
+        <p:cNvGrpSpPr/>
+        <p:nvPr/>
+      </p:nvGrpSpPr>
+      <p:grpSpPr>
+        <a:xfrm>
+          <a:off x="0" y="0"/>
+          <a:ext cx="0" cy="0"/>
+          <a:chOff x="0" y="0"/>
+          <a:chExt cx="0" cy="0"/>
+        </a:xfrm>
+      </p:grpSpPr>
+      <p:cxnSp>
+        <p:nvCxnSpPr>
+          <p:cNvPr id="15" name="直線矢印コネクタ 14"/>
+          <p:cNvCxnSpPr>
+            <a:stCxn id="4" idx="2"/>
+            <a:endCxn id="7" idx="0"/>
+          </p:cNvCxnSpPr>
+          <p:nvPr/>
+        </p:nvCxnSpPr>
+        <p:spPr>
+          <a:xfrm>
+            <a:off x="1328451" y="2335900"/>
+            <a:ext cx="7300" cy="3490258"/>
+          </a:xfrm>
+          <a:prstGeom prst="straightConnector1">
+            <a:avLst/>
+          </a:prstGeom>
+          <a:ln w="76200">
+            <a:tailEnd type="triangle"/>
+          </a:ln>
+        </p:spPr>
+        <p:style>
+          <a:lnRef idx="2">
+            <a:schemeClr val="accent1"/>
+          </a:lnRef>
+          <a:fillRef idx="0">
+            <a:schemeClr val="accent1"/>
+          </a:fillRef>
+          <a:effectRef idx="1">
+            <a:schemeClr val="accent1"/>
+          </a:effectRef>
+          <a:fontRef idx="minor">
+            <a:schemeClr val="tx1"/>
+          </a:fontRef>
+        </p:style>
+      </p:cxnSp>
+      <p:sp>
+        <p:nvSpPr>
+          <p:cNvPr id="2" name="タイトル 1"/>
+          <p:cNvSpPr>
+            <a:spLocks noGrp="1"/>
+          </p:cNvSpPr>
+          <p:nvPr>
+            <p:ph type="title"/>
+          </p:nvPr>
+        </p:nvSpPr>
+        <p:spPr>
+          <a:xfrm>
+            <a:off x="457200" y="151204"/>
+            <a:ext cx="8229600" cy="1143000"/>
+          </a:xfrm>
+        </p:spPr>
+        <p:txBody>
+          <a:bodyPr/>
+          <a:lstStyle/>
+          <a:p>
+            <a:r>
+              <a:rPr lang="ja-JP" altLang="en-US" dirty="0" smtClean="0"/>
+              <a:t>問題点</a:t>
+            </a:r>
+            <a:endParaRPr kumimoji="1" lang="ja-JP" altLang="en-US" dirty="0"/>
+          </a:p>
+        </p:txBody>
+      </p:sp>
+      <p:sp>
+        <p:nvSpPr>
+          <p:cNvPr id="3" name="コンテンツ プレースホルダー 2"/>
+          <p:cNvSpPr>
+            <a:spLocks noGrp="1"/>
+          </p:cNvSpPr>
+          <p:nvPr>
+            <p:ph idx="1"/>
+          </p:nvPr>
+        </p:nvSpPr>
+        <p:spPr>
+          <a:xfrm>
+            <a:off x="2822331" y="3171244"/>
+            <a:ext cx="6016869" cy="2332741"/>
+          </a:xfrm>
+        </p:spPr>
+        <p:txBody>
+          <a:bodyPr>
+            <a:normAutofit/>
+          </a:bodyPr>
+          <a:lstStyle/>
+          <a:p>
+            <a:pPr marL="0" indent="0">
+              <a:buNone/>
+            </a:pPr>
+            <a:r>
+              <a:rPr lang="ja-JP" altLang="en-US" dirty="0" smtClean="0"/>
+              <a:t>新しい知見を検証する為には先のモデルの</a:t>
+            </a:r>
+            <a:r>
+              <a:rPr lang="en-US" altLang="ja-JP" dirty="0" smtClean="0"/>
+              <a:t>MT</a:t>
+            </a:r>
+            <a:r>
+              <a:rPr lang="ja-JP" altLang="en-US" dirty="0" smtClean="0"/>
+              <a:t>野の部分を修正・変更する必要がある</a:t>
+            </a:r>
+            <a:endParaRPr kumimoji="1" lang="ja-JP" altLang="en-US" dirty="0"/>
+          </a:p>
+        </p:txBody>
+      </p:sp>
+      <p:sp>
+        <p:nvSpPr>
+          <p:cNvPr id="4" name="正方形/長方形 3"/>
+          <p:cNvSpPr/>
+          <p:nvPr/>
+        </p:nvSpPr>
+        <p:spPr>
+          <a:xfrm>
+            <a:off x="708024" y="1489143"/>
+            <a:ext cx="1240854" cy="846757"/>
+          </a:xfrm>
+          <a:prstGeom prst="rect">
+            <a:avLst/>
+          </a:prstGeom>
+        </p:spPr>
+        <p:style>
+          <a:lnRef idx="1">
+            <a:schemeClr val="accent1"/>
+          </a:lnRef>
+          <a:fillRef idx="3">
+            <a:schemeClr val="accent1"/>
+          </a:fillRef>
+          <a:effectRef idx="2">
+            <a:schemeClr val="accent1"/>
+          </a:effectRef>
+          <a:fontRef idx="minor">
+            <a:schemeClr val="lt1"/>
+          </a:fontRef>
+        </p:style>
+        <p:txBody>
+          <a:bodyPr rtlCol="0" anchor="ctr"/>
+          <a:lstStyle/>
+          <a:p>
+            <a:pPr algn="ctr"/>
+            <a:r>
+              <a:rPr kumimoji="1" lang="ja-JP" altLang="en-US" dirty="0" smtClean="0"/>
+              <a:t>入力</a:t>
+            </a:r>
+            <a:endParaRPr kumimoji="1" lang="ja-JP" altLang="en-US" dirty="0"/>
+          </a:p>
+        </p:txBody>
+      </p:sp>
+      <p:sp>
+        <p:nvSpPr>
+          <p:cNvPr id="5" name="正方形/長方形 4"/>
+          <p:cNvSpPr/>
+          <p:nvPr/>
+        </p:nvSpPr>
+        <p:spPr>
+          <a:xfrm>
+            <a:off x="708025" y="2940658"/>
+            <a:ext cx="1226256" cy="846757"/>
+          </a:xfrm>
+          <a:prstGeom prst="rect">
+            <a:avLst/>
+          </a:prstGeom>
+        </p:spPr>
+        <p:style>
+          <a:lnRef idx="1">
+            <a:schemeClr val="accent1"/>
+          </a:lnRef>
+          <a:fillRef idx="3">
+            <a:schemeClr val="accent1"/>
+          </a:fillRef>
+          <a:effectRef idx="2">
+            <a:schemeClr val="accent1"/>
+          </a:effectRef>
+          <a:fontRef idx="minor">
+            <a:schemeClr val="lt1"/>
+          </a:fontRef>
+        </p:style>
+        <p:txBody>
+          <a:bodyPr rtlCol="0" anchor="ctr"/>
+          <a:lstStyle/>
+          <a:p>
+            <a:pPr algn="ctr"/>
+            <a:r>
+              <a:rPr kumimoji="1" lang="en-US" altLang="ja-JP" dirty="0" smtClean="0"/>
+              <a:t>V1</a:t>
+            </a:r>
+            <a:r>
+              <a:rPr kumimoji="1" lang="ja-JP" altLang="en-US" dirty="0" smtClean="0"/>
+              <a:t>野</a:t>
+            </a:r>
+            <a:endParaRPr kumimoji="1" lang="ja-JP" altLang="en-US" dirty="0"/>
+          </a:p>
+        </p:txBody>
+      </p:sp>
+      <p:sp>
+        <p:nvSpPr>
+          <p:cNvPr id="7" name="正方形/長方形 6"/>
+          <p:cNvSpPr/>
+          <p:nvPr/>
+        </p:nvSpPr>
+        <p:spPr>
+          <a:xfrm>
+            <a:off x="722623" y="5826158"/>
+            <a:ext cx="1226256" cy="846757"/>
+          </a:xfrm>
+          <a:prstGeom prst="rect">
+            <a:avLst/>
+          </a:prstGeom>
+        </p:spPr>
+        <p:style>
+          <a:lnRef idx="1">
+            <a:schemeClr val="accent1"/>
+          </a:lnRef>
+          <a:fillRef idx="3">
+            <a:schemeClr val="accent1"/>
+          </a:fillRef>
+          <a:effectRef idx="2">
+            <a:schemeClr val="accent1"/>
+          </a:effectRef>
+          <a:fontRef idx="minor">
+            <a:schemeClr val="lt1"/>
+          </a:fontRef>
+        </p:style>
+        <p:txBody>
+          <a:bodyPr rtlCol="0" anchor="ctr"/>
+          <a:lstStyle/>
+          <a:p>
+            <a:pPr algn="ctr"/>
+            <a:r>
+              <a:rPr kumimoji="1" lang="ja-JP" altLang="en-US" dirty="0" smtClean="0"/>
+              <a:t>出力</a:t>
+            </a:r>
+            <a:endParaRPr kumimoji="1" lang="ja-JP" altLang="en-US" dirty="0"/>
+          </a:p>
+        </p:txBody>
+      </p:sp>
+      <p:sp>
+        <p:nvSpPr>
+          <p:cNvPr id="11" name="テキスト ボックス 10"/>
+          <p:cNvSpPr txBox="1"/>
+          <p:nvPr/>
+        </p:nvSpPr>
+        <p:spPr>
+          <a:xfrm>
+            <a:off x="2255141" y="4773118"/>
+            <a:ext cx="1745991" cy="369332"/>
+          </a:xfrm>
+          <a:prstGeom prst="rect">
+            <a:avLst/>
+          </a:prstGeom>
+          <a:noFill/>
+        </p:spPr>
+        <p:txBody>
+          <a:bodyPr wrap="none" rtlCol="0">
+            <a:spAutoFit/>
+          </a:bodyPr>
+          <a:lstStyle/>
+          <a:p>
+            <a:r>
+              <a:rPr lang="ja-JP" altLang="en-US" dirty="0">
+                <a:solidFill>
+                  <a:srgbClr val="FF0000"/>
+                </a:solidFill>
+              </a:rPr>
+              <a:t>他</a:t>
+            </a:r>
+            <a:r>
+              <a:rPr lang="ja-JP" altLang="en-US" dirty="0" smtClean="0">
+                <a:solidFill>
+                  <a:srgbClr val="FF0000"/>
+                </a:solidFill>
+              </a:rPr>
+              <a:t>の関数にする</a:t>
+            </a:r>
+            <a:endParaRPr kumimoji="1" lang="ja-JP" altLang="en-US" dirty="0">
+              <a:solidFill>
+                <a:srgbClr val="FF0000"/>
+              </a:solidFill>
+            </a:endParaRPr>
+          </a:p>
+        </p:txBody>
+      </p:sp>
+      <p:cxnSp>
+        <p:nvCxnSpPr>
+          <p:cNvPr id="13" name="直線コネクタ 12"/>
+          <p:cNvCxnSpPr/>
+          <p:nvPr/>
+        </p:nvCxnSpPr>
+        <p:spPr>
+          <a:xfrm>
+            <a:off x="457200" y="1206623"/>
+            <a:ext cx="8382000" cy="0"/>
+          </a:xfrm>
+          <a:prstGeom prst="line">
+            <a:avLst/>
+          </a:prstGeom>
+        </p:spPr>
+        <p:style>
+          <a:lnRef idx="2">
+            <a:schemeClr val="accent1"/>
+          </a:lnRef>
+          <a:fillRef idx="0">
+            <a:schemeClr val="accent1"/>
+          </a:fillRef>
+          <a:effectRef idx="1">
+            <a:schemeClr val="accent1"/>
+          </a:effectRef>
+          <a:fontRef idx="minor">
+            <a:schemeClr val="tx1"/>
+          </a:fontRef>
+        </p:style>
+      </p:cxnSp>
+      <p:sp>
+        <p:nvSpPr>
+          <p:cNvPr id="16" name="正方形/長方形 15"/>
+          <p:cNvSpPr/>
+          <p:nvPr/>
+        </p:nvSpPr>
+        <p:spPr>
+          <a:xfrm>
+            <a:off x="722623" y="4295693"/>
+            <a:ext cx="1226256" cy="846757"/>
+          </a:xfrm>
+          <a:prstGeom prst="rect">
+            <a:avLst/>
+          </a:prstGeom>
+        </p:spPr>
+        <p:style>
+          <a:lnRef idx="1">
+            <a:schemeClr val="accent1"/>
+          </a:lnRef>
+          <a:fillRef idx="3">
+            <a:schemeClr val="accent1"/>
+          </a:fillRef>
+          <a:effectRef idx="2">
+            <a:schemeClr val="accent1"/>
+          </a:effectRef>
+          <a:fontRef idx="minor">
+            <a:schemeClr val="lt1"/>
+          </a:fontRef>
+        </p:style>
+        <p:txBody>
+          <a:bodyPr rtlCol="0" anchor="ctr"/>
+          <a:lstStyle/>
+          <a:p>
+            <a:pPr algn="ctr"/>
+            <a:r>
+              <a:rPr kumimoji="1" lang="en-US" altLang="ja-JP" dirty="0" smtClean="0"/>
+              <a:t>MT</a:t>
+            </a:r>
+            <a:r>
+              <a:rPr kumimoji="1" lang="ja-JP" altLang="en-US" dirty="0" smtClean="0"/>
+              <a:t>野</a:t>
+            </a:r>
+            <a:endParaRPr kumimoji="1" lang="ja-JP" altLang="en-US" dirty="0"/>
+          </a:p>
+        </p:txBody>
+      </p:sp>
+    </p:spTree>
+    <p:extLst>
+      <p:ext uri="{BB962C8B-B14F-4D97-AF65-F5344CB8AC3E}">
+        <p14:creationId xmlns:p14="http://schemas.microsoft.com/office/powerpoint/2010/main" val="4003620865"/>
+      </p:ext>
+    </p:extLst>
+  </p:cSld>
+  <p:clrMapOvr>
+    <a:masterClrMapping/>
+  </p:clrMapOvr>
+  <p:timing>
+    <p:tnLst>
+      <p:par>
+        <p:cTn id="1" dur="indefinite" restart="never" nodeType="tmRoot"/>
+      </p:par>
+    </p:tnLst>
+  </p:timing>
+</p:sld>
+</file>
+
 <file path=ppt/slides/slide3.xml><?xml version="1.0" encoding="utf-8"?>
 <p:sld xmlns:a="http://schemas.openxmlformats.org/drawingml/2006/main" xmlns:r="http://schemas.openxmlformats.org/officeDocument/2006/relationships" xmlns:p="http://schemas.openxmlformats.org/presentationml/2006/main">
   <p:cSld>
@@ -12435,11 +12955,7 @@
             </a:pPr>
             <a:r>
               <a:rPr lang="ja-JP" altLang="en-US" dirty="0" smtClean="0"/>
-              <a:t>各種実験結果の数理的</a:t>
-            </a:r>
-            <a:r>
-              <a:rPr lang="ja-JP" altLang="en-US" dirty="0" smtClean="0"/>
-              <a:t>記述</a:t>
+              <a:t>各種実験結果の数理的記述</a:t>
             </a:r>
             <a:endParaRPr lang="en-US" altLang="ja-JP" dirty="0" smtClean="0"/>
           </a:p>
@@ -12488,15 +13004,7 @@
             </a:pPr>
             <a:r>
               <a:rPr lang="ja-JP" altLang="en-US" dirty="0" smtClean="0"/>
-              <a:t>モデル</a:t>
-            </a:r>
-            <a:r>
-              <a:rPr lang="ja-JP" altLang="en-US" dirty="0" smtClean="0"/>
-              <a:t>の</a:t>
-            </a:r>
-            <a:r>
-              <a:rPr lang="ja-JP" altLang="en-US" dirty="0" smtClean="0"/>
-              <a:t>実装</a:t>
+              <a:t>モデルの実装</a:t>
             </a:r>
             <a:r>
               <a:rPr lang="en-US" altLang="ja-JP" dirty="0" smtClean="0"/>
@@ -12548,15 +13056,7 @@
             </a:pPr>
             <a:r>
               <a:rPr lang="ja-JP" altLang="en-US" dirty="0" smtClean="0"/>
-              <a:t>モデル</a:t>
-            </a:r>
-            <a:r>
-              <a:rPr lang="ja-JP" altLang="en-US" dirty="0" smtClean="0"/>
-              <a:t>妥当性の</a:t>
-            </a:r>
-            <a:r>
-              <a:rPr lang="ja-JP" altLang="en-US" dirty="0" smtClean="0"/>
-              <a:t>検証</a:t>
+              <a:t>モデル妥当性の検証</a:t>
             </a:r>
             <a:endParaRPr lang="en-US" altLang="ja-JP" dirty="0"/>
           </a:p>
@@ -12581,15 +13081,7 @@
                   <a:srgbClr val="FF0000"/>
                 </a:solidFill>
               </a:rPr>
-              <a:t>研究</a:t>
-            </a:r>
-            <a:r>
-              <a:rPr lang="ja-JP" altLang="en-US" dirty="0" smtClean="0">
-                <a:solidFill>
-                  <a:srgbClr val="FF0000"/>
-                </a:solidFill>
-              </a:rPr>
-              <a:t>は１～３の繰り返し</a:t>
+              <a:t>研究は１～３の繰り返し</a:t>
             </a:r>
             <a:endParaRPr lang="en-US" altLang="ja-JP" dirty="0" smtClean="0">
               <a:solidFill>
@@ -16934,6 +17426,108 @@
           <a:chExt cx="0" cy="0"/>
         </a:xfrm>
       </p:grpSpPr>
+      <p:cxnSp>
+        <p:nvCxnSpPr>
+          <p:cNvPr id="19" name="直線矢印コネクタ 18"/>
+          <p:cNvCxnSpPr/>
+          <p:nvPr/>
+        </p:nvCxnSpPr>
+        <p:spPr>
+          <a:xfrm>
+            <a:off x="1180712" y="4908586"/>
+            <a:ext cx="1146" cy="542907"/>
+          </a:xfrm>
+          <a:prstGeom prst="straightConnector1">
+            <a:avLst/>
+          </a:prstGeom>
+          <a:ln w="76200">
+            <a:tailEnd type="triangle"/>
+          </a:ln>
+        </p:spPr>
+        <p:style>
+          <a:lnRef idx="3">
+            <a:schemeClr val="accent1"/>
+          </a:lnRef>
+          <a:fillRef idx="0">
+            <a:schemeClr val="accent1"/>
+          </a:fillRef>
+          <a:effectRef idx="2">
+            <a:schemeClr val="accent1"/>
+          </a:effectRef>
+          <a:fontRef idx="minor">
+            <a:schemeClr val="tx1"/>
+          </a:fontRef>
+        </p:style>
+      </p:cxnSp>
+      <p:cxnSp>
+        <p:nvCxnSpPr>
+          <p:cNvPr id="17" name="直線矢印コネクタ 16"/>
+          <p:cNvCxnSpPr/>
+          <p:nvPr/>
+        </p:nvCxnSpPr>
+        <p:spPr>
+          <a:xfrm>
+            <a:off x="1195560" y="3533087"/>
+            <a:ext cx="1146" cy="542907"/>
+          </a:xfrm>
+          <a:prstGeom prst="straightConnector1">
+            <a:avLst/>
+          </a:prstGeom>
+          <a:ln w="76200">
+            <a:tailEnd type="triangle"/>
+          </a:ln>
+        </p:spPr>
+        <p:style>
+          <a:lnRef idx="3">
+            <a:schemeClr val="accent1"/>
+          </a:lnRef>
+          <a:fillRef idx="0">
+            <a:schemeClr val="accent1"/>
+          </a:fillRef>
+          <a:effectRef idx="2">
+            <a:schemeClr val="accent1"/>
+          </a:effectRef>
+          <a:fontRef idx="minor">
+            <a:schemeClr val="tx1"/>
+          </a:fontRef>
+        </p:style>
+      </p:cxnSp>
+      <p:cxnSp>
+        <p:nvCxnSpPr>
+          <p:cNvPr id="8" name="直線矢印コネクタ 7"/>
+          <p:cNvCxnSpPr>
+            <a:stCxn id="4" idx="2"/>
+            <a:endCxn id="5" idx="0"/>
+          </p:cNvCxnSpPr>
+          <p:nvPr/>
+        </p:nvCxnSpPr>
+        <p:spPr>
+          <a:xfrm>
+            <a:off x="1198588" y="2139302"/>
+            <a:ext cx="1146" cy="542907"/>
+          </a:xfrm>
+          <a:prstGeom prst="straightConnector1">
+            <a:avLst/>
+          </a:prstGeom>
+          <a:ln w="76200">
+            <a:tailEnd type="triangle"/>
+          </a:ln>
+        </p:spPr>
+        <p:style>
+          <a:lnRef idx="3">
+            <a:schemeClr val="accent1"/>
+          </a:lnRef>
+          <a:fillRef idx="0">
+            <a:schemeClr val="accent1"/>
+          </a:fillRef>
+          <a:effectRef idx="2">
+            <a:schemeClr val="accent1"/>
+          </a:effectRef>
+          <a:fontRef idx="minor">
+            <a:schemeClr val="tx1"/>
+          </a:fontRef>
+        </p:style>
+      </p:cxnSp>
       <p:sp>
         <p:nvSpPr>
           <p:cNvPr id="2" name="タイトル 1"/>
@@ -16983,7 +17577,7 @@
         </p:nvSpPr>
         <p:spPr>
           <a:xfrm>
-            <a:off x="782537" y="1715924"/>
+            <a:off x="578161" y="1292545"/>
             <a:ext cx="1240854" cy="846757"/>
           </a:xfrm>
           <a:prstGeom prst="rect">
@@ -17025,8 +17619,8 @@
         </p:nvSpPr>
         <p:spPr>
           <a:xfrm>
-            <a:off x="3045271" y="1715924"/>
-            <a:ext cx="1270051" cy="846757"/>
+            <a:off x="580452" y="2682209"/>
+            <a:ext cx="1238563" cy="846757"/>
           </a:xfrm>
           <a:prstGeom prst="rect">
             <a:avLst/>
@@ -17071,8 +17665,8 @@
         </p:nvSpPr>
         <p:spPr>
           <a:xfrm>
-            <a:off x="5205817" y="1715924"/>
-            <a:ext cx="1313846" cy="846757"/>
+            <a:off x="580452" y="4059602"/>
+            <a:ext cx="1238563" cy="846757"/>
           </a:xfrm>
           <a:prstGeom prst="rect">
             <a:avLst/>
@@ -17117,8 +17711,8 @@
         </p:nvSpPr>
         <p:spPr>
           <a:xfrm>
-            <a:off x="7220380" y="1715924"/>
-            <a:ext cx="1226256" cy="846757"/>
+            <a:off x="578160" y="5436995"/>
+            <a:ext cx="1240855" cy="846757"/>
           </a:xfrm>
           <a:prstGeom prst="rect">
             <a:avLst/>
@@ -17151,110 +17745,6 @@
           </a:p>
         </p:txBody>
       </p:sp>
-      <p:cxnSp>
-        <p:nvCxnSpPr>
-          <p:cNvPr id="9" name="直線矢印コネクタ 8"/>
-          <p:cNvCxnSpPr>
-            <a:endCxn id="5" idx="1"/>
-          </p:cNvCxnSpPr>
-          <p:nvPr/>
-        </p:nvCxnSpPr>
-        <p:spPr>
-          <a:xfrm>
-            <a:off x="2023391" y="2139303"/>
-            <a:ext cx="1021880" cy="0"/>
-          </a:xfrm>
-          <a:prstGeom prst="straightConnector1">
-            <a:avLst/>
-          </a:prstGeom>
-          <a:ln>
-            <a:tailEnd type="arrow"/>
-          </a:ln>
-        </p:spPr>
-        <p:style>
-          <a:lnRef idx="2">
-            <a:schemeClr val="accent1"/>
-          </a:lnRef>
-          <a:fillRef idx="0">
-            <a:schemeClr val="accent1"/>
-          </a:fillRef>
-          <a:effectRef idx="1">
-            <a:schemeClr val="accent1"/>
-          </a:effectRef>
-          <a:fontRef idx="minor">
-            <a:schemeClr val="tx1"/>
-          </a:fontRef>
-        </p:style>
-      </p:cxnSp>
-      <p:cxnSp>
-        <p:nvCxnSpPr>
-          <p:cNvPr id="14" name="直線矢印コネクタ 13"/>
-          <p:cNvCxnSpPr/>
-          <p:nvPr/>
-        </p:nvCxnSpPr>
-        <p:spPr>
-          <a:xfrm>
-            <a:off x="4315322" y="2153902"/>
-            <a:ext cx="890495" cy="0"/>
-          </a:xfrm>
-          <a:prstGeom prst="straightConnector1">
-            <a:avLst/>
-          </a:prstGeom>
-          <a:ln>
-            <a:tailEnd type="arrow"/>
-          </a:ln>
-        </p:spPr>
-        <p:style>
-          <a:lnRef idx="2">
-            <a:schemeClr val="accent1"/>
-          </a:lnRef>
-          <a:fillRef idx="0">
-            <a:schemeClr val="accent1"/>
-          </a:fillRef>
-          <a:effectRef idx="1">
-            <a:schemeClr val="accent1"/>
-          </a:effectRef>
-          <a:fontRef idx="minor">
-            <a:schemeClr val="tx1"/>
-          </a:fontRef>
-        </p:style>
-      </p:cxnSp>
-      <p:cxnSp>
-        <p:nvCxnSpPr>
-          <p:cNvPr id="16" name="直線矢印コネクタ 15"/>
-          <p:cNvCxnSpPr>
-            <a:stCxn id="6" idx="3"/>
-            <a:endCxn id="7" idx="1"/>
-          </p:cNvCxnSpPr>
-          <p:nvPr/>
-        </p:nvCxnSpPr>
-        <p:spPr>
-          <a:xfrm>
-            <a:off x="6519663" y="2139303"/>
-            <a:ext cx="700717" cy="0"/>
-          </a:xfrm>
-          <a:prstGeom prst="straightConnector1">
-            <a:avLst/>
-          </a:prstGeom>
-          <a:ln>
-            <a:tailEnd type="arrow"/>
-          </a:ln>
-        </p:spPr>
-        <p:style>
-          <a:lnRef idx="2">
-            <a:schemeClr val="accent1"/>
-          </a:lnRef>
-          <a:fillRef idx="0">
-            <a:schemeClr val="accent1"/>
-          </a:fillRef>
-          <a:effectRef idx="1">
-            <a:schemeClr val="accent1"/>
-          </a:effectRef>
-          <a:fontRef idx="minor">
-            <a:schemeClr val="tx1"/>
-          </a:fontRef>
-        </p:style>
-      </p:cxnSp>
       <p:pic>
         <p:nvPicPr>
           <p:cNvPr id="18" name="図 17" descr="full-model.gif"/>
@@ -17277,8 +17767,8 @@
         </p:blipFill>
         <p:spPr>
           <a:xfrm>
-            <a:off x="1648481" y="2748746"/>
-            <a:ext cx="5766040" cy="3397845"/>
+            <a:off x="2287251" y="2280208"/>
+            <a:ext cx="5173488" cy="3048663"/>
           </a:xfrm>
           <a:prstGeom prst="rect">
             <a:avLst/>
@@ -17293,8 +17783,8 @@
         </p:nvSpPr>
         <p:spPr>
           <a:xfrm>
-            <a:off x="695564" y="6446512"/>
-            <a:ext cx="8773569" cy="276999"/>
+            <a:off x="2287251" y="5436995"/>
+            <a:ext cx="6160570" cy="461665"/>
           </a:xfrm>
           <a:prstGeom prst="rect">
             <a:avLst/>
@@ -17325,15 +17815,18 @@
             </a:r>
             <a:r>
               <a:rPr lang="en-US" altLang="ja-JP" sz="1200" dirty="0"/>
-              <a:t>, A Model of Neuronal Responses in Visual Area MT. Vision Research, 38(5), </a:t>
-            </a:r>
-            <a:r>
-              <a:rPr lang="en-US" altLang="ja-JP" sz="1200" dirty="0" err="1"/>
-              <a:t>pp</a:t>
+              <a:t>, A Model of Neuronal Responses in Visual Area MT. </a:t>
+            </a:r>
+            <a:endParaRPr lang="en-US" altLang="ja-JP" sz="1200" dirty="0" smtClean="0"/>
+          </a:p>
+          <a:p>
+            <a:r>
+              <a:rPr lang="en-US" altLang="ja-JP" sz="1200" dirty="0" smtClean="0"/>
+              <a:t>Vision </a:t>
             </a:r>
             <a:r>
               <a:rPr lang="en-US" altLang="ja-JP" sz="1200" dirty="0"/>
-              <a:t> 743-761, 1998. </a:t>
+              <a:t>Research, 38(5), pp 743-761, 1998. </a:t>
             </a:r>
             <a:endParaRPr kumimoji="1" lang="ja-JP" altLang="en-US" sz="1200" dirty="0"/>
           </a:p>
@@ -17382,9 +17875,667 @@
   <p:timing>
     <p:tnLst>
       <p:par>
-        <p:cTn id="1" dur="indefinite" restart="never" nodeType="tmRoot"/>
+        <p:cTn id="1" dur="indefinite" restart="never" nodeType="tmRoot">
+          <p:childTnLst>
+            <p:seq concurrent="1" nextAc="seek">
+              <p:cTn id="2" dur="indefinite" nodeType="mainSeq">
+                <p:childTnLst>
+                  <p:par>
+                    <p:cTn id="3" fill="hold">
+                      <p:stCondLst>
+                        <p:cond delay="indefinite"/>
+                      </p:stCondLst>
+                      <p:childTnLst>
+                        <p:par>
+                          <p:cTn id="4" fill="hold">
+                            <p:stCondLst>
+                              <p:cond delay="0"/>
+                            </p:stCondLst>
+                            <p:childTnLst>
+                              <p:par>
+                                <p:cTn id="5" presetID="27" presetClass="emph" presetSubtype="0" fill="remove" grpId="0" nodeType="clickEffect">
+                                  <p:stCondLst>
+                                    <p:cond delay="0"/>
+                                  </p:stCondLst>
+                                  <p:childTnLst>
+                                    <p:animClr clrSpc="rgb" dir="cw">
+                                      <p:cBhvr override="childStyle">
+                                        <p:cTn id="6" dur="250" autoRev="1" fill="remove"/>
+                                        <p:tgtEl>
+                                          <p:spTgt spid="4"/>
+                                        </p:tgtEl>
+                                        <p:attrNameLst>
+                                          <p:attrName>style.color</p:attrName>
+                                        </p:attrNameLst>
+                                      </p:cBhvr>
+                                      <p:to>
+                                        <a:schemeClr val="bg1"/>
+                                      </p:to>
+                                    </p:animClr>
+                                    <p:animClr clrSpc="rgb" dir="cw">
+                                      <p:cBhvr>
+                                        <p:cTn id="7" dur="250" autoRev="1" fill="remove"/>
+                                        <p:tgtEl>
+                                          <p:spTgt spid="4"/>
+                                        </p:tgtEl>
+                                        <p:attrNameLst>
+                                          <p:attrName>fillcolor</p:attrName>
+                                        </p:attrNameLst>
+                                      </p:cBhvr>
+                                      <p:to>
+                                        <a:schemeClr val="bg1"/>
+                                      </p:to>
+                                    </p:animClr>
+                                    <p:set>
+                                      <p:cBhvr>
+                                        <p:cTn id="8" dur="250" autoRev="1" fill="remove"/>
+                                        <p:tgtEl>
+                                          <p:spTgt spid="4"/>
+                                        </p:tgtEl>
+                                        <p:attrNameLst>
+                                          <p:attrName>fill.type</p:attrName>
+                                        </p:attrNameLst>
+                                      </p:cBhvr>
+                                      <p:to>
+                                        <p:strVal val="solid"/>
+                                      </p:to>
+                                    </p:set>
+                                    <p:set>
+                                      <p:cBhvr>
+                                        <p:cTn id="9" dur="250" autoRev="1" fill="remove"/>
+                                        <p:tgtEl>
+                                          <p:spTgt spid="4"/>
+                                        </p:tgtEl>
+                                        <p:attrNameLst>
+                                          <p:attrName>fill.on</p:attrName>
+                                        </p:attrNameLst>
+                                      </p:cBhvr>
+                                      <p:to>
+                                        <p:strVal val="true"/>
+                                      </p:to>
+                                    </p:set>
+                                  </p:childTnLst>
+                                </p:cTn>
+                              </p:par>
+                            </p:childTnLst>
+                          </p:cTn>
+                        </p:par>
+                      </p:childTnLst>
+                    </p:cTn>
+                  </p:par>
+                  <p:par>
+                    <p:cTn id="10" fill="hold">
+                      <p:stCondLst>
+                        <p:cond delay="indefinite"/>
+                      </p:stCondLst>
+                      <p:childTnLst>
+                        <p:par>
+                          <p:cTn id="11" fill="hold">
+                            <p:stCondLst>
+                              <p:cond delay="0"/>
+                            </p:stCondLst>
+                            <p:childTnLst>
+                              <p:par>
+                                <p:cTn id="12" presetID="47" presetClass="entr" presetSubtype="0" fill="hold" nodeType="clickEffect">
+                                  <p:stCondLst>
+                                    <p:cond delay="0"/>
+                                  </p:stCondLst>
+                                  <p:childTnLst>
+                                    <p:set>
+                                      <p:cBhvr>
+                                        <p:cTn id="13" dur="1" fill="hold">
+                                          <p:stCondLst>
+                                            <p:cond delay="0"/>
+                                          </p:stCondLst>
+                                        </p:cTn>
+                                        <p:tgtEl>
+                                          <p:spTgt spid="8"/>
+                                        </p:tgtEl>
+                                        <p:attrNameLst>
+                                          <p:attrName>style.visibility</p:attrName>
+                                        </p:attrNameLst>
+                                      </p:cBhvr>
+                                      <p:to>
+                                        <p:strVal val="visible"/>
+                                      </p:to>
+                                    </p:set>
+                                    <p:animEffect transition="in" filter="fade">
+                                      <p:cBhvr>
+                                        <p:cTn id="14" dur="1000"/>
+                                        <p:tgtEl>
+                                          <p:spTgt spid="8"/>
+                                        </p:tgtEl>
+                                      </p:cBhvr>
+                                    </p:animEffect>
+                                    <p:anim calcmode="lin" valueType="num">
+                                      <p:cBhvr>
+                                        <p:cTn id="15" dur="1000" fill="hold"/>
+                                        <p:tgtEl>
+                                          <p:spTgt spid="8"/>
+                                        </p:tgtEl>
+                                        <p:attrNameLst>
+                                          <p:attrName>ppt_x</p:attrName>
+                                        </p:attrNameLst>
+                                      </p:cBhvr>
+                                      <p:tavLst>
+                                        <p:tav tm="0">
+                                          <p:val>
+                                            <p:strVal val="#ppt_x"/>
+                                          </p:val>
+                                        </p:tav>
+                                        <p:tav tm="100000">
+                                          <p:val>
+                                            <p:strVal val="#ppt_x"/>
+                                          </p:val>
+                                        </p:tav>
+                                      </p:tavLst>
+                                    </p:anim>
+                                    <p:anim calcmode="lin" valueType="num">
+                                      <p:cBhvr>
+                                        <p:cTn id="16" dur="1000" fill="hold"/>
+                                        <p:tgtEl>
+                                          <p:spTgt spid="8"/>
+                                        </p:tgtEl>
+                                        <p:attrNameLst>
+                                          <p:attrName>ppt_y</p:attrName>
+                                        </p:attrNameLst>
+                                      </p:cBhvr>
+                                      <p:tavLst>
+                                        <p:tav tm="0">
+                                          <p:val>
+                                            <p:strVal val="#ppt_y-.1"/>
+                                          </p:val>
+                                        </p:tav>
+                                        <p:tav tm="100000">
+                                          <p:val>
+                                            <p:strVal val="#ppt_y"/>
+                                          </p:val>
+                                        </p:tav>
+                                      </p:tavLst>
+                                    </p:anim>
+                                  </p:childTnLst>
+                                </p:cTn>
+                              </p:par>
+                            </p:childTnLst>
+                          </p:cTn>
+                        </p:par>
+                      </p:childTnLst>
+                    </p:cTn>
+                  </p:par>
+                  <p:par>
+                    <p:cTn id="17" fill="hold">
+                      <p:stCondLst>
+                        <p:cond delay="indefinite"/>
+                      </p:stCondLst>
+                      <p:childTnLst>
+                        <p:par>
+                          <p:cTn id="18" fill="hold">
+                            <p:stCondLst>
+                              <p:cond delay="0"/>
+                            </p:stCondLst>
+                            <p:childTnLst>
+                              <p:par>
+                                <p:cTn id="19" presetID="27" presetClass="emph" presetSubtype="0" fill="remove" grpId="0" nodeType="clickEffect">
+                                  <p:stCondLst>
+                                    <p:cond delay="0"/>
+                                  </p:stCondLst>
+                                  <p:childTnLst>
+                                    <p:animClr clrSpc="rgb" dir="cw">
+                                      <p:cBhvr override="childStyle">
+                                        <p:cTn id="20" dur="250" autoRev="1" fill="remove"/>
+                                        <p:tgtEl>
+                                          <p:spTgt spid="5"/>
+                                        </p:tgtEl>
+                                        <p:attrNameLst>
+                                          <p:attrName>style.color</p:attrName>
+                                        </p:attrNameLst>
+                                      </p:cBhvr>
+                                      <p:to>
+                                        <a:schemeClr val="bg1"/>
+                                      </p:to>
+                                    </p:animClr>
+                                    <p:animClr clrSpc="rgb" dir="cw">
+                                      <p:cBhvr>
+                                        <p:cTn id="21" dur="250" autoRev="1" fill="remove"/>
+                                        <p:tgtEl>
+                                          <p:spTgt spid="5"/>
+                                        </p:tgtEl>
+                                        <p:attrNameLst>
+                                          <p:attrName>fillcolor</p:attrName>
+                                        </p:attrNameLst>
+                                      </p:cBhvr>
+                                      <p:to>
+                                        <a:schemeClr val="bg1"/>
+                                      </p:to>
+                                    </p:animClr>
+                                    <p:set>
+                                      <p:cBhvr>
+                                        <p:cTn id="22" dur="250" autoRev="1" fill="remove"/>
+                                        <p:tgtEl>
+                                          <p:spTgt spid="5"/>
+                                        </p:tgtEl>
+                                        <p:attrNameLst>
+                                          <p:attrName>fill.type</p:attrName>
+                                        </p:attrNameLst>
+                                      </p:cBhvr>
+                                      <p:to>
+                                        <p:strVal val="solid"/>
+                                      </p:to>
+                                    </p:set>
+                                    <p:set>
+                                      <p:cBhvr>
+                                        <p:cTn id="23" dur="250" autoRev="1" fill="remove"/>
+                                        <p:tgtEl>
+                                          <p:spTgt spid="5"/>
+                                        </p:tgtEl>
+                                        <p:attrNameLst>
+                                          <p:attrName>fill.on</p:attrName>
+                                        </p:attrNameLst>
+                                      </p:cBhvr>
+                                      <p:to>
+                                        <p:strVal val="true"/>
+                                      </p:to>
+                                    </p:set>
+                                  </p:childTnLst>
+                                </p:cTn>
+                              </p:par>
+                            </p:childTnLst>
+                          </p:cTn>
+                        </p:par>
+                      </p:childTnLst>
+                    </p:cTn>
+                  </p:par>
+                  <p:par>
+                    <p:cTn id="24" fill="hold">
+                      <p:stCondLst>
+                        <p:cond delay="indefinite"/>
+                      </p:stCondLst>
+                      <p:childTnLst>
+                        <p:par>
+                          <p:cTn id="25" fill="hold">
+                            <p:stCondLst>
+                              <p:cond delay="0"/>
+                            </p:stCondLst>
+                            <p:childTnLst>
+                              <p:par>
+                                <p:cTn id="26" presetID="47" presetClass="entr" presetSubtype="0" fill="hold" nodeType="clickEffect">
+                                  <p:stCondLst>
+                                    <p:cond delay="0"/>
+                                  </p:stCondLst>
+                                  <p:childTnLst>
+                                    <p:set>
+                                      <p:cBhvr>
+                                        <p:cTn id="27" dur="1" fill="hold">
+                                          <p:stCondLst>
+                                            <p:cond delay="0"/>
+                                          </p:stCondLst>
+                                        </p:cTn>
+                                        <p:tgtEl>
+                                          <p:spTgt spid="17"/>
+                                        </p:tgtEl>
+                                        <p:attrNameLst>
+                                          <p:attrName>style.visibility</p:attrName>
+                                        </p:attrNameLst>
+                                      </p:cBhvr>
+                                      <p:to>
+                                        <p:strVal val="visible"/>
+                                      </p:to>
+                                    </p:set>
+                                    <p:animEffect transition="in" filter="fade">
+                                      <p:cBhvr>
+                                        <p:cTn id="28" dur="1000"/>
+                                        <p:tgtEl>
+                                          <p:spTgt spid="17"/>
+                                        </p:tgtEl>
+                                      </p:cBhvr>
+                                    </p:animEffect>
+                                    <p:anim calcmode="lin" valueType="num">
+                                      <p:cBhvr>
+                                        <p:cTn id="29" dur="1000" fill="hold"/>
+                                        <p:tgtEl>
+                                          <p:spTgt spid="17"/>
+                                        </p:tgtEl>
+                                        <p:attrNameLst>
+                                          <p:attrName>ppt_x</p:attrName>
+                                        </p:attrNameLst>
+                                      </p:cBhvr>
+                                      <p:tavLst>
+                                        <p:tav tm="0">
+                                          <p:val>
+                                            <p:strVal val="#ppt_x"/>
+                                          </p:val>
+                                        </p:tav>
+                                        <p:tav tm="100000">
+                                          <p:val>
+                                            <p:strVal val="#ppt_x"/>
+                                          </p:val>
+                                        </p:tav>
+                                      </p:tavLst>
+                                    </p:anim>
+                                    <p:anim calcmode="lin" valueType="num">
+                                      <p:cBhvr>
+                                        <p:cTn id="30" dur="1000" fill="hold"/>
+                                        <p:tgtEl>
+                                          <p:spTgt spid="17"/>
+                                        </p:tgtEl>
+                                        <p:attrNameLst>
+                                          <p:attrName>ppt_y</p:attrName>
+                                        </p:attrNameLst>
+                                      </p:cBhvr>
+                                      <p:tavLst>
+                                        <p:tav tm="0">
+                                          <p:val>
+                                            <p:strVal val="#ppt_y-.1"/>
+                                          </p:val>
+                                        </p:tav>
+                                        <p:tav tm="100000">
+                                          <p:val>
+                                            <p:strVal val="#ppt_y"/>
+                                          </p:val>
+                                        </p:tav>
+                                      </p:tavLst>
+                                    </p:anim>
+                                  </p:childTnLst>
+                                </p:cTn>
+                              </p:par>
+                            </p:childTnLst>
+                          </p:cTn>
+                        </p:par>
+                      </p:childTnLst>
+                    </p:cTn>
+                  </p:par>
+                  <p:par>
+                    <p:cTn id="31" fill="hold">
+                      <p:stCondLst>
+                        <p:cond delay="indefinite"/>
+                      </p:stCondLst>
+                      <p:childTnLst>
+                        <p:par>
+                          <p:cTn id="32" fill="hold">
+                            <p:stCondLst>
+                              <p:cond delay="0"/>
+                            </p:stCondLst>
+                            <p:childTnLst>
+                              <p:par>
+                                <p:cTn id="33" presetID="27" presetClass="emph" presetSubtype="0" fill="remove" grpId="0" nodeType="clickEffect">
+                                  <p:stCondLst>
+                                    <p:cond delay="0"/>
+                                  </p:stCondLst>
+                                  <p:childTnLst>
+                                    <p:animClr clrSpc="rgb" dir="cw">
+                                      <p:cBhvr override="childStyle">
+                                        <p:cTn id="34" dur="250" autoRev="1" fill="remove"/>
+                                        <p:tgtEl>
+                                          <p:spTgt spid="6"/>
+                                        </p:tgtEl>
+                                        <p:attrNameLst>
+                                          <p:attrName>style.color</p:attrName>
+                                        </p:attrNameLst>
+                                      </p:cBhvr>
+                                      <p:to>
+                                        <a:schemeClr val="bg1"/>
+                                      </p:to>
+                                    </p:animClr>
+                                    <p:animClr clrSpc="rgb" dir="cw">
+                                      <p:cBhvr>
+                                        <p:cTn id="35" dur="250" autoRev="1" fill="remove"/>
+                                        <p:tgtEl>
+                                          <p:spTgt spid="6"/>
+                                        </p:tgtEl>
+                                        <p:attrNameLst>
+                                          <p:attrName>fillcolor</p:attrName>
+                                        </p:attrNameLst>
+                                      </p:cBhvr>
+                                      <p:to>
+                                        <a:schemeClr val="bg1"/>
+                                      </p:to>
+                                    </p:animClr>
+                                    <p:set>
+                                      <p:cBhvr>
+                                        <p:cTn id="36" dur="250" autoRev="1" fill="remove"/>
+                                        <p:tgtEl>
+                                          <p:spTgt spid="6"/>
+                                        </p:tgtEl>
+                                        <p:attrNameLst>
+                                          <p:attrName>fill.type</p:attrName>
+                                        </p:attrNameLst>
+                                      </p:cBhvr>
+                                      <p:to>
+                                        <p:strVal val="solid"/>
+                                      </p:to>
+                                    </p:set>
+                                    <p:set>
+                                      <p:cBhvr>
+                                        <p:cTn id="37" dur="250" autoRev="1" fill="remove"/>
+                                        <p:tgtEl>
+                                          <p:spTgt spid="6"/>
+                                        </p:tgtEl>
+                                        <p:attrNameLst>
+                                          <p:attrName>fill.on</p:attrName>
+                                        </p:attrNameLst>
+                                      </p:cBhvr>
+                                      <p:to>
+                                        <p:strVal val="true"/>
+                                      </p:to>
+                                    </p:set>
+                                  </p:childTnLst>
+                                </p:cTn>
+                              </p:par>
+                            </p:childTnLst>
+                          </p:cTn>
+                        </p:par>
+                      </p:childTnLst>
+                    </p:cTn>
+                  </p:par>
+                  <p:par>
+                    <p:cTn id="38" fill="hold">
+                      <p:stCondLst>
+                        <p:cond delay="indefinite"/>
+                      </p:stCondLst>
+                      <p:childTnLst>
+                        <p:par>
+                          <p:cTn id="39" fill="hold">
+                            <p:stCondLst>
+                              <p:cond delay="0"/>
+                            </p:stCondLst>
+                            <p:childTnLst>
+                              <p:par>
+                                <p:cTn id="40" presetID="47" presetClass="entr" presetSubtype="0" fill="hold" nodeType="clickEffect">
+                                  <p:stCondLst>
+                                    <p:cond delay="0"/>
+                                  </p:stCondLst>
+                                  <p:childTnLst>
+                                    <p:set>
+                                      <p:cBhvr>
+                                        <p:cTn id="41" dur="1" fill="hold">
+                                          <p:stCondLst>
+                                            <p:cond delay="0"/>
+                                          </p:stCondLst>
+                                        </p:cTn>
+                                        <p:tgtEl>
+                                          <p:spTgt spid="19"/>
+                                        </p:tgtEl>
+                                        <p:attrNameLst>
+                                          <p:attrName>style.visibility</p:attrName>
+                                        </p:attrNameLst>
+                                      </p:cBhvr>
+                                      <p:to>
+                                        <p:strVal val="visible"/>
+                                      </p:to>
+                                    </p:set>
+                                    <p:animEffect transition="in" filter="fade">
+                                      <p:cBhvr>
+                                        <p:cTn id="42" dur="1000"/>
+                                        <p:tgtEl>
+                                          <p:spTgt spid="19"/>
+                                        </p:tgtEl>
+                                      </p:cBhvr>
+                                    </p:animEffect>
+                                    <p:anim calcmode="lin" valueType="num">
+                                      <p:cBhvr>
+                                        <p:cTn id="43" dur="1000" fill="hold"/>
+                                        <p:tgtEl>
+                                          <p:spTgt spid="19"/>
+                                        </p:tgtEl>
+                                        <p:attrNameLst>
+                                          <p:attrName>ppt_x</p:attrName>
+                                        </p:attrNameLst>
+                                      </p:cBhvr>
+                                      <p:tavLst>
+                                        <p:tav tm="0">
+                                          <p:val>
+                                            <p:strVal val="#ppt_x"/>
+                                          </p:val>
+                                        </p:tav>
+                                        <p:tav tm="100000">
+                                          <p:val>
+                                            <p:strVal val="#ppt_x"/>
+                                          </p:val>
+                                        </p:tav>
+                                      </p:tavLst>
+                                    </p:anim>
+                                    <p:anim calcmode="lin" valueType="num">
+                                      <p:cBhvr>
+                                        <p:cTn id="44" dur="1000" fill="hold"/>
+                                        <p:tgtEl>
+                                          <p:spTgt spid="19"/>
+                                        </p:tgtEl>
+                                        <p:attrNameLst>
+                                          <p:attrName>ppt_y</p:attrName>
+                                        </p:attrNameLst>
+                                      </p:cBhvr>
+                                      <p:tavLst>
+                                        <p:tav tm="0">
+                                          <p:val>
+                                            <p:strVal val="#ppt_y-.1"/>
+                                          </p:val>
+                                        </p:tav>
+                                        <p:tav tm="100000">
+                                          <p:val>
+                                            <p:strVal val="#ppt_y"/>
+                                          </p:val>
+                                        </p:tav>
+                                      </p:tavLst>
+                                    </p:anim>
+                                  </p:childTnLst>
+                                </p:cTn>
+                              </p:par>
+                            </p:childTnLst>
+                          </p:cTn>
+                        </p:par>
+                      </p:childTnLst>
+                    </p:cTn>
+                  </p:par>
+                  <p:par>
+                    <p:cTn id="45" fill="hold">
+                      <p:stCondLst>
+                        <p:cond delay="indefinite"/>
+                      </p:stCondLst>
+                      <p:childTnLst>
+                        <p:par>
+                          <p:cTn id="46" fill="hold">
+                            <p:stCondLst>
+                              <p:cond delay="0"/>
+                            </p:stCondLst>
+                            <p:childTnLst>
+                              <p:par>
+                                <p:cTn id="47" presetID="27" presetClass="emph" presetSubtype="0" fill="remove" grpId="0" nodeType="clickEffect">
+                                  <p:stCondLst>
+                                    <p:cond delay="0"/>
+                                  </p:stCondLst>
+                                  <p:childTnLst>
+                                    <p:animClr clrSpc="rgb" dir="cw">
+                                      <p:cBhvr override="childStyle">
+                                        <p:cTn id="48" dur="250" autoRev="1" fill="remove"/>
+                                        <p:tgtEl>
+                                          <p:spTgt spid="7"/>
+                                        </p:tgtEl>
+                                        <p:attrNameLst>
+                                          <p:attrName>style.color</p:attrName>
+                                        </p:attrNameLst>
+                                      </p:cBhvr>
+                                      <p:to>
+                                        <a:schemeClr val="bg1"/>
+                                      </p:to>
+                                    </p:animClr>
+                                    <p:animClr clrSpc="rgb" dir="cw">
+                                      <p:cBhvr>
+                                        <p:cTn id="49" dur="250" autoRev="1" fill="remove"/>
+                                        <p:tgtEl>
+                                          <p:spTgt spid="7"/>
+                                        </p:tgtEl>
+                                        <p:attrNameLst>
+                                          <p:attrName>fillcolor</p:attrName>
+                                        </p:attrNameLst>
+                                      </p:cBhvr>
+                                      <p:to>
+                                        <a:schemeClr val="bg1"/>
+                                      </p:to>
+                                    </p:animClr>
+                                    <p:set>
+                                      <p:cBhvr>
+                                        <p:cTn id="50" dur="250" autoRev="1" fill="remove"/>
+                                        <p:tgtEl>
+                                          <p:spTgt spid="7"/>
+                                        </p:tgtEl>
+                                        <p:attrNameLst>
+                                          <p:attrName>fill.type</p:attrName>
+                                        </p:attrNameLst>
+                                      </p:cBhvr>
+                                      <p:to>
+                                        <p:strVal val="solid"/>
+                                      </p:to>
+                                    </p:set>
+                                    <p:set>
+                                      <p:cBhvr>
+                                        <p:cTn id="51" dur="250" autoRev="1" fill="remove"/>
+                                        <p:tgtEl>
+                                          <p:spTgt spid="7"/>
+                                        </p:tgtEl>
+                                        <p:attrNameLst>
+                                          <p:attrName>fill.on</p:attrName>
+                                        </p:attrNameLst>
+                                      </p:cBhvr>
+                                      <p:to>
+                                        <p:strVal val="true"/>
+                                      </p:to>
+                                    </p:set>
+                                  </p:childTnLst>
+                                </p:cTn>
+                              </p:par>
+                            </p:childTnLst>
+                          </p:cTn>
+                        </p:par>
+                      </p:childTnLst>
+                    </p:cTn>
+                  </p:par>
+                </p:childTnLst>
+              </p:cTn>
+              <p:prevCondLst>
+                <p:cond evt="onPrev" delay="0">
+                  <p:tgtEl>
+                    <p:sldTgt/>
+                  </p:tgtEl>
+                </p:cond>
+              </p:prevCondLst>
+              <p:nextCondLst>
+                <p:cond evt="onNext" delay="0">
+                  <p:tgtEl>
+                    <p:sldTgt/>
+                  </p:tgtEl>
+                </p:cond>
+              </p:nextCondLst>
+            </p:seq>
+          </p:childTnLst>
+        </p:cTn>
       </p:par>
     </p:tnLst>
+    <p:bldLst>
+      <p:bldP spid="4" grpId="0" animBg="1"/>
+      <p:bldP spid="5" grpId="0" animBg="1"/>
+      <p:bldP spid="6" grpId="0" animBg="1"/>
+      <p:bldP spid="7" grpId="0" animBg="1"/>
+    </p:bldLst>
   </p:timing>
 </p:sld>
 </file>
@@ -17847,6 +18998,42 @@
           <a:chExt cx="0" cy="0"/>
         </a:xfrm>
       </p:grpSpPr>
+      <p:cxnSp>
+        <p:nvCxnSpPr>
+          <p:cNvPr id="8" name="直線矢印コネクタ 7"/>
+          <p:cNvCxnSpPr>
+            <a:stCxn id="4" idx="2"/>
+            <a:endCxn id="7" idx="0"/>
+          </p:cNvCxnSpPr>
+          <p:nvPr/>
+        </p:nvCxnSpPr>
+        <p:spPr>
+          <a:xfrm>
+            <a:off x="1198588" y="2139302"/>
+            <a:ext cx="0" cy="3297693"/>
+          </a:xfrm>
+          <a:prstGeom prst="straightConnector1">
+            <a:avLst/>
+          </a:prstGeom>
+          <a:ln w="76200">
+            <a:tailEnd type="triangle"/>
+          </a:ln>
+        </p:spPr>
+        <p:style>
+          <a:lnRef idx="3">
+            <a:schemeClr val="accent1"/>
+          </a:lnRef>
+          <a:fillRef idx="0">
+            <a:schemeClr val="accent1"/>
+          </a:fillRef>
+          <a:effectRef idx="2">
+            <a:schemeClr val="accent1"/>
+          </a:effectRef>
+          <a:fontRef idx="minor">
+            <a:schemeClr val="tx1"/>
+          </a:fontRef>
+        </p:style>
+      </p:cxnSp>
       <p:sp>
         <p:nvSpPr>
           <p:cNvPr id="2" name="タイトル 1"/>
@@ -17857,66 +19044,34 @@
             <p:ph type="title"/>
           </p:nvPr>
         </p:nvSpPr>
-        <p:spPr>
-          <a:xfrm>
-            <a:off x="457200" y="151204"/>
-            <a:ext cx="8229600" cy="1143000"/>
-          </a:xfrm>
-        </p:spPr>
-        <p:txBody>
-          <a:bodyPr/>
-          <a:lstStyle/>
-          <a:p>
-            <a:r>
-              <a:rPr lang="ja-JP" altLang="en-US" dirty="0" smtClean="0"/>
-              <a:t>問題点</a:t>
-            </a:r>
-            <a:endParaRPr kumimoji="1" lang="ja-JP" altLang="en-US" dirty="0"/>
-          </a:p>
-        </p:txBody>
-      </p:sp>
-      <p:sp>
-        <p:nvSpPr>
-          <p:cNvPr id="3" name="コンテンツ プレースホルダー 2"/>
-          <p:cNvSpPr>
-            <a:spLocks noGrp="1"/>
-          </p:cNvSpPr>
-          <p:nvPr>
-            <p:ph idx="1"/>
-          </p:nvPr>
-        </p:nvSpPr>
-        <p:spPr>
-          <a:xfrm>
-            <a:off x="457200" y="4078787"/>
-            <a:ext cx="8229600" cy="1232341"/>
-          </a:xfrm>
-        </p:spPr>
+        <p:spPr/>
         <p:txBody>
           <a:bodyPr>
-            <a:normAutofit/>
+            <a:noAutofit/>
           </a:bodyPr>
           <a:lstStyle/>
           <a:p>
-            <a:pPr marL="0" indent="0">
-              <a:buNone/>
+            <a:pPr>
+              <a:spcAft>
+                <a:spcPts val="600"/>
+              </a:spcAft>
             </a:pPr>
             <a:r>
-              <a:rPr lang="ja-JP" altLang="en-US" dirty="0" smtClean="0"/>
-              <a:t>新しい知見を検証する為には先のモデルの</a:t>
-            </a:r>
-            <a:r>
-              <a:rPr lang="en-US" altLang="ja-JP" dirty="0" smtClean="0"/>
-              <a:t>MT</a:t>
-            </a:r>
-            <a:r>
-              <a:rPr lang="ja-JP" altLang="en-US" dirty="0" smtClean="0"/>
-              <a:t>野の部分を修正・変更する必要が</a:t>
-            </a:r>
-            <a:r>
-              <a:rPr lang="ja-JP" altLang="en-US" dirty="0" smtClean="0"/>
-              <a:t>ある</a:t>
-            </a:r>
-            <a:endParaRPr kumimoji="1" lang="ja-JP" altLang="en-US" dirty="0"/>
+              <a:rPr lang="en-US" altLang="ja-JP" sz="3600" dirty="0" err="1"/>
+              <a:t>Simoncelli&amp;Heeger</a:t>
+            </a:r>
+            <a:r>
+              <a:rPr lang="ja-JP" altLang="en-US" sz="3600" dirty="0"/>
+              <a:t>の運動知覚モデル</a:t>
+            </a:r>
+            <a:r>
+              <a:rPr lang="en-US" altLang="ja-JP" sz="3600" dirty="0"/>
+              <a:t/>
+            </a:r>
+            <a:br>
+              <a:rPr lang="en-US" altLang="ja-JP" sz="3600" dirty="0"/>
+            </a:br>
+            <a:endParaRPr kumimoji="1" lang="ja-JP" altLang="en-US" sz="3600" dirty="0"/>
           </a:p>
         </p:txBody>
       </p:sp>
@@ -17928,7 +19083,7 @@
         </p:nvSpPr>
         <p:spPr>
           <a:xfrm>
-            <a:off x="817511" y="2335900"/>
+            <a:off x="578161" y="1292545"/>
             <a:ext cx="1240854" cy="846757"/>
           </a:xfrm>
           <a:prstGeom prst="rect">
@@ -17970,8 +19125,8 @@
         </p:nvSpPr>
         <p:spPr>
           <a:xfrm>
-            <a:off x="3080245" y="2335900"/>
-            <a:ext cx="1270051" cy="846757"/>
+            <a:off x="580452" y="2682209"/>
+            <a:ext cx="1238563" cy="846757"/>
           </a:xfrm>
           <a:prstGeom prst="rect">
             <a:avLst/>
@@ -18016,8 +19171,213 @@
         </p:nvSpPr>
         <p:spPr>
           <a:xfrm>
-            <a:off x="5240791" y="2335900"/>
-            <a:ext cx="1313846" cy="846757"/>
+            <a:off x="580452" y="4059602"/>
+            <a:ext cx="1238563" cy="846757"/>
+          </a:xfrm>
+          <a:prstGeom prst="rect">
+            <a:avLst/>
+          </a:prstGeom>
+        </p:spPr>
+        <p:style>
+          <a:lnRef idx="1">
+            <a:schemeClr val="accent1"/>
+          </a:lnRef>
+          <a:fillRef idx="3">
+            <a:schemeClr val="accent1"/>
+          </a:fillRef>
+          <a:effectRef idx="2">
+            <a:schemeClr val="accent1"/>
+          </a:effectRef>
+          <a:fontRef idx="minor">
+            <a:schemeClr val="lt1"/>
+          </a:fontRef>
+        </p:style>
+        <p:txBody>
+          <a:bodyPr rtlCol="0" anchor="ctr"/>
+          <a:lstStyle/>
+          <a:p>
+            <a:pPr algn="ctr"/>
+            <a:r>
+              <a:rPr kumimoji="1" lang="en-US" altLang="ja-JP" dirty="0" smtClean="0"/>
+              <a:t>MT</a:t>
+            </a:r>
+            <a:r>
+              <a:rPr kumimoji="1" lang="ja-JP" altLang="en-US" dirty="0" smtClean="0"/>
+              <a:t>野</a:t>
+            </a:r>
+            <a:endParaRPr kumimoji="1" lang="ja-JP" altLang="en-US" dirty="0"/>
+          </a:p>
+        </p:txBody>
+      </p:sp>
+      <p:sp>
+        <p:nvSpPr>
+          <p:cNvPr id="7" name="正方形/長方形 6"/>
+          <p:cNvSpPr/>
+          <p:nvPr/>
+        </p:nvSpPr>
+        <p:spPr>
+          <a:xfrm>
+            <a:off x="578160" y="5436995"/>
+            <a:ext cx="1240855" cy="846757"/>
+          </a:xfrm>
+          <a:prstGeom prst="rect">
+            <a:avLst/>
+          </a:prstGeom>
+        </p:spPr>
+        <p:style>
+          <a:lnRef idx="1">
+            <a:schemeClr val="accent1"/>
+          </a:lnRef>
+          <a:fillRef idx="3">
+            <a:schemeClr val="accent1"/>
+          </a:fillRef>
+          <a:effectRef idx="2">
+            <a:schemeClr val="accent1"/>
+          </a:effectRef>
+          <a:fontRef idx="minor">
+            <a:schemeClr val="lt1"/>
+          </a:fontRef>
+        </p:style>
+        <p:txBody>
+          <a:bodyPr rtlCol="0" anchor="ctr"/>
+          <a:lstStyle/>
+          <a:p>
+            <a:pPr algn="ctr"/>
+            <a:r>
+              <a:rPr kumimoji="1" lang="ja-JP" altLang="en-US" dirty="0" smtClean="0"/>
+              <a:t>出力</a:t>
+            </a:r>
+            <a:endParaRPr kumimoji="1" lang="ja-JP" altLang="en-US" dirty="0"/>
+          </a:p>
+        </p:txBody>
+      </p:sp>
+      <p:pic>
+        <p:nvPicPr>
+          <p:cNvPr id="18" name="図 17" descr="full-model.gif"/>
+          <p:cNvPicPr>
+            <a:picLocks noChangeAspect="1"/>
+          </p:cNvPicPr>
+          <p:nvPr/>
+        </p:nvPicPr>
+        <p:blipFill>
+          <a:blip r:embed="rId3">
+            <a:extLst>
+              <a:ext uri="{28A0092B-C50C-407E-A947-70E740481C1C}">
+                <a14:useLocalDpi xmlns:a14="http://schemas.microsoft.com/office/drawing/2010/main" val="0"/>
+              </a:ext>
+            </a:extLst>
+          </a:blip>
+          <a:stretch>
+            <a:fillRect/>
+          </a:stretch>
+        </p:blipFill>
+        <p:spPr>
+          <a:xfrm>
+            <a:off x="2322039" y="1434317"/>
+            <a:ext cx="5173488" cy="3048663"/>
+          </a:xfrm>
+          <a:prstGeom prst="rect">
+            <a:avLst/>
+          </a:prstGeom>
+        </p:spPr>
+      </p:pic>
+      <p:sp>
+        <p:nvSpPr>
+          <p:cNvPr id="20" name="テキスト ボックス 19"/>
+          <p:cNvSpPr txBox="1"/>
+          <p:nvPr/>
+        </p:nvSpPr>
+        <p:spPr>
+          <a:xfrm>
+            <a:off x="2322040" y="4629360"/>
+            <a:ext cx="5766884" cy="461665"/>
+          </a:xfrm>
+          <a:prstGeom prst="rect">
+            <a:avLst/>
+          </a:prstGeom>
+          <a:noFill/>
+        </p:spPr>
+        <p:txBody>
+          <a:bodyPr wrap="square" rtlCol="0">
+            <a:spAutoFit/>
+          </a:bodyPr>
+          <a:lstStyle/>
+          <a:p>
+            <a:r>
+              <a:rPr lang="en-US" altLang="ja-JP" sz="1200" dirty="0"/>
+              <a:t>E P </a:t>
+            </a:r>
+            <a:r>
+              <a:rPr lang="en-US" altLang="ja-JP" sz="1200" dirty="0" err="1"/>
+              <a:t>Simoncelli</a:t>
+            </a:r>
+            <a:r>
+              <a:rPr lang="en-US" altLang="ja-JP" sz="1200" dirty="0"/>
+              <a:t> and D J </a:t>
+            </a:r>
+            <a:r>
+              <a:rPr lang="en-US" altLang="ja-JP" sz="1200" dirty="0" err="1"/>
+              <a:t>Heeger</a:t>
+            </a:r>
+            <a:r>
+              <a:rPr lang="en-US" altLang="ja-JP" sz="1200" dirty="0"/>
+              <a:t>, A Model of Neuronal Responses in Visual Area MT. </a:t>
+            </a:r>
+            <a:endParaRPr lang="en-US" altLang="ja-JP" sz="1200" dirty="0" smtClean="0"/>
+          </a:p>
+          <a:p>
+            <a:r>
+              <a:rPr lang="en-US" altLang="ja-JP" sz="1200" dirty="0" smtClean="0"/>
+              <a:t>Vision </a:t>
+            </a:r>
+            <a:r>
+              <a:rPr lang="en-US" altLang="ja-JP" sz="1200" dirty="0"/>
+              <a:t>Research, 38(5), pp 743-761, 1998. </a:t>
+            </a:r>
+            <a:endParaRPr kumimoji="1" lang="ja-JP" altLang="en-US" sz="1200" dirty="0"/>
+          </a:p>
+        </p:txBody>
+      </p:sp>
+      <p:cxnSp>
+        <p:nvCxnSpPr>
+          <p:cNvPr id="10" name="直線コネクタ 9"/>
+          <p:cNvCxnSpPr/>
+          <p:nvPr/>
+        </p:nvCxnSpPr>
+        <p:spPr>
+          <a:xfrm>
+            <a:off x="298938" y="1022529"/>
+            <a:ext cx="8465127" cy="0"/>
+          </a:xfrm>
+          <a:prstGeom prst="line">
+            <a:avLst/>
+          </a:prstGeom>
+        </p:spPr>
+        <p:style>
+          <a:lnRef idx="2">
+            <a:schemeClr val="accent1"/>
+          </a:lnRef>
+          <a:fillRef idx="0">
+            <a:schemeClr val="accent1"/>
+          </a:fillRef>
+          <a:effectRef idx="1">
+            <a:schemeClr val="accent1"/>
+          </a:effectRef>
+          <a:fontRef idx="minor">
+            <a:schemeClr val="tx1"/>
+          </a:fontRef>
+        </p:style>
+      </p:cxnSp>
+      <p:sp>
+        <p:nvSpPr>
+          <p:cNvPr id="11" name="正方形/長方形 10"/>
+          <p:cNvSpPr/>
+          <p:nvPr/>
+        </p:nvSpPr>
+        <p:spPr>
+          <a:xfrm>
+            <a:off x="695564" y="4194315"/>
+            <a:ext cx="1226256" cy="846757"/>
           </a:xfrm>
           <a:prstGeom prst="rect">
             <a:avLst/>
@@ -18057,232 +19417,10 @@
           </a:p>
         </p:txBody>
       </p:sp>
-      <p:sp>
-        <p:nvSpPr>
-          <p:cNvPr id="7" name="正方形/長方形 6"/>
-          <p:cNvSpPr/>
-          <p:nvPr/>
-        </p:nvSpPr>
-        <p:spPr>
-          <a:xfrm>
-            <a:off x="7255354" y="2335900"/>
-            <a:ext cx="1226256" cy="846757"/>
-          </a:xfrm>
-          <a:prstGeom prst="rect">
-            <a:avLst/>
-          </a:prstGeom>
-        </p:spPr>
-        <p:style>
-          <a:lnRef idx="1">
-            <a:schemeClr val="accent1"/>
-          </a:lnRef>
-          <a:fillRef idx="3">
-            <a:schemeClr val="accent1"/>
-          </a:fillRef>
-          <a:effectRef idx="2">
-            <a:schemeClr val="accent1"/>
-          </a:effectRef>
-          <a:fontRef idx="minor">
-            <a:schemeClr val="lt1"/>
-          </a:fontRef>
-        </p:style>
-        <p:txBody>
-          <a:bodyPr rtlCol="0" anchor="ctr"/>
-          <a:lstStyle/>
-          <a:p>
-            <a:pPr algn="ctr"/>
-            <a:r>
-              <a:rPr kumimoji="1" lang="ja-JP" altLang="en-US" dirty="0" smtClean="0"/>
-              <a:t>出力</a:t>
-            </a:r>
-            <a:endParaRPr kumimoji="1" lang="ja-JP" altLang="en-US" dirty="0"/>
-          </a:p>
-        </p:txBody>
-      </p:sp>
-      <p:cxnSp>
-        <p:nvCxnSpPr>
-          <p:cNvPr id="8" name="直線矢印コネクタ 7"/>
-          <p:cNvCxnSpPr>
-            <a:endCxn id="5" idx="1"/>
-          </p:cNvCxnSpPr>
-          <p:nvPr/>
-        </p:nvCxnSpPr>
-        <p:spPr>
-          <a:xfrm>
-            <a:off x="2058365" y="2759279"/>
-            <a:ext cx="1021880" cy="0"/>
-          </a:xfrm>
-          <a:prstGeom prst="straightConnector1">
-            <a:avLst/>
-          </a:prstGeom>
-          <a:ln>
-            <a:tailEnd type="arrow"/>
-          </a:ln>
-        </p:spPr>
-        <p:style>
-          <a:lnRef idx="2">
-            <a:schemeClr val="accent1"/>
-          </a:lnRef>
-          <a:fillRef idx="0">
-            <a:schemeClr val="accent1"/>
-          </a:fillRef>
-          <a:effectRef idx="1">
-            <a:schemeClr val="accent1"/>
-          </a:effectRef>
-          <a:fontRef idx="minor">
-            <a:schemeClr val="tx1"/>
-          </a:fontRef>
-        </p:style>
-      </p:cxnSp>
-      <p:cxnSp>
-        <p:nvCxnSpPr>
-          <p:cNvPr id="9" name="直線矢印コネクタ 8"/>
-          <p:cNvCxnSpPr/>
-          <p:nvPr/>
-        </p:nvCxnSpPr>
-        <p:spPr>
-          <a:xfrm>
-            <a:off x="4350296" y="2773878"/>
-            <a:ext cx="890495" cy="0"/>
-          </a:xfrm>
-          <a:prstGeom prst="straightConnector1">
-            <a:avLst/>
-          </a:prstGeom>
-          <a:ln>
-            <a:tailEnd type="arrow"/>
-          </a:ln>
-        </p:spPr>
-        <p:style>
-          <a:lnRef idx="2">
-            <a:schemeClr val="accent1"/>
-          </a:lnRef>
-          <a:fillRef idx="0">
-            <a:schemeClr val="accent1"/>
-          </a:fillRef>
-          <a:effectRef idx="1">
-            <a:schemeClr val="accent1"/>
-          </a:effectRef>
-          <a:fontRef idx="minor">
-            <a:schemeClr val="tx1"/>
-          </a:fontRef>
-        </p:style>
-      </p:cxnSp>
-      <p:cxnSp>
-        <p:nvCxnSpPr>
-          <p:cNvPr id="10" name="直線矢印コネクタ 9"/>
-          <p:cNvCxnSpPr>
-            <a:stCxn id="6" idx="3"/>
-            <a:endCxn id="7" idx="1"/>
-          </p:cNvCxnSpPr>
-          <p:nvPr/>
-        </p:nvCxnSpPr>
-        <p:spPr>
-          <a:xfrm>
-            <a:off x="6554637" y="2759279"/>
-            <a:ext cx="700717" cy="0"/>
-          </a:xfrm>
-          <a:prstGeom prst="straightConnector1">
-            <a:avLst/>
-          </a:prstGeom>
-          <a:ln>
-            <a:tailEnd type="arrow"/>
-          </a:ln>
-        </p:spPr>
-        <p:style>
-          <a:lnRef idx="2">
-            <a:schemeClr val="accent1"/>
-          </a:lnRef>
-          <a:fillRef idx="0">
-            <a:schemeClr val="accent1"/>
-          </a:fillRef>
-          <a:effectRef idx="1">
-            <a:schemeClr val="accent1"/>
-          </a:effectRef>
-          <a:fontRef idx="minor">
-            <a:schemeClr val="tx1"/>
-          </a:fontRef>
-        </p:style>
-      </p:cxnSp>
-      <p:sp>
-        <p:nvSpPr>
-          <p:cNvPr id="11" name="テキスト ボックス 10"/>
-          <p:cNvSpPr txBox="1"/>
-          <p:nvPr/>
-        </p:nvSpPr>
-        <p:spPr>
-          <a:xfrm>
-            <a:off x="5024718" y="1993592"/>
-            <a:ext cx="1745991" cy="369332"/>
-          </a:xfrm>
-          <a:prstGeom prst="rect">
-            <a:avLst/>
-          </a:prstGeom>
-          <a:noFill/>
-        </p:spPr>
-        <p:txBody>
-          <a:bodyPr wrap="none" rtlCol="0">
-            <a:spAutoFit/>
-          </a:bodyPr>
-          <a:lstStyle/>
-          <a:p>
-            <a:r>
-              <a:rPr lang="ja-JP" altLang="en-US" dirty="0">
-                <a:solidFill>
-                  <a:srgbClr val="FF0000"/>
-                </a:solidFill>
-              </a:rPr>
-              <a:t>他</a:t>
-            </a:r>
-            <a:r>
-              <a:rPr lang="ja-JP" altLang="en-US" dirty="0" smtClean="0">
-                <a:solidFill>
-                  <a:srgbClr val="FF0000"/>
-                </a:solidFill>
-              </a:rPr>
-              <a:t>の関数にする</a:t>
-            </a:r>
-            <a:endParaRPr kumimoji="1" lang="ja-JP" altLang="en-US" dirty="0">
-              <a:solidFill>
-                <a:srgbClr val="FF0000"/>
-              </a:solidFill>
-            </a:endParaRPr>
-          </a:p>
-        </p:txBody>
-      </p:sp>
-      <p:cxnSp>
-        <p:nvCxnSpPr>
-          <p:cNvPr id="13" name="直線コネクタ 12"/>
-          <p:cNvCxnSpPr/>
-          <p:nvPr/>
-        </p:nvCxnSpPr>
-        <p:spPr>
-          <a:xfrm>
-            <a:off x="457200" y="1206623"/>
-            <a:ext cx="8382000" cy="0"/>
-          </a:xfrm>
-          <a:prstGeom prst="line">
-            <a:avLst/>
-          </a:prstGeom>
-        </p:spPr>
-        <p:style>
-          <a:lnRef idx="2">
-            <a:schemeClr val="accent1"/>
-          </a:lnRef>
-          <a:fillRef idx="0">
-            <a:schemeClr val="accent1"/>
-          </a:fillRef>
-          <a:effectRef idx="1">
-            <a:schemeClr val="accent1"/>
-          </a:effectRef>
-          <a:fontRef idx="minor">
-            <a:schemeClr val="tx1"/>
-          </a:fontRef>
-        </p:style>
-      </p:cxnSp>
     </p:spTree>
     <p:extLst>
       <p:ext uri="{BB962C8B-B14F-4D97-AF65-F5344CB8AC3E}">
-        <p14:creationId xmlns:p14="http://schemas.microsoft.com/office/powerpoint/2010/main" val="1363137314"/>
+        <p14:creationId xmlns:p14="http://schemas.microsoft.com/office/powerpoint/2010/main" val="3436418319"/>
       </p:ext>
     </p:extLst>
   </p:cSld>
@@ -18292,9 +19430,88 @@
   <p:timing>
     <p:tnLst>
       <p:par>
-        <p:cTn id="1" dur="indefinite" restart="never" nodeType="tmRoot"/>
+        <p:cTn id="1" dur="indefinite" restart="never" nodeType="tmRoot">
+          <p:childTnLst>
+            <p:seq concurrent="1" nextAc="seek">
+              <p:cTn id="2" dur="indefinite" nodeType="mainSeq">
+                <p:childTnLst>
+                  <p:par>
+                    <p:cTn id="3" fill="hold">
+                      <p:stCondLst>
+                        <p:cond delay="indefinite"/>
+                      </p:stCondLst>
+                      <p:childTnLst>
+                        <p:par>
+                          <p:cTn id="4" fill="hold">
+                            <p:stCondLst>
+                              <p:cond delay="0"/>
+                            </p:stCondLst>
+                            <p:childTnLst>
+                              <p:par>
+                                <p:cTn id="5" presetID="14" presetClass="entr" presetSubtype="10" fill="hold" grpId="0" nodeType="clickEffect">
+                                  <p:stCondLst>
+                                    <p:cond delay="0"/>
+                                  </p:stCondLst>
+                                  <p:childTnLst>
+                                    <p:set>
+                                      <p:cBhvr>
+                                        <p:cTn id="6" dur="1" fill="hold">
+                                          <p:stCondLst>
+                                            <p:cond delay="0"/>
+                                          </p:stCondLst>
+                                        </p:cTn>
+                                        <p:tgtEl>
+                                          <p:spTgt spid="11"/>
+                                        </p:tgtEl>
+                                        <p:attrNameLst>
+                                          <p:attrName>style.visibility</p:attrName>
+                                        </p:attrNameLst>
+                                      </p:cBhvr>
+                                      <p:to>
+                                        <p:strVal val="visible"/>
+                                      </p:to>
+                                    </p:set>
+                                    <p:animEffect transition="in" filter="randombar(horizontal)">
+                                      <p:cBhvr>
+                                        <p:cTn id="7" dur="500"/>
+                                        <p:tgtEl>
+                                          <p:spTgt spid="11"/>
+                                        </p:tgtEl>
+                                      </p:cBhvr>
+                                    </p:animEffect>
+                                  </p:childTnLst>
+                                </p:cTn>
+                              </p:par>
+                            </p:childTnLst>
+                          </p:cTn>
+                        </p:par>
+                      </p:childTnLst>
+                    </p:cTn>
+                  </p:par>
+                </p:childTnLst>
+              </p:cTn>
+              <p:prevCondLst>
+                <p:cond evt="onPrev" delay="0">
+                  <p:tgtEl>
+                    <p:sldTgt/>
+                  </p:tgtEl>
+                </p:cond>
+              </p:prevCondLst>
+              <p:nextCondLst>
+                <p:cond evt="onNext" delay="0">
+                  <p:tgtEl>
+                    <p:sldTgt/>
+                  </p:tgtEl>
+                </p:cond>
+              </p:nextCondLst>
+            </p:seq>
+          </p:childTnLst>
+        </p:cTn>
       </p:par>
     </p:tnLst>
+    <p:bldLst>
+      <p:bldP spid="11" grpId="0" animBg="1"/>
+    </p:bldLst>
   </p:timing>
 </p:sld>
 </file>

--- a/doc/中間発表資料.pptx
+++ b/doc/中間発表資料.pptx
@@ -5,14 +5,14 @@
     <p:sldMasterId id="2147483648" r:id="rId1"/>
   </p:sldMasterIdLst>
   <p:notesMasterIdLst>
-    <p:notesMasterId r:id="rId23"/>
+    <p:notesMasterId r:id="rId22"/>
   </p:notesMasterIdLst>
   <p:sldIdLst>
     <p:sldId id="256" r:id="rId2"/>
     <p:sldId id="278" r:id="rId3"/>
-    <p:sldId id="279" r:id="rId4"/>
-    <p:sldId id="280" r:id="rId5"/>
-    <p:sldId id="283" r:id="rId6"/>
+    <p:sldId id="283" r:id="rId4"/>
+    <p:sldId id="279" r:id="rId5"/>
+    <p:sldId id="280" r:id="rId6"/>
     <p:sldId id="262" r:id="rId7"/>
     <p:sldId id="258" r:id="rId8"/>
     <p:sldId id="285" r:id="rId9"/>
@@ -28,7 +28,6 @@
     <p:sldId id="260" r:id="rId19"/>
     <p:sldId id="261" r:id="rId20"/>
     <p:sldId id="282" r:id="rId21"/>
-    <p:sldId id="284" r:id="rId22"/>
   </p:sldIdLst>
   <p:sldSz cx="9144000" cy="6858000" type="screen4x3"/>
   <p:notesSz cx="6858000" cy="9144000"/>
@@ -574,15 +573,38 @@
           <a:p>
             <a:r>
               <a:rPr kumimoji="1" lang="ja-JP" altLang="en-US" dirty="0" smtClean="0"/>
-              <a:t>視覚数理モデルの研究</a:t>
-            </a:r>
-            <a:r>
-              <a:rPr kumimoji="1" lang="en-US" altLang="ja-JP" dirty="0" err="1" smtClean="0"/>
-              <a:t>VanEssen</a:t>
-            </a:r>
+              <a:t>研究活動のライフサイクル</a:t>
+            </a:r>
+            <a:endParaRPr kumimoji="1" lang="en-US" altLang="ja-JP" dirty="0" smtClean="0"/>
+          </a:p>
+          <a:p>
             <a:r>
               <a:rPr kumimoji="1" lang="ja-JP" altLang="en-US" dirty="0" smtClean="0"/>
-              <a:t>のモデル、行ったり来たりの処理がたくさんあって大変・・・</a:t>
+              <a:t>論文を読む、ソースコードを解析する（頭の中で考えたり、絵を書いてみたり、フローチャートを書いてみたりする）、書き換える関数を見つける、新しく関数を作る、シミュレーションしてみる</a:t>
+            </a:r>
+            <a:endParaRPr kumimoji="1" lang="en-US" altLang="ja-JP" dirty="0" smtClean="0"/>
+          </a:p>
+          <a:p>
+            <a:r>
+              <a:rPr kumimoji="1" lang="ja-JP" altLang="en-US" dirty="0" smtClean="0"/>
+              <a:t>という一連の流れはほぼ手動・手作業で行われている</a:t>
+            </a:r>
+            <a:endParaRPr kumimoji="1" lang="en-US" altLang="ja-JP" dirty="0" smtClean="0"/>
+          </a:p>
+          <a:p>
+            <a:endParaRPr kumimoji="1" lang="en-US" altLang="ja-JP" dirty="0" smtClean="0"/>
+          </a:p>
+          <a:p>
+            <a:r>
+              <a:rPr kumimoji="1" lang="ja-JP" altLang="en-US" dirty="0" smtClean="0"/>
+              <a:t>ソースコードの解析と流れの確認検証は自動化すべきである</a:t>
+            </a:r>
+            <a:endParaRPr kumimoji="1" lang="en-US" altLang="ja-JP" dirty="0" smtClean="0"/>
+          </a:p>
+          <a:p>
+            <a:r>
+              <a:rPr kumimoji="1" lang="ja-JP" altLang="en-US" dirty="0" smtClean="0"/>
+              <a:t>一番泥くさい部分は面倒なのでコンピュータにやらせるべき</a:t>
             </a:r>
             <a:endParaRPr kumimoji="1" lang="ja-JP" altLang="en-US" dirty="0"/>
           </a:p>
@@ -607,14 +629,14 @@
               <a:rPr kumimoji="1" lang="ja-JP" altLang="en-US" smtClean="0"/>
               <a:t>3</a:t>
             </a:fld>
-            <a:endParaRPr kumimoji="1" lang="ja-JP" altLang="en-US" dirty="0"/>
+            <a:endParaRPr kumimoji="1" lang="ja-JP" altLang="en-US"/>
           </a:p>
         </p:txBody>
       </p:sp>
     </p:spTree>
     <p:extLst>
       <p:ext uri="{BB962C8B-B14F-4D97-AF65-F5344CB8AC3E}">
-        <p14:creationId xmlns:p14="http://schemas.microsoft.com/office/powerpoint/2010/main" val="2256039909"/>
+        <p14:creationId xmlns:p14="http://schemas.microsoft.com/office/powerpoint/2010/main" val="1468119510"/>
       </p:ext>
     </p:extLst>
   </p:cSld>
@@ -1314,102 +1336,6 @@
 </p:notes>
 </file>
 
-<file path=ppt/notesSlides/notesSlide17.xml><?xml version="1.0" encoding="utf-8"?>
-<p:notes xmlns:a="http://schemas.openxmlformats.org/drawingml/2006/main" xmlns:r="http://schemas.openxmlformats.org/officeDocument/2006/relationships" xmlns:p="http://schemas.openxmlformats.org/presentationml/2006/main">
-  <p:cSld>
-    <p:spTree>
-      <p:nvGrpSpPr>
-        <p:cNvPr id="1" name=""/>
-        <p:cNvGrpSpPr/>
-        <p:nvPr/>
-      </p:nvGrpSpPr>
-      <p:grpSpPr>
-        <a:xfrm>
-          <a:off x="0" y="0"/>
-          <a:ext cx="0" cy="0"/>
-          <a:chOff x="0" y="0"/>
-          <a:chExt cx="0" cy="0"/>
-        </a:xfrm>
-      </p:grpSpPr>
-      <p:sp>
-        <p:nvSpPr>
-          <p:cNvPr id="2" name="スライド イメージ プレースホルダー 1"/>
-          <p:cNvSpPr>
-            <a:spLocks noGrp="1" noRot="1" noChangeAspect="1"/>
-          </p:cNvSpPr>
-          <p:nvPr>
-            <p:ph type="sldImg"/>
-          </p:nvPr>
-        </p:nvSpPr>
-        <p:spPr/>
-      </p:sp>
-      <p:sp>
-        <p:nvSpPr>
-          <p:cNvPr id="3" name="ノート プレースホルダー 2"/>
-          <p:cNvSpPr>
-            <a:spLocks noGrp="1"/>
-          </p:cNvSpPr>
-          <p:nvPr>
-            <p:ph type="body" idx="1"/>
-          </p:nvPr>
-        </p:nvSpPr>
-        <p:spPr/>
-        <p:txBody>
-          <a:bodyPr/>
-          <a:lstStyle/>
-          <a:p>
-            <a:r>
-              <a:rPr kumimoji="1" lang="ja-JP" altLang="en-US" dirty="0" smtClean="0"/>
-              <a:t>西本先生らの新しい知見は先の数理モデルの</a:t>
-            </a:r>
-            <a:r>
-              <a:rPr kumimoji="1" lang="en-US" altLang="ja-JP" dirty="0" smtClean="0"/>
-              <a:t>MT</a:t>
-            </a:r>
-            <a:r>
-              <a:rPr kumimoji="1" lang="ja-JP" altLang="en-US" dirty="0" smtClean="0"/>
-              <a:t>野の処理の部分を他の関数に置き換えることで検証することが出来ます。</a:t>
-            </a:r>
-            <a:endParaRPr kumimoji="1" lang="ja-JP" altLang="en-US" dirty="0"/>
-          </a:p>
-        </p:txBody>
-      </p:sp>
-      <p:sp>
-        <p:nvSpPr>
-          <p:cNvPr id="4" name="スライド番号プレースホルダー 3"/>
-          <p:cNvSpPr>
-            <a:spLocks noGrp="1"/>
-          </p:cNvSpPr>
-          <p:nvPr>
-            <p:ph type="sldNum" sz="quarter" idx="10"/>
-          </p:nvPr>
-        </p:nvSpPr>
-        <p:spPr/>
-        <p:txBody>
-          <a:bodyPr/>
-          <a:lstStyle/>
-          <a:p>
-            <a:fld id="{9B414CEF-9AC9-7B40-8689-4792AE055851}" type="slidenum">
-              <a:rPr kumimoji="1" lang="ja-JP" altLang="en-US" smtClean="0"/>
-              <a:t>21</a:t>
-            </a:fld>
-            <a:endParaRPr kumimoji="1" lang="ja-JP" altLang="en-US"/>
-          </a:p>
-        </p:txBody>
-      </p:sp>
-    </p:spTree>
-    <p:extLst>
-      <p:ext uri="{BB962C8B-B14F-4D97-AF65-F5344CB8AC3E}">
-        <p14:creationId xmlns:p14="http://schemas.microsoft.com/office/powerpoint/2010/main" val="2251197855"/>
-      </p:ext>
-    </p:extLst>
-  </p:cSld>
-  <p:clrMapOvr>
-    <a:masterClrMapping/>
-  </p:clrMapOvr>
-</p:notes>
-</file>
-
 <file path=ppt/notesSlides/notesSlide2.xml><?xml version="1.0" encoding="utf-8"?>
 <p:notes xmlns:a="http://schemas.openxmlformats.org/drawingml/2006/main" xmlns:r="http://schemas.openxmlformats.org/officeDocument/2006/relationships" xmlns:p="http://schemas.openxmlformats.org/presentationml/2006/main">
   <p:cSld>
@@ -1456,7 +1382,15 @@
           <a:p>
             <a:r>
               <a:rPr kumimoji="1" lang="ja-JP" altLang="en-US" dirty="0" smtClean="0"/>
-              <a:t>数理モデル研究者の日常的な１．並びに２．の実施方法について述べ、問題点をガッツリ指摘する。</a:t>
+              <a:t>視覚数理モデルの研究</a:t>
+            </a:r>
+            <a:r>
+              <a:rPr kumimoji="1" lang="en-US" altLang="ja-JP" dirty="0" err="1" smtClean="0"/>
+              <a:t>VanEssen</a:t>
+            </a:r>
+            <a:r>
+              <a:rPr kumimoji="1" lang="ja-JP" altLang="en-US" dirty="0" smtClean="0"/>
+              <a:t>のモデル、行ったり来たりの処理がたくさんあって大変・・・</a:t>
             </a:r>
             <a:endParaRPr kumimoji="1" lang="ja-JP" altLang="en-US" dirty="0"/>
           </a:p>
@@ -1488,7 +1422,7 @@
     </p:spTree>
     <p:extLst>
       <p:ext uri="{BB962C8B-B14F-4D97-AF65-F5344CB8AC3E}">
-        <p14:creationId xmlns:p14="http://schemas.microsoft.com/office/powerpoint/2010/main" val="1402785510"/>
+        <p14:creationId xmlns:p14="http://schemas.microsoft.com/office/powerpoint/2010/main" val="2256039909"/>
       </p:ext>
     </p:extLst>
   </p:cSld>
@@ -1544,38 +1478,7 @@
           <a:p>
             <a:r>
               <a:rPr kumimoji="1" lang="ja-JP" altLang="en-US" dirty="0" smtClean="0"/>
-              <a:t>研究活動のライフサイクル</a:t>
-            </a:r>
-            <a:endParaRPr kumimoji="1" lang="en-US" altLang="ja-JP" dirty="0" smtClean="0"/>
-          </a:p>
-          <a:p>
-            <a:r>
-              <a:rPr kumimoji="1" lang="ja-JP" altLang="en-US" dirty="0" smtClean="0"/>
-              <a:t>論文を読む、ソースコードを解析する（頭の中で考えたり、絵を書いてみたり、フローチャートを書いてみたりする）、書き換える関数を見つける、新しく関数を作る、シミュレーションしてみる</a:t>
-            </a:r>
-            <a:endParaRPr kumimoji="1" lang="en-US" altLang="ja-JP" dirty="0" smtClean="0"/>
-          </a:p>
-          <a:p>
-            <a:r>
-              <a:rPr kumimoji="1" lang="ja-JP" altLang="en-US" dirty="0" smtClean="0"/>
-              <a:t>という一連の流れはほぼ手動・手作業で行われている</a:t>
-            </a:r>
-            <a:endParaRPr kumimoji="1" lang="en-US" altLang="ja-JP" dirty="0" smtClean="0"/>
-          </a:p>
-          <a:p>
-            <a:endParaRPr kumimoji="1" lang="en-US" altLang="ja-JP" dirty="0" smtClean="0"/>
-          </a:p>
-          <a:p>
-            <a:r>
-              <a:rPr kumimoji="1" lang="ja-JP" altLang="en-US" dirty="0" smtClean="0"/>
-              <a:t>ソースコードの解析と流れの確認検証は自動化すべきである</a:t>
-            </a:r>
-            <a:endParaRPr kumimoji="1" lang="en-US" altLang="ja-JP" dirty="0" smtClean="0"/>
-          </a:p>
-          <a:p>
-            <a:r>
-              <a:rPr kumimoji="1" lang="ja-JP" altLang="en-US" dirty="0" smtClean="0"/>
-              <a:t>一番泥くさい部分は面倒なのでコンピュータにやらせるべき</a:t>
+              <a:t>数理モデル研究者の日常的な１．並びに２．の実施方法について述べ、問題点をガッツリ指摘する。</a:t>
             </a:r>
             <a:endParaRPr kumimoji="1" lang="ja-JP" altLang="en-US" dirty="0"/>
           </a:p>
@@ -1600,14 +1503,14 @@
               <a:rPr kumimoji="1" lang="ja-JP" altLang="en-US" smtClean="0"/>
               <a:t>5</a:t>
             </a:fld>
-            <a:endParaRPr kumimoji="1" lang="ja-JP" altLang="en-US"/>
+            <a:endParaRPr kumimoji="1" lang="ja-JP" altLang="en-US" dirty="0"/>
           </a:p>
         </p:txBody>
       </p:sp>
     </p:spTree>
     <p:extLst>
       <p:ext uri="{BB962C8B-B14F-4D97-AF65-F5344CB8AC3E}">
-        <p14:creationId xmlns:p14="http://schemas.microsoft.com/office/powerpoint/2010/main" val="1468119510"/>
+        <p14:creationId xmlns:p14="http://schemas.microsoft.com/office/powerpoint/2010/main" val="1402785510"/>
       </p:ext>
     </p:extLst>
   </p:cSld>
@@ -5801,10 +5704,10 @@
         </p:nvGrpSpPr>
         <p:grpSpPr>
           <a:xfrm>
-            <a:off x="325718" y="1456911"/>
-            <a:ext cx="8622949" cy="5161549"/>
-            <a:chOff x="304800" y="1561981"/>
-            <a:chExt cx="8622949" cy="5161549"/>
+            <a:off x="325717" y="1456911"/>
+            <a:ext cx="8602031" cy="5245819"/>
+            <a:chOff x="304799" y="1561981"/>
+            <a:chExt cx="8602031" cy="5245819"/>
           </a:xfrm>
         </p:grpSpPr>
         <p:sp>
@@ -6927,14 +6830,14 @@
                 </a:ln>
                 <a:extLst>
                   <a:ext uri="{909E8E84-426E-40dd-AFC4-6F175D3DCCD1}">
-                    <a14:hiddenFill xmlns="" xmlns:a14="http://schemas.microsoft.com/office/drawing/2010/main">
+                    <a14:hiddenFill xmlns:a14="http://schemas.microsoft.com/office/drawing/2010/main" xmlns="">
                       <a:solidFill>
                         <a:srgbClr val="FFFFFF"/>
                       </a:solidFill>
                     </a14:hiddenFill>
                   </a:ext>
                   <a:ext uri="{91240B29-F687-4f45-9708-019B960494DF}">
-                    <a14:hiddenLine xmlns="" xmlns:a14="http://schemas.microsoft.com/office/drawing/2010/main" w="9525">
+                    <a14:hiddenLine xmlns:a14="http://schemas.microsoft.com/office/drawing/2010/main" xmlns="" w="9525">
                       <a:solidFill>
                         <a:srgbClr val="000000"/>
                       </a:solidFill>
@@ -6998,14 +6901,14 @@
               </a:ln>
               <a:extLst>
                 <a:ext uri="{909E8E84-426E-40dd-AFC4-6F175D3DCCD1}">
-                  <a14:hiddenFill xmlns="" xmlns:a14="http://schemas.microsoft.com/office/drawing/2010/main">
+                  <a14:hiddenFill xmlns:a14="http://schemas.microsoft.com/office/drawing/2010/main" xmlns="">
                     <a:solidFill>
                       <a:srgbClr val="FFFFFF"/>
                     </a:solidFill>
                   </a14:hiddenFill>
                 </a:ext>
                 <a:ext uri="{91240B29-F687-4f45-9708-019B960494DF}">
-                  <a14:hiddenLine xmlns="" xmlns:a14="http://schemas.microsoft.com/office/drawing/2010/main" w="9525">
+                  <a14:hiddenLine xmlns:a14="http://schemas.microsoft.com/office/drawing/2010/main" xmlns="" w="9525">
                     <a:solidFill>
                       <a:srgbClr val="000000"/>
                     </a:solidFill>
@@ -7134,7 +7037,7 @@
           </p:nvSpPr>
           <p:spPr>
             <a:xfrm>
-              <a:off x="325718" y="5308642"/>
+              <a:off x="304799" y="5484361"/>
               <a:ext cx="8602031" cy="1323439"/>
             </a:xfrm>
             <a:prstGeom prst="rect">
@@ -12477,400 +12380,6 @@
 </p:sld>
 </file>
 
-<file path=ppt/slides/slide21.xml><?xml version="1.0" encoding="utf-8"?>
-<p:sld xmlns:a="http://schemas.openxmlformats.org/drawingml/2006/main" xmlns:r="http://schemas.openxmlformats.org/officeDocument/2006/relationships" xmlns:p="http://schemas.openxmlformats.org/presentationml/2006/main">
-  <p:cSld>
-    <p:spTree>
-      <p:nvGrpSpPr>
-        <p:cNvPr id="1" name=""/>
-        <p:cNvGrpSpPr/>
-        <p:nvPr/>
-      </p:nvGrpSpPr>
-      <p:grpSpPr>
-        <a:xfrm>
-          <a:off x="0" y="0"/>
-          <a:ext cx="0" cy="0"/>
-          <a:chOff x="0" y="0"/>
-          <a:chExt cx="0" cy="0"/>
-        </a:xfrm>
-      </p:grpSpPr>
-      <p:cxnSp>
-        <p:nvCxnSpPr>
-          <p:cNvPr id="15" name="直線矢印コネクタ 14"/>
-          <p:cNvCxnSpPr>
-            <a:stCxn id="4" idx="2"/>
-            <a:endCxn id="7" idx="0"/>
-          </p:cNvCxnSpPr>
-          <p:nvPr/>
-        </p:nvCxnSpPr>
-        <p:spPr>
-          <a:xfrm>
-            <a:off x="1328451" y="2335900"/>
-            <a:ext cx="7300" cy="3490258"/>
-          </a:xfrm>
-          <a:prstGeom prst="straightConnector1">
-            <a:avLst/>
-          </a:prstGeom>
-          <a:ln w="76200">
-            <a:tailEnd type="triangle"/>
-          </a:ln>
-        </p:spPr>
-        <p:style>
-          <a:lnRef idx="2">
-            <a:schemeClr val="accent1"/>
-          </a:lnRef>
-          <a:fillRef idx="0">
-            <a:schemeClr val="accent1"/>
-          </a:fillRef>
-          <a:effectRef idx="1">
-            <a:schemeClr val="accent1"/>
-          </a:effectRef>
-          <a:fontRef idx="minor">
-            <a:schemeClr val="tx1"/>
-          </a:fontRef>
-        </p:style>
-      </p:cxnSp>
-      <p:sp>
-        <p:nvSpPr>
-          <p:cNvPr id="2" name="タイトル 1"/>
-          <p:cNvSpPr>
-            <a:spLocks noGrp="1"/>
-          </p:cNvSpPr>
-          <p:nvPr>
-            <p:ph type="title"/>
-          </p:nvPr>
-        </p:nvSpPr>
-        <p:spPr>
-          <a:xfrm>
-            <a:off x="457200" y="151204"/>
-            <a:ext cx="8229600" cy="1143000"/>
-          </a:xfrm>
-        </p:spPr>
-        <p:txBody>
-          <a:bodyPr/>
-          <a:lstStyle/>
-          <a:p>
-            <a:r>
-              <a:rPr lang="ja-JP" altLang="en-US" dirty="0" smtClean="0"/>
-              <a:t>問題点</a:t>
-            </a:r>
-            <a:endParaRPr kumimoji="1" lang="ja-JP" altLang="en-US" dirty="0"/>
-          </a:p>
-        </p:txBody>
-      </p:sp>
-      <p:sp>
-        <p:nvSpPr>
-          <p:cNvPr id="3" name="コンテンツ プレースホルダー 2"/>
-          <p:cNvSpPr>
-            <a:spLocks noGrp="1"/>
-          </p:cNvSpPr>
-          <p:nvPr>
-            <p:ph idx="1"/>
-          </p:nvPr>
-        </p:nvSpPr>
-        <p:spPr>
-          <a:xfrm>
-            <a:off x="2822331" y="3171244"/>
-            <a:ext cx="6016869" cy="2332741"/>
-          </a:xfrm>
-        </p:spPr>
-        <p:txBody>
-          <a:bodyPr>
-            <a:normAutofit/>
-          </a:bodyPr>
-          <a:lstStyle/>
-          <a:p>
-            <a:pPr marL="0" indent="0">
-              <a:buNone/>
-            </a:pPr>
-            <a:r>
-              <a:rPr lang="ja-JP" altLang="en-US" dirty="0" smtClean="0"/>
-              <a:t>新しい知見を検証する為には先のモデルの</a:t>
-            </a:r>
-            <a:r>
-              <a:rPr lang="en-US" altLang="ja-JP" dirty="0" smtClean="0"/>
-              <a:t>MT</a:t>
-            </a:r>
-            <a:r>
-              <a:rPr lang="ja-JP" altLang="en-US" dirty="0" smtClean="0"/>
-              <a:t>野の部分を修正・変更する必要がある</a:t>
-            </a:r>
-            <a:endParaRPr kumimoji="1" lang="ja-JP" altLang="en-US" dirty="0"/>
-          </a:p>
-        </p:txBody>
-      </p:sp>
-      <p:sp>
-        <p:nvSpPr>
-          <p:cNvPr id="4" name="正方形/長方形 3"/>
-          <p:cNvSpPr/>
-          <p:nvPr/>
-        </p:nvSpPr>
-        <p:spPr>
-          <a:xfrm>
-            <a:off x="708024" y="1489143"/>
-            <a:ext cx="1240854" cy="846757"/>
-          </a:xfrm>
-          <a:prstGeom prst="rect">
-            <a:avLst/>
-          </a:prstGeom>
-        </p:spPr>
-        <p:style>
-          <a:lnRef idx="1">
-            <a:schemeClr val="accent1"/>
-          </a:lnRef>
-          <a:fillRef idx="3">
-            <a:schemeClr val="accent1"/>
-          </a:fillRef>
-          <a:effectRef idx="2">
-            <a:schemeClr val="accent1"/>
-          </a:effectRef>
-          <a:fontRef idx="minor">
-            <a:schemeClr val="lt1"/>
-          </a:fontRef>
-        </p:style>
-        <p:txBody>
-          <a:bodyPr rtlCol="0" anchor="ctr"/>
-          <a:lstStyle/>
-          <a:p>
-            <a:pPr algn="ctr"/>
-            <a:r>
-              <a:rPr kumimoji="1" lang="ja-JP" altLang="en-US" dirty="0" smtClean="0"/>
-              <a:t>入力</a:t>
-            </a:r>
-            <a:endParaRPr kumimoji="1" lang="ja-JP" altLang="en-US" dirty="0"/>
-          </a:p>
-        </p:txBody>
-      </p:sp>
-      <p:sp>
-        <p:nvSpPr>
-          <p:cNvPr id="5" name="正方形/長方形 4"/>
-          <p:cNvSpPr/>
-          <p:nvPr/>
-        </p:nvSpPr>
-        <p:spPr>
-          <a:xfrm>
-            <a:off x="708025" y="2940658"/>
-            <a:ext cx="1226256" cy="846757"/>
-          </a:xfrm>
-          <a:prstGeom prst="rect">
-            <a:avLst/>
-          </a:prstGeom>
-        </p:spPr>
-        <p:style>
-          <a:lnRef idx="1">
-            <a:schemeClr val="accent1"/>
-          </a:lnRef>
-          <a:fillRef idx="3">
-            <a:schemeClr val="accent1"/>
-          </a:fillRef>
-          <a:effectRef idx="2">
-            <a:schemeClr val="accent1"/>
-          </a:effectRef>
-          <a:fontRef idx="minor">
-            <a:schemeClr val="lt1"/>
-          </a:fontRef>
-        </p:style>
-        <p:txBody>
-          <a:bodyPr rtlCol="0" anchor="ctr"/>
-          <a:lstStyle/>
-          <a:p>
-            <a:pPr algn="ctr"/>
-            <a:r>
-              <a:rPr kumimoji="1" lang="en-US" altLang="ja-JP" dirty="0" smtClean="0"/>
-              <a:t>V1</a:t>
-            </a:r>
-            <a:r>
-              <a:rPr kumimoji="1" lang="ja-JP" altLang="en-US" dirty="0" smtClean="0"/>
-              <a:t>野</a:t>
-            </a:r>
-            <a:endParaRPr kumimoji="1" lang="ja-JP" altLang="en-US" dirty="0"/>
-          </a:p>
-        </p:txBody>
-      </p:sp>
-      <p:sp>
-        <p:nvSpPr>
-          <p:cNvPr id="7" name="正方形/長方形 6"/>
-          <p:cNvSpPr/>
-          <p:nvPr/>
-        </p:nvSpPr>
-        <p:spPr>
-          <a:xfrm>
-            <a:off x="722623" y="5826158"/>
-            <a:ext cx="1226256" cy="846757"/>
-          </a:xfrm>
-          <a:prstGeom prst="rect">
-            <a:avLst/>
-          </a:prstGeom>
-        </p:spPr>
-        <p:style>
-          <a:lnRef idx="1">
-            <a:schemeClr val="accent1"/>
-          </a:lnRef>
-          <a:fillRef idx="3">
-            <a:schemeClr val="accent1"/>
-          </a:fillRef>
-          <a:effectRef idx="2">
-            <a:schemeClr val="accent1"/>
-          </a:effectRef>
-          <a:fontRef idx="minor">
-            <a:schemeClr val="lt1"/>
-          </a:fontRef>
-        </p:style>
-        <p:txBody>
-          <a:bodyPr rtlCol="0" anchor="ctr"/>
-          <a:lstStyle/>
-          <a:p>
-            <a:pPr algn="ctr"/>
-            <a:r>
-              <a:rPr kumimoji="1" lang="ja-JP" altLang="en-US" dirty="0" smtClean="0"/>
-              <a:t>出力</a:t>
-            </a:r>
-            <a:endParaRPr kumimoji="1" lang="ja-JP" altLang="en-US" dirty="0"/>
-          </a:p>
-        </p:txBody>
-      </p:sp>
-      <p:sp>
-        <p:nvSpPr>
-          <p:cNvPr id="11" name="テキスト ボックス 10"/>
-          <p:cNvSpPr txBox="1"/>
-          <p:nvPr/>
-        </p:nvSpPr>
-        <p:spPr>
-          <a:xfrm>
-            <a:off x="2255141" y="4773118"/>
-            <a:ext cx="1745991" cy="369332"/>
-          </a:xfrm>
-          <a:prstGeom prst="rect">
-            <a:avLst/>
-          </a:prstGeom>
-          <a:noFill/>
-        </p:spPr>
-        <p:txBody>
-          <a:bodyPr wrap="none" rtlCol="0">
-            <a:spAutoFit/>
-          </a:bodyPr>
-          <a:lstStyle/>
-          <a:p>
-            <a:r>
-              <a:rPr lang="ja-JP" altLang="en-US" dirty="0">
-                <a:solidFill>
-                  <a:srgbClr val="FF0000"/>
-                </a:solidFill>
-              </a:rPr>
-              <a:t>他</a:t>
-            </a:r>
-            <a:r>
-              <a:rPr lang="ja-JP" altLang="en-US" dirty="0" smtClean="0">
-                <a:solidFill>
-                  <a:srgbClr val="FF0000"/>
-                </a:solidFill>
-              </a:rPr>
-              <a:t>の関数にする</a:t>
-            </a:r>
-            <a:endParaRPr kumimoji="1" lang="ja-JP" altLang="en-US" dirty="0">
-              <a:solidFill>
-                <a:srgbClr val="FF0000"/>
-              </a:solidFill>
-            </a:endParaRPr>
-          </a:p>
-        </p:txBody>
-      </p:sp>
-      <p:cxnSp>
-        <p:nvCxnSpPr>
-          <p:cNvPr id="13" name="直線コネクタ 12"/>
-          <p:cNvCxnSpPr/>
-          <p:nvPr/>
-        </p:nvCxnSpPr>
-        <p:spPr>
-          <a:xfrm>
-            <a:off x="457200" y="1206623"/>
-            <a:ext cx="8382000" cy="0"/>
-          </a:xfrm>
-          <a:prstGeom prst="line">
-            <a:avLst/>
-          </a:prstGeom>
-        </p:spPr>
-        <p:style>
-          <a:lnRef idx="2">
-            <a:schemeClr val="accent1"/>
-          </a:lnRef>
-          <a:fillRef idx="0">
-            <a:schemeClr val="accent1"/>
-          </a:fillRef>
-          <a:effectRef idx="1">
-            <a:schemeClr val="accent1"/>
-          </a:effectRef>
-          <a:fontRef idx="minor">
-            <a:schemeClr val="tx1"/>
-          </a:fontRef>
-        </p:style>
-      </p:cxnSp>
-      <p:sp>
-        <p:nvSpPr>
-          <p:cNvPr id="16" name="正方形/長方形 15"/>
-          <p:cNvSpPr/>
-          <p:nvPr/>
-        </p:nvSpPr>
-        <p:spPr>
-          <a:xfrm>
-            <a:off x="722623" y="4295693"/>
-            <a:ext cx="1226256" cy="846757"/>
-          </a:xfrm>
-          <a:prstGeom prst="rect">
-            <a:avLst/>
-          </a:prstGeom>
-        </p:spPr>
-        <p:style>
-          <a:lnRef idx="1">
-            <a:schemeClr val="accent1"/>
-          </a:lnRef>
-          <a:fillRef idx="3">
-            <a:schemeClr val="accent1"/>
-          </a:fillRef>
-          <a:effectRef idx="2">
-            <a:schemeClr val="accent1"/>
-          </a:effectRef>
-          <a:fontRef idx="minor">
-            <a:schemeClr val="lt1"/>
-          </a:fontRef>
-        </p:style>
-        <p:txBody>
-          <a:bodyPr rtlCol="0" anchor="ctr"/>
-          <a:lstStyle/>
-          <a:p>
-            <a:pPr algn="ctr"/>
-            <a:r>
-              <a:rPr kumimoji="1" lang="en-US" altLang="ja-JP" dirty="0" smtClean="0"/>
-              <a:t>MT</a:t>
-            </a:r>
-            <a:r>
-              <a:rPr kumimoji="1" lang="ja-JP" altLang="en-US" dirty="0" smtClean="0"/>
-              <a:t>野</a:t>
-            </a:r>
-            <a:endParaRPr kumimoji="1" lang="ja-JP" altLang="en-US" dirty="0"/>
-          </a:p>
-        </p:txBody>
-      </p:sp>
-    </p:spTree>
-    <p:extLst>
-      <p:ext uri="{BB962C8B-B14F-4D97-AF65-F5344CB8AC3E}">
-        <p14:creationId xmlns:p14="http://schemas.microsoft.com/office/powerpoint/2010/main" val="4003620865"/>
-      </p:ext>
-    </p:extLst>
-  </p:cSld>
-  <p:clrMapOvr>
-    <a:masterClrMapping/>
-  </p:clrMapOvr>
-  <p:timing>
-    <p:tnLst>
-      <p:par>
-        <p:cTn id="1" dur="indefinite" restart="never" nodeType="tmRoot"/>
-      </p:par>
-    </p:tnLst>
-  </p:timing>
-</p:sld>
-</file>
-
 <file path=ppt/slides/slide3.xml><?xml version="1.0" encoding="utf-8"?>
 <p:sld xmlns:a="http://schemas.openxmlformats.org/drawingml/2006/main" xmlns:r="http://schemas.openxmlformats.org/officeDocument/2006/relationships" xmlns:p="http://schemas.openxmlformats.org/presentationml/2006/main">
   <p:cSld>
@@ -12900,1504 +12409,7 @@
         </p:nvSpPr>
         <p:spPr>
           <a:xfrm>
-            <a:off x="457200" y="100869"/>
-            <a:ext cx="8229600" cy="719325"/>
-          </a:xfrm>
-        </p:spPr>
-        <p:txBody>
-          <a:bodyPr>
-            <a:normAutofit/>
-          </a:bodyPr>
-          <a:lstStyle/>
-          <a:p>
-            <a:r>
-              <a:rPr kumimoji="1" lang="ja-JP" altLang="en-US" sz="3600" dirty="0" smtClean="0"/>
-              <a:t>視覚数理モデル研究とは</a:t>
-            </a:r>
-            <a:endParaRPr kumimoji="1" lang="ja-JP" altLang="en-US" sz="3600" dirty="0"/>
-          </a:p>
-        </p:txBody>
-      </p:sp>
-      <p:sp>
-        <p:nvSpPr>
-          <p:cNvPr id="3" name="コンテンツ プレースホルダー 2"/>
-          <p:cNvSpPr>
-            <a:spLocks noGrp="1"/>
-          </p:cNvSpPr>
-          <p:nvPr>
-            <p:ph sz="half" idx="1"/>
-          </p:nvPr>
-        </p:nvSpPr>
-        <p:spPr>
-          <a:xfrm>
-            <a:off x="281354" y="1247430"/>
-            <a:ext cx="4958861" cy="4525963"/>
-          </a:xfrm>
-        </p:spPr>
-        <p:txBody>
-          <a:bodyPr>
-            <a:normAutofit fontScale="92500"/>
-          </a:bodyPr>
-          <a:lstStyle/>
-          <a:p>
-            <a:pPr marL="514350" indent="-514350">
-              <a:lnSpc>
-                <a:spcPct val="160000"/>
-              </a:lnSpc>
-              <a:spcBef>
-                <a:spcPts val="0"/>
-              </a:spcBef>
-              <a:spcAft>
-                <a:spcPts val="600"/>
-              </a:spcAft>
-              <a:buFont typeface="+mj-lt"/>
-              <a:buAutoNum type="arabicPeriod"/>
-            </a:pPr>
-            <a:r>
-              <a:rPr lang="ja-JP" altLang="en-US" dirty="0" smtClean="0"/>
-              <a:t>各種実験結果の数理的記述</a:t>
-            </a:r>
-            <a:endParaRPr lang="en-US" altLang="ja-JP" dirty="0" smtClean="0"/>
-          </a:p>
-          <a:p>
-            <a:pPr marL="400050" lvl="1" indent="0">
-              <a:lnSpc>
-                <a:spcPct val="110000"/>
-              </a:lnSpc>
-              <a:spcBef>
-                <a:spcPts val="0"/>
-              </a:spcBef>
-              <a:spcAft>
-                <a:spcPts val="600"/>
-              </a:spcAft>
-              <a:buNone/>
-            </a:pPr>
-            <a:r>
-              <a:rPr lang="ja-JP" altLang="en-US" dirty="0" smtClean="0"/>
-              <a:t> 式やアルゴリズムで表現</a:t>
-            </a:r>
-            <a:endParaRPr lang="en-US" altLang="ja-JP" dirty="0" smtClean="0"/>
-          </a:p>
-          <a:p>
-            <a:pPr marL="400050" lvl="1" indent="0">
-              <a:lnSpc>
-                <a:spcPct val="110000"/>
-              </a:lnSpc>
-              <a:spcBef>
-                <a:spcPts val="0"/>
-              </a:spcBef>
-              <a:spcAft>
-                <a:spcPts val="600"/>
-              </a:spcAft>
-              <a:buNone/>
-            </a:pPr>
-            <a:r>
-              <a:rPr lang="ja-JP" altLang="en-US" dirty="0" smtClean="0"/>
-              <a:t> 処理の流れを図示→論文に掲載</a:t>
-            </a:r>
-            <a:endParaRPr lang="en-US" altLang="ja-JP" dirty="0" smtClean="0"/>
-          </a:p>
-          <a:p>
-            <a:pPr marL="514350" indent="-514350">
-              <a:buFont typeface="+mj-lt"/>
-              <a:buAutoNum type="arabicPeriod"/>
-            </a:pPr>
-            <a:r>
-              <a:rPr lang="ja-JP" altLang="en-US" dirty="0" smtClean="0"/>
-              <a:t>モデルの実装</a:t>
-            </a:r>
-            <a:r>
-              <a:rPr lang="en-US" altLang="ja-JP" dirty="0" smtClean="0"/>
-              <a:t>(</a:t>
-            </a:r>
-            <a:r>
-              <a:rPr lang="ja-JP" altLang="en-US" dirty="0" smtClean="0"/>
-              <a:t>プログラム</a:t>
-            </a:r>
-            <a:r>
-              <a:rPr lang="en-US" altLang="ja-JP" dirty="0" smtClean="0"/>
-              <a:t>)</a:t>
-            </a:r>
-          </a:p>
-          <a:p>
-            <a:pPr marL="400050" lvl="1" indent="0">
-              <a:buNone/>
-            </a:pPr>
-            <a:r>
-              <a:rPr lang="en-US" altLang="ja-JP" dirty="0" smtClean="0"/>
-              <a:t>	</a:t>
-            </a:r>
-            <a:r>
-              <a:rPr lang="ja-JP" altLang="en-US" dirty="0" smtClean="0"/>
-              <a:t>式</a:t>
-            </a:r>
-            <a:r>
-              <a:rPr lang="en-US" altLang="ja-JP" dirty="0" smtClean="0"/>
-              <a:t>/</a:t>
-            </a:r>
-            <a:r>
-              <a:rPr lang="ja-JP" altLang="en-US" dirty="0" smtClean="0"/>
-              <a:t>アルゴリズム</a:t>
-            </a:r>
-            <a:r>
-              <a:rPr lang="en-US" altLang="ja-JP" dirty="0"/>
-              <a:t>/</a:t>
-            </a:r>
-            <a:r>
-              <a:rPr lang="ja-JP" altLang="en-US" dirty="0" smtClean="0"/>
-              <a:t>処理流れの翻訳</a:t>
-            </a:r>
-            <a:endParaRPr lang="en-US" altLang="ja-JP" dirty="0" smtClean="0"/>
-          </a:p>
-          <a:p>
-            <a:pPr marL="514350" indent="-514350">
-              <a:buFont typeface="+mj-lt"/>
-              <a:buAutoNum type="arabicPeriod"/>
-            </a:pPr>
-            <a:r>
-              <a:rPr lang="ja-JP" altLang="en-US" dirty="0" smtClean="0"/>
-              <a:t>モデル妥当性の検証</a:t>
-            </a:r>
-            <a:endParaRPr lang="en-US" altLang="ja-JP" dirty="0"/>
-          </a:p>
-          <a:p>
-            <a:pPr marL="400050" lvl="1" indent="0">
-              <a:buNone/>
-            </a:pPr>
-            <a:r>
-              <a:rPr lang="ja-JP" altLang="en-US" dirty="0" smtClean="0"/>
-              <a:t>シミュレーション結果と実験結果の整合性確認</a:t>
-            </a:r>
-            <a:endParaRPr lang="en-US" altLang="ja-JP" dirty="0" smtClean="0"/>
-          </a:p>
-          <a:p>
-            <a:pPr marL="514350" indent="-514350">
-              <a:buFont typeface="+mj-lt"/>
-              <a:buAutoNum type="arabicPeriod"/>
-            </a:pPr>
-            <a:r>
-              <a:rPr lang="ja-JP" altLang="en-US" dirty="0" smtClean="0">
-                <a:solidFill>
-                  <a:srgbClr val="FF0000"/>
-                </a:solidFill>
-              </a:rPr>
-              <a:t>研究は１～３の繰り返し</a:t>
-            </a:r>
-            <a:endParaRPr lang="en-US" altLang="ja-JP" dirty="0" smtClean="0">
-              <a:solidFill>
-                <a:srgbClr val="FF0000"/>
-              </a:solidFill>
-            </a:endParaRPr>
-          </a:p>
-          <a:p>
-            <a:pPr marL="914400" lvl="1" indent="-457200">
-              <a:buFont typeface="+mj-lt"/>
-              <a:buAutoNum type="arabicPeriod"/>
-            </a:pPr>
-            <a:endParaRPr lang="en-US" altLang="ja-JP" dirty="0" smtClean="0"/>
-          </a:p>
-          <a:p>
-            <a:endParaRPr lang="en-US" altLang="ja-JP" dirty="0"/>
-          </a:p>
-          <a:p>
-            <a:endParaRPr lang="en-US" altLang="ja-JP" dirty="0" smtClean="0"/>
-          </a:p>
-        </p:txBody>
-      </p:sp>
-      <p:cxnSp>
-        <p:nvCxnSpPr>
-          <p:cNvPr id="5" name="直線コネクタ 4"/>
-          <p:cNvCxnSpPr/>
-          <p:nvPr/>
-        </p:nvCxnSpPr>
-        <p:spPr>
-          <a:xfrm>
-            <a:off x="408709" y="850534"/>
-            <a:ext cx="8478982" cy="0"/>
-          </a:xfrm>
-          <a:prstGeom prst="line">
-            <a:avLst/>
-          </a:prstGeom>
-        </p:spPr>
-        <p:style>
-          <a:lnRef idx="2">
-            <a:schemeClr val="accent1"/>
-          </a:lnRef>
-          <a:fillRef idx="0">
-            <a:schemeClr val="accent1"/>
-          </a:fillRef>
-          <a:effectRef idx="1">
-            <a:schemeClr val="accent1"/>
-          </a:effectRef>
-          <a:fontRef idx="minor">
-            <a:schemeClr val="tx1"/>
-          </a:fontRef>
-        </p:style>
-      </p:cxnSp>
-      <p:pic>
-        <p:nvPicPr>
-          <p:cNvPr id="1026" name="Picture 2" descr="http://vis.berkeley.edu/courses/cs294-10-fa07/wiki/images/e/e1/A1_bad.gif"/>
-          <p:cNvPicPr>
-            <a:picLocks noChangeAspect="1" noChangeArrowheads="1"/>
-          </p:cNvPicPr>
-          <p:nvPr/>
-        </p:nvPicPr>
-        <p:blipFill>
-          <a:blip r:embed="rId3">
-            <a:extLst>
-              <a:ext uri="{28A0092B-C50C-407E-A947-70E740481C1C}">
-                <a14:useLocalDpi xmlns:a14="http://schemas.microsoft.com/office/drawing/2010/main" val="0"/>
-              </a:ext>
-            </a:extLst>
-          </a:blip>
-          <a:srcRect/>
-          <a:stretch>
-            <a:fillRect/>
-          </a:stretch>
-        </p:blipFill>
-        <p:spPr bwMode="auto">
-          <a:xfrm>
-            <a:off x="5134707" y="1138852"/>
-            <a:ext cx="3884868" cy="4865078"/>
-          </a:xfrm>
-          <a:prstGeom prst="rect">
-            <a:avLst/>
-          </a:prstGeom>
-          <a:noFill/>
-          <a:extLst>
-            <a:ext uri="{909E8E84-426E-40DD-AFC4-6F175D3DCCD1}">
-              <a14:hiddenFill xmlns:a14="http://schemas.microsoft.com/office/drawing/2010/main">
-                <a:solidFill>
-                  <a:srgbClr val="FFFFFF"/>
-                </a:solidFill>
-              </a14:hiddenFill>
-            </a:ext>
-          </a:extLst>
-        </p:spPr>
-      </p:pic>
-      <p:sp>
-        <p:nvSpPr>
-          <p:cNvPr id="7" name="テキスト ボックス 6"/>
-          <p:cNvSpPr txBox="1"/>
-          <p:nvPr/>
-        </p:nvSpPr>
-        <p:spPr>
-          <a:xfrm>
-            <a:off x="553393" y="6230971"/>
-            <a:ext cx="8189614" cy="461665"/>
-          </a:xfrm>
-          <a:prstGeom prst="rect">
-            <a:avLst/>
-          </a:prstGeom>
-          <a:noFill/>
-        </p:spPr>
-        <p:txBody>
-          <a:bodyPr wrap="none" rtlCol="0">
-            <a:spAutoFit/>
-          </a:bodyPr>
-          <a:lstStyle/>
-          <a:p>
-            <a:r>
-              <a:rPr lang="en-US" altLang="ja-JP" sz="1200" dirty="0"/>
-              <a:t>Hierarchy of the visual areas in the brain of a macaque monkey as determined by </a:t>
-            </a:r>
-            <a:r>
-              <a:rPr lang="en-US" altLang="ja-JP" sz="1200" dirty="0" err="1"/>
-              <a:t>Fellman</a:t>
-            </a:r>
-            <a:r>
-              <a:rPr lang="en-US" altLang="ja-JP" sz="1200" dirty="0"/>
-              <a:t> and Van </a:t>
-            </a:r>
-            <a:r>
-              <a:rPr lang="en-US" altLang="ja-JP" sz="1200" dirty="0" smtClean="0"/>
-              <a:t>Essen.</a:t>
-            </a:r>
-          </a:p>
-          <a:p>
-            <a:r>
-              <a:rPr lang="en-US" altLang="ja-JP" sz="1200" dirty="0" err="1"/>
-              <a:t>Felleman</a:t>
-            </a:r>
-            <a:r>
-              <a:rPr lang="en-US" altLang="ja-JP" sz="1200" dirty="0"/>
-              <a:t>,  D.J. and Van Essen, D.C. (1991). Distributed hierarchical processing in the primate cerebral cortex. </a:t>
-            </a:r>
-            <a:r>
-              <a:rPr lang="en-US" altLang="ja-JP" sz="1200" i="1" dirty="0" err="1"/>
-              <a:t>Cereb</a:t>
-            </a:r>
-            <a:r>
-              <a:rPr lang="en-US" altLang="ja-JP" sz="1200" i="1" dirty="0"/>
-              <a:t>. Cortex </a:t>
-            </a:r>
-            <a:r>
-              <a:rPr lang="en-US" altLang="ja-JP" sz="1200" dirty="0"/>
-              <a:t>1:1-4.</a:t>
-            </a:r>
-            <a:endParaRPr kumimoji="1" lang="ja-JP" altLang="en-US" sz="1200" dirty="0"/>
-          </a:p>
-        </p:txBody>
-      </p:sp>
-    </p:spTree>
-    <p:extLst>
-      <p:ext uri="{BB962C8B-B14F-4D97-AF65-F5344CB8AC3E}">
-        <p14:creationId xmlns:p14="http://schemas.microsoft.com/office/powerpoint/2010/main" val="2918917619"/>
-      </p:ext>
-    </p:extLst>
-  </p:cSld>
-  <p:clrMapOvr>
-    <a:masterClrMapping/>
-  </p:clrMapOvr>
-  <p:timing>
-    <p:tnLst>
-      <p:par>
-        <p:cTn id="1" dur="indefinite" restart="never" nodeType="tmRoot"/>
-      </p:par>
-    </p:tnLst>
-  </p:timing>
-</p:sld>
-</file>
-
-<file path=ppt/slides/slide4.xml><?xml version="1.0" encoding="utf-8"?>
-<p:sld xmlns:a="http://schemas.openxmlformats.org/drawingml/2006/main" xmlns:r="http://schemas.openxmlformats.org/officeDocument/2006/relationships" xmlns:p="http://schemas.openxmlformats.org/presentationml/2006/main">
-  <p:cSld>
-    <p:spTree>
-      <p:nvGrpSpPr>
-        <p:cNvPr id="1" name=""/>
-        <p:cNvGrpSpPr/>
-        <p:nvPr/>
-      </p:nvGrpSpPr>
-      <p:grpSpPr>
-        <a:xfrm>
-          <a:off x="0" y="0"/>
-          <a:ext cx="0" cy="0"/>
-          <a:chOff x="0" y="0"/>
-          <a:chExt cx="0" cy="0"/>
-        </a:xfrm>
-      </p:grpSpPr>
-      <p:sp>
-        <p:nvSpPr>
-          <p:cNvPr id="2" name="タイトル 1"/>
-          <p:cNvSpPr>
-            <a:spLocks noGrp="1"/>
-          </p:cNvSpPr>
-          <p:nvPr>
-            <p:ph type="title"/>
-          </p:nvPr>
-        </p:nvSpPr>
-        <p:spPr>
-          <a:xfrm>
-            <a:off x="457200" y="-15508"/>
-            <a:ext cx="8229600" cy="817796"/>
-          </a:xfrm>
-        </p:spPr>
-        <p:txBody>
-          <a:bodyPr>
-            <a:normAutofit/>
-          </a:bodyPr>
-          <a:lstStyle/>
-          <a:p>
-            <a:r>
-              <a:rPr kumimoji="1" lang="ja-JP" altLang="en-US" sz="3600" dirty="0" smtClean="0"/>
-              <a:t>視覚数理モデル研究のプロセス</a:t>
-            </a:r>
-            <a:endParaRPr kumimoji="1" lang="ja-JP" altLang="en-US" sz="3600" dirty="0"/>
-          </a:p>
-        </p:txBody>
-      </p:sp>
-      <p:cxnSp>
-        <p:nvCxnSpPr>
-          <p:cNvPr id="5" name="直線コネクタ 4"/>
-          <p:cNvCxnSpPr/>
-          <p:nvPr/>
-        </p:nvCxnSpPr>
-        <p:spPr>
-          <a:xfrm>
-            <a:off x="510701" y="898892"/>
-            <a:ext cx="8478982" cy="0"/>
-          </a:xfrm>
-          <a:prstGeom prst="line">
-            <a:avLst/>
-          </a:prstGeom>
-        </p:spPr>
-        <p:style>
-          <a:lnRef idx="2">
-            <a:schemeClr val="accent1"/>
-          </a:lnRef>
-          <a:fillRef idx="0">
-            <a:schemeClr val="accent1"/>
-          </a:fillRef>
-          <a:effectRef idx="1">
-            <a:schemeClr val="accent1"/>
-          </a:effectRef>
-          <a:fontRef idx="minor">
-            <a:schemeClr val="tx1"/>
-          </a:fontRef>
-        </p:style>
-      </p:cxnSp>
-      <p:pic>
-        <p:nvPicPr>
-          <p:cNvPr id="12" name="図 11"/>
-          <p:cNvPicPr>
-            <a:picLocks noChangeAspect="1"/>
-          </p:cNvPicPr>
-          <p:nvPr/>
-        </p:nvPicPr>
-        <p:blipFill>
-          <a:blip r:embed="rId3"/>
-          <a:stretch>
-            <a:fillRect/>
-          </a:stretch>
-        </p:blipFill>
-        <p:spPr>
-          <a:xfrm>
-            <a:off x="1" y="1310081"/>
-            <a:ext cx="5969976" cy="5396986"/>
-          </a:xfrm>
-          <a:prstGeom prst="rect">
-            <a:avLst/>
-          </a:prstGeom>
-        </p:spPr>
-      </p:pic>
-      <p:sp>
-        <p:nvSpPr>
-          <p:cNvPr id="13" name="テキスト ボックス 12"/>
-          <p:cNvSpPr txBox="1"/>
-          <p:nvPr/>
-        </p:nvSpPr>
-        <p:spPr>
-          <a:xfrm>
-            <a:off x="5868316" y="979879"/>
-            <a:ext cx="3121367" cy="369332"/>
-          </a:xfrm>
-          <a:prstGeom prst="rect">
-            <a:avLst/>
-          </a:prstGeom>
-          <a:noFill/>
-        </p:spPr>
-        <p:txBody>
-          <a:bodyPr wrap="none" rtlCol="0">
-            <a:spAutoFit/>
-          </a:bodyPr>
-          <a:lstStyle/>
-          <a:p>
-            <a:r>
-              <a:rPr kumimoji="1" lang="ja-JP" altLang="en-US" dirty="0" smtClean="0"/>
-              <a:t>１．既存モデルのソースを確認</a:t>
-            </a:r>
-            <a:endParaRPr kumimoji="1" lang="ja-JP" altLang="en-US" dirty="0"/>
-          </a:p>
-        </p:txBody>
-      </p:sp>
-      <p:sp>
-        <p:nvSpPr>
-          <p:cNvPr id="15" name="円/楕円 14"/>
-          <p:cNvSpPr/>
-          <p:nvPr/>
-        </p:nvSpPr>
-        <p:spPr>
-          <a:xfrm>
-            <a:off x="2958612" y="2829295"/>
-            <a:ext cx="2909703" cy="3877772"/>
-          </a:xfrm>
-          <a:prstGeom prst="ellipse">
-            <a:avLst/>
-          </a:prstGeom>
-          <a:noFill/>
-          <a:ln w="25400">
-            <a:solidFill>
-              <a:srgbClr val="FF0000"/>
-            </a:solidFill>
-          </a:ln>
-        </p:spPr>
-        <p:style>
-          <a:lnRef idx="1">
-            <a:schemeClr val="accent1"/>
-          </a:lnRef>
-          <a:fillRef idx="3">
-            <a:schemeClr val="accent1"/>
-          </a:fillRef>
-          <a:effectRef idx="2">
-            <a:schemeClr val="accent1"/>
-          </a:effectRef>
-          <a:fontRef idx="minor">
-            <a:schemeClr val="lt1"/>
-          </a:fontRef>
-        </p:style>
-        <p:txBody>
-          <a:bodyPr rtlCol="0" anchor="ctr"/>
-          <a:lstStyle/>
-          <a:p>
-            <a:pPr algn="ctr"/>
-            <a:endParaRPr kumimoji="1" lang="ja-JP" altLang="en-US"/>
-          </a:p>
-        </p:txBody>
-      </p:sp>
-      <p:sp>
-        <p:nvSpPr>
-          <p:cNvPr id="18" name="円/楕円 17"/>
-          <p:cNvSpPr/>
-          <p:nvPr/>
-        </p:nvSpPr>
-        <p:spPr>
-          <a:xfrm>
-            <a:off x="61546" y="2829295"/>
-            <a:ext cx="1521070" cy="3886200"/>
-          </a:xfrm>
-          <a:prstGeom prst="ellipse">
-            <a:avLst/>
-          </a:prstGeom>
-          <a:noFill/>
-          <a:ln w="25400"/>
-        </p:spPr>
-        <p:style>
-          <a:lnRef idx="1">
-            <a:schemeClr val="accent1"/>
-          </a:lnRef>
-          <a:fillRef idx="3">
-            <a:schemeClr val="accent1"/>
-          </a:fillRef>
-          <a:effectRef idx="2">
-            <a:schemeClr val="accent1"/>
-          </a:effectRef>
-          <a:fontRef idx="minor">
-            <a:schemeClr val="lt1"/>
-          </a:fontRef>
-        </p:style>
-        <p:txBody>
-          <a:bodyPr rtlCol="0" anchor="ctr"/>
-          <a:lstStyle/>
-          <a:p>
-            <a:pPr algn="ctr"/>
-            <a:endParaRPr kumimoji="1" lang="ja-JP" altLang="en-US"/>
-          </a:p>
-        </p:txBody>
-      </p:sp>
-      <p:sp>
-        <p:nvSpPr>
-          <p:cNvPr id="20" name="テキスト ボックス 19"/>
-          <p:cNvSpPr txBox="1"/>
-          <p:nvPr/>
-        </p:nvSpPr>
-        <p:spPr>
-          <a:xfrm>
-            <a:off x="5868317" y="1349211"/>
-            <a:ext cx="2372765" cy="369332"/>
-          </a:xfrm>
-          <a:prstGeom prst="rect">
-            <a:avLst/>
-          </a:prstGeom>
-          <a:noFill/>
-        </p:spPr>
-        <p:txBody>
-          <a:bodyPr wrap="none" rtlCol="0">
-            <a:spAutoFit/>
-          </a:bodyPr>
-          <a:lstStyle/>
-          <a:p>
-            <a:r>
-              <a:rPr kumimoji="1" lang="ja-JP" altLang="en-US" dirty="0" smtClean="0"/>
-              <a:t>２．ソースコードの解析</a:t>
-            </a:r>
-            <a:endParaRPr kumimoji="1" lang="ja-JP" altLang="en-US" dirty="0"/>
-          </a:p>
-        </p:txBody>
-      </p:sp>
-      <p:sp>
-        <p:nvSpPr>
-          <p:cNvPr id="21" name="テキスト ボックス 20"/>
-          <p:cNvSpPr txBox="1"/>
-          <p:nvPr/>
-        </p:nvSpPr>
-        <p:spPr>
-          <a:xfrm>
-            <a:off x="5868317" y="1713123"/>
-            <a:ext cx="2767104" cy="646331"/>
-          </a:xfrm>
-          <a:prstGeom prst="rect">
-            <a:avLst/>
-          </a:prstGeom>
-          <a:noFill/>
-        </p:spPr>
-        <p:txBody>
-          <a:bodyPr wrap="none" rtlCol="0">
-            <a:spAutoFit/>
-          </a:bodyPr>
-          <a:lstStyle/>
-          <a:p>
-            <a:r>
-              <a:rPr kumimoji="1" lang="ja-JP" altLang="en-US" dirty="0" smtClean="0"/>
-              <a:t>３．膨大なソースコードから</a:t>
-            </a:r>
-            <a:endParaRPr kumimoji="1" lang="en-US" altLang="ja-JP" dirty="0" smtClean="0"/>
-          </a:p>
-          <a:p>
-            <a:r>
-              <a:rPr lang="ja-JP" altLang="en-US" dirty="0" smtClean="0"/>
-              <a:t>　　改変すべき関数の同定</a:t>
-            </a:r>
-            <a:endParaRPr kumimoji="1" lang="ja-JP" altLang="en-US" dirty="0"/>
-          </a:p>
-        </p:txBody>
-      </p:sp>
-      <p:sp>
-        <p:nvSpPr>
-          <p:cNvPr id="22" name="テキスト ボックス 21"/>
-          <p:cNvSpPr txBox="1"/>
-          <p:nvPr/>
-        </p:nvSpPr>
-        <p:spPr>
-          <a:xfrm>
-            <a:off x="5868317" y="2349594"/>
-            <a:ext cx="2226892" cy="369332"/>
-          </a:xfrm>
-          <a:prstGeom prst="rect">
-            <a:avLst/>
-          </a:prstGeom>
-          <a:noFill/>
-        </p:spPr>
-        <p:txBody>
-          <a:bodyPr wrap="none" rtlCol="0">
-            <a:spAutoFit/>
-          </a:bodyPr>
-          <a:lstStyle/>
-          <a:p>
-            <a:r>
-              <a:rPr kumimoji="1" lang="ja-JP" altLang="en-US" dirty="0" smtClean="0"/>
-              <a:t>４．関数の作成・置換</a:t>
-            </a:r>
-            <a:endParaRPr kumimoji="1" lang="ja-JP" altLang="en-US" dirty="0"/>
-          </a:p>
-        </p:txBody>
-      </p:sp>
-      <p:sp>
-        <p:nvSpPr>
-          <p:cNvPr id="23" name="右矢印 22"/>
-          <p:cNvSpPr/>
-          <p:nvPr/>
-        </p:nvSpPr>
-        <p:spPr>
-          <a:xfrm>
-            <a:off x="1176950" y="4511655"/>
-            <a:ext cx="3395050" cy="513052"/>
-          </a:xfrm>
-          <a:prstGeom prst="rightArrow">
-            <a:avLst/>
-          </a:prstGeom>
-        </p:spPr>
-        <p:style>
-          <a:lnRef idx="1">
-            <a:schemeClr val="accent1"/>
-          </a:lnRef>
-          <a:fillRef idx="3">
-            <a:schemeClr val="accent1"/>
-          </a:fillRef>
-          <a:effectRef idx="2">
-            <a:schemeClr val="accent1"/>
-          </a:effectRef>
-          <a:fontRef idx="minor">
-            <a:schemeClr val="lt1"/>
-          </a:fontRef>
-        </p:style>
-        <p:txBody>
-          <a:bodyPr rtlCol="0" anchor="ctr"/>
-          <a:lstStyle/>
-          <a:p>
-            <a:pPr algn="ctr"/>
-            <a:endParaRPr kumimoji="1" lang="ja-JP" altLang="en-US"/>
-          </a:p>
-        </p:txBody>
-      </p:sp>
-      <p:sp>
-        <p:nvSpPr>
-          <p:cNvPr id="24" name="テキスト ボックス 23"/>
-          <p:cNvSpPr txBox="1"/>
-          <p:nvPr/>
-        </p:nvSpPr>
-        <p:spPr>
-          <a:xfrm>
-            <a:off x="5868316" y="2688740"/>
-            <a:ext cx="2672526" cy="369332"/>
-          </a:xfrm>
-          <a:prstGeom prst="rect">
-            <a:avLst/>
-          </a:prstGeom>
-          <a:noFill/>
-        </p:spPr>
-        <p:txBody>
-          <a:bodyPr wrap="none" rtlCol="0">
-            <a:spAutoFit/>
-          </a:bodyPr>
-          <a:lstStyle/>
-          <a:p>
-            <a:r>
-              <a:rPr kumimoji="1" lang="ja-JP" altLang="en-US" dirty="0" smtClean="0"/>
-              <a:t>５．動作させ、整合性確認</a:t>
-            </a:r>
-            <a:endParaRPr kumimoji="1" lang="ja-JP" altLang="en-US" dirty="0"/>
-          </a:p>
-        </p:txBody>
-      </p:sp>
-    </p:spTree>
-    <p:extLst>
-      <p:ext uri="{BB962C8B-B14F-4D97-AF65-F5344CB8AC3E}">
-        <p14:creationId xmlns:p14="http://schemas.microsoft.com/office/powerpoint/2010/main" val="3051805508"/>
-      </p:ext>
-    </p:extLst>
-  </p:cSld>
-  <p:clrMapOvr>
-    <a:masterClrMapping/>
-  </p:clrMapOvr>
-  <p:timing>
-    <p:tnLst>
-      <p:par>
-        <p:cTn id="1" dur="indefinite" restart="never" nodeType="tmRoot">
-          <p:childTnLst>
-            <p:seq concurrent="1" nextAc="seek">
-              <p:cTn id="2" dur="indefinite" nodeType="mainSeq">
-                <p:childTnLst>
-                  <p:par>
-                    <p:cTn id="3" fill="hold">
-                      <p:stCondLst>
-                        <p:cond delay="indefinite"/>
-                      </p:stCondLst>
-                      <p:childTnLst>
-                        <p:par>
-                          <p:cTn id="4" fill="hold">
-                            <p:stCondLst>
-                              <p:cond delay="0"/>
-                            </p:stCondLst>
-                            <p:childTnLst>
-                              <p:par>
-                                <p:cTn id="5" presetID="42" presetClass="entr" presetSubtype="0" fill="hold" grpId="0" nodeType="clickEffect">
-                                  <p:stCondLst>
-                                    <p:cond delay="0"/>
-                                  </p:stCondLst>
-                                  <p:childTnLst>
-                                    <p:set>
-                                      <p:cBhvr>
-                                        <p:cTn id="6" dur="1" fill="hold">
-                                          <p:stCondLst>
-                                            <p:cond delay="0"/>
-                                          </p:stCondLst>
-                                        </p:cTn>
-                                        <p:tgtEl>
-                                          <p:spTgt spid="13"/>
-                                        </p:tgtEl>
-                                        <p:attrNameLst>
-                                          <p:attrName>style.visibility</p:attrName>
-                                        </p:attrNameLst>
-                                      </p:cBhvr>
-                                      <p:to>
-                                        <p:strVal val="visible"/>
-                                      </p:to>
-                                    </p:set>
-                                    <p:animEffect transition="in" filter="fade">
-                                      <p:cBhvr>
-                                        <p:cTn id="7" dur="1000"/>
-                                        <p:tgtEl>
-                                          <p:spTgt spid="13"/>
-                                        </p:tgtEl>
-                                      </p:cBhvr>
-                                    </p:animEffect>
-                                    <p:anim calcmode="lin" valueType="num">
-                                      <p:cBhvr>
-                                        <p:cTn id="8" dur="1000" fill="hold"/>
-                                        <p:tgtEl>
-                                          <p:spTgt spid="13"/>
-                                        </p:tgtEl>
-                                        <p:attrNameLst>
-                                          <p:attrName>ppt_x</p:attrName>
-                                        </p:attrNameLst>
-                                      </p:cBhvr>
-                                      <p:tavLst>
-                                        <p:tav tm="0">
-                                          <p:val>
-                                            <p:strVal val="#ppt_x"/>
-                                          </p:val>
-                                        </p:tav>
-                                        <p:tav tm="100000">
-                                          <p:val>
-                                            <p:strVal val="#ppt_x"/>
-                                          </p:val>
-                                        </p:tav>
-                                      </p:tavLst>
-                                    </p:anim>
-                                    <p:anim calcmode="lin" valueType="num">
-                                      <p:cBhvr>
-                                        <p:cTn id="9" dur="1000" fill="hold"/>
-                                        <p:tgtEl>
-                                          <p:spTgt spid="13"/>
-                                        </p:tgtEl>
-                                        <p:attrNameLst>
-                                          <p:attrName>ppt_y</p:attrName>
-                                        </p:attrNameLst>
-                                      </p:cBhvr>
-                                      <p:tavLst>
-                                        <p:tav tm="0">
-                                          <p:val>
-                                            <p:strVal val="#ppt_y+.1"/>
-                                          </p:val>
-                                        </p:tav>
-                                        <p:tav tm="100000">
-                                          <p:val>
-                                            <p:strVal val="#ppt_y"/>
-                                          </p:val>
-                                        </p:tav>
-                                      </p:tavLst>
-                                    </p:anim>
-                                  </p:childTnLst>
-                                </p:cTn>
-                              </p:par>
-                            </p:childTnLst>
-                          </p:cTn>
-                        </p:par>
-                        <p:par>
-                          <p:cTn id="10" fill="hold">
-                            <p:stCondLst>
-                              <p:cond delay="1000"/>
-                            </p:stCondLst>
-                            <p:childTnLst>
-                              <p:par>
-                                <p:cTn id="11" presetID="2" presetClass="entr" presetSubtype="4" fill="hold" nodeType="afterEffect">
-                                  <p:stCondLst>
-                                    <p:cond delay="0"/>
-                                  </p:stCondLst>
-                                  <p:childTnLst>
-                                    <p:set>
-                                      <p:cBhvr>
-                                        <p:cTn id="12" dur="1" fill="hold">
-                                          <p:stCondLst>
-                                            <p:cond delay="0"/>
-                                          </p:stCondLst>
-                                        </p:cTn>
-                                        <p:tgtEl>
-                                          <p:spTgt spid="12"/>
-                                        </p:tgtEl>
-                                        <p:attrNameLst>
-                                          <p:attrName>style.visibility</p:attrName>
-                                        </p:attrNameLst>
-                                      </p:cBhvr>
-                                      <p:to>
-                                        <p:strVal val="visible"/>
-                                      </p:to>
-                                    </p:set>
-                                    <p:anim calcmode="lin" valueType="num">
-                                      <p:cBhvr additive="base">
-                                        <p:cTn id="13" dur="500" fill="hold"/>
-                                        <p:tgtEl>
-                                          <p:spTgt spid="12"/>
-                                        </p:tgtEl>
-                                        <p:attrNameLst>
-                                          <p:attrName>ppt_x</p:attrName>
-                                        </p:attrNameLst>
-                                      </p:cBhvr>
-                                      <p:tavLst>
-                                        <p:tav tm="0">
-                                          <p:val>
-                                            <p:strVal val="#ppt_x"/>
-                                          </p:val>
-                                        </p:tav>
-                                        <p:tav tm="100000">
-                                          <p:val>
-                                            <p:strVal val="#ppt_x"/>
-                                          </p:val>
-                                        </p:tav>
-                                      </p:tavLst>
-                                    </p:anim>
-                                    <p:anim calcmode="lin" valueType="num">
-                                      <p:cBhvr additive="base">
-                                        <p:cTn id="14" dur="500" fill="hold"/>
-                                        <p:tgtEl>
-                                          <p:spTgt spid="12"/>
-                                        </p:tgtEl>
-                                        <p:attrNameLst>
-                                          <p:attrName>ppt_y</p:attrName>
-                                        </p:attrNameLst>
-                                      </p:cBhvr>
-                                      <p:tavLst>
-                                        <p:tav tm="0">
-                                          <p:val>
-                                            <p:strVal val="1+#ppt_h/2"/>
-                                          </p:val>
-                                        </p:tav>
-                                        <p:tav tm="100000">
-                                          <p:val>
-                                            <p:strVal val="#ppt_y"/>
-                                          </p:val>
-                                        </p:tav>
-                                      </p:tavLst>
-                                    </p:anim>
-                                  </p:childTnLst>
-                                </p:cTn>
-                              </p:par>
-                            </p:childTnLst>
-                          </p:cTn>
-                        </p:par>
-                      </p:childTnLst>
-                    </p:cTn>
-                  </p:par>
-                  <p:par>
-                    <p:cTn id="15" fill="hold">
-                      <p:stCondLst>
-                        <p:cond delay="indefinite"/>
-                      </p:stCondLst>
-                      <p:childTnLst>
-                        <p:par>
-                          <p:cTn id="16" fill="hold">
-                            <p:stCondLst>
-                              <p:cond delay="0"/>
-                            </p:stCondLst>
-                            <p:childTnLst>
-                              <p:par>
-                                <p:cTn id="17" presetID="2" presetClass="entr" presetSubtype="4" fill="hold" grpId="0" nodeType="clickEffect">
-                                  <p:stCondLst>
-                                    <p:cond delay="0"/>
-                                  </p:stCondLst>
-                                  <p:childTnLst>
-                                    <p:set>
-                                      <p:cBhvr>
-                                        <p:cTn id="18" dur="1" fill="hold">
-                                          <p:stCondLst>
-                                            <p:cond delay="0"/>
-                                          </p:stCondLst>
-                                        </p:cTn>
-                                        <p:tgtEl>
-                                          <p:spTgt spid="20"/>
-                                        </p:tgtEl>
-                                        <p:attrNameLst>
-                                          <p:attrName>style.visibility</p:attrName>
-                                        </p:attrNameLst>
-                                      </p:cBhvr>
-                                      <p:to>
-                                        <p:strVal val="visible"/>
-                                      </p:to>
-                                    </p:set>
-                                    <p:anim calcmode="lin" valueType="num">
-                                      <p:cBhvr additive="base">
-                                        <p:cTn id="19" dur="500" fill="hold"/>
-                                        <p:tgtEl>
-                                          <p:spTgt spid="20"/>
-                                        </p:tgtEl>
-                                        <p:attrNameLst>
-                                          <p:attrName>ppt_x</p:attrName>
-                                        </p:attrNameLst>
-                                      </p:cBhvr>
-                                      <p:tavLst>
-                                        <p:tav tm="0">
-                                          <p:val>
-                                            <p:strVal val="#ppt_x"/>
-                                          </p:val>
-                                        </p:tav>
-                                        <p:tav tm="100000">
-                                          <p:val>
-                                            <p:strVal val="#ppt_x"/>
-                                          </p:val>
-                                        </p:tav>
-                                      </p:tavLst>
-                                    </p:anim>
-                                    <p:anim calcmode="lin" valueType="num">
-                                      <p:cBhvr additive="base">
-                                        <p:cTn id="20" dur="500" fill="hold"/>
-                                        <p:tgtEl>
-                                          <p:spTgt spid="20"/>
-                                        </p:tgtEl>
-                                        <p:attrNameLst>
-                                          <p:attrName>ppt_y</p:attrName>
-                                        </p:attrNameLst>
-                                      </p:cBhvr>
-                                      <p:tavLst>
-                                        <p:tav tm="0">
-                                          <p:val>
-                                            <p:strVal val="1+#ppt_h/2"/>
-                                          </p:val>
-                                        </p:tav>
-                                        <p:tav tm="100000">
-                                          <p:val>
-                                            <p:strVal val="#ppt_y"/>
-                                          </p:val>
-                                        </p:tav>
-                                      </p:tavLst>
-                                    </p:anim>
-                                  </p:childTnLst>
-                                </p:cTn>
-                              </p:par>
-                            </p:childTnLst>
-                          </p:cTn>
-                        </p:par>
-                        <p:par>
-                          <p:cTn id="21" fill="hold">
-                            <p:stCondLst>
-                              <p:cond delay="500"/>
-                            </p:stCondLst>
-                            <p:childTnLst>
-                              <p:par>
-                                <p:cTn id="22" presetID="21" presetClass="entr" presetSubtype="1" fill="hold" grpId="0" nodeType="afterEffect">
-                                  <p:stCondLst>
-                                    <p:cond delay="0"/>
-                                  </p:stCondLst>
-                                  <p:childTnLst>
-                                    <p:set>
-                                      <p:cBhvr>
-                                        <p:cTn id="23" dur="1" fill="hold">
-                                          <p:stCondLst>
-                                            <p:cond delay="0"/>
-                                          </p:stCondLst>
-                                        </p:cTn>
-                                        <p:tgtEl>
-                                          <p:spTgt spid="15"/>
-                                        </p:tgtEl>
-                                        <p:attrNameLst>
-                                          <p:attrName>style.visibility</p:attrName>
-                                        </p:attrNameLst>
-                                      </p:cBhvr>
-                                      <p:to>
-                                        <p:strVal val="visible"/>
-                                      </p:to>
-                                    </p:set>
-                                    <p:animEffect transition="in" filter="wheel(1)">
-                                      <p:cBhvr>
-                                        <p:cTn id="24" dur="750"/>
-                                        <p:tgtEl>
-                                          <p:spTgt spid="15"/>
-                                        </p:tgtEl>
-                                      </p:cBhvr>
-                                    </p:animEffect>
-                                  </p:childTnLst>
-                                </p:cTn>
-                              </p:par>
-                            </p:childTnLst>
-                          </p:cTn>
-                        </p:par>
-                      </p:childTnLst>
-                    </p:cTn>
-                  </p:par>
-                  <p:par>
-                    <p:cTn id="25" fill="hold">
-                      <p:stCondLst>
-                        <p:cond delay="indefinite"/>
-                      </p:stCondLst>
-                      <p:childTnLst>
-                        <p:par>
-                          <p:cTn id="26" fill="hold">
-                            <p:stCondLst>
-                              <p:cond delay="0"/>
-                            </p:stCondLst>
-                            <p:childTnLst>
-                              <p:par>
-                                <p:cTn id="27" presetID="2" presetClass="entr" presetSubtype="4" fill="hold" grpId="0" nodeType="clickEffect">
-                                  <p:stCondLst>
-                                    <p:cond delay="0"/>
-                                  </p:stCondLst>
-                                  <p:childTnLst>
-                                    <p:set>
-                                      <p:cBhvr>
-                                        <p:cTn id="28" dur="1" fill="hold">
-                                          <p:stCondLst>
-                                            <p:cond delay="0"/>
-                                          </p:stCondLst>
-                                        </p:cTn>
-                                        <p:tgtEl>
-                                          <p:spTgt spid="21"/>
-                                        </p:tgtEl>
-                                        <p:attrNameLst>
-                                          <p:attrName>style.visibility</p:attrName>
-                                        </p:attrNameLst>
-                                      </p:cBhvr>
-                                      <p:to>
-                                        <p:strVal val="visible"/>
-                                      </p:to>
-                                    </p:set>
-                                    <p:anim calcmode="lin" valueType="num">
-                                      <p:cBhvr additive="base">
-                                        <p:cTn id="29" dur="500" fill="hold"/>
-                                        <p:tgtEl>
-                                          <p:spTgt spid="21"/>
-                                        </p:tgtEl>
-                                        <p:attrNameLst>
-                                          <p:attrName>ppt_x</p:attrName>
-                                        </p:attrNameLst>
-                                      </p:cBhvr>
-                                      <p:tavLst>
-                                        <p:tav tm="0">
-                                          <p:val>
-                                            <p:strVal val="#ppt_x"/>
-                                          </p:val>
-                                        </p:tav>
-                                        <p:tav tm="100000">
-                                          <p:val>
-                                            <p:strVal val="#ppt_x"/>
-                                          </p:val>
-                                        </p:tav>
-                                      </p:tavLst>
-                                    </p:anim>
-                                    <p:anim calcmode="lin" valueType="num">
-                                      <p:cBhvr additive="base">
-                                        <p:cTn id="30" dur="500" fill="hold"/>
-                                        <p:tgtEl>
-                                          <p:spTgt spid="21"/>
-                                        </p:tgtEl>
-                                        <p:attrNameLst>
-                                          <p:attrName>ppt_y</p:attrName>
-                                        </p:attrNameLst>
-                                      </p:cBhvr>
-                                      <p:tavLst>
-                                        <p:tav tm="0">
-                                          <p:val>
-                                            <p:strVal val="1+#ppt_h/2"/>
-                                          </p:val>
-                                        </p:tav>
-                                        <p:tav tm="100000">
-                                          <p:val>
-                                            <p:strVal val="#ppt_y"/>
-                                          </p:val>
-                                        </p:tav>
-                                      </p:tavLst>
-                                    </p:anim>
-                                  </p:childTnLst>
-                                </p:cTn>
-                              </p:par>
-                            </p:childTnLst>
-                          </p:cTn>
-                        </p:par>
-                        <p:par>
-                          <p:cTn id="31" fill="hold">
-                            <p:stCondLst>
-                              <p:cond delay="500"/>
-                            </p:stCondLst>
-                            <p:childTnLst>
-                              <p:par>
-                                <p:cTn id="32" presetID="21" presetClass="entr" presetSubtype="1" fill="hold" grpId="0" nodeType="afterEffect">
-                                  <p:stCondLst>
-                                    <p:cond delay="0"/>
-                                  </p:stCondLst>
-                                  <p:childTnLst>
-                                    <p:set>
-                                      <p:cBhvr>
-                                        <p:cTn id="33" dur="1" fill="hold">
-                                          <p:stCondLst>
-                                            <p:cond delay="0"/>
-                                          </p:stCondLst>
-                                        </p:cTn>
-                                        <p:tgtEl>
-                                          <p:spTgt spid="18"/>
-                                        </p:tgtEl>
-                                        <p:attrNameLst>
-                                          <p:attrName>style.visibility</p:attrName>
-                                        </p:attrNameLst>
-                                      </p:cBhvr>
-                                      <p:to>
-                                        <p:strVal val="visible"/>
-                                      </p:to>
-                                    </p:set>
-                                    <p:animEffect transition="in" filter="wheel(1)">
-                                      <p:cBhvr>
-                                        <p:cTn id="34" dur="750"/>
-                                        <p:tgtEl>
-                                          <p:spTgt spid="18"/>
-                                        </p:tgtEl>
-                                      </p:cBhvr>
-                                    </p:animEffect>
-                                  </p:childTnLst>
-                                </p:cTn>
-                              </p:par>
-                            </p:childTnLst>
-                          </p:cTn>
-                        </p:par>
-                      </p:childTnLst>
-                    </p:cTn>
-                  </p:par>
-                  <p:par>
-                    <p:cTn id="35" fill="hold">
-                      <p:stCondLst>
-                        <p:cond delay="indefinite"/>
-                      </p:stCondLst>
-                      <p:childTnLst>
-                        <p:par>
-                          <p:cTn id="36" fill="hold">
-                            <p:stCondLst>
-                              <p:cond delay="0"/>
-                            </p:stCondLst>
-                            <p:childTnLst>
-                              <p:par>
-                                <p:cTn id="37" presetID="2" presetClass="entr" presetSubtype="4" fill="hold" grpId="0" nodeType="clickEffect">
-                                  <p:stCondLst>
-                                    <p:cond delay="0"/>
-                                  </p:stCondLst>
-                                  <p:childTnLst>
-                                    <p:set>
-                                      <p:cBhvr>
-                                        <p:cTn id="38" dur="1" fill="hold">
-                                          <p:stCondLst>
-                                            <p:cond delay="0"/>
-                                          </p:stCondLst>
-                                        </p:cTn>
-                                        <p:tgtEl>
-                                          <p:spTgt spid="22"/>
-                                        </p:tgtEl>
-                                        <p:attrNameLst>
-                                          <p:attrName>style.visibility</p:attrName>
-                                        </p:attrNameLst>
-                                      </p:cBhvr>
-                                      <p:to>
-                                        <p:strVal val="visible"/>
-                                      </p:to>
-                                    </p:set>
-                                    <p:anim calcmode="lin" valueType="num">
-                                      <p:cBhvr additive="base">
-                                        <p:cTn id="39" dur="500" fill="hold"/>
-                                        <p:tgtEl>
-                                          <p:spTgt spid="22"/>
-                                        </p:tgtEl>
-                                        <p:attrNameLst>
-                                          <p:attrName>ppt_x</p:attrName>
-                                        </p:attrNameLst>
-                                      </p:cBhvr>
-                                      <p:tavLst>
-                                        <p:tav tm="0">
-                                          <p:val>
-                                            <p:strVal val="#ppt_x"/>
-                                          </p:val>
-                                        </p:tav>
-                                        <p:tav tm="100000">
-                                          <p:val>
-                                            <p:strVal val="#ppt_x"/>
-                                          </p:val>
-                                        </p:tav>
-                                      </p:tavLst>
-                                    </p:anim>
-                                    <p:anim calcmode="lin" valueType="num">
-                                      <p:cBhvr additive="base">
-                                        <p:cTn id="40" dur="500" fill="hold"/>
-                                        <p:tgtEl>
-                                          <p:spTgt spid="22"/>
-                                        </p:tgtEl>
-                                        <p:attrNameLst>
-                                          <p:attrName>ppt_y</p:attrName>
-                                        </p:attrNameLst>
-                                      </p:cBhvr>
-                                      <p:tavLst>
-                                        <p:tav tm="0">
-                                          <p:val>
-                                            <p:strVal val="1+#ppt_h/2"/>
-                                          </p:val>
-                                        </p:tav>
-                                        <p:tav tm="100000">
-                                          <p:val>
-                                            <p:strVal val="#ppt_y"/>
-                                          </p:val>
-                                        </p:tav>
-                                      </p:tavLst>
-                                    </p:anim>
-                                  </p:childTnLst>
-                                </p:cTn>
-                              </p:par>
-                            </p:childTnLst>
-                          </p:cTn>
-                        </p:par>
-                        <p:par>
-                          <p:cTn id="41" fill="hold">
-                            <p:stCondLst>
-                              <p:cond delay="500"/>
-                            </p:stCondLst>
-                            <p:childTnLst>
-                              <p:par>
-                                <p:cTn id="42" presetID="53" presetClass="entr" presetSubtype="16" fill="hold" grpId="0" nodeType="afterEffect">
-                                  <p:stCondLst>
-                                    <p:cond delay="0"/>
-                                  </p:stCondLst>
-                                  <p:childTnLst>
-                                    <p:set>
-                                      <p:cBhvr>
-                                        <p:cTn id="43" dur="1" fill="hold">
-                                          <p:stCondLst>
-                                            <p:cond delay="0"/>
-                                          </p:stCondLst>
-                                        </p:cTn>
-                                        <p:tgtEl>
-                                          <p:spTgt spid="23"/>
-                                        </p:tgtEl>
-                                        <p:attrNameLst>
-                                          <p:attrName>style.visibility</p:attrName>
-                                        </p:attrNameLst>
-                                      </p:cBhvr>
-                                      <p:to>
-                                        <p:strVal val="visible"/>
-                                      </p:to>
-                                    </p:set>
-                                    <p:anim calcmode="lin" valueType="num">
-                                      <p:cBhvr>
-                                        <p:cTn id="44" dur="500" fill="hold"/>
-                                        <p:tgtEl>
-                                          <p:spTgt spid="23"/>
-                                        </p:tgtEl>
-                                        <p:attrNameLst>
-                                          <p:attrName>ppt_w</p:attrName>
-                                        </p:attrNameLst>
-                                      </p:cBhvr>
-                                      <p:tavLst>
-                                        <p:tav tm="0">
-                                          <p:val>
-                                            <p:fltVal val="0"/>
-                                          </p:val>
-                                        </p:tav>
-                                        <p:tav tm="100000">
-                                          <p:val>
-                                            <p:strVal val="#ppt_w"/>
-                                          </p:val>
-                                        </p:tav>
-                                      </p:tavLst>
-                                    </p:anim>
-                                    <p:anim calcmode="lin" valueType="num">
-                                      <p:cBhvr>
-                                        <p:cTn id="45" dur="500" fill="hold"/>
-                                        <p:tgtEl>
-                                          <p:spTgt spid="23"/>
-                                        </p:tgtEl>
-                                        <p:attrNameLst>
-                                          <p:attrName>ppt_h</p:attrName>
-                                        </p:attrNameLst>
-                                      </p:cBhvr>
-                                      <p:tavLst>
-                                        <p:tav tm="0">
-                                          <p:val>
-                                            <p:fltVal val="0"/>
-                                          </p:val>
-                                        </p:tav>
-                                        <p:tav tm="100000">
-                                          <p:val>
-                                            <p:strVal val="#ppt_h"/>
-                                          </p:val>
-                                        </p:tav>
-                                      </p:tavLst>
-                                    </p:anim>
-                                    <p:animEffect transition="in" filter="fade">
-                                      <p:cBhvr>
-                                        <p:cTn id="46" dur="500"/>
-                                        <p:tgtEl>
-                                          <p:spTgt spid="23"/>
-                                        </p:tgtEl>
-                                      </p:cBhvr>
-                                    </p:animEffect>
-                                  </p:childTnLst>
-                                </p:cTn>
-                              </p:par>
-                            </p:childTnLst>
-                          </p:cTn>
-                        </p:par>
-                        <p:par>
-                          <p:cTn id="47" fill="hold">
-                            <p:stCondLst>
-                              <p:cond delay="1000"/>
-                            </p:stCondLst>
-                            <p:childTnLst>
-                              <p:par>
-                                <p:cTn id="48" presetID="10" presetClass="entr" presetSubtype="0" fill="hold" grpId="0" nodeType="afterEffect">
-                                  <p:stCondLst>
-                                    <p:cond delay="1000"/>
-                                  </p:stCondLst>
-                                  <p:childTnLst>
-                                    <p:set>
-                                      <p:cBhvr>
-                                        <p:cTn id="49" dur="1" fill="hold">
-                                          <p:stCondLst>
-                                            <p:cond delay="0"/>
-                                          </p:stCondLst>
-                                        </p:cTn>
-                                        <p:tgtEl>
-                                          <p:spTgt spid="24"/>
-                                        </p:tgtEl>
-                                        <p:attrNameLst>
-                                          <p:attrName>style.visibility</p:attrName>
-                                        </p:attrNameLst>
-                                      </p:cBhvr>
-                                      <p:to>
-                                        <p:strVal val="visible"/>
-                                      </p:to>
-                                    </p:set>
-                                    <p:animEffect transition="in" filter="fade">
-                                      <p:cBhvr>
-                                        <p:cTn id="50" dur="2000"/>
-                                        <p:tgtEl>
-                                          <p:spTgt spid="24"/>
-                                        </p:tgtEl>
-                                      </p:cBhvr>
-                                    </p:animEffect>
-                                  </p:childTnLst>
-                                </p:cTn>
-                              </p:par>
-                            </p:childTnLst>
-                          </p:cTn>
-                        </p:par>
-                      </p:childTnLst>
-                    </p:cTn>
-                  </p:par>
-                </p:childTnLst>
-              </p:cTn>
-              <p:prevCondLst>
-                <p:cond evt="onPrev" delay="0">
-                  <p:tgtEl>
-                    <p:sldTgt/>
-                  </p:tgtEl>
-                </p:cond>
-              </p:prevCondLst>
-              <p:nextCondLst>
-                <p:cond evt="onNext" delay="0">
-                  <p:tgtEl>
-                    <p:sldTgt/>
-                  </p:tgtEl>
-                </p:cond>
-              </p:nextCondLst>
-            </p:seq>
-          </p:childTnLst>
-        </p:cTn>
-      </p:par>
-    </p:tnLst>
-    <p:bldLst>
-      <p:bldP spid="13" grpId="0"/>
-      <p:bldP spid="15" grpId="0" animBg="1"/>
-      <p:bldP spid="18" grpId="0" animBg="1"/>
-      <p:bldP spid="20" grpId="0"/>
-      <p:bldP spid="21" grpId="0"/>
-      <p:bldP spid="22" grpId="0"/>
-      <p:bldP spid="23" grpId="0" animBg="1"/>
-      <p:bldP spid="24" grpId="0"/>
-    </p:bldLst>
-  </p:timing>
-</p:sld>
-</file>
-
-<file path=ppt/slides/slide5.xml><?xml version="1.0" encoding="utf-8"?>
-<p:sld xmlns:a="http://schemas.openxmlformats.org/drawingml/2006/main" xmlns:r="http://schemas.openxmlformats.org/officeDocument/2006/relationships" xmlns:p="http://schemas.openxmlformats.org/presentationml/2006/main">
-  <p:cSld>
-    <p:spTree>
-      <p:nvGrpSpPr>
-        <p:cNvPr id="1" name=""/>
-        <p:cNvGrpSpPr/>
-        <p:nvPr/>
-      </p:nvGrpSpPr>
-      <p:grpSpPr>
-        <a:xfrm>
-          <a:off x="0" y="0"/>
-          <a:ext cx="0" cy="0"/>
-          <a:chOff x="0" y="0"/>
-          <a:chExt cx="0" cy="0"/>
-        </a:xfrm>
-      </p:grpSpPr>
-      <p:sp>
-        <p:nvSpPr>
-          <p:cNvPr id="2" name="タイトル 1"/>
-          <p:cNvSpPr>
-            <a:spLocks noGrp="1"/>
-          </p:cNvSpPr>
-          <p:nvPr>
-            <p:ph type="title"/>
-          </p:nvPr>
-        </p:nvSpPr>
-        <p:spPr>
-          <a:xfrm>
-            <a:off x="457200" y="2076"/>
+            <a:off x="457200" y="215857"/>
             <a:ext cx="8229600" cy="666139"/>
           </a:xfrm>
         </p:spPr>
@@ -14408,8 +12420,12 @@
           <a:lstStyle/>
           <a:p>
             <a:r>
-              <a:rPr kumimoji="1" lang="ja-JP" altLang="en-US" dirty="0" smtClean="0"/>
-              <a:t>本研究の目的</a:t>
+              <a:rPr lang="ja-JP" altLang="en-US" dirty="0"/>
+              <a:t>本研究</a:t>
+            </a:r>
+            <a:r>
+              <a:rPr lang="ja-JP" altLang="en-US" dirty="0" smtClean="0"/>
+              <a:t>の目的</a:t>
             </a:r>
             <a:endParaRPr kumimoji="1" lang="ja-JP" altLang="en-US" dirty="0"/>
           </a:p>
@@ -14481,11 +12497,11 @@
             <a:pPr algn="ctr"/>
             <a:r>
               <a:rPr lang="ja-JP" altLang="en-US" dirty="0"/>
-              <a:t>論文</a:t>
+              <a:t>事実へ</a:t>
             </a:r>
             <a:r>
               <a:rPr lang="ja-JP" altLang="en-US" dirty="0" smtClean="0"/>
-              <a:t>の解読</a:t>
+              <a:t>の問い</a:t>
             </a:r>
             <a:endParaRPr kumimoji="1" lang="ja-JP" altLang="en-US" dirty="0"/>
           </a:p>
@@ -14526,14 +12542,30 @@
           <a:p>
             <a:pPr algn="ctr"/>
             <a:r>
+              <a:rPr lang="ja-JP" altLang="en-US" dirty="0" smtClean="0"/>
+              <a:t>論文</a:t>
+            </a:r>
+            <a:r>
               <a:rPr lang="ja-JP" altLang="en-US" dirty="0"/>
+              <a:t>の</a:t>
+            </a:r>
+            <a:r>
+              <a:rPr lang="ja-JP" altLang="en-US" dirty="0" smtClean="0"/>
+              <a:t>解読</a:t>
+            </a:r>
+            <a:r>
+              <a:rPr lang="en-US" altLang="ja-JP" sz="1600" dirty="0" smtClean="0"/>
+              <a:t>(</a:t>
+            </a:r>
+            <a:r>
+              <a:rPr lang="ja-JP" altLang="en-US" sz="1600" dirty="0" smtClean="0"/>
               <a:t>ソースコード</a:t>
             </a:r>
             <a:r>
-              <a:rPr lang="ja-JP" altLang="en-US" dirty="0" smtClean="0"/>
-              <a:t>の解析</a:t>
-            </a:r>
-            <a:endParaRPr kumimoji="1" lang="ja-JP" altLang="en-US" dirty="0"/>
+              <a:rPr lang="en-US" altLang="ja-JP" sz="1600" dirty="0" smtClean="0"/>
+              <a:t>)</a:t>
+            </a:r>
+            <a:endParaRPr kumimoji="1" lang="ja-JP" altLang="en-US" sz="1600" dirty="0"/>
           </a:p>
         </p:txBody>
       </p:sp>
@@ -14573,23 +12605,7 @@
             <a:pPr algn="ctr"/>
             <a:r>
               <a:rPr lang="ja-JP" altLang="en-US" dirty="0" smtClean="0"/>
-              <a:t>仮説に</a:t>
-            </a:r>
-            <a:r>
-              <a:rPr lang="ja-JP" altLang="en-US" dirty="0"/>
-              <a:t>対</a:t>
-            </a:r>
-            <a:r>
-              <a:rPr lang="ja-JP" altLang="en-US" dirty="0" smtClean="0"/>
-              <a:t>する</a:t>
-            </a:r>
-            <a:r>
-              <a:rPr lang="ja-JP" altLang="en-US" dirty="0"/>
-              <a:t>関数</a:t>
-            </a:r>
-            <a:r>
-              <a:rPr lang="ja-JP" altLang="en-US" dirty="0" smtClean="0"/>
-              <a:t>を同定</a:t>
+              <a:t>仮説の構築</a:t>
             </a:r>
             <a:endParaRPr kumimoji="1" lang="ja-JP" altLang="en-US" dirty="0"/>
           </a:p>
@@ -14657,7 +12673,7 @@
         <p:spPr>
           <a:xfrm>
             <a:off x="2602522" y="4538464"/>
-            <a:ext cx="1793631" cy="816051"/>
+            <a:ext cx="2064174" cy="816051"/>
           </a:xfrm>
           <a:prstGeom prst="rect">
             <a:avLst/>
@@ -14698,8 +12714,8 @@
         </p:nvSpPr>
         <p:spPr>
           <a:xfrm>
-            <a:off x="4888521" y="3794698"/>
-            <a:ext cx="1828800" cy="1151792"/>
+            <a:off x="5419445" y="3802437"/>
+            <a:ext cx="2064175" cy="1151792"/>
           </a:xfrm>
           <a:prstGeom prst="rect">
             <a:avLst/>
@@ -14726,7 +12742,11 @@
             <a:pPr algn="ctr"/>
             <a:r>
               <a:rPr lang="ja-JP" altLang="en-US" dirty="0" smtClean="0"/>
-              <a:t>シミュレーションと仮説結果が</a:t>
+              <a:t>シミュレーションと仮説</a:t>
+            </a:r>
+            <a:r>
+              <a:rPr lang="ja-JP" altLang="en-US" dirty="0" smtClean="0"/>
+              <a:t>結果</a:t>
             </a:r>
             <a:r>
               <a:rPr lang="en-US" altLang="ja-JP" dirty="0" smtClean="0"/>
@@ -14737,7 +12757,7 @@
             </a:br>
             <a:r>
               <a:rPr lang="ja-JP" altLang="en-US" dirty="0" smtClean="0"/>
-              <a:t>不一致</a:t>
+              <a:t>が不一致</a:t>
             </a:r>
             <a:endParaRPr kumimoji="1" lang="ja-JP" altLang="en-US" dirty="0"/>
           </a:p>
@@ -14751,8 +12771,8 @@
         </p:nvSpPr>
         <p:spPr>
           <a:xfrm>
-            <a:off x="4888522" y="5236637"/>
-            <a:ext cx="1828800" cy="1063869"/>
+            <a:off x="5419446" y="5244376"/>
+            <a:ext cx="2064173" cy="1063869"/>
           </a:xfrm>
           <a:prstGeom prst="rect">
             <a:avLst/>
@@ -14783,18 +12803,19 @@
             </a:r>
             <a:r>
               <a:rPr kumimoji="1" lang="ja-JP" altLang="en-US" dirty="0" smtClean="0"/>
-              <a:t>と仮説結果が</a:t>
-            </a:r>
-            <a:r>
-              <a:rPr kumimoji="1" lang="en-US" altLang="ja-JP" dirty="0" smtClean="0"/>
-              <a:t/>
-            </a:r>
-            <a:br>
-              <a:rPr kumimoji="1" lang="en-US" altLang="ja-JP" dirty="0" smtClean="0"/>
-            </a:br>
+              <a:t>と仮説</a:t>
+            </a:r>
             <a:r>
               <a:rPr kumimoji="1" lang="ja-JP" altLang="en-US" dirty="0" smtClean="0"/>
-              <a:t>一致</a:t>
+              <a:t>結果</a:t>
+            </a:r>
+            <a:endParaRPr kumimoji="1" lang="en-US" altLang="ja-JP" dirty="0" smtClean="0"/>
+          </a:p>
+          <a:p>
+            <a:pPr algn="ctr"/>
+            <a:r>
+              <a:rPr kumimoji="1" lang="ja-JP" altLang="en-US" dirty="0" smtClean="0"/>
+              <a:t>が一致</a:t>
             </a:r>
             <a:endParaRPr kumimoji="1" lang="ja-JP" altLang="en-US" dirty="0"/>
           </a:p>
@@ -14809,7 +12830,7 @@
         <p:spPr>
           <a:xfrm>
             <a:off x="2602523" y="5629869"/>
-            <a:ext cx="1793631" cy="806576"/>
+            <a:ext cx="2064172" cy="806576"/>
           </a:xfrm>
           <a:prstGeom prst="rect">
             <a:avLst/>
@@ -14862,7 +12883,7 @@
         <p:spPr>
           <a:xfrm>
             <a:off x="2602521" y="2470639"/>
-            <a:ext cx="1793631" cy="958362"/>
+            <a:ext cx="2064175" cy="958362"/>
           </a:xfrm>
           <a:prstGeom prst="rect">
             <a:avLst/>
@@ -14889,7 +12910,22 @@
             <a:pPr algn="ctr"/>
             <a:r>
               <a:rPr kumimoji="1" lang="ja-JP" altLang="en-US" dirty="0" smtClean="0"/>
-              <a:t>仮説の反証</a:t>
+              <a:t>仮説</a:t>
+            </a:r>
+            <a:r>
+              <a:rPr lang="ja-JP" altLang="en-US" dirty="0" smtClean="0"/>
+              <a:t>が反証</a:t>
+            </a:r>
+            <a:r>
+              <a:rPr lang="en-US" altLang="ja-JP" dirty="0" smtClean="0"/>
+              <a:t/>
+            </a:r>
+            <a:br>
+              <a:rPr lang="en-US" altLang="ja-JP" dirty="0" smtClean="0"/>
+            </a:br>
+            <a:r>
+              <a:rPr lang="ja-JP" altLang="en-US" dirty="0" smtClean="0"/>
+              <a:t>される</a:t>
             </a:r>
             <a:endParaRPr kumimoji="1" lang="ja-JP" altLang="en-US" dirty="0"/>
           </a:p>
@@ -15050,8 +13086,8 @@
         </p:nvCxnSpPr>
         <p:spPr>
           <a:xfrm flipV="1">
-            <a:off x="4396153" y="4370594"/>
-            <a:ext cx="492368" cy="575896"/>
+            <a:off x="4666696" y="4378333"/>
+            <a:ext cx="752749" cy="568157"/>
           </a:xfrm>
           <a:prstGeom prst="bentConnector3">
             <a:avLst/>
@@ -15086,8 +13122,8 @@
         </p:nvCxnSpPr>
         <p:spPr>
           <a:xfrm>
-            <a:off x="4396153" y="4946490"/>
-            <a:ext cx="492369" cy="822082"/>
+            <a:off x="4666696" y="4946490"/>
+            <a:ext cx="752750" cy="829821"/>
           </a:xfrm>
           <a:prstGeom prst="bentConnector3">
             <a:avLst/>
@@ -15122,8 +13158,8 @@
         </p:nvCxnSpPr>
         <p:spPr>
           <a:xfrm rot="16200000" flipV="1">
-            <a:off x="4677098" y="2668874"/>
-            <a:ext cx="844878" cy="1406769"/>
+            <a:off x="5132807" y="2483710"/>
+            <a:ext cx="852617" cy="1784837"/>
           </a:xfrm>
           <a:prstGeom prst="bentConnector2">
             <a:avLst/>
@@ -15194,13 +13230,13 @@
         </p:nvCxnSpPr>
         <p:spPr>
           <a:xfrm rot="5400000" flipH="1">
-            <a:off x="4965863" y="5463448"/>
-            <a:ext cx="267349" cy="1406768"/>
+            <a:off x="5421570" y="5278282"/>
+            <a:ext cx="275088" cy="1784838"/>
           </a:xfrm>
           <a:prstGeom prst="bentConnector4">
             <a:avLst>
-              <a:gd name="adj1" fmla="val -85506"/>
-              <a:gd name="adj2" fmla="val 82500"/>
+              <a:gd name="adj1" fmla="val -83101"/>
+              <a:gd name="adj2" fmla="val 78913"/>
             </a:avLst>
           </a:prstGeom>
           <a:ln w="57150">
@@ -15233,8 +13269,8 @@
         </p:nvCxnSpPr>
         <p:spPr>
           <a:xfrm rot="5400000" flipH="1">
-            <a:off x="2158392" y="5095499"/>
-            <a:ext cx="466231" cy="2215662"/>
+            <a:off x="2226027" y="5027864"/>
+            <a:ext cx="466231" cy="2350932"/>
           </a:xfrm>
           <a:prstGeom prst="bentConnector3">
             <a:avLst>
@@ -15268,10 +13304,10 @@
         </p:nvGrpSpPr>
         <p:grpSpPr>
           <a:xfrm>
-            <a:off x="457200" y="2470638"/>
-            <a:ext cx="6260122" cy="3965807"/>
+            <a:off x="457200" y="2470639"/>
+            <a:ext cx="7026421" cy="3965807"/>
             <a:chOff x="457200" y="2470638"/>
-            <a:chExt cx="6260122" cy="3965807"/>
+            <a:chExt cx="7026421" cy="3965807"/>
           </a:xfrm>
         </p:grpSpPr>
         <p:sp>
@@ -15309,14 +13345,22 @@
             <a:p>
               <a:pPr algn="ctr"/>
               <a:r>
-                <a:rPr lang="ja-JP" altLang="en-US" dirty="0"/>
+                <a:rPr lang="ja-JP" altLang="en-US" dirty="0" smtClean="0"/>
+                <a:t>論文の解読</a:t>
+              </a:r>
+              <a:r>
+                <a:rPr lang="en-US" altLang="ja-JP" sz="1600" dirty="0" smtClean="0"/>
+                <a:t>(</a:t>
+              </a:r>
+              <a:r>
+                <a:rPr lang="ja-JP" altLang="en-US" sz="1600" dirty="0" smtClean="0"/>
                 <a:t>ソースコード</a:t>
               </a:r>
               <a:r>
-                <a:rPr lang="ja-JP" altLang="en-US" dirty="0" smtClean="0"/>
-                <a:t>の解析</a:t>
+                <a:rPr lang="en-US" altLang="ja-JP" sz="1600" dirty="0" smtClean="0"/>
+                <a:t>)</a:t>
               </a:r>
-              <a:endParaRPr kumimoji="1" lang="ja-JP" altLang="en-US" dirty="0"/>
+              <a:endParaRPr kumimoji="1" lang="ja-JP" altLang="en-US" sz="1600" dirty="0"/>
             </a:p>
           </p:txBody>
         </p:sp>
@@ -15356,23 +13400,7 @@
               <a:pPr algn="ctr"/>
               <a:r>
                 <a:rPr lang="ja-JP" altLang="en-US" dirty="0" smtClean="0"/>
-                <a:t>仮説に</a:t>
-              </a:r>
-              <a:r>
-                <a:rPr lang="ja-JP" altLang="en-US" dirty="0"/>
-                <a:t>対</a:t>
-              </a:r>
-              <a:r>
-                <a:rPr lang="ja-JP" altLang="en-US" dirty="0" smtClean="0"/>
-                <a:t>する</a:t>
-              </a:r>
-              <a:r>
-                <a:rPr lang="ja-JP" altLang="en-US" dirty="0"/>
-                <a:t>関数</a:t>
-              </a:r>
-              <a:r>
-                <a:rPr lang="ja-JP" altLang="en-US" dirty="0" smtClean="0"/>
-                <a:t>を同定</a:t>
+                <a:t>仮説の構築</a:t>
               </a:r>
               <a:endParaRPr kumimoji="1" lang="ja-JP" altLang="en-US" dirty="0"/>
             </a:p>
@@ -15439,8 +13467,8 @@
           </p:nvSpPr>
           <p:spPr>
             <a:xfrm>
-              <a:off x="2602522" y="4538464"/>
-              <a:ext cx="1793631" cy="816051"/>
+              <a:off x="2602521" y="4538464"/>
+              <a:ext cx="2064173" cy="816051"/>
             </a:xfrm>
             <a:prstGeom prst="rect">
               <a:avLst/>
@@ -15481,8 +13509,8 @@
           </p:nvSpPr>
           <p:spPr>
             <a:xfrm>
-              <a:off x="4888521" y="3794698"/>
-              <a:ext cx="1828800" cy="1151792"/>
+              <a:off x="5419446" y="3794698"/>
+              <a:ext cx="2064175" cy="1151792"/>
             </a:xfrm>
             <a:prstGeom prst="rect">
               <a:avLst/>
@@ -15534,8 +13562,8 @@
           </p:nvSpPr>
           <p:spPr>
             <a:xfrm>
-              <a:off x="4888522" y="5236637"/>
-              <a:ext cx="1828800" cy="1063869"/>
+              <a:off x="5419445" y="5227553"/>
+              <a:ext cx="2064173" cy="1063869"/>
             </a:xfrm>
             <a:prstGeom prst="rect">
               <a:avLst/>
@@ -15592,7 +13620,7 @@
           <p:spPr>
             <a:xfrm>
               <a:off x="2602523" y="5629869"/>
-              <a:ext cx="1793631" cy="806576"/>
+              <a:ext cx="2064171" cy="806576"/>
             </a:xfrm>
             <a:prstGeom prst="rect">
               <a:avLst/>
@@ -15645,7 +13673,7 @@
           <p:spPr>
             <a:xfrm>
               <a:off x="2602521" y="2470639"/>
-              <a:ext cx="1793631" cy="958362"/>
+              <a:ext cx="2064176" cy="958362"/>
             </a:xfrm>
             <a:prstGeom prst="rect">
               <a:avLst/>
@@ -15672,7 +13700,18 @@
               <a:pPr algn="ctr"/>
               <a:r>
                 <a:rPr kumimoji="1" lang="ja-JP" altLang="en-US" dirty="0" smtClean="0"/>
-                <a:t>仮説の反証</a:t>
+                <a:t>仮説が反証</a:t>
+              </a:r>
+              <a:r>
+                <a:rPr kumimoji="1" lang="en-US" altLang="ja-JP" dirty="0" smtClean="0"/>
+                <a:t/>
+              </a:r>
+              <a:br>
+                <a:rPr kumimoji="1" lang="en-US" altLang="ja-JP" dirty="0" smtClean="0"/>
+              </a:br>
+              <a:r>
+                <a:rPr kumimoji="1" lang="ja-JP" altLang="en-US" dirty="0" smtClean="0"/>
+                <a:t>される</a:t>
               </a:r>
               <a:endParaRPr kumimoji="1" lang="ja-JP" altLang="en-US" dirty="0"/>
             </a:p>
@@ -15762,7 +13801,7 @@
           <p:spPr>
             <a:xfrm flipV="1">
               <a:off x="2110154" y="4946490"/>
-              <a:ext cx="492368" cy="562128"/>
+              <a:ext cx="492367" cy="562128"/>
             </a:xfrm>
             <a:prstGeom prst="bentConnector3">
               <a:avLst/>
@@ -15790,18 +13829,19 @@
           <p:nvCxnSpPr>
             <p:cNvPr id="107" name="カギ線コネクタ 106"/>
             <p:cNvCxnSpPr>
-              <a:stCxn id="99" idx="3"/>
               <a:endCxn id="100" idx="1"/>
             </p:cNvCxnSpPr>
             <p:nvPr/>
           </p:nvCxnSpPr>
           <p:spPr>
             <a:xfrm flipV="1">
-              <a:off x="4396153" y="4370594"/>
-              <a:ext cx="492368" cy="575896"/>
+              <a:off x="4516545" y="4370594"/>
+              <a:ext cx="902901" cy="575896"/>
             </a:xfrm>
             <a:prstGeom prst="bentConnector3">
-              <a:avLst/>
+              <a:avLst>
+                <a:gd name="adj1" fmla="val 56817"/>
+              </a:avLst>
             </a:prstGeom>
             <a:ln w="57150">
               <a:tailEnd type="triangle"/>
@@ -15825,16 +13865,13 @@
         <p:cxnSp>
           <p:nvCxnSpPr>
             <p:cNvPr id="108" name="カギ線コネクタ 107"/>
-            <p:cNvCxnSpPr>
-              <a:stCxn id="99" idx="3"/>
-              <a:endCxn id="101" idx="1"/>
-            </p:cNvCxnSpPr>
+            <p:cNvCxnSpPr/>
             <p:nvPr/>
           </p:nvCxnSpPr>
           <p:spPr>
             <a:xfrm>
-              <a:off x="4396153" y="4946490"/>
-              <a:ext cx="492369" cy="822082"/>
+              <a:off x="4535823" y="4929667"/>
+              <a:ext cx="1023291" cy="812998"/>
             </a:xfrm>
             <a:prstGeom prst="bentConnector3">
               <a:avLst/>
@@ -15869,8 +13906,8 @@
           </p:nvCxnSpPr>
           <p:spPr>
             <a:xfrm rot="16200000" flipV="1">
-              <a:off x="4677098" y="2668874"/>
-              <a:ext cx="844878" cy="1406769"/>
+              <a:off x="5136677" y="2479840"/>
+              <a:ext cx="844878" cy="1784837"/>
             </a:xfrm>
             <a:prstGeom prst="bentConnector2">
               <a:avLst/>
@@ -15941,13 +13978,13 @@
           </p:nvCxnSpPr>
           <p:spPr>
             <a:xfrm rot="5400000" flipH="1">
-              <a:off x="4965863" y="5463448"/>
-              <a:ext cx="267349" cy="1406768"/>
+              <a:off x="5429980" y="5269871"/>
+              <a:ext cx="258265" cy="1784838"/>
             </a:xfrm>
             <a:prstGeom prst="bentConnector4">
               <a:avLst>
-                <a:gd name="adj1" fmla="val -85506"/>
-                <a:gd name="adj2" fmla="val 82500"/>
+                <a:gd name="adj1" fmla="val -88514"/>
+                <a:gd name="adj2" fmla="val 78913"/>
               </a:avLst>
             </a:prstGeom>
             <a:ln w="57150">
@@ -15980,8 +14017,8 @@
           </p:nvCxnSpPr>
           <p:spPr>
             <a:xfrm rot="5400000" flipH="1">
-              <a:off x="2158392" y="5095499"/>
-              <a:ext cx="466231" cy="2215662"/>
+              <a:off x="2226027" y="5027864"/>
+              <a:ext cx="466231" cy="2350932"/>
             </a:xfrm>
             <a:prstGeom prst="bentConnector3">
               <a:avLst>
@@ -17409,6 +15446,1523 @@
 </p:sld>
 </file>
 
+<file path=ppt/slides/slide4.xml><?xml version="1.0" encoding="utf-8"?>
+<p:sld xmlns:a="http://schemas.openxmlformats.org/drawingml/2006/main" xmlns:r="http://schemas.openxmlformats.org/officeDocument/2006/relationships" xmlns:p="http://schemas.openxmlformats.org/presentationml/2006/main">
+  <p:cSld>
+    <p:spTree>
+      <p:nvGrpSpPr>
+        <p:cNvPr id="1" name=""/>
+        <p:cNvGrpSpPr/>
+        <p:nvPr/>
+      </p:nvGrpSpPr>
+      <p:grpSpPr>
+        <a:xfrm>
+          <a:off x="0" y="0"/>
+          <a:ext cx="0" cy="0"/>
+          <a:chOff x="0" y="0"/>
+          <a:chExt cx="0" cy="0"/>
+        </a:xfrm>
+      </p:grpSpPr>
+      <p:sp>
+        <p:nvSpPr>
+          <p:cNvPr id="2" name="タイトル 1"/>
+          <p:cNvSpPr>
+            <a:spLocks noGrp="1"/>
+          </p:cNvSpPr>
+          <p:nvPr>
+            <p:ph type="title"/>
+          </p:nvPr>
+        </p:nvSpPr>
+        <p:spPr>
+          <a:xfrm>
+            <a:off x="457200" y="100869"/>
+            <a:ext cx="8229600" cy="719325"/>
+          </a:xfrm>
+        </p:spPr>
+        <p:txBody>
+          <a:bodyPr>
+            <a:normAutofit/>
+          </a:bodyPr>
+          <a:lstStyle/>
+          <a:p>
+            <a:r>
+              <a:rPr kumimoji="1" lang="ja-JP" altLang="en-US" sz="3600" dirty="0" smtClean="0"/>
+              <a:t>視覚数理モデル</a:t>
+            </a:r>
+            <a:r>
+              <a:rPr kumimoji="1" lang="ja-JP" altLang="en-US" sz="3600" dirty="0" smtClean="0"/>
+              <a:t>研究</a:t>
+            </a:r>
+            <a:endParaRPr kumimoji="1" lang="ja-JP" altLang="en-US" sz="3600" dirty="0"/>
+          </a:p>
+        </p:txBody>
+      </p:sp>
+      <p:sp>
+        <p:nvSpPr>
+          <p:cNvPr id="3" name="コンテンツ プレースホルダー 2"/>
+          <p:cNvSpPr>
+            <a:spLocks noGrp="1"/>
+          </p:cNvSpPr>
+          <p:nvPr>
+            <p:ph sz="half" idx="1"/>
+          </p:nvPr>
+        </p:nvSpPr>
+        <p:spPr>
+          <a:xfrm>
+            <a:off x="281354" y="1247430"/>
+            <a:ext cx="4958861" cy="4525963"/>
+          </a:xfrm>
+        </p:spPr>
+        <p:txBody>
+          <a:bodyPr>
+            <a:normAutofit fontScale="92500"/>
+          </a:bodyPr>
+          <a:lstStyle/>
+          <a:p>
+            <a:pPr marL="514350" indent="-514350">
+              <a:lnSpc>
+                <a:spcPct val="160000"/>
+              </a:lnSpc>
+              <a:spcBef>
+                <a:spcPts val="0"/>
+              </a:spcBef>
+              <a:spcAft>
+                <a:spcPts val="600"/>
+              </a:spcAft>
+              <a:buFont typeface="+mj-lt"/>
+              <a:buAutoNum type="arabicPeriod"/>
+            </a:pPr>
+            <a:r>
+              <a:rPr lang="ja-JP" altLang="en-US" dirty="0" smtClean="0"/>
+              <a:t>各種実験結果の数理的記述</a:t>
+            </a:r>
+            <a:endParaRPr lang="en-US" altLang="ja-JP" dirty="0" smtClean="0"/>
+          </a:p>
+          <a:p>
+            <a:pPr marL="400050" lvl="1" indent="0">
+              <a:lnSpc>
+                <a:spcPct val="110000"/>
+              </a:lnSpc>
+              <a:spcBef>
+                <a:spcPts val="0"/>
+              </a:spcBef>
+              <a:spcAft>
+                <a:spcPts val="600"/>
+              </a:spcAft>
+              <a:buNone/>
+            </a:pPr>
+            <a:r>
+              <a:rPr lang="ja-JP" altLang="en-US" dirty="0" smtClean="0"/>
+              <a:t> 式やアルゴリズムで表現</a:t>
+            </a:r>
+            <a:endParaRPr lang="en-US" altLang="ja-JP" dirty="0" smtClean="0"/>
+          </a:p>
+          <a:p>
+            <a:pPr marL="400050" lvl="1" indent="0">
+              <a:lnSpc>
+                <a:spcPct val="110000"/>
+              </a:lnSpc>
+              <a:spcBef>
+                <a:spcPts val="0"/>
+              </a:spcBef>
+              <a:spcAft>
+                <a:spcPts val="600"/>
+              </a:spcAft>
+              <a:buNone/>
+            </a:pPr>
+            <a:r>
+              <a:rPr lang="ja-JP" altLang="en-US" dirty="0" smtClean="0"/>
+              <a:t> 処理の流れを図示→論文に掲載</a:t>
+            </a:r>
+            <a:endParaRPr lang="en-US" altLang="ja-JP" dirty="0" smtClean="0"/>
+          </a:p>
+          <a:p>
+            <a:pPr marL="514350" indent="-514350">
+              <a:buFont typeface="+mj-lt"/>
+              <a:buAutoNum type="arabicPeriod"/>
+            </a:pPr>
+            <a:r>
+              <a:rPr lang="ja-JP" altLang="en-US" dirty="0" smtClean="0"/>
+              <a:t>モデルの実装</a:t>
+            </a:r>
+            <a:r>
+              <a:rPr lang="en-US" altLang="ja-JP" dirty="0" smtClean="0"/>
+              <a:t>(</a:t>
+            </a:r>
+            <a:r>
+              <a:rPr lang="ja-JP" altLang="en-US" dirty="0" smtClean="0"/>
+              <a:t>プログラム</a:t>
+            </a:r>
+            <a:r>
+              <a:rPr lang="en-US" altLang="ja-JP" dirty="0" smtClean="0"/>
+              <a:t>)</a:t>
+            </a:r>
+          </a:p>
+          <a:p>
+            <a:pPr marL="400050" lvl="1" indent="0">
+              <a:buNone/>
+            </a:pPr>
+            <a:r>
+              <a:rPr lang="en-US" altLang="ja-JP" dirty="0" smtClean="0"/>
+              <a:t>	</a:t>
+            </a:r>
+            <a:r>
+              <a:rPr lang="ja-JP" altLang="en-US" dirty="0" smtClean="0"/>
+              <a:t>式</a:t>
+            </a:r>
+            <a:r>
+              <a:rPr lang="en-US" altLang="ja-JP" dirty="0" smtClean="0"/>
+              <a:t>/</a:t>
+            </a:r>
+            <a:r>
+              <a:rPr lang="ja-JP" altLang="en-US" dirty="0" smtClean="0"/>
+              <a:t>アルゴリズム</a:t>
+            </a:r>
+            <a:r>
+              <a:rPr lang="en-US" altLang="ja-JP" dirty="0"/>
+              <a:t>/</a:t>
+            </a:r>
+            <a:r>
+              <a:rPr lang="ja-JP" altLang="en-US" dirty="0" smtClean="0"/>
+              <a:t>処理流れの翻訳</a:t>
+            </a:r>
+            <a:endParaRPr lang="en-US" altLang="ja-JP" dirty="0" smtClean="0"/>
+          </a:p>
+          <a:p>
+            <a:pPr marL="514350" indent="-514350">
+              <a:buFont typeface="+mj-lt"/>
+              <a:buAutoNum type="arabicPeriod"/>
+            </a:pPr>
+            <a:r>
+              <a:rPr lang="ja-JP" altLang="en-US" dirty="0" smtClean="0"/>
+              <a:t>モデル妥当性の検証</a:t>
+            </a:r>
+            <a:endParaRPr lang="en-US" altLang="ja-JP" dirty="0"/>
+          </a:p>
+          <a:p>
+            <a:pPr marL="400050" lvl="1" indent="0">
+              <a:buNone/>
+            </a:pPr>
+            <a:r>
+              <a:rPr lang="ja-JP" altLang="en-US" dirty="0" smtClean="0"/>
+              <a:t>シミュレーション結果と実験結果の整合性確認</a:t>
+            </a:r>
+            <a:endParaRPr lang="en-US" altLang="ja-JP" dirty="0" smtClean="0"/>
+          </a:p>
+          <a:p>
+            <a:pPr marL="514350" indent="-514350">
+              <a:buFont typeface="+mj-lt"/>
+              <a:buAutoNum type="arabicPeriod"/>
+            </a:pPr>
+            <a:r>
+              <a:rPr lang="ja-JP" altLang="en-US" dirty="0" smtClean="0">
+                <a:solidFill>
+                  <a:srgbClr val="FF0000"/>
+                </a:solidFill>
+              </a:rPr>
+              <a:t>研究は１～３の繰り返し</a:t>
+            </a:r>
+            <a:endParaRPr lang="en-US" altLang="ja-JP" dirty="0" smtClean="0">
+              <a:solidFill>
+                <a:srgbClr val="FF0000"/>
+              </a:solidFill>
+            </a:endParaRPr>
+          </a:p>
+          <a:p>
+            <a:pPr marL="914400" lvl="1" indent="-457200">
+              <a:buFont typeface="+mj-lt"/>
+              <a:buAutoNum type="arabicPeriod"/>
+            </a:pPr>
+            <a:endParaRPr lang="en-US" altLang="ja-JP" dirty="0" smtClean="0"/>
+          </a:p>
+          <a:p>
+            <a:endParaRPr lang="en-US" altLang="ja-JP" dirty="0"/>
+          </a:p>
+          <a:p>
+            <a:endParaRPr lang="en-US" altLang="ja-JP" dirty="0" smtClean="0"/>
+          </a:p>
+        </p:txBody>
+      </p:sp>
+      <p:cxnSp>
+        <p:nvCxnSpPr>
+          <p:cNvPr id="5" name="直線コネクタ 4"/>
+          <p:cNvCxnSpPr/>
+          <p:nvPr/>
+        </p:nvCxnSpPr>
+        <p:spPr>
+          <a:xfrm>
+            <a:off x="408709" y="850534"/>
+            <a:ext cx="8478982" cy="0"/>
+          </a:xfrm>
+          <a:prstGeom prst="line">
+            <a:avLst/>
+          </a:prstGeom>
+        </p:spPr>
+        <p:style>
+          <a:lnRef idx="2">
+            <a:schemeClr val="accent1"/>
+          </a:lnRef>
+          <a:fillRef idx="0">
+            <a:schemeClr val="accent1"/>
+          </a:fillRef>
+          <a:effectRef idx="1">
+            <a:schemeClr val="accent1"/>
+          </a:effectRef>
+          <a:fontRef idx="minor">
+            <a:schemeClr val="tx1"/>
+          </a:fontRef>
+        </p:style>
+      </p:cxnSp>
+      <p:pic>
+        <p:nvPicPr>
+          <p:cNvPr id="1026" name="Picture 2" descr="http://vis.berkeley.edu/courses/cs294-10-fa07/wiki/images/e/e1/A1_bad.gif"/>
+          <p:cNvPicPr>
+            <a:picLocks noChangeAspect="1" noChangeArrowheads="1"/>
+          </p:cNvPicPr>
+          <p:nvPr/>
+        </p:nvPicPr>
+        <p:blipFill>
+          <a:blip r:embed="rId3">
+            <a:extLst>
+              <a:ext uri="{28A0092B-C50C-407E-A947-70E740481C1C}">
+                <a14:useLocalDpi xmlns:a14="http://schemas.microsoft.com/office/drawing/2010/main" val="0"/>
+              </a:ext>
+            </a:extLst>
+          </a:blip>
+          <a:srcRect/>
+          <a:stretch>
+            <a:fillRect/>
+          </a:stretch>
+        </p:blipFill>
+        <p:spPr bwMode="auto">
+          <a:xfrm>
+            <a:off x="5134707" y="1138852"/>
+            <a:ext cx="3884868" cy="4865078"/>
+          </a:xfrm>
+          <a:prstGeom prst="rect">
+            <a:avLst/>
+          </a:prstGeom>
+          <a:noFill/>
+          <a:extLst>
+            <a:ext uri="{909E8E84-426E-40DD-AFC4-6F175D3DCCD1}">
+              <a14:hiddenFill xmlns:a14="http://schemas.microsoft.com/office/drawing/2010/main">
+                <a:solidFill>
+                  <a:srgbClr val="FFFFFF"/>
+                </a:solidFill>
+              </a14:hiddenFill>
+            </a:ext>
+          </a:extLst>
+        </p:spPr>
+      </p:pic>
+      <p:sp>
+        <p:nvSpPr>
+          <p:cNvPr id="7" name="テキスト ボックス 6"/>
+          <p:cNvSpPr txBox="1"/>
+          <p:nvPr/>
+        </p:nvSpPr>
+        <p:spPr>
+          <a:xfrm>
+            <a:off x="553393" y="6230971"/>
+            <a:ext cx="8189614" cy="461665"/>
+          </a:xfrm>
+          <a:prstGeom prst="rect">
+            <a:avLst/>
+          </a:prstGeom>
+          <a:noFill/>
+        </p:spPr>
+        <p:txBody>
+          <a:bodyPr wrap="none" rtlCol="0">
+            <a:spAutoFit/>
+          </a:bodyPr>
+          <a:lstStyle/>
+          <a:p>
+            <a:r>
+              <a:rPr lang="en-US" altLang="ja-JP" sz="1200" dirty="0"/>
+              <a:t>Hierarchy of the visual areas in the brain of a macaque monkey as determined by </a:t>
+            </a:r>
+            <a:r>
+              <a:rPr lang="en-US" altLang="ja-JP" sz="1200" dirty="0" err="1"/>
+              <a:t>Fellman</a:t>
+            </a:r>
+            <a:r>
+              <a:rPr lang="en-US" altLang="ja-JP" sz="1200" dirty="0"/>
+              <a:t> and Van </a:t>
+            </a:r>
+            <a:r>
+              <a:rPr lang="en-US" altLang="ja-JP" sz="1200" dirty="0" smtClean="0"/>
+              <a:t>Essen.</a:t>
+            </a:r>
+          </a:p>
+          <a:p>
+            <a:r>
+              <a:rPr lang="en-US" altLang="ja-JP" sz="1200" dirty="0" err="1"/>
+              <a:t>Felleman</a:t>
+            </a:r>
+            <a:r>
+              <a:rPr lang="en-US" altLang="ja-JP" sz="1200" dirty="0"/>
+              <a:t>,  D.J. and Van Essen, D.C. (1991). Distributed hierarchical processing in the primate cerebral cortex. </a:t>
+            </a:r>
+            <a:r>
+              <a:rPr lang="en-US" altLang="ja-JP" sz="1200" i="1" dirty="0" err="1"/>
+              <a:t>Cereb</a:t>
+            </a:r>
+            <a:r>
+              <a:rPr lang="en-US" altLang="ja-JP" sz="1200" i="1" dirty="0"/>
+              <a:t>. Cortex </a:t>
+            </a:r>
+            <a:r>
+              <a:rPr lang="en-US" altLang="ja-JP" sz="1200" dirty="0"/>
+              <a:t>1:1-4.</a:t>
+            </a:r>
+            <a:endParaRPr kumimoji="1" lang="ja-JP" altLang="en-US" sz="1200" dirty="0"/>
+          </a:p>
+        </p:txBody>
+      </p:sp>
+    </p:spTree>
+    <p:extLst>
+      <p:ext uri="{BB962C8B-B14F-4D97-AF65-F5344CB8AC3E}">
+        <p14:creationId xmlns:p14="http://schemas.microsoft.com/office/powerpoint/2010/main" val="2918917619"/>
+      </p:ext>
+    </p:extLst>
+  </p:cSld>
+  <p:clrMapOvr>
+    <a:masterClrMapping/>
+  </p:clrMapOvr>
+  <p:timing>
+    <p:tnLst>
+      <p:par>
+        <p:cTn id="1" dur="indefinite" restart="never" nodeType="tmRoot"/>
+      </p:par>
+    </p:tnLst>
+  </p:timing>
+</p:sld>
+</file>
+
+<file path=ppt/slides/slide5.xml><?xml version="1.0" encoding="utf-8"?>
+<p:sld xmlns:a="http://schemas.openxmlformats.org/drawingml/2006/main" xmlns:r="http://schemas.openxmlformats.org/officeDocument/2006/relationships" xmlns:p="http://schemas.openxmlformats.org/presentationml/2006/main">
+  <p:cSld>
+    <p:spTree>
+      <p:nvGrpSpPr>
+        <p:cNvPr id="1" name=""/>
+        <p:cNvGrpSpPr/>
+        <p:nvPr/>
+      </p:nvGrpSpPr>
+      <p:grpSpPr>
+        <a:xfrm>
+          <a:off x="0" y="0"/>
+          <a:ext cx="0" cy="0"/>
+          <a:chOff x="0" y="0"/>
+          <a:chExt cx="0" cy="0"/>
+        </a:xfrm>
+      </p:grpSpPr>
+      <p:sp>
+        <p:nvSpPr>
+          <p:cNvPr id="2" name="タイトル 1"/>
+          <p:cNvSpPr>
+            <a:spLocks noGrp="1"/>
+          </p:cNvSpPr>
+          <p:nvPr>
+            <p:ph type="title"/>
+          </p:nvPr>
+        </p:nvSpPr>
+        <p:spPr>
+          <a:xfrm>
+            <a:off x="457200" y="-15508"/>
+            <a:ext cx="8229600" cy="817796"/>
+          </a:xfrm>
+        </p:spPr>
+        <p:txBody>
+          <a:bodyPr>
+            <a:normAutofit/>
+          </a:bodyPr>
+          <a:lstStyle/>
+          <a:p>
+            <a:r>
+              <a:rPr kumimoji="1" lang="ja-JP" altLang="en-US" sz="3600" dirty="0" smtClean="0"/>
+              <a:t>視覚数理モデル研究</a:t>
+            </a:r>
+            <a:r>
+              <a:rPr kumimoji="1" lang="ja-JP" altLang="en-US" sz="3600" dirty="0" smtClean="0"/>
+              <a:t>の</a:t>
+            </a:r>
+            <a:r>
+              <a:rPr lang="ja-JP" altLang="en-US" sz="3600" dirty="0"/>
+              <a:t>ライフサイクル</a:t>
+            </a:r>
+            <a:endParaRPr kumimoji="1" lang="ja-JP" altLang="en-US" sz="3600" dirty="0"/>
+          </a:p>
+        </p:txBody>
+      </p:sp>
+      <p:cxnSp>
+        <p:nvCxnSpPr>
+          <p:cNvPr id="5" name="直線コネクタ 4"/>
+          <p:cNvCxnSpPr/>
+          <p:nvPr/>
+        </p:nvCxnSpPr>
+        <p:spPr>
+          <a:xfrm>
+            <a:off x="510701" y="898892"/>
+            <a:ext cx="8478982" cy="0"/>
+          </a:xfrm>
+          <a:prstGeom prst="line">
+            <a:avLst/>
+          </a:prstGeom>
+        </p:spPr>
+        <p:style>
+          <a:lnRef idx="2">
+            <a:schemeClr val="accent1"/>
+          </a:lnRef>
+          <a:fillRef idx="0">
+            <a:schemeClr val="accent1"/>
+          </a:fillRef>
+          <a:effectRef idx="1">
+            <a:schemeClr val="accent1"/>
+          </a:effectRef>
+          <a:fontRef idx="minor">
+            <a:schemeClr val="tx1"/>
+          </a:fontRef>
+        </p:style>
+      </p:cxnSp>
+      <p:pic>
+        <p:nvPicPr>
+          <p:cNvPr id="12" name="図 11"/>
+          <p:cNvPicPr>
+            <a:picLocks noChangeAspect="1"/>
+          </p:cNvPicPr>
+          <p:nvPr/>
+        </p:nvPicPr>
+        <p:blipFill>
+          <a:blip r:embed="rId3"/>
+          <a:stretch>
+            <a:fillRect/>
+          </a:stretch>
+        </p:blipFill>
+        <p:spPr>
+          <a:xfrm>
+            <a:off x="1" y="1310081"/>
+            <a:ext cx="5969976" cy="5396986"/>
+          </a:xfrm>
+          <a:prstGeom prst="rect">
+            <a:avLst/>
+          </a:prstGeom>
+        </p:spPr>
+      </p:pic>
+      <p:sp>
+        <p:nvSpPr>
+          <p:cNvPr id="13" name="テキスト ボックス 12"/>
+          <p:cNvSpPr txBox="1"/>
+          <p:nvPr/>
+        </p:nvSpPr>
+        <p:spPr>
+          <a:xfrm>
+            <a:off x="5868316" y="979879"/>
+            <a:ext cx="3121367" cy="369332"/>
+          </a:xfrm>
+          <a:prstGeom prst="rect">
+            <a:avLst/>
+          </a:prstGeom>
+          <a:noFill/>
+        </p:spPr>
+        <p:txBody>
+          <a:bodyPr wrap="none" rtlCol="0">
+            <a:spAutoFit/>
+          </a:bodyPr>
+          <a:lstStyle/>
+          <a:p>
+            <a:r>
+              <a:rPr kumimoji="1" lang="ja-JP" altLang="en-US" dirty="0" smtClean="0"/>
+              <a:t>１．既存モデルのソースを確認</a:t>
+            </a:r>
+            <a:endParaRPr kumimoji="1" lang="ja-JP" altLang="en-US" dirty="0"/>
+          </a:p>
+        </p:txBody>
+      </p:sp>
+      <p:sp>
+        <p:nvSpPr>
+          <p:cNvPr id="15" name="円/楕円 14"/>
+          <p:cNvSpPr/>
+          <p:nvPr/>
+        </p:nvSpPr>
+        <p:spPr>
+          <a:xfrm>
+            <a:off x="2958612" y="2829295"/>
+            <a:ext cx="2909703" cy="3877772"/>
+          </a:xfrm>
+          <a:prstGeom prst="ellipse">
+            <a:avLst/>
+          </a:prstGeom>
+          <a:noFill/>
+          <a:ln w="25400">
+            <a:solidFill>
+              <a:srgbClr val="FF0000"/>
+            </a:solidFill>
+          </a:ln>
+        </p:spPr>
+        <p:style>
+          <a:lnRef idx="1">
+            <a:schemeClr val="accent1"/>
+          </a:lnRef>
+          <a:fillRef idx="3">
+            <a:schemeClr val="accent1"/>
+          </a:fillRef>
+          <a:effectRef idx="2">
+            <a:schemeClr val="accent1"/>
+          </a:effectRef>
+          <a:fontRef idx="minor">
+            <a:schemeClr val="lt1"/>
+          </a:fontRef>
+        </p:style>
+        <p:txBody>
+          <a:bodyPr rtlCol="0" anchor="ctr"/>
+          <a:lstStyle/>
+          <a:p>
+            <a:pPr algn="ctr"/>
+            <a:endParaRPr kumimoji="1" lang="ja-JP" altLang="en-US"/>
+          </a:p>
+        </p:txBody>
+      </p:sp>
+      <p:sp>
+        <p:nvSpPr>
+          <p:cNvPr id="18" name="円/楕円 17"/>
+          <p:cNvSpPr/>
+          <p:nvPr/>
+        </p:nvSpPr>
+        <p:spPr>
+          <a:xfrm>
+            <a:off x="61546" y="2829295"/>
+            <a:ext cx="1521070" cy="3886200"/>
+          </a:xfrm>
+          <a:prstGeom prst="ellipse">
+            <a:avLst/>
+          </a:prstGeom>
+          <a:noFill/>
+          <a:ln w="25400"/>
+        </p:spPr>
+        <p:style>
+          <a:lnRef idx="1">
+            <a:schemeClr val="accent1"/>
+          </a:lnRef>
+          <a:fillRef idx="3">
+            <a:schemeClr val="accent1"/>
+          </a:fillRef>
+          <a:effectRef idx="2">
+            <a:schemeClr val="accent1"/>
+          </a:effectRef>
+          <a:fontRef idx="minor">
+            <a:schemeClr val="lt1"/>
+          </a:fontRef>
+        </p:style>
+        <p:txBody>
+          <a:bodyPr rtlCol="0" anchor="ctr"/>
+          <a:lstStyle/>
+          <a:p>
+            <a:pPr algn="ctr"/>
+            <a:endParaRPr kumimoji="1" lang="ja-JP" altLang="en-US"/>
+          </a:p>
+        </p:txBody>
+      </p:sp>
+      <p:sp>
+        <p:nvSpPr>
+          <p:cNvPr id="20" name="テキスト ボックス 19"/>
+          <p:cNvSpPr txBox="1"/>
+          <p:nvPr/>
+        </p:nvSpPr>
+        <p:spPr>
+          <a:xfrm>
+            <a:off x="5868317" y="1349211"/>
+            <a:ext cx="2372765" cy="369332"/>
+          </a:xfrm>
+          <a:prstGeom prst="rect">
+            <a:avLst/>
+          </a:prstGeom>
+          <a:noFill/>
+        </p:spPr>
+        <p:txBody>
+          <a:bodyPr wrap="none" rtlCol="0">
+            <a:spAutoFit/>
+          </a:bodyPr>
+          <a:lstStyle/>
+          <a:p>
+            <a:r>
+              <a:rPr kumimoji="1" lang="ja-JP" altLang="en-US" dirty="0" smtClean="0"/>
+              <a:t>２．ソースコードの解析</a:t>
+            </a:r>
+            <a:endParaRPr kumimoji="1" lang="ja-JP" altLang="en-US" dirty="0"/>
+          </a:p>
+        </p:txBody>
+      </p:sp>
+      <p:sp>
+        <p:nvSpPr>
+          <p:cNvPr id="21" name="テキスト ボックス 20"/>
+          <p:cNvSpPr txBox="1"/>
+          <p:nvPr/>
+        </p:nvSpPr>
+        <p:spPr>
+          <a:xfrm>
+            <a:off x="5868317" y="1713123"/>
+            <a:ext cx="2767104" cy="646331"/>
+          </a:xfrm>
+          <a:prstGeom prst="rect">
+            <a:avLst/>
+          </a:prstGeom>
+          <a:noFill/>
+        </p:spPr>
+        <p:txBody>
+          <a:bodyPr wrap="none" rtlCol="0">
+            <a:spAutoFit/>
+          </a:bodyPr>
+          <a:lstStyle/>
+          <a:p>
+            <a:r>
+              <a:rPr kumimoji="1" lang="ja-JP" altLang="en-US" dirty="0" smtClean="0"/>
+              <a:t>３．膨大なソースコードから</a:t>
+            </a:r>
+            <a:endParaRPr kumimoji="1" lang="en-US" altLang="ja-JP" dirty="0" smtClean="0"/>
+          </a:p>
+          <a:p>
+            <a:r>
+              <a:rPr lang="ja-JP" altLang="en-US" dirty="0" smtClean="0"/>
+              <a:t>　　改変すべき関数の同定</a:t>
+            </a:r>
+            <a:endParaRPr kumimoji="1" lang="ja-JP" altLang="en-US" dirty="0"/>
+          </a:p>
+        </p:txBody>
+      </p:sp>
+      <p:sp>
+        <p:nvSpPr>
+          <p:cNvPr id="22" name="テキスト ボックス 21"/>
+          <p:cNvSpPr txBox="1"/>
+          <p:nvPr/>
+        </p:nvSpPr>
+        <p:spPr>
+          <a:xfrm>
+            <a:off x="5868317" y="2349594"/>
+            <a:ext cx="2226892" cy="369332"/>
+          </a:xfrm>
+          <a:prstGeom prst="rect">
+            <a:avLst/>
+          </a:prstGeom>
+          <a:noFill/>
+        </p:spPr>
+        <p:txBody>
+          <a:bodyPr wrap="none" rtlCol="0">
+            <a:spAutoFit/>
+          </a:bodyPr>
+          <a:lstStyle/>
+          <a:p>
+            <a:r>
+              <a:rPr kumimoji="1" lang="ja-JP" altLang="en-US" dirty="0" smtClean="0"/>
+              <a:t>４．関数の作成・置換</a:t>
+            </a:r>
+            <a:endParaRPr kumimoji="1" lang="ja-JP" altLang="en-US" dirty="0"/>
+          </a:p>
+        </p:txBody>
+      </p:sp>
+      <p:sp>
+        <p:nvSpPr>
+          <p:cNvPr id="23" name="右矢印 22"/>
+          <p:cNvSpPr/>
+          <p:nvPr/>
+        </p:nvSpPr>
+        <p:spPr>
+          <a:xfrm>
+            <a:off x="1176950" y="4511655"/>
+            <a:ext cx="3395050" cy="513052"/>
+          </a:xfrm>
+          <a:prstGeom prst="rightArrow">
+            <a:avLst/>
+          </a:prstGeom>
+        </p:spPr>
+        <p:style>
+          <a:lnRef idx="1">
+            <a:schemeClr val="accent1"/>
+          </a:lnRef>
+          <a:fillRef idx="3">
+            <a:schemeClr val="accent1"/>
+          </a:fillRef>
+          <a:effectRef idx="2">
+            <a:schemeClr val="accent1"/>
+          </a:effectRef>
+          <a:fontRef idx="minor">
+            <a:schemeClr val="lt1"/>
+          </a:fontRef>
+        </p:style>
+        <p:txBody>
+          <a:bodyPr rtlCol="0" anchor="ctr"/>
+          <a:lstStyle/>
+          <a:p>
+            <a:pPr algn="ctr"/>
+            <a:endParaRPr kumimoji="1" lang="ja-JP" altLang="en-US"/>
+          </a:p>
+        </p:txBody>
+      </p:sp>
+      <p:sp>
+        <p:nvSpPr>
+          <p:cNvPr id="24" name="テキスト ボックス 23"/>
+          <p:cNvSpPr txBox="1"/>
+          <p:nvPr/>
+        </p:nvSpPr>
+        <p:spPr>
+          <a:xfrm>
+            <a:off x="5868316" y="2688740"/>
+            <a:ext cx="2492990" cy="369332"/>
+          </a:xfrm>
+          <a:prstGeom prst="rect">
+            <a:avLst/>
+          </a:prstGeom>
+          <a:noFill/>
+        </p:spPr>
+        <p:txBody>
+          <a:bodyPr wrap="none" rtlCol="0">
+            <a:spAutoFit/>
+          </a:bodyPr>
+          <a:lstStyle/>
+          <a:p>
+            <a:r>
+              <a:rPr kumimoji="1" lang="ja-JP" altLang="en-US" dirty="0" smtClean="0"/>
+              <a:t>５</a:t>
+            </a:r>
+            <a:r>
+              <a:rPr kumimoji="1" lang="ja-JP" altLang="en-US" dirty="0" smtClean="0"/>
+              <a:t>．</a:t>
+            </a:r>
+            <a:r>
+              <a:rPr lang="ja-JP" altLang="en-US" dirty="0" smtClean="0"/>
+              <a:t>シミュレーション</a:t>
+            </a:r>
+            <a:endParaRPr kumimoji="1" lang="ja-JP" altLang="en-US" dirty="0"/>
+          </a:p>
+        </p:txBody>
+      </p:sp>
+    </p:spTree>
+    <p:extLst>
+      <p:ext uri="{BB962C8B-B14F-4D97-AF65-F5344CB8AC3E}">
+        <p14:creationId xmlns:p14="http://schemas.microsoft.com/office/powerpoint/2010/main" val="3051805508"/>
+      </p:ext>
+    </p:extLst>
+  </p:cSld>
+  <p:clrMapOvr>
+    <a:masterClrMapping/>
+  </p:clrMapOvr>
+  <p:timing>
+    <p:tnLst>
+      <p:par>
+        <p:cTn id="1" dur="indefinite" restart="never" nodeType="tmRoot">
+          <p:childTnLst>
+            <p:seq concurrent="1" nextAc="seek">
+              <p:cTn id="2" dur="indefinite" nodeType="mainSeq">
+                <p:childTnLst>
+                  <p:par>
+                    <p:cTn id="3" fill="hold">
+                      <p:stCondLst>
+                        <p:cond delay="indefinite"/>
+                      </p:stCondLst>
+                      <p:childTnLst>
+                        <p:par>
+                          <p:cTn id="4" fill="hold">
+                            <p:stCondLst>
+                              <p:cond delay="0"/>
+                            </p:stCondLst>
+                            <p:childTnLst>
+                              <p:par>
+                                <p:cTn id="5" presetID="42" presetClass="entr" presetSubtype="0" fill="hold" grpId="0" nodeType="clickEffect">
+                                  <p:stCondLst>
+                                    <p:cond delay="0"/>
+                                  </p:stCondLst>
+                                  <p:childTnLst>
+                                    <p:set>
+                                      <p:cBhvr>
+                                        <p:cTn id="6" dur="1" fill="hold">
+                                          <p:stCondLst>
+                                            <p:cond delay="0"/>
+                                          </p:stCondLst>
+                                        </p:cTn>
+                                        <p:tgtEl>
+                                          <p:spTgt spid="13"/>
+                                        </p:tgtEl>
+                                        <p:attrNameLst>
+                                          <p:attrName>style.visibility</p:attrName>
+                                        </p:attrNameLst>
+                                      </p:cBhvr>
+                                      <p:to>
+                                        <p:strVal val="visible"/>
+                                      </p:to>
+                                    </p:set>
+                                    <p:animEffect transition="in" filter="fade">
+                                      <p:cBhvr>
+                                        <p:cTn id="7" dur="1000"/>
+                                        <p:tgtEl>
+                                          <p:spTgt spid="13"/>
+                                        </p:tgtEl>
+                                      </p:cBhvr>
+                                    </p:animEffect>
+                                    <p:anim calcmode="lin" valueType="num">
+                                      <p:cBhvr>
+                                        <p:cTn id="8" dur="1000" fill="hold"/>
+                                        <p:tgtEl>
+                                          <p:spTgt spid="13"/>
+                                        </p:tgtEl>
+                                        <p:attrNameLst>
+                                          <p:attrName>ppt_x</p:attrName>
+                                        </p:attrNameLst>
+                                      </p:cBhvr>
+                                      <p:tavLst>
+                                        <p:tav tm="0">
+                                          <p:val>
+                                            <p:strVal val="#ppt_x"/>
+                                          </p:val>
+                                        </p:tav>
+                                        <p:tav tm="100000">
+                                          <p:val>
+                                            <p:strVal val="#ppt_x"/>
+                                          </p:val>
+                                        </p:tav>
+                                      </p:tavLst>
+                                    </p:anim>
+                                    <p:anim calcmode="lin" valueType="num">
+                                      <p:cBhvr>
+                                        <p:cTn id="9" dur="1000" fill="hold"/>
+                                        <p:tgtEl>
+                                          <p:spTgt spid="13"/>
+                                        </p:tgtEl>
+                                        <p:attrNameLst>
+                                          <p:attrName>ppt_y</p:attrName>
+                                        </p:attrNameLst>
+                                      </p:cBhvr>
+                                      <p:tavLst>
+                                        <p:tav tm="0">
+                                          <p:val>
+                                            <p:strVal val="#ppt_y+.1"/>
+                                          </p:val>
+                                        </p:tav>
+                                        <p:tav tm="100000">
+                                          <p:val>
+                                            <p:strVal val="#ppt_y"/>
+                                          </p:val>
+                                        </p:tav>
+                                      </p:tavLst>
+                                    </p:anim>
+                                  </p:childTnLst>
+                                </p:cTn>
+                              </p:par>
+                            </p:childTnLst>
+                          </p:cTn>
+                        </p:par>
+                        <p:par>
+                          <p:cTn id="10" fill="hold">
+                            <p:stCondLst>
+                              <p:cond delay="1000"/>
+                            </p:stCondLst>
+                            <p:childTnLst>
+                              <p:par>
+                                <p:cTn id="11" presetID="2" presetClass="entr" presetSubtype="4" fill="hold" nodeType="afterEffect">
+                                  <p:stCondLst>
+                                    <p:cond delay="0"/>
+                                  </p:stCondLst>
+                                  <p:childTnLst>
+                                    <p:set>
+                                      <p:cBhvr>
+                                        <p:cTn id="12" dur="1" fill="hold">
+                                          <p:stCondLst>
+                                            <p:cond delay="0"/>
+                                          </p:stCondLst>
+                                        </p:cTn>
+                                        <p:tgtEl>
+                                          <p:spTgt spid="12"/>
+                                        </p:tgtEl>
+                                        <p:attrNameLst>
+                                          <p:attrName>style.visibility</p:attrName>
+                                        </p:attrNameLst>
+                                      </p:cBhvr>
+                                      <p:to>
+                                        <p:strVal val="visible"/>
+                                      </p:to>
+                                    </p:set>
+                                    <p:anim calcmode="lin" valueType="num">
+                                      <p:cBhvr additive="base">
+                                        <p:cTn id="13" dur="500" fill="hold"/>
+                                        <p:tgtEl>
+                                          <p:spTgt spid="12"/>
+                                        </p:tgtEl>
+                                        <p:attrNameLst>
+                                          <p:attrName>ppt_x</p:attrName>
+                                        </p:attrNameLst>
+                                      </p:cBhvr>
+                                      <p:tavLst>
+                                        <p:tav tm="0">
+                                          <p:val>
+                                            <p:strVal val="#ppt_x"/>
+                                          </p:val>
+                                        </p:tav>
+                                        <p:tav tm="100000">
+                                          <p:val>
+                                            <p:strVal val="#ppt_x"/>
+                                          </p:val>
+                                        </p:tav>
+                                      </p:tavLst>
+                                    </p:anim>
+                                    <p:anim calcmode="lin" valueType="num">
+                                      <p:cBhvr additive="base">
+                                        <p:cTn id="14" dur="500" fill="hold"/>
+                                        <p:tgtEl>
+                                          <p:spTgt spid="12"/>
+                                        </p:tgtEl>
+                                        <p:attrNameLst>
+                                          <p:attrName>ppt_y</p:attrName>
+                                        </p:attrNameLst>
+                                      </p:cBhvr>
+                                      <p:tavLst>
+                                        <p:tav tm="0">
+                                          <p:val>
+                                            <p:strVal val="1+#ppt_h/2"/>
+                                          </p:val>
+                                        </p:tav>
+                                        <p:tav tm="100000">
+                                          <p:val>
+                                            <p:strVal val="#ppt_y"/>
+                                          </p:val>
+                                        </p:tav>
+                                      </p:tavLst>
+                                    </p:anim>
+                                  </p:childTnLst>
+                                </p:cTn>
+                              </p:par>
+                            </p:childTnLst>
+                          </p:cTn>
+                        </p:par>
+                      </p:childTnLst>
+                    </p:cTn>
+                  </p:par>
+                  <p:par>
+                    <p:cTn id="15" fill="hold">
+                      <p:stCondLst>
+                        <p:cond delay="indefinite"/>
+                      </p:stCondLst>
+                      <p:childTnLst>
+                        <p:par>
+                          <p:cTn id="16" fill="hold">
+                            <p:stCondLst>
+                              <p:cond delay="0"/>
+                            </p:stCondLst>
+                            <p:childTnLst>
+                              <p:par>
+                                <p:cTn id="17" presetID="2" presetClass="entr" presetSubtype="4" fill="hold" grpId="0" nodeType="clickEffect">
+                                  <p:stCondLst>
+                                    <p:cond delay="0"/>
+                                  </p:stCondLst>
+                                  <p:childTnLst>
+                                    <p:set>
+                                      <p:cBhvr>
+                                        <p:cTn id="18" dur="1" fill="hold">
+                                          <p:stCondLst>
+                                            <p:cond delay="0"/>
+                                          </p:stCondLst>
+                                        </p:cTn>
+                                        <p:tgtEl>
+                                          <p:spTgt spid="20"/>
+                                        </p:tgtEl>
+                                        <p:attrNameLst>
+                                          <p:attrName>style.visibility</p:attrName>
+                                        </p:attrNameLst>
+                                      </p:cBhvr>
+                                      <p:to>
+                                        <p:strVal val="visible"/>
+                                      </p:to>
+                                    </p:set>
+                                    <p:anim calcmode="lin" valueType="num">
+                                      <p:cBhvr additive="base">
+                                        <p:cTn id="19" dur="500" fill="hold"/>
+                                        <p:tgtEl>
+                                          <p:spTgt spid="20"/>
+                                        </p:tgtEl>
+                                        <p:attrNameLst>
+                                          <p:attrName>ppt_x</p:attrName>
+                                        </p:attrNameLst>
+                                      </p:cBhvr>
+                                      <p:tavLst>
+                                        <p:tav tm="0">
+                                          <p:val>
+                                            <p:strVal val="#ppt_x"/>
+                                          </p:val>
+                                        </p:tav>
+                                        <p:tav tm="100000">
+                                          <p:val>
+                                            <p:strVal val="#ppt_x"/>
+                                          </p:val>
+                                        </p:tav>
+                                      </p:tavLst>
+                                    </p:anim>
+                                    <p:anim calcmode="lin" valueType="num">
+                                      <p:cBhvr additive="base">
+                                        <p:cTn id="20" dur="500" fill="hold"/>
+                                        <p:tgtEl>
+                                          <p:spTgt spid="20"/>
+                                        </p:tgtEl>
+                                        <p:attrNameLst>
+                                          <p:attrName>ppt_y</p:attrName>
+                                        </p:attrNameLst>
+                                      </p:cBhvr>
+                                      <p:tavLst>
+                                        <p:tav tm="0">
+                                          <p:val>
+                                            <p:strVal val="1+#ppt_h/2"/>
+                                          </p:val>
+                                        </p:tav>
+                                        <p:tav tm="100000">
+                                          <p:val>
+                                            <p:strVal val="#ppt_y"/>
+                                          </p:val>
+                                        </p:tav>
+                                      </p:tavLst>
+                                    </p:anim>
+                                  </p:childTnLst>
+                                </p:cTn>
+                              </p:par>
+                            </p:childTnLst>
+                          </p:cTn>
+                        </p:par>
+                        <p:par>
+                          <p:cTn id="21" fill="hold">
+                            <p:stCondLst>
+                              <p:cond delay="500"/>
+                            </p:stCondLst>
+                            <p:childTnLst>
+                              <p:par>
+                                <p:cTn id="22" presetID="21" presetClass="entr" presetSubtype="1" fill="hold" grpId="0" nodeType="afterEffect">
+                                  <p:stCondLst>
+                                    <p:cond delay="0"/>
+                                  </p:stCondLst>
+                                  <p:childTnLst>
+                                    <p:set>
+                                      <p:cBhvr>
+                                        <p:cTn id="23" dur="1" fill="hold">
+                                          <p:stCondLst>
+                                            <p:cond delay="0"/>
+                                          </p:stCondLst>
+                                        </p:cTn>
+                                        <p:tgtEl>
+                                          <p:spTgt spid="15"/>
+                                        </p:tgtEl>
+                                        <p:attrNameLst>
+                                          <p:attrName>style.visibility</p:attrName>
+                                        </p:attrNameLst>
+                                      </p:cBhvr>
+                                      <p:to>
+                                        <p:strVal val="visible"/>
+                                      </p:to>
+                                    </p:set>
+                                    <p:animEffect transition="in" filter="wheel(1)">
+                                      <p:cBhvr>
+                                        <p:cTn id="24" dur="750"/>
+                                        <p:tgtEl>
+                                          <p:spTgt spid="15"/>
+                                        </p:tgtEl>
+                                      </p:cBhvr>
+                                    </p:animEffect>
+                                  </p:childTnLst>
+                                </p:cTn>
+                              </p:par>
+                            </p:childTnLst>
+                          </p:cTn>
+                        </p:par>
+                      </p:childTnLst>
+                    </p:cTn>
+                  </p:par>
+                  <p:par>
+                    <p:cTn id="25" fill="hold">
+                      <p:stCondLst>
+                        <p:cond delay="indefinite"/>
+                      </p:stCondLst>
+                      <p:childTnLst>
+                        <p:par>
+                          <p:cTn id="26" fill="hold">
+                            <p:stCondLst>
+                              <p:cond delay="0"/>
+                            </p:stCondLst>
+                            <p:childTnLst>
+                              <p:par>
+                                <p:cTn id="27" presetID="2" presetClass="entr" presetSubtype="4" fill="hold" grpId="0" nodeType="clickEffect">
+                                  <p:stCondLst>
+                                    <p:cond delay="0"/>
+                                  </p:stCondLst>
+                                  <p:childTnLst>
+                                    <p:set>
+                                      <p:cBhvr>
+                                        <p:cTn id="28" dur="1" fill="hold">
+                                          <p:stCondLst>
+                                            <p:cond delay="0"/>
+                                          </p:stCondLst>
+                                        </p:cTn>
+                                        <p:tgtEl>
+                                          <p:spTgt spid="21"/>
+                                        </p:tgtEl>
+                                        <p:attrNameLst>
+                                          <p:attrName>style.visibility</p:attrName>
+                                        </p:attrNameLst>
+                                      </p:cBhvr>
+                                      <p:to>
+                                        <p:strVal val="visible"/>
+                                      </p:to>
+                                    </p:set>
+                                    <p:anim calcmode="lin" valueType="num">
+                                      <p:cBhvr additive="base">
+                                        <p:cTn id="29" dur="500" fill="hold"/>
+                                        <p:tgtEl>
+                                          <p:spTgt spid="21"/>
+                                        </p:tgtEl>
+                                        <p:attrNameLst>
+                                          <p:attrName>ppt_x</p:attrName>
+                                        </p:attrNameLst>
+                                      </p:cBhvr>
+                                      <p:tavLst>
+                                        <p:tav tm="0">
+                                          <p:val>
+                                            <p:strVal val="#ppt_x"/>
+                                          </p:val>
+                                        </p:tav>
+                                        <p:tav tm="100000">
+                                          <p:val>
+                                            <p:strVal val="#ppt_x"/>
+                                          </p:val>
+                                        </p:tav>
+                                      </p:tavLst>
+                                    </p:anim>
+                                    <p:anim calcmode="lin" valueType="num">
+                                      <p:cBhvr additive="base">
+                                        <p:cTn id="30" dur="500" fill="hold"/>
+                                        <p:tgtEl>
+                                          <p:spTgt spid="21"/>
+                                        </p:tgtEl>
+                                        <p:attrNameLst>
+                                          <p:attrName>ppt_y</p:attrName>
+                                        </p:attrNameLst>
+                                      </p:cBhvr>
+                                      <p:tavLst>
+                                        <p:tav tm="0">
+                                          <p:val>
+                                            <p:strVal val="1+#ppt_h/2"/>
+                                          </p:val>
+                                        </p:tav>
+                                        <p:tav tm="100000">
+                                          <p:val>
+                                            <p:strVal val="#ppt_y"/>
+                                          </p:val>
+                                        </p:tav>
+                                      </p:tavLst>
+                                    </p:anim>
+                                  </p:childTnLst>
+                                </p:cTn>
+                              </p:par>
+                            </p:childTnLst>
+                          </p:cTn>
+                        </p:par>
+                        <p:par>
+                          <p:cTn id="31" fill="hold">
+                            <p:stCondLst>
+                              <p:cond delay="500"/>
+                            </p:stCondLst>
+                            <p:childTnLst>
+                              <p:par>
+                                <p:cTn id="32" presetID="21" presetClass="entr" presetSubtype="1" fill="hold" grpId="0" nodeType="afterEffect">
+                                  <p:stCondLst>
+                                    <p:cond delay="0"/>
+                                  </p:stCondLst>
+                                  <p:childTnLst>
+                                    <p:set>
+                                      <p:cBhvr>
+                                        <p:cTn id="33" dur="1" fill="hold">
+                                          <p:stCondLst>
+                                            <p:cond delay="0"/>
+                                          </p:stCondLst>
+                                        </p:cTn>
+                                        <p:tgtEl>
+                                          <p:spTgt spid="18"/>
+                                        </p:tgtEl>
+                                        <p:attrNameLst>
+                                          <p:attrName>style.visibility</p:attrName>
+                                        </p:attrNameLst>
+                                      </p:cBhvr>
+                                      <p:to>
+                                        <p:strVal val="visible"/>
+                                      </p:to>
+                                    </p:set>
+                                    <p:animEffect transition="in" filter="wheel(1)">
+                                      <p:cBhvr>
+                                        <p:cTn id="34" dur="750"/>
+                                        <p:tgtEl>
+                                          <p:spTgt spid="18"/>
+                                        </p:tgtEl>
+                                      </p:cBhvr>
+                                    </p:animEffect>
+                                  </p:childTnLst>
+                                </p:cTn>
+                              </p:par>
+                            </p:childTnLst>
+                          </p:cTn>
+                        </p:par>
+                      </p:childTnLst>
+                    </p:cTn>
+                  </p:par>
+                  <p:par>
+                    <p:cTn id="35" fill="hold">
+                      <p:stCondLst>
+                        <p:cond delay="indefinite"/>
+                      </p:stCondLst>
+                      <p:childTnLst>
+                        <p:par>
+                          <p:cTn id="36" fill="hold">
+                            <p:stCondLst>
+                              <p:cond delay="0"/>
+                            </p:stCondLst>
+                            <p:childTnLst>
+                              <p:par>
+                                <p:cTn id="37" presetID="2" presetClass="entr" presetSubtype="4" fill="hold" grpId="0" nodeType="clickEffect">
+                                  <p:stCondLst>
+                                    <p:cond delay="0"/>
+                                  </p:stCondLst>
+                                  <p:childTnLst>
+                                    <p:set>
+                                      <p:cBhvr>
+                                        <p:cTn id="38" dur="1" fill="hold">
+                                          <p:stCondLst>
+                                            <p:cond delay="0"/>
+                                          </p:stCondLst>
+                                        </p:cTn>
+                                        <p:tgtEl>
+                                          <p:spTgt spid="22"/>
+                                        </p:tgtEl>
+                                        <p:attrNameLst>
+                                          <p:attrName>style.visibility</p:attrName>
+                                        </p:attrNameLst>
+                                      </p:cBhvr>
+                                      <p:to>
+                                        <p:strVal val="visible"/>
+                                      </p:to>
+                                    </p:set>
+                                    <p:anim calcmode="lin" valueType="num">
+                                      <p:cBhvr additive="base">
+                                        <p:cTn id="39" dur="500" fill="hold"/>
+                                        <p:tgtEl>
+                                          <p:spTgt spid="22"/>
+                                        </p:tgtEl>
+                                        <p:attrNameLst>
+                                          <p:attrName>ppt_x</p:attrName>
+                                        </p:attrNameLst>
+                                      </p:cBhvr>
+                                      <p:tavLst>
+                                        <p:tav tm="0">
+                                          <p:val>
+                                            <p:strVal val="#ppt_x"/>
+                                          </p:val>
+                                        </p:tav>
+                                        <p:tav tm="100000">
+                                          <p:val>
+                                            <p:strVal val="#ppt_x"/>
+                                          </p:val>
+                                        </p:tav>
+                                      </p:tavLst>
+                                    </p:anim>
+                                    <p:anim calcmode="lin" valueType="num">
+                                      <p:cBhvr additive="base">
+                                        <p:cTn id="40" dur="500" fill="hold"/>
+                                        <p:tgtEl>
+                                          <p:spTgt spid="22"/>
+                                        </p:tgtEl>
+                                        <p:attrNameLst>
+                                          <p:attrName>ppt_y</p:attrName>
+                                        </p:attrNameLst>
+                                      </p:cBhvr>
+                                      <p:tavLst>
+                                        <p:tav tm="0">
+                                          <p:val>
+                                            <p:strVal val="1+#ppt_h/2"/>
+                                          </p:val>
+                                        </p:tav>
+                                        <p:tav tm="100000">
+                                          <p:val>
+                                            <p:strVal val="#ppt_y"/>
+                                          </p:val>
+                                        </p:tav>
+                                      </p:tavLst>
+                                    </p:anim>
+                                  </p:childTnLst>
+                                </p:cTn>
+                              </p:par>
+                            </p:childTnLst>
+                          </p:cTn>
+                        </p:par>
+                        <p:par>
+                          <p:cTn id="41" fill="hold">
+                            <p:stCondLst>
+                              <p:cond delay="500"/>
+                            </p:stCondLst>
+                            <p:childTnLst>
+                              <p:par>
+                                <p:cTn id="42" presetID="53" presetClass="entr" presetSubtype="16" fill="hold" grpId="0" nodeType="afterEffect">
+                                  <p:stCondLst>
+                                    <p:cond delay="0"/>
+                                  </p:stCondLst>
+                                  <p:childTnLst>
+                                    <p:set>
+                                      <p:cBhvr>
+                                        <p:cTn id="43" dur="1" fill="hold">
+                                          <p:stCondLst>
+                                            <p:cond delay="0"/>
+                                          </p:stCondLst>
+                                        </p:cTn>
+                                        <p:tgtEl>
+                                          <p:spTgt spid="23"/>
+                                        </p:tgtEl>
+                                        <p:attrNameLst>
+                                          <p:attrName>style.visibility</p:attrName>
+                                        </p:attrNameLst>
+                                      </p:cBhvr>
+                                      <p:to>
+                                        <p:strVal val="visible"/>
+                                      </p:to>
+                                    </p:set>
+                                    <p:anim calcmode="lin" valueType="num">
+                                      <p:cBhvr>
+                                        <p:cTn id="44" dur="500" fill="hold"/>
+                                        <p:tgtEl>
+                                          <p:spTgt spid="23"/>
+                                        </p:tgtEl>
+                                        <p:attrNameLst>
+                                          <p:attrName>ppt_w</p:attrName>
+                                        </p:attrNameLst>
+                                      </p:cBhvr>
+                                      <p:tavLst>
+                                        <p:tav tm="0">
+                                          <p:val>
+                                            <p:fltVal val="0"/>
+                                          </p:val>
+                                        </p:tav>
+                                        <p:tav tm="100000">
+                                          <p:val>
+                                            <p:strVal val="#ppt_w"/>
+                                          </p:val>
+                                        </p:tav>
+                                      </p:tavLst>
+                                    </p:anim>
+                                    <p:anim calcmode="lin" valueType="num">
+                                      <p:cBhvr>
+                                        <p:cTn id="45" dur="500" fill="hold"/>
+                                        <p:tgtEl>
+                                          <p:spTgt spid="23"/>
+                                        </p:tgtEl>
+                                        <p:attrNameLst>
+                                          <p:attrName>ppt_h</p:attrName>
+                                        </p:attrNameLst>
+                                      </p:cBhvr>
+                                      <p:tavLst>
+                                        <p:tav tm="0">
+                                          <p:val>
+                                            <p:fltVal val="0"/>
+                                          </p:val>
+                                        </p:tav>
+                                        <p:tav tm="100000">
+                                          <p:val>
+                                            <p:strVal val="#ppt_h"/>
+                                          </p:val>
+                                        </p:tav>
+                                      </p:tavLst>
+                                    </p:anim>
+                                    <p:animEffect transition="in" filter="fade">
+                                      <p:cBhvr>
+                                        <p:cTn id="46" dur="500"/>
+                                        <p:tgtEl>
+                                          <p:spTgt spid="23"/>
+                                        </p:tgtEl>
+                                      </p:cBhvr>
+                                    </p:animEffect>
+                                  </p:childTnLst>
+                                </p:cTn>
+                              </p:par>
+                            </p:childTnLst>
+                          </p:cTn>
+                        </p:par>
+                        <p:par>
+                          <p:cTn id="47" fill="hold">
+                            <p:stCondLst>
+                              <p:cond delay="1000"/>
+                            </p:stCondLst>
+                            <p:childTnLst>
+                              <p:par>
+                                <p:cTn id="48" presetID="10" presetClass="entr" presetSubtype="0" fill="hold" grpId="0" nodeType="afterEffect">
+                                  <p:stCondLst>
+                                    <p:cond delay="1000"/>
+                                  </p:stCondLst>
+                                  <p:childTnLst>
+                                    <p:set>
+                                      <p:cBhvr>
+                                        <p:cTn id="49" dur="1" fill="hold">
+                                          <p:stCondLst>
+                                            <p:cond delay="0"/>
+                                          </p:stCondLst>
+                                        </p:cTn>
+                                        <p:tgtEl>
+                                          <p:spTgt spid="24"/>
+                                        </p:tgtEl>
+                                        <p:attrNameLst>
+                                          <p:attrName>style.visibility</p:attrName>
+                                        </p:attrNameLst>
+                                      </p:cBhvr>
+                                      <p:to>
+                                        <p:strVal val="visible"/>
+                                      </p:to>
+                                    </p:set>
+                                    <p:animEffect transition="in" filter="fade">
+                                      <p:cBhvr>
+                                        <p:cTn id="50" dur="2000"/>
+                                        <p:tgtEl>
+                                          <p:spTgt spid="24"/>
+                                        </p:tgtEl>
+                                      </p:cBhvr>
+                                    </p:animEffect>
+                                  </p:childTnLst>
+                                </p:cTn>
+                              </p:par>
+                            </p:childTnLst>
+                          </p:cTn>
+                        </p:par>
+                      </p:childTnLst>
+                    </p:cTn>
+                  </p:par>
+                </p:childTnLst>
+              </p:cTn>
+              <p:prevCondLst>
+                <p:cond evt="onPrev" delay="0">
+                  <p:tgtEl>
+                    <p:sldTgt/>
+                  </p:tgtEl>
+                </p:cond>
+              </p:prevCondLst>
+              <p:nextCondLst>
+                <p:cond evt="onNext" delay="0">
+                  <p:tgtEl>
+                    <p:sldTgt/>
+                  </p:tgtEl>
+                </p:cond>
+              </p:nextCondLst>
+            </p:seq>
+          </p:childTnLst>
+        </p:cTn>
+      </p:par>
+    </p:tnLst>
+    <p:bldLst>
+      <p:bldP spid="13" grpId="0"/>
+      <p:bldP spid="15" grpId="0" animBg="1"/>
+      <p:bldP spid="18" grpId="0" animBg="1"/>
+      <p:bldP spid="20" grpId="0"/>
+      <p:bldP spid="21" grpId="0"/>
+      <p:bldP spid="22" grpId="0"/>
+      <p:bldP spid="23" grpId="0" animBg="1"/>
+      <p:bldP spid="24" grpId="0"/>
+    </p:bldLst>
+  </p:timing>
+</p:sld>
+</file>
+
 <file path=ppt/slides/slide6.xml><?xml version="1.0" encoding="utf-8"?>
 <p:sld xmlns:a="http://schemas.openxmlformats.org/drawingml/2006/main" xmlns:r="http://schemas.openxmlformats.org/officeDocument/2006/relationships" xmlns:p="http://schemas.openxmlformats.org/presentationml/2006/main">
   <p:cSld>
@@ -17767,7 +17321,7 @@
         </p:blipFill>
         <p:spPr>
           <a:xfrm>
-            <a:off x="2287251" y="2280208"/>
+            <a:off x="2434123" y="2410755"/>
             <a:ext cx="5173488" cy="3048663"/>
           </a:xfrm>
           <a:prstGeom prst="rect">
@@ -17783,7 +17337,7 @@
         </p:nvSpPr>
         <p:spPr>
           <a:xfrm>
-            <a:off x="2287251" y="5436995"/>
+            <a:off x="2279665" y="6207120"/>
             <a:ext cx="6160570" cy="461665"/>
           </a:xfrm>
           <a:prstGeom prst="rect">
@@ -17862,6 +17416,75 @@
           </a:fontRef>
         </p:style>
       </p:cxnSp>
+      <p:sp>
+        <p:nvSpPr>
+          <p:cNvPr id="3" name="正方形/長方形 2"/>
+          <p:cNvSpPr/>
+          <p:nvPr/>
+        </p:nvSpPr>
+        <p:spPr>
+          <a:xfrm>
+            <a:off x="5501916" y="1663053"/>
+            <a:ext cx="3077308" cy="4144450"/>
+          </a:xfrm>
+          <a:prstGeom prst="rect">
+            <a:avLst/>
+          </a:prstGeom>
+          <a:solidFill>
+            <a:schemeClr val="bg1"/>
+          </a:solidFill>
+          <a:ln>
+            <a:noFill/>
+          </a:ln>
+          <a:effectLst/>
+        </p:spPr>
+        <p:style>
+          <a:lnRef idx="1">
+            <a:schemeClr val="accent1"/>
+          </a:lnRef>
+          <a:fillRef idx="3">
+            <a:schemeClr val="accent1"/>
+          </a:fillRef>
+          <a:effectRef idx="2">
+            <a:schemeClr val="accent1"/>
+          </a:effectRef>
+          <a:fontRef idx="minor">
+            <a:schemeClr val="lt1"/>
+          </a:fontRef>
+        </p:style>
+        <p:txBody>
+          <a:bodyPr rtlCol="0" anchor="ctr"/>
+          <a:lstStyle/>
+          <a:p>
+            <a:pPr algn="ctr"/>
+            <a:endParaRPr kumimoji="1" lang="ja-JP" altLang="en-US"/>
+          </a:p>
+        </p:txBody>
+      </p:sp>
+      <p:pic>
+        <p:nvPicPr>
+          <p:cNvPr id="9" name="図 8"/>
+          <p:cNvPicPr>
+            <a:picLocks noChangeAspect="1"/>
+          </p:cNvPicPr>
+          <p:nvPr/>
+        </p:nvPicPr>
+        <p:blipFill>
+          <a:blip r:embed="rId4"/>
+          <a:stretch>
+            <a:fillRect/>
+          </a:stretch>
+        </p:blipFill>
+        <p:spPr>
+          <a:xfrm>
+            <a:off x="2434123" y="2410755"/>
+            <a:ext cx="5175953" cy="3054361"/>
+          </a:xfrm>
+          <a:prstGeom prst="rect">
+            <a:avLst/>
+          </a:prstGeom>
+        </p:spPr>
+      </p:pic>
     </p:spTree>
     <p:extLst>
       <p:ext uri="{BB962C8B-B14F-4D97-AF65-F5344CB8AC3E}">
@@ -18158,7 +17781,7 @@
                             </p:stCondLst>
                             <p:childTnLst>
                               <p:par>
-                                <p:cTn id="26" presetID="47" presetClass="entr" presetSubtype="0" fill="hold" nodeType="clickEffect">
+                                <p:cTn id="26" presetID="14" presetClass="entr" presetSubtype="10" fill="hold" nodeType="clickEffect">
                                   <p:stCondLst>
                                     <p:cond delay="0"/>
                                   </p:stCondLst>
@@ -18166,6 +17789,59 @@
                                     <p:set>
                                       <p:cBhvr>
                                         <p:cTn id="27" dur="1" fill="hold">
+                                          <p:stCondLst>
+                                            <p:cond delay="0"/>
+                                          </p:stCondLst>
+                                        </p:cTn>
+                                        <p:tgtEl>
+                                          <p:spTgt spid="18"/>
+                                        </p:tgtEl>
+                                        <p:attrNameLst>
+                                          <p:attrName>style.visibility</p:attrName>
+                                        </p:attrNameLst>
+                                      </p:cBhvr>
+                                      <p:to>
+                                        <p:strVal val="visible"/>
+                                      </p:to>
+                                    </p:set>
+                                    <p:animEffect transition="in" filter="randombar(horizontal)">
+                                      <p:cBhvr>
+                                        <p:cTn id="28" dur="500"/>
+                                        <p:tgtEl>
+                                          <p:spTgt spid="18"/>
+                                        </p:tgtEl>
+                                      </p:cBhvr>
+                                    </p:animEffect>
+                                  </p:childTnLst>
+                                </p:cTn>
+                              </p:par>
+                            </p:childTnLst>
+                          </p:cTn>
+                        </p:par>
+                      </p:childTnLst>
+                    </p:cTn>
+                  </p:par>
+                  <p:par>
+                    <p:cTn id="29" fill="hold">
+                      <p:stCondLst>
+                        <p:cond delay="indefinite"/>
+                      </p:stCondLst>
+                      <p:childTnLst>
+                        <p:par>
+                          <p:cTn id="30" fill="hold">
+                            <p:stCondLst>
+                              <p:cond delay="0"/>
+                            </p:stCondLst>
+                            <p:childTnLst>
+                              <p:par>
+                                <p:cTn id="31" presetID="47" presetClass="entr" presetSubtype="0" fill="hold" nodeType="clickEffect">
+                                  <p:stCondLst>
+                                    <p:cond delay="0"/>
+                                  </p:stCondLst>
+                                  <p:childTnLst>
+                                    <p:set>
+                                      <p:cBhvr>
+                                        <p:cTn id="32" dur="1" fill="hold">
                                           <p:stCondLst>
                                             <p:cond delay="0"/>
                                           </p:stCondLst>
@@ -18183,7 +17859,7 @@
                                     </p:set>
                                     <p:animEffect transition="in" filter="fade">
                                       <p:cBhvr>
-                                        <p:cTn id="28" dur="1000"/>
+                                        <p:cTn id="33" dur="1000"/>
                                         <p:tgtEl>
                                           <p:spTgt spid="17"/>
                                         </p:tgtEl>
@@ -18191,7 +17867,7 @@
                                     </p:animEffect>
                                     <p:anim calcmode="lin" valueType="num">
                                       <p:cBhvr>
-                                        <p:cTn id="29" dur="1000" fill="hold"/>
+                                        <p:cTn id="34" dur="1000" fill="hold"/>
                                         <p:tgtEl>
                                           <p:spTgt spid="17"/>
                                         </p:tgtEl>
@@ -18214,7 +17890,7 @@
                                     </p:anim>
                                     <p:anim calcmode="lin" valueType="num">
                                       <p:cBhvr>
-                                        <p:cTn id="30" dur="1000" fill="hold"/>
+                                        <p:cTn id="35" dur="1000" fill="hold"/>
                                         <p:tgtEl>
                                           <p:spTgt spid="17"/>
                                         </p:tgtEl>
@@ -18245,26 +17921,26 @@
                     </p:cTn>
                   </p:par>
                   <p:par>
-                    <p:cTn id="31" fill="hold">
+                    <p:cTn id="36" fill="hold">
                       <p:stCondLst>
                         <p:cond delay="indefinite"/>
                       </p:stCondLst>
                       <p:childTnLst>
                         <p:par>
-                          <p:cTn id="32" fill="hold">
+                          <p:cTn id="37" fill="hold">
                             <p:stCondLst>
                               <p:cond delay="0"/>
                             </p:stCondLst>
                             <p:childTnLst>
                               <p:par>
-                                <p:cTn id="33" presetID="27" presetClass="emph" presetSubtype="0" fill="remove" grpId="0" nodeType="clickEffect">
+                                <p:cTn id="38" presetID="27" presetClass="emph" presetSubtype="0" fill="remove" grpId="0" nodeType="clickEffect">
                                   <p:stCondLst>
                                     <p:cond delay="0"/>
                                   </p:stCondLst>
                                   <p:childTnLst>
                                     <p:animClr clrSpc="rgb" dir="cw">
                                       <p:cBhvr override="childStyle">
-                                        <p:cTn id="34" dur="250" autoRev="1" fill="remove"/>
+                                        <p:cTn id="39" dur="250" autoRev="1" fill="remove"/>
                                         <p:tgtEl>
                                           <p:spTgt spid="6"/>
                                         </p:tgtEl>
@@ -18278,7 +17954,7 @@
                                     </p:animClr>
                                     <p:animClr clrSpc="rgb" dir="cw">
                                       <p:cBhvr>
-                                        <p:cTn id="35" dur="250" autoRev="1" fill="remove"/>
+                                        <p:cTn id="40" dur="250" autoRev="1" fill="remove"/>
                                         <p:tgtEl>
                                           <p:spTgt spid="6"/>
                                         </p:tgtEl>
@@ -18292,7 +17968,7 @@
                                     </p:animClr>
                                     <p:set>
                                       <p:cBhvr>
-                                        <p:cTn id="36" dur="250" autoRev="1" fill="remove"/>
+                                        <p:cTn id="41" dur="250" autoRev="1" fill="remove"/>
                                         <p:tgtEl>
                                           <p:spTgt spid="6"/>
                                         </p:tgtEl>
@@ -18306,7 +17982,7 @@
                                     </p:set>
                                     <p:set>
                                       <p:cBhvr>
-                                        <p:cTn id="37" dur="250" autoRev="1" fill="remove"/>
+                                        <p:cTn id="42" dur="250" autoRev="1" fill="remove"/>
                                         <p:tgtEl>
                                           <p:spTgt spid="6"/>
                                         </p:tgtEl>
@@ -18328,26 +18004,79 @@
                     </p:cTn>
                   </p:par>
                   <p:par>
-                    <p:cTn id="38" fill="hold">
+                    <p:cTn id="43" fill="hold">
                       <p:stCondLst>
                         <p:cond delay="indefinite"/>
                       </p:stCondLst>
                       <p:childTnLst>
                         <p:par>
-                          <p:cTn id="39" fill="hold">
+                          <p:cTn id="44" fill="hold">
                             <p:stCondLst>
                               <p:cond delay="0"/>
                             </p:stCondLst>
                             <p:childTnLst>
                               <p:par>
-                                <p:cTn id="40" presetID="47" presetClass="entr" presetSubtype="0" fill="hold" nodeType="clickEffect">
+                                <p:cTn id="45" presetID="14" presetClass="exit" presetSubtype="10" fill="hold" grpId="0" nodeType="clickEffect">
+                                  <p:stCondLst>
+                                    <p:cond delay="0"/>
+                                  </p:stCondLst>
+                                  <p:childTnLst>
+                                    <p:animEffect transition="out" filter="randombar(horizontal)">
+                                      <p:cBhvr>
+                                        <p:cTn id="46" dur="500"/>
+                                        <p:tgtEl>
+                                          <p:spTgt spid="3"/>
+                                        </p:tgtEl>
+                                      </p:cBhvr>
+                                    </p:animEffect>
+                                    <p:set>
+                                      <p:cBhvr>
+                                        <p:cTn id="47" dur="1" fill="hold">
+                                          <p:stCondLst>
+                                            <p:cond delay="499"/>
+                                          </p:stCondLst>
+                                        </p:cTn>
+                                        <p:tgtEl>
+                                          <p:spTgt spid="3"/>
+                                        </p:tgtEl>
+                                        <p:attrNameLst>
+                                          <p:attrName>style.visibility</p:attrName>
+                                        </p:attrNameLst>
+                                      </p:cBhvr>
+                                      <p:to>
+                                        <p:strVal val="hidden"/>
+                                      </p:to>
+                                    </p:set>
+                                  </p:childTnLst>
+                                </p:cTn>
+                              </p:par>
+                            </p:childTnLst>
+                          </p:cTn>
+                        </p:par>
+                      </p:childTnLst>
+                    </p:cTn>
+                  </p:par>
+                  <p:par>
+                    <p:cTn id="48" fill="hold">
+                      <p:stCondLst>
+                        <p:cond delay="indefinite"/>
+                      </p:stCondLst>
+                      <p:childTnLst>
+                        <p:par>
+                          <p:cTn id="49" fill="hold">
+                            <p:stCondLst>
+                              <p:cond delay="0"/>
+                            </p:stCondLst>
+                            <p:childTnLst>
+                              <p:par>
+                                <p:cTn id="50" presetID="47" presetClass="entr" presetSubtype="0" fill="hold" nodeType="clickEffect">
                                   <p:stCondLst>
                                     <p:cond delay="0"/>
                                   </p:stCondLst>
                                   <p:childTnLst>
                                     <p:set>
                                       <p:cBhvr>
-                                        <p:cTn id="41" dur="1" fill="hold">
+                                        <p:cTn id="51" dur="1" fill="hold">
                                           <p:stCondLst>
                                             <p:cond delay="0"/>
                                           </p:stCondLst>
@@ -18365,7 +18094,7 @@
                                     </p:set>
                                     <p:animEffect transition="in" filter="fade">
                                       <p:cBhvr>
-                                        <p:cTn id="42" dur="1000"/>
+                                        <p:cTn id="52" dur="1000"/>
                                         <p:tgtEl>
                                           <p:spTgt spid="19"/>
                                         </p:tgtEl>
@@ -18373,7 +18102,7 @@
                                     </p:animEffect>
                                     <p:anim calcmode="lin" valueType="num">
                                       <p:cBhvr>
-                                        <p:cTn id="43" dur="1000" fill="hold"/>
+                                        <p:cTn id="53" dur="1000" fill="hold"/>
                                         <p:tgtEl>
                                           <p:spTgt spid="19"/>
                                         </p:tgtEl>
@@ -18396,7 +18125,7 @@
                                     </p:anim>
                                     <p:anim calcmode="lin" valueType="num">
                                       <p:cBhvr>
-                                        <p:cTn id="44" dur="1000" fill="hold"/>
+                                        <p:cTn id="54" dur="1000" fill="hold"/>
                                         <p:tgtEl>
                                           <p:spTgt spid="19"/>
                                         </p:tgtEl>
@@ -18427,26 +18156,26 @@
                     </p:cTn>
                   </p:par>
                   <p:par>
-                    <p:cTn id="45" fill="hold">
+                    <p:cTn id="55" fill="hold">
                       <p:stCondLst>
                         <p:cond delay="indefinite"/>
                       </p:stCondLst>
                       <p:childTnLst>
                         <p:par>
-                          <p:cTn id="46" fill="hold">
+                          <p:cTn id="56" fill="hold">
                             <p:stCondLst>
                               <p:cond delay="0"/>
                             </p:stCondLst>
                             <p:childTnLst>
                               <p:par>
-                                <p:cTn id="47" presetID="27" presetClass="emph" presetSubtype="0" fill="remove" grpId="0" nodeType="clickEffect">
+                                <p:cTn id="57" presetID="27" presetClass="emph" presetSubtype="0" fill="remove" grpId="0" nodeType="clickEffect">
                                   <p:stCondLst>
                                     <p:cond delay="0"/>
                                   </p:stCondLst>
                                   <p:childTnLst>
                                     <p:animClr clrSpc="rgb" dir="cw">
                                       <p:cBhvr override="childStyle">
-                                        <p:cTn id="48" dur="250" autoRev="1" fill="remove"/>
+                                        <p:cTn id="58" dur="250" autoRev="1" fill="remove"/>
                                         <p:tgtEl>
                                           <p:spTgt spid="7"/>
                                         </p:tgtEl>
@@ -18460,7 +18189,7 @@
                                     </p:animClr>
                                     <p:animClr clrSpc="rgb" dir="cw">
                                       <p:cBhvr>
-                                        <p:cTn id="49" dur="250" autoRev="1" fill="remove"/>
+                                        <p:cTn id="59" dur="250" autoRev="1" fill="remove"/>
                                         <p:tgtEl>
                                           <p:spTgt spid="7"/>
                                         </p:tgtEl>
@@ -18474,7 +18203,7 @@
                                     </p:animClr>
                                     <p:set>
                                       <p:cBhvr>
-                                        <p:cTn id="50" dur="250" autoRev="1" fill="remove"/>
+                                        <p:cTn id="60" dur="250" autoRev="1" fill="remove"/>
                                         <p:tgtEl>
                                           <p:spTgt spid="7"/>
                                         </p:tgtEl>
@@ -18488,7 +18217,7 @@
                                     </p:set>
                                     <p:set>
                                       <p:cBhvr>
-                                        <p:cTn id="51" dur="250" autoRev="1" fill="remove"/>
+                                        <p:cTn id="61" dur="250" autoRev="1" fill="remove"/>
                                         <p:tgtEl>
                                           <p:spTgt spid="7"/>
                                         </p:tgtEl>
@@ -18500,6 +18229,104 @@
                                         <p:strVal val="true"/>
                                       </p:to>
                                     </p:set>
+                                  </p:childTnLst>
+                                </p:cTn>
+                              </p:par>
+                            </p:childTnLst>
+                          </p:cTn>
+                        </p:par>
+                      </p:childTnLst>
+                    </p:cTn>
+                  </p:par>
+                  <p:par>
+                    <p:cTn id="62" fill="hold">
+                      <p:stCondLst>
+                        <p:cond delay="indefinite"/>
+                      </p:stCondLst>
+                      <p:childTnLst>
+                        <p:par>
+                          <p:cTn id="63" fill="hold">
+                            <p:stCondLst>
+                              <p:cond delay="0"/>
+                            </p:stCondLst>
+                            <p:childTnLst>
+                              <p:par>
+                                <p:cTn id="64" presetID="1" presetClass="entr" presetSubtype="0" fill="hold" grpId="0" nodeType="clickEffect">
+                                  <p:stCondLst>
+                                    <p:cond delay="0"/>
+                                  </p:stCondLst>
+                                  <p:childTnLst>
+                                    <p:set>
+                                      <p:cBhvr>
+                                        <p:cTn id="65" dur="1" fill="hold">
+                                          <p:stCondLst>
+                                            <p:cond delay="0"/>
+                                          </p:stCondLst>
+                                        </p:cTn>
+                                        <p:tgtEl>
+                                          <p:spTgt spid="20"/>
+                                        </p:tgtEl>
+                                        <p:attrNameLst>
+                                          <p:attrName>style.visibility</p:attrName>
+                                        </p:attrNameLst>
+                                      </p:cBhvr>
+                                      <p:to>
+                                        <p:strVal val="visible"/>
+                                      </p:to>
+                                    </p:set>
+                                  </p:childTnLst>
+                                </p:cTn>
+                              </p:par>
+                            </p:childTnLst>
+                          </p:cTn>
+                        </p:par>
+                      </p:childTnLst>
+                    </p:cTn>
+                  </p:par>
+                  <p:par>
+                    <p:cTn id="66" fill="hold">
+                      <p:stCondLst>
+                        <p:cond delay="indefinite"/>
+                      </p:stCondLst>
+                      <p:childTnLst>
+                        <p:par>
+                          <p:cTn id="67" fill="hold">
+                            <p:stCondLst>
+                              <p:cond delay="0"/>
+                            </p:stCondLst>
+                            <p:childTnLst>
+                              <p:par>
+                                <p:cTn id="68" presetID="14" presetClass="entr" presetSubtype="10" fill="hold" nodeType="clickEffect">
+                                  <p:stCondLst>
+                                    <p:cond delay="0"/>
+                                  </p:stCondLst>
+                                  <p:childTnLst>
+                                    <p:set>
+                                      <p:cBhvr>
+                                        <p:cTn id="69" dur="1" fill="hold">
+                                          <p:stCondLst>
+                                            <p:cond delay="0"/>
+                                          </p:stCondLst>
+                                        </p:cTn>
+                                        <p:tgtEl>
+                                          <p:spTgt spid="9"/>
+                                        </p:tgtEl>
+                                        <p:attrNameLst>
+                                          <p:attrName>style.visibility</p:attrName>
+                                        </p:attrNameLst>
+                                      </p:cBhvr>
+                                      <p:to>
+                                        <p:strVal val="visible"/>
+                                      </p:to>
+                                    </p:set>
+                                    <p:animEffect transition="in" filter="randombar(horizontal)">
+                                      <p:cBhvr>
+                                        <p:cTn id="70" dur="500"/>
+                                        <p:tgtEl>
+                                          <p:spTgt spid="9"/>
+                                        </p:tgtEl>
+                                      </p:cBhvr>
+                                    </p:animEffect>
                                   </p:childTnLst>
                                 </p:cTn>
                               </p:par>
@@ -18535,6 +18362,8 @@
       <p:bldP spid="5" grpId="0" animBg="1"/>
       <p:bldP spid="6" grpId="0" animBg="1"/>
       <p:bldP spid="7" grpId="0" animBg="1"/>
+      <p:bldP spid="20" grpId="0"/>
+      <p:bldP spid="3" grpId="0" animBg="1"/>
     </p:bldLst>
   </p:timing>
 </p:sld>
@@ -19000,17 +18829,49 @@
       </p:grpSpPr>
       <p:cxnSp>
         <p:nvCxnSpPr>
+          <p:cNvPr id="16" name="直線矢印コネクタ 15"/>
+          <p:cNvCxnSpPr/>
+          <p:nvPr/>
+        </p:nvCxnSpPr>
+        <p:spPr>
+          <a:xfrm>
+            <a:off x="1173033" y="4892060"/>
+            <a:ext cx="15247" cy="542907"/>
+          </a:xfrm>
+          <a:prstGeom prst="straightConnector1">
+            <a:avLst/>
+          </a:prstGeom>
+          <a:ln w="76200">
+            <a:tailEnd type="triangle"/>
+          </a:ln>
+        </p:spPr>
+        <p:style>
+          <a:lnRef idx="3">
+            <a:schemeClr val="accent1"/>
+          </a:lnRef>
+          <a:fillRef idx="0">
+            <a:schemeClr val="accent1"/>
+          </a:fillRef>
+          <a:effectRef idx="2">
+            <a:schemeClr val="accent1"/>
+          </a:effectRef>
+          <a:fontRef idx="minor">
+            <a:schemeClr val="tx1"/>
+          </a:fontRef>
+        </p:style>
+      </p:cxnSp>
+      <p:cxnSp>
+        <p:nvCxnSpPr>
           <p:cNvPr id="8" name="直線矢印コネクタ 7"/>
           <p:cNvCxnSpPr>
             <a:stCxn id="4" idx="2"/>
-            <a:endCxn id="7" idx="0"/>
           </p:cNvCxnSpPr>
           <p:nvPr/>
         </p:nvCxnSpPr>
         <p:spPr>
           <a:xfrm>
             <a:off x="1198588" y="2139302"/>
-            <a:ext cx="0" cy="3297693"/>
+            <a:ext cx="15247" cy="542907"/>
           </a:xfrm>
           <a:prstGeom prst="straightConnector1">
             <a:avLst/>
@@ -19273,7 +19134,7 @@
         </p:blipFill>
         <p:spPr>
           <a:xfrm>
-            <a:off x="2322039" y="1434317"/>
+            <a:off x="2322039" y="2535270"/>
             <a:ext cx="5173488" cy="3048663"/>
           </a:xfrm>
           <a:prstGeom prst="rect">
@@ -19289,7 +19150,7 @@
         </p:nvSpPr>
         <p:spPr>
           <a:xfrm>
-            <a:off x="2322040" y="4629360"/>
+            <a:off x="2322039" y="5870207"/>
             <a:ext cx="5766884" cy="461665"/>
           </a:xfrm>
           <a:prstGeom prst="rect">
@@ -19376,8 +19237,8 @@
         </p:nvSpPr>
         <p:spPr>
           <a:xfrm>
-            <a:off x="695564" y="4194315"/>
-            <a:ext cx="1226256" cy="846757"/>
+            <a:off x="580452" y="4071873"/>
+            <a:ext cx="1246511" cy="846757"/>
           </a:xfrm>
           <a:prstGeom prst="rect">
             <a:avLst/>
@@ -19417,6 +19278,39 @@
           </a:p>
         </p:txBody>
       </p:sp>
+      <p:cxnSp>
+        <p:nvCxnSpPr>
+          <p:cNvPr id="15" name="直線矢印コネクタ 14"/>
+          <p:cNvCxnSpPr/>
+          <p:nvPr/>
+        </p:nvCxnSpPr>
+        <p:spPr>
+          <a:xfrm>
+            <a:off x="1180657" y="3528966"/>
+            <a:ext cx="15247" cy="542907"/>
+          </a:xfrm>
+          <a:prstGeom prst="straightConnector1">
+            <a:avLst/>
+          </a:prstGeom>
+          <a:ln w="76200">
+            <a:tailEnd type="triangle"/>
+          </a:ln>
+        </p:spPr>
+        <p:style>
+          <a:lnRef idx="3">
+            <a:schemeClr val="accent1"/>
+          </a:lnRef>
+          <a:fillRef idx="0">
+            <a:schemeClr val="accent1"/>
+          </a:fillRef>
+          <a:effectRef idx="2">
+            <a:schemeClr val="accent1"/>
+          </a:effectRef>
+          <a:fontRef idx="minor">
+            <a:schemeClr val="tx1"/>
+          </a:fontRef>
+        </p:style>
+      </p:cxnSp>
     </p:spTree>
     <p:extLst>
       <p:ext uri="{BB962C8B-B14F-4D97-AF65-F5344CB8AC3E}">
@@ -19771,14 +19665,14 @@
                     </a:ln>
                     <a:extLst>
                       <a:ext uri="{909E8E84-426E-40dd-AFC4-6F175D3DCCD1}">
-                        <a14:hiddenFill xmlns="" xmlns:a14="http://schemas.microsoft.com/office/drawing/2010/main">
+                        <a14:hiddenFill xmlns:a14="http://schemas.microsoft.com/office/drawing/2010/main" xmlns="">
                           <a:solidFill>
                             <a:srgbClr val="FFFFFF"/>
                           </a:solidFill>
                         </a14:hiddenFill>
                       </a:ext>
                       <a:ext uri="{91240B29-F687-4f45-9708-019B960494DF}">
-                        <a14:hiddenLine xmlns="" xmlns:a14="http://schemas.microsoft.com/office/drawing/2010/main" w="9525">
+                        <a14:hiddenLine xmlns:a14="http://schemas.microsoft.com/office/drawing/2010/main" xmlns="" w="9525">
                           <a:solidFill>
                             <a:srgbClr val="000000"/>
                           </a:solidFill>
@@ -20186,14 +20080,14 @@
                   </a:ln>
                   <a:extLst>
                     <a:ext uri="{909E8E84-426E-40dd-AFC4-6F175D3DCCD1}">
-                      <a14:hiddenFill xmlns="" xmlns:a14="http://schemas.microsoft.com/office/drawing/2010/main">
+                      <a14:hiddenFill xmlns:a14="http://schemas.microsoft.com/office/drawing/2010/main" xmlns="">
                         <a:solidFill>
                           <a:srgbClr val="FFFFFF"/>
                         </a:solidFill>
                       </a14:hiddenFill>
                     </a:ext>
                     <a:ext uri="{91240B29-F687-4f45-9708-019B960494DF}">
-                      <a14:hiddenLine xmlns="" xmlns:a14="http://schemas.microsoft.com/office/drawing/2010/main" w="9525">
+                      <a14:hiddenLine xmlns:a14="http://schemas.microsoft.com/office/drawing/2010/main" xmlns="" w="9525">
                         <a:solidFill>
                           <a:srgbClr val="000000"/>
                         </a:solidFill>

--- a/doc/中間発表資料.pptx
+++ b/doc/中間発表資料.pptx
@@ -11139,9 +11139,16 @@
             <p:ph idx="1"/>
           </p:nvPr>
         </p:nvSpPr>
-        <p:spPr/>
+        <p:spPr>
+          <a:xfrm>
+            <a:off x="457200" y="1573824"/>
+            <a:ext cx="8510954" cy="5011614"/>
+          </a:xfrm>
+        </p:spPr>
         <p:txBody>
-          <a:bodyPr/>
+          <a:bodyPr>
+            <a:normAutofit lnSpcReduction="10000"/>
+          </a:bodyPr>
           <a:lstStyle/>
           <a:p>
             <a:r>
@@ -11161,14 +11168,6 @@
           <a:p>
             <a:pPr lvl="1"/>
             <a:r>
-              <a:rPr kumimoji="1" lang="ja-JP" altLang="en-US" dirty="0" smtClean="0"/>
-              <a:t>利点</a:t>
-            </a:r>
-            <a:endParaRPr kumimoji="1" lang="en-US" altLang="ja-JP" dirty="0" smtClean="0"/>
-          </a:p>
-          <a:p>
-            <a:pPr lvl="2"/>
-            <a:r>
               <a:rPr lang="en-US" altLang="ja-JP" dirty="0" smtClean="0"/>
               <a:t>OS</a:t>
             </a:r>
@@ -11179,7 +11178,7 @@
             <a:endParaRPr lang="en-US" altLang="ja-JP" dirty="0" smtClean="0"/>
           </a:p>
           <a:p>
-            <a:pPr lvl="3"/>
+            <a:pPr lvl="2"/>
             <a:r>
               <a:rPr lang="en-US" altLang="ja-JP" dirty="0" smtClean="0"/>
               <a:t>Windows</a:t>
@@ -11207,7 +11206,7 @@
             <a:endParaRPr lang="en-US" altLang="ja-JP" dirty="0" smtClean="0"/>
           </a:p>
           <a:p>
-            <a:pPr lvl="3"/>
+            <a:pPr lvl="2"/>
             <a:r>
               <a:rPr lang="ja-JP" altLang="en-US" dirty="0" smtClean="0"/>
               <a:t>大抵の</a:t>
@@ -11231,34 +11230,89 @@
             <a:endParaRPr lang="en-US" altLang="ja-JP" dirty="0" smtClean="0"/>
           </a:p>
           <a:p>
-            <a:pPr lvl="4"/>
+            <a:pPr lvl="3"/>
             <a:r>
               <a:rPr lang="ja-JP" altLang="en-US" dirty="0" smtClean="0"/>
-              <a:t>利用者の幅が広がりやすい</a:t>
+              <a:t>利用者の幅が</a:t>
+            </a:r>
+            <a:r>
+              <a:rPr lang="ja-JP" altLang="en-US" dirty="0" smtClean="0"/>
+              <a:t>広がりやすい</a:t>
             </a:r>
             <a:endParaRPr lang="en-US" altLang="ja-JP" dirty="0" smtClean="0"/>
           </a:p>
           <a:p>
-            <a:pPr lvl="2"/>
             <a:r>
               <a:rPr lang="ja-JP" altLang="en-US" dirty="0" smtClean="0"/>
-              <a:t>ソースコードの解析は</a:t>
-            </a:r>
+              <a:t>数式の</a:t>
+            </a:r>
+            <a:r>
+              <a:rPr lang="en-US" altLang="ja-JP" dirty="0" err="1" smtClean="0"/>
+              <a:t>MathML</a:t>
+            </a:r>
+            <a:r>
+              <a:rPr lang="ja-JP" altLang="en-US" dirty="0"/>
+              <a:t>変換</a:t>
+            </a:r>
+            <a:endParaRPr lang="en-US" altLang="ja-JP" dirty="0" smtClean="0"/>
+          </a:p>
+          <a:p>
+            <a:pPr lvl="1"/>
             <a:r>
               <a:rPr lang="en-US" altLang="ja-JP" dirty="0" smtClean="0"/>
-              <a:t>AST(Abstract Syntax Tree)</a:t>
+              <a:t>HTML</a:t>
             </a:r>
             <a:r>
               <a:rPr lang="ja-JP" altLang="en-US" dirty="0" smtClean="0"/>
-              <a:t>を用い</a:t>
+              <a:t>の様な書式のため</a:t>
             </a:r>
             <a:r>
               <a:rPr lang="en-US" altLang="ja-JP" dirty="0" smtClean="0"/>
-              <a:t>DOM(Document Object Model) API</a:t>
+              <a:t>DOM(Document </a:t>
+            </a:r>
+            <a:r>
+              <a:rPr lang="en-US" altLang="ja-JP" dirty="0" smtClean="0"/>
+              <a:t>Object Model) API</a:t>
             </a:r>
             <a:r>
               <a:rPr lang="ja-JP" altLang="en-US" dirty="0" smtClean="0"/>
-              <a:t>で解析を行うことができる</a:t>
+              <a:t>で</a:t>
+            </a:r>
+            <a:r>
+              <a:rPr lang="ja-JP" altLang="en-US" dirty="0" smtClean="0"/>
+              <a:t>解析</a:t>
+            </a:r>
+            <a:r>
+              <a:rPr lang="ja-JP" altLang="en-US" dirty="0"/>
+              <a:t>が</a:t>
+            </a:r>
+            <a:r>
+              <a:rPr lang="ja-JP" altLang="en-US" dirty="0" smtClean="0"/>
+              <a:t>容易</a:t>
+            </a:r>
+            <a:endParaRPr lang="en-US" altLang="ja-JP" dirty="0" smtClean="0"/>
+          </a:p>
+          <a:p>
+            <a:pPr lvl="1"/>
+            <a:r>
+              <a:rPr lang="ja-JP" altLang="en-US" dirty="0" smtClean="0"/>
+              <a:t>解析には</a:t>
+            </a:r>
+            <a:r>
+              <a:rPr lang="en-US" altLang="ja-JP" dirty="0" smtClean="0"/>
+              <a:t>AST(Abstract </a:t>
+            </a:r>
+            <a:r>
+              <a:rPr lang="en-US" altLang="ja-JP" dirty="0"/>
+              <a:t>Syntax Tree</a:t>
+            </a:r>
+            <a:r>
+              <a:rPr lang="en-US" altLang="ja-JP" dirty="0" smtClean="0"/>
+              <a:t>)</a:t>
+            </a:r>
+            <a:r>
+              <a:rPr lang="ja-JP" altLang="en-US" dirty="0" smtClean="0"/>
+              <a:t>を利用</a:t>
             </a:r>
             <a:endParaRPr lang="en-US" altLang="ja-JP" dirty="0" smtClean="0"/>
           </a:p>
@@ -11376,7 +11430,7 @@
         <p:spPr>
           <a:xfrm>
             <a:off x="457200" y="1600200"/>
-            <a:ext cx="8534400" cy="4525963"/>
+            <a:ext cx="8534400" cy="5117123"/>
           </a:xfrm>
         </p:spPr>
         <p:txBody>
@@ -11445,22 +11499,18 @@
               <a:t>W3C</a:t>
             </a:r>
             <a:r>
-              <a:rPr lang="ja-JP" altLang="en-US" dirty="0"/>
-              <a:t>で</a:t>
-            </a:r>
-            <a:r>
-              <a:rPr kumimoji="1" lang="en-US" altLang="ja-JP" dirty="0" smtClean="0"/>
-              <a:t>HTML5</a:t>
-            </a:r>
-            <a:r>
-              <a:rPr kumimoji="1" lang="ja-JP" altLang="en-US" dirty="0" smtClean="0"/>
-              <a:t>が</a:t>
-            </a:r>
-            <a:r>
               <a:rPr lang="ja-JP" altLang="en-US" dirty="0" smtClean="0"/>
-              <a:t>正式勧告され仕様の確認</a:t>
-            </a:r>
-            <a:endParaRPr kumimoji="1" lang="en-US" altLang="ja-JP" dirty="0" smtClean="0"/>
+              <a:t>仕様</a:t>
+            </a:r>
+            <a:r>
+              <a:rPr lang="ja-JP" altLang="en-US" dirty="0" smtClean="0"/>
+              <a:t>の</a:t>
+            </a:r>
+            <a:r>
+              <a:rPr lang="ja-JP" altLang="en-US" dirty="0" smtClean="0"/>
+              <a:t>確認</a:t>
+            </a:r>
+            <a:endParaRPr lang="en-US" altLang="ja-JP" sz="2400" dirty="0" smtClean="0"/>
           </a:p>
           <a:p>
             <a:pPr lvl="1">
@@ -11470,29 +11520,45 @@
             </a:pPr>
             <a:r>
               <a:rPr lang="en-US" altLang="ja-JP" sz="2400" dirty="0" smtClean="0"/>
+              <a:t>HTML5</a:t>
+            </a:r>
+            <a:r>
+              <a:rPr lang="ja-JP" altLang="en-US" sz="2400" dirty="0" smtClean="0"/>
+              <a:t>正式勧告</a:t>
+            </a:r>
+            <a:endParaRPr lang="en-US" altLang="ja-JP" sz="2400" dirty="0" smtClean="0"/>
+          </a:p>
+          <a:p>
+            <a:pPr lvl="2">
+              <a:spcAft>
+                <a:spcPts val="600"/>
+              </a:spcAft>
+            </a:pPr>
+            <a:r>
+              <a:rPr lang="en-US" altLang="ja-JP" sz="2000" dirty="0" smtClean="0"/>
               <a:t>2014</a:t>
             </a:r>
             <a:r>
-              <a:rPr lang="ja-JP" altLang="en-US" sz="2400" dirty="0" smtClean="0"/>
+              <a:rPr lang="ja-JP" altLang="en-US" sz="2000" dirty="0" smtClean="0"/>
               <a:t>年</a:t>
             </a:r>
             <a:r>
-              <a:rPr lang="en-US" altLang="ja-JP" sz="2400" dirty="0" smtClean="0"/>
+              <a:rPr lang="en-US" altLang="ja-JP" sz="2000" dirty="0" smtClean="0"/>
               <a:t>10</a:t>
             </a:r>
             <a:r>
-              <a:rPr lang="ja-JP" altLang="en-US" sz="2400" dirty="0" smtClean="0"/>
+              <a:rPr lang="ja-JP" altLang="en-US" sz="2000" dirty="0" smtClean="0"/>
               <a:t>月</a:t>
             </a:r>
             <a:r>
-              <a:rPr lang="en-US" altLang="ja-JP" sz="2400" dirty="0" smtClean="0"/>
+              <a:rPr lang="en-US" altLang="ja-JP" sz="2000" dirty="0" smtClean="0"/>
               <a:t>28</a:t>
             </a:r>
             <a:r>
-              <a:rPr lang="ja-JP" altLang="en-US" sz="2400" dirty="0" smtClean="0"/>
+              <a:rPr lang="ja-JP" altLang="en-US" sz="2000" dirty="0" smtClean="0"/>
               <a:t>日（米国時間）</a:t>
             </a:r>
-            <a:endParaRPr lang="en-US" altLang="ja-JP" sz="2400" dirty="0" smtClean="0"/>
+            <a:endParaRPr lang="en-US" altLang="ja-JP" sz="2000" dirty="0" smtClean="0"/>
           </a:p>
           <a:p>
             <a:pPr lvl="1">
@@ -11514,7 +11580,27 @@
             </a:r>
             <a:r>
               <a:rPr lang="ja-JP" altLang="en-US" sz="2400" dirty="0" smtClean="0"/>
-              <a:t>の成果を元に勧告している</a:t>
+              <a:t>の成果を元に勧告して</a:t>
+            </a:r>
+            <a:r>
+              <a:rPr lang="ja-JP" altLang="en-US" sz="2400" dirty="0" smtClean="0"/>
+              <a:t>いる</a:t>
+            </a:r>
+            <a:endParaRPr lang="en-US" altLang="ja-JP" sz="2400" dirty="0" smtClean="0"/>
+          </a:p>
+          <a:p>
+            <a:pPr lvl="1">
+              <a:spcAft>
+                <a:spcPts val="600"/>
+              </a:spcAft>
+            </a:pPr>
+            <a:r>
+              <a:rPr lang="en-US" altLang="ja-JP" sz="2400" dirty="0" err="1" smtClean="0"/>
+              <a:t>MathML</a:t>
+            </a:r>
+            <a:r>
+              <a:rPr lang="ja-JP" altLang="en-US" sz="2400" dirty="0" smtClean="0"/>
+              <a:t>勧告</a:t>
             </a:r>
             <a:endParaRPr lang="en-US" altLang="ja-JP" sz="2400" dirty="0" smtClean="0"/>
           </a:p>
@@ -11703,7 +11789,7 @@
         <p:spPr/>
         <p:txBody>
           <a:bodyPr>
-            <a:normAutofit/>
+            <a:normAutofit fontScale="92500" lnSpcReduction="10000"/>
           </a:bodyPr>
           <a:lstStyle/>
           <a:p>
@@ -11772,6 +11858,14 @@
               <a:rPr kumimoji="1" lang="ja-JP" altLang="en-US" dirty="0" smtClean="0"/>
               <a:t>パラメータフィッティング</a:t>
             </a:r>
+            <a:endParaRPr kumimoji="1" lang="en-US" altLang="ja-JP" dirty="0" smtClean="0"/>
+          </a:p>
+          <a:p>
+            <a:pPr>
+              <a:spcAft>
+                <a:spcPts val="600"/>
+              </a:spcAft>
+            </a:pPr>
             <a:endParaRPr kumimoji="1" lang="en-US" altLang="ja-JP" dirty="0" smtClean="0"/>
           </a:p>
           <a:p>

--- a/doc/中間発表資料.pptx
+++ b/doc/中間発表資料.pptx
@@ -227,7 +227,7 @@
           <a:p>
             <a:fld id="{07C89E97-5434-9C4E-B6E5-C9F9FBA5FCE1}" type="datetimeFigureOut">
               <a:rPr kumimoji="1" lang="ja-JP" altLang="en-US" smtClean="0"/>
-              <a:t>2014/11/20</a:t>
+              <a:t>2014/11/21</a:t>
             </a:fld>
             <a:endParaRPr kumimoji="1" lang="ja-JP" altLang="en-US"/>
           </a:p>
@@ -2378,7 +2378,7 @@
           <a:p>
             <a:fld id="{8E38DBD1-F25C-9E4F-851F-C78CA3583CBD}" type="datetimeFigureOut">
               <a:rPr kumimoji="1" lang="ja-JP" altLang="en-US" smtClean="0"/>
-              <a:t>2014/11/20</a:t>
+              <a:t>2014/11/21</a:t>
             </a:fld>
             <a:endParaRPr kumimoji="1" lang="ja-JP" altLang="en-US"/>
           </a:p>
@@ -2580,7 +2580,7 @@
           <a:p>
             <a:fld id="{8E38DBD1-F25C-9E4F-851F-C78CA3583CBD}" type="datetimeFigureOut">
               <a:rPr kumimoji="1" lang="ja-JP" altLang="en-US" smtClean="0"/>
-              <a:t>2014/11/20</a:t>
+              <a:t>2014/11/21</a:t>
             </a:fld>
             <a:endParaRPr kumimoji="1" lang="ja-JP" altLang="en-US"/>
           </a:p>
@@ -2792,7 +2792,7 @@
           <a:p>
             <a:fld id="{8E38DBD1-F25C-9E4F-851F-C78CA3583CBD}" type="datetimeFigureOut">
               <a:rPr kumimoji="1" lang="ja-JP" altLang="en-US" smtClean="0"/>
-              <a:t>2014/11/20</a:t>
+              <a:t>2014/11/21</a:t>
             </a:fld>
             <a:endParaRPr kumimoji="1" lang="ja-JP" altLang="en-US"/>
           </a:p>
@@ -2994,7 +2994,7 @@
           <a:p>
             <a:fld id="{8E38DBD1-F25C-9E4F-851F-C78CA3583CBD}" type="datetimeFigureOut">
               <a:rPr kumimoji="1" lang="ja-JP" altLang="en-US" smtClean="0"/>
-              <a:t>2014/11/20</a:t>
+              <a:t>2014/11/21</a:t>
             </a:fld>
             <a:endParaRPr kumimoji="1" lang="ja-JP" altLang="en-US"/>
           </a:p>
@@ -3240,7 +3240,7 @@
           <a:p>
             <a:fld id="{8E38DBD1-F25C-9E4F-851F-C78CA3583CBD}" type="datetimeFigureOut">
               <a:rPr kumimoji="1" lang="ja-JP" altLang="en-US" smtClean="0"/>
-              <a:t>2014/11/20</a:t>
+              <a:t>2014/11/21</a:t>
             </a:fld>
             <a:endParaRPr kumimoji="1" lang="ja-JP" altLang="en-US"/>
           </a:p>
@@ -3592,7 +3592,7 @@
           <a:p>
             <a:fld id="{8E38DBD1-F25C-9E4F-851F-C78CA3583CBD}" type="datetimeFigureOut">
               <a:rPr kumimoji="1" lang="ja-JP" altLang="en-US" smtClean="0"/>
-              <a:t>2014/11/20</a:t>
+              <a:t>2014/11/21</a:t>
             </a:fld>
             <a:endParaRPr kumimoji="1" lang="ja-JP" altLang="en-US"/>
           </a:p>
@@ -4078,7 +4078,7 @@
           <a:p>
             <a:fld id="{8E38DBD1-F25C-9E4F-851F-C78CA3583CBD}" type="datetimeFigureOut">
               <a:rPr kumimoji="1" lang="ja-JP" altLang="en-US" smtClean="0"/>
-              <a:t>2014/11/20</a:t>
+              <a:t>2014/11/21</a:t>
             </a:fld>
             <a:endParaRPr kumimoji="1" lang="ja-JP" altLang="en-US"/>
           </a:p>
@@ -4196,7 +4196,7 @@
           <a:p>
             <a:fld id="{8E38DBD1-F25C-9E4F-851F-C78CA3583CBD}" type="datetimeFigureOut">
               <a:rPr kumimoji="1" lang="ja-JP" altLang="en-US" smtClean="0"/>
-              <a:t>2014/11/20</a:t>
+              <a:t>2014/11/21</a:t>
             </a:fld>
             <a:endParaRPr kumimoji="1" lang="ja-JP" altLang="en-US"/>
           </a:p>
@@ -4291,7 +4291,7 @@
           <a:p>
             <a:fld id="{8E38DBD1-F25C-9E4F-851F-C78CA3583CBD}" type="datetimeFigureOut">
               <a:rPr kumimoji="1" lang="ja-JP" altLang="en-US" smtClean="0"/>
-              <a:t>2014/11/20</a:t>
+              <a:t>2014/11/21</a:t>
             </a:fld>
             <a:endParaRPr kumimoji="1" lang="ja-JP" altLang="en-US"/>
           </a:p>
@@ -4600,7 +4600,7 @@
           <a:p>
             <a:fld id="{8E38DBD1-F25C-9E4F-851F-C78CA3583CBD}" type="datetimeFigureOut">
               <a:rPr kumimoji="1" lang="ja-JP" altLang="en-US" smtClean="0"/>
-              <a:t>2014/11/20</a:t>
+              <a:t>2014/11/21</a:t>
             </a:fld>
             <a:endParaRPr kumimoji="1" lang="ja-JP" altLang="en-US"/>
           </a:p>
@@ -4853,7 +4853,7 @@
           <a:p>
             <a:fld id="{8E38DBD1-F25C-9E4F-851F-C78CA3583CBD}" type="datetimeFigureOut">
               <a:rPr kumimoji="1" lang="ja-JP" altLang="en-US" smtClean="0"/>
-              <a:t>2014/11/20</a:t>
+              <a:t>2014/11/21</a:t>
             </a:fld>
             <a:endParaRPr kumimoji="1" lang="ja-JP" altLang="en-US"/>
           </a:p>
@@ -5098,7 +5098,7 @@
           <a:p>
             <a:fld id="{8E38DBD1-F25C-9E4F-851F-C78CA3583CBD}" type="datetimeFigureOut">
               <a:rPr kumimoji="1" lang="ja-JP" altLang="en-US" smtClean="0"/>
-              <a:t>2014/11/20</a:t>
+              <a:t>2014/11/21</a:t>
             </a:fld>
             <a:endParaRPr kumimoji="1" lang="ja-JP" altLang="en-US"/>
           </a:p>
@@ -6830,14 +6830,14 @@
                 </a:ln>
                 <a:extLst>
                   <a:ext uri="{909E8E84-426E-40dd-AFC4-6F175D3DCCD1}">
-                    <a14:hiddenFill xmlns:a14="http://schemas.microsoft.com/office/drawing/2010/main" xmlns="">
+                    <a14:hiddenFill xmlns="" xmlns:a14="http://schemas.microsoft.com/office/drawing/2010/main">
                       <a:solidFill>
                         <a:srgbClr val="FFFFFF"/>
                       </a:solidFill>
                     </a14:hiddenFill>
                   </a:ext>
                   <a:ext uri="{91240B29-F687-4f45-9708-019B960494DF}">
-                    <a14:hiddenLine xmlns:a14="http://schemas.microsoft.com/office/drawing/2010/main" xmlns="" w="9525">
+                    <a14:hiddenLine xmlns="" xmlns:a14="http://schemas.microsoft.com/office/drawing/2010/main" w="9525">
                       <a:solidFill>
                         <a:srgbClr val="000000"/>
                       </a:solidFill>
@@ -6901,14 +6901,14 @@
               </a:ln>
               <a:extLst>
                 <a:ext uri="{909E8E84-426E-40dd-AFC4-6F175D3DCCD1}">
-                  <a14:hiddenFill xmlns:a14="http://schemas.microsoft.com/office/drawing/2010/main" xmlns="">
+                  <a14:hiddenFill xmlns="" xmlns:a14="http://schemas.microsoft.com/office/drawing/2010/main">
                     <a:solidFill>
                       <a:srgbClr val="FFFFFF"/>
                     </a:solidFill>
                   </a14:hiddenFill>
                 </a:ext>
                 <a:ext uri="{91240B29-F687-4f45-9708-019B960494DF}">
-                  <a14:hiddenLine xmlns:a14="http://schemas.microsoft.com/office/drawing/2010/main" xmlns="" w="9525">
+                  <a14:hiddenLine xmlns="" xmlns:a14="http://schemas.microsoft.com/office/drawing/2010/main" w="9525">
                     <a:solidFill>
                       <a:srgbClr val="000000"/>
                     </a:solidFill>
@@ -11233,11 +11233,7 @@
             <a:pPr lvl="3"/>
             <a:r>
               <a:rPr lang="ja-JP" altLang="en-US" dirty="0" smtClean="0"/>
-              <a:t>利用者の幅が</a:t>
-            </a:r>
-            <a:r>
-              <a:rPr lang="ja-JP" altLang="en-US" dirty="0" smtClean="0"/>
-              <a:t>広がりやすい</a:t>
+              <a:t>利用者の幅が広がりやすい</a:t>
             </a:r>
             <a:endParaRPr lang="en-US" altLang="ja-JP" dirty="0" smtClean="0"/>
           </a:p>
@@ -11268,19 +11264,11 @@
             </a:r>
             <a:r>
               <a:rPr lang="en-US" altLang="ja-JP" dirty="0" smtClean="0"/>
-              <a:t>DOM(Document </a:t>
-            </a:r>
-            <a:r>
-              <a:rPr lang="en-US" altLang="ja-JP" dirty="0" smtClean="0"/>
-              <a:t>Object Model) API</a:t>
+              <a:t>DOM(Document Object Model) API</a:t>
             </a:r>
             <a:r>
               <a:rPr lang="ja-JP" altLang="en-US" dirty="0" smtClean="0"/>
-              <a:t>で</a:t>
-            </a:r>
-            <a:r>
-              <a:rPr lang="ja-JP" altLang="en-US" dirty="0" smtClean="0"/>
-              <a:t>解析</a:t>
+              <a:t>で解析</a:t>
             </a:r>
             <a:r>
               <a:rPr lang="ja-JP" altLang="en-US" dirty="0"/>
@@ -11500,15 +11488,7 @@
             </a:r>
             <a:r>
               <a:rPr lang="ja-JP" altLang="en-US" dirty="0" smtClean="0"/>
-              <a:t>仕様</a:t>
-            </a:r>
-            <a:r>
-              <a:rPr lang="ja-JP" altLang="en-US" dirty="0" smtClean="0"/>
-              <a:t>の</a:t>
-            </a:r>
-            <a:r>
-              <a:rPr lang="ja-JP" altLang="en-US" dirty="0" smtClean="0"/>
-              <a:t>確認</a:t>
+              <a:t>仕様の確認</a:t>
             </a:r>
             <a:endParaRPr lang="en-US" altLang="ja-JP" sz="2400" dirty="0" smtClean="0"/>
           </a:p>
@@ -11580,11 +11560,7 @@
             </a:r>
             <a:r>
               <a:rPr lang="ja-JP" altLang="en-US" sz="2400" dirty="0" smtClean="0"/>
-              <a:t>の成果を元に勧告して</a:t>
-            </a:r>
-            <a:r>
-              <a:rPr lang="ja-JP" altLang="en-US" sz="2400" dirty="0" smtClean="0"/>
-              <a:t>いる</a:t>
+              <a:t>の成果を元に勧告している</a:t>
             </a:r>
             <a:endParaRPr lang="en-US" altLang="ja-JP" sz="2400" dirty="0" smtClean="0"/>
           </a:p>
@@ -12836,11 +12812,7 @@
             <a:pPr algn="ctr"/>
             <a:r>
               <a:rPr lang="ja-JP" altLang="en-US" dirty="0" smtClean="0"/>
-              <a:t>シミュレーションと仮説</a:t>
-            </a:r>
-            <a:r>
-              <a:rPr lang="ja-JP" altLang="en-US" dirty="0" smtClean="0"/>
-              <a:t>結果</a:t>
+              <a:t>シミュレーションと仮説結果</a:t>
             </a:r>
             <a:r>
               <a:rPr lang="en-US" altLang="ja-JP" dirty="0" smtClean="0"/>
@@ -12897,11 +12869,7 @@
             </a:r>
             <a:r>
               <a:rPr kumimoji="1" lang="ja-JP" altLang="en-US" dirty="0" smtClean="0"/>
-              <a:t>と仮説</a:t>
-            </a:r>
-            <a:r>
-              <a:rPr kumimoji="1" lang="ja-JP" altLang="en-US" dirty="0" smtClean="0"/>
-              <a:t>結果</a:t>
+              <a:t>と仮説結果</a:t>
             </a:r>
             <a:endParaRPr kumimoji="1" lang="en-US" altLang="ja-JP" dirty="0" smtClean="0"/>
           </a:p>
@@ -13398,7 +13366,7 @@
         </p:nvGrpSpPr>
         <p:grpSpPr>
           <a:xfrm>
-            <a:off x="457200" y="2470639"/>
+            <a:off x="453482" y="2470639"/>
             <a:ext cx="7026421" cy="3965807"/>
             <a:chOff x="457200" y="2470638"/>
             <a:chExt cx="7026421" cy="3965807"/>
@@ -13923,18 +13891,19 @@
           <p:nvCxnSpPr>
             <p:cNvPr id="107" name="カギ線コネクタ 106"/>
             <p:cNvCxnSpPr>
+              <a:stCxn id="99" idx="3"/>
               <a:endCxn id="100" idx="1"/>
             </p:cNvCxnSpPr>
             <p:nvPr/>
           </p:nvCxnSpPr>
           <p:spPr>
             <a:xfrm flipV="1">
-              <a:off x="4516545" y="4370594"/>
-              <a:ext cx="902901" cy="575896"/>
+              <a:off x="4666694" y="4370594"/>
+              <a:ext cx="752752" cy="575896"/>
             </a:xfrm>
             <a:prstGeom prst="bentConnector3">
               <a:avLst>
-                <a:gd name="adj1" fmla="val 56817"/>
+                <a:gd name="adj1" fmla="val 50000"/>
               </a:avLst>
             </a:prstGeom>
             <a:ln w="57150">
@@ -13959,15 +13928,17 @@
         <p:cxnSp>
           <p:nvCxnSpPr>
             <p:cNvPr id="108" name="カギ線コネクタ 107"/>
-            <p:cNvCxnSpPr/>
+            <p:cNvCxnSpPr>
+              <a:endCxn id="101" idx="1"/>
+            </p:cNvCxnSpPr>
             <p:nvPr/>
           </p:nvCxnSpPr>
           <p:spPr>
-            <a:xfrm>
-              <a:off x="4535823" y="4929667"/>
-              <a:ext cx="1023291" cy="812998"/>
+            <a:xfrm rot="16200000" flipH="1">
+              <a:off x="4838733" y="5178776"/>
+              <a:ext cx="788436" cy="372987"/>
             </a:xfrm>
-            <a:prstGeom prst="bentConnector3">
+            <a:prstGeom prst="bentConnector2">
               <a:avLst/>
             </a:prstGeom>
             <a:ln w="57150">
@@ -15581,11 +15552,7 @@
           <a:p>
             <a:r>
               <a:rPr kumimoji="1" lang="ja-JP" altLang="en-US" sz="3600" dirty="0" smtClean="0"/>
-              <a:t>視覚数理モデル</a:t>
-            </a:r>
-            <a:r>
-              <a:rPr kumimoji="1" lang="ja-JP" altLang="en-US" sz="3600" dirty="0" smtClean="0"/>
-              <a:t>研究</a:t>
+              <a:t>視覚数理モデル研究</a:t>
             </a:r>
             <a:endParaRPr kumimoji="1" lang="ja-JP" altLang="en-US" sz="3600" dirty="0"/>
           </a:p>
@@ -15973,11 +15940,7 @@
           <a:p>
             <a:r>
               <a:rPr kumimoji="1" lang="ja-JP" altLang="en-US" sz="3600" dirty="0" smtClean="0"/>
-              <a:t>視覚数理モデル研究</a:t>
-            </a:r>
-            <a:r>
-              <a:rPr kumimoji="1" lang="ja-JP" altLang="en-US" sz="3600" dirty="0" smtClean="0"/>
-              <a:t>の</a:t>
+              <a:t>視覚数理モデル研究の</a:t>
             </a:r>
             <a:r>
               <a:rPr lang="ja-JP" altLang="en-US" sz="3600" dirty="0"/>
@@ -16314,11 +16277,7 @@
           <a:p>
             <a:r>
               <a:rPr kumimoji="1" lang="ja-JP" altLang="en-US" dirty="0" smtClean="0"/>
-              <a:t>５</a:t>
-            </a:r>
-            <a:r>
-              <a:rPr kumimoji="1" lang="ja-JP" altLang="en-US" dirty="0" smtClean="0"/>
-              <a:t>．</a:t>
+              <a:t>５．</a:t>
             </a:r>
             <a:r>
               <a:rPr lang="ja-JP" altLang="en-US" dirty="0" smtClean="0"/>
@@ -19759,14 +19718,14 @@
                     </a:ln>
                     <a:extLst>
                       <a:ext uri="{909E8E84-426E-40dd-AFC4-6F175D3DCCD1}">
-                        <a14:hiddenFill xmlns:a14="http://schemas.microsoft.com/office/drawing/2010/main" xmlns="">
+                        <a14:hiddenFill xmlns="" xmlns:a14="http://schemas.microsoft.com/office/drawing/2010/main">
                           <a:solidFill>
                             <a:srgbClr val="FFFFFF"/>
                           </a:solidFill>
                         </a14:hiddenFill>
                       </a:ext>
                       <a:ext uri="{91240B29-F687-4f45-9708-019B960494DF}">
-                        <a14:hiddenLine xmlns:a14="http://schemas.microsoft.com/office/drawing/2010/main" xmlns="" w="9525">
+                        <a14:hiddenLine xmlns="" xmlns:a14="http://schemas.microsoft.com/office/drawing/2010/main" w="9525">
                           <a:solidFill>
                             <a:srgbClr val="000000"/>
                           </a:solidFill>
@@ -20174,14 +20133,14 @@
                   </a:ln>
                   <a:extLst>
                     <a:ext uri="{909E8E84-426E-40dd-AFC4-6F175D3DCCD1}">
-                      <a14:hiddenFill xmlns:a14="http://schemas.microsoft.com/office/drawing/2010/main" xmlns="">
+                      <a14:hiddenFill xmlns="" xmlns:a14="http://schemas.microsoft.com/office/drawing/2010/main">
                         <a:solidFill>
                           <a:srgbClr val="FFFFFF"/>
                         </a:solidFill>
                       </a14:hiddenFill>
                     </a:ext>
                     <a:ext uri="{91240B29-F687-4f45-9708-019B960494DF}">
-                      <a14:hiddenLine xmlns:a14="http://schemas.microsoft.com/office/drawing/2010/main" xmlns="" w="9525">
+                      <a14:hiddenLine xmlns="" xmlns:a14="http://schemas.microsoft.com/office/drawing/2010/main" w="9525">
                         <a:solidFill>
                           <a:srgbClr val="000000"/>
                         </a:solidFill>

--- a/doc/中間発表資料.pptx
+++ b/doc/中間発表資料.pptx
@@ -227,7 +227,7 @@
           <a:p>
             <a:fld id="{07C89E97-5434-9C4E-B6E5-C9F9FBA5FCE1}" type="datetimeFigureOut">
               <a:rPr kumimoji="1" lang="ja-JP" altLang="en-US" smtClean="0"/>
-              <a:t>2014/11/21</a:t>
+              <a:t>2014/11/23</a:t>
             </a:fld>
             <a:endParaRPr kumimoji="1" lang="ja-JP" altLang="en-US"/>
           </a:p>
@@ -2378,7 +2378,7 @@
           <a:p>
             <a:fld id="{8E38DBD1-F25C-9E4F-851F-C78CA3583CBD}" type="datetimeFigureOut">
               <a:rPr kumimoji="1" lang="ja-JP" altLang="en-US" smtClean="0"/>
-              <a:t>2014/11/21</a:t>
+              <a:t>2014/11/23</a:t>
             </a:fld>
             <a:endParaRPr kumimoji="1" lang="ja-JP" altLang="en-US"/>
           </a:p>
@@ -2580,7 +2580,7 @@
           <a:p>
             <a:fld id="{8E38DBD1-F25C-9E4F-851F-C78CA3583CBD}" type="datetimeFigureOut">
               <a:rPr kumimoji="1" lang="ja-JP" altLang="en-US" smtClean="0"/>
-              <a:t>2014/11/21</a:t>
+              <a:t>2014/11/23</a:t>
             </a:fld>
             <a:endParaRPr kumimoji="1" lang="ja-JP" altLang="en-US"/>
           </a:p>
@@ -2792,7 +2792,7 @@
           <a:p>
             <a:fld id="{8E38DBD1-F25C-9E4F-851F-C78CA3583CBD}" type="datetimeFigureOut">
               <a:rPr kumimoji="1" lang="ja-JP" altLang="en-US" smtClean="0"/>
-              <a:t>2014/11/21</a:t>
+              <a:t>2014/11/23</a:t>
             </a:fld>
             <a:endParaRPr kumimoji="1" lang="ja-JP" altLang="en-US"/>
           </a:p>
@@ -2994,7 +2994,7 @@
           <a:p>
             <a:fld id="{8E38DBD1-F25C-9E4F-851F-C78CA3583CBD}" type="datetimeFigureOut">
               <a:rPr kumimoji="1" lang="ja-JP" altLang="en-US" smtClean="0"/>
-              <a:t>2014/11/21</a:t>
+              <a:t>2014/11/23</a:t>
             </a:fld>
             <a:endParaRPr kumimoji="1" lang="ja-JP" altLang="en-US"/>
           </a:p>
@@ -3240,7 +3240,7 @@
           <a:p>
             <a:fld id="{8E38DBD1-F25C-9E4F-851F-C78CA3583CBD}" type="datetimeFigureOut">
               <a:rPr kumimoji="1" lang="ja-JP" altLang="en-US" smtClean="0"/>
-              <a:t>2014/11/21</a:t>
+              <a:t>2014/11/23</a:t>
             </a:fld>
             <a:endParaRPr kumimoji="1" lang="ja-JP" altLang="en-US"/>
           </a:p>
@@ -3592,7 +3592,7 @@
           <a:p>
             <a:fld id="{8E38DBD1-F25C-9E4F-851F-C78CA3583CBD}" type="datetimeFigureOut">
               <a:rPr kumimoji="1" lang="ja-JP" altLang="en-US" smtClean="0"/>
-              <a:t>2014/11/21</a:t>
+              <a:t>2014/11/23</a:t>
             </a:fld>
             <a:endParaRPr kumimoji="1" lang="ja-JP" altLang="en-US"/>
           </a:p>
@@ -4078,7 +4078,7 @@
           <a:p>
             <a:fld id="{8E38DBD1-F25C-9E4F-851F-C78CA3583CBD}" type="datetimeFigureOut">
               <a:rPr kumimoji="1" lang="ja-JP" altLang="en-US" smtClean="0"/>
-              <a:t>2014/11/21</a:t>
+              <a:t>2014/11/23</a:t>
             </a:fld>
             <a:endParaRPr kumimoji="1" lang="ja-JP" altLang="en-US"/>
           </a:p>
@@ -4196,7 +4196,7 @@
           <a:p>
             <a:fld id="{8E38DBD1-F25C-9E4F-851F-C78CA3583CBD}" type="datetimeFigureOut">
               <a:rPr kumimoji="1" lang="ja-JP" altLang="en-US" smtClean="0"/>
-              <a:t>2014/11/21</a:t>
+              <a:t>2014/11/23</a:t>
             </a:fld>
             <a:endParaRPr kumimoji="1" lang="ja-JP" altLang="en-US"/>
           </a:p>
@@ -4291,7 +4291,7 @@
           <a:p>
             <a:fld id="{8E38DBD1-F25C-9E4F-851F-C78CA3583CBD}" type="datetimeFigureOut">
               <a:rPr kumimoji="1" lang="ja-JP" altLang="en-US" smtClean="0"/>
-              <a:t>2014/11/21</a:t>
+              <a:t>2014/11/23</a:t>
             </a:fld>
             <a:endParaRPr kumimoji="1" lang="ja-JP" altLang="en-US"/>
           </a:p>
@@ -4600,7 +4600,7 @@
           <a:p>
             <a:fld id="{8E38DBD1-F25C-9E4F-851F-C78CA3583CBD}" type="datetimeFigureOut">
               <a:rPr kumimoji="1" lang="ja-JP" altLang="en-US" smtClean="0"/>
-              <a:t>2014/11/21</a:t>
+              <a:t>2014/11/23</a:t>
             </a:fld>
             <a:endParaRPr kumimoji="1" lang="ja-JP" altLang="en-US"/>
           </a:p>
@@ -4853,7 +4853,7 @@
           <a:p>
             <a:fld id="{8E38DBD1-F25C-9E4F-851F-C78CA3583CBD}" type="datetimeFigureOut">
               <a:rPr kumimoji="1" lang="ja-JP" altLang="en-US" smtClean="0"/>
-              <a:t>2014/11/21</a:t>
+              <a:t>2014/11/23</a:t>
             </a:fld>
             <a:endParaRPr kumimoji="1" lang="ja-JP" altLang="en-US"/>
           </a:p>
@@ -5098,7 +5098,7 @@
           <a:p>
             <a:fld id="{8E38DBD1-F25C-9E4F-851F-C78CA3583CBD}" type="datetimeFigureOut">
               <a:rPr kumimoji="1" lang="ja-JP" altLang="en-US" smtClean="0"/>
-              <a:t>2014/11/21</a:t>
+              <a:t>2014/11/23</a:t>
             </a:fld>
             <a:endParaRPr kumimoji="1" lang="ja-JP" altLang="en-US"/>
           </a:p>
@@ -6830,14 +6830,14 @@
                 </a:ln>
                 <a:extLst>
                   <a:ext uri="{909E8E84-426E-40dd-AFC4-6F175D3DCCD1}">
-                    <a14:hiddenFill xmlns="" xmlns:a14="http://schemas.microsoft.com/office/drawing/2010/main">
+                    <a14:hiddenFill xmlns:a14="http://schemas.microsoft.com/office/drawing/2010/main" xmlns="">
                       <a:solidFill>
                         <a:srgbClr val="FFFFFF"/>
                       </a:solidFill>
                     </a14:hiddenFill>
                   </a:ext>
                   <a:ext uri="{91240B29-F687-4f45-9708-019B960494DF}">
-                    <a14:hiddenLine xmlns="" xmlns:a14="http://schemas.microsoft.com/office/drawing/2010/main" w="9525">
+                    <a14:hiddenLine xmlns:a14="http://schemas.microsoft.com/office/drawing/2010/main" xmlns="" w="9525">
                       <a:solidFill>
                         <a:srgbClr val="000000"/>
                       </a:solidFill>
@@ -6901,14 +6901,14 @@
               </a:ln>
               <a:extLst>
                 <a:ext uri="{909E8E84-426E-40dd-AFC4-6F175D3DCCD1}">
-                  <a14:hiddenFill xmlns="" xmlns:a14="http://schemas.microsoft.com/office/drawing/2010/main">
+                  <a14:hiddenFill xmlns:a14="http://schemas.microsoft.com/office/drawing/2010/main" xmlns="">
                     <a:solidFill>
                       <a:srgbClr val="FFFFFF"/>
                     </a:solidFill>
                   </a14:hiddenFill>
                 </a:ext>
                 <a:ext uri="{91240B29-F687-4f45-9708-019B960494DF}">
-                  <a14:hiddenLine xmlns="" xmlns:a14="http://schemas.microsoft.com/office/drawing/2010/main" w="9525">
+                  <a14:hiddenLine xmlns:a14="http://schemas.microsoft.com/office/drawing/2010/main" xmlns="" w="9525">
                     <a:solidFill>
                       <a:srgbClr val="000000"/>
                     </a:solidFill>
@@ -16157,7 +16157,7 @@
         <p:spPr>
           <a:xfrm>
             <a:off x="5868317" y="1713123"/>
-            <a:ext cx="2767104" cy="646331"/>
+            <a:ext cx="3416320" cy="646331"/>
           </a:xfrm>
           <a:prstGeom prst="rect">
             <a:avLst/>
@@ -16179,7 +16179,19 @@
           <a:p>
             <a:r>
               <a:rPr lang="ja-JP" altLang="en-US" dirty="0" smtClean="0"/>
-              <a:t>　　改変すべき関数の同定</a:t>
+              <a:t>　　改変す</a:t>
+            </a:r>
+            <a:r>
+              <a:rPr lang="ja-JP" altLang="en-US" smtClean="0"/>
+              <a:t>べき</a:t>
+            </a:r>
+            <a:r>
+              <a:rPr lang="ja-JP" altLang="en-US" smtClean="0"/>
+              <a:t>関数</a:t>
+            </a:r>
+            <a:r>
+              <a:rPr lang="ja-JP" altLang="en-US" smtClean="0"/>
+              <a:t>を見つける</a:t>
             </a:r>
             <a:endParaRPr kumimoji="1" lang="ja-JP" altLang="en-US" dirty="0"/>
           </a:p>
@@ -19718,14 +19730,14 @@
                     </a:ln>
                     <a:extLst>
                       <a:ext uri="{909E8E84-426E-40dd-AFC4-6F175D3DCCD1}">
-                        <a14:hiddenFill xmlns="" xmlns:a14="http://schemas.microsoft.com/office/drawing/2010/main">
+                        <a14:hiddenFill xmlns:a14="http://schemas.microsoft.com/office/drawing/2010/main" xmlns="">
                           <a:solidFill>
                             <a:srgbClr val="FFFFFF"/>
                           </a:solidFill>
                         </a14:hiddenFill>
                       </a:ext>
                       <a:ext uri="{91240B29-F687-4f45-9708-019B960494DF}">
-                        <a14:hiddenLine xmlns="" xmlns:a14="http://schemas.microsoft.com/office/drawing/2010/main" w="9525">
+                        <a14:hiddenLine xmlns:a14="http://schemas.microsoft.com/office/drawing/2010/main" xmlns="" w="9525">
                           <a:solidFill>
                             <a:srgbClr val="000000"/>
                           </a:solidFill>
@@ -20133,14 +20145,14 @@
                   </a:ln>
                   <a:extLst>
                     <a:ext uri="{909E8E84-426E-40dd-AFC4-6F175D3DCCD1}">
-                      <a14:hiddenFill xmlns="" xmlns:a14="http://schemas.microsoft.com/office/drawing/2010/main">
+                      <a14:hiddenFill xmlns:a14="http://schemas.microsoft.com/office/drawing/2010/main" xmlns="">
                         <a:solidFill>
                           <a:srgbClr val="FFFFFF"/>
                         </a:solidFill>
                       </a14:hiddenFill>
                     </a:ext>
                     <a:ext uri="{91240B29-F687-4f45-9708-019B960494DF}">
-                      <a14:hiddenLine xmlns="" xmlns:a14="http://schemas.microsoft.com/office/drawing/2010/main" w="9525">
+                      <a14:hiddenLine xmlns:a14="http://schemas.microsoft.com/office/drawing/2010/main" xmlns="" w="9525">
                         <a:solidFill>
                           <a:srgbClr val="000000"/>
                         </a:solidFill>

--- a/doc/中間発表資料.pptx
+++ b/doc/中間発表資料.pptx
@@ -11147,7 +11147,7 @@
         </p:spPr>
         <p:txBody>
           <a:bodyPr>
-            <a:normAutofit lnSpcReduction="10000"/>
+            <a:normAutofit/>
           </a:bodyPr>
           <a:lstStyle/>
           <a:p>
@@ -11225,15 +11225,15 @@
             </a:r>
             <a:r>
               <a:rPr lang="ja-JP" altLang="en-US" dirty="0" smtClean="0"/>
-              <a:t>ブラウザがインストールされている</a:t>
-            </a:r>
-            <a:endParaRPr lang="en-US" altLang="ja-JP" dirty="0" smtClean="0"/>
-          </a:p>
-          <a:p>
-            <a:pPr lvl="3"/>
+              <a:t>ブラウザがインストールされて</a:t>
+            </a:r>
             <a:r>
               <a:rPr lang="ja-JP" altLang="en-US" dirty="0" smtClean="0"/>
-              <a:t>利用者の幅が広がりやすい</a:t>
+              <a:t>いるため、利用者</a:t>
+            </a:r>
+            <a:r>
+              <a:rPr lang="ja-JP" altLang="en-US" dirty="0" smtClean="0"/>
+              <a:t>の幅が広がりやすい</a:t>
             </a:r>
             <a:endParaRPr lang="en-US" altLang="ja-JP" dirty="0" smtClean="0"/>
           </a:p>
@@ -11340,6 +11340,96 @@
           </a:fontRef>
         </p:style>
       </p:cxnSp>
+      <p:pic>
+        <p:nvPicPr>
+          <p:cNvPr id="4" name="図 3"/>
+          <p:cNvPicPr>
+            <a:picLocks noChangeAspect="1"/>
+          </p:cNvPicPr>
+          <p:nvPr/>
+        </p:nvPicPr>
+        <p:blipFill>
+          <a:blip r:embed="rId3">
+            <a:extLst>
+              <a:ext uri="{28A0092B-C50C-407E-A947-70E740481C1C}">
+                <a14:useLocalDpi xmlns:a14="http://schemas.microsoft.com/office/drawing/2010/main" val="0"/>
+              </a:ext>
+            </a:extLst>
+          </a:blip>
+          <a:stretch>
+            <a:fillRect/>
+          </a:stretch>
+        </p:blipFill>
+        <p:spPr>
+          <a:xfrm>
+            <a:off x="6552659" y="1495731"/>
+            <a:ext cx="596838" cy="596838"/>
+          </a:xfrm>
+          <a:prstGeom prst="rect">
+            <a:avLst/>
+          </a:prstGeom>
+        </p:spPr>
+      </p:pic>
+      <p:pic>
+        <p:nvPicPr>
+          <p:cNvPr id="6" name="図 5"/>
+          <p:cNvPicPr>
+            <a:picLocks noChangeAspect="1"/>
+          </p:cNvPicPr>
+          <p:nvPr/>
+        </p:nvPicPr>
+        <p:blipFill>
+          <a:blip r:embed="rId4">
+            <a:extLst>
+              <a:ext uri="{28A0092B-C50C-407E-A947-70E740481C1C}">
+                <a14:useLocalDpi xmlns:a14="http://schemas.microsoft.com/office/drawing/2010/main" val="0"/>
+              </a:ext>
+            </a:extLst>
+          </a:blip>
+          <a:stretch>
+            <a:fillRect/>
+          </a:stretch>
+        </p:blipFill>
+        <p:spPr>
+          <a:xfrm>
+            <a:off x="7579612" y="1518410"/>
+            <a:ext cx="592159" cy="592159"/>
+          </a:xfrm>
+          <a:prstGeom prst="rect">
+            <a:avLst/>
+          </a:prstGeom>
+        </p:spPr>
+      </p:pic>
+      <p:pic>
+        <p:nvPicPr>
+          <p:cNvPr id="7" name="図 6"/>
+          <p:cNvPicPr>
+            <a:picLocks noChangeAspect="1"/>
+          </p:cNvPicPr>
+          <p:nvPr/>
+        </p:nvPicPr>
+        <p:blipFill>
+          <a:blip r:embed="rId5">
+            <a:extLst>
+              <a:ext uri="{28A0092B-C50C-407E-A947-70E740481C1C}">
+                <a14:useLocalDpi xmlns:a14="http://schemas.microsoft.com/office/drawing/2010/main" val="0"/>
+              </a:ext>
+            </a:extLst>
+          </a:blip>
+          <a:stretch>
+            <a:fillRect/>
+          </a:stretch>
+        </p:blipFill>
+        <p:spPr>
+          <a:xfrm>
+            <a:off x="7064650" y="1500929"/>
+            <a:ext cx="595130" cy="595130"/>
+          </a:xfrm>
+          <a:prstGeom prst="rect">
+            <a:avLst/>
+          </a:prstGeom>
+        </p:spPr>
+      </p:pic>
     </p:spTree>
     <p:extLst>
       <p:ext uri="{BB962C8B-B14F-4D97-AF65-F5344CB8AC3E}">
@@ -16179,18 +16269,14 @@
           <a:p>
             <a:r>
               <a:rPr lang="ja-JP" altLang="en-US" dirty="0" smtClean="0"/>
-              <a:t>　　改変す</a:t>
-            </a:r>
-            <a:r>
-              <a:rPr lang="ja-JP" altLang="en-US" smtClean="0"/>
-              <a:t>べき</a:t>
-            </a:r>
-            <a:r>
-              <a:rPr lang="ja-JP" altLang="en-US" smtClean="0"/>
+              <a:t>　　改変すべき</a:t>
+            </a:r>
+            <a:r>
+              <a:rPr lang="ja-JP" altLang="en-US" dirty="0" smtClean="0"/>
               <a:t>関数</a:t>
             </a:r>
             <a:r>
-              <a:rPr lang="ja-JP" altLang="en-US" smtClean="0"/>
+              <a:rPr lang="ja-JP" altLang="en-US" dirty="0" smtClean="0"/>
               <a:t>を見つける</a:t>
             </a:r>
             <a:endParaRPr kumimoji="1" lang="ja-JP" altLang="en-US" dirty="0"/>

--- a/doc/中間発表資料.pptx
+++ b/doc/中間発表資料.pptx
@@ -12,10 +12,10 @@
     <p:sldId id="278" r:id="rId3"/>
     <p:sldId id="283" r:id="rId4"/>
     <p:sldId id="279" r:id="rId5"/>
-    <p:sldId id="280" r:id="rId6"/>
-    <p:sldId id="262" r:id="rId7"/>
-    <p:sldId id="258" r:id="rId8"/>
-    <p:sldId id="285" r:id="rId9"/>
+    <p:sldId id="262" r:id="rId6"/>
+    <p:sldId id="258" r:id="rId7"/>
+    <p:sldId id="285" r:id="rId8"/>
+    <p:sldId id="280" r:id="rId9"/>
     <p:sldId id="273" r:id="rId10"/>
     <p:sldId id="267" r:id="rId11"/>
     <p:sldId id="268" r:id="rId12"/>
@@ -227,7 +227,7 @@
           <a:p>
             <a:fld id="{07C89E97-5434-9C4E-B6E5-C9F9FBA5FCE1}" type="datetimeFigureOut">
               <a:rPr kumimoji="1" lang="ja-JP" altLang="en-US" smtClean="0"/>
-              <a:t>2014/11/23</a:t>
+              <a:t>2014/11/24</a:t>
             </a:fld>
             <a:endParaRPr kumimoji="1" lang="ja-JP" altLang="en-US"/>
           </a:p>
@@ -1478,7 +1478,53 @@
           <a:p>
             <a:r>
               <a:rPr kumimoji="1" lang="ja-JP" altLang="en-US" dirty="0" smtClean="0"/>
-              <a:t>数理モデル研究者の日常的な１．並びに２．の実施方法について述べ、問題点をガッツリ指摘する。</a:t>
+              <a:t>例えば視覚神経数理モデルでの例として</a:t>
+            </a:r>
+            <a:r>
+              <a:rPr kumimoji="1" lang="en-US" altLang="ja-JP" dirty="0" smtClean="0"/>
+              <a:t>S</a:t>
+            </a:r>
+            <a:r>
+              <a:rPr kumimoji="1" lang="ja-JP" altLang="en-US" dirty="0" smtClean="0"/>
+              <a:t>＆</a:t>
+            </a:r>
+            <a:r>
+              <a:rPr kumimoji="1" lang="en-US" altLang="ja-JP" dirty="0" smtClean="0"/>
+              <a:t>H</a:t>
+            </a:r>
+            <a:r>
+              <a:rPr kumimoji="1" lang="ja-JP" altLang="en-US" dirty="0" smtClean="0"/>
+              <a:t>のモデルがあります。</a:t>
+            </a:r>
+            <a:endParaRPr kumimoji="1" lang="en-US" altLang="ja-JP" dirty="0" smtClean="0"/>
+          </a:p>
+          <a:p>
+            <a:r>
+              <a:rPr kumimoji="1" lang="ja-JP" altLang="en-US" dirty="0" smtClean="0"/>
+              <a:t>この数理モデルは画像データ入力のあと、</a:t>
+            </a:r>
+            <a:r>
+              <a:rPr kumimoji="1" lang="en-US" altLang="ja-JP" dirty="0" smtClean="0"/>
+              <a:t>V1</a:t>
+            </a:r>
+            <a:r>
+              <a:rPr kumimoji="1" lang="ja-JP" altLang="en-US" dirty="0" smtClean="0"/>
+              <a:t>野で処理されて出力、その出力を受け取って</a:t>
+            </a:r>
+            <a:r>
+              <a:rPr kumimoji="1" lang="en-US" altLang="ja-JP" dirty="0" smtClean="0"/>
+              <a:t>MT</a:t>
+            </a:r>
+            <a:r>
+              <a:rPr kumimoji="1" lang="ja-JP" altLang="en-US" dirty="0" smtClean="0"/>
+              <a:t>野で処理が行われて、出力結果が得られるという直線的な処理の流れで</a:t>
+            </a:r>
+            <a:endParaRPr kumimoji="1" lang="en-US" altLang="ja-JP" dirty="0" smtClean="0"/>
+          </a:p>
+          <a:p>
+            <a:r>
+              <a:rPr kumimoji="1" lang="ja-JP" altLang="en-US" dirty="0" smtClean="0"/>
+              <a:t>行われる数理モデルがあります。</a:t>
             </a:r>
             <a:endParaRPr kumimoji="1" lang="ja-JP" altLang="en-US" dirty="0"/>
           </a:p>
@@ -1503,14 +1549,14 @@
               <a:rPr kumimoji="1" lang="ja-JP" altLang="en-US" smtClean="0"/>
               <a:t>5</a:t>
             </a:fld>
-            <a:endParaRPr kumimoji="1" lang="ja-JP" altLang="en-US" dirty="0"/>
+            <a:endParaRPr kumimoji="1" lang="ja-JP" altLang="en-US"/>
           </a:p>
         </p:txBody>
       </p:sp>
     </p:spTree>
     <p:extLst>
       <p:ext uri="{BB962C8B-B14F-4D97-AF65-F5344CB8AC3E}">
-        <p14:creationId xmlns:p14="http://schemas.microsoft.com/office/powerpoint/2010/main" val="1402785510"/>
+        <p14:creationId xmlns:p14="http://schemas.microsoft.com/office/powerpoint/2010/main" val="1426034017"/>
       </p:ext>
     </p:extLst>
   </p:cSld>
@@ -1566,38 +1612,7 @@
           <a:p>
             <a:r>
               <a:rPr kumimoji="1" lang="ja-JP" altLang="en-US" dirty="0" smtClean="0"/>
-              <a:t>例えば視覚神経数理モデルでの例として</a:t>
-            </a:r>
-            <a:r>
-              <a:rPr kumimoji="1" lang="en-US" altLang="ja-JP" dirty="0" smtClean="0"/>
-              <a:t>S</a:t>
-            </a:r>
-            <a:r>
-              <a:rPr kumimoji="1" lang="ja-JP" altLang="en-US" dirty="0" smtClean="0"/>
-              <a:t>＆</a:t>
-            </a:r>
-            <a:r>
-              <a:rPr kumimoji="1" lang="en-US" altLang="ja-JP" dirty="0" smtClean="0"/>
-              <a:t>H</a:t>
-            </a:r>
-            <a:r>
-              <a:rPr kumimoji="1" lang="ja-JP" altLang="en-US" dirty="0" smtClean="0"/>
-              <a:t>のモデルがあります。</a:t>
-            </a:r>
-            <a:endParaRPr kumimoji="1" lang="en-US" altLang="ja-JP" dirty="0" smtClean="0"/>
-          </a:p>
-          <a:p>
-            <a:r>
-              <a:rPr kumimoji="1" lang="ja-JP" altLang="en-US" dirty="0" smtClean="0"/>
-              <a:t>この数理モデルは画像データ入力のあと、</a:t>
-            </a:r>
-            <a:r>
-              <a:rPr kumimoji="1" lang="en-US" altLang="ja-JP" dirty="0" smtClean="0"/>
-              <a:t>V1</a:t>
-            </a:r>
-            <a:r>
-              <a:rPr kumimoji="1" lang="ja-JP" altLang="en-US" dirty="0" smtClean="0"/>
-              <a:t>野で処理されて出力、その出力を受け取って</a:t>
+              <a:t>ここで、西本先生らの新しい論文で</a:t>
             </a:r>
             <a:r>
               <a:rPr kumimoji="1" lang="en-US" altLang="ja-JP" dirty="0" smtClean="0"/>
@@ -1605,14 +1620,37 @@
             </a:r>
             <a:r>
               <a:rPr kumimoji="1" lang="ja-JP" altLang="en-US" dirty="0" smtClean="0"/>
-              <a:t>野で処理が行われて、出力結果が得られるという直線的な処理の流れで</a:t>
+              <a:t>細胞には抑制性受容野があるという新しい知見が出てきました。</a:t>
             </a:r>
             <a:endParaRPr kumimoji="1" lang="en-US" altLang="ja-JP" dirty="0" smtClean="0"/>
           </a:p>
           <a:p>
             <a:r>
               <a:rPr kumimoji="1" lang="ja-JP" altLang="en-US" dirty="0" smtClean="0"/>
-              <a:t>行われる数理モデルがあります。</a:t>
+              <a:t>西本先生らの実験ではある一定のスピードｖに対して興奮、ｖ以下のスピードに対して抑制されるというように左右の図の様に違いがあります。</a:t>
+            </a:r>
+            <a:endParaRPr kumimoji="1" lang="en-US" altLang="ja-JP" dirty="0" smtClean="0"/>
+          </a:p>
+          <a:p>
+            <a:r>
+              <a:rPr kumimoji="1" lang="ja-JP" altLang="en-US" dirty="0" smtClean="0"/>
+              <a:t>こういった場合には先のスライドの</a:t>
+            </a:r>
+            <a:r>
+              <a:rPr kumimoji="1" lang="en-US" altLang="ja-JP" dirty="0" smtClean="0"/>
+              <a:t>S&amp;H</a:t>
+            </a:r>
+            <a:r>
+              <a:rPr kumimoji="1" lang="ja-JP" altLang="en-US" dirty="0" smtClean="0"/>
+              <a:t>モデルで</a:t>
+            </a:r>
+            <a:r>
+              <a:rPr kumimoji="1" lang="en-US" altLang="ja-JP" dirty="0" smtClean="0"/>
+              <a:t>MT</a:t>
+            </a:r>
+            <a:r>
+              <a:rPr kumimoji="1" lang="ja-JP" altLang="en-US" dirty="0" smtClean="0"/>
+              <a:t>野の処理を変更することで検証を行います。</a:t>
             </a:r>
             <a:endParaRPr kumimoji="1" lang="ja-JP" altLang="en-US" dirty="0"/>
           </a:p>
@@ -1644,7 +1682,7 @@
     </p:spTree>
     <p:extLst>
       <p:ext uri="{BB962C8B-B14F-4D97-AF65-F5344CB8AC3E}">
-        <p14:creationId xmlns:p14="http://schemas.microsoft.com/office/powerpoint/2010/main" val="1426034017"/>
+        <p14:creationId xmlns:p14="http://schemas.microsoft.com/office/powerpoint/2010/main" val="4140797714"/>
       </p:ext>
     </p:extLst>
   </p:cSld>
@@ -1700,7 +1738,38 @@
           <a:p>
             <a:r>
               <a:rPr kumimoji="1" lang="ja-JP" altLang="en-US" dirty="0" smtClean="0"/>
-              <a:t>ここで、西本先生らの新しい論文で</a:t>
+              <a:t>例えば視覚神経数理モデルでの例として</a:t>
+            </a:r>
+            <a:r>
+              <a:rPr kumimoji="1" lang="en-US" altLang="ja-JP" dirty="0" smtClean="0"/>
+              <a:t>S</a:t>
+            </a:r>
+            <a:r>
+              <a:rPr kumimoji="1" lang="ja-JP" altLang="en-US" dirty="0" smtClean="0"/>
+              <a:t>＆</a:t>
+            </a:r>
+            <a:r>
+              <a:rPr kumimoji="1" lang="en-US" altLang="ja-JP" dirty="0" smtClean="0"/>
+              <a:t>H</a:t>
+            </a:r>
+            <a:r>
+              <a:rPr kumimoji="1" lang="ja-JP" altLang="en-US" dirty="0" smtClean="0"/>
+              <a:t>のモデルがあります。</a:t>
+            </a:r>
+            <a:endParaRPr kumimoji="1" lang="en-US" altLang="ja-JP" dirty="0" smtClean="0"/>
+          </a:p>
+          <a:p>
+            <a:r>
+              <a:rPr kumimoji="1" lang="ja-JP" altLang="en-US" dirty="0" smtClean="0"/>
+              <a:t>この数理モデルは画像データ入力のあと、</a:t>
+            </a:r>
+            <a:r>
+              <a:rPr kumimoji="1" lang="en-US" altLang="ja-JP" dirty="0" smtClean="0"/>
+              <a:t>V1</a:t>
+            </a:r>
+            <a:r>
+              <a:rPr kumimoji="1" lang="ja-JP" altLang="en-US" dirty="0" smtClean="0"/>
+              <a:t>野で処理されて出力、その出力を受け取って</a:t>
             </a:r>
             <a:r>
               <a:rPr kumimoji="1" lang="en-US" altLang="ja-JP" dirty="0" smtClean="0"/>
@@ -1708,37 +1777,14 @@
             </a:r>
             <a:r>
               <a:rPr kumimoji="1" lang="ja-JP" altLang="en-US" dirty="0" smtClean="0"/>
-              <a:t>細胞には抑制性受容野があるという新しい知見が出てきました。</a:t>
+              <a:t>野で処理が行われて、出力結果が得られるという直線的な処理の流れで</a:t>
             </a:r>
             <a:endParaRPr kumimoji="1" lang="en-US" altLang="ja-JP" dirty="0" smtClean="0"/>
           </a:p>
           <a:p>
             <a:r>
               <a:rPr kumimoji="1" lang="ja-JP" altLang="en-US" dirty="0" smtClean="0"/>
-              <a:t>西本先生らの実験ではある一定のスピードｖに対して興奮、ｖ以下のスピードに対して抑制されるというように左右の図の様に違いがあります。</a:t>
-            </a:r>
-            <a:endParaRPr kumimoji="1" lang="en-US" altLang="ja-JP" dirty="0" smtClean="0"/>
-          </a:p>
-          <a:p>
-            <a:r>
-              <a:rPr kumimoji="1" lang="ja-JP" altLang="en-US" dirty="0" smtClean="0"/>
-              <a:t>こういった場合には先のスライドの</a:t>
-            </a:r>
-            <a:r>
-              <a:rPr kumimoji="1" lang="en-US" altLang="ja-JP" dirty="0" smtClean="0"/>
-              <a:t>S&amp;H</a:t>
-            </a:r>
-            <a:r>
-              <a:rPr kumimoji="1" lang="ja-JP" altLang="en-US" dirty="0" smtClean="0"/>
-              <a:t>モデルで</a:t>
-            </a:r>
-            <a:r>
-              <a:rPr kumimoji="1" lang="en-US" altLang="ja-JP" dirty="0" smtClean="0"/>
-              <a:t>MT</a:t>
-            </a:r>
-            <a:r>
-              <a:rPr kumimoji="1" lang="ja-JP" altLang="en-US" dirty="0" smtClean="0"/>
-              <a:t>野の処理を変更することで検証を行います。</a:t>
+              <a:t>行われる数理モデルがあります。</a:t>
             </a:r>
             <a:endParaRPr kumimoji="1" lang="ja-JP" altLang="en-US" dirty="0"/>
           </a:p>
@@ -1770,7 +1816,7 @@
     </p:spTree>
     <p:extLst>
       <p:ext uri="{BB962C8B-B14F-4D97-AF65-F5344CB8AC3E}">
-        <p14:creationId xmlns:p14="http://schemas.microsoft.com/office/powerpoint/2010/main" val="4140797714"/>
+        <p14:creationId xmlns:p14="http://schemas.microsoft.com/office/powerpoint/2010/main" val="3949951125"/>
       </p:ext>
     </p:extLst>
   </p:cSld>
@@ -1826,53 +1872,7 @@
           <a:p>
             <a:r>
               <a:rPr kumimoji="1" lang="ja-JP" altLang="en-US" dirty="0" smtClean="0"/>
-              <a:t>例えば視覚神経数理モデルでの例として</a:t>
-            </a:r>
-            <a:r>
-              <a:rPr kumimoji="1" lang="en-US" altLang="ja-JP" dirty="0" smtClean="0"/>
-              <a:t>S</a:t>
-            </a:r>
-            <a:r>
-              <a:rPr kumimoji="1" lang="ja-JP" altLang="en-US" dirty="0" smtClean="0"/>
-              <a:t>＆</a:t>
-            </a:r>
-            <a:r>
-              <a:rPr kumimoji="1" lang="en-US" altLang="ja-JP" dirty="0" smtClean="0"/>
-              <a:t>H</a:t>
-            </a:r>
-            <a:r>
-              <a:rPr kumimoji="1" lang="ja-JP" altLang="en-US" dirty="0" smtClean="0"/>
-              <a:t>のモデルがあります。</a:t>
-            </a:r>
-            <a:endParaRPr kumimoji="1" lang="en-US" altLang="ja-JP" dirty="0" smtClean="0"/>
-          </a:p>
-          <a:p>
-            <a:r>
-              <a:rPr kumimoji="1" lang="ja-JP" altLang="en-US" dirty="0" smtClean="0"/>
-              <a:t>この数理モデルは画像データ入力のあと、</a:t>
-            </a:r>
-            <a:r>
-              <a:rPr kumimoji="1" lang="en-US" altLang="ja-JP" dirty="0" smtClean="0"/>
-              <a:t>V1</a:t>
-            </a:r>
-            <a:r>
-              <a:rPr kumimoji="1" lang="ja-JP" altLang="en-US" dirty="0" smtClean="0"/>
-              <a:t>野で処理されて出力、その出力を受け取って</a:t>
-            </a:r>
-            <a:r>
-              <a:rPr kumimoji="1" lang="en-US" altLang="ja-JP" dirty="0" smtClean="0"/>
-              <a:t>MT</a:t>
-            </a:r>
-            <a:r>
-              <a:rPr kumimoji="1" lang="ja-JP" altLang="en-US" dirty="0" smtClean="0"/>
-              <a:t>野で処理が行われて、出力結果が得られるという直線的な処理の流れで</a:t>
-            </a:r>
-            <a:endParaRPr kumimoji="1" lang="en-US" altLang="ja-JP" dirty="0" smtClean="0"/>
-          </a:p>
-          <a:p>
-            <a:r>
-              <a:rPr kumimoji="1" lang="ja-JP" altLang="en-US" dirty="0" smtClean="0"/>
-              <a:t>行われる数理モデルがあります。</a:t>
+              <a:t>数理モデル研究者の日常的な１．並びに２．の実施方法について述べ、問題点をガッツリ指摘する。</a:t>
             </a:r>
             <a:endParaRPr kumimoji="1" lang="ja-JP" altLang="en-US" dirty="0"/>
           </a:p>
@@ -1897,14 +1897,14 @@
               <a:rPr kumimoji="1" lang="ja-JP" altLang="en-US" smtClean="0"/>
               <a:t>8</a:t>
             </a:fld>
-            <a:endParaRPr kumimoji="1" lang="ja-JP" altLang="en-US"/>
+            <a:endParaRPr kumimoji="1" lang="ja-JP" altLang="en-US" dirty="0"/>
           </a:p>
         </p:txBody>
       </p:sp>
     </p:spTree>
     <p:extLst>
       <p:ext uri="{BB962C8B-B14F-4D97-AF65-F5344CB8AC3E}">
-        <p14:creationId xmlns:p14="http://schemas.microsoft.com/office/powerpoint/2010/main" val="3949951125"/>
+        <p14:creationId xmlns:p14="http://schemas.microsoft.com/office/powerpoint/2010/main" val="1402785510"/>
       </p:ext>
     </p:extLst>
   </p:cSld>
@@ -2378,7 +2378,7 @@
           <a:p>
             <a:fld id="{8E38DBD1-F25C-9E4F-851F-C78CA3583CBD}" type="datetimeFigureOut">
               <a:rPr kumimoji="1" lang="ja-JP" altLang="en-US" smtClean="0"/>
-              <a:t>2014/11/23</a:t>
+              <a:t>2014/11/24</a:t>
             </a:fld>
             <a:endParaRPr kumimoji="1" lang="ja-JP" altLang="en-US"/>
           </a:p>
@@ -2580,7 +2580,7 @@
           <a:p>
             <a:fld id="{8E38DBD1-F25C-9E4F-851F-C78CA3583CBD}" type="datetimeFigureOut">
               <a:rPr kumimoji="1" lang="ja-JP" altLang="en-US" smtClean="0"/>
-              <a:t>2014/11/23</a:t>
+              <a:t>2014/11/24</a:t>
             </a:fld>
             <a:endParaRPr kumimoji="1" lang="ja-JP" altLang="en-US"/>
           </a:p>
@@ -2792,7 +2792,7 @@
           <a:p>
             <a:fld id="{8E38DBD1-F25C-9E4F-851F-C78CA3583CBD}" type="datetimeFigureOut">
               <a:rPr kumimoji="1" lang="ja-JP" altLang="en-US" smtClean="0"/>
-              <a:t>2014/11/23</a:t>
+              <a:t>2014/11/24</a:t>
             </a:fld>
             <a:endParaRPr kumimoji="1" lang="ja-JP" altLang="en-US"/>
           </a:p>
@@ -2994,7 +2994,7 @@
           <a:p>
             <a:fld id="{8E38DBD1-F25C-9E4F-851F-C78CA3583CBD}" type="datetimeFigureOut">
               <a:rPr kumimoji="1" lang="ja-JP" altLang="en-US" smtClean="0"/>
-              <a:t>2014/11/23</a:t>
+              <a:t>2014/11/24</a:t>
             </a:fld>
             <a:endParaRPr kumimoji="1" lang="ja-JP" altLang="en-US"/>
           </a:p>
@@ -3240,7 +3240,7 @@
           <a:p>
             <a:fld id="{8E38DBD1-F25C-9E4F-851F-C78CA3583CBD}" type="datetimeFigureOut">
               <a:rPr kumimoji="1" lang="ja-JP" altLang="en-US" smtClean="0"/>
-              <a:t>2014/11/23</a:t>
+              <a:t>2014/11/24</a:t>
             </a:fld>
             <a:endParaRPr kumimoji="1" lang="ja-JP" altLang="en-US"/>
           </a:p>
@@ -3592,7 +3592,7 @@
           <a:p>
             <a:fld id="{8E38DBD1-F25C-9E4F-851F-C78CA3583CBD}" type="datetimeFigureOut">
               <a:rPr kumimoji="1" lang="ja-JP" altLang="en-US" smtClean="0"/>
-              <a:t>2014/11/23</a:t>
+              <a:t>2014/11/24</a:t>
             </a:fld>
             <a:endParaRPr kumimoji="1" lang="ja-JP" altLang="en-US"/>
           </a:p>
@@ -4078,7 +4078,7 @@
           <a:p>
             <a:fld id="{8E38DBD1-F25C-9E4F-851F-C78CA3583CBD}" type="datetimeFigureOut">
               <a:rPr kumimoji="1" lang="ja-JP" altLang="en-US" smtClean="0"/>
-              <a:t>2014/11/23</a:t>
+              <a:t>2014/11/24</a:t>
             </a:fld>
             <a:endParaRPr kumimoji="1" lang="ja-JP" altLang="en-US"/>
           </a:p>
@@ -4196,7 +4196,7 @@
           <a:p>
             <a:fld id="{8E38DBD1-F25C-9E4F-851F-C78CA3583CBD}" type="datetimeFigureOut">
               <a:rPr kumimoji="1" lang="ja-JP" altLang="en-US" smtClean="0"/>
-              <a:t>2014/11/23</a:t>
+              <a:t>2014/11/24</a:t>
             </a:fld>
             <a:endParaRPr kumimoji="1" lang="ja-JP" altLang="en-US"/>
           </a:p>
@@ -4291,7 +4291,7 @@
           <a:p>
             <a:fld id="{8E38DBD1-F25C-9E4F-851F-C78CA3583CBD}" type="datetimeFigureOut">
               <a:rPr kumimoji="1" lang="ja-JP" altLang="en-US" smtClean="0"/>
-              <a:t>2014/11/23</a:t>
+              <a:t>2014/11/24</a:t>
             </a:fld>
             <a:endParaRPr kumimoji="1" lang="ja-JP" altLang="en-US"/>
           </a:p>
@@ -4600,7 +4600,7 @@
           <a:p>
             <a:fld id="{8E38DBD1-F25C-9E4F-851F-C78CA3583CBD}" type="datetimeFigureOut">
               <a:rPr kumimoji="1" lang="ja-JP" altLang="en-US" smtClean="0"/>
-              <a:t>2014/11/23</a:t>
+              <a:t>2014/11/24</a:t>
             </a:fld>
             <a:endParaRPr kumimoji="1" lang="ja-JP" altLang="en-US"/>
           </a:p>
@@ -4853,7 +4853,7 @@
           <a:p>
             <a:fld id="{8E38DBD1-F25C-9E4F-851F-C78CA3583CBD}" type="datetimeFigureOut">
               <a:rPr kumimoji="1" lang="ja-JP" altLang="en-US" smtClean="0"/>
-              <a:t>2014/11/23</a:t>
+              <a:t>2014/11/24</a:t>
             </a:fld>
             <a:endParaRPr kumimoji="1" lang="ja-JP" altLang="en-US"/>
           </a:p>
@@ -5098,7 +5098,7 @@
           <a:p>
             <a:fld id="{8E38DBD1-F25C-9E4F-851F-C78CA3583CBD}" type="datetimeFigureOut">
               <a:rPr kumimoji="1" lang="ja-JP" altLang="en-US" smtClean="0"/>
-              <a:t>2014/11/23</a:t>
+              <a:t>2014/11/24</a:t>
             </a:fld>
             <a:endParaRPr kumimoji="1" lang="ja-JP" altLang="en-US"/>
           </a:p>
@@ -6830,14 +6830,14 @@
                 </a:ln>
                 <a:extLst>
                   <a:ext uri="{909E8E84-426E-40dd-AFC4-6F175D3DCCD1}">
-                    <a14:hiddenFill xmlns:a14="http://schemas.microsoft.com/office/drawing/2010/main" xmlns="">
+                    <a14:hiddenFill xmlns="" xmlns:a14="http://schemas.microsoft.com/office/drawing/2010/main">
                       <a:solidFill>
                         <a:srgbClr val="FFFFFF"/>
                       </a:solidFill>
                     </a14:hiddenFill>
                   </a:ext>
                   <a:ext uri="{91240B29-F687-4f45-9708-019B960494DF}">
-                    <a14:hiddenLine xmlns:a14="http://schemas.microsoft.com/office/drawing/2010/main" xmlns="" w="9525">
+                    <a14:hiddenLine xmlns="" xmlns:a14="http://schemas.microsoft.com/office/drawing/2010/main" w="9525">
                       <a:solidFill>
                         <a:srgbClr val="000000"/>
                       </a:solidFill>
@@ -6901,14 +6901,14 @@
               </a:ln>
               <a:extLst>
                 <a:ext uri="{909E8E84-426E-40dd-AFC4-6F175D3DCCD1}">
-                  <a14:hiddenFill xmlns:a14="http://schemas.microsoft.com/office/drawing/2010/main" xmlns="">
+                  <a14:hiddenFill xmlns="" xmlns:a14="http://schemas.microsoft.com/office/drawing/2010/main">
                     <a:solidFill>
                       <a:srgbClr val="FFFFFF"/>
                     </a:solidFill>
                   </a14:hiddenFill>
                 </a:ext>
                 <a:ext uri="{91240B29-F687-4f45-9708-019B960494DF}">
-                  <a14:hiddenLine xmlns:a14="http://schemas.microsoft.com/office/drawing/2010/main" xmlns="" w="9525">
+                  <a14:hiddenLine xmlns="" xmlns:a14="http://schemas.microsoft.com/office/drawing/2010/main" w="9525">
                     <a:solidFill>
                       <a:srgbClr val="000000"/>
                     </a:solidFill>
@@ -9715,16 +9715,31 @@
           <a:p>
             <a:pPr lvl="2"/>
             <a:r>
-              <a:rPr kumimoji="1" lang="en-US" altLang="ja-JP" dirty="0" err="1" smtClean="0"/>
-              <a:t>SimuLink</a:t>
-            </a:r>
-            <a:endParaRPr kumimoji="1" lang="en-US" altLang="ja-JP" dirty="0" smtClean="0"/>
-          </a:p>
-          <a:p>
-            <a:pPr lvl="2"/>
-            <a:r>
-              <a:rPr kumimoji="1" lang="en-US" altLang="ja-JP" dirty="0" err="1" smtClean="0"/>
+              <a:rPr lang="ja-JP" altLang="en-US" dirty="0" smtClean="0"/>
+              <a:t>教育用途が多い</a:t>
+            </a:r>
+            <a:endParaRPr lang="en-US" altLang="ja-JP" dirty="0" smtClean="0"/>
+          </a:p>
+          <a:p>
+            <a:pPr lvl="3"/>
+            <a:r>
+              <a:rPr kumimoji="1" lang="en-US" altLang="ja-JP" dirty="0" smtClean="0"/>
+              <a:t>Scratch</a:t>
+            </a:r>
+          </a:p>
+          <a:p>
+            <a:pPr lvl="3"/>
+            <a:r>
+              <a:rPr lang="en-US" altLang="ja-JP" dirty="0" err="1" smtClean="0"/>
               <a:t>LabView</a:t>
+            </a:r>
+            <a:endParaRPr lang="en-US" altLang="ja-JP" dirty="0" smtClean="0"/>
+          </a:p>
+          <a:p>
+            <a:pPr lvl="3"/>
+            <a:r>
+              <a:rPr kumimoji="1" lang="en-US" altLang="ja-JP" dirty="0" smtClean="0"/>
+              <a:t>Simulink</a:t>
             </a:r>
             <a:endParaRPr kumimoji="1" lang="en-US" altLang="ja-JP" dirty="0" smtClean="0"/>
           </a:p>
@@ -9772,6 +9787,96 @@
           </a:fontRef>
         </p:style>
       </p:cxnSp>
+      <p:pic>
+        <p:nvPicPr>
+          <p:cNvPr id="4" name="図 3"/>
+          <p:cNvPicPr>
+            <a:picLocks noChangeAspect="1"/>
+          </p:cNvPicPr>
+          <p:nvPr/>
+        </p:nvPicPr>
+        <p:blipFill>
+          <a:blip r:embed="rId3">
+            <a:extLst>
+              <a:ext uri="{28A0092B-C50C-407E-A947-70E740481C1C}">
+                <a14:useLocalDpi xmlns:a14="http://schemas.microsoft.com/office/drawing/2010/main" val="0"/>
+              </a:ext>
+            </a:extLst>
+          </a:blip>
+          <a:stretch>
+            <a:fillRect/>
+          </a:stretch>
+        </p:blipFill>
+        <p:spPr>
+          <a:xfrm>
+            <a:off x="149470" y="4721472"/>
+            <a:ext cx="2813538" cy="2027726"/>
+          </a:xfrm>
+          <a:prstGeom prst="rect">
+            <a:avLst/>
+          </a:prstGeom>
+        </p:spPr>
+      </p:pic>
+      <p:pic>
+        <p:nvPicPr>
+          <p:cNvPr id="6" name="図 5"/>
+          <p:cNvPicPr>
+            <a:picLocks noChangeAspect="1"/>
+          </p:cNvPicPr>
+          <p:nvPr/>
+        </p:nvPicPr>
+        <p:blipFill>
+          <a:blip r:embed="rId4">
+            <a:extLst>
+              <a:ext uri="{28A0092B-C50C-407E-A947-70E740481C1C}">
+                <a14:useLocalDpi xmlns:a14="http://schemas.microsoft.com/office/drawing/2010/main" val="0"/>
+              </a:ext>
+            </a:extLst>
+          </a:blip>
+          <a:stretch>
+            <a:fillRect/>
+          </a:stretch>
+        </p:blipFill>
+        <p:spPr>
+          <a:xfrm>
+            <a:off x="3094529" y="4711992"/>
+            <a:ext cx="3024917" cy="2037206"/>
+          </a:xfrm>
+          <a:prstGeom prst="rect">
+            <a:avLst/>
+          </a:prstGeom>
+        </p:spPr>
+      </p:pic>
+      <p:pic>
+        <p:nvPicPr>
+          <p:cNvPr id="7" name="図 6"/>
+          <p:cNvPicPr>
+            <a:picLocks noChangeAspect="1"/>
+          </p:cNvPicPr>
+          <p:nvPr/>
+        </p:nvPicPr>
+        <p:blipFill>
+          <a:blip r:embed="rId5">
+            <a:extLst>
+              <a:ext uri="{28A0092B-C50C-407E-A947-70E740481C1C}">
+                <a14:useLocalDpi xmlns:a14="http://schemas.microsoft.com/office/drawing/2010/main" val="0"/>
+              </a:ext>
+            </a:extLst>
+          </a:blip>
+          <a:stretch>
+            <a:fillRect/>
+          </a:stretch>
+        </p:blipFill>
+        <p:spPr>
+          <a:xfrm>
+            <a:off x="6250967" y="4711992"/>
+            <a:ext cx="2863693" cy="2037206"/>
+          </a:xfrm>
+          <a:prstGeom prst="rect">
+            <a:avLst/>
+          </a:prstGeom>
+        </p:spPr>
+      </p:pic>
     </p:spTree>
     <p:extLst>
       <p:ext uri="{BB962C8B-B14F-4D97-AF65-F5344CB8AC3E}">
@@ -9887,36 +9992,24 @@
           <a:p>
             <a:pPr lvl="2"/>
             <a:r>
+              <a:rPr lang="ja-JP" altLang="en-US" dirty="0"/>
+              <a:t>必要</a:t>
+            </a:r>
+            <a:r>
               <a:rPr lang="ja-JP" altLang="en-US" dirty="0" smtClean="0"/>
-              <a:t>対応する</a:t>
-            </a:r>
-            <a:r>
-              <a:rPr lang="en-US" altLang="ja-JP" dirty="0" err="1" smtClean="0"/>
-              <a:t>ToolBox</a:t>
-            </a:r>
+              <a:t>なライブラリはオプション製品の場合がある</a:t>
+            </a:r>
+            <a:endParaRPr lang="en-US" altLang="ja-JP" dirty="0" smtClean="0"/>
+          </a:p>
+          <a:p>
+            <a:pPr lvl="2"/>
             <a:r>
               <a:rPr lang="ja-JP" altLang="en-US" dirty="0" smtClean="0"/>
-              <a:t>が必要でどれが必要</a:t>
-            </a:r>
-            <a:r>
-              <a:rPr lang="en-US" altLang="ja-JP" dirty="0" err="1" smtClean="0"/>
-              <a:t>ToolBox</a:t>
+              <a:t>自作</a:t>
             </a:r>
             <a:r>
               <a:rPr lang="ja-JP" altLang="en-US" dirty="0" smtClean="0"/>
-              <a:t>かわかりにくい</a:t>
-            </a:r>
-            <a:endParaRPr lang="en-US" altLang="ja-JP" dirty="0" smtClean="0"/>
-          </a:p>
-          <a:p>
-            <a:pPr lvl="2"/>
-            <a:r>
-              <a:rPr lang="en-US" altLang="ja-JP" dirty="0" err="1" smtClean="0"/>
-              <a:t>ToolBox</a:t>
-            </a:r>
-            <a:r>
-              <a:rPr lang="ja-JP" altLang="en-US" dirty="0" smtClean="0"/>
-              <a:t>（関数）の自作もできるが手順が煩雑</a:t>
+              <a:t>もできるが手順が煩雑</a:t>
             </a:r>
             <a:endParaRPr lang="en-US" altLang="ja-JP" dirty="0" smtClean="0"/>
           </a:p>
@@ -11225,15 +11318,7 @@
             </a:r>
             <a:r>
               <a:rPr lang="ja-JP" altLang="en-US" dirty="0" smtClean="0"/>
-              <a:t>ブラウザがインストールされて</a:t>
-            </a:r>
-            <a:r>
-              <a:rPr lang="ja-JP" altLang="en-US" dirty="0" smtClean="0"/>
-              <a:t>いるため、利用者</a:t>
-            </a:r>
-            <a:r>
-              <a:rPr lang="ja-JP" altLang="en-US" dirty="0" smtClean="0"/>
-              <a:t>の幅が広がりやすい</a:t>
+              <a:t>ブラウザがインストールされているため、利用者の幅が広がりやすい</a:t>
             </a:r>
             <a:endParaRPr lang="en-US" altLang="ja-JP" dirty="0" smtClean="0"/>
           </a:p>
@@ -15642,7 +15727,11 @@
           <a:p>
             <a:r>
               <a:rPr kumimoji="1" lang="ja-JP" altLang="en-US" sz="3600" dirty="0" smtClean="0"/>
-              <a:t>視覚数理モデル研究</a:t>
+              <a:t>視覚数理モデル</a:t>
+            </a:r>
+            <a:r>
+              <a:rPr kumimoji="1" lang="ja-JP" altLang="en-US" sz="3600" dirty="0" smtClean="0"/>
+              <a:t>研究とは</a:t>
             </a:r>
             <a:endParaRPr kumimoji="1" lang="ja-JP" altLang="en-US" sz="3600" dirty="0"/>
           </a:p>
@@ -15666,7 +15755,7 @@
         </p:spPr>
         <p:txBody>
           <a:bodyPr>
-            <a:normAutofit fontScale="92500"/>
+            <a:normAutofit fontScale="92500" lnSpcReduction="10000"/>
           </a:bodyPr>
           <a:lstStyle/>
           <a:p>
@@ -15796,14 +15885,23 @@
             </a:pPr>
             <a:r>
               <a:rPr lang="ja-JP" altLang="en-US" dirty="0" smtClean="0"/>
-              <a:t>シミュレーション結果と実験結果の整合性確認</a:t>
+              <a:t>シミュレーション結果と実験結果の整合性</a:t>
+            </a:r>
+            <a:r>
+              <a:rPr lang="ja-JP" altLang="en-US" dirty="0" smtClean="0"/>
+              <a:t>確認</a:t>
             </a:r>
             <a:endParaRPr lang="en-US" altLang="ja-JP" dirty="0" smtClean="0"/>
           </a:p>
           <a:p>
-            <a:pPr marL="514350" indent="-514350">
-              <a:buFont typeface="+mj-lt"/>
-              <a:buAutoNum type="arabicPeriod"/>
+            <a:pPr marL="400050" lvl="1" indent="0">
+              <a:buNone/>
+            </a:pPr>
+            <a:endParaRPr lang="en-US" altLang="ja-JP" dirty="0" smtClean="0"/>
+          </a:p>
+          <a:p>
+            <a:pPr marL="0" indent="0">
+              <a:buNone/>
             </a:pPr>
             <a:r>
               <a:rPr lang="ja-JP" altLang="en-US" dirty="0" smtClean="0">
@@ -15811,7 +15909,15 @@
                   <a:srgbClr val="FF0000"/>
                 </a:solidFill>
               </a:rPr>
-              <a:t>研究は１～３の繰り返し</a:t>
+              <a:t>１</a:t>
+            </a:r>
+            <a:r>
+              <a:rPr lang="ja-JP" altLang="en-US" dirty="0" smtClean="0">
+                <a:solidFill>
+                  <a:srgbClr val="FF0000"/>
+                </a:solidFill>
+              </a:rPr>
+              <a:t>～３の繰り返し</a:t>
             </a:r>
             <a:endParaRPr lang="en-US" altLang="ja-JP" dirty="0" smtClean="0">
               <a:solidFill>
@@ -15990,1131 +16096,6 @@
 </file>
 
 <file path=ppt/slides/slide5.xml><?xml version="1.0" encoding="utf-8"?>
-<p:sld xmlns:a="http://schemas.openxmlformats.org/drawingml/2006/main" xmlns:r="http://schemas.openxmlformats.org/officeDocument/2006/relationships" xmlns:p="http://schemas.openxmlformats.org/presentationml/2006/main">
-  <p:cSld>
-    <p:spTree>
-      <p:nvGrpSpPr>
-        <p:cNvPr id="1" name=""/>
-        <p:cNvGrpSpPr/>
-        <p:nvPr/>
-      </p:nvGrpSpPr>
-      <p:grpSpPr>
-        <a:xfrm>
-          <a:off x="0" y="0"/>
-          <a:ext cx="0" cy="0"/>
-          <a:chOff x="0" y="0"/>
-          <a:chExt cx="0" cy="0"/>
-        </a:xfrm>
-      </p:grpSpPr>
-      <p:sp>
-        <p:nvSpPr>
-          <p:cNvPr id="2" name="タイトル 1"/>
-          <p:cNvSpPr>
-            <a:spLocks noGrp="1"/>
-          </p:cNvSpPr>
-          <p:nvPr>
-            <p:ph type="title"/>
-          </p:nvPr>
-        </p:nvSpPr>
-        <p:spPr>
-          <a:xfrm>
-            <a:off x="457200" y="-15508"/>
-            <a:ext cx="8229600" cy="817796"/>
-          </a:xfrm>
-        </p:spPr>
-        <p:txBody>
-          <a:bodyPr>
-            <a:normAutofit/>
-          </a:bodyPr>
-          <a:lstStyle/>
-          <a:p>
-            <a:r>
-              <a:rPr kumimoji="1" lang="ja-JP" altLang="en-US" sz="3600" dirty="0" smtClean="0"/>
-              <a:t>視覚数理モデル研究の</a:t>
-            </a:r>
-            <a:r>
-              <a:rPr lang="ja-JP" altLang="en-US" sz="3600" dirty="0"/>
-              <a:t>ライフサイクル</a:t>
-            </a:r>
-            <a:endParaRPr kumimoji="1" lang="ja-JP" altLang="en-US" sz="3600" dirty="0"/>
-          </a:p>
-        </p:txBody>
-      </p:sp>
-      <p:cxnSp>
-        <p:nvCxnSpPr>
-          <p:cNvPr id="5" name="直線コネクタ 4"/>
-          <p:cNvCxnSpPr/>
-          <p:nvPr/>
-        </p:nvCxnSpPr>
-        <p:spPr>
-          <a:xfrm>
-            <a:off x="510701" y="898892"/>
-            <a:ext cx="8478982" cy="0"/>
-          </a:xfrm>
-          <a:prstGeom prst="line">
-            <a:avLst/>
-          </a:prstGeom>
-        </p:spPr>
-        <p:style>
-          <a:lnRef idx="2">
-            <a:schemeClr val="accent1"/>
-          </a:lnRef>
-          <a:fillRef idx="0">
-            <a:schemeClr val="accent1"/>
-          </a:fillRef>
-          <a:effectRef idx="1">
-            <a:schemeClr val="accent1"/>
-          </a:effectRef>
-          <a:fontRef idx="minor">
-            <a:schemeClr val="tx1"/>
-          </a:fontRef>
-        </p:style>
-      </p:cxnSp>
-      <p:pic>
-        <p:nvPicPr>
-          <p:cNvPr id="12" name="図 11"/>
-          <p:cNvPicPr>
-            <a:picLocks noChangeAspect="1"/>
-          </p:cNvPicPr>
-          <p:nvPr/>
-        </p:nvPicPr>
-        <p:blipFill>
-          <a:blip r:embed="rId3"/>
-          <a:stretch>
-            <a:fillRect/>
-          </a:stretch>
-        </p:blipFill>
-        <p:spPr>
-          <a:xfrm>
-            <a:off x="1" y="1310081"/>
-            <a:ext cx="5969976" cy="5396986"/>
-          </a:xfrm>
-          <a:prstGeom prst="rect">
-            <a:avLst/>
-          </a:prstGeom>
-        </p:spPr>
-      </p:pic>
-      <p:sp>
-        <p:nvSpPr>
-          <p:cNvPr id="13" name="テキスト ボックス 12"/>
-          <p:cNvSpPr txBox="1"/>
-          <p:nvPr/>
-        </p:nvSpPr>
-        <p:spPr>
-          <a:xfrm>
-            <a:off x="5868316" y="979879"/>
-            <a:ext cx="3121367" cy="369332"/>
-          </a:xfrm>
-          <a:prstGeom prst="rect">
-            <a:avLst/>
-          </a:prstGeom>
-          <a:noFill/>
-        </p:spPr>
-        <p:txBody>
-          <a:bodyPr wrap="none" rtlCol="0">
-            <a:spAutoFit/>
-          </a:bodyPr>
-          <a:lstStyle/>
-          <a:p>
-            <a:r>
-              <a:rPr kumimoji="1" lang="ja-JP" altLang="en-US" dirty="0" smtClean="0"/>
-              <a:t>１．既存モデルのソースを確認</a:t>
-            </a:r>
-            <a:endParaRPr kumimoji="1" lang="ja-JP" altLang="en-US" dirty="0"/>
-          </a:p>
-        </p:txBody>
-      </p:sp>
-      <p:sp>
-        <p:nvSpPr>
-          <p:cNvPr id="15" name="円/楕円 14"/>
-          <p:cNvSpPr/>
-          <p:nvPr/>
-        </p:nvSpPr>
-        <p:spPr>
-          <a:xfrm>
-            <a:off x="2958612" y="2829295"/>
-            <a:ext cx="2909703" cy="3877772"/>
-          </a:xfrm>
-          <a:prstGeom prst="ellipse">
-            <a:avLst/>
-          </a:prstGeom>
-          <a:noFill/>
-          <a:ln w="25400">
-            <a:solidFill>
-              <a:srgbClr val="FF0000"/>
-            </a:solidFill>
-          </a:ln>
-        </p:spPr>
-        <p:style>
-          <a:lnRef idx="1">
-            <a:schemeClr val="accent1"/>
-          </a:lnRef>
-          <a:fillRef idx="3">
-            <a:schemeClr val="accent1"/>
-          </a:fillRef>
-          <a:effectRef idx="2">
-            <a:schemeClr val="accent1"/>
-          </a:effectRef>
-          <a:fontRef idx="minor">
-            <a:schemeClr val="lt1"/>
-          </a:fontRef>
-        </p:style>
-        <p:txBody>
-          <a:bodyPr rtlCol="0" anchor="ctr"/>
-          <a:lstStyle/>
-          <a:p>
-            <a:pPr algn="ctr"/>
-            <a:endParaRPr kumimoji="1" lang="ja-JP" altLang="en-US"/>
-          </a:p>
-        </p:txBody>
-      </p:sp>
-      <p:sp>
-        <p:nvSpPr>
-          <p:cNvPr id="18" name="円/楕円 17"/>
-          <p:cNvSpPr/>
-          <p:nvPr/>
-        </p:nvSpPr>
-        <p:spPr>
-          <a:xfrm>
-            <a:off x="61546" y="2829295"/>
-            <a:ext cx="1521070" cy="3886200"/>
-          </a:xfrm>
-          <a:prstGeom prst="ellipse">
-            <a:avLst/>
-          </a:prstGeom>
-          <a:noFill/>
-          <a:ln w="25400"/>
-        </p:spPr>
-        <p:style>
-          <a:lnRef idx="1">
-            <a:schemeClr val="accent1"/>
-          </a:lnRef>
-          <a:fillRef idx="3">
-            <a:schemeClr val="accent1"/>
-          </a:fillRef>
-          <a:effectRef idx="2">
-            <a:schemeClr val="accent1"/>
-          </a:effectRef>
-          <a:fontRef idx="minor">
-            <a:schemeClr val="lt1"/>
-          </a:fontRef>
-        </p:style>
-        <p:txBody>
-          <a:bodyPr rtlCol="0" anchor="ctr"/>
-          <a:lstStyle/>
-          <a:p>
-            <a:pPr algn="ctr"/>
-            <a:endParaRPr kumimoji="1" lang="ja-JP" altLang="en-US"/>
-          </a:p>
-        </p:txBody>
-      </p:sp>
-      <p:sp>
-        <p:nvSpPr>
-          <p:cNvPr id="20" name="テキスト ボックス 19"/>
-          <p:cNvSpPr txBox="1"/>
-          <p:nvPr/>
-        </p:nvSpPr>
-        <p:spPr>
-          <a:xfrm>
-            <a:off x="5868317" y="1349211"/>
-            <a:ext cx="2372765" cy="369332"/>
-          </a:xfrm>
-          <a:prstGeom prst="rect">
-            <a:avLst/>
-          </a:prstGeom>
-          <a:noFill/>
-        </p:spPr>
-        <p:txBody>
-          <a:bodyPr wrap="none" rtlCol="0">
-            <a:spAutoFit/>
-          </a:bodyPr>
-          <a:lstStyle/>
-          <a:p>
-            <a:r>
-              <a:rPr kumimoji="1" lang="ja-JP" altLang="en-US" dirty="0" smtClean="0"/>
-              <a:t>２．ソースコードの解析</a:t>
-            </a:r>
-            <a:endParaRPr kumimoji="1" lang="ja-JP" altLang="en-US" dirty="0"/>
-          </a:p>
-        </p:txBody>
-      </p:sp>
-      <p:sp>
-        <p:nvSpPr>
-          <p:cNvPr id="21" name="テキスト ボックス 20"/>
-          <p:cNvSpPr txBox="1"/>
-          <p:nvPr/>
-        </p:nvSpPr>
-        <p:spPr>
-          <a:xfrm>
-            <a:off x="5868317" y="1713123"/>
-            <a:ext cx="3416320" cy="646331"/>
-          </a:xfrm>
-          <a:prstGeom prst="rect">
-            <a:avLst/>
-          </a:prstGeom>
-          <a:noFill/>
-        </p:spPr>
-        <p:txBody>
-          <a:bodyPr wrap="none" rtlCol="0">
-            <a:spAutoFit/>
-          </a:bodyPr>
-          <a:lstStyle/>
-          <a:p>
-            <a:r>
-              <a:rPr kumimoji="1" lang="ja-JP" altLang="en-US" dirty="0" smtClean="0"/>
-              <a:t>３．膨大なソースコードから</a:t>
-            </a:r>
-            <a:endParaRPr kumimoji="1" lang="en-US" altLang="ja-JP" dirty="0" smtClean="0"/>
-          </a:p>
-          <a:p>
-            <a:r>
-              <a:rPr lang="ja-JP" altLang="en-US" dirty="0" smtClean="0"/>
-              <a:t>　　改変すべき</a:t>
-            </a:r>
-            <a:r>
-              <a:rPr lang="ja-JP" altLang="en-US" dirty="0" smtClean="0"/>
-              <a:t>関数</a:t>
-            </a:r>
-            <a:r>
-              <a:rPr lang="ja-JP" altLang="en-US" dirty="0" smtClean="0"/>
-              <a:t>を見つける</a:t>
-            </a:r>
-            <a:endParaRPr kumimoji="1" lang="ja-JP" altLang="en-US" dirty="0"/>
-          </a:p>
-        </p:txBody>
-      </p:sp>
-      <p:sp>
-        <p:nvSpPr>
-          <p:cNvPr id="22" name="テキスト ボックス 21"/>
-          <p:cNvSpPr txBox="1"/>
-          <p:nvPr/>
-        </p:nvSpPr>
-        <p:spPr>
-          <a:xfrm>
-            <a:off x="5868317" y="2349594"/>
-            <a:ext cx="2226892" cy="369332"/>
-          </a:xfrm>
-          <a:prstGeom prst="rect">
-            <a:avLst/>
-          </a:prstGeom>
-          <a:noFill/>
-        </p:spPr>
-        <p:txBody>
-          <a:bodyPr wrap="none" rtlCol="0">
-            <a:spAutoFit/>
-          </a:bodyPr>
-          <a:lstStyle/>
-          <a:p>
-            <a:r>
-              <a:rPr kumimoji="1" lang="ja-JP" altLang="en-US" dirty="0" smtClean="0"/>
-              <a:t>４．関数の作成・置換</a:t>
-            </a:r>
-            <a:endParaRPr kumimoji="1" lang="ja-JP" altLang="en-US" dirty="0"/>
-          </a:p>
-        </p:txBody>
-      </p:sp>
-      <p:sp>
-        <p:nvSpPr>
-          <p:cNvPr id="23" name="右矢印 22"/>
-          <p:cNvSpPr/>
-          <p:nvPr/>
-        </p:nvSpPr>
-        <p:spPr>
-          <a:xfrm>
-            <a:off x="1176950" y="4511655"/>
-            <a:ext cx="3395050" cy="513052"/>
-          </a:xfrm>
-          <a:prstGeom prst="rightArrow">
-            <a:avLst/>
-          </a:prstGeom>
-        </p:spPr>
-        <p:style>
-          <a:lnRef idx="1">
-            <a:schemeClr val="accent1"/>
-          </a:lnRef>
-          <a:fillRef idx="3">
-            <a:schemeClr val="accent1"/>
-          </a:fillRef>
-          <a:effectRef idx="2">
-            <a:schemeClr val="accent1"/>
-          </a:effectRef>
-          <a:fontRef idx="minor">
-            <a:schemeClr val="lt1"/>
-          </a:fontRef>
-        </p:style>
-        <p:txBody>
-          <a:bodyPr rtlCol="0" anchor="ctr"/>
-          <a:lstStyle/>
-          <a:p>
-            <a:pPr algn="ctr"/>
-            <a:endParaRPr kumimoji="1" lang="ja-JP" altLang="en-US"/>
-          </a:p>
-        </p:txBody>
-      </p:sp>
-      <p:sp>
-        <p:nvSpPr>
-          <p:cNvPr id="24" name="テキスト ボックス 23"/>
-          <p:cNvSpPr txBox="1"/>
-          <p:nvPr/>
-        </p:nvSpPr>
-        <p:spPr>
-          <a:xfrm>
-            <a:off x="5868316" y="2688740"/>
-            <a:ext cx="2492990" cy="369332"/>
-          </a:xfrm>
-          <a:prstGeom prst="rect">
-            <a:avLst/>
-          </a:prstGeom>
-          <a:noFill/>
-        </p:spPr>
-        <p:txBody>
-          <a:bodyPr wrap="none" rtlCol="0">
-            <a:spAutoFit/>
-          </a:bodyPr>
-          <a:lstStyle/>
-          <a:p>
-            <a:r>
-              <a:rPr kumimoji="1" lang="ja-JP" altLang="en-US" dirty="0" smtClean="0"/>
-              <a:t>５．</a:t>
-            </a:r>
-            <a:r>
-              <a:rPr lang="ja-JP" altLang="en-US" dirty="0" smtClean="0"/>
-              <a:t>シミュレーション</a:t>
-            </a:r>
-            <a:endParaRPr kumimoji="1" lang="ja-JP" altLang="en-US" dirty="0"/>
-          </a:p>
-        </p:txBody>
-      </p:sp>
-    </p:spTree>
-    <p:extLst>
-      <p:ext uri="{BB962C8B-B14F-4D97-AF65-F5344CB8AC3E}">
-        <p14:creationId xmlns:p14="http://schemas.microsoft.com/office/powerpoint/2010/main" val="3051805508"/>
-      </p:ext>
-    </p:extLst>
-  </p:cSld>
-  <p:clrMapOvr>
-    <a:masterClrMapping/>
-  </p:clrMapOvr>
-  <p:timing>
-    <p:tnLst>
-      <p:par>
-        <p:cTn id="1" dur="indefinite" restart="never" nodeType="tmRoot">
-          <p:childTnLst>
-            <p:seq concurrent="1" nextAc="seek">
-              <p:cTn id="2" dur="indefinite" nodeType="mainSeq">
-                <p:childTnLst>
-                  <p:par>
-                    <p:cTn id="3" fill="hold">
-                      <p:stCondLst>
-                        <p:cond delay="indefinite"/>
-                      </p:stCondLst>
-                      <p:childTnLst>
-                        <p:par>
-                          <p:cTn id="4" fill="hold">
-                            <p:stCondLst>
-                              <p:cond delay="0"/>
-                            </p:stCondLst>
-                            <p:childTnLst>
-                              <p:par>
-                                <p:cTn id="5" presetID="42" presetClass="entr" presetSubtype="0" fill="hold" grpId="0" nodeType="clickEffect">
-                                  <p:stCondLst>
-                                    <p:cond delay="0"/>
-                                  </p:stCondLst>
-                                  <p:childTnLst>
-                                    <p:set>
-                                      <p:cBhvr>
-                                        <p:cTn id="6" dur="1" fill="hold">
-                                          <p:stCondLst>
-                                            <p:cond delay="0"/>
-                                          </p:stCondLst>
-                                        </p:cTn>
-                                        <p:tgtEl>
-                                          <p:spTgt spid="13"/>
-                                        </p:tgtEl>
-                                        <p:attrNameLst>
-                                          <p:attrName>style.visibility</p:attrName>
-                                        </p:attrNameLst>
-                                      </p:cBhvr>
-                                      <p:to>
-                                        <p:strVal val="visible"/>
-                                      </p:to>
-                                    </p:set>
-                                    <p:animEffect transition="in" filter="fade">
-                                      <p:cBhvr>
-                                        <p:cTn id="7" dur="1000"/>
-                                        <p:tgtEl>
-                                          <p:spTgt spid="13"/>
-                                        </p:tgtEl>
-                                      </p:cBhvr>
-                                    </p:animEffect>
-                                    <p:anim calcmode="lin" valueType="num">
-                                      <p:cBhvr>
-                                        <p:cTn id="8" dur="1000" fill="hold"/>
-                                        <p:tgtEl>
-                                          <p:spTgt spid="13"/>
-                                        </p:tgtEl>
-                                        <p:attrNameLst>
-                                          <p:attrName>ppt_x</p:attrName>
-                                        </p:attrNameLst>
-                                      </p:cBhvr>
-                                      <p:tavLst>
-                                        <p:tav tm="0">
-                                          <p:val>
-                                            <p:strVal val="#ppt_x"/>
-                                          </p:val>
-                                        </p:tav>
-                                        <p:tav tm="100000">
-                                          <p:val>
-                                            <p:strVal val="#ppt_x"/>
-                                          </p:val>
-                                        </p:tav>
-                                      </p:tavLst>
-                                    </p:anim>
-                                    <p:anim calcmode="lin" valueType="num">
-                                      <p:cBhvr>
-                                        <p:cTn id="9" dur="1000" fill="hold"/>
-                                        <p:tgtEl>
-                                          <p:spTgt spid="13"/>
-                                        </p:tgtEl>
-                                        <p:attrNameLst>
-                                          <p:attrName>ppt_y</p:attrName>
-                                        </p:attrNameLst>
-                                      </p:cBhvr>
-                                      <p:tavLst>
-                                        <p:tav tm="0">
-                                          <p:val>
-                                            <p:strVal val="#ppt_y+.1"/>
-                                          </p:val>
-                                        </p:tav>
-                                        <p:tav tm="100000">
-                                          <p:val>
-                                            <p:strVal val="#ppt_y"/>
-                                          </p:val>
-                                        </p:tav>
-                                      </p:tavLst>
-                                    </p:anim>
-                                  </p:childTnLst>
-                                </p:cTn>
-                              </p:par>
-                            </p:childTnLst>
-                          </p:cTn>
-                        </p:par>
-                        <p:par>
-                          <p:cTn id="10" fill="hold">
-                            <p:stCondLst>
-                              <p:cond delay="1000"/>
-                            </p:stCondLst>
-                            <p:childTnLst>
-                              <p:par>
-                                <p:cTn id="11" presetID="2" presetClass="entr" presetSubtype="4" fill="hold" nodeType="afterEffect">
-                                  <p:stCondLst>
-                                    <p:cond delay="0"/>
-                                  </p:stCondLst>
-                                  <p:childTnLst>
-                                    <p:set>
-                                      <p:cBhvr>
-                                        <p:cTn id="12" dur="1" fill="hold">
-                                          <p:stCondLst>
-                                            <p:cond delay="0"/>
-                                          </p:stCondLst>
-                                        </p:cTn>
-                                        <p:tgtEl>
-                                          <p:spTgt spid="12"/>
-                                        </p:tgtEl>
-                                        <p:attrNameLst>
-                                          <p:attrName>style.visibility</p:attrName>
-                                        </p:attrNameLst>
-                                      </p:cBhvr>
-                                      <p:to>
-                                        <p:strVal val="visible"/>
-                                      </p:to>
-                                    </p:set>
-                                    <p:anim calcmode="lin" valueType="num">
-                                      <p:cBhvr additive="base">
-                                        <p:cTn id="13" dur="500" fill="hold"/>
-                                        <p:tgtEl>
-                                          <p:spTgt spid="12"/>
-                                        </p:tgtEl>
-                                        <p:attrNameLst>
-                                          <p:attrName>ppt_x</p:attrName>
-                                        </p:attrNameLst>
-                                      </p:cBhvr>
-                                      <p:tavLst>
-                                        <p:tav tm="0">
-                                          <p:val>
-                                            <p:strVal val="#ppt_x"/>
-                                          </p:val>
-                                        </p:tav>
-                                        <p:tav tm="100000">
-                                          <p:val>
-                                            <p:strVal val="#ppt_x"/>
-                                          </p:val>
-                                        </p:tav>
-                                      </p:tavLst>
-                                    </p:anim>
-                                    <p:anim calcmode="lin" valueType="num">
-                                      <p:cBhvr additive="base">
-                                        <p:cTn id="14" dur="500" fill="hold"/>
-                                        <p:tgtEl>
-                                          <p:spTgt spid="12"/>
-                                        </p:tgtEl>
-                                        <p:attrNameLst>
-                                          <p:attrName>ppt_y</p:attrName>
-                                        </p:attrNameLst>
-                                      </p:cBhvr>
-                                      <p:tavLst>
-                                        <p:tav tm="0">
-                                          <p:val>
-                                            <p:strVal val="1+#ppt_h/2"/>
-                                          </p:val>
-                                        </p:tav>
-                                        <p:tav tm="100000">
-                                          <p:val>
-                                            <p:strVal val="#ppt_y"/>
-                                          </p:val>
-                                        </p:tav>
-                                      </p:tavLst>
-                                    </p:anim>
-                                  </p:childTnLst>
-                                </p:cTn>
-                              </p:par>
-                            </p:childTnLst>
-                          </p:cTn>
-                        </p:par>
-                      </p:childTnLst>
-                    </p:cTn>
-                  </p:par>
-                  <p:par>
-                    <p:cTn id="15" fill="hold">
-                      <p:stCondLst>
-                        <p:cond delay="indefinite"/>
-                      </p:stCondLst>
-                      <p:childTnLst>
-                        <p:par>
-                          <p:cTn id="16" fill="hold">
-                            <p:stCondLst>
-                              <p:cond delay="0"/>
-                            </p:stCondLst>
-                            <p:childTnLst>
-                              <p:par>
-                                <p:cTn id="17" presetID="2" presetClass="entr" presetSubtype="4" fill="hold" grpId="0" nodeType="clickEffect">
-                                  <p:stCondLst>
-                                    <p:cond delay="0"/>
-                                  </p:stCondLst>
-                                  <p:childTnLst>
-                                    <p:set>
-                                      <p:cBhvr>
-                                        <p:cTn id="18" dur="1" fill="hold">
-                                          <p:stCondLst>
-                                            <p:cond delay="0"/>
-                                          </p:stCondLst>
-                                        </p:cTn>
-                                        <p:tgtEl>
-                                          <p:spTgt spid="20"/>
-                                        </p:tgtEl>
-                                        <p:attrNameLst>
-                                          <p:attrName>style.visibility</p:attrName>
-                                        </p:attrNameLst>
-                                      </p:cBhvr>
-                                      <p:to>
-                                        <p:strVal val="visible"/>
-                                      </p:to>
-                                    </p:set>
-                                    <p:anim calcmode="lin" valueType="num">
-                                      <p:cBhvr additive="base">
-                                        <p:cTn id="19" dur="500" fill="hold"/>
-                                        <p:tgtEl>
-                                          <p:spTgt spid="20"/>
-                                        </p:tgtEl>
-                                        <p:attrNameLst>
-                                          <p:attrName>ppt_x</p:attrName>
-                                        </p:attrNameLst>
-                                      </p:cBhvr>
-                                      <p:tavLst>
-                                        <p:tav tm="0">
-                                          <p:val>
-                                            <p:strVal val="#ppt_x"/>
-                                          </p:val>
-                                        </p:tav>
-                                        <p:tav tm="100000">
-                                          <p:val>
-                                            <p:strVal val="#ppt_x"/>
-                                          </p:val>
-                                        </p:tav>
-                                      </p:tavLst>
-                                    </p:anim>
-                                    <p:anim calcmode="lin" valueType="num">
-                                      <p:cBhvr additive="base">
-                                        <p:cTn id="20" dur="500" fill="hold"/>
-                                        <p:tgtEl>
-                                          <p:spTgt spid="20"/>
-                                        </p:tgtEl>
-                                        <p:attrNameLst>
-                                          <p:attrName>ppt_y</p:attrName>
-                                        </p:attrNameLst>
-                                      </p:cBhvr>
-                                      <p:tavLst>
-                                        <p:tav tm="0">
-                                          <p:val>
-                                            <p:strVal val="1+#ppt_h/2"/>
-                                          </p:val>
-                                        </p:tav>
-                                        <p:tav tm="100000">
-                                          <p:val>
-                                            <p:strVal val="#ppt_y"/>
-                                          </p:val>
-                                        </p:tav>
-                                      </p:tavLst>
-                                    </p:anim>
-                                  </p:childTnLst>
-                                </p:cTn>
-                              </p:par>
-                            </p:childTnLst>
-                          </p:cTn>
-                        </p:par>
-                        <p:par>
-                          <p:cTn id="21" fill="hold">
-                            <p:stCondLst>
-                              <p:cond delay="500"/>
-                            </p:stCondLst>
-                            <p:childTnLst>
-                              <p:par>
-                                <p:cTn id="22" presetID="21" presetClass="entr" presetSubtype="1" fill="hold" grpId="0" nodeType="afterEffect">
-                                  <p:stCondLst>
-                                    <p:cond delay="0"/>
-                                  </p:stCondLst>
-                                  <p:childTnLst>
-                                    <p:set>
-                                      <p:cBhvr>
-                                        <p:cTn id="23" dur="1" fill="hold">
-                                          <p:stCondLst>
-                                            <p:cond delay="0"/>
-                                          </p:stCondLst>
-                                        </p:cTn>
-                                        <p:tgtEl>
-                                          <p:spTgt spid="15"/>
-                                        </p:tgtEl>
-                                        <p:attrNameLst>
-                                          <p:attrName>style.visibility</p:attrName>
-                                        </p:attrNameLst>
-                                      </p:cBhvr>
-                                      <p:to>
-                                        <p:strVal val="visible"/>
-                                      </p:to>
-                                    </p:set>
-                                    <p:animEffect transition="in" filter="wheel(1)">
-                                      <p:cBhvr>
-                                        <p:cTn id="24" dur="750"/>
-                                        <p:tgtEl>
-                                          <p:spTgt spid="15"/>
-                                        </p:tgtEl>
-                                      </p:cBhvr>
-                                    </p:animEffect>
-                                  </p:childTnLst>
-                                </p:cTn>
-                              </p:par>
-                            </p:childTnLst>
-                          </p:cTn>
-                        </p:par>
-                      </p:childTnLst>
-                    </p:cTn>
-                  </p:par>
-                  <p:par>
-                    <p:cTn id="25" fill="hold">
-                      <p:stCondLst>
-                        <p:cond delay="indefinite"/>
-                      </p:stCondLst>
-                      <p:childTnLst>
-                        <p:par>
-                          <p:cTn id="26" fill="hold">
-                            <p:stCondLst>
-                              <p:cond delay="0"/>
-                            </p:stCondLst>
-                            <p:childTnLst>
-                              <p:par>
-                                <p:cTn id="27" presetID="2" presetClass="entr" presetSubtype="4" fill="hold" grpId="0" nodeType="clickEffect">
-                                  <p:stCondLst>
-                                    <p:cond delay="0"/>
-                                  </p:stCondLst>
-                                  <p:childTnLst>
-                                    <p:set>
-                                      <p:cBhvr>
-                                        <p:cTn id="28" dur="1" fill="hold">
-                                          <p:stCondLst>
-                                            <p:cond delay="0"/>
-                                          </p:stCondLst>
-                                        </p:cTn>
-                                        <p:tgtEl>
-                                          <p:spTgt spid="21"/>
-                                        </p:tgtEl>
-                                        <p:attrNameLst>
-                                          <p:attrName>style.visibility</p:attrName>
-                                        </p:attrNameLst>
-                                      </p:cBhvr>
-                                      <p:to>
-                                        <p:strVal val="visible"/>
-                                      </p:to>
-                                    </p:set>
-                                    <p:anim calcmode="lin" valueType="num">
-                                      <p:cBhvr additive="base">
-                                        <p:cTn id="29" dur="500" fill="hold"/>
-                                        <p:tgtEl>
-                                          <p:spTgt spid="21"/>
-                                        </p:tgtEl>
-                                        <p:attrNameLst>
-                                          <p:attrName>ppt_x</p:attrName>
-                                        </p:attrNameLst>
-                                      </p:cBhvr>
-                                      <p:tavLst>
-                                        <p:tav tm="0">
-                                          <p:val>
-                                            <p:strVal val="#ppt_x"/>
-                                          </p:val>
-                                        </p:tav>
-                                        <p:tav tm="100000">
-                                          <p:val>
-                                            <p:strVal val="#ppt_x"/>
-                                          </p:val>
-                                        </p:tav>
-                                      </p:tavLst>
-                                    </p:anim>
-                                    <p:anim calcmode="lin" valueType="num">
-                                      <p:cBhvr additive="base">
-                                        <p:cTn id="30" dur="500" fill="hold"/>
-                                        <p:tgtEl>
-                                          <p:spTgt spid="21"/>
-                                        </p:tgtEl>
-                                        <p:attrNameLst>
-                                          <p:attrName>ppt_y</p:attrName>
-                                        </p:attrNameLst>
-                                      </p:cBhvr>
-                                      <p:tavLst>
-                                        <p:tav tm="0">
-                                          <p:val>
-                                            <p:strVal val="1+#ppt_h/2"/>
-                                          </p:val>
-                                        </p:tav>
-                                        <p:tav tm="100000">
-                                          <p:val>
-                                            <p:strVal val="#ppt_y"/>
-                                          </p:val>
-                                        </p:tav>
-                                      </p:tavLst>
-                                    </p:anim>
-                                  </p:childTnLst>
-                                </p:cTn>
-                              </p:par>
-                            </p:childTnLst>
-                          </p:cTn>
-                        </p:par>
-                        <p:par>
-                          <p:cTn id="31" fill="hold">
-                            <p:stCondLst>
-                              <p:cond delay="500"/>
-                            </p:stCondLst>
-                            <p:childTnLst>
-                              <p:par>
-                                <p:cTn id="32" presetID="21" presetClass="entr" presetSubtype="1" fill="hold" grpId="0" nodeType="afterEffect">
-                                  <p:stCondLst>
-                                    <p:cond delay="0"/>
-                                  </p:stCondLst>
-                                  <p:childTnLst>
-                                    <p:set>
-                                      <p:cBhvr>
-                                        <p:cTn id="33" dur="1" fill="hold">
-                                          <p:stCondLst>
-                                            <p:cond delay="0"/>
-                                          </p:stCondLst>
-                                        </p:cTn>
-                                        <p:tgtEl>
-                                          <p:spTgt spid="18"/>
-                                        </p:tgtEl>
-                                        <p:attrNameLst>
-                                          <p:attrName>style.visibility</p:attrName>
-                                        </p:attrNameLst>
-                                      </p:cBhvr>
-                                      <p:to>
-                                        <p:strVal val="visible"/>
-                                      </p:to>
-                                    </p:set>
-                                    <p:animEffect transition="in" filter="wheel(1)">
-                                      <p:cBhvr>
-                                        <p:cTn id="34" dur="750"/>
-                                        <p:tgtEl>
-                                          <p:spTgt spid="18"/>
-                                        </p:tgtEl>
-                                      </p:cBhvr>
-                                    </p:animEffect>
-                                  </p:childTnLst>
-                                </p:cTn>
-                              </p:par>
-                            </p:childTnLst>
-                          </p:cTn>
-                        </p:par>
-                      </p:childTnLst>
-                    </p:cTn>
-                  </p:par>
-                  <p:par>
-                    <p:cTn id="35" fill="hold">
-                      <p:stCondLst>
-                        <p:cond delay="indefinite"/>
-                      </p:stCondLst>
-                      <p:childTnLst>
-                        <p:par>
-                          <p:cTn id="36" fill="hold">
-                            <p:stCondLst>
-                              <p:cond delay="0"/>
-                            </p:stCondLst>
-                            <p:childTnLst>
-                              <p:par>
-                                <p:cTn id="37" presetID="2" presetClass="entr" presetSubtype="4" fill="hold" grpId="0" nodeType="clickEffect">
-                                  <p:stCondLst>
-                                    <p:cond delay="0"/>
-                                  </p:stCondLst>
-                                  <p:childTnLst>
-                                    <p:set>
-                                      <p:cBhvr>
-                                        <p:cTn id="38" dur="1" fill="hold">
-                                          <p:stCondLst>
-                                            <p:cond delay="0"/>
-                                          </p:stCondLst>
-                                        </p:cTn>
-                                        <p:tgtEl>
-                                          <p:spTgt spid="22"/>
-                                        </p:tgtEl>
-                                        <p:attrNameLst>
-                                          <p:attrName>style.visibility</p:attrName>
-                                        </p:attrNameLst>
-                                      </p:cBhvr>
-                                      <p:to>
-                                        <p:strVal val="visible"/>
-                                      </p:to>
-                                    </p:set>
-                                    <p:anim calcmode="lin" valueType="num">
-                                      <p:cBhvr additive="base">
-                                        <p:cTn id="39" dur="500" fill="hold"/>
-                                        <p:tgtEl>
-                                          <p:spTgt spid="22"/>
-                                        </p:tgtEl>
-                                        <p:attrNameLst>
-                                          <p:attrName>ppt_x</p:attrName>
-                                        </p:attrNameLst>
-                                      </p:cBhvr>
-                                      <p:tavLst>
-                                        <p:tav tm="0">
-                                          <p:val>
-                                            <p:strVal val="#ppt_x"/>
-                                          </p:val>
-                                        </p:tav>
-                                        <p:tav tm="100000">
-                                          <p:val>
-                                            <p:strVal val="#ppt_x"/>
-                                          </p:val>
-                                        </p:tav>
-                                      </p:tavLst>
-                                    </p:anim>
-                                    <p:anim calcmode="lin" valueType="num">
-                                      <p:cBhvr additive="base">
-                                        <p:cTn id="40" dur="500" fill="hold"/>
-                                        <p:tgtEl>
-                                          <p:spTgt spid="22"/>
-                                        </p:tgtEl>
-                                        <p:attrNameLst>
-                                          <p:attrName>ppt_y</p:attrName>
-                                        </p:attrNameLst>
-                                      </p:cBhvr>
-                                      <p:tavLst>
-                                        <p:tav tm="0">
-                                          <p:val>
-                                            <p:strVal val="1+#ppt_h/2"/>
-                                          </p:val>
-                                        </p:tav>
-                                        <p:tav tm="100000">
-                                          <p:val>
-                                            <p:strVal val="#ppt_y"/>
-                                          </p:val>
-                                        </p:tav>
-                                      </p:tavLst>
-                                    </p:anim>
-                                  </p:childTnLst>
-                                </p:cTn>
-                              </p:par>
-                            </p:childTnLst>
-                          </p:cTn>
-                        </p:par>
-                        <p:par>
-                          <p:cTn id="41" fill="hold">
-                            <p:stCondLst>
-                              <p:cond delay="500"/>
-                            </p:stCondLst>
-                            <p:childTnLst>
-                              <p:par>
-                                <p:cTn id="42" presetID="53" presetClass="entr" presetSubtype="16" fill="hold" grpId="0" nodeType="afterEffect">
-                                  <p:stCondLst>
-                                    <p:cond delay="0"/>
-                                  </p:stCondLst>
-                                  <p:childTnLst>
-                                    <p:set>
-                                      <p:cBhvr>
-                                        <p:cTn id="43" dur="1" fill="hold">
-                                          <p:stCondLst>
-                                            <p:cond delay="0"/>
-                                          </p:stCondLst>
-                                        </p:cTn>
-                                        <p:tgtEl>
-                                          <p:spTgt spid="23"/>
-                                        </p:tgtEl>
-                                        <p:attrNameLst>
-                                          <p:attrName>style.visibility</p:attrName>
-                                        </p:attrNameLst>
-                                      </p:cBhvr>
-                                      <p:to>
-                                        <p:strVal val="visible"/>
-                                      </p:to>
-                                    </p:set>
-                                    <p:anim calcmode="lin" valueType="num">
-                                      <p:cBhvr>
-                                        <p:cTn id="44" dur="500" fill="hold"/>
-                                        <p:tgtEl>
-                                          <p:spTgt spid="23"/>
-                                        </p:tgtEl>
-                                        <p:attrNameLst>
-                                          <p:attrName>ppt_w</p:attrName>
-                                        </p:attrNameLst>
-                                      </p:cBhvr>
-                                      <p:tavLst>
-                                        <p:tav tm="0">
-                                          <p:val>
-                                            <p:fltVal val="0"/>
-                                          </p:val>
-                                        </p:tav>
-                                        <p:tav tm="100000">
-                                          <p:val>
-                                            <p:strVal val="#ppt_w"/>
-                                          </p:val>
-                                        </p:tav>
-                                      </p:tavLst>
-                                    </p:anim>
-                                    <p:anim calcmode="lin" valueType="num">
-                                      <p:cBhvr>
-                                        <p:cTn id="45" dur="500" fill="hold"/>
-                                        <p:tgtEl>
-                                          <p:spTgt spid="23"/>
-                                        </p:tgtEl>
-                                        <p:attrNameLst>
-                                          <p:attrName>ppt_h</p:attrName>
-                                        </p:attrNameLst>
-                                      </p:cBhvr>
-                                      <p:tavLst>
-                                        <p:tav tm="0">
-                                          <p:val>
-                                            <p:fltVal val="0"/>
-                                          </p:val>
-                                        </p:tav>
-                                        <p:tav tm="100000">
-                                          <p:val>
-                                            <p:strVal val="#ppt_h"/>
-                                          </p:val>
-                                        </p:tav>
-                                      </p:tavLst>
-                                    </p:anim>
-                                    <p:animEffect transition="in" filter="fade">
-                                      <p:cBhvr>
-                                        <p:cTn id="46" dur="500"/>
-                                        <p:tgtEl>
-                                          <p:spTgt spid="23"/>
-                                        </p:tgtEl>
-                                      </p:cBhvr>
-                                    </p:animEffect>
-                                  </p:childTnLst>
-                                </p:cTn>
-                              </p:par>
-                            </p:childTnLst>
-                          </p:cTn>
-                        </p:par>
-                        <p:par>
-                          <p:cTn id="47" fill="hold">
-                            <p:stCondLst>
-                              <p:cond delay="1000"/>
-                            </p:stCondLst>
-                            <p:childTnLst>
-                              <p:par>
-                                <p:cTn id="48" presetID="10" presetClass="entr" presetSubtype="0" fill="hold" grpId="0" nodeType="afterEffect">
-                                  <p:stCondLst>
-                                    <p:cond delay="1000"/>
-                                  </p:stCondLst>
-                                  <p:childTnLst>
-                                    <p:set>
-                                      <p:cBhvr>
-                                        <p:cTn id="49" dur="1" fill="hold">
-                                          <p:stCondLst>
-                                            <p:cond delay="0"/>
-                                          </p:stCondLst>
-                                        </p:cTn>
-                                        <p:tgtEl>
-                                          <p:spTgt spid="24"/>
-                                        </p:tgtEl>
-                                        <p:attrNameLst>
-                                          <p:attrName>style.visibility</p:attrName>
-                                        </p:attrNameLst>
-                                      </p:cBhvr>
-                                      <p:to>
-                                        <p:strVal val="visible"/>
-                                      </p:to>
-                                    </p:set>
-                                    <p:animEffect transition="in" filter="fade">
-                                      <p:cBhvr>
-                                        <p:cTn id="50" dur="2000"/>
-                                        <p:tgtEl>
-                                          <p:spTgt spid="24"/>
-                                        </p:tgtEl>
-                                      </p:cBhvr>
-                                    </p:animEffect>
-                                  </p:childTnLst>
-                                </p:cTn>
-                              </p:par>
-                            </p:childTnLst>
-                          </p:cTn>
-                        </p:par>
-                      </p:childTnLst>
-                    </p:cTn>
-                  </p:par>
-                </p:childTnLst>
-              </p:cTn>
-              <p:prevCondLst>
-                <p:cond evt="onPrev" delay="0">
-                  <p:tgtEl>
-                    <p:sldTgt/>
-                  </p:tgtEl>
-                </p:cond>
-              </p:prevCondLst>
-              <p:nextCondLst>
-                <p:cond evt="onNext" delay="0">
-                  <p:tgtEl>
-                    <p:sldTgt/>
-                  </p:tgtEl>
-                </p:cond>
-              </p:nextCondLst>
-            </p:seq>
-          </p:childTnLst>
-        </p:cTn>
-      </p:par>
-    </p:tnLst>
-    <p:bldLst>
-      <p:bldP spid="13" grpId="0"/>
-      <p:bldP spid="15" grpId="0" animBg="1"/>
-      <p:bldP spid="18" grpId="0" animBg="1"/>
-      <p:bldP spid="20" grpId="0"/>
-      <p:bldP spid="21" grpId="0"/>
-      <p:bldP spid="22" grpId="0"/>
-      <p:bldP spid="23" grpId="0" animBg="1"/>
-      <p:bldP spid="24" grpId="0"/>
-    </p:bldLst>
-  </p:timing>
-</p:sld>
-</file>
-
-<file path=ppt/slides/slide6.xml><?xml version="1.0" encoding="utf-8"?>
 <p:sld xmlns:a="http://schemas.openxmlformats.org/drawingml/2006/main" xmlns:r="http://schemas.openxmlformats.org/officeDocument/2006/relationships" xmlns:p="http://schemas.openxmlformats.org/presentationml/2006/main">
   <p:cSld>
     <p:spTree>
@@ -18520,7 +17501,7 @@
 </p:sld>
 </file>
 
-<file path=ppt/slides/slide7.xml><?xml version="1.0" encoding="utf-8"?>
+<file path=ppt/slides/slide6.xml><?xml version="1.0" encoding="utf-8"?>
 <p:sld xmlns:a="http://schemas.openxmlformats.org/drawingml/2006/main" xmlns:r="http://schemas.openxmlformats.org/officeDocument/2006/relationships" xmlns:p="http://schemas.openxmlformats.org/presentationml/2006/main">
   <p:cSld>
     <p:spTree>
@@ -18961,7 +17942,7 @@
 </p:sld>
 </file>
 
-<file path=ppt/slides/slide8.xml><?xml version="1.0" encoding="utf-8"?>
+<file path=ppt/slides/slide7.xml><?xml version="1.0" encoding="utf-8"?>
 <p:sld xmlns:a="http://schemas.openxmlformats.org/drawingml/2006/main" xmlns:r="http://schemas.openxmlformats.org/officeDocument/2006/relationships" xmlns:p="http://schemas.openxmlformats.org/presentationml/2006/main">
   <p:cSld>
     <p:spTree>
@@ -19556,6 +18537,1123 @@
     </p:tnLst>
     <p:bldLst>
       <p:bldP spid="11" grpId="0" animBg="1"/>
+    </p:bldLst>
+  </p:timing>
+</p:sld>
+</file>
+
+<file path=ppt/slides/slide8.xml><?xml version="1.0" encoding="utf-8"?>
+<p:sld xmlns:a="http://schemas.openxmlformats.org/drawingml/2006/main" xmlns:r="http://schemas.openxmlformats.org/officeDocument/2006/relationships" xmlns:p="http://schemas.openxmlformats.org/presentationml/2006/main">
+  <p:cSld>
+    <p:spTree>
+      <p:nvGrpSpPr>
+        <p:cNvPr id="1" name=""/>
+        <p:cNvGrpSpPr/>
+        <p:nvPr/>
+      </p:nvGrpSpPr>
+      <p:grpSpPr>
+        <a:xfrm>
+          <a:off x="0" y="0"/>
+          <a:ext cx="0" cy="0"/>
+          <a:chOff x="0" y="0"/>
+          <a:chExt cx="0" cy="0"/>
+        </a:xfrm>
+      </p:grpSpPr>
+      <p:sp>
+        <p:nvSpPr>
+          <p:cNvPr id="2" name="タイトル 1"/>
+          <p:cNvSpPr>
+            <a:spLocks noGrp="1"/>
+          </p:cNvSpPr>
+          <p:nvPr>
+            <p:ph type="title"/>
+          </p:nvPr>
+        </p:nvSpPr>
+        <p:spPr>
+          <a:xfrm>
+            <a:off x="457200" y="-15508"/>
+            <a:ext cx="8229600" cy="817796"/>
+          </a:xfrm>
+        </p:spPr>
+        <p:txBody>
+          <a:bodyPr>
+            <a:normAutofit/>
+          </a:bodyPr>
+          <a:lstStyle/>
+          <a:p>
+            <a:r>
+              <a:rPr kumimoji="1" lang="ja-JP" altLang="en-US" sz="3600" dirty="0" smtClean="0"/>
+              <a:t>視覚数理モデル研究の</a:t>
+            </a:r>
+            <a:r>
+              <a:rPr lang="ja-JP" altLang="en-US" sz="3600" dirty="0"/>
+              <a:t>ライフサイクル</a:t>
+            </a:r>
+            <a:endParaRPr kumimoji="1" lang="ja-JP" altLang="en-US" sz="3600" dirty="0"/>
+          </a:p>
+        </p:txBody>
+      </p:sp>
+      <p:cxnSp>
+        <p:nvCxnSpPr>
+          <p:cNvPr id="5" name="直線コネクタ 4"/>
+          <p:cNvCxnSpPr/>
+          <p:nvPr/>
+        </p:nvCxnSpPr>
+        <p:spPr>
+          <a:xfrm>
+            <a:off x="510701" y="898892"/>
+            <a:ext cx="8478982" cy="0"/>
+          </a:xfrm>
+          <a:prstGeom prst="line">
+            <a:avLst/>
+          </a:prstGeom>
+        </p:spPr>
+        <p:style>
+          <a:lnRef idx="2">
+            <a:schemeClr val="accent1"/>
+          </a:lnRef>
+          <a:fillRef idx="0">
+            <a:schemeClr val="accent1"/>
+          </a:fillRef>
+          <a:effectRef idx="1">
+            <a:schemeClr val="accent1"/>
+          </a:effectRef>
+          <a:fontRef idx="minor">
+            <a:schemeClr val="tx1"/>
+          </a:fontRef>
+        </p:style>
+      </p:cxnSp>
+      <p:pic>
+        <p:nvPicPr>
+          <p:cNvPr id="12" name="図 11"/>
+          <p:cNvPicPr>
+            <a:picLocks noChangeAspect="1"/>
+          </p:cNvPicPr>
+          <p:nvPr/>
+        </p:nvPicPr>
+        <p:blipFill>
+          <a:blip r:embed="rId3"/>
+          <a:stretch>
+            <a:fillRect/>
+          </a:stretch>
+        </p:blipFill>
+        <p:spPr>
+          <a:xfrm>
+            <a:off x="1" y="1310081"/>
+            <a:ext cx="5969976" cy="5396986"/>
+          </a:xfrm>
+          <a:prstGeom prst="rect">
+            <a:avLst/>
+          </a:prstGeom>
+        </p:spPr>
+      </p:pic>
+      <p:sp>
+        <p:nvSpPr>
+          <p:cNvPr id="13" name="テキスト ボックス 12"/>
+          <p:cNvSpPr txBox="1"/>
+          <p:nvPr/>
+        </p:nvSpPr>
+        <p:spPr>
+          <a:xfrm>
+            <a:off x="5868316" y="979879"/>
+            <a:ext cx="3121367" cy="369332"/>
+          </a:xfrm>
+          <a:prstGeom prst="rect">
+            <a:avLst/>
+          </a:prstGeom>
+          <a:noFill/>
+        </p:spPr>
+        <p:txBody>
+          <a:bodyPr wrap="none" rtlCol="0">
+            <a:spAutoFit/>
+          </a:bodyPr>
+          <a:lstStyle/>
+          <a:p>
+            <a:r>
+              <a:rPr kumimoji="1" lang="ja-JP" altLang="en-US" dirty="0" smtClean="0"/>
+              <a:t>１．既存モデルのソースを確認</a:t>
+            </a:r>
+            <a:endParaRPr kumimoji="1" lang="ja-JP" altLang="en-US" dirty="0"/>
+          </a:p>
+        </p:txBody>
+      </p:sp>
+      <p:sp>
+        <p:nvSpPr>
+          <p:cNvPr id="15" name="円/楕円 14"/>
+          <p:cNvSpPr/>
+          <p:nvPr/>
+        </p:nvSpPr>
+        <p:spPr>
+          <a:xfrm>
+            <a:off x="2958612" y="2829295"/>
+            <a:ext cx="2909703" cy="3877772"/>
+          </a:xfrm>
+          <a:prstGeom prst="ellipse">
+            <a:avLst/>
+          </a:prstGeom>
+          <a:noFill/>
+          <a:ln w="25400">
+            <a:solidFill>
+              <a:srgbClr val="FF0000"/>
+            </a:solidFill>
+          </a:ln>
+        </p:spPr>
+        <p:style>
+          <a:lnRef idx="1">
+            <a:schemeClr val="accent1"/>
+          </a:lnRef>
+          <a:fillRef idx="3">
+            <a:schemeClr val="accent1"/>
+          </a:fillRef>
+          <a:effectRef idx="2">
+            <a:schemeClr val="accent1"/>
+          </a:effectRef>
+          <a:fontRef idx="minor">
+            <a:schemeClr val="lt1"/>
+          </a:fontRef>
+        </p:style>
+        <p:txBody>
+          <a:bodyPr rtlCol="0" anchor="ctr"/>
+          <a:lstStyle/>
+          <a:p>
+            <a:pPr algn="ctr"/>
+            <a:endParaRPr kumimoji="1" lang="ja-JP" altLang="en-US"/>
+          </a:p>
+        </p:txBody>
+      </p:sp>
+      <p:sp>
+        <p:nvSpPr>
+          <p:cNvPr id="18" name="円/楕円 17"/>
+          <p:cNvSpPr/>
+          <p:nvPr/>
+        </p:nvSpPr>
+        <p:spPr>
+          <a:xfrm>
+            <a:off x="61546" y="2829295"/>
+            <a:ext cx="1521070" cy="3886200"/>
+          </a:xfrm>
+          <a:prstGeom prst="ellipse">
+            <a:avLst/>
+          </a:prstGeom>
+          <a:noFill/>
+          <a:ln w="25400"/>
+        </p:spPr>
+        <p:style>
+          <a:lnRef idx="1">
+            <a:schemeClr val="accent1"/>
+          </a:lnRef>
+          <a:fillRef idx="3">
+            <a:schemeClr val="accent1"/>
+          </a:fillRef>
+          <a:effectRef idx="2">
+            <a:schemeClr val="accent1"/>
+          </a:effectRef>
+          <a:fontRef idx="minor">
+            <a:schemeClr val="lt1"/>
+          </a:fontRef>
+        </p:style>
+        <p:txBody>
+          <a:bodyPr rtlCol="0" anchor="ctr"/>
+          <a:lstStyle/>
+          <a:p>
+            <a:pPr algn="ctr"/>
+            <a:endParaRPr kumimoji="1" lang="ja-JP" altLang="en-US"/>
+          </a:p>
+        </p:txBody>
+      </p:sp>
+      <p:sp>
+        <p:nvSpPr>
+          <p:cNvPr id="20" name="テキスト ボックス 19"/>
+          <p:cNvSpPr txBox="1"/>
+          <p:nvPr/>
+        </p:nvSpPr>
+        <p:spPr>
+          <a:xfrm>
+            <a:off x="5868317" y="1349211"/>
+            <a:ext cx="2372765" cy="369332"/>
+          </a:xfrm>
+          <a:prstGeom prst="rect">
+            <a:avLst/>
+          </a:prstGeom>
+          <a:noFill/>
+        </p:spPr>
+        <p:txBody>
+          <a:bodyPr wrap="none" rtlCol="0">
+            <a:spAutoFit/>
+          </a:bodyPr>
+          <a:lstStyle/>
+          <a:p>
+            <a:r>
+              <a:rPr kumimoji="1" lang="ja-JP" altLang="en-US" dirty="0" smtClean="0"/>
+              <a:t>２．ソースコードの解析</a:t>
+            </a:r>
+            <a:endParaRPr kumimoji="1" lang="ja-JP" altLang="en-US" dirty="0"/>
+          </a:p>
+        </p:txBody>
+      </p:sp>
+      <p:sp>
+        <p:nvSpPr>
+          <p:cNvPr id="21" name="テキスト ボックス 20"/>
+          <p:cNvSpPr txBox="1"/>
+          <p:nvPr/>
+        </p:nvSpPr>
+        <p:spPr>
+          <a:xfrm>
+            <a:off x="5868317" y="1713123"/>
+            <a:ext cx="3416320" cy="646331"/>
+          </a:xfrm>
+          <a:prstGeom prst="rect">
+            <a:avLst/>
+          </a:prstGeom>
+          <a:noFill/>
+        </p:spPr>
+        <p:txBody>
+          <a:bodyPr wrap="none" rtlCol="0">
+            <a:spAutoFit/>
+          </a:bodyPr>
+          <a:lstStyle/>
+          <a:p>
+            <a:r>
+              <a:rPr kumimoji="1" lang="ja-JP" altLang="en-US" dirty="0" smtClean="0"/>
+              <a:t>３．膨大なソースコードから</a:t>
+            </a:r>
+            <a:endParaRPr kumimoji="1" lang="en-US" altLang="ja-JP" dirty="0" smtClean="0"/>
+          </a:p>
+          <a:p>
+            <a:r>
+              <a:rPr lang="ja-JP" altLang="en-US" dirty="0" smtClean="0"/>
+              <a:t>　　改変すべき関数を見つける</a:t>
+            </a:r>
+            <a:endParaRPr kumimoji="1" lang="ja-JP" altLang="en-US" dirty="0"/>
+          </a:p>
+        </p:txBody>
+      </p:sp>
+      <p:sp>
+        <p:nvSpPr>
+          <p:cNvPr id="22" name="テキスト ボックス 21"/>
+          <p:cNvSpPr txBox="1"/>
+          <p:nvPr/>
+        </p:nvSpPr>
+        <p:spPr>
+          <a:xfrm>
+            <a:off x="5868317" y="2349594"/>
+            <a:ext cx="2226892" cy="369332"/>
+          </a:xfrm>
+          <a:prstGeom prst="rect">
+            <a:avLst/>
+          </a:prstGeom>
+          <a:noFill/>
+        </p:spPr>
+        <p:txBody>
+          <a:bodyPr wrap="none" rtlCol="0">
+            <a:spAutoFit/>
+          </a:bodyPr>
+          <a:lstStyle/>
+          <a:p>
+            <a:r>
+              <a:rPr kumimoji="1" lang="ja-JP" altLang="en-US" dirty="0" smtClean="0"/>
+              <a:t>４．関数の作成・置換</a:t>
+            </a:r>
+            <a:endParaRPr kumimoji="1" lang="ja-JP" altLang="en-US" dirty="0"/>
+          </a:p>
+        </p:txBody>
+      </p:sp>
+      <p:sp>
+        <p:nvSpPr>
+          <p:cNvPr id="23" name="右矢印 22"/>
+          <p:cNvSpPr/>
+          <p:nvPr/>
+        </p:nvSpPr>
+        <p:spPr>
+          <a:xfrm>
+            <a:off x="1176950" y="4511655"/>
+            <a:ext cx="3395050" cy="513052"/>
+          </a:xfrm>
+          <a:prstGeom prst="rightArrow">
+            <a:avLst/>
+          </a:prstGeom>
+        </p:spPr>
+        <p:style>
+          <a:lnRef idx="1">
+            <a:schemeClr val="accent1"/>
+          </a:lnRef>
+          <a:fillRef idx="3">
+            <a:schemeClr val="accent1"/>
+          </a:fillRef>
+          <a:effectRef idx="2">
+            <a:schemeClr val="accent1"/>
+          </a:effectRef>
+          <a:fontRef idx="minor">
+            <a:schemeClr val="lt1"/>
+          </a:fontRef>
+        </p:style>
+        <p:txBody>
+          <a:bodyPr rtlCol="0" anchor="ctr"/>
+          <a:lstStyle/>
+          <a:p>
+            <a:pPr algn="ctr"/>
+            <a:endParaRPr kumimoji="1" lang="ja-JP" altLang="en-US"/>
+          </a:p>
+        </p:txBody>
+      </p:sp>
+      <p:sp>
+        <p:nvSpPr>
+          <p:cNvPr id="24" name="テキスト ボックス 23"/>
+          <p:cNvSpPr txBox="1"/>
+          <p:nvPr/>
+        </p:nvSpPr>
+        <p:spPr>
+          <a:xfrm>
+            <a:off x="5868316" y="2688740"/>
+            <a:ext cx="2492990" cy="369332"/>
+          </a:xfrm>
+          <a:prstGeom prst="rect">
+            <a:avLst/>
+          </a:prstGeom>
+          <a:noFill/>
+        </p:spPr>
+        <p:txBody>
+          <a:bodyPr wrap="none" rtlCol="0">
+            <a:spAutoFit/>
+          </a:bodyPr>
+          <a:lstStyle/>
+          <a:p>
+            <a:r>
+              <a:rPr kumimoji="1" lang="ja-JP" altLang="en-US" dirty="0" smtClean="0"/>
+              <a:t>５．</a:t>
+            </a:r>
+            <a:r>
+              <a:rPr lang="ja-JP" altLang="en-US" dirty="0" smtClean="0"/>
+              <a:t>シミュレーション</a:t>
+            </a:r>
+            <a:endParaRPr kumimoji="1" lang="ja-JP" altLang="en-US" dirty="0"/>
+          </a:p>
+        </p:txBody>
+      </p:sp>
+    </p:spTree>
+    <p:extLst>
+      <p:ext uri="{BB962C8B-B14F-4D97-AF65-F5344CB8AC3E}">
+        <p14:creationId xmlns:p14="http://schemas.microsoft.com/office/powerpoint/2010/main" val="3051805508"/>
+      </p:ext>
+    </p:extLst>
+  </p:cSld>
+  <p:clrMapOvr>
+    <a:masterClrMapping/>
+  </p:clrMapOvr>
+  <p:timing>
+    <p:tnLst>
+      <p:par>
+        <p:cTn id="1" dur="indefinite" restart="never" nodeType="tmRoot">
+          <p:childTnLst>
+            <p:seq concurrent="1" nextAc="seek">
+              <p:cTn id="2" dur="indefinite" nodeType="mainSeq">
+                <p:childTnLst>
+                  <p:par>
+                    <p:cTn id="3" fill="hold">
+                      <p:stCondLst>
+                        <p:cond delay="indefinite"/>
+                      </p:stCondLst>
+                      <p:childTnLst>
+                        <p:par>
+                          <p:cTn id="4" fill="hold">
+                            <p:stCondLst>
+                              <p:cond delay="0"/>
+                            </p:stCondLst>
+                            <p:childTnLst>
+                              <p:par>
+                                <p:cTn id="5" presetID="42" presetClass="entr" presetSubtype="0" fill="hold" grpId="0" nodeType="clickEffect">
+                                  <p:stCondLst>
+                                    <p:cond delay="0"/>
+                                  </p:stCondLst>
+                                  <p:childTnLst>
+                                    <p:set>
+                                      <p:cBhvr>
+                                        <p:cTn id="6" dur="1" fill="hold">
+                                          <p:stCondLst>
+                                            <p:cond delay="0"/>
+                                          </p:stCondLst>
+                                        </p:cTn>
+                                        <p:tgtEl>
+                                          <p:spTgt spid="13"/>
+                                        </p:tgtEl>
+                                        <p:attrNameLst>
+                                          <p:attrName>style.visibility</p:attrName>
+                                        </p:attrNameLst>
+                                      </p:cBhvr>
+                                      <p:to>
+                                        <p:strVal val="visible"/>
+                                      </p:to>
+                                    </p:set>
+                                    <p:animEffect transition="in" filter="fade">
+                                      <p:cBhvr>
+                                        <p:cTn id="7" dur="1000"/>
+                                        <p:tgtEl>
+                                          <p:spTgt spid="13"/>
+                                        </p:tgtEl>
+                                      </p:cBhvr>
+                                    </p:animEffect>
+                                    <p:anim calcmode="lin" valueType="num">
+                                      <p:cBhvr>
+                                        <p:cTn id="8" dur="1000" fill="hold"/>
+                                        <p:tgtEl>
+                                          <p:spTgt spid="13"/>
+                                        </p:tgtEl>
+                                        <p:attrNameLst>
+                                          <p:attrName>ppt_x</p:attrName>
+                                        </p:attrNameLst>
+                                      </p:cBhvr>
+                                      <p:tavLst>
+                                        <p:tav tm="0">
+                                          <p:val>
+                                            <p:strVal val="#ppt_x"/>
+                                          </p:val>
+                                        </p:tav>
+                                        <p:tav tm="100000">
+                                          <p:val>
+                                            <p:strVal val="#ppt_x"/>
+                                          </p:val>
+                                        </p:tav>
+                                      </p:tavLst>
+                                    </p:anim>
+                                    <p:anim calcmode="lin" valueType="num">
+                                      <p:cBhvr>
+                                        <p:cTn id="9" dur="1000" fill="hold"/>
+                                        <p:tgtEl>
+                                          <p:spTgt spid="13"/>
+                                        </p:tgtEl>
+                                        <p:attrNameLst>
+                                          <p:attrName>ppt_y</p:attrName>
+                                        </p:attrNameLst>
+                                      </p:cBhvr>
+                                      <p:tavLst>
+                                        <p:tav tm="0">
+                                          <p:val>
+                                            <p:strVal val="#ppt_y+.1"/>
+                                          </p:val>
+                                        </p:tav>
+                                        <p:tav tm="100000">
+                                          <p:val>
+                                            <p:strVal val="#ppt_y"/>
+                                          </p:val>
+                                        </p:tav>
+                                      </p:tavLst>
+                                    </p:anim>
+                                  </p:childTnLst>
+                                </p:cTn>
+                              </p:par>
+                            </p:childTnLst>
+                          </p:cTn>
+                        </p:par>
+                        <p:par>
+                          <p:cTn id="10" fill="hold">
+                            <p:stCondLst>
+                              <p:cond delay="1000"/>
+                            </p:stCondLst>
+                            <p:childTnLst>
+                              <p:par>
+                                <p:cTn id="11" presetID="2" presetClass="entr" presetSubtype="4" fill="hold" nodeType="afterEffect">
+                                  <p:stCondLst>
+                                    <p:cond delay="0"/>
+                                  </p:stCondLst>
+                                  <p:childTnLst>
+                                    <p:set>
+                                      <p:cBhvr>
+                                        <p:cTn id="12" dur="1" fill="hold">
+                                          <p:stCondLst>
+                                            <p:cond delay="0"/>
+                                          </p:stCondLst>
+                                        </p:cTn>
+                                        <p:tgtEl>
+                                          <p:spTgt spid="12"/>
+                                        </p:tgtEl>
+                                        <p:attrNameLst>
+                                          <p:attrName>style.visibility</p:attrName>
+                                        </p:attrNameLst>
+                                      </p:cBhvr>
+                                      <p:to>
+                                        <p:strVal val="visible"/>
+                                      </p:to>
+                                    </p:set>
+                                    <p:anim calcmode="lin" valueType="num">
+                                      <p:cBhvr additive="base">
+                                        <p:cTn id="13" dur="500" fill="hold"/>
+                                        <p:tgtEl>
+                                          <p:spTgt spid="12"/>
+                                        </p:tgtEl>
+                                        <p:attrNameLst>
+                                          <p:attrName>ppt_x</p:attrName>
+                                        </p:attrNameLst>
+                                      </p:cBhvr>
+                                      <p:tavLst>
+                                        <p:tav tm="0">
+                                          <p:val>
+                                            <p:strVal val="#ppt_x"/>
+                                          </p:val>
+                                        </p:tav>
+                                        <p:tav tm="100000">
+                                          <p:val>
+                                            <p:strVal val="#ppt_x"/>
+                                          </p:val>
+                                        </p:tav>
+                                      </p:tavLst>
+                                    </p:anim>
+                                    <p:anim calcmode="lin" valueType="num">
+                                      <p:cBhvr additive="base">
+                                        <p:cTn id="14" dur="500" fill="hold"/>
+                                        <p:tgtEl>
+                                          <p:spTgt spid="12"/>
+                                        </p:tgtEl>
+                                        <p:attrNameLst>
+                                          <p:attrName>ppt_y</p:attrName>
+                                        </p:attrNameLst>
+                                      </p:cBhvr>
+                                      <p:tavLst>
+                                        <p:tav tm="0">
+                                          <p:val>
+                                            <p:strVal val="1+#ppt_h/2"/>
+                                          </p:val>
+                                        </p:tav>
+                                        <p:tav tm="100000">
+                                          <p:val>
+                                            <p:strVal val="#ppt_y"/>
+                                          </p:val>
+                                        </p:tav>
+                                      </p:tavLst>
+                                    </p:anim>
+                                  </p:childTnLst>
+                                </p:cTn>
+                              </p:par>
+                            </p:childTnLst>
+                          </p:cTn>
+                        </p:par>
+                      </p:childTnLst>
+                    </p:cTn>
+                  </p:par>
+                  <p:par>
+                    <p:cTn id="15" fill="hold">
+                      <p:stCondLst>
+                        <p:cond delay="indefinite"/>
+                      </p:stCondLst>
+                      <p:childTnLst>
+                        <p:par>
+                          <p:cTn id="16" fill="hold">
+                            <p:stCondLst>
+                              <p:cond delay="0"/>
+                            </p:stCondLst>
+                            <p:childTnLst>
+                              <p:par>
+                                <p:cTn id="17" presetID="2" presetClass="entr" presetSubtype="4" fill="hold" grpId="0" nodeType="clickEffect">
+                                  <p:stCondLst>
+                                    <p:cond delay="0"/>
+                                  </p:stCondLst>
+                                  <p:childTnLst>
+                                    <p:set>
+                                      <p:cBhvr>
+                                        <p:cTn id="18" dur="1" fill="hold">
+                                          <p:stCondLst>
+                                            <p:cond delay="0"/>
+                                          </p:stCondLst>
+                                        </p:cTn>
+                                        <p:tgtEl>
+                                          <p:spTgt spid="20"/>
+                                        </p:tgtEl>
+                                        <p:attrNameLst>
+                                          <p:attrName>style.visibility</p:attrName>
+                                        </p:attrNameLst>
+                                      </p:cBhvr>
+                                      <p:to>
+                                        <p:strVal val="visible"/>
+                                      </p:to>
+                                    </p:set>
+                                    <p:anim calcmode="lin" valueType="num">
+                                      <p:cBhvr additive="base">
+                                        <p:cTn id="19" dur="500" fill="hold"/>
+                                        <p:tgtEl>
+                                          <p:spTgt spid="20"/>
+                                        </p:tgtEl>
+                                        <p:attrNameLst>
+                                          <p:attrName>ppt_x</p:attrName>
+                                        </p:attrNameLst>
+                                      </p:cBhvr>
+                                      <p:tavLst>
+                                        <p:tav tm="0">
+                                          <p:val>
+                                            <p:strVal val="#ppt_x"/>
+                                          </p:val>
+                                        </p:tav>
+                                        <p:tav tm="100000">
+                                          <p:val>
+                                            <p:strVal val="#ppt_x"/>
+                                          </p:val>
+                                        </p:tav>
+                                      </p:tavLst>
+                                    </p:anim>
+                                    <p:anim calcmode="lin" valueType="num">
+                                      <p:cBhvr additive="base">
+                                        <p:cTn id="20" dur="500" fill="hold"/>
+                                        <p:tgtEl>
+                                          <p:spTgt spid="20"/>
+                                        </p:tgtEl>
+                                        <p:attrNameLst>
+                                          <p:attrName>ppt_y</p:attrName>
+                                        </p:attrNameLst>
+                                      </p:cBhvr>
+                                      <p:tavLst>
+                                        <p:tav tm="0">
+                                          <p:val>
+                                            <p:strVal val="1+#ppt_h/2"/>
+                                          </p:val>
+                                        </p:tav>
+                                        <p:tav tm="100000">
+                                          <p:val>
+                                            <p:strVal val="#ppt_y"/>
+                                          </p:val>
+                                        </p:tav>
+                                      </p:tavLst>
+                                    </p:anim>
+                                  </p:childTnLst>
+                                </p:cTn>
+                              </p:par>
+                            </p:childTnLst>
+                          </p:cTn>
+                        </p:par>
+                        <p:par>
+                          <p:cTn id="21" fill="hold">
+                            <p:stCondLst>
+                              <p:cond delay="500"/>
+                            </p:stCondLst>
+                            <p:childTnLst>
+                              <p:par>
+                                <p:cTn id="22" presetID="21" presetClass="entr" presetSubtype="1" fill="hold" grpId="0" nodeType="afterEffect">
+                                  <p:stCondLst>
+                                    <p:cond delay="0"/>
+                                  </p:stCondLst>
+                                  <p:childTnLst>
+                                    <p:set>
+                                      <p:cBhvr>
+                                        <p:cTn id="23" dur="1" fill="hold">
+                                          <p:stCondLst>
+                                            <p:cond delay="0"/>
+                                          </p:stCondLst>
+                                        </p:cTn>
+                                        <p:tgtEl>
+                                          <p:spTgt spid="15"/>
+                                        </p:tgtEl>
+                                        <p:attrNameLst>
+                                          <p:attrName>style.visibility</p:attrName>
+                                        </p:attrNameLst>
+                                      </p:cBhvr>
+                                      <p:to>
+                                        <p:strVal val="visible"/>
+                                      </p:to>
+                                    </p:set>
+                                    <p:animEffect transition="in" filter="wheel(1)">
+                                      <p:cBhvr>
+                                        <p:cTn id="24" dur="750"/>
+                                        <p:tgtEl>
+                                          <p:spTgt spid="15"/>
+                                        </p:tgtEl>
+                                      </p:cBhvr>
+                                    </p:animEffect>
+                                  </p:childTnLst>
+                                </p:cTn>
+                              </p:par>
+                            </p:childTnLst>
+                          </p:cTn>
+                        </p:par>
+                      </p:childTnLst>
+                    </p:cTn>
+                  </p:par>
+                  <p:par>
+                    <p:cTn id="25" fill="hold">
+                      <p:stCondLst>
+                        <p:cond delay="indefinite"/>
+                      </p:stCondLst>
+                      <p:childTnLst>
+                        <p:par>
+                          <p:cTn id="26" fill="hold">
+                            <p:stCondLst>
+                              <p:cond delay="0"/>
+                            </p:stCondLst>
+                            <p:childTnLst>
+                              <p:par>
+                                <p:cTn id="27" presetID="2" presetClass="entr" presetSubtype="4" fill="hold" grpId="0" nodeType="clickEffect">
+                                  <p:stCondLst>
+                                    <p:cond delay="0"/>
+                                  </p:stCondLst>
+                                  <p:childTnLst>
+                                    <p:set>
+                                      <p:cBhvr>
+                                        <p:cTn id="28" dur="1" fill="hold">
+                                          <p:stCondLst>
+                                            <p:cond delay="0"/>
+                                          </p:stCondLst>
+                                        </p:cTn>
+                                        <p:tgtEl>
+                                          <p:spTgt spid="21"/>
+                                        </p:tgtEl>
+                                        <p:attrNameLst>
+                                          <p:attrName>style.visibility</p:attrName>
+                                        </p:attrNameLst>
+                                      </p:cBhvr>
+                                      <p:to>
+                                        <p:strVal val="visible"/>
+                                      </p:to>
+                                    </p:set>
+                                    <p:anim calcmode="lin" valueType="num">
+                                      <p:cBhvr additive="base">
+                                        <p:cTn id="29" dur="500" fill="hold"/>
+                                        <p:tgtEl>
+                                          <p:spTgt spid="21"/>
+                                        </p:tgtEl>
+                                        <p:attrNameLst>
+                                          <p:attrName>ppt_x</p:attrName>
+                                        </p:attrNameLst>
+                                      </p:cBhvr>
+                                      <p:tavLst>
+                                        <p:tav tm="0">
+                                          <p:val>
+                                            <p:strVal val="#ppt_x"/>
+                                          </p:val>
+                                        </p:tav>
+                                        <p:tav tm="100000">
+                                          <p:val>
+                                            <p:strVal val="#ppt_x"/>
+                                          </p:val>
+                                        </p:tav>
+                                      </p:tavLst>
+                                    </p:anim>
+                                    <p:anim calcmode="lin" valueType="num">
+                                      <p:cBhvr additive="base">
+                                        <p:cTn id="30" dur="500" fill="hold"/>
+                                        <p:tgtEl>
+                                          <p:spTgt spid="21"/>
+                                        </p:tgtEl>
+                                        <p:attrNameLst>
+                                          <p:attrName>ppt_y</p:attrName>
+                                        </p:attrNameLst>
+                                      </p:cBhvr>
+                                      <p:tavLst>
+                                        <p:tav tm="0">
+                                          <p:val>
+                                            <p:strVal val="1+#ppt_h/2"/>
+                                          </p:val>
+                                        </p:tav>
+                                        <p:tav tm="100000">
+                                          <p:val>
+                                            <p:strVal val="#ppt_y"/>
+                                          </p:val>
+                                        </p:tav>
+                                      </p:tavLst>
+                                    </p:anim>
+                                  </p:childTnLst>
+                                </p:cTn>
+                              </p:par>
+                            </p:childTnLst>
+                          </p:cTn>
+                        </p:par>
+                        <p:par>
+                          <p:cTn id="31" fill="hold">
+                            <p:stCondLst>
+                              <p:cond delay="500"/>
+                            </p:stCondLst>
+                            <p:childTnLst>
+                              <p:par>
+                                <p:cTn id="32" presetID="21" presetClass="entr" presetSubtype="1" fill="hold" grpId="0" nodeType="afterEffect">
+                                  <p:stCondLst>
+                                    <p:cond delay="0"/>
+                                  </p:stCondLst>
+                                  <p:childTnLst>
+                                    <p:set>
+                                      <p:cBhvr>
+                                        <p:cTn id="33" dur="1" fill="hold">
+                                          <p:stCondLst>
+                                            <p:cond delay="0"/>
+                                          </p:stCondLst>
+                                        </p:cTn>
+                                        <p:tgtEl>
+                                          <p:spTgt spid="18"/>
+                                        </p:tgtEl>
+                                        <p:attrNameLst>
+                                          <p:attrName>style.visibility</p:attrName>
+                                        </p:attrNameLst>
+                                      </p:cBhvr>
+                                      <p:to>
+                                        <p:strVal val="visible"/>
+                                      </p:to>
+                                    </p:set>
+                                    <p:animEffect transition="in" filter="wheel(1)">
+                                      <p:cBhvr>
+                                        <p:cTn id="34" dur="750"/>
+                                        <p:tgtEl>
+                                          <p:spTgt spid="18"/>
+                                        </p:tgtEl>
+                                      </p:cBhvr>
+                                    </p:animEffect>
+                                  </p:childTnLst>
+                                </p:cTn>
+                              </p:par>
+                            </p:childTnLst>
+                          </p:cTn>
+                        </p:par>
+                      </p:childTnLst>
+                    </p:cTn>
+                  </p:par>
+                  <p:par>
+                    <p:cTn id="35" fill="hold">
+                      <p:stCondLst>
+                        <p:cond delay="indefinite"/>
+                      </p:stCondLst>
+                      <p:childTnLst>
+                        <p:par>
+                          <p:cTn id="36" fill="hold">
+                            <p:stCondLst>
+                              <p:cond delay="0"/>
+                            </p:stCondLst>
+                            <p:childTnLst>
+                              <p:par>
+                                <p:cTn id="37" presetID="2" presetClass="entr" presetSubtype="4" fill="hold" grpId="0" nodeType="clickEffect">
+                                  <p:stCondLst>
+                                    <p:cond delay="0"/>
+                                  </p:stCondLst>
+                                  <p:childTnLst>
+                                    <p:set>
+                                      <p:cBhvr>
+                                        <p:cTn id="38" dur="1" fill="hold">
+                                          <p:stCondLst>
+                                            <p:cond delay="0"/>
+                                          </p:stCondLst>
+                                        </p:cTn>
+                                        <p:tgtEl>
+                                          <p:spTgt spid="22"/>
+                                        </p:tgtEl>
+                                        <p:attrNameLst>
+                                          <p:attrName>style.visibility</p:attrName>
+                                        </p:attrNameLst>
+                                      </p:cBhvr>
+                                      <p:to>
+                                        <p:strVal val="visible"/>
+                                      </p:to>
+                                    </p:set>
+                                    <p:anim calcmode="lin" valueType="num">
+                                      <p:cBhvr additive="base">
+                                        <p:cTn id="39" dur="500" fill="hold"/>
+                                        <p:tgtEl>
+                                          <p:spTgt spid="22"/>
+                                        </p:tgtEl>
+                                        <p:attrNameLst>
+                                          <p:attrName>ppt_x</p:attrName>
+                                        </p:attrNameLst>
+                                      </p:cBhvr>
+                                      <p:tavLst>
+                                        <p:tav tm="0">
+                                          <p:val>
+                                            <p:strVal val="#ppt_x"/>
+                                          </p:val>
+                                        </p:tav>
+                                        <p:tav tm="100000">
+                                          <p:val>
+                                            <p:strVal val="#ppt_x"/>
+                                          </p:val>
+                                        </p:tav>
+                                      </p:tavLst>
+                                    </p:anim>
+                                    <p:anim calcmode="lin" valueType="num">
+                                      <p:cBhvr additive="base">
+                                        <p:cTn id="40" dur="500" fill="hold"/>
+                                        <p:tgtEl>
+                                          <p:spTgt spid="22"/>
+                                        </p:tgtEl>
+                                        <p:attrNameLst>
+                                          <p:attrName>ppt_y</p:attrName>
+                                        </p:attrNameLst>
+                                      </p:cBhvr>
+                                      <p:tavLst>
+                                        <p:tav tm="0">
+                                          <p:val>
+                                            <p:strVal val="1+#ppt_h/2"/>
+                                          </p:val>
+                                        </p:tav>
+                                        <p:tav tm="100000">
+                                          <p:val>
+                                            <p:strVal val="#ppt_y"/>
+                                          </p:val>
+                                        </p:tav>
+                                      </p:tavLst>
+                                    </p:anim>
+                                  </p:childTnLst>
+                                </p:cTn>
+                              </p:par>
+                            </p:childTnLst>
+                          </p:cTn>
+                        </p:par>
+                        <p:par>
+                          <p:cTn id="41" fill="hold">
+                            <p:stCondLst>
+                              <p:cond delay="500"/>
+                            </p:stCondLst>
+                            <p:childTnLst>
+                              <p:par>
+                                <p:cTn id="42" presetID="53" presetClass="entr" presetSubtype="16" fill="hold" grpId="0" nodeType="afterEffect">
+                                  <p:stCondLst>
+                                    <p:cond delay="0"/>
+                                  </p:stCondLst>
+                                  <p:childTnLst>
+                                    <p:set>
+                                      <p:cBhvr>
+                                        <p:cTn id="43" dur="1" fill="hold">
+                                          <p:stCondLst>
+                                            <p:cond delay="0"/>
+                                          </p:stCondLst>
+                                        </p:cTn>
+                                        <p:tgtEl>
+                                          <p:spTgt spid="23"/>
+                                        </p:tgtEl>
+                                        <p:attrNameLst>
+                                          <p:attrName>style.visibility</p:attrName>
+                                        </p:attrNameLst>
+                                      </p:cBhvr>
+                                      <p:to>
+                                        <p:strVal val="visible"/>
+                                      </p:to>
+                                    </p:set>
+                                    <p:anim calcmode="lin" valueType="num">
+                                      <p:cBhvr>
+                                        <p:cTn id="44" dur="500" fill="hold"/>
+                                        <p:tgtEl>
+                                          <p:spTgt spid="23"/>
+                                        </p:tgtEl>
+                                        <p:attrNameLst>
+                                          <p:attrName>ppt_w</p:attrName>
+                                        </p:attrNameLst>
+                                      </p:cBhvr>
+                                      <p:tavLst>
+                                        <p:tav tm="0">
+                                          <p:val>
+                                            <p:fltVal val="0"/>
+                                          </p:val>
+                                        </p:tav>
+                                        <p:tav tm="100000">
+                                          <p:val>
+                                            <p:strVal val="#ppt_w"/>
+                                          </p:val>
+                                        </p:tav>
+                                      </p:tavLst>
+                                    </p:anim>
+                                    <p:anim calcmode="lin" valueType="num">
+                                      <p:cBhvr>
+                                        <p:cTn id="45" dur="500" fill="hold"/>
+                                        <p:tgtEl>
+                                          <p:spTgt spid="23"/>
+                                        </p:tgtEl>
+                                        <p:attrNameLst>
+                                          <p:attrName>ppt_h</p:attrName>
+                                        </p:attrNameLst>
+                                      </p:cBhvr>
+                                      <p:tavLst>
+                                        <p:tav tm="0">
+                                          <p:val>
+                                            <p:fltVal val="0"/>
+                                          </p:val>
+                                        </p:tav>
+                                        <p:tav tm="100000">
+                                          <p:val>
+                                            <p:strVal val="#ppt_h"/>
+                                          </p:val>
+                                        </p:tav>
+                                      </p:tavLst>
+                                    </p:anim>
+                                    <p:animEffect transition="in" filter="fade">
+                                      <p:cBhvr>
+                                        <p:cTn id="46" dur="500"/>
+                                        <p:tgtEl>
+                                          <p:spTgt spid="23"/>
+                                        </p:tgtEl>
+                                      </p:cBhvr>
+                                    </p:animEffect>
+                                  </p:childTnLst>
+                                </p:cTn>
+                              </p:par>
+                            </p:childTnLst>
+                          </p:cTn>
+                        </p:par>
+                        <p:par>
+                          <p:cTn id="47" fill="hold">
+                            <p:stCondLst>
+                              <p:cond delay="1000"/>
+                            </p:stCondLst>
+                            <p:childTnLst>
+                              <p:par>
+                                <p:cTn id="48" presetID="10" presetClass="entr" presetSubtype="0" fill="hold" grpId="0" nodeType="afterEffect">
+                                  <p:stCondLst>
+                                    <p:cond delay="1000"/>
+                                  </p:stCondLst>
+                                  <p:childTnLst>
+                                    <p:set>
+                                      <p:cBhvr>
+                                        <p:cTn id="49" dur="1" fill="hold">
+                                          <p:stCondLst>
+                                            <p:cond delay="0"/>
+                                          </p:stCondLst>
+                                        </p:cTn>
+                                        <p:tgtEl>
+                                          <p:spTgt spid="24"/>
+                                        </p:tgtEl>
+                                        <p:attrNameLst>
+                                          <p:attrName>style.visibility</p:attrName>
+                                        </p:attrNameLst>
+                                      </p:cBhvr>
+                                      <p:to>
+                                        <p:strVal val="visible"/>
+                                      </p:to>
+                                    </p:set>
+                                    <p:animEffect transition="in" filter="fade">
+                                      <p:cBhvr>
+                                        <p:cTn id="50" dur="2000"/>
+                                        <p:tgtEl>
+                                          <p:spTgt spid="24"/>
+                                        </p:tgtEl>
+                                      </p:cBhvr>
+                                    </p:animEffect>
+                                  </p:childTnLst>
+                                </p:cTn>
+                              </p:par>
+                            </p:childTnLst>
+                          </p:cTn>
+                        </p:par>
+                      </p:childTnLst>
+                    </p:cTn>
+                  </p:par>
+                </p:childTnLst>
+              </p:cTn>
+              <p:prevCondLst>
+                <p:cond evt="onPrev" delay="0">
+                  <p:tgtEl>
+                    <p:sldTgt/>
+                  </p:tgtEl>
+                </p:cond>
+              </p:prevCondLst>
+              <p:nextCondLst>
+                <p:cond evt="onNext" delay="0">
+                  <p:tgtEl>
+                    <p:sldTgt/>
+                  </p:tgtEl>
+                </p:cond>
+              </p:nextCondLst>
+            </p:seq>
+          </p:childTnLst>
+        </p:cTn>
+      </p:par>
+    </p:tnLst>
+    <p:bldLst>
+      <p:bldP spid="13" grpId="0"/>
+      <p:bldP spid="15" grpId="0" animBg="1"/>
+      <p:bldP spid="18" grpId="0" animBg="1"/>
+      <p:bldP spid="20" grpId="0"/>
+      <p:bldP spid="21" grpId="0"/>
+      <p:bldP spid="22" grpId="0"/>
+      <p:bldP spid="23" grpId="0" animBg="1"/>
+      <p:bldP spid="24" grpId="0"/>
     </p:bldLst>
   </p:timing>
 </p:sld>
@@ -19816,14 +19914,14 @@
                     </a:ln>
                     <a:extLst>
                       <a:ext uri="{909E8E84-426E-40dd-AFC4-6F175D3DCCD1}">
-                        <a14:hiddenFill xmlns:a14="http://schemas.microsoft.com/office/drawing/2010/main" xmlns="">
+                        <a14:hiddenFill xmlns="" xmlns:a14="http://schemas.microsoft.com/office/drawing/2010/main">
                           <a:solidFill>
                             <a:srgbClr val="FFFFFF"/>
                           </a:solidFill>
                         </a14:hiddenFill>
                       </a:ext>
                       <a:ext uri="{91240B29-F687-4f45-9708-019B960494DF}">
-                        <a14:hiddenLine xmlns:a14="http://schemas.microsoft.com/office/drawing/2010/main" xmlns="" w="9525">
+                        <a14:hiddenLine xmlns="" xmlns:a14="http://schemas.microsoft.com/office/drawing/2010/main" w="9525">
                           <a:solidFill>
                             <a:srgbClr val="000000"/>
                           </a:solidFill>
@@ -20231,14 +20329,14 @@
                   </a:ln>
                   <a:extLst>
                     <a:ext uri="{909E8E84-426E-40dd-AFC4-6F175D3DCCD1}">
-                      <a14:hiddenFill xmlns:a14="http://schemas.microsoft.com/office/drawing/2010/main" xmlns="">
+                      <a14:hiddenFill xmlns="" xmlns:a14="http://schemas.microsoft.com/office/drawing/2010/main">
                         <a:solidFill>
                           <a:srgbClr val="FFFFFF"/>
                         </a:solidFill>
                       </a14:hiddenFill>
                     </a:ext>
                     <a:ext uri="{91240B29-F687-4f45-9708-019B960494DF}">
-                      <a14:hiddenLine xmlns:a14="http://schemas.microsoft.com/office/drawing/2010/main" xmlns="" w="9525">
+                      <a14:hiddenLine xmlns="" xmlns:a14="http://schemas.microsoft.com/office/drawing/2010/main" w="9525">
                         <a:solidFill>
                           <a:srgbClr val="000000"/>
                         </a:solidFill>

--- a/doc/中間発表資料.pptx
+++ b/doc/中間発表資料.pptx
@@ -227,7 +227,7 @@
           <a:p>
             <a:fld id="{07C89E97-5434-9C4E-B6E5-C9F9FBA5FCE1}" type="datetimeFigureOut">
               <a:rPr kumimoji="1" lang="ja-JP" altLang="en-US" smtClean="0"/>
-              <a:t>2014/11/24</a:t>
+              <a:t>2015/3/22</a:t>
             </a:fld>
             <a:endParaRPr kumimoji="1" lang="ja-JP" altLang="en-US"/>
           </a:p>
@@ -699,14 +699,34 @@
           <a:p>
             <a:r>
               <a:rPr kumimoji="1" lang="ja-JP" altLang="en-US" dirty="0" smtClean="0"/>
-              <a:t>変更して、実行ボタンを押すとその関数でパラメータフィッティングを行い評価結果を表示します。評価結果を比較することでより良い関数を作成することが出来ます。</a:t>
+              <a:t>変更して、実行ボタンを押す</a:t>
+            </a:r>
+            <a:r>
+              <a:rPr kumimoji="1" lang="ja-JP" altLang="en-US" dirty="0" smtClean="0"/>
+              <a:t>とエラーチェックができます。</a:t>
             </a:r>
             <a:endParaRPr kumimoji="1" lang="en-US" altLang="ja-JP" dirty="0" smtClean="0"/>
           </a:p>
           <a:p>
             <a:r>
               <a:rPr kumimoji="1" lang="ja-JP" altLang="en-US" dirty="0" smtClean="0"/>
-              <a:t>最終結果として変更した新しいモデルファイルはダウンロードすることが出来ます。</a:t>
+              <a:t>最終結果として変更した新しいモデルファイルは</a:t>
+            </a:r>
+            <a:r>
+              <a:rPr kumimoji="1" lang="ja-JP" altLang="en-US" dirty="0" smtClean="0"/>
+              <a:t>ダウンロードして</a:t>
+            </a:r>
+            <a:r>
+              <a:rPr kumimoji="1" lang="en-US" altLang="ja-JP" dirty="0" err="1" smtClean="0"/>
+              <a:t>Matlab</a:t>
+            </a:r>
+            <a:r>
+              <a:rPr kumimoji="1" lang="ja-JP" altLang="en-US" dirty="0" smtClean="0"/>
+              <a:t>や他のシミュレーションプログラムで利用する</a:t>
+            </a:r>
+            <a:r>
+              <a:rPr kumimoji="1" lang="ja-JP" altLang="en-US" dirty="0" smtClean="0"/>
+              <a:t>ことが出来ます。</a:t>
             </a:r>
             <a:endParaRPr kumimoji="1" lang="ja-JP" altLang="en-US" dirty="0"/>
           </a:p>
@@ -2378,7 +2398,7 @@
           <a:p>
             <a:fld id="{8E38DBD1-F25C-9E4F-851F-C78CA3583CBD}" type="datetimeFigureOut">
               <a:rPr kumimoji="1" lang="ja-JP" altLang="en-US" smtClean="0"/>
-              <a:t>2014/11/24</a:t>
+              <a:t>2015/3/22</a:t>
             </a:fld>
             <a:endParaRPr kumimoji="1" lang="ja-JP" altLang="en-US"/>
           </a:p>
@@ -2580,7 +2600,7 @@
           <a:p>
             <a:fld id="{8E38DBD1-F25C-9E4F-851F-C78CA3583CBD}" type="datetimeFigureOut">
               <a:rPr kumimoji="1" lang="ja-JP" altLang="en-US" smtClean="0"/>
-              <a:t>2014/11/24</a:t>
+              <a:t>2015/3/22</a:t>
             </a:fld>
             <a:endParaRPr kumimoji="1" lang="ja-JP" altLang="en-US"/>
           </a:p>
@@ -2792,7 +2812,7 @@
           <a:p>
             <a:fld id="{8E38DBD1-F25C-9E4F-851F-C78CA3583CBD}" type="datetimeFigureOut">
               <a:rPr kumimoji="1" lang="ja-JP" altLang="en-US" smtClean="0"/>
-              <a:t>2014/11/24</a:t>
+              <a:t>2015/3/22</a:t>
             </a:fld>
             <a:endParaRPr kumimoji="1" lang="ja-JP" altLang="en-US"/>
           </a:p>
@@ -2994,7 +3014,7 @@
           <a:p>
             <a:fld id="{8E38DBD1-F25C-9E4F-851F-C78CA3583CBD}" type="datetimeFigureOut">
               <a:rPr kumimoji="1" lang="ja-JP" altLang="en-US" smtClean="0"/>
-              <a:t>2014/11/24</a:t>
+              <a:t>2015/3/22</a:t>
             </a:fld>
             <a:endParaRPr kumimoji="1" lang="ja-JP" altLang="en-US"/>
           </a:p>
@@ -3240,7 +3260,7 @@
           <a:p>
             <a:fld id="{8E38DBD1-F25C-9E4F-851F-C78CA3583CBD}" type="datetimeFigureOut">
               <a:rPr kumimoji="1" lang="ja-JP" altLang="en-US" smtClean="0"/>
-              <a:t>2014/11/24</a:t>
+              <a:t>2015/3/22</a:t>
             </a:fld>
             <a:endParaRPr kumimoji="1" lang="ja-JP" altLang="en-US"/>
           </a:p>
@@ -3592,7 +3612,7 @@
           <a:p>
             <a:fld id="{8E38DBD1-F25C-9E4F-851F-C78CA3583CBD}" type="datetimeFigureOut">
               <a:rPr kumimoji="1" lang="ja-JP" altLang="en-US" smtClean="0"/>
-              <a:t>2014/11/24</a:t>
+              <a:t>2015/3/22</a:t>
             </a:fld>
             <a:endParaRPr kumimoji="1" lang="ja-JP" altLang="en-US"/>
           </a:p>
@@ -4078,7 +4098,7 @@
           <a:p>
             <a:fld id="{8E38DBD1-F25C-9E4F-851F-C78CA3583CBD}" type="datetimeFigureOut">
               <a:rPr kumimoji="1" lang="ja-JP" altLang="en-US" smtClean="0"/>
-              <a:t>2014/11/24</a:t>
+              <a:t>2015/3/22</a:t>
             </a:fld>
             <a:endParaRPr kumimoji="1" lang="ja-JP" altLang="en-US"/>
           </a:p>
@@ -4196,7 +4216,7 @@
           <a:p>
             <a:fld id="{8E38DBD1-F25C-9E4F-851F-C78CA3583CBD}" type="datetimeFigureOut">
               <a:rPr kumimoji="1" lang="ja-JP" altLang="en-US" smtClean="0"/>
-              <a:t>2014/11/24</a:t>
+              <a:t>2015/3/22</a:t>
             </a:fld>
             <a:endParaRPr kumimoji="1" lang="ja-JP" altLang="en-US"/>
           </a:p>
@@ -4291,7 +4311,7 @@
           <a:p>
             <a:fld id="{8E38DBD1-F25C-9E4F-851F-C78CA3583CBD}" type="datetimeFigureOut">
               <a:rPr kumimoji="1" lang="ja-JP" altLang="en-US" smtClean="0"/>
-              <a:t>2014/11/24</a:t>
+              <a:t>2015/3/22</a:t>
             </a:fld>
             <a:endParaRPr kumimoji="1" lang="ja-JP" altLang="en-US"/>
           </a:p>
@@ -4600,7 +4620,7 @@
           <a:p>
             <a:fld id="{8E38DBD1-F25C-9E4F-851F-C78CA3583CBD}" type="datetimeFigureOut">
               <a:rPr kumimoji="1" lang="ja-JP" altLang="en-US" smtClean="0"/>
-              <a:t>2014/11/24</a:t>
+              <a:t>2015/3/22</a:t>
             </a:fld>
             <a:endParaRPr kumimoji="1" lang="ja-JP" altLang="en-US"/>
           </a:p>
@@ -4853,7 +4873,7 @@
           <a:p>
             <a:fld id="{8E38DBD1-F25C-9E4F-851F-C78CA3583CBD}" type="datetimeFigureOut">
               <a:rPr kumimoji="1" lang="ja-JP" altLang="en-US" smtClean="0"/>
-              <a:t>2014/11/24</a:t>
+              <a:t>2015/3/22</a:t>
             </a:fld>
             <a:endParaRPr kumimoji="1" lang="ja-JP" altLang="en-US"/>
           </a:p>
@@ -5098,7 +5118,7 @@
           <a:p>
             <a:fld id="{8E38DBD1-F25C-9E4F-851F-C78CA3583CBD}" type="datetimeFigureOut">
               <a:rPr kumimoji="1" lang="ja-JP" altLang="en-US" smtClean="0"/>
-              <a:t>2014/11/24</a:t>
+              <a:t>2015/3/22</a:t>
             </a:fld>
             <a:endParaRPr kumimoji="1" lang="ja-JP" altLang="en-US"/>
           </a:p>
@@ -6830,14 +6850,14 @@
                 </a:ln>
                 <a:extLst>
                   <a:ext uri="{909E8E84-426E-40dd-AFC4-6F175D3DCCD1}">
-                    <a14:hiddenFill xmlns="" xmlns:a14="http://schemas.microsoft.com/office/drawing/2010/main">
+                    <a14:hiddenFill xmlns:a14="http://schemas.microsoft.com/office/drawing/2010/main" xmlns="">
                       <a:solidFill>
                         <a:srgbClr val="FFFFFF"/>
                       </a:solidFill>
                     </a14:hiddenFill>
                   </a:ext>
                   <a:ext uri="{91240B29-F687-4f45-9708-019B960494DF}">
-                    <a14:hiddenLine xmlns="" xmlns:a14="http://schemas.microsoft.com/office/drawing/2010/main" w="9525">
+                    <a14:hiddenLine xmlns:a14="http://schemas.microsoft.com/office/drawing/2010/main" xmlns="" w="9525">
                       <a:solidFill>
                         <a:srgbClr val="000000"/>
                       </a:solidFill>
@@ -6901,14 +6921,14 @@
               </a:ln>
               <a:extLst>
                 <a:ext uri="{909E8E84-426E-40dd-AFC4-6F175D3DCCD1}">
-                  <a14:hiddenFill xmlns="" xmlns:a14="http://schemas.microsoft.com/office/drawing/2010/main">
+                  <a14:hiddenFill xmlns:a14="http://schemas.microsoft.com/office/drawing/2010/main" xmlns="">
                     <a:solidFill>
                       <a:srgbClr val="FFFFFF"/>
                     </a:solidFill>
                   </a14:hiddenFill>
                 </a:ext>
                 <a:ext uri="{91240B29-F687-4f45-9708-019B960494DF}">
-                  <a14:hiddenLine xmlns="" xmlns:a14="http://schemas.microsoft.com/office/drawing/2010/main" w="9525">
+                  <a14:hiddenLine xmlns:a14="http://schemas.microsoft.com/office/drawing/2010/main" xmlns="" w="9525">
                     <a:solidFill>
                       <a:srgbClr val="000000"/>
                     </a:solidFill>
@@ -7343,36 +7363,6 @@
           </a:p>
         </p:txBody>
       </p:sp>
-      <p:pic>
-        <p:nvPicPr>
-          <p:cNvPr id="10" name="図 9" descr="BU001986.png"/>
-          <p:cNvPicPr>
-            <a:picLocks noChangeAspect="1"/>
-          </p:cNvPicPr>
-          <p:nvPr/>
-        </p:nvPicPr>
-        <p:blipFill>
-          <a:blip r:embed="rId3">
-            <a:extLst>
-              <a:ext uri="{28A0092B-C50C-407E-A947-70E740481C1C}">
-                <a14:useLocalDpi xmlns:a14="http://schemas.microsoft.com/office/drawing/2010/main" val="0"/>
-              </a:ext>
-            </a:extLst>
-          </a:blip>
-          <a:stretch>
-            <a:fillRect/>
-          </a:stretch>
-        </p:blipFill>
-        <p:spPr>
-          <a:xfrm>
-            <a:off x="527834" y="3050191"/>
-            <a:ext cx="1171479" cy="1095764"/>
-          </a:xfrm>
-          <a:prstGeom prst="rect">
-            <a:avLst/>
-          </a:prstGeom>
-        </p:spPr>
-      </p:pic>
       <p:sp>
         <p:nvSpPr>
           <p:cNvPr id="13" name="正方形/長方形 12"/>
@@ -7381,8 +7371,8 @@
         </p:nvSpPr>
         <p:spPr>
           <a:xfrm>
-            <a:off x="2704542" y="1422984"/>
-            <a:ext cx="4139126" cy="5150114"/>
+            <a:off x="2704542" y="1366335"/>
+            <a:ext cx="6052892" cy="5150114"/>
           </a:xfrm>
           <a:prstGeom prst="rect">
             <a:avLst/>
@@ -7460,59 +7450,104 @@
           </a:p>
         </p:txBody>
       </p:sp>
-      <p:sp>
-        <p:nvSpPr>
-          <p:cNvPr id="17" name="テキスト ボックス 16"/>
-          <p:cNvSpPr txBox="1"/>
+      <p:grpSp>
+        <p:nvGrpSpPr>
+          <p:cNvPr id="73" name="グループ化 72"/>
+          <p:cNvGrpSpPr/>
           <p:nvPr/>
-        </p:nvSpPr>
-        <p:spPr>
+        </p:nvGrpSpPr>
+        <p:grpSpPr>
           <a:xfrm>
-            <a:off x="527834" y="3455684"/>
-            <a:ext cx="1402510" cy="646331"/>
+            <a:off x="527834" y="3050191"/>
+            <a:ext cx="1402510" cy="1095764"/>
+            <a:chOff x="527834" y="3050191"/>
+            <a:chExt cx="1402510" cy="1095764"/>
           </a:xfrm>
-          <a:prstGeom prst="rect">
-            <a:avLst/>
-          </a:prstGeom>
-          <a:noFill/>
-        </p:spPr>
-        <p:txBody>
-          <a:bodyPr wrap="none" rtlCol="0">
-            <a:spAutoFit/>
-          </a:bodyPr>
-          <a:lstStyle/>
-          <a:p>
-            <a:r>
-              <a:rPr lang="ja-JP" altLang="en-US" dirty="0"/>
-              <a:t>数理</a:t>
-            </a:r>
-            <a:r>
-              <a:rPr kumimoji="1" lang="ja-JP" altLang="en-US" dirty="0" smtClean="0"/>
-              <a:t>モデル</a:t>
-            </a:r>
-            <a:r>
-              <a:rPr kumimoji="1" lang="en-US" altLang="ja-JP" dirty="0" smtClean="0"/>
-              <a:t/>
-            </a:r>
-            <a:br>
-              <a:rPr kumimoji="1" lang="en-US" altLang="ja-JP" dirty="0" smtClean="0"/>
-            </a:br>
-            <a:r>
-              <a:rPr kumimoji="1" lang="en-US" altLang="ja-JP" dirty="0" smtClean="0"/>
-              <a:t>(</a:t>
-            </a:r>
-            <a:r>
-              <a:rPr kumimoji="1" lang="ja-JP" altLang="en-US" dirty="0" smtClean="0"/>
-              <a:t>プログラム</a:t>
-            </a:r>
-            <a:r>
-              <a:rPr kumimoji="1" lang="en-US" altLang="ja-JP" dirty="0" smtClean="0"/>
-              <a:t>)</a:t>
-            </a:r>
-            <a:endParaRPr kumimoji="1" lang="ja-JP" altLang="en-US" dirty="0"/>
-          </a:p>
-        </p:txBody>
-      </p:sp>
+        </p:grpSpPr>
+        <p:pic>
+          <p:nvPicPr>
+            <p:cNvPr id="10" name="図 9" descr="BU001986.png"/>
+            <p:cNvPicPr>
+              <a:picLocks noChangeAspect="1"/>
+            </p:cNvPicPr>
+            <p:nvPr/>
+          </p:nvPicPr>
+          <p:blipFill>
+            <a:blip r:embed="rId3">
+              <a:extLst>
+                <a:ext uri="{28A0092B-C50C-407E-A947-70E740481C1C}">
+                  <a14:useLocalDpi xmlns:a14="http://schemas.microsoft.com/office/drawing/2010/main" val="0"/>
+                </a:ext>
+              </a:extLst>
+            </a:blip>
+            <a:stretch>
+              <a:fillRect/>
+            </a:stretch>
+          </p:blipFill>
+          <p:spPr>
+            <a:xfrm>
+              <a:off x="527834" y="3050191"/>
+              <a:ext cx="1171479" cy="1095764"/>
+            </a:xfrm>
+            <a:prstGeom prst="rect">
+              <a:avLst/>
+            </a:prstGeom>
+          </p:spPr>
+        </p:pic>
+        <p:sp>
+          <p:nvSpPr>
+            <p:cNvPr id="17" name="テキスト ボックス 16"/>
+            <p:cNvSpPr txBox="1"/>
+            <p:nvPr/>
+          </p:nvSpPr>
+          <p:spPr>
+            <a:xfrm>
+              <a:off x="527834" y="3455684"/>
+              <a:ext cx="1402510" cy="646331"/>
+            </a:xfrm>
+            <a:prstGeom prst="rect">
+              <a:avLst/>
+            </a:prstGeom>
+            <a:noFill/>
+          </p:spPr>
+          <p:txBody>
+            <a:bodyPr wrap="none" rtlCol="0">
+              <a:spAutoFit/>
+            </a:bodyPr>
+            <a:lstStyle/>
+            <a:p>
+              <a:r>
+                <a:rPr lang="ja-JP" altLang="en-US" dirty="0"/>
+                <a:t>数理</a:t>
+              </a:r>
+              <a:r>
+                <a:rPr kumimoji="1" lang="ja-JP" altLang="en-US" dirty="0" smtClean="0"/>
+                <a:t>モデル</a:t>
+              </a:r>
+              <a:r>
+                <a:rPr kumimoji="1" lang="en-US" altLang="ja-JP" dirty="0" smtClean="0"/>
+                <a:t/>
+              </a:r>
+              <a:br>
+                <a:rPr kumimoji="1" lang="en-US" altLang="ja-JP" dirty="0" smtClean="0"/>
+              </a:br>
+              <a:r>
+                <a:rPr kumimoji="1" lang="en-US" altLang="ja-JP" dirty="0" smtClean="0"/>
+                <a:t>(</a:t>
+              </a:r>
+              <a:r>
+                <a:rPr kumimoji="1" lang="ja-JP" altLang="en-US" dirty="0" smtClean="0"/>
+                <a:t>プログラム</a:t>
+              </a:r>
+              <a:r>
+                <a:rPr kumimoji="1" lang="en-US" altLang="ja-JP" dirty="0" smtClean="0"/>
+                <a:t>)</a:t>
+              </a:r>
+              <a:endParaRPr kumimoji="1" lang="ja-JP" altLang="en-US" dirty="0"/>
+            </a:p>
+          </p:txBody>
+        </p:sp>
+      </p:grpSp>
       <p:sp>
         <p:nvSpPr>
           <p:cNvPr id="18" name="テキスト ボックス 17"/>
@@ -7591,601 +7626,13 @@
       </p:sp>
       <p:sp>
         <p:nvSpPr>
-          <p:cNvPr id="32" name="円/楕円 31"/>
-          <p:cNvSpPr/>
-          <p:nvPr/>
-        </p:nvSpPr>
-        <p:spPr>
-          <a:xfrm>
-            <a:off x="3126467" y="2077643"/>
-            <a:ext cx="1164049" cy="364447"/>
-          </a:xfrm>
-          <a:prstGeom prst="ellipse">
-            <a:avLst/>
-          </a:prstGeom>
-          <a:ln/>
-        </p:spPr>
-        <p:style>
-          <a:lnRef idx="1">
-            <a:schemeClr val="accent1"/>
-          </a:lnRef>
-          <a:fillRef idx="3">
-            <a:schemeClr val="accent1"/>
-          </a:fillRef>
-          <a:effectRef idx="2">
-            <a:schemeClr val="accent1"/>
-          </a:effectRef>
-          <a:fontRef idx="minor">
-            <a:schemeClr val="lt1"/>
-          </a:fontRef>
-        </p:style>
-        <p:txBody>
-          <a:bodyPr/>
-          <a:lstStyle/>
-          <a:p>
-            <a:endParaRPr lang="ja-JP" altLang="en-US"/>
-          </a:p>
-        </p:txBody>
-      </p:sp>
-      <p:sp>
-        <p:nvSpPr>
-          <p:cNvPr id="33" name="円/楕円 32"/>
-          <p:cNvSpPr/>
-          <p:nvPr/>
-        </p:nvSpPr>
-        <p:spPr>
-          <a:xfrm>
-            <a:off x="3126467" y="2696260"/>
-            <a:ext cx="1164049" cy="364447"/>
-          </a:xfrm>
-          <a:prstGeom prst="ellipse">
-            <a:avLst/>
-          </a:prstGeom>
-          <a:ln/>
-        </p:spPr>
-        <p:style>
-          <a:lnRef idx="1">
-            <a:schemeClr val="accent1"/>
-          </a:lnRef>
-          <a:fillRef idx="3">
-            <a:schemeClr val="accent1"/>
-          </a:fillRef>
-          <a:effectRef idx="2">
-            <a:schemeClr val="accent1"/>
-          </a:effectRef>
-          <a:fontRef idx="minor">
-            <a:schemeClr val="lt1"/>
-          </a:fontRef>
-        </p:style>
-        <p:txBody>
-          <a:bodyPr/>
-          <a:lstStyle/>
-          <a:p>
-            <a:endParaRPr lang="ja-JP" altLang="en-US"/>
-          </a:p>
-        </p:txBody>
-      </p:sp>
-      <p:sp>
-        <p:nvSpPr>
-          <p:cNvPr id="34" name="円/楕円 33"/>
-          <p:cNvSpPr/>
-          <p:nvPr/>
-        </p:nvSpPr>
-        <p:spPr>
-          <a:xfrm>
-            <a:off x="3126467" y="3273460"/>
-            <a:ext cx="1164049" cy="364447"/>
-          </a:xfrm>
-          <a:prstGeom prst="ellipse">
-            <a:avLst/>
-          </a:prstGeom>
-          <a:ln/>
-        </p:spPr>
-        <p:style>
-          <a:lnRef idx="1">
-            <a:schemeClr val="accent1"/>
-          </a:lnRef>
-          <a:fillRef idx="3">
-            <a:schemeClr val="accent1"/>
-          </a:fillRef>
-          <a:effectRef idx="2">
-            <a:schemeClr val="accent1"/>
-          </a:effectRef>
-          <a:fontRef idx="minor">
-            <a:schemeClr val="lt1"/>
-          </a:fontRef>
-        </p:style>
-        <p:txBody>
-          <a:bodyPr/>
-          <a:lstStyle/>
-          <a:p>
-            <a:endParaRPr lang="ja-JP" altLang="en-US"/>
-          </a:p>
-        </p:txBody>
-      </p:sp>
-      <p:sp>
-        <p:nvSpPr>
-          <p:cNvPr id="35" name="円/楕円 34"/>
-          <p:cNvSpPr/>
-          <p:nvPr/>
-        </p:nvSpPr>
-        <p:spPr>
-          <a:xfrm>
-            <a:off x="3126467" y="3963731"/>
-            <a:ext cx="1164049" cy="364447"/>
-          </a:xfrm>
-          <a:prstGeom prst="ellipse">
-            <a:avLst/>
-          </a:prstGeom>
-          <a:ln/>
-        </p:spPr>
-        <p:style>
-          <a:lnRef idx="1">
-            <a:schemeClr val="accent1"/>
-          </a:lnRef>
-          <a:fillRef idx="3">
-            <a:schemeClr val="accent1"/>
-          </a:fillRef>
-          <a:effectRef idx="2">
-            <a:schemeClr val="accent1"/>
-          </a:effectRef>
-          <a:fontRef idx="minor">
-            <a:schemeClr val="lt1"/>
-          </a:fontRef>
-        </p:style>
-        <p:txBody>
-          <a:bodyPr/>
-          <a:lstStyle/>
-          <a:p>
-            <a:endParaRPr lang="ja-JP" altLang="en-US"/>
-          </a:p>
-        </p:txBody>
-      </p:sp>
-      <p:sp>
-        <p:nvSpPr>
-          <p:cNvPr id="36" name="円/楕円 35"/>
-          <p:cNvSpPr/>
-          <p:nvPr/>
-        </p:nvSpPr>
-        <p:spPr>
-          <a:xfrm>
-            <a:off x="3126467" y="4642738"/>
-            <a:ext cx="1164049" cy="364447"/>
-          </a:xfrm>
-          <a:prstGeom prst="ellipse">
-            <a:avLst/>
-          </a:prstGeom>
-          <a:ln/>
-        </p:spPr>
-        <p:style>
-          <a:lnRef idx="1">
-            <a:schemeClr val="accent1"/>
-          </a:lnRef>
-          <a:fillRef idx="3">
-            <a:schemeClr val="accent1"/>
-          </a:fillRef>
-          <a:effectRef idx="2">
-            <a:schemeClr val="accent1"/>
-          </a:effectRef>
-          <a:fontRef idx="minor">
-            <a:schemeClr val="lt1"/>
-          </a:fontRef>
-        </p:style>
-        <p:txBody>
-          <a:bodyPr/>
-          <a:lstStyle/>
-          <a:p>
-            <a:endParaRPr lang="ja-JP" altLang="en-US"/>
-          </a:p>
-        </p:txBody>
-      </p:sp>
-      <p:sp>
-        <p:nvSpPr>
-          <p:cNvPr id="37" name="円/楕円 36"/>
-          <p:cNvSpPr/>
-          <p:nvPr/>
-        </p:nvSpPr>
-        <p:spPr>
-          <a:xfrm>
-            <a:off x="3150062" y="5359535"/>
-            <a:ext cx="1164049" cy="364447"/>
-          </a:xfrm>
-          <a:prstGeom prst="ellipse">
-            <a:avLst/>
-          </a:prstGeom>
-          <a:ln/>
-        </p:spPr>
-        <p:style>
-          <a:lnRef idx="1">
-            <a:schemeClr val="accent1"/>
-          </a:lnRef>
-          <a:fillRef idx="3">
-            <a:schemeClr val="accent1"/>
-          </a:fillRef>
-          <a:effectRef idx="2">
-            <a:schemeClr val="accent1"/>
-          </a:effectRef>
-          <a:fontRef idx="minor">
-            <a:schemeClr val="lt1"/>
-          </a:fontRef>
-        </p:style>
-        <p:txBody>
-          <a:bodyPr/>
-          <a:lstStyle/>
-          <a:p>
-            <a:endParaRPr lang="ja-JP" altLang="en-US"/>
-          </a:p>
-        </p:txBody>
-      </p:sp>
-      <p:sp>
-        <p:nvSpPr>
-          <p:cNvPr id="20" name="テキスト ボックス 19"/>
-          <p:cNvSpPr txBox="1"/>
-          <p:nvPr/>
-        </p:nvSpPr>
-        <p:spPr>
-          <a:xfrm>
-            <a:off x="3150062" y="2072758"/>
-            <a:ext cx="1124226" cy="369332"/>
-          </a:xfrm>
-          <a:prstGeom prst="rect">
-            <a:avLst/>
-          </a:prstGeom>
-          <a:noFill/>
-        </p:spPr>
-        <p:txBody>
-          <a:bodyPr wrap="none" rtlCol="0">
-            <a:spAutoFit/>
-          </a:bodyPr>
-          <a:lstStyle/>
-          <a:p>
-            <a:r>
-              <a:rPr kumimoji="1" lang="en-US" altLang="ja-JP" dirty="0" smtClean="0"/>
-              <a:t>Method A</a:t>
-            </a:r>
-            <a:endParaRPr kumimoji="1" lang="ja-JP" altLang="en-US" dirty="0"/>
-          </a:p>
-        </p:txBody>
-      </p:sp>
-      <p:sp>
-        <p:nvSpPr>
-          <p:cNvPr id="22" name="テキスト ボックス 21"/>
-          <p:cNvSpPr txBox="1"/>
-          <p:nvPr/>
-        </p:nvSpPr>
-        <p:spPr>
-          <a:xfrm>
-            <a:off x="3150062" y="2704530"/>
-            <a:ext cx="1120820" cy="369332"/>
-          </a:xfrm>
-          <a:prstGeom prst="rect">
-            <a:avLst/>
-          </a:prstGeom>
-          <a:noFill/>
-        </p:spPr>
-        <p:txBody>
-          <a:bodyPr wrap="none" rtlCol="0">
-            <a:spAutoFit/>
-          </a:bodyPr>
-          <a:lstStyle/>
-          <a:p>
-            <a:r>
-              <a:rPr kumimoji="1" lang="en-US" altLang="ja-JP" dirty="0" smtClean="0"/>
-              <a:t>Method B</a:t>
-            </a:r>
-            <a:endParaRPr kumimoji="1" lang="ja-JP" altLang="en-US" dirty="0"/>
-          </a:p>
-        </p:txBody>
-      </p:sp>
-      <p:sp>
-        <p:nvSpPr>
-          <p:cNvPr id="23" name="テキスト ボックス 22"/>
-          <p:cNvSpPr txBox="1"/>
-          <p:nvPr/>
-        </p:nvSpPr>
-        <p:spPr>
-          <a:xfrm>
-            <a:off x="3146178" y="3273460"/>
-            <a:ext cx="1120820" cy="369332"/>
-          </a:xfrm>
-          <a:prstGeom prst="rect">
-            <a:avLst/>
-          </a:prstGeom>
-          <a:noFill/>
-        </p:spPr>
-        <p:txBody>
-          <a:bodyPr wrap="none" rtlCol="0">
-            <a:spAutoFit/>
-          </a:bodyPr>
-          <a:lstStyle/>
-          <a:p>
-            <a:r>
-              <a:rPr kumimoji="1" lang="en-US" altLang="ja-JP" dirty="0" smtClean="0"/>
-              <a:t>Method C</a:t>
-            </a:r>
-            <a:endParaRPr kumimoji="1" lang="ja-JP" altLang="en-US" dirty="0"/>
-          </a:p>
-        </p:txBody>
-      </p:sp>
-      <p:sp>
-        <p:nvSpPr>
-          <p:cNvPr id="24" name="テキスト ボックス 23"/>
-          <p:cNvSpPr txBox="1"/>
-          <p:nvPr/>
-        </p:nvSpPr>
-        <p:spPr>
-          <a:xfrm>
-            <a:off x="3150062" y="3958846"/>
-            <a:ext cx="1133644" cy="369332"/>
-          </a:xfrm>
-          <a:prstGeom prst="rect">
-            <a:avLst/>
-          </a:prstGeom>
-          <a:noFill/>
-        </p:spPr>
-        <p:txBody>
-          <a:bodyPr wrap="none" rtlCol="0">
-            <a:spAutoFit/>
-          </a:bodyPr>
-          <a:lstStyle/>
-          <a:p>
-            <a:r>
-              <a:rPr kumimoji="1" lang="en-US" altLang="ja-JP" dirty="0" smtClean="0"/>
-              <a:t>Method D</a:t>
-            </a:r>
-            <a:endParaRPr kumimoji="1" lang="ja-JP" altLang="en-US" dirty="0"/>
-          </a:p>
-        </p:txBody>
-      </p:sp>
-      <p:sp>
-        <p:nvSpPr>
-          <p:cNvPr id="25" name="テキスト ボックス 24"/>
-          <p:cNvSpPr txBox="1"/>
-          <p:nvPr/>
-        </p:nvSpPr>
-        <p:spPr>
-          <a:xfrm>
-            <a:off x="3170914" y="4614573"/>
-            <a:ext cx="1103374" cy="369332"/>
-          </a:xfrm>
-          <a:prstGeom prst="rect">
-            <a:avLst/>
-          </a:prstGeom>
-          <a:noFill/>
-        </p:spPr>
-        <p:txBody>
-          <a:bodyPr wrap="none" rtlCol="0">
-            <a:spAutoFit/>
-          </a:bodyPr>
-          <a:lstStyle/>
-          <a:p>
-            <a:r>
-              <a:rPr kumimoji="1" lang="en-US" altLang="ja-JP" dirty="0" smtClean="0"/>
-              <a:t>Method E</a:t>
-            </a:r>
-            <a:endParaRPr kumimoji="1" lang="ja-JP" altLang="en-US" dirty="0"/>
-          </a:p>
-        </p:txBody>
-      </p:sp>
-      <p:sp>
-        <p:nvSpPr>
-          <p:cNvPr id="29" name="テキスト ボックス 28"/>
-          <p:cNvSpPr txBox="1"/>
-          <p:nvPr/>
-        </p:nvSpPr>
-        <p:spPr>
-          <a:xfrm>
-            <a:off x="3158515" y="5338302"/>
-            <a:ext cx="1096724" cy="369332"/>
-          </a:xfrm>
-          <a:prstGeom prst="rect">
-            <a:avLst/>
-          </a:prstGeom>
-          <a:noFill/>
-        </p:spPr>
-        <p:txBody>
-          <a:bodyPr wrap="none" rtlCol="0">
-            <a:spAutoFit/>
-          </a:bodyPr>
-          <a:lstStyle/>
-          <a:p>
-            <a:r>
-              <a:rPr kumimoji="1" lang="en-US" altLang="ja-JP" dirty="0" smtClean="0"/>
-              <a:t>Method F</a:t>
-            </a:r>
-            <a:endParaRPr kumimoji="1" lang="ja-JP" altLang="en-US" dirty="0"/>
-          </a:p>
-        </p:txBody>
-      </p:sp>
-      <p:cxnSp>
-        <p:nvCxnSpPr>
-          <p:cNvPr id="45" name="直線コネクタ 44"/>
-          <p:cNvCxnSpPr>
-            <a:stCxn id="32" idx="4"/>
-            <a:endCxn id="22" idx="0"/>
-          </p:cNvCxnSpPr>
-          <p:nvPr/>
-        </p:nvCxnSpPr>
-        <p:spPr>
-          <a:xfrm>
-            <a:off x="3708492" y="2442090"/>
-            <a:ext cx="1980" cy="262440"/>
-          </a:xfrm>
-          <a:prstGeom prst="line">
-            <a:avLst/>
-          </a:prstGeom>
-          <a:ln>
-            <a:tailEnd type="triangle" w="lg"/>
-          </a:ln>
-        </p:spPr>
-        <p:style>
-          <a:lnRef idx="2">
-            <a:schemeClr val="accent1"/>
-          </a:lnRef>
-          <a:fillRef idx="0">
-            <a:schemeClr val="accent1"/>
-          </a:fillRef>
-          <a:effectRef idx="1">
-            <a:schemeClr val="accent1"/>
-          </a:effectRef>
-          <a:fontRef idx="minor">
-            <a:schemeClr val="tx1"/>
-          </a:fontRef>
-        </p:style>
-      </p:cxnSp>
-      <p:cxnSp>
-        <p:nvCxnSpPr>
-          <p:cNvPr id="54" name="直線コネクタ 53"/>
-          <p:cNvCxnSpPr>
-            <a:stCxn id="22" idx="2"/>
-            <a:endCxn id="23" idx="0"/>
-          </p:cNvCxnSpPr>
-          <p:nvPr/>
-        </p:nvCxnSpPr>
-        <p:spPr>
-          <a:xfrm flipH="1">
-            <a:off x="3706588" y="3073862"/>
-            <a:ext cx="3884" cy="199598"/>
-          </a:xfrm>
-          <a:prstGeom prst="line">
-            <a:avLst/>
-          </a:prstGeom>
-          <a:ln>
-            <a:tailEnd type="triangle" w="lg"/>
-          </a:ln>
-        </p:spPr>
-        <p:style>
-          <a:lnRef idx="2">
-            <a:schemeClr val="accent1"/>
-          </a:lnRef>
-          <a:fillRef idx="0">
-            <a:schemeClr val="accent1"/>
-          </a:fillRef>
-          <a:effectRef idx="1">
-            <a:schemeClr val="accent1"/>
-          </a:effectRef>
-          <a:fontRef idx="minor">
-            <a:schemeClr val="tx1"/>
-          </a:fontRef>
-        </p:style>
-      </p:cxnSp>
-      <p:cxnSp>
-        <p:nvCxnSpPr>
-          <p:cNvPr id="56" name="直線コネクタ 55"/>
-          <p:cNvCxnSpPr>
-            <a:stCxn id="34" idx="4"/>
-            <a:endCxn id="24" idx="0"/>
-          </p:cNvCxnSpPr>
-          <p:nvPr/>
-        </p:nvCxnSpPr>
-        <p:spPr>
-          <a:xfrm>
-            <a:off x="3708492" y="3637907"/>
-            <a:ext cx="8392" cy="320939"/>
-          </a:xfrm>
-          <a:prstGeom prst="line">
-            <a:avLst/>
-          </a:prstGeom>
-          <a:ln>
-            <a:tailEnd type="triangle" w="lg"/>
-          </a:ln>
-        </p:spPr>
-        <p:style>
-          <a:lnRef idx="2">
-            <a:schemeClr val="accent1"/>
-          </a:lnRef>
-          <a:fillRef idx="0">
-            <a:schemeClr val="accent1"/>
-          </a:fillRef>
-          <a:effectRef idx="1">
-            <a:schemeClr val="accent1"/>
-          </a:effectRef>
-          <a:fontRef idx="minor">
-            <a:schemeClr val="tx1"/>
-          </a:fontRef>
-        </p:style>
-      </p:cxnSp>
-      <p:cxnSp>
-        <p:nvCxnSpPr>
-          <p:cNvPr id="59" name="直線コネクタ 58"/>
-          <p:cNvCxnSpPr>
-            <a:stCxn id="24" idx="2"/>
-            <a:endCxn id="25" idx="0"/>
-          </p:cNvCxnSpPr>
-          <p:nvPr/>
-        </p:nvCxnSpPr>
-        <p:spPr>
-          <a:xfrm>
-            <a:off x="3716884" y="4328178"/>
-            <a:ext cx="5717" cy="286395"/>
-          </a:xfrm>
-          <a:prstGeom prst="line">
-            <a:avLst/>
-          </a:prstGeom>
-          <a:ln>
-            <a:tailEnd type="triangle" w="lg"/>
-          </a:ln>
-        </p:spPr>
-        <p:style>
-          <a:lnRef idx="2">
-            <a:schemeClr val="accent1"/>
-          </a:lnRef>
-          <a:fillRef idx="0">
-            <a:schemeClr val="accent1"/>
-          </a:fillRef>
-          <a:effectRef idx="1">
-            <a:schemeClr val="accent1"/>
-          </a:effectRef>
-          <a:fontRef idx="minor">
-            <a:schemeClr val="tx1"/>
-          </a:fontRef>
-        </p:style>
-      </p:cxnSp>
-      <p:cxnSp>
-        <p:nvCxnSpPr>
-          <p:cNvPr id="62" name="直線コネクタ 61"/>
-          <p:cNvCxnSpPr>
-            <a:stCxn id="36" idx="4"/>
-            <a:endCxn id="29" idx="0"/>
-          </p:cNvCxnSpPr>
-          <p:nvPr/>
-        </p:nvCxnSpPr>
-        <p:spPr>
-          <a:xfrm flipH="1">
-            <a:off x="3706877" y="5007185"/>
-            <a:ext cx="1615" cy="331117"/>
-          </a:xfrm>
-          <a:prstGeom prst="line">
-            <a:avLst/>
-          </a:prstGeom>
-          <a:ln>
-            <a:tailEnd type="triangle" w="lg"/>
-          </a:ln>
-        </p:spPr>
-        <p:style>
-          <a:lnRef idx="2">
-            <a:schemeClr val="accent1"/>
-          </a:lnRef>
-          <a:fillRef idx="0">
-            <a:schemeClr val="accent1"/>
-          </a:fillRef>
-          <a:effectRef idx="1">
-            <a:schemeClr val="accent1"/>
-          </a:effectRef>
-          <a:fontRef idx="minor">
-            <a:schemeClr val="tx1"/>
-          </a:fontRef>
-        </p:style>
-      </p:cxnSp>
-      <p:sp>
-        <p:nvSpPr>
           <p:cNvPr id="65" name="テキスト ボックス 64"/>
           <p:cNvSpPr txBox="1"/>
           <p:nvPr/>
         </p:nvSpPr>
         <p:spPr>
           <a:xfrm>
-            <a:off x="4515410" y="3589514"/>
+            <a:off x="339196" y="4603108"/>
             <a:ext cx="2228795" cy="369332"/>
           </a:xfrm>
           <a:prstGeom prst="rect">
@@ -8245,6 +7692,817 @@
           </a:fontRef>
         </p:style>
       </p:cxnSp>
+      <p:grpSp>
+        <p:nvGrpSpPr>
+          <p:cNvPr id="72" name="グループ化 71"/>
+          <p:cNvGrpSpPr/>
+          <p:nvPr/>
+        </p:nvGrpSpPr>
+        <p:grpSpPr>
+          <a:xfrm>
+            <a:off x="3126467" y="2066190"/>
+            <a:ext cx="3173590" cy="3086615"/>
+            <a:chOff x="3126467" y="2066190"/>
+            <a:chExt cx="3173590" cy="3086615"/>
+          </a:xfrm>
+        </p:grpSpPr>
+        <p:sp>
+          <p:nvSpPr>
+            <p:cNvPr id="7" name="正方形/長方形 6"/>
+            <p:cNvSpPr/>
+            <p:nvPr/>
+          </p:nvSpPr>
+          <p:spPr>
+            <a:xfrm>
+              <a:off x="3126467" y="2066192"/>
+              <a:ext cx="909202" cy="465993"/>
+            </a:xfrm>
+            <a:prstGeom prst="rect">
+              <a:avLst/>
+            </a:prstGeom>
+          </p:spPr>
+          <p:style>
+            <a:lnRef idx="1">
+              <a:schemeClr val="accent1"/>
+            </a:lnRef>
+            <a:fillRef idx="3">
+              <a:schemeClr val="accent1"/>
+            </a:fillRef>
+            <a:effectRef idx="2">
+              <a:schemeClr val="accent1"/>
+            </a:effectRef>
+            <a:fontRef idx="minor">
+              <a:schemeClr val="lt1"/>
+            </a:fontRef>
+          </p:style>
+          <p:txBody>
+            <a:bodyPr rtlCol="0" anchor="ctr"/>
+            <a:lstStyle/>
+            <a:p>
+              <a:pPr algn="ctr"/>
+              <a:endParaRPr kumimoji="1" lang="ja-JP" altLang="en-US"/>
+            </a:p>
+          </p:txBody>
+        </p:sp>
+        <p:sp>
+          <p:nvSpPr>
+            <p:cNvPr id="8" name="山形 7"/>
+            <p:cNvSpPr/>
+            <p:nvPr/>
+          </p:nvSpPr>
+          <p:spPr>
+            <a:xfrm>
+              <a:off x="3883721" y="2066191"/>
+              <a:ext cx="303895" cy="465993"/>
+            </a:xfrm>
+            <a:prstGeom prst="chevron">
+              <a:avLst/>
+            </a:prstGeom>
+          </p:spPr>
+          <p:style>
+            <a:lnRef idx="1">
+              <a:schemeClr val="accent1"/>
+            </a:lnRef>
+            <a:fillRef idx="3">
+              <a:schemeClr val="accent1"/>
+            </a:fillRef>
+            <a:effectRef idx="2">
+              <a:schemeClr val="accent1"/>
+            </a:effectRef>
+            <a:fontRef idx="minor">
+              <a:schemeClr val="lt1"/>
+            </a:fontRef>
+          </p:style>
+          <p:txBody>
+            <a:bodyPr rtlCol="0" anchor="ctr"/>
+            <a:lstStyle/>
+            <a:p>
+              <a:pPr algn="ctr"/>
+              <a:endParaRPr kumimoji="1" lang="ja-JP" altLang="en-US">
+                <a:solidFill>
+                  <a:schemeClr val="tx1"/>
+                </a:solidFill>
+              </a:endParaRPr>
+            </a:p>
+          </p:txBody>
+        </p:sp>
+        <p:cxnSp>
+          <p:nvCxnSpPr>
+            <p:cNvPr id="11" name="直線矢印コネクタ 10"/>
+            <p:cNvCxnSpPr>
+              <a:stCxn id="8" idx="3"/>
+            </p:cNvCxnSpPr>
+            <p:nvPr/>
+          </p:nvCxnSpPr>
+          <p:spPr>
+            <a:xfrm flipV="1">
+              <a:off x="4187616" y="2299187"/>
+              <a:ext cx="604192" cy="1"/>
+            </a:xfrm>
+            <a:prstGeom prst="straightConnector1">
+              <a:avLst/>
+            </a:prstGeom>
+            <a:ln>
+              <a:tailEnd type="triangle"/>
+            </a:ln>
+          </p:spPr>
+          <p:style>
+            <a:lnRef idx="2">
+              <a:schemeClr val="accent1"/>
+            </a:lnRef>
+            <a:fillRef idx="0">
+              <a:schemeClr val="accent1"/>
+            </a:fillRef>
+            <a:effectRef idx="1">
+              <a:schemeClr val="accent1"/>
+            </a:effectRef>
+            <a:fontRef idx="minor">
+              <a:schemeClr val="tx1"/>
+            </a:fontRef>
+          </p:style>
+        </p:cxnSp>
+        <p:sp>
+          <p:nvSpPr>
+            <p:cNvPr id="39" name="正方形/長方形 38"/>
+            <p:cNvSpPr/>
+            <p:nvPr/>
+          </p:nvSpPr>
+          <p:spPr>
+            <a:xfrm>
+              <a:off x="4806204" y="2066463"/>
+              <a:ext cx="909202" cy="465993"/>
+            </a:xfrm>
+            <a:prstGeom prst="rect">
+              <a:avLst/>
+            </a:prstGeom>
+          </p:spPr>
+          <p:style>
+            <a:lnRef idx="1">
+              <a:schemeClr val="accent1"/>
+            </a:lnRef>
+            <a:fillRef idx="3">
+              <a:schemeClr val="accent1"/>
+            </a:fillRef>
+            <a:effectRef idx="2">
+              <a:schemeClr val="accent1"/>
+            </a:effectRef>
+            <a:fontRef idx="minor">
+              <a:schemeClr val="lt1"/>
+            </a:fontRef>
+          </p:style>
+          <p:txBody>
+            <a:bodyPr rtlCol="0" anchor="ctr"/>
+            <a:lstStyle/>
+            <a:p>
+              <a:pPr algn="ctr"/>
+              <a:endParaRPr kumimoji="1" lang="ja-JP" altLang="en-US"/>
+            </a:p>
+          </p:txBody>
+        </p:sp>
+        <p:sp>
+          <p:nvSpPr>
+            <p:cNvPr id="40" name="山形 39"/>
+            <p:cNvSpPr/>
+            <p:nvPr/>
+          </p:nvSpPr>
+          <p:spPr>
+            <a:xfrm>
+              <a:off x="5580034" y="2066190"/>
+              <a:ext cx="303895" cy="465993"/>
+            </a:xfrm>
+            <a:prstGeom prst="chevron">
+              <a:avLst/>
+            </a:prstGeom>
+          </p:spPr>
+          <p:style>
+            <a:lnRef idx="1">
+              <a:schemeClr val="accent1"/>
+            </a:lnRef>
+            <a:fillRef idx="3">
+              <a:schemeClr val="accent1"/>
+            </a:fillRef>
+            <a:effectRef idx="2">
+              <a:schemeClr val="accent1"/>
+            </a:effectRef>
+            <a:fontRef idx="minor">
+              <a:schemeClr val="lt1"/>
+            </a:fontRef>
+          </p:style>
+          <p:txBody>
+            <a:bodyPr rtlCol="0" anchor="ctr"/>
+            <a:lstStyle/>
+            <a:p>
+              <a:pPr algn="ctr"/>
+              <a:endParaRPr kumimoji="1" lang="ja-JP" altLang="en-US">
+                <a:solidFill>
+                  <a:schemeClr val="tx1"/>
+                </a:solidFill>
+              </a:endParaRPr>
+            </a:p>
+          </p:txBody>
+        </p:sp>
+        <p:sp>
+          <p:nvSpPr>
+            <p:cNvPr id="38" name="山形 37"/>
+            <p:cNvSpPr/>
+            <p:nvPr/>
+          </p:nvSpPr>
+          <p:spPr>
+            <a:xfrm>
+              <a:off x="4660433" y="2066463"/>
+              <a:ext cx="303895" cy="465993"/>
+            </a:xfrm>
+            <a:prstGeom prst="chevron">
+              <a:avLst/>
+            </a:prstGeom>
+          </p:spPr>
+          <p:style>
+            <a:lnRef idx="1">
+              <a:schemeClr val="accent1"/>
+            </a:lnRef>
+            <a:fillRef idx="3">
+              <a:schemeClr val="accent1"/>
+            </a:fillRef>
+            <a:effectRef idx="2">
+              <a:schemeClr val="accent1"/>
+            </a:effectRef>
+            <a:fontRef idx="minor">
+              <a:schemeClr val="lt1"/>
+            </a:fontRef>
+          </p:style>
+          <p:txBody>
+            <a:bodyPr rtlCol="0" anchor="ctr"/>
+            <a:lstStyle/>
+            <a:p>
+              <a:pPr algn="ctr"/>
+              <a:endParaRPr kumimoji="1" lang="ja-JP" altLang="en-US">
+                <a:solidFill>
+                  <a:schemeClr val="tx1"/>
+                </a:solidFill>
+              </a:endParaRPr>
+            </a:p>
+          </p:txBody>
+        </p:sp>
+        <p:sp>
+          <p:nvSpPr>
+            <p:cNvPr id="43" name="正方形/長方形 42"/>
+            <p:cNvSpPr/>
+            <p:nvPr/>
+          </p:nvSpPr>
+          <p:spPr>
+            <a:xfrm>
+              <a:off x="3581068" y="3101325"/>
+              <a:ext cx="909202" cy="985147"/>
+            </a:xfrm>
+            <a:prstGeom prst="rect">
+              <a:avLst/>
+            </a:prstGeom>
+          </p:spPr>
+          <p:style>
+            <a:lnRef idx="1">
+              <a:schemeClr val="accent1"/>
+            </a:lnRef>
+            <a:fillRef idx="3">
+              <a:schemeClr val="accent1"/>
+            </a:fillRef>
+            <a:effectRef idx="2">
+              <a:schemeClr val="accent1"/>
+            </a:effectRef>
+            <a:fontRef idx="minor">
+              <a:schemeClr val="lt1"/>
+            </a:fontRef>
+          </p:style>
+          <p:txBody>
+            <a:bodyPr rtlCol="0" anchor="ctr"/>
+            <a:lstStyle/>
+            <a:p>
+              <a:pPr algn="ctr"/>
+              <a:endParaRPr kumimoji="1" lang="ja-JP" altLang="en-US"/>
+            </a:p>
+          </p:txBody>
+        </p:sp>
+        <p:sp>
+          <p:nvSpPr>
+            <p:cNvPr id="44" name="山形 43"/>
+            <p:cNvSpPr/>
+            <p:nvPr/>
+          </p:nvSpPr>
+          <p:spPr>
+            <a:xfrm>
+              <a:off x="3440168" y="3101325"/>
+              <a:ext cx="303895" cy="465993"/>
+            </a:xfrm>
+            <a:prstGeom prst="chevron">
+              <a:avLst/>
+            </a:prstGeom>
+          </p:spPr>
+          <p:style>
+            <a:lnRef idx="1">
+              <a:schemeClr val="accent1"/>
+            </a:lnRef>
+            <a:fillRef idx="3">
+              <a:schemeClr val="accent1"/>
+            </a:fillRef>
+            <a:effectRef idx="2">
+              <a:schemeClr val="accent1"/>
+            </a:effectRef>
+            <a:fontRef idx="minor">
+              <a:schemeClr val="lt1"/>
+            </a:fontRef>
+          </p:style>
+          <p:txBody>
+            <a:bodyPr rtlCol="0" anchor="ctr"/>
+            <a:lstStyle/>
+            <a:p>
+              <a:pPr algn="ctr"/>
+              <a:endParaRPr kumimoji="1" lang="ja-JP" altLang="en-US">
+                <a:solidFill>
+                  <a:schemeClr val="tx1"/>
+                </a:solidFill>
+              </a:endParaRPr>
+            </a:p>
+          </p:txBody>
+        </p:sp>
+        <p:cxnSp>
+          <p:nvCxnSpPr>
+            <p:cNvPr id="27" name="カギ線コネクタ 26"/>
+            <p:cNvCxnSpPr>
+              <a:stCxn id="40" idx="3"/>
+              <a:endCxn id="44" idx="1"/>
+            </p:cNvCxnSpPr>
+            <p:nvPr/>
+          </p:nvCxnSpPr>
+          <p:spPr>
+            <a:xfrm flipH="1">
+              <a:off x="3592116" y="2299187"/>
+              <a:ext cx="2291813" cy="1035135"/>
+            </a:xfrm>
+            <a:prstGeom prst="bentConnector5">
+              <a:avLst>
+                <a:gd name="adj1" fmla="val -9975"/>
+                <a:gd name="adj2" fmla="val 50000"/>
+                <a:gd name="adj3" fmla="val 109975"/>
+              </a:avLst>
+            </a:prstGeom>
+            <a:ln>
+              <a:tailEnd type="triangle"/>
+            </a:ln>
+          </p:spPr>
+          <p:style>
+            <a:lnRef idx="2">
+              <a:schemeClr val="accent1"/>
+            </a:lnRef>
+            <a:fillRef idx="0">
+              <a:schemeClr val="accent1"/>
+            </a:fillRef>
+            <a:effectRef idx="1">
+              <a:schemeClr val="accent1"/>
+            </a:effectRef>
+            <a:fontRef idx="minor">
+              <a:schemeClr val="tx1"/>
+            </a:fontRef>
+          </p:style>
+        </p:cxnSp>
+        <p:sp>
+          <p:nvSpPr>
+            <p:cNvPr id="47" name="山形 46"/>
+            <p:cNvSpPr/>
+            <p:nvPr/>
+          </p:nvSpPr>
+          <p:spPr>
+            <a:xfrm>
+              <a:off x="4337763" y="3588835"/>
+              <a:ext cx="303895" cy="465993"/>
+            </a:xfrm>
+            <a:prstGeom prst="chevron">
+              <a:avLst/>
+            </a:prstGeom>
+          </p:spPr>
+          <p:style>
+            <a:lnRef idx="1">
+              <a:schemeClr val="accent1"/>
+            </a:lnRef>
+            <a:fillRef idx="3">
+              <a:schemeClr val="accent1"/>
+            </a:fillRef>
+            <a:effectRef idx="2">
+              <a:schemeClr val="accent1"/>
+            </a:effectRef>
+            <a:fontRef idx="minor">
+              <a:schemeClr val="lt1"/>
+            </a:fontRef>
+          </p:style>
+          <p:txBody>
+            <a:bodyPr rtlCol="0" anchor="ctr"/>
+            <a:lstStyle/>
+            <a:p>
+              <a:pPr algn="ctr"/>
+              <a:endParaRPr kumimoji="1" lang="ja-JP" altLang="en-US">
+                <a:solidFill>
+                  <a:schemeClr val="tx1"/>
+                </a:solidFill>
+              </a:endParaRPr>
+            </a:p>
+          </p:txBody>
+        </p:sp>
+        <p:sp>
+          <p:nvSpPr>
+            <p:cNvPr id="48" name="山形 47"/>
+            <p:cNvSpPr/>
+            <p:nvPr/>
+          </p:nvSpPr>
+          <p:spPr>
+            <a:xfrm>
+              <a:off x="4337764" y="3115540"/>
+              <a:ext cx="303895" cy="465993"/>
+            </a:xfrm>
+            <a:prstGeom prst="chevron">
+              <a:avLst/>
+            </a:prstGeom>
+          </p:spPr>
+          <p:style>
+            <a:lnRef idx="1">
+              <a:schemeClr val="accent1"/>
+            </a:lnRef>
+            <a:fillRef idx="3">
+              <a:schemeClr val="accent1"/>
+            </a:fillRef>
+            <a:effectRef idx="2">
+              <a:schemeClr val="accent1"/>
+            </a:effectRef>
+            <a:fontRef idx="minor">
+              <a:schemeClr val="lt1"/>
+            </a:fontRef>
+          </p:style>
+          <p:txBody>
+            <a:bodyPr rtlCol="0" anchor="ctr"/>
+            <a:lstStyle/>
+            <a:p>
+              <a:pPr algn="ctr"/>
+              <a:endParaRPr kumimoji="1" lang="ja-JP" altLang="en-US">
+                <a:solidFill>
+                  <a:schemeClr val="tx1"/>
+                </a:solidFill>
+              </a:endParaRPr>
+            </a:p>
+          </p:txBody>
+        </p:sp>
+        <p:sp>
+          <p:nvSpPr>
+            <p:cNvPr id="49" name="正方形/長方形 48"/>
+            <p:cNvSpPr/>
+            <p:nvPr/>
+          </p:nvSpPr>
+          <p:spPr>
+            <a:xfrm>
+              <a:off x="5238908" y="3101053"/>
+              <a:ext cx="909202" cy="465993"/>
+            </a:xfrm>
+            <a:prstGeom prst="rect">
+              <a:avLst/>
+            </a:prstGeom>
+          </p:spPr>
+          <p:style>
+            <a:lnRef idx="1">
+              <a:schemeClr val="accent1"/>
+            </a:lnRef>
+            <a:fillRef idx="3">
+              <a:schemeClr val="accent1"/>
+            </a:fillRef>
+            <a:effectRef idx="2">
+              <a:schemeClr val="accent1"/>
+            </a:effectRef>
+            <a:fontRef idx="minor">
+              <a:schemeClr val="lt1"/>
+            </a:fontRef>
+          </p:style>
+          <p:txBody>
+            <a:bodyPr rtlCol="0" anchor="ctr"/>
+            <a:lstStyle/>
+            <a:p>
+              <a:pPr algn="ctr"/>
+              <a:endParaRPr kumimoji="1" lang="ja-JP" altLang="en-US"/>
+            </a:p>
+          </p:txBody>
+        </p:sp>
+        <p:sp>
+          <p:nvSpPr>
+            <p:cNvPr id="50" name="山形 49"/>
+            <p:cNvSpPr/>
+            <p:nvPr/>
+          </p:nvSpPr>
+          <p:spPr>
+            <a:xfrm>
+              <a:off x="5093137" y="3101053"/>
+              <a:ext cx="303895" cy="465993"/>
+            </a:xfrm>
+            <a:prstGeom prst="chevron">
+              <a:avLst/>
+            </a:prstGeom>
+          </p:spPr>
+          <p:style>
+            <a:lnRef idx="1">
+              <a:schemeClr val="accent1"/>
+            </a:lnRef>
+            <a:fillRef idx="3">
+              <a:schemeClr val="accent1"/>
+            </a:fillRef>
+            <a:effectRef idx="2">
+              <a:schemeClr val="accent1"/>
+            </a:effectRef>
+            <a:fontRef idx="minor">
+              <a:schemeClr val="lt1"/>
+            </a:fontRef>
+          </p:style>
+          <p:txBody>
+            <a:bodyPr rtlCol="0" anchor="ctr"/>
+            <a:lstStyle/>
+            <a:p>
+              <a:pPr algn="ctr"/>
+              <a:endParaRPr kumimoji="1" lang="ja-JP" altLang="en-US">
+                <a:solidFill>
+                  <a:schemeClr val="tx1"/>
+                </a:solidFill>
+              </a:endParaRPr>
+            </a:p>
+          </p:txBody>
+        </p:sp>
+        <p:cxnSp>
+          <p:nvCxnSpPr>
+            <p:cNvPr id="31" name="直線矢印コネクタ 30"/>
+            <p:cNvCxnSpPr>
+              <a:stCxn id="48" idx="3"/>
+              <a:endCxn id="50" idx="1"/>
+            </p:cNvCxnSpPr>
+            <p:nvPr/>
+          </p:nvCxnSpPr>
+          <p:spPr>
+            <a:xfrm flipV="1">
+              <a:off x="4641659" y="3334050"/>
+              <a:ext cx="603426" cy="14487"/>
+            </a:xfrm>
+            <a:prstGeom prst="straightConnector1">
+              <a:avLst/>
+            </a:prstGeom>
+            <a:ln>
+              <a:tailEnd type="triangle"/>
+            </a:ln>
+          </p:spPr>
+          <p:style>
+            <a:lnRef idx="2">
+              <a:schemeClr val="accent1"/>
+            </a:lnRef>
+            <a:fillRef idx="0">
+              <a:schemeClr val="accent1"/>
+            </a:fillRef>
+            <a:effectRef idx="1">
+              <a:schemeClr val="accent1"/>
+            </a:effectRef>
+            <a:fontRef idx="minor">
+              <a:schemeClr val="tx1"/>
+            </a:fontRef>
+          </p:style>
+        </p:cxnSp>
+        <p:sp>
+          <p:nvSpPr>
+            <p:cNvPr id="60" name="正方形/長方形 59"/>
+            <p:cNvSpPr/>
+            <p:nvPr/>
+          </p:nvSpPr>
+          <p:spPr>
+            <a:xfrm>
+              <a:off x="5285463" y="4164888"/>
+              <a:ext cx="909202" cy="987917"/>
+            </a:xfrm>
+            <a:prstGeom prst="rect">
+              <a:avLst/>
+            </a:prstGeom>
+          </p:spPr>
+          <p:style>
+            <a:lnRef idx="1">
+              <a:schemeClr val="accent1"/>
+            </a:lnRef>
+            <a:fillRef idx="3">
+              <a:schemeClr val="accent1"/>
+            </a:fillRef>
+            <a:effectRef idx="2">
+              <a:schemeClr val="accent1"/>
+            </a:effectRef>
+            <a:fontRef idx="minor">
+              <a:schemeClr val="lt1"/>
+            </a:fontRef>
+          </p:style>
+          <p:txBody>
+            <a:bodyPr rtlCol="0" anchor="ctr"/>
+            <a:lstStyle/>
+            <a:p>
+              <a:pPr algn="ctr"/>
+              <a:endParaRPr kumimoji="1" lang="ja-JP" altLang="en-US"/>
+            </a:p>
+          </p:txBody>
+        </p:sp>
+        <p:sp>
+          <p:nvSpPr>
+            <p:cNvPr id="61" name="山形 60"/>
+            <p:cNvSpPr/>
+            <p:nvPr/>
+          </p:nvSpPr>
+          <p:spPr>
+            <a:xfrm>
+              <a:off x="5139692" y="4164888"/>
+              <a:ext cx="303895" cy="465993"/>
+            </a:xfrm>
+            <a:prstGeom prst="chevron">
+              <a:avLst/>
+            </a:prstGeom>
+          </p:spPr>
+          <p:style>
+            <a:lnRef idx="1">
+              <a:schemeClr val="accent1"/>
+            </a:lnRef>
+            <a:fillRef idx="3">
+              <a:schemeClr val="accent1"/>
+            </a:fillRef>
+            <a:effectRef idx="2">
+              <a:schemeClr val="accent1"/>
+            </a:effectRef>
+            <a:fontRef idx="minor">
+              <a:schemeClr val="lt1"/>
+            </a:fontRef>
+          </p:style>
+          <p:txBody>
+            <a:bodyPr rtlCol="0" anchor="ctr"/>
+            <a:lstStyle/>
+            <a:p>
+              <a:pPr algn="ctr"/>
+              <a:endParaRPr kumimoji="1" lang="ja-JP" altLang="en-US">
+                <a:solidFill>
+                  <a:schemeClr val="tx1"/>
+                </a:solidFill>
+              </a:endParaRPr>
+            </a:p>
+          </p:txBody>
+        </p:sp>
+        <p:sp>
+          <p:nvSpPr>
+            <p:cNvPr id="63" name="山形 62"/>
+            <p:cNvSpPr/>
+            <p:nvPr/>
+          </p:nvSpPr>
+          <p:spPr>
+            <a:xfrm>
+              <a:off x="5996162" y="3101052"/>
+              <a:ext cx="303895" cy="465993"/>
+            </a:xfrm>
+            <a:prstGeom prst="chevron">
+              <a:avLst/>
+            </a:prstGeom>
+          </p:spPr>
+          <p:style>
+            <a:lnRef idx="1">
+              <a:schemeClr val="accent1"/>
+            </a:lnRef>
+            <a:fillRef idx="3">
+              <a:schemeClr val="accent1"/>
+            </a:fillRef>
+            <a:effectRef idx="2">
+              <a:schemeClr val="accent1"/>
+            </a:effectRef>
+            <a:fontRef idx="minor">
+              <a:schemeClr val="lt1"/>
+            </a:fontRef>
+          </p:style>
+          <p:txBody>
+            <a:bodyPr rtlCol="0" anchor="ctr"/>
+            <a:lstStyle/>
+            <a:p>
+              <a:pPr algn="ctr"/>
+              <a:endParaRPr kumimoji="1" lang="ja-JP" altLang="en-US">
+                <a:solidFill>
+                  <a:schemeClr val="tx1"/>
+                </a:solidFill>
+              </a:endParaRPr>
+            </a:p>
+          </p:txBody>
+        </p:sp>
+        <p:cxnSp>
+          <p:nvCxnSpPr>
+            <p:cNvPr id="58" name="カギ線コネクタ 57"/>
+            <p:cNvCxnSpPr>
+              <a:stCxn id="63" idx="3"/>
+              <a:endCxn id="61" idx="1"/>
+            </p:cNvCxnSpPr>
+            <p:nvPr/>
+          </p:nvCxnSpPr>
+          <p:spPr>
+            <a:xfrm flipH="1">
+              <a:off x="5291640" y="3334049"/>
+              <a:ext cx="1008417" cy="1063836"/>
+            </a:xfrm>
+            <a:prstGeom prst="bentConnector5">
+              <a:avLst>
+                <a:gd name="adj1" fmla="val -22669"/>
+                <a:gd name="adj2" fmla="val 50000"/>
+                <a:gd name="adj3" fmla="val 122669"/>
+              </a:avLst>
+            </a:prstGeom>
+            <a:ln>
+              <a:tailEnd type="triangle"/>
+            </a:ln>
+          </p:spPr>
+          <p:style>
+            <a:lnRef idx="2">
+              <a:schemeClr val="accent1"/>
+            </a:lnRef>
+            <a:fillRef idx="0">
+              <a:schemeClr val="accent1"/>
+            </a:fillRef>
+            <a:effectRef idx="1">
+              <a:schemeClr val="accent1"/>
+            </a:effectRef>
+            <a:fontRef idx="minor">
+              <a:schemeClr val="tx1"/>
+            </a:fontRef>
+          </p:style>
+        </p:cxnSp>
+        <p:sp>
+          <p:nvSpPr>
+            <p:cNvPr id="68" name="山形 67"/>
+            <p:cNvSpPr/>
+            <p:nvPr/>
+          </p:nvSpPr>
+          <p:spPr>
+            <a:xfrm>
+              <a:off x="5130760" y="4686812"/>
+              <a:ext cx="303895" cy="465993"/>
+            </a:xfrm>
+            <a:prstGeom prst="chevron">
+              <a:avLst/>
+            </a:prstGeom>
+          </p:spPr>
+          <p:style>
+            <a:lnRef idx="1">
+              <a:schemeClr val="accent1"/>
+            </a:lnRef>
+            <a:fillRef idx="3">
+              <a:schemeClr val="accent1"/>
+            </a:fillRef>
+            <a:effectRef idx="2">
+              <a:schemeClr val="accent1"/>
+            </a:effectRef>
+            <a:fontRef idx="minor">
+              <a:schemeClr val="lt1"/>
+            </a:fontRef>
+          </p:style>
+          <p:txBody>
+            <a:bodyPr rtlCol="0" anchor="ctr"/>
+            <a:lstStyle/>
+            <a:p>
+              <a:pPr algn="ctr"/>
+              <a:endParaRPr kumimoji="1" lang="ja-JP" altLang="en-US">
+                <a:solidFill>
+                  <a:schemeClr val="tx1"/>
+                </a:solidFill>
+              </a:endParaRPr>
+            </a:p>
+          </p:txBody>
+        </p:sp>
+        <p:cxnSp>
+          <p:nvCxnSpPr>
+            <p:cNvPr id="70" name="カギ線コネクタ 69"/>
+            <p:cNvCxnSpPr>
+              <a:endCxn id="68" idx="1"/>
+            </p:cNvCxnSpPr>
+            <p:nvPr/>
+          </p:nvCxnSpPr>
+          <p:spPr>
+            <a:xfrm rot="16200000" flipH="1">
+              <a:off x="4418931" y="4056031"/>
+              <a:ext cx="1105279" cy="622275"/>
+            </a:xfrm>
+            <a:prstGeom prst="bentConnector2">
+              <a:avLst/>
+            </a:prstGeom>
+            <a:ln>
+              <a:tailEnd type="triangle"/>
+            </a:ln>
+          </p:spPr>
+          <p:style>
+            <a:lnRef idx="2">
+              <a:schemeClr val="accent1"/>
+            </a:lnRef>
+            <a:fillRef idx="0">
+              <a:schemeClr val="accent1"/>
+            </a:fillRef>
+            <a:effectRef idx="1">
+              <a:schemeClr val="accent1"/>
+            </a:effectRef>
+            <a:fontRef idx="minor">
+              <a:schemeClr val="tx1"/>
+            </a:fontRef>
+          </p:style>
+        </p:cxnSp>
+      </p:grpSp>
     </p:spTree>
     <p:extLst>
       <p:ext uri="{BB962C8B-B14F-4D97-AF65-F5344CB8AC3E}">
@@ -8258,9 +8516,314 @@
   <p:timing>
     <p:tnLst>
       <p:par>
-        <p:cTn id="1" dur="indefinite" restart="never" nodeType="tmRoot"/>
+        <p:cTn id="1" dur="indefinite" restart="never" nodeType="tmRoot">
+          <p:childTnLst>
+            <p:seq concurrent="1" nextAc="seek">
+              <p:cTn id="2" dur="indefinite" nodeType="mainSeq">
+                <p:childTnLst>
+                  <p:par>
+                    <p:cTn id="3" fill="hold">
+                      <p:stCondLst>
+                        <p:cond delay="indefinite"/>
+                      </p:stCondLst>
+                      <p:childTnLst>
+                        <p:par>
+                          <p:cTn id="4" fill="hold">
+                            <p:stCondLst>
+                              <p:cond delay="0"/>
+                            </p:stCondLst>
+                            <p:childTnLst>
+                              <p:par>
+                                <p:cTn id="5" presetID="2" presetClass="entr" presetSubtype="8" fill="hold" nodeType="clickEffect">
+                                  <p:stCondLst>
+                                    <p:cond delay="0"/>
+                                  </p:stCondLst>
+                                  <p:childTnLst>
+                                    <p:set>
+                                      <p:cBhvr>
+                                        <p:cTn id="6" dur="1" fill="hold">
+                                          <p:stCondLst>
+                                            <p:cond delay="0"/>
+                                          </p:stCondLst>
+                                        </p:cTn>
+                                        <p:tgtEl>
+                                          <p:spTgt spid="73"/>
+                                        </p:tgtEl>
+                                        <p:attrNameLst>
+                                          <p:attrName>style.visibility</p:attrName>
+                                        </p:attrNameLst>
+                                      </p:cBhvr>
+                                      <p:to>
+                                        <p:strVal val="visible"/>
+                                      </p:to>
+                                    </p:set>
+                                    <p:anim calcmode="lin" valueType="num">
+                                      <p:cBhvr additive="base">
+                                        <p:cTn id="7" dur="500" fill="hold"/>
+                                        <p:tgtEl>
+                                          <p:spTgt spid="73"/>
+                                        </p:tgtEl>
+                                        <p:attrNameLst>
+                                          <p:attrName>ppt_x</p:attrName>
+                                        </p:attrNameLst>
+                                      </p:cBhvr>
+                                      <p:tavLst>
+                                        <p:tav tm="0">
+                                          <p:val>
+                                            <p:strVal val="0-#ppt_w/2"/>
+                                          </p:val>
+                                        </p:tav>
+                                        <p:tav tm="100000">
+                                          <p:val>
+                                            <p:strVal val="#ppt_x"/>
+                                          </p:val>
+                                        </p:tav>
+                                      </p:tavLst>
+                                    </p:anim>
+                                    <p:anim calcmode="lin" valueType="num">
+                                      <p:cBhvr additive="base">
+                                        <p:cTn id="8" dur="500" fill="hold"/>
+                                        <p:tgtEl>
+                                          <p:spTgt spid="73"/>
+                                        </p:tgtEl>
+                                        <p:attrNameLst>
+                                          <p:attrName>ppt_y</p:attrName>
+                                        </p:attrNameLst>
+                                      </p:cBhvr>
+                                      <p:tavLst>
+                                        <p:tav tm="0">
+                                          <p:val>
+                                            <p:strVal val="#ppt_y"/>
+                                          </p:val>
+                                        </p:tav>
+                                        <p:tav tm="100000">
+                                          <p:val>
+                                            <p:strVal val="#ppt_y"/>
+                                          </p:val>
+                                        </p:tav>
+                                      </p:tavLst>
+                                    </p:anim>
+                                  </p:childTnLst>
+                                </p:cTn>
+                              </p:par>
+                            </p:childTnLst>
+                          </p:cTn>
+                        </p:par>
+                      </p:childTnLst>
+                    </p:cTn>
+                  </p:par>
+                  <p:par>
+                    <p:cTn id="9" fill="hold">
+                      <p:stCondLst>
+                        <p:cond delay="indefinite"/>
+                      </p:stCondLst>
+                      <p:childTnLst>
+                        <p:par>
+                          <p:cTn id="10" fill="hold">
+                            <p:stCondLst>
+                              <p:cond delay="0"/>
+                            </p:stCondLst>
+                            <p:childTnLst>
+                              <p:par>
+                                <p:cTn id="11" presetID="10" presetClass="entr" presetSubtype="0" fill="hold" grpId="0" nodeType="clickEffect">
+                                  <p:stCondLst>
+                                    <p:cond delay="0"/>
+                                  </p:stCondLst>
+                                  <p:childTnLst>
+                                    <p:set>
+                                      <p:cBhvr>
+                                        <p:cTn id="12" dur="1" fill="hold">
+                                          <p:stCondLst>
+                                            <p:cond delay="0"/>
+                                          </p:stCondLst>
+                                        </p:cTn>
+                                        <p:tgtEl>
+                                          <p:spTgt spid="28"/>
+                                        </p:tgtEl>
+                                        <p:attrNameLst>
+                                          <p:attrName>style.visibility</p:attrName>
+                                        </p:attrNameLst>
+                                      </p:cBhvr>
+                                      <p:to>
+                                        <p:strVal val="visible"/>
+                                      </p:to>
+                                    </p:set>
+                                    <p:animEffect transition="in" filter="fade">
+                                      <p:cBhvr>
+                                        <p:cTn id="13" dur="500"/>
+                                        <p:tgtEl>
+                                          <p:spTgt spid="28"/>
+                                        </p:tgtEl>
+                                      </p:cBhvr>
+                                    </p:animEffect>
+                                  </p:childTnLst>
+                                </p:cTn>
+                              </p:par>
+                              <p:par>
+                                <p:cTn id="14" presetID="10" presetClass="entr" presetSubtype="0" fill="hold" grpId="0" nodeType="withEffect">
+                                  <p:stCondLst>
+                                    <p:cond delay="0"/>
+                                  </p:stCondLst>
+                                  <p:childTnLst>
+                                    <p:set>
+                                      <p:cBhvr>
+                                        <p:cTn id="15" dur="1" fill="hold">
+                                          <p:stCondLst>
+                                            <p:cond delay="0"/>
+                                          </p:stCondLst>
+                                        </p:cTn>
+                                        <p:tgtEl>
+                                          <p:spTgt spid="18"/>
+                                        </p:tgtEl>
+                                        <p:attrNameLst>
+                                          <p:attrName>style.visibility</p:attrName>
+                                        </p:attrNameLst>
+                                      </p:cBhvr>
+                                      <p:to>
+                                        <p:strVal val="visible"/>
+                                      </p:to>
+                                    </p:set>
+                                    <p:animEffect transition="in" filter="fade">
+                                      <p:cBhvr>
+                                        <p:cTn id="16" dur="500"/>
+                                        <p:tgtEl>
+                                          <p:spTgt spid="18"/>
+                                        </p:tgtEl>
+                                      </p:cBhvr>
+                                    </p:animEffect>
+                                  </p:childTnLst>
+                                </p:cTn>
+                              </p:par>
+                            </p:childTnLst>
+                          </p:cTn>
+                        </p:par>
+                      </p:childTnLst>
+                    </p:cTn>
+                  </p:par>
+                  <p:par>
+                    <p:cTn id="17" fill="hold">
+                      <p:stCondLst>
+                        <p:cond delay="indefinite"/>
+                      </p:stCondLst>
+                      <p:childTnLst>
+                        <p:par>
+                          <p:cTn id="18" fill="hold">
+                            <p:stCondLst>
+                              <p:cond delay="0"/>
+                            </p:stCondLst>
+                            <p:childTnLst>
+                              <p:par>
+                                <p:cTn id="19" presetID="22" presetClass="entr" presetSubtype="1" fill="hold" nodeType="clickEffect">
+                                  <p:stCondLst>
+                                    <p:cond delay="0"/>
+                                  </p:stCondLst>
+                                  <p:childTnLst>
+                                    <p:set>
+                                      <p:cBhvr>
+                                        <p:cTn id="20" dur="1" fill="hold">
+                                          <p:stCondLst>
+                                            <p:cond delay="0"/>
+                                          </p:stCondLst>
+                                        </p:cTn>
+                                        <p:tgtEl>
+                                          <p:spTgt spid="72"/>
+                                        </p:tgtEl>
+                                        <p:attrNameLst>
+                                          <p:attrName>style.visibility</p:attrName>
+                                        </p:attrNameLst>
+                                      </p:cBhvr>
+                                      <p:to>
+                                        <p:strVal val="visible"/>
+                                      </p:to>
+                                    </p:set>
+                                    <p:animEffect transition="in" filter="wipe(up)">
+                                      <p:cBhvr>
+                                        <p:cTn id="21" dur="500"/>
+                                        <p:tgtEl>
+                                          <p:spTgt spid="72"/>
+                                        </p:tgtEl>
+                                      </p:cBhvr>
+                                    </p:animEffect>
+                                  </p:childTnLst>
+                                </p:cTn>
+                              </p:par>
+                            </p:childTnLst>
+                          </p:cTn>
+                        </p:par>
+                      </p:childTnLst>
+                    </p:cTn>
+                  </p:par>
+                  <p:par>
+                    <p:cTn id="22" fill="hold">
+                      <p:stCondLst>
+                        <p:cond delay="indefinite"/>
+                      </p:stCondLst>
+                      <p:childTnLst>
+                        <p:par>
+                          <p:cTn id="23" fill="hold">
+                            <p:stCondLst>
+                              <p:cond delay="0"/>
+                            </p:stCondLst>
+                            <p:childTnLst>
+                              <p:par>
+                                <p:cTn id="24" presetID="1" presetClass="entr" presetSubtype="0" fill="hold" grpId="0" nodeType="clickEffect">
+                                  <p:stCondLst>
+                                    <p:cond delay="0"/>
+                                  </p:stCondLst>
+                                  <p:childTnLst>
+                                    <p:set>
+                                      <p:cBhvr>
+                                        <p:cTn id="25" dur="1" fill="hold">
+                                          <p:stCondLst>
+                                            <p:cond delay="0"/>
+                                          </p:stCondLst>
+                                        </p:cTn>
+                                        <p:tgtEl>
+                                          <p:spTgt spid="65"/>
+                                        </p:tgtEl>
+                                        <p:attrNameLst>
+                                          <p:attrName>style.visibility</p:attrName>
+                                        </p:attrNameLst>
+                                      </p:cBhvr>
+                                      <p:to>
+                                        <p:strVal val="visible"/>
+                                      </p:to>
+                                    </p:set>
+                                  </p:childTnLst>
+                                </p:cTn>
+                              </p:par>
+                            </p:childTnLst>
+                          </p:cTn>
+                        </p:par>
+                      </p:childTnLst>
+                    </p:cTn>
+                  </p:par>
+                </p:childTnLst>
+              </p:cTn>
+              <p:prevCondLst>
+                <p:cond evt="onPrev" delay="0">
+                  <p:tgtEl>
+                    <p:sldTgt/>
+                  </p:tgtEl>
+                </p:cond>
+              </p:prevCondLst>
+              <p:nextCondLst>
+                <p:cond evt="onNext" delay="0">
+                  <p:tgtEl>
+                    <p:sldTgt/>
+                  </p:tgtEl>
+                </p:cond>
+              </p:nextCondLst>
+            </p:seq>
+          </p:childTnLst>
+        </p:cTn>
       </p:par>
     </p:tnLst>
+    <p:bldLst>
+      <p:bldP spid="28" grpId="0" animBg="1"/>
+      <p:bldP spid="18" grpId="0"/>
+      <p:bldP spid="65" grpId="0"/>
+    </p:bldLst>
   </p:timing>
 </p:sld>
 </file>
@@ -8340,8 +8903,8 @@
         </p:nvSpPr>
         <p:spPr>
           <a:xfrm>
-            <a:off x="2014606" y="1422984"/>
-            <a:ext cx="4139126" cy="5150114"/>
+            <a:off x="2211892" y="1368417"/>
+            <a:ext cx="6474908" cy="5150114"/>
           </a:xfrm>
           <a:prstGeom prst="rect">
             <a:avLst/>
@@ -8371,7 +8934,7 @@
           <a:lstStyle/>
           <a:p>
             <a:pPr algn="ctr"/>
-            <a:endParaRPr kumimoji="1" lang="ja-JP" altLang="en-US"/>
+            <a:endParaRPr kumimoji="1" lang="ja-JP" altLang="en-US" dirty="0"/>
           </a:p>
         </p:txBody>
       </p:sp>
@@ -8383,7 +8946,7 @@
         </p:nvSpPr>
         <p:spPr>
           <a:xfrm>
-            <a:off x="3856912" y="1422984"/>
+            <a:off x="3109072" y="1422984"/>
             <a:ext cx="1688683" cy="369332"/>
           </a:xfrm>
           <a:prstGeom prst="rect">
@@ -8421,597 +8984,6 @@
           </a:p>
         </p:txBody>
       </p:sp>
-      <p:sp>
-        <p:nvSpPr>
-          <p:cNvPr id="27" name="円/楕円 26"/>
-          <p:cNvSpPr/>
-          <p:nvPr/>
-        </p:nvSpPr>
-        <p:spPr>
-          <a:xfrm>
-            <a:off x="2525300" y="2112484"/>
-            <a:ext cx="1164049" cy="364447"/>
-          </a:xfrm>
-          <a:prstGeom prst="ellipse">
-            <a:avLst/>
-          </a:prstGeom>
-          <a:ln/>
-        </p:spPr>
-        <p:style>
-          <a:lnRef idx="1">
-            <a:schemeClr val="accent1"/>
-          </a:lnRef>
-          <a:fillRef idx="3">
-            <a:schemeClr val="accent1"/>
-          </a:fillRef>
-          <a:effectRef idx="2">
-            <a:schemeClr val="accent1"/>
-          </a:effectRef>
-          <a:fontRef idx="minor">
-            <a:schemeClr val="lt1"/>
-          </a:fontRef>
-        </p:style>
-        <p:txBody>
-          <a:bodyPr/>
-          <a:lstStyle/>
-          <a:p>
-            <a:endParaRPr lang="ja-JP" altLang="en-US"/>
-          </a:p>
-        </p:txBody>
-      </p:sp>
-      <p:sp>
-        <p:nvSpPr>
-          <p:cNvPr id="28" name="円/楕円 27"/>
-          <p:cNvSpPr/>
-          <p:nvPr/>
-        </p:nvSpPr>
-        <p:spPr>
-          <a:xfrm>
-            <a:off x="2525300" y="2731101"/>
-            <a:ext cx="1164049" cy="364447"/>
-          </a:xfrm>
-          <a:prstGeom prst="ellipse">
-            <a:avLst/>
-          </a:prstGeom>
-          <a:ln/>
-        </p:spPr>
-        <p:style>
-          <a:lnRef idx="1">
-            <a:schemeClr val="accent1"/>
-          </a:lnRef>
-          <a:fillRef idx="3">
-            <a:schemeClr val="accent1"/>
-          </a:fillRef>
-          <a:effectRef idx="2">
-            <a:schemeClr val="accent1"/>
-          </a:effectRef>
-          <a:fontRef idx="minor">
-            <a:schemeClr val="lt1"/>
-          </a:fontRef>
-        </p:style>
-        <p:txBody>
-          <a:bodyPr/>
-          <a:lstStyle/>
-          <a:p>
-            <a:endParaRPr lang="ja-JP" altLang="en-US"/>
-          </a:p>
-        </p:txBody>
-      </p:sp>
-      <p:sp>
-        <p:nvSpPr>
-          <p:cNvPr id="29" name="円/楕円 28"/>
-          <p:cNvSpPr/>
-          <p:nvPr/>
-        </p:nvSpPr>
-        <p:spPr>
-          <a:xfrm>
-            <a:off x="2525300" y="3313186"/>
-            <a:ext cx="1164049" cy="364447"/>
-          </a:xfrm>
-          <a:prstGeom prst="ellipse">
-            <a:avLst/>
-          </a:prstGeom>
-          <a:solidFill>
-            <a:srgbClr val="FF6600"/>
-          </a:solidFill>
-          <a:ln/>
-        </p:spPr>
-        <p:style>
-          <a:lnRef idx="1">
-            <a:schemeClr val="accent1"/>
-          </a:lnRef>
-          <a:fillRef idx="3">
-            <a:schemeClr val="accent1"/>
-          </a:fillRef>
-          <a:effectRef idx="2">
-            <a:schemeClr val="accent1"/>
-          </a:effectRef>
-          <a:fontRef idx="minor">
-            <a:schemeClr val="lt1"/>
-          </a:fontRef>
-        </p:style>
-        <p:txBody>
-          <a:bodyPr/>
-          <a:lstStyle/>
-          <a:p>
-            <a:endParaRPr lang="ja-JP" altLang="en-US"/>
-          </a:p>
-        </p:txBody>
-      </p:sp>
-      <p:sp>
-        <p:nvSpPr>
-          <p:cNvPr id="30" name="円/楕円 29"/>
-          <p:cNvSpPr/>
-          <p:nvPr/>
-        </p:nvSpPr>
-        <p:spPr>
-          <a:xfrm>
-            <a:off x="2525300" y="3998572"/>
-            <a:ext cx="1164049" cy="364447"/>
-          </a:xfrm>
-          <a:prstGeom prst="ellipse">
-            <a:avLst/>
-          </a:prstGeom>
-          <a:ln/>
-        </p:spPr>
-        <p:style>
-          <a:lnRef idx="1">
-            <a:schemeClr val="accent1"/>
-          </a:lnRef>
-          <a:fillRef idx="3">
-            <a:schemeClr val="accent1"/>
-          </a:fillRef>
-          <a:effectRef idx="2">
-            <a:schemeClr val="accent1"/>
-          </a:effectRef>
-          <a:fontRef idx="minor">
-            <a:schemeClr val="lt1"/>
-          </a:fontRef>
-        </p:style>
-        <p:txBody>
-          <a:bodyPr/>
-          <a:lstStyle/>
-          <a:p>
-            <a:endParaRPr lang="ja-JP" altLang="en-US"/>
-          </a:p>
-        </p:txBody>
-      </p:sp>
-      <p:sp>
-        <p:nvSpPr>
-          <p:cNvPr id="31" name="円/楕円 30"/>
-          <p:cNvSpPr/>
-          <p:nvPr/>
-        </p:nvSpPr>
-        <p:spPr>
-          <a:xfrm>
-            <a:off x="2525300" y="4677579"/>
-            <a:ext cx="1164049" cy="364447"/>
-          </a:xfrm>
-          <a:prstGeom prst="ellipse">
-            <a:avLst/>
-          </a:prstGeom>
-          <a:ln/>
-        </p:spPr>
-        <p:style>
-          <a:lnRef idx="1">
-            <a:schemeClr val="accent1"/>
-          </a:lnRef>
-          <a:fillRef idx="3">
-            <a:schemeClr val="accent1"/>
-          </a:fillRef>
-          <a:effectRef idx="2">
-            <a:schemeClr val="accent1"/>
-          </a:effectRef>
-          <a:fontRef idx="minor">
-            <a:schemeClr val="lt1"/>
-          </a:fontRef>
-        </p:style>
-        <p:txBody>
-          <a:bodyPr/>
-          <a:lstStyle/>
-          <a:p>
-            <a:endParaRPr lang="ja-JP" altLang="en-US"/>
-          </a:p>
-        </p:txBody>
-      </p:sp>
-      <p:sp>
-        <p:nvSpPr>
-          <p:cNvPr id="32" name="円/楕円 31"/>
-          <p:cNvSpPr/>
-          <p:nvPr/>
-        </p:nvSpPr>
-        <p:spPr>
-          <a:xfrm>
-            <a:off x="2548895" y="5394376"/>
-            <a:ext cx="1164049" cy="364447"/>
-          </a:xfrm>
-          <a:prstGeom prst="ellipse">
-            <a:avLst/>
-          </a:prstGeom>
-          <a:ln/>
-        </p:spPr>
-        <p:style>
-          <a:lnRef idx="1">
-            <a:schemeClr val="accent1"/>
-          </a:lnRef>
-          <a:fillRef idx="3">
-            <a:schemeClr val="accent1"/>
-          </a:fillRef>
-          <a:effectRef idx="2">
-            <a:schemeClr val="accent1"/>
-          </a:effectRef>
-          <a:fontRef idx="minor">
-            <a:schemeClr val="lt1"/>
-          </a:fontRef>
-        </p:style>
-        <p:txBody>
-          <a:bodyPr/>
-          <a:lstStyle/>
-          <a:p>
-            <a:endParaRPr lang="ja-JP" altLang="en-US"/>
-          </a:p>
-        </p:txBody>
-      </p:sp>
-      <p:sp>
-        <p:nvSpPr>
-          <p:cNvPr id="33" name="テキスト ボックス 32"/>
-          <p:cNvSpPr txBox="1"/>
-          <p:nvPr/>
-        </p:nvSpPr>
-        <p:spPr>
-          <a:xfrm>
-            <a:off x="2548895" y="2107599"/>
-            <a:ext cx="1124226" cy="369332"/>
-          </a:xfrm>
-          <a:prstGeom prst="rect">
-            <a:avLst/>
-          </a:prstGeom>
-          <a:noFill/>
-        </p:spPr>
-        <p:txBody>
-          <a:bodyPr wrap="none" rtlCol="0">
-            <a:spAutoFit/>
-          </a:bodyPr>
-          <a:lstStyle/>
-          <a:p>
-            <a:r>
-              <a:rPr kumimoji="1" lang="en-US" altLang="ja-JP" dirty="0" smtClean="0"/>
-              <a:t>Method A</a:t>
-            </a:r>
-            <a:endParaRPr kumimoji="1" lang="ja-JP" altLang="en-US" dirty="0"/>
-          </a:p>
-        </p:txBody>
-      </p:sp>
-      <p:sp>
-        <p:nvSpPr>
-          <p:cNvPr id="34" name="テキスト ボックス 33"/>
-          <p:cNvSpPr txBox="1"/>
-          <p:nvPr/>
-        </p:nvSpPr>
-        <p:spPr>
-          <a:xfrm>
-            <a:off x="2548895" y="2739371"/>
-            <a:ext cx="1120820" cy="369332"/>
-          </a:xfrm>
-          <a:prstGeom prst="rect">
-            <a:avLst/>
-          </a:prstGeom>
-          <a:noFill/>
-        </p:spPr>
-        <p:txBody>
-          <a:bodyPr wrap="none" rtlCol="0">
-            <a:spAutoFit/>
-          </a:bodyPr>
-          <a:lstStyle/>
-          <a:p>
-            <a:r>
-              <a:rPr kumimoji="1" lang="en-US" altLang="ja-JP" dirty="0" smtClean="0"/>
-              <a:t>Method B</a:t>
-            </a:r>
-            <a:endParaRPr kumimoji="1" lang="ja-JP" altLang="en-US" dirty="0"/>
-          </a:p>
-        </p:txBody>
-      </p:sp>
-      <p:sp>
-        <p:nvSpPr>
-          <p:cNvPr id="35" name="テキスト ボックス 34"/>
-          <p:cNvSpPr txBox="1"/>
-          <p:nvPr/>
-        </p:nvSpPr>
-        <p:spPr>
-          <a:xfrm>
-            <a:off x="2545011" y="3308301"/>
-            <a:ext cx="1120820" cy="369332"/>
-          </a:xfrm>
-          <a:prstGeom prst="rect">
-            <a:avLst/>
-          </a:prstGeom>
-          <a:noFill/>
-        </p:spPr>
-        <p:txBody>
-          <a:bodyPr wrap="none" rtlCol="0">
-            <a:spAutoFit/>
-          </a:bodyPr>
-          <a:lstStyle/>
-          <a:p>
-            <a:r>
-              <a:rPr kumimoji="1" lang="en-US" altLang="ja-JP" dirty="0" smtClean="0"/>
-              <a:t>Method C</a:t>
-            </a:r>
-            <a:endParaRPr kumimoji="1" lang="ja-JP" altLang="en-US" dirty="0"/>
-          </a:p>
-        </p:txBody>
-      </p:sp>
-      <p:sp>
-        <p:nvSpPr>
-          <p:cNvPr id="36" name="テキスト ボックス 35"/>
-          <p:cNvSpPr txBox="1"/>
-          <p:nvPr/>
-        </p:nvSpPr>
-        <p:spPr>
-          <a:xfrm>
-            <a:off x="2548895" y="3993687"/>
-            <a:ext cx="1133644" cy="369332"/>
-          </a:xfrm>
-          <a:prstGeom prst="rect">
-            <a:avLst/>
-          </a:prstGeom>
-          <a:noFill/>
-        </p:spPr>
-        <p:txBody>
-          <a:bodyPr wrap="none" rtlCol="0">
-            <a:spAutoFit/>
-          </a:bodyPr>
-          <a:lstStyle/>
-          <a:p>
-            <a:r>
-              <a:rPr kumimoji="1" lang="en-US" altLang="ja-JP" dirty="0" smtClean="0"/>
-              <a:t>Method D</a:t>
-            </a:r>
-            <a:endParaRPr kumimoji="1" lang="ja-JP" altLang="en-US" dirty="0"/>
-          </a:p>
-        </p:txBody>
-      </p:sp>
-      <p:sp>
-        <p:nvSpPr>
-          <p:cNvPr id="37" name="テキスト ボックス 36"/>
-          <p:cNvSpPr txBox="1"/>
-          <p:nvPr/>
-        </p:nvSpPr>
-        <p:spPr>
-          <a:xfrm>
-            <a:off x="2569747" y="4649414"/>
-            <a:ext cx="1103374" cy="369332"/>
-          </a:xfrm>
-          <a:prstGeom prst="rect">
-            <a:avLst/>
-          </a:prstGeom>
-          <a:noFill/>
-        </p:spPr>
-        <p:txBody>
-          <a:bodyPr wrap="none" rtlCol="0">
-            <a:spAutoFit/>
-          </a:bodyPr>
-          <a:lstStyle/>
-          <a:p>
-            <a:r>
-              <a:rPr kumimoji="1" lang="en-US" altLang="ja-JP" dirty="0" smtClean="0"/>
-              <a:t>Method E</a:t>
-            </a:r>
-            <a:endParaRPr kumimoji="1" lang="ja-JP" altLang="en-US" dirty="0"/>
-          </a:p>
-        </p:txBody>
-      </p:sp>
-      <p:sp>
-        <p:nvSpPr>
-          <p:cNvPr id="38" name="テキスト ボックス 37"/>
-          <p:cNvSpPr txBox="1"/>
-          <p:nvPr/>
-        </p:nvSpPr>
-        <p:spPr>
-          <a:xfrm>
-            <a:off x="2557348" y="5373143"/>
-            <a:ext cx="1096724" cy="369332"/>
-          </a:xfrm>
-          <a:prstGeom prst="rect">
-            <a:avLst/>
-          </a:prstGeom>
-          <a:noFill/>
-        </p:spPr>
-        <p:txBody>
-          <a:bodyPr wrap="none" rtlCol="0">
-            <a:spAutoFit/>
-          </a:bodyPr>
-          <a:lstStyle/>
-          <a:p>
-            <a:r>
-              <a:rPr kumimoji="1" lang="en-US" altLang="ja-JP" dirty="0" smtClean="0"/>
-              <a:t>Method F</a:t>
-            </a:r>
-            <a:endParaRPr kumimoji="1" lang="ja-JP" altLang="en-US" dirty="0"/>
-          </a:p>
-        </p:txBody>
-      </p:sp>
-      <p:cxnSp>
-        <p:nvCxnSpPr>
-          <p:cNvPr id="39" name="直線コネクタ 38"/>
-          <p:cNvCxnSpPr>
-            <a:stCxn id="27" idx="4"/>
-            <a:endCxn id="34" idx="0"/>
-          </p:cNvCxnSpPr>
-          <p:nvPr/>
-        </p:nvCxnSpPr>
-        <p:spPr>
-          <a:xfrm>
-            <a:off x="3107325" y="2476931"/>
-            <a:ext cx="1980" cy="262440"/>
-          </a:xfrm>
-          <a:prstGeom prst="line">
-            <a:avLst/>
-          </a:prstGeom>
-          <a:ln>
-            <a:tailEnd type="triangle" w="lg"/>
-          </a:ln>
-        </p:spPr>
-        <p:style>
-          <a:lnRef idx="2">
-            <a:schemeClr val="accent1"/>
-          </a:lnRef>
-          <a:fillRef idx="0">
-            <a:schemeClr val="accent1"/>
-          </a:fillRef>
-          <a:effectRef idx="1">
-            <a:schemeClr val="accent1"/>
-          </a:effectRef>
-          <a:fontRef idx="minor">
-            <a:schemeClr val="tx1"/>
-          </a:fontRef>
-        </p:style>
-      </p:cxnSp>
-      <p:cxnSp>
-        <p:nvCxnSpPr>
-          <p:cNvPr id="40" name="直線コネクタ 39"/>
-          <p:cNvCxnSpPr>
-            <a:stCxn id="34" idx="2"/>
-            <a:endCxn id="35" idx="0"/>
-          </p:cNvCxnSpPr>
-          <p:nvPr/>
-        </p:nvCxnSpPr>
-        <p:spPr>
-          <a:xfrm flipH="1">
-            <a:off x="3105421" y="3108703"/>
-            <a:ext cx="3884" cy="199598"/>
-          </a:xfrm>
-          <a:prstGeom prst="line">
-            <a:avLst/>
-          </a:prstGeom>
-          <a:ln>
-            <a:tailEnd type="triangle" w="lg"/>
-          </a:ln>
-        </p:spPr>
-        <p:style>
-          <a:lnRef idx="2">
-            <a:schemeClr val="accent1"/>
-          </a:lnRef>
-          <a:fillRef idx="0">
-            <a:schemeClr val="accent1"/>
-          </a:fillRef>
-          <a:effectRef idx="1">
-            <a:schemeClr val="accent1"/>
-          </a:effectRef>
-          <a:fontRef idx="minor">
-            <a:schemeClr val="tx1"/>
-          </a:fontRef>
-        </p:style>
-      </p:cxnSp>
-      <p:cxnSp>
-        <p:nvCxnSpPr>
-          <p:cNvPr id="41" name="直線コネクタ 40"/>
-          <p:cNvCxnSpPr>
-            <a:stCxn id="29" idx="4"/>
-            <a:endCxn id="36" idx="0"/>
-          </p:cNvCxnSpPr>
-          <p:nvPr/>
-        </p:nvCxnSpPr>
-        <p:spPr>
-          <a:xfrm>
-            <a:off x="3107325" y="3677633"/>
-            <a:ext cx="8392" cy="316054"/>
-          </a:xfrm>
-          <a:prstGeom prst="line">
-            <a:avLst/>
-          </a:prstGeom>
-          <a:ln>
-            <a:tailEnd type="triangle" w="lg"/>
-          </a:ln>
-        </p:spPr>
-        <p:style>
-          <a:lnRef idx="2">
-            <a:schemeClr val="accent1"/>
-          </a:lnRef>
-          <a:fillRef idx="0">
-            <a:schemeClr val="accent1"/>
-          </a:fillRef>
-          <a:effectRef idx="1">
-            <a:schemeClr val="accent1"/>
-          </a:effectRef>
-          <a:fontRef idx="minor">
-            <a:schemeClr val="tx1"/>
-          </a:fontRef>
-        </p:style>
-      </p:cxnSp>
-      <p:cxnSp>
-        <p:nvCxnSpPr>
-          <p:cNvPr id="42" name="直線コネクタ 41"/>
-          <p:cNvCxnSpPr>
-            <a:stCxn id="36" idx="2"/>
-            <a:endCxn id="37" idx="0"/>
-          </p:cNvCxnSpPr>
-          <p:nvPr/>
-        </p:nvCxnSpPr>
-        <p:spPr>
-          <a:xfrm>
-            <a:off x="3115717" y="4363019"/>
-            <a:ext cx="5717" cy="286395"/>
-          </a:xfrm>
-          <a:prstGeom prst="line">
-            <a:avLst/>
-          </a:prstGeom>
-          <a:ln>
-            <a:tailEnd type="triangle" w="lg"/>
-          </a:ln>
-        </p:spPr>
-        <p:style>
-          <a:lnRef idx="2">
-            <a:schemeClr val="accent1"/>
-          </a:lnRef>
-          <a:fillRef idx="0">
-            <a:schemeClr val="accent1"/>
-          </a:fillRef>
-          <a:effectRef idx="1">
-            <a:schemeClr val="accent1"/>
-          </a:effectRef>
-          <a:fontRef idx="minor">
-            <a:schemeClr val="tx1"/>
-          </a:fontRef>
-        </p:style>
-      </p:cxnSp>
-      <p:cxnSp>
-        <p:nvCxnSpPr>
-          <p:cNvPr id="43" name="直線コネクタ 42"/>
-          <p:cNvCxnSpPr>
-            <a:stCxn id="31" idx="4"/>
-            <a:endCxn id="38" idx="0"/>
-          </p:cNvCxnSpPr>
-          <p:nvPr/>
-        </p:nvCxnSpPr>
-        <p:spPr>
-          <a:xfrm flipH="1">
-            <a:off x="3105710" y="5042026"/>
-            <a:ext cx="1615" cy="331117"/>
-          </a:xfrm>
-          <a:prstGeom prst="line">
-            <a:avLst/>
-          </a:prstGeom>
-          <a:ln>
-            <a:tailEnd type="triangle" w="lg"/>
-          </a:ln>
-        </p:spPr>
-        <p:style>
-          <a:lnRef idx="2">
-            <a:schemeClr val="accent1"/>
-          </a:lnRef>
-          <a:fillRef idx="0">
-            <a:schemeClr val="accent1"/>
-          </a:fillRef>
-          <a:effectRef idx="1">
-            <a:schemeClr val="accent1"/>
-          </a:effectRef>
-          <a:fontRef idx="minor">
-            <a:schemeClr val="tx1"/>
-          </a:fontRef>
-        </p:style>
-      </p:cxnSp>
       <p:sp>
         <p:nvSpPr>
           <p:cNvPr id="46" name="テキスト ボックス 45"/>
@@ -9109,60 +9081,210 @@
           </a:p>
         </p:txBody>
       </p:sp>
+      <p:grpSp>
+        <p:nvGrpSpPr>
+          <p:cNvPr id="6" name="グループ化 5"/>
+          <p:cNvGrpSpPr/>
+          <p:nvPr/>
+        </p:nvGrpSpPr>
+        <p:grpSpPr>
+          <a:xfrm>
+            <a:off x="6076820" y="1828532"/>
+            <a:ext cx="2093081" cy="2439851"/>
+            <a:chOff x="8883175" y="1388561"/>
+            <a:chExt cx="2093081" cy="2439851"/>
+          </a:xfrm>
+        </p:grpSpPr>
+        <p:sp>
+          <p:nvSpPr>
+            <p:cNvPr id="50" name="正方形/長方形 49"/>
+            <p:cNvSpPr/>
+            <p:nvPr/>
+          </p:nvSpPr>
+          <p:spPr>
+            <a:xfrm>
+              <a:off x="8883175" y="1388561"/>
+              <a:ext cx="2093081" cy="2439851"/>
+            </a:xfrm>
+            <a:prstGeom prst="rect">
+              <a:avLst/>
+            </a:prstGeom>
+            <a:solidFill>
+              <a:schemeClr val="accent3">
+                <a:lumMod val="40000"/>
+                <a:lumOff val="60000"/>
+              </a:schemeClr>
+            </a:solidFill>
+          </p:spPr>
+          <p:style>
+            <a:lnRef idx="1">
+              <a:schemeClr val="accent1"/>
+            </a:lnRef>
+            <a:fillRef idx="3">
+              <a:schemeClr val="accent1"/>
+            </a:fillRef>
+            <a:effectRef idx="2">
+              <a:schemeClr val="accent1"/>
+            </a:effectRef>
+            <a:fontRef idx="minor">
+              <a:schemeClr val="lt1"/>
+            </a:fontRef>
+          </p:style>
+          <p:txBody>
+            <a:bodyPr rtlCol="0" anchor="ctr"/>
+            <a:lstStyle/>
+            <a:p>
+              <a:pPr algn="ctr"/>
+              <a:endParaRPr kumimoji="1" lang="ja-JP" altLang="en-US" dirty="0"/>
+            </a:p>
+          </p:txBody>
+        </p:sp>
+        <p:sp>
+          <p:nvSpPr>
+            <p:cNvPr id="51" name="テキスト ボックス 50"/>
+            <p:cNvSpPr txBox="1"/>
+            <p:nvPr/>
+          </p:nvSpPr>
+          <p:spPr>
+            <a:xfrm>
+              <a:off x="8908952" y="1443719"/>
+              <a:ext cx="1891225" cy="1615827"/>
+            </a:xfrm>
+            <a:prstGeom prst="rect">
+              <a:avLst/>
+            </a:prstGeom>
+            <a:noFill/>
+          </p:spPr>
+          <p:txBody>
+            <a:bodyPr wrap="none" rtlCol="0">
+              <a:spAutoFit/>
+            </a:bodyPr>
+            <a:lstStyle/>
+            <a:p>
+              <a:r>
+                <a:rPr kumimoji="1" lang="en-US" altLang="ja-JP" sz="900" dirty="0" smtClean="0"/>
+                <a:t>function[</a:t>
+              </a:r>
+              <a:r>
+                <a:rPr kumimoji="1" lang="en-US" altLang="ja-JP" sz="900" dirty="0" err="1" smtClean="0"/>
+                <a:t>yi,ypi,yppi</a:t>
+              </a:r>
+              <a:r>
+                <a:rPr kumimoji="1" lang="en-US" altLang="ja-JP" sz="900" dirty="0" smtClean="0"/>
+                <a:t>] = </a:t>
+              </a:r>
+              <a:r>
+                <a:rPr kumimoji="1" lang="en-US" altLang="ja-JP" sz="900" dirty="0" err="1" smtClean="0"/>
+                <a:t>cakima</a:t>
+              </a:r>
+              <a:r>
+                <a:rPr kumimoji="1" lang="en-US" altLang="ja-JP" sz="900" dirty="0" smtClean="0"/>
+                <a:t>*</a:t>
+              </a:r>
+              <a:r>
+                <a:rPr kumimoji="1" lang="en-US" altLang="ja-JP" sz="900" dirty="0" err="1" smtClean="0"/>
+                <a:t>x,y,xi</a:t>
+              </a:r>
+              <a:r>
+                <a:rPr lang="en-US" altLang="ja-JP" sz="900" dirty="0" smtClean="0"/>
+                <a:t>)</a:t>
+              </a:r>
+            </a:p>
+            <a:p>
+              <a:r>
+                <a:rPr lang="en-US" altLang="ja-JP" sz="900" dirty="0" smtClean="0"/>
+                <a:t>% comment</a:t>
+              </a:r>
+            </a:p>
+            <a:p>
+              <a:r>
+                <a:rPr lang="en-US" altLang="ja-JP" sz="900" dirty="0" smtClean="0"/>
+                <a:t>n = length(x);</a:t>
+              </a:r>
+            </a:p>
+            <a:p>
+              <a:r>
+                <a:rPr kumimoji="1" lang="en-US" altLang="ja-JP" sz="900" dirty="0" smtClean="0"/>
+                <a:t>U = zeros(1,n+3);</a:t>
+              </a:r>
+            </a:p>
+            <a:p>
+              <a:r>
+                <a:rPr lang="en-US" altLang="ja-JP" sz="900" dirty="0" err="1" smtClean="0"/>
+                <a:t>Yp</a:t>
+              </a:r>
+              <a:r>
+                <a:rPr lang="en-US" altLang="ja-JP" sz="900" dirty="0" smtClean="0"/>
+                <a:t> = zeros(1,n);</a:t>
+              </a:r>
+            </a:p>
+            <a:p>
+              <a:endParaRPr kumimoji="1" lang="en-US" altLang="ja-JP" sz="900" dirty="0"/>
+            </a:p>
+            <a:p>
+              <a:r>
+                <a:rPr lang="en-US" altLang="ja-JP" sz="900" dirty="0" smtClean="0"/>
+                <a:t>%comment</a:t>
+              </a:r>
+            </a:p>
+            <a:p>
+              <a:r>
+                <a:rPr kumimoji="1" lang="en-US" altLang="ja-JP" sz="900" dirty="0" smtClean="0"/>
+                <a:t>For I = 1:n—1</a:t>
+              </a:r>
+            </a:p>
+            <a:p>
+              <a:r>
+                <a:rPr lang="en-US" altLang="ja-JP" sz="900" dirty="0"/>
+                <a:t> </a:t>
+              </a:r>
+              <a:r>
+                <a:rPr lang="en-US" altLang="ja-JP" sz="900" dirty="0" smtClean="0"/>
+                <a:t>    u(i+2) = (y(i+1) – y(</a:t>
+              </a:r>
+              <a:r>
+                <a:rPr lang="en-US" altLang="ja-JP" sz="900" dirty="0" err="1" smtClean="0"/>
+                <a:t>i</a:t>
+              </a:r>
+              <a:r>
+                <a:rPr lang="en-US" altLang="ja-JP" sz="900" dirty="0" smtClean="0"/>
+                <a:t>)/(x(i+1)-x(</a:t>
+              </a:r>
+              <a:r>
+                <a:rPr lang="en-US" altLang="ja-JP" sz="900" dirty="0" err="1" smtClean="0"/>
+                <a:t>i</a:t>
+              </a:r>
+              <a:r>
+                <a:rPr lang="en-US" altLang="ja-JP" sz="900" dirty="0" smtClean="0"/>
+                <a:t>));</a:t>
+              </a:r>
+            </a:p>
+            <a:p>
+              <a:r>
+                <a:rPr kumimoji="1" lang="en-US" altLang="ja-JP" sz="900" dirty="0" smtClean="0"/>
+                <a:t>End</a:t>
+              </a:r>
+            </a:p>
+            <a:p>
+              <a:r>
+                <a:rPr lang="en-US" altLang="ja-JP" sz="900" dirty="0" smtClean="0"/>
+                <a:t>…</a:t>
+              </a:r>
+              <a:endParaRPr kumimoji="1" lang="en-US" altLang="ja-JP" sz="900" dirty="0"/>
+            </a:p>
+          </p:txBody>
+        </p:sp>
+      </p:grpSp>
       <p:sp>
         <p:nvSpPr>
-          <p:cNvPr id="50" name="正方形/長方形 49"/>
-          <p:cNvSpPr/>
-          <p:nvPr/>
-        </p:nvSpPr>
-        <p:spPr>
-          <a:xfrm>
-            <a:off x="3973038" y="2063125"/>
-            <a:ext cx="2093081" cy="2439851"/>
-          </a:xfrm>
-          <a:prstGeom prst="rect">
-            <a:avLst/>
-          </a:prstGeom>
-          <a:solidFill>
-            <a:schemeClr val="accent3">
-              <a:lumMod val="40000"/>
-              <a:lumOff val="60000"/>
-            </a:schemeClr>
-          </a:solidFill>
-        </p:spPr>
-        <p:style>
-          <a:lnRef idx="1">
-            <a:schemeClr val="accent1"/>
-          </a:lnRef>
-          <a:fillRef idx="3">
-            <a:schemeClr val="accent1"/>
-          </a:fillRef>
-          <a:effectRef idx="2">
-            <a:schemeClr val="accent1"/>
-          </a:effectRef>
-          <a:fontRef idx="minor">
-            <a:schemeClr val="lt1"/>
-          </a:fontRef>
-        </p:style>
-        <p:txBody>
-          <a:bodyPr rtlCol="0" anchor="ctr"/>
-          <a:lstStyle/>
-          <a:p>
-            <a:pPr algn="ctr"/>
-            <a:endParaRPr kumimoji="1" lang="ja-JP" altLang="en-US" dirty="0"/>
-          </a:p>
-        </p:txBody>
-      </p:sp>
-      <p:sp>
-        <p:nvSpPr>
-          <p:cNvPr id="51" name="テキスト ボックス 50"/>
+          <p:cNvPr id="52" name="テキスト ボックス 51"/>
           <p:cNvSpPr txBox="1"/>
           <p:nvPr/>
         </p:nvSpPr>
         <p:spPr>
           <a:xfrm>
-            <a:off x="3998815" y="2118283"/>
-            <a:ext cx="1891225" cy="1615827"/>
+            <a:off x="5962977" y="4586542"/>
+            <a:ext cx="2723823" cy="923330"/>
           </a:xfrm>
           <a:prstGeom prst="rect">
             <a:avLst/>
@@ -9176,141 +9298,6 @@
           <a:lstStyle/>
           <a:p>
             <a:r>
-              <a:rPr kumimoji="1" lang="en-US" altLang="ja-JP" sz="900" dirty="0" smtClean="0"/>
-              <a:t>function[</a:t>
-            </a:r>
-            <a:r>
-              <a:rPr kumimoji="1" lang="en-US" altLang="ja-JP" sz="900" dirty="0" err="1" smtClean="0"/>
-              <a:t>yi,ypi,yppi</a:t>
-            </a:r>
-            <a:r>
-              <a:rPr kumimoji="1" lang="en-US" altLang="ja-JP" sz="900" dirty="0" smtClean="0"/>
-              <a:t>] = </a:t>
-            </a:r>
-            <a:r>
-              <a:rPr kumimoji="1" lang="en-US" altLang="ja-JP" sz="900" dirty="0" err="1" smtClean="0"/>
-              <a:t>cakima</a:t>
-            </a:r>
-            <a:r>
-              <a:rPr kumimoji="1" lang="en-US" altLang="ja-JP" sz="900" dirty="0" smtClean="0"/>
-              <a:t>*</a:t>
-            </a:r>
-            <a:r>
-              <a:rPr kumimoji="1" lang="en-US" altLang="ja-JP" sz="900" dirty="0" err="1" smtClean="0"/>
-              <a:t>x,y,xi</a:t>
-            </a:r>
-            <a:r>
-              <a:rPr lang="en-US" altLang="ja-JP" sz="900" dirty="0" smtClean="0"/>
-              <a:t>)</a:t>
-            </a:r>
-          </a:p>
-          <a:p>
-            <a:r>
-              <a:rPr lang="en-US" altLang="ja-JP" sz="900" dirty="0" smtClean="0"/>
-              <a:t>% comment</a:t>
-            </a:r>
-          </a:p>
-          <a:p>
-            <a:r>
-              <a:rPr lang="en-US" altLang="ja-JP" sz="900" dirty="0" smtClean="0"/>
-              <a:t>n = length(x);</a:t>
-            </a:r>
-          </a:p>
-          <a:p>
-            <a:r>
-              <a:rPr kumimoji="1" lang="en-US" altLang="ja-JP" sz="900" dirty="0" smtClean="0"/>
-              <a:t>U = zeros(1,n+3);</a:t>
-            </a:r>
-          </a:p>
-          <a:p>
-            <a:r>
-              <a:rPr lang="en-US" altLang="ja-JP" sz="900" dirty="0" err="1" smtClean="0"/>
-              <a:t>Yp</a:t>
-            </a:r>
-            <a:r>
-              <a:rPr lang="en-US" altLang="ja-JP" sz="900" dirty="0" smtClean="0"/>
-              <a:t> = zeros(1,n);</a:t>
-            </a:r>
-          </a:p>
-          <a:p>
-            <a:endParaRPr kumimoji="1" lang="en-US" altLang="ja-JP" sz="900" dirty="0"/>
-          </a:p>
-          <a:p>
-            <a:r>
-              <a:rPr lang="en-US" altLang="ja-JP" sz="900" dirty="0" smtClean="0"/>
-              <a:t>%comment</a:t>
-            </a:r>
-          </a:p>
-          <a:p>
-            <a:r>
-              <a:rPr kumimoji="1" lang="en-US" altLang="ja-JP" sz="900" dirty="0" smtClean="0"/>
-              <a:t>For I = 1:n—1</a:t>
-            </a:r>
-          </a:p>
-          <a:p>
-            <a:r>
-              <a:rPr lang="en-US" altLang="ja-JP" sz="900" dirty="0"/>
-              <a:t> </a:t>
-            </a:r>
-            <a:r>
-              <a:rPr lang="en-US" altLang="ja-JP" sz="900" dirty="0" smtClean="0"/>
-              <a:t>    u(i+2) = (y(i+1) – y(</a:t>
-            </a:r>
-            <a:r>
-              <a:rPr lang="en-US" altLang="ja-JP" sz="900" dirty="0" err="1" smtClean="0"/>
-              <a:t>i</a:t>
-            </a:r>
-            <a:r>
-              <a:rPr lang="en-US" altLang="ja-JP" sz="900" dirty="0" smtClean="0"/>
-              <a:t>)/(x(i+1)-x(</a:t>
-            </a:r>
-            <a:r>
-              <a:rPr lang="en-US" altLang="ja-JP" sz="900" dirty="0" err="1" smtClean="0"/>
-              <a:t>i</a:t>
-            </a:r>
-            <a:r>
-              <a:rPr lang="en-US" altLang="ja-JP" sz="900" dirty="0" smtClean="0"/>
-              <a:t>));</a:t>
-            </a:r>
-          </a:p>
-          <a:p>
-            <a:r>
-              <a:rPr kumimoji="1" lang="en-US" altLang="ja-JP" sz="900" dirty="0" smtClean="0"/>
-              <a:t>End</a:t>
-            </a:r>
-          </a:p>
-          <a:p>
-            <a:r>
-              <a:rPr lang="en-US" altLang="ja-JP" sz="900" dirty="0" smtClean="0"/>
-              <a:t>…</a:t>
-            </a:r>
-            <a:endParaRPr kumimoji="1" lang="en-US" altLang="ja-JP" sz="900" dirty="0"/>
-          </a:p>
-        </p:txBody>
-      </p:sp>
-      <p:sp>
-        <p:nvSpPr>
-          <p:cNvPr id="52" name="テキスト ボックス 51"/>
-          <p:cNvSpPr txBox="1"/>
-          <p:nvPr/>
-        </p:nvSpPr>
-        <p:spPr>
-          <a:xfrm>
-            <a:off x="6242501" y="2074896"/>
-            <a:ext cx="2108269" cy="646331"/>
-          </a:xfrm>
-          <a:prstGeom prst="rect">
-            <a:avLst/>
-          </a:prstGeom>
-          <a:noFill/>
-        </p:spPr>
-        <p:txBody>
-          <a:bodyPr wrap="none" rtlCol="0">
-            <a:spAutoFit/>
-          </a:bodyPr>
-          <a:lstStyle/>
-          <a:p>
-            <a:r>
               <a:rPr lang="ja-JP" altLang="en-US" dirty="0" smtClean="0"/>
               <a:t>エディタウインドウを</a:t>
             </a:r>
@@ -9319,7 +9306,26 @@
           <a:p>
             <a:r>
               <a:rPr kumimoji="1" lang="ja-JP" altLang="en-US" dirty="0" smtClean="0"/>
-              <a:t>表示して閲覧・編集</a:t>
+              <a:t>表示</a:t>
+            </a:r>
+            <a:r>
+              <a:rPr kumimoji="1" lang="ja-JP" altLang="en-US" dirty="0" smtClean="0"/>
+              <a:t>してソースコードの</a:t>
+            </a:r>
+            <a:endParaRPr kumimoji="1" lang="en-US" altLang="ja-JP" dirty="0" smtClean="0"/>
+          </a:p>
+          <a:p>
+            <a:r>
+              <a:rPr kumimoji="1" lang="ja-JP" altLang="en-US" dirty="0" smtClean="0"/>
+              <a:t>閲覧</a:t>
+            </a:r>
+            <a:r>
+              <a:rPr lang="ja-JP" altLang="en-US" dirty="0"/>
+              <a:t>・</a:t>
+            </a:r>
+            <a:r>
+              <a:rPr kumimoji="1" lang="ja-JP" altLang="en-US" dirty="0" smtClean="0"/>
+              <a:t>編集が可能</a:t>
             </a:r>
             <a:endParaRPr kumimoji="1" lang="ja-JP" altLang="en-US" dirty="0"/>
           </a:p>
@@ -9333,7 +9339,7 @@
         </p:nvSpPr>
         <p:spPr>
           <a:xfrm>
-            <a:off x="3998814" y="4651555"/>
+            <a:off x="2286862" y="5145492"/>
             <a:ext cx="737395" cy="367191"/>
           </a:xfrm>
           <a:prstGeom prst="roundRect">
@@ -9395,145 +9401,13 @@
       </p:sp>
       <p:sp>
         <p:nvSpPr>
-          <p:cNvPr id="54" name="テキスト ボックス 53"/>
-          <p:cNvSpPr txBox="1"/>
-          <p:nvPr/>
-        </p:nvSpPr>
-        <p:spPr>
-          <a:xfrm>
-            <a:off x="3998815" y="5112492"/>
-            <a:ext cx="1562447" cy="646331"/>
-          </a:xfrm>
-          <a:prstGeom prst="rect">
-            <a:avLst/>
-          </a:prstGeom>
-          <a:noFill/>
-        </p:spPr>
-        <p:txBody>
-          <a:bodyPr wrap="none" rtlCol="0">
-            <a:spAutoFit/>
-          </a:bodyPr>
-          <a:lstStyle/>
-          <a:p>
-            <a:r>
-              <a:rPr kumimoji="1" lang="en-US" altLang="ja-JP" dirty="0" smtClean="0">
-                <a:solidFill>
-                  <a:schemeClr val="bg1"/>
-                </a:solidFill>
-              </a:rPr>
-              <a:t>Score</a:t>
-            </a:r>
-            <a:r>
-              <a:rPr kumimoji="1" lang="ja-JP" altLang="en-US" dirty="0" smtClean="0">
-                <a:solidFill>
-                  <a:schemeClr val="bg1"/>
-                </a:solidFill>
-              </a:rPr>
-              <a:t>　　</a:t>
-            </a:r>
-            <a:r>
-              <a:rPr lang="en-US" altLang="ja-JP" dirty="0" smtClean="0">
-                <a:solidFill>
-                  <a:schemeClr val="bg1"/>
-                </a:solidFill>
-              </a:rPr>
-              <a:t>0.982</a:t>
-            </a:r>
-          </a:p>
-          <a:p>
-            <a:r>
-              <a:rPr lang="en-US" altLang="ja-JP" dirty="0" smtClean="0">
-                <a:solidFill>
-                  <a:schemeClr val="bg1"/>
-                </a:solidFill>
-              </a:rPr>
-              <a:t>Before</a:t>
-            </a:r>
-            <a:r>
-              <a:rPr lang="ja-JP" altLang="en-US" dirty="0" smtClean="0">
-                <a:solidFill>
-                  <a:schemeClr val="bg1"/>
-                </a:solidFill>
-              </a:rPr>
-              <a:t>　</a:t>
-            </a:r>
-            <a:r>
-              <a:rPr lang="en-US" altLang="ja-JP" dirty="0">
-                <a:solidFill>
-                  <a:schemeClr val="bg1"/>
-                </a:solidFill>
-              </a:rPr>
-              <a:t> </a:t>
-            </a:r>
-            <a:r>
-              <a:rPr lang="en-US" altLang="ja-JP" dirty="0" smtClean="0">
-                <a:solidFill>
-                  <a:schemeClr val="bg1"/>
-                </a:solidFill>
-              </a:rPr>
-              <a:t>0.774</a:t>
-            </a:r>
-            <a:endParaRPr kumimoji="1" lang="en-US" altLang="ja-JP" dirty="0" smtClean="0">
-              <a:solidFill>
-                <a:schemeClr val="bg1"/>
-              </a:solidFill>
-            </a:endParaRPr>
-          </a:p>
-        </p:txBody>
-      </p:sp>
-      <p:sp>
-        <p:nvSpPr>
-          <p:cNvPr id="55" name="テキスト ボックス 54"/>
-          <p:cNvSpPr txBox="1"/>
-          <p:nvPr/>
-        </p:nvSpPr>
-        <p:spPr>
-          <a:xfrm>
-            <a:off x="6242501" y="4531057"/>
-            <a:ext cx="2444299" cy="923330"/>
-          </a:xfrm>
-          <a:prstGeom prst="rect">
-            <a:avLst/>
-          </a:prstGeom>
-          <a:noFill/>
-        </p:spPr>
-        <p:txBody>
-          <a:bodyPr wrap="none" rtlCol="0">
-            <a:spAutoFit/>
-          </a:bodyPr>
-          <a:lstStyle/>
-          <a:p>
-            <a:r>
-              <a:rPr lang="ja-JP" altLang="en-US" dirty="0" smtClean="0"/>
-              <a:t>実行ボタンを押すと</a:t>
-            </a:r>
-            <a:endParaRPr lang="en-US" altLang="ja-JP" dirty="0" smtClean="0"/>
-          </a:p>
-          <a:p>
-            <a:r>
-              <a:rPr kumimoji="1" lang="ja-JP" altLang="en-US" dirty="0" smtClean="0"/>
-              <a:t>パラメータフィッティング</a:t>
-            </a:r>
-            <a:endParaRPr kumimoji="1" lang="en-US" altLang="ja-JP" dirty="0" smtClean="0"/>
-          </a:p>
-          <a:p>
-            <a:r>
-              <a:rPr lang="ja-JP" altLang="en-US" dirty="0" smtClean="0"/>
-              <a:t>の結果が得られる。</a:t>
-            </a:r>
-            <a:endParaRPr lang="en-US" altLang="ja-JP" dirty="0" smtClean="0"/>
-          </a:p>
-        </p:txBody>
-      </p:sp>
-      <p:sp>
-        <p:nvSpPr>
           <p:cNvPr id="56" name="角丸四角形 55"/>
           <p:cNvSpPr/>
           <p:nvPr/>
         </p:nvSpPr>
         <p:spPr>
           <a:xfrm>
-            <a:off x="3432129" y="6147776"/>
+            <a:off x="2286862" y="5958090"/>
             <a:ext cx="1304081" cy="341167"/>
           </a:xfrm>
           <a:prstGeom prst="roundRect">
@@ -9623,6 +9497,838 @@
           </a:fontRef>
         </p:style>
       </p:cxnSp>
+      <p:sp>
+        <p:nvSpPr>
+          <p:cNvPr id="3" name="テキスト ボックス 2"/>
+          <p:cNvSpPr txBox="1"/>
+          <p:nvPr/>
+        </p:nvSpPr>
+        <p:spPr>
+          <a:xfrm>
+            <a:off x="24704" y="5062092"/>
+            <a:ext cx="2262158" cy="646331"/>
+          </a:xfrm>
+          <a:prstGeom prst="rect">
+            <a:avLst/>
+          </a:prstGeom>
+          <a:noFill/>
+        </p:spPr>
+        <p:txBody>
+          <a:bodyPr wrap="none" rtlCol="0">
+            <a:spAutoFit/>
+          </a:bodyPr>
+          <a:lstStyle/>
+          <a:p>
+            <a:r>
+              <a:rPr kumimoji="1" lang="ja-JP" altLang="en-US" dirty="0" smtClean="0"/>
+              <a:t>実行ボタンを押すと</a:t>
+            </a:r>
+            <a:endParaRPr kumimoji="1" lang="en-US" altLang="ja-JP" dirty="0" smtClean="0"/>
+          </a:p>
+          <a:p>
+            <a:r>
+              <a:rPr lang="ja-JP" altLang="en-US" dirty="0" smtClean="0"/>
+              <a:t>動作</a:t>
+            </a:r>
+            <a:r>
+              <a:rPr lang="ja-JP" altLang="en-US" dirty="0"/>
+              <a:t>確認</a:t>
+            </a:r>
+            <a:endParaRPr kumimoji="1" lang="ja-JP" altLang="en-US" dirty="0"/>
+          </a:p>
+        </p:txBody>
+      </p:sp>
+      <p:sp>
+        <p:nvSpPr>
+          <p:cNvPr id="7" name="テキスト ボックス 6"/>
+          <p:cNvSpPr txBox="1"/>
+          <p:nvPr/>
+        </p:nvSpPr>
+        <p:spPr>
+          <a:xfrm>
+            <a:off x="3191053" y="5145492"/>
+            <a:ext cx="1282723" cy="369332"/>
+          </a:xfrm>
+          <a:prstGeom prst="rect">
+            <a:avLst/>
+          </a:prstGeom>
+          <a:noFill/>
+        </p:spPr>
+        <p:txBody>
+          <a:bodyPr wrap="none" rtlCol="0">
+            <a:spAutoFit/>
+          </a:bodyPr>
+          <a:lstStyle/>
+          <a:p>
+            <a:r>
+              <a:rPr lang="en-US" altLang="ja-JP" dirty="0" smtClean="0">
+                <a:solidFill>
+                  <a:schemeClr val="bg1"/>
+                </a:solidFill>
+              </a:rPr>
+              <a:t>Result : OK</a:t>
+            </a:r>
+            <a:endParaRPr kumimoji="1" lang="ja-JP" altLang="en-US" dirty="0">
+              <a:solidFill>
+                <a:schemeClr val="bg1"/>
+              </a:solidFill>
+            </a:endParaRPr>
+          </a:p>
+        </p:txBody>
+      </p:sp>
+      <p:sp>
+        <p:nvSpPr>
+          <p:cNvPr id="74" name="正方形/長方形 73"/>
+          <p:cNvSpPr/>
+          <p:nvPr/>
+        </p:nvSpPr>
+        <p:spPr>
+          <a:xfrm>
+            <a:off x="2537013" y="1809217"/>
+            <a:ext cx="909202" cy="465993"/>
+          </a:xfrm>
+          <a:prstGeom prst="rect">
+            <a:avLst/>
+          </a:prstGeom>
+        </p:spPr>
+        <p:style>
+          <a:lnRef idx="1">
+            <a:schemeClr val="accent1"/>
+          </a:lnRef>
+          <a:fillRef idx="3">
+            <a:schemeClr val="accent1"/>
+          </a:fillRef>
+          <a:effectRef idx="2">
+            <a:schemeClr val="accent1"/>
+          </a:effectRef>
+          <a:fontRef idx="minor">
+            <a:schemeClr val="lt1"/>
+          </a:fontRef>
+        </p:style>
+        <p:txBody>
+          <a:bodyPr rtlCol="0" anchor="ctr"/>
+          <a:lstStyle/>
+          <a:p>
+            <a:pPr algn="ctr"/>
+            <a:endParaRPr kumimoji="1" lang="ja-JP" altLang="en-US"/>
+          </a:p>
+        </p:txBody>
+      </p:sp>
+      <p:sp>
+        <p:nvSpPr>
+          <p:cNvPr id="75" name="山形 74"/>
+          <p:cNvSpPr/>
+          <p:nvPr/>
+        </p:nvSpPr>
+        <p:spPr>
+          <a:xfrm>
+            <a:off x="3294267" y="1809216"/>
+            <a:ext cx="303895" cy="465993"/>
+          </a:xfrm>
+          <a:prstGeom prst="chevron">
+            <a:avLst/>
+          </a:prstGeom>
+        </p:spPr>
+        <p:style>
+          <a:lnRef idx="1">
+            <a:schemeClr val="accent1"/>
+          </a:lnRef>
+          <a:fillRef idx="3">
+            <a:schemeClr val="accent1"/>
+          </a:fillRef>
+          <a:effectRef idx="2">
+            <a:schemeClr val="accent1"/>
+          </a:effectRef>
+          <a:fontRef idx="minor">
+            <a:schemeClr val="lt1"/>
+          </a:fontRef>
+        </p:style>
+        <p:txBody>
+          <a:bodyPr rtlCol="0" anchor="ctr"/>
+          <a:lstStyle/>
+          <a:p>
+            <a:pPr algn="ctr"/>
+            <a:endParaRPr kumimoji="1" lang="ja-JP" altLang="en-US">
+              <a:solidFill>
+                <a:schemeClr val="tx1"/>
+              </a:solidFill>
+            </a:endParaRPr>
+          </a:p>
+        </p:txBody>
+      </p:sp>
+      <p:cxnSp>
+        <p:nvCxnSpPr>
+          <p:cNvPr id="76" name="直線矢印コネクタ 75"/>
+          <p:cNvCxnSpPr>
+            <a:stCxn id="75" idx="3"/>
+          </p:cNvCxnSpPr>
+          <p:nvPr/>
+        </p:nvCxnSpPr>
+        <p:spPr>
+          <a:xfrm flipV="1">
+            <a:off x="3598162" y="2042212"/>
+            <a:ext cx="604192" cy="1"/>
+          </a:xfrm>
+          <a:prstGeom prst="straightConnector1">
+            <a:avLst/>
+          </a:prstGeom>
+          <a:ln>
+            <a:tailEnd type="triangle"/>
+          </a:ln>
+        </p:spPr>
+        <p:style>
+          <a:lnRef idx="2">
+            <a:schemeClr val="accent1"/>
+          </a:lnRef>
+          <a:fillRef idx="0">
+            <a:schemeClr val="accent1"/>
+          </a:fillRef>
+          <a:effectRef idx="1">
+            <a:schemeClr val="accent1"/>
+          </a:effectRef>
+          <a:fontRef idx="minor">
+            <a:schemeClr val="tx1"/>
+          </a:fontRef>
+        </p:style>
+      </p:cxnSp>
+      <p:sp>
+        <p:nvSpPr>
+          <p:cNvPr id="77" name="正方形/長方形 76"/>
+          <p:cNvSpPr/>
+          <p:nvPr/>
+        </p:nvSpPr>
+        <p:spPr>
+          <a:xfrm>
+            <a:off x="4216750" y="1809488"/>
+            <a:ext cx="909202" cy="465993"/>
+          </a:xfrm>
+          <a:prstGeom prst="rect">
+            <a:avLst/>
+          </a:prstGeom>
+        </p:spPr>
+        <p:style>
+          <a:lnRef idx="1">
+            <a:schemeClr val="accent1"/>
+          </a:lnRef>
+          <a:fillRef idx="3">
+            <a:schemeClr val="accent1"/>
+          </a:fillRef>
+          <a:effectRef idx="2">
+            <a:schemeClr val="accent1"/>
+          </a:effectRef>
+          <a:fontRef idx="minor">
+            <a:schemeClr val="lt1"/>
+          </a:fontRef>
+        </p:style>
+        <p:txBody>
+          <a:bodyPr rtlCol="0" anchor="ctr"/>
+          <a:lstStyle/>
+          <a:p>
+            <a:pPr algn="ctr"/>
+            <a:endParaRPr kumimoji="1" lang="ja-JP" altLang="en-US"/>
+          </a:p>
+        </p:txBody>
+      </p:sp>
+      <p:sp>
+        <p:nvSpPr>
+          <p:cNvPr id="78" name="山形 77"/>
+          <p:cNvSpPr/>
+          <p:nvPr/>
+        </p:nvSpPr>
+        <p:spPr>
+          <a:xfrm>
+            <a:off x="4990580" y="1809215"/>
+            <a:ext cx="303895" cy="465993"/>
+          </a:xfrm>
+          <a:prstGeom prst="chevron">
+            <a:avLst/>
+          </a:prstGeom>
+        </p:spPr>
+        <p:style>
+          <a:lnRef idx="1">
+            <a:schemeClr val="accent1"/>
+          </a:lnRef>
+          <a:fillRef idx="3">
+            <a:schemeClr val="accent1"/>
+          </a:fillRef>
+          <a:effectRef idx="2">
+            <a:schemeClr val="accent1"/>
+          </a:effectRef>
+          <a:fontRef idx="minor">
+            <a:schemeClr val="lt1"/>
+          </a:fontRef>
+        </p:style>
+        <p:txBody>
+          <a:bodyPr rtlCol="0" anchor="ctr"/>
+          <a:lstStyle/>
+          <a:p>
+            <a:pPr algn="ctr"/>
+            <a:endParaRPr kumimoji="1" lang="ja-JP" altLang="en-US">
+              <a:solidFill>
+                <a:schemeClr val="tx1"/>
+              </a:solidFill>
+            </a:endParaRPr>
+          </a:p>
+        </p:txBody>
+      </p:sp>
+      <p:sp>
+        <p:nvSpPr>
+          <p:cNvPr id="79" name="山形 78"/>
+          <p:cNvSpPr/>
+          <p:nvPr/>
+        </p:nvSpPr>
+        <p:spPr>
+          <a:xfrm>
+            <a:off x="4070979" y="1809488"/>
+            <a:ext cx="303895" cy="465993"/>
+          </a:xfrm>
+          <a:prstGeom prst="chevron">
+            <a:avLst/>
+          </a:prstGeom>
+        </p:spPr>
+        <p:style>
+          <a:lnRef idx="1">
+            <a:schemeClr val="accent1"/>
+          </a:lnRef>
+          <a:fillRef idx="3">
+            <a:schemeClr val="accent1"/>
+          </a:fillRef>
+          <a:effectRef idx="2">
+            <a:schemeClr val="accent1"/>
+          </a:effectRef>
+          <a:fontRef idx="minor">
+            <a:schemeClr val="lt1"/>
+          </a:fontRef>
+        </p:style>
+        <p:txBody>
+          <a:bodyPr rtlCol="0" anchor="ctr"/>
+          <a:lstStyle/>
+          <a:p>
+            <a:pPr algn="ctr"/>
+            <a:endParaRPr kumimoji="1" lang="ja-JP" altLang="en-US">
+              <a:solidFill>
+                <a:schemeClr val="tx1"/>
+              </a:solidFill>
+            </a:endParaRPr>
+          </a:p>
+        </p:txBody>
+      </p:sp>
+      <p:sp>
+        <p:nvSpPr>
+          <p:cNvPr id="80" name="正方形/長方形 79"/>
+          <p:cNvSpPr/>
+          <p:nvPr/>
+        </p:nvSpPr>
+        <p:spPr>
+          <a:xfrm>
+            <a:off x="2991614" y="2844350"/>
+            <a:ext cx="909202" cy="985147"/>
+          </a:xfrm>
+          <a:prstGeom prst="rect">
+            <a:avLst/>
+          </a:prstGeom>
+        </p:spPr>
+        <p:style>
+          <a:lnRef idx="1">
+            <a:schemeClr val="accent1"/>
+          </a:lnRef>
+          <a:fillRef idx="3">
+            <a:schemeClr val="accent1"/>
+          </a:fillRef>
+          <a:effectRef idx="2">
+            <a:schemeClr val="accent1"/>
+          </a:effectRef>
+          <a:fontRef idx="minor">
+            <a:schemeClr val="lt1"/>
+          </a:fontRef>
+        </p:style>
+        <p:txBody>
+          <a:bodyPr rtlCol="0" anchor="ctr"/>
+          <a:lstStyle/>
+          <a:p>
+            <a:pPr algn="ctr"/>
+            <a:endParaRPr kumimoji="1" lang="ja-JP" altLang="en-US"/>
+          </a:p>
+        </p:txBody>
+      </p:sp>
+      <p:cxnSp>
+        <p:nvCxnSpPr>
+          <p:cNvPr id="81" name="カギ線コネクタ 80"/>
+          <p:cNvCxnSpPr>
+            <a:stCxn id="78" idx="3"/>
+          </p:cNvCxnSpPr>
+          <p:nvPr/>
+        </p:nvCxnSpPr>
+        <p:spPr>
+          <a:xfrm flipH="1">
+            <a:off x="3002662" y="2042212"/>
+            <a:ext cx="2291813" cy="1035135"/>
+          </a:xfrm>
+          <a:prstGeom prst="bentConnector5">
+            <a:avLst>
+              <a:gd name="adj1" fmla="val -9975"/>
+              <a:gd name="adj2" fmla="val 50000"/>
+              <a:gd name="adj3" fmla="val 109975"/>
+            </a:avLst>
+          </a:prstGeom>
+          <a:ln>
+            <a:tailEnd type="triangle"/>
+          </a:ln>
+        </p:spPr>
+        <p:style>
+          <a:lnRef idx="2">
+            <a:schemeClr val="accent1"/>
+          </a:lnRef>
+          <a:fillRef idx="0">
+            <a:schemeClr val="accent1"/>
+          </a:fillRef>
+          <a:effectRef idx="1">
+            <a:schemeClr val="accent1"/>
+          </a:effectRef>
+          <a:fontRef idx="minor">
+            <a:schemeClr val="tx1"/>
+          </a:fontRef>
+        </p:style>
+      </p:cxnSp>
+      <p:sp>
+        <p:nvSpPr>
+          <p:cNvPr id="82" name="山形 81"/>
+          <p:cNvSpPr/>
+          <p:nvPr/>
+        </p:nvSpPr>
+        <p:spPr>
+          <a:xfrm>
+            <a:off x="3748309" y="3331860"/>
+            <a:ext cx="303895" cy="465993"/>
+          </a:xfrm>
+          <a:prstGeom prst="chevron">
+            <a:avLst/>
+          </a:prstGeom>
+        </p:spPr>
+        <p:style>
+          <a:lnRef idx="1">
+            <a:schemeClr val="accent1"/>
+          </a:lnRef>
+          <a:fillRef idx="3">
+            <a:schemeClr val="accent1"/>
+          </a:fillRef>
+          <a:effectRef idx="2">
+            <a:schemeClr val="accent1"/>
+          </a:effectRef>
+          <a:fontRef idx="minor">
+            <a:schemeClr val="lt1"/>
+          </a:fontRef>
+        </p:style>
+        <p:txBody>
+          <a:bodyPr rtlCol="0" anchor="ctr"/>
+          <a:lstStyle/>
+          <a:p>
+            <a:pPr algn="ctr"/>
+            <a:endParaRPr kumimoji="1" lang="ja-JP" altLang="en-US">
+              <a:solidFill>
+                <a:schemeClr val="tx1"/>
+              </a:solidFill>
+            </a:endParaRPr>
+          </a:p>
+        </p:txBody>
+      </p:sp>
+      <p:sp>
+        <p:nvSpPr>
+          <p:cNvPr id="83" name="山形 82"/>
+          <p:cNvSpPr/>
+          <p:nvPr/>
+        </p:nvSpPr>
+        <p:spPr>
+          <a:xfrm>
+            <a:off x="3748310" y="2858565"/>
+            <a:ext cx="303895" cy="465993"/>
+          </a:xfrm>
+          <a:prstGeom prst="chevron">
+            <a:avLst/>
+          </a:prstGeom>
+        </p:spPr>
+        <p:style>
+          <a:lnRef idx="1">
+            <a:schemeClr val="accent1"/>
+          </a:lnRef>
+          <a:fillRef idx="3">
+            <a:schemeClr val="accent1"/>
+          </a:fillRef>
+          <a:effectRef idx="2">
+            <a:schemeClr val="accent1"/>
+          </a:effectRef>
+          <a:fontRef idx="minor">
+            <a:schemeClr val="lt1"/>
+          </a:fontRef>
+        </p:style>
+        <p:txBody>
+          <a:bodyPr rtlCol="0" anchor="ctr"/>
+          <a:lstStyle/>
+          <a:p>
+            <a:pPr algn="ctr"/>
+            <a:endParaRPr kumimoji="1" lang="ja-JP" altLang="en-US">
+              <a:solidFill>
+                <a:schemeClr val="tx1"/>
+              </a:solidFill>
+            </a:endParaRPr>
+          </a:p>
+        </p:txBody>
+      </p:sp>
+      <p:sp>
+        <p:nvSpPr>
+          <p:cNvPr id="84" name="正方形/長方形 83"/>
+          <p:cNvSpPr/>
+          <p:nvPr/>
+        </p:nvSpPr>
+        <p:spPr>
+          <a:xfrm>
+            <a:off x="4649454" y="2844078"/>
+            <a:ext cx="909202" cy="465993"/>
+          </a:xfrm>
+          <a:prstGeom prst="rect">
+            <a:avLst/>
+          </a:prstGeom>
+        </p:spPr>
+        <p:style>
+          <a:lnRef idx="1">
+            <a:schemeClr val="accent1"/>
+          </a:lnRef>
+          <a:fillRef idx="3">
+            <a:schemeClr val="accent1"/>
+          </a:fillRef>
+          <a:effectRef idx="2">
+            <a:schemeClr val="accent1"/>
+          </a:effectRef>
+          <a:fontRef idx="minor">
+            <a:schemeClr val="lt1"/>
+          </a:fontRef>
+        </p:style>
+        <p:txBody>
+          <a:bodyPr rtlCol="0" anchor="ctr"/>
+          <a:lstStyle/>
+          <a:p>
+            <a:pPr algn="ctr"/>
+            <a:endParaRPr kumimoji="1" lang="ja-JP" altLang="en-US"/>
+          </a:p>
+        </p:txBody>
+      </p:sp>
+      <p:sp>
+        <p:nvSpPr>
+          <p:cNvPr id="85" name="山形 84"/>
+          <p:cNvSpPr/>
+          <p:nvPr/>
+        </p:nvSpPr>
+        <p:spPr>
+          <a:xfrm>
+            <a:off x="4503683" y="2844078"/>
+            <a:ext cx="303895" cy="465993"/>
+          </a:xfrm>
+          <a:prstGeom prst="chevron">
+            <a:avLst/>
+          </a:prstGeom>
+        </p:spPr>
+        <p:style>
+          <a:lnRef idx="1">
+            <a:schemeClr val="accent1"/>
+          </a:lnRef>
+          <a:fillRef idx="3">
+            <a:schemeClr val="accent1"/>
+          </a:fillRef>
+          <a:effectRef idx="2">
+            <a:schemeClr val="accent1"/>
+          </a:effectRef>
+          <a:fontRef idx="minor">
+            <a:schemeClr val="lt1"/>
+          </a:fontRef>
+        </p:style>
+        <p:txBody>
+          <a:bodyPr rtlCol="0" anchor="ctr"/>
+          <a:lstStyle/>
+          <a:p>
+            <a:pPr algn="ctr"/>
+            <a:endParaRPr kumimoji="1" lang="ja-JP" altLang="en-US">
+              <a:solidFill>
+                <a:schemeClr val="tx1"/>
+              </a:solidFill>
+            </a:endParaRPr>
+          </a:p>
+        </p:txBody>
+      </p:sp>
+      <p:cxnSp>
+        <p:nvCxnSpPr>
+          <p:cNvPr id="86" name="直線矢印コネクタ 85"/>
+          <p:cNvCxnSpPr>
+            <a:stCxn id="83" idx="3"/>
+            <a:endCxn id="85" idx="1"/>
+          </p:cNvCxnSpPr>
+          <p:nvPr/>
+        </p:nvCxnSpPr>
+        <p:spPr>
+          <a:xfrm flipV="1">
+            <a:off x="4052205" y="3077075"/>
+            <a:ext cx="603426" cy="14487"/>
+          </a:xfrm>
+          <a:prstGeom prst="straightConnector1">
+            <a:avLst/>
+          </a:prstGeom>
+          <a:ln>
+            <a:tailEnd type="triangle"/>
+          </a:ln>
+        </p:spPr>
+        <p:style>
+          <a:lnRef idx="2">
+            <a:schemeClr val="accent1"/>
+          </a:lnRef>
+          <a:fillRef idx="0">
+            <a:schemeClr val="accent1"/>
+          </a:fillRef>
+          <a:effectRef idx="1">
+            <a:schemeClr val="accent1"/>
+          </a:effectRef>
+          <a:fontRef idx="minor">
+            <a:schemeClr val="tx1"/>
+          </a:fontRef>
+        </p:style>
+      </p:cxnSp>
+      <p:sp>
+        <p:nvSpPr>
+          <p:cNvPr id="87" name="正方形/長方形 86"/>
+          <p:cNvSpPr/>
+          <p:nvPr/>
+        </p:nvSpPr>
+        <p:spPr>
+          <a:xfrm>
+            <a:off x="4696009" y="3907913"/>
+            <a:ext cx="909202" cy="987917"/>
+          </a:xfrm>
+          <a:prstGeom prst="rect">
+            <a:avLst/>
+          </a:prstGeom>
+        </p:spPr>
+        <p:style>
+          <a:lnRef idx="1">
+            <a:schemeClr val="accent1"/>
+          </a:lnRef>
+          <a:fillRef idx="3">
+            <a:schemeClr val="accent1"/>
+          </a:fillRef>
+          <a:effectRef idx="2">
+            <a:schemeClr val="accent1"/>
+          </a:effectRef>
+          <a:fontRef idx="minor">
+            <a:schemeClr val="lt1"/>
+          </a:fontRef>
+        </p:style>
+        <p:txBody>
+          <a:bodyPr rtlCol="0" anchor="ctr"/>
+          <a:lstStyle/>
+          <a:p>
+            <a:pPr algn="ctr"/>
+            <a:endParaRPr kumimoji="1" lang="ja-JP" altLang="en-US"/>
+          </a:p>
+        </p:txBody>
+      </p:sp>
+      <p:sp>
+        <p:nvSpPr>
+          <p:cNvPr id="88" name="山形 87"/>
+          <p:cNvSpPr/>
+          <p:nvPr/>
+        </p:nvSpPr>
+        <p:spPr>
+          <a:xfrm>
+            <a:off x="4550238" y="3907913"/>
+            <a:ext cx="303895" cy="465993"/>
+          </a:xfrm>
+          <a:prstGeom prst="chevron">
+            <a:avLst/>
+          </a:prstGeom>
+        </p:spPr>
+        <p:style>
+          <a:lnRef idx="1">
+            <a:schemeClr val="accent1"/>
+          </a:lnRef>
+          <a:fillRef idx="3">
+            <a:schemeClr val="accent1"/>
+          </a:fillRef>
+          <a:effectRef idx="2">
+            <a:schemeClr val="accent1"/>
+          </a:effectRef>
+          <a:fontRef idx="minor">
+            <a:schemeClr val="lt1"/>
+          </a:fontRef>
+        </p:style>
+        <p:txBody>
+          <a:bodyPr rtlCol="0" anchor="ctr"/>
+          <a:lstStyle/>
+          <a:p>
+            <a:pPr algn="ctr"/>
+            <a:endParaRPr kumimoji="1" lang="ja-JP" altLang="en-US">
+              <a:solidFill>
+                <a:schemeClr val="tx1"/>
+              </a:solidFill>
+            </a:endParaRPr>
+          </a:p>
+        </p:txBody>
+      </p:sp>
+      <p:sp>
+        <p:nvSpPr>
+          <p:cNvPr id="89" name="山形 88"/>
+          <p:cNvSpPr/>
+          <p:nvPr/>
+        </p:nvSpPr>
+        <p:spPr>
+          <a:xfrm>
+            <a:off x="5406708" y="2844077"/>
+            <a:ext cx="303895" cy="465993"/>
+          </a:xfrm>
+          <a:prstGeom prst="chevron">
+            <a:avLst/>
+          </a:prstGeom>
+        </p:spPr>
+        <p:style>
+          <a:lnRef idx="1">
+            <a:schemeClr val="accent1"/>
+          </a:lnRef>
+          <a:fillRef idx="3">
+            <a:schemeClr val="accent1"/>
+          </a:fillRef>
+          <a:effectRef idx="2">
+            <a:schemeClr val="accent1"/>
+          </a:effectRef>
+          <a:fontRef idx="minor">
+            <a:schemeClr val="lt1"/>
+          </a:fontRef>
+        </p:style>
+        <p:txBody>
+          <a:bodyPr rtlCol="0" anchor="ctr"/>
+          <a:lstStyle/>
+          <a:p>
+            <a:pPr algn="ctr"/>
+            <a:endParaRPr kumimoji="1" lang="ja-JP" altLang="en-US">
+              <a:solidFill>
+                <a:schemeClr val="tx1"/>
+              </a:solidFill>
+            </a:endParaRPr>
+          </a:p>
+        </p:txBody>
+      </p:sp>
+      <p:cxnSp>
+        <p:nvCxnSpPr>
+          <p:cNvPr id="90" name="カギ線コネクタ 89"/>
+          <p:cNvCxnSpPr>
+            <a:stCxn id="89" idx="3"/>
+            <a:endCxn id="88" idx="1"/>
+          </p:cNvCxnSpPr>
+          <p:nvPr/>
+        </p:nvCxnSpPr>
+        <p:spPr>
+          <a:xfrm flipH="1">
+            <a:off x="4702186" y="3077074"/>
+            <a:ext cx="1008417" cy="1063836"/>
+          </a:xfrm>
+          <a:prstGeom prst="bentConnector5">
+            <a:avLst>
+              <a:gd name="adj1" fmla="val -22669"/>
+              <a:gd name="adj2" fmla="val 50000"/>
+              <a:gd name="adj3" fmla="val 122669"/>
+            </a:avLst>
+          </a:prstGeom>
+          <a:ln>
+            <a:tailEnd type="triangle"/>
+          </a:ln>
+        </p:spPr>
+        <p:style>
+          <a:lnRef idx="2">
+            <a:schemeClr val="accent1"/>
+          </a:lnRef>
+          <a:fillRef idx="0">
+            <a:schemeClr val="accent1"/>
+          </a:fillRef>
+          <a:effectRef idx="1">
+            <a:schemeClr val="accent1"/>
+          </a:effectRef>
+          <a:fontRef idx="minor">
+            <a:schemeClr val="tx1"/>
+          </a:fontRef>
+        </p:style>
+      </p:cxnSp>
+      <p:sp>
+        <p:nvSpPr>
+          <p:cNvPr id="91" name="山形 90"/>
+          <p:cNvSpPr/>
+          <p:nvPr/>
+        </p:nvSpPr>
+        <p:spPr>
+          <a:xfrm>
+            <a:off x="4541306" y="4429837"/>
+            <a:ext cx="303895" cy="465993"/>
+          </a:xfrm>
+          <a:prstGeom prst="chevron">
+            <a:avLst/>
+          </a:prstGeom>
+        </p:spPr>
+        <p:style>
+          <a:lnRef idx="1">
+            <a:schemeClr val="accent1"/>
+          </a:lnRef>
+          <a:fillRef idx="3">
+            <a:schemeClr val="accent1"/>
+          </a:fillRef>
+          <a:effectRef idx="2">
+            <a:schemeClr val="accent1"/>
+          </a:effectRef>
+          <a:fontRef idx="minor">
+            <a:schemeClr val="lt1"/>
+          </a:fontRef>
+        </p:style>
+        <p:txBody>
+          <a:bodyPr rtlCol="0" anchor="ctr"/>
+          <a:lstStyle/>
+          <a:p>
+            <a:pPr algn="ctr"/>
+            <a:endParaRPr kumimoji="1" lang="ja-JP" altLang="en-US">
+              <a:solidFill>
+                <a:schemeClr val="tx1"/>
+              </a:solidFill>
+            </a:endParaRPr>
+          </a:p>
+        </p:txBody>
+      </p:sp>
+      <p:cxnSp>
+        <p:nvCxnSpPr>
+          <p:cNvPr id="92" name="カギ線コネクタ 91"/>
+          <p:cNvCxnSpPr>
+            <a:endCxn id="91" idx="1"/>
+          </p:cNvCxnSpPr>
+          <p:nvPr/>
+        </p:nvCxnSpPr>
+        <p:spPr>
+          <a:xfrm rot="16200000" flipH="1">
+            <a:off x="3829477" y="3799056"/>
+            <a:ext cx="1105279" cy="622275"/>
+          </a:xfrm>
+          <a:prstGeom prst="bentConnector2">
+            <a:avLst/>
+          </a:prstGeom>
+          <a:ln>
+            <a:tailEnd type="triangle"/>
+          </a:ln>
+        </p:spPr>
+        <p:style>
+          <a:lnRef idx="2">
+            <a:schemeClr val="accent1"/>
+          </a:lnRef>
+          <a:fillRef idx="0">
+            <a:schemeClr val="accent1"/>
+          </a:fillRef>
+          <a:effectRef idx="1">
+            <a:schemeClr val="accent1"/>
+          </a:effectRef>
+          <a:fontRef idx="minor">
+            <a:schemeClr val="tx1"/>
+          </a:fontRef>
+        </p:style>
+      </p:cxnSp>
     </p:spTree>
     <p:extLst>
       <p:ext uri="{BB962C8B-B14F-4D97-AF65-F5344CB8AC3E}">
@@ -9636,9 +10342,780 @@
   <p:timing>
     <p:tnLst>
       <p:par>
-        <p:cTn id="1" dur="indefinite" restart="never" nodeType="tmRoot"/>
+        <p:cTn id="1" dur="indefinite" restart="never" nodeType="tmRoot">
+          <p:childTnLst>
+            <p:seq concurrent="1" nextAc="seek">
+              <p:cTn id="2" dur="indefinite" nodeType="mainSeq">
+                <p:childTnLst>
+                  <p:par>
+                    <p:cTn id="3" fill="hold">
+                      <p:stCondLst>
+                        <p:cond delay="indefinite"/>
+                      </p:stCondLst>
+                      <p:childTnLst>
+                        <p:par>
+                          <p:cTn id="4" fill="hold">
+                            <p:stCondLst>
+                              <p:cond delay="0"/>
+                            </p:stCondLst>
+                            <p:childTnLst>
+                              <p:par>
+                                <p:cTn id="5" presetID="10" presetClass="entr" presetSubtype="0" fill="hold" grpId="0" nodeType="clickEffect">
+                                  <p:stCondLst>
+                                    <p:cond delay="0"/>
+                                  </p:stCondLst>
+                                  <p:childTnLst>
+                                    <p:set>
+                                      <p:cBhvr>
+                                        <p:cTn id="6" dur="1" fill="hold">
+                                          <p:stCondLst>
+                                            <p:cond delay="0"/>
+                                          </p:stCondLst>
+                                        </p:cTn>
+                                        <p:tgtEl>
+                                          <p:spTgt spid="49"/>
+                                        </p:tgtEl>
+                                        <p:attrNameLst>
+                                          <p:attrName>style.visibility</p:attrName>
+                                        </p:attrNameLst>
+                                      </p:cBhvr>
+                                      <p:to>
+                                        <p:strVal val="visible"/>
+                                      </p:to>
+                                    </p:set>
+                                    <p:animEffect transition="in" filter="fade">
+                                      <p:cBhvr>
+                                        <p:cTn id="7" dur="500"/>
+                                        <p:tgtEl>
+                                          <p:spTgt spid="49"/>
+                                        </p:tgtEl>
+                                      </p:cBhvr>
+                                    </p:animEffect>
+                                  </p:childTnLst>
+                                </p:cTn>
+                              </p:par>
+                            </p:childTnLst>
+                          </p:cTn>
+                        </p:par>
+                      </p:childTnLst>
+                    </p:cTn>
+                  </p:par>
+                  <p:par>
+                    <p:cTn id="8" fill="hold">
+                      <p:stCondLst>
+                        <p:cond delay="indefinite"/>
+                      </p:stCondLst>
+                      <p:childTnLst>
+                        <p:par>
+                          <p:cTn id="9" fill="hold">
+                            <p:stCondLst>
+                              <p:cond delay="0"/>
+                            </p:stCondLst>
+                            <p:childTnLst>
+                              <p:par>
+                                <p:cTn id="10" presetID="2" presetClass="entr" presetSubtype="4" fill="hold" grpId="0" nodeType="clickEffect">
+                                  <p:stCondLst>
+                                    <p:cond delay="0"/>
+                                  </p:stCondLst>
+                                  <p:childTnLst>
+                                    <p:set>
+                                      <p:cBhvr>
+                                        <p:cTn id="11" dur="1" fill="hold">
+                                          <p:stCondLst>
+                                            <p:cond delay="0"/>
+                                          </p:stCondLst>
+                                        </p:cTn>
+                                        <p:tgtEl>
+                                          <p:spTgt spid="48"/>
+                                        </p:tgtEl>
+                                        <p:attrNameLst>
+                                          <p:attrName>style.visibility</p:attrName>
+                                        </p:attrNameLst>
+                                      </p:cBhvr>
+                                      <p:to>
+                                        <p:strVal val="visible"/>
+                                      </p:to>
+                                    </p:set>
+                                    <p:anim calcmode="lin" valueType="num">
+                                      <p:cBhvr additive="base">
+                                        <p:cTn id="12" dur="500" fill="hold"/>
+                                        <p:tgtEl>
+                                          <p:spTgt spid="48"/>
+                                        </p:tgtEl>
+                                        <p:attrNameLst>
+                                          <p:attrName>ppt_x</p:attrName>
+                                        </p:attrNameLst>
+                                      </p:cBhvr>
+                                      <p:tavLst>
+                                        <p:tav tm="0">
+                                          <p:val>
+                                            <p:strVal val="#ppt_x"/>
+                                          </p:val>
+                                        </p:tav>
+                                        <p:tav tm="100000">
+                                          <p:val>
+                                            <p:strVal val="#ppt_x"/>
+                                          </p:val>
+                                        </p:tav>
+                                      </p:tavLst>
+                                    </p:anim>
+                                    <p:anim calcmode="lin" valueType="num">
+                                      <p:cBhvr additive="base">
+                                        <p:cTn id="13" dur="500" fill="hold"/>
+                                        <p:tgtEl>
+                                          <p:spTgt spid="48"/>
+                                        </p:tgtEl>
+                                        <p:attrNameLst>
+                                          <p:attrName>ppt_y</p:attrName>
+                                        </p:attrNameLst>
+                                      </p:cBhvr>
+                                      <p:tavLst>
+                                        <p:tav tm="0">
+                                          <p:val>
+                                            <p:strVal val="1+#ppt_h/2"/>
+                                          </p:val>
+                                        </p:tav>
+                                        <p:tav tm="100000">
+                                          <p:val>
+                                            <p:strVal val="#ppt_y"/>
+                                          </p:val>
+                                        </p:tav>
+                                      </p:tavLst>
+                                    </p:anim>
+                                  </p:childTnLst>
+                                </p:cTn>
+                              </p:par>
+                            </p:childTnLst>
+                          </p:cTn>
+                        </p:par>
+                      </p:childTnLst>
+                    </p:cTn>
+                  </p:par>
+                  <p:par>
+                    <p:cTn id="14" fill="hold">
+                      <p:stCondLst>
+                        <p:cond delay="indefinite"/>
+                      </p:stCondLst>
+                      <p:childTnLst>
+                        <p:par>
+                          <p:cTn id="15" fill="hold">
+                            <p:stCondLst>
+                              <p:cond delay="0"/>
+                            </p:stCondLst>
+                            <p:childTnLst>
+                              <p:par>
+                                <p:cTn id="16" presetID="1" presetClass="emph" presetSubtype="2" fill="hold" nodeType="clickEffect">
+                                  <p:stCondLst>
+                                    <p:cond delay="0"/>
+                                  </p:stCondLst>
+                                  <p:childTnLst>
+                                    <p:animClr clrSpc="rgb" dir="cw">
+                                      <p:cBhvr>
+                                        <p:cTn id="17" dur="500" fill="hold"/>
+                                        <p:tgtEl>
+                                          <p:spTgt spid="80"/>
+                                        </p:tgtEl>
+                                        <p:attrNameLst>
+                                          <p:attrName>fillcolor</p:attrName>
+                                        </p:attrNameLst>
+                                      </p:cBhvr>
+                                      <p:to>
+                                        <a:schemeClr val="accent2"/>
+                                      </p:to>
+                                    </p:animClr>
+                                    <p:set>
+                                      <p:cBhvr>
+                                        <p:cTn id="18" dur="500" fill="hold"/>
+                                        <p:tgtEl>
+                                          <p:spTgt spid="80"/>
+                                        </p:tgtEl>
+                                        <p:attrNameLst>
+                                          <p:attrName>fill.type</p:attrName>
+                                        </p:attrNameLst>
+                                      </p:cBhvr>
+                                      <p:to>
+                                        <p:strVal val="solid"/>
+                                      </p:to>
+                                    </p:set>
+                                    <p:set>
+                                      <p:cBhvr>
+                                        <p:cTn id="19" dur="500" fill="hold"/>
+                                        <p:tgtEl>
+                                          <p:spTgt spid="80"/>
+                                        </p:tgtEl>
+                                        <p:attrNameLst>
+                                          <p:attrName>fill.on</p:attrName>
+                                        </p:attrNameLst>
+                                      </p:cBhvr>
+                                      <p:to>
+                                        <p:strVal val="true"/>
+                                      </p:to>
+                                    </p:set>
+                                  </p:childTnLst>
+                                </p:cTn>
+                              </p:par>
+                              <p:par>
+                                <p:cTn id="20" presetID="1" presetClass="emph" presetSubtype="2" fill="hold" nodeType="withEffect">
+                                  <p:stCondLst>
+                                    <p:cond delay="0"/>
+                                  </p:stCondLst>
+                                  <p:childTnLst>
+                                    <p:animClr clrSpc="rgb" dir="cw">
+                                      <p:cBhvr>
+                                        <p:cTn id="21" dur="500" fill="hold"/>
+                                        <p:tgtEl>
+                                          <p:spTgt spid="83"/>
+                                        </p:tgtEl>
+                                        <p:attrNameLst>
+                                          <p:attrName>fillcolor</p:attrName>
+                                        </p:attrNameLst>
+                                      </p:cBhvr>
+                                      <p:to>
+                                        <a:schemeClr val="accent2"/>
+                                      </p:to>
+                                    </p:animClr>
+                                    <p:set>
+                                      <p:cBhvr>
+                                        <p:cTn id="22" dur="500" fill="hold"/>
+                                        <p:tgtEl>
+                                          <p:spTgt spid="83"/>
+                                        </p:tgtEl>
+                                        <p:attrNameLst>
+                                          <p:attrName>fill.type</p:attrName>
+                                        </p:attrNameLst>
+                                      </p:cBhvr>
+                                      <p:to>
+                                        <p:strVal val="solid"/>
+                                      </p:to>
+                                    </p:set>
+                                    <p:set>
+                                      <p:cBhvr>
+                                        <p:cTn id="23" dur="500" fill="hold"/>
+                                        <p:tgtEl>
+                                          <p:spTgt spid="83"/>
+                                        </p:tgtEl>
+                                        <p:attrNameLst>
+                                          <p:attrName>fill.on</p:attrName>
+                                        </p:attrNameLst>
+                                      </p:cBhvr>
+                                      <p:to>
+                                        <p:strVal val="true"/>
+                                      </p:to>
+                                    </p:set>
+                                  </p:childTnLst>
+                                </p:cTn>
+                              </p:par>
+                              <p:par>
+                                <p:cTn id="24" presetID="1" presetClass="emph" presetSubtype="2" fill="hold" nodeType="withEffect">
+                                  <p:stCondLst>
+                                    <p:cond delay="0"/>
+                                  </p:stCondLst>
+                                  <p:childTnLst>
+                                    <p:animClr clrSpc="rgb" dir="cw">
+                                      <p:cBhvr>
+                                        <p:cTn id="25" dur="500" fill="hold"/>
+                                        <p:tgtEl>
+                                          <p:spTgt spid="82"/>
+                                        </p:tgtEl>
+                                        <p:attrNameLst>
+                                          <p:attrName>fillcolor</p:attrName>
+                                        </p:attrNameLst>
+                                      </p:cBhvr>
+                                      <p:to>
+                                        <a:schemeClr val="accent2"/>
+                                      </p:to>
+                                    </p:animClr>
+                                    <p:set>
+                                      <p:cBhvr>
+                                        <p:cTn id="26" dur="500" fill="hold"/>
+                                        <p:tgtEl>
+                                          <p:spTgt spid="82"/>
+                                        </p:tgtEl>
+                                        <p:attrNameLst>
+                                          <p:attrName>fill.type</p:attrName>
+                                        </p:attrNameLst>
+                                      </p:cBhvr>
+                                      <p:to>
+                                        <p:strVal val="solid"/>
+                                      </p:to>
+                                    </p:set>
+                                    <p:set>
+                                      <p:cBhvr>
+                                        <p:cTn id="27" dur="500" fill="hold"/>
+                                        <p:tgtEl>
+                                          <p:spTgt spid="82"/>
+                                        </p:tgtEl>
+                                        <p:attrNameLst>
+                                          <p:attrName>fill.on</p:attrName>
+                                        </p:attrNameLst>
+                                      </p:cBhvr>
+                                      <p:to>
+                                        <p:strVal val="true"/>
+                                      </p:to>
+                                    </p:set>
+                                  </p:childTnLst>
+                                </p:cTn>
+                              </p:par>
+                            </p:childTnLst>
+                          </p:cTn>
+                        </p:par>
+                      </p:childTnLst>
+                    </p:cTn>
+                  </p:par>
+                  <p:par>
+                    <p:cTn id="28" fill="hold">
+                      <p:stCondLst>
+                        <p:cond delay="indefinite"/>
+                      </p:stCondLst>
+                      <p:childTnLst>
+                        <p:par>
+                          <p:cTn id="29" fill="hold">
+                            <p:stCondLst>
+                              <p:cond delay="0"/>
+                            </p:stCondLst>
+                            <p:childTnLst>
+                              <p:par>
+                                <p:cTn id="30" presetID="53" presetClass="entr" presetSubtype="16" fill="hold" nodeType="clickEffect">
+                                  <p:stCondLst>
+                                    <p:cond delay="0"/>
+                                  </p:stCondLst>
+                                  <p:childTnLst>
+                                    <p:set>
+                                      <p:cBhvr>
+                                        <p:cTn id="31" dur="1" fill="hold">
+                                          <p:stCondLst>
+                                            <p:cond delay="0"/>
+                                          </p:stCondLst>
+                                        </p:cTn>
+                                        <p:tgtEl>
+                                          <p:spTgt spid="6"/>
+                                        </p:tgtEl>
+                                        <p:attrNameLst>
+                                          <p:attrName>style.visibility</p:attrName>
+                                        </p:attrNameLst>
+                                      </p:cBhvr>
+                                      <p:to>
+                                        <p:strVal val="visible"/>
+                                      </p:to>
+                                    </p:set>
+                                    <p:anim calcmode="lin" valueType="num">
+                                      <p:cBhvr>
+                                        <p:cTn id="32" dur="500" fill="hold"/>
+                                        <p:tgtEl>
+                                          <p:spTgt spid="6"/>
+                                        </p:tgtEl>
+                                        <p:attrNameLst>
+                                          <p:attrName>ppt_w</p:attrName>
+                                        </p:attrNameLst>
+                                      </p:cBhvr>
+                                      <p:tavLst>
+                                        <p:tav tm="0">
+                                          <p:val>
+                                            <p:fltVal val="0"/>
+                                          </p:val>
+                                        </p:tav>
+                                        <p:tav tm="100000">
+                                          <p:val>
+                                            <p:strVal val="#ppt_w"/>
+                                          </p:val>
+                                        </p:tav>
+                                      </p:tavLst>
+                                    </p:anim>
+                                    <p:anim calcmode="lin" valueType="num">
+                                      <p:cBhvr>
+                                        <p:cTn id="33" dur="500" fill="hold"/>
+                                        <p:tgtEl>
+                                          <p:spTgt spid="6"/>
+                                        </p:tgtEl>
+                                        <p:attrNameLst>
+                                          <p:attrName>ppt_h</p:attrName>
+                                        </p:attrNameLst>
+                                      </p:cBhvr>
+                                      <p:tavLst>
+                                        <p:tav tm="0">
+                                          <p:val>
+                                            <p:fltVal val="0"/>
+                                          </p:val>
+                                        </p:tav>
+                                        <p:tav tm="100000">
+                                          <p:val>
+                                            <p:strVal val="#ppt_h"/>
+                                          </p:val>
+                                        </p:tav>
+                                      </p:tavLst>
+                                    </p:anim>
+                                    <p:animEffect transition="in" filter="fade">
+                                      <p:cBhvr>
+                                        <p:cTn id="34" dur="500"/>
+                                        <p:tgtEl>
+                                          <p:spTgt spid="6"/>
+                                        </p:tgtEl>
+                                      </p:cBhvr>
+                                    </p:animEffect>
+                                  </p:childTnLst>
+                                </p:cTn>
+                              </p:par>
+                            </p:childTnLst>
+                          </p:cTn>
+                        </p:par>
+                      </p:childTnLst>
+                    </p:cTn>
+                  </p:par>
+                  <p:par>
+                    <p:cTn id="35" fill="hold">
+                      <p:stCondLst>
+                        <p:cond delay="indefinite"/>
+                      </p:stCondLst>
+                      <p:childTnLst>
+                        <p:par>
+                          <p:cTn id="36" fill="hold">
+                            <p:stCondLst>
+                              <p:cond delay="0"/>
+                            </p:stCondLst>
+                            <p:childTnLst>
+                              <p:par>
+                                <p:cTn id="37" presetID="2" presetClass="entr" presetSubtype="2" fill="hold" grpId="0" nodeType="clickEffect">
+                                  <p:stCondLst>
+                                    <p:cond delay="0"/>
+                                  </p:stCondLst>
+                                  <p:childTnLst>
+                                    <p:set>
+                                      <p:cBhvr>
+                                        <p:cTn id="38" dur="1" fill="hold">
+                                          <p:stCondLst>
+                                            <p:cond delay="0"/>
+                                          </p:stCondLst>
+                                        </p:cTn>
+                                        <p:tgtEl>
+                                          <p:spTgt spid="52"/>
+                                        </p:tgtEl>
+                                        <p:attrNameLst>
+                                          <p:attrName>style.visibility</p:attrName>
+                                        </p:attrNameLst>
+                                      </p:cBhvr>
+                                      <p:to>
+                                        <p:strVal val="visible"/>
+                                      </p:to>
+                                    </p:set>
+                                    <p:anim calcmode="lin" valueType="num">
+                                      <p:cBhvr additive="base">
+                                        <p:cTn id="39" dur="500" fill="hold"/>
+                                        <p:tgtEl>
+                                          <p:spTgt spid="52"/>
+                                        </p:tgtEl>
+                                        <p:attrNameLst>
+                                          <p:attrName>ppt_x</p:attrName>
+                                        </p:attrNameLst>
+                                      </p:cBhvr>
+                                      <p:tavLst>
+                                        <p:tav tm="0">
+                                          <p:val>
+                                            <p:strVal val="1+#ppt_w/2"/>
+                                          </p:val>
+                                        </p:tav>
+                                        <p:tav tm="100000">
+                                          <p:val>
+                                            <p:strVal val="#ppt_x"/>
+                                          </p:val>
+                                        </p:tav>
+                                      </p:tavLst>
+                                    </p:anim>
+                                    <p:anim calcmode="lin" valueType="num">
+                                      <p:cBhvr additive="base">
+                                        <p:cTn id="40" dur="500" fill="hold"/>
+                                        <p:tgtEl>
+                                          <p:spTgt spid="52"/>
+                                        </p:tgtEl>
+                                        <p:attrNameLst>
+                                          <p:attrName>ppt_y</p:attrName>
+                                        </p:attrNameLst>
+                                      </p:cBhvr>
+                                      <p:tavLst>
+                                        <p:tav tm="0">
+                                          <p:val>
+                                            <p:strVal val="#ppt_y"/>
+                                          </p:val>
+                                        </p:tav>
+                                        <p:tav tm="100000">
+                                          <p:val>
+                                            <p:strVal val="#ppt_y"/>
+                                          </p:val>
+                                        </p:tav>
+                                      </p:tavLst>
+                                    </p:anim>
+                                  </p:childTnLst>
+                                </p:cTn>
+                              </p:par>
+                            </p:childTnLst>
+                          </p:cTn>
+                        </p:par>
+                      </p:childTnLst>
+                    </p:cTn>
+                  </p:par>
+                  <p:par>
+                    <p:cTn id="41" fill="hold">
+                      <p:stCondLst>
+                        <p:cond delay="indefinite"/>
+                      </p:stCondLst>
+                      <p:childTnLst>
+                        <p:par>
+                          <p:cTn id="42" fill="hold">
+                            <p:stCondLst>
+                              <p:cond delay="0"/>
+                            </p:stCondLst>
+                            <p:childTnLst>
+                              <p:par>
+                                <p:cTn id="43" presetID="14" presetClass="entr" presetSubtype="10" fill="hold" grpId="0" nodeType="clickEffect">
+                                  <p:stCondLst>
+                                    <p:cond delay="0"/>
+                                  </p:stCondLst>
+                                  <p:childTnLst>
+                                    <p:set>
+                                      <p:cBhvr>
+                                        <p:cTn id="44" dur="1" fill="hold">
+                                          <p:stCondLst>
+                                            <p:cond delay="0"/>
+                                          </p:stCondLst>
+                                        </p:cTn>
+                                        <p:tgtEl>
+                                          <p:spTgt spid="53"/>
+                                        </p:tgtEl>
+                                        <p:attrNameLst>
+                                          <p:attrName>style.visibility</p:attrName>
+                                        </p:attrNameLst>
+                                      </p:cBhvr>
+                                      <p:to>
+                                        <p:strVal val="visible"/>
+                                      </p:to>
+                                    </p:set>
+                                    <p:animEffect transition="in" filter="randombar(horizontal)">
+                                      <p:cBhvr>
+                                        <p:cTn id="45" dur="500"/>
+                                        <p:tgtEl>
+                                          <p:spTgt spid="53"/>
+                                        </p:tgtEl>
+                                      </p:cBhvr>
+                                    </p:animEffect>
+                                  </p:childTnLst>
+                                </p:cTn>
+                              </p:par>
+                            </p:childTnLst>
+                          </p:cTn>
+                        </p:par>
+                      </p:childTnLst>
+                    </p:cTn>
+                  </p:par>
+                  <p:par>
+                    <p:cTn id="46" fill="hold">
+                      <p:stCondLst>
+                        <p:cond delay="indefinite"/>
+                      </p:stCondLst>
+                      <p:childTnLst>
+                        <p:par>
+                          <p:cTn id="47" fill="hold">
+                            <p:stCondLst>
+                              <p:cond delay="0"/>
+                            </p:stCondLst>
+                            <p:childTnLst>
+                              <p:par>
+                                <p:cTn id="48" presetID="2" presetClass="entr" presetSubtype="4" fill="hold" grpId="0" nodeType="clickEffect">
+                                  <p:stCondLst>
+                                    <p:cond delay="0"/>
+                                  </p:stCondLst>
+                                  <p:childTnLst>
+                                    <p:set>
+                                      <p:cBhvr>
+                                        <p:cTn id="49" dur="1" fill="hold">
+                                          <p:stCondLst>
+                                            <p:cond delay="0"/>
+                                          </p:stCondLst>
+                                        </p:cTn>
+                                        <p:tgtEl>
+                                          <p:spTgt spid="3"/>
+                                        </p:tgtEl>
+                                        <p:attrNameLst>
+                                          <p:attrName>style.visibility</p:attrName>
+                                        </p:attrNameLst>
+                                      </p:cBhvr>
+                                      <p:to>
+                                        <p:strVal val="visible"/>
+                                      </p:to>
+                                    </p:set>
+                                    <p:anim calcmode="lin" valueType="num">
+                                      <p:cBhvr additive="base">
+                                        <p:cTn id="50" dur="500" fill="hold"/>
+                                        <p:tgtEl>
+                                          <p:spTgt spid="3"/>
+                                        </p:tgtEl>
+                                        <p:attrNameLst>
+                                          <p:attrName>ppt_x</p:attrName>
+                                        </p:attrNameLst>
+                                      </p:cBhvr>
+                                      <p:tavLst>
+                                        <p:tav tm="0">
+                                          <p:val>
+                                            <p:strVal val="#ppt_x"/>
+                                          </p:val>
+                                        </p:tav>
+                                        <p:tav tm="100000">
+                                          <p:val>
+                                            <p:strVal val="#ppt_x"/>
+                                          </p:val>
+                                        </p:tav>
+                                      </p:tavLst>
+                                    </p:anim>
+                                    <p:anim calcmode="lin" valueType="num">
+                                      <p:cBhvr additive="base">
+                                        <p:cTn id="51" dur="500" fill="hold"/>
+                                        <p:tgtEl>
+                                          <p:spTgt spid="3"/>
+                                        </p:tgtEl>
+                                        <p:attrNameLst>
+                                          <p:attrName>ppt_y</p:attrName>
+                                        </p:attrNameLst>
+                                      </p:cBhvr>
+                                      <p:tavLst>
+                                        <p:tav tm="0">
+                                          <p:val>
+                                            <p:strVal val="1+#ppt_h/2"/>
+                                          </p:val>
+                                        </p:tav>
+                                        <p:tav tm="100000">
+                                          <p:val>
+                                            <p:strVal val="#ppt_y"/>
+                                          </p:val>
+                                        </p:tav>
+                                      </p:tavLst>
+                                    </p:anim>
+                                  </p:childTnLst>
+                                </p:cTn>
+                              </p:par>
+                            </p:childTnLst>
+                          </p:cTn>
+                        </p:par>
+                      </p:childTnLst>
+                    </p:cTn>
+                  </p:par>
+                  <p:par>
+                    <p:cTn id="52" fill="hold">
+                      <p:stCondLst>
+                        <p:cond delay="indefinite"/>
+                      </p:stCondLst>
+                      <p:childTnLst>
+                        <p:par>
+                          <p:cTn id="53" fill="hold">
+                            <p:stCondLst>
+                              <p:cond delay="0"/>
+                            </p:stCondLst>
+                            <p:childTnLst>
+                              <p:par>
+                                <p:cTn id="54" presetID="1" presetClass="entr" presetSubtype="0" fill="hold" grpId="0" nodeType="clickEffect">
+                                  <p:stCondLst>
+                                    <p:cond delay="0"/>
+                                  </p:stCondLst>
+                                  <p:childTnLst>
+                                    <p:set>
+                                      <p:cBhvr>
+                                        <p:cTn id="55" dur="1" fill="hold">
+                                          <p:stCondLst>
+                                            <p:cond delay="0"/>
+                                          </p:stCondLst>
+                                        </p:cTn>
+                                        <p:tgtEl>
+                                          <p:spTgt spid="7"/>
+                                        </p:tgtEl>
+                                        <p:attrNameLst>
+                                          <p:attrName>style.visibility</p:attrName>
+                                        </p:attrNameLst>
+                                      </p:cBhvr>
+                                      <p:to>
+                                        <p:strVal val="visible"/>
+                                      </p:to>
+                                    </p:set>
+                                  </p:childTnLst>
+                                </p:cTn>
+                              </p:par>
+                            </p:childTnLst>
+                          </p:cTn>
+                        </p:par>
+                      </p:childTnLst>
+                    </p:cTn>
+                  </p:par>
+                  <p:par>
+                    <p:cTn id="56" fill="hold">
+                      <p:stCondLst>
+                        <p:cond delay="indefinite"/>
+                      </p:stCondLst>
+                      <p:childTnLst>
+                        <p:par>
+                          <p:cTn id="57" fill="hold">
+                            <p:stCondLst>
+                              <p:cond delay="0"/>
+                            </p:stCondLst>
+                            <p:childTnLst>
+                              <p:par>
+                                <p:cTn id="58" presetID="1" presetClass="entr" presetSubtype="0" fill="hold" grpId="0" nodeType="clickEffect">
+                                  <p:stCondLst>
+                                    <p:cond delay="0"/>
+                                  </p:stCondLst>
+                                  <p:childTnLst>
+                                    <p:set>
+                                      <p:cBhvr>
+                                        <p:cTn id="59" dur="1" fill="hold">
+                                          <p:stCondLst>
+                                            <p:cond delay="0"/>
+                                          </p:stCondLst>
+                                        </p:cTn>
+                                        <p:tgtEl>
+                                          <p:spTgt spid="56"/>
+                                        </p:tgtEl>
+                                        <p:attrNameLst>
+                                          <p:attrName>style.visibility</p:attrName>
+                                        </p:attrNameLst>
+                                      </p:cBhvr>
+                                      <p:to>
+                                        <p:strVal val="visible"/>
+                                      </p:to>
+                                    </p:set>
+                                  </p:childTnLst>
+                                </p:cTn>
+                              </p:par>
+                            </p:childTnLst>
+                          </p:cTn>
+                        </p:par>
+                      </p:childTnLst>
+                    </p:cTn>
+                  </p:par>
+                </p:childTnLst>
+              </p:cTn>
+              <p:prevCondLst>
+                <p:cond evt="onPrev" delay="0">
+                  <p:tgtEl>
+                    <p:sldTgt/>
+                  </p:tgtEl>
+                </p:cond>
+              </p:prevCondLst>
+              <p:nextCondLst>
+                <p:cond evt="onNext" delay="0">
+                  <p:tgtEl>
+                    <p:sldTgt/>
+                  </p:tgtEl>
+                </p:cond>
+              </p:nextCondLst>
+            </p:seq>
+          </p:childTnLst>
+        </p:cTn>
       </p:par>
     </p:tnLst>
+    <p:bldLst>
+      <p:bldP spid="48" grpId="0" animBg="1"/>
+      <p:bldP spid="49" grpId="0"/>
+      <p:bldP spid="52" grpId="0"/>
+      <p:bldP spid="53" grpId="0" animBg="1"/>
+      <p:bldP spid="56" grpId="0" animBg="1"/>
+      <p:bldP spid="3" grpId="0"/>
+      <p:bldP spid="7" grpId="0"/>
+    </p:bldLst>
   </p:timing>
 </p:sld>
 </file>
@@ -9741,7 +11218,6 @@
               <a:rPr kumimoji="1" lang="en-US" altLang="ja-JP" dirty="0" smtClean="0"/>
               <a:t>Simulink</a:t>
             </a:r>
-            <a:endParaRPr kumimoji="1" lang="en-US" altLang="ja-JP" dirty="0" smtClean="0"/>
           </a:p>
           <a:p>
             <a:pPr lvl="1"/>
@@ -10005,11 +11481,7 @@
             <a:pPr lvl="2"/>
             <a:r>
               <a:rPr lang="ja-JP" altLang="en-US" dirty="0" smtClean="0"/>
-              <a:t>自作</a:t>
-            </a:r>
-            <a:r>
-              <a:rPr lang="ja-JP" altLang="en-US" dirty="0" smtClean="0"/>
-              <a:t>もできるが手順が煩雑</a:t>
+              <a:t>自作もできるが手順が煩雑</a:t>
             </a:r>
             <a:endParaRPr lang="en-US" altLang="ja-JP" dirty="0" smtClean="0"/>
           </a:p>
@@ -11318,42 +12790,50 @@
             </a:r>
             <a:r>
               <a:rPr lang="ja-JP" altLang="en-US" dirty="0" smtClean="0"/>
-              <a:t>ブラウザがインストールされているため、利用者の幅が広がりやすい</a:t>
+              <a:t>ブラウザがインストールされているため</a:t>
+            </a:r>
+            <a:r>
+              <a:rPr lang="ja-JP" altLang="en-US" dirty="0" smtClean="0"/>
+              <a:t>、新規インストールの手間が</a:t>
+            </a:r>
+            <a:r>
+              <a:rPr lang="ja-JP" altLang="en-US" dirty="0"/>
+              <a:t>不必要</a:t>
             </a:r>
             <a:endParaRPr lang="en-US" altLang="ja-JP" dirty="0" smtClean="0"/>
           </a:p>
           <a:p>
             <a:r>
+              <a:rPr lang="en-US" altLang="ja-JP" dirty="0" err="1" smtClean="0"/>
+              <a:t>Matlab</a:t>
+            </a:r>
+            <a:r>
               <a:rPr lang="ja-JP" altLang="en-US" dirty="0" smtClean="0"/>
-              <a:t>数式の</a:t>
-            </a:r>
-            <a:r>
-              <a:rPr lang="en-US" altLang="ja-JP" dirty="0" err="1" smtClean="0"/>
-              <a:t>MathML</a:t>
-            </a:r>
-            <a:r>
-              <a:rPr lang="ja-JP" altLang="en-US" dirty="0"/>
-              <a:t>変換</a:t>
+              <a:t>コードの字句解析、構文解析</a:t>
             </a:r>
             <a:endParaRPr lang="en-US" altLang="ja-JP" dirty="0" smtClean="0"/>
           </a:p>
           <a:p>
             <a:pPr lvl="1"/>
             <a:r>
+              <a:rPr lang="ja-JP" altLang="en-US" dirty="0" smtClean="0"/>
+              <a:t>コードパース後、</a:t>
+            </a:r>
+            <a:r>
               <a:rPr lang="en-US" altLang="ja-JP" dirty="0" smtClean="0"/>
-              <a:t>HTML</a:t>
+              <a:t>DOM(Document </a:t>
+            </a:r>
+            <a:r>
+              <a:rPr lang="en-US" altLang="ja-JP" dirty="0" smtClean="0"/>
+              <a:t>Object Model) API</a:t>
+            </a:r>
+            <a:r>
+              <a:rPr lang="ja-JP" altLang="en-US" dirty="0" err="1" smtClean="0"/>
+              <a:t>での</a:t>
             </a:r>
             <a:r>
               <a:rPr lang="ja-JP" altLang="en-US" dirty="0" smtClean="0"/>
-              <a:t>の様な書式のため</a:t>
-            </a:r>
-            <a:r>
-              <a:rPr lang="en-US" altLang="ja-JP" dirty="0" smtClean="0"/>
-              <a:t>DOM(Document Object Model) API</a:t>
-            </a:r>
-            <a:r>
-              <a:rPr lang="ja-JP" altLang="en-US" dirty="0" smtClean="0"/>
-              <a:t>で解析</a:t>
+              <a:t>解析</a:t>
             </a:r>
             <a:r>
               <a:rPr lang="ja-JP" altLang="en-US" dirty="0"/>
@@ -11369,7 +12849,11 @@
             <a:pPr lvl="1"/>
             <a:r>
               <a:rPr lang="ja-JP" altLang="en-US" dirty="0" smtClean="0"/>
-              <a:t>解析には</a:t>
+              <a:t>構文解析</a:t>
+            </a:r>
+            <a:r>
+              <a:rPr lang="ja-JP" altLang="en-US" dirty="0" smtClean="0"/>
+              <a:t>には</a:t>
             </a:r>
             <a:r>
               <a:rPr lang="en-US" altLang="ja-JP" dirty="0" smtClean="0"/>
@@ -11940,7 +13424,7 @@
         <p:spPr/>
         <p:txBody>
           <a:bodyPr>
-            <a:normAutofit fontScale="92500" lnSpcReduction="10000"/>
+            <a:normAutofit fontScale="77500" lnSpcReduction="20000"/>
           </a:bodyPr>
           <a:lstStyle/>
           <a:p>
@@ -11995,12 +13479,48 @@
             </a:pPr>
             <a:r>
               <a:rPr lang="ja-JP" altLang="en-US" dirty="0" smtClean="0"/>
-              <a:t>関数評価方法の検討</a:t>
+              <a:t>追加検討項目</a:t>
             </a:r>
             <a:endParaRPr lang="en-US" altLang="ja-JP" dirty="0" smtClean="0"/>
           </a:p>
           <a:p>
             <a:pPr lvl="1">
+              <a:spcAft>
+                <a:spcPts val="600"/>
+              </a:spcAft>
+            </a:pPr>
+            <a:r>
+              <a:rPr lang="en-US" altLang="ja-JP" dirty="0" err="1"/>
+              <a:t>O</a:t>
+            </a:r>
+            <a:r>
+              <a:rPr lang="en-US" altLang="ja-JP" dirty="0" err="1" smtClean="0"/>
+              <a:t>penRTM</a:t>
+            </a:r>
+            <a:r>
+              <a:rPr lang="ja-JP" altLang="en-US" dirty="0" smtClean="0"/>
+              <a:t>コンポーネント化</a:t>
+            </a:r>
+            <a:endParaRPr lang="en-US" altLang="ja-JP" dirty="0" smtClean="0"/>
+          </a:p>
+          <a:p>
+            <a:pPr lvl="1">
+              <a:spcAft>
+                <a:spcPts val="600"/>
+              </a:spcAft>
+            </a:pPr>
+            <a:r>
+              <a:rPr lang="ja-JP" altLang="en-US" dirty="0" smtClean="0"/>
+              <a:t>関数</a:t>
+            </a:r>
+            <a:r>
+              <a:rPr lang="ja-JP" altLang="en-US" dirty="0" smtClean="0"/>
+              <a:t>評価方法の検討</a:t>
+            </a:r>
+            <a:endParaRPr lang="en-US" altLang="ja-JP" dirty="0" smtClean="0"/>
+          </a:p>
+          <a:p>
+            <a:pPr lvl="2">
               <a:spcAft>
                 <a:spcPts val="600"/>
               </a:spcAft>
@@ -15727,11 +17247,7 @@
           <a:p>
             <a:r>
               <a:rPr kumimoji="1" lang="ja-JP" altLang="en-US" sz="3600" dirty="0" smtClean="0"/>
-              <a:t>視覚数理モデル</a:t>
-            </a:r>
-            <a:r>
-              <a:rPr kumimoji="1" lang="ja-JP" altLang="en-US" sz="3600" dirty="0" smtClean="0"/>
-              <a:t>研究とは</a:t>
+              <a:t>視覚数理モデル研究とは</a:t>
             </a:r>
             <a:endParaRPr kumimoji="1" lang="ja-JP" altLang="en-US" sz="3600" dirty="0"/>
           </a:p>
@@ -15885,11 +17401,7 @@
             </a:pPr>
             <a:r>
               <a:rPr lang="ja-JP" altLang="en-US" dirty="0" smtClean="0"/>
-              <a:t>シミュレーション結果と実験結果の整合性</a:t>
-            </a:r>
-            <a:r>
-              <a:rPr lang="ja-JP" altLang="en-US" dirty="0" smtClean="0"/>
-              <a:t>確認</a:t>
+              <a:t>シミュレーション結果と実験結果の整合性確認</a:t>
             </a:r>
             <a:endParaRPr lang="en-US" altLang="ja-JP" dirty="0" smtClean="0"/>
           </a:p>
@@ -15909,15 +17421,7 @@
                   <a:srgbClr val="FF0000"/>
                 </a:solidFill>
               </a:rPr>
-              <a:t>１</a:t>
-            </a:r>
-            <a:r>
-              <a:rPr lang="ja-JP" altLang="en-US" dirty="0" smtClean="0">
-                <a:solidFill>
-                  <a:srgbClr val="FF0000"/>
-                </a:solidFill>
-              </a:rPr>
-              <a:t>～３の繰り返し</a:t>
+              <a:t>１～３の繰り返し</a:t>
             </a:r>
             <a:endParaRPr lang="en-US" altLang="ja-JP" dirty="0" smtClean="0">
               <a:solidFill>
@@ -19914,14 +21418,14 @@
                     </a:ln>
                     <a:extLst>
                       <a:ext uri="{909E8E84-426E-40dd-AFC4-6F175D3DCCD1}">
-                        <a14:hiddenFill xmlns="" xmlns:a14="http://schemas.microsoft.com/office/drawing/2010/main">
+                        <a14:hiddenFill xmlns:a14="http://schemas.microsoft.com/office/drawing/2010/main" xmlns="">
                           <a:solidFill>
                             <a:srgbClr val="FFFFFF"/>
                           </a:solidFill>
                         </a14:hiddenFill>
                       </a:ext>
                       <a:ext uri="{91240B29-F687-4f45-9708-019B960494DF}">
-                        <a14:hiddenLine xmlns="" xmlns:a14="http://schemas.microsoft.com/office/drawing/2010/main" w="9525">
+                        <a14:hiddenLine xmlns:a14="http://schemas.microsoft.com/office/drawing/2010/main" xmlns="" w="9525">
                           <a:solidFill>
                             <a:srgbClr val="000000"/>
                           </a:solidFill>
@@ -20329,14 +21833,14 @@
                   </a:ln>
                   <a:extLst>
                     <a:ext uri="{909E8E84-426E-40dd-AFC4-6F175D3DCCD1}">
-                      <a14:hiddenFill xmlns="" xmlns:a14="http://schemas.microsoft.com/office/drawing/2010/main">
+                      <a14:hiddenFill xmlns:a14="http://schemas.microsoft.com/office/drawing/2010/main" xmlns="">
                         <a:solidFill>
                           <a:srgbClr val="FFFFFF"/>
                         </a:solidFill>
                       </a14:hiddenFill>
                     </a:ext>
                     <a:ext uri="{91240B29-F687-4f45-9708-019B960494DF}">
-                      <a14:hiddenLine xmlns="" xmlns:a14="http://schemas.microsoft.com/office/drawing/2010/main" w="9525">
+                      <a14:hiddenLine xmlns:a14="http://schemas.microsoft.com/office/drawing/2010/main" xmlns="" w="9525">
                         <a:solidFill>
                           <a:srgbClr val="000000"/>
                         </a:solidFill>

--- a/doc/中間発表資料.pptx
+++ b/doc/中間発表資料.pptx
@@ -5,7 +5,7 @@
     <p:sldMasterId id="2147483648" r:id="rId1"/>
   </p:sldMasterIdLst>
   <p:notesMasterIdLst>
-    <p:notesMasterId r:id="rId22"/>
+    <p:notesMasterId r:id="rId24"/>
   </p:notesMasterIdLst>
   <p:sldIdLst>
     <p:sldId id="256" r:id="rId2"/>
@@ -24,10 +24,12 @@
     <p:sldId id="269" r:id="rId15"/>
     <p:sldId id="270" r:id="rId16"/>
     <p:sldId id="271" r:id="rId17"/>
-    <p:sldId id="272" r:id="rId18"/>
-    <p:sldId id="260" r:id="rId19"/>
-    <p:sldId id="261" r:id="rId20"/>
-    <p:sldId id="282" r:id="rId21"/>
+    <p:sldId id="261" r:id="rId18"/>
+    <p:sldId id="286" r:id="rId19"/>
+    <p:sldId id="287" r:id="rId20"/>
+    <p:sldId id="272" r:id="rId21"/>
+    <p:sldId id="260" r:id="rId22"/>
+    <p:sldId id="282" r:id="rId23"/>
   </p:sldIdLst>
   <p:sldSz cx="9144000" cy="6858000" type="screen4x3"/>
   <p:notesSz cx="6858000" cy="9144000"/>
@@ -227,7 +229,7 @@
           <a:p>
             <a:fld id="{07C89E97-5434-9C4E-B6E5-C9F9FBA5FCE1}" type="datetimeFigureOut">
               <a:rPr kumimoji="1" lang="ja-JP" altLang="en-US" smtClean="0"/>
-              <a:t>2015/3/22</a:t>
+              <a:t>2015/4/1</a:t>
             </a:fld>
             <a:endParaRPr kumimoji="1" lang="ja-JP" altLang="en-US"/>
           </a:p>
@@ -573,40 +575,55 @@
           <a:p>
             <a:r>
               <a:rPr kumimoji="1" lang="ja-JP" altLang="en-US" dirty="0" smtClean="0"/>
-              <a:t>研究活動のライフサイクル</a:t>
+              <a:t>本学への入学前は都内の会社（</a:t>
+            </a:r>
+            <a:r>
+              <a:rPr kumimoji="1" lang="en-US" altLang="ja-JP" dirty="0" smtClean="0"/>
+              <a:t>JST</a:t>
+            </a:r>
+            <a:r>
+              <a:rPr kumimoji="1" lang="ja-JP" altLang="en-US" dirty="0" smtClean="0"/>
+              <a:t>）に勤めていたので、通学時間は</a:t>
+            </a:r>
+            <a:r>
+              <a:rPr kumimoji="1" lang="en-US" altLang="ja-JP" dirty="0" smtClean="0"/>
+              <a:t>30</a:t>
+            </a:r>
+            <a:r>
+              <a:rPr kumimoji="1" lang="ja-JP" altLang="en-US" dirty="0" smtClean="0"/>
+              <a:t>分程度でしたが、任期制職員のため</a:t>
             </a:r>
             <a:endParaRPr kumimoji="1" lang="en-US" altLang="ja-JP" dirty="0" smtClean="0"/>
           </a:p>
           <a:p>
             <a:r>
               <a:rPr kumimoji="1" lang="ja-JP" altLang="en-US" dirty="0" smtClean="0"/>
-              <a:t>論文を読む、ソースコードを解析する（頭の中で考えたり、絵を書いてみたり、フローチャートを書いてみたりする）、書き換える関数を見つける、新しく関数を作る、シミュレーションしてみる</a:t>
+              <a:t>転職活動を行い現在は横須賀の海洋研究開発機構にて技術スタッフとして勤めております。</a:t>
             </a:r>
             <a:endParaRPr kumimoji="1" lang="en-US" altLang="ja-JP" dirty="0" smtClean="0"/>
           </a:p>
           <a:p>
             <a:r>
               <a:rPr kumimoji="1" lang="ja-JP" altLang="en-US" dirty="0" smtClean="0"/>
-              <a:t>という一連の流れはほぼ手動・手作業で行われている</a:t>
+              <a:t>通学時間が片道</a:t>
+            </a:r>
+            <a:r>
+              <a:rPr kumimoji="1" lang="en-US" altLang="ja-JP" dirty="0" smtClean="0"/>
+              <a:t>2</a:t>
+            </a:r>
+            <a:r>
+              <a:rPr kumimoji="1" lang="ja-JP" altLang="en-US" dirty="0" smtClean="0"/>
+              <a:t>時間</a:t>
+            </a:r>
+            <a:r>
+              <a:rPr kumimoji="1" lang="en-US" altLang="ja-JP" dirty="0" smtClean="0"/>
+              <a:t>30</a:t>
+            </a:r>
+            <a:r>
+              <a:rPr kumimoji="1" lang="ja-JP" altLang="en-US" dirty="0" smtClean="0"/>
+              <a:t>分ほどかかるうえ、業務内容も変わったため、研究の時間が今までほとんど取れていない状況ではあります。</a:t>
             </a:r>
             <a:endParaRPr kumimoji="1" lang="en-US" altLang="ja-JP" dirty="0" smtClean="0"/>
-          </a:p>
-          <a:p>
-            <a:endParaRPr kumimoji="1" lang="en-US" altLang="ja-JP" dirty="0" smtClean="0"/>
-          </a:p>
-          <a:p>
-            <a:r>
-              <a:rPr kumimoji="1" lang="ja-JP" altLang="en-US" dirty="0" smtClean="0"/>
-              <a:t>ソースコードの解析と流れの確認検証は自動化すべきである</a:t>
-            </a:r>
-            <a:endParaRPr kumimoji="1" lang="en-US" altLang="ja-JP" dirty="0" smtClean="0"/>
-          </a:p>
-          <a:p>
-            <a:r>
-              <a:rPr kumimoji="1" lang="ja-JP" altLang="en-US" dirty="0" smtClean="0"/>
-              <a:t>一番泥くさい部分は面倒なのでコンピュータにやらせるべき</a:t>
-            </a:r>
-            <a:endParaRPr kumimoji="1" lang="ja-JP" altLang="en-US" dirty="0"/>
           </a:p>
         </p:txBody>
       </p:sp>
@@ -627,7 +644,7 @@
           <a:p>
             <a:fld id="{9B414CEF-9AC9-7B40-8689-4792AE055851}" type="slidenum">
               <a:rPr kumimoji="1" lang="ja-JP" altLang="en-US" smtClean="0"/>
-              <a:t>3</a:t>
+              <a:t>1</a:t>
             </a:fld>
             <a:endParaRPr kumimoji="1" lang="ja-JP" altLang="en-US"/>
           </a:p>
@@ -636,7 +653,7 @@
     </p:spTree>
     <p:extLst>
       <p:ext uri="{BB962C8B-B14F-4D97-AF65-F5344CB8AC3E}">
-        <p14:creationId xmlns:p14="http://schemas.microsoft.com/office/powerpoint/2010/main" val="1468119510"/>
+        <p14:creationId xmlns:p14="http://schemas.microsoft.com/office/powerpoint/2010/main" val="452665218"/>
       </p:ext>
     </p:extLst>
   </p:cSld>
@@ -692,41 +709,19 @@
           <a:p>
             <a:r>
               <a:rPr kumimoji="1" lang="ja-JP" altLang="en-US" dirty="0" smtClean="0"/>
-              <a:t>さらに各関数をクリックするとその関数のソースコードがエディタウインドで表示されて確認したり編集をすることができたりします。</a:t>
-            </a:r>
-            <a:endParaRPr kumimoji="1" lang="en-US" altLang="ja-JP" dirty="0" smtClean="0"/>
-          </a:p>
-          <a:p>
+              <a:t>そこで提案の手法で</a:t>
+            </a:r>
             <a:r>
               <a:rPr kumimoji="1" lang="ja-JP" altLang="en-US" dirty="0" smtClean="0"/>
-              <a:t>変更して、実行ボタンを押す</a:t>
+              <a:t>は理解の助けとなるように</a:t>
+            </a:r>
+            <a:r>
+              <a:rPr kumimoji="1" lang="en-US" altLang="ja-JP" dirty="0" smtClean="0"/>
+              <a:t>WEB</a:t>
             </a:r>
             <a:r>
               <a:rPr kumimoji="1" lang="ja-JP" altLang="en-US" dirty="0" smtClean="0"/>
-              <a:t>とエラーチェックができます。</a:t>
-            </a:r>
-            <a:endParaRPr kumimoji="1" lang="en-US" altLang="ja-JP" dirty="0" smtClean="0"/>
-          </a:p>
-          <a:p>
-            <a:r>
-              <a:rPr kumimoji="1" lang="ja-JP" altLang="en-US" dirty="0" smtClean="0"/>
-              <a:t>最終結果として変更した新しいモデルファイルは</a:t>
-            </a:r>
-            <a:r>
-              <a:rPr kumimoji="1" lang="ja-JP" altLang="en-US" dirty="0" smtClean="0"/>
-              <a:t>ダウンロードして</a:t>
-            </a:r>
-            <a:r>
-              <a:rPr kumimoji="1" lang="en-US" altLang="ja-JP" dirty="0" err="1" smtClean="0"/>
-              <a:t>Matlab</a:t>
-            </a:r>
-            <a:r>
-              <a:rPr kumimoji="1" lang="ja-JP" altLang="en-US" dirty="0" smtClean="0"/>
-              <a:t>や他のシミュレーションプログラムで利用する</a:t>
-            </a:r>
-            <a:r>
-              <a:rPr kumimoji="1" lang="ja-JP" altLang="en-US" dirty="0" smtClean="0"/>
-              <a:t>ことが出来ます。</a:t>
+              <a:t>ブラウザにモデルファイルを入力すると処理（メソッド）の流れを可視化して表示します。</a:t>
             </a:r>
             <a:endParaRPr kumimoji="1" lang="ja-JP" altLang="en-US" dirty="0"/>
           </a:p>
@@ -749,7 +744,7 @@
           <a:p>
             <a:fld id="{9B414CEF-9AC9-7B40-8689-4792AE055851}" type="slidenum">
               <a:rPr kumimoji="1" lang="ja-JP" altLang="en-US" smtClean="0"/>
-              <a:t>12</a:t>
+              <a:t>11</a:t>
             </a:fld>
             <a:endParaRPr kumimoji="1" lang="ja-JP" altLang="en-US"/>
           </a:p>
@@ -758,7 +753,7 @@
     </p:spTree>
     <p:extLst>
       <p:ext uri="{BB962C8B-B14F-4D97-AF65-F5344CB8AC3E}">
-        <p14:creationId xmlns:p14="http://schemas.microsoft.com/office/powerpoint/2010/main" val="3150019424"/>
+        <p14:creationId xmlns:p14="http://schemas.microsoft.com/office/powerpoint/2010/main" val="753666940"/>
       </p:ext>
     </p:extLst>
   </p:cSld>
@@ -814,47 +809,31 @@
           <a:p>
             <a:r>
               <a:rPr kumimoji="1" lang="ja-JP" altLang="en-US" dirty="0" smtClean="0"/>
-              <a:t>類似研究について今調べていることを少し書きます。</a:t>
+              <a:t>さらに各関数をクリックするとその関数のソースコードがエディタウインドで表示されて確認したり編集をすることができたりします。</a:t>
             </a:r>
             <a:endParaRPr kumimoji="1" lang="en-US" altLang="ja-JP" dirty="0" smtClean="0"/>
           </a:p>
           <a:p>
             <a:r>
               <a:rPr kumimoji="1" lang="ja-JP" altLang="en-US" dirty="0" smtClean="0"/>
-              <a:t>提案手法の元となったアイデアは</a:t>
-            </a:r>
-            <a:r>
-              <a:rPr kumimoji="1" lang="en-US" altLang="ja-JP" dirty="0" smtClean="0"/>
-              <a:t>GUI</a:t>
-            </a:r>
+              <a:t>変更して、実行ボタンを押すとエラーチェックができます。</a:t>
+            </a:r>
+            <a:endParaRPr kumimoji="1" lang="en-US" altLang="ja-JP" dirty="0" smtClean="0"/>
+          </a:p>
+          <a:p>
             <a:r>
               <a:rPr kumimoji="1" lang="ja-JP" altLang="en-US" dirty="0" smtClean="0"/>
-              <a:t>のプログラミング環境、学術的にはビジュアルプログラミングやデータフロープログラミングと呼ばれている手法です。</a:t>
-            </a:r>
-            <a:endParaRPr kumimoji="1" lang="en-US" altLang="ja-JP" dirty="0" smtClean="0"/>
-          </a:p>
-          <a:p>
+              <a:t>最終結果として変更した新しいモデルファイルはダウンロードして</a:t>
+            </a:r>
+            <a:r>
+              <a:rPr kumimoji="1" lang="en-US" altLang="ja-JP" dirty="0" err="1" smtClean="0"/>
+              <a:t>Matlab</a:t>
+            </a:r>
             <a:r>
               <a:rPr kumimoji="1" lang="ja-JP" altLang="en-US" dirty="0" smtClean="0"/>
-              <a:t>主要なものとして</a:t>
-            </a:r>
-            <a:r>
-              <a:rPr kumimoji="1" lang="en-US" altLang="ja-JP" dirty="0" smtClean="0"/>
-              <a:t>Simulink</a:t>
-            </a:r>
-            <a:r>
-              <a:rPr kumimoji="1" lang="ja-JP" altLang="en-US" dirty="0" smtClean="0"/>
-              <a:t>や</a:t>
-            </a:r>
-            <a:r>
-              <a:rPr kumimoji="1" lang="en-US" altLang="ja-JP" dirty="0" err="1" smtClean="0"/>
-              <a:t>LabView</a:t>
-            </a:r>
-            <a:r>
-              <a:rPr kumimoji="1" lang="ja-JP" altLang="en-US" dirty="0" smtClean="0"/>
-              <a:t>が有名で、あのようなスタイルをイメージしていただけるとわかりやすいかと思います。</a:t>
-            </a:r>
-            <a:endParaRPr kumimoji="1" lang="en-US" altLang="ja-JP" dirty="0" smtClean="0"/>
+              <a:t>や他のシミュレーションプログラムで利用することが出来ます。</a:t>
+            </a:r>
+            <a:endParaRPr kumimoji="1" lang="ja-JP" altLang="en-US" dirty="0"/>
           </a:p>
         </p:txBody>
       </p:sp>
@@ -875,7 +854,7 @@
           <a:p>
             <a:fld id="{9B414CEF-9AC9-7B40-8689-4792AE055851}" type="slidenum">
               <a:rPr kumimoji="1" lang="ja-JP" altLang="en-US" smtClean="0"/>
-              <a:t>13</a:t>
+              <a:t>12</a:t>
             </a:fld>
             <a:endParaRPr kumimoji="1" lang="ja-JP" altLang="en-US"/>
           </a:p>
@@ -884,7 +863,7 @@
     </p:spTree>
     <p:extLst>
       <p:ext uri="{BB962C8B-B14F-4D97-AF65-F5344CB8AC3E}">
-        <p14:creationId xmlns:p14="http://schemas.microsoft.com/office/powerpoint/2010/main" val="707529439"/>
+        <p14:creationId xmlns:p14="http://schemas.microsoft.com/office/powerpoint/2010/main" val="3150019424"/>
       </p:ext>
     </p:extLst>
   </p:cSld>
@@ -940,12 +919,47 @@
           <a:p>
             <a:r>
               <a:rPr kumimoji="1" lang="ja-JP" altLang="en-US" dirty="0" smtClean="0"/>
-              <a:t>読み上げ</a:t>
+              <a:t>類似研究について今調べていることを少し書きます。</a:t>
             </a:r>
             <a:endParaRPr kumimoji="1" lang="en-US" altLang="ja-JP" dirty="0" smtClean="0"/>
           </a:p>
           <a:p>
-            <a:endParaRPr kumimoji="1" lang="ja-JP" altLang="en-US" dirty="0"/>
+            <a:r>
+              <a:rPr kumimoji="1" lang="ja-JP" altLang="en-US" dirty="0" smtClean="0"/>
+              <a:t>提案手法の元となったアイデアは</a:t>
+            </a:r>
+            <a:r>
+              <a:rPr kumimoji="1" lang="en-US" altLang="ja-JP" dirty="0" smtClean="0"/>
+              <a:t>GUI</a:t>
+            </a:r>
+            <a:r>
+              <a:rPr kumimoji="1" lang="ja-JP" altLang="en-US" dirty="0" smtClean="0"/>
+              <a:t>のプログラミング環境、学術的にはビジュアルプログラミングやデータフロープログラミングと呼ばれている手法です。</a:t>
+            </a:r>
+            <a:endParaRPr kumimoji="1" lang="en-US" altLang="ja-JP" dirty="0" smtClean="0"/>
+          </a:p>
+          <a:p>
+            <a:r>
+              <a:rPr kumimoji="1" lang="ja-JP" altLang="en-US" dirty="0" smtClean="0"/>
+              <a:t>主要なものとして</a:t>
+            </a:r>
+            <a:r>
+              <a:rPr kumimoji="1" lang="en-US" altLang="ja-JP" dirty="0" smtClean="0"/>
+              <a:t>Simulink</a:t>
+            </a:r>
+            <a:r>
+              <a:rPr kumimoji="1" lang="ja-JP" altLang="en-US" dirty="0" smtClean="0"/>
+              <a:t>や</a:t>
+            </a:r>
+            <a:r>
+              <a:rPr kumimoji="1" lang="en-US" altLang="ja-JP" dirty="0" err="1" smtClean="0"/>
+              <a:t>LabView</a:t>
+            </a:r>
+            <a:r>
+              <a:rPr kumimoji="1" lang="ja-JP" altLang="en-US" dirty="0" smtClean="0"/>
+              <a:t>が有名で、あのようなスタイルをイメージしていただけるとわかりやすいかと思います。</a:t>
+            </a:r>
+            <a:endParaRPr kumimoji="1" lang="en-US" altLang="ja-JP" dirty="0" smtClean="0"/>
           </a:p>
         </p:txBody>
       </p:sp>
@@ -966,7 +980,7 @@
           <a:p>
             <a:fld id="{9B414CEF-9AC9-7B40-8689-4792AE055851}" type="slidenum">
               <a:rPr kumimoji="1" lang="ja-JP" altLang="en-US" smtClean="0"/>
-              <a:t>14</a:t>
+              <a:t>13</a:t>
             </a:fld>
             <a:endParaRPr kumimoji="1" lang="ja-JP" altLang="en-US"/>
           </a:p>
@@ -975,7 +989,7 @@
     </p:spTree>
     <p:extLst>
       <p:ext uri="{BB962C8B-B14F-4D97-AF65-F5344CB8AC3E}">
-        <p14:creationId xmlns:p14="http://schemas.microsoft.com/office/powerpoint/2010/main" val="960121134"/>
+        <p14:creationId xmlns:p14="http://schemas.microsoft.com/office/powerpoint/2010/main" val="707529439"/>
       </p:ext>
     </p:extLst>
   </p:cSld>
@@ -1033,6 +1047,9 @@
               <a:rPr kumimoji="1" lang="ja-JP" altLang="en-US" dirty="0" smtClean="0"/>
               <a:t>読み上げ</a:t>
             </a:r>
+            <a:endParaRPr kumimoji="1" lang="en-US" altLang="ja-JP" dirty="0" smtClean="0"/>
+          </a:p>
+          <a:p>
             <a:endParaRPr kumimoji="1" lang="ja-JP" altLang="en-US" dirty="0"/>
           </a:p>
         </p:txBody>
@@ -1054,7 +1071,7 @@
           <a:p>
             <a:fld id="{9B414CEF-9AC9-7B40-8689-4792AE055851}" type="slidenum">
               <a:rPr kumimoji="1" lang="ja-JP" altLang="en-US" smtClean="0"/>
-              <a:t>15</a:t>
+              <a:t>14</a:t>
             </a:fld>
             <a:endParaRPr kumimoji="1" lang="ja-JP" altLang="en-US"/>
           </a:p>
@@ -1063,7 +1080,7 @@
     </p:spTree>
     <p:extLst>
       <p:ext uri="{BB962C8B-B14F-4D97-AF65-F5344CB8AC3E}">
-        <p14:creationId xmlns:p14="http://schemas.microsoft.com/office/powerpoint/2010/main" val="3987932984"/>
+        <p14:creationId xmlns:p14="http://schemas.microsoft.com/office/powerpoint/2010/main" val="960121134"/>
       </p:ext>
     </p:extLst>
   </p:cSld>
@@ -1119,22 +1136,7 @@
           <a:p>
             <a:r>
               <a:rPr kumimoji="1" lang="ja-JP" altLang="en-US" dirty="0" smtClean="0"/>
-              <a:t>今後の計画として例で上げた</a:t>
-            </a:r>
-            <a:r>
-              <a:rPr kumimoji="1" lang="en-US" altLang="ja-JP" dirty="0" smtClean="0"/>
-              <a:t>2</a:t>
-            </a:r>
-            <a:r>
-              <a:rPr kumimoji="1" lang="ja-JP" altLang="en-US" dirty="0" smtClean="0"/>
-              <a:t>つのモデルにまずは絞って実行できる環境とするように目指します。</a:t>
-            </a:r>
-            <a:endParaRPr kumimoji="1" lang="en-US" altLang="ja-JP" dirty="0" smtClean="0"/>
-          </a:p>
-          <a:p>
-            <a:r>
-              <a:rPr kumimoji="1" lang="ja-JP" altLang="en-US" dirty="0" smtClean="0"/>
-              <a:t>直列的な処理と並列的な処理があるのである程度の網羅性があると思います。</a:t>
+              <a:t>読み上げ</a:t>
             </a:r>
             <a:endParaRPr kumimoji="1" lang="ja-JP" altLang="en-US" dirty="0"/>
           </a:p>
@@ -1157,7 +1159,7 @@
           <a:p>
             <a:fld id="{9B414CEF-9AC9-7B40-8689-4792AE055851}" type="slidenum">
               <a:rPr kumimoji="1" lang="ja-JP" altLang="en-US" smtClean="0"/>
-              <a:t>16</a:t>
+              <a:t>15</a:t>
             </a:fld>
             <a:endParaRPr kumimoji="1" lang="ja-JP" altLang="en-US"/>
           </a:p>
@@ -1166,7 +1168,7 @@
     </p:spTree>
     <p:extLst>
       <p:ext uri="{BB962C8B-B14F-4D97-AF65-F5344CB8AC3E}">
-        <p14:creationId xmlns:p14="http://schemas.microsoft.com/office/powerpoint/2010/main" val="2671346575"/>
+        <p14:creationId xmlns:p14="http://schemas.microsoft.com/office/powerpoint/2010/main" val="3987932984"/>
       </p:ext>
     </p:extLst>
   </p:cSld>
@@ -1221,12 +1223,23 @@
           <a:lstStyle/>
           <a:p>
             <a:r>
+              <a:rPr kumimoji="1" lang="ja-JP" altLang="en-US" dirty="0" smtClean="0"/>
+              <a:t>今後の計画として例で上げた</a:t>
+            </a:r>
+            <a:r>
               <a:rPr kumimoji="1" lang="en-US" altLang="ja-JP" dirty="0" smtClean="0"/>
-              <a:t>WEB</a:t>
+              <a:t>2</a:t>
             </a:r>
             <a:r>
               <a:rPr kumimoji="1" lang="ja-JP" altLang="en-US" dirty="0" smtClean="0"/>
-              <a:t>アプリ化したいという話</a:t>
+              <a:t>つのモデルにまずは絞って実行できる環境とするように目指します。</a:t>
+            </a:r>
+            <a:endParaRPr kumimoji="1" lang="en-US" altLang="ja-JP" dirty="0" smtClean="0"/>
+          </a:p>
+          <a:p>
+            <a:r>
+              <a:rPr kumimoji="1" lang="ja-JP" altLang="en-US" dirty="0" smtClean="0"/>
+              <a:t>直列的な処理と並列的な処理があるのである程度の網羅性があると思います。</a:t>
             </a:r>
             <a:endParaRPr kumimoji="1" lang="ja-JP" altLang="en-US" dirty="0"/>
           </a:p>
@@ -1249,7 +1262,7 @@
           <a:p>
             <a:fld id="{9B414CEF-9AC9-7B40-8689-4792AE055851}" type="slidenum">
               <a:rPr kumimoji="1" lang="ja-JP" altLang="en-US" smtClean="0"/>
-              <a:t>17</a:t>
+              <a:t>16</a:t>
             </a:fld>
             <a:endParaRPr kumimoji="1" lang="ja-JP" altLang="en-US"/>
           </a:p>
@@ -1258,7 +1271,7 @@
     </p:spTree>
     <p:extLst>
       <p:ext uri="{BB962C8B-B14F-4D97-AF65-F5344CB8AC3E}">
-        <p14:creationId xmlns:p14="http://schemas.microsoft.com/office/powerpoint/2010/main" val="1721916570"/>
+        <p14:creationId xmlns:p14="http://schemas.microsoft.com/office/powerpoint/2010/main" val="2671346575"/>
       </p:ext>
     </p:extLst>
   </p:cSld>
@@ -1313,8 +1326,12 @@
           <a:lstStyle/>
           <a:p>
             <a:r>
+              <a:rPr kumimoji="1" lang="en-US" altLang="ja-JP" dirty="0" smtClean="0"/>
+              <a:t>WEB</a:t>
+            </a:r>
+            <a:r>
               <a:rPr kumimoji="1" lang="ja-JP" altLang="en-US" dirty="0" smtClean="0"/>
-              <a:t>今までの結果</a:t>
+              <a:t>アプリ化したいという話</a:t>
             </a:r>
             <a:endParaRPr kumimoji="1" lang="ja-JP" altLang="en-US" dirty="0"/>
           </a:p>
@@ -1337,7 +1354,95 @@
           <a:p>
             <a:fld id="{9B414CEF-9AC9-7B40-8689-4792AE055851}" type="slidenum">
               <a:rPr kumimoji="1" lang="ja-JP" altLang="en-US" smtClean="0"/>
-              <a:t>18</a:t>
+              <a:t>20</a:t>
+            </a:fld>
+            <a:endParaRPr kumimoji="1" lang="ja-JP" altLang="en-US"/>
+          </a:p>
+        </p:txBody>
+      </p:sp>
+    </p:spTree>
+    <p:extLst>
+      <p:ext uri="{BB962C8B-B14F-4D97-AF65-F5344CB8AC3E}">
+        <p14:creationId xmlns:p14="http://schemas.microsoft.com/office/powerpoint/2010/main" val="1721916570"/>
+      </p:ext>
+    </p:extLst>
+  </p:cSld>
+  <p:clrMapOvr>
+    <a:masterClrMapping/>
+  </p:clrMapOvr>
+</p:notes>
+</file>
+
+<file path=ppt/notesSlides/notesSlide17.xml><?xml version="1.0" encoding="utf-8"?>
+<p:notes xmlns:a="http://schemas.openxmlformats.org/drawingml/2006/main" xmlns:r="http://schemas.openxmlformats.org/officeDocument/2006/relationships" xmlns:p="http://schemas.openxmlformats.org/presentationml/2006/main">
+  <p:cSld>
+    <p:spTree>
+      <p:nvGrpSpPr>
+        <p:cNvPr id="1" name=""/>
+        <p:cNvGrpSpPr/>
+        <p:nvPr/>
+      </p:nvGrpSpPr>
+      <p:grpSpPr>
+        <a:xfrm>
+          <a:off x="0" y="0"/>
+          <a:ext cx="0" cy="0"/>
+          <a:chOff x="0" y="0"/>
+          <a:chExt cx="0" cy="0"/>
+        </a:xfrm>
+      </p:grpSpPr>
+      <p:sp>
+        <p:nvSpPr>
+          <p:cNvPr id="2" name="スライド イメージ プレースホルダー 1"/>
+          <p:cNvSpPr>
+            <a:spLocks noGrp="1" noRot="1" noChangeAspect="1"/>
+          </p:cNvSpPr>
+          <p:nvPr>
+            <p:ph type="sldImg"/>
+          </p:nvPr>
+        </p:nvSpPr>
+        <p:spPr/>
+      </p:sp>
+      <p:sp>
+        <p:nvSpPr>
+          <p:cNvPr id="3" name="ノート プレースホルダー 2"/>
+          <p:cNvSpPr>
+            <a:spLocks noGrp="1"/>
+          </p:cNvSpPr>
+          <p:nvPr>
+            <p:ph type="body" idx="1"/>
+          </p:nvPr>
+        </p:nvSpPr>
+        <p:spPr/>
+        <p:txBody>
+          <a:bodyPr/>
+          <a:lstStyle/>
+          <a:p>
+            <a:r>
+              <a:rPr kumimoji="1" lang="ja-JP" altLang="en-US" dirty="0" smtClean="0"/>
+              <a:t>今までの結果</a:t>
+            </a:r>
+            <a:endParaRPr kumimoji="1" lang="ja-JP" altLang="en-US" dirty="0"/>
+          </a:p>
+        </p:txBody>
+      </p:sp>
+      <p:sp>
+        <p:nvSpPr>
+          <p:cNvPr id="4" name="スライド番号プレースホルダー 3"/>
+          <p:cNvSpPr>
+            <a:spLocks noGrp="1"/>
+          </p:cNvSpPr>
+          <p:nvPr>
+            <p:ph type="sldNum" sz="quarter" idx="10"/>
+          </p:nvPr>
+        </p:nvSpPr>
+        <p:spPr/>
+        <p:txBody>
+          <a:bodyPr/>
+          <a:lstStyle/>
+          <a:p>
+            <a:fld id="{9B414CEF-9AC9-7B40-8689-4792AE055851}" type="slidenum">
+              <a:rPr kumimoji="1" lang="ja-JP" altLang="en-US" smtClean="0"/>
+              <a:t>21</a:t>
             </a:fld>
             <a:endParaRPr kumimoji="1" lang="ja-JP" altLang="en-US"/>
           </a:p>
@@ -1402,15 +1507,38 @@
           <a:p>
             <a:r>
               <a:rPr kumimoji="1" lang="ja-JP" altLang="en-US" dirty="0" smtClean="0"/>
-              <a:t>視覚数理モデルの研究</a:t>
-            </a:r>
-            <a:r>
-              <a:rPr kumimoji="1" lang="en-US" altLang="ja-JP" dirty="0" err="1" smtClean="0"/>
-              <a:t>VanEssen</a:t>
-            </a:r>
+              <a:t>研究活動のライフサイクル</a:t>
+            </a:r>
+            <a:endParaRPr kumimoji="1" lang="en-US" altLang="ja-JP" dirty="0" smtClean="0"/>
+          </a:p>
+          <a:p>
             <a:r>
               <a:rPr kumimoji="1" lang="ja-JP" altLang="en-US" dirty="0" smtClean="0"/>
-              <a:t>のモデル、行ったり来たりの処理がたくさんあって大変・・・</a:t>
+              <a:t>論文を読む、ソースコードを解析する（頭の中で考えたり、絵を書いてみたり、フローチャートを書いてみたりする）、書き換える関数を見つける、新しく関数を作る、シミュレーションしてみる</a:t>
+            </a:r>
+            <a:endParaRPr kumimoji="1" lang="en-US" altLang="ja-JP" dirty="0" smtClean="0"/>
+          </a:p>
+          <a:p>
+            <a:r>
+              <a:rPr kumimoji="1" lang="ja-JP" altLang="en-US" dirty="0" smtClean="0"/>
+              <a:t>という一連の流れはほぼ手動・手作業で行われている</a:t>
+            </a:r>
+            <a:endParaRPr kumimoji="1" lang="en-US" altLang="ja-JP" dirty="0" smtClean="0"/>
+          </a:p>
+          <a:p>
+            <a:endParaRPr kumimoji="1" lang="en-US" altLang="ja-JP" dirty="0" smtClean="0"/>
+          </a:p>
+          <a:p>
+            <a:r>
+              <a:rPr kumimoji="1" lang="ja-JP" altLang="en-US" dirty="0" smtClean="0"/>
+              <a:t>ソースコードの解析と流れの確認検証は自動化すべきである</a:t>
+            </a:r>
+            <a:endParaRPr kumimoji="1" lang="en-US" altLang="ja-JP" dirty="0" smtClean="0"/>
+          </a:p>
+          <a:p>
+            <a:r>
+              <a:rPr kumimoji="1" lang="ja-JP" altLang="en-US" dirty="0" smtClean="0"/>
+              <a:t>一番泥くさい部分は面倒なのでコンピュータにやらせるべき</a:t>
             </a:r>
             <a:endParaRPr kumimoji="1" lang="ja-JP" altLang="en-US" dirty="0"/>
           </a:p>
@@ -1433,16 +1561,16 @@
           <a:p>
             <a:fld id="{9B414CEF-9AC9-7B40-8689-4792AE055851}" type="slidenum">
               <a:rPr kumimoji="1" lang="ja-JP" altLang="en-US" smtClean="0"/>
-              <a:t>4</a:t>
+              <a:t>3</a:t>
             </a:fld>
-            <a:endParaRPr kumimoji="1" lang="ja-JP" altLang="en-US" dirty="0"/>
+            <a:endParaRPr kumimoji="1" lang="ja-JP" altLang="en-US"/>
           </a:p>
         </p:txBody>
       </p:sp>
     </p:spTree>
     <p:extLst>
       <p:ext uri="{BB962C8B-B14F-4D97-AF65-F5344CB8AC3E}">
-        <p14:creationId xmlns:p14="http://schemas.microsoft.com/office/powerpoint/2010/main" val="2256039909"/>
+        <p14:creationId xmlns:p14="http://schemas.microsoft.com/office/powerpoint/2010/main" val="1468119510"/>
       </p:ext>
     </p:extLst>
   </p:cSld>
@@ -1498,53 +1626,15 @@
           <a:p>
             <a:r>
               <a:rPr kumimoji="1" lang="ja-JP" altLang="en-US" dirty="0" smtClean="0"/>
-              <a:t>例えば視覚神経数理モデルでの例として</a:t>
-            </a:r>
-            <a:r>
-              <a:rPr kumimoji="1" lang="en-US" altLang="ja-JP" dirty="0" smtClean="0"/>
-              <a:t>S</a:t>
+              <a:t>視覚数理モデルの研究</a:t>
+            </a:r>
+            <a:r>
+              <a:rPr kumimoji="1" lang="en-US" altLang="ja-JP" dirty="0" err="1" smtClean="0"/>
+              <a:t>VanEssen</a:t>
             </a:r>
             <a:r>
               <a:rPr kumimoji="1" lang="ja-JP" altLang="en-US" dirty="0" smtClean="0"/>
-              <a:t>＆</a:t>
-            </a:r>
-            <a:r>
-              <a:rPr kumimoji="1" lang="en-US" altLang="ja-JP" dirty="0" smtClean="0"/>
-              <a:t>H</a:t>
-            </a:r>
-            <a:r>
-              <a:rPr kumimoji="1" lang="ja-JP" altLang="en-US" dirty="0" smtClean="0"/>
-              <a:t>のモデルがあります。</a:t>
-            </a:r>
-            <a:endParaRPr kumimoji="1" lang="en-US" altLang="ja-JP" dirty="0" smtClean="0"/>
-          </a:p>
-          <a:p>
-            <a:r>
-              <a:rPr kumimoji="1" lang="ja-JP" altLang="en-US" dirty="0" smtClean="0"/>
-              <a:t>この数理モデルは画像データ入力のあと、</a:t>
-            </a:r>
-            <a:r>
-              <a:rPr kumimoji="1" lang="en-US" altLang="ja-JP" dirty="0" smtClean="0"/>
-              <a:t>V1</a:t>
-            </a:r>
-            <a:r>
-              <a:rPr kumimoji="1" lang="ja-JP" altLang="en-US" dirty="0" smtClean="0"/>
-              <a:t>野で処理されて出力、その出力を受け取って</a:t>
-            </a:r>
-            <a:r>
-              <a:rPr kumimoji="1" lang="en-US" altLang="ja-JP" dirty="0" smtClean="0"/>
-              <a:t>MT</a:t>
-            </a:r>
-            <a:r>
-              <a:rPr kumimoji="1" lang="ja-JP" altLang="en-US" dirty="0" smtClean="0"/>
-              <a:t>野で処理が行われて、出力結果が得られるという直線的な処理の流れで</a:t>
-            </a:r>
-            <a:endParaRPr kumimoji="1" lang="en-US" altLang="ja-JP" dirty="0" smtClean="0"/>
-          </a:p>
-          <a:p>
-            <a:r>
-              <a:rPr kumimoji="1" lang="ja-JP" altLang="en-US" dirty="0" smtClean="0"/>
-              <a:t>行われる数理モデルがあります。</a:t>
+              <a:t>のモデル、行ったり来たりの処理がたくさんあって大変・・・</a:t>
             </a:r>
             <a:endParaRPr kumimoji="1" lang="ja-JP" altLang="en-US" dirty="0"/>
           </a:p>
@@ -1567,16 +1657,16 @@
           <a:p>
             <a:fld id="{9B414CEF-9AC9-7B40-8689-4792AE055851}" type="slidenum">
               <a:rPr kumimoji="1" lang="ja-JP" altLang="en-US" smtClean="0"/>
-              <a:t>5</a:t>
+              <a:t>4</a:t>
             </a:fld>
-            <a:endParaRPr kumimoji="1" lang="ja-JP" altLang="en-US"/>
+            <a:endParaRPr kumimoji="1" lang="ja-JP" altLang="en-US" dirty="0"/>
           </a:p>
         </p:txBody>
       </p:sp>
     </p:spTree>
     <p:extLst>
       <p:ext uri="{BB962C8B-B14F-4D97-AF65-F5344CB8AC3E}">
-        <p14:creationId xmlns:p14="http://schemas.microsoft.com/office/powerpoint/2010/main" val="1426034017"/>
+        <p14:creationId xmlns:p14="http://schemas.microsoft.com/office/powerpoint/2010/main" val="2256039909"/>
       </p:ext>
     </p:extLst>
   </p:cSld>
@@ -1632,7 +1722,38 @@
           <a:p>
             <a:r>
               <a:rPr kumimoji="1" lang="ja-JP" altLang="en-US" dirty="0" smtClean="0"/>
-              <a:t>ここで、西本先生らの新しい論文で</a:t>
+              <a:t>例えば視覚神経数理モデルでの例として</a:t>
+            </a:r>
+            <a:r>
+              <a:rPr kumimoji="1" lang="en-US" altLang="ja-JP" dirty="0" smtClean="0"/>
+              <a:t>S</a:t>
+            </a:r>
+            <a:r>
+              <a:rPr kumimoji="1" lang="ja-JP" altLang="en-US" dirty="0" smtClean="0"/>
+              <a:t>＆</a:t>
+            </a:r>
+            <a:r>
+              <a:rPr kumimoji="1" lang="en-US" altLang="ja-JP" dirty="0" smtClean="0"/>
+              <a:t>H</a:t>
+            </a:r>
+            <a:r>
+              <a:rPr kumimoji="1" lang="ja-JP" altLang="en-US" dirty="0" smtClean="0"/>
+              <a:t>のモデルがあります。</a:t>
+            </a:r>
+            <a:endParaRPr kumimoji="1" lang="en-US" altLang="ja-JP" dirty="0" smtClean="0"/>
+          </a:p>
+          <a:p>
+            <a:r>
+              <a:rPr kumimoji="1" lang="ja-JP" altLang="en-US" dirty="0" smtClean="0"/>
+              <a:t>この数理モデルは画像データ入力のあと、</a:t>
+            </a:r>
+            <a:r>
+              <a:rPr kumimoji="1" lang="en-US" altLang="ja-JP" dirty="0" smtClean="0"/>
+              <a:t>V1</a:t>
+            </a:r>
+            <a:r>
+              <a:rPr kumimoji="1" lang="ja-JP" altLang="en-US" dirty="0" smtClean="0"/>
+              <a:t>野で処理されて出力、その出力を受け取って</a:t>
             </a:r>
             <a:r>
               <a:rPr kumimoji="1" lang="en-US" altLang="ja-JP" dirty="0" smtClean="0"/>
@@ -1640,37 +1761,14 @@
             </a:r>
             <a:r>
               <a:rPr kumimoji="1" lang="ja-JP" altLang="en-US" dirty="0" smtClean="0"/>
-              <a:t>細胞には抑制性受容野があるという新しい知見が出てきました。</a:t>
+              <a:t>野で処理が行われて、出力結果が得られるという直線的な処理の流れで</a:t>
             </a:r>
             <a:endParaRPr kumimoji="1" lang="en-US" altLang="ja-JP" dirty="0" smtClean="0"/>
           </a:p>
           <a:p>
             <a:r>
               <a:rPr kumimoji="1" lang="ja-JP" altLang="en-US" dirty="0" smtClean="0"/>
-              <a:t>西本先生らの実験ではある一定のスピードｖに対して興奮、ｖ以下のスピードに対して抑制されるというように左右の図の様に違いがあります。</a:t>
-            </a:r>
-            <a:endParaRPr kumimoji="1" lang="en-US" altLang="ja-JP" dirty="0" smtClean="0"/>
-          </a:p>
-          <a:p>
-            <a:r>
-              <a:rPr kumimoji="1" lang="ja-JP" altLang="en-US" dirty="0" smtClean="0"/>
-              <a:t>こういった場合には先のスライドの</a:t>
-            </a:r>
-            <a:r>
-              <a:rPr kumimoji="1" lang="en-US" altLang="ja-JP" dirty="0" smtClean="0"/>
-              <a:t>S&amp;H</a:t>
-            </a:r>
-            <a:r>
-              <a:rPr kumimoji="1" lang="ja-JP" altLang="en-US" dirty="0" smtClean="0"/>
-              <a:t>モデルで</a:t>
-            </a:r>
-            <a:r>
-              <a:rPr kumimoji="1" lang="en-US" altLang="ja-JP" dirty="0" smtClean="0"/>
-              <a:t>MT</a:t>
-            </a:r>
-            <a:r>
-              <a:rPr kumimoji="1" lang="ja-JP" altLang="en-US" dirty="0" smtClean="0"/>
-              <a:t>野の処理を変更することで検証を行います。</a:t>
+              <a:t>行われる数理モデルがあります。</a:t>
             </a:r>
             <a:endParaRPr kumimoji="1" lang="ja-JP" altLang="en-US" dirty="0"/>
           </a:p>
@@ -1693,7 +1791,7 @@
           <a:p>
             <a:fld id="{9B414CEF-9AC9-7B40-8689-4792AE055851}" type="slidenum">
               <a:rPr kumimoji="1" lang="ja-JP" altLang="en-US" smtClean="0"/>
-              <a:t>6</a:t>
+              <a:t>5</a:t>
             </a:fld>
             <a:endParaRPr kumimoji="1" lang="ja-JP" altLang="en-US"/>
           </a:p>
@@ -1702,7 +1800,7 @@
     </p:spTree>
     <p:extLst>
       <p:ext uri="{BB962C8B-B14F-4D97-AF65-F5344CB8AC3E}">
-        <p14:creationId xmlns:p14="http://schemas.microsoft.com/office/powerpoint/2010/main" val="4140797714"/>
+        <p14:creationId xmlns:p14="http://schemas.microsoft.com/office/powerpoint/2010/main" val="1426034017"/>
       </p:ext>
     </p:extLst>
   </p:cSld>
@@ -1758,38 +1856,7 @@
           <a:p>
             <a:r>
               <a:rPr kumimoji="1" lang="ja-JP" altLang="en-US" dirty="0" smtClean="0"/>
-              <a:t>例えば視覚神経数理モデルでの例として</a:t>
-            </a:r>
-            <a:r>
-              <a:rPr kumimoji="1" lang="en-US" altLang="ja-JP" dirty="0" smtClean="0"/>
-              <a:t>S</a:t>
-            </a:r>
-            <a:r>
-              <a:rPr kumimoji="1" lang="ja-JP" altLang="en-US" dirty="0" smtClean="0"/>
-              <a:t>＆</a:t>
-            </a:r>
-            <a:r>
-              <a:rPr kumimoji="1" lang="en-US" altLang="ja-JP" dirty="0" smtClean="0"/>
-              <a:t>H</a:t>
-            </a:r>
-            <a:r>
-              <a:rPr kumimoji="1" lang="ja-JP" altLang="en-US" dirty="0" smtClean="0"/>
-              <a:t>のモデルがあります。</a:t>
-            </a:r>
-            <a:endParaRPr kumimoji="1" lang="en-US" altLang="ja-JP" dirty="0" smtClean="0"/>
-          </a:p>
-          <a:p>
-            <a:r>
-              <a:rPr kumimoji="1" lang="ja-JP" altLang="en-US" dirty="0" smtClean="0"/>
-              <a:t>この数理モデルは画像データ入力のあと、</a:t>
-            </a:r>
-            <a:r>
-              <a:rPr kumimoji="1" lang="en-US" altLang="ja-JP" dirty="0" smtClean="0"/>
-              <a:t>V1</a:t>
-            </a:r>
-            <a:r>
-              <a:rPr kumimoji="1" lang="ja-JP" altLang="en-US" dirty="0" smtClean="0"/>
-              <a:t>野で処理されて出力、その出力を受け取って</a:t>
+              <a:t>ここで、西本先生らの新しい論文で</a:t>
             </a:r>
             <a:r>
               <a:rPr kumimoji="1" lang="en-US" altLang="ja-JP" dirty="0" smtClean="0"/>
@@ -1797,14 +1864,37 @@
             </a:r>
             <a:r>
               <a:rPr kumimoji="1" lang="ja-JP" altLang="en-US" dirty="0" smtClean="0"/>
-              <a:t>野で処理が行われて、出力結果が得られるという直線的な処理の流れで</a:t>
+              <a:t>細胞には抑制性受容野があるという新しい知見が出てきました。</a:t>
             </a:r>
             <a:endParaRPr kumimoji="1" lang="en-US" altLang="ja-JP" dirty="0" smtClean="0"/>
           </a:p>
           <a:p>
             <a:r>
               <a:rPr kumimoji="1" lang="ja-JP" altLang="en-US" dirty="0" smtClean="0"/>
-              <a:t>行われる数理モデルがあります。</a:t>
+              <a:t>西本先生らの実験ではある一定のスピードｖに対して興奮、ｖ以下のスピードに対して抑制されるというように左右の図の様に違いがあります。</a:t>
+            </a:r>
+            <a:endParaRPr kumimoji="1" lang="en-US" altLang="ja-JP" dirty="0" smtClean="0"/>
+          </a:p>
+          <a:p>
+            <a:r>
+              <a:rPr kumimoji="1" lang="ja-JP" altLang="en-US" dirty="0" smtClean="0"/>
+              <a:t>こういった場合には先のスライドの</a:t>
+            </a:r>
+            <a:r>
+              <a:rPr kumimoji="1" lang="en-US" altLang="ja-JP" dirty="0" smtClean="0"/>
+              <a:t>S&amp;H</a:t>
+            </a:r>
+            <a:r>
+              <a:rPr kumimoji="1" lang="ja-JP" altLang="en-US" dirty="0" smtClean="0"/>
+              <a:t>モデルで</a:t>
+            </a:r>
+            <a:r>
+              <a:rPr kumimoji="1" lang="en-US" altLang="ja-JP" dirty="0" smtClean="0"/>
+              <a:t>MT</a:t>
+            </a:r>
+            <a:r>
+              <a:rPr kumimoji="1" lang="ja-JP" altLang="en-US" dirty="0" smtClean="0"/>
+              <a:t>野の処理を変更することで検証を行います。</a:t>
             </a:r>
             <a:endParaRPr kumimoji="1" lang="ja-JP" altLang="en-US" dirty="0"/>
           </a:p>
@@ -1827,7 +1917,7 @@
           <a:p>
             <a:fld id="{9B414CEF-9AC9-7B40-8689-4792AE055851}" type="slidenum">
               <a:rPr kumimoji="1" lang="ja-JP" altLang="en-US" smtClean="0"/>
-              <a:t>7</a:t>
+              <a:t>6</a:t>
             </a:fld>
             <a:endParaRPr kumimoji="1" lang="ja-JP" altLang="en-US"/>
           </a:p>
@@ -1836,7 +1926,7 @@
     </p:spTree>
     <p:extLst>
       <p:ext uri="{BB962C8B-B14F-4D97-AF65-F5344CB8AC3E}">
-        <p14:creationId xmlns:p14="http://schemas.microsoft.com/office/powerpoint/2010/main" val="3949951125"/>
+        <p14:creationId xmlns:p14="http://schemas.microsoft.com/office/powerpoint/2010/main" val="4140797714"/>
       </p:ext>
     </p:extLst>
   </p:cSld>
@@ -1892,7 +1982,53 @@
           <a:p>
             <a:r>
               <a:rPr kumimoji="1" lang="ja-JP" altLang="en-US" dirty="0" smtClean="0"/>
-              <a:t>数理モデル研究者の日常的な１．並びに２．の実施方法について述べ、問題点をガッツリ指摘する。</a:t>
+              <a:t>例えば視覚神経数理モデルでの例として</a:t>
+            </a:r>
+            <a:r>
+              <a:rPr kumimoji="1" lang="en-US" altLang="ja-JP" dirty="0" smtClean="0"/>
+              <a:t>S</a:t>
+            </a:r>
+            <a:r>
+              <a:rPr kumimoji="1" lang="ja-JP" altLang="en-US" dirty="0" smtClean="0"/>
+              <a:t>＆</a:t>
+            </a:r>
+            <a:r>
+              <a:rPr kumimoji="1" lang="en-US" altLang="ja-JP" dirty="0" smtClean="0"/>
+              <a:t>H</a:t>
+            </a:r>
+            <a:r>
+              <a:rPr kumimoji="1" lang="ja-JP" altLang="en-US" dirty="0" smtClean="0"/>
+              <a:t>のモデルがあります。</a:t>
+            </a:r>
+            <a:endParaRPr kumimoji="1" lang="en-US" altLang="ja-JP" dirty="0" smtClean="0"/>
+          </a:p>
+          <a:p>
+            <a:r>
+              <a:rPr kumimoji="1" lang="ja-JP" altLang="en-US" dirty="0" smtClean="0"/>
+              <a:t>この数理モデルは画像データ入力のあと、</a:t>
+            </a:r>
+            <a:r>
+              <a:rPr kumimoji="1" lang="en-US" altLang="ja-JP" dirty="0" smtClean="0"/>
+              <a:t>V1</a:t>
+            </a:r>
+            <a:r>
+              <a:rPr kumimoji="1" lang="ja-JP" altLang="en-US" dirty="0" smtClean="0"/>
+              <a:t>野で処理されて出力、その出力を受け取って</a:t>
+            </a:r>
+            <a:r>
+              <a:rPr kumimoji="1" lang="en-US" altLang="ja-JP" dirty="0" smtClean="0"/>
+              <a:t>MT</a:t>
+            </a:r>
+            <a:r>
+              <a:rPr kumimoji="1" lang="ja-JP" altLang="en-US" dirty="0" smtClean="0"/>
+              <a:t>野で処理が行われて、出力結果が得られるという直線的な処理の流れで</a:t>
+            </a:r>
+            <a:endParaRPr kumimoji="1" lang="en-US" altLang="ja-JP" dirty="0" smtClean="0"/>
+          </a:p>
+          <a:p>
+            <a:r>
+              <a:rPr kumimoji="1" lang="ja-JP" altLang="en-US" dirty="0" smtClean="0"/>
+              <a:t>行われる数理モデルがあります。</a:t>
             </a:r>
             <a:endParaRPr kumimoji="1" lang="ja-JP" altLang="en-US" dirty="0"/>
           </a:p>
@@ -1915,16 +2051,16 @@
           <a:p>
             <a:fld id="{9B414CEF-9AC9-7B40-8689-4792AE055851}" type="slidenum">
               <a:rPr kumimoji="1" lang="ja-JP" altLang="en-US" smtClean="0"/>
-              <a:t>8</a:t>
+              <a:t>7</a:t>
             </a:fld>
-            <a:endParaRPr kumimoji="1" lang="ja-JP" altLang="en-US" dirty="0"/>
+            <a:endParaRPr kumimoji="1" lang="ja-JP" altLang="en-US"/>
           </a:p>
         </p:txBody>
       </p:sp>
     </p:spTree>
     <p:extLst>
       <p:ext uri="{BB962C8B-B14F-4D97-AF65-F5344CB8AC3E}">
-        <p14:creationId xmlns:p14="http://schemas.microsoft.com/office/powerpoint/2010/main" val="1402785510"/>
+        <p14:creationId xmlns:p14="http://schemas.microsoft.com/office/powerpoint/2010/main" val="3949951125"/>
       </p:ext>
     </p:extLst>
   </p:cSld>
@@ -1980,18 +2116,18 @@
           <a:p>
             <a:r>
               <a:rPr kumimoji="1" lang="ja-JP" altLang="en-US" dirty="0" smtClean="0"/>
-              <a:t>同じような問題は他にもあります。</a:t>
+              <a:t>数理モデル研究者の日常的な１．並びに２．の実施方法について述べ、問題点をガッツリ指摘する。</a:t>
             </a:r>
             <a:endParaRPr kumimoji="1" lang="en-US" altLang="ja-JP" dirty="0" smtClean="0"/>
           </a:p>
           <a:p>
             <a:r>
-              <a:rPr kumimoji="1" lang="en-US" altLang="ja-JP" dirty="0" smtClean="0"/>
-              <a:t>Judd</a:t>
-            </a:r>
-            <a:r>
               <a:rPr kumimoji="1" lang="ja-JP" altLang="en-US" dirty="0" smtClean="0"/>
-              <a:t>の注視モデルでは入力データに対して複数の並列的な処理を経て出力結果が得られる数理モデルです。</a:t>
+              <a:t>ここを</a:t>
+            </a:r>
+            <a:r>
+              <a:rPr kumimoji="1" lang="ja-JP" altLang="en-US" dirty="0" smtClean="0"/>
+              <a:t>長く</a:t>
             </a:r>
             <a:endParaRPr kumimoji="1" lang="ja-JP" altLang="en-US" dirty="0"/>
           </a:p>
@@ -2014,16 +2150,16 @@
           <a:p>
             <a:fld id="{9B414CEF-9AC9-7B40-8689-4792AE055851}" type="slidenum">
               <a:rPr kumimoji="1" lang="ja-JP" altLang="en-US" smtClean="0"/>
-              <a:t>9</a:t>
+              <a:t>8</a:t>
             </a:fld>
-            <a:endParaRPr kumimoji="1" lang="ja-JP" altLang="en-US"/>
+            <a:endParaRPr kumimoji="1" lang="ja-JP" altLang="en-US" dirty="0"/>
           </a:p>
         </p:txBody>
       </p:sp>
     </p:spTree>
     <p:extLst>
       <p:ext uri="{BB962C8B-B14F-4D97-AF65-F5344CB8AC3E}">
-        <p14:creationId xmlns:p14="http://schemas.microsoft.com/office/powerpoint/2010/main" val="2499578605"/>
+        <p14:creationId xmlns:p14="http://schemas.microsoft.com/office/powerpoint/2010/main" val="1402785510"/>
       </p:ext>
     </p:extLst>
   </p:cSld>
@@ -2079,7 +2215,18 @@
           <a:p>
             <a:r>
               <a:rPr kumimoji="1" lang="ja-JP" altLang="en-US" dirty="0" smtClean="0"/>
-              <a:t>並列的処理の各部分で新しい知見が発見された場合、先ほどと同様の手順を行い検証することになります。</a:t>
+              <a:t>同じような問題は他にもあります。</a:t>
+            </a:r>
+            <a:endParaRPr kumimoji="1" lang="en-US" altLang="ja-JP" dirty="0" smtClean="0"/>
+          </a:p>
+          <a:p>
+            <a:r>
+              <a:rPr kumimoji="1" lang="en-US" altLang="ja-JP" dirty="0" smtClean="0"/>
+              <a:t>Judd</a:t>
+            </a:r>
+            <a:r>
+              <a:rPr kumimoji="1" lang="ja-JP" altLang="en-US" dirty="0" smtClean="0"/>
+              <a:t>の注視モデルでは入力データに対して複数の並列的な処理を経て出力結果が得られる数理モデルです。</a:t>
             </a:r>
             <a:endParaRPr kumimoji="1" lang="ja-JP" altLang="en-US" dirty="0"/>
           </a:p>
@@ -2102,7 +2249,7 @@
           <a:p>
             <a:fld id="{9B414CEF-9AC9-7B40-8689-4792AE055851}" type="slidenum">
               <a:rPr kumimoji="1" lang="ja-JP" altLang="en-US" smtClean="0"/>
-              <a:t>10</a:t>
+              <a:t>9</a:t>
             </a:fld>
             <a:endParaRPr kumimoji="1" lang="ja-JP" altLang="en-US"/>
           </a:p>
@@ -2111,7 +2258,7 @@
     </p:spTree>
     <p:extLst>
       <p:ext uri="{BB962C8B-B14F-4D97-AF65-F5344CB8AC3E}">
-        <p14:creationId xmlns:p14="http://schemas.microsoft.com/office/powerpoint/2010/main" val="629013122"/>
+        <p14:creationId xmlns:p14="http://schemas.microsoft.com/office/powerpoint/2010/main" val="2499578605"/>
       </p:ext>
     </p:extLst>
   </p:cSld>
@@ -2167,15 +2314,7 @@
           <a:p>
             <a:r>
               <a:rPr kumimoji="1" lang="ja-JP" altLang="en-US" dirty="0" smtClean="0"/>
-              <a:t>そこで提案の手法ではまず</a:t>
-            </a:r>
-            <a:r>
-              <a:rPr kumimoji="1" lang="en-US" altLang="ja-JP" dirty="0" smtClean="0"/>
-              <a:t>WEB</a:t>
-            </a:r>
-            <a:r>
-              <a:rPr kumimoji="1" lang="ja-JP" altLang="en-US" dirty="0" smtClean="0"/>
-              <a:t>ブラウザにモデルファイルを入力すると処理（メソッド）の流れを可視化して表示します。</a:t>
+              <a:t>並列的処理の各部分で新しい知見が発見された場合、先ほどと同様の手順を行い検証することになります。</a:t>
             </a:r>
             <a:endParaRPr kumimoji="1" lang="ja-JP" altLang="en-US" dirty="0"/>
           </a:p>
@@ -2198,7 +2337,7 @@
           <a:p>
             <a:fld id="{9B414CEF-9AC9-7B40-8689-4792AE055851}" type="slidenum">
               <a:rPr kumimoji="1" lang="ja-JP" altLang="en-US" smtClean="0"/>
-              <a:t>11</a:t>
+              <a:t>10</a:t>
             </a:fld>
             <a:endParaRPr kumimoji="1" lang="ja-JP" altLang="en-US"/>
           </a:p>
@@ -2207,7 +2346,7 @@
     </p:spTree>
     <p:extLst>
       <p:ext uri="{BB962C8B-B14F-4D97-AF65-F5344CB8AC3E}">
-        <p14:creationId xmlns:p14="http://schemas.microsoft.com/office/powerpoint/2010/main" val="753666940"/>
+        <p14:creationId xmlns:p14="http://schemas.microsoft.com/office/powerpoint/2010/main" val="629013122"/>
       </p:ext>
     </p:extLst>
   </p:cSld>
@@ -2398,7 +2537,7 @@
           <a:p>
             <a:fld id="{8E38DBD1-F25C-9E4F-851F-C78CA3583CBD}" type="datetimeFigureOut">
               <a:rPr kumimoji="1" lang="ja-JP" altLang="en-US" smtClean="0"/>
-              <a:t>2015/3/22</a:t>
+              <a:t>2015/4/1</a:t>
             </a:fld>
             <a:endParaRPr kumimoji="1" lang="ja-JP" altLang="en-US"/>
           </a:p>
@@ -2600,7 +2739,7 @@
           <a:p>
             <a:fld id="{8E38DBD1-F25C-9E4F-851F-C78CA3583CBD}" type="datetimeFigureOut">
               <a:rPr kumimoji="1" lang="ja-JP" altLang="en-US" smtClean="0"/>
-              <a:t>2015/3/22</a:t>
+              <a:t>2015/4/1</a:t>
             </a:fld>
             <a:endParaRPr kumimoji="1" lang="ja-JP" altLang="en-US"/>
           </a:p>
@@ -2812,7 +2951,7 @@
           <a:p>
             <a:fld id="{8E38DBD1-F25C-9E4F-851F-C78CA3583CBD}" type="datetimeFigureOut">
               <a:rPr kumimoji="1" lang="ja-JP" altLang="en-US" smtClean="0"/>
-              <a:t>2015/3/22</a:t>
+              <a:t>2015/4/1</a:t>
             </a:fld>
             <a:endParaRPr kumimoji="1" lang="ja-JP" altLang="en-US"/>
           </a:p>
@@ -3014,7 +3153,7 @@
           <a:p>
             <a:fld id="{8E38DBD1-F25C-9E4F-851F-C78CA3583CBD}" type="datetimeFigureOut">
               <a:rPr kumimoji="1" lang="ja-JP" altLang="en-US" smtClean="0"/>
-              <a:t>2015/3/22</a:t>
+              <a:t>2015/4/1</a:t>
             </a:fld>
             <a:endParaRPr kumimoji="1" lang="ja-JP" altLang="en-US"/>
           </a:p>
@@ -3260,7 +3399,7 @@
           <a:p>
             <a:fld id="{8E38DBD1-F25C-9E4F-851F-C78CA3583CBD}" type="datetimeFigureOut">
               <a:rPr kumimoji="1" lang="ja-JP" altLang="en-US" smtClean="0"/>
-              <a:t>2015/3/22</a:t>
+              <a:t>2015/4/1</a:t>
             </a:fld>
             <a:endParaRPr kumimoji="1" lang="ja-JP" altLang="en-US"/>
           </a:p>
@@ -3612,7 +3751,7 @@
           <a:p>
             <a:fld id="{8E38DBD1-F25C-9E4F-851F-C78CA3583CBD}" type="datetimeFigureOut">
               <a:rPr kumimoji="1" lang="ja-JP" altLang="en-US" smtClean="0"/>
-              <a:t>2015/3/22</a:t>
+              <a:t>2015/4/1</a:t>
             </a:fld>
             <a:endParaRPr kumimoji="1" lang="ja-JP" altLang="en-US"/>
           </a:p>
@@ -4098,7 +4237,7 @@
           <a:p>
             <a:fld id="{8E38DBD1-F25C-9E4F-851F-C78CA3583CBD}" type="datetimeFigureOut">
               <a:rPr kumimoji="1" lang="ja-JP" altLang="en-US" smtClean="0"/>
-              <a:t>2015/3/22</a:t>
+              <a:t>2015/4/1</a:t>
             </a:fld>
             <a:endParaRPr kumimoji="1" lang="ja-JP" altLang="en-US"/>
           </a:p>
@@ -4216,7 +4355,7 @@
           <a:p>
             <a:fld id="{8E38DBD1-F25C-9E4F-851F-C78CA3583CBD}" type="datetimeFigureOut">
               <a:rPr kumimoji="1" lang="ja-JP" altLang="en-US" smtClean="0"/>
-              <a:t>2015/3/22</a:t>
+              <a:t>2015/4/1</a:t>
             </a:fld>
             <a:endParaRPr kumimoji="1" lang="ja-JP" altLang="en-US"/>
           </a:p>
@@ -4311,7 +4450,7 @@
           <a:p>
             <a:fld id="{8E38DBD1-F25C-9E4F-851F-C78CA3583CBD}" type="datetimeFigureOut">
               <a:rPr kumimoji="1" lang="ja-JP" altLang="en-US" smtClean="0"/>
-              <a:t>2015/3/22</a:t>
+              <a:t>2015/4/1</a:t>
             </a:fld>
             <a:endParaRPr kumimoji="1" lang="ja-JP" altLang="en-US"/>
           </a:p>
@@ -4620,7 +4759,7 @@
           <a:p>
             <a:fld id="{8E38DBD1-F25C-9E4F-851F-C78CA3583CBD}" type="datetimeFigureOut">
               <a:rPr kumimoji="1" lang="ja-JP" altLang="en-US" smtClean="0"/>
-              <a:t>2015/3/22</a:t>
+              <a:t>2015/4/1</a:t>
             </a:fld>
             <a:endParaRPr kumimoji="1" lang="ja-JP" altLang="en-US"/>
           </a:p>
@@ -4873,7 +5012,7 @@
           <a:p>
             <a:fld id="{8E38DBD1-F25C-9E4F-851F-C78CA3583CBD}" type="datetimeFigureOut">
               <a:rPr kumimoji="1" lang="ja-JP" altLang="en-US" smtClean="0"/>
-              <a:t>2015/3/22</a:t>
+              <a:t>2015/4/1</a:t>
             </a:fld>
             <a:endParaRPr kumimoji="1" lang="ja-JP" altLang="en-US"/>
           </a:p>
@@ -5118,7 +5257,7 @@
           <a:p>
             <a:fld id="{8E38DBD1-F25C-9E4F-851F-C78CA3583CBD}" type="datetimeFigureOut">
               <a:rPr kumimoji="1" lang="ja-JP" altLang="en-US" smtClean="0"/>
-              <a:t>2015/3/22</a:t>
+              <a:t>2015/4/1</a:t>
             </a:fld>
             <a:endParaRPr kumimoji="1" lang="ja-JP" altLang="en-US"/>
           </a:p>
@@ -6850,14 +6989,14 @@
                 </a:ln>
                 <a:extLst>
                   <a:ext uri="{909E8E84-426E-40dd-AFC4-6F175D3DCCD1}">
-                    <a14:hiddenFill xmlns:a14="http://schemas.microsoft.com/office/drawing/2010/main" xmlns="">
+                    <a14:hiddenFill xmlns="" xmlns:a14="http://schemas.microsoft.com/office/drawing/2010/main">
                       <a:solidFill>
                         <a:srgbClr val="FFFFFF"/>
                       </a:solidFill>
                     </a14:hiddenFill>
                   </a:ext>
                   <a:ext uri="{91240B29-F687-4f45-9708-019B960494DF}">
-                    <a14:hiddenLine xmlns:a14="http://schemas.microsoft.com/office/drawing/2010/main" xmlns="" w="9525">
+                    <a14:hiddenLine xmlns="" xmlns:a14="http://schemas.microsoft.com/office/drawing/2010/main" w="9525">
                       <a:solidFill>
                         <a:srgbClr val="000000"/>
                       </a:solidFill>
@@ -6921,14 +7060,14 @@
               </a:ln>
               <a:extLst>
                 <a:ext uri="{909E8E84-426E-40dd-AFC4-6F175D3DCCD1}">
-                  <a14:hiddenFill xmlns:a14="http://schemas.microsoft.com/office/drawing/2010/main" xmlns="">
+                  <a14:hiddenFill xmlns="" xmlns:a14="http://schemas.microsoft.com/office/drawing/2010/main">
                     <a:solidFill>
                       <a:srgbClr val="FFFFFF"/>
                     </a:solidFill>
                   </a14:hiddenFill>
                 </a:ext>
                 <a:ext uri="{91240B29-F687-4f45-9708-019B960494DF}">
-                  <a14:hiddenLine xmlns:a14="http://schemas.microsoft.com/office/drawing/2010/main" xmlns="" w="9525">
+                  <a14:hiddenLine xmlns="" xmlns:a14="http://schemas.microsoft.com/office/drawing/2010/main" w="9525">
                     <a:solidFill>
                       <a:srgbClr val="000000"/>
                     </a:solidFill>
@@ -8713,7 +8852,7 @@
                             </p:stCondLst>
                             <p:childTnLst>
                               <p:par>
-                                <p:cTn id="19" presetID="22" presetClass="entr" presetSubtype="1" fill="hold" nodeType="clickEffect">
+                                <p:cTn id="19" presetID="10" presetClass="entr" presetSubtype="0" fill="hold" nodeType="clickEffect">
                                   <p:stCondLst>
                                     <p:cond delay="0"/>
                                   </p:stCondLst>
@@ -8736,7 +8875,7 @@
                                         <p:strVal val="visible"/>
                                       </p:to>
                                     </p:set>
-                                    <p:animEffect transition="in" filter="wipe(up)">
+                                    <p:animEffect transition="in" filter="fade">
                                       <p:cBhvr>
                                         <p:cTn id="21" dur="500"/>
                                         <p:tgtEl>
@@ -9306,11 +9445,7 @@
           <a:p>
             <a:r>
               <a:rPr kumimoji="1" lang="ja-JP" altLang="en-US" dirty="0" smtClean="0"/>
-              <a:t>表示</a:t>
-            </a:r>
-            <a:r>
-              <a:rPr kumimoji="1" lang="ja-JP" altLang="en-US" dirty="0" smtClean="0"/>
-              <a:t>してソースコードの</a:t>
+              <a:t>表示してソースコードの</a:t>
             </a:r>
             <a:endParaRPr kumimoji="1" lang="en-US" altLang="ja-JP" dirty="0" smtClean="0"/>
           </a:p>
@@ -10413,7 +10548,7 @@
                             </p:stCondLst>
                             <p:childTnLst>
                               <p:par>
-                                <p:cTn id="10" presetID="2" presetClass="entr" presetSubtype="4" fill="hold" grpId="0" nodeType="clickEffect">
+                                <p:cTn id="10" presetID="2" presetClass="entr" presetSubtype="8" fill="hold" grpId="0" nodeType="clickEffect">
                                   <p:stCondLst>
                                     <p:cond delay="0"/>
                                   </p:stCondLst>
@@ -10449,7 +10584,7 @@
                                       <p:tavLst>
                                         <p:tav tm="0">
                                           <p:val>
-                                            <p:strVal val="#ppt_x"/>
+                                            <p:strVal val="0-#ppt_w/2"/>
                                           </p:val>
                                         </p:tav>
                                         <p:tav tm="100000">
@@ -10472,7 +10607,7 @@
                                       <p:tavLst>
                                         <p:tav tm="0">
                                           <p:val>
-                                            <p:strVal val="1+#ppt_h/2"/>
+                                            <p:strVal val="#ppt_y"/>
                                           </p:val>
                                         </p:tav>
                                         <p:tav tm="100000">
@@ -11054,7 +11189,7 @@
                             </p:stCondLst>
                             <p:childTnLst>
                               <p:par>
-                                <p:cTn id="58" presetID="1" presetClass="entr" presetSubtype="0" fill="hold" grpId="0" nodeType="clickEffect">
+                                <p:cTn id="58" presetID="22" presetClass="entr" presetSubtype="1" fill="hold" grpId="0" nodeType="clickEffect">
                                   <p:stCondLst>
                                     <p:cond delay="0"/>
                                   </p:stCondLst>
@@ -11077,6 +11212,14 @@
                                         <p:strVal val="visible"/>
                                       </p:to>
                                     </p:set>
+                                    <p:animEffect transition="in" filter="wipe(up)">
+                                      <p:cBhvr>
+                                        <p:cTn id="60" dur="500"/>
+                                        <p:tgtEl>
+                                          <p:spTgt spid="56"/>
+                                        </p:tgtEl>
+                                      </p:cBhvr>
+                                    </p:animEffect>
                                   </p:childTnLst>
                                 </p:cTn>
                               </p:par>
@@ -11154,7 +11297,11 @@
           <a:p>
             <a:r>
               <a:rPr lang="ja-JP" altLang="en-US" dirty="0" smtClean="0"/>
-              <a:t>類似研究・手段ついての検討</a:t>
+              <a:t>類似</a:t>
+            </a:r>
+            <a:r>
+              <a:rPr lang="ja-JP" altLang="en-US" dirty="0" smtClean="0"/>
+              <a:t>研究</a:t>
             </a:r>
             <a:endParaRPr kumimoji="1" lang="ja-JP" altLang="en-US" dirty="0"/>
           </a:p>
@@ -11407,7 +11554,11 @@
           <a:p>
             <a:r>
               <a:rPr kumimoji="1" lang="ja-JP" altLang="en-US" dirty="0" smtClean="0"/>
-              <a:t>類似研究・手段についての検討</a:t>
+              <a:t>類似</a:t>
+            </a:r>
+            <a:r>
+              <a:rPr kumimoji="1" lang="ja-JP" altLang="en-US" dirty="0" smtClean="0"/>
+              <a:t>研究</a:t>
             </a:r>
             <a:endParaRPr kumimoji="1" lang="ja-JP" altLang="en-US" dirty="0"/>
           </a:p>
@@ -11463,30 +11614,28 @@
               <a:rPr kumimoji="1" lang="ja-JP" altLang="en-US" dirty="0" smtClean="0"/>
               <a:t>欠点</a:t>
             </a:r>
-            <a:endParaRPr kumimoji="1" lang="en-US" altLang="ja-JP" dirty="0" smtClean="0"/>
+            <a:endParaRPr lang="en-US" altLang="ja-JP" dirty="0" smtClean="0"/>
           </a:p>
           <a:p>
             <a:pPr lvl="2"/>
             <a:r>
-              <a:rPr lang="ja-JP" altLang="en-US" dirty="0"/>
-              <a:t>必要</a:t>
-            </a:r>
-            <a:r>
               <a:rPr lang="ja-JP" altLang="en-US" dirty="0" smtClean="0"/>
-              <a:t>なライブラリはオプション製品の場合がある</a:t>
+              <a:t>自作</a:t>
+            </a:r>
+            <a:r>
+              <a:rPr lang="ja-JP" altLang="en-US" dirty="0" smtClean="0"/>
+              <a:t>の場合は先に例示した</a:t>
+            </a:r>
+            <a:r>
+              <a:rPr lang="ja-JP" altLang="en-US" dirty="0" smtClean="0"/>
+              <a:t>手順が必要で煩雑</a:t>
             </a:r>
             <a:endParaRPr lang="en-US" altLang="ja-JP" dirty="0" smtClean="0"/>
           </a:p>
           <a:p>
-            <a:pPr lvl="2"/>
-            <a:r>
-              <a:rPr lang="ja-JP" altLang="en-US" dirty="0" smtClean="0"/>
-              <a:t>自作もできるが手順が煩雑</a:t>
-            </a:r>
-            <a:endParaRPr lang="en-US" altLang="ja-JP" dirty="0" smtClean="0"/>
-          </a:p>
-          <a:p>
-            <a:pPr lvl="2"/>
+            <a:pPr marL="914400" lvl="2" indent="0">
+              <a:buNone/>
+            </a:pPr>
             <a:endParaRPr kumimoji="1" lang="ja-JP" altLang="en-US" dirty="0"/>
           </a:p>
         </p:txBody>
@@ -11575,7 +11724,11 @@
           <a:p>
             <a:r>
               <a:rPr kumimoji="1" lang="ja-JP" altLang="en-US" dirty="0" smtClean="0"/>
-              <a:t>類似研究・手段についての検討</a:t>
+              <a:t>類似</a:t>
+            </a:r>
+            <a:r>
+              <a:rPr kumimoji="1" lang="ja-JP" altLang="en-US" dirty="0" smtClean="0"/>
+              <a:t>研究</a:t>
             </a:r>
             <a:endParaRPr kumimoji="1" lang="ja-JP" altLang="en-US" dirty="0"/>
           </a:p>
@@ -11615,8 +11768,20 @@
           <a:p>
             <a:pPr lvl="2"/>
             <a:r>
+              <a:rPr kumimoji="1" lang="en-US" altLang="ja-JP" dirty="0" smtClean="0"/>
+              <a:t>GUI</a:t>
+            </a:r>
+            <a:r>
               <a:rPr kumimoji="1" lang="ja-JP" altLang="en-US" dirty="0" smtClean="0"/>
-              <a:t>グラフィカルなのでテキストベースよりも構築は早い</a:t>
+              <a:t>ベース</a:t>
+            </a:r>
+            <a:r>
+              <a:rPr lang="ja-JP" altLang="en-US" dirty="0" smtClean="0"/>
+              <a:t>のモデル</a:t>
+            </a:r>
+            <a:r>
+              <a:rPr kumimoji="1" lang="ja-JP" altLang="en-US" dirty="0" smtClean="0"/>
+              <a:t>構築は可視化されているので理解が早い。</a:t>
             </a:r>
             <a:endParaRPr kumimoji="1" lang="en-US" altLang="ja-JP" dirty="0" smtClean="0"/>
           </a:p>
@@ -11625,26 +11790,6 @@
             <a:r>
               <a:rPr kumimoji="1" lang="ja-JP" altLang="en-US" dirty="0" smtClean="0"/>
               <a:t>欠点</a:t>
-            </a:r>
-            <a:endParaRPr kumimoji="1" lang="en-US" altLang="ja-JP" dirty="0" smtClean="0"/>
-          </a:p>
-          <a:p>
-            <a:pPr lvl="2"/>
-            <a:r>
-              <a:rPr lang="ja-JP" altLang="en-US" dirty="0"/>
-              <a:t>フロントパネルに</a:t>
-            </a:r>
-            <a:r>
-              <a:rPr lang="en-US" altLang="ja-JP" dirty="0"/>
-              <a:t>UI</a:t>
-            </a:r>
-            <a:r>
-              <a:rPr lang="ja-JP" altLang="en-US" dirty="0"/>
-              <a:t>、ブロックダイアグラムに関数を記述するので</a:t>
-            </a:r>
-            <a:r>
-              <a:rPr lang="ja-JP" altLang="en-US" dirty="0" smtClean="0"/>
-              <a:t>煩雑</a:t>
             </a:r>
             <a:endParaRPr lang="en-US" altLang="ja-JP" dirty="0" smtClean="0"/>
           </a:p>
@@ -11770,840 +11915,718 @@
       </p:sp>
       <p:sp>
         <p:nvSpPr>
-          <p:cNvPr id="3" name="コンテンツ プレースホルダー 2"/>
-          <p:cNvSpPr>
-            <a:spLocks noGrp="1"/>
-          </p:cNvSpPr>
-          <p:nvPr>
-            <p:ph idx="1"/>
-          </p:nvPr>
+          <p:cNvPr id="4" name="正方形/長方形 3"/>
+          <p:cNvSpPr/>
+          <p:nvPr/>
         </p:nvSpPr>
-        <p:spPr/>
+        <p:spPr>
+          <a:xfrm>
+            <a:off x="1138666" y="2414649"/>
+            <a:ext cx="992683" cy="540173"/>
+          </a:xfrm>
+          <a:prstGeom prst="rect">
+            <a:avLst/>
+          </a:prstGeom>
+        </p:spPr>
+        <p:style>
+          <a:lnRef idx="1">
+            <a:schemeClr val="accent1"/>
+          </a:lnRef>
+          <a:fillRef idx="3">
+            <a:schemeClr val="accent1"/>
+          </a:fillRef>
+          <a:effectRef idx="2">
+            <a:schemeClr val="accent1"/>
+          </a:effectRef>
+          <a:fontRef idx="minor">
+            <a:schemeClr val="lt1"/>
+          </a:fontRef>
+        </p:style>
         <p:txBody>
-          <a:bodyPr/>
+          <a:bodyPr rtlCol="0" anchor="ctr"/>
           <a:lstStyle/>
           <a:p>
+            <a:pPr algn="ctr"/>
             <a:r>
               <a:rPr kumimoji="1" lang="ja-JP" altLang="en-US" dirty="0" smtClean="0"/>
-              <a:t>先に例示した</a:t>
-            </a:r>
-            <a:r>
-              <a:rPr kumimoji="1" lang="en-US" altLang="ja-JP" dirty="0" smtClean="0"/>
-              <a:t>S&amp;H</a:t>
-            </a:r>
-            <a:r>
-              <a:rPr kumimoji="1" lang="ja-JP" altLang="en-US" dirty="0" smtClean="0"/>
-              <a:t>と</a:t>
-            </a:r>
-            <a:r>
-              <a:rPr kumimoji="1" lang="en-US" altLang="ja-JP" dirty="0" smtClean="0"/>
-              <a:t>Judd</a:t>
-            </a:r>
-            <a:r>
-              <a:rPr kumimoji="1" lang="ja-JP" altLang="en-US" dirty="0" smtClean="0"/>
-              <a:t>を利用する</a:t>
-            </a:r>
-            <a:endParaRPr kumimoji="1" lang="en-US" altLang="ja-JP" dirty="0" smtClean="0"/>
-          </a:p>
-          <a:p>
-            <a:pPr marL="457200" lvl="1" indent="0">
-              <a:buNone/>
-            </a:pPr>
-            <a:r>
-              <a:rPr lang="ja-JP" altLang="en-US" dirty="0" smtClean="0"/>
-              <a:t>１）</a:t>
-            </a:r>
-            <a:r>
-              <a:rPr lang="en-US" altLang="ja-JP" dirty="0" smtClean="0"/>
-              <a:t>S&amp;H</a:t>
-            </a:r>
-            <a:r>
-              <a:rPr lang="ja-JP" altLang="en-US" dirty="0" smtClean="0"/>
-              <a:t>モデル（直列的な処理）</a:t>
-            </a:r>
-            <a:endParaRPr lang="en-US" altLang="ja-JP" dirty="0" smtClean="0"/>
-          </a:p>
-          <a:p>
-            <a:pPr marL="457200" lvl="1" indent="0">
-              <a:buNone/>
-            </a:pPr>
-            <a:endParaRPr lang="en-US" altLang="ja-JP" dirty="0" smtClean="0"/>
-          </a:p>
-          <a:p>
-            <a:pPr marL="457200" lvl="1" indent="0">
-              <a:buNone/>
-            </a:pPr>
-            <a:endParaRPr lang="en-US" altLang="ja-JP" dirty="0"/>
-          </a:p>
-          <a:p>
-            <a:pPr marL="457200" lvl="1" indent="0">
-              <a:buNone/>
-            </a:pPr>
-            <a:r>
-              <a:rPr lang="ja-JP" altLang="en-US" dirty="0" smtClean="0"/>
-              <a:t>２）</a:t>
-            </a:r>
-            <a:r>
-              <a:rPr lang="en-US" altLang="ja-JP" dirty="0" smtClean="0"/>
-              <a:t>Judd</a:t>
-            </a:r>
-            <a:r>
-              <a:rPr lang="ja-JP" altLang="en-US" dirty="0" smtClean="0"/>
-              <a:t>モデル（並列的な処理）</a:t>
-            </a:r>
-            <a:endParaRPr lang="en-US" altLang="ja-JP" dirty="0" smtClean="0"/>
-          </a:p>
-          <a:p>
-            <a:pPr marL="457200" lvl="1" indent="0">
-              <a:buNone/>
-            </a:pPr>
-            <a:endParaRPr lang="en-US" altLang="ja-JP" dirty="0" smtClean="0"/>
+              <a:t>入力</a:t>
+            </a:r>
+            <a:endParaRPr kumimoji="1" lang="ja-JP" altLang="en-US" dirty="0"/>
           </a:p>
         </p:txBody>
       </p:sp>
-      <p:grpSp>
-        <p:nvGrpSpPr>
-          <p:cNvPr id="8" name="図形グループ 7"/>
-          <p:cNvGrpSpPr/>
+      <p:sp>
+        <p:nvSpPr>
+          <p:cNvPr id="5" name="正方形/長方形 4"/>
+          <p:cNvSpPr/>
           <p:nvPr/>
-        </p:nvGrpSpPr>
-        <p:grpSpPr>
+        </p:nvSpPr>
+        <p:spPr>
           <a:xfrm>
-            <a:off x="1138666" y="2817656"/>
-            <a:ext cx="6540031" cy="540173"/>
-            <a:chOff x="1138666" y="2817656"/>
-            <a:chExt cx="6540031" cy="540173"/>
+            <a:off x="2861264" y="2414649"/>
+            <a:ext cx="1080273" cy="540173"/>
           </a:xfrm>
-        </p:grpSpPr>
-        <p:sp>
-          <p:nvSpPr>
-            <p:cNvPr id="4" name="正方形/長方形 3"/>
-            <p:cNvSpPr/>
-            <p:nvPr/>
-          </p:nvSpPr>
-          <p:spPr>
-            <a:xfrm>
-              <a:off x="1138666" y="2817656"/>
-              <a:ext cx="992683" cy="540173"/>
-            </a:xfrm>
-            <a:prstGeom prst="rect">
-              <a:avLst/>
-            </a:prstGeom>
-          </p:spPr>
-          <p:style>
-            <a:lnRef idx="1">
-              <a:schemeClr val="accent1"/>
-            </a:lnRef>
-            <a:fillRef idx="3">
-              <a:schemeClr val="accent1"/>
-            </a:fillRef>
-            <a:effectRef idx="2">
-              <a:schemeClr val="accent1"/>
-            </a:effectRef>
-            <a:fontRef idx="minor">
-              <a:schemeClr val="lt1"/>
-            </a:fontRef>
-          </p:style>
-          <p:txBody>
-            <a:bodyPr rtlCol="0" anchor="ctr"/>
-            <a:lstStyle/>
-            <a:p>
-              <a:pPr algn="ctr"/>
-              <a:r>
-                <a:rPr kumimoji="1" lang="ja-JP" altLang="en-US" dirty="0" smtClean="0"/>
-                <a:t>入力</a:t>
-              </a:r>
-              <a:endParaRPr kumimoji="1" lang="ja-JP" altLang="en-US" dirty="0"/>
-            </a:p>
-          </p:txBody>
-        </p:sp>
-        <p:sp>
-          <p:nvSpPr>
-            <p:cNvPr id="5" name="正方形/長方形 4"/>
-            <p:cNvSpPr/>
-            <p:nvPr/>
-          </p:nvSpPr>
-          <p:spPr>
-            <a:xfrm>
-              <a:off x="2861264" y="2817656"/>
-              <a:ext cx="1080273" cy="540173"/>
-            </a:xfrm>
-            <a:prstGeom prst="rect">
-              <a:avLst/>
-            </a:prstGeom>
-          </p:spPr>
-          <p:style>
-            <a:lnRef idx="1">
-              <a:schemeClr val="accent1"/>
-            </a:lnRef>
-            <a:fillRef idx="3">
-              <a:schemeClr val="accent1"/>
-            </a:fillRef>
-            <a:effectRef idx="2">
-              <a:schemeClr val="accent1"/>
-            </a:effectRef>
-            <a:fontRef idx="minor">
-              <a:schemeClr val="lt1"/>
-            </a:fontRef>
-          </p:style>
-          <p:txBody>
-            <a:bodyPr rtlCol="0" anchor="ctr"/>
-            <a:lstStyle/>
-            <a:p>
-              <a:pPr algn="ctr"/>
-              <a:r>
-                <a:rPr kumimoji="1" lang="ja-JP" altLang="en-US" dirty="0" smtClean="0"/>
-                <a:t>処理１</a:t>
-              </a:r>
-              <a:endParaRPr kumimoji="1" lang="ja-JP" altLang="en-US" dirty="0"/>
-            </a:p>
-          </p:txBody>
-        </p:sp>
-        <p:sp>
-          <p:nvSpPr>
-            <p:cNvPr id="6" name="正方形/長方形 5"/>
-            <p:cNvSpPr/>
-            <p:nvPr/>
-          </p:nvSpPr>
-          <p:spPr>
-            <a:xfrm>
-              <a:off x="4686049" y="2817656"/>
-              <a:ext cx="1036478" cy="540173"/>
-            </a:xfrm>
-            <a:prstGeom prst="rect">
-              <a:avLst/>
-            </a:prstGeom>
-          </p:spPr>
-          <p:style>
-            <a:lnRef idx="1">
-              <a:schemeClr val="accent1"/>
-            </a:lnRef>
-            <a:fillRef idx="3">
-              <a:schemeClr val="accent1"/>
-            </a:fillRef>
-            <a:effectRef idx="2">
-              <a:schemeClr val="accent1"/>
-            </a:effectRef>
-            <a:fontRef idx="minor">
-              <a:schemeClr val="lt1"/>
-            </a:fontRef>
-          </p:style>
-          <p:txBody>
-            <a:bodyPr rtlCol="0" anchor="ctr"/>
-            <a:lstStyle/>
-            <a:p>
-              <a:pPr algn="ctr"/>
-              <a:r>
-                <a:rPr kumimoji="1" lang="ja-JP" altLang="en-US" dirty="0" smtClean="0"/>
-                <a:t>処理２</a:t>
-              </a:r>
-              <a:endParaRPr kumimoji="1" lang="ja-JP" altLang="en-US" dirty="0"/>
-            </a:p>
-          </p:txBody>
-        </p:sp>
-        <p:sp>
-          <p:nvSpPr>
-            <p:cNvPr id="7" name="正方形/長方形 6"/>
-            <p:cNvSpPr/>
-            <p:nvPr/>
-          </p:nvSpPr>
-          <p:spPr>
-            <a:xfrm>
-              <a:off x="6613023" y="2817656"/>
-              <a:ext cx="1065674" cy="540173"/>
-            </a:xfrm>
-            <a:prstGeom prst="rect">
-              <a:avLst/>
-            </a:prstGeom>
-          </p:spPr>
-          <p:style>
-            <a:lnRef idx="1">
-              <a:schemeClr val="accent1"/>
-            </a:lnRef>
-            <a:fillRef idx="3">
-              <a:schemeClr val="accent1"/>
-            </a:fillRef>
-            <a:effectRef idx="2">
-              <a:schemeClr val="accent1"/>
-            </a:effectRef>
-            <a:fontRef idx="minor">
-              <a:schemeClr val="lt1"/>
-            </a:fontRef>
-          </p:style>
-          <p:txBody>
-            <a:bodyPr rtlCol="0" anchor="ctr"/>
-            <a:lstStyle/>
-            <a:p>
-              <a:pPr algn="ctr"/>
-              <a:r>
-                <a:rPr kumimoji="1" lang="ja-JP" altLang="en-US" dirty="0" smtClean="0"/>
-                <a:t>出力</a:t>
-              </a:r>
-              <a:endParaRPr kumimoji="1" lang="ja-JP" altLang="en-US" dirty="0"/>
-            </a:p>
-          </p:txBody>
-        </p:sp>
-        <p:cxnSp>
-          <p:nvCxnSpPr>
-            <p:cNvPr id="9" name="直線矢印コネクタ 8"/>
-            <p:cNvCxnSpPr>
-              <a:endCxn id="5" idx="1"/>
-            </p:cNvCxnSpPr>
-            <p:nvPr/>
-          </p:nvCxnSpPr>
-          <p:spPr>
-            <a:xfrm>
-              <a:off x="2131349" y="3065844"/>
-              <a:ext cx="729915" cy="21899"/>
-            </a:xfrm>
-            <a:prstGeom prst="straightConnector1">
-              <a:avLst/>
-            </a:prstGeom>
-            <a:ln>
-              <a:tailEnd type="arrow"/>
-            </a:ln>
-          </p:spPr>
-          <p:style>
-            <a:lnRef idx="2">
-              <a:schemeClr val="accent1"/>
-            </a:lnRef>
-            <a:fillRef idx="0">
-              <a:schemeClr val="accent1"/>
-            </a:fillRef>
-            <a:effectRef idx="1">
-              <a:schemeClr val="accent1"/>
-            </a:effectRef>
-            <a:fontRef idx="minor">
-              <a:schemeClr val="tx1"/>
-            </a:fontRef>
-          </p:style>
-        </p:cxnSp>
-        <p:cxnSp>
-          <p:nvCxnSpPr>
-            <p:cNvPr id="12" name="直線矢印コネクタ 11"/>
-            <p:cNvCxnSpPr>
-              <a:stCxn id="5" idx="3"/>
-              <a:endCxn id="6" idx="1"/>
-            </p:cNvCxnSpPr>
-            <p:nvPr/>
-          </p:nvCxnSpPr>
-          <p:spPr>
-            <a:xfrm>
-              <a:off x="3941537" y="3087743"/>
-              <a:ext cx="744512" cy="0"/>
-            </a:xfrm>
-            <a:prstGeom prst="straightConnector1">
-              <a:avLst/>
-            </a:prstGeom>
-            <a:ln>
-              <a:tailEnd type="arrow"/>
-            </a:ln>
-          </p:spPr>
-          <p:style>
-            <a:lnRef idx="2">
-              <a:schemeClr val="accent1"/>
-            </a:lnRef>
-            <a:fillRef idx="0">
-              <a:schemeClr val="accent1"/>
-            </a:fillRef>
-            <a:effectRef idx="1">
-              <a:schemeClr val="accent1"/>
-            </a:effectRef>
-            <a:fontRef idx="minor">
-              <a:schemeClr val="tx1"/>
-            </a:fontRef>
-          </p:style>
-        </p:cxnSp>
-        <p:cxnSp>
-          <p:nvCxnSpPr>
-            <p:cNvPr id="14" name="直線矢印コネクタ 13"/>
-            <p:cNvCxnSpPr>
-              <a:stCxn id="6" idx="3"/>
-              <a:endCxn id="7" idx="1"/>
-            </p:cNvCxnSpPr>
-            <p:nvPr/>
-          </p:nvCxnSpPr>
-          <p:spPr>
-            <a:xfrm>
-              <a:off x="5722527" y="3087743"/>
-              <a:ext cx="890496" cy="0"/>
-            </a:xfrm>
-            <a:prstGeom prst="straightConnector1">
-              <a:avLst/>
-            </a:prstGeom>
-            <a:ln>
-              <a:tailEnd type="arrow"/>
-            </a:ln>
-          </p:spPr>
-          <p:style>
-            <a:lnRef idx="2">
-              <a:schemeClr val="accent1"/>
-            </a:lnRef>
-            <a:fillRef idx="0">
-              <a:schemeClr val="accent1"/>
-            </a:fillRef>
-            <a:effectRef idx="1">
-              <a:schemeClr val="accent1"/>
-            </a:effectRef>
-            <a:fontRef idx="minor">
-              <a:schemeClr val="tx1"/>
-            </a:fontRef>
-          </p:style>
-        </p:cxnSp>
-      </p:grpSp>
-      <p:grpSp>
-        <p:nvGrpSpPr>
-          <p:cNvPr id="10" name="図形グループ 9"/>
-          <p:cNvGrpSpPr/>
+          <a:prstGeom prst="rect">
+            <a:avLst/>
+          </a:prstGeom>
+        </p:spPr>
+        <p:style>
+          <a:lnRef idx="1">
+            <a:schemeClr val="accent1"/>
+          </a:lnRef>
+          <a:fillRef idx="3">
+            <a:schemeClr val="accent1"/>
+          </a:fillRef>
+          <a:effectRef idx="2">
+            <a:schemeClr val="accent1"/>
+          </a:effectRef>
+          <a:fontRef idx="minor">
+            <a:schemeClr val="lt1"/>
+          </a:fontRef>
+        </p:style>
+        <p:txBody>
+          <a:bodyPr rtlCol="0" anchor="ctr"/>
+          <a:lstStyle/>
+          <a:p>
+            <a:pPr algn="ctr"/>
+            <a:r>
+              <a:rPr kumimoji="1" lang="ja-JP" altLang="en-US" dirty="0" smtClean="0"/>
+              <a:t>処理１</a:t>
+            </a:r>
+            <a:endParaRPr kumimoji="1" lang="ja-JP" altLang="en-US" dirty="0"/>
+          </a:p>
+        </p:txBody>
+      </p:sp>
+      <p:sp>
+        <p:nvSpPr>
+          <p:cNvPr id="6" name="正方形/長方形 5"/>
+          <p:cNvSpPr/>
           <p:nvPr/>
-        </p:nvGrpSpPr>
-        <p:grpSpPr>
+        </p:nvSpPr>
+        <p:spPr>
           <a:xfrm>
-            <a:off x="1138666" y="4496571"/>
-            <a:ext cx="4583861" cy="1897903"/>
-            <a:chOff x="1138666" y="4496571"/>
-            <a:chExt cx="4583861" cy="1897903"/>
+            <a:off x="4686049" y="2414649"/>
+            <a:ext cx="1036478" cy="540173"/>
           </a:xfrm>
-        </p:grpSpPr>
-        <p:sp>
-          <p:nvSpPr>
-            <p:cNvPr id="18" name="正方形/長方形 17"/>
-            <p:cNvSpPr/>
-            <p:nvPr/>
-          </p:nvSpPr>
-          <p:spPr>
-            <a:xfrm>
-              <a:off x="1138666" y="5153537"/>
-              <a:ext cx="992683" cy="525573"/>
-            </a:xfrm>
-            <a:prstGeom prst="rect">
-              <a:avLst/>
-            </a:prstGeom>
-          </p:spPr>
-          <p:style>
-            <a:lnRef idx="1">
-              <a:schemeClr val="accent1"/>
-            </a:lnRef>
-            <a:fillRef idx="3">
-              <a:schemeClr val="accent1"/>
-            </a:fillRef>
-            <a:effectRef idx="2">
-              <a:schemeClr val="accent1"/>
-            </a:effectRef>
-            <a:fontRef idx="minor">
-              <a:schemeClr val="lt1"/>
-            </a:fontRef>
-          </p:style>
-          <p:txBody>
-            <a:bodyPr rtlCol="0" anchor="ctr"/>
-            <a:lstStyle/>
-            <a:p>
-              <a:pPr algn="ctr"/>
-              <a:r>
-                <a:rPr kumimoji="1" lang="ja-JP" altLang="en-US" dirty="0" smtClean="0"/>
-                <a:t>入力</a:t>
-              </a:r>
-              <a:endParaRPr kumimoji="1" lang="ja-JP" altLang="en-US" dirty="0"/>
-            </a:p>
-          </p:txBody>
-        </p:sp>
-        <p:sp>
-          <p:nvSpPr>
-            <p:cNvPr id="19" name="正方形/長方形 18"/>
-            <p:cNvSpPr/>
-            <p:nvPr/>
-          </p:nvSpPr>
-          <p:spPr>
-            <a:xfrm>
-              <a:off x="2861264" y="4496571"/>
-              <a:ext cx="1080273" cy="496374"/>
-            </a:xfrm>
-            <a:prstGeom prst="rect">
-              <a:avLst/>
-            </a:prstGeom>
-          </p:spPr>
-          <p:style>
-            <a:lnRef idx="1">
-              <a:schemeClr val="accent1"/>
-            </a:lnRef>
-            <a:fillRef idx="3">
-              <a:schemeClr val="accent1"/>
-            </a:fillRef>
-            <a:effectRef idx="2">
-              <a:schemeClr val="accent1"/>
-            </a:effectRef>
-            <a:fontRef idx="minor">
-              <a:schemeClr val="lt1"/>
-            </a:fontRef>
-          </p:style>
-          <p:txBody>
-            <a:bodyPr rtlCol="0" anchor="ctr"/>
-            <a:lstStyle/>
-            <a:p>
-              <a:pPr algn="ctr"/>
-              <a:r>
-                <a:rPr kumimoji="1" lang="ja-JP" altLang="en-US" dirty="0" smtClean="0"/>
-                <a:t>処理</a:t>
-              </a:r>
-              <a:r>
-                <a:rPr kumimoji="1" lang="en-US" altLang="ja-JP" dirty="0" smtClean="0"/>
-                <a:t>A</a:t>
-              </a:r>
-              <a:endParaRPr kumimoji="1" lang="ja-JP" altLang="en-US" dirty="0"/>
-            </a:p>
-          </p:txBody>
-        </p:sp>
-        <p:sp>
-          <p:nvSpPr>
-            <p:cNvPr id="20" name="正方形/長方形 19"/>
-            <p:cNvSpPr/>
-            <p:nvPr/>
-          </p:nvSpPr>
-          <p:spPr>
-            <a:xfrm>
-              <a:off x="2861264" y="5182737"/>
-              <a:ext cx="1080273" cy="510973"/>
-            </a:xfrm>
-            <a:prstGeom prst="rect">
-              <a:avLst/>
-            </a:prstGeom>
-          </p:spPr>
-          <p:style>
-            <a:lnRef idx="1">
-              <a:schemeClr val="accent1"/>
-            </a:lnRef>
-            <a:fillRef idx="3">
-              <a:schemeClr val="accent1"/>
-            </a:fillRef>
-            <a:effectRef idx="2">
-              <a:schemeClr val="accent1"/>
-            </a:effectRef>
-            <a:fontRef idx="minor">
-              <a:schemeClr val="lt1"/>
-            </a:fontRef>
-          </p:style>
-          <p:txBody>
-            <a:bodyPr rtlCol="0" anchor="ctr"/>
-            <a:lstStyle/>
-            <a:p>
-              <a:pPr algn="ctr"/>
-              <a:r>
-                <a:rPr kumimoji="1" lang="ja-JP" altLang="en-US" dirty="0" smtClean="0"/>
-                <a:t>処理</a:t>
-              </a:r>
-              <a:r>
-                <a:rPr kumimoji="1" lang="en-US" altLang="ja-JP" dirty="0" smtClean="0"/>
-                <a:t>B</a:t>
-              </a:r>
-              <a:endParaRPr kumimoji="1" lang="ja-JP" altLang="en-US" dirty="0"/>
-            </a:p>
-          </p:txBody>
-        </p:sp>
-        <p:sp>
-          <p:nvSpPr>
-            <p:cNvPr id="21" name="正方形/長方形 20"/>
-            <p:cNvSpPr/>
-            <p:nvPr/>
-          </p:nvSpPr>
-          <p:spPr>
-            <a:xfrm>
-              <a:off x="2861264" y="5950973"/>
-              <a:ext cx="1080273" cy="443501"/>
-            </a:xfrm>
-            <a:prstGeom prst="rect">
-              <a:avLst/>
-            </a:prstGeom>
-          </p:spPr>
-          <p:style>
-            <a:lnRef idx="1">
-              <a:schemeClr val="accent1"/>
-            </a:lnRef>
-            <a:fillRef idx="3">
-              <a:schemeClr val="accent1"/>
-            </a:fillRef>
-            <a:effectRef idx="2">
-              <a:schemeClr val="accent1"/>
-            </a:effectRef>
-            <a:fontRef idx="minor">
-              <a:schemeClr val="lt1"/>
-            </a:fontRef>
-          </p:style>
-          <p:txBody>
-            <a:bodyPr rtlCol="0" anchor="ctr"/>
-            <a:lstStyle/>
-            <a:p>
-              <a:pPr algn="ctr"/>
-              <a:r>
-                <a:rPr kumimoji="1" lang="ja-JP" altLang="en-US" dirty="0" smtClean="0"/>
-                <a:t>処理</a:t>
-              </a:r>
-              <a:r>
-                <a:rPr kumimoji="1" lang="en-US" altLang="ja-JP" dirty="0" smtClean="0"/>
-                <a:t>C</a:t>
-              </a:r>
-              <a:endParaRPr kumimoji="1" lang="ja-JP" altLang="en-US" dirty="0"/>
-            </a:p>
-          </p:txBody>
-        </p:sp>
-        <p:cxnSp>
-          <p:nvCxnSpPr>
-            <p:cNvPr id="23" name="直線矢印コネクタ 22"/>
-            <p:cNvCxnSpPr>
-              <a:stCxn id="18" idx="3"/>
-              <a:endCxn id="19" idx="1"/>
-            </p:cNvCxnSpPr>
-            <p:nvPr/>
-          </p:nvCxnSpPr>
-          <p:spPr>
-            <a:xfrm flipV="1">
-              <a:off x="2131349" y="4744758"/>
-              <a:ext cx="729915" cy="671566"/>
-            </a:xfrm>
-            <a:prstGeom prst="straightConnector1">
-              <a:avLst/>
-            </a:prstGeom>
-            <a:ln>
-              <a:tailEnd type="arrow"/>
-            </a:ln>
-          </p:spPr>
-          <p:style>
-            <a:lnRef idx="2">
-              <a:schemeClr val="accent1"/>
-            </a:lnRef>
-            <a:fillRef idx="0">
-              <a:schemeClr val="accent1"/>
-            </a:fillRef>
-            <a:effectRef idx="1">
-              <a:schemeClr val="accent1"/>
-            </a:effectRef>
-            <a:fontRef idx="minor">
-              <a:schemeClr val="tx1"/>
-            </a:fontRef>
-          </p:style>
-        </p:cxnSp>
-        <p:cxnSp>
-          <p:nvCxnSpPr>
-            <p:cNvPr id="25" name="直線矢印コネクタ 24"/>
-            <p:cNvCxnSpPr>
-              <a:stCxn id="18" idx="3"/>
-              <a:endCxn id="20" idx="1"/>
-            </p:cNvCxnSpPr>
-            <p:nvPr/>
-          </p:nvCxnSpPr>
-          <p:spPr>
-            <a:xfrm>
-              <a:off x="2131349" y="5416324"/>
-              <a:ext cx="729915" cy="21900"/>
-            </a:xfrm>
-            <a:prstGeom prst="straightConnector1">
-              <a:avLst/>
-            </a:prstGeom>
-            <a:ln>
-              <a:tailEnd type="arrow"/>
-            </a:ln>
-          </p:spPr>
-          <p:style>
-            <a:lnRef idx="2">
-              <a:schemeClr val="accent1"/>
-            </a:lnRef>
-            <a:fillRef idx="0">
-              <a:schemeClr val="accent1"/>
-            </a:fillRef>
-            <a:effectRef idx="1">
-              <a:schemeClr val="accent1"/>
-            </a:effectRef>
-            <a:fontRef idx="minor">
-              <a:schemeClr val="tx1"/>
-            </a:fontRef>
-          </p:style>
-        </p:cxnSp>
-        <p:cxnSp>
-          <p:nvCxnSpPr>
-            <p:cNvPr id="27" name="直線矢印コネクタ 26"/>
-            <p:cNvCxnSpPr>
-              <a:stCxn id="18" idx="3"/>
-              <a:endCxn id="21" idx="1"/>
-            </p:cNvCxnSpPr>
-            <p:nvPr/>
-          </p:nvCxnSpPr>
-          <p:spPr>
-            <a:xfrm>
-              <a:off x="2131349" y="5416324"/>
-              <a:ext cx="729915" cy="756400"/>
-            </a:xfrm>
-            <a:prstGeom prst="straightConnector1">
-              <a:avLst/>
-            </a:prstGeom>
-            <a:ln>
-              <a:tailEnd type="arrow"/>
-            </a:ln>
-          </p:spPr>
-          <p:style>
-            <a:lnRef idx="2">
-              <a:schemeClr val="accent1"/>
-            </a:lnRef>
-            <a:fillRef idx="0">
-              <a:schemeClr val="accent1"/>
-            </a:fillRef>
-            <a:effectRef idx="1">
-              <a:schemeClr val="accent1"/>
-            </a:effectRef>
-            <a:fontRef idx="minor">
-              <a:schemeClr val="tx1"/>
-            </a:fontRef>
-          </p:style>
-        </p:cxnSp>
-        <p:sp>
-          <p:nvSpPr>
-            <p:cNvPr id="28" name="正方形/長方形 27"/>
-            <p:cNvSpPr/>
-            <p:nvPr/>
-          </p:nvSpPr>
-          <p:spPr>
-            <a:xfrm>
-              <a:off x="4686049" y="5153537"/>
-              <a:ext cx="1036478" cy="540173"/>
-            </a:xfrm>
-            <a:prstGeom prst="rect">
-              <a:avLst/>
-            </a:prstGeom>
-          </p:spPr>
-          <p:style>
-            <a:lnRef idx="1">
-              <a:schemeClr val="accent1"/>
-            </a:lnRef>
-            <a:fillRef idx="3">
-              <a:schemeClr val="accent1"/>
-            </a:fillRef>
-            <a:effectRef idx="2">
-              <a:schemeClr val="accent1"/>
-            </a:effectRef>
-            <a:fontRef idx="minor">
-              <a:schemeClr val="lt1"/>
-            </a:fontRef>
-          </p:style>
-          <p:txBody>
-            <a:bodyPr rtlCol="0" anchor="ctr"/>
-            <a:lstStyle/>
-            <a:p>
-              <a:pPr algn="ctr"/>
-              <a:r>
-                <a:rPr kumimoji="1" lang="ja-JP" altLang="en-US" dirty="0" smtClean="0"/>
-                <a:t>出力</a:t>
-              </a:r>
-              <a:endParaRPr kumimoji="1" lang="ja-JP" altLang="en-US" dirty="0"/>
-            </a:p>
-          </p:txBody>
-        </p:sp>
-        <p:cxnSp>
-          <p:nvCxnSpPr>
-            <p:cNvPr id="30" name="直線矢印コネクタ 29"/>
-            <p:cNvCxnSpPr>
-              <a:stCxn id="19" idx="3"/>
-              <a:endCxn id="28" idx="1"/>
-            </p:cNvCxnSpPr>
-            <p:nvPr/>
-          </p:nvCxnSpPr>
-          <p:spPr>
-            <a:xfrm>
-              <a:off x="3941537" y="4744758"/>
-              <a:ext cx="744512" cy="678866"/>
-            </a:xfrm>
-            <a:prstGeom prst="straightConnector1">
-              <a:avLst/>
-            </a:prstGeom>
-            <a:ln>
-              <a:tailEnd type="arrow"/>
-            </a:ln>
-          </p:spPr>
-          <p:style>
-            <a:lnRef idx="2">
-              <a:schemeClr val="accent1"/>
-            </a:lnRef>
-            <a:fillRef idx="0">
-              <a:schemeClr val="accent1"/>
-            </a:fillRef>
-            <a:effectRef idx="1">
-              <a:schemeClr val="accent1"/>
-            </a:effectRef>
-            <a:fontRef idx="minor">
-              <a:schemeClr val="tx1"/>
-            </a:fontRef>
-          </p:style>
-        </p:cxnSp>
-        <p:cxnSp>
-          <p:nvCxnSpPr>
-            <p:cNvPr id="32" name="直線矢印コネクタ 31"/>
-            <p:cNvCxnSpPr>
-              <a:stCxn id="20" idx="3"/>
-              <a:endCxn id="28" idx="1"/>
-            </p:cNvCxnSpPr>
-            <p:nvPr/>
-          </p:nvCxnSpPr>
-          <p:spPr>
-            <a:xfrm flipV="1">
-              <a:off x="3941537" y="5423624"/>
-              <a:ext cx="744512" cy="14600"/>
-            </a:xfrm>
-            <a:prstGeom prst="straightConnector1">
-              <a:avLst/>
-            </a:prstGeom>
-            <a:ln>
-              <a:tailEnd type="arrow"/>
-            </a:ln>
-          </p:spPr>
-          <p:style>
-            <a:lnRef idx="2">
-              <a:schemeClr val="accent1"/>
-            </a:lnRef>
-            <a:fillRef idx="0">
-              <a:schemeClr val="accent1"/>
-            </a:fillRef>
-            <a:effectRef idx="1">
-              <a:schemeClr val="accent1"/>
-            </a:effectRef>
-            <a:fontRef idx="minor">
-              <a:schemeClr val="tx1"/>
-            </a:fontRef>
-          </p:style>
-        </p:cxnSp>
-        <p:cxnSp>
-          <p:nvCxnSpPr>
-            <p:cNvPr id="34" name="直線矢印コネクタ 33"/>
-            <p:cNvCxnSpPr>
-              <a:stCxn id="21" idx="3"/>
-              <a:endCxn id="28" idx="1"/>
-            </p:cNvCxnSpPr>
-            <p:nvPr/>
-          </p:nvCxnSpPr>
-          <p:spPr>
-            <a:xfrm flipV="1">
-              <a:off x="3941537" y="5423624"/>
-              <a:ext cx="744512" cy="749100"/>
-            </a:xfrm>
-            <a:prstGeom prst="straightConnector1">
-              <a:avLst/>
-            </a:prstGeom>
-            <a:ln>
-              <a:tailEnd type="arrow"/>
-            </a:ln>
-          </p:spPr>
-          <p:style>
-            <a:lnRef idx="2">
-              <a:schemeClr val="accent1"/>
-            </a:lnRef>
-            <a:fillRef idx="0">
-              <a:schemeClr val="accent1"/>
-            </a:fillRef>
-            <a:effectRef idx="1">
-              <a:schemeClr val="accent1"/>
-            </a:effectRef>
-            <a:fontRef idx="minor">
-              <a:schemeClr val="tx1"/>
-            </a:fontRef>
-          </p:style>
-        </p:cxnSp>
-      </p:grpSp>
+          <a:prstGeom prst="rect">
+            <a:avLst/>
+          </a:prstGeom>
+        </p:spPr>
+        <p:style>
+          <a:lnRef idx="1">
+            <a:schemeClr val="accent1"/>
+          </a:lnRef>
+          <a:fillRef idx="3">
+            <a:schemeClr val="accent1"/>
+          </a:fillRef>
+          <a:effectRef idx="2">
+            <a:schemeClr val="accent1"/>
+          </a:effectRef>
+          <a:fontRef idx="minor">
+            <a:schemeClr val="lt1"/>
+          </a:fontRef>
+        </p:style>
+        <p:txBody>
+          <a:bodyPr rtlCol="0" anchor="ctr"/>
+          <a:lstStyle/>
+          <a:p>
+            <a:pPr algn="ctr"/>
+            <a:r>
+              <a:rPr kumimoji="1" lang="ja-JP" altLang="en-US" dirty="0" smtClean="0"/>
+              <a:t>処理２</a:t>
+            </a:r>
+            <a:endParaRPr kumimoji="1" lang="ja-JP" altLang="en-US" dirty="0"/>
+          </a:p>
+        </p:txBody>
+      </p:sp>
+      <p:sp>
+        <p:nvSpPr>
+          <p:cNvPr id="7" name="正方形/長方形 6"/>
+          <p:cNvSpPr/>
+          <p:nvPr/>
+        </p:nvSpPr>
+        <p:spPr>
+          <a:xfrm>
+            <a:off x="6613023" y="2414649"/>
+            <a:ext cx="1065674" cy="540173"/>
+          </a:xfrm>
+          <a:prstGeom prst="rect">
+            <a:avLst/>
+          </a:prstGeom>
+        </p:spPr>
+        <p:style>
+          <a:lnRef idx="1">
+            <a:schemeClr val="accent1"/>
+          </a:lnRef>
+          <a:fillRef idx="3">
+            <a:schemeClr val="accent1"/>
+          </a:fillRef>
+          <a:effectRef idx="2">
+            <a:schemeClr val="accent1"/>
+          </a:effectRef>
+          <a:fontRef idx="minor">
+            <a:schemeClr val="lt1"/>
+          </a:fontRef>
+        </p:style>
+        <p:txBody>
+          <a:bodyPr rtlCol="0" anchor="ctr"/>
+          <a:lstStyle/>
+          <a:p>
+            <a:pPr algn="ctr"/>
+            <a:r>
+              <a:rPr kumimoji="1" lang="ja-JP" altLang="en-US" dirty="0" smtClean="0"/>
+              <a:t>出力</a:t>
+            </a:r>
+            <a:endParaRPr kumimoji="1" lang="ja-JP" altLang="en-US" dirty="0"/>
+          </a:p>
+        </p:txBody>
+      </p:sp>
+      <p:cxnSp>
+        <p:nvCxnSpPr>
+          <p:cNvPr id="9" name="直線矢印コネクタ 8"/>
+          <p:cNvCxnSpPr>
+            <a:stCxn id="4" idx="3"/>
+            <a:endCxn id="5" idx="1"/>
+          </p:cNvCxnSpPr>
+          <p:nvPr/>
+        </p:nvCxnSpPr>
+        <p:spPr>
+          <a:xfrm>
+            <a:off x="2131349" y="2684736"/>
+            <a:ext cx="729915" cy="0"/>
+          </a:xfrm>
+          <a:prstGeom prst="straightConnector1">
+            <a:avLst/>
+          </a:prstGeom>
+          <a:ln>
+            <a:tailEnd type="arrow"/>
+          </a:ln>
+        </p:spPr>
+        <p:style>
+          <a:lnRef idx="2">
+            <a:schemeClr val="accent1"/>
+          </a:lnRef>
+          <a:fillRef idx="0">
+            <a:schemeClr val="accent1"/>
+          </a:fillRef>
+          <a:effectRef idx="1">
+            <a:schemeClr val="accent1"/>
+          </a:effectRef>
+          <a:fontRef idx="minor">
+            <a:schemeClr val="tx1"/>
+          </a:fontRef>
+        </p:style>
+      </p:cxnSp>
+      <p:cxnSp>
+        <p:nvCxnSpPr>
+          <p:cNvPr id="12" name="直線矢印コネクタ 11"/>
+          <p:cNvCxnSpPr>
+            <a:stCxn id="5" idx="3"/>
+            <a:endCxn id="6" idx="1"/>
+          </p:cNvCxnSpPr>
+          <p:nvPr/>
+        </p:nvCxnSpPr>
+        <p:spPr>
+          <a:xfrm>
+            <a:off x="3941537" y="2684736"/>
+            <a:ext cx="744512" cy="0"/>
+          </a:xfrm>
+          <a:prstGeom prst="straightConnector1">
+            <a:avLst/>
+          </a:prstGeom>
+          <a:ln>
+            <a:tailEnd type="arrow"/>
+          </a:ln>
+        </p:spPr>
+        <p:style>
+          <a:lnRef idx="2">
+            <a:schemeClr val="accent1"/>
+          </a:lnRef>
+          <a:fillRef idx="0">
+            <a:schemeClr val="accent1"/>
+          </a:fillRef>
+          <a:effectRef idx="1">
+            <a:schemeClr val="accent1"/>
+          </a:effectRef>
+          <a:fontRef idx="minor">
+            <a:schemeClr val="tx1"/>
+          </a:fontRef>
+        </p:style>
+      </p:cxnSp>
+      <p:cxnSp>
+        <p:nvCxnSpPr>
+          <p:cNvPr id="14" name="直線矢印コネクタ 13"/>
+          <p:cNvCxnSpPr>
+            <a:stCxn id="6" idx="3"/>
+            <a:endCxn id="7" idx="1"/>
+          </p:cNvCxnSpPr>
+          <p:nvPr/>
+        </p:nvCxnSpPr>
+        <p:spPr>
+          <a:xfrm>
+            <a:off x="5722527" y="2684736"/>
+            <a:ext cx="890496" cy="0"/>
+          </a:xfrm>
+          <a:prstGeom prst="straightConnector1">
+            <a:avLst/>
+          </a:prstGeom>
+          <a:ln>
+            <a:tailEnd type="arrow"/>
+          </a:ln>
+        </p:spPr>
+        <p:style>
+          <a:lnRef idx="2">
+            <a:schemeClr val="accent1"/>
+          </a:lnRef>
+          <a:fillRef idx="0">
+            <a:schemeClr val="accent1"/>
+          </a:fillRef>
+          <a:effectRef idx="1">
+            <a:schemeClr val="accent1"/>
+          </a:effectRef>
+          <a:fontRef idx="minor">
+            <a:schemeClr val="tx1"/>
+          </a:fontRef>
+        </p:style>
+      </p:cxnSp>
+      <p:sp>
+        <p:nvSpPr>
+          <p:cNvPr id="18" name="正方形/長方形 17"/>
+          <p:cNvSpPr/>
+          <p:nvPr/>
+        </p:nvSpPr>
+        <p:spPr>
+          <a:xfrm>
+            <a:off x="1042973" y="4630317"/>
+            <a:ext cx="992683" cy="525573"/>
+          </a:xfrm>
+          <a:prstGeom prst="rect">
+            <a:avLst/>
+          </a:prstGeom>
+        </p:spPr>
+        <p:style>
+          <a:lnRef idx="1">
+            <a:schemeClr val="accent1"/>
+          </a:lnRef>
+          <a:fillRef idx="3">
+            <a:schemeClr val="accent1"/>
+          </a:fillRef>
+          <a:effectRef idx="2">
+            <a:schemeClr val="accent1"/>
+          </a:effectRef>
+          <a:fontRef idx="minor">
+            <a:schemeClr val="lt1"/>
+          </a:fontRef>
+        </p:style>
+        <p:txBody>
+          <a:bodyPr rtlCol="0" anchor="ctr"/>
+          <a:lstStyle/>
+          <a:p>
+            <a:pPr algn="ctr"/>
+            <a:r>
+              <a:rPr kumimoji="1" lang="ja-JP" altLang="en-US" dirty="0" smtClean="0"/>
+              <a:t>入力</a:t>
+            </a:r>
+            <a:endParaRPr kumimoji="1" lang="ja-JP" altLang="en-US" dirty="0"/>
+          </a:p>
+        </p:txBody>
+      </p:sp>
+      <p:sp>
+        <p:nvSpPr>
+          <p:cNvPr id="19" name="正方形/長方形 18"/>
+          <p:cNvSpPr/>
+          <p:nvPr/>
+        </p:nvSpPr>
+        <p:spPr>
+          <a:xfrm>
+            <a:off x="2765571" y="3973351"/>
+            <a:ext cx="1080273" cy="496374"/>
+          </a:xfrm>
+          <a:prstGeom prst="rect">
+            <a:avLst/>
+          </a:prstGeom>
+        </p:spPr>
+        <p:style>
+          <a:lnRef idx="1">
+            <a:schemeClr val="accent1"/>
+          </a:lnRef>
+          <a:fillRef idx="3">
+            <a:schemeClr val="accent1"/>
+          </a:fillRef>
+          <a:effectRef idx="2">
+            <a:schemeClr val="accent1"/>
+          </a:effectRef>
+          <a:fontRef idx="minor">
+            <a:schemeClr val="lt1"/>
+          </a:fontRef>
+        </p:style>
+        <p:txBody>
+          <a:bodyPr rtlCol="0" anchor="ctr"/>
+          <a:lstStyle/>
+          <a:p>
+            <a:pPr algn="ctr"/>
+            <a:r>
+              <a:rPr kumimoji="1" lang="ja-JP" altLang="en-US" dirty="0" smtClean="0"/>
+              <a:t>処理</a:t>
+            </a:r>
+            <a:r>
+              <a:rPr kumimoji="1" lang="en-US" altLang="ja-JP" dirty="0" smtClean="0"/>
+              <a:t>A</a:t>
+            </a:r>
+            <a:endParaRPr kumimoji="1" lang="ja-JP" altLang="en-US" dirty="0"/>
+          </a:p>
+        </p:txBody>
+      </p:sp>
+      <p:sp>
+        <p:nvSpPr>
+          <p:cNvPr id="20" name="正方形/長方形 19"/>
+          <p:cNvSpPr/>
+          <p:nvPr/>
+        </p:nvSpPr>
+        <p:spPr>
+          <a:xfrm>
+            <a:off x="2765571" y="4659517"/>
+            <a:ext cx="1080273" cy="510973"/>
+          </a:xfrm>
+          <a:prstGeom prst="rect">
+            <a:avLst/>
+          </a:prstGeom>
+        </p:spPr>
+        <p:style>
+          <a:lnRef idx="1">
+            <a:schemeClr val="accent1"/>
+          </a:lnRef>
+          <a:fillRef idx="3">
+            <a:schemeClr val="accent1"/>
+          </a:fillRef>
+          <a:effectRef idx="2">
+            <a:schemeClr val="accent1"/>
+          </a:effectRef>
+          <a:fontRef idx="minor">
+            <a:schemeClr val="lt1"/>
+          </a:fontRef>
+        </p:style>
+        <p:txBody>
+          <a:bodyPr rtlCol="0" anchor="ctr"/>
+          <a:lstStyle/>
+          <a:p>
+            <a:pPr algn="ctr"/>
+            <a:r>
+              <a:rPr kumimoji="1" lang="ja-JP" altLang="en-US" dirty="0" smtClean="0"/>
+              <a:t>処理</a:t>
+            </a:r>
+            <a:r>
+              <a:rPr kumimoji="1" lang="en-US" altLang="ja-JP" dirty="0" smtClean="0"/>
+              <a:t>B</a:t>
+            </a:r>
+            <a:endParaRPr kumimoji="1" lang="ja-JP" altLang="en-US" dirty="0"/>
+          </a:p>
+        </p:txBody>
+      </p:sp>
+      <p:sp>
+        <p:nvSpPr>
+          <p:cNvPr id="21" name="正方形/長方形 20"/>
+          <p:cNvSpPr/>
+          <p:nvPr/>
+        </p:nvSpPr>
+        <p:spPr>
+          <a:xfrm>
+            <a:off x="2765571" y="5427753"/>
+            <a:ext cx="1080273" cy="443501"/>
+          </a:xfrm>
+          <a:prstGeom prst="rect">
+            <a:avLst/>
+          </a:prstGeom>
+        </p:spPr>
+        <p:style>
+          <a:lnRef idx="1">
+            <a:schemeClr val="accent1"/>
+          </a:lnRef>
+          <a:fillRef idx="3">
+            <a:schemeClr val="accent1"/>
+          </a:fillRef>
+          <a:effectRef idx="2">
+            <a:schemeClr val="accent1"/>
+          </a:effectRef>
+          <a:fontRef idx="minor">
+            <a:schemeClr val="lt1"/>
+          </a:fontRef>
+        </p:style>
+        <p:txBody>
+          <a:bodyPr rtlCol="0" anchor="ctr"/>
+          <a:lstStyle/>
+          <a:p>
+            <a:pPr algn="ctr"/>
+            <a:r>
+              <a:rPr kumimoji="1" lang="ja-JP" altLang="en-US" dirty="0" smtClean="0"/>
+              <a:t>処理</a:t>
+            </a:r>
+            <a:r>
+              <a:rPr kumimoji="1" lang="en-US" altLang="ja-JP" dirty="0" smtClean="0"/>
+              <a:t>C</a:t>
+            </a:r>
+            <a:endParaRPr kumimoji="1" lang="ja-JP" altLang="en-US" dirty="0"/>
+          </a:p>
+        </p:txBody>
+      </p:sp>
+      <p:cxnSp>
+        <p:nvCxnSpPr>
+          <p:cNvPr id="23" name="直線矢印コネクタ 22"/>
+          <p:cNvCxnSpPr>
+            <a:stCxn id="18" idx="3"/>
+            <a:endCxn id="19" idx="1"/>
+          </p:cNvCxnSpPr>
+          <p:nvPr/>
+        </p:nvCxnSpPr>
+        <p:spPr>
+          <a:xfrm flipV="1">
+            <a:off x="2035656" y="4221538"/>
+            <a:ext cx="729915" cy="671566"/>
+          </a:xfrm>
+          <a:prstGeom prst="straightConnector1">
+            <a:avLst/>
+          </a:prstGeom>
+          <a:ln>
+            <a:tailEnd type="arrow"/>
+          </a:ln>
+        </p:spPr>
+        <p:style>
+          <a:lnRef idx="2">
+            <a:schemeClr val="accent1"/>
+          </a:lnRef>
+          <a:fillRef idx="0">
+            <a:schemeClr val="accent1"/>
+          </a:fillRef>
+          <a:effectRef idx="1">
+            <a:schemeClr val="accent1"/>
+          </a:effectRef>
+          <a:fontRef idx="minor">
+            <a:schemeClr val="tx1"/>
+          </a:fontRef>
+        </p:style>
+      </p:cxnSp>
+      <p:cxnSp>
+        <p:nvCxnSpPr>
+          <p:cNvPr id="25" name="直線矢印コネクタ 24"/>
+          <p:cNvCxnSpPr>
+            <a:stCxn id="18" idx="3"/>
+            <a:endCxn id="20" idx="1"/>
+          </p:cNvCxnSpPr>
+          <p:nvPr/>
+        </p:nvCxnSpPr>
+        <p:spPr>
+          <a:xfrm>
+            <a:off x="2035656" y="4893104"/>
+            <a:ext cx="729915" cy="21900"/>
+          </a:xfrm>
+          <a:prstGeom prst="straightConnector1">
+            <a:avLst/>
+          </a:prstGeom>
+          <a:ln>
+            <a:tailEnd type="arrow"/>
+          </a:ln>
+        </p:spPr>
+        <p:style>
+          <a:lnRef idx="2">
+            <a:schemeClr val="accent1"/>
+          </a:lnRef>
+          <a:fillRef idx="0">
+            <a:schemeClr val="accent1"/>
+          </a:fillRef>
+          <a:effectRef idx="1">
+            <a:schemeClr val="accent1"/>
+          </a:effectRef>
+          <a:fontRef idx="minor">
+            <a:schemeClr val="tx1"/>
+          </a:fontRef>
+        </p:style>
+      </p:cxnSp>
+      <p:cxnSp>
+        <p:nvCxnSpPr>
+          <p:cNvPr id="27" name="直線矢印コネクタ 26"/>
+          <p:cNvCxnSpPr>
+            <a:stCxn id="18" idx="3"/>
+            <a:endCxn id="21" idx="1"/>
+          </p:cNvCxnSpPr>
+          <p:nvPr/>
+        </p:nvCxnSpPr>
+        <p:spPr>
+          <a:xfrm>
+            <a:off x="2035656" y="4893104"/>
+            <a:ext cx="729915" cy="756400"/>
+          </a:xfrm>
+          <a:prstGeom prst="straightConnector1">
+            <a:avLst/>
+          </a:prstGeom>
+          <a:ln>
+            <a:tailEnd type="arrow"/>
+          </a:ln>
+        </p:spPr>
+        <p:style>
+          <a:lnRef idx="2">
+            <a:schemeClr val="accent1"/>
+          </a:lnRef>
+          <a:fillRef idx="0">
+            <a:schemeClr val="accent1"/>
+          </a:fillRef>
+          <a:effectRef idx="1">
+            <a:schemeClr val="accent1"/>
+          </a:effectRef>
+          <a:fontRef idx="minor">
+            <a:schemeClr val="tx1"/>
+          </a:fontRef>
+        </p:style>
+      </p:cxnSp>
+      <p:sp>
+        <p:nvSpPr>
+          <p:cNvPr id="28" name="正方形/長方形 27"/>
+          <p:cNvSpPr/>
+          <p:nvPr/>
+        </p:nvSpPr>
+        <p:spPr>
+          <a:xfrm>
+            <a:off x="4590356" y="4630317"/>
+            <a:ext cx="1036478" cy="540173"/>
+          </a:xfrm>
+          <a:prstGeom prst="rect">
+            <a:avLst/>
+          </a:prstGeom>
+        </p:spPr>
+        <p:style>
+          <a:lnRef idx="1">
+            <a:schemeClr val="accent1"/>
+          </a:lnRef>
+          <a:fillRef idx="3">
+            <a:schemeClr val="accent1"/>
+          </a:fillRef>
+          <a:effectRef idx="2">
+            <a:schemeClr val="accent1"/>
+          </a:effectRef>
+          <a:fontRef idx="minor">
+            <a:schemeClr val="lt1"/>
+          </a:fontRef>
+        </p:style>
+        <p:txBody>
+          <a:bodyPr rtlCol="0" anchor="ctr"/>
+          <a:lstStyle/>
+          <a:p>
+            <a:pPr algn="ctr"/>
+            <a:r>
+              <a:rPr kumimoji="1" lang="ja-JP" altLang="en-US" dirty="0" smtClean="0"/>
+              <a:t>出力</a:t>
+            </a:r>
+            <a:endParaRPr kumimoji="1" lang="ja-JP" altLang="en-US" dirty="0"/>
+          </a:p>
+        </p:txBody>
+      </p:sp>
+      <p:cxnSp>
+        <p:nvCxnSpPr>
+          <p:cNvPr id="30" name="直線矢印コネクタ 29"/>
+          <p:cNvCxnSpPr>
+            <a:stCxn id="19" idx="3"/>
+            <a:endCxn id="28" idx="1"/>
+          </p:cNvCxnSpPr>
+          <p:nvPr/>
+        </p:nvCxnSpPr>
+        <p:spPr>
+          <a:xfrm>
+            <a:off x="3845844" y="4221538"/>
+            <a:ext cx="744512" cy="678866"/>
+          </a:xfrm>
+          <a:prstGeom prst="straightConnector1">
+            <a:avLst/>
+          </a:prstGeom>
+          <a:ln>
+            <a:tailEnd type="arrow"/>
+          </a:ln>
+        </p:spPr>
+        <p:style>
+          <a:lnRef idx="2">
+            <a:schemeClr val="accent1"/>
+          </a:lnRef>
+          <a:fillRef idx="0">
+            <a:schemeClr val="accent1"/>
+          </a:fillRef>
+          <a:effectRef idx="1">
+            <a:schemeClr val="accent1"/>
+          </a:effectRef>
+          <a:fontRef idx="minor">
+            <a:schemeClr val="tx1"/>
+          </a:fontRef>
+        </p:style>
+      </p:cxnSp>
+      <p:cxnSp>
+        <p:nvCxnSpPr>
+          <p:cNvPr id="32" name="直線矢印コネクタ 31"/>
+          <p:cNvCxnSpPr>
+            <a:stCxn id="20" idx="3"/>
+            <a:endCxn id="28" idx="1"/>
+          </p:cNvCxnSpPr>
+          <p:nvPr/>
+        </p:nvCxnSpPr>
+        <p:spPr>
+          <a:xfrm flipV="1">
+            <a:off x="3845844" y="4900404"/>
+            <a:ext cx="744512" cy="14600"/>
+          </a:xfrm>
+          <a:prstGeom prst="straightConnector1">
+            <a:avLst/>
+          </a:prstGeom>
+          <a:ln>
+            <a:tailEnd type="arrow"/>
+          </a:ln>
+        </p:spPr>
+        <p:style>
+          <a:lnRef idx="2">
+            <a:schemeClr val="accent1"/>
+          </a:lnRef>
+          <a:fillRef idx="0">
+            <a:schemeClr val="accent1"/>
+          </a:fillRef>
+          <a:effectRef idx="1">
+            <a:schemeClr val="accent1"/>
+          </a:effectRef>
+          <a:fontRef idx="minor">
+            <a:schemeClr val="tx1"/>
+          </a:fontRef>
+        </p:style>
+      </p:cxnSp>
+      <p:cxnSp>
+        <p:nvCxnSpPr>
+          <p:cNvPr id="34" name="直線矢印コネクタ 33"/>
+          <p:cNvCxnSpPr>
+            <a:stCxn id="21" idx="3"/>
+            <a:endCxn id="28" idx="1"/>
+          </p:cNvCxnSpPr>
+          <p:nvPr/>
+        </p:nvCxnSpPr>
+        <p:spPr>
+          <a:xfrm flipV="1">
+            <a:off x="3845844" y="4900404"/>
+            <a:ext cx="744512" cy="749100"/>
+          </a:xfrm>
+          <a:prstGeom prst="straightConnector1">
+            <a:avLst/>
+          </a:prstGeom>
+          <a:ln>
+            <a:tailEnd type="arrow"/>
+          </a:ln>
+        </p:spPr>
+        <p:style>
+          <a:lnRef idx="2">
+            <a:schemeClr val="accent1"/>
+          </a:lnRef>
+          <a:fillRef idx="0">
+            <a:schemeClr val="accent1"/>
+          </a:fillRef>
+          <a:effectRef idx="1">
+            <a:schemeClr val="accent1"/>
+          </a:effectRef>
+          <a:fontRef idx="minor">
+            <a:schemeClr val="tx1"/>
+          </a:fontRef>
+        </p:style>
+      </p:cxnSp>
       <p:cxnSp>
         <p:nvCxnSpPr>
           <p:cNvPr id="13" name="直線コネクタ 12"/>
@@ -12634,6 +12657,134 @@
           </a:fontRef>
         </p:style>
       </p:cxnSp>
+      <p:sp>
+        <p:nvSpPr>
+          <p:cNvPr id="11" name="テキスト ボックス 10"/>
+          <p:cNvSpPr txBox="1"/>
+          <p:nvPr/>
+        </p:nvSpPr>
+        <p:spPr>
+          <a:xfrm>
+            <a:off x="1138666" y="1607430"/>
+            <a:ext cx="4911922" cy="584775"/>
+          </a:xfrm>
+          <a:prstGeom prst="rect">
+            <a:avLst/>
+          </a:prstGeom>
+          <a:noFill/>
+        </p:spPr>
+        <p:txBody>
+          <a:bodyPr wrap="none" rtlCol="0">
+            <a:spAutoFit/>
+          </a:bodyPr>
+          <a:lstStyle/>
+          <a:p>
+            <a:r>
+              <a:rPr lang="en-US" altLang="ja-JP" sz="3200" dirty="0" err="1"/>
+              <a:t>Simoncelli&amp;Heeger</a:t>
+            </a:r>
+            <a:r>
+              <a:rPr kumimoji="1" lang="ja-JP" altLang="en-US" sz="3200" dirty="0" smtClean="0"/>
+              <a:t>モデル</a:t>
+            </a:r>
+            <a:endParaRPr kumimoji="1" lang="ja-JP" altLang="en-US" sz="3200" dirty="0"/>
+          </a:p>
+        </p:txBody>
+      </p:sp>
+      <p:sp>
+        <p:nvSpPr>
+          <p:cNvPr id="17" name="テキスト ボックス 16"/>
+          <p:cNvSpPr txBox="1"/>
+          <p:nvPr/>
+        </p:nvSpPr>
+        <p:spPr>
+          <a:xfrm>
+            <a:off x="5976309" y="1668985"/>
+            <a:ext cx="2339102" cy="523220"/>
+          </a:xfrm>
+          <a:prstGeom prst="rect">
+            <a:avLst/>
+          </a:prstGeom>
+          <a:noFill/>
+        </p:spPr>
+        <p:txBody>
+          <a:bodyPr wrap="none" rtlCol="0">
+            <a:spAutoFit/>
+          </a:bodyPr>
+          <a:lstStyle/>
+          <a:p>
+            <a:r>
+              <a:rPr kumimoji="1" lang="ja-JP" altLang="en-US" sz="2800" dirty="0" smtClean="0"/>
+              <a:t>直列的な処理</a:t>
+            </a:r>
+            <a:endParaRPr kumimoji="1" lang="ja-JP" altLang="en-US" sz="2800" dirty="0"/>
+          </a:p>
+        </p:txBody>
+      </p:sp>
+      <p:sp>
+        <p:nvSpPr>
+          <p:cNvPr id="22" name="テキスト ボックス 21"/>
+          <p:cNvSpPr txBox="1"/>
+          <p:nvPr/>
+        </p:nvSpPr>
+        <p:spPr>
+          <a:xfrm>
+            <a:off x="1027519" y="3364778"/>
+            <a:ext cx="2278188" cy="584775"/>
+          </a:xfrm>
+          <a:prstGeom prst="rect">
+            <a:avLst/>
+          </a:prstGeom>
+          <a:noFill/>
+        </p:spPr>
+        <p:txBody>
+          <a:bodyPr wrap="none" rtlCol="0">
+            <a:spAutoFit/>
+          </a:bodyPr>
+          <a:lstStyle/>
+          <a:p>
+            <a:r>
+              <a:rPr kumimoji="1" lang="en-US" altLang="ja-JP" sz="3200" dirty="0" smtClean="0"/>
+              <a:t>Judd</a:t>
+            </a:r>
+            <a:r>
+              <a:rPr kumimoji="1" lang="ja-JP" altLang="en-US" sz="3200" dirty="0" smtClean="0"/>
+              <a:t>モデル</a:t>
+            </a:r>
+            <a:endParaRPr kumimoji="1" lang="ja-JP" altLang="en-US" sz="3200" dirty="0"/>
+          </a:p>
+        </p:txBody>
+      </p:sp>
+      <p:sp>
+        <p:nvSpPr>
+          <p:cNvPr id="26" name="テキスト ボックス 25"/>
+          <p:cNvSpPr txBox="1"/>
+          <p:nvPr/>
+        </p:nvSpPr>
+        <p:spPr>
+          <a:xfrm>
+            <a:off x="5880616" y="3287440"/>
+            <a:ext cx="2339102" cy="523220"/>
+          </a:xfrm>
+          <a:prstGeom prst="rect">
+            <a:avLst/>
+          </a:prstGeom>
+          <a:noFill/>
+        </p:spPr>
+        <p:txBody>
+          <a:bodyPr wrap="none" rtlCol="0">
+            <a:spAutoFit/>
+          </a:bodyPr>
+          <a:lstStyle/>
+          <a:p>
+            <a:r>
+              <a:rPr kumimoji="1" lang="ja-JP" altLang="en-US" sz="2800" dirty="0" smtClean="0"/>
+              <a:t>並列的な処理</a:t>
+            </a:r>
+            <a:endParaRPr kumimoji="1" lang="ja-JP" altLang="en-US" sz="2800" dirty="0"/>
+          </a:p>
+        </p:txBody>
+      </p:sp>
     </p:spTree>
     <p:extLst>
       <p:ext uri="{BB962C8B-B14F-4D97-AF65-F5344CB8AC3E}">
@@ -12647,9 +12798,1346 @@
   <p:timing>
     <p:tnLst>
       <p:par>
-        <p:cTn id="1" dur="indefinite" restart="never" nodeType="tmRoot"/>
+        <p:cTn id="1" dur="indefinite" restart="never" nodeType="tmRoot">
+          <p:childTnLst>
+            <p:seq concurrent="1" nextAc="seek">
+              <p:cTn id="2" dur="indefinite" nodeType="mainSeq">
+                <p:childTnLst>
+                  <p:par>
+                    <p:cTn id="3" fill="hold">
+                      <p:stCondLst>
+                        <p:cond delay="indefinite"/>
+                      </p:stCondLst>
+                      <p:childTnLst>
+                        <p:par>
+                          <p:cTn id="4" fill="hold">
+                            <p:stCondLst>
+                              <p:cond delay="0"/>
+                            </p:stCondLst>
+                            <p:childTnLst>
+                              <p:par>
+                                <p:cTn id="5" presetID="2" presetClass="entr" presetSubtype="2" fill="hold" grpId="0" nodeType="clickEffect">
+                                  <p:stCondLst>
+                                    <p:cond delay="0"/>
+                                  </p:stCondLst>
+                                  <p:childTnLst>
+                                    <p:set>
+                                      <p:cBhvr>
+                                        <p:cTn id="6" dur="1" fill="hold">
+                                          <p:stCondLst>
+                                            <p:cond delay="0"/>
+                                          </p:stCondLst>
+                                        </p:cTn>
+                                        <p:tgtEl>
+                                          <p:spTgt spid="11"/>
+                                        </p:tgtEl>
+                                        <p:attrNameLst>
+                                          <p:attrName>style.visibility</p:attrName>
+                                        </p:attrNameLst>
+                                      </p:cBhvr>
+                                      <p:to>
+                                        <p:strVal val="visible"/>
+                                      </p:to>
+                                    </p:set>
+                                    <p:anim calcmode="lin" valueType="num">
+                                      <p:cBhvr additive="base">
+                                        <p:cTn id="7" dur="500" fill="hold"/>
+                                        <p:tgtEl>
+                                          <p:spTgt spid="11"/>
+                                        </p:tgtEl>
+                                        <p:attrNameLst>
+                                          <p:attrName>ppt_x</p:attrName>
+                                        </p:attrNameLst>
+                                      </p:cBhvr>
+                                      <p:tavLst>
+                                        <p:tav tm="0">
+                                          <p:val>
+                                            <p:strVal val="1+#ppt_w/2"/>
+                                          </p:val>
+                                        </p:tav>
+                                        <p:tav tm="100000">
+                                          <p:val>
+                                            <p:strVal val="#ppt_x"/>
+                                          </p:val>
+                                        </p:tav>
+                                      </p:tavLst>
+                                    </p:anim>
+                                    <p:anim calcmode="lin" valueType="num">
+                                      <p:cBhvr additive="base">
+                                        <p:cTn id="8" dur="500" fill="hold"/>
+                                        <p:tgtEl>
+                                          <p:spTgt spid="11"/>
+                                        </p:tgtEl>
+                                        <p:attrNameLst>
+                                          <p:attrName>ppt_y</p:attrName>
+                                        </p:attrNameLst>
+                                      </p:cBhvr>
+                                      <p:tavLst>
+                                        <p:tav tm="0">
+                                          <p:val>
+                                            <p:strVal val="#ppt_y"/>
+                                          </p:val>
+                                        </p:tav>
+                                        <p:tav tm="100000">
+                                          <p:val>
+                                            <p:strVal val="#ppt_y"/>
+                                          </p:val>
+                                        </p:tav>
+                                      </p:tavLst>
+                                    </p:anim>
+                                  </p:childTnLst>
+                                </p:cTn>
+                              </p:par>
+                            </p:childTnLst>
+                          </p:cTn>
+                        </p:par>
+                      </p:childTnLst>
+                    </p:cTn>
+                  </p:par>
+                  <p:par>
+                    <p:cTn id="9" fill="hold">
+                      <p:stCondLst>
+                        <p:cond delay="indefinite"/>
+                      </p:stCondLst>
+                      <p:childTnLst>
+                        <p:par>
+                          <p:cTn id="10" fill="hold">
+                            <p:stCondLst>
+                              <p:cond delay="0"/>
+                            </p:stCondLst>
+                            <p:childTnLst>
+                              <p:par>
+                                <p:cTn id="11" presetID="2" presetClass="entr" presetSubtype="8" fill="hold" grpId="0" nodeType="clickEffect">
+                                  <p:stCondLst>
+                                    <p:cond delay="0"/>
+                                  </p:stCondLst>
+                                  <p:childTnLst>
+                                    <p:set>
+                                      <p:cBhvr>
+                                        <p:cTn id="12" dur="1" fill="hold">
+                                          <p:stCondLst>
+                                            <p:cond delay="0"/>
+                                          </p:stCondLst>
+                                        </p:cTn>
+                                        <p:tgtEl>
+                                          <p:spTgt spid="4"/>
+                                        </p:tgtEl>
+                                        <p:attrNameLst>
+                                          <p:attrName>style.visibility</p:attrName>
+                                        </p:attrNameLst>
+                                      </p:cBhvr>
+                                      <p:to>
+                                        <p:strVal val="visible"/>
+                                      </p:to>
+                                    </p:set>
+                                    <p:anim calcmode="lin" valueType="num">
+                                      <p:cBhvr additive="base">
+                                        <p:cTn id="13" dur="500" fill="hold"/>
+                                        <p:tgtEl>
+                                          <p:spTgt spid="4"/>
+                                        </p:tgtEl>
+                                        <p:attrNameLst>
+                                          <p:attrName>ppt_x</p:attrName>
+                                        </p:attrNameLst>
+                                      </p:cBhvr>
+                                      <p:tavLst>
+                                        <p:tav tm="0">
+                                          <p:val>
+                                            <p:strVal val="0-#ppt_w/2"/>
+                                          </p:val>
+                                        </p:tav>
+                                        <p:tav tm="100000">
+                                          <p:val>
+                                            <p:strVal val="#ppt_x"/>
+                                          </p:val>
+                                        </p:tav>
+                                      </p:tavLst>
+                                    </p:anim>
+                                    <p:anim calcmode="lin" valueType="num">
+                                      <p:cBhvr additive="base">
+                                        <p:cTn id="14" dur="500" fill="hold"/>
+                                        <p:tgtEl>
+                                          <p:spTgt spid="4"/>
+                                        </p:tgtEl>
+                                        <p:attrNameLst>
+                                          <p:attrName>ppt_y</p:attrName>
+                                        </p:attrNameLst>
+                                      </p:cBhvr>
+                                      <p:tavLst>
+                                        <p:tav tm="0">
+                                          <p:val>
+                                            <p:strVal val="#ppt_y"/>
+                                          </p:val>
+                                        </p:tav>
+                                        <p:tav tm="100000">
+                                          <p:val>
+                                            <p:strVal val="#ppt_y"/>
+                                          </p:val>
+                                        </p:tav>
+                                      </p:tavLst>
+                                    </p:anim>
+                                  </p:childTnLst>
+                                </p:cTn>
+                              </p:par>
+                            </p:childTnLst>
+                          </p:cTn>
+                        </p:par>
+                        <p:par>
+                          <p:cTn id="15" fill="hold">
+                            <p:stCondLst>
+                              <p:cond delay="500"/>
+                            </p:stCondLst>
+                            <p:childTnLst>
+                              <p:par>
+                                <p:cTn id="16" presetID="10" presetClass="entr" presetSubtype="0" fill="hold" nodeType="afterEffect">
+                                  <p:stCondLst>
+                                    <p:cond delay="0"/>
+                                  </p:stCondLst>
+                                  <p:childTnLst>
+                                    <p:set>
+                                      <p:cBhvr>
+                                        <p:cTn id="17" dur="1" fill="hold">
+                                          <p:stCondLst>
+                                            <p:cond delay="0"/>
+                                          </p:stCondLst>
+                                        </p:cTn>
+                                        <p:tgtEl>
+                                          <p:spTgt spid="9"/>
+                                        </p:tgtEl>
+                                        <p:attrNameLst>
+                                          <p:attrName>style.visibility</p:attrName>
+                                        </p:attrNameLst>
+                                      </p:cBhvr>
+                                      <p:to>
+                                        <p:strVal val="visible"/>
+                                      </p:to>
+                                    </p:set>
+                                    <p:animEffect transition="in" filter="fade">
+                                      <p:cBhvr>
+                                        <p:cTn id="18" dur="500"/>
+                                        <p:tgtEl>
+                                          <p:spTgt spid="9"/>
+                                        </p:tgtEl>
+                                      </p:cBhvr>
+                                    </p:animEffect>
+                                  </p:childTnLst>
+                                </p:cTn>
+                              </p:par>
+                            </p:childTnLst>
+                          </p:cTn>
+                        </p:par>
+                        <p:par>
+                          <p:cTn id="19" fill="hold">
+                            <p:stCondLst>
+                              <p:cond delay="1000"/>
+                            </p:stCondLst>
+                            <p:childTnLst>
+                              <p:par>
+                                <p:cTn id="20" presetID="2" presetClass="entr" presetSubtype="8" fill="hold" grpId="0" nodeType="afterEffect">
+                                  <p:stCondLst>
+                                    <p:cond delay="0"/>
+                                  </p:stCondLst>
+                                  <p:childTnLst>
+                                    <p:set>
+                                      <p:cBhvr>
+                                        <p:cTn id="21" dur="1" fill="hold">
+                                          <p:stCondLst>
+                                            <p:cond delay="0"/>
+                                          </p:stCondLst>
+                                        </p:cTn>
+                                        <p:tgtEl>
+                                          <p:spTgt spid="5"/>
+                                        </p:tgtEl>
+                                        <p:attrNameLst>
+                                          <p:attrName>style.visibility</p:attrName>
+                                        </p:attrNameLst>
+                                      </p:cBhvr>
+                                      <p:to>
+                                        <p:strVal val="visible"/>
+                                      </p:to>
+                                    </p:set>
+                                    <p:anim calcmode="lin" valueType="num">
+                                      <p:cBhvr additive="base">
+                                        <p:cTn id="22" dur="500" fill="hold"/>
+                                        <p:tgtEl>
+                                          <p:spTgt spid="5"/>
+                                        </p:tgtEl>
+                                        <p:attrNameLst>
+                                          <p:attrName>ppt_x</p:attrName>
+                                        </p:attrNameLst>
+                                      </p:cBhvr>
+                                      <p:tavLst>
+                                        <p:tav tm="0">
+                                          <p:val>
+                                            <p:strVal val="0-#ppt_w/2"/>
+                                          </p:val>
+                                        </p:tav>
+                                        <p:tav tm="100000">
+                                          <p:val>
+                                            <p:strVal val="#ppt_x"/>
+                                          </p:val>
+                                        </p:tav>
+                                      </p:tavLst>
+                                    </p:anim>
+                                    <p:anim calcmode="lin" valueType="num">
+                                      <p:cBhvr additive="base">
+                                        <p:cTn id="23" dur="500" fill="hold"/>
+                                        <p:tgtEl>
+                                          <p:spTgt spid="5"/>
+                                        </p:tgtEl>
+                                        <p:attrNameLst>
+                                          <p:attrName>ppt_y</p:attrName>
+                                        </p:attrNameLst>
+                                      </p:cBhvr>
+                                      <p:tavLst>
+                                        <p:tav tm="0">
+                                          <p:val>
+                                            <p:strVal val="#ppt_y"/>
+                                          </p:val>
+                                        </p:tav>
+                                        <p:tav tm="100000">
+                                          <p:val>
+                                            <p:strVal val="#ppt_y"/>
+                                          </p:val>
+                                        </p:tav>
+                                      </p:tavLst>
+                                    </p:anim>
+                                  </p:childTnLst>
+                                </p:cTn>
+                              </p:par>
+                            </p:childTnLst>
+                          </p:cTn>
+                        </p:par>
+                        <p:par>
+                          <p:cTn id="24" fill="hold">
+                            <p:stCondLst>
+                              <p:cond delay="1500"/>
+                            </p:stCondLst>
+                            <p:childTnLst>
+                              <p:par>
+                                <p:cTn id="25" presetID="10" presetClass="entr" presetSubtype="0" fill="hold" nodeType="afterEffect">
+                                  <p:stCondLst>
+                                    <p:cond delay="0"/>
+                                  </p:stCondLst>
+                                  <p:childTnLst>
+                                    <p:set>
+                                      <p:cBhvr>
+                                        <p:cTn id="26" dur="1" fill="hold">
+                                          <p:stCondLst>
+                                            <p:cond delay="0"/>
+                                          </p:stCondLst>
+                                        </p:cTn>
+                                        <p:tgtEl>
+                                          <p:spTgt spid="12"/>
+                                        </p:tgtEl>
+                                        <p:attrNameLst>
+                                          <p:attrName>style.visibility</p:attrName>
+                                        </p:attrNameLst>
+                                      </p:cBhvr>
+                                      <p:to>
+                                        <p:strVal val="visible"/>
+                                      </p:to>
+                                    </p:set>
+                                    <p:animEffect transition="in" filter="fade">
+                                      <p:cBhvr>
+                                        <p:cTn id="27" dur="500"/>
+                                        <p:tgtEl>
+                                          <p:spTgt spid="12"/>
+                                        </p:tgtEl>
+                                      </p:cBhvr>
+                                    </p:animEffect>
+                                  </p:childTnLst>
+                                </p:cTn>
+                              </p:par>
+                            </p:childTnLst>
+                          </p:cTn>
+                        </p:par>
+                        <p:par>
+                          <p:cTn id="28" fill="hold">
+                            <p:stCondLst>
+                              <p:cond delay="2000"/>
+                            </p:stCondLst>
+                            <p:childTnLst>
+                              <p:par>
+                                <p:cTn id="29" presetID="2" presetClass="entr" presetSubtype="8" fill="hold" grpId="0" nodeType="afterEffect">
+                                  <p:stCondLst>
+                                    <p:cond delay="0"/>
+                                  </p:stCondLst>
+                                  <p:childTnLst>
+                                    <p:set>
+                                      <p:cBhvr>
+                                        <p:cTn id="30" dur="1" fill="hold">
+                                          <p:stCondLst>
+                                            <p:cond delay="0"/>
+                                          </p:stCondLst>
+                                        </p:cTn>
+                                        <p:tgtEl>
+                                          <p:spTgt spid="6"/>
+                                        </p:tgtEl>
+                                        <p:attrNameLst>
+                                          <p:attrName>style.visibility</p:attrName>
+                                        </p:attrNameLst>
+                                      </p:cBhvr>
+                                      <p:to>
+                                        <p:strVal val="visible"/>
+                                      </p:to>
+                                    </p:set>
+                                    <p:anim calcmode="lin" valueType="num">
+                                      <p:cBhvr additive="base">
+                                        <p:cTn id="31" dur="500" fill="hold"/>
+                                        <p:tgtEl>
+                                          <p:spTgt spid="6"/>
+                                        </p:tgtEl>
+                                        <p:attrNameLst>
+                                          <p:attrName>ppt_x</p:attrName>
+                                        </p:attrNameLst>
+                                      </p:cBhvr>
+                                      <p:tavLst>
+                                        <p:tav tm="0">
+                                          <p:val>
+                                            <p:strVal val="0-#ppt_w/2"/>
+                                          </p:val>
+                                        </p:tav>
+                                        <p:tav tm="100000">
+                                          <p:val>
+                                            <p:strVal val="#ppt_x"/>
+                                          </p:val>
+                                        </p:tav>
+                                      </p:tavLst>
+                                    </p:anim>
+                                    <p:anim calcmode="lin" valueType="num">
+                                      <p:cBhvr additive="base">
+                                        <p:cTn id="32" dur="500" fill="hold"/>
+                                        <p:tgtEl>
+                                          <p:spTgt spid="6"/>
+                                        </p:tgtEl>
+                                        <p:attrNameLst>
+                                          <p:attrName>ppt_y</p:attrName>
+                                        </p:attrNameLst>
+                                      </p:cBhvr>
+                                      <p:tavLst>
+                                        <p:tav tm="0">
+                                          <p:val>
+                                            <p:strVal val="#ppt_y"/>
+                                          </p:val>
+                                        </p:tav>
+                                        <p:tav tm="100000">
+                                          <p:val>
+                                            <p:strVal val="#ppt_y"/>
+                                          </p:val>
+                                        </p:tav>
+                                      </p:tavLst>
+                                    </p:anim>
+                                  </p:childTnLst>
+                                </p:cTn>
+                              </p:par>
+                            </p:childTnLst>
+                          </p:cTn>
+                        </p:par>
+                        <p:par>
+                          <p:cTn id="33" fill="hold">
+                            <p:stCondLst>
+                              <p:cond delay="2500"/>
+                            </p:stCondLst>
+                            <p:childTnLst>
+                              <p:par>
+                                <p:cTn id="34" presetID="10" presetClass="entr" presetSubtype="0" fill="hold" nodeType="afterEffect">
+                                  <p:stCondLst>
+                                    <p:cond delay="0"/>
+                                  </p:stCondLst>
+                                  <p:childTnLst>
+                                    <p:set>
+                                      <p:cBhvr>
+                                        <p:cTn id="35" dur="1" fill="hold">
+                                          <p:stCondLst>
+                                            <p:cond delay="0"/>
+                                          </p:stCondLst>
+                                        </p:cTn>
+                                        <p:tgtEl>
+                                          <p:spTgt spid="14"/>
+                                        </p:tgtEl>
+                                        <p:attrNameLst>
+                                          <p:attrName>style.visibility</p:attrName>
+                                        </p:attrNameLst>
+                                      </p:cBhvr>
+                                      <p:to>
+                                        <p:strVal val="visible"/>
+                                      </p:to>
+                                    </p:set>
+                                    <p:animEffect transition="in" filter="fade">
+                                      <p:cBhvr>
+                                        <p:cTn id="36" dur="500"/>
+                                        <p:tgtEl>
+                                          <p:spTgt spid="14"/>
+                                        </p:tgtEl>
+                                      </p:cBhvr>
+                                    </p:animEffect>
+                                  </p:childTnLst>
+                                </p:cTn>
+                              </p:par>
+                            </p:childTnLst>
+                          </p:cTn>
+                        </p:par>
+                        <p:par>
+                          <p:cTn id="37" fill="hold">
+                            <p:stCondLst>
+                              <p:cond delay="3000"/>
+                            </p:stCondLst>
+                            <p:childTnLst>
+                              <p:par>
+                                <p:cTn id="38" presetID="2" presetClass="entr" presetSubtype="8" fill="hold" grpId="0" nodeType="afterEffect">
+                                  <p:stCondLst>
+                                    <p:cond delay="0"/>
+                                  </p:stCondLst>
+                                  <p:childTnLst>
+                                    <p:set>
+                                      <p:cBhvr>
+                                        <p:cTn id="39" dur="1" fill="hold">
+                                          <p:stCondLst>
+                                            <p:cond delay="0"/>
+                                          </p:stCondLst>
+                                        </p:cTn>
+                                        <p:tgtEl>
+                                          <p:spTgt spid="7"/>
+                                        </p:tgtEl>
+                                        <p:attrNameLst>
+                                          <p:attrName>style.visibility</p:attrName>
+                                        </p:attrNameLst>
+                                      </p:cBhvr>
+                                      <p:to>
+                                        <p:strVal val="visible"/>
+                                      </p:to>
+                                    </p:set>
+                                    <p:anim calcmode="lin" valueType="num">
+                                      <p:cBhvr additive="base">
+                                        <p:cTn id="40" dur="500" fill="hold"/>
+                                        <p:tgtEl>
+                                          <p:spTgt spid="7"/>
+                                        </p:tgtEl>
+                                        <p:attrNameLst>
+                                          <p:attrName>ppt_x</p:attrName>
+                                        </p:attrNameLst>
+                                      </p:cBhvr>
+                                      <p:tavLst>
+                                        <p:tav tm="0">
+                                          <p:val>
+                                            <p:strVal val="0-#ppt_w/2"/>
+                                          </p:val>
+                                        </p:tav>
+                                        <p:tav tm="100000">
+                                          <p:val>
+                                            <p:strVal val="#ppt_x"/>
+                                          </p:val>
+                                        </p:tav>
+                                      </p:tavLst>
+                                    </p:anim>
+                                    <p:anim calcmode="lin" valueType="num">
+                                      <p:cBhvr additive="base">
+                                        <p:cTn id="41" dur="500" fill="hold"/>
+                                        <p:tgtEl>
+                                          <p:spTgt spid="7"/>
+                                        </p:tgtEl>
+                                        <p:attrNameLst>
+                                          <p:attrName>ppt_y</p:attrName>
+                                        </p:attrNameLst>
+                                      </p:cBhvr>
+                                      <p:tavLst>
+                                        <p:tav tm="0">
+                                          <p:val>
+                                            <p:strVal val="#ppt_y"/>
+                                          </p:val>
+                                        </p:tav>
+                                        <p:tav tm="100000">
+                                          <p:val>
+                                            <p:strVal val="#ppt_y"/>
+                                          </p:val>
+                                        </p:tav>
+                                      </p:tavLst>
+                                    </p:anim>
+                                  </p:childTnLst>
+                                </p:cTn>
+                              </p:par>
+                            </p:childTnLst>
+                          </p:cTn>
+                        </p:par>
+                        <p:par>
+                          <p:cTn id="42" fill="hold">
+                            <p:stCondLst>
+                              <p:cond delay="3500"/>
+                            </p:stCondLst>
+                            <p:childTnLst>
+                              <p:par>
+                                <p:cTn id="43" presetID="10" presetClass="entr" presetSubtype="0" fill="hold" grpId="0" nodeType="afterEffect">
+                                  <p:stCondLst>
+                                    <p:cond delay="0"/>
+                                  </p:stCondLst>
+                                  <p:childTnLst>
+                                    <p:set>
+                                      <p:cBhvr>
+                                        <p:cTn id="44" dur="1" fill="hold">
+                                          <p:stCondLst>
+                                            <p:cond delay="0"/>
+                                          </p:stCondLst>
+                                        </p:cTn>
+                                        <p:tgtEl>
+                                          <p:spTgt spid="17"/>
+                                        </p:tgtEl>
+                                        <p:attrNameLst>
+                                          <p:attrName>style.visibility</p:attrName>
+                                        </p:attrNameLst>
+                                      </p:cBhvr>
+                                      <p:to>
+                                        <p:strVal val="visible"/>
+                                      </p:to>
+                                    </p:set>
+                                    <p:animEffect transition="in" filter="fade">
+                                      <p:cBhvr>
+                                        <p:cTn id="45" dur="500"/>
+                                        <p:tgtEl>
+                                          <p:spTgt spid="17"/>
+                                        </p:tgtEl>
+                                      </p:cBhvr>
+                                    </p:animEffect>
+                                  </p:childTnLst>
+                                </p:cTn>
+                              </p:par>
+                            </p:childTnLst>
+                          </p:cTn>
+                        </p:par>
+                      </p:childTnLst>
+                    </p:cTn>
+                  </p:par>
+                  <p:par>
+                    <p:cTn id="46" fill="hold">
+                      <p:stCondLst>
+                        <p:cond delay="indefinite"/>
+                      </p:stCondLst>
+                      <p:childTnLst>
+                        <p:par>
+                          <p:cTn id="47" fill="hold">
+                            <p:stCondLst>
+                              <p:cond delay="0"/>
+                            </p:stCondLst>
+                            <p:childTnLst>
+                              <p:par>
+                                <p:cTn id="48" presetID="2" presetClass="entr" presetSubtype="2" fill="hold" grpId="0" nodeType="clickEffect">
+                                  <p:stCondLst>
+                                    <p:cond delay="0"/>
+                                  </p:stCondLst>
+                                  <p:childTnLst>
+                                    <p:set>
+                                      <p:cBhvr>
+                                        <p:cTn id="49" dur="1" fill="hold">
+                                          <p:stCondLst>
+                                            <p:cond delay="0"/>
+                                          </p:stCondLst>
+                                        </p:cTn>
+                                        <p:tgtEl>
+                                          <p:spTgt spid="22"/>
+                                        </p:tgtEl>
+                                        <p:attrNameLst>
+                                          <p:attrName>style.visibility</p:attrName>
+                                        </p:attrNameLst>
+                                      </p:cBhvr>
+                                      <p:to>
+                                        <p:strVal val="visible"/>
+                                      </p:to>
+                                    </p:set>
+                                    <p:anim calcmode="lin" valueType="num">
+                                      <p:cBhvr additive="base">
+                                        <p:cTn id="50" dur="500" fill="hold"/>
+                                        <p:tgtEl>
+                                          <p:spTgt spid="22"/>
+                                        </p:tgtEl>
+                                        <p:attrNameLst>
+                                          <p:attrName>ppt_x</p:attrName>
+                                        </p:attrNameLst>
+                                      </p:cBhvr>
+                                      <p:tavLst>
+                                        <p:tav tm="0">
+                                          <p:val>
+                                            <p:strVal val="1+#ppt_w/2"/>
+                                          </p:val>
+                                        </p:tav>
+                                        <p:tav tm="100000">
+                                          <p:val>
+                                            <p:strVal val="#ppt_x"/>
+                                          </p:val>
+                                        </p:tav>
+                                      </p:tavLst>
+                                    </p:anim>
+                                    <p:anim calcmode="lin" valueType="num">
+                                      <p:cBhvr additive="base">
+                                        <p:cTn id="51" dur="500" fill="hold"/>
+                                        <p:tgtEl>
+                                          <p:spTgt spid="22"/>
+                                        </p:tgtEl>
+                                        <p:attrNameLst>
+                                          <p:attrName>ppt_y</p:attrName>
+                                        </p:attrNameLst>
+                                      </p:cBhvr>
+                                      <p:tavLst>
+                                        <p:tav tm="0">
+                                          <p:val>
+                                            <p:strVal val="#ppt_y"/>
+                                          </p:val>
+                                        </p:tav>
+                                        <p:tav tm="100000">
+                                          <p:val>
+                                            <p:strVal val="#ppt_y"/>
+                                          </p:val>
+                                        </p:tav>
+                                      </p:tavLst>
+                                    </p:anim>
+                                  </p:childTnLst>
+                                </p:cTn>
+                              </p:par>
+                            </p:childTnLst>
+                          </p:cTn>
+                        </p:par>
+                        <p:par>
+                          <p:cTn id="52" fill="hold">
+                            <p:stCondLst>
+                              <p:cond delay="500"/>
+                            </p:stCondLst>
+                            <p:childTnLst>
+                              <p:par>
+                                <p:cTn id="53" presetID="2" presetClass="entr" presetSubtype="8" fill="hold" grpId="0" nodeType="afterEffect">
+                                  <p:stCondLst>
+                                    <p:cond delay="0"/>
+                                  </p:stCondLst>
+                                  <p:childTnLst>
+                                    <p:set>
+                                      <p:cBhvr>
+                                        <p:cTn id="54" dur="1" fill="hold">
+                                          <p:stCondLst>
+                                            <p:cond delay="0"/>
+                                          </p:stCondLst>
+                                        </p:cTn>
+                                        <p:tgtEl>
+                                          <p:spTgt spid="18"/>
+                                        </p:tgtEl>
+                                        <p:attrNameLst>
+                                          <p:attrName>style.visibility</p:attrName>
+                                        </p:attrNameLst>
+                                      </p:cBhvr>
+                                      <p:to>
+                                        <p:strVal val="visible"/>
+                                      </p:to>
+                                    </p:set>
+                                    <p:anim calcmode="lin" valueType="num">
+                                      <p:cBhvr additive="base">
+                                        <p:cTn id="55" dur="500" fill="hold"/>
+                                        <p:tgtEl>
+                                          <p:spTgt spid="18"/>
+                                        </p:tgtEl>
+                                        <p:attrNameLst>
+                                          <p:attrName>ppt_x</p:attrName>
+                                        </p:attrNameLst>
+                                      </p:cBhvr>
+                                      <p:tavLst>
+                                        <p:tav tm="0">
+                                          <p:val>
+                                            <p:strVal val="0-#ppt_w/2"/>
+                                          </p:val>
+                                        </p:tav>
+                                        <p:tav tm="100000">
+                                          <p:val>
+                                            <p:strVal val="#ppt_x"/>
+                                          </p:val>
+                                        </p:tav>
+                                      </p:tavLst>
+                                    </p:anim>
+                                    <p:anim calcmode="lin" valueType="num">
+                                      <p:cBhvr additive="base">
+                                        <p:cTn id="56" dur="500" fill="hold"/>
+                                        <p:tgtEl>
+                                          <p:spTgt spid="18"/>
+                                        </p:tgtEl>
+                                        <p:attrNameLst>
+                                          <p:attrName>ppt_y</p:attrName>
+                                        </p:attrNameLst>
+                                      </p:cBhvr>
+                                      <p:tavLst>
+                                        <p:tav tm="0">
+                                          <p:val>
+                                            <p:strVal val="#ppt_y"/>
+                                          </p:val>
+                                        </p:tav>
+                                        <p:tav tm="100000">
+                                          <p:val>
+                                            <p:strVal val="#ppt_y"/>
+                                          </p:val>
+                                        </p:tav>
+                                      </p:tavLst>
+                                    </p:anim>
+                                  </p:childTnLst>
+                                </p:cTn>
+                              </p:par>
+                            </p:childTnLst>
+                          </p:cTn>
+                        </p:par>
+                        <p:par>
+                          <p:cTn id="57" fill="hold">
+                            <p:stCondLst>
+                              <p:cond delay="1000"/>
+                            </p:stCondLst>
+                            <p:childTnLst>
+                              <p:par>
+                                <p:cTn id="58" presetID="10" presetClass="entr" presetSubtype="0" fill="hold" nodeType="afterEffect">
+                                  <p:stCondLst>
+                                    <p:cond delay="0"/>
+                                  </p:stCondLst>
+                                  <p:childTnLst>
+                                    <p:set>
+                                      <p:cBhvr>
+                                        <p:cTn id="59" dur="1" fill="hold">
+                                          <p:stCondLst>
+                                            <p:cond delay="0"/>
+                                          </p:stCondLst>
+                                        </p:cTn>
+                                        <p:tgtEl>
+                                          <p:spTgt spid="23"/>
+                                        </p:tgtEl>
+                                        <p:attrNameLst>
+                                          <p:attrName>style.visibility</p:attrName>
+                                        </p:attrNameLst>
+                                      </p:cBhvr>
+                                      <p:to>
+                                        <p:strVal val="visible"/>
+                                      </p:to>
+                                    </p:set>
+                                    <p:animEffect transition="in" filter="fade">
+                                      <p:cBhvr>
+                                        <p:cTn id="60" dur="500"/>
+                                        <p:tgtEl>
+                                          <p:spTgt spid="23"/>
+                                        </p:tgtEl>
+                                      </p:cBhvr>
+                                    </p:animEffect>
+                                  </p:childTnLst>
+                                </p:cTn>
+                              </p:par>
+                            </p:childTnLst>
+                          </p:cTn>
+                        </p:par>
+                        <p:par>
+                          <p:cTn id="61" fill="hold">
+                            <p:stCondLst>
+                              <p:cond delay="1500"/>
+                            </p:stCondLst>
+                            <p:childTnLst>
+                              <p:par>
+                                <p:cTn id="62" presetID="10" presetClass="entr" presetSubtype="0" fill="hold" nodeType="afterEffect">
+                                  <p:stCondLst>
+                                    <p:cond delay="0"/>
+                                  </p:stCondLst>
+                                  <p:childTnLst>
+                                    <p:set>
+                                      <p:cBhvr>
+                                        <p:cTn id="63" dur="1" fill="hold">
+                                          <p:stCondLst>
+                                            <p:cond delay="0"/>
+                                          </p:stCondLst>
+                                        </p:cTn>
+                                        <p:tgtEl>
+                                          <p:spTgt spid="25"/>
+                                        </p:tgtEl>
+                                        <p:attrNameLst>
+                                          <p:attrName>style.visibility</p:attrName>
+                                        </p:attrNameLst>
+                                      </p:cBhvr>
+                                      <p:to>
+                                        <p:strVal val="visible"/>
+                                      </p:to>
+                                    </p:set>
+                                    <p:animEffect transition="in" filter="fade">
+                                      <p:cBhvr>
+                                        <p:cTn id="64" dur="500"/>
+                                        <p:tgtEl>
+                                          <p:spTgt spid="25"/>
+                                        </p:tgtEl>
+                                      </p:cBhvr>
+                                    </p:animEffect>
+                                  </p:childTnLst>
+                                </p:cTn>
+                              </p:par>
+                            </p:childTnLst>
+                          </p:cTn>
+                        </p:par>
+                        <p:par>
+                          <p:cTn id="65" fill="hold">
+                            <p:stCondLst>
+                              <p:cond delay="2000"/>
+                            </p:stCondLst>
+                            <p:childTnLst>
+                              <p:par>
+                                <p:cTn id="66" presetID="10" presetClass="entr" presetSubtype="0" fill="hold" nodeType="afterEffect">
+                                  <p:stCondLst>
+                                    <p:cond delay="0"/>
+                                  </p:stCondLst>
+                                  <p:childTnLst>
+                                    <p:set>
+                                      <p:cBhvr>
+                                        <p:cTn id="67" dur="1" fill="hold">
+                                          <p:stCondLst>
+                                            <p:cond delay="0"/>
+                                          </p:stCondLst>
+                                        </p:cTn>
+                                        <p:tgtEl>
+                                          <p:spTgt spid="27"/>
+                                        </p:tgtEl>
+                                        <p:attrNameLst>
+                                          <p:attrName>style.visibility</p:attrName>
+                                        </p:attrNameLst>
+                                      </p:cBhvr>
+                                      <p:to>
+                                        <p:strVal val="visible"/>
+                                      </p:to>
+                                    </p:set>
+                                    <p:animEffect transition="in" filter="fade">
+                                      <p:cBhvr>
+                                        <p:cTn id="68" dur="500"/>
+                                        <p:tgtEl>
+                                          <p:spTgt spid="27"/>
+                                        </p:tgtEl>
+                                      </p:cBhvr>
+                                    </p:animEffect>
+                                  </p:childTnLst>
+                                </p:cTn>
+                              </p:par>
+                            </p:childTnLst>
+                          </p:cTn>
+                        </p:par>
+                        <p:par>
+                          <p:cTn id="69" fill="hold">
+                            <p:stCondLst>
+                              <p:cond delay="2500"/>
+                            </p:stCondLst>
+                            <p:childTnLst>
+                              <p:par>
+                                <p:cTn id="70" presetID="10" presetClass="entr" presetSubtype="0" fill="hold" grpId="0" nodeType="afterEffect">
+                                  <p:stCondLst>
+                                    <p:cond delay="0"/>
+                                  </p:stCondLst>
+                                  <p:childTnLst>
+                                    <p:set>
+                                      <p:cBhvr>
+                                        <p:cTn id="71" dur="1" fill="hold">
+                                          <p:stCondLst>
+                                            <p:cond delay="0"/>
+                                          </p:stCondLst>
+                                        </p:cTn>
+                                        <p:tgtEl>
+                                          <p:spTgt spid="19"/>
+                                        </p:tgtEl>
+                                        <p:attrNameLst>
+                                          <p:attrName>style.visibility</p:attrName>
+                                        </p:attrNameLst>
+                                      </p:cBhvr>
+                                      <p:to>
+                                        <p:strVal val="visible"/>
+                                      </p:to>
+                                    </p:set>
+                                    <p:animEffect transition="in" filter="fade">
+                                      <p:cBhvr>
+                                        <p:cTn id="72" dur="500"/>
+                                        <p:tgtEl>
+                                          <p:spTgt spid="19"/>
+                                        </p:tgtEl>
+                                      </p:cBhvr>
+                                    </p:animEffect>
+                                  </p:childTnLst>
+                                </p:cTn>
+                              </p:par>
+                            </p:childTnLst>
+                          </p:cTn>
+                        </p:par>
+                        <p:par>
+                          <p:cTn id="73" fill="hold">
+                            <p:stCondLst>
+                              <p:cond delay="3000"/>
+                            </p:stCondLst>
+                            <p:childTnLst>
+                              <p:par>
+                                <p:cTn id="74" presetID="10" presetClass="entr" presetSubtype="0" fill="hold" grpId="0" nodeType="afterEffect">
+                                  <p:stCondLst>
+                                    <p:cond delay="0"/>
+                                  </p:stCondLst>
+                                  <p:childTnLst>
+                                    <p:set>
+                                      <p:cBhvr>
+                                        <p:cTn id="75" dur="1" fill="hold">
+                                          <p:stCondLst>
+                                            <p:cond delay="0"/>
+                                          </p:stCondLst>
+                                        </p:cTn>
+                                        <p:tgtEl>
+                                          <p:spTgt spid="20"/>
+                                        </p:tgtEl>
+                                        <p:attrNameLst>
+                                          <p:attrName>style.visibility</p:attrName>
+                                        </p:attrNameLst>
+                                      </p:cBhvr>
+                                      <p:to>
+                                        <p:strVal val="visible"/>
+                                      </p:to>
+                                    </p:set>
+                                    <p:animEffect transition="in" filter="fade">
+                                      <p:cBhvr>
+                                        <p:cTn id="76" dur="500"/>
+                                        <p:tgtEl>
+                                          <p:spTgt spid="20"/>
+                                        </p:tgtEl>
+                                      </p:cBhvr>
+                                    </p:animEffect>
+                                  </p:childTnLst>
+                                </p:cTn>
+                              </p:par>
+                            </p:childTnLst>
+                          </p:cTn>
+                        </p:par>
+                        <p:par>
+                          <p:cTn id="77" fill="hold">
+                            <p:stCondLst>
+                              <p:cond delay="3500"/>
+                            </p:stCondLst>
+                            <p:childTnLst>
+                              <p:par>
+                                <p:cTn id="78" presetID="10" presetClass="entr" presetSubtype="0" fill="hold" grpId="0" nodeType="afterEffect">
+                                  <p:stCondLst>
+                                    <p:cond delay="0"/>
+                                  </p:stCondLst>
+                                  <p:childTnLst>
+                                    <p:set>
+                                      <p:cBhvr>
+                                        <p:cTn id="79" dur="1" fill="hold">
+                                          <p:stCondLst>
+                                            <p:cond delay="0"/>
+                                          </p:stCondLst>
+                                        </p:cTn>
+                                        <p:tgtEl>
+                                          <p:spTgt spid="21"/>
+                                        </p:tgtEl>
+                                        <p:attrNameLst>
+                                          <p:attrName>style.visibility</p:attrName>
+                                        </p:attrNameLst>
+                                      </p:cBhvr>
+                                      <p:to>
+                                        <p:strVal val="visible"/>
+                                      </p:to>
+                                    </p:set>
+                                    <p:animEffect transition="in" filter="fade">
+                                      <p:cBhvr>
+                                        <p:cTn id="80" dur="500"/>
+                                        <p:tgtEl>
+                                          <p:spTgt spid="21"/>
+                                        </p:tgtEl>
+                                      </p:cBhvr>
+                                    </p:animEffect>
+                                  </p:childTnLst>
+                                </p:cTn>
+                              </p:par>
+                            </p:childTnLst>
+                          </p:cTn>
+                        </p:par>
+                        <p:par>
+                          <p:cTn id="81" fill="hold">
+                            <p:stCondLst>
+                              <p:cond delay="4000"/>
+                            </p:stCondLst>
+                            <p:childTnLst>
+                              <p:par>
+                                <p:cTn id="82" presetID="10" presetClass="entr" presetSubtype="0" fill="hold" nodeType="afterEffect">
+                                  <p:stCondLst>
+                                    <p:cond delay="0"/>
+                                  </p:stCondLst>
+                                  <p:childTnLst>
+                                    <p:set>
+                                      <p:cBhvr>
+                                        <p:cTn id="83" dur="1" fill="hold">
+                                          <p:stCondLst>
+                                            <p:cond delay="0"/>
+                                          </p:stCondLst>
+                                        </p:cTn>
+                                        <p:tgtEl>
+                                          <p:spTgt spid="30"/>
+                                        </p:tgtEl>
+                                        <p:attrNameLst>
+                                          <p:attrName>style.visibility</p:attrName>
+                                        </p:attrNameLst>
+                                      </p:cBhvr>
+                                      <p:to>
+                                        <p:strVal val="visible"/>
+                                      </p:to>
+                                    </p:set>
+                                    <p:animEffect transition="in" filter="fade">
+                                      <p:cBhvr>
+                                        <p:cTn id="84" dur="500"/>
+                                        <p:tgtEl>
+                                          <p:spTgt spid="30"/>
+                                        </p:tgtEl>
+                                      </p:cBhvr>
+                                    </p:animEffect>
+                                  </p:childTnLst>
+                                </p:cTn>
+                              </p:par>
+                            </p:childTnLst>
+                          </p:cTn>
+                        </p:par>
+                        <p:par>
+                          <p:cTn id="85" fill="hold">
+                            <p:stCondLst>
+                              <p:cond delay="4500"/>
+                            </p:stCondLst>
+                            <p:childTnLst>
+                              <p:par>
+                                <p:cTn id="86" presetID="10" presetClass="entr" presetSubtype="0" fill="hold" nodeType="afterEffect">
+                                  <p:stCondLst>
+                                    <p:cond delay="0"/>
+                                  </p:stCondLst>
+                                  <p:childTnLst>
+                                    <p:set>
+                                      <p:cBhvr>
+                                        <p:cTn id="87" dur="1" fill="hold">
+                                          <p:stCondLst>
+                                            <p:cond delay="0"/>
+                                          </p:stCondLst>
+                                        </p:cTn>
+                                        <p:tgtEl>
+                                          <p:spTgt spid="32"/>
+                                        </p:tgtEl>
+                                        <p:attrNameLst>
+                                          <p:attrName>style.visibility</p:attrName>
+                                        </p:attrNameLst>
+                                      </p:cBhvr>
+                                      <p:to>
+                                        <p:strVal val="visible"/>
+                                      </p:to>
+                                    </p:set>
+                                    <p:animEffect transition="in" filter="fade">
+                                      <p:cBhvr>
+                                        <p:cTn id="88" dur="500"/>
+                                        <p:tgtEl>
+                                          <p:spTgt spid="32"/>
+                                        </p:tgtEl>
+                                      </p:cBhvr>
+                                    </p:animEffect>
+                                  </p:childTnLst>
+                                </p:cTn>
+                              </p:par>
+                            </p:childTnLst>
+                          </p:cTn>
+                        </p:par>
+                        <p:par>
+                          <p:cTn id="89" fill="hold">
+                            <p:stCondLst>
+                              <p:cond delay="5000"/>
+                            </p:stCondLst>
+                            <p:childTnLst>
+                              <p:par>
+                                <p:cTn id="90" presetID="10" presetClass="entr" presetSubtype="0" fill="hold" nodeType="afterEffect">
+                                  <p:stCondLst>
+                                    <p:cond delay="0"/>
+                                  </p:stCondLst>
+                                  <p:childTnLst>
+                                    <p:set>
+                                      <p:cBhvr>
+                                        <p:cTn id="91" dur="1" fill="hold">
+                                          <p:stCondLst>
+                                            <p:cond delay="0"/>
+                                          </p:stCondLst>
+                                        </p:cTn>
+                                        <p:tgtEl>
+                                          <p:spTgt spid="34"/>
+                                        </p:tgtEl>
+                                        <p:attrNameLst>
+                                          <p:attrName>style.visibility</p:attrName>
+                                        </p:attrNameLst>
+                                      </p:cBhvr>
+                                      <p:to>
+                                        <p:strVal val="visible"/>
+                                      </p:to>
+                                    </p:set>
+                                    <p:animEffect transition="in" filter="fade">
+                                      <p:cBhvr>
+                                        <p:cTn id="92" dur="500"/>
+                                        <p:tgtEl>
+                                          <p:spTgt spid="34"/>
+                                        </p:tgtEl>
+                                      </p:cBhvr>
+                                    </p:animEffect>
+                                  </p:childTnLst>
+                                </p:cTn>
+                              </p:par>
+                            </p:childTnLst>
+                          </p:cTn>
+                        </p:par>
+                        <p:par>
+                          <p:cTn id="93" fill="hold">
+                            <p:stCondLst>
+                              <p:cond delay="5500"/>
+                            </p:stCondLst>
+                            <p:childTnLst>
+                              <p:par>
+                                <p:cTn id="94" presetID="10" presetClass="entr" presetSubtype="0" fill="hold" grpId="0" nodeType="afterEffect">
+                                  <p:stCondLst>
+                                    <p:cond delay="0"/>
+                                  </p:stCondLst>
+                                  <p:childTnLst>
+                                    <p:set>
+                                      <p:cBhvr>
+                                        <p:cTn id="95" dur="1" fill="hold">
+                                          <p:stCondLst>
+                                            <p:cond delay="0"/>
+                                          </p:stCondLst>
+                                        </p:cTn>
+                                        <p:tgtEl>
+                                          <p:spTgt spid="28"/>
+                                        </p:tgtEl>
+                                        <p:attrNameLst>
+                                          <p:attrName>style.visibility</p:attrName>
+                                        </p:attrNameLst>
+                                      </p:cBhvr>
+                                      <p:to>
+                                        <p:strVal val="visible"/>
+                                      </p:to>
+                                    </p:set>
+                                    <p:animEffect transition="in" filter="fade">
+                                      <p:cBhvr>
+                                        <p:cTn id="96" dur="500"/>
+                                        <p:tgtEl>
+                                          <p:spTgt spid="28"/>
+                                        </p:tgtEl>
+                                      </p:cBhvr>
+                                    </p:animEffect>
+                                  </p:childTnLst>
+                                </p:cTn>
+                              </p:par>
+                            </p:childTnLst>
+                          </p:cTn>
+                        </p:par>
+                        <p:par>
+                          <p:cTn id="97" fill="hold">
+                            <p:stCondLst>
+                              <p:cond delay="6000"/>
+                            </p:stCondLst>
+                            <p:childTnLst>
+                              <p:par>
+                                <p:cTn id="98" presetID="2" presetClass="entr" presetSubtype="2" fill="hold" grpId="0" nodeType="afterEffect">
+                                  <p:stCondLst>
+                                    <p:cond delay="0"/>
+                                  </p:stCondLst>
+                                  <p:childTnLst>
+                                    <p:set>
+                                      <p:cBhvr>
+                                        <p:cTn id="99" dur="1" fill="hold">
+                                          <p:stCondLst>
+                                            <p:cond delay="0"/>
+                                          </p:stCondLst>
+                                        </p:cTn>
+                                        <p:tgtEl>
+                                          <p:spTgt spid="26"/>
+                                        </p:tgtEl>
+                                        <p:attrNameLst>
+                                          <p:attrName>style.visibility</p:attrName>
+                                        </p:attrNameLst>
+                                      </p:cBhvr>
+                                      <p:to>
+                                        <p:strVal val="visible"/>
+                                      </p:to>
+                                    </p:set>
+                                    <p:anim calcmode="lin" valueType="num">
+                                      <p:cBhvr additive="base">
+                                        <p:cTn id="100" dur="500" fill="hold"/>
+                                        <p:tgtEl>
+                                          <p:spTgt spid="26"/>
+                                        </p:tgtEl>
+                                        <p:attrNameLst>
+                                          <p:attrName>ppt_x</p:attrName>
+                                        </p:attrNameLst>
+                                      </p:cBhvr>
+                                      <p:tavLst>
+                                        <p:tav tm="0">
+                                          <p:val>
+                                            <p:strVal val="1+#ppt_w/2"/>
+                                          </p:val>
+                                        </p:tav>
+                                        <p:tav tm="100000">
+                                          <p:val>
+                                            <p:strVal val="#ppt_x"/>
+                                          </p:val>
+                                        </p:tav>
+                                      </p:tavLst>
+                                    </p:anim>
+                                    <p:anim calcmode="lin" valueType="num">
+                                      <p:cBhvr additive="base">
+                                        <p:cTn id="101" dur="500" fill="hold"/>
+                                        <p:tgtEl>
+                                          <p:spTgt spid="26"/>
+                                        </p:tgtEl>
+                                        <p:attrNameLst>
+                                          <p:attrName>ppt_y</p:attrName>
+                                        </p:attrNameLst>
+                                      </p:cBhvr>
+                                      <p:tavLst>
+                                        <p:tav tm="0">
+                                          <p:val>
+                                            <p:strVal val="#ppt_y"/>
+                                          </p:val>
+                                        </p:tav>
+                                        <p:tav tm="100000">
+                                          <p:val>
+                                            <p:strVal val="#ppt_y"/>
+                                          </p:val>
+                                        </p:tav>
+                                      </p:tavLst>
+                                    </p:anim>
+                                  </p:childTnLst>
+                                </p:cTn>
+                              </p:par>
+                            </p:childTnLst>
+                          </p:cTn>
+                        </p:par>
+                      </p:childTnLst>
+                    </p:cTn>
+                  </p:par>
+                </p:childTnLst>
+              </p:cTn>
+              <p:prevCondLst>
+                <p:cond evt="onPrev" delay="0">
+                  <p:tgtEl>
+                    <p:sldTgt/>
+                  </p:tgtEl>
+                </p:cond>
+              </p:prevCondLst>
+              <p:nextCondLst>
+                <p:cond evt="onNext" delay="0">
+                  <p:tgtEl>
+                    <p:sldTgt/>
+                  </p:tgtEl>
+                </p:cond>
+              </p:nextCondLst>
+            </p:seq>
+          </p:childTnLst>
+        </p:cTn>
       </p:par>
     </p:tnLst>
+    <p:bldLst>
+      <p:bldP spid="4" grpId="0" animBg="1"/>
+      <p:bldP spid="5" grpId="0" animBg="1"/>
+      <p:bldP spid="6" grpId="0" animBg="1"/>
+      <p:bldP spid="7" grpId="0" animBg="1"/>
+      <p:bldP spid="18" grpId="0" animBg="1"/>
+      <p:bldP spid="19" grpId="0" animBg="1"/>
+      <p:bldP spid="20" grpId="0" animBg="1"/>
+      <p:bldP spid="21" grpId="0" animBg="1"/>
+      <p:bldP spid="28" grpId="0" animBg="1"/>
+      <p:bldP spid="11" grpId="0"/>
+      <p:bldP spid="17" grpId="0"/>
+      <p:bldP spid="22" grpId="0"/>
+      <p:bldP spid="26" grpId="0"/>
+    </p:bldLst>
   </p:timing>
 </p:sld>
 </file>
@@ -12687,8 +14175,12 @@
           <a:lstStyle/>
           <a:p>
             <a:r>
-              <a:rPr kumimoji="1" lang="ja-JP" altLang="en-US" dirty="0" smtClean="0"/>
-              <a:t>手段についての検討</a:t>
+              <a:rPr lang="ja-JP" altLang="en-US" dirty="0"/>
+              <a:t>手段</a:t>
+            </a:r>
+            <a:r>
+              <a:rPr lang="ja-JP" altLang="en-US" dirty="0" smtClean="0"/>
+              <a:t>についての検討</a:t>
             </a:r>
             <a:endParaRPr kumimoji="1" lang="ja-JP" altLang="en-US" dirty="0"/>
           </a:p>
@@ -12706,8 +14198,8 @@
         </p:nvSpPr>
         <p:spPr>
           <a:xfrm>
-            <a:off x="457200" y="1573824"/>
-            <a:ext cx="8510954" cy="5011614"/>
+            <a:off x="457200" y="1552353"/>
+            <a:ext cx="8229600" cy="4795283"/>
           </a:xfrm>
         </p:spPr>
         <p:txBody>
@@ -12716,166 +14208,174 @@
           </a:bodyPr>
           <a:lstStyle/>
           <a:p>
-            <a:r>
-              <a:rPr kumimoji="1" lang="en-US" altLang="ja-JP" dirty="0" smtClean="0"/>
-              <a:t>HTML5,JQuery,Ajax</a:t>
-            </a:r>
+            <a:pPr marL="0" indent="0">
+              <a:spcAft>
+                <a:spcPts val="600"/>
+              </a:spcAft>
+              <a:buNone/>
+            </a:pPr>
+            <a:r>
+              <a:rPr lang="en-US" altLang="ja-JP" dirty="0" smtClean="0"/>
+              <a:t>LLVM Core</a:t>
+            </a:r>
+          </a:p>
+          <a:p>
+            <a:pPr marL="971550" lvl="1" indent="-514350">
+              <a:spcAft>
+                <a:spcPts val="600"/>
+              </a:spcAft>
+              <a:buFont typeface="+mj-lt"/>
+              <a:buAutoNum type="arabicPeriod"/>
+            </a:pPr>
             <a:r>
               <a:rPr lang="ja-JP" altLang="en-US" dirty="0" smtClean="0"/>
-              <a:t>による</a:t>
-            </a:r>
-            <a:r>
-              <a:rPr kumimoji="1" lang="ja-JP" altLang="en-US" dirty="0" smtClean="0"/>
-              <a:t>開発</a:t>
-            </a:r>
-            <a:endParaRPr kumimoji="1" lang="en-US" altLang="ja-JP" dirty="0" smtClean="0"/>
-          </a:p>
-          <a:p>
-            <a:pPr lvl="1"/>
-            <a:r>
-              <a:rPr lang="en-US" altLang="ja-JP" dirty="0" smtClean="0"/>
-              <a:t>OS</a:t>
-            </a:r>
+              <a:t>フロントエンド実装</a:t>
+            </a:r>
+            <a:endParaRPr lang="en-US" altLang="ja-JP" dirty="0" smtClean="0"/>
+          </a:p>
+          <a:p>
+            <a:pPr marL="914400" lvl="2" indent="0">
+              <a:spcAft>
+                <a:spcPts val="600"/>
+              </a:spcAft>
+              <a:buNone/>
+            </a:pPr>
             <a:r>
               <a:rPr lang="ja-JP" altLang="en-US" dirty="0" smtClean="0"/>
-              <a:t>依存にならないため、幅広い利用が望める</a:t>
-            </a:r>
-            <a:endParaRPr lang="en-US" altLang="ja-JP" dirty="0" smtClean="0"/>
-          </a:p>
-          <a:p>
-            <a:pPr lvl="2"/>
-            <a:r>
-              <a:rPr lang="en-US" altLang="ja-JP" dirty="0" smtClean="0"/>
-              <a:t>Windows</a:t>
-            </a:r>
-            <a:r>
-              <a:rPr lang="ja-JP" altLang="en-US" dirty="0" smtClean="0"/>
-              <a:t>用、</a:t>
-            </a:r>
-            <a:r>
-              <a:rPr lang="en-US" altLang="ja-JP" dirty="0" smtClean="0"/>
-              <a:t>Mac</a:t>
-            </a:r>
-            <a:r>
-              <a:rPr lang="ja-JP" altLang="en-US" dirty="0" smtClean="0"/>
-              <a:t>用、</a:t>
-            </a:r>
-            <a:r>
-              <a:rPr lang="en-US" altLang="ja-JP" dirty="0" smtClean="0"/>
-              <a:t>Linux</a:t>
-            </a:r>
-            <a:r>
-              <a:rPr lang="ja-JP" altLang="en-US" dirty="0" smtClean="0"/>
-              <a:t>用と別々に開発しなくて良い</a:t>
-            </a:r>
-            <a:endParaRPr lang="en-US" altLang="ja-JP" dirty="0" smtClean="0"/>
-          </a:p>
-          <a:p>
-            <a:pPr lvl="2"/>
-            <a:r>
-              <a:rPr lang="ja-JP" altLang="en-US" dirty="0" smtClean="0"/>
-              <a:t>大抵の</a:t>
-            </a:r>
-            <a:r>
-              <a:rPr lang="en-US" altLang="ja-JP" dirty="0" smtClean="0"/>
-              <a:t>PC</a:t>
-            </a:r>
-            <a:r>
-              <a:rPr lang="ja-JP" altLang="en-US" dirty="0" smtClean="0"/>
-              <a:t>には</a:t>
-            </a:r>
-            <a:r>
-              <a:rPr lang="en-US" altLang="ja-JP" dirty="0" smtClean="0"/>
-              <a:t>WEB</a:t>
-            </a:r>
-            <a:r>
-              <a:rPr lang="ja-JP" altLang="en-US" dirty="0" smtClean="0"/>
-              <a:t>ブラウザがインストールされているため</a:t>
-            </a:r>
-            <a:r>
-              <a:rPr lang="ja-JP" altLang="en-US" dirty="0" smtClean="0"/>
-              <a:t>、新規インストールの手間が</a:t>
-            </a:r>
-            <a:r>
-              <a:rPr lang="ja-JP" altLang="en-US" dirty="0"/>
-              <a:t>不必要</a:t>
-            </a:r>
-            <a:endParaRPr lang="en-US" altLang="ja-JP" dirty="0" smtClean="0"/>
-          </a:p>
-          <a:p>
+              <a:t>　</a:t>
+            </a:r>
             <a:r>
               <a:rPr lang="en-US" altLang="ja-JP" dirty="0" err="1" smtClean="0"/>
               <a:t>Matlab</a:t>
             </a:r>
             <a:r>
+              <a:rPr lang="en-US" altLang="ja-JP" dirty="0" smtClean="0"/>
+              <a:t> </a:t>
+            </a:r>
+            <a:r>
               <a:rPr lang="ja-JP" altLang="en-US" dirty="0" smtClean="0"/>
-              <a:t>コードの字句解析、構文解析</a:t>
+              <a:t>コード</a:t>
+            </a:r>
+            <a:r>
+              <a:rPr lang="en-US" altLang="ja-JP" dirty="0" smtClean="0"/>
+              <a:t> </a:t>
+            </a:r>
+            <a:r>
+              <a:rPr lang="ja-JP" altLang="en-US" dirty="0"/>
+              <a:t>の</a:t>
+            </a:r>
+            <a:r>
+              <a:rPr lang="ja-JP" altLang="en-US" dirty="0" smtClean="0"/>
+              <a:t>字句解析、構文解析、意味解析</a:t>
             </a:r>
             <a:endParaRPr lang="en-US" altLang="ja-JP" dirty="0" smtClean="0"/>
           </a:p>
           <a:p>
-            <a:pPr lvl="1"/>
+            <a:pPr marL="971550" lvl="1" indent="-514350">
+              <a:spcAft>
+                <a:spcPts val="600"/>
+              </a:spcAft>
+              <a:buFont typeface="+mj-lt"/>
+              <a:buAutoNum type="arabicPeriod"/>
+            </a:pPr>
+            <a:r>
+              <a:rPr lang="en-US" altLang="ja-JP" dirty="0" smtClean="0"/>
+              <a:t>LLVM</a:t>
+            </a:r>
+            <a:r>
+              <a:rPr lang="ja-JP" altLang="en-US" dirty="0"/>
+              <a:t> </a:t>
+            </a:r>
+            <a:r>
+              <a:rPr lang="en-US" altLang="ja-JP" dirty="0" smtClean="0"/>
+              <a:t>IR</a:t>
+            </a:r>
+          </a:p>
+          <a:p>
+            <a:pPr marL="971550" lvl="1" indent="-514350">
+              <a:spcAft>
+                <a:spcPts val="600"/>
+              </a:spcAft>
+              <a:buFont typeface="+mj-lt"/>
+              <a:buAutoNum type="arabicPeriod"/>
+            </a:pPr>
             <a:r>
               <a:rPr lang="ja-JP" altLang="en-US" dirty="0" smtClean="0"/>
-              <a:t>コードパース後、</a:t>
+              <a:t>バックエンド実装</a:t>
+            </a:r>
+            <a:endParaRPr lang="en-US" altLang="ja-JP" dirty="0" smtClean="0"/>
+          </a:p>
+          <a:p>
+            <a:pPr marL="914400" lvl="2" indent="0">
+              <a:spcAft>
+                <a:spcPts val="600"/>
+              </a:spcAft>
+              <a:buNone/>
+            </a:pPr>
+            <a:r>
+              <a:rPr lang="ja-JP" altLang="en-US" dirty="0" smtClean="0"/>
+              <a:t>　</a:t>
             </a:r>
             <a:r>
               <a:rPr lang="en-US" altLang="ja-JP" dirty="0" smtClean="0"/>
-              <a:t>DOM(Document </a:t>
+              <a:t>JS</a:t>
+            </a:r>
+            <a:r>
+              <a:rPr lang="ja-JP" altLang="en-US" dirty="0" smtClean="0"/>
+              <a:t>：</a:t>
+            </a:r>
+            <a:r>
+              <a:rPr lang="ja-JP" altLang="en-US" dirty="0"/>
+              <a:t>ブラウザ</a:t>
+            </a:r>
+            <a:r>
+              <a:rPr lang="ja-JP" altLang="en-US" dirty="0" smtClean="0"/>
+              <a:t>でコードの可視化</a:t>
+            </a:r>
+            <a:endParaRPr lang="en-US" altLang="ja-JP" dirty="0" smtClean="0"/>
+          </a:p>
+          <a:p>
+            <a:pPr marL="914400" lvl="2" indent="0">
+              <a:spcAft>
+                <a:spcPts val="600"/>
+              </a:spcAft>
+              <a:buNone/>
+            </a:pPr>
+            <a:r>
+              <a:rPr lang="ja-JP" altLang="en-US" dirty="0" smtClean="0"/>
+              <a:t>　</a:t>
             </a:r>
             <a:r>
               <a:rPr lang="en-US" altLang="ja-JP" dirty="0" smtClean="0"/>
-              <a:t>Object Model) API</a:t>
-            </a:r>
-            <a:r>
-              <a:rPr lang="ja-JP" altLang="en-US" dirty="0" err="1" smtClean="0"/>
-              <a:t>での</a:t>
+              <a:t>C++</a:t>
             </a:r>
             <a:r>
               <a:rPr lang="ja-JP" altLang="en-US" dirty="0" smtClean="0"/>
-              <a:t>解析</a:t>
-            </a:r>
-            <a:r>
-              <a:rPr lang="ja-JP" altLang="en-US" dirty="0"/>
-              <a:t>が</a:t>
+              <a:t>：</a:t>
+            </a:r>
+            <a:r>
+              <a:rPr lang="en-US" altLang="ja-JP" dirty="0" err="1" smtClean="0"/>
+              <a:t>OpenRTM</a:t>
             </a:r>
             <a:r>
               <a:rPr lang="ja-JP" altLang="en-US" dirty="0" smtClean="0"/>
-              <a:t>容易</a:t>
-            </a:r>
-            <a:endParaRPr lang="en-US" altLang="ja-JP" dirty="0" smtClean="0"/>
-          </a:p>
-          <a:p>
-            <a:pPr lvl="1"/>
-            <a:r>
-              <a:rPr lang="ja-JP" altLang="en-US" dirty="0" smtClean="0"/>
-              <a:t>構文解析</a:t>
-            </a:r>
-            <a:r>
-              <a:rPr lang="ja-JP" altLang="en-US" dirty="0" smtClean="0"/>
-              <a:t>には</a:t>
-            </a:r>
-            <a:r>
-              <a:rPr lang="en-US" altLang="ja-JP" dirty="0" smtClean="0"/>
-              <a:t>AST(Abstract </a:t>
-            </a:r>
-            <a:r>
-              <a:rPr lang="en-US" altLang="ja-JP" dirty="0"/>
-              <a:t>Syntax Tree</a:t>
-            </a:r>
-            <a:r>
-              <a:rPr lang="en-US" altLang="ja-JP" dirty="0" smtClean="0"/>
-              <a:t>)</a:t>
-            </a:r>
-            <a:r>
-              <a:rPr lang="ja-JP" altLang="en-US" dirty="0" smtClean="0"/>
-              <a:t>を利用</a:t>
-            </a:r>
-            <a:endParaRPr lang="en-US" altLang="ja-JP" dirty="0" smtClean="0"/>
-          </a:p>
-          <a:p>
-            <a:pPr lvl="2"/>
-            <a:endParaRPr kumimoji="1" lang="ja-JP" altLang="en-US" dirty="0"/>
+              <a:t>コンポーネント</a:t>
+            </a:r>
+            <a:endParaRPr kumimoji="1" lang="en-US" altLang="ja-JP" dirty="0" smtClean="0"/>
+          </a:p>
+          <a:p>
+            <a:pPr>
+              <a:spcAft>
+                <a:spcPts val="600"/>
+              </a:spcAft>
+            </a:pPr>
+            <a:endParaRPr kumimoji="1" lang="en-US" altLang="ja-JP" dirty="0" smtClean="0"/>
+          </a:p>
+          <a:p>
+            <a:pPr marL="0" indent="0">
+              <a:buNone/>
+            </a:pPr>
+            <a:endParaRPr kumimoji="1" lang="en-US" altLang="ja-JP" dirty="0" smtClean="0"/>
           </a:p>
         </p:txBody>
       </p:sp>
@@ -12909,100 +14409,10 @@
           </a:fontRef>
         </p:style>
       </p:cxnSp>
-      <p:pic>
-        <p:nvPicPr>
-          <p:cNvPr id="4" name="図 3"/>
-          <p:cNvPicPr>
-            <a:picLocks noChangeAspect="1"/>
-          </p:cNvPicPr>
-          <p:nvPr/>
-        </p:nvPicPr>
-        <p:blipFill>
-          <a:blip r:embed="rId3">
-            <a:extLst>
-              <a:ext uri="{28A0092B-C50C-407E-A947-70E740481C1C}">
-                <a14:useLocalDpi xmlns:a14="http://schemas.microsoft.com/office/drawing/2010/main" val="0"/>
-              </a:ext>
-            </a:extLst>
-          </a:blip>
-          <a:stretch>
-            <a:fillRect/>
-          </a:stretch>
-        </p:blipFill>
-        <p:spPr>
-          <a:xfrm>
-            <a:off x="6552659" y="1495731"/>
-            <a:ext cx="596838" cy="596838"/>
-          </a:xfrm>
-          <a:prstGeom prst="rect">
-            <a:avLst/>
-          </a:prstGeom>
-        </p:spPr>
-      </p:pic>
-      <p:pic>
-        <p:nvPicPr>
-          <p:cNvPr id="6" name="図 5"/>
-          <p:cNvPicPr>
-            <a:picLocks noChangeAspect="1"/>
-          </p:cNvPicPr>
-          <p:nvPr/>
-        </p:nvPicPr>
-        <p:blipFill>
-          <a:blip r:embed="rId4">
-            <a:extLst>
-              <a:ext uri="{28A0092B-C50C-407E-A947-70E740481C1C}">
-                <a14:useLocalDpi xmlns:a14="http://schemas.microsoft.com/office/drawing/2010/main" val="0"/>
-              </a:ext>
-            </a:extLst>
-          </a:blip>
-          <a:stretch>
-            <a:fillRect/>
-          </a:stretch>
-        </p:blipFill>
-        <p:spPr>
-          <a:xfrm>
-            <a:off x="7579612" y="1518410"/>
-            <a:ext cx="592159" cy="592159"/>
-          </a:xfrm>
-          <a:prstGeom prst="rect">
-            <a:avLst/>
-          </a:prstGeom>
-        </p:spPr>
-      </p:pic>
-      <p:pic>
-        <p:nvPicPr>
-          <p:cNvPr id="7" name="図 6"/>
-          <p:cNvPicPr>
-            <a:picLocks noChangeAspect="1"/>
-          </p:cNvPicPr>
-          <p:nvPr/>
-        </p:nvPicPr>
-        <p:blipFill>
-          <a:blip r:embed="rId5">
-            <a:extLst>
-              <a:ext uri="{28A0092B-C50C-407E-A947-70E740481C1C}">
-                <a14:useLocalDpi xmlns:a14="http://schemas.microsoft.com/office/drawing/2010/main" val="0"/>
-              </a:ext>
-            </a:extLst>
-          </a:blip>
-          <a:stretch>
-            <a:fillRect/>
-          </a:stretch>
-        </p:blipFill>
-        <p:spPr>
-          <a:xfrm>
-            <a:off x="7064650" y="1500929"/>
-            <a:ext cx="595130" cy="595130"/>
-          </a:xfrm>
-          <a:prstGeom prst="rect">
-            <a:avLst/>
-          </a:prstGeom>
-        </p:spPr>
-      </p:pic>
     </p:spTree>
     <p:extLst>
       <p:ext uri="{BB962C8B-B14F-4D97-AF65-F5344CB8AC3E}">
-        <p14:creationId xmlns:p14="http://schemas.microsoft.com/office/powerpoint/2010/main" val="4042259202"/>
+        <p14:creationId xmlns:p14="http://schemas.microsoft.com/office/powerpoint/2010/main" val="4141303819"/>
       </p:ext>
     </p:extLst>
   </p:cSld>
@@ -13046,19 +14456,18 @@
             <p:ph type="title"/>
           </p:nvPr>
         </p:nvSpPr>
-        <p:spPr>
-          <a:xfrm>
-            <a:off x="457200" y="65699"/>
-            <a:ext cx="8229600" cy="1143000"/>
-          </a:xfrm>
-        </p:spPr>
+        <p:spPr/>
         <p:txBody>
           <a:bodyPr/>
           <a:lstStyle/>
           <a:p>
             <a:r>
-              <a:rPr kumimoji="1" lang="ja-JP" altLang="en-US" dirty="0" smtClean="0"/>
-              <a:t>現在までの結果</a:t>
+              <a:rPr lang="ja-JP" altLang="en-US" dirty="0"/>
+              <a:t>手段</a:t>
+            </a:r>
+            <a:r>
+              <a:rPr lang="ja-JP" altLang="en-US" dirty="0" smtClean="0"/>
+              <a:t>についての検討</a:t>
             </a:r>
             <a:endParaRPr kumimoji="1" lang="ja-JP" altLang="en-US" dirty="0"/>
           </a:p>
@@ -13074,35 +14483,23 @@
             <p:ph idx="1"/>
           </p:nvPr>
         </p:nvSpPr>
-        <p:spPr>
-          <a:xfrm>
-            <a:off x="457200" y="1600200"/>
-            <a:ext cx="8534400" cy="5117123"/>
-          </a:xfrm>
-        </p:spPr>
+        <p:spPr/>
         <p:txBody>
           <a:bodyPr>
-            <a:normAutofit fontScale="85000" lnSpcReduction="20000"/>
+            <a:normAutofit/>
           </a:bodyPr>
           <a:lstStyle/>
           <a:p>
             <a:pPr>
-              <a:lnSpc>
-                <a:spcPct val="160000"/>
-              </a:lnSpc>
               <a:spcAft>
                 <a:spcPts val="600"/>
               </a:spcAft>
             </a:pPr>
             <a:r>
-              <a:rPr lang="en-US" altLang="ja-JP" dirty="0"/>
-              <a:t>WHATWG HTML Living Standard</a:t>
-            </a:r>
-            <a:r>
-              <a:rPr lang="ja-JP" altLang="en-US" dirty="0"/>
-              <a:t>の追跡</a:t>
-            </a:r>
-            <a:endParaRPr lang="en-US" altLang="ja-JP" dirty="0"/>
+              <a:rPr lang="ja-JP" altLang="en-US" dirty="0" smtClean="0"/>
+              <a:t>フロントエンド実装</a:t>
+            </a:r>
+            <a:endParaRPr lang="en-US" altLang="ja-JP" dirty="0" smtClean="0"/>
           </a:p>
           <a:p>
             <a:pPr lvl="1">
@@ -13111,13 +14508,38 @@
               </a:spcAft>
             </a:pPr>
             <a:r>
-              <a:rPr lang="en-US" altLang="ja-JP" sz="2400" dirty="0"/>
-              <a:t>Web Hypertext Application Technology Working </a:t>
-            </a:r>
-            <a:r>
-              <a:rPr lang="en-US" altLang="ja-JP" sz="2400" dirty="0" smtClean="0"/>
-              <a:t>Group</a:t>
-            </a:r>
+              <a:rPr lang="en-US" altLang="ja-JP" dirty="0" err="1" smtClean="0"/>
+              <a:t>Matlab</a:t>
+            </a:r>
+            <a:r>
+              <a:rPr lang="en-US" altLang="ja-JP" dirty="0" smtClean="0"/>
+              <a:t> code </a:t>
+            </a:r>
+            <a:r>
+              <a:rPr lang="ja-JP" altLang="en-US" dirty="0"/>
+              <a:t>の</a:t>
+            </a:r>
+            <a:r>
+              <a:rPr lang="ja-JP" altLang="en-US" dirty="0" smtClean="0"/>
+              <a:t>字句解析、構文解析、意味解析を行い</a:t>
+            </a:r>
+            <a:r>
+              <a:rPr lang="en-US" altLang="ja-JP" dirty="0" smtClean="0"/>
+              <a:t>LLVM</a:t>
+            </a:r>
+            <a:r>
+              <a:rPr lang="ja-JP" altLang="en-US" dirty="0" smtClean="0"/>
+              <a:t> </a:t>
+            </a:r>
+            <a:r>
+              <a:rPr lang="en-US" altLang="ja-JP" dirty="0" smtClean="0"/>
+              <a:t>IR</a:t>
+            </a:r>
+            <a:r>
+              <a:rPr lang="ja-JP" altLang="en-US" dirty="0" smtClean="0"/>
+              <a:t>（中間コード）へ変換する。</a:t>
+            </a:r>
+            <a:endParaRPr lang="en-US" altLang="ja-JP" dirty="0" smtClean="0"/>
           </a:p>
           <a:p>
             <a:pPr lvl="1">
@@ -13126,14 +14548,77 @@
               </a:spcAft>
             </a:pPr>
             <a:r>
-              <a:rPr lang="ja-JP" altLang="en-US" sz="2400" dirty="0" smtClean="0"/>
-              <a:t>主要ブラウザ開発者が主に参照している</a:t>
-            </a:r>
-            <a:r>
-              <a:rPr lang="en-US" altLang="ja-JP" sz="2400" dirty="0" smtClean="0"/>
-              <a:t>WG</a:t>
-            </a:r>
-            <a:endParaRPr lang="en-US" altLang="ja-JP" sz="2400" dirty="0"/>
+              <a:rPr lang="en-US" altLang="ja-JP" dirty="0" err="1" smtClean="0"/>
+              <a:t>mlang</a:t>
+            </a:r>
+            <a:r>
+              <a:rPr lang="en-US" altLang="ja-JP" dirty="0" smtClean="0"/>
+              <a:t>(</a:t>
+            </a:r>
+            <a:r>
+              <a:rPr lang="en-US" altLang="ja-JP" dirty="0" smtClean="0">
+                <a:hlinkClick r:id="rId2"/>
+              </a:rPr>
+              <a:t>https</a:t>
+            </a:r>
+            <a:r>
+              <a:rPr lang="en-US" altLang="ja-JP" dirty="0">
+                <a:hlinkClick r:id="rId2"/>
+              </a:rPr>
+              <a:t>://code.google.com/p/mlang</a:t>
+            </a:r>
+            <a:r>
+              <a:rPr lang="en-US" altLang="ja-JP" dirty="0" smtClean="0">
+                <a:hlinkClick r:id="rId2"/>
+              </a:rPr>
+              <a:t>/</a:t>
+            </a:r>
+            <a:r>
+              <a:rPr lang="en-US" altLang="ja-JP" dirty="0" smtClean="0"/>
+              <a:t>)</a:t>
+            </a:r>
+          </a:p>
+          <a:p>
+            <a:pPr lvl="1">
+              <a:spcAft>
+                <a:spcPts val="600"/>
+              </a:spcAft>
+            </a:pPr>
+            <a:r>
+              <a:rPr lang="en-US" altLang="ja-JP" dirty="0" smtClean="0"/>
+              <a:t>decade(</a:t>
+            </a:r>
+            <a:r>
+              <a:rPr lang="en-US" altLang="ja-JP" dirty="0" smtClean="0">
+                <a:hlinkClick r:id="rId3"/>
+              </a:rPr>
+              <a:t>https</a:t>
+            </a:r>
+            <a:r>
+              <a:rPr lang="en-US" altLang="ja-JP" dirty="0">
+                <a:hlinkClick r:id="rId3"/>
+              </a:rPr>
+              <a:t>://</a:t>
+            </a:r>
+            <a:r>
+              <a:rPr lang="en-US" altLang="ja-JP" dirty="0" smtClean="0">
+                <a:hlinkClick r:id="rId3"/>
+              </a:rPr>
+              <a:t>github.com/ewiger/decade</a:t>
+            </a:r>
+            <a:r>
+              <a:rPr lang="en-US" altLang="ja-JP" dirty="0" smtClean="0"/>
+              <a:t>)</a:t>
+            </a:r>
+          </a:p>
+          <a:p>
+            <a:pPr marL="457200" lvl="1" indent="0">
+              <a:spcAft>
+                <a:spcPts val="600"/>
+              </a:spcAft>
+              <a:buNone/>
+            </a:pPr>
+            <a:endParaRPr kumimoji="1" lang="en-US" altLang="ja-JP" dirty="0" smtClean="0"/>
           </a:p>
           <a:p>
             <a:pPr>
@@ -13141,183 +14626,13 @@
                 <a:spcPts val="600"/>
               </a:spcAft>
             </a:pPr>
-            <a:r>
-              <a:rPr kumimoji="1" lang="en-US" altLang="ja-JP" dirty="0" smtClean="0"/>
-              <a:t>W3C</a:t>
-            </a:r>
-            <a:r>
-              <a:rPr lang="ja-JP" altLang="en-US" dirty="0" smtClean="0"/>
-              <a:t>仕様の確認</a:t>
-            </a:r>
-            <a:endParaRPr lang="en-US" altLang="ja-JP" sz="2400" dirty="0" smtClean="0"/>
-          </a:p>
-          <a:p>
-            <a:pPr lvl="1">
-              <a:spcAft>
-                <a:spcPts val="600"/>
-              </a:spcAft>
+            <a:endParaRPr kumimoji="1" lang="en-US" altLang="ja-JP" dirty="0" smtClean="0"/>
+          </a:p>
+          <a:p>
+            <a:pPr marL="0" indent="0">
+              <a:buNone/>
             </a:pPr>
-            <a:r>
-              <a:rPr lang="en-US" altLang="ja-JP" sz="2400" dirty="0" smtClean="0"/>
-              <a:t>HTML5</a:t>
-            </a:r>
-            <a:r>
-              <a:rPr lang="ja-JP" altLang="en-US" sz="2400" dirty="0" smtClean="0"/>
-              <a:t>正式勧告</a:t>
-            </a:r>
-            <a:endParaRPr lang="en-US" altLang="ja-JP" sz="2400" dirty="0" smtClean="0"/>
-          </a:p>
-          <a:p>
-            <a:pPr lvl="2">
-              <a:spcAft>
-                <a:spcPts val="600"/>
-              </a:spcAft>
-            </a:pPr>
-            <a:r>
-              <a:rPr lang="en-US" altLang="ja-JP" sz="2000" dirty="0" smtClean="0"/>
-              <a:t>2014</a:t>
-            </a:r>
-            <a:r>
-              <a:rPr lang="ja-JP" altLang="en-US" sz="2000" dirty="0" smtClean="0"/>
-              <a:t>年</a:t>
-            </a:r>
-            <a:r>
-              <a:rPr lang="en-US" altLang="ja-JP" sz="2000" dirty="0" smtClean="0"/>
-              <a:t>10</a:t>
-            </a:r>
-            <a:r>
-              <a:rPr lang="ja-JP" altLang="en-US" sz="2000" dirty="0" smtClean="0"/>
-              <a:t>月</a:t>
-            </a:r>
-            <a:r>
-              <a:rPr lang="en-US" altLang="ja-JP" sz="2000" dirty="0" smtClean="0"/>
-              <a:t>28</a:t>
-            </a:r>
-            <a:r>
-              <a:rPr lang="ja-JP" altLang="en-US" sz="2000" dirty="0" smtClean="0"/>
-              <a:t>日（米国時間）</a:t>
-            </a:r>
-            <a:endParaRPr lang="en-US" altLang="ja-JP" sz="2000" dirty="0" smtClean="0"/>
-          </a:p>
-          <a:p>
-            <a:pPr lvl="1">
-              <a:spcAft>
-                <a:spcPts val="600"/>
-              </a:spcAft>
-            </a:pPr>
-            <a:r>
-              <a:rPr lang="en-US" altLang="ja-JP" sz="2400" dirty="0" smtClean="0"/>
-              <a:t>WHATWG</a:t>
-            </a:r>
-            <a:r>
-              <a:rPr lang="ja-JP" altLang="en-US" sz="2400" dirty="0"/>
-              <a:t> </a:t>
-            </a:r>
-            <a:r>
-              <a:rPr lang="en-US" altLang="ja-JP" sz="2400" dirty="0" smtClean="0"/>
-              <a:t>Living Standard</a:t>
-            </a:r>
-            <a:r>
-              <a:rPr lang="ja-JP" altLang="en-US" sz="2400" dirty="0" smtClean="0"/>
-              <a:t>の成果を元に勧告している</a:t>
-            </a:r>
-            <a:endParaRPr lang="en-US" altLang="ja-JP" sz="2400" dirty="0" smtClean="0"/>
-          </a:p>
-          <a:p>
-            <a:pPr lvl="1">
-              <a:spcAft>
-                <a:spcPts val="600"/>
-              </a:spcAft>
-            </a:pPr>
-            <a:r>
-              <a:rPr lang="en-US" altLang="ja-JP" sz="2400" dirty="0" err="1" smtClean="0"/>
-              <a:t>MathML</a:t>
-            </a:r>
-            <a:r>
-              <a:rPr lang="ja-JP" altLang="en-US" sz="2400" dirty="0" smtClean="0"/>
-              <a:t>勧告</a:t>
-            </a:r>
-            <a:endParaRPr lang="en-US" altLang="ja-JP" sz="2400" dirty="0" smtClean="0"/>
-          </a:p>
-          <a:p>
-            <a:pPr>
-              <a:spcAft>
-                <a:spcPts val="600"/>
-              </a:spcAft>
-            </a:pPr>
-            <a:r>
-              <a:rPr lang="ja-JP" altLang="en-US" dirty="0" smtClean="0"/>
-              <a:t>コードパース手法の調査・プログラム作成</a:t>
-            </a:r>
-            <a:endParaRPr lang="en-US" altLang="ja-JP" dirty="0" smtClean="0"/>
-          </a:p>
-          <a:p>
-            <a:pPr lvl="1">
-              <a:spcAft>
-                <a:spcPts val="600"/>
-              </a:spcAft>
-            </a:pPr>
-            <a:r>
-              <a:rPr kumimoji="1" lang="en-US" altLang="ja-JP" sz="2400" dirty="0" err="1" smtClean="0"/>
-              <a:t>JQuery,Ajax</a:t>
-            </a:r>
-            <a:r>
-              <a:rPr kumimoji="1" lang="ja-JP" altLang="en-US" sz="2400" dirty="0" smtClean="0"/>
-              <a:t>によるプログラミング</a:t>
-            </a:r>
-            <a:endParaRPr kumimoji="1" lang="en-US" altLang="ja-JP" sz="2400" dirty="0" smtClean="0"/>
-          </a:p>
-          <a:p>
-            <a:pPr lvl="1">
-              <a:spcAft>
-                <a:spcPts val="600"/>
-              </a:spcAft>
-            </a:pPr>
-            <a:r>
-              <a:rPr lang="ja-JP" altLang="en-US" sz="2400" dirty="0" smtClean="0"/>
-              <a:t>ソースコードを</a:t>
-            </a:r>
-            <a:r>
-              <a:rPr lang="en-US" altLang="ja-JP" sz="2400" dirty="0" smtClean="0"/>
-              <a:t>JSON</a:t>
-            </a:r>
-            <a:r>
-              <a:rPr lang="ja-JP" altLang="en-US" sz="2400" dirty="0" smtClean="0"/>
-              <a:t>形式にパースする</a:t>
-            </a:r>
-            <a:endParaRPr lang="en-US" altLang="ja-JP" sz="2400" dirty="0" smtClean="0"/>
-          </a:p>
-          <a:p>
-            <a:pPr lvl="1">
-              <a:spcAft>
-                <a:spcPts val="600"/>
-              </a:spcAft>
-            </a:pPr>
-            <a:r>
-              <a:rPr kumimoji="1" lang="en-US" altLang="ja-JP" sz="2400" dirty="0" smtClean="0"/>
-              <a:t>DOM</a:t>
-            </a:r>
-            <a:r>
-              <a:rPr lang="en-US" altLang="ja-JP" sz="2400" dirty="0"/>
-              <a:t> </a:t>
-            </a:r>
-            <a:r>
-              <a:rPr lang="en-US" altLang="ja-JP" sz="2400" dirty="0" smtClean="0"/>
-              <a:t>API</a:t>
-            </a:r>
-            <a:r>
-              <a:rPr kumimoji="1" lang="ja-JP" altLang="en-US" sz="2400" dirty="0" smtClean="0"/>
-              <a:t>を</a:t>
-            </a:r>
-            <a:r>
-              <a:rPr kumimoji="1" lang="en-US" altLang="ja-JP" sz="2400" dirty="0" err="1" smtClean="0"/>
-              <a:t>JQuery,Ajax</a:t>
-            </a:r>
-            <a:r>
-              <a:rPr kumimoji="1" lang="ja-JP" altLang="en-US" sz="2400" dirty="0" smtClean="0"/>
-              <a:t>で利用する</a:t>
-            </a:r>
-            <a:endParaRPr kumimoji="1" lang="en-US" altLang="ja-JP" sz="2400" dirty="0" smtClean="0"/>
+            <a:endParaRPr kumimoji="1" lang="en-US" altLang="ja-JP" dirty="0" smtClean="0"/>
           </a:p>
         </p:txBody>
       </p:sp>
@@ -13329,8 +14644,8 @@
         </p:nvCxnSpPr>
         <p:spPr>
           <a:xfrm>
-            <a:off x="457200" y="1206623"/>
-            <a:ext cx="8229600" cy="0"/>
+            <a:off x="457200" y="1417638"/>
+            <a:ext cx="8326582" cy="0"/>
           </a:xfrm>
           <a:prstGeom prst="line">
             <a:avLst/>
@@ -13354,7 +14669,7 @@
     </p:spTree>
     <p:extLst>
       <p:ext uri="{BB962C8B-B14F-4D97-AF65-F5344CB8AC3E}">
-        <p14:creationId xmlns:p14="http://schemas.microsoft.com/office/powerpoint/2010/main" val="635421901"/>
+        <p14:creationId xmlns:p14="http://schemas.microsoft.com/office/powerpoint/2010/main" val="1588278023"/>
       </p:ext>
     </p:extLst>
   </p:cSld>
@@ -13398,14 +14713,23 @@
             <p:ph type="title"/>
           </p:nvPr>
         </p:nvSpPr>
-        <p:spPr/>
+        <p:spPr>
+          <a:xfrm>
+            <a:off x="457200" y="72620"/>
+            <a:ext cx="8229600" cy="1143000"/>
+          </a:xfrm>
+        </p:spPr>
         <p:txBody>
           <a:bodyPr/>
           <a:lstStyle/>
           <a:p>
             <a:r>
-              <a:rPr kumimoji="1" lang="ja-JP" altLang="en-US" dirty="0" smtClean="0"/>
-              <a:t>考察と今後の計画</a:t>
+              <a:rPr lang="ja-JP" altLang="en-US" dirty="0"/>
+              <a:t>手段</a:t>
+            </a:r>
+            <a:r>
+              <a:rPr lang="ja-JP" altLang="en-US" dirty="0" smtClean="0"/>
+              <a:t>についての検討</a:t>
             </a:r>
             <a:endParaRPr kumimoji="1" lang="ja-JP" altLang="en-US" dirty="0"/>
           </a:p>
@@ -13421,10 +14745,15 @@
             <p:ph idx="1"/>
           </p:nvPr>
         </p:nvSpPr>
-        <p:spPr/>
+        <p:spPr>
+          <a:xfrm>
+            <a:off x="457200" y="1323753"/>
+            <a:ext cx="8229600" cy="5108944"/>
+          </a:xfrm>
+        </p:spPr>
         <p:txBody>
           <a:bodyPr>
-            <a:normAutofit fontScale="77500" lnSpcReduction="20000"/>
+            <a:normAutofit/>
           </a:bodyPr>
           <a:lstStyle/>
           <a:p>
@@ -13434,28 +14763,12 @@
               </a:spcAft>
             </a:pPr>
             <a:r>
+              <a:rPr lang="ja-JP" altLang="en-US" dirty="0"/>
+              <a:t>バック</a:t>
+            </a:r>
+            <a:r>
               <a:rPr lang="ja-JP" altLang="en-US" dirty="0" smtClean="0"/>
-              <a:t>対象とした</a:t>
-            </a:r>
-            <a:r>
-              <a:rPr lang="en-US" altLang="ja-JP" dirty="0" smtClean="0"/>
-              <a:t>2</a:t>
-            </a:r>
-            <a:r>
-              <a:rPr lang="ja-JP" altLang="en-US" dirty="0" smtClean="0"/>
-              <a:t>つのモデルで動作検証を行う</a:t>
-            </a:r>
-            <a:endParaRPr lang="en-US" altLang="ja-JP" dirty="0" smtClean="0"/>
-          </a:p>
-          <a:p>
-            <a:pPr>
-              <a:spcAft>
-                <a:spcPts val="600"/>
-              </a:spcAft>
-            </a:pPr>
-            <a:r>
-              <a:rPr lang="ja-JP" altLang="en-US" dirty="0" smtClean="0"/>
-              <a:t>その他のパース手法の継続的調査</a:t>
+              <a:t>エンド実装</a:t>
             </a:r>
             <a:endParaRPr lang="en-US" altLang="ja-JP" dirty="0" smtClean="0"/>
           </a:p>
@@ -13466,20 +14779,20 @@
               </a:spcAft>
             </a:pPr>
             <a:r>
+              <a:rPr lang="en-US" altLang="ja-JP" dirty="0" smtClean="0"/>
+              <a:t>LLVM</a:t>
+            </a:r>
+            <a:r>
               <a:rPr lang="ja-JP" altLang="en-US" dirty="0" smtClean="0"/>
-              <a:t>より良い手法の検討</a:t>
-            </a:r>
-            <a:endParaRPr lang="en-US" altLang="ja-JP" dirty="0" smtClean="0"/>
-          </a:p>
-          <a:p>
-            <a:pPr>
-              <a:spcAft>
-                <a:spcPts val="600"/>
-              </a:spcAft>
-            </a:pPr>
+              <a:t> </a:t>
+            </a:r>
+            <a:r>
+              <a:rPr lang="en-US" altLang="ja-JP" dirty="0" smtClean="0"/>
+              <a:t>IR</a:t>
+            </a:r>
             <a:r>
               <a:rPr lang="ja-JP" altLang="en-US" dirty="0" smtClean="0"/>
-              <a:t>追加検討項目</a:t>
+              <a:t>（中間コード）から各種コードへの変換を行う。</a:t>
             </a:r>
             <a:endParaRPr lang="en-US" altLang="ja-JP" dirty="0" smtClean="0"/>
           </a:p>
@@ -13490,16 +14803,49 @@
               </a:spcAft>
             </a:pPr>
             <a:r>
-              <a:rPr lang="en-US" altLang="ja-JP" dirty="0" err="1"/>
-              <a:t>O</a:t>
-            </a:r>
-            <a:r>
               <a:rPr lang="en-US" altLang="ja-JP" dirty="0" err="1" smtClean="0"/>
-              <a:t>penRTM</a:t>
+              <a:t>emscripten</a:t>
+            </a:r>
+            <a:r>
+              <a:rPr lang="en-US" altLang="ja-JP" sz="2000" dirty="0" smtClean="0"/>
+              <a:t>(</a:t>
+            </a:r>
+            <a:r>
+              <a:rPr lang="en-US" altLang="ja-JP" sz="2000" dirty="0" smtClean="0">
+                <a:hlinkClick r:id="rId2"/>
+              </a:rPr>
+              <a:t>https</a:t>
+            </a:r>
+            <a:r>
+              <a:rPr lang="en-US" altLang="ja-JP" sz="2000" dirty="0">
+                <a:hlinkClick r:id="rId2"/>
+              </a:rPr>
+              <a:t>://</a:t>
+            </a:r>
+            <a:r>
+              <a:rPr lang="en-US" altLang="ja-JP" sz="2000" dirty="0" smtClean="0">
+                <a:hlinkClick r:id="rId2"/>
+              </a:rPr>
+              <a:t>github.com/kripken/emscripten</a:t>
+            </a:r>
+            <a:r>
+              <a:rPr lang="en-US" altLang="ja-JP" sz="2000" dirty="0" smtClean="0"/>
+              <a:t>)</a:t>
+            </a:r>
+          </a:p>
+          <a:p>
+            <a:pPr lvl="2">
+              <a:spcAft>
+                <a:spcPts val="600"/>
+              </a:spcAft>
+            </a:pPr>
+            <a:r>
+              <a:rPr kumimoji="1" lang="en-US" altLang="ja-JP" dirty="0" smtClean="0"/>
+              <a:t>JavaScript : </a:t>
             </a:r>
             <a:r>
               <a:rPr lang="ja-JP" altLang="en-US" dirty="0" smtClean="0"/>
-              <a:t>コンポーネント化</a:t>
+              <a:t>可視化、ソースコード修正</a:t>
             </a:r>
             <a:endParaRPr lang="en-US" altLang="ja-JP" dirty="0" smtClean="0"/>
           </a:p>
@@ -13510,14 +14856,37 @@
               </a:spcAft>
             </a:pPr>
             <a:r>
-              <a:rPr lang="ja-JP" altLang="en-US" dirty="0" smtClean="0"/>
-              <a:t>関数</a:t>
-            </a:r>
-            <a:r>
-              <a:rPr lang="ja-JP" altLang="en-US" dirty="0" smtClean="0"/>
-              <a:t>評価方法の検討</a:t>
-            </a:r>
-            <a:endParaRPr lang="en-US" altLang="ja-JP" dirty="0" smtClean="0"/>
+              <a:rPr lang="en-US" altLang="ja-JP" dirty="0" err="1"/>
+              <a:t>l</a:t>
+            </a:r>
+            <a:r>
+              <a:rPr kumimoji="1" lang="en-US" altLang="ja-JP" dirty="0" err="1" smtClean="0"/>
+              <a:t>lvm-cbe</a:t>
+            </a:r>
+            <a:r>
+              <a:rPr kumimoji="1" lang="en-US" altLang="ja-JP" dirty="0" smtClean="0"/>
+              <a:t> </a:t>
+            </a:r>
+            <a:r>
+              <a:rPr lang="en-US" altLang="ja-JP" sz="2000" dirty="0" smtClean="0"/>
+              <a:t>(</a:t>
+            </a:r>
+            <a:r>
+              <a:rPr lang="en-US" altLang="ja-JP" sz="2000" dirty="0">
+                <a:hlinkClick r:id="rId3"/>
+              </a:rPr>
+              <a:t>https://</a:t>
+            </a:r>
+            <a:r>
+              <a:rPr lang="en-US" altLang="ja-JP" sz="2000" dirty="0" smtClean="0">
+                <a:hlinkClick r:id="rId3"/>
+              </a:rPr>
+              <a:t>github.com/draperlaboratory/llvm-cbe</a:t>
+            </a:r>
+            <a:r>
+              <a:rPr lang="en-US" altLang="ja-JP" sz="2000" dirty="0" smtClean="0"/>
+              <a:t>)</a:t>
+            </a:r>
           </a:p>
           <a:p>
             <a:pPr lvl="2">
@@ -13526,9 +14895,25 @@
               </a:spcAft>
             </a:pPr>
             <a:r>
-              <a:rPr kumimoji="1" lang="ja-JP" altLang="en-US" dirty="0" smtClean="0"/>
-              <a:t>パラメータフィッティング</a:t>
-            </a:r>
+              <a:rPr lang="en-US" altLang="ja-JP" dirty="0" smtClean="0"/>
+              <a:t>C/C++ : </a:t>
+            </a:r>
+            <a:r>
+              <a:rPr lang="en-US" altLang="ja-JP" dirty="0" err="1" smtClean="0"/>
+              <a:t>openRTM</a:t>
+            </a:r>
+            <a:r>
+              <a:rPr lang="ja-JP" altLang="en-US" dirty="0" smtClean="0"/>
+              <a:t>コンポーネント化</a:t>
+            </a:r>
+            <a:endParaRPr lang="en-US" altLang="ja-JP" dirty="0" smtClean="0"/>
+          </a:p>
+          <a:p>
+            <a:pPr lvl="2">
+              <a:spcAft>
+                <a:spcPts val="600"/>
+              </a:spcAft>
+            </a:pPr>
             <a:endParaRPr kumimoji="1" lang="en-US" altLang="ja-JP" dirty="0" smtClean="0"/>
           </a:p>
           <a:p>
@@ -13540,17 +14925,10 @@
             <a:endParaRPr kumimoji="1" lang="en-US" altLang="ja-JP" dirty="0" smtClean="0"/>
           </a:p>
           <a:p>
-            <a:endParaRPr kumimoji="1" lang="en-US" altLang="ja-JP" dirty="0" smtClean="0"/>
-          </a:p>
-          <a:p>
-            <a:pPr marL="0" indent="0" algn="r">
+            <a:pPr marL="0" indent="0">
               <a:buNone/>
             </a:pPr>
-            <a:r>
-              <a:rPr kumimoji="1" lang="ja-JP" altLang="en-US" sz="3600" dirty="0" smtClean="0"/>
-              <a:t>以上</a:t>
-            </a:r>
-            <a:endParaRPr kumimoji="1" lang="ja-JP" altLang="en-US" sz="3600" dirty="0"/>
+            <a:endParaRPr kumimoji="1" lang="en-US" altLang="ja-JP" dirty="0" smtClean="0"/>
           </a:p>
         </p:txBody>
       </p:sp>
@@ -13562,7 +14940,7 @@
         </p:nvCxnSpPr>
         <p:spPr>
           <a:xfrm>
-            <a:off x="457200" y="1417638"/>
+            <a:off x="457200" y="1109294"/>
             <a:ext cx="8326582" cy="0"/>
           </a:xfrm>
           <a:prstGeom prst="line">
@@ -13587,7 +14965,7 @@
     </p:spTree>
     <p:extLst>
       <p:ext uri="{BB962C8B-B14F-4D97-AF65-F5344CB8AC3E}">
-        <p14:creationId xmlns:p14="http://schemas.microsoft.com/office/powerpoint/2010/main" val="4141303819"/>
+        <p14:creationId xmlns:p14="http://schemas.microsoft.com/office/powerpoint/2010/main" val="2444344174"/>
       </p:ext>
     </p:extLst>
   </p:cSld>
@@ -14082,6 +15460,775 @@
   <p:timing>
     <p:tnLst>
       <p:par>
+        <p:cTn id="1" dur="indefinite" restart="never" nodeType="tmRoot">
+          <p:childTnLst>
+            <p:seq concurrent="1" nextAc="seek">
+              <p:cTn id="2" dur="indefinite" nodeType="mainSeq">
+                <p:childTnLst>
+                  <p:par>
+                    <p:cTn id="3" fill="hold">
+                      <p:stCondLst>
+                        <p:cond delay="indefinite"/>
+                      </p:stCondLst>
+                      <p:childTnLst>
+                        <p:par>
+                          <p:cTn id="4" fill="hold">
+                            <p:stCondLst>
+                              <p:cond delay="0"/>
+                            </p:stCondLst>
+                            <p:childTnLst>
+                              <p:par>
+                                <p:cTn id="5" presetID="2" presetClass="entr" presetSubtype="2" fill="hold" grpId="0" nodeType="clickEffect">
+                                  <p:stCondLst>
+                                    <p:cond delay="0"/>
+                                  </p:stCondLst>
+                                  <p:childTnLst>
+                                    <p:set>
+                                      <p:cBhvr>
+                                        <p:cTn id="6" dur="1" fill="hold">
+                                          <p:stCondLst>
+                                            <p:cond delay="0"/>
+                                          </p:stCondLst>
+                                        </p:cTn>
+                                        <p:tgtEl>
+                                          <p:spTgt spid="3">
+                                            <p:txEl>
+                                              <p:pRg st="0" end="0"/>
+                                            </p:txEl>
+                                          </p:spTgt>
+                                        </p:tgtEl>
+                                        <p:attrNameLst>
+                                          <p:attrName>style.visibility</p:attrName>
+                                        </p:attrNameLst>
+                                      </p:cBhvr>
+                                      <p:to>
+                                        <p:strVal val="visible"/>
+                                      </p:to>
+                                    </p:set>
+                                    <p:anim calcmode="lin" valueType="num">
+                                      <p:cBhvr additive="base">
+                                        <p:cTn id="7" dur="500" fill="hold"/>
+                                        <p:tgtEl>
+                                          <p:spTgt spid="3">
+                                            <p:txEl>
+                                              <p:pRg st="0" end="0"/>
+                                            </p:txEl>
+                                          </p:spTgt>
+                                        </p:tgtEl>
+                                        <p:attrNameLst>
+                                          <p:attrName>ppt_x</p:attrName>
+                                        </p:attrNameLst>
+                                      </p:cBhvr>
+                                      <p:tavLst>
+                                        <p:tav tm="0">
+                                          <p:val>
+                                            <p:strVal val="1+#ppt_w/2"/>
+                                          </p:val>
+                                        </p:tav>
+                                        <p:tav tm="100000">
+                                          <p:val>
+                                            <p:strVal val="#ppt_x"/>
+                                          </p:val>
+                                        </p:tav>
+                                      </p:tavLst>
+                                    </p:anim>
+                                    <p:anim calcmode="lin" valueType="num">
+                                      <p:cBhvr additive="base">
+                                        <p:cTn id="8" dur="500" fill="hold"/>
+                                        <p:tgtEl>
+                                          <p:spTgt spid="3">
+                                            <p:txEl>
+                                              <p:pRg st="0" end="0"/>
+                                            </p:txEl>
+                                          </p:spTgt>
+                                        </p:tgtEl>
+                                        <p:attrNameLst>
+                                          <p:attrName>ppt_y</p:attrName>
+                                        </p:attrNameLst>
+                                      </p:cBhvr>
+                                      <p:tavLst>
+                                        <p:tav tm="0">
+                                          <p:val>
+                                            <p:strVal val="#ppt_y"/>
+                                          </p:val>
+                                        </p:tav>
+                                        <p:tav tm="100000">
+                                          <p:val>
+                                            <p:strVal val="#ppt_y"/>
+                                          </p:val>
+                                        </p:tav>
+                                      </p:tavLst>
+                                    </p:anim>
+                                  </p:childTnLst>
+                                </p:cTn>
+                              </p:par>
+                              <p:par>
+                                <p:cTn id="9" presetID="2" presetClass="entr" presetSubtype="2" fill="hold" grpId="0" nodeType="withEffect">
+                                  <p:stCondLst>
+                                    <p:cond delay="0"/>
+                                  </p:stCondLst>
+                                  <p:childTnLst>
+                                    <p:set>
+                                      <p:cBhvr>
+                                        <p:cTn id="10" dur="1" fill="hold">
+                                          <p:stCondLst>
+                                            <p:cond delay="0"/>
+                                          </p:stCondLst>
+                                        </p:cTn>
+                                        <p:tgtEl>
+                                          <p:spTgt spid="3">
+                                            <p:txEl>
+                                              <p:pRg st="1" end="1"/>
+                                            </p:txEl>
+                                          </p:spTgt>
+                                        </p:tgtEl>
+                                        <p:attrNameLst>
+                                          <p:attrName>style.visibility</p:attrName>
+                                        </p:attrNameLst>
+                                      </p:cBhvr>
+                                      <p:to>
+                                        <p:strVal val="visible"/>
+                                      </p:to>
+                                    </p:set>
+                                    <p:anim calcmode="lin" valueType="num">
+                                      <p:cBhvr additive="base">
+                                        <p:cTn id="11" dur="500" fill="hold"/>
+                                        <p:tgtEl>
+                                          <p:spTgt spid="3">
+                                            <p:txEl>
+                                              <p:pRg st="1" end="1"/>
+                                            </p:txEl>
+                                          </p:spTgt>
+                                        </p:tgtEl>
+                                        <p:attrNameLst>
+                                          <p:attrName>ppt_x</p:attrName>
+                                        </p:attrNameLst>
+                                      </p:cBhvr>
+                                      <p:tavLst>
+                                        <p:tav tm="0">
+                                          <p:val>
+                                            <p:strVal val="1+#ppt_w/2"/>
+                                          </p:val>
+                                        </p:tav>
+                                        <p:tav tm="100000">
+                                          <p:val>
+                                            <p:strVal val="#ppt_x"/>
+                                          </p:val>
+                                        </p:tav>
+                                      </p:tavLst>
+                                    </p:anim>
+                                    <p:anim calcmode="lin" valueType="num">
+                                      <p:cBhvr additive="base">
+                                        <p:cTn id="12" dur="500" fill="hold"/>
+                                        <p:tgtEl>
+                                          <p:spTgt spid="3">
+                                            <p:txEl>
+                                              <p:pRg st="1" end="1"/>
+                                            </p:txEl>
+                                          </p:spTgt>
+                                        </p:tgtEl>
+                                        <p:attrNameLst>
+                                          <p:attrName>ppt_y</p:attrName>
+                                        </p:attrNameLst>
+                                      </p:cBhvr>
+                                      <p:tavLst>
+                                        <p:tav tm="0">
+                                          <p:val>
+                                            <p:strVal val="#ppt_y"/>
+                                          </p:val>
+                                        </p:tav>
+                                        <p:tav tm="100000">
+                                          <p:val>
+                                            <p:strVal val="#ppt_y"/>
+                                          </p:val>
+                                        </p:tav>
+                                      </p:tavLst>
+                                    </p:anim>
+                                  </p:childTnLst>
+                                </p:cTn>
+                              </p:par>
+                              <p:par>
+                                <p:cTn id="13" presetID="2" presetClass="entr" presetSubtype="2" fill="hold" grpId="0" nodeType="withEffect">
+                                  <p:stCondLst>
+                                    <p:cond delay="0"/>
+                                  </p:stCondLst>
+                                  <p:childTnLst>
+                                    <p:set>
+                                      <p:cBhvr>
+                                        <p:cTn id="14" dur="1" fill="hold">
+                                          <p:stCondLst>
+                                            <p:cond delay="0"/>
+                                          </p:stCondLst>
+                                        </p:cTn>
+                                        <p:tgtEl>
+                                          <p:spTgt spid="3">
+                                            <p:txEl>
+                                              <p:pRg st="2" end="2"/>
+                                            </p:txEl>
+                                          </p:spTgt>
+                                        </p:tgtEl>
+                                        <p:attrNameLst>
+                                          <p:attrName>style.visibility</p:attrName>
+                                        </p:attrNameLst>
+                                      </p:cBhvr>
+                                      <p:to>
+                                        <p:strVal val="visible"/>
+                                      </p:to>
+                                    </p:set>
+                                    <p:anim calcmode="lin" valueType="num">
+                                      <p:cBhvr additive="base">
+                                        <p:cTn id="15" dur="500" fill="hold"/>
+                                        <p:tgtEl>
+                                          <p:spTgt spid="3">
+                                            <p:txEl>
+                                              <p:pRg st="2" end="2"/>
+                                            </p:txEl>
+                                          </p:spTgt>
+                                        </p:tgtEl>
+                                        <p:attrNameLst>
+                                          <p:attrName>ppt_x</p:attrName>
+                                        </p:attrNameLst>
+                                      </p:cBhvr>
+                                      <p:tavLst>
+                                        <p:tav tm="0">
+                                          <p:val>
+                                            <p:strVal val="1+#ppt_w/2"/>
+                                          </p:val>
+                                        </p:tav>
+                                        <p:tav tm="100000">
+                                          <p:val>
+                                            <p:strVal val="#ppt_x"/>
+                                          </p:val>
+                                        </p:tav>
+                                      </p:tavLst>
+                                    </p:anim>
+                                    <p:anim calcmode="lin" valueType="num">
+                                      <p:cBhvr additive="base">
+                                        <p:cTn id="16" dur="500" fill="hold"/>
+                                        <p:tgtEl>
+                                          <p:spTgt spid="3">
+                                            <p:txEl>
+                                              <p:pRg st="2" end="2"/>
+                                            </p:txEl>
+                                          </p:spTgt>
+                                        </p:tgtEl>
+                                        <p:attrNameLst>
+                                          <p:attrName>ppt_y</p:attrName>
+                                        </p:attrNameLst>
+                                      </p:cBhvr>
+                                      <p:tavLst>
+                                        <p:tav tm="0">
+                                          <p:val>
+                                            <p:strVal val="#ppt_y"/>
+                                          </p:val>
+                                        </p:tav>
+                                        <p:tav tm="100000">
+                                          <p:val>
+                                            <p:strVal val="#ppt_y"/>
+                                          </p:val>
+                                        </p:tav>
+                                      </p:tavLst>
+                                    </p:anim>
+                                  </p:childTnLst>
+                                </p:cTn>
+                              </p:par>
+                              <p:par>
+                                <p:cTn id="17" presetID="2" presetClass="entr" presetSubtype="2" fill="hold" grpId="0" nodeType="withEffect">
+                                  <p:stCondLst>
+                                    <p:cond delay="0"/>
+                                  </p:stCondLst>
+                                  <p:childTnLst>
+                                    <p:set>
+                                      <p:cBhvr>
+                                        <p:cTn id="18" dur="1" fill="hold">
+                                          <p:stCondLst>
+                                            <p:cond delay="0"/>
+                                          </p:stCondLst>
+                                        </p:cTn>
+                                        <p:tgtEl>
+                                          <p:spTgt spid="3">
+                                            <p:txEl>
+                                              <p:pRg st="3" end="3"/>
+                                            </p:txEl>
+                                          </p:spTgt>
+                                        </p:tgtEl>
+                                        <p:attrNameLst>
+                                          <p:attrName>style.visibility</p:attrName>
+                                        </p:attrNameLst>
+                                      </p:cBhvr>
+                                      <p:to>
+                                        <p:strVal val="visible"/>
+                                      </p:to>
+                                    </p:set>
+                                    <p:anim calcmode="lin" valueType="num">
+                                      <p:cBhvr additive="base">
+                                        <p:cTn id="19" dur="500" fill="hold"/>
+                                        <p:tgtEl>
+                                          <p:spTgt spid="3">
+                                            <p:txEl>
+                                              <p:pRg st="3" end="3"/>
+                                            </p:txEl>
+                                          </p:spTgt>
+                                        </p:tgtEl>
+                                        <p:attrNameLst>
+                                          <p:attrName>ppt_x</p:attrName>
+                                        </p:attrNameLst>
+                                      </p:cBhvr>
+                                      <p:tavLst>
+                                        <p:tav tm="0">
+                                          <p:val>
+                                            <p:strVal val="1+#ppt_w/2"/>
+                                          </p:val>
+                                        </p:tav>
+                                        <p:tav tm="100000">
+                                          <p:val>
+                                            <p:strVal val="#ppt_x"/>
+                                          </p:val>
+                                        </p:tav>
+                                      </p:tavLst>
+                                    </p:anim>
+                                    <p:anim calcmode="lin" valueType="num">
+                                      <p:cBhvr additive="base">
+                                        <p:cTn id="20" dur="500" fill="hold"/>
+                                        <p:tgtEl>
+                                          <p:spTgt spid="3">
+                                            <p:txEl>
+                                              <p:pRg st="3" end="3"/>
+                                            </p:txEl>
+                                          </p:spTgt>
+                                        </p:tgtEl>
+                                        <p:attrNameLst>
+                                          <p:attrName>ppt_y</p:attrName>
+                                        </p:attrNameLst>
+                                      </p:cBhvr>
+                                      <p:tavLst>
+                                        <p:tav tm="0">
+                                          <p:val>
+                                            <p:strVal val="#ppt_y"/>
+                                          </p:val>
+                                        </p:tav>
+                                        <p:tav tm="100000">
+                                          <p:val>
+                                            <p:strVal val="#ppt_y"/>
+                                          </p:val>
+                                        </p:tav>
+                                      </p:tavLst>
+                                    </p:anim>
+                                  </p:childTnLst>
+                                </p:cTn>
+                              </p:par>
+                              <p:par>
+                                <p:cTn id="21" presetID="2" presetClass="entr" presetSubtype="2" fill="hold" grpId="0" nodeType="withEffect">
+                                  <p:stCondLst>
+                                    <p:cond delay="0"/>
+                                  </p:stCondLst>
+                                  <p:childTnLst>
+                                    <p:set>
+                                      <p:cBhvr>
+                                        <p:cTn id="22" dur="1" fill="hold">
+                                          <p:stCondLst>
+                                            <p:cond delay="0"/>
+                                          </p:stCondLst>
+                                        </p:cTn>
+                                        <p:tgtEl>
+                                          <p:spTgt spid="3">
+                                            <p:txEl>
+                                              <p:pRg st="4" end="4"/>
+                                            </p:txEl>
+                                          </p:spTgt>
+                                        </p:tgtEl>
+                                        <p:attrNameLst>
+                                          <p:attrName>style.visibility</p:attrName>
+                                        </p:attrNameLst>
+                                      </p:cBhvr>
+                                      <p:to>
+                                        <p:strVal val="visible"/>
+                                      </p:to>
+                                    </p:set>
+                                    <p:anim calcmode="lin" valueType="num">
+                                      <p:cBhvr additive="base">
+                                        <p:cTn id="23" dur="500" fill="hold"/>
+                                        <p:tgtEl>
+                                          <p:spTgt spid="3">
+                                            <p:txEl>
+                                              <p:pRg st="4" end="4"/>
+                                            </p:txEl>
+                                          </p:spTgt>
+                                        </p:tgtEl>
+                                        <p:attrNameLst>
+                                          <p:attrName>ppt_x</p:attrName>
+                                        </p:attrNameLst>
+                                      </p:cBhvr>
+                                      <p:tavLst>
+                                        <p:tav tm="0">
+                                          <p:val>
+                                            <p:strVal val="1+#ppt_w/2"/>
+                                          </p:val>
+                                        </p:tav>
+                                        <p:tav tm="100000">
+                                          <p:val>
+                                            <p:strVal val="#ppt_x"/>
+                                          </p:val>
+                                        </p:tav>
+                                      </p:tavLst>
+                                    </p:anim>
+                                    <p:anim calcmode="lin" valueType="num">
+                                      <p:cBhvr additive="base">
+                                        <p:cTn id="24" dur="500" fill="hold"/>
+                                        <p:tgtEl>
+                                          <p:spTgt spid="3">
+                                            <p:txEl>
+                                              <p:pRg st="4" end="4"/>
+                                            </p:txEl>
+                                          </p:spTgt>
+                                        </p:tgtEl>
+                                        <p:attrNameLst>
+                                          <p:attrName>ppt_y</p:attrName>
+                                        </p:attrNameLst>
+                                      </p:cBhvr>
+                                      <p:tavLst>
+                                        <p:tav tm="0">
+                                          <p:val>
+                                            <p:strVal val="#ppt_y"/>
+                                          </p:val>
+                                        </p:tav>
+                                        <p:tav tm="100000">
+                                          <p:val>
+                                            <p:strVal val="#ppt_y"/>
+                                          </p:val>
+                                        </p:tav>
+                                      </p:tavLst>
+                                    </p:anim>
+                                  </p:childTnLst>
+                                </p:cTn>
+                              </p:par>
+                            </p:childTnLst>
+                          </p:cTn>
+                        </p:par>
+                      </p:childTnLst>
+                    </p:cTn>
+                  </p:par>
+                </p:childTnLst>
+              </p:cTn>
+              <p:prevCondLst>
+                <p:cond evt="onPrev" delay="0">
+                  <p:tgtEl>
+                    <p:sldTgt/>
+                  </p:tgtEl>
+                </p:cond>
+              </p:prevCondLst>
+              <p:nextCondLst>
+                <p:cond evt="onNext" delay="0">
+                  <p:tgtEl>
+                    <p:sldTgt/>
+                  </p:tgtEl>
+                </p:cond>
+              </p:nextCondLst>
+            </p:seq>
+          </p:childTnLst>
+        </p:cTn>
+      </p:par>
+    </p:tnLst>
+    <p:bldLst>
+      <p:bldP spid="3" grpId="0" uiExpand="1" build="p"/>
+    </p:bldLst>
+  </p:timing>
+</p:sld>
+</file>
+
+<file path=ppt/slides/slide20.xml><?xml version="1.0" encoding="utf-8"?>
+<p:sld xmlns:a="http://schemas.openxmlformats.org/drawingml/2006/main" xmlns:r="http://schemas.openxmlformats.org/officeDocument/2006/relationships" xmlns:p="http://schemas.openxmlformats.org/presentationml/2006/main">
+  <p:cSld>
+    <p:spTree>
+      <p:nvGrpSpPr>
+        <p:cNvPr id="1" name=""/>
+        <p:cNvGrpSpPr/>
+        <p:nvPr/>
+      </p:nvGrpSpPr>
+      <p:grpSpPr>
+        <a:xfrm>
+          <a:off x="0" y="0"/>
+          <a:ext cx="0" cy="0"/>
+          <a:chOff x="0" y="0"/>
+          <a:chExt cx="0" cy="0"/>
+        </a:xfrm>
+      </p:grpSpPr>
+      <p:sp>
+        <p:nvSpPr>
+          <p:cNvPr id="2" name="タイトル 1"/>
+          <p:cNvSpPr>
+            <a:spLocks noGrp="1"/>
+          </p:cNvSpPr>
+          <p:nvPr>
+            <p:ph type="title"/>
+          </p:nvPr>
+        </p:nvSpPr>
+        <p:spPr/>
+        <p:txBody>
+          <a:bodyPr/>
+          <a:lstStyle/>
+          <a:p>
+            <a:r>
+              <a:rPr kumimoji="1" lang="ja-JP" altLang="en-US" dirty="0" smtClean="0"/>
+              <a:t>手段についての検討</a:t>
+            </a:r>
+            <a:endParaRPr kumimoji="1" lang="ja-JP" altLang="en-US" dirty="0"/>
+          </a:p>
+        </p:txBody>
+      </p:sp>
+      <p:sp>
+        <p:nvSpPr>
+          <p:cNvPr id="3" name="コンテンツ プレースホルダー 2"/>
+          <p:cNvSpPr>
+            <a:spLocks noGrp="1"/>
+          </p:cNvSpPr>
+          <p:nvPr>
+            <p:ph idx="1"/>
+          </p:nvPr>
+        </p:nvSpPr>
+        <p:spPr>
+          <a:xfrm>
+            <a:off x="457200" y="1573824"/>
+            <a:ext cx="8510954" cy="5011614"/>
+          </a:xfrm>
+        </p:spPr>
+        <p:txBody>
+          <a:bodyPr>
+            <a:normAutofit/>
+          </a:bodyPr>
+          <a:lstStyle/>
+          <a:p>
+            <a:pPr marL="0" indent="0">
+              <a:buNone/>
+            </a:pPr>
+            <a:r>
+              <a:rPr lang="ja-JP" altLang="en-US" dirty="0" smtClean="0"/>
+              <a:t>バックエンド実装</a:t>
+            </a:r>
+            <a:endParaRPr lang="en-US" altLang="ja-JP" dirty="0"/>
+          </a:p>
+          <a:p>
+            <a:r>
+              <a:rPr kumimoji="1" lang="en-US" altLang="ja-JP" dirty="0" smtClean="0"/>
+              <a:t>LLVM,HTML5,JQuery,Ajax</a:t>
+            </a:r>
+            <a:r>
+              <a:rPr lang="ja-JP" altLang="en-US" dirty="0" smtClean="0"/>
+              <a:t>による</a:t>
+            </a:r>
+            <a:r>
+              <a:rPr kumimoji="1" lang="ja-JP" altLang="en-US" dirty="0" smtClean="0"/>
+              <a:t>開発</a:t>
+            </a:r>
+            <a:endParaRPr kumimoji="1" lang="en-US" altLang="ja-JP" dirty="0" smtClean="0"/>
+          </a:p>
+          <a:p>
+            <a:pPr lvl="1"/>
+            <a:r>
+              <a:rPr lang="en-US" altLang="ja-JP" dirty="0" smtClean="0"/>
+              <a:t>OS</a:t>
+            </a:r>
+            <a:r>
+              <a:rPr lang="ja-JP" altLang="en-US" dirty="0" smtClean="0"/>
+              <a:t>依存にならないため、幅広い利用が望める</a:t>
+            </a:r>
+            <a:endParaRPr lang="en-US" altLang="ja-JP" dirty="0" smtClean="0"/>
+          </a:p>
+          <a:p>
+            <a:pPr lvl="2"/>
+            <a:r>
+              <a:rPr lang="en-US" altLang="ja-JP" dirty="0" smtClean="0"/>
+              <a:t>Windows</a:t>
+            </a:r>
+            <a:r>
+              <a:rPr lang="ja-JP" altLang="en-US" dirty="0" smtClean="0"/>
+              <a:t>用、</a:t>
+            </a:r>
+            <a:r>
+              <a:rPr lang="en-US" altLang="ja-JP" dirty="0" smtClean="0"/>
+              <a:t>Mac</a:t>
+            </a:r>
+            <a:r>
+              <a:rPr lang="ja-JP" altLang="en-US" dirty="0" smtClean="0"/>
+              <a:t>用、</a:t>
+            </a:r>
+            <a:r>
+              <a:rPr lang="en-US" altLang="ja-JP" dirty="0" smtClean="0"/>
+              <a:t>Linux</a:t>
+            </a:r>
+            <a:r>
+              <a:rPr lang="ja-JP" altLang="en-US" dirty="0" smtClean="0"/>
+              <a:t>用と別々に開発しなくて良い</a:t>
+            </a:r>
+            <a:endParaRPr lang="en-US" altLang="ja-JP" dirty="0" smtClean="0"/>
+          </a:p>
+          <a:p>
+            <a:pPr lvl="2"/>
+            <a:r>
+              <a:rPr lang="ja-JP" altLang="en-US" dirty="0" smtClean="0"/>
+              <a:t>大抵の</a:t>
+            </a:r>
+            <a:r>
+              <a:rPr lang="en-US" altLang="ja-JP" dirty="0" smtClean="0"/>
+              <a:t>PC</a:t>
+            </a:r>
+            <a:r>
+              <a:rPr lang="ja-JP" altLang="en-US" dirty="0" smtClean="0"/>
+              <a:t>には</a:t>
+            </a:r>
+            <a:r>
+              <a:rPr lang="en-US" altLang="ja-JP" dirty="0" smtClean="0"/>
+              <a:t>WEB</a:t>
+            </a:r>
+            <a:r>
+              <a:rPr lang="ja-JP" altLang="en-US" dirty="0" smtClean="0"/>
+              <a:t>ブラウザがインストールされているため、新規インストールの手間が</a:t>
+            </a:r>
+            <a:r>
+              <a:rPr lang="ja-JP" altLang="en-US" dirty="0"/>
+              <a:t>不必要</a:t>
+            </a:r>
+            <a:endParaRPr lang="en-US" altLang="ja-JP" dirty="0" smtClean="0"/>
+          </a:p>
+          <a:p>
+            <a:pPr lvl="2"/>
+            <a:endParaRPr kumimoji="1" lang="ja-JP" altLang="en-US" dirty="0"/>
+          </a:p>
+        </p:txBody>
+      </p:sp>
+      <p:cxnSp>
+        <p:nvCxnSpPr>
+          <p:cNvPr id="5" name="直線コネクタ 4"/>
+          <p:cNvCxnSpPr/>
+          <p:nvPr/>
+        </p:nvCxnSpPr>
+        <p:spPr>
+          <a:xfrm>
+            <a:off x="457200" y="1417638"/>
+            <a:ext cx="8326582" cy="0"/>
+          </a:xfrm>
+          <a:prstGeom prst="line">
+            <a:avLst/>
+          </a:prstGeom>
+        </p:spPr>
+        <p:style>
+          <a:lnRef idx="2">
+            <a:schemeClr val="accent1"/>
+          </a:lnRef>
+          <a:fillRef idx="0">
+            <a:schemeClr val="accent1"/>
+          </a:fillRef>
+          <a:effectRef idx="1">
+            <a:schemeClr val="accent1"/>
+          </a:effectRef>
+          <a:fontRef idx="minor">
+            <a:schemeClr val="tx1"/>
+          </a:fontRef>
+        </p:style>
+      </p:cxnSp>
+      <p:pic>
+        <p:nvPicPr>
+          <p:cNvPr id="4" name="図 3"/>
+          <p:cNvPicPr>
+            <a:picLocks noChangeAspect="1"/>
+          </p:cNvPicPr>
+          <p:nvPr/>
+        </p:nvPicPr>
+        <p:blipFill>
+          <a:blip r:embed="rId3">
+            <a:extLst>
+              <a:ext uri="{28A0092B-C50C-407E-A947-70E740481C1C}">
+                <a14:useLocalDpi xmlns:a14="http://schemas.microsoft.com/office/drawing/2010/main" val="0"/>
+              </a:ext>
+            </a:extLst>
+          </a:blip>
+          <a:stretch>
+            <a:fillRect/>
+          </a:stretch>
+        </p:blipFill>
+        <p:spPr>
+          <a:xfrm>
+            <a:off x="6765377" y="1507983"/>
+            <a:ext cx="596838" cy="596838"/>
+          </a:xfrm>
+          <a:prstGeom prst="rect">
+            <a:avLst/>
+          </a:prstGeom>
+        </p:spPr>
+      </p:pic>
+      <p:pic>
+        <p:nvPicPr>
+          <p:cNvPr id="6" name="図 5"/>
+          <p:cNvPicPr>
+            <a:picLocks noChangeAspect="1"/>
+          </p:cNvPicPr>
+          <p:nvPr/>
+        </p:nvPicPr>
+        <p:blipFill>
+          <a:blip r:embed="rId4">
+            <a:extLst>
+              <a:ext uri="{28A0092B-C50C-407E-A947-70E740481C1C}">
+                <a14:useLocalDpi xmlns:a14="http://schemas.microsoft.com/office/drawing/2010/main" val="0"/>
+              </a:ext>
+            </a:extLst>
+          </a:blip>
+          <a:stretch>
+            <a:fillRect/>
+          </a:stretch>
+        </p:blipFill>
+        <p:spPr>
+          <a:xfrm>
+            <a:off x="7792330" y="1530662"/>
+            <a:ext cx="592159" cy="592159"/>
+          </a:xfrm>
+          <a:prstGeom prst="rect">
+            <a:avLst/>
+          </a:prstGeom>
+        </p:spPr>
+      </p:pic>
+      <p:pic>
+        <p:nvPicPr>
+          <p:cNvPr id="7" name="図 6"/>
+          <p:cNvPicPr>
+            <a:picLocks noChangeAspect="1"/>
+          </p:cNvPicPr>
+          <p:nvPr/>
+        </p:nvPicPr>
+        <p:blipFill>
+          <a:blip r:embed="rId5">
+            <a:extLst>
+              <a:ext uri="{28A0092B-C50C-407E-A947-70E740481C1C}">
+                <a14:useLocalDpi xmlns:a14="http://schemas.microsoft.com/office/drawing/2010/main" val="0"/>
+              </a:ext>
+            </a:extLst>
+          </a:blip>
+          <a:stretch>
+            <a:fillRect/>
+          </a:stretch>
+        </p:blipFill>
+        <p:spPr>
+          <a:xfrm>
+            <a:off x="7277368" y="1513181"/>
+            <a:ext cx="595130" cy="595130"/>
+          </a:xfrm>
+          <a:prstGeom prst="rect">
+            <a:avLst/>
+          </a:prstGeom>
+        </p:spPr>
+      </p:pic>
+    </p:spTree>
+    <p:extLst>
+      <p:ext uri="{BB962C8B-B14F-4D97-AF65-F5344CB8AC3E}">
+        <p14:creationId xmlns:p14="http://schemas.microsoft.com/office/powerpoint/2010/main" val="4042259202"/>
+      </p:ext>
+    </p:extLst>
+  </p:cSld>
+  <p:clrMapOvr>
+    <a:masterClrMapping/>
+  </p:clrMapOvr>
+  <p:timing>
+    <p:tnLst>
+      <p:par>
         <p:cTn id="1" dur="indefinite" restart="never" nodeType="tmRoot"/>
       </p:par>
     </p:tnLst>
@@ -14089,7 +16236,347 @@
 </p:sld>
 </file>
 
-<file path=ppt/slides/slide20.xml><?xml version="1.0" encoding="utf-8"?>
+<file path=ppt/slides/slide21.xml><?xml version="1.0" encoding="utf-8"?>
+<p:sld xmlns:a="http://schemas.openxmlformats.org/drawingml/2006/main" xmlns:r="http://schemas.openxmlformats.org/officeDocument/2006/relationships" xmlns:p="http://schemas.openxmlformats.org/presentationml/2006/main">
+  <p:cSld>
+    <p:spTree>
+      <p:nvGrpSpPr>
+        <p:cNvPr id="1" name=""/>
+        <p:cNvGrpSpPr/>
+        <p:nvPr/>
+      </p:nvGrpSpPr>
+      <p:grpSpPr>
+        <a:xfrm>
+          <a:off x="0" y="0"/>
+          <a:ext cx="0" cy="0"/>
+          <a:chOff x="0" y="0"/>
+          <a:chExt cx="0" cy="0"/>
+        </a:xfrm>
+      </p:grpSpPr>
+      <p:sp>
+        <p:nvSpPr>
+          <p:cNvPr id="2" name="タイトル 1"/>
+          <p:cNvSpPr>
+            <a:spLocks noGrp="1"/>
+          </p:cNvSpPr>
+          <p:nvPr>
+            <p:ph type="title"/>
+          </p:nvPr>
+        </p:nvSpPr>
+        <p:spPr>
+          <a:xfrm>
+            <a:off x="457200" y="65699"/>
+            <a:ext cx="8229600" cy="1143000"/>
+          </a:xfrm>
+        </p:spPr>
+        <p:txBody>
+          <a:bodyPr/>
+          <a:lstStyle/>
+          <a:p>
+            <a:r>
+              <a:rPr kumimoji="1" lang="ja-JP" altLang="en-US" dirty="0" smtClean="0"/>
+              <a:t>現在までの結果</a:t>
+            </a:r>
+            <a:endParaRPr kumimoji="1" lang="ja-JP" altLang="en-US" dirty="0"/>
+          </a:p>
+        </p:txBody>
+      </p:sp>
+      <p:sp>
+        <p:nvSpPr>
+          <p:cNvPr id="3" name="コンテンツ プレースホルダー 2"/>
+          <p:cNvSpPr>
+            <a:spLocks noGrp="1"/>
+          </p:cNvSpPr>
+          <p:nvPr>
+            <p:ph idx="1"/>
+          </p:nvPr>
+        </p:nvSpPr>
+        <p:spPr>
+          <a:xfrm>
+            <a:off x="457200" y="1398182"/>
+            <a:ext cx="8534400" cy="5117123"/>
+          </a:xfrm>
+        </p:spPr>
+        <p:txBody>
+          <a:bodyPr>
+            <a:normAutofit fontScale="85000" lnSpcReduction="10000"/>
+          </a:bodyPr>
+          <a:lstStyle/>
+          <a:p>
+            <a:pPr>
+              <a:lnSpc>
+                <a:spcPct val="160000"/>
+              </a:lnSpc>
+              <a:spcAft>
+                <a:spcPts val="600"/>
+              </a:spcAft>
+            </a:pPr>
+            <a:r>
+              <a:rPr lang="en-US" altLang="ja-JP" dirty="0"/>
+              <a:t>WHATWG HTML Living Standard</a:t>
+            </a:r>
+            <a:r>
+              <a:rPr lang="ja-JP" altLang="en-US" dirty="0"/>
+              <a:t>の追跡</a:t>
+            </a:r>
+            <a:endParaRPr lang="en-US" altLang="ja-JP" dirty="0"/>
+          </a:p>
+          <a:p>
+            <a:pPr lvl="1">
+              <a:spcAft>
+                <a:spcPts val="600"/>
+              </a:spcAft>
+            </a:pPr>
+            <a:r>
+              <a:rPr lang="en-US" altLang="ja-JP" sz="2400" dirty="0"/>
+              <a:t>Web Hypertext Application Technology Working </a:t>
+            </a:r>
+            <a:r>
+              <a:rPr lang="en-US" altLang="ja-JP" sz="2400" dirty="0" smtClean="0"/>
+              <a:t>Group</a:t>
+            </a:r>
+          </a:p>
+          <a:p>
+            <a:pPr lvl="1">
+              <a:spcAft>
+                <a:spcPts val="600"/>
+              </a:spcAft>
+            </a:pPr>
+            <a:r>
+              <a:rPr lang="ja-JP" altLang="en-US" sz="2400" dirty="0" smtClean="0"/>
+              <a:t>主要ブラウザ開発者が主に参照している</a:t>
+            </a:r>
+            <a:r>
+              <a:rPr lang="en-US" altLang="ja-JP" sz="2400" dirty="0" smtClean="0"/>
+              <a:t>WG</a:t>
+            </a:r>
+            <a:endParaRPr lang="en-US" altLang="ja-JP" sz="2400" dirty="0"/>
+          </a:p>
+          <a:p>
+            <a:pPr>
+              <a:spcAft>
+                <a:spcPts val="600"/>
+              </a:spcAft>
+            </a:pPr>
+            <a:r>
+              <a:rPr kumimoji="1" lang="en-US" altLang="ja-JP" dirty="0" smtClean="0"/>
+              <a:t>W3C</a:t>
+            </a:r>
+            <a:r>
+              <a:rPr lang="ja-JP" altLang="en-US" dirty="0" smtClean="0"/>
+              <a:t>仕様の確認</a:t>
+            </a:r>
+            <a:endParaRPr lang="en-US" altLang="ja-JP" sz="2400" dirty="0" smtClean="0"/>
+          </a:p>
+          <a:p>
+            <a:pPr lvl="1">
+              <a:spcAft>
+                <a:spcPts val="600"/>
+              </a:spcAft>
+            </a:pPr>
+            <a:r>
+              <a:rPr lang="en-US" altLang="ja-JP" sz="2400" dirty="0" smtClean="0"/>
+              <a:t>HTML5</a:t>
+            </a:r>
+            <a:r>
+              <a:rPr lang="ja-JP" altLang="en-US" sz="2400" dirty="0" smtClean="0"/>
+              <a:t>正式勧告</a:t>
+            </a:r>
+            <a:endParaRPr lang="en-US" altLang="ja-JP" sz="2400" dirty="0" smtClean="0"/>
+          </a:p>
+          <a:p>
+            <a:pPr lvl="2">
+              <a:spcAft>
+                <a:spcPts val="600"/>
+              </a:spcAft>
+            </a:pPr>
+            <a:r>
+              <a:rPr lang="en-US" altLang="ja-JP" sz="2000" dirty="0" smtClean="0"/>
+              <a:t>2014</a:t>
+            </a:r>
+            <a:r>
+              <a:rPr lang="ja-JP" altLang="en-US" sz="2000" dirty="0" smtClean="0"/>
+              <a:t>年</a:t>
+            </a:r>
+            <a:r>
+              <a:rPr lang="en-US" altLang="ja-JP" sz="2000" dirty="0" smtClean="0"/>
+              <a:t>10</a:t>
+            </a:r>
+            <a:r>
+              <a:rPr lang="ja-JP" altLang="en-US" sz="2000" dirty="0" smtClean="0"/>
+              <a:t>月</a:t>
+            </a:r>
+            <a:r>
+              <a:rPr lang="en-US" altLang="ja-JP" sz="2000" dirty="0" smtClean="0"/>
+              <a:t>28</a:t>
+            </a:r>
+            <a:r>
+              <a:rPr lang="ja-JP" altLang="en-US" sz="2000" dirty="0" smtClean="0"/>
+              <a:t>日（米国時間）</a:t>
+            </a:r>
+            <a:endParaRPr lang="en-US" altLang="ja-JP" sz="2000" dirty="0" smtClean="0"/>
+          </a:p>
+          <a:p>
+            <a:pPr lvl="1">
+              <a:spcAft>
+                <a:spcPts val="600"/>
+              </a:spcAft>
+            </a:pPr>
+            <a:r>
+              <a:rPr lang="en-US" altLang="ja-JP" sz="2400" dirty="0" smtClean="0"/>
+              <a:t>WHATWG</a:t>
+            </a:r>
+            <a:r>
+              <a:rPr lang="ja-JP" altLang="en-US" sz="2400" dirty="0"/>
+              <a:t> </a:t>
+            </a:r>
+            <a:r>
+              <a:rPr lang="en-US" altLang="ja-JP" sz="2400" dirty="0" smtClean="0"/>
+              <a:t>Living Standard</a:t>
+            </a:r>
+            <a:r>
+              <a:rPr lang="ja-JP" altLang="en-US" sz="2400" dirty="0" smtClean="0"/>
+              <a:t>の成果を元</a:t>
+            </a:r>
+            <a:r>
+              <a:rPr lang="ja-JP" altLang="en-US" sz="2400" dirty="0" smtClean="0"/>
+              <a:t>にして</a:t>
+            </a:r>
+            <a:r>
+              <a:rPr lang="ja-JP" altLang="en-US" sz="2400" dirty="0" smtClean="0"/>
+              <a:t>いる</a:t>
+            </a:r>
+            <a:endParaRPr lang="en-US" altLang="ja-JP" sz="2400" dirty="0" smtClean="0"/>
+          </a:p>
+          <a:p>
+            <a:pPr lvl="1">
+              <a:spcAft>
+                <a:spcPts val="600"/>
+              </a:spcAft>
+            </a:pPr>
+            <a:r>
+              <a:rPr lang="en-US" altLang="ja-JP" sz="2400" dirty="0" smtClean="0"/>
+              <a:t>MathML</a:t>
+            </a:r>
+            <a:r>
+              <a:rPr lang="ja-JP" altLang="en-US" sz="2400" dirty="0" smtClean="0"/>
+              <a:t>も仕様に含まれる</a:t>
+            </a:r>
+            <a:endParaRPr lang="en-US" altLang="ja-JP" sz="2400" dirty="0" smtClean="0"/>
+          </a:p>
+          <a:p>
+            <a:pPr>
+              <a:spcAft>
+                <a:spcPts val="600"/>
+              </a:spcAft>
+            </a:pPr>
+            <a:r>
+              <a:rPr lang="ja-JP" altLang="en-US" dirty="0" smtClean="0"/>
+              <a:t>手法</a:t>
+            </a:r>
+            <a:r>
+              <a:rPr lang="ja-JP" altLang="en-US" dirty="0" smtClean="0"/>
+              <a:t>の調査</a:t>
+            </a:r>
+            <a:r>
+              <a:rPr lang="ja-JP" altLang="en-US" dirty="0" smtClean="0"/>
+              <a:t>・コーディング</a:t>
+            </a:r>
+            <a:endParaRPr lang="en-US" altLang="ja-JP" dirty="0" smtClean="0"/>
+          </a:p>
+          <a:p>
+            <a:pPr lvl="1">
+              <a:spcAft>
+                <a:spcPts val="600"/>
+              </a:spcAft>
+            </a:pPr>
+            <a:r>
+              <a:rPr kumimoji="1" lang="en-US" altLang="ja-JP" sz="2400" dirty="0" err="1" smtClean="0"/>
+              <a:t>JQuery,Ajax</a:t>
+            </a:r>
+            <a:r>
+              <a:rPr kumimoji="1" lang="ja-JP" altLang="en-US" sz="2400" dirty="0" smtClean="0"/>
+              <a:t>による</a:t>
+            </a:r>
+            <a:r>
+              <a:rPr kumimoji="1" lang="ja-JP" altLang="en-US" sz="2400" dirty="0" smtClean="0"/>
+              <a:t>プログラミング</a:t>
+            </a:r>
+            <a:endParaRPr lang="en-US" altLang="ja-JP" sz="2400" dirty="0" smtClean="0"/>
+          </a:p>
+          <a:p>
+            <a:pPr lvl="1">
+              <a:spcAft>
+                <a:spcPts val="600"/>
+              </a:spcAft>
+            </a:pPr>
+            <a:r>
+              <a:rPr lang="ja-JP" altLang="en-US" sz="2400" dirty="0" smtClean="0"/>
+              <a:t>フロントエンド、バックエンド共に</a:t>
+            </a:r>
+            <a:r>
+              <a:rPr lang="en-US" altLang="ja-JP" sz="2400" dirty="0" smtClean="0"/>
+              <a:t>LLVM</a:t>
+            </a:r>
+            <a:r>
+              <a:rPr lang="ja-JP" altLang="en-US" sz="2400" dirty="0" smtClean="0"/>
+              <a:t>サブプロジェクト化する</a:t>
+            </a:r>
+            <a:endParaRPr kumimoji="1" lang="en-US" altLang="ja-JP" sz="2400" dirty="0" smtClean="0"/>
+          </a:p>
+        </p:txBody>
+      </p:sp>
+      <p:cxnSp>
+        <p:nvCxnSpPr>
+          <p:cNvPr id="5" name="直線コネクタ 4"/>
+          <p:cNvCxnSpPr/>
+          <p:nvPr/>
+        </p:nvCxnSpPr>
+        <p:spPr>
+          <a:xfrm>
+            <a:off x="457200" y="1206623"/>
+            <a:ext cx="8229600" cy="0"/>
+          </a:xfrm>
+          <a:prstGeom prst="line">
+            <a:avLst/>
+          </a:prstGeom>
+        </p:spPr>
+        <p:style>
+          <a:lnRef idx="2">
+            <a:schemeClr val="accent1"/>
+          </a:lnRef>
+          <a:fillRef idx="0">
+            <a:schemeClr val="accent1"/>
+          </a:fillRef>
+          <a:effectRef idx="1">
+            <a:schemeClr val="accent1"/>
+          </a:effectRef>
+          <a:fontRef idx="minor">
+            <a:schemeClr val="tx1"/>
+          </a:fontRef>
+        </p:style>
+      </p:cxnSp>
+    </p:spTree>
+    <p:extLst>
+      <p:ext uri="{BB962C8B-B14F-4D97-AF65-F5344CB8AC3E}">
+        <p14:creationId xmlns:p14="http://schemas.microsoft.com/office/powerpoint/2010/main" val="635421901"/>
+      </p:ext>
+    </p:extLst>
+  </p:cSld>
+  <p:clrMapOvr>
+    <a:masterClrMapping/>
+  </p:clrMapOvr>
+  <p:timing>
+    <p:tnLst>
+      <p:par>
+        <p:cTn id="1" dur="indefinite" restart="never" nodeType="tmRoot"/>
+      </p:par>
+    </p:tnLst>
+  </p:timing>
+</p:sld>
+</file>
+
+<file path=ppt/slides/slide22.xml><?xml version="1.0" encoding="utf-8"?>
 <p:sld xmlns:a="http://schemas.openxmlformats.org/drawingml/2006/main" xmlns:r="http://schemas.openxmlformats.org/officeDocument/2006/relationships" xmlns:p="http://schemas.openxmlformats.org/presentationml/2006/main">
   <p:cSld>
     <p:spTree>
@@ -14185,12 +16672,8 @@
           <a:lstStyle/>
           <a:p>
             <a:r>
-              <a:rPr lang="ja-JP" altLang="en-US" dirty="0"/>
-              <a:t>本研究</a:t>
-            </a:r>
-            <a:r>
               <a:rPr lang="ja-JP" altLang="en-US" dirty="0" smtClean="0"/>
-              <a:t>の目的</a:t>
+              <a:t>研究活動の流れ</a:t>
             </a:r>
             <a:endParaRPr kumimoji="1" lang="ja-JP" altLang="en-US" dirty="0"/>
           </a:p>
@@ -16666,21 +19149,30 @@
                             </p:childTnLst>
                           </p:cTn>
                         </p:par>
+                      </p:childTnLst>
+                    </p:cTn>
+                  </p:par>
+                  <p:par>
+                    <p:cTn id="62" fill="hold">
+                      <p:stCondLst>
+                        <p:cond delay="indefinite"/>
+                      </p:stCondLst>
+                      <p:childTnLst>
                         <p:par>
-                          <p:cTn id="62" fill="hold">
+                          <p:cTn id="63" fill="hold">
                             <p:stCondLst>
-                              <p:cond delay="1000"/>
+                              <p:cond delay="0"/>
                             </p:stCondLst>
                             <p:childTnLst>
                               <p:par>
-                                <p:cTn id="63" presetID="10" presetClass="entr" presetSubtype="0" fill="hold" grpId="0" nodeType="afterEffect">
+                                <p:cTn id="64" presetID="10" presetClass="entr" presetSubtype="0" fill="hold" grpId="0" nodeType="clickEffect">
                                   <p:stCondLst>
                                     <p:cond delay="0"/>
                                   </p:stCondLst>
                                   <p:childTnLst>
                                     <p:set>
                                       <p:cBhvr>
-                                        <p:cTn id="64" dur="1" fill="hold">
+                                        <p:cTn id="65" dur="1" fill="hold">
                                           <p:stCondLst>
                                             <p:cond delay="0"/>
                                           </p:stCondLst>
@@ -16698,7 +19190,7 @@
                                     </p:set>
                                     <p:animEffect transition="in" filter="fade">
                                       <p:cBhvr>
-                                        <p:cTn id="65" dur="500"/>
+                                        <p:cTn id="66" dur="500"/>
                                         <p:tgtEl>
                                           <p:spTgt spid="19"/>
                                         </p:tgtEl>
@@ -16711,20 +19203,20 @@
                           </p:cTn>
                         </p:par>
                         <p:par>
-                          <p:cTn id="66" fill="hold">
+                          <p:cTn id="67" fill="hold">
                             <p:stCondLst>
-                              <p:cond delay="1500"/>
+                              <p:cond delay="500"/>
                             </p:stCondLst>
                             <p:childTnLst>
                               <p:par>
-                                <p:cTn id="67" presetID="4" presetClass="entr" presetSubtype="16" fill="hold" nodeType="afterEffect">
+                                <p:cTn id="68" presetID="4" presetClass="entr" presetSubtype="16" fill="hold" nodeType="afterEffect">
                                   <p:stCondLst>
                                     <p:cond delay="0"/>
                                   </p:stCondLst>
                                   <p:childTnLst>
                                     <p:set>
                                       <p:cBhvr>
-                                        <p:cTn id="68" dur="1" fill="hold">
+                                        <p:cTn id="69" dur="1" fill="hold">
                                           <p:stCondLst>
                                             <p:cond delay="0"/>
                                           </p:stCondLst>
@@ -16742,7 +19234,7 @@
                                     </p:set>
                                     <p:animEffect transition="in" filter="box(in)">
                                       <p:cBhvr>
-                                        <p:cTn id="69" dur="500"/>
+                                        <p:cTn id="70" dur="500"/>
                                         <p:tgtEl>
                                           <p:spTgt spid="37"/>
                                         </p:tgtEl>
@@ -16754,21 +19246,30 @@
                             </p:childTnLst>
                           </p:cTn>
                         </p:par>
+                      </p:childTnLst>
+                    </p:cTn>
+                  </p:par>
+                  <p:par>
+                    <p:cTn id="71" fill="hold">
+                      <p:stCondLst>
+                        <p:cond delay="indefinite"/>
+                      </p:stCondLst>
+                      <p:childTnLst>
                         <p:par>
-                          <p:cTn id="70" fill="hold">
+                          <p:cTn id="72" fill="hold">
                             <p:stCondLst>
-                              <p:cond delay="2000"/>
+                              <p:cond delay="0"/>
                             </p:stCondLst>
                             <p:childTnLst>
                               <p:par>
-                                <p:cTn id="71" presetID="4" presetClass="entr" presetSubtype="16" fill="hold" nodeType="afterEffect">
+                                <p:cTn id="73" presetID="4" presetClass="entr" presetSubtype="16" fill="hold" nodeType="clickEffect">
                                   <p:stCondLst>
                                     <p:cond delay="0"/>
                                   </p:stCondLst>
                                   <p:childTnLst>
                                     <p:set>
                                       <p:cBhvr>
-                                        <p:cTn id="72" dur="1" fill="hold">
+                                        <p:cTn id="74" dur="1" fill="hold">
                                           <p:stCondLst>
                                             <p:cond delay="0"/>
                                           </p:stCondLst>
@@ -16786,7 +19287,7 @@
                                     </p:set>
                                     <p:animEffect transition="in" filter="box(in)">
                                       <p:cBhvr>
-                                        <p:cTn id="73" dur="500"/>
+                                        <p:cTn id="75" dur="500"/>
                                         <p:tgtEl>
                                           <p:spTgt spid="33"/>
                                         </p:tgtEl>
@@ -16795,24 +19296,15 @@
                                   </p:childTnLst>
                                 </p:cTn>
                               </p:par>
-                            </p:childTnLst>
-                          </p:cTn>
-                        </p:par>
-                        <p:par>
-                          <p:cTn id="74" fill="hold">
-                            <p:stCondLst>
-                              <p:cond delay="2500"/>
-                            </p:stCondLst>
-                            <p:childTnLst>
                               <p:par>
-                                <p:cTn id="75" presetID="10" presetClass="entr" presetSubtype="0" fill="hold" grpId="0" nodeType="afterEffect">
+                                <p:cTn id="76" presetID="10" presetClass="entr" presetSubtype="0" fill="hold" grpId="0" nodeType="withEffect">
                                   <p:stCondLst>
                                     <p:cond delay="0"/>
                                   </p:stCondLst>
                                   <p:childTnLst>
                                     <p:set>
                                       <p:cBhvr>
-                                        <p:cTn id="76" dur="1" fill="hold">
+                                        <p:cTn id="77" dur="1" fill="hold">
                                           <p:stCondLst>
                                             <p:cond delay="0"/>
                                           </p:stCondLst>
@@ -16830,7 +19322,7 @@
                                     </p:set>
                                     <p:animEffect transition="in" filter="fade">
                                       <p:cBhvr>
-                                        <p:cTn id="77" dur="500"/>
+                                        <p:cTn id="78" dur="500"/>
                                         <p:tgtEl>
                                           <p:spTgt spid="17"/>
                                         </p:tgtEl>
@@ -16843,20 +19335,20 @@
                           </p:cTn>
                         </p:par>
                         <p:par>
-                          <p:cTn id="78" fill="hold">
+                          <p:cTn id="79" fill="hold">
                             <p:stCondLst>
-                              <p:cond delay="3000"/>
+                              <p:cond delay="500"/>
                             </p:stCondLst>
                             <p:childTnLst>
                               <p:par>
-                                <p:cTn id="79" presetID="4" presetClass="entr" presetSubtype="16" fill="hold" nodeType="afterEffect">
+                                <p:cTn id="80" presetID="4" presetClass="entr" presetSubtype="16" fill="hold" nodeType="afterEffect">
                                   <p:stCondLst>
                                     <p:cond delay="0"/>
                                   </p:stCondLst>
                                   <p:childTnLst>
                                     <p:set>
                                       <p:cBhvr>
-                                        <p:cTn id="80" dur="1" fill="hold">
+                                        <p:cTn id="81" dur="1" fill="hold">
                                           <p:stCondLst>
                                             <p:cond delay="0"/>
                                           </p:stCondLst>
@@ -16874,7 +19366,7 @@
                                     </p:set>
                                     <p:animEffect transition="in" filter="box(in)">
                                       <p:cBhvr>
-                                        <p:cTn id="81" dur="500"/>
+                                        <p:cTn id="82" dur="500"/>
                                         <p:tgtEl>
                                           <p:spTgt spid="39"/>
                                         </p:tgtEl>
@@ -16886,21 +19378,30 @@
                             </p:childTnLst>
                           </p:cTn>
                         </p:par>
+                      </p:childTnLst>
+                    </p:cTn>
+                  </p:par>
+                  <p:par>
+                    <p:cTn id="83" fill="hold">
+                      <p:stCondLst>
+                        <p:cond delay="indefinite"/>
+                      </p:stCondLst>
+                      <p:childTnLst>
                         <p:par>
-                          <p:cTn id="82" fill="hold">
+                          <p:cTn id="84" fill="hold">
                             <p:stCondLst>
-                              <p:cond delay="3500"/>
+                              <p:cond delay="0"/>
                             </p:stCondLst>
                             <p:childTnLst>
                               <p:par>
-                                <p:cTn id="83" presetID="14" presetClass="entr" presetSubtype="10" fill="hold" grpId="0" nodeType="afterEffect">
+                                <p:cTn id="85" presetID="14" presetClass="entr" presetSubtype="10" fill="hold" grpId="0" nodeType="clickEffect">
                                   <p:stCondLst>
                                     <p:cond delay="0"/>
                                   </p:stCondLst>
                                   <p:childTnLst>
                                     <p:set>
                                       <p:cBhvr>
-                                        <p:cTn id="84" dur="1" fill="hold">
+                                        <p:cTn id="86" dur="1" fill="hold">
                                           <p:stCondLst>
                                             <p:cond delay="0"/>
                                           </p:stCondLst>
@@ -16918,7 +19419,7 @@
                                     </p:set>
                                     <p:animEffect transition="in" filter="randombar(horizontal)">
                                       <p:cBhvr>
-                                        <p:cTn id="85" dur="500"/>
+                                        <p:cTn id="87" dur="500"/>
                                         <p:tgtEl>
                                           <p:spTgt spid="18"/>
                                         </p:tgtEl>
@@ -16931,20 +19432,20 @@
                           </p:cTn>
                         </p:par>
                         <p:par>
-                          <p:cTn id="86" fill="hold">
+                          <p:cTn id="88" fill="hold">
                             <p:stCondLst>
-                              <p:cond delay="4000"/>
+                              <p:cond delay="500"/>
                             </p:stCondLst>
                             <p:childTnLst>
                               <p:par>
-                                <p:cTn id="87" presetID="4" presetClass="entr" presetSubtype="16" fill="hold" nodeType="afterEffect">
+                                <p:cTn id="89" presetID="4" presetClass="entr" presetSubtype="16" fill="hold" nodeType="afterEffect">
                                   <p:stCondLst>
                                     <p:cond delay="0"/>
                                   </p:stCondLst>
                                   <p:childTnLst>
                                     <p:set>
                                       <p:cBhvr>
-                                        <p:cTn id="88" dur="1" fill="hold">
+                                        <p:cTn id="90" dur="1" fill="hold">
                                           <p:stCondLst>
                                             <p:cond delay="0"/>
                                           </p:stCondLst>
@@ -16962,7 +19463,7 @@
                                     </p:set>
                                     <p:animEffect transition="in" filter="box(in)">
                                       <p:cBhvr>
-                                        <p:cTn id="89" dur="500"/>
+                                        <p:cTn id="91" dur="500"/>
                                         <p:tgtEl>
                                           <p:spTgt spid="41"/>
                                         </p:tgtEl>
@@ -16978,26 +19479,26 @@
                     </p:cTn>
                   </p:par>
                   <p:par>
-                    <p:cTn id="90" fill="hold">
+                    <p:cTn id="92" fill="hold">
                       <p:stCondLst>
                         <p:cond delay="indefinite"/>
                       </p:stCondLst>
                       <p:childTnLst>
                         <p:par>
-                          <p:cTn id="91" fill="hold">
+                          <p:cTn id="93" fill="hold">
                             <p:stCondLst>
                               <p:cond delay="0"/>
                             </p:stCondLst>
                             <p:childTnLst>
                               <p:par>
-                                <p:cTn id="92" presetID="20" presetClass="entr" presetSubtype="0" fill="hold" nodeType="clickEffect">
+                                <p:cTn id="94" presetID="20" presetClass="entr" presetSubtype="0" fill="hold" nodeType="clickEffect">
                                   <p:stCondLst>
                                     <p:cond delay="0"/>
                                   </p:stCondLst>
                                   <p:childTnLst>
                                     <p:set>
                                       <p:cBhvr>
-                                        <p:cTn id="93" dur="1" fill="hold">
+                                        <p:cTn id="95" dur="1" fill="hold">
                                           <p:stCondLst>
                                             <p:cond delay="0"/>
                                           </p:stCondLst>
@@ -17015,7 +19516,7 @@
                                     </p:set>
                                     <p:animEffect transition="in" filter="wedge">
                                       <p:cBhvr>
-                                        <p:cTn id="94" dur="500"/>
+                                        <p:cTn id="96" dur="500"/>
                                         <p:tgtEl>
                                           <p:spTgt spid="95"/>
                                         </p:tgtEl>
@@ -17028,13 +19529,13 @@
                           </p:cTn>
                         </p:par>
                         <p:par>
-                          <p:cTn id="95" fill="hold">
+                          <p:cTn id="97" fill="hold">
                             <p:stCondLst>
                               <p:cond delay="500"/>
                             </p:stCondLst>
                             <p:childTnLst>
                               <p:par>
-                                <p:cTn id="96" presetID="53" presetClass="entr" presetSubtype="528" fill="hold" grpId="0" nodeType="afterEffect">
+                                <p:cTn id="98" presetID="53" presetClass="entr" presetSubtype="528" fill="hold" grpId="0" nodeType="afterEffect">
                                   <p:stCondLst>
                                     <p:cond delay="0"/>
                                   </p:stCondLst>
@@ -17044,7 +19545,7 @@
                                   <p:childTnLst>
                                     <p:set>
                                       <p:cBhvr>
-                                        <p:cTn id="97" dur="1" fill="hold">
+                                        <p:cTn id="99" dur="1" fill="hold">
                                           <p:stCondLst>
                                             <p:cond delay="0"/>
                                           </p:stCondLst>
@@ -17062,7 +19563,7 @@
                                     </p:set>
                                     <p:anim calcmode="lin" valueType="num">
                                       <p:cBhvr>
-                                        <p:cTn id="98" dur="500" fill="hold"/>
+                                        <p:cTn id="100" dur="500" fill="hold"/>
                                         <p:tgtEl>
                                           <p:spTgt spid="113"/>
                                         </p:tgtEl>
@@ -17085,7 +19586,7 @@
                                     </p:anim>
                                     <p:anim calcmode="lin" valueType="num">
                                       <p:cBhvr>
-                                        <p:cTn id="99" dur="500" fill="hold"/>
+                                        <p:cTn id="101" dur="500" fill="hold"/>
                                         <p:tgtEl>
                                           <p:spTgt spid="113"/>
                                         </p:tgtEl>
@@ -17108,7 +19609,7 @@
                                     </p:anim>
                                     <p:animEffect transition="in" filter="fade">
                                       <p:cBhvr>
-                                        <p:cTn id="100" dur="500"/>
+                                        <p:cTn id="102" dur="500"/>
                                         <p:tgtEl>
                                           <p:spTgt spid="113"/>
                                         </p:tgtEl>
@@ -17116,7 +19617,7 @@
                                     </p:animEffect>
                                     <p:anim calcmode="lin" valueType="num">
                                       <p:cBhvr>
-                                        <p:cTn id="101" dur="500" fill="hold"/>
+                                        <p:cTn id="103" dur="500" fill="hold"/>
                                         <p:tgtEl>
                                           <p:spTgt spid="113"/>
                                         </p:tgtEl>
@@ -17139,7 +19640,7 @@
                                     </p:anim>
                                     <p:anim calcmode="lin" valueType="num">
                                       <p:cBhvr>
-                                        <p:cTn id="102" dur="500" fill="hold"/>
+                                        <p:cTn id="104" dur="500" fill="hold"/>
                                         <p:tgtEl>
                                           <p:spTgt spid="113"/>
                                         </p:tgtEl>
@@ -17247,7 +19748,11 @@
           <a:p>
             <a:r>
               <a:rPr kumimoji="1" lang="ja-JP" altLang="en-US" sz="3600" dirty="0" smtClean="0"/>
-              <a:t>視覚数理モデル研究とは</a:t>
+              <a:t>視覚数理モデル</a:t>
+            </a:r>
+            <a:r>
+              <a:rPr kumimoji="1" lang="ja-JP" altLang="en-US" sz="3600" dirty="0" smtClean="0"/>
+              <a:t>研究</a:t>
             </a:r>
             <a:endParaRPr kumimoji="1" lang="ja-JP" altLang="en-US" sz="3600" dirty="0"/>
           </a:p>
@@ -17290,7 +19795,7 @@
             </a:pPr>
             <a:r>
               <a:rPr lang="ja-JP" altLang="en-US" dirty="0" smtClean="0"/>
-              <a:t>各種実験結果の数理的記述</a:t>
+              <a:t>実験結果を数理的に記述</a:t>
             </a:r>
             <a:endParaRPr lang="en-US" altLang="ja-JP" dirty="0" smtClean="0"/>
           </a:p>
@@ -17309,7 +19814,11 @@
             </a:pPr>
             <a:r>
               <a:rPr lang="ja-JP" altLang="en-US" dirty="0" smtClean="0"/>
-              <a:t> 式やアルゴリズムで表現</a:t>
+              <a:t> 式やアルゴリズムで</a:t>
+            </a:r>
+            <a:r>
+              <a:rPr lang="ja-JP" altLang="en-US" dirty="0" smtClean="0"/>
+              <a:t>表現し</a:t>
             </a:r>
             <a:endParaRPr lang="en-US" altLang="ja-JP" dirty="0" smtClean="0"/>
           </a:p>
@@ -17328,7 +19837,11 @@
             </a:pPr>
             <a:r>
               <a:rPr lang="ja-JP" altLang="en-US" dirty="0" smtClean="0"/>
-              <a:t> 処理の流れを図示→論文に掲載</a:t>
+              <a:t> 処理の流れを</a:t>
+            </a:r>
+            <a:r>
+              <a:rPr lang="ja-JP" altLang="en-US" dirty="0" smtClean="0"/>
+              <a:t>図示して論文を執筆</a:t>
             </a:r>
             <a:endParaRPr lang="en-US" altLang="ja-JP" dirty="0" smtClean="0"/>
           </a:p>
@@ -17339,7 +19852,11 @@
             </a:pPr>
             <a:r>
               <a:rPr lang="ja-JP" altLang="en-US" dirty="0" smtClean="0"/>
-              <a:t>モデルの実装</a:t>
+              <a:t>モデル</a:t>
+            </a:r>
+            <a:r>
+              <a:rPr lang="ja-JP" altLang="en-US" dirty="0" smtClean="0"/>
+              <a:t>の実装</a:t>
             </a:r>
             <a:r>
               <a:rPr lang="en-US" altLang="ja-JP" dirty="0" smtClean="0"/>
@@ -17380,7 +19897,11 @@
             </a:r>
             <a:r>
               <a:rPr lang="ja-JP" altLang="en-US" dirty="0" smtClean="0"/>
-              <a:t>処理流れの翻訳</a:t>
+              <a:t>処理</a:t>
+            </a:r>
+            <a:r>
+              <a:rPr lang="ja-JP" altLang="en-US" dirty="0" smtClean="0"/>
+              <a:t>流れの翻訳</a:t>
             </a:r>
             <a:endParaRPr lang="en-US" altLang="ja-JP" dirty="0" smtClean="0"/>
           </a:p>
@@ -17391,9 +19912,9 @@
             </a:pPr>
             <a:r>
               <a:rPr lang="ja-JP" altLang="en-US" dirty="0" smtClean="0"/>
-              <a:t>モデル妥当性の検証</a:t>
-            </a:r>
-            <a:endParaRPr lang="en-US" altLang="ja-JP" dirty="0"/>
+              <a:t>シミュレーション</a:t>
+            </a:r>
+            <a:endParaRPr lang="en-US" altLang="ja-JP" dirty="0" smtClean="0"/>
           </a:p>
           <a:p>
             <a:pPr marL="400050" lvl="1" indent="0">
@@ -17401,7 +19922,23 @@
             </a:pPr>
             <a:r>
               <a:rPr lang="ja-JP" altLang="en-US" dirty="0" smtClean="0"/>
-              <a:t>シミュレーション結果と実験結果の整合性確認</a:t>
+              <a:t>モデル</a:t>
+            </a:r>
+            <a:r>
+              <a:rPr lang="ja-JP" altLang="en-US" dirty="0" smtClean="0"/>
+              <a:t>妥当性</a:t>
+            </a:r>
+            <a:r>
+              <a:rPr lang="ja-JP" altLang="en-US" dirty="0" smtClean="0"/>
+              <a:t>の</a:t>
+            </a:r>
+            <a:r>
+              <a:rPr lang="ja-JP" altLang="en-US" dirty="0" smtClean="0"/>
+              <a:t>検討、</a:t>
+            </a:r>
+            <a:r>
+              <a:rPr lang="ja-JP" altLang="en-US" dirty="0" smtClean="0"/>
+              <a:t>実験結果との整合性を確認</a:t>
             </a:r>
             <a:endParaRPr lang="en-US" altLang="ja-JP" dirty="0" smtClean="0"/>
           </a:p>
@@ -17616,6 +20153,30 @@
           <a:chExt cx="0" cy="0"/>
         </a:xfrm>
       </p:grpSpPr>
+      <p:pic>
+        <p:nvPicPr>
+          <p:cNvPr id="9" name="図 8"/>
+          <p:cNvPicPr>
+            <a:picLocks noChangeAspect="1"/>
+          </p:cNvPicPr>
+          <p:nvPr/>
+        </p:nvPicPr>
+        <p:blipFill>
+          <a:blip r:embed="rId3"/>
+          <a:stretch>
+            <a:fillRect/>
+          </a:stretch>
+        </p:blipFill>
+        <p:spPr>
+          <a:xfrm>
+            <a:off x="669443" y="2285198"/>
+            <a:ext cx="5175953" cy="3054361"/>
+          </a:xfrm>
+          <a:prstGeom prst="rect">
+            <a:avLst/>
+          </a:prstGeom>
+        </p:spPr>
+      </p:pic>
       <p:cxnSp>
         <p:nvCxnSpPr>
           <p:cNvPr id="19" name="直線矢印コネクタ 18"/>
@@ -17624,7 +20185,7 @@
         </p:nvCxnSpPr>
         <p:spPr>
           <a:xfrm>
-            <a:off x="1180712" y="4908586"/>
+            <a:off x="7979553" y="4855715"/>
             <a:ext cx="1146" cy="542907"/>
           </a:xfrm>
           <a:prstGeom prst="straightConnector1">
@@ -17657,7 +20218,7 @@
         </p:nvCxnSpPr>
         <p:spPr>
           <a:xfrm>
-            <a:off x="1195560" y="3533087"/>
+            <a:off x="7994401" y="3480216"/>
             <a:ext cx="1146" cy="542907"/>
           </a:xfrm>
           <a:prstGeom prst="straightConnector1">
@@ -17693,7 +20254,7 @@
         </p:nvCxnSpPr>
         <p:spPr>
           <a:xfrm>
-            <a:off x="1198588" y="2139302"/>
+            <a:off x="7997429" y="2086431"/>
             <a:ext cx="1146" cy="542907"/>
           </a:xfrm>
           <a:prstGeom prst="straightConnector1">
@@ -17767,7 +20328,7 @@
         </p:nvSpPr>
         <p:spPr>
           <a:xfrm>
-            <a:off x="578161" y="1292545"/>
+            <a:off x="7377002" y="1239674"/>
             <a:ext cx="1240854" cy="846757"/>
           </a:xfrm>
           <a:prstGeom prst="rect">
@@ -17809,7 +20370,7 @@
         </p:nvSpPr>
         <p:spPr>
           <a:xfrm>
-            <a:off x="580452" y="2682209"/>
+            <a:off x="7379293" y="2629338"/>
             <a:ext cx="1238563" cy="846757"/>
           </a:xfrm>
           <a:prstGeom prst="rect">
@@ -17855,7 +20416,7 @@
         </p:nvSpPr>
         <p:spPr>
           <a:xfrm>
-            <a:off x="580452" y="4059602"/>
+            <a:off x="7379293" y="4006731"/>
             <a:ext cx="1238563" cy="846757"/>
           </a:xfrm>
           <a:prstGeom prst="rect">
@@ -17901,7 +20462,7 @@
         </p:nvSpPr>
         <p:spPr>
           <a:xfrm>
-            <a:off x="578160" y="5436995"/>
+            <a:off x="7377001" y="5384124"/>
             <a:ext cx="1240855" cy="846757"/>
           </a:xfrm>
           <a:prstGeom prst="rect">
@@ -17944,7 +20505,7 @@
           <p:nvPr/>
         </p:nvPicPr>
         <p:blipFill>
-          <a:blip r:embed="rId3">
+          <a:blip r:embed="rId4">
             <a:extLst>
               <a:ext uri="{28A0092B-C50C-407E-A947-70E740481C1C}">
                 <a14:useLocalDpi xmlns:a14="http://schemas.microsoft.com/office/drawing/2010/main" val="0"/>
@@ -17957,7 +20518,7 @@
         </p:blipFill>
         <p:spPr>
           <a:xfrm>
-            <a:off x="2434123" y="2410755"/>
+            <a:off x="669443" y="2260055"/>
             <a:ext cx="5173488" cy="3048663"/>
           </a:xfrm>
           <a:prstGeom prst="rect">
@@ -17965,63 +20526,6 @@
           </a:prstGeom>
         </p:spPr>
       </p:pic>
-      <p:sp>
-        <p:nvSpPr>
-          <p:cNvPr id="20" name="テキスト ボックス 19"/>
-          <p:cNvSpPr txBox="1"/>
-          <p:nvPr/>
-        </p:nvSpPr>
-        <p:spPr>
-          <a:xfrm>
-            <a:off x="2279665" y="6207120"/>
-            <a:ext cx="6160570" cy="461665"/>
-          </a:xfrm>
-          <a:prstGeom prst="rect">
-            <a:avLst/>
-          </a:prstGeom>
-          <a:noFill/>
-        </p:spPr>
-        <p:txBody>
-          <a:bodyPr wrap="square" rtlCol="0">
-            <a:spAutoFit/>
-          </a:bodyPr>
-          <a:lstStyle/>
-          <a:p>
-            <a:r>
-              <a:rPr lang="en-US" altLang="ja-JP" sz="1200" dirty="0"/>
-              <a:t>E P </a:t>
-            </a:r>
-            <a:r>
-              <a:rPr lang="en-US" altLang="ja-JP" sz="1200" dirty="0" err="1"/>
-              <a:t>Simoncelli</a:t>
-            </a:r>
-            <a:r>
-              <a:rPr lang="en-US" altLang="ja-JP" sz="1200" dirty="0"/>
-              <a:t> and D J </a:t>
-            </a:r>
-            <a:r>
-              <a:rPr lang="en-US" altLang="ja-JP" sz="1200" dirty="0" err="1"/>
-              <a:t>Heeger</a:t>
-            </a:r>
-            <a:r>
-              <a:rPr lang="en-US" altLang="ja-JP" sz="1200" dirty="0"/>
-              <a:t>, A Model of Neuronal Responses in Visual Area MT. </a:t>
-            </a:r>
-            <a:endParaRPr lang="en-US" altLang="ja-JP" sz="1200" dirty="0" smtClean="0"/>
-          </a:p>
-          <a:p>
-            <a:r>
-              <a:rPr lang="en-US" altLang="ja-JP" sz="1200" dirty="0" smtClean="0"/>
-              <a:t>Vision </a:t>
-            </a:r>
-            <a:r>
-              <a:rPr lang="en-US" altLang="ja-JP" sz="1200" dirty="0"/>
-              <a:t>Research, 38(5), pp 743-761, 1998. </a:t>
-            </a:r>
-            <a:endParaRPr kumimoji="1" lang="ja-JP" altLang="en-US" sz="1200" dirty="0"/>
-          </a:p>
-        </p:txBody>
-      </p:sp>
       <p:cxnSp>
         <p:nvCxnSpPr>
           <p:cNvPr id="10" name="直線コネクタ 9"/>
@@ -18060,7 +20564,7 @@
         </p:nvSpPr>
         <p:spPr>
           <a:xfrm>
-            <a:off x="5501916" y="1663053"/>
+            <a:off x="3541695" y="2285198"/>
             <a:ext cx="3077308" cy="4144450"/>
           </a:xfrm>
           <a:prstGeom prst="rect">
@@ -18097,30 +20601,63 @@
           </a:p>
         </p:txBody>
       </p:sp>
-      <p:pic>
-        <p:nvPicPr>
-          <p:cNvPr id="9" name="図 8"/>
-          <p:cNvPicPr>
-            <a:picLocks noChangeAspect="1"/>
-          </p:cNvPicPr>
+      <p:sp>
+        <p:nvSpPr>
+          <p:cNvPr id="20" name="テキスト ボックス 19"/>
+          <p:cNvSpPr txBox="1"/>
           <p:nvPr/>
-        </p:nvPicPr>
-        <p:blipFill>
-          <a:blip r:embed="rId4"/>
-          <a:stretch>
-            <a:fillRect/>
-          </a:stretch>
-        </p:blipFill>
+        </p:nvSpPr>
         <p:spPr>
           <a:xfrm>
-            <a:off x="2434123" y="2410755"/>
-            <a:ext cx="5175953" cy="3054361"/>
+            <a:off x="457200" y="6044589"/>
+            <a:ext cx="6160570" cy="461665"/>
           </a:xfrm>
           <a:prstGeom prst="rect">
             <a:avLst/>
           </a:prstGeom>
+          <a:noFill/>
         </p:spPr>
-      </p:pic>
+        <p:txBody>
+          <a:bodyPr wrap="square" rtlCol="0">
+            <a:spAutoFit/>
+          </a:bodyPr>
+          <a:lstStyle/>
+          <a:p>
+            <a:r>
+              <a:rPr lang="en-US" altLang="ja-JP" sz="1200" dirty="0"/>
+              <a:t>E P </a:t>
+            </a:r>
+            <a:r>
+              <a:rPr lang="en-US" altLang="ja-JP" sz="1200" dirty="0" err="1"/>
+              <a:t>Simoncelli</a:t>
+            </a:r>
+            <a:r>
+              <a:rPr lang="en-US" altLang="ja-JP" sz="1200" dirty="0"/>
+              <a:t> and D J </a:t>
+            </a:r>
+            <a:r>
+              <a:rPr lang="en-US" altLang="ja-JP" sz="1200" dirty="0" err="1"/>
+              <a:t>Heeger</a:t>
+            </a:r>
+            <a:r>
+              <a:rPr lang="en-US" altLang="ja-JP" sz="1200" dirty="0"/>
+              <a:t>, A Model of Neuronal Responses in Visual Area MT. </a:t>
+            </a:r>
+            <a:endParaRPr lang="en-US" altLang="ja-JP" sz="1200" dirty="0" smtClean="0"/>
+          </a:p>
+          <a:p>
+            <a:r>
+              <a:rPr lang="en-US" altLang="ja-JP" sz="1200" dirty="0" smtClean="0"/>
+              <a:t>Vision </a:t>
+            </a:r>
+            <a:r>
+              <a:rPr lang="en-US" altLang="ja-JP" sz="1200" dirty="0"/>
+              <a:t>Research, 38(5), pp 743-761, 1998. </a:t>
+            </a:r>
+            <a:endParaRPr kumimoji="1" lang="ja-JP" altLang="en-US" sz="1200" dirty="0"/>
+          </a:p>
+        </p:txBody>
+      </p:sp>
     </p:spTree>
     <p:extLst>
       <p:ext uri="{BB962C8B-B14F-4D97-AF65-F5344CB8AC3E}">
@@ -18152,67 +20689,75 @@
                             </p:stCondLst>
                             <p:childTnLst>
                               <p:par>
-                                <p:cTn id="5" presetID="27" presetClass="emph" presetSubtype="0" fill="remove" grpId="0" nodeType="clickEffect">
+                                <p:cTn id="5" presetID="2" presetClass="entr" presetSubtype="8" fill="hold" grpId="0" nodeType="clickEffect">
                                   <p:stCondLst>
                                     <p:cond delay="0"/>
                                   </p:stCondLst>
                                   <p:childTnLst>
-                                    <p:animClr clrSpc="rgb" dir="cw">
-                                      <p:cBhvr override="childStyle">
-                                        <p:cTn id="6" dur="250" autoRev="1" fill="remove"/>
+                                    <p:set>
+                                      <p:cBhvr>
+                                        <p:cTn id="6" dur="1" fill="hold">
+                                          <p:stCondLst>
+                                            <p:cond delay="0"/>
+                                          </p:stCondLst>
+                                        </p:cTn>
                                         <p:tgtEl>
                                           <p:spTgt spid="4"/>
                                         </p:tgtEl>
                                         <p:attrNameLst>
-                                          <p:attrName>style.color</p:attrName>
+                                          <p:attrName>style.visibility</p:attrName>
                                         </p:attrNameLst>
                                       </p:cBhvr>
                                       <p:to>
-                                        <a:schemeClr val="bg1"/>
+                                        <p:strVal val="visible"/>
                                       </p:to>
-                                    </p:animClr>
-                                    <p:animClr clrSpc="rgb" dir="cw">
-                                      <p:cBhvr>
-                                        <p:cTn id="7" dur="250" autoRev="1" fill="remove"/>
+                                    </p:set>
+                                    <p:anim calcmode="lin" valueType="num">
+                                      <p:cBhvr additive="base">
+                                        <p:cTn id="7" dur="500" fill="hold"/>
                                         <p:tgtEl>
                                           <p:spTgt spid="4"/>
                                         </p:tgtEl>
                                         <p:attrNameLst>
-                                          <p:attrName>fillcolor</p:attrName>
+                                          <p:attrName>ppt_x</p:attrName>
                                         </p:attrNameLst>
                                       </p:cBhvr>
-                                      <p:to>
-                                        <a:schemeClr val="bg1"/>
-                                      </p:to>
-                                    </p:animClr>
-                                    <p:set>
-                                      <p:cBhvr>
-                                        <p:cTn id="8" dur="250" autoRev="1" fill="remove"/>
+                                      <p:tavLst>
+                                        <p:tav tm="0">
+                                          <p:val>
+                                            <p:strVal val="0-#ppt_w/2"/>
+                                          </p:val>
+                                        </p:tav>
+                                        <p:tav tm="100000">
+                                          <p:val>
+                                            <p:strVal val="#ppt_x"/>
+                                          </p:val>
+                                        </p:tav>
+                                      </p:tavLst>
+                                    </p:anim>
+                                    <p:anim calcmode="lin" valueType="num">
+                                      <p:cBhvr additive="base">
+                                        <p:cTn id="8" dur="500" fill="hold"/>
                                         <p:tgtEl>
                                           <p:spTgt spid="4"/>
                                         </p:tgtEl>
                                         <p:attrNameLst>
-                                          <p:attrName>fill.type</p:attrName>
+                                          <p:attrName>ppt_y</p:attrName>
                                         </p:attrNameLst>
                                       </p:cBhvr>
-                                      <p:to>
-                                        <p:strVal val="solid"/>
-                                      </p:to>
-                                    </p:set>
-                                    <p:set>
-                                      <p:cBhvr>
-                                        <p:cTn id="9" dur="250" autoRev="1" fill="remove"/>
-                                        <p:tgtEl>
-                                          <p:spTgt spid="4"/>
-                                        </p:tgtEl>
-                                        <p:attrNameLst>
-                                          <p:attrName>fill.on</p:attrName>
-                                        </p:attrNameLst>
-                                      </p:cBhvr>
-                                      <p:to>
-                                        <p:strVal val="true"/>
-                                      </p:to>
-                                    </p:set>
+                                      <p:tavLst>
+                                        <p:tav tm="0">
+                                          <p:val>
+                                            <p:strVal val="#ppt_y"/>
+                                          </p:val>
+                                        </p:tav>
+                                        <p:tav tm="100000">
+                                          <p:val>
+                                            <p:strVal val="#ppt_y"/>
+                                          </p:val>
+                                        </p:tav>
+                                      </p:tavLst>
+                                    </p:anim>
                                   </p:childTnLst>
                                 </p:cTn>
                               </p:par>
@@ -18223,26 +20768,26 @@
                     </p:cTn>
                   </p:par>
                   <p:par>
-                    <p:cTn id="10" fill="hold">
+                    <p:cTn id="9" fill="hold">
                       <p:stCondLst>
                         <p:cond delay="indefinite"/>
                       </p:stCondLst>
                       <p:childTnLst>
                         <p:par>
-                          <p:cTn id="11" fill="hold">
+                          <p:cTn id="10" fill="hold">
                             <p:stCondLst>
                               <p:cond delay="0"/>
                             </p:stCondLst>
                             <p:childTnLst>
                               <p:par>
-                                <p:cTn id="12" presetID="47" presetClass="entr" presetSubtype="0" fill="hold" nodeType="clickEffect">
+                                <p:cTn id="11" presetID="47" presetClass="entr" presetSubtype="0" fill="hold" nodeType="clickEffect">
                                   <p:stCondLst>
                                     <p:cond delay="0"/>
                                   </p:stCondLst>
                                   <p:childTnLst>
                                     <p:set>
                                       <p:cBhvr>
-                                        <p:cTn id="13" dur="1" fill="hold">
+                                        <p:cTn id="12" dur="1" fill="hold">
                                           <p:stCondLst>
                                             <p:cond delay="0"/>
                                           </p:stCondLst>
@@ -18260,7 +20805,7 @@
                                     </p:set>
                                     <p:animEffect transition="in" filter="fade">
                                       <p:cBhvr>
-                                        <p:cTn id="14" dur="1000"/>
+                                        <p:cTn id="13" dur="1000"/>
                                         <p:tgtEl>
                                           <p:spTgt spid="8"/>
                                         </p:tgtEl>
@@ -18268,7 +20813,7 @@
                                     </p:animEffect>
                                     <p:anim calcmode="lin" valueType="num">
                                       <p:cBhvr>
-                                        <p:cTn id="15" dur="1000" fill="hold"/>
+                                        <p:cTn id="14" dur="1000" fill="hold"/>
                                         <p:tgtEl>
                                           <p:spTgt spid="8"/>
                                         </p:tgtEl>
@@ -18291,7 +20836,7 @@
                                     </p:anim>
                                     <p:anim calcmode="lin" valueType="num">
                                       <p:cBhvr>
-                                        <p:cTn id="16" dur="1000" fill="hold"/>
+                                        <p:cTn id="15" dur="1000" fill="hold"/>
                                         <p:tgtEl>
                                           <p:spTgt spid="8"/>
                                         </p:tgtEl>
@@ -18322,79 +20867,87 @@
                     </p:cTn>
                   </p:par>
                   <p:par>
-                    <p:cTn id="17" fill="hold">
+                    <p:cTn id="16" fill="hold">
                       <p:stCondLst>
                         <p:cond delay="indefinite"/>
                       </p:stCondLst>
                       <p:childTnLst>
                         <p:par>
-                          <p:cTn id="18" fill="hold">
+                          <p:cTn id="17" fill="hold">
                             <p:stCondLst>
                               <p:cond delay="0"/>
                             </p:stCondLst>
                             <p:childTnLst>
                               <p:par>
-                                <p:cTn id="19" presetID="27" presetClass="emph" presetSubtype="0" fill="remove" grpId="0" nodeType="clickEffect">
+                                <p:cTn id="18" presetID="2" presetClass="entr" presetSubtype="2" fill="hold" grpId="0" nodeType="clickEffect">
                                   <p:stCondLst>
                                     <p:cond delay="0"/>
                                   </p:stCondLst>
                                   <p:childTnLst>
-                                    <p:animClr clrSpc="rgb" dir="cw">
-                                      <p:cBhvr override="childStyle">
-                                        <p:cTn id="20" dur="250" autoRev="1" fill="remove"/>
+                                    <p:set>
+                                      <p:cBhvr>
+                                        <p:cTn id="19" dur="1" fill="hold">
+                                          <p:stCondLst>
+                                            <p:cond delay="0"/>
+                                          </p:stCondLst>
+                                        </p:cTn>
                                         <p:tgtEl>
                                           <p:spTgt spid="5"/>
                                         </p:tgtEl>
                                         <p:attrNameLst>
-                                          <p:attrName>style.color</p:attrName>
+                                          <p:attrName>style.visibility</p:attrName>
                                         </p:attrNameLst>
                                       </p:cBhvr>
                                       <p:to>
-                                        <a:schemeClr val="bg1"/>
+                                        <p:strVal val="visible"/>
                                       </p:to>
-                                    </p:animClr>
-                                    <p:animClr clrSpc="rgb" dir="cw">
-                                      <p:cBhvr>
-                                        <p:cTn id="21" dur="250" autoRev="1" fill="remove"/>
+                                    </p:set>
+                                    <p:anim calcmode="lin" valueType="num">
+                                      <p:cBhvr additive="base">
+                                        <p:cTn id="20" dur="500" fill="hold"/>
                                         <p:tgtEl>
                                           <p:spTgt spid="5"/>
                                         </p:tgtEl>
                                         <p:attrNameLst>
-                                          <p:attrName>fillcolor</p:attrName>
+                                          <p:attrName>ppt_x</p:attrName>
                                         </p:attrNameLst>
                                       </p:cBhvr>
-                                      <p:to>
-                                        <a:schemeClr val="bg1"/>
-                                      </p:to>
-                                    </p:animClr>
-                                    <p:set>
-                                      <p:cBhvr>
-                                        <p:cTn id="22" dur="250" autoRev="1" fill="remove"/>
+                                      <p:tavLst>
+                                        <p:tav tm="0">
+                                          <p:val>
+                                            <p:strVal val="1+#ppt_w/2"/>
+                                          </p:val>
+                                        </p:tav>
+                                        <p:tav tm="100000">
+                                          <p:val>
+                                            <p:strVal val="#ppt_x"/>
+                                          </p:val>
+                                        </p:tav>
+                                      </p:tavLst>
+                                    </p:anim>
+                                    <p:anim calcmode="lin" valueType="num">
+                                      <p:cBhvr additive="base">
+                                        <p:cTn id="21" dur="500" fill="hold"/>
                                         <p:tgtEl>
                                           <p:spTgt spid="5"/>
                                         </p:tgtEl>
                                         <p:attrNameLst>
-                                          <p:attrName>fill.type</p:attrName>
+                                          <p:attrName>ppt_y</p:attrName>
                                         </p:attrNameLst>
                                       </p:cBhvr>
-                                      <p:to>
-                                        <p:strVal val="solid"/>
-                                      </p:to>
-                                    </p:set>
-                                    <p:set>
-                                      <p:cBhvr>
-                                        <p:cTn id="23" dur="250" autoRev="1" fill="remove"/>
-                                        <p:tgtEl>
-                                          <p:spTgt spid="5"/>
-                                        </p:tgtEl>
-                                        <p:attrNameLst>
-                                          <p:attrName>fill.on</p:attrName>
-                                        </p:attrNameLst>
-                                      </p:cBhvr>
-                                      <p:to>
-                                        <p:strVal val="true"/>
-                                      </p:to>
-                                    </p:set>
+                                      <p:tavLst>
+                                        <p:tav tm="0">
+                                          <p:val>
+                                            <p:strVal val="#ppt_y"/>
+                                          </p:val>
+                                        </p:tav>
+                                        <p:tav tm="100000">
+                                          <p:val>
+                                            <p:strVal val="#ppt_y"/>
+                                          </p:val>
+                                        </p:tav>
+                                      </p:tavLst>
+                                    </p:anim>
                                   </p:childTnLst>
                                 </p:cTn>
                               </p:par>
@@ -18405,26 +20958,26 @@
                     </p:cTn>
                   </p:par>
                   <p:par>
-                    <p:cTn id="24" fill="hold">
+                    <p:cTn id="22" fill="hold">
                       <p:stCondLst>
                         <p:cond delay="indefinite"/>
                       </p:stCondLst>
                       <p:childTnLst>
                         <p:par>
-                          <p:cTn id="25" fill="hold">
+                          <p:cTn id="23" fill="hold">
                             <p:stCondLst>
                               <p:cond delay="0"/>
                             </p:stCondLst>
                             <p:childTnLst>
                               <p:par>
-                                <p:cTn id="26" presetID="14" presetClass="entr" presetSubtype="10" fill="hold" nodeType="clickEffect">
+                                <p:cTn id="24" presetID="14" presetClass="entr" presetSubtype="10" fill="hold" nodeType="clickEffect">
                                   <p:stCondLst>
                                     <p:cond delay="0"/>
                                   </p:stCondLst>
                                   <p:childTnLst>
                                     <p:set>
                                       <p:cBhvr>
-                                        <p:cTn id="27" dur="1" fill="hold">
+                                        <p:cTn id="25" dur="1" fill="hold">
                                           <p:stCondLst>
                                             <p:cond delay="0"/>
                                           </p:stCondLst>
@@ -18442,7 +20995,7 @@
                                     </p:set>
                                     <p:animEffect transition="in" filter="randombar(horizontal)">
                                       <p:cBhvr>
-                                        <p:cTn id="28" dur="500"/>
+                                        <p:cTn id="26" dur="500"/>
                                         <p:tgtEl>
                                           <p:spTgt spid="18"/>
                                         </p:tgtEl>
@@ -18458,26 +21011,26 @@
                     </p:cTn>
                   </p:par>
                   <p:par>
-                    <p:cTn id="29" fill="hold">
+                    <p:cTn id="27" fill="hold">
                       <p:stCondLst>
                         <p:cond delay="indefinite"/>
                       </p:stCondLst>
                       <p:childTnLst>
                         <p:par>
-                          <p:cTn id="30" fill="hold">
+                          <p:cTn id="28" fill="hold">
                             <p:stCondLst>
                               <p:cond delay="0"/>
                             </p:stCondLst>
                             <p:childTnLst>
                               <p:par>
-                                <p:cTn id="31" presetID="47" presetClass="entr" presetSubtype="0" fill="hold" nodeType="clickEffect">
+                                <p:cTn id="29" presetID="47" presetClass="entr" presetSubtype="0" fill="hold" nodeType="clickEffect">
                                   <p:stCondLst>
                                     <p:cond delay="0"/>
                                   </p:stCondLst>
                                   <p:childTnLst>
                                     <p:set>
                                       <p:cBhvr>
-                                        <p:cTn id="32" dur="1" fill="hold">
+                                        <p:cTn id="30" dur="1" fill="hold">
                                           <p:stCondLst>
                                             <p:cond delay="0"/>
                                           </p:stCondLst>
@@ -18495,7 +21048,7 @@
                                     </p:set>
                                     <p:animEffect transition="in" filter="fade">
                                       <p:cBhvr>
-                                        <p:cTn id="33" dur="1000"/>
+                                        <p:cTn id="31" dur="1000"/>
                                         <p:tgtEl>
                                           <p:spTgt spid="17"/>
                                         </p:tgtEl>
@@ -18503,7 +21056,7 @@
                                     </p:animEffect>
                                     <p:anim calcmode="lin" valueType="num">
                                       <p:cBhvr>
-                                        <p:cTn id="34" dur="1000" fill="hold"/>
+                                        <p:cTn id="32" dur="1000" fill="hold"/>
                                         <p:tgtEl>
                                           <p:spTgt spid="17"/>
                                         </p:tgtEl>
@@ -18526,7 +21079,7 @@
                                     </p:anim>
                                     <p:anim calcmode="lin" valueType="num">
                                       <p:cBhvr>
-                                        <p:cTn id="35" dur="1000" fill="hold"/>
+                                        <p:cTn id="33" dur="1000" fill="hold"/>
                                         <p:tgtEl>
                                           <p:spTgt spid="17"/>
                                         </p:tgtEl>
@@ -18557,79 +21110,87 @@
                     </p:cTn>
                   </p:par>
                   <p:par>
-                    <p:cTn id="36" fill="hold">
+                    <p:cTn id="34" fill="hold">
                       <p:stCondLst>
                         <p:cond delay="indefinite"/>
                       </p:stCondLst>
                       <p:childTnLst>
                         <p:par>
-                          <p:cTn id="37" fill="hold">
+                          <p:cTn id="35" fill="hold">
                             <p:stCondLst>
                               <p:cond delay="0"/>
                             </p:stCondLst>
                             <p:childTnLst>
                               <p:par>
-                                <p:cTn id="38" presetID="27" presetClass="emph" presetSubtype="0" fill="remove" grpId="0" nodeType="clickEffect">
+                                <p:cTn id="36" presetID="2" presetClass="entr" presetSubtype="2" fill="hold" grpId="0" nodeType="clickEffect">
                                   <p:stCondLst>
                                     <p:cond delay="0"/>
                                   </p:stCondLst>
                                   <p:childTnLst>
-                                    <p:animClr clrSpc="rgb" dir="cw">
-                                      <p:cBhvr override="childStyle">
-                                        <p:cTn id="39" dur="250" autoRev="1" fill="remove"/>
+                                    <p:set>
+                                      <p:cBhvr>
+                                        <p:cTn id="37" dur="1" fill="hold">
+                                          <p:stCondLst>
+                                            <p:cond delay="0"/>
+                                          </p:stCondLst>
+                                        </p:cTn>
                                         <p:tgtEl>
                                           <p:spTgt spid="6"/>
                                         </p:tgtEl>
                                         <p:attrNameLst>
-                                          <p:attrName>style.color</p:attrName>
+                                          <p:attrName>style.visibility</p:attrName>
                                         </p:attrNameLst>
                                       </p:cBhvr>
                                       <p:to>
-                                        <a:schemeClr val="bg1"/>
+                                        <p:strVal val="visible"/>
                                       </p:to>
-                                    </p:animClr>
-                                    <p:animClr clrSpc="rgb" dir="cw">
-                                      <p:cBhvr>
-                                        <p:cTn id="40" dur="250" autoRev="1" fill="remove"/>
+                                    </p:set>
+                                    <p:anim calcmode="lin" valueType="num">
+                                      <p:cBhvr additive="base">
+                                        <p:cTn id="38" dur="500" fill="hold"/>
                                         <p:tgtEl>
                                           <p:spTgt spid="6"/>
                                         </p:tgtEl>
                                         <p:attrNameLst>
-                                          <p:attrName>fillcolor</p:attrName>
+                                          <p:attrName>ppt_x</p:attrName>
                                         </p:attrNameLst>
                                       </p:cBhvr>
-                                      <p:to>
-                                        <a:schemeClr val="bg1"/>
-                                      </p:to>
-                                    </p:animClr>
-                                    <p:set>
-                                      <p:cBhvr>
-                                        <p:cTn id="41" dur="250" autoRev="1" fill="remove"/>
+                                      <p:tavLst>
+                                        <p:tav tm="0">
+                                          <p:val>
+                                            <p:strVal val="1+#ppt_w/2"/>
+                                          </p:val>
+                                        </p:tav>
+                                        <p:tav tm="100000">
+                                          <p:val>
+                                            <p:strVal val="#ppt_x"/>
+                                          </p:val>
+                                        </p:tav>
+                                      </p:tavLst>
+                                    </p:anim>
+                                    <p:anim calcmode="lin" valueType="num">
+                                      <p:cBhvr additive="base">
+                                        <p:cTn id="39" dur="500" fill="hold"/>
                                         <p:tgtEl>
                                           <p:spTgt spid="6"/>
                                         </p:tgtEl>
                                         <p:attrNameLst>
-                                          <p:attrName>fill.type</p:attrName>
+                                          <p:attrName>ppt_y</p:attrName>
                                         </p:attrNameLst>
                                       </p:cBhvr>
-                                      <p:to>
-                                        <p:strVal val="solid"/>
-                                      </p:to>
-                                    </p:set>
-                                    <p:set>
-                                      <p:cBhvr>
-                                        <p:cTn id="42" dur="250" autoRev="1" fill="remove"/>
-                                        <p:tgtEl>
-                                          <p:spTgt spid="6"/>
-                                        </p:tgtEl>
-                                        <p:attrNameLst>
-                                          <p:attrName>fill.on</p:attrName>
-                                        </p:attrNameLst>
-                                      </p:cBhvr>
-                                      <p:to>
-                                        <p:strVal val="true"/>
-                                      </p:to>
-                                    </p:set>
+                                      <p:tavLst>
+                                        <p:tav tm="0">
+                                          <p:val>
+                                            <p:strVal val="#ppt_y"/>
+                                          </p:val>
+                                        </p:tav>
+                                        <p:tav tm="100000">
+                                          <p:val>
+                                            <p:strVal val="#ppt_y"/>
+                                          </p:val>
+                                        </p:tav>
+                                      </p:tavLst>
+                                    </p:anim>
                                   </p:childTnLst>
                                 </p:cTn>
                               </p:par>
@@ -18640,26 +21201,26 @@
                     </p:cTn>
                   </p:par>
                   <p:par>
-                    <p:cTn id="43" fill="hold">
+                    <p:cTn id="40" fill="hold">
                       <p:stCondLst>
                         <p:cond delay="indefinite"/>
                       </p:stCondLst>
                       <p:childTnLst>
                         <p:par>
-                          <p:cTn id="44" fill="hold">
+                          <p:cTn id="41" fill="hold">
                             <p:stCondLst>
                               <p:cond delay="0"/>
                             </p:stCondLst>
                             <p:childTnLst>
                               <p:par>
-                                <p:cTn id="45" presetID="14" presetClass="exit" presetSubtype="10" fill="hold" grpId="0" nodeType="clickEffect">
+                                <p:cTn id="42" presetID="14" presetClass="exit" presetSubtype="10" fill="hold" grpId="0" nodeType="clickEffect">
                                   <p:stCondLst>
                                     <p:cond delay="0"/>
                                   </p:stCondLst>
                                   <p:childTnLst>
                                     <p:animEffect transition="out" filter="randombar(horizontal)">
                                       <p:cBhvr>
-                                        <p:cTn id="46" dur="500"/>
+                                        <p:cTn id="43" dur="500"/>
                                         <p:tgtEl>
                                           <p:spTgt spid="3"/>
                                         </p:tgtEl>
@@ -18667,7 +21228,7 @@
                                     </p:animEffect>
                                     <p:set>
                                       <p:cBhvr>
-                                        <p:cTn id="47" dur="1" fill="hold">
+                                        <p:cTn id="44" dur="1" fill="hold">
                                           <p:stCondLst>
                                             <p:cond delay="499"/>
                                           </p:stCondLst>
@@ -18693,26 +21254,26 @@
                     </p:cTn>
                   </p:par>
                   <p:par>
-                    <p:cTn id="48" fill="hold">
+                    <p:cTn id="45" fill="hold">
                       <p:stCondLst>
                         <p:cond delay="indefinite"/>
                       </p:stCondLst>
                       <p:childTnLst>
                         <p:par>
-                          <p:cTn id="49" fill="hold">
+                          <p:cTn id="46" fill="hold">
                             <p:stCondLst>
                               <p:cond delay="0"/>
                             </p:stCondLst>
                             <p:childTnLst>
                               <p:par>
-                                <p:cTn id="50" presetID="47" presetClass="entr" presetSubtype="0" fill="hold" nodeType="clickEffect">
+                                <p:cTn id="47" presetID="47" presetClass="entr" presetSubtype="0" fill="hold" nodeType="clickEffect">
                                   <p:stCondLst>
                                     <p:cond delay="0"/>
                                   </p:stCondLst>
                                   <p:childTnLst>
                                     <p:set>
                                       <p:cBhvr>
-                                        <p:cTn id="51" dur="1" fill="hold">
+                                        <p:cTn id="48" dur="1" fill="hold">
                                           <p:stCondLst>
                                             <p:cond delay="0"/>
                                           </p:stCondLst>
@@ -18730,7 +21291,7 @@
                                     </p:set>
                                     <p:animEffect transition="in" filter="fade">
                                       <p:cBhvr>
-                                        <p:cTn id="52" dur="1000"/>
+                                        <p:cTn id="49" dur="1000"/>
                                         <p:tgtEl>
                                           <p:spTgt spid="19"/>
                                         </p:tgtEl>
@@ -18738,7 +21299,7 @@
                                     </p:animEffect>
                                     <p:anim calcmode="lin" valueType="num">
                                       <p:cBhvr>
-                                        <p:cTn id="53" dur="1000" fill="hold"/>
+                                        <p:cTn id="50" dur="1000" fill="hold"/>
                                         <p:tgtEl>
                                           <p:spTgt spid="19"/>
                                         </p:tgtEl>
@@ -18761,7 +21322,7 @@
                                     </p:anim>
                                     <p:anim calcmode="lin" valueType="num">
                                       <p:cBhvr>
-                                        <p:cTn id="54" dur="1000" fill="hold"/>
+                                        <p:cTn id="51" dur="1000" fill="hold"/>
                                         <p:tgtEl>
                                           <p:spTgt spid="19"/>
                                         </p:tgtEl>
@@ -18792,79 +21353,95 @@
                     </p:cTn>
                   </p:par>
                   <p:par>
-                    <p:cTn id="55" fill="hold">
+                    <p:cTn id="52" fill="hold">
                       <p:stCondLst>
                         <p:cond delay="indefinite"/>
                       </p:stCondLst>
                       <p:childTnLst>
                         <p:par>
-                          <p:cTn id="56" fill="hold">
+                          <p:cTn id="53" fill="hold">
                             <p:stCondLst>
                               <p:cond delay="0"/>
                             </p:stCondLst>
                             <p:childTnLst>
                               <p:par>
-                                <p:cTn id="57" presetID="27" presetClass="emph" presetSubtype="0" fill="remove" grpId="0" nodeType="clickEffect">
+                                <p:cTn id="54" presetID="53" presetClass="entr" presetSubtype="16" fill="hold" grpId="0" nodeType="clickEffect">
                                   <p:stCondLst>
                                     <p:cond delay="0"/>
                                   </p:stCondLst>
                                   <p:childTnLst>
-                                    <p:animClr clrSpc="rgb" dir="cw">
-                                      <p:cBhvr override="childStyle">
-                                        <p:cTn id="58" dur="250" autoRev="1" fill="remove"/>
+                                    <p:set>
+                                      <p:cBhvr>
+                                        <p:cTn id="55" dur="1" fill="hold">
+                                          <p:stCondLst>
+                                            <p:cond delay="0"/>
+                                          </p:stCondLst>
+                                        </p:cTn>
                                         <p:tgtEl>
                                           <p:spTgt spid="7"/>
                                         </p:tgtEl>
                                         <p:attrNameLst>
-                                          <p:attrName>style.color</p:attrName>
+                                          <p:attrName>style.visibility</p:attrName>
                                         </p:attrNameLst>
                                       </p:cBhvr>
                                       <p:to>
-                                        <a:schemeClr val="bg1"/>
+                                        <p:strVal val="visible"/>
                                       </p:to>
-                                    </p:animClr>
-                                    <p:animClr clrSpc="rgb" dir="cw">
+                                    </p:set>
+                                    <p:anim calcmode="lin" valueType="num">
                                       <p:cBhvr>
-                                        <p:cTn id="59" dur="250" autoRev="1" fill="remove"/>
+                                        <p:cTn id="56" dur="500" fill="hold"/>
                                         <p:tgtEl>
                                           <p:spTgt spid="7"/>
                                         </p:tgtEl>
                                         <p:attrNameLst>
-                                          <p:attrName>fillcolor</p:attrName>
+                                          <p:attrName>ppt_w</p:attrName>
                                         </p:attrNameLst>
                                       </p:cBhvr>
-                                      <p:to>
-                                        <a:schemeClr val="bg1"/>
-                                      </p:to>
-                                    </p:animClr>
-                                    <p:set>
+                                      <p:tavLst>
+                                        <p:tav tm="0">
+                                          <p:val>
+                                            <p:fltVal val="0"/>
+                                          </p:val>
+                                        </p:tav>
+                                        <p:tav tm="100000">
+                                          <p:val>
+                                            <p:strVal val="#ppt_w"/>
+                                          </p:val>
+                                        </p:tav>
+                                      </p:tavLst>
+                                    </p:anim>
+                                    <p:anim calcmode="lin" valueType="num">
                                       <p:cBhvr>
-                                        <p:cTn id="60" dur="250" autoRev="1" fill="remove"/>
+                                        <p:cTn id="57" dur="500" fill="hold"/>
                                         <p:tgtEl>
                                           <p:spTgt spid="7"/>
                                         </p:tgtEl>
                                         <p:attrNameLst>
-                                          <p:attrName>fill.type</p:attrName>
+                                          <p:attrName>ppt_h</p:attrName>
                                         </p:attrNameLst>
                                       </p:cBhvr>
-                                      <p:to>
-                                        <p:strVal val="solid"/>
-                                      </p:to>
-                                    </p:set>
-                                    <p:set>
+                                      <p:tavLst>
+                                        <p:tav tm="0">
+                                          <p:val>
+                                            <p:fltVal val="0"/>
+                                          </p:val>
+                                        </p:tav>
+                                        <p:tav tm="100000">
+                                          <p:val>
+                                            <p:strVal val="#ppt_h"/>
+                                          </p:val>
+                                        </p:tav>
+                                      </p:tavLst>
+                                    </p:anim>
+                                    <p:animEffect transition="in" filter="fade">
                                       <p:cBhvr>
-                                        <p:cTn id="61" dur="250" autoRev="1" fill="remove"/>
+                                        <p:cTn id="58" dur="500"/>
                                         <p:tgtEl>
                                           <p:spTgt spid="7"/>
                                         </p:tgtEl>
-                                        <p:attrNameLst>
-                                          <p:attrName>fill.on</p:attrName>
-                                        </p:attrNameLst>
                                       </p:cBhvr>
-                                      <p:to>
-                                        <p:strVal val="true"/>
-                                      </p:to>
-                                    </p:set>
+                                    </p:animEffect>
                                   </p:childTnLst>
                                 </p:cTn>
                               </p:par>
@@ -18875,26 +21452,26 @@
                     </p:cTn>
                   </p:par>
                   <p:par>
-                    <p:cTn id="62" fill="hold">
+                    <p:cTn id="59" fill="hold">
                       <p:stCondLst>
                         <p:cond delay="indefinite"/>
                       </p:stCondLst>
                       <p:childTnLst>
                         <p:par>
-                          <p:cTn id="63" fill="hold">
+                          <p:cTn id="60" fill="hold">
                             <p:stCondLst>
                               <p:cond delay="0"/>
                             </p:stCondLst>
                             <p:childTnLst>
                               <p:par>
-                                <p:cTn id="64" presetID="1" presetClass="entr" presetSubtype="0" fill="hold" grpId="0" nodeType="clickEffect">
+                                <p:cTn id="61" presetID="1" presetClass="entr" presetSubtype="0" fill="hold" grpId="0" nodeType="clickEffect">
                                   <p:stCondLst>
                                     <p:cond delay="0"/>
                                   </p:stCondLst>
                                   <p:childTnLst>
                                     <p:set>
                                       <p:cBhvr>
-                                        <p:cTn id="65" dur="1" fill="hold">
+                                        <p:cTn id="62" dur="1" fill="hold">
                                           <p:stCondLst>
                                             <p:cond delay="0"/>
                                           </p:stCondLst>
@@ -18920,26 +21497,26 @@
                     </p:cTn>
                   </p:par>
                   <p:par>
-                    <p:cTn id="66" fill="hold">
+                    <p:cTn id="63" fill="hold">
                       <p:stCondLst>
                         <p:cond delay="indefinite"/>
                       </p:stCondLst>
                       <p:childTnLst>
                         <p:par>
-                          <p:cTn id="67" fill="hold">
+                          <p:cTn id="64" fill="hold">
                             <p:stCondLst>
                               <p:cond delay="0"/>
                             </p:stCondLst>
                             <p:childTnLst>
                               <p:par>
-                                <p:cTn id="68" presetID="14" presetClass="entr" presetSubtype="10" fill="hold" nodeType="clickEffect">
+                                <p:cTn id="65" presetID="14" presetClass="entr" presetSubtype="10" fill="hold" nodeType="clickEffect">
                                   <p:stCondLst>
                                     <p:cond delay="0"/>
                                   </p:stCondLst>
                                   <p:childTnLst>
                                     <p:set>
                                       <p:cBhvr>
-                                        <p:cTn id="69" dur="1" fill="hold">
+                                        <p:cTn id="66" dur="1" fill="hold">
                                           <p:stCondLst>
                                             <p:cond delay="0"/>
                                           </p:stCondLst>
@@ -18957,7 +21534,7 @@
                                     </p:set>
                                     <p:animEffect transition="in" filter="randombar(horizontal)">
                                       <p:cBhvr>
-                                        <p:cTn id="70" dur="500"/>
+                                        <p:cTn id="67" dur="500"/>
                                         <p:tgtEl>
                                           <p:spTgt spid="9"/>
                                         </p:tgtEl>
@@ -18998,8 +21575,8 @@
       <p:bldP spid="5" grpId="0" animBg="1"/>
       <p:bldP spid="6" grpId="0" animBg="1"/>
       <p:bldP spid="7" grpId="0" animBg="1"/>
+      <p:bldP spid="3" grpId="0" animBg="1"/>
       <p:bldP spid="20" grpId="0"/>
-      <p:bldP spid="3" grpId="0" animBg="1"/>
     </p:bldLst>
   </p:timing>
 </p:sld>
@@ -19471,7 +22048,7 @@
         </p:nvCxnSpPr>
         <p:spPr>
           <a:xfrm>
-            <a:off x="1173033" y="4892060"/>
+            <a:off x="8032870" y="4880048"/>
             <a:ext cx="15247" cy="542907"/>
           </a:xfrm>
           <a:prstGeom prst="straightConnector1">
@@ -19506,7 +22083,7 @@
         </p:nvCxnSpPr>
         <p:spPr>
           <a:xfrm>
-            <a:off x="1198588" y="2139302"/>
+            <a:off x="8058425" y="2127290"/>
             <a:ext cx="15247" cy="542907"/>
           </a:xfrm>
           <a:prstGeom prst="straightConnector1">
@@ -19580,7 +22157,7 @@
         </p:nvSpPr>
         <p:spPr>
           <a:xfrm>
-            <a:off x="578161" y="1292545"/>
+            <a:off x="7437998" y="1280533"/>
             <a:ext cx="1240854" cy="846757"/>
           </a:xfrm>
           <a:prstGeom prst="rect">
@@ -19622,7 +22199,7 @@
         </p:nvSpPr>
         <p:spPr>
           <a:xfrm>
-            <a:off x="580452" y="2682209"/>
+            <a:off x="7440289" y="2670197"/>
             <a:ext cx="1238563" cy="846757"/>
           </a:xfrm>
           <a:prstGeom prst="rect">
@@ -19668,7 +22245,7 @@
         </p:nvSpPr>
         <p:spPr>
           <a:xfrm>
-            <a:off x="580452" y="4059602"/>
+            <a:off x="7448237" y="4046576"/>
             <a:ext cx="1238563" cy="846757"/>
           </a:xfrm>
           <a:prstGeom prst="rect">
@@ -19714,7 +22291,7 @@
         </p:nvSpPr>
         <p:spPr>
           <a:xfrm>
-            <a:off x="578160" y="5436995"/>
+            <a:off x="7437997" y="5424983"/>
             <a:ext cx="1240855" cy="846757"/>
           </a:xfrm>
           <a:prstGeom prst="rect">
@@ -19770,7 +22347,7 @@
         </p:blipFill>
         <p:spPr>
           <a:xfrm>
-            <a:off x="2322039" y="2535270"/>
+            <a:off x="949212" y="2376320"/>
             <a:ext cx="5173488" cy="3048663"/>
           </a:xfrm>
           <a:prstGeom prst="rect">
@@ -19786,7 +22363,7 @@
         </p:nvSpPr>
         <p:spPr>
           <a:xfrm>
-            <a:off x="2322039" y="5870207"/>
+            <a:off x="949212" y="5711257"/>
             <a:ext cx="5766884" cy="461665"/>
           </a:xfrm>
           <a:prstGeom prst="rect">
@@ -19873,7 +22450,7 @@
         </p:nvSpPr>
         <p:spPr>
           <a:xfrm>
-            <a:off x="580452" y="4071873"/>
+            <a:off x="7457707" y="4059861"/>
             <a:ext cx="1246511" cy="846757"/>
           </a:xfrm>
           <a:prstGeom prst="rect">
@@ -19922,7 +22499,7 @@
         </p:nvCxnSpPr>
         <p:spPr>
           <a:xfrm>
-            <a:off x="1180657" y="3528966"/>
+            <a:off x="8040494" y="3516954"/>
             <a:ext cx="15247" cy="542907"/>
           </a:xfrm>
           <a:prstGeom prst="straightConnector1">
@@ -20273,8 +22850,8 @@
         </p:nvSpPr>
         <p:spPr>
           <a:xfrm>
-            <a:off x="5868317" y="1349211"/>
-            <a:ext cx="2372765" cy="369332"/>
+            <a:off x="5868315" y="1999827"/>
+            <a:ext cx="2723823" cy="369332"/>
           </a:xfrm>
           <a:prstGeom prst="rect">
             <a:avLst/>
@@ -20288,8 +22865,16 @@
           <a:lstStyle/>
           <a:p>
             <a:r>
+              <a:rPr lang="ja-JP" altLang="en-US" dirty="0" smtClean="0"/>
+              <a:t>３</a:t>
+            </a:r>
+            <a:r>
               <a:rPr kumimoji="1" lang="ja-JP" altLang="en-US" dirty="0" smtClean="0"/>
-              <a:t>２．ソースコードの解析</a:t>
+              <a:t>．</a:t>
+            </a:r>
+            <a:r>
+              <a:rPr kumimoji="1" lang="ja-JP" altLang="en-US" dirty="0" smtClean="0"/>
+              <a:t>ソースコードの解析</a:t>
             </a:r>
             <a:endParaRPr kumimoji="1" lang="ja-JP" altLang="en-US" dirty="0"/>
           </a:p>
@@ -20303,7 +22888,7 @@
         </p:nvSpPr>
         <p:spPr>
           <a:xfrm>
-            <a:off x="5868317" y="1713123"/>
+            <a:off x="5868317" y="1330665"/>
             <a:ext cx="3416320" cy="646331"/>
           </a:xfrm>
           <a:prstGeom prst="rect">
@@ -20318,8 +22903,16 @@
           <a:lstStyle/>
           <a:p>
             <a:r>
+              <a:rPr lang="ja-JP" altLang="en-US" dirty="0" smtClean="0"/>
+              <a:t>２</a:t>
+            </a:r>
+            <a:r>
               <a:rPr kumimoji="1" lang="ja-JP" altLang="en-US" dirty="0" smtClean="0"/>
-              <a:t>３．膨大なソースコードから</a:t>
+              <a:t>．</a:t>
+            </a:r>
+            <a:r>
+              <a:rPr kumimoji="1" lang="ja-JP" altLang="en-US" dirty="0" smtClean="0"/>
+              <a:t>膨大なソースコードから</a:t>
             </a:r>
             <a:endParaRPr kumimoji="1" lang="en-US" altLang="ja-JP" dirty="0" smtClean="0"/>
           </a:p>
@@ -20364,44 +22957,6 @@
       </p:sp>
       <p:sp>
         <p:nvSpPr>
-          <p:cNvPr id="23" name="右矢印 22"/>
-          <p:cNvSpPr/>
-          <p:nvPr/>
-        </p:nvSpPr>
-        <p:spPr>
-          <a:xfrm>
-            <a:off x="1176950" y="4511655"/>
-            <a:ext cx="3395050" cy="513052"/>
-          </a:xfrm>
-          <a:prstGeom prst="rightArrow">
-            <a:avLst/>
-          </a:prstGeom>
-        </p:spPr>
-        <p:style>
-          <a:lnRef idx="1">
-            <a:schemeClr val="accent1"/>
-          </a:lnRef>
-          <a:fillRef idx="3">
-            <a:schemeClr val="accent1"/>
-          </a:fillRef>
-          <a:effectRef idx="2">
-            <a:schemeClr val="accent1"/>
-          </a:effectRef>
-          <a:fontRef idx="minor">
-            <a:schemeClr val="lt1"/>
-          </a:fontRef>
-        </p:style>
-        <p:txBody>
-          <a:bodyPr rtlCol="0" anchor="ctr"/>
-          <a:lstStyle/>
-          <a:p>
-            <a:pPr algn="ctr"/>
-            <a:endParaRPr kumimoji="1" lang="ja-JP" altLang="en-US"/>
-          </a:p>
-        </p:txBody>
-      </p:sp>
-      <p:sp>
-        <p:nvSpPr>
           <p:cNvPr id="24" name="テキスト ボックス 23"/>
           <p:cNvSpPr txBox="1"/>
           <p:nvPr/>
@@ -20431,6 +22986,44 @@
               <a:t>シミュレーション</a:t>
             </a:r>
             <a:endParaRPr kumimoji="1" lang="ja-JP" altLang="en-US" dirty="0"/>
+          </a:p>
+        </p:txBody>
+      </p:sp>
+      <p:sp>
+        <p:nvSpPr>
+          <p:cNvPr id="3" name="テキスト ボックス 2"/>
+          <p:cNvSpPr txBox="1"/>
+          <p:nvPr/>
+        </p:nvSpPr>
+        <p:spPr>
+          <a:xfrm>
+            <a:off x="6031522" y="3127838"/>
+            <a:ext cx="3057247" cy="584775"/>
+          </a:xfrm>
+          <a:prstGeom prst="rect">
+            <a:avLst/>
+          </a:prstGeom>
+          <a:noFill/>
+        </p:spPr>
+        <p:txBody>
+          <a:bodyPr wrap="none" rtlCol="0">
+            <a:spAutoFit/>
+          </a:bodyPr>
+          <a:lstStyle/>
+          <a:p>
+            <a:r>
+              <a:rPr lang="ja-JP" altLang="en-US" sz="3200" dirty="0" smtClean="0">
+                <a:solidFill>
+                  <a:srgbClr val="FF0000"/>
+                </a:solidFill>
+              </a:rPr>
+              <a:t>この繰り返し！</a:t>
+            </a:r>
+            <a:endParaRPr kumimoji="1" lang="ja-JP" altLang="en-US" sz="3200" dirty="0">
+              <a:solidFill>
+                <a:srgbClr val="FF0000"/>
+              </a:solidFill>
+            </a:endParaRPr>
           </a:p>
         </p:txBody>
       </p:sp>
@@ -20456,6 +23049,9 @@
                     <p:cTn id="3" fill="hold">
                       <p:stCondLst>
                         <p:cond delay="indefinite"/>
+                        <p:cond evt="onBegin" delay="0">
+                          <p:tn val="2"/>
+                        </p:cond>
                       </p:stCondLst>
                       <p:childTnLst>
                         <p:par>
@@ -20465,7 +23061,7 @@
                             </p:stCondLst>
                             <p:childTnLst>
                               <p:par>
-                                <p:cTn id="5" presetID="42" presetClass="entr" presetSubtype="0" fill="hold" grpId="0" nodeType="clickEffect">
+                                <p:cTn id="5" presetID="2" presetClass="entr" presetSubtype="8" fill="hold" nodeType="afterEffect">
                                   <p:stCondLst>
                                     <p:cond delay="0"/>
                                   </p:stCondLst>
@@ -20473,96 +23069,6 @@
                                     <p:set>
                                       <p:cBhvr>
                                         <p:cTn id="6" dur="1" fill="hold">
-                                          <p:stCondLst>
-                                            <p:cond delay="0"/>
-                                          </p:stCondLst>
-                                        </p:cTn>
-                                        <p:tgtEl>
-                                          <p:spTgt spid="13"/>
-                                        </p:tgtEl>
-                                        <p:attrNameLst>
-                                          <p:attrName>style.visibility</p:attrName>
-                                        </p:attrNameLst>
-                                      </p:cBhvr>
-                                      <p:to>
-                                        <p:strVal val="visible"/>
-                                      </p:to>
-                                    </p:set>
-                                    <p:animEffect transition="in" filter="fade">
-                                      <p:cBhvr>
-                                        <p:cTn id="7" dur="1000"/>
-                                        <p:tgtEl>
-                                          <p:spTgt spid="13"/>
-                                        </p:tgtEl>
-                                      </p:cBhvr>
-                                    </p:animEffect>
-                                    <p:anim calcmode="lin" valueType="num">
-                                      <p:cBhvr>
-                                        <p:cTn id="8" dur="1000" fill="hold"/>
-                                        <p:tgtEl>
-                                          <p:spTgt spid="13"/>
-                                        </p:tgtEl>
-                                        <p:attrNameLst>
-                                          <p:attrName>ppt_x</p:attrName>
-                                        </p:attrNameLst>
-                                      </p:cBhvr>
-                                      <p:tavLst>
-                                        <p:tav tm="0">
-                                          <p:val>
-                                            <p:strVal val="#ppt_x"/>
-                                          </p:val>
-                                        </p:tav>
-                                        <p:tav tm="100000">
-                                          <p:val>
-                                            <p:strVal val="#ppt_x"/>
-                                          </p:val>
-                                        </p:tav>
-                                      </p:tavLst>
-                                    </p:anim>
-                                    <p:anim calcmode="lin" valueType="num">
-                                      <p:cBhvr>
-                                        <p:cTn id="9" dur="1000" fill="hold"/>
-                                        <p:tgtEl>
-                                          <p:spTgt spid="13"/>
-                                        </p:tgtEl>
-                                        <p:attrNameLst>
-                                          <p:attrName>ppt_y</p:attrName>
-                                        </p:attrNameLst>
-                                      </p:cBhvr>
-                                      <p:tavLst>
-                                        <p:tav tm="0">
-                                          <p:val>
-                                            <p:strVal val="#ppt_y+.1"/>
-                                          </p:val>
-                                        </p:tav>
-                                        <p:tav tm="100000">
-                                          <p:val>
-                                            <p:strVal val="#ppt_y"/>
-                                          </p:val>
-                                        </p:tav>
-                                      </p:tavLst>
-                                    </p:anim>
-                                  </p:childTnLst>
-                                </p:cTn>
-                              </p:par>
-                            </p:childTnLst>
-                          </p:cTn>
-                        </p:par>
-                        <p:par>
-                          <p:cTn id="10" fill="hold">
-                            <p:stCondLst>
-                              <p:cond delay="1000"/>
-                            </p:stCondLst>
-                            <p:childTnLst>
-                              <p:par>
-                                <p:cTn id="11" presetID="2" presetClass="entr" presetSubtype="4" fill="hold" nodeType="afterEffect">
-                                  <p:stCondLst>
-                                    <p:cond delay="0"/>
-                                  </p:stCondLst>
-                                  <p:childTnLst>
-                                    <p:set>
-                                      <p:cBhvr>
-                                        <p:cTn id="12" dur="1" fill="hold">
                                           <p:stCondLst>
                                             <p:cond delay="0"/>
                                           </p:stCondLst>
@@ -20580,7 +23086,7 @@
                                     </p:set>
                                     <p:anim calcmode="lin" valueType="num">
                                       <p:cBhvr additive="base">
-                                        <p:cTn id="13" dur="500" fill="hold"/>
+                                        <p:cTn id="7" dur="500" fill="hold"/>
                                         <p:tgtEl>
                                           <p:spTgt spid="12"/>
                                         </p:tgtEl>
@@ -20591,7 +23097,7 @@
                                       <p:tavLst>
                                         <p:tav tm="0">
                                           <p:val>
-                                            <p:strVal val="#ppt_x"/>
+                                            <p:strVal val="0-#ppt_w/2"/>
                                           </p:val>
                                         </p:tav>
                                         <p:tav tm="100000">
@@ -20603,7 +23109,7 @@
                                     </p:anim>
                                     <p:anim calcmode="lin" valueType="num">
                                       <p:cBhvr additive="base">
-                                        <p:cTn id="14" dur="500" fill="hold"/>
+                                        <p:cTn id="8" dur="500" fill="hold"/>
                                         <p:tgtEl>
                                           <p:spTgt spid="12"/>
                                         </p:tgtEl>
@@ -20614,7 +23120,359 @@
                                       <p:tavLst>
                                         <p:tav tm="0">
                                           <p:val>
-                                            <p:strVal val="1+#ppt_h/2"/>
+                                            <p:strVal val="#ppt_y"/>
+                                          </p:val>
+                                        </p:tav>
+                                        <p:tav tm="100000">
+                                          <p:val>
+                                            <p:strVal val="#ppt_y"/>
+                                          </p:val>
+                                        </p:tav>
+                                      </p:tavLst>
+                                    </p:anim>
+                                  </p:childTnLst>
+                                </p:cTn>
+                              </p:par>
+                            </p:childTnLst>
+                          </p:cTn>
+                        </p:par>
+                        <p:par>
+                          <p:cTn id="9" fill="hold">
+                            <p:stCondLst>
+                              <p:cond delay="500"/>
+                            </p:stCondLst>
+                            <p:childTnLst>
+                              <p:par>
+                                <p:cTn id="10" presetID="2" presetClass="entr" presetSubtype="2" fill="hold" grpId="0" nodeType="afterEffect">
+                                  <p:stCondLst>
+                                    <p:cond delay="0"/>
+                                  </p:stCondLst>
+                                  <p:childTnLst>
+                                    <p:set>
+                                      <p:cBhvr>
+                                        <p:cTn id="11" dur="1" fill="hold">
+                                          <p:stCondLst>
+                                            <p:cond delay="0"/>
+                                          </p:stCondLst>
+                                        </p:cTn>
+                                        <p:tgtEl>
+                                          <p:spTgt spid="13"/>
+                                        </p:tgtEl>
+                                        <p:attrNameLst>
+                                          <p:attrName>style.visibility</p:attrName>
+                                        </p:attrNameLst>
+                                      </p:cBhvr>
+                                      <p:to>
+                                        <p:strVal val="visible"/>
+                                      </p:to>
+                                    </p:set>
+                                    <p:anim calcmode="lin" valueType="num">
+                                      <p:cBhvr additive="base">
+                                        <p:cTn id="12" dur="500" fill="hold"/>
+                                        <p:tgtEl>
+                                          <p:spTgt spid="13"/>
+                                        </p:tgtEl>
+                                        <p:attrNameLst>
+                                          <p:attrName>ppt_x</p:attrName>
+                                        </p:attrNameLst>
+                                      </p:cBhvr>
+                                      <p:tavLst>
+                                        <p:tav tm="0">
+                                          <p:val>
+                                            <p:strVal val="1+#ppt_w/2"/>
+                                          </p:val>
+                                        </p:tav>
+                                        <p:tav tm="100000">
+                                          <p:val>
+                                            <p:strVal val="#ppt_x"/>
+                                          </p:val>
+                                        </p:tav>
+                                      </p:tavLst>
+                                    </p:anim>
+                                    <p:anim calcmode="lin" valueType="num">
+                                      <p:cBhvr additive="base">
+                                        <p:cTn id="13" dur="500" fill="hold"/>
+                                        <p:tgtEl>
+                                          <p:spTgt spid="13"/>
+                                        </p:tgtEl>
+                                        <p:attrNameLst>
+                                          <p:attrName>ppt_y</p:attrName>
+                                        </p:attrNameLst>
+                                      </p:cBhvr>
+                                      <p:tavLst>
+                                        <p:tav tm="0">
+                                          <p:val>
+                                            <p:strVal val="#ppt_y"/>
+                                          </p:val>
+                                        </p:tav>
+                                        <p:tav tm="100000">
+                                          <p:val>
+                                            <p:strVal val="#ppt_y"/>
+                                          </p:val>
+                                        </p:tav>
+                                      </p:tavLst>
+                                    </p:anim>
+                                  </p:childTnLst>
+                                </p:cTn>
+                              </p:par>
+                            </p:childTnLst>
+                          </p:cTn>
+                        </p:par>
+                        <p:par>
+                          <p:cTn id="14" fill="hold">
+                            <p:stCondLst>
+                              <p:cond delay="1000"/>
+                            </p:stCondLst>
+                            <p:childTnLst>
+                              <p:par>
+                                <p:cTn id="15" presetID="21" presetClass="entr" presetSubtype="1" fill="hold" grpId="0" nodeType="afterEffect">
+                                  <p:stCondLst>
+                                    <p:cond delay="0"/>
+                                  </p:stCondLst>
+                                  <p:childTnLst>
+                                    <p:set>
+                                      <p:cBhvr>
+                                        <p:cTn id="16" dur="1" fill="hold">
+                                          <p:stCondLst>
+                                            <p:cond delay="0"/>
+                                          </p:stCondLst>
+                                        </p:cTn>
+                                        <p:tgtEl>
+                                          <p:spTgt spid="18"/>
+                                        </p:tgtEl>
+                                        <p:attrNameLst>
+                                          <p:attrName>style.visibility</p:attrName>
+                                        </p:attrNameLst>
+                                      </p:cBhvr>
+                                      <p:to>
+                                        <p:strVal val="visible"/>
+                                      </p:to>
+                                    </p:set>
+                                    <p:animEffect transition="in" filter="wheel(1)">
+                                      <p:cBhvr>
+                                        <p:cTn id="17" dur="750"/>
+                                        <p:tgtEl>
+                                          <p:spTgt spid="18"/>
+                                        </p:tgtEl>
+                                      </p:cBhvr>
+                                    </p:animEffect>
+                                  </p:childTnLst>
+                                </p:cTn>
+                              </p:par>
+                            </p:childTnLst>
+                          </p:cTn>
+                        </p:par>
+                      </p:childTnLst>
+                    </p:cTn>
+                  </p:par>
+                  <p:par>
+                    <p:cTn id="18" fill="hold">
+                      <p:stCondLst>
+                        <p:cond delay="indefinite"/>
+                      </p:stCondLst>
+                      <p:childTnLst>
+                        <p:par>
+                          <p:cTn id="19" fill="hold">
+                            <p:stCondLst>
+                              <p:cond delay="0"/>
+                            </p:stCondLst>
+                            <p:childTnLst>
+                              <p:par>
+                                <p:cTn id="20" presetID="2" presetClass="entr" presetSubtype="2" fill="hold" grpId="0" nodeType="clickEffect">
+                                  <p:stCondLst>
+                                    <p:cond delay="0"/>
+                                  </p:stCondLst>
+                                  <p:childTnLst>
+                                    <p:set>
+                                      <p:cBhvr>
+                                        <p:cTn id="21" dur="1" fill="hold">
+                                          <p:stCondLst>
+                                            <p:cond delay="0"/>
+                                          </p:stCondLst>
+                                        </p:cTn>
+                                        <p:tgtEl>
+                                          <p:spTgt spid="21"/>
+                                        </p:tgtEl>
+                                        <p:attrNameLst>
+                                          <p:attrName>style.visibility</p:attrName>
+                                        </p:attrNameLst>
+                                      </p:cBhvr>
+                                      <p:to>
+                                        <p:strVal val="visible"/>
+                                      </p:to>
+                                    </p:set>
+                                    <p:anim calcmode="lin" valueType="num">
+                                      <p:cBhvr additive="base">
+                                        <p:cTn id="22" dur="500" fill="hold"/>
+                                        <p:tgtEl>
+                                          <p:spTgt spid="21"/>
+                                        </p:tgtEl>
+                                        <p:attrNameLst>
+                                          <p:attrName>ppt_x</p:attrName>
+                                        </p:attrNameLst>
+                                      </p:cBhvr>
+                                      <p:tavLst>
+                                        <p:tav tm="0">
+                                          <p:val>
+                                            <p:strVal val="1+#ppt_w/2"/>
+                                          </p:val>
+                                        </p:tav>
+                                        <p:tav tm="100000">
+                                          <p:val>
+                                            <p:strVal val="#ppt_x"/>
+                                          </p:val>
+                                        </p:tav>
+                                      </p:tavLst>
+                                    </p:anim>
+                                    <p:anim calcmode="lin" valueType="num">
+                                      <p:cBhvr additive="base">
+                                        <p:cTn id="23" dur="500" fill="hold"/>
+                                        <p:tgtEl>
+                                          <p:spTgt spid="21"/>
+                                        </p:tgtEl>
+                                        <p:attrNameLst>
+                                          <p:attrName>ppt_y</p:attrName>
+                                        </p:attrNameLst>
+                                      </p:cBhvr>
+                                      <p:tavLst>
+                                        <p:tav tm="0">
+                                          <p:val>
+                                            <p:strVal val="#ppt_y"/>
+                                          </p:val>
+                                        </p:tav>
+                                        <p:tav tm="100000">
+                                          <p:val>
+                                            <p:strVal val="#ppt_y"/>
+                                          </p:val>
+                                        </p:tav>
+                                      </p:tavLst>
+                                    </p:anim>
+                                  </p:childTnLst>
+                                </p:cTn>
+                              </p:par>
+                            </p:childTnLst>
+                          </p:cTn>
+                        </p:par>
+                        <p:par>
+                          <p:cTn id="24" fill="hold">
+                            <p:stCondLst>
+                              <p:cond delay="500"/>
+                            </p:stCondLst>
+                            <p:childTnLst>
+                              <p:par>
+                                <p:cTn id="25" presetID="21" presetClass="entr" presetSubtype="1" fill="hold" grpId="0" nodeType="afterEffect">
+                                  <p:stCondLst>
+                                    <p:cond delay="0"/>
+                                  </p:stCondLst>
+                                  <p:childTnLst>
+                                    <p:set>
+                                      <p:cBhvr>
+                                        <p:cTn id="26" dur="1" fill="hold">
+                                          <p:stCondLst>
+                                            <p:cond delay="0"/>
+                                          </p:stCondLst>
+                                        </p:cTn>
+                                        <p:tgtEl>
+                                          <p:spTgt spid="15"/>
+                                        </p:tgtEl>
+                                        <p:attrNameLst>
+                                          <p:attrName>style.visibility</p:attrName>
+                                        </p:attrNameLst>
+                                      </p:cBhvr>
+                                      <p:to>
+                                        <p:strVal val="visible"/>
+                                      </p:to>
+                                    </p:set>
+                                    <p:animEffect transition="in" filter="wheel(1)">
+                                      <p:cBhvr>
+                                        <p:cTn id="27" dur="750"/>
+                                        <p:tgtEl>
+                                          <p:spTgt spid="15"/>
+                                        </p:tgtEl>
+                                      </p:cBhvr>
+                                    </p:animEffect>
+                                  </p:childTnLst>
+                                </p:cTn>
+                              </p:par>
+                            </p:childTnLst>
+                          </p:cTn>
+                        </p:par>
+                      </p:childTnLst>
+                    </p:cTn>
+                  </p:par>
+                  <p:par>
+                    <p:cTn id="28" fill="hold">
+                      <p:stCondLst>
+                        <p:cond delay="indefinite"/>
+                      </p:stCondLst>
+                      <p:childTnLst>
+                        <p:par>
+                          <p:cTn id="29" fill="hold">
+                            <p:stCondLst>
+                              <p:cond delay="0"/>
+                            </p:stCondLst>
+                            <p:childTnLst>
+                              <p:par>
+                                <p:cTn id="30" presetID="2" presetClass="entr" presetSubtype="2" fill="hold" grpId="0" nodeType="clickEffect">
+                                  <p:stCondLst>
+                                    <p:cond delay="0"/>
+                                  </p:stCondLst>
+                                  <p:childTnLst>
+                                    <p:set>
+                                      <p:cBhvr>
+                                        <p:cTn id="31" dur="1" fill="hold">
+                                          <p:stCondLst>
+                                            <p:cond delay="0"/>
+                                          </p:stCondLst>
+                                        </p:cTn>
+                                        <p:tgtEl>
+                                          <p:spTgt spid="20"/>
+                                        </p:tgtEl>
+                                        <p:attrNameLst>
+                                          <p:attrName>style.visibility</p:attrName>
+                                        </p:attrNameLst>
+                                      </p:cBhvr>
+                                      <p:to>
+                                        <p:strVal val="visible"/>
+                                      </p:to>
+                                    </p:set>
+                                    <p:anim calcmode="lin" valueType="num">
+                                      <p:cBhvr additive="base">
+                                        <p:cTn id="32" dur="500" fill="hold"/>
+                                        <p:tgtEl>
+                                          <p:spTgt spid="20"/>
+                                        </p:tgtEl>
+                                        <p:attrNameLst>
+                                          <p:attrName>ppt_x</p:attrName>
+                                        </p:attrNameLst>
+                                      </p:cBhvr>
+                                      <p:tavLst>
+                                        <p:tav tm="0">
+                                          <p:val>
+                                            <p:strVal val="1+#ppt_w/2"/>
+                                          </p:val>
+                                        </p:tav>
+                                        <p:tav tm="100000">
+                                          <p:val>
+                                            <p:strVal val="#ppt_x"/>
+                                          </p:val>
+                                        </p:tav>
+                                      </p:tavLst>
+                                    </p:anim>
+                                    <p:anim calcmode="lin" valueType="num">
+                                      <p:cBhvr additive="base">
+                                        <p:cTn id="33" dur="500" fill="hold"/>
+                                        <p:tgtEl>
+                                          <p:spTgt spid="20"/>
+                                        </p:tgtEl>
+                                        <p:attrNameLst>
+                                          <p:attrName>ppt_y</p:attrName>
+                                        </p:attrNameLst>
+                                      </p:cBhvr>
+                                      <p:tavLst>
+                                        <p:tav tm="0">
+                                          <p:val>
+                                            <p:strVal val="#ppt_y"/>
                                           </p:val>
                                         </p:tav>
                                         <p:tav tm="100000">
@@ -20634,296 +23492,26 @@
                     </p:cTn>
                   </p:par>
                   <p:par>
-                    <p:cTn id="15" fill="hold">
+                    <p:cTn id="34" fill="hold">
                       <p:stCondLst>
                         <p:cond delay="indefinite"/>
                       </p:stCondLst>
                       <p:childTnLst>
                         <p:par>
-                          <p:cTn id="16" fill="hold">
+                          <p:cTn id="35" fill="hold">
                             <p:stCondLst>
                               <p:cond delay="0"/>
                             </p:stCondLst>
                             <p:childTnLst>
                               <p:par>
-                                <p:cTn id="17" presetID="2" presetClass="entr" presetSubtype="4" fill="hold" grpId="0" nodeType="clickEffect">
+                                <p:cTn id="36" presetID="2" presetClass="entr" presetSubtype="2" fill="hold" grpId="0" nodeType="clickEffect">
                                   <p:stCondLst>
                                     <p:cond delay="0"/>
                                   </p:stCondLst>
                                   <p:childTnLst>
                                     <p:set>
                                       <p:cBhvr>
-                                        <p:cTn id="18" dur="1" fill="hold">
-                                          <p:stCondLst>
-                                            <p:cond delay="0"/>
-                                          </p:stCondLst>
-                                        </p:cTn>
-                                        <p:tgtEl>
-                                          <p:spTgt spid="20"/>
-                                        </p:tgtEl>
-                                        <p:attrNameLst>
-                                          <p:attrName>style.visibility</p:attrName>
-                                        </p:attrNameLst>
-                                      </p:cBhvr>
-                                      <p:to>
-                                        <p:strVal val="visible"/>
-                                      </p:to>
-                                    </p:set>
-                                    <p:anim calcmode="lin" valueType="num">
-                                      <p:cBhvr additive="base">
-                                        <p:cTn id="19" dur="500" fill="hold"/>
-                                        <p:tgtEl>
-                                          <p:spTgt spid="20"/>
-                                        </p:tgtEl>
-                                        <p:attrNameLst>
-                                          <p:attrName>ppt_x</p:attrName>
-                                        </p:attrNameLst>
-                                      </p:cBhvr>
-                                      <p:tavLst>
-                                        <p:tav tm="0">
-                                          <p:val>
-                                            <p:strVal val="#ppt_x"/>
-                                          </p:val>
-                                        </p:tav>
-                                        <p:tav tm="100000">
-                                          <p:val>
-                                            <p:strVal val="#ppt_x"/>
-                                          </p:val>
-                                        </p:tav>
-                                      </p:tavLst>
-                                    </p:anim>
-                                    <p:anim calcmode="lin" valueType="num">
-                                      <p:cBhvr additive="base">
-                                        <p:cTn id="20" dur="500" fill="hold"/>
-                                        <p:tgtEl>
-                                          <p:spTgt spid="20"/>
-                                        </p:tgtEl>
-                                        <p:attrNameLst>
-                                          <p:attrName>ppt_y</p:attrName>
-                                        </p:attrNameLst>
-                                      </p:cBhvr>
-                                      <p:tavLst>
-                                        <p:tav tm="0">
-                                          <p:val>
-                                            <p:strVal val="1+#ppt_h/2"/>
-                                          </p:val>
-                                        </p:tav>
-                                        <p:tav tm="100000">
-                                          <p:val>
-                                            <p:strVal val="#ppt_y"/>
-                                          </p:val>
-                                        </p:tav>
-                                      </p:tavLst>
-                                    </p:anim>
-                                  </p:childTnLst>
-                                </p:cTn>
-                              </p:par>
-                            </p:childTnLst>
-                          </p:cTn>
-                        </p:par>
-                        <p:par>
-                          <p:cTn id="21" fill="hold">
-                            <p:stCondLst>
-                              <p:cond delay="500"/>
-                            </p:stCondLst>
-                            <p:childTnLst>
-                              <p:par>
-                                <p:cTn id="22" presetID="21" presetClass="entr" presetSubtype="1" fill="hold" grpId="0" nodeType="afterEffect">
-                                  <p:stCondLst>
-                                    <p:cond delay="0"/>
-                                  </p:stCondLst>
-                                  <p:childTnLst>
-                                    <p:set>
-                                      <p:cBhvr>
-                                        <p:cTn id="23" dur="1" fill="hold">
-                                          <p:stCondLst>
-                                            <p:cond delay="0"/>
-                                          </p:stCondLst>
-                                        </p:cTn>
-                                        <p:tgtEl>
-                                          <p:spTgt spid="15"/>
-                                        </p:tgtEl>
-                                        <p:attrNameLst>
-                                          <p:attrName>style.visibility</p:attrName>
-                                        </p:attrNameLst>
-                                      </p:cBhvr>
-                                      <p:to>
-                                        <p:strVal val="visible"/>
-                                      </p:to>
-                                    </p:set>
-                                    <p:animEffect transition="in" filter="wheel(1)">
-                                      <p:cBhvr>
-                                        <p:cTn id="24" dur="750"/>
-                                        <p:tgtEl>
-                                          <p:spTgt spid="15"/>
-                                        </p:tgtEl>
-                                      </p:cBhvr>
-                                    </p:animEffect>
-                                  </p:childTnLst>
-                                </p:cTn>
-                              </p:par>
-                            </p:childTnLst>
-                          </p:cTn>
-                        </p:par>
-                      </p:childTnLst>
-                    </p:cTn>
-                  </p:par>
-                  <p:par>
-                    <p:cTn id="25" fill="hold">
-                      <p:stCondLst>
-                        <p:cond delay="indefinite"/>
-                      </p:stCondLst>
-                      <p:childTnLst>
-                        <p:par>
-                          <p:cTn id="26" fill="hold">
-                            <p:stCondLst>
-                              <p:cond delay="0"/>
-                            </p:stCondLst>
-                            <p:childTnLst>
-                              <p:par>
-                                <p:cTn id="27" presetID="2" presetClass="entr" presetSubtype="4" fill="hold" grpId="0" nodeType="clickEffect">
-                                  <p:stCondLst>
-                                    <p:cond delay="0"/>
-                                  </p:stCondLst>
-                                  <p:childTnLst>
-                                    <p:set>
-                                      <p:cBhvr>
-                                        <p:cTn id="28" dur="1" fill="hold">
-                                          <p:stCondLst>
-                                            <p:cond delay="0"/>
-                                          </p:stCondLst>
-                                        </p:cTn>
-                                        <p:tgtEl>
-                                          <p:spTgt spid="21"/>
-                                        </p:tgtEl>
-                                        <p:attrNameLst>
-                                          <p:attrName>style.visibility</p:attrName>
-                                        </p:attrNameLst>
-                                      </p:cBhvr>
-                                      <p:to>
-                                        <p:strVal val="visible"/>
-                                      </p:to>
-                                    </p:set>
-                                    <p:anim calcmode="lin" valueType="num">
-                                      <p:cBhvr additive="base">
-                                        <p:cTn id="29" dur="500" fill="hold"/>
-                                        <p:tgtEl>
-                                          <p:spTgt spid="21"/>
-                                        </p:tgtEl>
-                                        <p:attrNameLst>
-                                          <p:attrName>ppt_x</p:attrName>
-                                        </p:attrNameLst>
-                                      </p:cBhvr>
-                                      <p:tavLst>
-                                        <p:tav tm="0">
-                                          <p:val>
-                                            <p:strVal val="#ppt_x"/>
-                                          </p:val>
-                                        </p:tav>
-                                        <p:tav tm="100000">
-                                          <p:val>
-                                            <p:strVal val="#ppt_x"/>
-                                          </p:val>
-                                        </p:tav>
-                                      </p:tavLst>
-                                    </p:anim>
-                                    <p:anim calcmode="lin" valueType="num">
-                                      <p:cBhvr additive="base">
-                                        <p:cTn id="30" dur="500" fill="hold"/>
-                                        <p:tgtEl>
-                                          <p:spTgt spid="21"/>
-                                        </p:tgtEl>
-                                        <p:attrNameLst>
-                                          <p:attrName>ppt_y</p:attrName>
-                                        </p:attrNameLst>
-                                      </p:cBhvr>
-                                      <p:tavLst>
-                                        <p:tav tm="0">
-                                          <p:val>
-                                            <p:strVal val="1+#ppt_h/2"/>
-                                          </p:val>
-                                        </p:tav>
-                                        <p:tav tm="100000">
-                                          <p:val>
-                                            <p:strVal val="#ppt_y"/>
-                                          </p:val>
-                                        </p:tav>
-                                      </p:tavLst>
-                                    </p:anim>
-                                  </p:childTnLst>
-                                </p:cTn>
-                              </p:par>
-                            </p:childTnLst>
-                          </p:cTn>
-                        </p:par>
-                        <p:par>
-                          <p:cTn id="31" fill="hold">
-                            <p:stCondLst>
-                              <p:cond delay="500"/>
-                            </p:stCondLst>
-                            <p:childTnLst>
-                              <p:par>
-                                <p:cTn id="32" presetID="21" presetClass="entr" presetSubtype="1" fill="hold" grpId="0" nodeType="afterEffect">
-                                  <p:stCondLst>
-                                    <p:cond delay="0"/>
-                                  </p:stCondLst>
-                                  <p:childTnLst>
-                                    <p:set>
-                                      <p:cBhvr>
-                                        <p:cTn id="33" dur="1" fill="hold">
-                                          <p:stCondLst>
-                                            <p:cond delay="0"/>
-                                          </p:stCondLst>
-                                        </p:cTn>
-                                        <p:tgtEl>
-                                          <p:spTgt spid="18"/>
-                                        </p:tgtEl>
-                                        <p:attrNameLst>
-                                          <p:attrName>style.visibility</p:attrName>
-                                        </p:attrNameLst>
-                                      </p:cBhvr>
-                                      <p:to>
-                                        <p:strVal val="visible"/>
-                                      </p:to>
-                                    </p:set>
-                                    <p:animEffect transition="in" filter="wheel(1)">
-                                      <p:cBhvr>
-                                        <p:cTn id="34" dur="750"/>
-                                        <p:tgtEl>
-                                          <p:spTgt spid="18"/>
-                                        </p:tgtEl>
-                                      </p:cBhvr>
-                                    </p:animEffect>
-                                  </p:childTnLst>
-                                </p:cTn>
-                              </p:par>
-                            </p:childTnLst>
-                          </p:cTn>
-                        </p:par>
-                      </p:childTnLst>
-                    </p:cTn>
-                  </p:par>
-                  <p:par>
-                    <p:cTn id="35" fill="hold">
-                      <p:stCondLst>
-                        <p:cond delay="indefinite"/>
-                      </p:stCondLst>
-                      <p:childTnLst>
-                        <p:par>
-                          <p:cTn id="36" fill="hold">
-                            <p:stCondLst>
-                              <p:cond delay="0"/>
-                            </p:stCondLst>
-                            <p:childTnLst>
-                              <p:par>
-                                <p:cTn id="37" presetID="2" presetClass="entr" presetSubtype="4" fill="hold" grpId="0" nodeType="clickEffect">
-                                  <p:stCondLst>
-                                    <p:cond delay="0"/>
-                                  </p:stCondLst>
-                                  <p:childTnLst>
-                                    <p:set>
-                                      <p:cBhvr>
-                                        <p:cTn id="38" dur="1" fill="hold">
+                                        <p:cTn id="37" dur="1" fill="hold">
                                           <p:stCondLst>
                                             <p:cond delay="0"/>
                                           </p:stCondLst>
@@ -20941,7 +23529,7 @@
                                     </p:set>
                                     <p:anim calcmode="lin" valueType="num">
                                       <p:cBhvr additive="base">
-                                        <p:cTn id="39" dur="500" fill="hold"/>
+                                        <p:cTn id="38" dur="500" fill="hold"/>
                                         <p:tgtEl>
                                           <p:spTgt spid="22"/>
                                         </p:tgtEl>
@@ -20952,7 +23540,7 @@
                                       <p:tavLst>
                                         <p:tav tm="0">
                                           <p:val>
-                                            <p:strVal val="#ppt_x"/>
+                                            <p:strVal val="1+#ppt_w/2"/>
                                           </p:val>
                                         </p:tav>
                                         <p:tav tm="100000">
@@ -20964,7 +23552,7 @@
                                     </p:anim>
                                     <p:anim calcmode="lin" valueType="num">
                                       <p:cBhvr additive="base">
-                                        <p:cTn id="40" dur="500" fill="hold"/>
+                                        <p:cTn id="39" dur="500" fill="hold"/>
                                         <p:tgtEl>
                                           <p:spTgt spid="22"/>
                                         </p:tgtEl>
@@ -20975,7 +23563,7 @@
                                       <p:tavLst>
                                         <p:tav tm="0">
                                           <p:val>
-                                            <p:strVal val="1+#ppt_h/2"/>
+                                            <p:strVal val="#ppt_y"/>
                                           </p:val>
                                         </p:tav>
                                         <p:tav tm="100000">
@@ -20992,110 +23580,20 @@
                           </p:cTn>
                         </p:par>
                         <p:par>
-                          <p:cTn id="41" fill="hold">
+                          <p:cTn id="40" fill="hold">
                             <p:stCondLst>
                               <p:cond delay="500"/>
                             </p:stCondLst>
                             <p:childTnLst>
                               <p:par>
-                                <p:cTn id="42" presetID="53" presetClass="entr" presetSubtype="16" fill="hold" grpId="0" nodeType="afterEffect">
-                                  <p:stCondLst>
-                                    <p:cond delay="0"/>
-                                  </p:stCondLst>
-                                  <p:childTnLst>
-                                    <p:set>
-                                      <p:cBhvr>
-                                        <p:cTn id="43" dur="1" fill="hold">
-                                          <p:stCondLst>
-                                            <p:cond delay="0"/>
-                                          </p:stCondLst>
-                                        </p:cTn>
-                                        <p:tgtEl>
-                                          <p:spTgt spid="23"/>
-                                        </p:tgtEl>
-                                        <p:attrNameLst>
-                                          <p:attrName>style.visibility</p:attrName>
-                                        </p:attrNameLst>
-                                      </p:cBhvr>
-                                      <p:to>
-                                        <p:strVal val="visible"/>
-                                      </p:to>
-                                    </p:set>
-                                    <p:anim calcmode="lin" valueType="num">
-                                      <p:cBhvr>
-                                        <p:cTn id="44" dur="500" fill="hold"/>
-                                        <p:tgtEl>
-                                          <p:spTgt spid="23"/>
-                                        </p:tgtEl>
-                                        <p:attrNameLst>
-                                          <p:attrName>ppt_w</p:attrName>
-                                        </p:attrNameLst>
-                                      </p:cBhvr>
-                                      <p:tavLst>
-                                        <p:tav tm="0">
-                                          <p:val>
-                                            <p:fltVal val="0"/>
-                                          </p:val>
-                                        </p:tav>
-                                        <p:tav tm="100000">
-                                          <p:val>
-                                            <p:strVal val="#ppt_w"/>
-                                          </p:val>
-                                        </p:tav>
-                                      </p:tavLst>
-                                    </p:anim>
-                                    <p:anim calcmode="lin" valueType="num">
-                                      <p:cBhvr>
-                                        <p:cTn id="45" dur="500" fill="hold"/>
-                                        <p:tgtEl>
-                                          <p:spTgt spid="23"/>
-                                        </p:tgtEl>
-                                        <p:attrNameLst>
-                                          <p:attrName>ppt_h</p:attrName>
-                                        </p:attrNameLst>
-                                      </p:cBhvr>
-                                      <p:tavLst>
-                                        <p:tav tm="0">
-                                          <p:val>
-                                            <p:fltVal val="0"/>
-                                          </p:val>
-                                        </p:tav>
-                                        <p:tav tm="100000">
-                                          <p:val>
-                                            <p:strVal val="#ppt_h"/>
-                                          </p:val>
-                                        </p:tav>
-                                      </p:tavLst>
-                                    </p:anim>
-                                    <p:animEffect transition="in" filter="fade">
-                                      <p:cBhvr>
-                                        <p:cTn id="46" dur="500"/>
-                                        <p:tgtEl>
-                                          <p:spTgt spid="23"/>
-                                        </p:tgtEl>
-                                      </p:cBhvr>
-                                    </p:animEffect>
-                                  </p:childTnLst>
-                                </p:cTn>
-                              </p:par>
-                            </p:childTnLst>
-                          </p:cTn>
-                        </p:par>
-                        <p:par>
-                          <p:cTn id="47" fill="hold">
-                            <p:stCondLst>
-                              <p:cond delay="1000"/>
-                            </p:stCondLst>
-                            <p:childTnLst>
-                              <p:par>
-                                <p:cTn id="48" presetID="10" presetClass="entr" presetSubtype="0" fill="hold" grpId="0" nodeType="afterEffect">
+                                <p:cTn id="41" presetID="2" presetClass="entr" presetSubtype="2" fill="hold" grpId="0" nodeType="afterEffect">
                                   <p:stCondLst>
                                     <p:cond delay="1000"/>
                                   </p:stCondLst>
                                   <p:childTnLst>
                                     <p:set>
                                       <p:cBhvr>
-                                        <p:cTn id="49" dur="1" fill="hold">
+                                        <p:cTn id="42" dur="1" fill="hold">
                                           <p:stCondLst>
                                             <p:cond delay="0"/>
                                           </p:stCondLst>
@@ -21111,11 +23609,102 @@
                                         <p:strVal val="visible"/>
                                       </p:to>
                                     </p:set>
+                                    <p:anim calcmode="lin" valueType="num">
+                                      <p:cBhvr additive="base">
+                                        <p:cTn id="43" dur="500" fill="hold"/>
+                                        <p:tgtEl>
+                                          <p:spTgt spid="24"/>
+                                        </p:tgtEl>
+                                        <p:attrNameLst>
+                                          <p:attrName>ppt_x</p:attrName>
+                                        </p:attrNameLst>
+                                      </p:cBhvr>
+                                      <p:tavLst>
+                                        <p:tav tm="0">
+                                          <p:val>
+                                            <p:strVal val="1+#ppt_w/2"/>
+                                          </p:val>
+                                        </p:tav>
+                                        <p:tav tm="100000">
+                                          <p:val>
+                                            <p:strVal val="#ppt_x"/>
+                                          </p:val>
+                                        </p:tav>
+                                      </p:tavLst>
+                                    </p:anim>
+                                    <p:anim calcmode="lin" valueType="num">
+                                      <p:cBhvr additive="base">
+                                        <p:cTn id="44" dur="500" fill="hold"/>
+                                        <p:tgtEl>
+                                          <p:spTgt spid="24"/>
+                                        </p:tgtEl>
+                                        <p:attrNameLst>
+                                          <p:attrName>ppt_y</p:attrName>
+                                        </p:attrNameLst>
+                                      </p:cBhvr>
+                                      <p:tavLst>
+                                        <p:tav tm="0">
+                                          <p:val>
+                                            <p:strVal val="#ppt_y"/>
+                                          </p:val>
+                                        </p:tav>
+                                        <p:tav tm="100000">
+                                          <p:val>
+                                            <p:strVal val="#ppt_y"/>
+                                          </p:val>
+                                        </p:tav>
+                                      </p:tavLst>
+                                    </p:anim>
+                                  </p:childTnLst>
+                                </p:cTn>
+                              </p:par>
+                            </p:childTnLst>
+                          </p:cTn>
+                        </p:par>
+                      </p:childTnLst>
+                    </p:cTn>
+                  </p:par>
+                  <p:par>
+                    <p:cTn id="45" fill="hold">
+                      <p:stCondLst>
+                        <p:cond delay="indefinite"/>
+                      </p:stCondLst>
+                      <p:childTnLst>
+                        <p:par>
+                          <p:cTn id="46" fill="hold">
+                            <p:stCondLst>
+                              <p:cond delay="0"/>
+                            </p:stCondLst>
+                            <p:childTnLst>
+                              <p:par>
+                                <p:cTn id="47" presetID="10" presetClass="entr" presetSubtype="0" fill="hold" grpId="0" nodeType="clickEffect">
+                                  <p:stCondLst>
+                                    <p:cond delay="0"/>
+                                  </p:stCondLst>
+                                  <p:childTnLst>
+                                    <p:set>
+                                      <p:cBhvr>
+                                        <p:cTn id="48" dur="1" fill="hold">
+                                          <p:stCondLst>
+                                            <p:cond delay="0"/>
+                                          </p:stCondLst>
+                                        </p:cTn>
+                                        <p:tgtEl>
+                                          <p:spTgt spid="3"/>
+                                        </p:tgtEl>
+                                        <p:attrNameLst>
+                                          <p:attrName>style.visibility</p:attrName>
+                                        </p:attrNameLst>
+                                      </p:cBhvr>
+                                      <p:to>
+                                        <p:strVal val="visible"/>
+                                      </p:to>
+                                    </p:set>
                                     <p:animEffect transition="in" filter="fade">
                                       <p:cBhvr>
-                                        <p:cTn id="50" dur="2000"/>
+                                        <p:cTn id="49" dur="500"/>
                                         <p:tgtEl>
-                                          <p:spTgt spid="24"/>
+                                          <p:spTgt spid="3"/>
                                         </p:tgtEl>
                                       </p:cBhvr>
                                     </p:animEffect>
@@ -21156,8 +23745,8 @@
       <p:bldP spid="20" grpId="0"/>
       <p:bldP spid="21" grpId="0"/>
       <p:bldP spid="22" grpId="0"/>
-      <p:bldP spid="23" grpId="0" animBg="1"/>
       <p:bldP spid="24" grpId="0"/>
+      <p:bldP spid="3" grpId="0"/>
     </p:bldLst>
   </p:timing>
 </p:sld>
@@ -21418,14 +24007,14 @@
                     </a:ln>
                     <a:extLst>
                       <a:ext uri="{909E8E84-426E-40dd-AFC4-6F175D3DCCD1}">
-                        <a14:hiddenFill xmlns:a14="http://schemas.microsoft.com/office/drawing/2010/main" xmlns="">
+                        <a14:hiddenFill xmlns="" xmlns:a14="http://schemas.microsoft.com/office/drawing/2010/main">
                           <a:solidFill>
                             <a:srgbClr val="FFFFFF"/>
                           </a:solidFill>
                         </a14:hiddenFill>
                       </a:ext>
                       <a:ext uri="{91240B29-F687-4f45-9708-019B960494DF}">
-                        <a14:hiddenLine xmlns:a14="http://schemas.microsoft.com/office/drawing/2010/main" xmlns="" w="9525">
+                        <a14:hiddenLine xmlns="" xmlns:a14="http://schemas.microsoft.com/office/drawing/2010/main" w="9525">
                           <a:solidFill>
                             <a:srgbClr val="000000"/>
                           </a:solidFill>
@@ -21833,14 +24422,14 @@
                   </a:ln>
                   <a:extLst>
                     <a:ext uri="{909E8E84-426E-40dd-AFC4-6F175D3DCCD1}">
-                      <a14:hiddenFill xmlns:a14="http://schemas.microsoft.com/office/drawing/2010/main" xmlns="">
+                      <a14:hiddenFill xmlns="" xmlns:a14="http://schemas.microsoft.com/office/drawing/2010/main">
                         <a:solidFill>
                           <a:srgbClr val="FFFFFF"/>
                         </a:solidFill>
                       </a14:hiddenFill>
                     </a:ext>
                     <a:ext uri="{91240B29-F687-4f45-9708-019B960494DF}">
-                      <a14:hiddenLine xmlns:a14="http://schemas.microsoft.com/office/drawing/2010/main" xmlns="" w="9525">
+                      <a14:hiddenLine xmlns="" xmlns:a14="http://schemas.microsoft.com/office/drawing/2010/main" w="9525">
                         <a:solidFill>
                           <a:srgbClr val="000000"/>
                         </a:solidFill>

--- a/doc/中間発表資料.pptx
+++ b/doc/中間発表資料.pptx
@@ -5,7 +5,7 @@
     <p:sldMasterId id="2147483648" r:id="rId1"/>
   </p:sldMasterIdLst>
   <p:notesMasterIdLst>
-    <p:notesMasterId r:id="rId24"/>
+    <p:notesMasterId r:id="rId23"/>
   </p:notesMasterIdLst>
   <p:sldIdLst>
     <p:sldId id="256" r:id="rId2"/>
@@ -29,7 +29,6 @@
     <p:sldId id="287" r:id="rId20"/>
     <p:sldId id="272" r:id="rId21"/>
     <p:sldId id="260" r:id="rId22"/>
-    <p:sldId id="282" r:id="rId23"/>
   </p:sldIdLst>
   <p:sldSz cx="9144000" cy="6858000" type="screen4x3"/>
   <p:notesSz cx="6858000" cy="9144000"/>
@@ -229,7 +228,7 @@
           <a:p>
             <a:fld id="{07C89E97-5434-9C4E-B6E5-C9F9FBA5FCE1}" type="datetimeFigureOut">
               <a:rPr kumimoji="1" lang="ja-JP" altLang="en-US" smtClean="0"/>
-              <a:t>2015/4/1</a:t>
+              <a:t>2015/4/2</a:t>
             </a:fld>
             <a:endParaRPr kumimoji="1" lang="ja-JP" altLang="en-US"/>
           </a:p>
@@ -709,11 +708,7 @@
           <a:p>
             <a:r>
               <a:rPr kumimoji="1" lang="ja-JP" altLang="en-US" dirty="0" smtClean="0"/>
-              <a:t>そこで提案の手法で</a:t>
-            </a:r>
-            <a:r>
-              <a:rPr kumimoji="1" lang="ja-JP" altLang="en-US" dirty="0" smtClean="0"/>
-              <a:t>は理解の助けとなるように</a:t>
+              <a:t>そこで提案の手法では理解の助けとなるように</a:t>
             </a:r>
             <a:r>
               <a:rPr kumimoji="1" lang="en-US" altLang="ja-JP" dirty="0" smtClean="0"/>
@@ -2123,11 +2118,7 @@
           <a:p>
             <a:r>
               <a:rPr kumimoji="1" lang="ja-JP" altLang="en-US" dirty="0" smtClean="0"/>
-              <a:t>ここを</a:t>
-            </a:r>
-            <a:r>
-              <a:rPr kumimoji="1" lang="ja-JP" altLang="en-US" dirty="0" smtClean="0"/>
-              <a:t>長く</a:t>
+              <a:t>ここを長く</a:t>
             </a:r>
             <a:endParaRPr kumimoji="1" lang="ja-JP" altLang="en-US" dirty="0"/>
           </a:p>
@@ -2537,7 +2528,7 @@
           <a:p>
             <a:fld id="{8E38DBD1-F25C-9E4F-851F-C78CA3583CBD}" type="datetimeFigureOut">
               <a:rPr kumimoji="1" lang="ja-JP" altLang="en-US" smtClean="0"/>
-              <a:t>2015/4/1</a:t>
+              <a:t>2015/4/2</a:t>
             </a:fld>
             <a:endParaRPr kumimoji="1" lang="ja-JP" altLang="en-US"/>
           </a:p>
@@ -2739,7 +2730,7 @@
           <a:p>
             <a:fld id="{8E38DBD1-F25C-9E4F-851F-C78CA3583CBD}" type="datetimeFigureOut">
               <a:rPr kumimoji="1" lang="ja-JP" altLang="en-US" smtClean="0"/>
-              <a:t>2015/4/1</a:t>
+              <a:t>2015/4/2</a:t>
             </a:fld>
             <a:endParaRPr kumimoji="1" lang="ja-JP" altLang="en-US"/>
           </a:p>
@@ -2951,7 +2942,7 @@
           <a:p>
             <a:fld id="{8E38DBD1-F25C-9E4F-851F-C78CA3583CBD}" type="datetimeFigureOut">
               <a:rPr kumimoji="1" lang="ja-JP" altLang="en-US" smtClean="0"/>
-              <a:t>2015/4/1</a:t>
+              <a:t>2015/4/2</a:t>
             </a:fld>
             <a:endParaRPr kumimoji="1" lang="ja-JP" altLang="en-US"/>
           </a:p>
@@ -3153,7 +3144,7 @@
           <a:p>
             <a:fld id="{8E38DBD1-F25C-9E4F-851F-C78CA3583CBD}" type="datetimeFigureOut">
               <a:rPr kumimoji="1" lang="ja-JP" altLang="en-US" smtClean="0"/>
-              <a:t>2015/4/1</a:t>
+              <a:t>2015/4/2</a:t>
             </a:fld>
             <a:endParaRPr kumimoji="1" lang="ja-JP" altLang="en-US"/>
           </a:p>
@@ -3399,7 +3390,7 @@
           <a:p>
             <a:fld id="{8E38DBD1-F25C-9E4F-851F-C78CA3583CBD}" type="datetimeFigureOut">
               <a:rPr kumimoji="1" lang="ja-JP" altLang="en-US" smtClean="0"/>
-              <a:t>2015/4/1</a:t>
+              <a:t>2015/4/2</a:t>
             </a:fld>
             <a:endParaRPr kumimoji="1" lang="ja-JP" altLang="en-US"/>
           </a:p>
@@ -3751,7 +3742,7 @@
           <a:p>
             <a:fld id="{8E38DBD1-F25C-9E4F-851F-C78CA3583CBD}" type="datetimeFigureOut">
               <a:rPr kumimoji="1" lang="ja-JP" altLang="en-US" smtClean="0"/>
-              <a:t>2015/4/1</a:t>
+              <a:t>2015/4/2</a:t>
             </a:fld>
             <a:endParaRPr kumimoji="1" lang="ja-JP" altLang="en-US"/>
           </a:p>
@@ -4237,7 +4228,7 @@
           <a:p>
             <a:fld id="{8E38DBD1-F25C-9E4F-851F-C78CA3583CBD}" type="datetimeFigureOut">
               <a:rPr kumimoji="1" lang="ja-JP" altLang="en-US" smtClean="0"/>
-              <a:t>2015/4/1</a:t>
+              <a:t>2015/4/2</a:t>
             </a:fld>
             <a:endParaRPr kumimoji="1" lang="ja-JP" altLang="en-US"/>
           </a:p>
@@ -4355,7 +4346,7 @@
           <a:p>
             <a:fld id="{8E38DBD1-F25C-9E4F-851F-C78CA3583CBD}" type="datetimeFigureOut">
               <a:rPr kumimoji="1" lang="ja-JP" altLang="en-US" smtClean="0"/>
-              <a:t>2015/4/1</a:t>
+              <a:t>2015/4/2</a:t>
             </a:fld>
             <a:endParaRPr kumimoji="1" lang="ja-JP" altLang="en-US"/>
           </a:p>
@@ -4450,7 +4441,7 @@
           <a:p>
             <a:fld id="{8E38DBD1-F25C-9E4F-851F-C78CA3583CBD}" type="datetimeFigureOut">
               <a:rPr kumimoji="1" lang="ja-JP" altLang="en-US" smtClean="0"/>
-              <a:t>2015/4/1</a:t>
+              <a:t>2015/4/2</a:t>
             </a:fld>
             <a:endParaRPr kumimoji="1" lang="ja-JP" altLang="en-US"/>
           </a:p>
@@ -4759,7 +4750,7 @@
           <a:p>
             <a:fld id="{8E38DBD1-F25C-9E4F-851F-C78CA3583CBD}" type="datetimeFigureOut">
               <a:rPr kumimoji="1" lang="ja-JP" altLang="en-US" smtClean="0"/>
-              <a:t>2015/4/1</a:t>
+              <a:t>2015/4/2</a:t>
             </a:fld>
             <a:endParaRPr kumimoji="1" lang="ja-JP" altLang="en-US"/>
           </a:p>
@@ -5012,7 +5003,7 @@
           <a:p>
             <a:fld id="{8E38DBD1-F25C-9E4F-851F-C78CA3583CBD}" type="datetimeFigureOut">
               <a:rPr kumimoji="1" lang="ja-JP" altLang="en-US" smtClean="0"/>
-              <a:t>2015/4/1</a:t>
+              <a:t>2015/4/2</a:t>
             </a:fld>
             <a:endParaRPr kumimoji="1" lang="ja-JP" altLang="en-US"/>
           </a:p>
@@ -5257,7 +5248,7 @@
           <a:p>
             <a:fld id="{8E38DBD1-F25C-9E4F-851F-C78CA3583CBD}" type="datetimeFigureOut">
               <a:rPr kumimoji="1" lang="ja-JP" altLang="en-US" smtClean="0"/>
-              <a:t>2015/4/1</a:t>
+              <a:t>2015/4/2</a:t>
             </a:fld>
             <a:endParaRPr kumimoji="1" lang="ja-JP" altLang="en-US"/>
           </a:p>
@@ -6398,14 +6389,14 @@
                   <a:defRPr/>
                 </a:pPr>
                 <a:r>
-                  <a:rPr lang="en-US" altLang="ja-JP" sz="3200" dirty="0" err="1" smtClean="0"/>
+                  <a:rPr lang="en-US" altLang="ja-JP" sz="2800" dirty="0" err="1" smtClean="0"/>
                   <a:t>CovSal</a:t>
                 </a:r>
                 <a:r>
-                  <a:rPr lang="en-US" altLang="ja-JP" sz="3200" dirty="0" smtClean="0"/>
+                  <a:rPr lang="en-US" altLang="ja-JP" sz="2800" dirty="0" smtClean="0"/>
                   <a:t>[1]</a:t>
                 </a:r>
-                <a:endParaRPr lang="ja-JP" altLang="en-US" sz="3200" dirty="0"/>
+                <a:endParaRPr lang="ja-JP" altLang="en-US" sz="2800" dirty="0"/>
               </a:p>
             </p:txBody>
           </p:sp>
@@ -6989,14 +6980,14 @@
                 </a:ln>
                 <a:extLst>
                   <a:ext uri="{909E8E84-426E-40dd-AFC4-6F175D3DCCD1}">
-                    <a14:hiddenFill xmlns="" xmlns:a14="http://schemas.microsoft.com/office/drawing/2010/main">
+                    <a14:hiddenFill xmlns:a14="http://schemas.microsoft.com/office/drawing/2010/main" xmlns="">
                       <a:solidFill>
                         <a:srgbClr val="FFFFFF"/>
                       </a:solidFill>
                     </a14:hiddenFill>
                   </a:ext>
                   <a:ext uri="{91240B29-F687-4f45-9708-019B960494DF}">
-                    <a14:hiddenLine xmlns="" xmlns:a14="http://schemas.microsoft.com/office/drawing/2010/main" w="9525">
+                    <a14:hiddenLine xmlns:a14="http://schemas.microsoft.com/office/drawing/2010/main" xmlns="" w="9525">
                       <a:solidFill>
                         <a:srgbClr val="000000"/>
                       </a:solidFill>
@@ -7060,14 +7051,14 @@
               </a:ln>
               <a:extLst>
                 <a:ext uri="{909E8E84-426E-40dd-AFC4-6F175D3DCCD1}">
-                  <a14:hiddenFill xmlns="" xmlns:a14="http://schemas.microsoft.com/office/drawing/2010/main">
+                  <a14:hiddenFill xmlns:a14="http://schemas.microsoft.com/office/drawing/2010/main" xmlns="">
                     <a:solidFill>
                       <a:srgbClr val="FFFFFF"/>
                     </a:solidFill>
                   </a14:hiddenFill>
                 </a:ext>
                 <a:ext uri="{91240B29-F687-4f45-9708-019B960494DF}">
-                  <a14:hiddenLine xmlns="" xmlns:a14="http://schemas.microsoft.com/office/drawing/2010/main" w="9525">
+                  <a14:hiddenLine xmlns:a14="http://schemas.microsoft.com/office/drawing/2010/main" xmlns="" w="9525">
                     <a:solidFill>
                       <a:srgbClr val="000000"/>
                     </a:solidFill>
@@ -7510,8 +7501,8 @@
         </p:nvSpPr>
         <p:spPr>
           <a:xfrm>
-            <a:off x="2704542" y="1366335"/>
-            <a:ext cx="6052892" cy="5150114"/>
+            <a:off x="2187460" y="1366335"/>
+            <a:ext cx="6569974" cy="5150114"/>
           </a:xfrm>
           <a:prstGeom prst="rect">
             <a:avLst/>
@@ -10495,7 +10486,7 @@
                             </p:stCondLst>
                             <p:childTnLst>
                               <p:par>
-                                <p:cTn id="5" presetID="10" presetClass="entr" presetSubtype="0" fill="hold" grpId="0" nodeType="clickEffect">
+                                <p:cTn id="5" presetID="2" presetClass="entr" presetSubtype="8" fill="hold" grpId="0" nodeType="clickEffect">
                                   <p:stCondLst>
                                     <p:cond delay="0"/>
                                   </p:stCondLst>
@@ -10503,59 +10494,6 @@
                                     <p:set>
                                       <p:cBhvr>
                                         <p:cTn id="6" dur="1" fill="hold">
-                                          <p:stCondLst>
-                                            <p:cond delay="0"/>
-                                          </p:stCondLst>
-                                        </p:cTn>
-                                        <p:tgtEl>
-                                          <p:spTgt spid="49"/>
-                                        </p:tgtEl>
-                                        <p:attrNameLst>
-                                          <p:attrName>style.visibility</p:attrName>
-                                        </p:attrNameLst>
-                                      </p:cBhvr>
-                                      <p:to>
-                                        <p:strVal val="visible"/>
-                                      </p:to>
-                                    </p:set>
-                                    <p:animEffect transition="in" filter="fade">
-                                      <p:cBhvr>
-                                        <p:cTn id="7" dur="500"/>
-                                        <p:tgtEl>
-                                          <p:spTgt spid="49"/>
-                                        </p:tgtEl>
-                                      </p:cBhvr>
-                                    </p:animEffect>
-                                  </p:childTnLst>
-                                </p:cTn>
-                              </p:par>
-                            </p:childTnLst>
-                          </p:cTn>
-                        </p:par>
-                      </p:childTnLst>
-                    </p:cTn>
-                  </p:par>
-                  <p:par>
-                    <p:cTn id="8" fill="hold">
-                      <p:stCondLst>
-                        <p:cond delay="indefinite"/>
-                      </p:stCondLst>
-                      <p:childTnLst>
-                        <p:par>
-                          <p:cTn id="9" fill="hold">
-                            <p:stCondLst>
-                              <p:cond delay="0"/>
-                            </p:stCondLst>
-                            <p:childTnLst>
-                              <p:par>
-                                <p:cTn id="10" presetID="2" presetClass="entr" presetSubtype="8" fill="hold" grpId="0" nodeType="clickEffect">
-                                  <p:stCondLst>
-                                    <p:cond delay="0"/>
-                                  </p:stCondLst>
-                                  <p:childTnLst>
-                                    <p:set>
-                                      <p:cBhvr>
-                                        <p:cTn id="11" dur="1" fill="hold">
                                           <p:stCondLst>
                                             <p:cond delay="0"/>
                                           </p:stCondLst>
@@ -10573,7 +10511,7 @@
                                     </p:set>
                                     <p:anim calcmode="lin" valueType="num">
                                       <p:cBhvr additive="base">
-                                        <p:cTn id="12" dur="500" fill="hold"/>
+                                        <p:cTn id="7" dur="500" fill="hold"/>
                                         <p:tgtEl>
                                           <p:spTgt spid="48"/>
                                         </p:tgtEl>
@@ -10596,7 +10534,7 @@
                                     </p:anim>
                                     <p:anim calcmode="lin" valueType="num">
                                       <p:cBhvr additive="base">
-                                        <p:cTn id="13" dur="500" fill="hold"/>
+                                        <p:cTn id="8" dur="500" fill="hold"/>
                                         <p:tgtEl>
                                           <p:spTgt spid="48"/>
                                         </p:tgtEl>
@@ -10617,6 +10555,59 @@
                                         </p:tav>
                                       </p:tavLst>
                                     </p:anim>
+                                  </p:childTnLst>
+                                </p:cTn>
+                              </p:par>
+                            </p:childTnLst>
+                          </p:cTn>
+                        </p:par>
+                      </p:childTnLst>
+                    </p:cTn>
+                  </p:par>
+                  <p:par>
+                    <p:cTn id="9" fill="hold">
+                      <p:stCondLst>
+                        <p:cond delay="indefinite"/>
+                      </p:stCondLst>
+                      <p:childTnLst>
+                        <p:par>
+                          <p:cTn id="10" fill="hold">
+                            <p:stCondLst>
+                              <p:cond delay="0"/>
+                            </p:stCondLst>
+                            <p:childTnLst>
+                              <p:par>
+                                <p:cTn id="11" presetID="10" presetClass="entr" presetSubtype="0" fill="hold" grpId="0" nodeType="clickEffect">
+                                  <p:stCondLst>
+                                    <p:cond delay="0"/>
+                                  </p:stCondLst>
+                                  <p:childTnLst>
+                                    <p:set>
+                                      <p:cBhvr>
+                                        <p:cTn id="12" dur="1" fill="hold">
+                                          <p:stCondLst>
+                                            <p:cond delay="0"/>
+                                          </p:stCondLst>
+                                        </p:cTn>
+                                        <p:tgtEl>
+                                          <p:spTgt spid="49"/>
+                                        </p:tgtEl>
+                                        <p:attrNameLst>
+                                          <p:attrName>style.visibility</p:attrName>
+                                        </p:attrNameLst>
+                                      </p:cBhvr>
+                                      <p:to>
+                                        <p:strVal val="visible"/>
+                                      </p:to>
+                                    </p:set>
+                                    <p:animEffect transition="in" filter="fade">
+                                      <p:cBhvr>
+                                        <p:cTn id="13" dur="500"/>
+                                        <p:tgtEl>
+                                          <p:spTgt spid="49"/>
+                                        </p:tgtEl>
+                                      </p:cBhvr>
+                                    </p:animEffect>
                                   </p:childTnLst>
                                 </p:cTn>
                               </p:par>
@@ -11297,11 +11288,7 @@
           <a:p>
             <a:r>
               <a:rPr lang="ja-JP" altLang="en-US" dirty="0" smtClean="0"/>
-              <a:t>類似</a:t>
-            </a:r>
-            <a:r>
-              <a:rPr lang="ja-JP" altLang="en-US" dirty="0" smtClean="0"/>
-              <a:t>研究</a:t>
+              <a:t>類似研究</a:t>
             </a:r>
             <a:endParaRPr kumimoji="1" lang="ja-JP" altLang="en-US" dirty="0"/>
           </a:p>
@@ -11554,11 +11541,7 @@
           <a:p>
             <a:r>
               <a:rPr kumimoji="1" lang="ja-JP" altLang="en-US" dirty="0" smtClean="0"/>
-              <a:t>類似</a:t>
-            </a:r>
-            <a:r>
-              <a:rPr kumimoji="1" lang="ja-JP" altLang="en-US" dirty="0" smtClean="0"/>
-              <a:t>研究</a:t>
+              <a:t>類似研究</a:t>
             </a:r>
             <a:endParaRPr kumimoji="1" lang="ja-JP" altLang="en-US" dirty="0"/>
           </a:p>
@@ -11620,15 +11603,7 @@
             <a:pPr lvl="2"/>
             <a:r>
               <a:rPr lang="ja-JP" altLang="en-US" dirty="0" smtClean="0"/>
-              <a:t>自作</a:t>
-            </a:r>
-            <a:r>
-              <a:rPr lang="ja-JP" altLang="en-US" dirty="0" smtClean="0"/>
-              <a:t>の場合は先に例示した</a:t>
-            </a:r>
-            <a:r>
-              <a:rPr lang="ja-JP" altLang="en-US" dirty="0" smtClean="0"/>
-              <a:t>手順が必要で煩雑</a:t>
+              <a:t>自作の場合は先に例示した手順が必要で煩雑</a:t>
             </a:r>
             <a:endParaRPr lang="en-US" altLang="ja-JP" dirty="0" smtClean="0"/>
           </a:p>
@@ -11724,11 +11699,7 @@
           <a:p>
             <a:r>
               <a:rPr kumimoji="1" lang="ja-JP" altLang="en-US" dirty="0" smtClean="0"/>
-              <a:t>類似</a:t>
-            </a:r>
-            <a:r>
-              <a:rPr kumimoji="1" lang="ja-JP" altLang="en-US" dirty="0" smtClean="0"/>
-              <a:t>研究</a:t>
+              <a:t>類似研究</a:t>
             </a:r>
             <a:endParaRPr kumimoji="1" lang="ja-JP" altLang="en-US" dirty="0"/>
           </a:p>
@@ -16299,7 +16270,7 @@
         </p:spPr>
         <p:txBody>
           <a:bodyPr>
-            <a:normAutofit fontScale="85000" lnSpcReduction="10000"/>
+            <a:normAutofit fontScale="92500" lnSpcReduction="20000"/>
           </a:bodyPr>
           <a:lstStyle/>
           <a:p>
@@ -16375,6 +16346,30 @@
               </a:spcAft>
             </a:pPr>
             <a:r>
+              <a:rPr lang="en-US" altLang="ja-JP" sz="2400" dirty="0"/>
+              <a:t>WHATWG</a:t>
+            </a:r>
+            <a:r>
+              <a:rPr lang="ja-JP" altLang="en-US" sz="2400" dirty="0"/>
+              <a:t> </a:t>
+            </a:r>
+            <a:r>
+              <a:rPr lang="en-US" altLang="ja-JP" sz="2400" dirty="0"/>
+              <a:t>Living Standard</a:t>
+            </a:r>
+            <a:r>
+              <a:rPr lang="ja-JP" altLang="en-US" sz="2400" dirty="0"/>
+              <a:t>の成果を元にしている</a:t>
+            </a:r>
+            <a:endParaRPr lang="en-US" altLang="ja-JP" sz="2400" dirty="0"/>
+          </a:p>
+          <a:p>
+            <a:pPr lvl="1">
+              <a:spcAft>
+                <a:spcPts val="600"/>
+              </a:spcAft>
+            </a:pPr>
+            <a:r>
               <a:rPr lang="en-US" altLang="ja-JP" sz="2400" dirty="0" smtClean="0"/>
               <a:t>HTML5</a:t>
             </a:r>
@@ -16417,34 +16412,42 @@
             <a:endParaRPr lang="en-US" altLang="ja-JP" sz="2000" dirty="0" smtClean="0"/>
           </a:p>
           <a:p>
+            <a:pPr>
+              <a:spcAft>
+                <a:spcPts val="600"/>
+              </a:spcAft>
+            </a:pPr>
+            <a:r>
+              <a:rPr lang="ja-JP" altLang="en-US" dirty="0" smtClean="0"/>
+              <a:t>手法</a:t>
+            </a:r>
+            <a:r>
+              <a:rPr lang="ja-JP" altLang="en-US" dirty="0" smtClean="0"/>
+              <a:t>の調査・</a:t>
+            </a:r>
+            <a:r>
+              <a:rPr lang="ja-JP" altLang="en-US" dirty="0" smtClean="0"/>
+              <a:t>コーディング</a:t>
+            </a:r>
+            <a:endParaRPr lang="en-US" altLang="ja-JP" dirty="0" smtClean="0"/>
+          </a:p>
+          <a:p>
             <a:pPr lvl="1">
               <a:spcAft>
                 <a:spcPts val="600"/>
               </a:spcAft>
             </a:pPr>
             <a:r>
-              <a:rPr lang="en-US" altLang="ja-JP" sz="2400" dirty="0" smtClean="0"/>
-              <a:t>WHATWG</a:t>
-            </a:r>
-            <a:r>
-              <a:rPr lang="ja-JP" altLang="en-US" sz="2400" dirty="0"/>
-              <a:t> </a:t>
-            </a:r>
-            <a:r>
-              <a:rPr lang="en-US" altLang="ja-JP" sz="2400" dirty="0" smtClean="0"/>
-              <a:t>Living Standard</a:t>
-            </a:r>
-            <a:r>
-              <a:rPr lang="ja-JP" altLang="en-US" sz="2400" dirty="0" smtClean="0"/>
-              <a:t>の成果を元</a:t>
-            </a:r>
-            <a:r>
-              <a:rPr lang="ja-JP" altLang="en-US" sz="2400" dirty="0" smtClean="0"/>
-              <a:t>にして</a:t>
-            </a:r>
-            <a:r>
-              <a:rPr lang="ja-JP" altLang="en-US" sz="2400" dirty="0" smtClean="0"/>
-              <a:t>いる</a:t>
+              <a:rPr kumimoji="1" lang="ja-JP" altLang="en-US" sz="2400" dirty="0" smtClean="0"/>
+              <a:t>バックエンドの</a:t>
+            </a:r>
+            <a:r>
+              <a:rPr kumimoji="1" lang="en-US" altLang="ja-JP" sz="2400" dirty="0" err="1" smtClean="0"/>
+              <a:t>JQuery,Ajax</a:t>
+            </a:r>
+            <a:r>
+              <a:rPr kumimoji="1" lang="ja-JP" altLang="en-US" sz="2400" dirty="0" smtClean="0"/>
+              <a:t>によるプログラミング</a:t>
             </a:r>
             <a:endParaRPr lang="en-US" altLang="ja-JP" sz="2400" dirty="0" smtClean="0"/>
           </a:p>
@@ -16455,64 +16458,12 @@
               </a:spcAft>
             </a:pPr>
             <a:r>
-              <a:rPr lang="en-US" altLang="ja-JP" sz="2400" dirty="0" smtClean="0"/>
-              <a:t>MathML</a:t>
-            </a:r>
-            <a:r>
               <a:rPr lang="ja-JP" altLang="en-US" sz="2400" dirty="0" smtClean="0"/>
-              <a:t>も仕様に含まれる</a:t>
-            </a:r>
-            <a:endParaRPr lang="en-US" altLang="ja-JP" sz="2400" dirty="0" smtClean="0"/>
-          </a:p>
-          <a:p>
-            <a:pPr>
-              <a:spcAft>
-                <a:spcPts val="600"/>
-              </a:spcAft>
-            </a:pPr>
-            <a:r>
-              <a:rPr lang="ja-JP" altLang="en-US" dirty="0" smtClean="0"/>
-              <a:t>手法</a:t>
-            </a:r>
-            <a:r>
-              <a:rPr lang="ja-JP" altLang="en-US" dirty="0" smtClean="0"/>
-              <a:t>の調査</a:t>
-            </a:r>
-            <a:r>
-              <a:rPr lang="ja-JP" altLang="en-US" dirty="0" smtClean="0"/>
-              <a:t>・コーディング</a:t>
-            </a:r>
-            <a:endParaRPr lang="en-US" altLang="ja-JP" dirty="0" smtClean="0"/>
-          </a:p>
-          <a:p>
-            <a:pPr lvl="1">
-              <a:spcAft>
-                <a:spcPts val="600"/>
-              </a:spcAft>
-            </a:pPr>
-            <a:r>
-              <a:rPr kumimoji="1" lang="en-US" altLang="ja-JP" sz="2400" dirty="0" err="1" smtClean="0"/>
-              <a:t>JQuery,Ajax</a:t>
-            </a:r>
-            <a:r>
-              <a:rPr kumimoji="1" lang="ja-JP" altLang="en-US" sz="2400" dirty="0" smtClean="0"/>
-              <a:t>による</a:t>
-            </a:r>
-            <a:r>
-              <a:rPr kumimoji="1" lang="ja-JP" altLang="en-US" sz="2400" dirty="0" smtClean="0"/>
-              <a:t>プログラミング</a:t>
-            </a:r>
-            <a:endParaRPr lang="en-US" altLang="ja-JP" sz="2400" dirty="0" smtClean="0"/>
-          </a:p>
-          <a:p>
-            <a:pPr lvl="1">
-              <a:spcAft>
-                <a:spcPts val="600"/>
-              </a:spcAft>
-            </a:pPr>
+              <a:t>フロントエンド</a:t>
+            </a:r>
             <a:r>
               <a:rPr lang="ja-JP" altLang="en-US" sz="2400" dirty="0" smtClean="0"/>
-              <a:t>フロントエンド、バックエンド共に</a:t>
+              <a:t>、バックエンド共に</a:t>
             </a:r>
             <a:r>
               <a:rPr lang="en-US" altLang="ja-JP" sz="2400" dirty="0" smtClean="0"/>
@@ -16520,7 +16471,11 @@
             </a:r>
             <a:r>
               <a:rPr lang="ja-JP" altLang="en-US" sz="2400" dirty="0" smtClean="0"/>
-              <a:t>サブプロジェクト化する</a:t>
+              <a:t>サブプロジェクト化</a:t>
+            </a:r>
+            <a:r>
+              <a:rPr lang="ja-JP" altLang="en-US" sz="2400" dirty="0" smtClean="0"/>
+              <a:t>する</a:t>
             </a:r>
             <a:endParaRPr kumimoji="1" lang="en-US" altLang="ja-JP" sz="2400" dirty="0" smtClean="0"/>
           </a:p>
@@ -16560,62 +16515,6 @@
     <p:extLst>
       <p:ext uri="{BB962C8B-B14F-4D97-AF65-F5344CB8AC3E}">
         <p14:creationId xmlns:p14="http://schemas.microsoft.com/office/powerpoint/2010/main" val="635421901"/>
-      </p:ext>
-    </p:extLst>
-  </p:cSld>
-  <p:clrMapOvr>
-    <a:masterClrMapping/>
-  </p:clrMapOvr>
-  <p:timing>
-    <p:tnLst>
-      <p:par>
-        <p:cTn id="1" dur="indefinite" restart="never" nodeType="tmRoot"/>
-      </p:par>
-    </p:tnLst>
-  </p:timing>
-</p:sld>
-</file>
-
-<file path=ppt/slides/slide22.xml><?xml version="1.0" encoding="utf-8"?>
-<p:sld xmlns:a="http://schemas.openxmlformats.org/drawingml/2006/main" xmlns:r="http://schemas.openxmlformats.org/officeDocument/2006/relationships" xmlns:p="http://schemas.openxmlformats.org/presentationml/2006/main">
-  <p:cSld>
-    <p:spTree>
-      <p:nvGrpSpPr>
-        <p:cNvPr id="1" name=""/>
-        <p:cNvGrpSpPr/>
-        <p:nvPr/>
-      </p:nvGrpSpPr>
-      <p:grpSpPr>
-        <a:xfrm>
-          <a:off x="0" y="0"/>
-          <a:ext cx="0" cy="0"/>
-          <a:chOff x="0" y="0"/>
-          <a:chExt cx="0" cy="0"/>
-        </a:xfrm>
-      </p:grpSpPr>
-      <p:sp>
-        <p:nvSpPr>
-          <p:cNvPr id="4" name="コンテンツ プレースホルダー 3"/>
-          <p:cNvSpPr>
-            <a:spLocks noGrp="1"/>
-          </p:cNvSpPr>
-          <p:nvPr>
-            <p:ph idx="1"/>
-          </p:nvPr>
-        </p:nvSpPr>
-        <p:spPr/>
-        <p:txBody>
-          <a:bodyPr/>
-          <a:lstStyle/>
-          <a:p>
-            <a:endParaRPr kumimoji="1" lang="ja-JP" altLang="en-US"/>
-          </a:p>
-        </p:txBody>
-      </p:sp>
-    </p:spTree>
-    <p:extLst>
-      <p:ext uri="{BB962C8B-B14F-4D97-AF65-F5344CB8AC3E}">
-        <p14:creationId xmlns:p14="http://schemas.microsoft.com/office/powerpoint/2010/main" val="25890878"/>
       </p:ext>
     </p:extLst>
   </p:cSld>
@@ -19748,11 +19647,7 @@
           <a:p>
             <a:r>
               <a:rPr kumimoji="1" lang="ja-JP" altLang="en-US" sz="3600" dirty="0" smtClean="0"/>
-              <a:t>視覚数理モデル</a:t>
-            </a:r>
-            <a:r>
-              <a:rPr kumimoji="1" lang="ja-JP" altLang="en-US" sz="3600" dirty="0" smtClean="0"/>
-              <a:t>研究</a:t>
+              <a:t>視覚数理モデル研究</a:t>
             </a:r>
             <a:endParaRPr kumimoji="1" lang="ja-JP" altLang="en-US" sz="3600" dirty="0"/>
           </a:p>
@@ -19814,11 +19709,7 @@
             </a:pPr>
             <a:r>
               <a:rPr lang="ja-JP" altLang="en-US" dirty="0" smtClean="0"/>
-              <a:t> 式やアルゴリズムで</a:t>
-            </a:r>
-            <a:r>
-              <a:rPr lang="ja-JP" altLang="en-US" dirty="0" smtClean="0"/>
-              <a:t>表現し</a:t>
+              <a:t> 式やアルゴリズムで表現し</a:t>
             </a:r>
             <a:endParaRPr lang="en-US" altLang="ja-JP" dirty="0" smtClean="0"/>
           </a:p>
@@ -19837,11 +19728,7 @@
             </a:pPr>
             <a:r>
               <a:rPr lang="ja-JP" altLang="en-US" dirty="0" smtClean="0"/>
-              <a:t> 処理の流れを</a:t>
-            </a:r>
-            <a:r>
-              <a:rPr lang="ja-JP" altLang="en-US" dirty="0" smtClean="0"/>
-              <a:t>図示して論文を執筆</a:t>
+              <a:t> 処理の流れを図示して論文を執筆</a:t>
             </a:r>
             <a:endParaRPr lang="en-US" altLang="ja-JP" dirty="0" smtClean="0"/>
           </a:p>
@@ -19852,11 +19739,7 @@
             </a:pPr>
             <a:r>
               <a:rPr lang="ja-JP" altLang="en-US" dirty="0" smtClean="0"/>
-              <a:t>モデル</a:t>
-            </a:r>
-            <a:r>
-              <a:rPr lang="ja-JP" altLang="en-US" dirty="0" smtClean="0"/>
-              <a:t>の実装</a:t>
+              <a:t>モデルの実装</a:t>
             </a:r>
             <a:r>
               <a:rPr lang="en-US" altLang="ja-JP" dirty="0" smtClean="0"/>
@@ -19897,11 +19780,7 @@
             </a:r>
             <a:r>
               <a:rPr lang="ja-JP" altLang="en-US" dirty="0" smtClean="0"/>
-              <a:t>処理</a:t>
-            </a:r>
-            <a:r>
-              <a:rPr lang="ja-JP" altLang="en-US" dirty="0" smtClean="0"/>
-              <a:t>流れの翻訳</a:t>
+              <a:t>処理流れの翻訳</a:t>
             </a:r>
             <a:endParaRPr lang="en-US" altLang="ja-JP" dirty="0" smtClean="0"/>
           </a:p>
@@ -19922,23 +19801,7 @@
             </a:pPr>
             <a:r>
               <a:rPr lang="ja-JP" altLang="en-US" dirty="0" smtClean="0"/>
-              <a:t>モデル</a:t>
-            </a:r>
-            <a:r>
-              <a:rPr lang="ja-JP" altLang="en-US" dirty="0" smtClean="0"/>
-              <a:t>妥当性</a:t>
-            </a:r>
-            <a:r>
-              <a:rPr lang="ja-JP" altLang="en-US" dirty="0" smtClean="0"/>
-              <a:t>の</a:t>
-            </a:r>
-            <a:r>
-              <a:rPr lang="ja-JP" altLang="en-US" dirty="0" smtClean="0"/>
-              <a:t>検討、</a:t>
-            </a:r>
-            <a:r>
-              <a:rPr lang="ja-JP" altLang="en-US" dirty="0" smtClean="0"/>
-              <a:t>実験結果との整合性を確認</a:t>
+              <a:t>モデル妥当性の検討、実験結果との整合性を確認</a:t>
             </a:r>
             <a:endParaRPr lang="en-US" altLang="ja-JP" dirty="0" smtClean="0"/>
           </a:p>
@@ -22870,11 +22733,7 @@
             </a:r>
             <a:r>
               <a:rPr kumimoji="1" lang="ja-JP" altLang="en-US" dirty="0" smtClean="0"/>
-              <a:t>．</a:t>
-            </a:r>
-            <a:r>
-              <a:rPr kumimoji="1" lang="ja-JP" altLang="en-US" dirty="0" smtClean="0"/>
-              <a:t>ソースコードの解析</a:t>
+              <a:t>．ソースコードの解析</a:t>
             </a:r>
             <a:endParaRPr kumimoji="1" lang="ja-JP" altLang="en-US" dirty="0"/>
           </a:p>
@@ -22908,11 +22767,7 @@
             </a:r>
             <a:r>
               <a:rPr kumimoji="1" lang="ja-JP" altLang="en-US" dirty="0" smtClean="0"/>
-              <a:t>．</a:t>
-            </a:r>
-            <a:r>
-              <a:rPr kumimoji="1" lang="ja-JP" altLang="en-US" dirty="0" smtClean="0"/>
-              <a:t>膨大なソースコードから</a:t>
+              <a:t>．膨大なソースコードから</a:t>
             </a:r>
             <a:endParaRPr kumimoji="1" lang="en-US" altLang="ja-JP" dirty="0" smtClean="0"/>
           </a:p>
@@ -24007,14 +23862,14 @@
                     </a:ln>
                     <a:extLst>
                       <a:ext uri="{909E8E84-426E-40dd-AFC4-6F175D3DCCD1}">
-                        <a14:hiddenFill xmlns="" xmlns:a14="http://schemas.microsoft.com/office/drawing/2010/main">
+                        <a14:hiddenFill xmlns:a14="http://schemas.microsoft.com/office/drawing/2010/main" xmlns="">
                           <a:solidFill>
                             <a:srgbClr val="FFFFFF"/>
                           </a:solidFill>
                         </a14:hiddenFill>
                       </a:ext>
                       <a:ext uri="{91240B29-F687-4f45-9708-019B960494DF}">
-                        <a14:hiddenLine xmlns="" xmlns:a14="http://schemas.microsoft.com/office/drawing/2010/main" w="9525">
+                        <a14:hiddenLine xmlns:a14="http://schemas.microsoft.com/office/drawing/2010/main" xmlns="" w="9525">
                           <a:solidFill>
                             <a:srgbClr val="000000"/>
                           </a:solidFill>
@@ -24422,14 +24277,14 @@
                   </a:ln>
                   <a:extLst>
                     <a:ext uri="{909E8E84-426E-40dd-AFC4-6F175D3DCCD1}">
-                      <a14:hiddenFill xmlns="" xmlns:a14="http://schemas.microsoft.com/office/drawing/2010/main">
+                      <a14:hiddenFill xmlns:a14="http://schemas.microsoft.com/office/drawing/2010/main" xmlns="">
                         <a:solidFill>
                           <a:srgbClr val="FFFFFF"/>
                         </a:solidFill>
                       </a14:hiddenFill>
                     </a:ext>
                     <a:ext uri="{91240B29-F687-4f45-9708-019B960494DF}">
-                      <a14:hiddenLine xmlns="" xmlns:a14="http://schemas.microsoft.com/office/drawing/2010/main" w="9525">
+                      <a14:hiddenLine xmlns:a14="http://schemas.microsoft.com/office/drawing/2010/main" xmlns="" w="9525">
                         <a:solidFill>
                           <a:srgbClr val="000000"/>
                         </a:solidFill>
@@ -25297,10 +25152,10 @@
                       <a:defRPr/>
                     </a:pPr>
                     <a:r>
-                      <a:rPr lang="en-US" altLang="ja-JP" sz="3200" dirty="0" smtClean="0"/>
+                      <a:rPr lang="en-US" altLang="ja-JP" sz="2800" dirty="0" smtClean="0"/>
                       <a:t>Face Detector</a:t>
                     </a:r>
-                    <a:endParaRPr lang="ja-JP" altLang="en-US" sz="3200" dirty="0"/>
+                    <a:endParaRPr lang="ja-JP" altLang="en-US" sz="2800" dirty="0"/>
                   </a:p>
                 </p:txBody>
               </p:sp>

--- a/doc/中間発表資料.pptx
+++ b/doc/中間発表資料.pptx
@@ -6980,14 +6980,14 @@
                 </a:ln>
                 <a:extLst>
                   <a:ext uri="{909E8E84-426E-40dd-AFC4-6F175D3DCCD1}">
-                    <a14:hiddenFill xmlns:a14="http://schemas.microsoft.com/office/drawing/2010/main" xmlns="">
+                    <a14:hiddenFill xmlns="" xmlns:a14="http://schemas.microsoft.com/office/drawing/2010/main">
                       <a:solidFill>
                         <a:srgbClr val="FFFFFF"/>
                       </a:solidFill>
                     </a14:hiddenFill>
                   </a:ext>
                   <a:ext uri="{91240B29-F687-4f45-9708-019B960494DF}">
-                    <a14:hiddenLine xmlns:a14="http://schemas.microsoft.com/office/drawing/2010/main" xmlns="" w="9525">
+                    <a14:hiddenLine xmlns="" xmlns:a14="http://schemas.microsoft.com/office/drawing/2010/main" w="9525">
                       <a:solidFill>
                         <a:srgbClr val="000000"/>
                       </a:solidFill>
@@ -7051,14 +7051,14 @@
               </a:ln>
               <a:extLst>
                 <a:ext uri="{909E8E84-426E-40dd-AFC4-6F175D3DCCD1}">
-                  <a14:hiddenFill xmlns:a14="http://schemas.microsoft.com/office/drawing/2010/main" xmlns="">
+                  <a14:hiddenFill xmlns="" xmlns:a14="http://schemas.microsoft.com/office/drawing/2010/main">
                     <a:solidFill>
                       <a:srgbClr val="FFFFFF"/>
                     </a:solidFill>
                   </a14:hiddenFill>
                 </a:ext>
                 <a:ext uri="{91240B29-F687-4f45-9708-019B960494DF}">
-                  <a14:hiddenLine xmlns:a14="http://schemas.microsoft.com/office/drawing/2010/main" xmlns="" w="9525">
+                  <a14:hiddenLine xmlns="" xmlns:a14="http://schemas.microsoft.com/office/drawing/2010/main" w="9525">
                     <a:solidFill>
                       <a:srgbClr val="000000"/>
                     </a:solidFill>
@@ -15974,8 +15974,18 @@
             </a:pPr>
             <a:r>
               <a:rPr lang="ja-JP" altLang="en-US" dirty="0" smtClean="0"/>
-              <a:t>バックエンド実装</a:t>
-            </a:r>
+              <a:t>バックエンド</a:t>
+            </a:r>
+            <a:r>
+              <a:rPr lang="ja-JP" altLang="en-US" dirty="0" smtClean="0"/>
+              <a:t>実装</a:t>
+            </a:r>
+            <a:endParaRPr lang="en-US" altLang="ja-JP" dirty="0" smtClean="0"/>
+          </a:p>
+          <a:p>
+            <a:pPr marL="0" indent="0">
+              <a:buNone/>
+            </a:pPr>
             <a:endParaRPr lang="en-US" altLang="ja-JP" dirty="0"/>
           </a:p>
           <a:p>
@@ -16099,7 +16109,7 @@
       </p:cxnSp>
       <p:pic>
         <p:nvPicPr>
-          <p:cNvPr id="4" name="図 3"/>
+          <p:cNvPr id="8" name="図 7"/>
           <p:cNvPicPr>
             <a:picLocks noChangeAspect="1"/>
           </p:cNvPicPr>
@@ -16119,8 +16129,8 @@
         </p:blipFill>
         <p:spPr>
           <a:xfrm>
-            <a:off x="6765377" y="1507983"/>
-            <a:ext cx="596838" cy="596838"/>
+            <a:off x="6733811" y="1657127"/>
+            <a:ext cx="715453" cy="715453"/>
           </a:xfrm>
           <a:prstGeom prst="rect">
             <a:avLst/>
@@ -16129,7 +16139,7 @@
       </p:pic>
       <p:pic>
         <p:nvPicPr>
-          <p:cNvPr id="6" name="図 5"/>
+          <p:cNvPr id="9" name="図 8"/>
           <p:cNvPicPr>
             <a:picLocks noChangeAspect="1"/>
           </p:cNvPicPr>
@@ -16149,8 +16159,8 @@
         </p:blipFill>
         <p:spPr>
           <a:xfrm>
-            <a:off x="7792330" y="1530662"/>
-            <a:ext cx="592159" cy="592159"/>
+            <a:off x="8091009" y="1608316"/>
+            <a:ext cx="692773" cy="692773"/>
           </a:xfrm>
           <a:prstGeom prst="rect">
             <a:avLst/>
@@ -16159,7 +16169,7 @@
       </p:pic>
       <p:pic>
         <p:nvPicPr>
-          <p:cNvPr id="7" name="図 6"/>
+          <p:cNvPr id="10" name="図 9"/>
           <p:cNvPicPr>
             <a:picLocks noChangeAspect="1"/>
           </p:cNvPicPr>
@@ -16179,8 +16189,38 @@
         </p:blipFill>
         <p:spPr>
           <a:xfrm>
-            <a:off x="7277368" y="1513181"/>
-            <a:ext cx="595130" cy="595130"/>
+            <a:off x="7386027" y="1573824"/>
+            <a:ext cx="761759" cy="761759"/>
+          </a:xfrm>
+          <a:prstGeom prst="rect">
+            <a:avLst/>
+          </a:prstGeom>
+        </p:spPr>
+      </p:pic>
+      <p:pic>
+        <p:nvPicPr>
+          <p:cNvPr id="11" name="図 10"/>
+          <p:cNvPicPr>
+            <a:picLocks noChangeAspect="1"/>
+          </p:cNvPicPr>
+          <p:nvPr/>
+        </p:nvPicPr>
+        <p:blipFill>
+          <a:blip r:embed="rId6">
+            <a:extLst>
+              <a:ext uri="{28A0092B-C50C-407E-A947-70E740481C1C}">
+                <a14:useLocalDpi xmlns:a14="http://schemas.microsoft.com/office/drawing/2010/main" val="0"/>
+              </a:ext>
+            </a:extLst>
+          </a:blip>
+          <a:stretch>
+            <a:fillRect/>
+          </a:stretch>
+        </p:blipFill>
+        <p:spPr>
+          <a:xfrm>
+            <a:off x="5914474" y="1596504"/>
+            <a:ext cx="789962" cy="776076"/>
           </a:xfrm>
           <a:prstGeom prst="rect">
             <a:avLst/>
@@ -16419,15 +16459,7 @@
             </a:pPr>
             <a:r>
               <a:rPr lang="ja-JP" altLang="en-US" dirty="0" smtClean="0"/>
-              <a:t>手法</a:t>
-            </a:r>
-            <a:r>
-              <a:rPr lang="ja-JP" altLang="en-US" dirty="0" smtClean="0"/>
-              <a:t>の調査・</a:t>
-            </a:r>
-            <a:r>
-              <a:rPr lang="ja-JP" altLang="en-US" dirty="0" smtClean="0"/>
-              <a:t>コーディング</a:t>
+              <a:t>手法の調査・コーディング</a:t>
             </a:r>
             <a:endParaRPr lang="en-US" altLang="ja-JP" dirty="0" smtClean="0"/>
           </a:p>
@@ -16459,11 +16491,7 @@
             </a:pPr>
             <a:r>
               <a:rPr lang="ja-JP" altLang="en-US" sz="2400" dirty="0" smtClean="0"/>
-              <a:t>フロントエンド</a:t>
-            </a:r>
-            <a:r>
-              <a:rPr lang="ja-JP" altLang="en-US" sz="2400" dirty="0" smtClean="0"/>
-              <a:t>、バックエンド共に</a:t>
+              <a:t>フロントエンド、バックエンド共に</a:t>
             </a:r>
             <a:r>
               <a:rPr lang="en-US" altLang="ja-JP" sz="2400" dirty="0" smtClean="0"/>
@@ -16471,11 +16499,7 @@
             </a:r>
             <a:r>
               <a:rPr lang="ja-JP" altLang="en-US" sz="2400" dirty="0" smtClean="0"/>
-              <a:t>サブプロジェクト化</a:t>
-            </a:r>
-            <a:r>
-              <a:rPr lang="ja-JP" altLang="en-US" sz="2400" dirty="0" smtClean="0"/>
-              <a:t>する</a:t>
+              <a:t>サブプロジェクト化する</a:t>
             </a:r>
             <a:endParaRPr kumimoji="1" lang="en-US" altLang="ja-JP" sz="2400" dirty="0" smtClean="0"/>
           </a:p>
@@ -23862,14 +23886,14 @@
                     </a:ln>
                     <a:extLst>
                       <a:ext uri="{909E8E84-426E-40dd-AFC4-6F175D3DCCD1}">
-                        <a14:hiddenFill xmlns:a14="http://schemas.microsoft.com/office/drawing/2010/main" xmlns="">
+                        <a14:hiddenFill xmlns="" xmlns:a14="http://schemas.microsoft.com/office/drawing/2010/main">
                           <a:solidFill>
                             <a:srgbClr val="FFFFFF"/>
                           </a:solidFill>
                         </a14:hiddenFill>
                       </a:ext>
                       <a:ext uri="{91240B29-F687-4f45-9708-019B960494DF}">
-                        <a14:hiddenLine xmlns:a14="http://schemas.microsoft.com/office/drawing/2010/main" xmlns="" w="9525">
+                        <a14:hiddenLine xmlns="" xmlns:a14="http://schemas.microsoft.com/office/drawing/2010/main" w="9525">
                           <a:solidFill>
                             <a:srgbClr val="000000"/>
                           </a:solidFill>
@@ -24277,14 +24301,14 @@
                   </a:ln>
                   <a:extLst>
                     <a:ext uri="{909E8E84-426E-40dd-AFC4-6F175D3DCCD1}">
-                      <a14:hiddenFill xmlns:a14="http://schemas.microsoft.com/office/drawing/2010/main" xmlns="">
+                      <a14:hiddenFill xmlns="" xmlns:a14="http://schemas.microsoft.com/office/drawing/2010/main">
                         <a:solidFill>
                           <a:srgbClr val="FFFFFF"/>
                         </a:solidFill>
                       </a14:hiddenFill>
                     </a:ext>
                     <a:ext uri="{91240B29-F687-4f45-9708-019B960494DF}">
-                      <a14:hiddenLine xmlns:a14="http://schemas.microsoft.com/office/drawing/2010/main" xmlns="" w="9525">
+                      <a14:hiddenLine xmlns="" xmlns:a14="http://schemas.microsoft.com/office/drawing/2010/main" w="9525">
                         <a:solidFill>
                           <a:srgbClr val="000000"/>
                         </a:solidFill>

--- a/doc/中間発表資料.pptx
+++ b/doc/中間発表資料.pptx
@@ -20441,11 +20441,7 @@
             </a:pPr>
             <a:r>
               <a:rPr lang="ja-JP" altLang="en-US" sz="2800" dirty="0" smtClean="0"/>
-              <a:t>既存の数理モデル・</a:t>
-            </a:r>
-            <a:r>
-              <a:rPr lang="ja-JP" altLang="en-US" sz="2800" dirty="0" smtClean="0"/>
-              <a:t>資産</a:t>
+              <a:t>既存の数理モデル・資産</a:t>
             </a:r>
             <a:r>
               <a:rPr lang="en-US" altLang="ja-JP" sz="2800" dirty="0" smtClean="0"/>
@@ -20461,11 +20457,7 @@
             </a:r>
             <a:r>
               <a:rPr lang="ja-JP" altLang="en-US" sz="2800" dirty="0" smtClean="0"/>
-              <a:t>を</a:t>
-            </a:r>
-            <a:r>
-              <a:rPr lang="ja-JP" altLang="en-US" sz="2800" dirty="0" smtClean="0"/>
-              <a:t>生かして</a:t>
+              <a:t>を生かして</a:t>
             </a:r>
             <a:endParaRPr lang="en-US" altLang="ja-JP" sz="2800" dirty="0"/>
           </a:p>
@@ -20869,11 +20861,7 @@
             </a:r>
             <a:r>
               <a:rPr lang="ja-JP" altLang="en-US" sz="3600" dirty="0" smtClean="0"/>
-              <a:t>野</a:t>
-            </a:r>
-            <a:r>
-              <a:rPr lang="ja-JP" altLang="en-US" sz="3600" dirty="0" smtClean="0"/>
-              <a:t>モデル</a:t>
+              <a:t>野モデル</a:t>
             </a:r>
             <a:r>
               <a:rPr lang="en-US" altLang="ja-JP" sz="3600" dirty="0"/>
@@ -22710,11 +22698,7 @@
             </a:r>
             <a:r>
               <a:rPr lang="ja-JP" altLang="en-US" sz="3600" dirty="0" smtClean="0"/>
-              <a:t>野</a:t>
-            </a:r>
-            <a:r>
-              <a:rPr lang="ja-JP" altLang="en-US" sz="3600" dirty="0" smtClean="0"/>
-              <a:t>モデル</a:t>
+              <a:t>野モデル</a:t>
             </a:r>
             <a:r>
               <a:rPr lang="en-US" altLang="ja-JP" sz="3600" dirty="0"/>
@@ -23463,7 +23447,7 @@
         <p:spPr>
           <a:xfrm>
             <a:off x="5868315" y="1330665"/>
-            <a:ext cx="3416320" cy="646331"/>
+            <a:ext cx="3514104" cy="646331"/>
           </a:xfrm>
           <a:prstGeom prst="rect">
             <a:avLst/>
@@ -23482,7 +23466,23 @@
             </a:r>
             <a:r>
               <a:rPr kumimoji="1" lang="ja-JP" altLang="en-US" dirty="0" smtClean="0"/>
-              <a:t>．膨大なソースコードから</a:t>
+              <a:t>．膨大</a:t>
+            </a:r>
+            <a:r>
+              <a:rPr kumimoji="1" lang="ja-JP" altLang="en-US" dirty="0" smtClean="0"/>
+              <a:t>な</a:t>
+            </a:r>
+            <a:r>
+              <a:rPr kumimoji="1" lang="en-US" altLang="ja-JP" dirty="0" smtClean="0">
+                <a:solidFill>
+                  <a:srgbClr val="FF0000"/>
+                </a:solidFill>
+              </a:rPr>
+              <a:t>(93files)</a:t>
+            </a:r>
+            <a:r>
+              <a:rPr kumimoji="1" lang="ja-JP" altLang="en-US" dirty="0" smtClean="0"/>
+              <a:t>ソースから</a:t>
             </a:r>
             <a:endParaRPr kumimoji="1" lang="en-US" altLang="ja-JP" dirty="0" smtClean="0"/>
           </a:p>
